--- a/Assets/Class/Photon Server/PPT Data/Photon RPC.pptx
+++ b/Assets/Class/Photon Server/PPT Data/Photon RPC.pptx
@@ -2,19 +2,19 @@
 <file path=ppt/presentation.xml><?xml version="1.0" encoding="utf-8"?>
 <p:presentation xmlns:a="http://schemas.openxmlformats.org/drawingml/2006/main" xmlns:r="http://schemas.openxmlformats.org/officeDocument/2006/relationships" xmlns:p="http://schemas.openxmlformats.org/presentationml/2006/main" xmlns:p14="http://schemas.microsoft.com/office/powerpoint/2010/main" saveSubsetFonts="1" firstSlideNum="0">
   <p:sldMasterIdLst>
-    <p:sldMasterId id="2147486759" r:id="rId12"/>
+    <p:sldMasterId id="2147486761" r:id="rId12"/>
   </p:sldMasterIdLst>
   <p:notesMasterIdLst>
     <p:notesMasterId r:id="rId14"/>
   </p:notesMasterIdLst>
   <p:sldIdLst>
     <p:sldId id="303" r:id="rId16"/>
-    <p:sldId id="315" r:id="rId17"/>
-    <p:sldId id="317" r:id="rId18"/>
-    <p:sldId id="316" r:id="rId19"/>
-    <p:sldId id="318" r:id="rId20"/>
-    <p:sldId id="314" r:id="rId21"/>
-    <p:sldId id="319" r:id="rId22"/>
+    <p:sldId id="315" r:id="rId18"/>
+    <p:sldId id="317" r:id="rId20"/>
+    <p:sldId id="316" r:id="rId22"/>
+    <p:sldId id="318" r:id="rId24"/>
+    <p:sldId id="314" r:id="rId26"/>
+    <p:sldId id="319" r:id="rId27"/>
   </p:sldIdLst>
   <p:sldSz cx="12192000" cy="6858000"/>
   <p:notesSz cx="6858000" cy="9144000"/>
@@ -7871,7 +7871,7 @@
 </file>
 
 <file path=ppt/slides/slide3.xml><?xml version="1.0" encoding="utf-8"?>
-<p:sld xmlns:a="http://schemas.openxmlformats.org/drawingml/2006/main" xmlns:r="http://schemas.openxmlformats.org/officeDocument/2006/relationships" xmlns:p="http://schemas.openxmlformats.org/presentationml/2006/main">
+<p:sld xmlns:a="http://schemas.openxmlformats.org/drawingml/2006/main" xmlns:r="http://schemas.openxmlformats.org/officeDocument/2006/relationships" xmlns:p="http://schemas.openxmlformats.org/presentationml/2006/main" xmlns:p14="http://schemas.microsoft.com/office/powerpoint/2010/main">
   <p:cSld>
     <p:spTree>
       <p:nvGrpSpPr>
@@ -7947,9 +7947,9 @@
           <p:nvPr/>
         </p:nvSpPr>
         <p:spPr>
-          <a:xfrm rot="0">
+          <a:xfrm>
             <a:off x="1239520" y="4335145"/>
-            <a:ext cx="4123055" cy="1754505"/>
+            <a:ext cx="4123690" cy="1754505"/>
           </a:xfrm>
           <a:prstGeom prst="rect"/>
           <a:noFill/>
@@ -7959,7 +7959,7 @@
           </a:ln>
         </p:spPr>
         <p:txBody>
-          <a:bodyPr wrap="square" lIns="89535" tIns="46355" rIns="89535" bIns="46355" vert="horz" anchor="t">
+          <a:bodyPr wrap="square" lIns="89535" tIns="46355" rIns="89535" bIns="46355" numCol="1" vert="horz" anchor="t">
             <a:spAutoFit/>
           </a:bodyPr>
           <a:lstStyle/>
@@ -7968,6 +7968,23 @@
               <a:buFontTx/>
               <a:buNone/>
             </a:pPr>
+            <a:r>
+              <a:rPr sz="1800" b="1">
+                <a:solidFill>
+                  <a:srgbClr val="0611F2"/>
+                </a:solidFill>
+                <a:latin typeface="맑은 고딕" charset="0"/>
+                <a:ea typeface="맑은 고딕" charset="0"/>
+              </a:rPr>
+              <a:t>1.</a:t>
+            </a:r>
+            <a:r>
+              <a:rPr sz="1800">
+                <a:latin typeface="맑은 고딕" charset="0"/>
+                <a:ea typeface="맑은 고딕" charset="0"/>
+              </a:rPr>
+              <a:t> </a:t>
+            </a:r>
             <a:r>
               <a:rPr lang="ko-KR" sz="1800">
                 <a:latin typeface="맑은 고딕" charset="0"/>
@@ -8020,7 +8037,7 @@
         <p:spPr>
           <a:xfrm rot="0">
             <a:off x="6789420" y="1214120"/>
-            <a:ext cx="3962400" cy="647065"/>
+            <a:ext cx="4126230" cy="923925"/>
           </a:xfrm>
           <a:prstGeom prst="rect"/>
           <a:noFill/>
@@ -8030,7 +8047,7 @@
           </a:ln>
         </p:spPr>
         <p:txBody>
-          <a:bodyPr wrap="square" lIns="89535" tIns="46355" rIns="89535" bIns="46355" vert="horz" anchor="t">
+          <a:bodyPr wrap="square" lIns="89535" tIns="46355" rIns="89535" bIns="46355" numCol="1" vert="horz" anchor="t">
             <a:spAutoFit/>
           </a:bodyPr>
           <a:lstStyle/>
@@ -8039,6 +8056,33 @@
               <a:buFontTx/>
               <a:buNone/>
             </a:pPr>
+            <a:r>
+              <a:rPr sz="1800" b="1">
+                <a:solidFill>
+                  <a:srgbClr val="0611F2"/>
+                </a:solidFill>
+                <a:latin typeface="맑은 고딕" charset="0"/>
+                <a:ea typeface="맑은 고딕" charset="0"/>
+              </a:rPr>
+              <a:t>2</a:t>
+            </a:r>
+            <a:r>
+              <a:rPr sz="1800" b="1">
+                <a:solidFill>
+                  <a:srgbClr val="0611F2"/>
+                </a:solidFill>
+                <a:latin typeface="맑은 고딕" charset="0"/>
+                <a:ea typeface="맑은 고딕" charset="0"/>
+              </a:rPr>
+              <a:t>.</a:t>
+            </a:r>
+            <a:r>
+              <a:rPr sz="1800">
+                <a:latin typeface="맑은 고딕" charset="0"/>
+                <a:ea typeface="맑은 고딕" charset="0"/>
+              </a:rPr>
+              <a:t> </a:t>
+            </a:r>
             <a:r>
               <a:rPr sz="1800">
                 <a:latin typeface="맑은 고딕" charset="0"/>
@@ -8062,7 +8106,7 @@
       </p:sp>
       <p:pic>
         <p:nvPicPr>
-          <p:cNvPr id="10" name="그림 18" descr="C:/Users/Admin1/AppData/Roaming/PolarisOffice/ETemp/52644_15777984/fImage369618841.png"/>
+          <p:cNvPr id="10" name="그림 18"/>
           <p:cNvPicPr>
             <a:picLocks noChangeAspect="1"/>
           </p:cNvPicPr>
@@ -8093,7 +8137,7 @@
       </p:pic>
       <p:pic>
         <p:nvPicPr>
-          <p:cNvPr id="11" name="그림 21" descr="C:/Users/Admin1/AppData/Roaming/PolarisOffice/ETemp/52644_15777984/fImage173371898467.png"/>
+          <p:cNvPr id="11" name="그림 21"/>
           <p:cNvPicPr>
             <a:picLocks noChangeAspect="1"/>
           </p:cNvPicPr>
@@ -8122,7 +8166,7 @@
       </p:pic>
       <p:pic>
         <p:nvPicPr>
-          <p:cNvPr id="12" name="그림 22" descr="C:/Users/Admin1/AppData/Roaming/PolarisOffice/ETemp/52644_15777984/fImage22981906334.png"/>
+          <p:cNvPr id="12" name="그림 22"/>
           <p:cNvPicPr>
             <a:picLocks noChangeAspect="1"/>
           </p:cNvPicPr>
@@ -8153,17 +8197,17 @@
       </p:pic>
       <p:pic>
         <p:nvPicPr>
-          <p:cNvPr id="13" name="그림 26" descr="C:/Users/Admin1/AppData/Roaming/PolarisOffice/ETemp/52644_15777984/fImage2207441926500.png"/>
+          <p:cNvPr id="13" name="그림 26" descr="C:/Users/Admin1/AppData/Roaming/PolarisOffice/ETemp/50728_17865200/fImage2207441926500.png"/>
           <p:cNvPicPr>
             <a:picLocks noChangeAspect="1"/>
           </p:cNvPicPr>
           <p:nvPr/>
         </p:nvPicPr>
         <p:blipFill rotWithShape="1">
-          <a:blip r:embed="rId5" cstate="print">
+          <a:blip r:embed="rId5" cstate="hqprint">
             <a:extLst>
               <a:ext uri="{28A0092B-C50C-407E-A947-70E740481C1C}">
-                <a14:useLocalDpi xmlns:a14="http://schemas.microsoft.com/office/drawing/2010/main" val="0"/>
+                <a14:useLocalDpi xmlns:a14="http://schemas.microsoft.com/office/drawing/2010/main"/>
               </a:ext>
             </a:extLst>
           </a:blip>
@@ -8173,8 +8217,8 @@
         </p:blipFill>
         <p:spPr>
           <a:xfrm rot="0">
-            <a:off x="6791960" y="1953895"/>
-            <a:ext cx="4123690" cy="3757930"/>
+            <a:off x="6791960" y="2202815"/>
+            <a:ext cx="4124325" cy="3509645"/>
           </a:xfrm>
           <a:prstGeom prst="rect"/>
           <a:noFill/>
@@ -8237,7 +8281,7 @@
 </file>
 
 <file path=ppt/slides/slide4.xml><?xml version="1.0" encoding="utf-8"?>
-<p:sld xmlns:a="http://schemas.openxmlformats.org/drawingml/2006/main" xmlns:r="http://schemas.openxmlformats.org/officeDocument/2006/relationships" xmlns:p="http://schemas.openxmlformats.org/presentationml/2006/main">
+<p:sld xmlns:a="http://schemas.openxmlformats.org/drawingml/2006/main" xmlns:r="http://schemas.openxmlformats.org/officeDocument/2006/relationships" xmlns:p="http://schemas.openxmlformats.org/presentationml/2006/main" xmlns:p14="http://schemas.microsoft.com/office/powerpoint/2010/main">
   <p:cSld>
     <p:spTree>
       <p:nvGrpSpPr>
@@ -8306,7 +8350,7 @@
       </p:sp>
       <p:pic>
         <p:nvPicPr>
-          <p:cNvPr id="3" name="그림 11" descr="C:/Users/Admin1/AppData/Roaming/PolarisOffice/ETemp/52644_15777984/fImage240861709169.png"/>
+          <p:cNvPr id="3" name="그림 11"/>
           <p:cNvPicPr>
             <a:picLocks noChangeAspect="1"/>
           </p:cNvPicPr>
@@ -8335,7 +8379,7 @@
       </p:pic>
       <p:pic>
         <p:nvPicPr>
-          <p:cNvPr id="4" name="그림 12" descr="C:/Users/Admin1/AppData/Roaming/PolarisOffice/ETemp/52644_15777984/fImage64291715724.png"/>
+          <p:cNvPr id="4" name="그림 12"/>
           <p:cNvPicPr>
             <a:picLocks noChangeAspect="1"/>
           </p:cNvPicPr>
@@ -8364,7 +8408,7 @@
       </p:pic>
       <p:pic>
         <p:nvPicPr>
-          <p:cNvPr id="5" name="그림 13" descr="C:/Users/Admin1/AppData/Roaming/PolarisOffice/ETemp/52644_15777984/fImage251231721478.png"/>
+          <p:cNvPr id="5" name="그림 13"/>
           <p:cNvPicPr>
             <a:picLocks noChangeAspect="1"/>
           </p:cNvPicPr>
@@ -8400,9 +8444,9 @@
           <p:nvPr/>
         </p:nvSpPr>
         <p:spPr>
-          <a:xfrm rot="0">
+          <a:xfrm>
             <a:off x="1231265" y="5066665"/>
-            <a:ext cx="4065270" cy="924560"/>
+            <a:ext cx="4065905" cy="923925"/>
           </a:xfrm>
           <a:prstGeom prst="rect"/>
           <a:noFill/>
@@ -8412,7 +8456,7 @@
           </a:ln>
         </p:spPr>
         <p:txBody>
-          <a:bodyPr wrap="square" lIns="89535" tIns="46355" rIns="89535" bIns="46355" vert="horz" anchor="t">
+          <a:bodyPr wrap="square" lIns="89535" tIns="46355" rIns="89535" bIns="46355" numCol="1" vert="horz" anchor="t">
             <a:spAutoFit/>
           </a:bodyPr>
           <a:lstStyle/>
@@ -8421,6 +8465,33 @@
               <a:buFontTx/>
               <a:buNone/>
             </a:pPr>
+            <a:r>
+              <a:rPr sz="1800" b="1">
+                <a:solidFill>
+                  <a:srgbClr val="0611F2"/>
+                </a:solidFill>
+                <a:latin typeface="맑은 고딕" charset="0"/>
+                <a:ea typeface="맑은 고딕" charset="0"/>
+              </a:rPr>
+              <a:t>3</a:t>
+            </a:r>
+            <a:r>
+              <a:rPr sz="1800" b="1">
+                <a:solidFill>
+                  <a:srgbClr val="0611F2"/>
+                </a:solidFill>
+                <a:latin typeface="맑은 고딕" charset="0"/>
+                <a:ea typeface="맑은 고딕" charset="0"/>
+              </a:rPr>
+              <a:t>.</a:t>
+            </a:r>
+            <a:r>
+              <a:rPr sz="1800">
+                <a:latin typeface="맑은 고딕" charset="0"/>
+                <a:ea typeface="맑은 고딕" charset="0"/>
+              </a:rPr>
+              <a:t> </a:t>
+            </a:r>
             <a:r>
               <a:rPr sz="1800">
                 <a:latin typeface="맑은 고딕" charset="0"/>
@@ -8444,9 +8515,9 @@
           <p:nvPr/>
         </p:nvSpPr>
         <p:spPr>
-          <a:xfrm rot="0">
+          <a:xfrm>
             <a:off x="6872605" y="4788535"/>
-            <a:ext cx="3962400" cy="1200785"/>
+            <a:ext cx="3963035" cy="1200785"/>
           </a:xfrm>
           <a:prstGeom prst="rect"/>
           <a:noFill/>
@@ -8456,7 +8527,7 @@
           </a:ln>
         </p:spPr>
         <p:txBody>
-          <a:bodyPr wrap="square" lIns="89535" tIns="46355" rIns="89535" bIns="46355" vert="horz" anchor="t">
+          <a:bodyPr wrap="square" lIns="89535" tIns="46355" rIns="89535" bIns="46355" numCol="1" vert="horz" anchor="t">
             <a:spAutoFit/>
           </a:bodyPr>
           <a:lstStyle/>
@@ -8465,6 +8536,33 @@
               <a:buFontTx/>
               <a:buNone/>
             </a:pPr>
+            <a:r>
+              <a:rPr sz="1800" b="1">
+                <a:solidFill>
+                  <a:srgbClr val="0611F2"/>
+                </a:solidFill>
+                <a:latin typeface="맑은 고딕" charset="0"/>
+                <a:ea typeface="맑은 고딕" charset="0"/>
+              </a:rPr>
+              <a:t>4</a:t>
+            </a:r>
+            <a:r>
+              <a:rPr sz="1800" b="1">
+                <a:solidFill>
+                  <a:srgbClr val="0611F2"/>
+                </a:solidFill>
+                <a:latin typeface="맑은 고딕" charset="0"/>
+                <a:ea typeface="맑은 고딕" charset="0"/>
+              </a:rPr>
+              <a:t>.</a:t>
+            </a:r>
+            <a:r>
+              <a:rPr sz="1800">
+                <a:latin typeface="맑은 고딕" charset="0"/>
+                <a:ea typeface="맑은 고딕" charset="0"/>
+              </a:rPr>
+              <a:t> </a:t>
+            </a:r>
             <a:r>
               <a:rPr lang="ko-KR" sz="1800">
                 <a:latin typeface="맑은 고딕" charset="0"/>
@@ -8488,7 +8586,7 @@
       </p:sp>
       <p:pic>
         <p:nvPicPr>
-          <p:cNvPr id="8" name="그림 16" descr="C:/Users/Admin1/AppData/Roaming/PolarisOffice/ETemp/52644_15777984/fImage345611759358.png"/>
+          <p:cNvPr id="8" name="그림 16"/>
           <p:cNvPicPr>
             <a:picLocks noChangeAspect="1"/>
           </p:cNvPicPr>
@@ -8519,7 +8617,7 @@
       </p:pic>
       <p:pic>
         <p:nvPicPr>
-          <p:cNvPr id="9" name="그림 17" descr="C:/Users/Admin1/AppData/Roaming/PolarisOffice/ETemp/52644_15777984/fImage137551766962.png"/>
+          <p:cNvPr id="9" name="그림 17"/>
           <p:cNvPicPr>
             <a:picLocks noChangeAspect="1"/>
           </p:cNvPicPr>
@@ -8572,7 +8670,7 @@
 </file>
 
 <file path=ppt/slides/slide5.xml><?xml version="1.0" encoding="utf-8"?>
-<p:sld xmlns:a="http://schemas.openxmlformats.org/drawingml/2006/main" xmlns:r="http://schemas.openxmlformats.org/officeDocument/2006/relationships" xmlns:p="http://schemas.openxmlformats.org/presentationml/2006/main">
+<p:sld xmlns:a="http://schemas.openxmlformats.org/drawingml/2006/main" xmlns:r="http://schemas.openxmlformats.org/officeDocument/2006/relationships" xmlns:p="http://schemas.openxmlformats.org/presentationml/2006/main" xmlns:p14="http://schemas.microsoft.com/office/powerpoint/2010/main">
   <p:cSld>
     <p:spTree>
       <p:nvGrpSpPr>
@@ -8648,9 +8746,9 @@
           <p:nvPr/>
         </p:nvSpPr>
         <p:spPr>
-          <a:xfrm rot="0">
+          <a:xfrm>
             <a:off x="1189355" y="3961130"/>
-            <a:ext cx="4123055" cy="1754505"/>
+            <a:ext cx="4123690" cy="2031365"/>
           </a:xfrm>
           <a:prstGeom prst="rect"/>
           <a:noFill/>
@@ -8660,7 +8758,7 @@
           </a:ln>
         </p:spPr>
         <p:txBody>
-          <a:bodyPr wrap="square" lIns="89535" tIns="46355" rIns="89535" bIns="46355" vert="horz" anchor="t">
+          <a:bodyPr wrap="square" lIns="89535" tIns="46355" rIns="89535" bIns="46355" numCol="1" vert="horz" anchor="t">
             <a:spAutoFit/>
           </a:bodyPr>
           <a:lstStyle/>
@@ -8669,6 +8767,33 @@
               <a:buFontTx/>
               <a:buNone/>
             </a:pPr>
+            <a:r>
+              <a:rPr sz="1800" b="1">
+                <a:solidFill>
+                  <a:srgbClr val="0611F2"/>
+                </a:solidFill>
+                <a:latin typeface="맑은 고딕" charset="0"/>
+                <a:ea typeface="맑은 고딕" charset="0"/>
+              </a:rPr>
+              <a:t>5</a:t>
+            </a:r>
+            <a:r>
+              <a:rPr sz="1800" b="1">
+                <a:solidFill>
+                  <a:srgbClr val="0611F2"/>
+                </a:solidFill>
+                <a:latin typeface="맑은 고딕" charset="0"/>
+                <a:ea typeface="맑은 고딕" charset="0"/>
+              </a:rPr>
+              <a:t>.</a:t>
+            </a:r>
+            <a:r>
+              <a:rPr sz="1800">
+                <a:latin typeface="맑은 고딕" charset="0"/>
+                <a:ea typeface="맑은 고딕" charset="0"/>
+              </a:rPr>
+              <a:t> </a:t>
+            </a:r>
             <a:r>
               <a:rPr lang="ko-KR" sz="1800">
                 <a:latin typeface="맑은 고딕" charset="0"/>
@@ -8712,7 +8837,7 @@
       </p:sp>
       <p:pic>
         <p:nvPicPr>
-          <p:cNvPr id="16" name="그림 32" descr="C:/Users/Admin1/AppData/Roaming/PolarisOffice/ETemp/52644_15777984/fImage21692074464.png"/>
+          <p:cNvPr id="16" name="그림 32"/>
           <p:cNvPicPr>
             <a:picLocks noChangeAspect="1"/>
           </p:cNvPicPr>
@@ -8743,7 +8868,7 @@
       </p:pic>
       <p:pic>
         <p:nvPicPr>
-          <p:cNvPr id="17" name="그림 37" descr="C:/Users/Admin1/AppData/Roaming/PolarisOffice/ETemp/52644_15777984/fImage330252115705.png"/>
+          <p:cNvPr id="17" name="그림 37"/>
           <p:cNvPicPr>
             <a:picLocks noChangeAspect="1"/>
           </p:cNvPicPr>
@@ -8772,7 +8897,7 @@
       </p:pic>
       <p:pic>
         <p:nvPicPr>
-          <p:cNvPr id="18" name="그림 38" descr="C:/Users/Admin1/AppData/Roaming/PolarisOffice/ETemp/52644_15777984/fImage82942128145.png"/>
+          <p:cNvPr id="18" name="그림 38"/>
           <p:cNvPicPr>
             <a:picLocks noChangeAspect="1"/>
           </p:cNvPicPr>
@@ -8837,7 +8962,7 @@
       </p:cxnSp>
       <p:pic>
         <p:nvPicPr>
-          <p:cNvPr id="20" name="그림 41" descr="C:/Users/Admin1/AppData/Roaming/PolarisOffice/ETemp/52644_15777984/fImage23412143281.png"/>
+          <p:cNvPr id="20" name="그림 41"/>
           <p:cNvPicPr>
             <a:picLocks noChangeAspect="1"/>
           </p:cNvPicPr>
@@ -8875,9 +9000,9 @@
           <p:nvPr/>
         </p:nvSpPr>
         <p:spPr>
-          <a:xfrm rot="0">
+          <a:xfrm>
             <a:off x="6905625" y="2129155"/>
-            <a:ext cx="3893820" cy="1754505"/>
+            <a:ext cx="3894455" cy="1754505"/>
           </a:xfrm>
           <a:prstGeom prst="rect"/>
           <a:noFill/>
@@ -8887,7 +9012,7 @@
           </a:ln>
         </p:spPr>
         <p:txBody>
-          <a:bodyPr wrap="square" lIns="89535" tIns="46355" rIns="89535" bIns="46355" vert="horz" anchor="t">
+          <a:bodyPr wrap="square" lIns="89535" tIns="46355" rIns="89535" bIns="46355" numCol="1" vert="horz" anchor="t">
             <a:spAutoFit/>
           </a:bodyPr>
           <a:lstStyle/>
@@ -8896,6 +9021,33 @@
               <a:buFontTx/>
               <a:buNone/>
             </a:pPr>
+            <a:r>
+              <a:rPr sz="1800" b="1">
+                <a:solidFill>
+                  <a:srgbClr val="0611F2"/>
+                </a:solidFill>
+                <a:latin typeface="맑은 고딕" charset="0"/>
+                <a:ea typeface="맑은 고딕" charset="0"/>
+              </a:rPr>
+              <a:t>6</a:t>
+            </a:r>
+            <a:r>
+              <a:rPr sz="1800" b="1">
+                <a:solidFill>
+                  <a:srgbClr val="0611F2"/>
+                </a:solidFill>
+                <a:latin typeface="맑은 고딕" charset="0"/>
+                <a:ea typeface="맑은 고딕" charset="0"/>
+              </a:rPr>
+              <a:t>.</a:t>
+            </a:r>
+            <a:r>
+              <a:rPr sz="1800">
+                <a:latin typeface="맑은 고딕" charset="0"/>
+                <a:ea typeface="맑은 고딕" charset="0"/>
+              </a:rPr>
+              <a:t> </a:t>
+            </a:r>
             <a:r>
               <a:rPr lang="ko-KR" sz="1800">
                 <a:latin typeface="맑은 고딕" charset="0"/>
@@ -8939,7 +9091,7 @@
       </p:sp>
       <p:pic>
         <p:nvPicPr>
-          <p:cNvPr id="22" name="그림 46" descr="C:/Users/Admin1/AppData/Roaming/PolarisOffice/ETemp/52644_15777984/fImage117862176827.png"/>
+          <p:cNvPr id="22" name="그림 46"/>
           <p:cNvPicPr>
             <a:picLocks noChangeAspect="1"/>
           </p:cNvPicPr>
@@ -8968,7 +9120,7 @@
       </p:pic>
       <p:pic>
         <p:nvPicPr>
-          <p:cNvPr id="23" name="그림 48" descr="C:/Users/Admin1/AppData/Roaming/PolarisOffice/ETemp/52644_15777984/fImage209552199961.png"/>
+          <p:cNvPr id="23" name="그림 48"/>
           <p:cNvPicPr>
             <a:picLocks noChangeAspect="1"/>
           </p:cNvPicPr>
@@ -9112,7 +9264,7 @@
         <p:spPr>
           <a:xfrm rot="0">
             <a:off x="1229995" y="4381500"/>
-            <a:ext cx="4038600" cy="1754505"/>
+            <a:ext cx="4132580" cy="1477645"/>
           </a:xfrm>
           <a:prstGeom prst="rect"/>
           <a:noFill/>
@@ -9132,18 +9284,28 @@
               <a:buNone/>
             </a:pPr>
             <a:r>
+              <a:rPr sz="1800" b="1">
+                <a:solidFill>
+                  <a:srgbClr val="0611F2"/>
+                </a:solidFill>
+                <a:latin typeface="맑은 고딕" charset="0"/>
+                <a:ea typeface="맑은 고딕" charset="0"/>
+              </a:rPr>
+              <a:t>7.</a:t>
+            </a:r>
+            <a:r>
+              <a:rPr sz="1800">
+                <a:latin typeface="맑은 고딕" charset="0"/>
+                <a:ea typeface="맑은 고딕" charset="0"/>
+              </a:rPr>
+              <a:t> </a:t>
+            </a:r>
+            <a:r>
               <a:rPr lang="ko-KR" sz="1800">
                 <a:latin typeface="맑은 고딕" charset="0"/>
                 <a:ea typeface="맑은 고딕" charset="0"/>
               </a:rPr>
-              <a:t>채</a:t>
-            </a:r>
-            <a:r>
-              <a:rPr lang="ko-KR" sz="1800">
-                <a:latin typeface="맑은 고딕" charset="0"/>
-                <a:ea typeface="맑은 고딕" charset="0"/>
-              </a:rPr>
-              <a:t>팅 UI를 생성하도록 설정하고 채팅 UI의 위치를 콘텐트 오브젝트의 하위 오브젝트로 설정합니다.</a:t>
+              <a:t>채팅 UI를 생성하도록 설정하고 채팅 UI의 위치를 콘텐트 오브젝트의 하위 오브젝트로 설정합니다.</a:t>
             </a:r>
             <a:endParaRPr lang="ko-KR" altLang="en-US" sz="1800">
               <a:latin typeface="맑은 고딕" charset="0"/>
@@ -9170,21 +9332,7 @@
                 <a:latin typeface="맑은 고딕" charset="0"/>
                 <a:ea typeface="맑은 고딕" charset="0"/>
               </a:rPr>
-              <a:t>그다음 Pun</a:t>
-            </a:r>
-            <a:r>
-              <a:rPr lang="ko-KR" sz="1800">
-                <a:latin typeface="맑은 고딕" charset="0"/>
-                <a:ea typeface="맑은 고딕" charset="0"/>
-              </a:rPr>
-              <a:t>RPC 함</a:t>
-            </a:r>
-            <a:r>
-              <a:rPr lang="ko-KR" sz="1800">
-                <a:latin typeface="맑은 고딕" charset="0"/>
-                <a:ea typeface="맑은 고딕" charset="0"/>
-              </a:rPr>
-              <a:t>수로 만들어 줍니다.</a:t>
+              <a:t>그다음 PunRPC 함수로 만들어 줍니다.</a:t>
             </a:r>
             <a:endParaRPr lang="ko-KR" altLang="en-US" sz="1800">
               <a:latin typeface="맑은 고딕" charset="0"/>
@@ -9204,7 +9352,7 @@
         <p:spPr>
           <a:xfrm rot="0">
             <a:off x="1229995" y="1337310"/>
-            <a:ext cx="4038600" cy="923925"/>
+            <a:ext cx="4132580" cy="923925"/>
           </a:xfrm>
           <a:prstGeom prst="rect"/>
           <a:noFill/>
@@ -9246,9 +9394,9 @@
           <p:nvPr/>
         </p:nvSpPr>
         <p:spPr>
-          <a:xfrm rot="0">
+          <a:xfrm>
             <a:off x="6801485" y="3429635"/>
-            <a:ext cx="4204970" cy="2308225"/>
+            <a:ext cx="4205605" cy="2308225"/>
           </a:xfrm>
           <a:prstGeom prst="rect"/>
           <a:noFill/>
@@ -9268,6 +9416,33 @@
               <a:buNone/>
             </a:pPr>
             <a:r>
+              <a:rPr sz="1800" b="1">
+                <a:solidFill>
+                  <a:srgbClr val="0611F2"/>
+                </a:solidFill>
+                <a:latin typeface="맑은 고딕" charset="0"/>
+                <a:ea typeface="맑은 고딕" charset="0"/>
+              </a:rPr>
+              <a:t>8</a:t>
+            </a:r>
+            <a:r>
+              <a:rPr sz="1800" b="1">
+                <a:solidFill>
+                  <a:srgbClr val="0611F2"/>
+                </a:solidFill>
+                <a:latin typeface="맑은 고딕" charset="0"/>
+                <a:ea typeface="맑은 고딕" charset="0"/>
+              </a:rPr>
+              <a:t>.</a:t>
+            </a:r>
+            <a:r>
+              <a:rPr sz="1800">
+                <a:latin typeface="맑은 고딕" charset="0"/>
+                <a:ea typeface="맑은 고딕" charset="0"/>
+              </a:rPr>
+              <a:t> </a:t>
+            </a:r>
+            <a:r>
               <a:rPr lang="ko-KR" sz="1800">
                 <a:latin typeface="맑은 고딕" charset="0"/>
                 <a:ea typeface="맑은 고딕" charset="0"/>
@@ -9295,6 +9470,33 @@
               <a:buNone/>
             </a:pPr>
             <a:r>
+              <a:rPr sz="1800" b="1">
+                <a:solidFill>
+                  <a:srgbClr val="0611F2"/>
+                </a:solidFill>
+                <a:latin typeface="맑은 고딕" charset="0"/>
+                <a:ea typeface="맑은 고딕" charset="0"/>
+              </a:rPr>
+              <a:t>9</a:t>
+            </a:r>
+            <a:r>
+              <a:rPr sz="1800" b="1">
+                <a:solidFill>
+                  <a:srgbClr val="0611F2"/>
+                </a:solidFill>
+                <a:latin typeface="맑은 고딕" charset="0"/>
+                <a:ea typeface="맑은 고딕" charset="0"/>
+              </a:rPr>
+              <a:t>.</a:t>
+            </a:r>
+            <a:r>
+              <a:rPr sz="1800">
+                <a:latin typeface="맑은 고딕" charset="0"/>
+                <a:ea typeface="맑은 고딕" charset="0"/>
+              </a:rPr>
+              <a:t> </a:t>
+            </a:r>
+            <a:r>
               <a:rPr lang="ko-KR" sz="1800">
                 <a:latin typeface="맑은 고딕" charset="0"/>
                 <a:ea typeface="맑은 고딕" charset="0"/>
@@ -9310,36 +9512,7 @@
       </p:sp>
       <p:pic>
         <p:nvPicPr>
-          <p:cNvPr id="33" name="그림 31" descr="C:/Users/Admin1/AppData/Roaming/PolarisOffice/ETemp/52644_15777984/fImage121801418145.png"/>
-          <p:cNvPicPr>
-            <a:picLocks noChangeAspect="1"/>
-          </p:cNvPicPr>
-          <p:nvPr/>
-        </p:nvPicPr>
-        <p:blipFill rotWithShape="1">
-          <a:blip r:embed="rId6" cstate="hqprint">
-            <a:extLst>
-              <a:ext uri="{28A0092B-C50C-407E-A947-70E740481C1C}">
-                <a14:useLocalDpi xmlns:a14="http://schemas.microsoft.com/office/drawing/2010/main"/>
-              </a:ext>
-            </a:extLst>
-          </a:blip>
-          <a:stretch>
-            <a:fillRect/>
-          </a:stretch>
-        </p:blipFill>
-        <p:spPr>
-          <a:xfrm rot="0">
-            <a:off x="1229995" y="2423795"/>
-            <a:ext cx="4048125" cy="1811020"/>
-          </a:xfrm>
-          <a:prstGeom prst="rect"/>
-          <a:noFill/>
-        </p:spPr>
-      </p:pic>
-      <p:pic>
-        <p:nvPicPr>
-          <p:cNvPr id="34" name="그림 32" descr="C:/Users/Admin1/AppData/Roaming/PolarisOffice/ETemp/52644_15777984/fImage115431423281.png"/>
+          <p:cNvPr id="34" name="그림 32"/>
           <p:cNvPicPr>
             <a:picLocks noChangeAspect="1"/>
           </p:cNvPicPr>
@@ -9417,6 +9590,35 @@
           </a:p>
         </p:txBody>
       </p:sp>
+      <p:pic>
+        <p:nvPicPr>
+          <p:cNvPr id="36" name="그림 2" descr="C:/Users/Admin1/AppData/Roaming/PolarisOffice/ETemp/40696_10991936/fImage1486913841.png"/>
+          <p:cNvPicPr>
+            <a:picLocks noChangeAspect="1"/>
+          </p:cNvPicPr>
+          <p:nvPr/>
+        </p:nvPicPr>
+        <p:blipFill rotWithShape="1">
+          <a:blip r:embed="rId8" cstate="print">
+            <a:extLst>
+              <a:ext uri="{28A0092B-C50C-407E-A947-70E740481C1C}">
+                <a14:useLocalDpi xmlns:a14="http://schemas.microsoft.com/office/drawing/2010/main" val="0"/>
+              </a:ext>
+            </a:extLst>
+          </a:blip>
+          <a:stretch>
+            <a:fillRect/>
+          </a:stretch>
+        </p:blipFill>
+        <p:spPr>
+          <a:xfrm rot="0">
+            <a:off x="1231265" y="2385695"/>
+            <a:ext cx="4123055" cy="1887855"/>
+          </a:xfrm>
+          <a:prstGeom prst="rect"/>
+          <a:noFill/>
+        </p:spPr>
+      </p:pic>
     </p:spTree>
   </p:cSld>
   <p:clrMapOvr>
@@ -9441,7 +9643,7 @@
 </file>
 
 <file path=ppt/slides/slide7.xml><?xml version="1.0" encoding="utf-8"?>
-<p:sld xmlns:a="http://schemas.openxmlformats.org/drawingml/2006/main" xmlns:r="http://schemas.openxmlformats.org/officeDocument/2006/relationships" xmlns:p="http://schemas.openxmlformats.org/presentationml/2006/main">
+<p:sld xmlns:a="http://schemas.openxmlformats.org/drawingml/2006/main" xmlns:r="http://schemas.openxmlformats.org/officeDocument/2006/relationships" xmlns:p="http://schemas.openxmlformats.org/presentationml/2006/main" xmlns:p14="http://schemas.microsoft.com/office/powerpoint/2010/main">
   <p:cSld>
     <p:spTree>
       <p:nvGrpSpPr>
@@ -9466,9 +9668,9 @@
           <p:nvPr/>
         </p:nvSpPr>
         <p:spPr>
-          <a:xfrm rot="0">
+          <a:xfrm>
             <a:off x="6798310" y="4831715"/>
-            <a:ext cx="4173855" cy="647065"/>
+            <a:ext cx="4174490" cy="647065"/>
           </a:xfrm>
           <a:prstGeom prst="rect"/>
           <a:noFill/>
@@ -9488,6 +9690,43 @@
               <a:buNone/>
             </a:pPr>
             <a:r>
+              <a:rPr sz="1800" b="1">
+                <a:solidFill>
+                  <a:srgbClr val="0611F2"/>
+                </a:solidFill>
+                <a:latin typeface="맑은 고딕" charset="0"/>
+                <a:ea typeface="맑은 고딕" charset="0"/>
+              </a:rPr>
+              <a:t>1</a:t>
+            </a:r>
+            <a:r>
+              <a:rPr sz="1800" b="1">
+                <a:solidFill>
+                  <a:srgbClr val="0611F2"/>
+                </a:solidFill>
+                <a:latin typeface="맑은 고딕" charset="0"/>
+                <a:ea typeface="맑은 고딕" charset="0"/>
+              </a:rPr>
+              <a:t>2</a:t>
+            </a:r>
+            <a:r>
+              <a:rPr sz="1800" b="1">
+                <a:solidFill>
+                  <a:srgbClr val="0611F2"/>
+                </a:solidFill>
+                <a:latin typeface="맑은 고딕" charset="0"/>
+                <a:ea typeface="맑은 고딕" charset="0"/>
+              </a:rPr>
+              <a:t>.</a:t>
+            </a:r>
+            <a:r>
+              <a:rPr sz="1800">
+                <a:latin typeface="맑은 고딕" charset="0"/>
+                <a:ea typeface="맑은 고딕" charset="0"/>
+              </a:rPr>
+              <a:t> </a:t>
+            </a:r>
+            <a:r>
               <a:rPr lang="ko-KR" sz="1800">
                 <a:latin typeface="맑은 고딕" charset="0"/>
                 <a:ea typeface="맑은 고딕" charset="0"/>
@@ -9628,7 +9867,7 @@
       </p:sp>
       <p:pic>
         <p:nvPicPr>
-          <p:cNvPr id="36" name="그림 54" descr="C:/Users/Admin1/AppData/Roaming/PolarisOffice/ETemp/52644_15777984/fImage8792234491.png"/>
+          <p:cNvPr id="36" name="그림 54"/>
           <p:cNvPicPr>
             <a:picLocks noChangeAspect="1"/>
           </p:cNvPicPr>
@@ -9657,7 +9896,7 @@
       </p:pic>
       <p:pic>
         <p:nvPicPr>
-          <p:cNvPr id="37" name="그림 55" descr="C:/Users/Admin1/AppData/Roaming/PolarisOffice/ETemp/52644_15777984/fImage82942352995.png"/>
+          <p:cNvPr id="37" name="그림 55"/>
           <p:cNvPicPr>
             <a:picLocks noChangeAspect="1"/>
           </p:cNvPicPr>
@@ -9719,17 +9958,17 @@
       </p:cxnSp>
       <p:pic>
         <p:nvPicPr>
-          <p:cNvPr id="39" name="그림 57" descr="C:/Users/Admin1/AppData/Roaming/PolarisOffice/ETemp/52644_15777984/fImage248862371942.png"/>
+          <p:cNvPr id="39" name="그림 57" descr="C:/Users/Admin1/AppData/Roaming/PolarisOffice/ETemp/50728_17865200/fImage248862371942.png"/>
           <p:cNvPicPr>
             <a:picLocks noChangeAspect="1"/>
           </p:cNvPicPr>
           <p:nvPr/>
         </p:nvPicPr>
         <p:blipFill rotWithShape="1">
-          <a:blip r:embed="rId4" cstate="print">
+          <a:blip r:embed="rId4" cstate="hqprint">
             <a:extLst>
               <a:ext uri="{28A0092B-C50C-407E-A947-70E740481C1C}">
-                <a14:useLocalDpi xmlns:a14="http://schemas.microsoft.com/office/drawing/2010/main" val="0"/>
+                <a14:useLocalDpi xmlns:a14="http://schemas.microsoft.com/office/drawing/2010/main"/>
               </a:ext>
             </a:extLst>
           </a:blip>
@@ -9739,8 +9978,8 @@
         </p:blipFill>
         <p:spPr>
           <a:xfrm rot="0">
-            <a:off x="1233170" y="1437640"/>
-            <a:ext cx="4153535" cy="1767205"/>
+            <a:off x="1039495" y="1437640"/>
+            <a:ext cx="4347845" cy="1767840"/>
           </a:xfrm>
           <a:prstGeom prst="rect"/>
           <a:noFill/>
@@ -9756,8 +9995,8 @@
         </p:nvSpPr>
         <p:spPr>
           <a:xfrm rot="0">
-            <a:off x="1224280" y="3370580"/>
-            <a:ext cx="4171315" cy="923925"/>
+            <a:off x="1031240" y="3370580"/>
+            <a:ext cx="4364990" cy="923925"/>
           </a:xfrm>
           <a:prstGeom prst="rect"/>
           <a:noFill/>
@@ -9777,6 +10016,33 @@
               <a:buNone/>
             </a:pPr>
             <a:r>
+              <a:rPr sz="1800" b="1">
+                <a:solidFill>
+                  <a:srgbClr val="0611F2"/>
+                </a:solidFill>
+                <a:latin typeface="맑은 고딕" charset="0"/>
+                <a:ea typeface="맑은 고딕" charset="0"/>
+              </a:rPr>
+              <a:t>10</a:t>
+            </a:r>
+            <a:r>
+              <a:rPr sz="1800" b="1">
+                <a:solidFill>
+                  <a:srgbClr val="0611F2"/>
+                </a:solidFill>
+                <a:latin typeface="맑은 고딕" charset="0"/>
+                <a:ea typeface="맑은 고딕" charset="0"/>
+              </a:rPr>
+              <a:t>.</a:t>
+            </a:r>
+            <a:r>
+              <a:rPr sz="1800">
+                <a:latin typeface="맑은 고딕" charset="0"/>
+                <a:ea typeface="맑은 고딕" charset="0"/>
+              </a:rPr>
+              <a:t> </a:t>
+            </a:r>
+            <a:r>
               <a:rPr lang="ko-KR" sz="1800">
                 <a:latin typeface="맑은 고딕" charset="0"/>
                 <a:ea typeface="맑은 고딕" charset="0"/>
@@ -9799,9 +10065,9 @@
           <p:nvPr/>
         </p:nvSpPr>
         <p:spPr>
-          <a:xfrm rot="0">
+          <a:xfrm>
             <a:off x="6809105" y="1430655"/>
-            <a:ext cx="4163060" cy="923925"/>
+            <a:ext cx="4163695" cy="923925"/>
           </a:xfrm>
           <a:prstGeom prst="rect"/>
           <a:noFill/>
@@ -9821,6 +10087,43 @@
               <a:buNone/>
             </a:pPr>
             <a:r>
+              <a:rPr sz="1800" b="1">
+                <a:solidFill>
+                  <a:srgbClr val="0611F2"/>
+                </a:solidFill>
+                <a:latin typeface="맑은 고딕" charset="0"/>
+                <a:ea typeface="맑은 고딕" charset="0"/>
+              </a:rPr>
+              <a:t>1</a:t>
+            </a:r>
+            <a:r>
+              <a:rPr sz="1800" b="1">
+                <a:solidFill>
+                  <a:srgbClr val="0611F2"/>
+                </a:solidFill>
+                <a:latin typeface="맑은 고딕" charset="0"/>
+                <a:ea typeface="맑은 고딕" charset="0"/>
+              </a:rPr>
+              <a:t>1</a:t>
+            </a:r>
+            <a:r>
+              <a:rPr sz="1800" b="1">
+                <a:solidFill>
+                  <a:srgbClr val="0611F2"/>
+                </a:solidFill>
+                <a:latin typeface="맑은 고딕" charset="0"/>
+                <a:ea typeface="맑은 고딕" charset="0"/>
+              </a:rPr>
+              <a:t>.</a:t>
+            </a:r>
+            <a:r>
+              <a:rPr sz="1800">
+                <a:latin typeface="맑은 고딕" charset="0"/>
+                <a:ea typeface="맑은 고딕" charset="0"/>
+              </a:rPr>
+              <a:t> </a:t>
+            </a:r>
+            <a:r>
               <a:rPr lang="ko-KR" sz="1800">
                 <a:latin typeface="맑은 고딕" charset="0"/>
                 <a:ea typeface="맑은 고딕" charset="0"/>
@@ -9836,17 +10139,17 @@
       </p:sp>
       <p:pic>
         <p:nvPicPr>
-          <p:cNvPr id="43" name="그림 61" descr="C:/Users/Admin1/AppData/Roaming/PolarisOffice/ETemp/52644_15777984/fImage251202414827.png"/>
+          <p:cNvPr id="43" name="그림 61" descr="C:/Users/Admin1/AppData/Roaming/PolarisOffice/ETemp/50728_17865200/fImage251202414827.png"/>
           <p:cNvPicPr>
             <a:picLocks noChangeAspect="1"/>
           </p:cNvPicPr>
           <p:nvPr/>
         </p:nvPicPr>
         <p:blipFill rotWithShape="1">
-          <a:blip r:embed="rId5" cstate="print">
+          <a:blip r:embed="rId5" cstate="hqprint">
             <a:extLst>
               <a:ext uri="{28A0092B-C50C-407E-A947-70E740481C1C}">
-                <a14:useLocalDpi xmlns:a14="http://schemas.microsoft.com/office/drawing/2010/main" val="0"/>
+                <a14:useLocalDpi xmlns:a14="http://schemas.microsoft.com/office/drawing/2010/main"/>
               </a:ext>
             </a:extLst>
           </a:blip>
@@ -9856,8 +10159,8 @@
         </p:blipFill>
         <p:spPr>
           <a:xfrm rot="0">
-            <a:off x="1228090" y="4450715"/>
-            <a:ext cx="4150360" cy="1680845"/>
+            <a:off x="1031240" y="4450715"/>
+            <a:ext cx="4347845" cy="1681480"/>
           </a:xfrm>
           <a:prstGeom prst="rect"/>
           <a:noFill/>

--- a/Assets/Class/Photon Server/PPT Data/Photon RPC.pptx
+++ b/Assets/Class/Photon Server/PPT Data/Photon RPC.pptx
@@ -2,19 +2,19 @@
 <file path=ppt/presentation.xml><?xml version="1.0" encoding="utf-8"?>
 <p:presentation xmlns:a="http://schemas.openxmlformats.org/drawingml/2006/main" xmlns:r="http://schemas.openxmlformats.org/officeDocument/2006/relationships" xmlns:p="http://schemas.openxmlformats.org/presentationml/2006/main" xmlns:p14="http://schemas.microsoft.com/office/powerpoint/2010/main" saveSubsetFonts="1" firstSlideNum="0">
   <p:sldMasterIdLst>
-    <p:sldMasterId id="2147486761" r:id="rId12"/>
+    <p:sldMasterId id="2147486764" r:id="rId12"/>
   </p:sldMasterIdLst>
   <p:notesMasterIdLst>
     <p:notesMasterId r:id="rId14"/>
   </p:notesMasterIdLst>
   <p:sldIdLst>
-    <p:sldId id="303" r:id="rId16"/>
-    <p:sldId id="315" r:id="rId18"/>
+    <p:sldId id="315" r:id="rId16"/>
+    <p:sldId id="303" r:id="rId18"/>
     <p:sldId id="317" r:id="rId20"/>
-    <p:sldId id="316" r:id="rId22"/>
-    <p:sldId id="318" r:id="rId24"/>
-    <p:sldId id="314" r:id="rId26"/>
-    <p:sldId id="319" r:id="rId27"/>
+    <p:sldId id="316" r:id="rId21"/>
+    <p:sldId id="318" r:id="rId22"/>
+    <p:sldId id="314" r:id="rId24"/>
+    <p:sldId id="319" r:id="rId25"/>
   </p:sldIdLst>
   <p:sldSz cx="12192000" cy="6858000"/>
   <p:notesSz cx="6858000" cy="9144000"/>
@@ -503,7 +503,7 @@
         <p:spPr>
           <a:xfrm rot="0">
             <a:off x="685800" y="1143000"/>
-            <a:ext cx="5489575" cy="3089275"/>
+            <a:ext cx="5490210" cy="3089910"/>
           </a:xfrm>
           <a:prstGeom prst="rect"/>
           <a:noFill/>
@@ -542,7 +542,7 @@
         <p:spPr>
           <a:xfrm rot="0">
             <a:off x="685800" y="4400550"/>
-            <a:ext cx="5489575" cy="3603625"/>
+            <a:ext cx="5490210" cy="3604260"/>
           </a:xfrm>
           <a:prstGeom prst="rect"/>
         </p:spPr>
@@ -572,7 +572,7 @@
         <p:spPr>
           <a:xfrm rot="0">
             <a:off x="3884930" y="8685530"/>
-            <a:ext cx="2974975" cy="461645"/>
+            <a:ext cx="2975610" cy="462280"/>
           </a:xfrm>
           <a:prstGeom prst="rect"/>
         </p:spPr>
@@ -645,7 +645,7 @@
         <p:spPr>
           <a:xfrm rot="0">
             <a:off x="685800" y="1143000"/>
-            <a:ext cx="5490210" cy="3089910"/>
+            <a:ext cx="5489575" cy="3089275"/>
           </a:xfrm>
           <a:prstGeom prst="rect"/>
           <a:noFill/>
@@ -684,7 +684,7 @@
         <p:spPr>
           <a:xfrm rot="0">
             <a:off x="685800" y="4400550"/>
-            <a:ext cx="5490210" cy="3604260"/>
+            <a:ext cx="5489575" cy="3603625"/>
           </a:xfrm>
           <a:prstGeom prst="rect"/>
         </p:spPr>
@@ -714,7 +714,7 @@
         <p:spPr>
           <a:xfrm rot="0">
             <a:off x="3884930" y="8685530"/>
-            <a:ext cx="2975610" cy="462280"/>
+            <a:ext cx="2974975" cy="461645"/>
           </a:xfrm>
           <a:prstGeom prst="rect"/>
         </p:spPr>
@@ -6379,8 +6379,8 @@
         </p:nvSpPr>
         <p:spPr>
           <a:xfrm rot="0">
-            <a:off x="3908425" y="376555"/>
-            <a:ext cx="4377690" cy="554990"/>
+            <a:off x="4391660" y="417195"/>
+            <a:ext cx="3406775" cy="554990"/>
           </a:xfrm>
           <a:prstGeom prst="rect"/>
           <a:noFill/>
@@ -6400,14 +6400,25 @@
               <a:buNone/>
             </a:pPr>
             <a:r>
-              <a:rPr lang="ko-KR" altLang="en-US" sz="3000" b="1">
-                <a:solidFill>
-                  <a:schemeClr val="tx1"/>
-                </a:solidFill>
-                <a:latin typeface="맑은 고딕" charset="0"/>
-                <a:ea typeface="맑은 고딕" charset="0"/>
-              </a:rPr>
-              <a:t>Remote Procedure Call</a:t>
+              <a:rPr lang="ko-KR" sz="3000" b="1">
+                <a:latin typeface="맑은 고딕" charset="0"/>
+                <a:ea typeface="맑은 고딕" charset="0"/>
+              </a:rPr>
+              <a:t>Photon</a:t>
+            </a:r>
+            <a:r>
+              <a:rPr lang="ko-KR" sz="3000" b="1">
+                <a:latin typeface="맑은 고딕" charset="0"/>
+                <a:ea typeface="맑은 고딕" charset="0"/>
+              </a:rPr>
+              <a:t> </a:t>
+            </a:r>
+            <a:r>
+              <a:rPr lang="ko-KR" sz="3000" b="1">
+                <a:latin typeface="맑은 고딕" charset="0"/>
+                <a:ea typeface="맑은 고딕" charset="0"/>
+              </a:rPr>
+              <a:t>View RPC</a:t>
             </a:r>
             <a:endParaRPr lang="ko-KR" altLang="en-US" sz="3000" b="1">
               <a:solidFill>
@@ -6421,7 +6432,7 @@
       </p:sp>
       <p:sp>
         <p:nvSpPr>
-          <p:cNvPr id="1032" name="텍스트 상자 1"/>
+          <p:cNvPr id="1033" name="Rect 0"/>
           <p:cNvSpPr txBox="1">
             <a:spLocks/>
           </p:cNvSpPr>
@@ -6429,8 +6440,8 @@
         </p:nvSpPr>
         <p:spPr>
           <a:xfrm rot="0">
-            <a:off x="828040" y="1393190"/>
-            <a:ext cx="4506595" cy="923925"/>
+            <a:off x="6886575" y="1388745"/>
+            <a:ext cx="4191000" cy="3969385"/>
           </a:xfrm>
           <a:prstGeom prst="rect"/>
           <a:noFill/>
@@ -6454,18 +6465,157 @@
                 <a:latin typeface="맑은 고딕" charset="0"/>
                 <a:ea typeface="맑은 고딕" charset="0"/>
               </a:rPr>
-              <a:t>원격 프로시저 호출은 주소 공간에서 함수나 프로시저를 실행할 수 있게 하는 프로세스 간 통신 기술입니다.</a:t>
+              <a:t>A 클라이언트의 1001 객체가 현재 로컬 객체입니다.</a:t>
             </a:r>
             <a:endParaRPr lang="ko-KR" altLang="en-US" sz="1800">
               <a:latin typeface="맑은 고딕" charset="0"/>
               <a:ea typeface="맑은 고딕" charset="0"/>
             </a:endParaRPr>
           </a:p>
-        </p:txBody>
-      </p:sp>
-      <p:sp>
-        <p:nvSpPr>
-          <p:cNvPr id="1033" name="텍스트 상자 2"/>
+          <a:p>
+            <a:pPr marL="0" indent="0" algn="l" latinLnBrk="0" hangingPunct="1">
+              <a:buFontTx/>
+              <a:buNone/>
+            </a:pPr>
+            <a:endParaRPr lang="ko-KR" altLang="en-US" sz="1800">
+              <a:latin typeface="맑은 고딕" charset="0"/>
+              <a:ea typeface="맑은 고딕" charset="0"/>
+            </a:endParaRPr>
+          </a:p>
+          <a:p>
+            <a:pPr marL="0" indent="0" algn="l" latinLnBrk="0" hangingPunct="1">
+              <a:buFontTx/>
+              <a:buNone/>
+            </a:pPr>
+            <a:r>
+              <a:rPr lang="ko-KR" sz="1800">
+                <a:latin typeface="맑은 고딕" charset="0"/>
+                <a:ea typeface="맑은 고딕" charset="0"/>
+              </a:rPr>
+              <a:t>B 클라이언트에서는 1001 객체는 원격 객체입니다.</a:t>
+            </a:r>
+            <a:endParaRPr lang="ko-KR" altLang="en-US" sz="1800">
+              <a:latin typeface="맑은 고딕" charset="0"/>
+              <a:ea typeface="맑은 고딕" charset="0"/>
+            </a:endParaRPr>
+          </a:p>
+          <a:p>
+            <a:pPr marL="0" indent="0" algn="l" latinLnBrk="0" hangingPunct="1">
+              <a:buFontTx/>
+              <a:buNone/>
+            </a:pPr>
+            <a:endParaRPr lang="ko-KR" altLang="en-US" sz="1800">
+              <a:latin typeface="맑은 고딕" charset="0"/>
+              <a:ea typeface="맑은 고딕" charset="0"/>
+            </a:endParaRPr>
+          </a:p>
+          <a:p>
+            <a:pPr marL="0" indent="0" algn="l" latinLnBrk="0" hangingPunct="1">
+              <a:buFontTx/>
+              <a:buNone/>
+            </a:pPr>
+            <a:r>
+              <a:rPr lang="ko-KR" sz="1800">
+                <a:latin typeface="맑은 고딕" charset="0"/>
+                <a:ea typeface="맑은 고딕" charset="0"/>
+              </a:rPr>
+              <a:t>A 클라이언트에서 1001 객체가 RPC 함수를 호출하게 되면 B 클라이언트에서는 1001 객체에만 RPC 함수의 내용 전달합니다.</a:t>
+            </a:r>
+            <a:endParaRPr lang="ko-KR" altLang="en-US" sz="1800">
+              <a:latin typeface="맑은 고딕" charset="0"/>
+              <a:ea typeface="맑은 고딕" charset="0"/>
+            </a:endParaRPr>
+          </a:p>
+          <a:p>
+            <a:pPr marL="0" indent="0" algn="l" latinLnBrk="0" hangingPunct="1">
+              <a:buFontTx/>
+              <a:buNone/>
+            </a:pPr>
+            <a:endParaRPr lang="ko-KR" altLang="en-US" sz="1800">
+              <a:latin typeface="맑은 고딕" charset="0"/>
+              <a:ea typeface="맑은 고딕" charset="0"/>
+            </a:endParaRPr>
+          </a:p>
+          <a:p>
+            <a:pPr marL="0" indent="0" algn="l" latinLnBrk="0" hangingPunct="1">
+              <a:buFontTx/>
+              <a:buNone/>
+            </a:pPr>
+            <a:r>
+              <a:rPr lang="ko-KR" sz="1800">
+                <a:latin typeface="맑은 고딕" charset="0"/>
+                <a:ea typeface="맑은 고딕" charset="0"/>
+              </a:rPr>
+              <a:t>결국에는 서로 다른 클라이언트에서 같은 View ID를 가진 객체에만 RPC 함수가 전달되는 것입니다.</a:t>
+            </a:r>
+            <a:endParaRPr lang="ko-KR" altLang="en-US" sz="1800">
+              <a:latin typeface="맑은 고딕" charset="0"/>
+              <a:ea typeface="맑은 고딕" charset="0"/>
+            </a:endParaRPr>
+          </a:p>
+        </p:txBody>
+      </p:sp>
+      <p:pic>
+        <p:nvPicPr>
+          <p:cNvPr id="1035" name="Picture "/>
+          <p:cNvPicPr>
+            <a:picLocks noChangeAspect="1"/>
+          </p:cNvPicPr>
+          <p:nvPr/>
+        </p:nvPicPr>
+        <p:blipFill rotWithShape="1">
+          <a:blip r:embed="rId2" cstate="print">
+            <a:extLst>
+              <a:ext uri="{28A0092B-C50C-407E-A947-70E740481C1C}">
+                <a14:useLocalDpi xmlns:a14="http://schemas.microsoft.com/office/drawing/2010/main" val="0"/>
+              </a:ext>
+            </a:extLst>
+          </a:blip>
+          <a:stretch>
+            <a:fillRect/>
+          </a:stretch>
+        </p:blipFill>
+        <p:spPr>
+          <a:xfrm rot="0">
+            <a:off x="944245" y="1395095"/>
+            <a:ext cx="2169795" cy="3060700"/>
+          </a:xfrm>
+          <a:prstGeom prst="rect"/>
+          <a:noFill/>
+        </p:spPr>
+      </p:pic>
+      <p:pic>
+        <p:nvPicPr>
+          <p:cNvPr id="1036" name="Picture "/>
+          <p:cNvPicPr>
+            <a:picLocks noChangeAspect="1"/>
+          </p:cNvPicPr>
+          <p:nvPr/>
+        </p:nvPicPr>
+        <p:blipFill rotWithShape="1">
+          <a:blip r:embed="rId3" cstate="print">
+            <a:extLst>
+              <a:ext uri="{28A0092B-C50C-407E-A947-70E740481C1C}">
+                <a14:useLocalDpi xmlns:a14="http://schemas.microsoft.com/office/drawing/2010/main" val="0"/>
+              </a:ext>
+            </a:extLst>
+          </a:blip>
+          <a:stretch>
+            <a:fillRect/>
+          </a:stretch>
+        </p:blipFill>
+        <p:spPr>
+          <a:xfrm rot="0">
+            <a:off x="3286125" y="1390650"/>
+            <a:ext cx="2181860" cy="3077210"/>
+          </a:xfrm>
+          <a:prstGeom prst="rect"/>
+          <a:noFill/>
+        </p:spPr>
+      </p:pic>
+      <p:sp>
+        <p:nvSpPr>
+          <p:cNvPr id="1037" name="Rect 0"/>
           <p:cNvSpPr txBox="1">
             <a:spLocks/>
           </p:cNvSpPr>
@@ -6473,8 +6623,8 @@
         </p:nvSpPr>
         <p:spPr>
           <a:xfrm rot="0">
-            <a:off x="6905625" y="1388745"/>
-            <a:ext cx="4162425" cy="3692525"/>
+            <a:off x="1147445" y="4646295"/>
+            <a:ext cx="1777365" cy="400685"/>
           </a:xfrm>
           <a:prstGeom prst="rect"/>
           <a:noFill/>
@@ -6494,76 +6644,181 @@
               <a:buNone/>
             </a:pPr>
             <a:r>
-              <a:rPr lang="ko-KR" sz="1800">
-                <a:latin typeface="맑은 고딕" charset="0"/>
-                <a:ea typeface="맑은 고딕" charset="0"/>
-              </a:rPr>
-              <a:t>포톤에서는 여러 명의 클라이언트가 모두 같은 스크립트를 가지고 일반 함수를 호출하게 되면 로컬에서만 실행됩니다.</a:t>
-            </a:r>
+              <a:rPr lang="ko-KR" sz="2000" b="1">
+                <a:solidFill>
+                  <a:srgbClr val="36B700"/>
+                </a:solidFill>
+                <a:latin typeface="맑은 고딕" charset="0"/>
+                <a:ea typeface="맑은 고딕" charset="0"/>
+              </a:rPr>
+              <a:t>A 클라이언트</a:t>
+            </a:r>
+            <a:endParaRPr lang="ko-KR" altLang="en-US" sz="2000" b="1">
+              <a:solidFill>
+                <a:srgbClr val="36B700"/>
+              </a:solidFill>
+              <a:latin typeface="맑은 고딕" charset="0"/>
+              <a:ea typeface="맑은 고딕" charset="0"/>
+            </a:endParaRPr>
+          </a:p>
+        </p:txBody>
+      </p:sp>
+      <p:sp>
+        <p:nvSpPr>
+          <p:cNvPr id="1038" name="Rect 0"/>
+          <p:cNvSpPr txBox="1">
+            <a:spLocks/>
+          </p:cNvSpPr>
+          <p:nvPr/>
+        </p:nvSpPr>
+        <p:spPr>
+          <a:xfrm rot="0">
+            <a:off x="3524250" y="4641850"/>
+            <a:ext cx="1777365" cy="400685"/>
+          </a:xfrm>
+          <a:prstGeom prst="rect"/>
+          <a:noFill/>
+          <a:ln w="0">
+            <a:noFill/>
+            <a:prstDash/>
+          </a:ln>
+        </p:spPr>
+        <p:txBody>
+          <a:bodyPr wrap="square" lIns="89535" tIns="46355" rIns="89535" bIns="46355" numCol="1" vert="horz" anchor="t">
+            <a:spAutoFit/>
+          </a:bodyPr>
+          <a:lstStyle/>
+          <a:p>
+            <a:pPr marL="0" indent="0" algn="l" latinLnBrk="0" hangingPunct="1">
+              <a:buFontTx/>
+              <a:buNone/>
+            </a:pPr>
+            <a:r>
+              <a:rPr lang="ko-KR" sz="2000" b="1">
+                <a:solidFill>
+                  <a:srgbClr val="36B700"/>
+                </a:solidFill>
+                <a:latin typeface="맑은 고딕" charset="0"/>
+                <a:ea typeface="맑은 고딕" charset="0"/>
+              </a:rPr>
+              <a:t>B 클라이언트</a:t>
+            </a:r>
+            <a:endParaRPr lang="ko-KR" altLang="en-US" sz="2000" b="1">
+              <a:solidFill>
+                <a:srgbClr val="36B700"/>
+              </a:solidFill>
+              <a:latin typeface="맑은 고딕" charset="0"/>
+              <a:ea typeface="맑은 고딕" charset="0"/>
+            </a:endParaRPr>
+          </a:p>
+        </p:txBody>
+      </p:sp>
+      <p:sp>
+        <p:nvSpPr>
+          <p:cNvPr id="1043" name="Rect 0"/>
+          <p:cNvSpPr>
+            <a:spLocks/>
+          </p:cNvSpPr>
+          <p:nvPr/>
+        </p:nvSpPr>
+        <p:spPr>
+          <a:xfrm rot="0" flipH="1">
+            <a:off x="2000250" y="3114675"/>
+            <a:ext cx="2877185" cy="619760"/>
+          </a:xfrm>
+          <a:prstGeom prst="curvedUpArrow"/>
+        </p:spPr>
+        <p:style>
+          <a:lnRef idx="2">
+            <a:schemeClr val="accent1">
+              <a:shade val="50000"/>
+            </a:schemeClr>
+          </a:lnRef>
+          <a:fillRef idx="1">
+            <a:schemeClr val="accent1"/>
+          </a:fillRef>
+          <a:effectRef idx="0">
+            <a:schemeClr val="accent1"/>
+          </a:effectRef>
+          <a:fontRef idx="minor">
+            <a:schemeClr val="lt1"/>
+          </a:fontRef>
+        </p:style>
+        <p:txBody>
+          <a:bodyPr wrap="square" lIns="91440" tIns="45720" rIns="91440" bIns="45720" vert="horz" anchor="ctr">
+            <a:noAutofit/>
+          </a:bodyPr>
+          <a:lstStyle/>
+          <a:p>
+            <a:pPr marL="0" indent="0" algn="ctr" hangingPunct="1"/>
             <a:endParaRPr lang="ko-KR" altLang="en-US" sz="1800">
               <a:latin typeface="맑은 고딕" charset="0"/>
               <a:ea typeface="맑은 고딕" charset="0"/>
             </a:endParaRPr>
           </a:p>
-          <a:p>
-            <a:pPr marL="0" indent="0" algn="l" latinLnBrk="0" hangingPunct="1">
-              <a:buFontTx/>
-              <a:buNone/>
-            </a:pPr>
-            <a:endParaRPr lang="ko-KR" altLang="en-US" sz="1800">
-              <a:latin typeface="맑은 고딕" charset="0"/>
-              <a:ea typeface="맑은 고딕" charset="0"/>
-            </a:endParaRPr>
-          </a:p>
-          <a:p>
-            <a:pPr marL="0" indent="0" algn="l" latinLnBrk="0" hangingPunct="1">
-              <a:buFontTx/>
-              <a:buNone/>
-            </a:pPr>
-            <a:r>
-              <a:rPr lang="ko-KR" sz="1800">
-                <a:latin typeface="맑은 고딕" charset="0"/>
-                <a:ea typeface="맑은 고딕" charset="0"/>
-              </a:rPr>
-              <a:t>그래서 다른 컴퓨터에서도 특정 함수의 실행을 보여주기 위해서는 RPC 함수를 만들어서 호출해야 합니다.</a:t>
-            </a:r>
-            <a:endParaRPr lang="ko-KR" altLang="en-US" sz="1800">
-              <a:latin typeface="맑은 고딕" charset="0"/>
-              <a:ea typeface="맑은 고딕" charset="0"/>
-            </a:endParaRPr>
-          </a:p>
-          <a:p>
-            <a:pPr marL="0" indent="0" algn="l" latinLnBrk="0" hangingPunct="1">
-              <a:buFontTx/>
-              <a:buNone/>
-            </a:pPr>
-            <a:endParaRPr lang="ko-KR" altLang="en-US" sz="1800">
-              <a:latin typeface="맑은 고딕" charset="0"/>
-              <a:ea typeface="맑은 고딕" charset="0"/>
-            </a:endParaRPr>
-          </a:p>
-          <a:p>
-            <a:pPr marL="0" indent="0" algn="l" latinLnBrk="0" hangingPunct="1">
-              <a:buFontTx/>
-              <a:buNone/>
-            </a:pPr>
-            <a:r>
-              <a:rPr lang="ko-KR" sz="1800">
-                <a:latin typeface="맑은 고딕" charset="0"/>
-                <a:ea typeface="맑은 고딕" charset="0"/>
-              </a:rPr>
-              <a:t>PRC 채팅은 일반 함수끼리 통신이 안 되기 때문에 서로 다른 클라이언트에서는 같은 View ID끼리 같은 함수를 실행하도록 설정합니다.</a:t>
-            </a:r>
-            <a:endParaRPr lang="ko-KR" altLang="en-US" sz="1800">
-              <a:latin typeface="맑은 고딕" charset="0"/>
-              <a:ea typeface="맑은 고딕" charset="0"/>
-            </a:endParaRPr>
-          </a:p>
         </p:txBody>
       </p:sp>
       <p:pic>
         <p:nvPicPr>
-          <p:cNvPr id="1035" name="그림 6"/>
+          <p:cNvPr id="1044" name="그림 33"/>
+          <p:cNvPicPr>
+            <a:picLocks noChangeAspect="1"/>
+          </p:cNvPicPr>
+          <p:nvPr/>
+        </p:nvPicPr>
+        <p:blipFill rotWithShape="1">
+          <a:blip r:embed="rId4" cstate="print">
+            <a:extLst>
+              <a:ext uri="{28A0092B-C50C-407E-A947-70E740481C1C}">
+                <a14:useLocalDpi xmlns:a14="http://schemas.microsoft.com/office/drawing/2010/main" val="0"/>
+              </a:ext>
+            </a:extLst>
+          </a:blip>
+          <a:stretch>
+            <a:fillRect/>
+          </a:stretch>
+        </p:blipFill>
+        <p:spPr>
+          <a:xfrm rot="0">
+            <a:off x="1790700" y="2476500"/>
+            <a:ext cx="734060" cy="734060"/>
+          </a:xfrm>
+          <a:prstGeom prst="rect"/>
+          <a:noFill/>
+        </p:spPr>
+      </p:pic>
+      <p:pic>
+        <p:nvPicPr>
+          <p:cNvPr id="1045" name="그림 34"/>
+          <p:cNvPicPr>
+            <a:picLocks noChangeAspect="1"/>
+          </p:cNvPicPr>
+          <p:nvPr/>
+        </p:nvPicPr>
+        <p:blipFill rotWithShape="1">
+          <a:blip r:embed="rId5" cstate="print">
+            <a:extLst>
+              <a:ext uri="{28A0092B-C50C-407E-A947-70E740481C1C}">
+                <a14:useLocalDpi xmlns:a14="http://schemas.microsoft.com/office/drawing/2010/main" val="0"/>
+              </a:ext>
+            </a:extLst>
+          </a:blip>
+          <a:stretch>
+            <a:fillRect/>
+          </a:stretch>
+        </p:blipFill>
+        <p:spPr>
+          <a:xfrm rot="0">
+            <a:off x="4405630" y="2472055"/>
+            <a:ext cx="734060" cy="734060"/>
+          </a:xfrm>
+          <a:prstGeom prst="rect"/>
+          <a:noFill/>
+        </p:spPr>
+      </p:pic>
+      <p:pic>
+        <p:nvPicPr>
+          <p:cNvPr id="1046" name="그림 35"/>
           <p:cNvPicPr>
             <a:picLocks noChangeAspect="1"/>
           </p:cNvPicPr>
@@ -6583,8 +6838,8 @@
         </p:blipFill>
         <p:spPr>
           <a:xfrm rot="0">
-            <a:off x="829945" y="3442970"/>
-            <a:ext cx="1951990" cy="1882140"/>
+            <a:off x="944245" y="1562100"/>
+            <a:ext cx="1056640" cy="943610"/>
           </a:xfrm>
           <a:prstGeom prst="rect"/>
           <a:noFill/>
@@ -6592,7 +6847,7 @@
       </p:pic>
       <p:pic>
         <p:nvPicPr>
-          <p:cNvPr id="1036" name="그림 7"/>
+          <p:cNvPr id="1047" name="그림 36"/>
           <p:cNvPicPr>
             <a:picLocks noChangeAspect="1"/>
           </p:cNvPicPr>
@@ -6612,8 +6867,8 @@
         </p:blipFill>
         <p:spPr>
           <a:xfrm rot="0">
-            <a:off x="3378200" y="3438525"/>
-            <a:ext cx="1951990" cy="1882140"/>
+            <a:off x="3473450" y="1567180"/>
+            <a:ext cx="1056640" cy="943610"/>
           </a:xfrm>
           <a:prstGeom prst="rect"/>
           <a:noFill/>
@@ -6621,278 +6876,16 @@
       </p:pic>
       <p:sp>
         <p:nvSpPr>
-          <p:cNvPr id="1037" name="텍스트 상자 8"/>
-          <p:cNvSpPr txBox="1">
-            <a:spLocks/>
-          </p:cNvSpPr>
-          <p:nvPr/>
-        </p:nvSpPr>
-        <p:spPr>
-          <a:xfrm rot="0">
-            <a:off x="909320" y="5513070"/>
-            <a:ext cx="1777365" cy="400685"/>
-          </a:xfrm>
-          <a:prstGeom prst="rect"/>
-          <a:noFill/>
-          <a:ln w="0">
-            <a:noFill/>
-            <a:prstDash/>
-          </a:ln>
-        </p:spPr>
-        <p:txBody>
-          <a:bodyPr wrap="square" lIns="89535" tIns="46355" rIns="89535" bIns="46355" numCol="1" vert="horz" anchor="t">
-            <a:spAutoFit/>
-          </a:bodyPr>
-          <a:lstStyle/>
-          <a:p>
-            <a:pPr marL="0" indent="0" algn="l" latinLnBrk="0" hangingPunct="1">
-              <a:buFontTx/>
-              <a:buNone/>
-            </a:pPr>
-            <a:r>
-              <a:rPr lang="ko-KR" sz="2000" b="1">
-                <a:solidFill>
-                  <a:srgbClr val="36B700"/>
-                </a:solidFill>
-                <a:latin typeface="맑은 고딕" charset="0"/>
-                <a:ea typeface="맑은 고딕" charset="0"/>
-              </a:rPr>
-              <a:t>A 클라이언트</a:t>
-            </a:r>
-            <a:endParaRPr lang="ko-KR" altLang="en-US" sz="2000" b="1">
-              <a:solidFill>
-                <a:srgbClr val="36B700"/>
-              </a:solidFill>
-              <a:latin typeface="맑은 고딕" charset="0"/>
-              <a:ea typeface="맑은 고딕" charset="0"/>
-            </a:endParaRPr>
-          </a:p>
-        </p:txBody>
-      </p:sp>
-      <p:sp>
-        <p:nvSpPr>
-          <p:cNvPr id="1038" name="텍스트 상자 9"/>
-          <p:cNvSpPr txBox="1">
-            <a:spLocks/>
-          </p:cNvSpPr>
-          <p:nvPr/>
-        </p:nvSpPr>
-        <p:spPr>
-          <a:xfrm rot="0">
-            <a:off x="3457575" y="5527675"/>
-            <a:ext cx="1777365" cy="400685"/>
-          </a:xfrm>
-          <a:prstGeom prst="rect"/>
-          <a:noFill/>
-          <a:ln w="0">
-            <a:noFill/>
-            <a:prstDash/>
-          </a:ln>
-        </p:spPr>
-        <p:txBody>
-          <a:bodyPr wrap="square" lIns="89535" tIns="46355" rIns="89535" bIns="46355" numCol="1" vert="horz" anchor="t">
-            <a:spAutoFit/>
-          </a:bodyPr>
-          <a:lstStyle/>
-          <a:p>
-            <a:pPr marL="0" indent="0" algn="l" latinLnBrk="0" hangingPunct="1">
-              <a:buFontTx/>
-              <a:buNone/>
-            </a:pPr>
-            <a:r>
-              <a:rPr lang="ko-KR" sz="2000" b="1">
-                <a:solidFill>
-                  <a:srgbClr val="36B700"/>
-                </a:solidFill>
-                <a:latin typeface="맑은 고딕" charset="0"/>
-                <a:ea typeface="맑은 고딕" charset="0"/>
-              </a:rPr>
-              <a:t>B 클라이언트</a:t>
-            </a:r>
-            <a:endParaRPr lang="ko-KR" altLang="en-US" sz="2000" b="1">
-              <a:solidFill>
-                <a:srgbClr val="36B700"/>
-              </a:solidFill>
-              <a:latin typeface="맑은 고딕" charset="0"/>
-              <a:ea typeface="맑은 고딕" charset="0"/>
-            </a:endParaRPr>
-          </a:p>
-        </p:txBody>
-      </p:sp>
-      <p:pic>
-        <p:nvPicPr>
-          <p:cNvPr id="1039" name="그림 10"/>
-          <p:cNvPicPr>
-            <a:picLocks noChangeAspect="1"/>
-          </p:cNvPicPr>
-          <p:nvPr/>
-        </p:nvPicPr>
-        <p:blipFill rotWithShape="1">
-          <a:blip r:embed="rId8" cstate="print">
-            <a:extLst>
-              <a:ext uri="{28A0092B-C50C-407E-A947-70E740481C1C}">
-                <a14:useLocalDpi xmlns:a14="http://schemas.microsoft.com/office/drawing/2010/main" val="0"/>
-              </a:ext>
-            </a:extLst>
-          </a:blip>
-          <a:stretch>
-            <a:fillRect/>
-          </a:stretch>
-        </p:blipFill>
-        <p:spPr>
-          <a:xfrm rot="0">
-            <a:off x="1080770" y="3612515"/>
-            <a:ext cx="1443990" cy="512445"/>
-          </a:xfrm>
-          <a:prstGeom prst="roundRect"/>
-          <a:solidFill>
-            <a:srgbClr val="EDEDED"/>
-          </a:solidFill>
-        </p:spPr>
-      </p:pic>
-      <p:pic>
-        <p:nvPicPr>
-          <p:cNvPr id="1040" name="그림 13"/>
-          <p:cNvPicPr>
-            <a:picLocks noChangeAspect="1"/>
-          </p:cNvPicPr>
-          <p:nvPr/>
-        </p:nvPicPr>
-        <p:blipFill rotWithShape="1">
-          <a:blip r:embed="rId9" cstate="print">
-            <a:extLst>
-              <a:ext uri="{28A0092B-C50C-407E-A947-70E740481C1C}">
-                <a14:useLocalDpi xmlns:a14="http://schemas.microsoft.com/office/drawing/2010/main" val="0"/>
-              </a:ext>
-            </a:extLst>
-          </a:blip>
-          <a:stretch>
-            <a:fillRect/>
-          </a:stretch>
-        </p:blipFill>
-        <p:spPr>
-          <a:xfrm rot="0">
-            <a:off x="3676650" y="3608070"/>
-            <a:ext cx="1443990" cy="512445"/>
-          </a:xfrm>
-          <a:prstGeom prst="roundRect"/>
-          <a:solidFill>
-            <a:srgbClr val="EDEDED"/>
-          </a:solidFill>
-        </p:spPr>
-      </p:pic>
-      <p:sp>
-        <p:nvSpPr>
-          <p:cNvPr id="1041" name="텍스트 상자 14"/>
-          <p:cNvSpPr txBox="1">
-            <a:spLocks/>
-          </p:cNvSpPr>
-          <p:nvPr/>
-        </p:nvSpPr>
-        <p:spPr>
-          <a:xfrm rot="0">
-            <a:off x="1038225" y="4127500"/>
-            <a:ext cx="1534160" cy="323850"/>
-          </a:xfrm>
-          <a:prstGeom prst="rect"/>
-          <a:noFill/>
-          <a:ln w="0">
-            <a:noFill/>
-            <a:prstDash/>
-          </a:ln>
-        </p:spPr>
-        <p:txBody>
-          <a:bodyPr wrap="square" lIns="89535" tIns="46355" rIns="89535" bIns="46355" numCol="1" vert="horz" anchor="t">
-            <a:spAutoFit/>
-          </a:bodyPr>
-          <a:lstStyle/>
-          <a:p>
-            <a:pPr marL="0" indent="0" algn="l" latinLnBrk="0" hangingPunct="1">
-              <a:buFontTx/>
-              <a:buNone/>
-            </a:pPr>
-            <a:r>
-              <a:rPr lang="ko-KR" sz="1500" b="1">
-                <a:solidFill>
-                  <a:srgbClr val="0611F2"/>
-                </a:solidFill>
-                <a:latin typeface="맑은 고딕" charset="0"/>
-                <a:ea typeface="맑은 고딕" charset="0"/>
-              </a:rPr>
-              <a:t>View ID : 1001</a:t>
-            </a:r>
-            <a:endParaRPr lang="ko-KR" altLang="en-US" sz="1500" b="1">
-              <a:solidFill>
-                <a:srgbClr val="0611F2"/>
-              </a:solidFill>
-              <a:latin typeface="맑은 고딕" charset="0"/>
-              <a:ea typeface="맑은 고딕" charset="0"/>
-            </a:endParaRPr>
-          </a:p>
-        </p:txBody>
-      </p:sp>
-      <p:sp>
-        <p:nvSpPr>
-          <p:cNvPr id="1042" name="텍스트 상자 15"/>
-          <p:cNvSpPr txBox="1">
-            <a:spLocks/>
-          </p:cNvSpPr>
-          <p:nvPr/>
-        </p:nvSpPr>
-        <p:spPr>
-          <a:xfrm rot="0">
-            <a:off x="3586480" y="4132580"/>
-            <a:ext cx="1534160" cy="323850"/>
-          </a:xfrm>
-          <a:prstGeom prst="rect"/>
-          <a:noFill/>
-          <a:ln w="0">
-            <a:noFill/>
-            <a:prstDash/>
-          </a:ln>
-        </p:spPr>
-        <p:txBody>
-          <a:bodyPr wrap="square" lIns="89535" tIns="46355" rIns="89535" bIns="46355" numCol="1" vert="horz" anchor="t">
-            <a:spAutoFit/>
-          </a:bodyPr>
-          <a:lstStyle/>
-          <a:p>
-            <a:pPr marL="0" indent="0" algn="l" latinLnBrk="0" hangingPunct="1">
-              <a:buFontTx/>
-              <a:buNone/>
-            </a:pPr>
-            <a:r>
-              <a:rPr lang="ko-KR" sz="1500" b="1">
-                <a:solidFill>
-                  <a:srgbClr val="0611F2"/>
-                </a:solidFill>
-                <a:latin typeface="맑은 고딕" charset="0"/>
-                <a:ea typeface="맑은 고딕" charset="0"/>
-              </a:rPr>
-              <a:t>View ID : 1001</a:t>
-            </a:r>
-            <a:endParaRPr lang="ko-KR" altLang="en-US" sz="1500" b="1">
-              <a:solidFill>
-                <a:srgbClr val="0611F2"/>
-              </a:solidFill>
-              <a:latin typeface="맑은 고딕" charset="0"/>
-              <a:ea typeface="맑은 고딕" charset="0"/>
-            </a:endParaRPr>
-          </a:p>
-        </p:txBody>
-      </p:sp>
-      <p:sp>
-        <p:nvSpPr>
-          <p:cNvPr id="1043" name="도형 18"/>
+          <p:cNvPr id="1048" name="도형 37"/>
           <p:cNvSpPr>
             <a:spLocks/>
           </p:cNvSpPr>
           <p:nvPr/>
         </p:nvSpPr>
         <p:spPr>
-          <a:xfrm rot="0" flipH="1">
-            <a:off x="1609725" y="4448175"/>
-            <a:ext cx="3039110" cy="619760"/>
+          <a:xfrm rot="10800000" flipH="1">
+            <a:off x="1300480" y="1195705"/>
+            <a:ext cx="2853055" cy="619760"/>
           </a:xfrm>
           <a:prstGeom prst="curvedUpArrow"/>
         </p:spPr>
@@ -6926,37 +6919,306 @@
           </a:p>
         </p:txBody>
       </p:sp>
-      <p:pic>
-        <p:nvPicPr>
-          <p:cNvPr id="1044" name="그림 19"/>
-          <p:cNvPicPr>
-            <a:picLocks noChangeAspect="1"/>
-          </p:cNvPicPr>
+      <p:sp>
+        <p:nvSpPr>
+          <p:cNvPr id="1049" name="텍스트 상자 38"/>
+          <p:cNvSpPr txBox="1">
+            <a:spLocks/>
+          </p:cNvSpPr>
           <p:nvPr/>
-        </p:nvPicPr>
-        <p:blipFill rotWithShape="1">
-          <a:blip r:embed="rId10" cstate="print">
-            <a:extLst>
-              <a:ext uri="{28A0092B-C50C-407E-A947-70E740481C1C}">
-                <a14:useLocalDpi xmlns:a14="http://schemas.microsoft.com/office/drawing/2010/main" val="0"/>
-              </a:ext>
-            </a:extLst>
-          </a:blip>
-          <a:stretch>
-            <a:fillRect/>
-          </a:stretch>
-        </p:blipFill>
-        <p:spPr>
-          <a:xfrm rot="0">
-            <a:off x="833120" y="2433320"/>
-            <a:ext cx="4501515" cy="891540"/>
-          </a:xfrm>
-          <a:prstGeom prst="roundRect"/>
-          <a:solidFill>
-            <a:srgbClr val="EDEDED"/>
-          </a:solidFill>
-        </p:spPr>
-      </p:pic>
+        </p:nvSpPr>
+        <p:spPr>
+          <a:xfrm rot="0">
+            <a:off x="1038225" y="1822450"/>
+            <a:ext cx="781685" cy="400685"/>
+          </a:xfrm>
+          <a:prstGeom prst="rect"/>
+          <a:noFill/>
+          <a:ln w="0">
+            <a:noFill/>
+            <a:prstDash/>
+          </a:ln>
+        </p:spPr>
+        <p:txBody>
+          <a:bodyPr wrap="square" lIns="89535" tIns="46355" rIns="89535" bIns="46355" numCol="1" vert="horz" anchor="t">
+            <a:spAutoFit/>
+          </a:bodyPr>
+          <a:lstStyle/>
+          <a:p>
+            <a:pPr marL="0" indent="0" algn="l" latinLnBrk="0" hangingPunct="1">
+              <a:buFontTx/>
+              <a:buNone/>
+            </a:pPr>
+            <a:r>
+              <a:rPr lang="ko-KR" sz="2000" b="1">
+                <a:solidFill>
+                  <a:schemeClr val="bg1"/>
+                </a:solidFill>
+                <a:latin typeface="맑은 고딕" charset="0"/>
+                <a:ea typeface="맑은 고딕" charset="0"/>
+              </a:rPr>
+              <a:t>1001</a:t>
+            </a:r>
+            <a:endParaRPr lang="ko-KR" altLang="en-US" sz="2000" b="1">
+              <a:solidFill>
+                <a:schemeClr val="bg1"/>
+              </a:solidFill>
+              <a:latin typeface="맑은 고딕" charset="0"/>
+              <a:ea typeface="맑은 고딕" charset="0"/>
+            </a:endParaRPr>
+          </a:p>
+        </p:txBody>
+      </p:sp>
+      <p:sp>
+        <p:nvSpPr>
+          <p:cNvPr id="1050" name="텍스트 상자 39"/>
+          <p:cNvSpPr txBox="1">
+            <a:spLocks/>
+          </p:cNvSpPr>
+          <p:nvPr/>
+        </p:nvSpPr>
+        <p:spPr>
+          <a:xfrm rot="0">
+            <a:off x="3624580" y="1818005"/>
+            <a:ext cx="781685" cy="400685"/>
+          </a:xfrm>
+          <a:prstGeom prst="rect"/>
+          <a:noFill/>
+          <a:ln w="0">
+            <a:noFill/>
+            <a:prstDash/>
+          </a:ln>
+        </p:spPr>
+        <p:txBody>
+          <a:bodyPr wrap="square" lIns="89535" tIns="46355" rIns="89535" bIns="46355" numCol="1" vert="horz" anchor="t">
+            <a:spAutoFit/>
+          </a:bodyPr>
+          <a:lstStyle/>
+          <a:p>
+            <a:pPr marL="0" indent="0" algn="l" latinLnBrk="0" hangingPunct="1">
+              <a:buFontTx/>
+              <a:buNone/>
+            </a:pPr>
+            <a:r>
+              <a:rPr lang="ko-KR" sz="2000" b="1">
+                <a:solidFill>
+                  <a:schemeClr val="bg1"/>
+                </a:solidFill>
+                <a:latin typeface="맑은 고딕" charset="0"/>
+                <a:ea typeface="맑은 고딕" charset="0"/>
+              </a:rPr>
+              <a:t>1001</a:t>
+            </a:r>
+            <a:endParaRPr lang="ko-KR" altLang="en-US" sz="2000" b="1">
+              <a:solidFill>
+                <a:schemeClr val="bg1"/>
+              </a:solidFill>
+              <a:latin typeface="맑은 고딕" charset="0"/>
+              <a:ea typeface="맑은 고딕" charset="0"/>
+            </a:endParaRPr>
+          </a:p>
+        </p:txBody>
+      </p:sp>
+      <p:sp>
+        <p:nvSpPr>
+          <p:cNvPr id="1051" name="텍스트 상자 40"/>
+          <p:cNvSpPr txBox="1">
+            <a:spLocks/>
+          </p:cNvSpPr>
+          <p:nvPr/>
+        </p:nvSpPr>
+        <p:spPr>
+          <a:xfrm rot="0">
+            <a:off x="1772285" y="2642235"/>
+            <a:ext cx="781685" cy="400685"/>
+          </a:xfrm>
+          <a:prstGeom prst="rect"/>
+          <a:noFill/>
+          <a:ln w="0">
+            <a:noFill/>
+            <a:prstDash/>
+          </a:ln>
+        </p:spPr>
+        <p:txBody>
+          <a:bodyPr wrap="square" lIns="89535" tIns="46355" rIns="89535" bIns="46355" numCol="1" vert="horz" anchor="t">
+            <a:spAutoFit/>
+          </a:bodyPr>
+          <a:lstStyle/>
+          <a:p>
+            <a:pPr marL="0" indent="0" algn="l" latinLnBrk="0" hangingPunct="1">
+              <a:buFontTx/>
+              <a:buNone/>
+            </a:pPr>
+            <a:r>
+              <a:rPr lang="ko-KR" sz="2000" b="1">
+                <a:solidFill>
+                  <a:schemeClr val="bg1"/>
+                </a:solidFill>
+                <a:latin typeface="맑은 고딕" charset="0"/>
+                <a:ea typeface="맑은 고딕" charset="0"/>
+              </a:rPr>
+              <a:t>2000</a:t>
+            </a:r>
+            <a:endParaRPr lang="ko-KR" altLang="en-US" sz="2000" b="1">
+              <a:solidFill>
+                <a:schemeClr val="bg1"/>
+              </a:solidFill>
+              <a:latin typeface="맑은 고딕" charset="0"/>
+              <a:ea typeface="맑은 고딕" charset="0"/>
+            </a:endParaRPr>
+          </a:p>
+        </p:txBody>
+      </p:sp>
+      <p:sp>
+        <p:nvSpPr>
+          <p:cNvPr id="1052" name="텍스트 상자 41"/>
+          <p:cNvSpPr txBox="1">
+            <a:spLocks/>
+          </p:cNvSpPr>
+          <p:nvPr/>
+        </p:nvSpPr>
+        <p:spPr>
+          <a:xfrm rot="0">
+            <a:off x="4387215" y="2637790"/>
+            <a:ext cx="781685" cy="400685"/>
+          </a:xfrm>
+          <a:prstGeom prst="rect"/>
+          <a:noFill/>
+          <a:ln w="0">
+            <a:noFill/>
+            <a:prstDash/>
+          </a:ln>
+        </p:spPr>
+        <p:txBody>
+          <a:bodyPr wrap="square" lIns="89535" tIns="46355" rIns="89535" bIns="46355" numCol="1" vert="horz" anchor="t">
+            <a:spAutoFit/>
+          </a:bodyPr>
+          <a:lstStyle/>
+          <a:p>
+            <a:pPr marL="0" indent="0" algn="l" latinLnBrk="0" hangingPunct="1">
+              <a:buFontTx/>
+              <a:buNone/>
+            </a:pPr>
+            <a:r>
+              <a:rPr lang="ko-KR" sz="2000" b="1">
+                <a:solidFill>
+                  <a:schemeClr val="bg1"/>
+                </a:solidFill>
+                <a:latin typeface="맑은 고딕" charset="0"/>
+                <a:ea typeface="맑은 고딕" charset="0"/>
+              </a:rPr>
+              <a:t>2000</a:t>
+            </a:r>
+            <a:endParaRPr lang="ko-KR" altLang="en-US" sz="2000" b="1">
+              <a:solidFill>
+                <a:schemeClr val="bg1"/>
+              </a:solidFill>
+              <a:latin typeface="맑은 고딕" charset="0"/>
+              <a:ea typeface="맑은 고딕" charset="0"/>
+            </a:endParaRPr>
+          </a:p>
+        </p:txBody>
+      </p:sp>
+      <p:sp>
+        <p:nvSpPr>
+          <p:cNvPr id="1053" name="텍스트 상자 42"/>
+          <p:cNvSpPr txBox="1">
+            <a:spLocks/>
+          </p:cNvSpPr>
+          <p:nvPr/>
+        </p:nvSpPr>
+        <p:spPr>
+          <a:xfrm rot="0">
+            <a:off x="942975" y="1527175"/>
+            <a:ext cx="1019810" cy="400685"/>
+          </a:xfrm>
+          <a:prstGeom prst="rect"/>
+          <a:noFill/>
+          <a:ln w="0">
+            <a:noFill/>
+            <a:prstDash/>
+          </a:ln>
+        </p:spPr>
+        <p:txBody>
+          <a:bodyPr wrap="square" lIns="89535" tIns="46355" rIns="89535" bIns="46355" numCol="1" vert="horz" anchor="t">
+            <a:spAutoFit/>
+          </a:bodyPr>
+          <a:lstStyle/>
+          <a:p>
+            <a:pPr marL="0" indent="0" algn="l" latinLnBrk="0" hangingPunct="1">
+              <a:buFontTx/>
+              <a:buNone/>
+            </a:pPr>
+            <a:r>
+              <a:rPr lang="ko-KR" sz="2000" b="1">
+                <a:solidFill>
+                  <a:srgbClr val="0611F2"/>
+                </a:solidFill>
+                <a:latin typeface="맑은 고딕" charset="0"/>
+                <a:ea typeface="맑은 고딕" charset="0"/>
+              </a:rPr>
+              <a:t>IsMine</a:t>
+            </a:r>
+            <a:endParaRPr lang="ko-KR" altLang="en-US" sz="2000" b="1">
+              <a:solidFill>
+                <a:srgbClr val="0611F2"/>
+              </a:solidFill>
+              <a:latin typeface="맑은 고딕" charset="0"/>
+              <a:ea typeface="맑은 고딕" charset="0"/>
+            </a:endParaRPr>
+          </a:p>
+        </p:txBody>
+      </p:sp>
+      <p:sp>
+        <p:nvSpPr>
+          <p:cNvPr id="1054" name="텍스트 상자 44"/>
+          <p:cNvSpPr txBox="1">
+            <a:spLocks/>
+          </p:cNvSpPr>
+          <p:nvPr/>
+        </p:nvSpPr>
+        <p:spPr>
+          <a:xfrm rot="0">
+            <a:off x="4300855" y="2351405"/>
+            <a:ext cx="1019810" cy="400685"/>
+          </a:xfrm>
+          <a:prstGeom prst="rect"/>
+          <a:noFill/>
+          <a:ln w="0">
+            <a:noFill/>
+            <a:prstDash/>
+          </a:ln>
+        </p:spPr>
+        <p:txBody>
+          <a:bodyPr wrap="square" lIns="89535" tIns="46355" rIns="89535" bIns="46355" numCol="1" vert="horz" anchor="t">
+            <a:spAutoFit/>
+          </a:bodyPr>
+          <a:lstStyle/>
+          <a:p>
+            <a:pPr marL="0" indent="0" algn="l" latinLnBrk="0" hangingPunct="1">
+              <a:buFontTx/>
+              <a:buNone/>
+            </a:pPr>
+            <a:r>
+              <a:rPr lang="ko-KR" sz="2000" b="1">
+                <a:solidFill>
+                  <a:srgbClr val="80007F"/>
+                </a:solidFill>
+                <a:latin typeface="맑은 고딕" charset="0"/>
+                <a:ea typeface="맑은 고딕" charset="0"/>
+              </a:rPr>
+              <a:t>IsMine</a:t>
+            </a:r>
+            <a:endParaRPr lang="ko-KR" altLang="en-US" sz="2000" b="1">
+              <a:solidFill>
+                <a:srgbClr val="80007F"/>
+              </a:solidFill>
+              <a:latin typeface="맑은 고딕" charset="0"/>
+              <a:ea typeface="맑은 고딕" charset="0"/>
+            </a:endParaRPr>
+          </a:p>
+        </p:txBody>
+      </p:sp>
     </p:spTree>
   </p:cSld>
   <p:clrMapOvr>
@@ -7007,8 +7269,8 @@
         </p:nvSpPr>
         <p:spPr>
           <a:xfrm rot="0">
-            <a:off x="4391660" y="417195"/>
-            <a:ext cx="3406775" cy="554990"/>
+            <a:off x="3908425" y="376555"/>
+            <a:ext cx="4377690" cy="554990"/>
           </a:xfrm>
           <a:prstGeom prst="rect"/>
           <a:noFill/>
@@ -7028,25 +7290,14 @@
               <a:buNone/>
             </a:pPr>
             <a:r>
-              <a:rPr lang="ko-KR" sz="3000" b="1">
-                <a:latin typeface="맑은 고딕" charset="0"/>
-                <a:ea typeface="맑은 고딕" charset="0"/>
-              </a:rPr>
-              <a:t>Photon</a:t>
-            </a:r>
-            <a:r>
-              <a:rPr lang="ko-KR" sz="3000" b="1">
-                <a:latin typeface="맑은 고딕" charset="0"/>
-                <a:ea typeface="맑은 고딕" charset="0"/>
-              </a:rPr>
-              <a:t> </a:t>
-            </a:r>
-            <a:r>
-              <a:rPr lang="ko-KR" sz="3000" b="1">
-                <a:latin typeface="맑은 고딕" charset="0"/>
-                <a:ea typeface="맑은 고딕" charset="0"/>
-              </a:rPr>
-              <a:t>View RPC</a:t>
+              <a:rPr lang="ko-KR" altLang="en-US" sz="3000" b="1">
+                <a:solidFill>
+                  <a:schemeClr val="tx1"/>
+                </a:solidFill>
+                <a:latin typeface="맑은 고딕" charset="0"/>
+                <a:ea typeface="맑은 고딕" charset="0"/>
+              </a:rPr>
+              <a:t>Remote Procedure Call</a:t>
             </a:r>
             <a:endParaRPr lang="ko-KR" altLang="en-US" sz="3000" b="1">
               <a:solidFill>
@@ -7060,7 +7311,7 @@
       </p:sp>
       <p:sp>
         <p:nvSpPr>
-          <p:cNvPr id="1033" name="Rect 0"/>
+          <p:cNvPr id="1032" name="텍스트 상자 1"/>
           <p:cNvSpPr txBox="1">
             <a:spLocks/>
           </p:cNvSpPr>
@@ -7068,8 +7319,8 @@
         </p:nvSpPr>
         <p:spPr>
           <a:xfrm rot="0">
-            <a:off x="6886575" y="1388745"/>
-            <a:ext cx="4191000" cy="3969385"/>
+            <a:off x="828040" y="1393190"/>
+            <a:ext cx="4506595" cy="923925"/>
           </a:xfrm>
           <a:prstGeom prst="rect"/>
           <a:noFill/>
@@ -7093,166 +7344,27 @@
                 <a:latin typeface="맑은 고딕" charset="0"/>
                 <a:ea typeface="맑은 고딕" charset="0"/>
               </a:rPr>
-              <a:t>A 클라이언트의 1001 객체가 현재 로컬 객체입니다.</a:t>
+              <a:t>원격 프로시저 호출은 주소 공간에서 함수나 프로시저를 실행할 수 있게 하는 프로세스 간 통신 기술입니다.</a:t>
             </a:r>
             <a:endParaRPr lang="ko-KR" altLang="en-US" sz="1800">
               <a:latin typeface="맑은 고딕" charset="0"/>
               <a:ea typeface="맑은 고딕" charset="0"/>
             </a:endParaRPr>
           </a:p>
-          <a:p>
-            <a:pPr marL="0" indent="0" algn="l" latinLnBrk="0" hangingPunct="1">
-              <a:buFontTx/>
-              <a:buNone/>
-            </a:pPr>
-            <a:endParaRPr lang="ko-KR" altLang="en-US" sz="1800">
-              <a:latin typeface="맑은 고딕" charset="0"/>
-              <a:ea typeface="맑은 고딕" charset="0"/>
-            </a:endParaRPr>
-          </a:p>
-          <a:p>
-            <a:pPr marL="0" indent="0" algn="l" latinLnBrk="0" hangingPunct="1">
-              <a:buFontTx/>
-              <a:buNone/>
-            </a:pPr>
-            <a:r>
-              <a:rPr lang="ko-KR" sz="1800">
-                <a:latin typeface="맑은 고딕" charset="0"/>
-                <a:ea typeface="맑은 고딕" charset="0"/>
-              </a:rPr>
-              <a:t>B 클라이언트에서는 1001 객체는 원격 객체입니다.</a:t>
-            </a:r>
-            <a:endParaRPr lang="ko-KR" altLang="en-US" sz="1800">
-              <a:latin typeface="맑은 고딕" charset="0"/>
-              <a:ea typeface="맑은 고딕" charset="0"/>
-            </a:endParaRPr>
-          </a:p>
-          <a:p>
-            <a:pPr marL="0" indent="0" algn="l" latinLnBrk="0" hangingPunct="1">
-              <a:buFontTx/>
-              <a:buNone/>
-            </a:pPr>
-            <a:endParaRPr lang="ko-KR" altLang="en-US" sz="1800">
-              <a:latin typeface="맑은 고딕" charset="0"/>
-              <a:ea typeface="맑은 고딕" charset="0"/>
-            </a:endParaRPr>
-          </a:p>
-          <a:p>
-            <a:pPr marL="0" indent="0" algn="l" latinLnBrk="0" hangingPunct="1">
-              <a:buFontTx/>
-              <a:buNone/>
-            </a:pPr>
-            <a:r>
-              <a:rPr lang="ko-KR" sz="1800">
-                <a:latin typeface="맑은 고딕" charset="0"/>
-                <a:ea typeface="맑은 고딕" charset="0"/>
-              </a:rPr>
-              <a:t>A 클라이언트에서 1001 객체가 RPC 함수를 호출하게 되면 B 클라이언트에서는 1001 객체에만 RPC 함수의 내용 전달합니다.</a:t>
-            </a:r>
-            <a:endParaRPr lang="ko-KR" altLang="en-US" sz="1800">
-              <a:latin typeface="맑은 고딕" charset="0"/>
-              <a:ea typeface="맑은 고딕" charset="0"/>
-            </a:endParaRPr>
-          </a:p>
-          <a:p>
-            <a:pPr marL="0" indent="0" algn="l" latinLnBrk="0" hangingPunct="1">
-              <a:buFontTx/>
-              <a:buNone/>
-            </a:pPr>
-            <a:endParaRPr lang="ko-KR" altLang="en-US" sz="1800">
-              <a:latin typeface="맑은 고딕" charset="0"/>
-              <a:ea typeface="맑은 고딕" charset="0"/>
-            </a:endParaRPr>
-          </a:p>
-          <a:p>
-            <a:pPr marL="0" indent="0" algn="l" latinLnBrk="0" hangingPunct="1">
-              <a:buFontTx/>
-              <a:buNone/>
-            </a:pPr>
-            <a:r>
-              <a:rPr lang="ko-KR" sz="1800">
-                <a:latin typeface="맑은 고딕" charset="0"/>
-                <a:ea typeface="맑은 고딕" charset="0"/>
-              </a:rPr>
-              <a:t>결국에는 서로 다른 클라이언트에서 같은 View ID를 가진 객체에만 RPC 함수가 전달되는 것입니다.</a:t>
-            </a:r>
-            <a:endParaRPr lang="ko-KR" altLang="en-US" sz="1800">
-              <a:latin typeface="맑은 고딕" charset="0"/>
-              <a:ea typeface="맑은 고딕" charset="0"/>
-            </a:endParaRPr>
-          </a:p>
-        </p:txBody>
-      </p:sp>
-      <p:pic>
-        <p:nvPicPr>
-          <p:cNvPr id="1035" name="Picture "/>
-          <p:cNvPicPr>
-            <a:picLocks noChangeAspect="1"/>
-          </p:cNvPicPr>
+        </p:txBody>
+      </p:sp>
+      <p:sp>
+        <p:nvSpPr>
+          <p:cNvPr id="1033" name="텍스트 상자 2"/>
+          <p:cNvSpPr txBox="1">
+            <a:spLocks/>
+          </p:cNvSpPr>
           <p:nvPr/>
-        </p:nvPicPr>
-        <p:blipFill rotWithShape="1">
-          <a:blip r:embed="rId2" cstate="print">
-            <a:extLst>
-              <a:ext uri="{28A0092B-C50C-407E-A947-70E740481C1C}">
-                <a14:useLocalDpi xmlns:a14="http://schemas.microsoft.com/office/drawing/2010/main" val="0"/>
-              </a:ext>
-            </a:extLst>
-          </a:blip>
-          <a:stretch>
-            <a:fillRect/>
-          </a:stretch>
-        </p:blipFill>
-        <p:spPr>
-          <a:xfrm rot="0">
-            <a:off x="944245" y="1395095"/>
-            <a:ext cx="2169795" cy="3060700"/>
-          </a:xfrm>
-          <a:prstGeom prst="rect"/>
-          <a:noFill/>
-        </p:spPr>
-      </p:pic>
-      <p:pic>
-        <p:nvPicPr>
-          <p:cNvPr id="1036" name="Picture "/>
-          <p:cNvPicPr>
-            <a:picLocks noChangeAspect="1"/>
-          </p:cNvPicPr>
-          <p:nvPr/>
-        </p:nvPicPr>
-        <p:blipFill rotWithShape="1">
-          <a:blip r:embed="rId3" cstate="print">
-            <a:extLst>
-              <a:ext uri="{28A0092B-C50C-407E-A947-70E740481C1C}">
-                <a14:useLocalDpi xmlns:a14="http://schemas.microsoft.com/office/drawing/2010/main" val="0"/>
-              </a:ext>
-            </a:extLst>
-          </a:blip>
-          <a:stretch>
-            <a:fillRect/>
-          </a:stretch>
-        </p:blipFill>
-        <p:spPr>
-          <a:xfrm rot="0">
-            <a:off x="3286125" y="1390650"/>
-            <a:ext cx="2181860" cy="3077210"/>
-          </a:xfrm>
-          <a:prstGeom prst="rect"/>
-          <a:noFill/>
-        </p:spPr>
-      </p:pic>
-      <p:sp>
-        <p:nvSpPr>
-          <p:cNvPr id="1037" name="Rect 0"/>
-          <p:cNvSpPr txBox="1">
-            <a:spLocks/>
-          </p:cNvSpPr>
-          <p:nvPr/>
-        </p:nvSpPr>
-        <p:spPr>
-          <a:xfrm rot="0">
-            <a:off x="1147445" y="4646295"/>
-            <a:ext cx="1777365" cy="400685"/>
+        </p:nvSpPr>
+        <p:spPr>
+          <a:xfrm rot="0">
+            <a:off x="6905625" y="1388745"/>
+            <a:ext cx="4162425" cy="3692525"/>
           </a:xfrm>
           <a:prstGeom prst="rect"/>
           <a:noFill/>
@@ -7272,181 +7384,76 @@
               <a:buNone/>
             </a:pPr>
             <a:r>
-              <a:rPr lang="ko-KR" sz="2000" b="1">
-                <a:solidFill>
-                  <a:srgbClr val="36B700"/>
-                </a:solidFill>
-                <a:latin typeface="맑은 고딕" charset="0"/>
-                <a:ea typeface="맑은 고딕" charset="0"/>
-              </a:rPr>
-              <a:t>A 클라이언트</a:t>
-            </a:r>
-            <a:endParaRPr lang="ko-KR" altLang="en-US" sz="2000" b="1">
-              <a:solidFill>
-                <a:srgbClr val="36B700"/>
-              </a:solidFill>
-              <a:latin typeface="맑은 고딕" charset="0"/>
-              <a:ea typeface="맑은 고딕" charset="0"/>
-            </a:endParaRPr>
-          </a:p>
-        </p:txBody>
-      </p:sp>
-      <p:sp>
-        <p:nvSpPr>
-          <p:cNvPr id="1038" name="Rect 0"/>
-          <p:cNvSpPr txBox="1">
-            <a:spLocks/>
-          </p:cNvSpPr>
-          <p:nvPr/>
-        </p:nvSpPr>
-        <p:spPr>
-          <a:xfrm rot="0">
-            <a:off x="3524250" y="4641850"/>
-            <a:ext cx="1777365" cy="400685"/>
-          </a:xfrm>
-          <a:prstGeom prst="rect"/>
-          <a:noFill/>
-          <a:ln w="0">
-            <a:noFill/>
-            <a:prstDash/>
-          </a:ln>
-        </p:spPr>
-        <p:txBody>
-          <a:bodyPr wrap="square" lIns="89535" tIns="46355" rIns="89535" bIns="46355" numCol="1" vert="horz" anchor="t">
-            <a:spAutoFit/>
-          </a:bodyPr>
-          <a:lstStyle/>
-          <a:p>
-            <a:pPr marL="0" indent="0" algn="l" latinLnBrk="0" hangingPunct="1">
-              <a:buFontTx/>
-              <a:buNone/>
-            </a:pPr>
-            <a:r>
-              <a:rPr lang="ko-KR" sz="2000" b="1">
-                <a:solidFill>
-                  <a:srgbClr val="36B700"/>
-                </a:solidFill>
-                <a:latin typeface="맑은 고딕" charset="0"/>
-                <a:ea typeface="맑은 고딕" charset="0"/>
-              </a:rPr>
-              <a:t>B 클라이언트</a:t>
-            </a:r>
-            <a:endParaRPr lang="ko-KR" altLang="en-US" sz="2000" b="1">
-              <a:solidFill>
-                <a:srgbClr val="36B700"/>
-              </a:solidFill>
-              <a:latin typeface="맑은 고딕" charset="0"/>
-              <a:ea typeface="맑은 고딕" charset="0"/>
-            </a:endParaRPr>
-          </a:p>
-        </p:txBody>
-      </p:sp>
-      <p:sp>
-        <p:nvSpPr>
-          <p:cNvPr id="1043" name="Rect 0"/>
-          <p:cNvSpPr>
-            <a:spLocks/>
-          </p:cNvSpPr>
-          <p:nvPr/>
-        </p:nvSpPr>
-        <p:spPr>
-          <a:xfrm rot="0" flipH="1">
-            <a:off x="2000250" y="3114675"/>
-            <a:ext cx="2877185" cy="619760"/>
-          </a:xfrm>
-          <a:prstGeom prst="curvedUpArrow"/>
-        </p:spPr>
-        <p:style>
-          <a:lnRef idx="2">
-            <a:schemeClr val="accent1">
-              <a:shade val="50000"/>
-            </a:schemeClr>
-          </a:lnRef>
-          <a:fillRef idx="1">
-            <a:schemeClr val="accent1"/>
-          </a:fillRef>
-          <a:effectRef idx="0">
-            <a:schemeClr val="accent1"/>
-          </a:effectRef>
-          <a:fontRef idx="minor">
-            <a:schemeClr val="lt1"/>
-          </a:fontRef>
-        </p:style>
-        <p:txBody>
-          <a:bodyPr wrap="square" lIns="91440" tIns="45720" rIns="91440" bIns="45720" vert="horz" anchor="ctr">
-            <a:noAutofit/>
-          </a:bodyPr>
-          <a:lstStyle/>
-          <a:p>
-            <a:pPr marL="0" indent="0" algn="ctr" hangingPunct="1"/>
+              <a:rPr lang="ko-KR" sz="1800">
+                <a:latin typeface="맑은 고딕" charset="0"/>
+                <a:ea typeface="맑은 고딕" charset="0"/>
+              </a:rPr>
+              <a:t>포톤에서는 여러 명의 클라이언트가 모두 같은 스크립트를 가지고 일반 함수를 호출하게 되면 로컬에서만 실행됩니다.</a:t>
+            </a:r>
             <a:endParaRPr lang="ko-KR" altLang="en-US" sz="1800">
               <a:latin typeface="맑은 고딕" charset="0"/>
               <a:ea typeface="맑은 고딕" charset="0"/>
             </a:endParaRPr>
           </a:p>
+          <a:p>
+            <a:pPr marL="0" indent="0" algn="l" latinLnBrk="0" hangingPunct="1">
+              <a:buFontTx/>
+              <a:buNone/>
+            </a:pPr>
+            <a:endParaRPr lang="ko-KR" altLang="en-US" sz="1800">
+              <a:latin typeface="맑은 고딕" charset="0"/>
+              <a:ea typeface="맑은 고딕" charset="0"/>
+            </a:endParaRPr>
+          </a:p>
+          <a:p>
+            <a:pPr marL="0" indent="0" algn="l" latinLnBrk="0" hangingPunct="1">
+              <a:buFontTx/>
+              <a:buNone/>
+            </a:pPr>
+            <a:r>
+              <a:rPr lang="ko-KR" sz="1800">
+                <a:latin typeface="맑은 고딕" charset="0"/>
+                <a:ea typeface="맑은 고딕" charset="0"/>
+              </a:rPr>
+              <a:t>그래서 다른 컴퓨터에서도 특정 함수의 실행을 보여주기 위해서는 RPC 함수를 만들어서 호출해야 합니다.</a:t>
+            </a:r>
+            <a:endParaRPr lang="ko-KR" altLang="en-US" sz="1800">
+              <a:latin typeface="맑은 고딕" charset="0"/>
+              <a:ea typeface="맑은 고딕" charset="0"/>
+            </a:endParaRPr>
+          </a:p>
+          <a:p>
+            <a:pPr marL="0" indent="0" algn="l" latinLnBrk="0" hangingPunct="1">
+              <a:buFontTx/>
+              <a:buNone/>
+            </a:pPr>
+            <a:endParaRPr lang="ko-KR" altLang="en-US" sz="1800">
+              <a:latin typeface="맑은 고딕" charset="0"/>
+              <a:ea typeface="맑은 고딕" charset="0"/>
+            </a:endParaRPr>
+          </a:p>
+          <a:p>
+            <a:pPr marL="0" indent="0" algn="l" latinLnBrk="0" hangingPunct="1">
+              <a:buFontTx/>
+              <a:buNone/>
+            </a:pPr>
+            <a:r>
+              <a:rPr lang="ko-KR" sz="1800">
+                <a:latin typeface="맑은 고딕" charset="0"/>
+                <a:ea typeface="맑은 고딕" charset="0"/>
+              </a:rPr>
+              <a:t>PRC 채팅은 일반 함수끼리 통신이 안 되기 때문에 서로 다른 클라이언트에서는 같은 View ID끼리 같은 함수를 실행하도록 설정합니다.</a:t>
+            </a:r>
+            <a:endParaRPr lang="ko-KR" altLang="en-US" sz="1800">
+              <a:latin typeface="맑은 고딕" charset="0"/>
+              <a:ea typeface="맑은 고딕" charset="0"/>
+            </a:endParaRPr>
+          </a:p>
         </p:txBody>
       </p:sp>
       <p:pic>
         <p:nvPicPr>
-          <p:cNvPr id="1044" name="그림 33"/>
-          <p:cNvPicPr>
-            <a:picLocks noChangeAspect="1"/>
-          </p:cNvPicPr>
-          <p:nvPr/>
-        </p:nvPicPr>
-        <p:blipFill rotWithShape="1">
-          <a:blip r:embed="rId4" cstate="print">
-            <a:extLst>
-              <a:ext uri="{28A0092B-C50C-407E-A947-70E740481C1C}">
-                <a14:useLocalDpi xmlns:a14="http://schemas.microsoft.com/office/drawing/2010/main" val="0"/>
-              </a:ext>
-            </a:extLst>
-          </a:blip>
-          <a:stretch>
-            <a:fillRect/>
-          </a:stretch>
-        </p:blipFill>
-        <p:spPr>
-          <a:xfrm rot="0">
-            <a:off x="1790700" y="2476500"/>
-            <a:ext cx="734060" cy="734060"/>
-          </a:xfrm>
-          <a:prstGeom prst="rect"/>
-          <a:noFill/>
-        </p:spPr>
-      </p:pic>
-      <p:pic>
-        <p:nvPicPr>
-          <p:cNvPr id="1045" name="그림 34"/>
-          <p:cNvPicPr>
-            <a:picLocks noChangeAspect="1"/>
-          </p:cNvPicPr>
-          <p:nvPr/>
-        </p:nvPicPr>
-        <p:blipFill rotWithShape="1">
-          <a:blip r:embed="rId5" cstate="print">
-            <a:extLst>
-              <a:ext uri="{28A0092B-C50C-407E-A947-70E740481C1C}">
-                <a14:useLocalDpi xmlns:a14="http://schemas.microsoft.com/office/drawing/2010/main" val="0"/>
-              </a:ext>
-            </a:extLst>
-          </a:blip>
-          <a:stretch>
-            <a:fillRect/>
-          </a:stretch>
-        </p:blipFill>
-        <p:spPr>
-          <a:xfrm rot="0">
-            <a:off x="4405630" y="2472055"/>
-            <a:ext cx="734060" cy="734060"/>
-          </a:xfrm>
-          <a:prstGeom prst="rect"/>
-          <a:noFill/>
-        </p:spPr>
-      </p:pic>
-      <p:pic>
-        <p:nvPicPr>
-          <p:cNvPr id="1046" name="그림 35"/>
+          <p:cNvPr id="1035" name="그림 6"/>
           <p:cNvPicPr>
             <a:picLocks noChangeAspect="1"/>
           </p:cNvPicPr>
@@ -7466,8 +7473,8 @@
         </p:blipFill>
         <p:spPr>
           <a:xfrm rot="0">
-            <a:off x="944245" y="1562100"/>
-            <a:ext cx="1056640" cy="943610"/>
+            <a:off x="829945" y="3442970"/>
+            <a:ext cx="1951990" cy="1882140"/>
           </a:xfrm>
           <a:prstGeom prst="rect"/>
           <a:noFill/>
@@ -7475,7 +7482,7 @@
       </p:pic>
       <p:pic>
         <p:nvPicPr>
-          <p:cNvPr id="1047" name="그림 36"/>
+          <p:cNvPr id="1036" name="그림 7"/>
           <p:cNvPicPr>
             <a:picLocks noChangeAspect="1"/>
           </p:cNvPicPr>
@@ -7495,8 +7502,8 @@
         </p:blipFill>
         <p:spPr>
           <a:xfrm rot="0">
-            <a:off x="3473450" y="1567180"/>
-            <a:ext cx="1056640" cy="943610"/>
+            <a:off x="3378200" y="3438525"/>
+            <a:ext cx="1951990" cy="1882140"/>
           </a:xfrm>
           <a:prstGeom prst="rect"/>
           <a:noFill/>
@@ -7504,16 +7511,278 @@
       </p:pic>
       <p:sp>
         <p:nvSpPr>
-          <p:cNvPr id="1048" name="도형 37"/>
+          <p:cNvPr id="1037" name="텍스트 상자 8"/>
+          <p:cNvSpPr txBox="1">
+            <a:spLocks/>
+          </p:cNvSpPr>
+          <p:nvPr/>
+        </p:nvSpPr>
+        <p:spPr>
+          <a:xfrm rot="0">
+            <a:off x="909320" y="5513070"/>
+            <a:ext cx="1777365" cy="400685"/>
+          </a:xfrm>
+          <a:prstGeom prst="rect"/>
+          <a:noFill/>
+          <a:ln w="0">
+            <a:noFill/>
+            <a:prstDash/>
+          </a:ln>
+        </p:spPr>
+        <p:txBody>
+          <a:bodyPr wrap="square" lIns="89535" tIns="46355" rIns="89535" bIns="46355" numCol="1" vert="horz" anchor="t">
+            <a:spAutoFit/>
+          </a:bodyPr>
+          <a:lstStyle/>
+          <a:p>
+            <a:pPr marL="0" indent="0" algn="l" latinLnBrk="0" hangingPunct="1">
+              <a:buFontTx/>
+              <a:buNone/>
+            </a:pPr>
+            <a:r>
+              <a:rPr lang="ko-KR" sz="2000" b="1">
+                <a:solidFill>
+                  <a:srgbClr val="36B700"/>
+                </a:solidFill>
+                <a:latin typeface="맑은 고딕" charset="0"/>
+                <a:ea typeface="맑은 고딕" charset="0"/>
+              </a:rPr>
+              <a:t>A 클라이언트</a:t>
+            </a:r>
+            <a:endParaRPr lang="ko-KR" altLang="en-US" sz="2000" b="1">
+              <a:solidFill>
+                <a:srgbClr val="36B700"/>
+              </a:solidFill>
+              <a:latin typeface="맑은 고딕" charset="0"/>
+              <a:ea typeface="맑은 고딕" charset="0"/>
+            </a:endParaRPr>
+          </a:p>
+        </p:txBody>
+      </p:sp>
+      <p:sp>
+        <p:nvSpPr>
+          <p:cNvPr id="1038" name="텍스트 상자 9"/>
+          <p:cNvSpPr txBox="1">
+            <a:spLocks/>
+          </p:cNvSpPr>
+          <p:nvPr/>
+        </p:nvSpPr>
+        <p:spPr>
+          <a:xfrm rot="0">
+            <a:off x="3457575" y="5527675"/>
+            <a:ext cx="1777365" cy="400685"/>
+          </a:xfrm>
+          <a:prstGeom prst="rect"/>
+          <a:noFill/>
+          <a:ln w="0">
+            <a:noFill/>
+            <a:prstDash/>
+          </a:ln>
+        </p:spPr>
+        <p:txBody>
+          <a:bodyPr wrap="square" lIns="89535" tIns="46355" rIns="89535" bIns="46355" numCol="1" vert="horz" anchor="t">
+            <a:spAutoFit/>
+          </a:bodyPr>
+          <a:lstStyle/>
+          <a:p>
+            <a:pPr marL="0" indent="0" algn="l" latinLnBrk="0" hangingPunct="1">
+              <a:buFontTx/>
+              <a:buNone/>
+            </a:pPr>
+            <a:r>
+              <a:rPr lang="ko-KR" sz="2000" b="1">
+                <a:solidFill>
+                  <a:srgbClr val="36B700"/>
+                </a:solidFill>
+                <a:latin typeface="맑은 고딕" charset="0"/>
+                <a:ea typeface="맑은 고딕" charset="0"/>
+              </a:rPr>
+              <a:t>B 클라이언트</a:t>
+            </a:r>
+            <a:endParaRPr lang="ko-KR" altLang="en-US" sz="2000" b="1">
+              <a:solidFill>
+                <a:srgbClr val="36B700"/>
+              </a:solidFill>
+              <a:latin typeface="맑은 고딕" charset="0"/>
+              <a:ea typeface="맑은 고딕" charset="0"/>
+            </a:endParaRPr>
+          </a:p>
+        </p:txBody>
+      </p:sp>
+      <p:pic>
+        <p:nvPicPr>
+          <p:cNvPr id="1039" name="그림 10"/>
+          <p:cNvPicPr>
+            <a:picLocks noChangeAspect="1"/>
+          </p:cNvPicPr>
+          <p:nvPr/>
+        </p:nvPicPr>
+        <p:blipFill rotWithShape="1">
+          <a:blip r:embed="rId8" cstate="print">
+            <a:extLst>
+              <a:ext uri="{28A0092B-C50C-407E-A947-70E740481C1C}">
+                <a14:useLocalDpi xmlns:a14="http://schemas.microsoft.com/office/drawing/2010/main" val="0"/>
+              </a:ext>
+            </a:extLst>
+          </a:blip>
+          <a:stretch>
+            <a:fillRect/>
+          </a:stretch>
+        </p:blipFill>
+        <p:spPr>
+          <a:xfrm rot="0">
+            <a:off x="1080770" y="3612515"/>
+            <a:ext cx="1443990" cy="512445"/>
+          </a:xfrm>
+          <a:prstGeom prst="roundRect"/>
+          <a:solidFill>
+            <a:srgbClr val="EDEDED"/>
+          </a:solidFill>
+        </p:spPr>
+      </p:pic>
+      <p:pic>
+        <p:nvPicPr>
+          <p:cNvPr id="1040" name="그림 13"/>
+          <p:cNvPicPr>
+            <a:picLocks noChangeAspect="1"/>
+          </p:cNvPicPr>
+          <p:nvPr/>
+        </p:nvPicPr>
+        <p:blipFill rotWithShape="1">
+          <a:blip r:embed="rId9" cstate="print">
+            <a:extLst>
+              <a:ext uri="{28A0092B-C50C-407E-A947-70E740481C1C}">
+                <a14:useLocalDpi xmlns:a14="http://schemas.microsoft.com/office/drawing/2010/main" val="0"/>
+              </a:ext>
+            </a:extLst>
+          </a:blip>
+          <a:stretch>
+            <a:fillRect/>
+          </a:stretch>
+        </p:blipFill>
+        <p:spPr>
+          <a:xfrm rot="0">
+            <a:off x="3676650" y="3608070"/>
+            <a:ext cx="1443990" cy="512445"/>
+          </a:xfrm>
+          <a:prstGeom prst="roundRect"/>
+          <a:solidFill>
+            <a:srgbClr val="EDEDED"/>
+          </a:solidFill>
+        </p:spPr>
+      </p:pic>
+      <p:sp>
+        <p:nvSpPr>
+          <p:cNvPr id="1041" name="텍스트 상자 14"/>
+          <p:cNvSpPr txBox="1">
+            <a:spLocks/>
+          </p:cNvSpPr>
+          <p:nvPr/>
+        </p:nvSpPr>
+        <p:spPr>
+          <a:xfrm rot="0">
+            <a:off x="1038225" y="4127500"/>
+            <a:ext cx="1534160" cy="323850"/>
+          </a:xfrm>
+          <a:prstGeom prst="rect"/>
+          <a:noFill/>
+          <a:ln w="0">
+            <a:noFill/>
+            <a:prstDash/>
+          </a:ln>
+        </p:spPr>
+        <p:txBody>
+          <a:bodyPr wrap="square" lIns="89535" tIns="46355" rIns="89535" bIns="46355" numCol="1" vert="horz" anchor="t">
+            <a:spAutoFit/>
+          </a:bodyPr>
+          <a:lstStyle/>
+          <a:p>
+            <a:pPr marL="0" indent="0" algn="l" latinLnBrk="0" hangingPunct="1">
+              <a:buFontTx/>
+              <a:buNone/>
+            </a:pPr>
+            <a:r>
+              <a:rPr lang="ko-KR" sz="1500" b="1">
+                <a:solidFill>
+                  <a:srgbClr val="0611F2"/>
+                </a:solidFill>
+                <a:latin typeface="맑은 고딕" charset="0"/>
+                <a:ea typeface="맑은 고딕" charset="0"/>
+              </a:rPr>
+              <a:t>View ID : 1001</a:t>
+            </a:r>
+            <a:endParaRPr lang="ko-KR" altLang="en-US" sz="1500" b="1">
+              <a:solidFill>
+                <a:srgbClr val="0611F2"/>
+              </a:solidFill>
+              <a:latin typeface="맑은 고딕" charset="0"/>
+              <a:ea typeface="맑은 고딕" charset="0"/>
+            </a:endParaRPr>
+          </a:p>
+        </p:txBody>
+      </p:sp>
+      <p:sp>
+        <p:nvSpPr>
+          <p:cNvPr id="1042" name="텍스트 상자 15"/>
+          <p:cNvSpPr txBox="1">
+            <a:spLocks/>
+          </p:cNvSpPr>
+          <p:nvPr/>
+        </p:nvSpPr>
+        <p:spPr>
+          <a:xfrm rot="0">
+            <a:off x="3586480" y="4132580"/>
+            <a:ext cx="1534160" cy="323850"/>
+          </a:xfrm>
+          <a:prstGeom prst="rect"/>
+          <a:noFill/>
+          <a:ln w="0">
+            <a:noFill/>
+            <a:prstDash/>
+          </a:ln>
+        </p:spPr>
+        <p:txBody>
+          <a:bodyPr wrap="square" lIns="89535" tIns="46355" rIns="89535" bIns="46355" numCol="1" vert="horz" anchor="t">
+            <a:spAutoFit/>
+          </a:bodyPr>
+          <a:lstStyle/>
+          <a:p>
+            <a:pPr marL="0" indent="0" algn="l" latinLnBrk="0" hangingPunct="1">
+              <a:buFontTx/>
+              <a:buNone/>
+            </a:pPr>
+            <a:r>
+              <a:rPr lang="ko-KR" sz="1500" b="1">
+                <a:solidFill>
+                  <a:srgbClr val="0611F2"/>
+                </a:solidFill>
+                <a:latin typeface="맑은 고딕" charset="0"/>
+                <a:ea typeface="맑은 고딕" charset="0"/>
+              </a:rPr>
+              <a:t>View ID : 1001</a:t>
+            </a:r>
+            <a:endParaRPr lang="ko-KR" altLang="en-US" sz="1500" b="1">
+              <a:solidFill>
+                <a:srgbClr val="0611F2"/>
+              </a:solidFill>
+              <a:latin typeface="맑은 고딕" charset="0"/>
+              <a:ea typeface="맑은 고딕" charset="0"/>
+            </a:endParaRPr>
+          </a:p>
+        </p:txBody>
+      </p:sp>
+      <p:sp>
+        <p:nvSpPr>
+          <p:cNvPr id="1043" name="도형 18"/>
           <p:cNvSpPr>
             <a:spLocks/>
           </p:cNvSpPr>
           <p:nvPr/>
         </p:nvSpPr>
         <p:spPr>
-          <a:xfrm rot="10800000" flipH="1">
-            <a:off x="1300480" y="1195705"/>
-            <a:ext cx="2853055" cy="619760"/>
+          <a:xfrm rot="0" flipH="1">
+            <a:off x="1609725" y="4448175"/>
+            <a:ext cx="3039110" cy="619760"/>
           </a:xfrm>
           <a:prstGeom prst="curvedUpArrow"/>
         </p:spPr>
@@ -7547,306 +7816,37 @@
           </a:p>
         </p:txBody>
       </p:sp>
-      <p:sp>
-        <p:nvSpPr>
-          <p:cNvPr id="1049" name="텍스트 상자 38"/>
-          <p:cNvSpPr txBox="1">
-            <a:spLocks/>
-          </p:cNvSpPr>
+      <p:pic>
+        <p:nvPicPr>
+          <p:cNvPr id="1044" name="그림 19"/>
+          <p:cNvPicPr>
+            <a:picLocks noChangeAspect="1"/>
+          </p:cNvPicPr>
           <p:nvPr/>
-        </p:nvSpPr>
-        <p:spPr>
-          <a:xfrm rot="0">
-            <a:off x="1038225" y="1822450"/>
-            <a:ext cx="781685" cy="400685"/>
-          </a:xfrm>
-          <a:prstGeom prst="rect"/>
-          <a:noFill/>
-          <a:ln w="0">
-            <a:noFill/>
-            <a:prstDash/>
-          </a:ln>
-        </p:spPr>
-        <p:txBody>
-          <a:bodyPr wrap="square" lIns="89535" tIns="46355" rIns="89535" bIns="46355" numCol="1" vert="horz" anchor="t">
-            <a:spAutoFit/>
-          </a:bodyPr>
-          <a:lstStyle/>
-          <a:p>
-            <a:pPr marL="0" indent="0" algn="l" latinLnBrk="0" hangingPunct="1">
-              <a:buFontTx/>
-              <a:buNone/>
-            </a:pPr>
-            <a:r>
-              <a:rPr lang="ko-KR" sz="2000" b="1">
-                <a:solidFill>
-                  <a:schemeClr val="bg1"/>
-                </a:solidFill>
-                <a:latin typeface="맑은 고딕" charset="0"/>
-                <a:ea typeface="맑은 고딕" charset="0"/>
-              </a:rPr>
-              <a:t>1001</a:t>
-            </a:r>
-            <a:endParaRPr lang="ko-KR" altLang="en-US" sz="2000" b="1">
-              <a:solidFill>
-                <a:schemeClr val="bg1"/>
-              </a:solidFill>
-              <a:latin typeface="맑은 고딕" charset="0"/>
-              <a:ea typeface="맑은 고딕" charset="0"/>
-            </a:endParaRPr>
-          </a:p>
-        </p:txBody>
-      </p:sp>
-      <p:sp>
-        <p:nvSpPr>
-          <p:cNvPr id="1050" name="텍스트 상자 39"/>
-          <p:cNvSpPr txBox="1">
-            <a:spLocks/>
-          </p:cNvSpPr>
-          <p:nvPr/>
-        </p:nvSpPr>
-        <p:spPr>
-          <a:xfrm rot="0">
-            <a:off x="3624580" y="1818005"/>
-            <a:ext cx="781685" cy="400685"/>
-          </a:xfrm>
-          <a:prstGeom prst="rect"/>
-          <a:noFill/>
-          <a:ln w="0">
-            <a:noFill/>
-            <a:prstDash/>
-          </a:ln>
-        </p:spPr>
-        <p:txBody>
-          <a:bodyPr wrap="square" lIns="89535" tIns="46355" rIns="89535" bIns="46355" numCol="1" vert="horz" anchor="t">
-            <a:spAutoFit/>
-          </a:bodyPr>
-          <a:lstStyle/>
-          <a:p>
-            <a:pPr marL="0" indent="0" algn="l" latinLnBrk="0" hangingPunct="1">
-              <a:buFontTx/>
-              <a:buNone/>
-            </a:pPr>
-            <a:r>
-              <a:rPr lang="ko-KR" sz="2000" b="1">
-                <a:solidFill>
-                  <a:schemeClr val="bg1"/>
-                </a:solidFill>
-                <a:latin typeface="맑은 고딕" charset="0"/>
-                <a:ea typeface="맑은 고딕" charset="0"/>
-              </a:rPr>
-              <a:t>1001</a:t>
-            </a:r>
-            <a:endParaRPr lang="ko-KR" altLang="en-US" sz="2000" b="1">
-              <a:solidFill>
-                <a:schemeClr val="bg1"/>
-              </a:solidFill>
-              <a:latin typeface="맑은 고딕" charset="0"/>
-              <a:ea typeface="맑은 고딕" charset="0"/>
-            </a:endParaRPr>
-          </a:p>
-        </p:txBody>
-      </p:sp>
-      <p:sp>
-        <p:nvSpPr>
-          <p:cNvPr id="1051" name="텍스트 상자 40"/>
-          <p:cNvSpPr txBox="1">
-            <a:spLocks/>
-          </p:cNvSpPr>
-          <p:nvPr/>
-        </p:nvSpPr>
-        <p:spPr>
-          <a:xfrm rot="0">
-            <a:off x="1772285" y="2642235"/>
-            <a:ext cx="781685" cy="400685"/>
-          </a:xfrm>
-          <a:prstGeom prst="rect"/>
-          <a:noFill/>
-          <a:ln w="0">
-            <a:noFill/>
-            <a:prstDash/>
-          </a:ln>
-        </p:spPr>
-        <p:txBody>
-          <a:bodyPr wrap="square" lIns="89535" tIns="46355" rIns="89535" bIns="46355" numCol="1" vert="horz" anchor="t">
-            <a:spAutoFit/>
-          </a:bodyPr>
-          <a:lstStyle/>
-          <a:p>
-            <a:pPr marL="0" indent="0" algn="l" latinLnBrk="0" hangingPunct="1">
-              <a:buFontTx/>
-              <a:buNone/>
-            </a:pPr>
-            <a:r>
-              <a:rPr lang="ko-KR" sz="2000" b="1">
-                <a:solidFill>
-                  <a:schemeClr val="bg1"/>
-                </a:solidFill>
-                <a:latin typeface="맑은 고딕" charset="0"/>
-                <a:ea typeface="맑은 고딕" charset="0"/>
-              </a:rPr>
-              <a:t>2000</a:t>
-            </a:r>
-            <a:endParaRPr lang="ko-KR" altLang="en-US" sz="2000" b="1">
-              <a:solidFill>
-                <a:schemeClr val="bg1"/>
-              </a:solidFill>
-              <a:latin typeface="맑은 고딕" charset="0"/>
-              <a:ea typeface="맑은 고딕" charset="0"/>
-            </a:endParaRPr>
-          </a:p>
-        </p:txBody>
-      </p:sp>
-      <p:sp>
-        <p:nvSpPr>
-          <p:cNvPr id="1052" name="텍스트 상자 41"/>
-          <p:cNvSpPr txBox="1">
-            <a:spLocks/>
-          </p:cNvSpPr>
-          <p:nvPr/>
-        </p:nvSpPr>
-        <p:spPr>
-          <a:xfrm rot="0">
-            <a:off x="4387215" y="2637790"/>
-            <a:ext cx="781685" cy="400685"/>
-          </a:xfrm>
-          <a:prstGeom prst="rect"/>
-          <a:noFill/>
-          <a:ln w="0">
-            <a:noFill/>
-            <a:prstDash/>
-          </a:ln>
-        </p:spPr>
-        <p:txBody>
-          <a:bodyPr wrap="square" lIns="89535" tIns="46355" rIns="89535" bIns="46355" numCol="1" vert="horz" anchor="t">
-            <a:spAutoFit/>
-          </a:bodyPr>
-          <a:lstStyle/>
-          <a:p>
-            <a:pPr marL="0" indent="0" algn="l" latinLnBrk="0" hangingPunct="1">
-              <a:buFontTx/>
-              <a:buNone/>
-            </a:pPr>
-            <a:r>
-              <a:rPr lang="ko-KR" sz="2000" b="1">
-                <a:solidFill>
-                  <a:schemeClr val="bg1"/>
-                </a:solidFill>
-                <a:latin typeface="맑은 고딕" charset="0"/>
-                <a:ea typeface="맑은 고딕" charset="0"/>
-              </a:rPr>
-              <a:t>2000</a:t>
-            </a:r>
-            <a:endParaRPr lang="ko-KR" altLang="en-US" sz="2000" b="1">
-              <a:solidFill>
-                <a:schemeClr val="bg1"/>
-              </a:solidFill>
-              <a:latin typeface="맑은 고딕" charset="0"/>
-              <a:ea typeface="맑은 고딕" charset="0"/>
-            </a:endParaRPr>
-          </a:p>
-        </p:txBody>
-      </p:sp>
-      <p:sp>
-        <p:nvSpPr>
-          <p:cNvPr id="1053" name="텍스트 상자 42"/>
-          <p:cNvSpPr txBox="1">
-            <a:spLocks/>
-          </p:cNvSpPr>
-          <p:nvPr/>
-        </p:nvSpPr>
-        <p:spPr>
-          <a:xfrm rot="0">
-            <a:off x="942975" y="1527175"/>
-            <a:ext cx="1019810" cy="400685"/>
-          </a:xfrm>
-          <a:prstGeom prst="rect"/>
-          <a:noFill/>
-          <a:ln w="0">
-            <a:noFill/>
-            <a:prstDash/>
-          </a:ln>
-        </p:spPr>
-        <p:txBody>
-          <a:bodyPr wrap="square" lIns="89535" tIns="46355" rIns="89535" bIns="46355" numCol="1" vert="horz" anchor="t">
-            <a:spAutoFit/>
-          </a:bodyPr>
-          <a:lstStyle/>
-          <a:p>
-            <a:pPr marL="0" indent="0" algn="l" latinLnBrk="0" hangingPunct="1">
-              <a:buFontTx/>
-              <a:buNone/>
-            </a:pPr>
-            <a:r>
-              <a:rPr lang="ko-KR" sz="2000" b="1">
-                <a:solidFill>
-                  <a:srgbClr val="0611F2"/>
-                </a:solidFill>
-                <a:latin typeface="맑은 고딕" charset="0"/>
-                <a:ea typeface="맑은 고딕" charset="0"/>
-              </a:rPr>
-              <a:t>IsMine</a:t>
-            </a:r>
-            <a:endParaRPr lang="ko-KR" altLang="en-US" sz="2000" b="1">
-              <a:solidFill>
-                <a:srgbClr val="0611F2"/>
-              </a:solidFill>
-              <a:latin typeface="맑은 고딕" charset="0"/>
-              <a:ea typeface="맑은 고딕" charset="0"/>
-            </a:endParaRPr>
-          </a:p>
-        </p:txBody>
-      </p:sp>
-      <p:sp>
-        <p:nvSpPr>
-          <p:cNvPr id="1054" name="텍스트 상자 44"/>
-          <p:cNvSpPr txBox="1">
-            <a:spLocks/>
-          </p:cNvSpPr>
-          <p:nvPr/>
-        </p:nvSpPr>
-        <p:spPr>
-          <a:xfrm rot="0">
-            <a:off x="4300855" y="2351405"/>
-            <a:ext cx="1019810" cy="400685"/>
-          </a:xfrm>
-          <a:prstGeom prst="rect"/>
-          <a:noFill/>
-          <a:ln w="0">
-            <a:noFill/>
-            <a:prstDash/>
-          </a:ln>
-        </p:spPr>
-        <p:txBody>
-          <a:bodyPr wrap="square" lIns="89535" tIns="46355" rIns="89535" bIns="46355" numCol="1" vert="horz" anchor="t">
-            <a:spAutoFit/>
-          </a:bodyPr>
-          <a:lstStyle/>
-          <a:p>
-            <a:pPr marL="0" indent="0" algn="l" latinLnBrk="0" hangingPunct="1">
-              <a:buFontTx/>
-              <a:buNone/>
-            </a:pPr>
-            <a:r>
-              <a:rPr lang="ko-KR" sz="2000" b="1">
-                <a:solidFill>
-                  <a:srgbClr val="80007F"/>
-                </a:solidFill>
-                <a:latin typeface="맑은 고딕" charset="0"/>
-                <a:ea typeface="맑은 고딕" charset="0"/>
-              </a:rPr>
-              <a:t>IsMine</a:t>
-            </a:r>
-            <a:endParaRPr lang="ko-KR" altLang="en-US" sz="2000" b="1">
-              <a:solidFill>
-                <a:srgbClr val="80007F"/>
-              </a:solidFill>
-              <a:latin typeface="맑은 고딕" charset="0"/>
-              <a:ea typeface="맑은 고딕" charset="0"/>
-            </a:endParaRPr>
-          </a:p>
-        </p:txBody>
-      </p:sp>
+        </p:nvPicPr>
+        <p:blipFill rotWithShape="1">
+          <a:blip r:embed="rId10" cstate="print">
+            <a:extLst>
+              <a:ext uri="{28A0092B-C50C-407E-A947-70E740481C1C}">
+                <a14:useLocalDpi xmlns:a14="http://schemas.microsoft.com/office/drawing/2010/main" val="0"/>
+              </a:ext>
+            </a:extLst>
+          </a:blip>
+          <a:stretch>
+            <a:fillRect/>
+          </a:stretch>
+        </p:blipFill>
+        <p:spPr>
+          <a:xfrm rot="0">
+            <a:off x="833120" y="2433320"/>
+            <a:ext cx="4501515" cy="891540"/>
+          </a:xfrm>
+          <a:prstGeom prst="roundRect"/>
+          <a:solidFill>
+            <a:srgbClr val="EDEDED"/>
+          </a:solidFill>
+        </p:spPr>
+      </p:pic>
     </p:spTree>
   </p:cSld>
   <p:clrMapOvr>
@@ -7947,9 +7947,9 @@
           <p:nvPr/>
         </p:nvSpPr>
         <p:spPr>
-          <a:xfrm>
+          <a:xfrm rot="0">
             <a:off x="1239520" y="4335145"/>
-            <a:ext cx="4123690" cy="1754505"/>
+            <a:ext cx="4189730" cy="1754505"/>
           </a:xfrm>
           <a:prstGeom prst="rect"/>
           <a:noFill/>
@@ -8137,17 +8137,17 @@
       </p:pic>
       <p:pic>
         <p:nvPicPr>
-          <p:cNvPr id="11" name="그림 21"/>
+          <p:cNvPr id="11" name="그림 21" descr="C:/Users/Admin1/AppData/Roaming/PolarisOffice/ETemp/13412_18275296/fImage173371898467.png"/>
           <p:cNvPicPr>
             <a:picLocks noChangeAspect="1"/>
           </p:cNvPicPr>
           <p:nvPr/>
         </p:nvPicPr>
         <p:blipFill rotWithShape="1">
-          <a:blip r:embed="rId3" cstate="print">
+          <a:blip r:embed="rId3" cstate="hqprint">
             <a:extLst>
               <a:ext uri="{28A0092B-C50C-407E-A947-70E740481C1C}">
-                <a14:useLocalDpi xmlns:a14="http://schemas.microsoft.com/office/drawing/2010/main" val="0"/>
+                <a14:useLocalDpi xmlns:a14="http://schemas.microsoft.com/office/drawing/2010/main"/>
               </a:ext>
             </a:extLst>
           </a:blip>
@@ -8158,10 +8158,12 @@
         <p:spPr>
           <a:xfrm rot="0">
             <a:off x="1231265" y="2312670"/>
-            <a:ext cx="4139565" cy="1800860"/>
-          </a:xfrm>
-          <a:prstGeom prst="rect"/>
-          <a:noFill/>
+            <a:ext cx="4206240" cy="1877695"/>
+          </a:xfrm>
+          <a:prstGeom prst="roundRect"/>
+          <a:solidFill>
+            <a:srgbClr val="EDEDED"/>
+          </a:solidFill>
         </p:spPr>
       </p:pic>
       <p:pic>
@@ -8197,7 +8199,7 @@
       </p:pic>
       <p:pic>
         <p:nvPicPr>
-          <p:cNvPr id="13" name="그림 26" descr="C:/Users/Admin1/AppData/Roaming/PolarisOffice/ETemp/50728_17865200/fImage2207441926500.png"/>
+          <p:cNvPr id="13" name="그림 26" descr="C:/Users/Admin1/AppData/Roaming/PolarisOffice/ETemp/13412_18275296/fImage2207441926500.png"/>
           <p:cNvPicPr>
             <a:picLocks noChangeAspect="1"/>
           </p:cNvPicPr>
@@ -8218,7 +8220,7 @@
         <p:spPr>
           <a:xfrm rot="0">
             <a:off x="6791960" y="2202815"/>
-            <a:ext cx="4124325" cy="3509645"/>
+            <a:ext cx="4124960" cy="3891280"/>
           </a:xfrm>
           <a:prstGeom prst="rect"/>
           <a:noFill/>
@@ -8350,7 +8352,7 @@
       </p:sp>
       <p:pic>
         <p:nvPicPr>
-          <p:cNvPr id="3" name="그림 11"/>
+          <p:cNvPr id="3" name="그림 11" descr="C:/Users/Admin1/AppData/Roaming/PolarisOffice/ETemp/13412_18275296/fImage240861709169.png"/>
           <p:cNvPicPr>
             <a:picLocks noChangeAspect="1"/>
           </p:cNvPicPr>
@@ -8370,16 +8372,18 @@
         </p:blipFill>
         <p:spPr>
           <a:xfrm rot="0">
-            <a:off x="1231265" y="1275715"/>
-            <a:ext cx="4057015" cy="2433320"/>
-          </a:xfrm>
-          <a:prstGeom prst="rect"/>
-          <a:noFill/>
+            <a:off x="1231265" y="1263650"/>
+            <a:ext cx="4057650" cy="2446020"/>
+          </a:xfrm>
+          <a:prstGeom prst="roundRect"/>
+          <a:solidFill>
+            <a:srgbClr val="EDEDED"/>
+          </a:solidFill>
         </p:spPr>
       </p:pic>
       <p:pic>
         <p:nvPicPr>
-          <p:cNvPr id="4" name="그림 12"/>
+          <p:cNvPr id="4" name="그림 12" descr="C:/Users/Admin1/AppData/Roaming/PolarisOffice/ETemp/13412_18275296/fImage64291715724.png"/>
           <p:cNvPicPr>
             <a:picLocks noChangeAspect="1"/>
           </p:cNvPicPr>
@@ -8399,16 +8403,18 @@
         </p:blipFill>
         <p:spPr>
           <a:xfrm rot="0">
-            <a:off x="6874510" y="3825875"/>
-            <a:ext cx="3950335" cy="838835"/>
-          </a:xfrm>
-          <a:prstGeom prst="rect"/>
-          <a:noFill/>
+            <a:off x="6874510" y="3982085"/>
+            <a:ext cx="3950970" cy="840105"/>
+          </a:xfrm>
+          <a:prstGeom prst="roundRect"/>
+          <a:solidFill>
+            <a:srgbClr val="EDEDED"/>
+          </a:solidFill>
         </p:spPr>
       </p:pic>
       <p:pic>
         <p:nvPicPr>
-          <p:cNvPr id="5" name="그림 13"/>
+          <p:cNvPr id="5" name="그림 13" descr="C:/Users/Admin1/AppData/Roaming/PolarisOffice/ETemp/13412_18275296/fImage251231721478.png"/>
           <p:cNvPicPr>
             <a:picLocks noChangeAspect="1"/>
           </p:cNvPicPr>
@@ -8429,10 +8435,12 @@
         <p:spPr>
           <a:xfrm rot="0">
             <a:off x="6869430" y="1271905"/>
-            <a:ext cx="3963670" cy="2428875"/>
-          </a:xfrm>
-          <a:prstGeom prst="rect"/>
-          <a:noFill/>
+            <a:ext cx="3964305" cy="2593975"/>
+          </a:xfrm>
+          <a:prstGeom prst="roundRect"/>
+          <a:solidFill>
+            <a:srgbClr val="EDEDED"/>
+          </a:solidFill>
         </p:spPr>
       </p:pic>
       <p:sp>
@@ -8444,9 +8452,9 @@
           <p:nvPr/>
         </p:nvSpPr>
         <p:spPr>
-          <a:xfrm>
-            <a:off x="1231265" y="5066665"/>
-            <a:ext cx="4065905" cy="923925"/>
+          <a:xfrm rot="0">
+            <a:off x="1231265" y="5182870"/>
+            <a:ext cx="4066540" cy="924560"/>
           </a:xfrm>
           <a:prstGeom prst="rect"/>
           <a:noFill/>
@@ -8473,31 +8481,14 @@
                 <a:latin typeface="맑은 고딕" charset="0"/>
                 <a:ea typeface="맑은 고딕" charset="0"/>
               </a:rPr>
-              <a:t>3</a:t>
-            </a:r>
-            <a:r>
-              <a:rPr sz="1800" b="1">
-                <a:solidFill>
-                  <a:srgbClr val="0611F2"/>
-                </a:solidFill>
-                <a:latin typeface="맑은 고딕" charset="0"/>
-                <a:ea typeface="맑은 고딕" charset="0"/>
-              </a:rPr>
-              <a:t>.</a:t>
+              <a:t>3.</a:t>
             </a:r>
             <a:r>
               <a:rPr sz="1800">
                 <a:latin typeface="맑은 고딕" charset="0"/>
                 <a:ea typeface="맑은 고딕" charset="0"/>
               </a:rPr>
-              <a:t> </a:t>
-            </a:r>
-            <a:r>
-              <a:rPr sz="1800">
-                <a:latin typeface="맑은 고딕" charset="0"/>
-                <a:ea typeface="맑은 고딕" charset="0"/>
-              </a:rPr>
-              <a:t>Preferred Size : 기본적인 콘텐츠의 크기와 UI(Text, Image, Button)의 크기에 따라 맞추어주는 옵션입니다.</a:t>
+              <a:t> Preferred Size : 기본적인 콘텐츠의 크기와 UI(Text, Image, Button)의 크기에 따라 맞추어주는 옵션입니다.</a:t>
             </a:r>
             <a:endParaRPr lang="ko-KR" altLang="en-US" sz="1800">
               <a:latin typeface="맑은 고딕" charset="0"/>
@@ -8515,9 +8506,9 @@
           <p:nvPr/>
         </p:nvSpPr>
         <p:spPr>
-          <a:xfrm>
-            <a:off x="6872605" y="4788535"/>
-            <a:ext cx="3963035" cy="1200785"/>
+          <a:xfrm rot="0">
+            <a:off x="6872605" y="4912995"/>
+            <a:ext cx="3963670" cy="1201420"/>
           </a:xfrm>
           <a:prstGeom prst="rect"/>
           <a:noFill/>
@@ -8544,17 +8535,7 @@
                 <a:latin typeface="맑은 고딕" charset="0"/>
                 <a:ea typeface="맑은 고딕" charset="0"/>
               </a:rPr>
-              <a:t>4</a:t>
-            </a:r>
-            <a:r>
-              <a:rPr sz="1800" b="1">
-                <a:solidFill>
-                  <a:srgbClr val="0611F2"/>
-                </a:solidFill>
-                <a:latin typeface="맑은 고딕" charset="0"/>
-                <a:ea typeface="맑은 고딕" charset="0"/>
-              </a:rPr>
-              <a:t>.</a:t>
+              <a:t>4.</a:t>
             </a:r>
             <a:r>
               <a:rPr sz="1800">
@@ -9263,8 +9244,8 @@
         </p:nvSpPr>
         <p:spPr>
           <a:xfrm rot="0">
-            <a:off x="1229995" y="4381500"/>
-            <a:ext cx="4132580" cy="1477645"/>
+            <a:off x="1229995" y="4589145"/>
+            <a:ext cx="4133215" cy="1477645"/>
           </a:xfrm>
           <a:prstGeom prst="rect"/>
           <a:noFill/>
@@ -9394,9 +9375,9 @@
           <p:nvPr/>
         </p:nvSpPr>
         <p:spPr>
-          <a:xfrm>
-            <a:off x="6801485" y="3429635"/>
-            <a:ext cx="4205605" cy="2308225"/>
+          <a:xfrm rot="0">
+            <a:off x="6801485" y="3762375"/>
+            <a:ext cx="4206240" cy="2308860"/>
           </a:xfrm>
           <a:prstGeom prst="rect"/>
           <a:noFill/>
@@ -9423,8 +9404,42 @@
                 <a:latin typeface="맑은 고딕" charset="0"/>
                 <a:ea typeface="맑은 고딕" charset="0"/>
               </a:rPr>
-              <a:t>8</a:t>
-            </a:r>
+              <a:t>8.</a:t>
+            </a:r>
+            <a:r>
+              <a:rPr sz="1800">
+                <a:latin typeface="맑은 고딕" charset="0"/>
+                <a:ea typeface="맑은 고딕" charset="0"/>
+              </a:rPr>
+              <a:t> </a:t>
+            </a:r>
+            <a:r>
+              <a:rPr lang="ko-KR" sz="1800">
+                <a:latin typeface="맑은 고딕" charset="0"/>
+                <a:ea typeface="맑은 고딕" charset="0"/>
+              </a:rPr>
+              <a:t>그다음 InputField에 입력한 값을 string 변수 (chat)에 저장합니다.</a:t>
+            </a:r>
+            <a:endParaRPr lang="ko-KR" altLang="en-US" sz="1800">
+              <a:latin typeface="맑은 고딕" charset="0"/>
+              <a:ea typeface="맑은 고딕" charset="0"/>
+            </a:endParaRPr>
+          </a:p>
+          <a:p>
+            <a:pPr marL="0" indent="0" algn="l" latinLnBrk="0" hangingPunct="1">
+              <a:buFontTx/>
+              <a:buNone/>
+            </a:pPr>
+            <a:endParaRPr lang="ko-KR" altLang="en-US" sz="1800">
+              <a:latin typeface="맑은 고딕" charset="0"/>
+              <a:ea typeface="맑은 고딕" charset="0"/>
+            </a:endParaRPr>
+          </a:p>
+          <a:p>
+            <a:pPr marL="0" indent="0" algn="l" latinLnBrk="0" hangingPunct="1">
+              <a:buFontTx/>
+              <a:buNone/>
+            </a:pPr>
             <a:r>
               <a:rPr sz="1800" b="1">
                 <a:solidFill>
@@ -9433,7 +9448,7 @@
                 <a:latin typeface="맑은 고딕" charset="0"/>
                 <a:ea typeface="맑은 고딕" charset="0"/>
               </a:rPr>
-              <a:t>.</a:t>
+              <a:t>9.</a:t>
             </a:r>
             <a:r>
               <a:rPr sz="1800">
@@ -9447,72 +9462,18 @@
                 <a:latin typeface="맑은 고딕" charset="0"/>
                 <a:ea typeface="맑은 고딕" charset="0"/>
               </a:rPr>
-              <a:t>그다음 InputField에 입력한 값을 string 변수 (chat)에 저장합니다.</a:t>
+              <a:t>마지막으로 채팅을 입력하고 Enter Key를 누르는 순간 RPC 함수를 호출하여 (호출할 PRC 함수), (현재 원격에 전달하는 대상), (RPC 함수가 사용할 변수)를 설정합니다.</a:t>
             </a:r>
             <a:endParaRPr lang="ko-KR" altLang="en-US" sz="1800">
               <a:latin typeface="맑은 고딕" charset="0"/>
               <a:ea typeface="맑은 고딕" charset="0"/>
             </a:endParaRPr>
           </a:p>
-          <a:p>
-            <a:pPr marL="0" indent="0" algn="l" latinLnBrk="0" hangingPunct="1">
-              <a:buFontTx/>
-              <a:buNone/>
-            </a:pPr>
-            <a:endParaRPr lang="ko-KR" altLang="en-US" sz="1800">
-              <a:latin typeface="맑은 고딕" charset="0"/>
-              <a:ea typeface="맑은 고딕" charset="0"/>
-            </a:endParaRPr>
-          </a:p>
-          <a:p>
-            <a:pPr marL="0" indent="0" algn="l" latinLnBrk="0" hangingPunct="1">
-              <a:buFontTx/>
-              <a:buNone/>
-            </a:pPr>
-            <a:r>
-              <a:rPr sz="1800" b="1">
-                <a:solidFill>
-                  <a:srgbClr val="0611F2"/>
-                </a:solidFill>
-                <a:latin typeface="맑은 고딕" charset="0"/>
-                <a:ea typeface="맑은 고딕" charset="0"/>
-              </a:rPr>
-              <a:t>9</a:t>
-            </a:r>
-            <a:r>
-              <a:rPr sz="1800" b="1">
-                <a:solidFill>
-                  <a:srgbClr val="0611F2"/>
-                </a:solidFill>
-                <a:latin typeface="맑은 고딕" charset="0"/>
-                <a:ea typeface="맑은 고딕" charset="0"/>
-              </a:rPr>
-              <a:t>.</a:t>
-            </a:r>
-            <a:r>
-              <a:rPr sz="1800">
-                <a:latin typeface="맑은 고딕" charset="0"/>
-                <a:ea typeface="맑은 고딕" charset="0"/>
-              </a:rPr>
-              <a:t> </a:t>
-            </a:r>
-            <a:r>
-              <a:rPr lang="ko-KR" sz="1800">
-                <a:latin typeface="맑은 고딕" charset="0"/>
-                <a:ea typeface="맑은 고딕" charset="0"/>
-              </a:rPr>
-              <a:t>마지막으로 채팅을 입력하고 Enter Key를 누르는 순간 RPC 함수를 호출하여 (호출할 PRC 함수), (현재 원격에 전달하는 대상), (RPC 함수가 사용할 변수)를 설정합니다.</a:t>
-            </a:r>
-            <a:endParaRPr lang="ko-KR" altLang="en-US" sz="1800">
-              <a:latin typeface="맑은 고딕" charset="0"/>
-              <a:ea typeface="맑은 고딕" charset="0"/>
-            </a:endParaRPr>
-          </a:p>
         </p:txBody>
       </p:sp>
       <p:pic>
         <p:nvPicPr>
-          <p:cNvPr id="34" name="그림 32"/>
+          <p:cNvPr id="34" name="그림 32" descr="C:/Users/Admin1/AppData/Roaming/PolarisOffice/ETemp/13412_18275296/fImage115431423281.png"/>
           <p:cNvPicPr>
             <a:picLocks noChangeAspect="1"/>
           </p:cNvPicPr>
@@ -9533,7 +9494,7 @@
         <p:spPr>
           <a:xfrm rot="0">
             <a:off x="6800850" y="1337945"/>
-            <a:ext cx="4220845" cy="1970405"/>
+            <a:ext cx="4197985" cy="2253615"/>
           </a:xfrm>
           <a:prstGeom prst="rect"/>
           <a:noFill/>
@@ -9592,17 +9553,17 @@
       </p:sp>
       <p:pic>
         <p:nvPicPr>
-          <p:cNvPr id="36" name="그림 2" descr="C:/Users/Admin1/AppData/Roaming/PolarisOffice/ETemp/40696_10991936/fImage1486913841.png"/>
+          <p:cNvPr id="36" name="그림 2" descr="C:/Users/Admin1/AppData/Roaming/PolarisOffice/ETemp/13412_18275296/fImage1486913841.png"/>
           <p:cNvPicPr>
             <a:picLocks noChangeAspect="1"/>
           </p:cNvPicPr>
           <p:nvPr/>
         </p:nvPicPr>
         <p:blipFill rotWithShape="1">
-          <a:blip r:embed="rId8" cstate="print">
+          <a:blip r:embed="rId8" cstate="hqprint">
             <a:extLst>
               <a:ext uri="{28A0092B-C50C-407E-A947-70E740481C1C}">
-                <a14:useLocalDpi xmlns:a14="http://schemas.microsoft.com/office/drawing/2010/main" val="0"/>
+                <a14:useLocalDpi xmlns:a14="http://schemas.microsoft.com/office/drawing/2010/main"/>
               </a:ext>
             </a:extLst>
           </a:blip>
@@ -9613,7 +9574,7 @@
         <p:spPr>
           <a:xfrm rot="0">
             <a:off x="1231265" y="2385695"/>
-            <a:ext cx="4123055" cy="1887855"/>
+            <a:ext cx="4123690" cy="2070735"/>
           </a:xfrm>
           <a:prstGeom prst="rect"/>
           <a:noFill/>
@@ -9668,9 +9629,9 @@
           <p:nvPr/>
         </p:nvSpPr>
         <p:spPr>
-          <a:xfrm>
-            <a:off x="6798310" y="4831715"/>
-            <a:ext cx="4174490" cy="647065"/>
+          <a:xfrm rot="0">
+            <a:off x="6798310" y="5496560"/>
+            <a:ext cx="4175125" cy="647065"/>
           </a:xfrm>
           <a:prstGeom prst="rect"/>
           <a:noFill/>
@@ -9697,27 +9658,7 @@
                 <a:latin typeface="맑은 고딕" charset="0"/>
                 <a:ea typeface="맑은 고딕" charset="0"/>
               </a:rPr>
-              <a:t>1</a:t>
-            </a:r>
-            <a:r>
-              <a:rPr sz="1800" b="1">
-                <a:solidFill>
-                  <a:srgbClr val="0611F2"/>
-                </a:solidFill>
-                <a:latin typeface="맑은 고딕" charset="0"/>
-                <a:ea typeface="맑은 고딕" charset="0"/>
-              </a:rPr>
-              <a:t>2</a:t>
-            </a:r>
-            <a:r>
-              <a:rPr sz="1800" b="1">
-                <a:solidFill>
-                  <a:srgbClr val="0611F2"/>
-                </a:solidFill>
-                <a:latin typeface="맑은 고딕" charset="0"/>
-                <a:ea typeface="맑은 고딕" charset="0"/>
-              </a:rPr>
-              <a:t>.</a:t>
+              <a:t>12.</a:t>
             </a:r>
             <a:r>
               <a:rPr sz="1800">
@@ -9867,17 +9808,17 @@
       </p:sp>
       <p:pic>
         <p:nvPicPr>
-          <p:cNvPr id="36" name="그림 54"/>
+          <p:cNvPr id="36" name="그림 54" descr="C:/Users/Admin1/AppData/Roaming/PolarisOffice/ETemp/13412_18275296/fImage8792234491.png"/>
           <p:cNvPicPr>
             <a:picLocks noChangeAspect="1"/>
           </p:cNvPicPr>
           <p:nvPr/>
         </p:nvPicPr>
         <p:blipFill rotWithShape="1">
-          <a:blip r:embed="rId2" cstate="print">
+          <a:blip r:embed="rId2" cstate="hqprint">
             <a:extLst>
               <a:ext uri="{28A0092B-C50C-407E-A947-70E740481C1C}">
-                <a14:useLocalDpi xmlns:a14="http://schemas.microsoft.com/office/drawing/2010/main" val="0"/>
+                <a14:useLocalDpi xmlns:a14="http://schemas.microsoft.com/office/drawing/2010/main"/>
               </a:ext>
             </a:extLst>
           </a:blip>
@@ -9888,25 +9829,27 @@
         <p:spPr>
           <a:xfrm rot="0">
             <a:off x="6815455" y="2485390"/>
-            <a:ext cx="2181860" cy="2156460"/>
-          </a:xfrm>
-          <a:prstGeom prst="rect"/>
-          <a:noFill/>
+            <a:ext cx="2163445" cy="2844165"/>
+          </a:xfrm>
+          <a:prstGeom prst="roundRect"/>
+          <a:solidFill>
+            <a:srgbClr val="EDEDED"/>
+          </a:solidFill>
         </p:spPr>
       </p:pic>
       <p:pic>
         <p:nvPicPr>
-          <p:cNvPr id="37" name="그림 55"/>
+          <p:cNvPr id="37" name="그림 55" descr="C:/Users/Admin1/AppData/Roaming/PolarisOffice/ETemp/13412_18275296/fImage82942352995.png"/>
           <p:cNvPicPr>
             <a:picLocks noChangeAspect="1"/>
           </p:cNvPicPr>
           <p:nvPr/>
         </p:nvPicPr>
         <p:blipFill rotWithShape="1">
-          <a:blip r:embed="rId3" cstate="print">
+          <a:blip r:embed="rId3" cstate="hqprint">
             <a:extLst>
               <a:ext uri="{28A0092B-C50C-407E-A947-70E740481C1C}">
-                <a14:useLocalDpi xmlns:a14="http://schemas.microsoft.com/office/drawing/2010/main" val="0"/>
+                <a14:useLocalDpi xmlns:a14="http://schemas.microsoft.com/office/drawing/2010/main"/>
               </a:ext>
             </a:extLst>
           </a:blip>
@@ -9916,11 +9859,13 @@
         </p:blipFill>
         <p:spPr>
           <a:xfrm rot="0">
-            <a:off x="9271635" y="2504440"/>
-            <a:ext cx="1692275" cy="2111375"/>
-          </a:xfrm>
-          <a:prstGeom prst="rect"/>
-          <a:noFill/>
+            <a:off x="9410700" y="2845435"/>
+            <a:ext cx="1562100" cy="2112010"/>
+          </a:xfrm>
+          <a:prstGeom prst="roundRect"/>
+          <a:solidFill>
+            <a:srgbClr val="EDEDED"/>
+          </a:solidFill>
         </p:spPr>
       </p:pic>
       <p:cxnSp>
@@ -9958,7 +9903,7 @@
       </p:cxnSp>
       <p:pic>
         <p:nvPicPr>
-          <p:cNvPr id="39" name="그림 57" descr="C:/Users/Admin1/AppData/Roaming/PolarisOffice/ETemp/50728_17865200/fImage248862371942.png"/>
+          <p:cNvPr id="39" name="그림 57" descr="C:/Users/Admin1/AppData/Roaming/PolarisOffice/ETemp/13412_18275296/fImage248862371942.png"/>
           <p:cNvPicPr>
             <a:picLocks noChangeAspect="1"/>
           </p:cNvPicPr>
@@ -9978,11 +9923,13 @@
         </p:blipFill>
         <p:spPr>
           <a:xfrm rot="0">
-            <a:off x="1039495" y="1437640"/>
-            <a:ext cx="4347845" cy="1767840"/>
-          </a:xfrm>
-          <a:prstGeom prst="rect"/>
-          <a:noFill/>
+            <a:off x="1031240" y="1396365"/>
+            <a:ext cx="4348480" cy="1768475"/>
+          </a:xfrm>
+          <a:prstGeom prst="roundRect"/>
+          <a:solidFill>
+            <a:srgbClr val="EDEDED"/>
+          </a:solidFill>
         </p:spPr>
       </p:pic>
       <p:sp>
@@ -9995,8 +9942,8 @@
         </p:nvSpPr>
         <p:spPr>
           <a:xfrm rot="0">
-            <a:off x="1031240" y="3370580"/>
-            <a:ext cx="4364990" cy="923925"/>
+            <a:off x="1022985" y="3278505"/>
+            <a:ext cx="4357370" cy="923925"/>
           </a:xfrm>
           <a:prstGeom prst="rect"/>
           <a:noFill/>
@@ -10023,17 +9970,7 @@
                 <a:latin typeface="맑은 고딕" charset="0"/>
                 <a:ea typeface="맑은 고딕" charset="0"/>
               </a:rPr>
-              <a:t>10</a:t>
-            </a:r>
-            <a:r>
-              <a:rPr sz="1800" b="1">
-                <a:solidFill>
-                  <a:srgbClr val="0611F2"/>
-                </a:solidFill>
-                <a:latin typeface="맑은 고딕" charset="0"/>
-                <a:ea typeface="맑은 고딕" charset="0"/>
-              </a:rPr>
-              <a:t>.</a:t>
+              <a:t>10.</a:t>
             </a:r>
             <a:r>
               <a:rPr sz="1800">
@@ -10065,9 +10002,9 @@
           <p:nvPr/>
         </p:nvSpPr>
         <p:spPr>
-          <a:xfrm>
-            <a:off x="6809105" y="1430655"/>
-            <a:ext cx="4163695" cy="923925"/>
+          <a:xfrm rot="0">
+            <a:off x="6809105" y="1397635"/>
+            <a:ext cx="4164330" cy="924560"/>
           </a:xfrm>
           <a:prstGeom prst="rect"/>
           <a:noFill/>
@@ -10094,27 +10031,7 @@
                 <a:latin typeface="맑은 고딕" charset="0"/>
                 <a:ea typeface="맑은 고딕" charset="0"/>
               </a:rPr>
-              <a:t>1</a:t>
-            </a:r>
-            <a:r>
-              <a:rPr sz="1800" b="1">
-                <a:solidFill>
-                  <a:srgbClr val="0611F2"/>
-                </a:solidFill>
-                <a:latin typeface="맑은 고딕" charset="0"/>
-                <a:ea typeface="맑은 고딕" charset="0"/>
-              </a:rPr>
-              <a:t>1</a:t>
-            </a:r>
-            <a:r>
-              <a:rPr sz="1800" b="1">
-                <a:solidFill>
-                  <a:srgbClr val="0611F2"/>
-                </a:solidFill>
-                <a:latin typeface="맑은 고딕" charset="0"/>
-                <a:ea typeface="맑은 고딕" charset="0"/>
-              </a:rPr>
-              <a:t>.</a:t>
+              <a:t>11.</a:t>
             </a:r>
             <a:r>
               <a:rPr sz="1800">
@@ -10139,7 +10056,7 @@
       </p:sp>
       <p:pic>
         <p:nvPicPr>
-          <p:cNvPr id="43" name="그림 61" descr="C:/Users/Admin1/AppData/Roaming/PolarisOffice/ETemp/50728_17865200/fImage251202414827.png"/>
+          <p:cNvPr id="43" name="그림 61" descr="C:/Users/Admin1/AppData/Roaming/PolarisOffice/ETemp/13412_18275296/fImage251202414827.png"/>
           <p:cNvPicPr>
             <a:picLocks noChangeAspect="1"/>
           </p:cNvPicPr>
@@ -10159,11 +10076,13 @@
         </p:blipFill>
         <p:spPr>
           <a:xfrm rot="0">
-            <a:off x="1031240" y="4450715"/>
-            <a:ext cx="4347845" cy="1681480"/>
-          </a:xfrm>
-          <a:prstGeom prst="rect"/>
-          <a:noFill/>
+            <a:off x="1031240" y="4364355"/>
+            <a:ext cx="4348480" cy="1768475"/>
+          </a:xfrm>
+          <a:prstGeom prst="roundRect"/>
+          <a:solidFill>
+            <a:srgbClr val="EDEDED"/>
+          </a:solidFill>
         </p:spPr>
       </p:pic>
     </p:spTree>

--- a/Assets/Class/Photon Server/PPT Data/Photon RPC.pptx
+++ b/Assets/Class/Photon Server/PPT Data/Photon RPC.pptx
@@ -2,7 +2,7 @@
 <file path=ppt/presentation.xml><?xml version="1.0" encoding="utf-8"?>
 <p:presentation xmlns:a="http://schemas.openxmlformats.org/drawingml/2006/main" xmlns:r="http://schemas.openxmlformats.org/officeDocument/2006/relationships" xmlns:p="http://schemas.openxmlformats.org/presentationml/2006/main" xmlns:p14="http://schemas.microsoft.com/office/powerpoint/2010/main" saveSubsetFonts="1" firstSlideNum="0">
   <p:sldMasterIdLst>
-    <p:sldMasterId id="2147486764" r:id="rId12"/>
+    <p:sldMasterId id="2147486765" r:id="rId12"/>
   </p:sldMasterIdLst>
   <p:notesMasterIdLst>
     <p:notesMasterId r:id="rId14"/>
@@ -11,10 +11,10 @@
     <p:sldId id="315" r:id="rId16"/>
     <p:sldId id="303" r:id="rId18"/>
     <p:sldId id="317" r:id="rId20"/>
-    <p:sldId id="316" r:id="rId21"/>
-    <p:sldId id="318" r:id="rId22"/>
-    <p:sldId id="314" r:id="rId24"/>
-    <p:sldId id="319" r:id="rId25"/>
+    <p:sldId id="316" r:id="rId22"/>
+    <p:sldId id="318" r:id="rId23"/>
+    <p:sldId id="314" r:id="rId25"/>
+    <p:sldId id="319" r:id="rId27"/>
   </p:sldIdLst>
   <p:sldSz cx="12192000" cy="6858000"/>
   <p:notesSz cx="6858000" cy="9144000"/>
@@ -8352,7 +8352,7 @@
       </p:sp>
       <p:pic>
         <p:nvPicPr>
-          <p:cNvPr id="3" name="그림 11" descr="C:/Users/Admin1/AppData/Roaming/PolarisOffice/ETemp/13412_18275296/fImage240861709169.png"/>
+          <p:cNvPr id="3" name="그림 11"/>
           <p:cNvPicPr>
             <a:picLocks noChangeAspect="1"/>
           </p:cNvPicPr>
@@ -8383,7 +8383,7 @@
       </p:pic>
       <p:pic>
         <p:nvPicPr>
-          <p:cNvPr id="4" name="그림 12" descr="C:/Users/Admin1/AppData/Roaming/PolarisOffice/ETemp/13412_18275296/fImage64291715724.png"/>
+          <p:cNvPr id="4" name="그림 12"/>
           <p:cNvPicPr>
             <a:picLocks noChangeAspect="1"/>
           </p:cNvPicPr>
@@ -8414,7 +8414,7 @@
       </p:pic>
       <p:pic>
         <p:nvPicPr>
-          <p:cNvPr id="5" name="그림 13" descr="C:/Users/Admin1/AppData/Roaming/PolarisOffice/ETemp/13412_18275296/fImage251231721478.png"/>
+          <p:cNvPr id="5" name="그림 13"/>
           <p:cNvPicPr>
             <a:picLocks noChangeAspect="1"/>
           </p:cNvPicPr>
@@ -8453,8 +8453,8 @@
         </p:nvSpPr>
         <p:spPr>
           <a:xfrm rot="0">
-            <a:off x="1231265" y="5182870"/>
-            <a:ext cx="4066540" cy="924560"/>
+            <a:off x="1231265" y="5304155"/>
+            <a:ext cx="4067175" cy="925195"/>
           </a:xfrm>
           <a:prstGeom prst="rect"/>
           <a:noFill/>
@@ -8507,8 +8507,8 @@
         </p:nvSpPr>
         <p:spPr>
           <a:xfrm rot="0">
-            <a:off x="6872605" y="4912995"/>
-            <a:ext cx="3963670" cy="1201420"/>
+            <a:off x="6872605" y="5025390"/>
+            <a:ext cx="3964305" cy="1202055"/>
           </a:xfrm>
           <a:prstGeom prst="rect"/>
           <a:noFill/>
@@ -8567,7 +8567,7 @@
       </p:sp>
       <p:pic>
         <p:nvPicPr>
-          <p:cNvPr id="8" name="그림 16"/>
+          <p:cNvPr id="8" name="그림 16" descr="C:/Users/Admin1/AppData/Roaming/PolarisOffice/ETemp/19304_19120168/fImage345611759358.png"/>
           <p:cNvPicPr>
             <a:picLocks noChangeAspect="1"/>
           </p:cNvPicPr>
@@ -8588,7 +8588,7 @@
         <p:spPr>
           <a:xfrm rot="0">
             <a:off x="3500120" y="3890645"/>
-            <a:ext cx="1788160" cy="1098550"/>
+            <a:ext cx="1788795" cy="1247140"/>
           </a:xfrm>
           <a:prstGeom prst="roundRect"/>
           <a:solidFill>
@@ -8598,7 +8598,7 @@
       </p:pic>
       <p:pic>
         <p:nvPicPr>
-          <p:cNvPr id="9" name="그림 17"/>
+          <p:cNvPr id="9" name="그림 17" descr="C:/Users/Admin1/AppData/Roaming/PolarisOffice/ETemp/19304_19120168/fImage137551766962.png"/>
           <p:cNvPicPr>
             <a:picLocks noChangeAspect="1"/>
           </p:cNvPicPr>
@@ -8619,7 +8619,7 @@
         <p:spPr>
           <a:xfrm rot="0">
             <a:off x="1228090" y="3879215"/>
-            <a:ext cx="1798955" cy="1101725"/>
+            <a:ext cx="1799590" cy="1250315"/>
           </a:xfrm>
           <a:prstGeom prst="roundRect"/>
           <a:solidFill>

--- a/Assets/Class/Photon Server/PPT Data/Photon RPC.pptx
+++ b/Assets/Class/Photon Server/PPT Data/Photon RPC.pptx
@@ -2,7 +2,7 @@
 <file path=ppt/presentation.xml><?xml version="1.0" encoding="utf-8"?>
 <p:presentation xmlns:a="http://schemas.openxmlformats.org/drawingml/2006/main" xmlns:r="http://schemas.openxmlformats.org/officeDocument/2006/relationships" xmlns:p="http://schemas.openxmlformats.org/presentationml/2006/main" xmlns:p14="http://schemas.microsoft.com/office/powerpoint/2010/main" saveSubsetFonts="1" firstSlideNum="0">
   <p:sldMasterIdLst>
-    <p:sldMasterId id="2147486765" r:id="rId12"/>
+    <p:sldMasterId id="2147486766" r:id="rId12"/>
   </p:sldMasterIdLst>
   <p:notesMasterIdLst>
     <p:notesMasterId r:id="rId14"/>
@@ -12,7 +12,7 @@
     <p:sldId id="303" r:id="rId18"/>
     <p:sldId id="317" r:id="rId20"/>
     <p:sldId id="316" r:id="rId22"/>
-    <p:sldId id="318" r:id="rId23"/>
+    <p:sldId id="318" r:id="rId24"/>
     <p:sldId id="314" r:id="rId25"/>
     <p:sldId id="319" r:id="rId27"/>
   </p:sldIdLst>
@@ -8849,17 +8849,17 @@
       </p:pic>
       <p:pic>
         <p:nvPicPr>
-          <p:cNvPr id="17" name="그림 37"/>
+          <p:cNvPr id="17" name="그림 37" descr="C:/Users/Admin1/AppData/Roaming/PolarisOffice/ETemp/14960_14094464/fImage330252115705.png"/>
           <p:cNvPicPr>
             <a:picLocks noChangeAspect="1"/>
           </p:cNvPicPr>
           <p:nvPr/>
         </p:nvPicPr>
         <p:blipFill rotWithShape="1">
-          <a:blip r:embed="rId3" cstate="print">
+          <a:blip r:embed="rId3" cstate="hqprint">
             <a:extLst>
               <a:ext uri="{28A0092B-C50C-407E-A947-70E740481C1C}">
-                <a14:useLocalDpi xmlns:a14="http://schemas.microsoft.com/office/drawing/2010/main" val="0"/>
+                <a14:useLocalDpi xmlns:a14="http://schemas.microsoft.com/office/drawing/2010/main"/>
               </a:ext>
             </a:extLst>
           </a:blip>
@@ -8870,25 +8870,27 @@
         <p:spPr>
           <a:xfrm rot="0">
             <a:off x="1252855" y="1217295"/>
-            <a:ext cx="1890395" cy="2599055"/>
-          </a:xfrm>
-          <a:prstGeom prst="rect"/>
-          <a:noFill/>
+            <a:ext cx="1891030" cy="2599690"/>
+          </a:xfrm>
+          <a:prstGeom prst="roundRect"/>
+          <a:solidFill>
+            <a:srgbClr val="EDEDED"/>
+          </a:solidFill>
         </p:spPr>
       </p:pic>
       <p:pic>
         <p:nvPicPr>
-          <p:cNvPr id="18" name="그림 38"/>
+          <p:cNvPr id="18" name="그림 38" descr="C:/Users/Admin1/AppData/Roaming/PolarisOffice/ETemp/14960_14094464/fImage82942128145.png"/>
           <p:cNvPicPr>
             <a:picLocks noChangeAspect="1"/>
           </p:cNvPicPr>
           <p:nvPr/>
         </p:nvPicPr>
         <p:blipFill rotWithShape="1">
-          <a:blip r:embed="rId4" cstate="print">
+          <a:blip r:embed="rId4" cstate="hqprint">
             <a:extLst>
               <a:ext uri="{28A0092B-C50C-407E-A947-70E740481C1C}">
-                <a14:useLocalDpi xmlns:a14="http://schemas.microsoft.com/office/drawing/2010/main" val="0"/>
+                <a14:useLocalDpi xmlns:a14="http://schemas.microsoft.com/office/drawing/2010/main"/>
               </a:ext>
             </a:extLst>
           </a:blip>
@@ -8899,10 +8901,12 @@
         <p:spPr>
           <a:xfrm rot="0">
             <a:off x="3469640" y="1214120"/>
-            <a:ext cx="1834515" cy="1419860"/>
-          </a:xfrm>
-          <a:prstGeom prst="rect"/>
-          <a:noFill/>
+            <a:ext cx="1835150" cy="1420495"/>
+          </a:xfrm>
+          <a:prstGeom prst="roundRect"/>
+          <a:solidFill>
+            <a:srgbClr val="EDEDED"/>
+          </a:solidFill>
         </p:spPr>
       </p:pic>
       <p:cxnSp>
@@ -9072,17 +9076,17 @@
       </p:sp>
       <p:pic>
         <p:nvPicPr>
-          <p:cNvPr id="22" name="그림 46"/>
+          <p:cNvPr id="22" name="그림 46" descr="C:/Users/Admin1/AppData/Roaming/PolarisOffice/ETemp/14960_14094464/fImage117862176827.png"/>
           <p:cNvPicPr>
             <a:picLocks noChangeAspect="1"/>
           </p:cNvPicPr>
           <p:nvPr/>
         </p:nvPicPr>
         <p:blipFill rotWithShape="1">
-          <a:blip r:embed="rId6" cstate="print">
+          <a:blip r:embed="rId6" cstate="hqprint">
             <a:extLst>
               <a:ext uri="{28A0092B-C50C-407E-A947-70E740481C1C}">
-                <a14:useLocalDpi xmlns:a14="http://schemas.microsoft.com/office/drawing/2010/main" val="0"/>
+                <a14:useLocalDpi xmlns:a14="http://schemas.microsoft.com/office/drawing/2010/main"/>
               </a:ext>
             </a:extLst>
           </a:blip>
@@ -9093,25 +9097,27 @@
         <p:spPr>
           <a:xfrm rot="0">
             <a:off x="6910070" y="4026535"/>
-            <a:ext cx="1561465" cy="1685290"/>
-          </a:xfrm>
-          <a:prstGeom prst="rect"/>
-          <a:noFill/>
+            <a:ext cx="1287145" cy="1959610"/>
+          </a:xfrm>
+          <a:prstGeom prst="roundRect"/>
+          <a:solidFill>
+            <a:srgbClr val="EDEDED"/>
+          </a:solidFill>
         </p:spPr>
       </p:pic>
       <p:pic>
         <p:nvPicPr>
-          <p:cNvPr id="23" name="그림 48"/>
+          <p:cNvPr id="23" name="그림 48" descr="C:/Users/Admin1/AppData/Roaming/PolarisOffice/ETemp/14960_14094464/fImage209552199961.png"/>
           <p:cNvPicPr>
             <a:picLocks noChangeAspect="1"/>
           </p:cNvPicPr>
           <p:nvPr/>
         </p:nvPicPr>
         <p:blipFill rotWithShape="1">
-          <a:blip r:embed="rId7" cstate="print">
+          <a:blip r:embed="rId7" cstate="hqprint">
             <a:extLst>
               <a:ext uri="{28A0092B-C50C-407E-A947-70E740481C1C}">
-                <a14:useLocalDpi xmlns:a14="http://schemas.microsoft.com/office/drawing/2010/main" val="0"/>
+                <a14:useLocalDpi xmlns:a14="http://schemas.microsoft.com/office/drawing/2010/main"/>
               </a:ext>
             </a:extLst>
           </a:blip>
@@ -9121,11 +9127,13 @@
         </p:blipFill>
         <p:spPr>
           <a:xfrm rot="0">
-            <a:off x="8886825" y="4015105"/>
-            <a:ext cx="1911985" cy="1688465"/>
-          </a:xfrm>
-          <a:prstGeom prst="rect"/>
-          <a:noFill/>
+            <a:off x="8487410" y="4015105"/>
+            <a:ext cx="2312035" cy="1971040"/>
+          </a:xfrm>
+          <a:prstGeom prst="roundRect"/>
+          <a:solidFill>
+            <a:srgbClr val="EDEDED"/>
+          </a:solidFill>
         </p:spPr>
       </p:pic>
       <p:cxnSp>
@@ -9135,14 +9143,13 @@
           <p:nvPr/>
         </p:nvCxnSpPr>
         <p:spPr>
-          <a:xfrm rot="0" flipV="1">
-            <a:off x="7747635" y="5337175"/>
-            <a:ext cx="1904365" cy="66675"/>
+          <a:xfrm rot="0">
+            <a:off x="7681595" y="5337175"/>
+            <a:ext cx="3018155" cy="523875"/>
           </a:xfrm>
           <a:prstGeom prst="straightConnector1"/>
           <a:ln w="6350" cap="flat" cmpd="sng">
             <a:prstDash/>
-            <a:headEnd type="none" w="med" len="med"/>
             <a:tailEnd type="triangle" w="med" len="med"/>
           </a:ln>
         </p:spPr>
@@ -9168,14 +9175,13 @@
           <p:nvPr/>
         </p:nvCxnSpPr>
         <p:spPr>
-          <a:xfrm rot="0">
-            <a:off x="7872730" y="5162550"/>
-            <a:ext cx="1771015" cy="432435"/>
+          <a:xfrm rot="0" flipV="1">
+            <a:off x="7573010" y="5561330"/>
+            <a:ext cx="3126740" cy="50800"/>
           </a:xfrm>
           <a:prstGeom prst="straightConnector1"/>
           <a:ln w="6350" cap="flat" cmpd="sng">
             <a:prstDash/>
-            <a:headEnd type="none" w="med" len="med"/>
             <a:tailEnd type="triangle" w="med" len="med"/>
           </a:ln>
         </p:spPr>

--- a/Assets/Class/Photon Server/PPT Data/Photon RPC.pptx
+++ b/Assets/Class/Photon Server/PPT Data/Photon RPC.pptx
@@ -2,19 +2,21 @@
 <file path=ppt/presentation.xml><?xml version="1.0" encoding="utf-8"?>
 <p:presentation xmlns:a="http://schemas.openxmlformats.org/drawingml/2006/main" xmlns:r="http://schemas.openxmlformats.org/officeDocument/2006/relationships" xmlns:p="http://schemas.openxmlformats.org/presentationml/2006/main" xmlns:p14="http://schemas.microsoft.com/office/powerpoint/2010/main" saveSubsetFonts="1" firstSlideNum="0">
   <p:sldMasterIdLst>
-    <p:sldMasterId id="2147486766" r:id="rId12"/>
+    <p:sldMasterId id="2147486767" r:id="rId12"/>
   </p:sldMasterIdLst>
   <p:notesMasterIdLst>
     <p:notesMasterId r:id="rId14"/>
   </p:notesMasterIdLst>
   <p:sldIdLst>
     <p:sldId id="315" r:id="rId16"/>
-    <p:sldId id="303" r:id="rId18"/>
-    <p:sldId id="317" r:id="rId20"/>
-    <p:sldId id="316" r:id="rId22"/>
-    <p:sldId id="318" r:id="rId24"/>
-    <p:sldId id="314" r:id="rId25"/>
-    <p:sldId id="319" r:id="rId27"/>
+    <p:sldId id="303" r:id="rId17"/>
+    <p:sldId id="317" r:id="rId18"/>
+    <p:sldId id="320" r:id="rId19"/>
+    <p:sldId id="316" r:id="rId20"/>
+    <p:sldId id="321" r:id="rId21"/>
+    <p:sldId id="318" r:id="rId22"/>
+    <p:sldId id="314" r:id="rId23"/>
+    <p:sldId id="319" r:id="rId24"/>
   </p:sldIdLst>
   <p:sldSz cx="12192000" cy="6858000"/>
   <p:notesSz cx="6858000" cy="9144000"/>
@@ -929,7 +931,7 @@
         <p:spPr>
           <a:xfrm rot="0">
             <a:off x="685800" y="1143000"/>
-            <a:ext cx="5493385" cy="3093085"/>
+            <a:ext cx="5490210" cy="3089910"/>
           </a:xfrm>
           <a:prstGeom prst="rect"/>
           <a:noFill/>
@@ -968,7 +970,7 @@
         <p:spPr>
           <a:xfrm rot="0">
             <a:off x="685800" y="4400550"/>
-            <a:ext cx="5493385" cy="3607435"/>
+            <a:ext cx="5490210" cy="3604260"/>
           </a:xfrm>
           <a:prstGeom prst="rect"/>
         </p:spPr>
@@ -998,7 +1000,7 @@
         <p:spPr>
           <a:xfrm rot="0">
             <a:off x="3884930" y="8685530"/>
-            <a:ext cx="2978785" cy="465455"/>
+            <a:ext cx="2975610" cy="462280"/>
           </a:xfrm>
           <a:prstGeom prst="rect"/>
         </p:spPr>
@@ -1213,7 +1215,7 @@
         <p:spPr>
           <a:xfrm rot="0">
             <a:off x="685800" y="1143000"/>
-            <a:ext cx="5492750" cy="3092450"/>
+            <a:ext cx="5494020" cy="3093720"/>
           </a:xfrm>
           <a:prstGeom prst="rect"/>
           <a:noFill/>
@@ -1252,7 +1254,7 @@
         <p:spPr>
           <a:xfrm rot="0">
             <a:off x="685800" y="4400550"/>
-            <a:ext cx="5492750" cy="3606800"/>
+            <a:ext cx="5494020" cy="3608070"/>
           </a:xfrm>
           <a:prstGeom prst="rect"/>
         </p:spPr>
@@ -1282,7 +1284,7 @@
         <p:spPr>
           <a:xfrm rot="0">
             <a:off x="3884930" y="8685530"/>
-            <a:ext cx="2978150" cy="464820"/>
+            <a:ext cx="2979420" cy="466090"/>
           </a:xfrm>
           <a:prstGeom prst="rect"/>
         </p:spPr>
@@ -1326,6 +1328,290 @@
 </file>
 
 <file path=ppt/notesSlides/notesSlide7.xml><?xml version="1.0" encoding="utf-8"?>
+<p:notes xmlns:a="http://schemas.openxmlformats.org/drawingml/2006/main" xmlns:r="http://schemas.openxmlformats.org/officeDocument/2006/relationships" xmlns:p="http://schemas.openxmlformats.org/presentationml/2006/main">
+  <p:cSld>
+    <p:spTree>
+      <p:nvGrpSpPr>
+        <p:cNvPr id="1" name=""/>
+        <p:cNvGrpSpPr/>
+        <p:nvPr/>
+      </p:nvGrpSpPr>
+      <p:grpSpPr>
+        <a:xfrm>
+          <a:off x="0" y="0"/>
+          <a:ext cx="0" cy="0"/>
+          <a:chOff x="0" y="0"/>
+          <a:chExt cx="0" cy="0"/>
+        </a:xfrm>
+      </p:grpSpPr>
+      <p:sp>
+        <p:nvSpPr>
+          <p:cNvPr id="2" name="슬라이드 이미지 개체 틀 3"/>
+          <p:cNvSpPr>
+            <a:spLocks noChangeAspect="1"/>
+          </p:cNvSpPr>
+          <p:nvPr>
+            <p:ph type="sldImg" idx="2"/>
+          </p:nvPr>
+        </p:nvSpPr>
+        <p:spPr>
+          <a:xfrm rot="0">
+            <a:off x="685800" y="1143000"/>
+            <a:ext cx="5493385" cy="3093085"/>
+          </a:xfrm>
+          <a:prstGeom prst="rect"/>
+          <a:noFill/>
+          <a:ln w="12700" cap="flat" cmpd="sng">
+            <a:solidFill>
+              <a:srgbClr val="000000">
+                <a:alpha val="100000"/>
+              </a:srgbClr>
+            </a:solidFill>
+            <a:prstDash val="solid"/>
+          </a:ln>
+        </p:spPr>
+        <p:txBody>
+          <a:bodyPr wrap="square" lIns="91440" tIns="45720" rIns="91440" bIns="45720" numCol="1" vert="horz" anchor="ctr">
+            <a:noAutofit/>
+          </a:bodyPr>
+          <a:lstStyle/>
+          <a:p>
+            <a:pPr marL="0" indent="0" latinLnBrk="0">
+              <a:buFontTx/>
+              <a:buNone/>
+            </a:pPr>
+          </a:p>
+        </p:txBody>
+      </p:sp>
+      <p:sp>
+        <p:nvSpPr>
+          <p:cNvPr id="3" name="슬라이드 노트 개체 틀 4"/>
+          <p:cNvSpPr txBox="1">
+            <a:spLocks/>
+          </p:cNvSpPr>
+          <p:nvPr>
+            <p:ph type="body" idx="3"/>
+          </p:nvPr>
+        </p:nvSpPr>
+        <p:spPr>
+          <a:xfrm rot="0">
+            <a:off x="685800" y="4400550"/>
+            <a:ext cx="5493385" cy="3607435"/>
+          </a:xfrm>
+          <a:prstGeom prst="rect"/>
+        </p:spPr>
+        <p:txBody>
+          <a:bodyPr wrap="square" lIns="91440" tIns="45720" rIns="91440" bIns="45720" numCol="1" vert="horz" anchor="t">
+            <a:noAutofit/>
+          </a:bodyPr>
+          <a:lstStyle/>
+          <a:p>
+            <a:pPr marL="0" indent="0" latinLnBrk="0">
+              <a:buFontTx/>
+              <a:buNone/>
+            </a:pPr>
+          </a:p>
+        </p:txBody>
+      </p:sp>
+      <p:sp>
+        <p:nvSpPr>
+          <p:cNvPr id="4" name="슬라이드 번호 개체 틀 6"/>
+          <p:cNvSpPr txBox="1">
+            <a:spLocks/>
+          </p:cNvSpPr>
+          <p:nvPr>
+            <p:ph type="sldNum" idx="5"/>
+          </p:nvPr>
+        </p:nvSpPr>
+        <p:spPr>
+          <a:xfrm rot="0">
+            <a:off x="3884930" y="8685530"/>
+            <a:ext cx="2978785" cy="465455"/>
+          </a:xfrm>
+          <a:prstGeom prst="rect"/>
+        </p:spPr>
+        <p:txBody>
+          <a:bodyPr wrap="square" lIns="91440" tIns="45720" rIns="91440" bIns="45720" numCol="1" vert="horz" anchor="b">
+            <a:noAutofit/>
+          </a:bodyPr>
+          <a:lstStyle>
+            <a:lvl1pPr marL="0" indent="0" algn="r" latinLnBrk="0">
+              <a:buFontTx/>
+              <a:buNone/>
+              <a:defRPr lang="en-GB" altLang="en-US" sz="1200"/>
+            </a:lvl1pPr>
+          </a:lstStyle>
+          <a:p>
+            <a:pPr marL="0" indent="0" latinLnBrk="0">
+              <a:buFontTx/>
+              <a:buNone/>
+            </a:pPr>
+            <a:fld id="{B9320F77-B9A0-41C5-862A-B4B631284C64}" type="slidenum">
+              <a:rPr lang="ko-KR" altLang="en-US"/>
+              <a:t>‹#›</a:t>
+            </a:fld>
+          </a:p>
+        </p:txBody>
+      </p:sp>
+    </p:spTree>
+  </p:cSld>
+  <p:clrMapOvr>
+    <a:masterClrMapping/>
+  </p:clrMapOvr>
+  <mc:AlternateContent xmlns:mc="http://schemas.openxmlformats.org/markup-compatibility/2006">
+    <mc:Choice xmlns:p14="http://schemas.microsoft.com/office/powerpoint/2010/main" Requires="p14">
+      <p:transition spd="slow" p14:dur="0"/>
+    </mc:Choice>
+    <mc:Fallback>
+      <p:transition spd="slow"/>
+    </mc:Fallback>
+  </mc:AlternateContent>
+</p:notes>
+</file>
+
+<file path=ppt/notesSlides/notesSlide8.xml><?xml version="1.0" encoding="utf-8"?>
+<p:notes xmlns:a="http://schemas.openxmlformats.org/drawingml/2006/main" xmlns:r="http://schemas.openxmlformats.org/officeDocument/2006/relationships" xmlns:p="http://schemas.openxmlformats.org/presentationml/2006/main">
+  <p:cSld>
+    <p:spTree>
+      <p:nvGrpSpPr>
+        <p:cNvPr id="1" name=""/>
+        <p:cNvGrpSpPr/>
+        <p:nvPr/>
+      </p:nvGrpSpPr>
+      <p:grpSpPr>
+        <a:xfrm>
+          <a:off x="0" y="0"/>
+          <a:ext cx="0" cy="0"/>
+          <a:chOff x="0" y="0"/>
+          <a:chExt cx="0" cy="0"/>
+        </a:xfrm>
+      </p:grpSpPr>
+      <p:sp>
+        <p:nvSpPr>
+          <p:cNvPr id="2" name="슬라이드 이미지 개체 틀 3"/>
+          <p:cNvSpPr>
+            <a:spLocks noChangeAspect="1"/>
+          </p:cNvSpPr>
+          <p:nvPr>
+            <p:ph type="sldImg" idx="2"/>
+          </p:nvPr>
+        </p:nvSpPr>
+        <p:spPr>
+          <a:xfrm rot="0">
+            <a:off x="685800" y="1143000"/>
+            <a:ext cx="5492750" cy="3092450"/>
+          </a:xfrm>
+          <a:prstGeom prst="rect"/>
+          <a:noFill/>
+          <a:ln w="12700" cap="flat" cmpd="sng">
+            <a:solidFill>
+              <a:srgbClr val="000000">
+                <a:alpha val="100000"/>
+              </a:srgbClr>
+            </a:solidFill>
+            <a:prstDash val="solid"/>
+          </a:ln>
+        </p:spPr>
+        <p:txBody>
+          <a:bodyPr wrap="square" lIns="91440" tIns="45720" rIns="91440" bIns="45720" numCol="1" vert="horz" anchor="ctr">
+            <a:noAutofit/>
+          </a:bodyPr>
+          <a:lstStyle/>
+          <a:p>
+            <a:pPr marL="0" indent="0" latinLnBrk="0">
+              <a:buFontTx/>
+              <a:buNone/>
+            </a:pPr>
+          </a:p>
+        </p:txBody>
+      </p:sp>
+      <p:sp>
+        <p:nvSpPr>
+          <p:cNvPr id="3" name="슬라이드 노트 개체 틀 4"/>
+          <p:cNvSpPr txBox="1">
+            <a:spLocks/>
+          </p:cNvSpPr>
+          <p:nvPr>
+            <p:ph type="body" idx="3"/>
+          </p:nvPr>
+        </p:nvSpPr>
+        <p:spPr>
+          <a:xfrm rot="0">
+            <a:off x="685800" y="4400550"/>
+            <a:ext cx="5492750" cy="3606800"/>
+          </a:xfrm>
+          <a:prstGeom prst="rect"/>
+        </p:spPr>
+        <p:txBody>
+          <a:bodyPr wrap="square" lIns="91440" tIns="45720" rIns="91440" bIns="45720" numCol="1" vert="horz" anchor="t">
+            <a:noAutofit/>
+          </a:bodyPr>
+          <a:lstStyle/>
+          <a:p>
+            <a:pPr marL="0" indent="0" latinLnBrk="0">
+              <a:buFontTx/>
+              <a:buNone/>
+            </a:pPr>
+          </a:p>
+        </p:txBody>
+      </p:sp>
+      <p:sp>
+        <p:nvSpPr>
+          <p:cNvPr id="4" name="슬라이드 번호 개체 틀 6"/>
+          <p:cNvSpPr txBox="1">
+            <a:spLocks/>
+          </p:cNvSpPr>
+          <p:nvPr>
+            <p:ph type="sldNum" idx="5"/>
+          </p:nvPr>
+        </p:nvSpPr>
+        <p:spPr>
+          <a:xfrm rot="0">
+            <a:off x="3884930" y="8685530"/>
+            <a:ext cx="2978150" cy="464820"/>
+          </a:xfrm>
+          <a:prstGeom prst="rect"/>
+        </p:spPr>
+        <p:txBody>
+          <a:bodyPr wrap="square" lIns="91440" tIns="45720" rIns="91440" bIns="45720" numCol="1" vert="horz" anchor="b">
+            <a:noAutofit/>
+          </a:bodyPr>
+          <a:lstStyle>
+            <a:lvl1pPr marL="0" indent="0" algn="r" latinLnBrk="0">
+              <a:buFontTx/>
+              <a:buNone/>
+              <a:defRPr lang="en-GB" altLang="en-US" sz="1200"/>
+            </a:lvl1pPr>
+          </a:lstStyle>
+          <a:p>
+            <a:pPr marL="0" indent="0" latinLnBrk="0">
+              <a:buFontTx/>
+              <a:buNone/>
+            </a:pPr>
+            <a:fld id="{B9320F77-B9A0-41C5-862A-B4B631284C64}" type="slidenum">
+              <a:rPr lang="ko-KR" altLang="en-US"/>
+              <a:t>‹#›</a:t>
+            </a:fld>
+          </a:p>
+        </p:txBody>
+      </p:sp>
+    </p:spTree>
+  </p:cSld>
+  <p:clrMapOvr>
+    <a:masterClrMapping/>
+  </p:clrMapOvr>
+  <mc:AlternateContent xmlns:mc="http://schemas.openxmlformats.org/markup-compatibility/2006">
+    <mc:Choice xmlns:p14="http://schemas.microsoft.com/office/powerpoint/2010/main" Requires="p14">
+      <p:transition spd="slow" p14:dur="0"/>
+    </mc:Choice>
+    <mc:Fallback>
+      <p:transition spd="slow"/>
+    </mc:Fallback>
+  </mc:AlternateContent>
+</p:notes>
+</file>
+
+<file path=ppt/notesSlides/notesSlide9.xml><?xml version="1.0" encoding="utf-8"?>
 <p:notes xmlns:a="http://schemas.openxmlformats.org/drawingml/2006/main" xmlns:r="http://schemas.openxmlformats.org/officeDocument/2006/relationships" xmlns:p="http://schemas.openxmlformats.org/presentationml/2006/main">
   <p:cSld>
     <p:spTree>
@@ -8137,7 +8423,7 @@
       </p:pic>
       <p:pic>
         <p:nvPicPr>
-          <p:cNvPr id="11" name="그림 21" descr="C:/Users/Admin1/AppData/Roaming/PolarisOffice/ETemp/13412_18275296/fImage173371898467.png"/>
+          <p:cNvPr id="11" name="그림 21"/>
           <p:cNvPicPr>
             <a:picLocks noChangeAspect="1"/>
           </p:cNvPicPr>
@@ -8199,7 +8485,7 @@
       </p:pic>
       <p:pic>
         <p:nvPicPr>
-          <p:cNvPr id="13" name="그림 26" descr="C:/Users/Admin1/AppData/Roaming/PolarisOffice/ETemp/13412_18275296/fImage2207441926500.png"/>
+          <p:cNvPr id="13" name="그림 26"/>
           <p:cNvPicPr>
             <a:picLocks noChangeAspect="1"/>
           </p:cNvPicPr>
@@ -8283,7 +8569,7 @@
 </file>
 
 <file path=ppt/slides/slide4.xml><?xml version="1.0" encoding="utf-8"?>
-<p:sld xmlns:a="http://schemas.openxmlformats.org/drawingml/2006/main" xmlns:r="http://schemas.openxmlformats.org/officeDocument/2006/relationships" xmlns:p="http://schemas.openxmlformats.org/presentationml/2006/main" xmlns:p14="http://schemas.microsoft.com/office/powerpoint/2010/main">
+<p:sld xmlns:a="http://schemas.openxmlformats.org/drawingml/2006/main" xmlns:r="http://schemas.openxmlformats.org/officeDocument/2006/relationships" xmlns:p="http://schemas.openxmlformats.org/presentationml/2006/main">
   <p:cSld>
     <p:spTree>
       <p:nvGrpSpPr>
@@ -8301,7 +8587,7 @@
       </p:grpSpPr>
       <p:sp>
         <p:nvSpPr>
-          <p:cNvPr id="2" name="텍스트 상자 10"/>
+          <p:cNvPr id="2" name="텍스트 상자 1"/>
           <p:cNvSpPr txBox="1">
             <a:spLocks/>
           </p:cNvSpPr>
@@ -8309,8 +8595,8 @@
         </p:nvSpPr>
         <p:spPr>
           <a:xfrm rot="0">
-            <a:off x="4525645" y="369570"/>
-            <a:ext cx="3140075" cy="554990"/>
+            <a:off x="4259580" y="361315"/>
+            <a:ext cx="3580130" cy="556260"/>
           </a:xfrm>
           <a:prstGeom prst="rect"/>
           <a:noFill/>
@@ -8330,18 +8616,11 @@
               <a:buNone/>
             </a:pPr>
             <a:r>
-              <a:rPr lang="ko-KR" sz="3000" b="1">
-                <a:latin typeface="맑은 고딕" charset="0"/>
-                <a:ea typeface="맑은 고딕" charset="0"/>
-              </a:rPr>
-              <a:t>두 번째 튜토리얼</a:t>
-            </a:r>
-            <a:r>
               <a:rPr sz="3000" b="1">
                 <a:latin typeface="맑은 고딕" charset="0"/>
                 <a:ea typeface="맑은 고딕" charset="0"/>
               </a:rPr>
-              <a:t> </a:t>
+              <a:t>Content Size Fitter </a:t>
             </a:r>
             <a:endParaRPr lang="ko-KR" altLang="en-US" sz="3000" b="1">
               <a:latin typeface="맑은 고딕" charset="0"/>
@@ -8350,9 +8629,97 @@
           </a:p>
         </p:txBody>
       </p:sp>
+      <p:sp>
+        <p:nvSpPr>
+          <p:cNvPr id="3" name="텍스트 상자 2"/>
+          <p:cNvSpPr txBox="1">
+            <a:spLocks/>
+          </p:cNvSpPr>
+          <p:nvPr/>
+        </p:nvSpPr>
+        <p:spPr>
+          <a:xfrm rot="0">
+            <a:off x="1325245" y="1370330"/>
+            <a:ext cx="4029710" cy="924560"/>
+          </a:xfrm>
+          <a:prstGeom prst="rect"/>
+          <a:noFill/>
+          <a:ln w="0">
+            <a:noFill/>
+            <a:prstDash/>
+          </a:ln>
+        </p:spPr>
+        <p:txBody>
+          <a:bodyPr wrap="square" lIns="89535" tIns="46355" rIns="89535" bIns="46355" vert="horz" anchor="t">
+            <a:spAutoFit/>
+          </a:bodyPr>
+          <a:lstStyle/>
+          <a:p>
+            <a:pPr marL="0" indent="0" rtl="0" algn="l" defTabSz="914400" eaLnBrk="1" latinLnBrk="0" hangingPunct="1">
+              <a:buFontTx/>
+              <a:buNone/>
+            </a:pPr>
+            <a:r>
+              <a:rPr sz="1800">
+                <a:latin typeface="맑은 고딕" charset="0"/>
+                <a:ea typeface="맑은 고딕" charset="0"/>
+              </a:rPr>
+              <a:t>Content Size Fitter : UI의 크기에 따라 유동적으로 UI의 크기를 조절할 수 있는 컴포넌트입니다. </a:t>
+            </a:r>
+            <a:endParaRPr lang="ko-KR" altLang="en-US" sz="1800">
+              <a:latin typeface="맑은 고딕" charset="0"/>
+              <a:ea typeface="맑은 고딕" charset="0"/>
+            </a:endParaRPr>
+          </a:p>
+        </p:txBody>
+      </p:sp>
+      <p:sp>
+        <p:nvSpPr>
+          <p:cNvPr id="4" name="텍스트 상자 3"/>
+          <p:cNvSpPr txBox="1">
+            <a:spLocks/>
+          </p:cNvSpPr>
+          <p:nvPr/>
+        </p:nvSpPr>
+        <p:spPr>
+          <a:xfrm rot="0">
+            <a:off x="6849110" y="5067935"/>
+            <a:ext cx="4000500" cy="1202055"/>
+          </a:xfrm>
+          <a:prstGeom prst="rect"/>
+          <a:noFill/>
+          <a:ln w="0">
+            <a:noFill/>
+            <a:prstDash/>
+          </a:ln>
+        </p:spPr>
+        <p:txBody>
+          <a:bodyPr wrap="square" lIns="89535" tIns="46355" rIns="89535" bIns="46355" vert="horz" anchor="t">
+            <a:spAutoFit/>
+          </a:bodyPr>
+          <a:lstStyle/>
+          <a:p>
+            <a:pPr marL="0" indent="0" rtl="0" algn="l" defTabSz="914400" eaLnBrk="1" latinLnBrk="0" hangingPunct="1">
+              <a:buFontTx/>
+              <a:buNone/>
+            </a:pPr>
+            <a:r>
+              <a:rPr sz="1800">
+                <a:latin typeface="맑은 고딕" charset="0"/>
+                <a:ea typeface="맑은 고딕" charset="0"/>
+              </a:rPr>
+              <a:t>Unconstrained : UI의 크기를 콘텐츠에 맞추지 않는 옵션으로 UI의 크기를 직접 맞추거나 고정된 크기를 사용해야 할 때 사용하는 옵션입니다.</a:t>
+            </a:r>
+            <a:endParaRPr lang="ko-KR" altLang="en-US" sz="1800">
+              <a:latin typeface="맑은 고딕" charset="0"/>
+              <a:ea typeface="맑은 고딕" charset="0"/>
+            </a:endParaRPr>
+          </a:p>
+        </p:txBody>
+      </p:sp>
       <p:pic>
         <p:nvPicPr>
-          <p:cNvPr id="3" name="그림 11"/>
+          <p:cNvPr id="5" name="그림 4" descr="C:/Users/Admin1/AppData/Roaming/PolarisOffice/ETemp/17088_10211680/fImage635222841.png"/>
           <p:cNvPicPr>
             <a:picLocks noChangeAspect="1"/>
           </p:cNvPicPr>
@@ -8372,8 +8739,8 @@
         </p:blipFill>
         <p:spPr>
           <a:xfrm rot="0">
-            <a:off x="1231265" y="1263650"/>
-            <a:ext cx="4057650" cy="2446020"/>
+            <a:off x="6849745" y="1379855"/>
+            <a:ext cx="4008755" cy="915670"/>
           </a:xfrm>
           <a:prstGeom prst="roundRect"/>
           <a:solidFill>
@@ -8383,7 +8750,7 @@
       </p:pic>
       <p:pic>
         <p:nvPicPr>
-          <p:cNvPr id="4" name="그림 12"/>
+          <p:cNvPr id="6" name="그림 5" descr="C:/Users/Admin1/AppData/Roaming/PolarisOffice/ETemp/17088_10211680/fImage422482298467.png"/>
           <p:cNvPicPr>
             <a:picLocks noChangeAspect="1"/>
           </p:cNvPicPr>
@@ -8403,8 +8770,8 @@
         </p:blipFill>
         <p:spPr>
           <a:xfrm rot="0">
-            <a:off x="6874510" y="3982085"/>
-            <a:ext cx="3950970" cy="840105"/>
+            <a:off x="6851015" y="3230245"/>
+            <a:ext cx="890270" cy="922020"/>
           </a:xfrm>
           <a:prstGeom prst="roundRect"/>
           <a:solidFill>
@@ -8414,7 +8781,7 @@
       </p:pic>
       <p:pic>
         <p:nvPicPr>
-          <p:cNvPr id="5" name="그림 13"/>
+          <p:cNvPr id="7" name="그림 6" descr="C:/Users/Admin1/AppData/Roaming/PolarisOffice/ETemp/17088_10211680/fImage285882306334.png"/>
           <p:cNvPicPr>
             <a:picLocks noChangeAspect="1"/>
           </p:cNvPicPr>
@@ -8434,140 +8801,16 @@
         </p:blipFill>
         <p:spPr>
           <a:xfrm rot="0">
-            <a:off x="6869430" y="1271905"/>
-            <a:ext cx="3964305" cy="2593975"/>
-          </a:xfrm>
-          <a:prstGeom prst="roundRect"/>
-          <a:solidFill>
-            <a:srgbClr val="EDEDED"/>
-          </a:solidFill>
+            <a:off x="7879080" y="2492375"/>
+            <a:ext cx="2974340" cy="2412365"/>
+          </a:xfrm>
+          <a:prstGeom prst="rect"/>
+          <a:noFill/>
         </p:spPr>
       </p:pic>
-      <p:sp>
-        <p:nvSpPr>
-          <p:cNvPr id="6" name="텍스트 상자 14"/>
-          <p:cNvSpPr txBox="1">
-            <a:spLocks/>
-          </p:cNvSpPr>
-          <p:nvPr/>
-        </p:nvSpPr>
-        <p:spPr>
-          <a:xfrm rot="0">
-            <a:off x="1231265" y="5304155"/>
-            <a:ext cx="4067175" cy="925195"/>
-          </a:xfrm>
-          <a:prstGeom prst="rect"/>
-          <a:noFill/>
-          <a:ln w="0">
-            <a:noFill/>
-            <a:prstDash/>
-          </a:ln>
-        </p:spPr>
-        <p:txBody>
-          <a:bodyPr wrap="square" lIns="89535" tIns="46355" rIns="89535" bIns="46355" numCol="1" vert="horz" anchor="t">
-            <a:spAutoFit/>
-          </a:bodyPr>
-          <a:lstStyle/>
-          <a:p>
-            <a:pPr marL="0" indent="0" rtl="0" algn="l" defTabSz="914400" eaLnBrk="1" latinLnBrk="0" hangingPunct="1">
-              <a:buFontTx/>
-              <a:buNone/>
-            </a:pPr>
-            <a:r>
-              <a:rPr sz="1800" b="1">
-                <a:solidFill>
-                  <a:srgbClr val="0611F2"/>
-                </a:solidFill>
-                <a:latin typeface="맑은 고딕" charset="0"/>
-                <a:ea typeface="맑은 고딕" charset="0"/>
-              </a:rPr>
-              <a:t>3.</a:t>
-            </a:r>
-            <a:r>
-              <a:rPr sz="1800">
-                <a:latin typeface="맑은 고딕" charset="0"/>
-                <a:ea typeface="맑은 고딕" charset="0"/>
-              </a:rPr>
-              <a:t> Preferred Size : 기본적인 콘텐츠의 크기와 UI(Text, Image, Button)의 크기에 따라 맞추어주는 옵션입니다.</a:t>
-            </a:r>
-            <a:endParaRPr lang="ko-KR" altLang="en-US" sz="1800">
-              <a:latin typeface="맑은 고딕" charset="0"/>
-              <a:ea typeface="맑은 고딕" charset="0"/>
-            </a:endParaRPr>
-          </a:p>
-        </p:txBody>
-      </p:sp>
-      <p:sp>
-        <p:nvSpPr>
-          <p:cNvPr id="7" name="텍스트 상자 15"/>
-          <p:cNvSpPr txBox="1">
-            <a:spLocks/>
-          </p:cNvSpPr>
-          <p:nvPr/>
-        </p:nvSpPr>
-        <p:spPr>
-          <a:xfrm rot="0">
-            <a:off x="6872605" y="5025390"/>
-            <a:ext cx="3964305" cy="1202055"/>
-          </a:xfrm>
-          <a:prstGeom prst="rect"/>
-          <a:noFill/>
-          <a:ln w="0">
-            <a:noFill/>
-            <a:prstDash/>
-          </a:ln>
-        </p:spPr>
-        <p:txBody>
-          <a:bodyPr wrap="square" lIns="89535" tIns="46355" rIns="89535" bIns="46355" numCol="1" vert="horz" anchor="t">
-            <a:spAutoFit/>
-          </a:bodyPr>
-          <a:lstStyle/>
-          <a:p>
-            <a:pPr marL="0" indent="0" rtl="0" algn="l" defTabSz="914400" eaLnBrk="1" latinLnBrk="0" hangingPunct="1">
-              <a:buFontTx/>
-              <a:buNone/>
-            </a:pPr>
-            <a:r>
-              <a:rPr sz="1800" b="1">
-                <a:solidFill>
-                  <a:srgbClr val="0611F2"/>
-                </a:solidFill>
-                <a:latin typeface="맑은 고딕" charset="0"/>
-                <a:ea typeface="맑은 고딕" charset="0"/>
-              </a:rPr>
-              <a:t>4.</a:t>
-            </a:r>
-            <a:r>
-              <a:rPr sz="1800">
-                <a:latin typeface="맑은 고딕" charset="0"/>
-                <a:ea typeface="맑은 고딕" charset="0"/>
-              </a:rPr>
-              <a:t> </a:t>
-            </a:r>
-            <a:r>
-              <a:rPr lang="ko-KR" sz="1800">
-                <a:latin typeface="맑은 고딕" charset="0"/>
-                <a:ea typeface="맑은 고딕" charset="0"/>
-              </a:rPr>
-              <a:t>현재 프리팹으로 되어 있는 String UI에 Content Size Fitter 컴포넌트를 부착하고 Horizontal Fit을 Preferred Size로 설정합니다. </a:t>
-            </a:r>
-            <a:r>
-              <a:rPr sz="1800">
-                <a:latin typeface="맑은 고딕" charset="0"/>
-                <a:ea typeface="맑은 고딕" charset="0"/>
-              </a:rPr>
-              <a:t> </a:t>
-            </a:r>
-            <a:endParaRPr lang="ko-KR" altLang="en-US" sz="1800">
-              <a:latin typeface="맑은 고딕" charset="0"/>
-              <a:ea typeface="맑은 고딕" charset="0"/>
-            </a:endParaRPr>
-          </a:p>
-        </p:txBody>
-      </p:sp>
       <p:pic>
         <p:nvPicPr>
-          <p:cNvPr id="8" name="그림 16" descr="C:/Users/Admin1/AppData/Roaming/PolarisOffice/ETemp/19304_19120168/fImage345611759358.png"/>
+          <p:cNvPr id="8" name="그림 7" descr="C:/Users/Admin1/AppData/Roaming/PolarisOffice/ETemp/17088_10211680/fImage603472316500.png"/>
           <p:cNvPicPr>
             <a:picLocks noChangeAspect="1"/>
           </p:cNvPicPr>
@@ -8587,8 +8830,8 @@
         </p:blipFill>
         <p:spPr>
           <a:xfrm rot="0">
-            <a:off x="3500120" y="3890645"/>
-            <a:ext cx="1788795" cy="1247140"/>
+            <a:off x="1322070" y="2469515"/>
+            <a:ext cx="4041775" cy="2169795"/>
           </a:xfrm>
           <a:prstGeom prst="roundRect"/>
           <a:solidFill>
@@ -8596,37 +8839,77 @@
           </a:solidFill>
         </p:spPr>
       </p:pic>
-      <p:pic>
-        <p:nvPicPr>
-          <p:cNvPr id="9" name="그림 17" descr="C:/Users/Admin1/AppData/Roaming/PolarisOffice/ETemp/19304_19120168/fImage137551766962.png"/>
-          <p:cNvPicPr>
-            <a:picLocks noChangeAspect="1"/>
-          </p:cNvPicPr>
+      <p:sp>
+        <p:nvSpPr>
+          <p:cNvPr id="9" name="텍스트 상자 8"/>
+          <p:cNvSpPr txBox="1">
+            <a:spLocks/>
+          </p:cNvSpPr>
           <p:nvPr/>
-        </p:nvPicPr>
-        <p:blipFill rotWithShape="1">
-          <a:blip r:embed="rId6" cstate="hqprint">
-            <a:extLst>
-              <a:ext uri="{28A0092B-C50C-407E-A947-70E740481C1C}">
-                <a14:useLocalDpi xmlns:a14="http://schemas.microsoft.com/office/drawing/2010/main"/>
-              </a:ext>
-            </a:extLst>
-          </a:blip>
-          <a:stretch>
-            <a:fillRect/>
-          </a:stretch>
-        </p:blipFill>
-        <p:spPr>
-          <a:xfrm rot="0">
-            <a:off x="1228090" y="3879215"/>
-            <a:ext cx="1799590" cy="1250315"/>
-          </a:xfrm>
-          <a:prstGeom prst="roundRect"/>
-          <a:solidFill>
-            <a:srgbClr val="EDEDED"/>
-          </a:solidFill>
-        </p:spPr>
-      </p:pic>
+        </p:nvSpPr>
+        <p:spPr>
+          <a:xfrm rot="0">
+            <a:off x="1322070" y="4792345"/>
+            <a:ext cx="4049395" cy="1478280"/>
+          </a:xfrm>
+          <a:prstGeom prst="rect"/>
+          <a:noFill/>
+          <a:ln w="0">
+            <a:noFill/>
+            <a:prstDash/>
+          </a:ln>
+        </p:spPr>
+        <p:txBody>
+          <a:bodyPr wrap="square" lIns="89535" tIns="46355" rIns="89535" bIns="46355" vert="horz" anchor="t">
+            <a:spAutoFit/>
+          </a:bodyPr>
+          <a:lstStyle/>
+          <a:p>
+            <a:pPr marL="0" indent="0" rtl="0" algn="l" defTabSz="914400" eaLnBrk="1" latinLnBrk="0" hangingPunct="1">
+              <a:buFontTx/>
+              <a:buNone/>
+            </a:pPr>
+            <a:r>
+              <a:rPr sz="1800">
+                <a:latin typeface="맑은 고딕" charset="0"/>
+                <a:ea typeface="맑은 고딕" charset="0"/>
+              </a:rPr>
+              <a:t>Vertical Fit : 수직에 대한 UI의 크기를 조절합니다.</a:t>
+            </a:r>
+            <a:endParaRPr lang="ko-KR" altLang="en-US" sz="1800">
+              <a:latin typeface="맑은 고딕" charset="0"/>
+              <a:ea typeface="맑은 고딕" charset="0"/>
+            </a:endParaRPr>
+          </a:p>
+          <a:p>
+            <a:pPr marL="0" indent="0" rtl="0" algn="l" defTabSz="914400" eaLnBrk="1" latinLnBrk="0" hangingPunct="1">
+              <a:buFontTx/>
+              <a:buNone/>
+            </a:pPr>
+            <a:endParaRPr lang="ko-KR" altLang="en-US" sz="1800">
+              <a:latin typeface="맑은 고딕" charset="0"/>
+              <a:ea typeface="맑은 고딕" charset="0"/>
+            </a:endParaRPr>
+          </a:p>
+          <a:p>
+            <a:pPr marL="0" indent="0" rtl="0" algn="l" defTabSz="914400" eaLnBrk="1" latinLnBrk="0" hangingPunct="1">
+              <a:buFontTx/>
+              <a:buNone/>
+            </a:pPr>
+            <a:r>
+              <a:rPr sz="1800">
+                <a:latin typeface="맑은 고딕" charset="0"/>
+                <a:ea typeface="맑은 고딕" charset="0"/>
+              </a:rPr>
+              <a:t>Horizontal Fit : 수평에 대한 UI의 크기를 조절합니다. </a:t>
+            </a:r>
+            <a:endParaRPr lang="ko-KR" altLang="en-US" sz="1800">
+              <a:latin typeface="맑은 고딕" charset="0"/>
+              <a:ea typeface="맑은 고딕" charset="0"/>
+            </a:endParaRPr>
+          </a:p>
+        </p:txBody>
+      </p:sp>
     </p:spTree>
   </p:cSld>
   <p:clrMapOvr>
@@ -8669,7 +8952,7 @@
       </p:grpSpPr>
       <p:sp>
         <p:nvSpPr>
-          <p:cNvPr id="2" name="Rect 0"/>
+          <p:cNvPr id="2" name="텍스트 상자 10"/>
           <p:cNvSpPr txBox="1">
             <a:spLocks/>
           </p:cNvSpPr>
@@ -8677,8 +8960,8 @@
         </p:nvSpPr>
         <p:spPr>
           <a:xfrm rot="0">
-            <a:off x="4509135" y="361315"/>
-            <a:ext cx="3173095" cy="554990"/>
+            <a:off x="4525645" y="369570"/>
+            <a:ext cx="3140075" cy="554990"/>
           </a:xfrm>
           <a:prstGeom prst="rect"/>
           <a:noFill/>
@@ -8702,7 +8985,7 @@
                 <a:latin typeface="맑은 고딕" charset="0"/>
                 <a:ea typeface="맑은 고딕" charset="0"/>
               </a:rPr>
-              <a:t>세 번째 튜토리얼</a:t>
+              <a:t>두 번째 튜토리얼</a:t>
             </a:r>
             <a:r>
               <a:rPr sz="3000" b="1">
@@ -8718,117 +9001,19 @@
           </a:p>
         </p:txBody>
       </p:sp>
-      <p:sp>
-        <p:nvSpPr>
-          <p:cNvPr id="6" name="Rect 0"/>
-          <p:cNvSpPr txBox="1">
-            <a:spLocks/>
-          </p:cNvSpPr>
-          <p:nvPr/>
-        </p:nvSpPr>
-        <p:spPr>
-          <a:xfrm>
-            <a:off x="1189355" y="3961130"/>
-            <a:ext cx="4123690" cy="2031365"/>
-          </a:xfrm>
-          <a:prstGeom prst="rect"/>
-          <a:noFill/>
-          <a:ln w="0">
-            <a:noFill/>
-            <a:prstDash/>
-          </a:ln>
-        </p:spPr>
-        <p:txBody>
-          <a:bodyPr wrap="square" lIns="89535" tIns="46355" rIns="89535" bIns="46355" numCol="1" vert="horz" anchor="t">
-            <a:spAutoFit/>
-          </a:bodyPr>
-          <a:lstStyle/>
-          <a:p>
-            <a:pPr marL="0" indent="0" rtl="0" algn="l" defTabSz="914400" eaLnBrk="1" latinLnBrk="0" hangingPunct="1">
-              <a:buFontTx/>
-              <a:buNone/>
-            </a:pPr>
-            <a:r>
-              <a:rPr sz="1800" b="1">
-                <a:solidFill>
-                  <a:srgbClr val="0611F2"/>
-                </a:solidFill>
-                <a:latin typeface="맑은 고딕" charset="0"/>
-                <a:ea typeface="맑은 고딕" charset="0"/>
-              </a:rPr>
-              <a:t>5</a:t>
-            </a:r>
-            <a:r>
-              <a:rPr sz="1800" b="1">
-                <a:solidFill>
-                  <a:srgbClr val="0611F2"/>
-                </a:solidFill>
-                <a:latin typeface="맑은 고딕" charset="0"/>
-                <a:ea typeface="맑은 고딕" charset="0"/>
-              </a:rPr>
-              <a:t>.</a:t>
-            </a:r>
-            <a:r>
-              <a:rPr sz="1800">
-                <a:latin typeface="맑은 고딕" charset="0"/>
-                <a:ea typeface="맑은 고딕" charset="0"/>
-              </a:rPr>
-              <a:t> </a:t>
-            </a:r>
-            <a:r>
-              <a:rPr lang="ko-KR" sz="1800">
-                <a:latin typeface="맑은 고딕" charset="0"/>
-                <a:ea typeface="맑은 고딕" charset="0"/>
-              </a:rPr>
-              <a:t>빈 게임 오브젝트를 생성하고 이름은 Chatting Manager로 변경합니다.</a:t>
-            </a:r>
-            <a:endParaRPr lang="ko-KR" altLang="en-US" sz="1800">
-              <a:latin typeface="맑은 고딕" charset="0"/>
-              <a:ea typeface="맑은 고딕" charset="0"/>
-            </a:endParaRPr>
-          </a:p>
-          <a:p>
-            <a:pPr marL="0" indent="0" rtl="0" algn="l" defTabSz="914400" eaLnBrk="1" latinLnBrk="0" hangingPunct="1">
-              <a:buFontTx/>
-              <a:buNone/>
-            </a:pPr>
-            <a:endParaRPr lang="ko-KR" altLang="en-US" sz="1800">
-              <a:latin typeface="맑은 고딕" charset="0"/>
-              <a:ea typeface="맑은 고딕" charset="0"/>
-            </a:endParaRPr>
-          </a:p>
-          <a:p>
-            <a:pPr marL="0" indent="0" rtl="0" algn="l" defTabSz="914400" eaLnBrk="1" latinLnBrk="0" hangingPunct="1">
-              <a:buFontTx/>
-              <a:buNone/>
-            </a:pPr>
-            <a:r>
-              <a:rPr lang="ko-KR" sz="1800">
-                <a:latin typeface="맑은 고딕" charset="0"/>
-                <a:ea typeface="맑은 고딕" charset="0"/>
-              </a:rPr>
-              <a:t>그리고 ChatManager라는 스크립트를 작성해서 Chatting Manager 오브젝트에 넣어줍니다.</a:t>
-            </a:r>
-            <a:endParaRPr lang="ko-KR" altLang="en-US" sz="1800">
-              <a:latin typeface="맑은 고딕" charset="0"/>
-              <a:ea typeface="맑은 고딕" charset="0"/>
-            </a:endParaRPr>
-          </a:p>
-        </p:txBody>
-      </p:sp>
       <p:pic>
         <p:nvPicPr>
-          <p:cNvPr id="16" name="그림 32"/>
+          <p:cNvPr id="3" name="그림 11"/>
           <p:cNvPicPr>
             <a:picLocks noChangeAspect="1"/>
           </p:cNvPicPr>
           <p:nvPr/>
         </p:nvPicPr>
         <p:blipFill rotWithShape="1">
-          <a:blip r:embed="rId2" cstate="print">
+          <a:blip r:embed="rId2" cstate="hqprint">
             <a:extLst>
               <a:ext uri="{28A0092B-C50C-407E-A947-70E740481C1C}">
-                <a14:useLocalDpi xmlns:a14="http://schemas.microsoft.com/office/drawing/2010/main" val="0"/>
+                <a14:useLocalDpi xmlns:a14="http://schemas.microsoft.com/office/drawing/2010/main"/>
               </a:ext>
             </a:extLst>
           </a:blip>
@@ -8838,8 +9023,8 @@
         </p:blipFill>
         <p:spPr>
           <a:xfrm rot="0">
-            <a:off x="4017010" y="2942590"/>
-            <a:ext cx="747395" cy="791210"/>
+            <a:off x="1231265" y="1263650"/>
+            <a:ext cx="4057650" cy="2446020"/>
           </a:xfrm>
           <a:prstGeom prst="roundRect"/>
           <a:solidFill>
@@ -8849,7 +9034,7 @@
       </p:pic>
       <p:pic>
         <p:nvPicPr>
-          <p:cNvPr id="17" name="그림 37" descr="C:/Users/Admin1/AppData/Roaming/PolarisOffice/ETemp/14960_14094464/fImage330252115705.png"/>
+          <p:cNvPr id="4" name="그림 12"/>
           <p:cNvPicPr>
             <a:picLocks noChangeAspect="1"/>
           </p:cNvPicPr>
@@ -8869,8 +9054,8 @@
         </p:blipFill>
         <p:spPr>
           <a:xfrm rot="0">
-            <a:off x="1252855" y="1217295"/>
-            <a:ext cx="1891030" cy="2599690"/>
+            <a:off x="6874510" y="3982085"/>
+            <a:ext cx="3950970" cy="840105"/>
           </a:xfrm>
           <a:prstGeom prst="roundRect"/>
           <a:solidFill>
@@ -8880,7 +9065,7 @@
       </p:pic>
       <p:pic>
         <p:nvPicPr>
-          <p:cNvPr id="18" name="그림 38" descr="C:/Users/Admin1/AppData/Roaming/PolarisOffice/ETemp/14960_14094464/fImage82942128145.png"/>
+          <p:cNvPr id="5" name="그림 13"/>
           <p:cNvPicPr>
             <a:picLocks noChangeAspect="1"/>
           </p:cNvPicPr>
@@ -8900,8 +9085,8 @@
         </p:blipFill>
         <p:spPr>
           <a:xfrm rot="0">
-            <a:off x="3469640" y="1214120"/>
-            <a:ext cx="1835150" cy="1420495"/>
+            <a:off x="6869430" y="1271905"/>
+            <a:ext cx="3964305" cy="2593975"/>
           </a:xfrm>
           <a:prstGeom prst="roundRect"/>
           <a:solidFill>
@@ -8909,55 +9094,141 @@
           </a:solidFill>
         </p:spPr>
       </p:pic>
-      <p:cxnSp>
-        <p:nvCxnSpPr>
-          <p:cNvPr id="19" name="도형 39"/>
-          <p:cNvCxnSpPr>
-            <a:stCxn id="16" idx="0"/>
-            <a:endCxn id="18" idx="2"/>
-          </p:cNvCxnSpPr>
+      <p:sp>
+        <p:nvSpPr>
+          <p:cNvPr id="6" name="텍스트 상자 14"/>
+          <p:cNvSpPr txBox="1">
+            <a:spLocks/>
+          </p:cNvSpPr>
           <p:nvPr/>
-        </p:nvCxnSpPr>
-        <p:spPr>
-          <a:xfrm rot="0" flipH="1" flipV="1">
-            <a:off x="4386580" y="2633345"/>
-            <a:ext cx="4445" cy="309880"/>
-          </a:xfrm>
-          <a:prstGeom prst="straightConnector1"/>
-          <a:ln w="6350" cap="flat" cmpd="sng">
+        </p:nvSpPr>
+        <p:spPr>
+          <a:xfrm rot="0">
+            <a:off x="1231265" y="5304155"/>
+            <a:ext cx="4067175" cy="925195"/>
+          </a:xfrm>
+          <a:prstGeom prst="rect"/>
+          <a:noFill/>
+          <a:ln w="0">
+            <a:noFill/>
             <a:prstDash/>
-            <a:headEnd type="none" w="med" len="med"/>
-            <a:tailEnd type="triangle" w="med" len="med"/>
           </a:ln>
         </p:spPr>
-        <p:style>
-          <a:lnRef idx="1">
-            <a:schemeClr val="accent1"/>
-          </a:lnRef>
-          <a:fillRef idx="0">
-            <a:schemeClr val="accent1"/>
-          </a:fillRef>
-          <a:effectRef idx="0">
-            <a:schemeClr val="accent1"/>
-          </a:effectRef>
-          <a:fontRef idx="minor">
-            <a:schemeClr val="tx1"/>
-          </a:fontRef>
-        </p:style>
-      </p:cxnSp>
+        <p:txBody>
+          <a:bodyPr wrap="square" lIns="89535" tIns="46355" rIns="89535" bIns="46355" numCol="1" vert="horz" anchor="t">
+            <a:spAutoFit/>
+          </a:bodyPr>
+          <a:lstStyle/>
+          <a:p>
+            <a:pPr marL="0" indent="0" rtl="0" algn="l" defTabSz="914400" eaLnBrk="1" latinLnBrk="0" hangingPunct="1">
+              <a:buFontTx/>
+              <a:buNone/>
+            </a:pPr>
+            <a:r>
+              <a:rPr sz="1800" b="1">
+                <a:solidFill>
+                  <a:srgbClr val="0611F2"/>
+                </a:solidFill>
+                <a:latin typeface="맑은 고딕" charset="0"/>
+                <a:ea typeface="맑은 고딕" charset="0"/>
+              </a:rPr>
+              <a:t>3.</a:t>
+            </a:r>
+            <a:r>
+              <a:rPr sz="1800">
+                <a:latin typeface="맑은 고딕" charset="0"/>
+                <a:ea typeface="맑은 고딕" charset="0"/>
+              </a:rPr>
+              <a:t> Preferred Size : 기본적인 콘텐츠의 크기와 UI(Text, Image, Button)의 크기에 따라 맞추어주는 옵션입니다.</a:t>
+            </a:r>
+            <a:endParaRPr lang="ko-KR" altLang="en-US" sz="1800">
+              <a:latin typeface="맑은 고딕" charset="0"/>
+              <a:ea typeface="맑은 고딕" charset="0"/>
+            </a:endParaRPr>
+          </a:p>
+        </p:txBody>
+      </p:sp>
+      <p:sp>
+        <p:nvSpPr>
+          <p:cNvPr id="7" name="텍스트 상자 15"/>
+          <p:cNvSpPr txBox="1">
+            <a:spLocks/>
+          </p:cNvSpPr>
+          <p:nvPr/>
+        </p:nvSpPr>
+        <p:spPr>
+          <a:xfrm rot="0">
+            <a:off x="6872605" y="5025390"/>
+            <a:ext cx="3964305" cy="1202055"/>
+          </a:xfrm>
+          <a:prstGeom prst="rect"/>
+          <a:noFill/>
+          <a:ln w="0">
+            <a:noFill/>
+            <a:prstDash/>
+          </a:ln>
+        </p:spPr>
+        <p:txBody>
+          <a:bodyPr wrap="square" lIns="89535" tIns="46355" rIns="89535" bIns="46355" numCol="1" vert="horz" anchor="t">
+            <a:spAutoFit/>
+          </a:bodyPr>
+          <a:lstStyle/>
+          <a:p>
+            <a:pPr marL="0" indent="0" rtl="0" algn="l" defTabSz="914400" eaLnBrk="1" latinLnBrk="0" hangingPunct="1">
+              <a:buFontTx/>
+              <a:buNone/>
+            </a:pPr>
+            <a:r>
+              <a:rPr sz="1800" b="1">
+                <a:solidFill>
+                  <a:srgbClr val="0611F2"/>
+                </a:solidFill>
+                <a:latin typeface="맑은 고딕" charset="0"/>
+                <a:ea typeface="맑은 고딕" charset="0"/>
+              </a:rPr>
+              <a:t>4.</a:t>
+            </a:r>
+            <a:r>
+              <a:rPr sz="1800">
+                <a:latin typeface="맑은 고딕" charset="0"/>
+                <a:ea typeface="맑은 고딕" charset="0"/>
+              </a:rPr>
+              <a:t> </a:t>
+            </a:r>
+            <a:r>
+              <a:rPr lang="ko-KR" sz="1800">
+                <a:latin typeface="맑은 고딕" charset="0"/>
+                <a:ea typeface="맑은 고딕" charset="0"/>
+              </a:rPr>
+              <a:t>현재 프리팹으로 되어 있는 String UI에 Content Size Fitter 컴포넌트를 부착하고 Horizontal Fit을 Preferred Size로 설정합니다. </a:t>
+            </a:r>
+            <a:r>
+              <a:rPr sz="1800">
+                <a:latin typeface="맑은 고딕" charset="0"/>
+                <a:ea typeface="맑은 고딕" charset="0"/>
+              </a:rPr>
+              <a:t> </a:t>
+            </a:r>
+            <a:endParaRPr lang="ko-KR" altLang="en-US" sz="1800">
+              <a:latin typeface="맑은 고딕" charset="0"/>
+              <a:ea typeface="맑은 고딕" charset="0"/>
+            </a:endParaRPr>
+          </a:p>
+        </p:txBody>
+      </p:sp>
       <p:pic>
         <p:nvPicPr>
-          <p:cNvPr id="20" name="그림 41"/>
+          <p:cNvPr id="8" name="그림 16"/>
           <p:cNvPicPr>
             <a:picLocks noChangeAspect="1"/>
           </p:cNvPicPr>
           <p:nvPr/>
         </p:nvPicPr>
         <p:blipFill rotWithShape="1">
-          <a:blip r:embed="rId5" cstate="print">
+          <a:blip r:embed="rId5" cstate="hqprint">
             <a:extLst>
               <a:ext uri="{28A0092B-C50C-407E-A947-70E740481C1C}">
-                <a14:useLocalDpi xmlns:a14="http://schemas.microsoft.com/office/drawing/2010/main" val="0"/>
+                <a14:useLocalDpi xmlns:a14="http://schemas.microsoft.com/office/drawing/2010/main"/>
               </a:ext>
             </a:extLst>
           </a:blip>
@@ -8967,8 +9238,8 @@
         </p:blipFill>
         <p:spPr>
           <a:xfrm rot="0">
-            <a:off x="6904355" y="1214120"/>
-            <a:ext cx="3895090" cy="806450"/>
+            <a:off x="3500120" y="3890645"/>
+            <a:ext cx="1788795" cy="1247140"/>
           </a:xfrm>
           <a:prstGeom prst="roundRect"/>
           <a:solidFill>
@@ -8976,107 +9247,9 @@
           </a:solidFill>
         </p:spPr>
       </p:pic>
-      <p:sp>
-        <p:nvSpPr>
-          <p:cNvPr id="21" name="텍스트 상자 44"/>
-          <p:cNvSpPr txBox="1">
-            <a:spLocks/>
-          </p:cNvSpPr>
-          <p:nvPr/>
-        </p:nvSpPr>
-        <p:spPr>
-          <a:xfrm>
-            <a:off x="6905625" y="2129155"/>
-            <a:ext cx="3894455" cy="1754505"/>
-          </a:xfrm>
-          <a:prstGeom prst="rect"/>
-          <a:noFill/>
-          <a:ln w="0">
-            <a:noFill/>
-            <a:prstDash/>
-          </a:ln>
-        </p:spPr>
-        <p:txBody>
-          <a:bodyPr wrap="square" lIns="89535" tIns="46355" rIns="89535" bIns="46355" numCol="1" vert="horz" anchor="t">
-            <a:spAutoFit/>
-          </a:bodyPr>
-          <a:lstStyle/>
-          <a:p>
-            <a:pPr marL="0" indent="0" rtl="0" algn="l" defTabSz="914400" eaLnBrk="1" latinLnBrk="0" hangingPunct="1">
-              <a:buFontTx/>
-              <a:buNone/>
-            </a:pPr>
-            <a:r>
-              <a:rPr sz="1800" b="1">
-                <a:solidFill>
-                  <a:srgbClr val="0611F2"/>
-                </a:solidFill>
-                <a:latin typeface="맑은 고딕" charset="0"/>
-                <a:ea typeface="맑은 고딕" charset="0"/>
-              </a:rPr>
-              <a:t>6</a:t>
-            </a:r>
-            <a:r>
-              <a:rPr sz="1800" b="1">
-                <a:solidFill>
-                  <a:srgbClr val="0611F2"/>
-                </a:solidFill>
-                <a:latin typeface="맑은 고딕" charset="0"/>
-                <a:ea typeface="맑은 고딕" charset="0"/>
-              </a:rPr>
-              <a:t>.</a:t>
-            </a:r>
-            <a:r>
-              <a:rPr sz="1800">
-                <a:latin typeface="맑은 고딕" charset="0"/>
-                <a:ea typeface="맑은 고딕" charset="0"/>
-              </a:rPr>
-              <a:t> </a:t>
-            </a:r>
-            <a:r>
-              <a:rPr lang="ko-KR" sz="1800">
-                <a:latin typeface="맑은 고딕" charset="0"/>
-                <a:ea typeface="맑은 고딕" charset="0"/>
-              </a:rPr>
-              <a:t>그리고 텍스트를 입력할 InputField와 채팅 UI를 생성하기 위한 GameObject 선언합니다.</a:t>
-            </a:r>
-            <a:endParaRPr lang="ko-KR" altLang="en-US" sz="1800">
-              <a:latin typeface="맑은 고딕" charset="0"/>
-              <a:ea typeface="맑은 고딕" charset="0"/>
-            </a:endParaRPr>
-          </a:p>
-          <a:p>
-            <a:pPr marL="0" indent="0" rtl="0" algn="l" defTabSz="914400" eaLnBrk="1" latinLnBrk="0" hangingPunct="1">
-              <a:buFontTx/>
-              <a:buNone/>
-            </a:pPr>
-            <a:endParaRPr lang="ko-KR" altLang="en-US" sz="1800">
-              <a:latin typeface="맑은 고딕" charset="0"/>
-              <a:ea typeface="맑은 고딕" charset="0"/>
-            </a:endParaRPr>
-          </a:p>
-          <a:p>
-            <a:pPr marL="0" indent="0" rtl="0" algn="l" defTabSz="914400" eaLnBrk="1" latinLnBrk="0" hangingPunct="1">
-              <a:buFontTx/>
-              <a:buNone/>
-            </a:pPr>
-            <a:r>
-              <a:rPr lang="ko-KR" sz="1800">
-                <a:latin typeface="맑은 고딕" charset="0"/>
-                <a:ea typeface="맑은 고딕" charset="0"/>
-              </a:rPr>
-              <a:t>마지막으로 텍스트의 위치를 조정할 Transform 변수를 선언합니다.</a:t>
-            </a:r>
-            <a:endParaRPr lang="ko-KR" altLang="en-US" sz="1800">
-              <a:latin typeface="맑은 고딕" charset="0"/>
-              <a:ea typeface="맑은 고딕" charset="0"/>
-            </a:endParaRPr>
-          </a:p>
-        </p:txBody>
-      </p:sp>
       <p:pic>
         <p:nvPicPr>
-          <p:cNvPr id="22" name="그림 46" descr="C:/Users/Admin1/AppData/Roaming/PolarisOffice/ETemp/14960_14094464/fImage117862176827.png"/>
+          <p:cNvPr id="9" name="그림 17"/>
           <p:cNvPicPr>
             <a:picLocks noChangeAspect="1"/>
           </p:cNvPicPr>
@@ -9096,8 +9269,8 @@
         </p:blipFill>
         <p:spPr>
           <a:xfrm rot="0">
-            <a:off x="6910070" y="4026535"/>
-            <a:ext cx="1287145" cy="1959610"/>
+            <a:off x="1228090" y="3879215"/>
+            <a:ext cx="1799590" cy="1250315"/>
           </a:xfrm>
           <a:prstGeom prst="roundRect"/>
           <a:solidFill>
@@ -9105,101 +9278,6 @@
           </a:solidFill>
         </p:spPr>
       </p:pic>
-      <p:pic>
-        <p:nvPicPr>
-          <p:cNvPr id="23" name="그림 48" descr="C:/Users/Admin1/AppData/Roaming/PolarisOffice/ETemp/14960_14094464/fImage209552199961.png"/>
-          <p:cNvPicPr>
-            <a:picLocks noChangeAspect="1"/>
-          </p:cNvPicPr>
-          <p:nvPr/>
-        </p:nvPicPr>
-        <p:blipFill rotWithShape="1">
-          <a:blip r:embed="rId7" cstate="hqprint">
-            <a:extLst>
-              <a:ext uri="{28A0092B-C50C-407E-A947-70E740481C1C}">
-                <a14:useLocalDpi xmlns:a14="http://schemas.microsoft.com/office/drawing/2010/main"/>
-              </a:ext>
-            </a:extLst>
-          </a:blip>
-          <a:stretch>
-            <a:fillRect/>
-          </a:stretch>
-        </p:blipFill>
-        <p:spPr>
-          <a:xfrm rot="0">
-            <a:off x="8487410" y="4015105"/>
-            <a:ext cx="2312035" cy="1971040"/>
-          </a:xfrm>
-          <a:prstGeom prst="roundRect"/>
-          <a:solidFill>
-            <a:srgbClr val="EDEDED"/>
-          </a:solidFill>
-        </p:spPr>
-      </p:pic>
-      <p:cxnSp>
-        <p:nvCxnSpPr>
-          <p:cNvPr id="24" name="도형 49"/>
-          <p:cNvCxnSpPr/>
-          <p:nvPr/>
-        </p:nvCxnSpPr>
-        <p:spPr>
-          <a:xfrm rot="0">
-            <a:off x="7681595" y="5337175"/>
-            <a:ext cx="3018155" cy="523875"/>
-          </a:xfrm>
-          <a:prstGeom prst="straightConnector1"/>
-          <a:ln w="6350" cap="flat" cmpd="sng">
-            <a:prstDash/>
-            <a:tailEnd type="triangle" w="med" len="med"/>
-          </a:ln>
-        </p:spPr>
-        <p:style>
-          <a:lnRef idx="1">
-            <a:schemeClr val="accent1"/>
-          </a:lnRef>
-          <a:fillRef idx="0">
-            <a:schemeClr val="accent1"/>
-          </a:fillRef>
-          <a:effectRef idx="0">
-            <a:schemeClr val="accent1"/>
-          </a:effectRef>
-          <a:fontRef idx="minor">
-            <a:schemeClr val="tx1"/>
-          </a:fontRef>
-        </p:style>
-      </p:cxnSp>
-      <p:cxnSp>
-        <p:nvCxnSpPr>
-          <p:cNvPr id="25" name="도형 50"/>
-          <p:cNvCxnSpPr/>
-          <p:nvPr/>
-        </p:nvCxnSpPr>
-        <p:spPr>
-          <a:xfrm rot="0" flipV="1">
-            <a:off x="7573010" y="5561330"/>
-            <a:ext cx="3126740" cy="50800"/>
-          </a:xfrm>
-          <a:prstGeom prst="straightConnector1"/>
-          <a:ln w="6350" cap="flat" cmpd="sng">
-            <a:prstDash/>
-            <a:tailEnd type="triangle" w="med" len="med"/>
-          </a:ln>
-        </p:spPr>
-        <p:style>
-          <a:lnRef idx="1">
-            <a:schemeClr val="accent1"/>
-          </a:lnRef>
-          <a:fillRef idx="0">
-            <a:schemeClr val="accent1"/>
-          </a:fillRef>
-          <a:effectRef idx="0">
-            <a:schemeClr val="accent1"/>
-          </a:effectRef>
-          <a:fontRef idx="minor">
-            <a:schemeClr val="tx1"/>
-          </a:fontRef>
-        </p:style>
-      </p:cxnSp>
     </p:spTree>
   </p:cSld>
   <p:clrMapOvr>
@@ -9224,7 +9302,7 @@
 </file>
 
 <file path=ppt/slides/slide6.xml><?xml version="1.0" encoding="utf-8"?>
-<p:sld xmlns:a="http://schemas.openxmlformats.org/drawingml/2006/main" xmlns:r="http://schemas.openxmlformats.org/officeDocument/2006/relationships" xmlns:p="http://schemas.openxmlformats.org/presentationml/2006/main" xmlns:p14="http://schemas.microsoft.com/office/powerpoint/2010/main">
+<p:sld xmlns:a="http://schemas.openxmlformats.org/drawingml/2006/main" xmlns:r="http://schemas.openxmlformats.org/officeDocument/2006/relationships" xmlns:p="http://schemas.openxmlformats.org/presentationml/2006/main">
   <p:cSld>
     <p:spTree>
       <p:nvGrpSpPr>
@@ -9242,7 +9320,7 @@
       </p:grpSpPr>
       <p:sp>
         <p:nvSpPr>
-          <p:cNvPr id="25" name="Rect 0"/>
+          <p:cNvPr id="2" name="텍스트 상자 13"/>
           <p:cNvSpPr txBox="1">
             <a:spLocks/>
           </p:cNvSpPr>
@@ -9250,8 +9328,8 @@
         </p:nvSpPr>
         <p:spPr>
           <a:xfrm rot="0">
-            <a:off x="1229995" y="4589145"/>
-            <a:ext cx="4133215" cy="1477645"/>
+            <a:off x="5224145" y="353060"/>
+            <a:ext cx="1751965" cy="555625"/>
           </a:xfrm>
           <a:prstGeom prst="rect"/>
           <a:noFill/>
@@ -9261,76 +9339,32 @@
           </a:ln>
         </p:spPr>
         <p:txBody>
-          <a:bodyPr wrap="square" lIns="89535" tIns="46355" rIns="89535" bIns="46355" numCol="1" vert="horz" anchor="t">
+          <a:bodyPr wrap="square" lIns="89535" tIns="46355" rIns="89535" bIns="46355" vert="horz" anchor="t">
             <a:spAutoFit/>
           </a:bodyPr>
           <a:lstStyle/>
           <a:p>
-            <a:pPr marL="0" indent="0" algn="l" latinLnBrk="0" hangingPunct="1">
-              <a:buFontTx/>
-              <a:buNone/>
-            </a:pPr>
-            <a:r>
-              <a:rPr sz="1800" b="1">
-                <a:solidFill>
-                  <a:srgbClr val="0611F2"/>
-                </a:solidFill>
-                <a:latin typeface="맑은 고딕" charset="0"/>
-                <a:ea typeface="맑은 고딕" charset="0"/>
-              </a:rPr>
-              <a:t>7.</a:t>
-            </a:r>
-            <a:r>
-              <a:rPr sz="1800">
-                <a:latin typeface="맑은 고딕" charset="0"/>
-                <a:ea typeface="맑은 고딕" charset="0"/>
-              </a:rPr>
-              <a:t> </a:t>
-            </a:r>
-            <a:r>
-              <a:rPr lang="ko-KR" sz="1800">
-                <a:latin typeface="맑은 고딕" charset="0"/>
-                <a:ea typeface="맑은 고딕" charset="0"/>
-              </a:rPr>
-              <a:t>채팅 UI를 생성하도록 설정하고 채팅 UI의 위치를 콘텐트 오브젝트의 하위 오브젝트로 설정합니다.</a:t>
-            </a:r>
-            <a:endParaRPr lang="ko-KR" altLang="en-US" sz="1800">
+            <a:pPr marL="0" indent="0" rtl="0" algn="l" defTabSz="914400" eaLnBrk="1" latinLnBrk="0" hangingPunct="1">
+              <a:buFontTx/>
+              <a:buNone/>
+            </a:pPr>
+            <a:r>
+              <a:rPr sz="3000" b="1">
+                <a:latin typeface="맑은 고딕" charset="0"/>
+                <a:ea typeface="맑은 고딕" charset="0"/>
+              </a:rPr>
+              <a:t>Min Size </a:t>
+            </a:r>
+            <a:endParaRPr lang="ko-KR" altLang="en-US" sz="3000" b="1">
               <a:latin typeface="맑은 고딕" charset="0"/>
               <a:ea typeface="맑은 고딕" charset="0"/>
             </a:endParaRPr>
           </a:p>
-          <a:p>
-            <a:pPr marL="0" indent="0" algn="l" latinLnBrk="0" hangingPunct="1">
-              <a:buFontTx/>
-              <a:buNone/>
-            </a:pPr>
-            <a:endParaRPr lang="ko-KR" altLang="en-US" sz="1800">
-              <a:latin typeface="맑은 고딕" charset="0"/>
-              <a:ea typeface="맑은 고딕" charset="0"/>
-            </a:endParaRPr>
-          </a:p>
-          <a:p>
-            <a:pPr marL="0" indent="0" algn="l" latinLnBrk="0" hangingPunct="1">
-              <a:buFontTx/>
-              <a:buNone/>
-            </a:pPr>
-            <a:r>
-              <a:rPr lang="ko-KR" sz="1800">
-                <a:latin typeface="맑은 고딕" charset="0"/>
-                <a:ea typeface="맑은 고딕" charset="0"/>
-              </a:rPr>
-              <a:t>그다음 PunRPC 함수로 만들어 줍니다.</a:t>
-            </a:r>
-            <a:endParaRPr lang="ko-KR" altLang="en-US" sz="1800">
-              <a:latin typeface="맑은 고딕" charset="0"/>
-              <a:ea typeface="맑은 고딕" charset="0"/>
-            </a:endParaRPr>
-          </a:p>
-        </p:txBody>
-      </p:sp>
-      <p:sp>
-        <p:nvSpPr>
-          <p:cNvPr id="29" name="텍스트 상자 4"/>
+        </p:txBody>
+      </p:sp>
+      <p:sp>
+        <p:nvSpPr>
+          <p:cNvPr id="3" name="텍스트 상자 14"/>
           <p:cNvSpPr txBox="1">
             <a:spLocks/>
           </p:cNvSpPr>
@@ -9338,8 +9372,8 @@
         </p:nvSpPr>
         <p:spPr>
           <a:xfrm rot="0">
-            <a:off x="1229995" y="1337310"/>
-            <a:ext cx="4132580" cy="923925"/>
+            <a:off x="1325245" y="1370330"/>
+            <a:ext cx="4037965" cy="1478280"/>
           </a:xfrm>
           <a:prstGeom prst="rect"/>
           <a:noFill/>
@@ -9349,21 +9383,21 @@
           </a:ln>
         </p:spPr>
         <p:txBody>
-          <a:bodyPr wrap="square" lIns="89535" tIns="46355" rIns="89535" bIns="46355" numCol="1" vert="horz" anchor="t">
+          <a:bodyPr wrap="square" lIns="89535" tIns="46355" rIns="89535" bIns="46355" vert="horz" anchor="t">
             <a:spAutoFit/>
           </a:bodyPr>
           <a:lstStyle/>
           <a:p>
-            <a:pPr marL="0" indent="0" algn="l" latinLnBrk="0" hangingPunct="1">
-              <a:buFontTx/>
-              <a:buNone/>
-            </a:pPr>
-            <a:r>
-              <a:rPr lang="ko-KR" sz="1800">
-                <a:latin typeface="맑은 고딕" charset="0"/>
-                <a:ea typeface="맑은 고딕" charset="0"/>
-              </a:rPr>
-              <a:t>Photon View RPC는 호출할 RPC 함수를 다른 원격 객체에 함수를 전달하는 것입니다.</a:t>
+            <a:pPr marL="0" indent="0" rtl="0" algn="l" defTabSz="914400" eaLnBrk="1" latinLnBrk="0" hangingPunct="1">
+              <a:buFontTx/>
+              <a:buNone/>
+            </a:pPr>
+            <a:r>
+              <a:rPr sz="1800">
+                <a:latin typeface="맑은 고딕" charset="0"/>
+                <a:ea typeface="맑은 고딕" charset="0"/>
+              </a:rPr>
+              <a:t>Min Size : 단독으로 사용하지는 않고, LayOut Group 컴포넌트와 함께 사용하며, 레이아웃 요소의 최소 크기를 기준으로 UI의 크기를 맞추는 옵션입니다.  </a:t>
             </a:r>
             <a:endParaRPr lang="ko-KR" altLang="en-US" sz="1800">
               <a:latin typeface="맑은 고딕" charset="0"/>
@@ -9374,7 +9408,7 @@
       </p:sp>
       <p:sp>
         <p:nvSpPr>
-          <p:cNvPr id="31" name="텍스트 상자 24"/>
+          <p:cNvPr id="4" name="텍스트 상자 15"/>
           <p:cNvSpPr txBox="1">
             <a:spLocks/>
           </p:cNvSpPr>
@@ -9382,8 +9416,8 @@
         </p:nvSpPr>
         <p:spPr>
           <a:xfrm rot="0">
-            <a:off x="6801485" y="3762375"/>
-            <a:ext cx="4206240" cy="2308860"/>
+            <a:off x="6824980" y="4742180"/>
+            <a:ext cx="4150360" cy="1201420"/>
           </a:xfrm>
           <a:prstGeom prst="rect"/>
           <a:noFill/>
@@ -9393,100 +9427,39 @@
           </a:ln>
         </p:spPr>
         <p:txBody>
-          <a:bodyPr wrap="square" lIns="89535" tIns="46355" rIns="89535" bIns="46355" numCol="1" vert="horz" anchor="t">
+          <a:bodyPr wrap="square" lIns="89535" tIns="46355" rIns="89535" bIns="46355" vert="horz" anchor="t">
             <a:spAutoFit/>
           </a:bodyPr>
           <a:lstStyle/>
           <a:p>
-            <a:pPr marL="0" indent="0" algn="l" latinLnBrk="0" hangingPunct="1">
-              <a:buFontTx/>
-              <a:buNone/>
-            </a:pPr>
-            <a:r>
-              <a:rPr sz="1800" b="1">
-                <a:solidFill>
-                  <a:srgbClr val="0611F2"/>
-                </a:solidFill>
-                <a:latin typeface="맑은 고딕" charset="0"/>
-                <a:ea typeface="맑은 고딕" charset="0"/>
-              </a:rPr>
-              <a:t>8.</a:t>
-            </a:r>
+            <a:pPr marL="0" indent="0" rtl="0" algn="l" defTabSz="914400" eaLnBrk="1" latinLnBrk="0" hangingPunct="1">
+              <a:buFontTx/>
+              <a:buNone/>
+            </a:pPr>
             <a:r>
               <a:rPr sz="1800">
                 <a:latin typeface="맑은 고딕" charset="0"/>
                 <a:ea typeface="맑은 고딕" charset="0"/>
               </a:rPr>
-              <a:t> </a:t>
-            </a:r>
-            <a:r>
-              <a:rPr lang="ko-KR" sz="1800">
-                <a:latin typeface="맑은 고딕" charset="0"/>
-                <a:ea typeface="맑은 고딕" charset="0"/>
-              </a:rPr>
-              <a:t>그다음 InputField에 입력한 값을 string 변수 (chat)에 저장합니다.</a:t>
+              <a:t>스크롤 뷰에서 Content라는 게임 오브젝트의 하위 오브젝트로 UI 오브젝트가 생성될 때 생성된 수에 따라 스크롤바의 크기가 조절됩니다.</a:t>
             </a:r>
             <a:endParaRPr lang="ko-KR" altLang="en-US" sz="1800">
               <a:latin typeface="맑은 고딕" charset="0"/>
               <a:ea typeface="맑은 고딕" charset="0"/>
             </a:endParaRPr>
           </a:p>
-          <a:p>
-            <a:pPr marL="0" indent="0" algn="l" latinLnBrk="0" hangingPunct="1">
-              <a:buFontTx/>
-              <a:buNone/>
-            </a:pPr>
-            <a:endParaRPr lang="ko-KR" altLang="en-US" sz="1800">
-              <a:latin typeface="맑은 고딕" charset="0"/>
-              <a:ea typeface="맑은 고딕" charset="0"/>
-            </a:endParaRPr>
-          </a:p>
-          <a:p>
-            <a:pPr marL="0" indent="0" algn="l" latinLnBrk="0" hangingPunct="1">
-              <a:buFontTx/>
-              <a:buNone/>
-            </a:pPr>
-            <a:r>
-              <a:rPr sz="1800" b="1">
-                <a:solidFill>
-                  <a:srgbClr val="0611F2"/>
-                </a:solidFill>
-                <a:latin typeface="맑은 고딕" charset="0"/>
-                <a:ea typeface="맑은 고딕" charset="0"/>
-              </a:rPr>
-              <a:t>9.</a:t>
-            </a:r>
-            <a:r>
-              <a:rPr sz="1800">
-                <a:latin typeface="맑은 고딕" charset="0"/>
-                <a:ea typeface="맑은 고딕" charset="0"/>
-              </a:rPr>
-              <a:t> </a:t>
-            </a:r>
-            <a:r>
-              <a:rPr lang="ko-KR" sz="1800">
-                <a:latin typeface="맑은 고딕" charset="0"/>
-                <a:ea typeface="맑은 고딕" charset="0"/>
-              </a:rPr>
-              <a:t>마지막으로 채팅을 입력하고 Enter Key를 누르는 순간 RPC 함수를 호출하여 (호출할 PRC 함수), (현재 원격에 전달하는 대상), (RPC 함수가 사용할 변수)를 설정합니다.</a:t>
-            </a:r>
-            <a:endParaRPr lang="ko-KR" altLang="en-US" sz="1800">
-              <a:latin typeface="맑은 고딕" charset="0"/>
-              <a:ea typeface="맑은 고딕" charset="0"/>
-            </a:endParaRPr>
-          </a:p>
         </p:txBody>
       </p:sp>
       <p:pic>
         <p:nvPicPr>
-          <p:cNvPr id="34" name="그림 32" descr="C:/Users/Admin1/AppData/Roaming/PolarisOffice/ETemp/13412_18275296/fImage115431423281.png"/>
+          <p:cNvPr id="5" name="그림 16" descr="C:/Users/Admin1/AppData/Roaming/PolarisOffice/ETemp/17088_10211680/fImage25012479169.png"/>
           <p:cNvPicPr>
             <a:picLocks noChangeAspect="1"/>
           </p:cNvPicPr>
           <p:nvPr/>
         </p:nvPicPr>
         <p:blipFill rotWithShape="1">
-          <a:blip r:embed="rId7" cstate="hqprint">
+          <a:blip r:embed="rId2" cstate="hqprint">
             <a:extLst>
               <a:ext uri="{28A0092B-C50C-407E-A947-70E740481C1C}">
                 <a14:useLocalDpi xmlns:a14="http://schemas.microsoft.com/office/drawing/2010/main"/>
@@ -9499,74 +9472,23 @@
         </p:blipFill>
         <p:spPr>
           <a:xfrm rot="0">
-            <a:off x="6800850" y="1337945"/>
-            <a:ext cx="4197985" cy="2253615"/>
+            <a:off x="1323975" y="3030220"/>
+            <a:ext cx="4047490" cy="2914650"/>
           </a:xfrm>
           <a:prstGeom prst="rect"/>
           <a:noFill/>
         </p:spPr>
       </p:pic>
-      <p:sp>
-        <p:nvSpPr>
-          <p:cNvPr id="35" name="텍스트 상자 45"/>
-          <p:cNvSpPr txBox="1">
-            <a:spLocks/>
-          </p:cNvSpPr>
-          <p:nvPr/>
-        </p:nvSpPr>
-        <p:spPr>
-          <a:xfrm rot="0">
-            <a:off x="4533265" y="476885"/>
-            <a:ext cx="3122295" cy="554990"/>
-          </a:xfrm>
-          <a:prstGeom prst="rect"/>
-          <a:noFill/>
-          <a:ln w="0">
-            <a:noFill/>
-            <a:prstDash/>
-          </a:ln>
-        </p:spPr>
-        <p:txBody>
-          <a:bodyPr wrap="square" lIns="89535" tIns="46355" rIns="89535" bIns="46355" vert="horz" anchor="t">
-            <a:spAutoFit/>
-          </a:bodyPr>
-          <a:lstStyle/>
-          <a:p>
-            <a:pPr marL="0" indent="0" rtl="0" algn="l" defTabSz="914400" eaLnBrk="1" latinLnBrk="0" hangingPunct="1">
-              <a:buFontTx/>
-              <a:buNone/>
-            </a:pPr>
-            <a:r>
-              <a:rPr lang="ko-KR" sz="3000" b="1">
-                <a:latin typeface="맑은 고딕" charset="0"/>
-                <a:ea typeface="맑은 고딕" charset="0"/>
-              </a:rPr>
-              <a:t>네 번째 튜토리얼</a:t>
-            </a:r>
-            <a:r>
-              <a:rPr sz="3000" b="1">
-                <a:latin typeface="맑은 고딕" charset="0"/>
-                <a:ea typeface="맑은 고딕" charset="0"/>
-              </a:rPr>
-              <a:t> </a:t>
-            </a:r>
-            <a:endParaRPr lang="ko-KR" altLang="en-US" sz="3000" b="1">
-              <a:latin typeface="맑은 고딕" charset="0"/>
-              <a:ea typeface="맑은 고딕" charset="0"/>
-            </a:endParaRPr>
-          </a:p>
-        </p:txBody>
-      </p:sp>
       <p:pic>
         <p:nvPicPr>
-          <p:cNvPr id="36" name="그림 2" descr="C:/Users/Admin1/AppData/Roaming/PolarisOffice/ETemp/13412_18275296/fImage1486913841.png"/>
+          <p:cNvPr id="6" name="그림 17" descr="C:/Users/Admin1/AppData/Roaming/PolarisOffice/ETemp/17088_10211680/fImage76002485724.png"/>
           <p:cNvPicPr>
             <a:picLocks noChangeAspect="1"/>
           </p:cNvPicPr>
           <p:nvPr/>
         </p:nvPicPr>
         <p:blipFill rotWithShape="1">
-          <a:blip r:embed="rId8" cstate="hqprint">
+          <a:blip r:embed="rId3" cstate="hqprint">
             <a:extLst>
               <a:ext uri="{28A0092B-C50C-407E-A947-70E740481C1C}">
                 <a14:useLocalDpi xmlns:a14="http://schemas.microsoft.com/office/drawing/2010/main"/>
@@ -9579,11 +9501,244 @@
         </p:blipFill>
         <p:spPr>
           <a:xfrm rot="0">
-            <a:off x="1231265" y="2385695"/>
-            <a:ext cx="4123690" cy="2070735"/>
+            <a:off x="1582420" y="3279775"/>
+            <a:ext cx="3124200" cy="2416175"/>
+          </a:xfrm>
+          <a:prstGeom prst="roundRect"/>
+          <a:solidFill>
+            <a:srgbClr val="EDEDED"/>
+          </a:solidFill>
+        </p:spPr>
+      </p:pic>
+      <p:sp>
+        <p:nvSpPr>
+          <p:cNvPr id="7" name="텍스트 상자 18"/>
+          <p:cNvSpPr txBox="1">
+            <a:spLocks/>
+          </p:cNvSpPr>
+          <p:nvPr/>
+        </p:nvSpPr>
+        <p:spPr>
+          <a:xfrm rot="0">
+            <a:off x="1829435" y="3644900"/>
+            <a:ext cx="1015365" cy="324485"/>
           </a:xfrm>
           <a:prstGeom prst="rect"/>
           <a:noFill/>
+          <a:ln w="0">
+            <a:noFill/>
+            <a:prstDash/>
+          </a:ln>
+        </p:spPr>
+        <p:txBody>
+          <a:bodyPr wrap="square" lIns="89535" tIns="46355" rIns="89535" bIns="46355" vert="horz" anchor="t">
+            <a:spAutoFit/>
+          </a:bodyPr>
+          <a:lstStyle/>
+          <a:p>
+            <a:pPr marL="0" indent="0" rtl="0" algn="l" defTabSz="914400" eaLnBrk="1" latinLnBrk="0" hangingPunct="1">
+              <a:buFontTx/>
+              <a:buNone/>
+            </a:pPr>
+            <a:r>
+              <a:rPr sz="1500" b="1">
+                <a:solidFill>
+                  <a:srgbClr val="009900"/>
+                </a:solidFill>
+                <a:latin typeface="맑은 고딕" charset="0"/>
+                <a:ea typeface="맑은 고딕" charset="0"/>
+              </a:rPr>
+              <a:t>레이아웃</a:t>
+            </a:r>
+            <a:endParaRPr lang="ko-KR" altLang="en-US" sz="1500" b="1">
+              <a:solidFill>
+                <a:srgbClr val="009900"/>
+              </a:solidFill>
+              <a:latin typeface="맑은 고딕" charset="0"/>
+              <a:ea typeface="맑은 고딕" charset="0"/>
+            </a:endParaRPr>
+          </a:p>
+        </p:txBody>
+      </p:sp>
+      <p:sp>
+        <p:nvSpPr>
+          <p:cNvPr id="8" name="텍스트 상자 19"/>
+          <p:cNvSpPr txBox="1">
+            <a:spLocks/>
+          </p:cNvSpPr>
+          <p:nvPr/>
+        </p:nvSpPr>
+        <p:spPr>
+          <a:xfrm rot="0">
+            <a:off x="1826260" y="4897120"/>
+            <a:ext cx="1015365" cy="324485"/>
+          </a:xfrm>
+          <a:prstGeom prst="rect"/>
+          <a:noFill/>
+          <a:ln w="0">
+            <a:noFill/>
+            <a:prstDash/>
+          </a:ln>
+        </p:spPr>
+        <p:txBody>
+          <a:bodyPr wrap="square" lIns="89535" tIns="46355" rIns="89535" bIns="46355" vert="horz" anchor="t">
+            <a:spAutoFit/>
+          </a:bodyPr>
+          <a:lstStyle/>
+          <a:p>
+            <a:pPr marL="0" indent="0" rtl="0" algn="l" defTabSz="914400" eaLnBrk="1" latinLnBrk="0" hangingPunct="1">
+              <a:buFontTx/>
+              <a:buNone/>
+            </a:pPr>
+            <a:r>
+              <a:rPr sz="1500" b="1">
+                <a:solidFill>
+                  <a:srgbClr val="009900"/>
+                </a:solidFill>
+                <a:latin typeface="맑은 고딕" charset="0"/>
+                <a:ea typeface="맑은 고딕" charset="0"/>
+              </a:rPr>
+              <a:t>레이아웃</a:t>
+            </a:r>
+            <a:endParaRPr lang="ko-KR" altLang="en-US" sz="1500" b="1">
+              <a:solidFill>
+                <a:srgbClr val="009900"/>
+              </a:solidFill>
+              <a:latin typeface="맑은 고딕" charset="0"/>
+              <a:ea typeface="맑은 고딕" charset="0"/>
+            </a:endParaRPr>
+          </a:p>
+        </p:txBody>
+      </p:sp>
+      <p:sp>
+        <p:nvSpPr>
+          <p:cNvPr id="9" name="텍스트 상자 20"/>
+          <p:cNvSpPr txBox="1">
+            <a:spLocks/>
+          </p:cNvSpPr>
+          <p:nvPr/>
+        </p:nvSpPr>
+        <p:spPr>
+          <a:xfrm rot="0">
+            <a:off x="3377565" y="4893945"/>
+            <a:ext cx="1015365" cy="324485"/>
+          </a:xfrm>
+          <a:prstGeom prst="rect"/>
+          <a:noFill/>
+          <a:ln w="0">
+            <a:noFill/>
+            <a:prstDash/>
+          </a:ln>
+        </p:spPr>
+        <p:txBody>
+          <a:bodyPr wrap="square" lIns="89535" tIns="46355" rIns="89535" bIns="46355" vert="horz" anchor="t">
+            <a:spAutoFit/>
+          </a:bodyPr>
+          <a:lstStyle/>
+          <a:p>
+            <a:pPr marL="0" indent="0" rtl="0" algn="l" defTabSz="914400" eaLnBrk="1" latinLnBrk="0" hangingPunct="1">
+              <a:buFontTx/>
+              <a:buNone/>
+            </a:pPr>
+            <a:r>
+              <a:rPr sz="1500" b="1">
+                <a:solidFill>
+                  <a:srgbClr val="009900"/>
+                </a:solidFill>
+                <a:latin typeface="맑은 고딕" charset="0"/>
+                <a:ea typeface="맑은 고딕" charset="0"/>
+              </a:rPr>
+              <a:t>레이아웃</a:t>
+            </a:r>
+            <a:endParaRPr lang="ko-KR" altLang="en-US" sz="1500" b="1">
+              <a:solidFill>
+                <a:srgbClr val="009900"/>
+              </a:solidFill>
+              <a:latin typeface="맑은 고딕" charset="0"/>
+              <a:ea typeface="맑은 고딕" charset="0"/>
+            </a:endParaRPr>
+          </a:p>
+        </p:txBody>
+      </p:sp>
+      <p:sp>
+        <p:nvSpPr>
+          <p:cNvPr id="10" name="텍스트 상자 21"/>
+          <p:cNvSpPr txBox="1">
+            <a:spLocks/>
+          </p:cNvSpPr>
+          <p:nvPr/>
+        </p:nvSpPr>
+        <p:spPr>
+          <a:xfrm rot="0">
+            <a:off x="3374390" y="3652520"/>
+            <a:ext cx="1015365" cy="324485"/>
+          </a:xfrm>
+          <a:prstGeom prst="rect"/>
+          <a:noFill/>
+          <a:ln w="0">
+            <a:noFill/>
+            <a:prstDash/>
+          </a:ln>
+        </p:spPr>
+        <p:txBody>
+          <a:bodyPr wrap="square" lIns="89535" tIns="46355" rIns="89535" bIns="46355" vert="horz" anchor="t">
+            <a:spAutoFit/>
+          </a:bodyPr>
+          <a:lstStyle/>
+          <a:p>
+            <a:pPr marL="0" indent="0" rtl="0" algn="l" defTabSz="914400" eaLnBrk="1" latinLnBrk="0" hangingPunct="1">
+              <a:buFontTx/>
+              <a:buNone/>
+            </a:pPr>
+            <a:r>
+              <a:rPr sz="1500" b="1">
+                <a:solidFill>
+                  <a:srgbClr val="009900"/>
+                </a:solidFill>
+                <a:latin typeface="맑은 고딕" charset="0"/>
+                <a:ea typeface="맑은 고딕" charset="0"/>
+              </a:rPr>
+              <a:t>레이아웃</a:t>
+            </a:r>
+            <a:endParaRPr lang="ko-KR" altLang="en-US" sz="1500" b="1">
+              <a:solidFill>
+                <a:srgbClr val="009900"/>
+              </a:solidFill>
+              <a:latin typeface="맑은 고딕" charset="0"/>
+              <a:ea typeface="맑은 고딕" charset="0"/>
+            </a:endParaRPr>
+          </a:p>
+        </p:txBody>
+      </p:sp>
+      <p:pic>
+        <p:nvPicPr>
+          <p:cNvPr id="11" name="그림 22" descr="C:/Users/Admin1/AppData/Roaming/PolarisOffice/ETemp/17088_10211680/fImage245002531478.png"/>
+          <p:cNvPicPr>
+            <a:picLocks noChangeAspect="1"/>
+          </p:cNvPicPr>
+          <p:nvPr/>
+        </p:nvPicPr>
+        <p:blipFill rotWithShape="1">
+          <a:blip r:embed="rId4" cstate="hqprint">
+            <a:extLst>
+              <a:ext uri="{28A0092B-C50C-407E-A947-70E740481C1C}">
+                <a14:useLocalDpi xmlns:a14="http://schemas.microsoft.com/office/drawing/2010/main"/>
+              </a:ext>
+            </a:extLst>
+          </a:blip>
+          <a:stretch>
+            <a:fillRect/>
+          </a:stretch>
+        </p:blipFill>
+        <p:spPr>
+          <a:xfrm rot="0">
+            <a:off x="6824980" y="1374775"/>
+            <a:ext cx="4149725" cy="3206750"/>
+          </a:xfrm>
+          <a:prstGeom prst="roundRect"/>
+          <a:solidFill>
+            <a:srgbClr val="EDEDED"/>
+          </a:solidFill>
         </p:spPr>
       </p:pic>
     </p:spTree>
@@ -9628,7 +9783,7 @@
       </p:grpSpPr>
       <p:sp>
         <p:nvSpPr>
-          <p:cNvPr id="25" name="Rect 0"/>
+          <p:cNvPr id="2" name="Rect 0"/>
           <p:cNvSpPr txBox="1">
             <a:spLocks/>
           </p:cNvSpPr>
@@ -9636,8 +9791,8 @@
         </p:nvSpPr>
         <p:spPr>
           <a:xfrm rot="0">
-            <a:off x="6798310" y="5496560"/>
-            <a:ext cx="4175125" cy="647065"/>
+            <a:off x="4509135" y="361315"/>
+            <a:ext cx="3173095" cy="554990"/>
           </a:xfrm>
           <a:prstGeom prst="rect"/>
           <a:noFill/>
@@ -9647,40 +9802,30 @@
           </a:ln>
         </p:spPr>
         <p:txBody>
-          <a:bodyPr wrap="square" lIns="89535" tIns="46355" rIns="89535" bIns="46355" numCol="1" vert="horz" anchor="t">
+          <a:bodyPr wrap="square" lIns="89535" tIns="46355" rIns="89535" bIns="46355" vert="horz" anchor="t">
             <a:spAutoFit/>
           </a:bodyPr>
           <a:lstStyle/>
           <a:p>
-            <a:pPr marL="0" indent="0" algn="l" latinLnBrk="0" hangingPunct="1">
-              <a:buFontTx/>
-              <a:buNone/>
-            </a:pPr>
-            <a:r>
-              <a:rPr sz="1800" b="1">
-                <a:solidFill>
-                  <a:srgbClr val="0611F2"/>
-                </a:solidFill>
-                <a:latin typeface="맑은 고딕" charset="0"/>
-                <a:ea typeface="맑은 고딕" charset="0"/>
-              </a:rPr>
-              <a:t>12.</a:t>
-            </a:r>
-            <a:r>
-              <a:rPr sz="1800">
+            <a:pPr marL="0" indent="0" rtl="0" algn="l" defTabSz="914400" eaLnBrk="1" latinLnBrk="0" hangingPunct="1">
+              <a:buFontTx/>
+              <a:buNone/>
+            </a:pPr>
+            <a:r>
+              <a:rPr lang="ko-KR" sz="3000" b="1">
+                <a:latin typeface="맑은 고딕" charset="0"/>
+                <a:ea typeface="맑은 고딕" charset="0"/>
+              </a:rPr>
+              <a:t>세 번째 튜토리얼</a:t>
+            </a:r>
+            <a:r>
+              <a:rPr sz="3000" b="1">
                 <a:latin typeface="맑은 고딕" charset="0"/>
                 <a:ea typeface="맑은 고딕" charset="0"/>
               </a:rPr>
               <a:t> </a:t>
             </a:r>
-            <a:r>
-              <a:rPr lang="ko-KR" sz="1800">
-                <a:latin typeface="맑은 고딕" charset="0"/>
-                <a:ea typeface="맑은 고딕" charset="0"/>
-              </a:rPr>
-              <a:t>마지막으로 Photon View를 Chatting Manager에 추가합니다.</a:t>
-            </a:r>
-            <a:endParaRPr lang="ko-KR" altLang="en-US" sz="1800">
+            <a:endParaRPr lang="ko-KR" altLang="en-US" sz="3000" b="1">
               <a:latin typeface="맑은 고딕" charset="0"/>
               <a:ea typeface="맑은 고딕" charset="0"/>
             </a:endParaRPr>
@@ -9689,16 +9834,16 @@
       </p:sp>
       <p:sp>
         <p:nvSpPr>
-          <p:cNvPr id="29" name="Rect 0"/>
+          <p:cNvPr id="6" name="Rect 0"/>
           <p:cNvSpPr txBox="1">
             <a:spLocks/>
           </p:cNvSpPr>
           <p:nvPr/>
         </p:nvSpPr>
         <p:spPr>
-          <a:xfrm rot="0">
-            <a:off x="1229995" y="1337310"/>
-            <a:ext cx="4038600" cy="370205"/>
+          <a:xfrm>
+            <a:off x="1189355" y="3961130"/>
+            <a:ext cx="4123690" cy="2031365"/>
           </a:xfrm>
           <a:prstGeom prst="rect"/>
           <a:noFill/>
@@ -9713,29 +9858,250 @@
           </a:bodyPr>
           <a:lstStyle/>
           <a:p>
-            <a:pPr marL="0" indent="0" algn="l" latinLnBrk="0" hangingPunct="1">
-              <a:buFontTx/>
-              <a:buNone/>
-            </a:pPr>
+            <a:pPr marL="0" indent="0" rtl="0" algn="l" defTabSz="914400" eaLnBrk="1" latinLnBrk="0" hangingPunct="1">
+              <a:buFontTx/>
+              <a:buNone/>
+            </a:pPr>
+            <a:r>
+              <a:rPr sz="1800" b="1">
+                <a:solidFill>
+                  <a:srgbClr val="0611F2"/>
+                </a:solidFill>
+                <a:latin typeface="맑은 고딕" charset="0"/>
+                <a:ea typeface="맑은 고딕" charset="0"/>
+              </a:rPr>
+              <a:t>5</a:t>
+            </a:r>
+            <a:r>
+              <a:rPr sz="1800" b="1">
+                <a:solidFill>
+                  <a:srgbClr val="0611F2"/>
+                </a:solidFill>
+                <a:latin typeface="맑은 고딕" charset="0"/>
+                <a:ea typeface="맑은 고딕" charset="0"/>
+              </a:rPr>
+              <a:t>.</a:t>
+            </a:r>
+            <a:r>
+              <a:rPr sz="1800">
+                <a:latin typeface="맑은 고딕" charset="0"/>
+                <a:ea typeface="맑은 고딕" charset="0"/>
+              </a:rPr>
+              <a:t> </a:t>
+            </a:r>
+            <a:r>
+              <a:rPr lang="ko-KR" sz="1800">
+                <a:latin typeface="맑은 고딕" charset="0"/>
+                <a:ea typeface="맑은 고딕" charset="0"/>
+              </a:rPr>
+              <a:t>빈 게임 오브젝트를 생성하고 이름은 Chatting Manager로 변경합니다.</a:t>
+            </a:r>
             <a:endParaRPr lang="ko-KR" altLang="en-US" sz="1800">
               <a:latin typeface="맑은 고딕" charset="0"/>
               <a:ea typeface="맑은 고딕" charset="0"/>
             </a:endParaRPr>
           </a:p>
-        </p:txBody>
-      </p:sp>
-      <p:sp>
-        <p:nvSpPr>
-          <p:cNvPr id="31" name="Rect 0"/>
+          <a:p>
+            <a:pPr marL="0" indent="0" rtl="0" algn="l" defTabSz="914400" eaLnBrk="1" latinLnBrk="0" hangingPunct="1">
+              <a:buFontTx/>
+              <a:buNone/>
+            </a:pPr>
+            <a:endParaRPr lang="ko-KR" altLang="en-US" sz="1800">
+              <a:latin typeface="맑은 고딕" charset="0"/>
+              <a:ea typeface="맑은 고딕" charset="0"/>
+            </a:endParaRPr>
+          </a:p>
+          <a:p>
+            <a:pPr marL="0" indent="0" rtl="0" algn="l" defTabSz="914400" eaLnBrk="1" latinLnBrk="0" hangingPunct="1">
+              <a:buFontTx/>
+              <a:buNone/>
+            </a:pPr>
+            <a:r>
+              <a:rPr lang="ko-KR" sz="1800">
+                <a:latin typeface="맑은 고딕" charset="0"/>
+                <a:ea typeface="맑은 고딕" charset="0"/>
+              </a:rPr>
+              <a:t>그리고 ChatManager라는 스크립트를 작성해서 Chatting Manager 오브젝트에 넣어줍니다.</a:t>
+            </a:r>
+            <a:endParaRPr lang="ko-KR" altLang="en-US" sz="1800">
+              <a:latin typeface="맑은 고딕" charset="0"/>
+              <a:ea typeface="맑은 고딕" charset="0"/>
+            </a:endParaRPr>
+          </a:p>
+        </p:txBody>
+      </p:sp>
+      <p:pic>
+        <p:nvPicPr>
+          <p:cNvPr id="16" name="그림 32"/>
+          <p:cNvPicPr>
+            <a:picLocks noChangeAspect="1"/>
+          </p:cNvPicPr>
+          <p:nvPr/>
+        </p:nvPicPr>
+        <p:blipFill rotWithShape="1">
+          <a:blip r:embed="rId2" cstate="print">
+            <a:extLst>
+              <a:ext uri="{28A0092B-C50C-407E-A947-70E740481C1C}">
+                <a14:useLocalDpi xmlns:a14="http://schemas.microsoft.com/office/drawing/2010/main" val="0"/>
+              </a:ext>
+            </a:extLst>
+          </a:blip>
+          <a:stretch>
+            <a:fillRect/>
+          </a:stretch>
+        </p:blipFill>
+        <p:spPr>
+          <a:xfrm rot="0">
+            <a:off x="4017010" y="2942590"/>
+            <a:ext cx="747395" cy="791210"/>
+          </a:xfrm>
+          <a:prstGeom prst="roundRect"/>
+          <a:solidFill>
+            <a:srgbClr val="EDEDED"/>
+          </a:solidFill>
+        </p:spPr>
+      </p:pic>
+      <p:pic>
+        <p:nvPicPr>
+          <p:cNvPr id="17" name="그림 37"/>
+          <p:cNvPicPr>
+            <a:picLocks noChangeAspect="1"/>
+          </p:cNvPicPr>
+          <p:nvPr/>
+        </p:nvPicPr>
+        <p:blipFill rotWithShape="1">
+          <a:blip r:embed="rId3" cstate="hqprint">
+            <a:extLst>
+              <a:ext uri="{28A0092B-C50C-407E-A947-70E740481C1C}">
+                <a14:useLocalDpi xmlns:a14="http://schemas.microsoft.com/office/drawing/2010/main"/>
+              </a:ext>
+            </a:extLst>
+          </a:blip>
+          <a:stretch>
+            <a:fillRect/>
+          </a:stretch>
+        </p:blipFill>
+        <p:spPr>
+          <a:xfrm rot="0">
+            <a:off x="1252855" y="1217295"/>
+            <a:ext cx="1891030" cy="2599690"/>
+          </a:xfrm>
+          <a:prstGeom prst="roundRect"/>
+          <a:solidFill>
+            <a:srgbClr val="EDEDED"/>
+          </a:solidFill>
+        </p:spPr>
+      </p:pic>
+      <p:pic>
+        <p:nvPicPr>
+          <p:cNvPr id="18" name="그림 38"/>
+          <p:cNvPicPr>
+            <a:picLocks noChangeAspect="1"/>
+          </p:cNvPicPr>
+          <p:nvPr/>
+        </p:nvPicPr>
+        <p:blipFill rotWithShape="1">
+          <a:blip r:embed="rId4" cstate="hqprint">
+            <a:extLst>
+              <a:ext uri="{28A0092B-C50C-407E-A947-70E740481C1C}">
+                <a14:useLocalDpi xmlns:a14="http://schemas.microsoft.com/office/drawing/2010/main"/>
+              </a:ext>
+            </a:extLst>
+          </a:blip>
+          <a:stretch>
+            <a:fillRect/>
+          </a:stretch>
+        </p:blipFill>
+        <p:spPr>
+          <a:xfrm rot="0">
+            <a:off x="3469640" y="1214120"/>
+            <a:ext cx="1835150" cy="1420495"/>
+          </a:xfrm>
+          <a:prstGeom prst="roundRect"/>
+          <a:solidFill>
+            <a:srgbClr val="EDEDED"/>
+          </a:solidFill>
+        </p:spPr>
+      </p:pic>
+      <p:cxnSp>
+        <p:nvCxnSpPr>
+          <p:cNvPr id="19" name="도형 39"/>
+          <p:cNvCxnSpPr>
+            <a:stCxn id="16" idx="0"/>
+            <a:endCxn id="18" idx="2"/>
+          </p:cNvCxnSpPr>
+          <p:nvPr/>
+        </p:nvCxnSpPr>
+        <p:spPr>
+          <a:xfrm rot="0" flipH="1" flipV="1">
+            <a:off x="4386580" y="2633345"/>
+            <a:ext cx="4445" cy="309880"/>
+          </a:xfrm>
+          <a:prstGeom prst="straightConnector1"/>
+          <a:ln w="6350" cap="flat" cmpd="sng">
+            <a:prstDash/>
+            <a:headEnd type="none" w="med" len="med"/>
+            <a:tailEnd type="triangle" w="med" len="med"/>
+          </a:ln>
+        </p:spPr>
+        <p:style>
+          <a:lnRef idx="1">
+            <a:schemeClr val="accent1"/>
+          </a:lnRef>
+          <a:fillRef idx="0">
+            <a:schemeClr val="accent1"/>
+          </a:fillRef>
+          <a:effectRef idx="0">
+            <a:schemeClr val="accent1"/>
+          </a:effectRef>
+          <a:fontRef idx="minor">
+            <a:schemeClr val="tx1"/>
+          </a:fontRef>
+        </p:style>
+      </p:cxnSp>
+      <p:pic>
+        <p:nvPicPr>
+          <p:cNvPr id="20" name="그림 41"/>
+          <p:cNvPicPr>
+            <a:picLocks noChangeAspect="1"/>
+          </p:cNvPicPr>
+          <p:nvPr/>
+        </p:nvPicPr>
+        <p:blipFill rotWithShape="1">
+          <a:blip r:embed="rId5" cstate="print">
+            <a:extLst>
+              <a:ext uri="{28A0092B-C50C-407E-A947-70E740481C1C}">
+                <a14:useLocalDpi xmlns:a14="http://schemas.microsoft.com/office/drawing/2010/main" val="0"/>
+              </a:ext>
+            </a:extLst>
+          </a:blip>
+          <a:stretch>
+            <a:fillRect/>
+          </a:stretch>
+        </p:blipFill>
+        <p:spPr>
+          <a:xfrm rot="0">
+            <a:off x="6904355" y="1214120"/>
+            <a:ext cx="3895090" cy="806450"/>
+          </a:xfrm>
+          <a:prstGeom prst="roundRect"/>
+          <a:solidFill>
+            <a:srgbClr val="EDEDED"/>
+          </a:solidFill>
+        </p:spPr>
+      </p:pic>
+      <p:sp>
+        <p:nvSpPr>
+          <p:cNvPr id="21" name="텍스트 상자 44"/>
           <p:cNvSpPr txBox="1">
             <a:spLocks/>
           </p:cNvSpPr>
           <p:nvPr/>
         </p:nvSpPr>
         <p:spPr>
-          <a:xfrm rot="0">
-            <a:off x="6801485" y="3204210"/>
-            <a:ext cx="4161790" cy="370205"/>
+          <a:xfrm>
+            <a:off x="6905625" y="2129155"/>
+            <a:ext cx="3894455" cy="1754505"/>
           </a:xfrm>
           <a:prstGeom prst="rect"/>
           <a:noFill/>
@@ -9750,20 +10116,247 @@
           </a:bodyPr>
           <a:lstStyle/>
           <a:p>
-            <a:pPr marL="0" indent="0" algn="l" latinLnBrk="0" hangingPunct="1">
-              <a:buFontTx/>
-              <a:buNone/>
-            </a:pPr>
+            <a:pPr marL="0" indent="0" rtl="0" algn="l" defTabSz="914400" eaLnBrk="1" latinLnBrk="0" hangingPunct="1">
+              <a:buFontTx/>
+              <a:buNone/>
+            </a:pPr>
+            <a:r>
+              <a:rPr sz="1800" b="1">
+                <a:solidFill>
+                  <a:srgbClr val="0611F2"/>
+                </a:solidFill>
+                <a:latin typeface="맑은 고딕" charset="0"/>
+                <a:ea typeface="맑은 고딕" charset="0"/>
+              </a:rPr>
+              <a:t>6</a:t>
+            </a:r>
+            <a:r>
+              <a:rPr sz="1800" b="1">
+                <a:solidFill>
+                  <a:srgbClr val="0611F2"/>
+                </a:solidFill>
+                <a:latin typeface="맑은 고딕" charset="0"/>
+                <a:ea typeface="맑은 고딕" charset="0"/>
+              </a:rPr>
+              <a:t>.</a:t>
+            </a:r>
+            <a:r>
+              <a:rPr sz="1800">
+                <a:latin typeface="맑은 고딕" charset="0"/>
+                <a:ea typeface="맑은 고딕" charset="0"/>
+              </a:rPr>
+              <a:t> </a:t>
+            </a:r>
+            <a:r>
+              <a:rPr lang="ko-KR" sz="1800">
+                <a:latin typeface="맑은 고딕" charset="0"/>
+                <a:ea typeface="맑은 고딕" charset="0"/>
+              </a:rPr>
+              <a:t>그리고 텍스트를 입력할 InputField와 채팅 UI를 생성하기 위한 GameObject 선언합니다.</a:t>
+            </a:r>
             <a:endParaRPr lang="ko-KR" altLang="en-US" sz="1800">
               <a:latin typeface="맑은 고딕" charset="0"/>
               <a:ea typeface="맑은 고딕" charset="0"/>
             </a:endParaRPr>
           </a:p>
-        </p:txBody>
-      </p:sp>
-      <p:sp>
-        <p:nvSpPr>
-          <p:cNvPr id="35" name="Rect 0"/>
+          <a:p>
+            <a:pPr marL="0" indent="0" rtl="0" algn="l" defTabSz="914400" eaLnBrk="1" latinLnBrk="0" hangingPunct="1">
+              <a:buFontTx/>
+              <a:buNone/>
+            </a:pPr>
+            <a:endParaRPr lang="ko-KR" altLang="en-US" sz="1800">
+              <a:latin typeface="맑은 고딕" charset="0"/>
+              <a:ea typeface="맑은 고딕" charset="0"/>
+            </a:endParaRPr>
+          </a:p>
+          <a:p>
+            <a:pPr marL="0" indent="0" rtl="0" algn="l" defTabSz="914400" eaLnBrk="1" latinLnBrk="0" hangingPunct="1">
+              <a:buFontTx/>
+              <a:buNone/>
+            </a:pPr>
+            <a:r>
+              <a:rPr lang="ko-KR" sz="1800">
+                <a:latin typeface="맑은 고딕" charset="0"/>
+                <a:ea typeface="맑은 고딕" charset="0"/>
+              </a:rPr>
+              <a:t>마지막으로 텍스트의 위치를 조정할 Transform 변수를 선언합니다.</a:t>
+            </a:r>
+            <a:endParaRPr lang="ko-KR" altLang="en-US" sz="1800">
+              <a:latin typeface="맑은 고딕" charset="0"/>
+              <a:ea typeface="맑은 고딕" charset="0"/>
+            </a:endParaRPr>
+          </a:p>
+        </p:txBody>
+      </p:sp>
+      <p:pic>
+        <p:nvPicPr>
+          <p:cNvPr id="22" name="그림 46"/>
+          <p:cNvPicPr>
+            <a:picLocks noChangeAspect="1"/>
+          </p:cNvPicPr>
+          <p:nvPr/>
+        </p:nvPicPr>
+        <p:blipFill rotWithShape="1">
+          <a:blip r:embed="rId6" cstate="hqprint">
+            <a:extLst>
+              <a:ext uri="{28A0092B-C50C-407E-A947-70E740481C1C}">
+                <a14:useLocalDpi xmlns:a14="http://schemas.microsoft.com/office/drawing/2010/main"/>
+              </a:ext>
+            </a:extLst>
+          </a:blip>
+          <a:stretch>
+            <a:fillRect/>
+          </a:stretch>
+        </p:blipFill>
+        <p:spPr>
+          <a:xfrm rot="0">
+            <a:off x="6910070" y="4026535"/>
+            <a:ext cx="1287145" cy="1959610"/>
+          </a:xfrm>
+          <a:prstGeom prst="roundRect"/>
+          <a:solidFill>
+            <a:srgbClr val="EDEDED"/>
+          </a:solidFill>
+        </p:spPr>
+      </p:pic>
+      <p:pic>
+        <p:nvPicPr>
+          <p:cNvPr id="23" name="그림 48"/>
+          <p:cNvPicPr>
+            <a:picLocks noChangeAspect="1"/>
+          </p:cNvPicPr>
+          <p:nvPr/>
+        </p:nvPicPr>
+        <p:blipFill rotWithShape="1">
+          <a:blip r:embed="rId7" cstate="hqprint">
+            <a:extLst>
+              <a:ext uri="{28A0092B-C50C-407E-A947-70E740481C1C}">
+                <a14:useLocalDpi xmlns:a14="http://schemas.microsoft.com/office/drawing/2010/main"/>
+              </a:ext>
+            </a:extLst>
+          </a:blip>
+          <a:stretch>
+            <a:fillRect/>
+          </a:stretch>
+        </p:blipFill>
+        <p:spPr>
+          <a:xfrm rot="0">
+            <a:off x="8487410" y="4015105"/>
+            <a:ext cx="2312035" cy="1971040"/>
+          </a:xfrm>
+          <a:prstGeom prst="roundRect"/>
+          <a:solidFill>
+            <a:srgbClr val="EDEDED"/>
+          </a:solidFill>
+        </p:spPr>
+      </p:pic>
+      <p:cxnSp>
+        <p:nvCxnSpPr>
+          <p:cNvPr id="24" name="도형 49"/>
+          <p:cNvCxnSpPr/>
+          <p:nvPr/>
+        </p:nvCxnSpPr>
+        <p:spPr>
+          <a:xfrm rot="0">
+            <a:off x="7681595" y="5337175"/>
+            <a:ext cx="3018155" cy="523875"/>
+          </a:xfrm>
+          <a:prstGeom prst="straightConnector1"/>
+          <a:ln w="6350" cap="flat" cmpd="sng">
+            <a:prstDash/>
+            <a:tailEnd type="triangle" w="med" len="med"/>
+          </a:ln>
+        </p:spPr>
+        <p:style>
+          <a:lnRef idx="1">
+            <a:schemeClr val="accent1"/>
+          </a:lnRef>
+          <a:fillRef idx="0">
+            <a:schemeClr val="accent1"/>
+          </a:fillRef>
+          <a:effectRef idx="0">
+            <a:schemeClr val="accent1"/>
+          </a:effectRef>
+          <a:fontRef idx="minor">
+            <a:schemeClr val="tx1"/>
+          </a:fontRef>
+        </p:style>
+      </p:cxnSp>
+      <p:cxnSp>
+        <p:nvCxnSpPr>
+          <p:cNvPr id="25" name="도형 50"/>
+          <p:cNvCxnSpPr/>
+          <p:nvPr/>
+        </p:nvCxnSpPr>
+        <p:spPr>
+          <a:xfrm rot="0" flipV="1">
+            <a:off x="7573010" y="5561330"/>
+            <a:ext cx="3126740" cy="50800"/>
+          </a:xfrm>
+          <a:prstGeom prst="straightConnector1"/>
+          <a:ln w="6350" cap="flat" cmpd="sng">
+            <a:prstDash/>
+            <a:tailEnd type="triangle" w="med" len="med"/>
+          </a:ln>
+        </p:spPr>
+        <p:style>
+          <a:lnRef idx="1">
+            <a:schemeClr val="accent1"/>
+          </a:lnRef>
+          <a:fillRef idx="0">
+            <a:schemeClr val="accent1"/>
+          </a:fillRef>
+          <a:effectRef idx="0">
+            <a:schemeClr val="accent1"/>
+          </a:effectRef>
+          <a:fontRef idx="minor">
+            <a:schemeClr val="tx1"/>
+          </a:fontRef>
+        </p:style>
+      </p:cxnSp>
+    </p:spTree>
+  </p:cSld>
+  <p:clrMapOvr>
+    <a:masterClrMapping/>
+  </p:clrMapOvr>
+  <mc:AlternateContent xmlns:mc="http://schemas.openxmlformats.org/markup-compatibility/2006">
+    <mc:Choice xmlns:p14="http://schemas.microsoft.com/office/powerpoint/2010/main" Requires="p14">
+      <p:transition spd="slow" p14:dur="2000"/>
+    </mc:Choice>
+    <mc:Fallback>
+      <p:transition spd="slow"/>
+    </mc:Fallback>
+  </mc:AlternateContent>
+  <p:timing>
+    <p:tnLst>
+      <p:par>
+        <p:cTn id="1" dur="indefinite" restart="never" nodeType="tmRoot"/>
+      </p:par>
+    </p:tnLst>
+  </p:timing>
+</p:sld>
+</file>
+
+<file path=ppt/slides/slide8.xml><?xml version="1.0" encoding="utf-8"?>
+<p:sld xmlns:a="http://schemas.openxmlformats.org/drawingml/2006/main" xmlns:r="http://schemas.openxmlformats.org/officeDocument/2006/relationships" xmlns:p="http://schemas.openxmlformats.org/presentationml/2006/main" xmlns:p14="http://schemas.microsoft.com/office/powerpoint/2010/main">
+  <p:cSld>
+    <p:spTree>
+      <p:nvGrpSpPr>
+        <p:cNvPr id="1" name=""/>
+        <p:cNvGrpSpPr/>
+        <p:nvPr/>
+      </p:nvGrpSpPr>
+      <p:grpSpPr>
+        <a:xfrm>
+          <a:off x="0" y="0"/>
+          <a:ext cx="0" cy="0"/>
+          <a:chOff x="0" y="0"/>
+          <a:chExt cx="0" cy="0"/>
+        </a:xfrm>
+      </p:grpSpPr>
+      <p:sp>
+        <p:nvSpPr>
+          <p:cNvPr id="25" name="Rect 0"/>
           <p:cNvSpPr txBox="1">
             <a:spLocks/>
           </p:cNvSpPr>
@@ -9771,8 +10364,8 @@
         </p:nvSpPr>
         <p:spPr>
           <a:xfrm rot="0">
-            <a:off x="4342765" y="467995"/>
-            <a:ext cx="3503295" cy="554990"/>
+            <a:off x="1229995" y="4589145"/>
+            <a:ext cx="4133215" cy="1477645"/>
           </a:xfrm>
           <a:prstGeom prst="rect"/>
           <a:noFill/>
@@ -9782,6 +10375,272 @@
           </a:ln>
         </p:spPr>
         <p:txBody>
+          <a:bodyPr wrap="square" lIns="89535" tIns="46355" rIns="89535" bIns="46355" numCol="1" vert="horz" anchor="t">
+            <a:spAutoFit/>
+          </a:bodyPr>
+          <a:lstStyle/>
+          <a:p>
+            <a:pPr marL="0" indent="0" algn="l" latinLnBrk="0" hangingPunct="1">
+              <a:buFontTx/>
+              <a:buNone/>
+            </a:pPr>
+            <a:r>
+              <a:rPr sz="1800" b="1">
+                <a:solidFill>
+                  <a:srgbClr val="0611F2"/>
+                </a:solidFill>
+                <a:latin typeface="맑은 고딕" charset="0"/>
+                <a:ea typeface="맑은 고딕" charset="0"/>
+              </a:rPr>
+              <a:t>7.</a:t>
+            </a:r>
+            <a:r>
+              <a:rPr sz="1800">
+                <a:latin typeface="맑은 고딕" charset="0"/>
+                <a:ea typeface="맑은 고딕" charset="0"/>
+              </a:rPr>
+              <a:t> </a:t>
+            </a:r>
+            <a:r>
+              <a:rPr lang="ko-KR" sz="1800">
+                <a:latin typeface="맑은 고딕" charset="0"/>
+                <a:ea typeface="맑은 고딕" charset="0"/>
+              </a:rPr>
+              <a:t>채팅 UI를 생성하도록 설정하고 채팅 UI의 위치를 콘텐트 오브젝트의 하위 오브젝트로 설정합니다.</a:t>
+            </a:r>
+            <a:endParaRPr lang="ko-KR" altLang="en-US" sz="1800">
+              <a:latin typeface="맑은 고딕" charset="0"/>
+              <a:ea typeface="맑은 고딕" charset="0"/>
+            </a:endParaRPr>
+          </a:p>
+          <a:p>
+            <a:pPr marL="0" indent="0" algn="l" latinLnBrk="0" hangingPunct="1">
+              <a:buFontTx/>
+              <a:buNone/>
+            </a:pPr>
+            <a:endParaRPr lang="ko-KR" altLang="en-US" sz="1800">
+              <a:latin typeface="맑은 고딕" charset="0"/>
+              <a:ea typeface="맑은 고딕" charset="0"/>
+            </a:endParaRPr>
+          </a:p>
+          <a:p>
+            <a:pPr marL="0" indent="0" algn="l" latinLnBrk="0" hangingPunct="1">
+              <a:buFontTx/>
+              <a:buNone/>
+            </a:pPr>
+            <a:r>
+              <a:rPr lang="ko-KR" sz="1800">
+                <a:latin typeface="맑은 고딕" charset="0"/>
+                <a:ea typeface="맑은 고딕" charset="0"/>
+              </a:rPr>
+              <a:t>그다음 PunRPC 함수로 만들어 줍니다.</a:t>
+            </a:r>
+            <a:endParaRPr lang="ko-KR" altLang="en-US" sz="1800">
+              <a:latin typeface="맑은 고딕" charset="0"/>
+              <a:ea typeface="맑은 고딕" charset="0"/>
+            </a:endParaRPr>
+          </a:p>
+        </p:txBody>
+      </p:sp>
+      <p:sp>
+        <p:nvSpPr>
+          <p:cNvPr id="29" name="텍스트 상자 4"/>
+          <p:cNvSpPr txBox="1">
+            <a:spLocks/>
+          </p:cNvSpPr>
+          <p:nvPr/>
+        </p:nvSpPr>
+        <p:spPr>
+          <a:xfrm rot="0">
+            <a:off x="1229995" y="1337310"/>
+            <a:ext cx="4132580" cy="923925"/>
+          </a:xfrm>
+          <a:prstGeom prst="rect"/>
+          <a:noFill/>
+          <a:ln w="0">
+            <a:noFill/>
+            <a:prstDash/>
+          </a:ln>
+        </p:spPr>
+        <p:txBody>
+          <a:bodyPr wrap="square" lIns="89535" tIns="46355" rIns="89535" bIns="46355" numCol="1" vert="horz" anchor="t">
+            <a:spAutoFit/>
+          </a:bodyPr>
+          <a:lstStyle/>
+          <a:p>
+            <a:pPr marL="0" indent="0" algn="l" latinLnBrk="0" hangingPunct="1">
+              <a:buFontTx/>
+              <a:buNone/>
+            </a:pPr>
+            <a:r>
+              <a:rPr lang="ko-KR" sz="1800">
+                <a:latin typeface="맑은 고딕" charset="0"/>
+                <a:ea typeface="맑은 고딕" charset="0"/>
+              </a:rPr>
+              <a:t>Photon View RPC는 호출할 RPC 함수를 다른 원격 객체에 함수를 전달하는 것입니다.</a:t>
+            </a:r>
+            <a:endParaRPr lang="ko-KR" altLang="en-US" sz="1800">
+              <a:latin typeface="맑은 고딕" charset="0"/>
+              <a:ea typeface="맑은 고딕" charset="0"/>
+            </a:endParaRPr>
+          </a:p>
+        </p:txBody>
+      </p:sp>
+      <p:sp>
+        <p:nvSpPr>
+          <p:cNvPr id="31" name="텍스트 상자 24"/>
+          <p:cNvSpPr txBox="1">
+            <a:spLocks/>
+          </p:cNvSpPr>
+          <p:nvPr/>
+        </p:nvSpPr>
+        <p:spPr>
+          <a:xfrm rot="0">
+            <a:off x="6801485" y="3762375"/>
+            <a:ext cx="4206240" cy="2308860"/>
+          </a:xfrm>
+          <a:prstGeom prst="rect"/>
+          <a:noFill/>
+          <a:ln w="0">
+            <a:noFill/>
+            <a:prstDash/>
+          </a:ln>
+        </p:spPr>
+        <p:txBody>
+          <a:bodyPr wrap="square" lIns="89535" tIns="46355" rIns="89535" bIns="46355" numCol="1" vert="horz" anchor="t">
+            <a:spAutoFit/>
+          </a:bodyPr>
+          <a:lstStyle/>
+          <a:p>
+            <a:pPr marL="0" indent="0" algn="l" latinLnBrk="0" hangingPunct="1">
+              <a:buFontTx/>
+              <a:buNone/>
+            </a:pPr>
+            <a:r>
+              <a:rPr sz="1800" b="1">
+                <a:solidFill>
+                  <a:srgbClr val="0611F2"/>
+                </a:solidFill>
+                <a:latin typeface="맑은 고딕" charset="0"/>
+                <a:ea typeface="맑은 고딕" charset="0"/>
+              </a:rPr>
+              <a:t>8.</a:t>
+            </a:r>
+            <a:r>
+              <a:rPr sz="1800">
+                <a:latin typeface="맑은 고딕" charset="0"/>
+                <a:ea typeface="맑은 고딕" charset="0"/>
+              </a:rPr>
+              <a:t> </a:t>
+            </a:r>
+            <a:r>
+              <a:rPr lang="ko-KR" sz="1800">
+                <a:latin typeface="맑은 고딕" charset="0"/>
+                <a:ea typeface="맑은 고딕" charset="0"/>
+              </a:rPr>
+              <a:t>그다음 InputField에 입력한 값을 string 변수 (chat)에 저장합니다.</a:t>
+            </a:r>
+            <a:endParaRPr lang="ko-KR" altLang="en-US" sz="1800">
+              <a:latin typeface="맑은 고딕" charset="0"/>
+              <a:ea typeface="맑은 고딕" charset="0"/>
+            </a:endParaRPr>
+          </a:p>
+          <a:p>
+            <a:pPr marL="0" indent="0" algn="l" latinLnBrk="0" hangingPunct="1">
+              <a:buFontTx/>
+              <a:buNone/>
+            </a:pPr>
+            <a:endParaRPr lang="ko-KR" altLang="en-US" sz="1800">
+              <a:latin typeface="맑은 고딕" charset="0"/>
+              <a:ea typeface="맑은 고딕" charset="0"/>
+            </a:endParaRPr>
+          </a:p>
+          <a:p>
+            <a:pPr marL="0" indent="0" algn="l" latinLnBrk="0" hangingPunct="1">
+              <a:buFontTx/>
+              <a:buNone/>
+            </a:pPr>
+            <a:r>
+              <a:rPr sz="1800" b="1">
+                <a:solidFill>
+                  <a:srgbClr val="0611F2"/>
+                </a:solidFill>
+                <a:latin typeface="맑은 고딕" charset="0"/>
+                <a:ea typeface="맑은 고딕" charset="0"/>
+              </a:rPr>
+              <a:t>9.</a:t>
+            </a:r>
+            <a:r>
+              <a:rPr sz="1800">
+                <a:latin typeface="맑은 고딕" charset="0"/>
+                <a:ea typeface="맑은 고딕" charset="0"/>
+              </a:rPr>
+              <a:t> </a:t>
+            </a:r>
+            <a:r>
+              <a:rPr lang="ko-KR" sz="1800">
+                <a:latin typeface="맑은 고딕" charset="0"/>
+                <a:ea typeface="맑은 고딕" charset="0"/>
+              </a:rPr>
+              <a:t>마지막으로 채팅을 입력하고 Enter Key를 누르는 순간 RPC 함수를 호출하여 (호출할 PRC 함수), (현재 원격에 전달하는 대상), (RPC 함수가 사용할 변수)를 설정합니다.</a:t>
+            </a:r>
+            <a:endParaRPr lang="ko-KR" altLang="en-US" sz="1800">
+              <a:latin typeface="맑은 고딕" charset="0"/>
+              <a:ea typeface="맑은 고딕" charset="0"/>
+            </a:endParaRPr>
+          </a:p>
+        </p:txBody>
+      </p:sp>
+      <p:pic>
+        <p:nvPicPr>
+          <p:cNvPr id="34" name="그림 32"/>
+          <p:cNvPicPr>
+            <a:picLocks noChangeAspect="1"/>
+          </p:cNvPicPr>
+          <p:nvPr/>
+        </p:nvPicPr>
+        <p:blipFill rotWithShape="1">
+          <a:blip r:embed="rId7" cstate="hqprint">
+            <a:extLst>
+              <a:ext uri="{28A0092B-C50C-407E-A947-70E740481C1C}">
+                <a14:useLocalDpi xmlns:a14="http://schemas.microsoft.com/office/drawing/2010/main"/>
+              </a:ext>
+            </a:extLst>
+          </a:blip>
+          <a:stretch>
+            <a:fillRect/>
+          </a:stretch>
+        </p:blipFill>
+        <p:spPr>
+          <a:xfrm rot="0">
+            <a:off x="6800850" y="1337945"/>
+            <a:ext cx="4197985" cy="2253615"/>
+          </a:xfrm>
+          <a:prstGeom prst="rect"/>
+          <a:noFill/>
+        </p:spPr>
+      </p:pic>
+      <p:sp>
+        <p:nvSpPr>
+          <p:cNvPr id="35" name="텍스트 상자 45"/>
+          <p:cNvSpPr txBox="1">
+            <a:spLocks/>
+          </p:cNvSpPr>
+          <p:nvPr/>
+        </p:nvSpPr>
+        <p:spPr>
+          <a:xfrm rot="0">
+            <a:off x="4533265" y="476885"/>
+            <a:ext cx="3122295" cy="554990"/>
+          </a:xfrm>
+          <a:prstGeom prst="rect"/>
+          <a:noFill/>
+          <a:ln w="0">
+            <a:noFill/>
+            <a:prstDash/>
+          </a:ln>
+        </p:spPr>
+        <p:txBody>
           <a:bodyPr wrap="square" lIns="89535" tIns="46355" rIns="89535" bIns="46355" vert="horz" anchor="t">
             <a:spAutoFit/>
           </a:bodyPr>
@@ -9796,7 +10655,7 @@
                 <a:latin typeface="맑은 고딕" charset="0"/>
                 <a:ea typeface="맑은 고딕" charset="0"/>
               </a:rPr>
-              <a:t>다섯 번째 튜토리얼</a:t>
+              <a:t>네 번째 튜토리얼</a:t>
             </a:r>
             <a:r>
               <a:rPr sz="3000" b="1">
@@ -9814,7 +10673,262 @@
       </p:sp>
       <p:pic>
         <p:nvPicPr>
-          <p:cNvPr id="36" name="그림 54" descr="C:/Users/Admin1/AppData/Roaming/PolarisOffice/ETemp/13412_18275296/fImage8792234491.png"/>
+          <p:cNvPr id="36" name="그림 2"/>
+          <p:cNvPicPr>
+            <a:picLocks noChangeAspect="1"/>
+          </p:cNvPicPr>
+          <p:nvPr/>
+        </p:nvPicPr>
+        <p:blipFill rotWithShape="1">
+          <a:blip r:embed="rId8" cstate="hqprint">
+            <a:extLst>
+              <a:ext uri="{28A0092B-C50C-407E-A947-70E740481C1C}">
+                <a14:useLocalDpi xmlns:a14="http://schemas.microsoft.com/office/drawing/2010/main"/>
+              </a:ext>
+            </a:extLst>
+          </a:blip>
+          <a:stretch>
+            <a:fillRect/>
+          </a:stretch>
+        </p:blipFill>
+        <p:spPr>
+          <a:xfrm rot="0">
+            <a:off x="1231265" y="2385695"/>
+            <a:ext cx="4123690" cy="2070735"/>
+          </a:xfrm>
+          <a:prstGeom prst="rect"/>
+          <a:noFill/>
+        </p:spPr>
+      </p:pic>
+    </p:spTree>
+  </p:cSld>
+  <p:clrMapOvr>
+    <a:masterClrMapping/>
+  </p:clrMapOvr>
+  <mc:AlternateContent xmlns:mc="http://schemas.openxmlformats.org/markup-compatibility/2006">
+    <mc:Choice xmlns:p14="http://schemas.microsoft.com/office/powerpoint/2010/main" Requires="p14">
+      <p:transition spd="slow" p14:dur="2000"/>
+    </mc:Choice>
+    <mc:Fallback>
+      <p:transition spd="slow"/>
+    </mc:Fallback>
+  </mc:AlternateContent>
+  <p:timing>
+    <p:tnLst>
+      <p:par>
+        <p:cTn id="1" dur="indefinite" restart="never" nodeType="tmRoot"/>
+      </p:par>
+    </p:tnLst>
+  </p:timing>
+</p:sld>
+</file>
+
+<file path=ppt/slides/slide9.xml><?xml version="1.0" encoding="utf-8"?>
+<p:sld xmlns:a="http://schemas.openxmlformats.org/drawingml/2006/main" xmlns:r="http://schemas.openxmlformats.org/officeDocument/2006/relationships" xmlns:p="http://schemas.openxmlformats.org/presentationml/2006/main" xmlns:p14="http://schemas.microsoft.com/office/powerpoint/2010/main">
+  <p:cSld>
+    <p:spTree>
+      <p:nvGrpSpPr>
+        <p:cNvPr id="1" name=""/>
+        <p:cNvGrpSpPr/>
+        <p:nvPr/>
+      </p:nvGrpSpPr>
+      <p:grpSpPr>
+        <a:xfrm>
+          <a:off x="0" y="0"/>
+          <a:ext cx="0" cy="0"/>
+          <a:chOff x="0" y="0"/>
+          <a:chExt cx="0" cy="0"/>
+        </a:xfrm>
+      </p:grpSpPr>
+      <p:sp>
+        <p:nvSpPr>
+          <p:cNvPr id="25" name="Rect 0"/>
+          <p:cNvSpPr txBox="1">
+            <a:spLocks/>
+          </p:cNvSpPr>
+          <p:nvPr/>
+        </p:nvSpPr>
+        <p:spPr>
+          <a:xfrm rot="0">
+            <a:off x="6798310" y="5496560"/>
+            <a:ext cx="4175125" cy="647065"/>
+          </a:xfrm>
+          <a:prstGeom prst="rect"/>
+          <a:noFill/>
+          <a:ln w="0">
+            <a:noFill/>
+            <a:prstDash/>
+          </a:ln>
+        </p:spPr>
+        <p:txBody>
+          <a:bodyPr wrap="square" lIns="89535" tIns="46355" rIns="89535" bIns="46355" numCol="1" vert="horz" anchor="t">
+            <a:spAutoFit/>
+          </a:bodyPr>
+          <a:lstStyle/>
+          <a:p>
+            <a:pPr marL="0" indent="0" algn="l" latinLnBrk="0" hangingPunct="1">
+              <a:buFontTx/>
+              <a:buNone/>
+            </a:pPr>
+            <a:r>
+              <a:rPr sz="1800" b="1">
+                <a:solidFill>
+                  <a:srgbClr val="0611F2"/>
+                </a:solidFill>
+                <a:latin typeface="맑은 고딕" charset="0"/>
+                <a:ea typeface="맑은 고딕" charset="0"/>
+              </a:rPr>
+              <a:t>12.</a:t>
+            </a:r>
+            <a:r>
+              <a:rPr sz="1800">
+                <a:latin typeface="맑은 고딕" charset="0"/>
+                <a:ea typeface="맑은 고딕" charset="0"/>
+              </a:rPr>
+              <a:t> </a:t>
+            </a:r>
+            <a:r>
+              <a:rPr lang="ko-KR" sz="1800">
+                <a:latin typeface="맑은 고딕" charset="0"/>
+                <a:ea typeface="맑은 고딕" charset="0"/>
+              </a:rPr>
+              <a:t>마지막으로 Photon View를 Chatting Manager에 추가합니다.</a:t>
+            </a:r>
+            <a:endParaRPr lang="ko-KR" altLang="en-US" sz="1800">
+              <a:latin typeface="맑은 고딕" charset="0"/>
+              <a:ea typeface="맑은 고딕" charset="0"/>
+            </a:endParaRPr>
+          </a:p>
+        </p:txBody>
+      </p:sp>
+      <p:sp>
+        <p:nvSpPr>
+          <p:cNvPr id="29" name="Rect 0"/>
+          <p:cNvSpPr txBox="1">
+            <a:spLocks/>
+          </p:cNvSpPr>
+          <p:nvPr/>
+        </p:nvSpPr>
+        <p:spPr>
+          <a:xfrm rot="0">
+            <a:off x="1229995" y="1337310"/>
+            <a:ext cx="4038600" cy="370205"/>
+          </a:xfrm>
+          <a:prstGeom prst="rect"/>
+          <a:noFill/>
+          <a:ln w="0">
+            <a:noFill/>
+            <a:prstDash/>
+          </a:ln>
+        </p:spPr>
+        <p:txBody>
+          <a:bodyPr wrap="square" lIns="89535" tIns="46355" rIns="89535" bIns="46355" numCol="1" vert="horz" anchor="t">
+            <a:spAutoFit/>
+          </a:bodyPr>
+          <a:lstStyle/>
+          <a:p>
+            <a:pPr marL="0" indent="0" algn="l" latinLnBrk="0" hangingPunct="1">
+              <a:buFontTx/>
+              <a:buNone/>
+            </a:pPr>
+            <a:endParaRPr lang="ko-KR" altLang="en-US" sz="1800">
+              <a:latin typeface="맑은 고딕" charset="0"/>
+              <a:ea typeface="맑은 고딕" charset="0"/>
+            </a:endParaRPr>
+          </a:p>
+        </p:txBody>
+      </p:sp>
+      <p:sp>
+        <p:nvSpPr>
+          <p:cNvPr id="31" name="Rect 0"/>
+          <p:cNvSpPr txBox="1">
+            <a:spLocks/>
+          </p:cNvSpPr>
+          <p:nvPr/>
+        </p:nvSpPr>
+        <p:spPr>
+          <a:xfrm rot="0">
+            <a:off x="6801485" y="3204210"/>
+            <a:ext cx="4161790" cy="370205"/>
+          </a:xfrm>
+          <a:prstGeom prst="rect"/>
+          <a:noFill/>
+          <a:ln w="0">
+            <a:noFill/>
+            <a:prstDash/>
+          </a:ln>
+        </p:spPr>
+        <p:txBody>
+          <a:bodyPr wrap="square" lIns="89535" tIns="46355" rIns="89535" bIns="46355" numCol="1" vert="horz" anchor="t">
+            <a:spAutoFit/>
+          </a:bodyPr>
+          <a:lstStyle/>
+          <a:p>
+            <a:pPr marL="0" indent="0" algn="l" latinLnBrk="0" hangingPunct="1">
+              <a:buFontTx/>
+              <a:buNone/>
+            </a:pPr>
+            <a:endParaRPr lang="ko-KR" altLang="en-US" sz="1800">
+              <a:latin typeface="맑은 고딕" charset="0"/>
+              <a:ea typeface="맑은 고딕" charset="0"/>
+            </a:endParaRPr>
+          </a:p>
+        </p:txBody>
+      </p:sp>
+      <p:sp>
+        <p:nvSpPr>
+          <p:cNvPr id="35" name="Rect 0"/>
+          <p:cNvSpPr txBox="1">
+            <a:spLocks/>
+          </p:cNvSpPr>
+          <p:nvPr/>
+        </p:nvSpPr>
+        <p:spPr>
+          <a:xfrm rot="0">
+            <a:off x="4342765" y="467995"/>
+            <a:ext cx="3503295" cy="554990"/>
+          </a:xfrm>
+          <a:prstGeom prst="rect"/>
+          <a:noFill/>
+          <a:ln w="0">
+            <a:noFill/>
+            <a:prstDash/>
+          </a:ln>
+        </p:spPr>
+        <p:txBody>
+          <a:bodyPr wrap="square" lIns="89535" tIns="46355" rIns="89535" bIns="46355" vert="horz" anchor="t">
+            <a:spAutoFit/>
+          </a:bodyPr>
+          <a:lstStyle/>
+          <a:p>
+            <a:pPr marL="0" indent="0" rtl="0" algn="l" defTabSz="914400" eaLnBrk="1" latinLnBrk="0" hangingPunct="1">
+              <a:buFontTx/>
+              <a:buNone/>
+            </a:pPr>
+            <a:r>
+              <a:rPr lang="ko-KR" sz="3000" b="1">
+                <a:latin typeface="맑은 고딕" charset="0"/>
+                <a:ea typeface="맑은 고딕" charset="0"/>
+              </a:rPr>
+              <a:t>다섯 번째 튜토리얼</a:t>
+            </a:r>
+            <a:r>
+              <a:rPr sz="3000" b="1">
+                <a:latin typeface="맑은 고딕" charset="0"/>
+                <a:ea typeface="맑은 고딕" charset="0"/>
+              </a:rPr>
+              <a:t> </a:t>
+            </a:r>
+            <a:endParaRPr lang="ko-KR" altLang="en-US" sz="3000" b="1">
+              <a:latin typeface="맑은 고딕" charset="0"/>
+              <a:ea typeface="맑은 고딕" charset="0"/>
+            </a:endParaRPr>
+          </a:p>
+        </p:txBody>
+      </p:sp>
+      <p:pic>
+        <p:nvPicPr>
+          <p:cNvPr id="36" name="그림 54"/>
           <p:cNvPicPr>
             <a:picLocks noChangeAspect="1"/>
           </p:cNvPicPr>
@@ -9845,7 +10959,7 @@
       </p:pic>
       <p:pic>
         <p:nvPicPr>
-          <p:cNvPr id="37" name="그림 55" descr="C:/Users/Admin1/AppData/Roaming/PolarisOffice/ETemp/13412_18275296/fImage82942352995.png"/>
+          <p:cNvPr id="37" name="그림 55"/>
           <p:cNvPicPr>
             <a:picLocks noChangeAspect="1"/>
           </p:cNvPicPr>
@@ -9909,7 +11023,7 @@
       </p:cxnSp>
       <p:pic>
         <p:nvPicPr>
-          <p:cNvPr id="39" name="그림 57" descr="C:/Users/Admin1/AppData/Roaming/PolarisOffice/ETemp/13412_18275296/fImage248862371942.png"/>
+          <p:cNvPr id="39" name="그림 57"/>
           <p:cNvPicPr>
             <a:picLocks noChangeAspect="1"/>
           </p:cNvPicPr>
@@ -10062,7 +11176,7 @@
       </p:sp>
       <p:pic>
         <p:nvPicPr>
-          <p:cNvPr id="43" name="그림 61" descr="C:/Users/Admin1/AppData/Roaming/PolarisOffice/ETemp/13412_18275296/fImage251202414827.png"/>
+          <p:cNvPr id="43" name="그림 61"/>
           <p:cNvPicPr>
             <a:picLocks noChangeAspect="1"/>
           </p:cNvPicPr>

--- a/Assets/Class/Photon Server/PPT Data/Photon RPC.pptx
+++ b/Assets/Class/Photon Server/PPT Data/Photon RPC.pptx
@@ -2,21 +2,22 @@
 <file path=ppt/presentation.xml><?xml version="1.0" encoding="utf-8"?>
 <p:presentation xmlns:a="http://schemas.openxmlformats.org/drawingml/2006/main" xmlns:r="http://schemas.openxmlformats.org/officeDocument/2006/relationships" xmlns:p="http://schemas.openxmlformats.org/presentationml/2006/main" xmlns:p14="http://schemas.microsoft.com/office/powerpoint/2010/main" saveSubsetFonts="1" firstSlideNum="0">
   <p:sldMasterIdLst>
-    <p:sldMasterId id="2147486767" r:id="rId12"/>
+    <p:sldMasterId id="2147486815" r:id="rId12"/>
   </p:sldMasterIdLst>
   <p:notesMasterIdLst>
     <p:notesMasterId r:id="rId14"/>
   </p:notesMasterIdLst>
   <p:sldIdLst>
     <p:sldId id="315" r:id="rId16"/>
-    <p:sldId id="303" r:id="rId17"/>
-    <p:sldId id="317" r:id="rId18"/>
-    <p:sldId id="320" r:id="rId19"/>
-    <p:sldId id="316" r:id="rId20"/>
-    <p:sldId id="321" r:id="rId21"/>
-    <p:sldId id="318" r:id="rId22"/>
-    <p:sldId id="314" r:id="rId23"/>
+    <p:sldId id="317" r:id="rId17"/>
+    <p:sldId id="320" r:id="rId18"/>
+    <p:sldId id="316" r:id="rId19"/>
+    <p:sldId id="321" r:id="rId20"/>
+    <p:sldId id="318" r:id="rId21"/>
+    <p:sldId id="314" r:id="rId22"/>
+    <p:sldId id="303" r:id="rId23"/>
     <p:sldId id="319" r:id="rId24"/>
+    <p:sldId id="322" r:id="rId25"/>
   </p:sldIdLst>
   <p:sldSz cx="12192000" cy="6858000"/>
   <p:notesSz cx="6858000" cy="9144000"/>
@@ -617,6 +618,148 @@
 </p:notes>
 </file>
 
+<file path=ppt/notesSlides/notesSlide10.xml><?xml version="1.0" encoding="utf-8"?>
+<p:notes xmlns:a="http://schemas.openxmlformats.org/drawingml/2006/main" xmlns:r="http://schemas.openxmlformats.org/officeDocument/2006/relationships" xmlns:p="http://schemas.openxmlformats.org/presentationml/2006/main">
+  <p:cSld>
+    <p:spTree>
+      <p:nvGrpSpPr>
+        <p:cNvPr id="1" name=""/>
+        <p:cNvGrpSpPr/>
+        <p:nvPr/>
+      </p:nvGrpSpPr>
+      <p:grpSpPr>
+        <a:xfrm>
+          <a:off x="0" y="0"/>
+          <a:ext cx="0" cy="0"/>
+          <a:chOff x="0" y="0"/>
+          <a:chExt cx="0" cy="0"/>
+        </a:xfrm>
+      </p:grpSpPr>
+      <p:sp>
+        <p:nvSpPr>
+          <p:cNvPr id="2" name="슬라이드 이미지 개체 틀 3"/>
+          <p:cNvSpPr>
+            <a:spLocks noChangeAspect="1"/>
+          </p:cNvSpPr>
+          <p:nvPr>
+            <p:ph type="sldImg" idx="2"/>
+          </p:nvPr>
+        </p:nvSpPr>
+        <p:spPr>
+          <a:xfrm rot="0">
+            <a:off x="685800" y="1143000"/>
+            <a:ext cx="5494020" cy="3093720"/>
+          </a:xfrm>
+          <a:prstGeom prst="rect"/>
+          <a:noFill/>
+          <a:ln w="12700" cap="flat" cmpd="sng">
+            <a:solidFill>
+              <a:srgbClr val="000000">
+                <a:alpha val="100000"/>
+              </a:srgbClr>
+            </a:solidFill>
+            <a:prstDash val="solid"/>
+          </a:ln>
+        </p:spPr>
+        <p:txBody>
+          <a:bodyPr wrap="square" lIns="91440" tIns="45720" rIns="91440" bIns="45720" numCol="1" vert="horz" anchor="ctr">
+            <a:noAutofit/>
+          </a:bodyPr>
+          <a:lstStyle/>
+          <a:p>
+            <a:pPr marL="0" indent="0" latinLnBrk="0">
+              <a:buFontTx/>
+              <a:buNone/>
+            </a:pPr>
+          </a:p>
+        </p:txBody>
+      </p:sp>
+      <p:sp>
+        <p:nvSpPr>
+          <p:cNvPr id="3" name="슬라이드 노트 개체 틀 4"/>
+          <p:cNvSpPr txBox="1">
+            <a:spLocks/>
+          </p:cNvSpPr>
+          <p:nvPr>
+            <p:ph type="body" idx="3"/>
+          </p:nvPr>
+        </p:nvSpPr>
+        <p:spPr>
+          <a:xfrm rot="0">
+            <a:off x="685800" y="4400550"/>
+            <a:ext cx="5494020" cy="3608070"/>
+          </a:xfrm>
+          <a:prstGeom prst="rect"/>
+        </p:spPr>
+        <p:txBody>
+          <a:bodyPr wrap="square" lIns="91440" tIns="45720" rIns="91440" bIns="45720" numCol="1" vert="horz" anchor="t">
+            <a:noAutofit/>
+          </a:bodyPr>
+          <a:lstStyle/>
+          <a:p>
+            <a:pPr marL="0" indent="0" latinLnBrk="0">
+              <a:buFontTx/>
+              <a:buNone/>
+            </a:pPr>
+          </a:p>
+        </p:txBody>
+      </p:sp>
+      <p:sp>
+        <p:nvSpPr>
+          <p:cNvPr id="4" name="슬라이드 번호 개체 틀 6"/>
+          <p:cNvSpPr txBox="1">
+            <a:spLocks/>
+          </p:cNvSpPr>
+          <p:nvPr>
+            <p:ph type="sldNum" idx="5"/>
+          </p:nvPr>
+        </p:nvSpPr>
+        <p:spPr>
+          <a:xfrm rot="0">
+            <a:off x="3884930" y="8685530"/>
+            <a:ext cx="2979420" cy="466090"/>
+          </a:xfrm>
+          <a:prstGeom prst="rect"/>
+        </p:spPr>
+        <p:txBody>
+          <a:bodyPr wrap="square" lIns="91440" tIns="45720" rIns="91440" bIns="45720" numCol="1" vert="horz" anchor="b">
+            <a:noAutofit/>
+          </a:bodyPr>
+          <a:lstStyle>
+            <a:lvl1pPr marL="0" indent="0" algn="r" latinLnBrk="0">
+              <a:buFontTx/>
+              <a:buNone/>
+              <a:defRPr lang="en-GB" altLang="en-US" sz="1200"/>
+            </a:lvl1pPr>
+          </a:lstStyle>
+          <a:p>
+            <a:pPr marL="0" indent="0" latinLnBrk="0">
+              <a:buFontTx/>
+              <a:buNone/>
+            </a:pPr>
+            <a:fld id="{B9320F77-B9A0-41C5-862A-B4B631284C64}" type="slidenum">
+              <a:rPr lang="ko-KR" altLang="en-US"/>
+              <a:t>‹#›</a:t>
+            </a:fld>
+          </a:p>
+        </p:txBody>
+      </p:sp>
+    </p:spTree>
+  </p:cSld>
+  <p:clrMapOvr>
+    <a:masterClrMapping/>
+  </p:clrMapOvr>
+  <mc:AlternateContent xmlns:mc="http://schemas.openxmlformats.org/markup-compatibility/2006">
+    <mc:Choice xmlns:p14="http://schemas.microsoft.com/office/powerpoint/2010/main" Requires="p14">
+      <p:transition spd="slow" p14:dur="0"/>
+    </mc:Choice>
+    <mc:Fallback>
+      <p:transition spd="slow"/>
+    </mc:Fallback>
+  </mc:AlternateContent>
+</p:notes>
+</file>
+
 <file path=ppt/notesSlides/notesSlide2.xml><?xml version="1.0" encoding="utf-8"?>
 <p:notes xmlns:a="http://schemas.openxmlformats.org/drawingml/2006/main" xmlns:r="http://schemas.openxmlformats.org/officeDocument/2006/relationships" xmlns:p="http://schemas.openxmlformats.org/presentationml/2006/main">
   <p:cSld>
@@ -647,7 +790,7 @@
         <p:spPr>
           <a:xfrm rot="0">
             <a:off x="685800" y="1143000"/>
-            <a:ext cx="5489575" cy="3089275"/>
+            <a:ext cx="5493385" cy="3093085"/>
           </a:xfrm>
           <a:prstGeom prst="rect"/>
           <a:noFill/>
@@ -686,7 +829,7 @@
         <p:spPr>
           <a:xfrm rot="0">
             <a:off x="685800" y="4400550"/>
-            <a:ext cx="5489575" cy="3603625"/>
+            <a:ext cx="5493385" cy="3607435"/>
           </a:xfrm>
           <a:prstGeom prst="rect"/>
         </p:spPr>
@@ -716,7 +859,7 @@
         <p:spPr>
           <a:xfrm rot="0">
             <a:off x="3884930" y="8685530"/>
-            <a:ext cx="2974975" cy="461645"/>
+            <a:ext cx="2978785" cy="465455"/>
           </a:xfrm>
           <a:prstGeom prst="rect"/>
         </p:spPr>
@@ -789,7 +932,7 @@
         <p:spPr>
           <a:xfrm rot="0">
             <a:off x="685800" y="1143000"/>
-            <a:ext cx="5493385" cy="3093085"/>
+            <a:ext cx="5490210" cy="3089910"/>
           </a:xfrm>
           <a:prstGeom prst="rect"/>
           <a:noFill/>
@@ -828,7 +971,7 @@
         <p:spPr>
           <a:xfrm rot="0">
             <a:off x="685800" y="4400550"/>
-            <a:ext cx="5493385" cy="3607435"/>
+            <a:ext cx="5490210" cy="3604260"/>
           </a:xfrm>
           <a:prstGeom prst="rect"/>
         </p:spPr>
@@ -858,7 +1001,7 @@
         <p:spPr>
           <a:xfrm rot="0">
             <a:off x="3884930" y="8685530"/>
-            <a:ext cx="2978785" cy="465455"/>
+            <a:ext cx="2975610" cy="462280"/>
           </a:xfrm>
           <a:prstGeom prst="rect"/>
         </p:spPr>
@@ -931,7 +1074,7 @@
         <p:spPr>
           <a:xfrm rot="0">
             <a:off x="685800" y="1143000"/>
-            <a:ext cx="5490210" cy="3089910"/>
+            <a:ext cx="5493385" cy="3093085"/>
           </a:xfrm>
           <a:prstGeom prst="rect"/>
           <a:noFill/>
@@ -970,7 +1113,7 @@
         <p:spPr>
           <a:xfrm rot="0">
             <a:off x="685800" y="4400550"/>
-            <a:ext cx="5490210" cy="3604260"/>
+            <a:ext cx="5493385" cy="3607435"/>
           </a:xfrm>
           <a:prstGeom prst="rect"/>
         </p:spPr>
@@ -1000,7 +1143,7 @@
         <p:spPr>
           <a:xfrm rot="0">
             <a:off x="3884930" y="8685530"/>
-            <a:ext cx="2975610" cy="462280"/>
+            <a:ext cx="2978785" cy="465455"/>
           </a:xfrm>
           <a:prstGeom prst="rect"/>
         </p:spPr>
@@ -1073,7 +1216,7 @@
         <p:spPr>
           <a:xfrm rot="0">
             <a:off x="685800" y="1143000"/>
-            <a:ext cx="5493385" cy="3093085"/>
+            <a:ext cx="5494020" cy="3093720"/>
           </a:xfrm>
           <a:prstGeom prst="rect"/>
           <a:noFill/>
@@ -1112,7 +1255,7 @@
         <p:spPr>
           <a:xfrm rot="0">
             <a:off x="685800" y="4400550"/>
-            <a:ext cx="5493385" cy="3607435"/>
+            <a:ext cx="5494020" cy="3608070"/>
           </a:xfrm>
           <a:prstGeom prst="rect"/>
         </p:spPr>
@@ -1142,7 +1285,7 @@
         <p:spPr>
           <a:xfrm rot="0">
             <a:off x="3884930" y="8685530"/>
-            <a:ext cx="2978785" cy="465455"/>
+            <a:ext cx="2979420" cy="466090"/>
           </a:xfrm>
           <a:prstGeom prst="rect"/>
         </p:spPr>
@@ -1215,7 +1358,7 @@
         <p:spPr>
           <a:xfrm rot="0">
             <a:off x="685800" y="1143000"/>
-            <a:ext cx="5494020" cy="3093720"/>
+            <a:ext cx="5493385" cy="3093085"/>
           </a:xfrm>
           <a:prstGeom prst="rect"/>
           <a:noFill/>
@@ -1254,7 +1397,7 @@
         <p:spPr>
           <a:xfrm rot="0">
             <a:off x="685800" y="4400550"/>
-            <a:ext cx="5494020" cy="3608070"/>
+            <a:ext cx="5493385" cy="3607435"/>
           </a:xfrm>
           <a:prstGeom prst="rect"/>
         </p:spPr>
@@ -1284,7 +1427,7 @@
         <p:spPr>
           <a:xfrm rot="0">
             <a:off x="3884930" y="8685530"/>
-            <a:ext cx="2979420" cy="466090"/>
+            <a:ext cx="2978785" cy="465455"/>
           </a:xfrm>
           <a:prstGeom prst="rect"/>
         </p:spPr>
@@ -1357,7 +1500,7 @@
         <p:spPr>
           <a:xfrm rot="0">
             <a:off x="685800" y="1143000"/>
-            <a:ext cx="5493385" cy="3093085"/>
+            <a:ext cx="5492750" cy="3092450"/>
           </a:xfrm>
           <a:prstGeom prst="rect"/>
           <a:noFill/>
@@ -1396,7 +1539,7 @@
         <p:spPr>
           <a:xfrm rot="0">
             <a:off x="685800" y="4400550"/>
-            <a:ext cx="5493385" cy="3607435"/>
+            <a:ext cx="5492750" cy="3606800"/>
           </a:xfrm>
           <a:prstGeom prst="rect"/>
         </p:spPr>
@@ -1426,7 +1569,7 @@
         <p:spPr>
           <a:xfrm rot="0">
             <a:off x="3884930" y="8685530"/>
-            <a:ext cx="2978785" cy="465455"/>
+            <a:ext cx="2978150" cy="464820"/>
           </a:xfrm>
           <a:prstGeom prst="rect"/>
         </p:spPr>
@@ -1499,7 +1642,7 @@
         <p:spPr>
           <a:xfrm rot="0">
             <a:off x="685800" y="1143000"/>
-            <a:ext cx="5492750" cy="3092450"/>
+            <a:ext cx="5489575" cy="3089275"/>
           </a:xfrm>
           <a:prstGeom prst="rect"/>
           <a:noFill/>
@@ -1538,7 +1681,7 @@
         <p:spPr>
           <a:xfrm rot="0">
             <a:off x="685800" y="4400550"/>
-            <a:ext cx="5492750" cy="3606800"/>
+            <a:ext cx="5489575" cy="3603625"/>
           </a:xfrm>
           <a:prstGeom prst="rect"/>
         </p:spPr>
@@ -1568,7 +1711,7 @@
         <p:spPr>
           <a:xfrm rot="0">
             <a:off x="3884930" y="8685530"/>
-            <a:ext cx="2978150" cy="464820"/>
+            <a:ext cx="2974975" cy="461645"/>
           </a:xfrm>
           <a:prstGeom prst="rect"/>
         </p:spPr>
@@ -6665,8 +6808,8 @@
         </p:nvSpPr>
         <p:spPr>
           <a:xfrm rot="0">
-            <a:off x="4391660" y="417195"/>
-            <a:ext cx="3406775" cy="554990"/>
+            <a:off x="4530090" y="417195"/>
+            <a:ext cx="3141980" cy="554990"/>
           </a:xfrm>
           <a:prstGeom prst="rect"/>
           <a:noFill/>
@@ -6690,26 +6833,9 @@
                 <a:latin typeface="맑은 고딕" charset="0"/>
                 <a:ea typeface="맑은 고딕" charset="0"/>
               </a:rPr>
-              <a:t>Photon</a:t>
-            </a:r>
-            <a:r>
-              <a:rPr lang="ko-KR" sz="3000" b="1">
-                <a:latin typeface="맑은 고딕" charset="0"/>
-                <a:ea typeface="맑은 고딕" charset="0"/>
-              </a:rPr>
-              <a:t> </a:t>
-            </a:r>
-            <a:r>
-              <a:rPr lang="ko-KR" sz="3000" b="1">
-                <a:latin typeface="맑은 고딕" charset="0"/>
-                <a:ea typeface="맑은 고딕" charset="0"/>
-              </a:rPr>
-              <a:t>View RPC</a:t>
+              <a:t>첫 번째 튜토리얼</a:t>
             </a:r>
             <a:endParaRPr lang="ko-KR" altLang="en-US" sz="3000" b="1">
-              <a:solidFill>
-                <a:schemeClr val="tx1"/>
-              </a:solidFill>
               <a:latin typeface="맑은 고딕" charset="0"/>
               <a:ea typeface="맑은 고딕" charset="0"/>
             </a:endParaRPr>
@@ -6726,8 +6852,8 @@
         </p:nvSpPr>
         <p:spPr>
           <a:xfrm rot="0">
-            <a:off x="6886575" y="1388745"/>
-            <a:ext cx="4191000" cy="3969385"/>
+            <a:off x="944880" y="3914140"/>
+            <a:ext cx="4435475" cy="2031365"/>
           </a:xfrm>
           <a:prstGeom prst="rect"/>
           <a:noFill/>
@@ -6751,7 +6877,105 @@
                 <a:latin typeface="맑은 고딕" charset="0"/>
                 <a:ea typeface="맑은 고딕" charset="0"/>
               </a:rPr>
-              <a:t>A 클라이언트의 1001 객체가 현재 로컬 객체입니다.</a:t>
+              <a:t>A</a:t>
+            </a:r>
+            <a:r>
+              <a:rPr lang="ko-KR" sz="1800">
+                <a:latin typeface="맑은 고딕" charset="0"/>
+                <a:ea typeface="맑은 고딕" charset="0"/>
+              </a:rPr>
+              <a:t> </a:t>
+            </a:r>
+            <a:r>
+              <a:rPr lang="ko-KR" sz="1800">
+                <a:latin typeface="맑은 고딕" charset="0"/>
+                <a:ea typeface="맑은 고딕" charset="0"/>
+              </a:rPr>
+              <a:t>클라이언트의</a:t>
+            </a:r>
+            <a:r>
+              <a:rPr lang="ko-KR" sz="1800">
+                <a:latin typeface="맑은 고딕" charset="0"/>
+                <a:ea typeface="맑은 고딕" charset="0"/>
+              </a:rPr>
+              <a:t> </a:t>
+            </a:r>
+            <a:r>
+              <a:rPr lang="ko-KR" sz="1800">
+                <a:latin typeface="맑은 고딕" charset="0"/>
+                <a:ea typeface="맑은 고딕" charset="0"/>
+              </a:rPr>
+              <a:t>1001</a:t>
+            </a:r>
+            <a:r>
+              <a:rPr lang="ko-KR" sz="1800">
+                <a:latin typeface="맑은 고딕" charset="0"/>
+                <a:ea typeface="맑은 고딕" charset="0"/>
+              </a:rPr>
+              <a:t> </a:t>
+            </a:r>
+            <a:r>
+              <a:rPr lang="ko-KR" sz="1800">
+                <a:latin typeface="맑은 고딕" charset="0"/>
+                <a:ea typeface="맑은 고딕" charset="0"/>
+              </a:rPr>
+              <a:t>객체가</a:t>
+            </a:r>
+            <a:r>
+              <a:rPr lang="ko-KR" sz="1800">
+                <a:latin typeface="맑은 고딕" charset="0"/>
+                <a:ea typeface="맑은 고딕" charset="0"/>
+              </a:rPr>
+              <a:t> </a:t>
+            </a:r>
+            <a:r>
+              <a:rPr lang="ko-KR" sz="1800">
+                <a:latin typeface="맑은 고딕" charset="0"/>
+                <a:ea typeface="맑은 고딕" charset="0"/>
+              </a:rPr>
+              <a:t>현재</a:t>
+            </a:r>
+            <a:r>
+              <a:rPr lang="ko-KR" sz="1800">
+                <a:latin typeface="맑은 고딕" charset="0"/>
+                <a:ea typeface="맑은 고딕" charset="0"/>
+              </a:rPr>
+              <a:t> </a:t>
+            </a:r>
+            <a:r>
+              <a:rPr lang="ko-KR" sz="1800">
+                <a:latin typeface="맑은 고딕" charset="0"/>
+                <a:ea typeface="맑은 고딕" charset="0"/>
+              </a:rPr>
+              <a:t>로컬</a:t>
+            </a:r>
+            <a:r>
+              <a:rPr lang="ko-KR" sz="1800">
+                <a:latin typeface="맑은 고딕" charset="0"/>
+                <a:ea typeface="맑은 고딕" charset="0"/>
+              </a:rPr>
+              <a:t> </a:t>
+            </a:r>
+            <a:r>
+              <a:rPr lang="ko-KR" sz="1800">
+                <a:latin typeface="맑은 고딕" charset="0"/>
+                <a:ea typeface="맑은 고딕" charset="0"/>
+              </a:rPr>
+              <a:t>객체</a:t>
+            </a:r>
+            <a:r>
+              <a:rPr lang="ko-KR" sz="1800">
+                <a:latin typeface="맑은 고딕" charset="0"/>
+                <a:ea typeface="맑은 고딕" charset="0"/>
+              </a:rPr>
+              <a:t>이고, </a:t>
+            </a:r>
+            <a:r>
+              <a:rPr lang="ko-KR" sz="1800">
+                <a:latin typeface="맑은 고딕" charset="0"/>
+                <a:ea typeface="맑은 고딕" charset="0"/>
+              </a:rPr>
+              <a:t>B 클라이언트에서는 1001 객체는 원격 객체입니다.</a:t>
             </a:r>
             <a:endParaRPr lang="ko-KR" altLang="en-US" sz="1800">
               <a:latin typeface="맑은 고딕" charset="0"/>
@@ -6778,82 +7002,35 @@
                 <a:latin typeface="맑은 고딕" charset="0"/>
                 <a:ea typeface="맑은 고딕" charset="0"/>
               </a:rPr>
-              <a:t>B 클라이언트에서는 1001 객체는 원격 객체입니다.</a:t>
+              <a:t>RPC 함수는</a:t>
+            </a:r>
+            <a:r>
+              <a:rPr lang="ko-KR" sz="1800">
+                <a:latin typeface="맑은 고딕" charset="0"/>
+                <a:ea typeface="맑은 고딕" charset="0"/>
+              </a:rPr>
+              <a:t> 서로 다른 클라이언트에서 같은 View ID를 가진 객체에만 RPC 함수가 전달되는 것입니다.</a:t>
             </a:r>
             <a:endParaRPr lang="ko-KR" altLang="en-US" sz="1800">
               <a:latin typeface="맑은 고딕" charset="0"/>
               <a:ea typeface="맑은 고딕" charset="0"/>
             </a:endParaRPr>
           </a:p>
-          <a:p>
-            <a:pPr marL="0" indent="0" algn="l" latinLnBrk="0" hangingPunct="1">
-              <a:buFontTx/>
-              <a:buNone/>
-            </a:pPr>
-            <a:endParaRPr lang="ko-KR" altLang="en-US" sz="1800">
-              <a:latin typeface="맑은 고딕" charset="0"/>
-              <a:ea typeface="맑은 고딕" charset="0"/>
-            </a:endParaRPr>
-          </a:p>
-          <a:p>
-            <a:pPr marL="0" indent="0" algn="l" latinLnBrk="0" hangingPunct="1">
-              <a:buFontTx/>
-              <a:buNone/>
-            </a:pPr>
-            <a:r>
-              <a:rPr lang="ko-KR" sz="1800">
-                <a:latin typeface="맑은 고딕" charset="0"/>
-                <a:ea typeface="맑은 고딕" charset="0"/>
-              </a:rPr>
-              <a:t>A 클라이언트에서 1001 객체가 RPC 함수를 호출하게 되면 B 클라이언트에서는 1001 객체에만 RPC 함수의 내용 전달합니다.</a:t>
-            </a:r>
-            <a:endParaRPr lang="ko-KR" altLang="en-US" sz="1800">
-              <a:latin typeface="맑은 고딕" charset="0"/>
-              <a:ea typeface="맑은 고딕" charset="0"/>
-            </a:endParaRPr>
-          </a:p>
-          <a:p>
-            <a:pPr marL="0" indent="0" algn="l" latinLnBrk="0" hangingPunct="1">
-              <a:buFontTx/>
-              <a:buNone/>
-            </a:pPr>
-            <a:endParaRPr lang="ko-KR" altLang="en-US" sz="1800">
-              <a:latin typeface="맑은 고딕" charset="0"/>
-              <a:ea typeface="맑은 고딕" charset="0"/>
-            </a:endParaRPr>
-          </a:p>
-          <a:p>
-            <a:pPr marL="0" indent="0" algn="l" latinLnBrk="0" hangingPunct="1">
-              <a:buFontTx/>
-              <a:buNone/>
-            </a:pPr>
-            <a:r>
-              <a:rPr lang="ko-KR" sz="1800">
-                <a:latin typeface="맑은 고딕" charset="0"/>
-                <a:ea typeface="맑은 고딕" charset="0"/>
-              </a:rPr>
-              <a:t>결국에는 서로 다른 클라이언트에서 같은 View ID를 가진 객체에만 RPC 함수가 전달되는 것입니다.</a:t>
-            </a:r>
-            <a:endParaRPr lang="ko-KR" altLang="en-US" sz="1800">
-              <a:latin typeface="맑은 고딕" charset="0"/>
-              <a:ea typeface="맑은 고딕" charset="0"/>
-            </a:endParaRPr>
-          </a:p>
         </p:txBody>
       </p:sp>
       <p:pic>
         <p:nvPicPr>
-          <p:cNvPr id="1035" name="Picture "/>
+          <p:cNvPr id="1035" name="Picture " descr="C:/Users/Admin1/AppData/Roaming/PolarisOffice/ETemp/21612_20234488/fImage241692185724.png"/>
           <p:cNvPicPr>
             <a:picLocks noChangeAspect="1"/>
           </p:cNvPicPr>
           <p:nvPr/>
         </p:nvPicPr>
         <p:blipFill rotWithShape="1">
-          <a:blip r:embed="rId2" cstate="print">
+          <a:blip r:embed="rId2" cstate="hqprint">
             <a:extLst>
               <a:ext uri="{28A0092B-C50C-407E-A947-70E740481C1C}">
-                <a14:useLocalDpi xmlns:a14="http://schemas.microsoft.com/office/drawing/2010/main" val="0"/>
+                <a14:useLocalDpi xmlns:a14="http://schemas.microsoft.com/office/drawing/2010/main"/>
               </a:ext>
             </a:extLst>
           </a:blip>
@@ -6864,7 +7041,7 @@
         <p:spPr>
           <a:xfrm rot="0">
             <a:off x="944245" y="1395095"/>
-            <a:ext cx="2169795" cy="3060700"/>
+            <a:ext cx="2170430" cy="2238375"/>
           </a:xfrm>
           <a:prstGeom prst="rect"/>
           <a:noFill/>
@@ -6872,17 +7049,17 @@
       </p:pic>
       <p:pic>
         <p:nvPicPr>
-          <p:cNvPr id="1036" name="Picture "/>
+          <p:cNvPr id="1036" name="Picture " descr="C:/Users/Admin1/AppData/Roaming/PolarisOffice/ETemp/21612_20234488/fImage241692191478.png"/>
           <p:cNvPicPr>
             <a:picLocks noChangeAspect="1"/>
           </p:cNvPicPr>
           <p:nvPr/>
         </p:nvPicPr>
         <p:blipFill rotWithShape="1">
-          <a:blip r:embed="rId3" cstate="print">
+          <a:blip r:embed="rId3" cstate="hqprint">
             <a:extLst>
               <a:ext uri="{28A0092B-C50C-407E-A947-70E740481C1C}">
-                <a14:useLocalDpi xmlns:a14="http://schemas.microsoft.com/office/drawing/2010/main" val="0"/>
+                <a14:useLocalDpi xmlns:a14="http://schemas.microsoft.com/office/drawing/2010/main"/>
               </a:ext>
             </a:extLst>
           </a:blip>
@@ -6893,7 +7070,7 @@
         <p:spPr>
           <a:xfrm rot="0">
             <a:off x="3286125" y="1390650"/>
-            <a:ext cx="2181860" cy="3077210"/>
+            <a:ext cx="2182495" cy="2251075"/>
           </a:xfrm>
           <a:prstGeom prst="rect"/>
           <a:noFill/>
@@ -6909,8 +7086,8 @@
         </p:nvSpPr>
         <p:spPr>
           <a:xfrm rot="0">
-            <a:off x="1147445" y="4646295"/>
-            <a:ext cx="1777365" cy="400685"/>
+            <a:off x="1138555" y="3314065"/>
+            <a:ext cx="1778000" cy="400685"/>
           </a:xfrm>
           <a:prstGeom prst="rect"/>
           <a:noFill/>
@@ -6937,7 +7114,27 @@
                 <a:latin typeface="맑은 고딕" charset="0"/>
                 <a:ea typeface="맑은 고딕" charset="0"/>
               </a:rPr>
-              <a:t>A 클라이언트</a:t>
+              <a:t>A</a:t>
+            </a:r>
+            <a:r>
+              <a:rPr lang="ko-KR" sz="2000" b="1">
+                <a:solidFill>
+                  <a:srgbClr val="36B700"/>
+                </a:solidFill>
+                <a:latin typeface="맑은 고딕" charset="0"/>
+                <a:ea typeface="맑은 고딕" charset="0"/>
+              </a:rPr>
+              <a:t> </a:t>
+            </a:r>
+            <a:r>
+              <a:rPr lang="ko-KR" sz="2000" b="1">
+                <a:solidFill>
+                  <a:srgbClr val="36B700"/>
+                </a:solidFill>
+                <a:latin typeface="맑은 고딕" charset="0"/>
+                <a:ea typeface="맑은 고딕" charset="0"/>
+              </a:rPr>
+              <a:t>클라이언트</a:t>
             </a:r>
             <a:endParaRPr lang="ko-KR" altLang="en-US" sz="2000" b="1">
               <a:solidFill>
@@ -6959,8 +7156,8 @@
         </p:nvSpPr>
         <p:spPr>
           <a:xfrm rot="0">
-            <a:off x="3524250" y="4641850"/>
-            <a:ext cx="1777365" cy="400685"/>
+            <a:off x="3507105" y="3309620"/>
+            <a:ext cx="1778000" cy="400685"/>
           </a:xfrm>
           <a:prstGeom prst="rect"/>
           <a:noFill/>
@@ -7009,8 +7206,8 @@
         </p:nvSpPr>
         <p:spPr>
           <a:xfrm rot="0" flipH="1">
-            <a:off x="2000250" y="3114675"/>
-            <a:ext cx="2877185" cy="619760"/>
+            <a:off x="2181860" y="2595880"/>
+            <a:ext cx="2783205" cy="620395"/>
           </a:xfrm>
           <a:prstGeom prst="curvedUpArrow"/>
         </p:spPr>
@@ -7031,12 +7228,15 @@
           </a:fontRef>
         </p:style>
         <p:txBody>
-          <a:bodyPr wrap="square" lIns="91440" tIns="45720" rIns="91440" bIns="45720" vert="horz" anchor="ctr">
+          <a:bodyPr wrap="square" lIns="91440" tIns="45720" rIns="91440" bIns="45720" numCol="1" vert="horz" anchor="ctr">
             <a:noAutofit/>
           </a:bodyPr>
           <a:lstStyle/>
           <a:p>
-            <a:pPr marL="0" indent="0" algn="ctr" hangingPunct="1"/>
+            <a:pPr marL="0" indent="0" algn="ctr" latinLnBrk="0" hangingPunct="1">
+              <a:buFontTx/>
+              <a:buNone/>
+            </a:pPr>
             <a:endParaRPr lang="ko-KR" altLang="en-US" sz="1800">
               <a:latin typeface="맑은 고딕" charset="0"/>
               <a:ea typeface="맑은 고딕" charset="0"/>
@@ -7046,17 +7246,17 @@
       </p:sp>
       <p:pic>
         <p:nvPicPr>
-          <p:cNvPr id="1044" name="그림 33"/>
+          <p:cNvPr id="1044" name="그림 33" descr="C:/Users/Admin1/AppData/Roaming/PolarisOffice/ETemp/21612_20234488/fImage3176942319358.png"/>
           <p:cNvPicPr>
             <a:picLocks noChangeAspect="1"/>
           </p:cNvPicPr>
           <p:nvPr/>
         </p:nvPicPr>
         <p:blipFill rotWithShape="1">
-          <a:blip r:embed="rId4" cstate="print">
+          <a:blip r:embed="rId4" cstate="hqprint">
             <a:extLst>
               <a:ext uri="{28A0092B-C50C-407E-A947-70E740481C1C}">
-                <a14:useLocalDpi xmlns:a14="http://schemas.microsoft.com/office/drawing/2010/main" val="0"/>
+                <a14:useLocalDpi xmlns:a14="http://schemas.microsoft.com/office/drawing/2010/main"/>
               </a:ext>
             </a:extLst>
           </a:blip>
@@ -7066,8 +7266,8 @@
         </p:blipFill>
         <p:spPr>
           <a:xfrm rot="0">
-            <a:off x="1790700" y="2476500"/>
-            <a:ext cx="734060" cy="734060"/>
+            <a:off x="2015490" y="2061210"/>
+            <a:ext cx="734695" cy="734695"/>
           </a:xfrm>
           <a:prstGeom prst="rect"/>
           <a:noFill/>
@@ -7075,17 +7275,17 @@
       </p:pic>
       <p:pic>
         <p:nvPicPr>
-          <p:cNvPr id="1045" name="그림 34"/>
+          <p:cNvPr id="1045" name="그림 34" descr="C:/Users/Admin1/AppData/Roaming/PolarisOffice/ETemp/21612_20234488/fImage3176942326962.png"/>
           <p:cNvPicPr>
             <a:picLocks noChangeAspect="1"/>
           </p:cNvPicPr>
           <p:nvPr/>
         </p:nvPicPr>
         <p:blipFill rotWithShape="1">
-          <a:blip r:embed="rId5" cstate="print">
+          <a:blip r:embed="rId5" cstate="hqprint">
             <a:extLst>
               <a:ext uri="{28A0092B-C50C-407E-A947-70E740481C1C}">
-                <a14:useLocalDpi xmlns:a14="http://schemas.microsoft.com/office/drawing/2010/main" val="0"/>
+                <a14:useLocalDpi xmlns:a14="http://schemas.microsoft.com/office/drawing/2010/main"/>
               </a:ext>
             </a:extLst>
           </a:blip>
@@ -7095,8 +7295,8 @@
         </p:blipFill>
         <p:spPr>
           <a:xfrm rot="0">
-            <a:off x="4405630" y="2472055"/>
-            <a:ext cx="734060" cy="734060"/>
+            <a:off x="4466590" y="2056765"/>
+            <a:ext cx="734695" cy="734695"/>
           </a:xfrm>
           <a:prstGeom prst="rect"/>
           <a:noFill/>
@@ -7133,7 +7333,1091 @@
       </p:pic>
       <p:pic>
         <p:nvPicPr>
-          <p:cNvPr id="1047" name="그림 36"/>
+          <p:cNvPr id="1047" name="그림 36" descr="C:/Users/Admin1/AppData/Roaming/PolarisOffice/ETemp/21612_20234488/fImage3816752345705.png"/>
+          <p:cNvPicPr>
+            <a:picLocks noChangeAspect="1"/>
+          </p:cNvPicPr>
+          <p:nvPr/>
+        </p:nvPicPr>
+        <p:blipFill rotWithShape="1">
+          <a:blip r:embed="rId7" cstate="hqprint">
+            <a:extLst>
+              <a:ext uri="{28A0092B-C50C-407E-A947-70E740481C1C}">
+                <a14:useLocalDpi xmlns:a14="http://schemas.microsoft.com/office/drawing/2010/main"/>
+              </a:ext>
+            </a:extLst>
+          </a:blip>
+          <a:stretch>
+            <a:fillRect/>
+          </a:stretch>
+        </p:blipFill>
+        <p:spPr>
+          <a:xfrm rot="0">
+            <a:off x="3335020" y="1497965"/>
+            <a:ext cx="1057275" cy="944245"/>
+          </a:xfrm>
+          <a:prstGeom prst="rect"/>
+          <a:noFill/>
+        </p:spPr>
+      </p:pic>
+      <p:sp>
+        <p:nvSpPr>
+          <p:cNvPr id="1048" name="도형 37"/>
+          <p:cNvSpPr>
+            <a:spLocks/>
+          </p:cNvSpPr>
+          <p:nvPr/>
+        </p:nvSpPr>
+        <p:spPr>
+          <a:xfrm rot="10800000" flipH="1">
+            <a:off x="1300480" y="1195705"/>
+            <a:ext cx="2679065" cy="620395"/>
+          </a:xfrm>
+          <a:prstGeom prst="curvedUpArrow"/>
+        </p:spPr>
+        <p:style>
+          <a:lnRef idx="2">
+            <a:schemeClr val="accent1">
+              <a:shade val="50000"/>
+            </a:schemeClr>
+          </a:lnRef>
+          <a:fillRef idx="1">
+            <a:schemeClr val="accent1"/>
+          </a:fillRef>
+          <a:effectRef idx="0">
+            <a:schemeClr val="accent1"/>
+          </a:effectRef>
+          <a:fontRef idx="minor">
+            <a:schemeClr val="lt1"/>
+          </a:fontRef>
+        </p:style>
+        <p:txBody>
+          <a:bodyPr wrap="square" lIns="91440" tIns="45720" rIns="91440" bIns="45720" numCol="1" vert="horz" anchor="ctr">
+            <a:noAutofit/>
+          </a:bodyPr>
+          <a:lstStyle/>
+          <a:p>
+            <a:pPr marL="0" indent="0" algn="ctr" latinLnBrk="0" hangingPunct="1">
+              <a:buFontTx/>
+              <a:buNone/>
+            </a:pPr>
+            <a:endParaRPr lang="ko-KR" altLang="en-US" sz="1800">
+              <a:latin typeface="맑은 고딕" charset="0"/>
+              <a:ea typeface="맑은 고딕" charset="0"/>
+            </a:endParaRPr>
+          </a:p>
+        </p:txBody>
+      </p:sp>
+      <p:sp>
+        <p:nvSpPr>
+          <p:cNvPr id="1049" name="텍스트 상자 38"/>
+          <p:cNvSpPr txBox="1">
+            <a:spLocks/>
+          </p:cNvSpPr>
+          <p:nvPr/>
+        </p:nvSpPr>
+        <p:spPr>
+          <a:xfrm rot="0">
+            <a:off x="1038225" y="1822450"/>
+            <a:ext cx="781685" cy="400685"/>
+          </a:xfrm>
+          <a:prstGeom prst="rect"/>
+          <a:noFill/>
+          <a:ln w="0">
+            <a:noFill/>
+            <a:prstDash/>
+          </a:ln>
+        </p:spPr>
+        <p:txBody>
+          <a:bodyPr wrap="square" lIns="89535" tIns="46355" rIns="89535" bIns="46355" numCol="1" vert="horz" anchor="t">
+            <a:spAutoFit/>
+          </a:bodyPr>
+          <a:lstStyle/>
+          <a:p>
+            <a:pPr marL="0" indent="0" algn="l" latinLnBrk="0" hangingPunct="1">
+              <a:buFontTx/>
+              <a:buNone/>
+            </a:pPr>
+            <a:r>
+              <a:rPr lang="ko-KR" sz="2000" b="1">
+                <a:solidFill>
+                  <a:schemeClr val="bg1"/>
+                </a:solidFill>
+                <a:latin typeface="맑은 고딕" charset="0"/>
+                <a:ea typeface="맑은 고딕" charset="0"/>
+              </a:rPr>
+              <a:t>1001</a:t>
+            </a:r>
+            <a:endParaRPr lang="ko-KR" altLang="en-US" sz="2000" b="1">
+              <a:solidFill>
+                <a:schemeClr val="bg1"/>
+              </a:solidFill>
+              <a:latin typeface="맑은 고딕" charset="0"/>
+              <a:ea typeface="맑은 고딕" charset="0"/>
+            </a:endParaRPr>
+          </a:p>
+        </p:txBody>
+      </p:sp>
+      <p:sp>
+        <p:nvSpPr>
+          <p:cNvPr id="1050" name="텍스트 상자 39"/>
+          <p:cNvSpPr txBox="1">
+            <a:spLocks/>
+          </p:cNvSpPr>
+          <p:nvPr/>
+        </p:nvSpPr>
+        <p:spPr>
+          <a:xfrm rot="0">
+            <a:off x="3486150" y="1748790"/>
+            <a:ext cx="782320" cy="401320"/>
+          </a:xfrm>
+          <a:prstGeom prst="rect"/>
+          <a:noFill/>
+          <a:ln w="0">
+            <a:noFill/>
+            <a:prstDash/>
+          </a:ln>
+        </p:spPr>
+        <p:txBody>
+          <a:bodyPr wrap="square" lIns="89535" tIns="46355" rIns="89535" bIns="46355" numCol="1" vert="horz" anchor="t">
+            <a:spAutoFit/>
+          </a:bodyPr>
+          <a:lstStyle/>
+          <a:p>
+            <a:pPr marL="0" indent="0" algn="l" latinLnBrk="0" hangingPunct="1">
+              <a:buFontTx/>
+              <a:buNone/>
+            </a:pPr>
+            <a:r>
+              <a:rPr lang="ko-KR" sz="2000" b="1">
+                <a:solidFill>
+                  <a:schemeClr val="bg1"/>
+                </a:solidFill>
+                <a:latin typeface="맑은 고딕" charset="0"/>
+                <a:ea typeface="맑은 고딕" charset="0"/>
+              </a:rPr>
+              <a:t>1001</a:t>
+            </a:r>
+            <a:endParaRPr lang="ko-KR" altLang="en-US" sz="2000" b="1">
+              <a:solidFill>
+                <a:schemeClr val="bg1"/>
+              </a:solidFill>
+              <a:latin typeface="맑은 고딕" charset="0"/>
+              <a:ea typeface="맑은 고딕" charset="0"/>
+            </a:endParaRPr>
+          </a:p>
+        </p:txBody>
+      </p:sp>
+      <p:sp>
+        <p:nvSpPr>
+          <p:cNvPr id="1051" name="텍스트 상자 40"/>
+          <p:cNvSpPr txBox="1">
+            <a:spLocks/>
+          </p:cNvSpPr>
+          <p:nvPr/>
+        </p:nvSpPr>
+        <p:spPr>
+          <a:xfrm rot="0">
+            <a:off x="1997075" y="2226945"/>
+            <a:ext cx="782320" cy="401320"/>
+          </a:xfrm>
+          <a:prstGeom prst="rect"/>
+          <a:noFill/>
+          <a:ln w="0">
+            <a:noFill/>
+            <a:prstDash/>
+          </a:ln>
+        </p:spPr>
+        <p:txBody>
+          <a:bodyPr wrap="square" lIns="89535" tIns="46355" rIns="89535" bIns="46355" numCol="1" vert="horz" anchor="t">
+            <a:spAutoFit/>
+          </a:bodyPr>
+          <a:lstStyle/>
+          <a:p>
+            <a:pPr marL="0" indent="0" algn="l" latinLnBrk="0" hangingPunct="1">
+              <a:buFontTx/>
+              <a:buNone/>
+            </a:pPr>
+            <a:r>
+              <a:rPr lang="ko-KR" sz="2000" b="1">
+                <a:solidFill>
+                  <a:schemeClr val="bg1"/>
+                </a:solidFill>
+                <a:latin typeface="맑은 고딕" charset="0"/>
+                <a:ea typeface="맑은 고딕" charset="0"/>
+              </a:rPr>
+              <a:t>2000</a:t>
+            </a:r>
+            <a:endParaRPr lang="ko-KR" altLang="en-US" sz="2000" b="1">
+              <a:solidFill>
+                <a:schemeClr val="bg1"/>
+              </a:solidFill>
+              <a:latin typeface="맑은 고딕" charset="0"/>
+              <a:ea typeface="맑은 고딕" charset="0"/>
+            </a:endParaRPr>
+          </a:p>
+        </p:txBody>
+      </p:sp>
+      <p:sp>
+        <p:nvSpPr>
+          <p:cNvPr id="1052" name="텍스트 상자 41"/>
+          <p:cNvSpPr txBox="1">
+            <a:spLocks/>
+          </p:cNvSpPr>
+          <p:nvPr/>
+        </p:nvSpPr>
+        <p:spPr>
+          <a:xfrm rot="0">
+            <a:off x="4448175" y="2222500"/>
+            <a:ext cx="782320" cy="401320"/>
+          </a:xfrm>
+          <a:prstGeom prst="rect"/>
+          <a:noFill/>
+          <a:ln w="0">
+            <a:noFill/>
+            <a:prstDash/>
+          </a:ln>
+        </p:spPr>
+        <p:txBody>
+          <a:bodyPr wrap="square" lIns="89535" tIns="46355" rIns="89535" bIns="46355" numCol="1" vert="horz" anchor="t">
+            <a:spAutoFit/>
+          </a:bodyPr>
+          <a:lstStyle/>
+          <a:p>
+            <a:pPr marL="0" indent="0" algn="l" latinLnBrk="0" hangingPunct="1">
+              <a:buFontTx/>
+              <a:buNone/>
+            </a:pPr>
+            <a:r>
+              <a:rPr lang="ko-KR" sz="2000" b="1">
+                <a:solidFill>
+                  <a:schemeClr val="bg1"/>
+                </a:solidFill>
+                <a:latin typeface="맑은 고딕" charset="0"/>
+                <a:ea typeface="맑은 고딕" charset="0"/>
+              </a:rPr>
+              <a:t>2000</a:t>
+            </a:r>
+            <a:endParaRPr lang="ko-KR" altLang="en-US" sz="2000" b="1">
+              <a:solidFill>
+                <a:schemeClr val="bg1"/>
+              </a:solidFill>
+              <a:latin typeface="맑은 고딕" charset="0"/>
+              <a:ea typeface="맑은 고딕" charset="0"/>
+            </a:endParaRPr>
+          </a:p>
+        </p:txBody>
+      </p:sp>
+      <p:sp>
+        <p:nvSpPr>
+          <p:cNvPr id="1053" name="텍스트 상자 42"/>
+          <p:cNvSpPr txBox="1">
+            <a:spLocks/>
+          </p:cNvSpPr>
+          <p:nvPr/>
+        </p:nvSpPr>
+        <p:spPr>
+          <a:xfrm rot="0">
+            <a:off x="942975" y="1527175"/>
+            <a:ext cx="1019810" cy="400685"/>
+          </a:xfrm>
+          <a:prstGeom prst="rect"/>
+          <a:noFill/>
+          <a:ln w="0">
+            <a:noFill/>
+            <a:prstDash/>
+          </a:ln>
+        </p:spPr>
+        <p:txBody>
+          <a:bodyPr wrap="square" lIns="89535" tIns="46355" rIns="89535" bIns="46355" numCol="1" vert="horz" anchor="t">
+            <a:spAutoFit/>
+          </a:bodyPr>
+          <a:lstStyle/>
+          <a:p>
+            <a:pPr marL="0" indent="0" algn="l" latinLnBrk="0" hangingPunct="1">
+              <a:buFontTx/>
+              <a:buNone/>
+            </a:pPr>
+            <a:r>
+              <a:rPr lang="ko-KR" sz="2000" b="1">
+                <a:solidFill>
+                  <a:srgbClr val="0611F2"/>
+                </a:solidFill>
+                <a:latin typeface="맑은 고딕" charset="0"/>
+                <a:ea typeface="맑은 고딕" charset="0"/>
+              </a:rPr>
+              <a:t>IsMine</a:t>
+            </a:r>
+            <a:endParaRPr lang="ko-KR" altLang="en-US" sz="2000" b="1">
+              <a:solidFill>
+                <a:srgbClr val="0611F2"/>
+              </a:solidFill>
+              <a:latin typeface="맑은 고딕" charset="0"/>
+              <a:ea typeface="맑은 고딕" charset="0"/>
+            </a:endParaRPr>
+          </a:p>
+        </p:txBody>
+      </p:sp>
+      <p:sp>
+        <p:nvSpPr>
+          <p:cNvPr id="1054" name="텍스트 상자 44"/>
+          <p:cNvSpPr txBox="1">
+            <a:spLocks/>
+          </p:cNvSpPr>
+          <p:nvPr/>
+        </p:nvSpPr>
+        <p:spPr>
+          <a:xfrm rot="0">
+            <a:off x="4361815" y="1936115"/>
+            <a:ext cx="1020445" cy="401320"/>
+          </a:xfrm>
+          <a:prstGeom prst="rect"/>
+          <a:noFill/>
+          <a:ln w="0">
+            <a:noFill/>
+            <a:prstDash/>
+          </a:ln>
+        </p:spPr>
+        <p:txBody>
+          <a:bodyPr wrap="square" lIns="89535" tIns="46355" rIns="89535" bIns="46355" numCol="1" vert="horz" anchor="t">
+            <a:spAutoFit/>
+          </a:bodyPr>
+          <a:lstStyle/>
+          <a:p>
+            <a:pPr marL="0" indent="0" algn="l" latinLnBrk="0" hangingPunct="1">
+              <a:buFontTx/>
+              <a:buNone/>
+            </a:pPr>
+            <a:r>
+              <a:rPr lang="ko-KR" sz="2000" b="1">
+                <a:solidFill>
+                  <a:srgbClr val="80007F"/>
+                </a:solidFill>
+                <a:latin typeface="맑은 고딕" charset="0"/>
+                <a:ea typeface="맑은 고딕" charset="0"/>
+              </a:rPr>
+              <a:t>IsMine</a:t>
+            </a:r>
+            <a:endParaRPr lang="ko-KR" altLang="en-US" sz="2000" b="1">
+              <a:solidFill>
+                <a:srgbClr val="80007F"/>
+              </a:solidFill>
+              <a:latin typeface="맑은 고딕" charset="0"/>
+              <a:ea typeface="맑은 고딕" charset="0"/>
+            </a:endParaRPr>
+          </a:p>
+        </p:txBody>
+      </p:sp>
+      <p:pic>
+        <p:nvPicPr>
+          <p:cNvPr id="1055" name="그림 6" descr="C:/Users/Admin1/AppData/Roaming/PolarisOffice/ETemp/21612_20234488/fImage1928117041.png"/>
+          <p:cNvPicPr>
+            <a:picLocks noChangeAspect="1"/>
+          </p:cNvPicPr>
+          <p:nvPr/>
+        </p:nvPicPr>
+        <p:blipFill rotWithShape="1">
+          <a:blip r:embed="rId9" cstate="print">
+            <a:extLst>
+              <a:ext uri="{28A0092B-C50C-407E-A947-70E740481C1C}">
+                <a14:useLocalDpi xmlns:a14="http://schemas.microsoft.com/office/drawing/2010/main" val="0"/>
+              </a:ext>
+            </a:extLst>
+          </a:blip>
+          <a:stretch>
+            <a:fillRect/>
+          </a:stretch>
+        </p:blipFill>
+        <p:spPr>
+          <a:xfrm rot="0">
+            <a:off x="6806565" y="1445260"/>
+            <a:ext cx="4065905" cy="3571875"/>
+          </a:xfrm>
+          <a:prstGeom prst="roundRect"/>
+          <a:solidFill>
+            <a:srgbClr val="EDEDED"/>
+          </a:solidFill>
+        </p:spPr>
+      </p:pic>
+      <p:sp>
+        <p:nvSpPr>
+          <p:cNvPr id="1056" name="텍스트 상자 9"/>
+          <p:cNvSpPr txBox="1">
+            <a:spLocks/>
+          </p:cNvSpPr>
+          <p:nvPr/>
+        </p:nvSpPr>
+        <p:spPr>
+          <a:xfrm rot="0">
+            <a:off x="6797675" y="5294630"/>
+            <a:ext cx="4057015" cy="647065"/>
+          </a:xfrm>
+          <a:prstGeom prst="rect"/>
+          <a:noFill/>
+          <a:ln w="0">
+            <a:noFill/>
+            <a:prstDash/>
+          </a:ln>
+        </p:spPr>
+        <p:txBody>
+          <a:bodyPr wrap="square" lIns="89535" tIns="46355" rIns="89535" bIns="46355" numCol="1" vert="horz" anchor="t">
+            <a:spAutoFit/>
+          </a:bodyPr>
+          <a:lstStyle/>
+          <a:p>
+            <a:pPr marL="0" indent="0" rtl="0" algn="l" defTabSz="914400" eaLnBrk="1" latinLnBrk="0" hangingPunct="1">
+              <a:buFontTx/>
+              <a:buNone/>
+            </a:pPr>
+            <a:r>
+              <a:rPr sz="1800" b="1">
+                <a:solidFill>
+                  <a:srgbClr val="0611F2"/>
+                </a:solidFill>
+                <a:latin typeface="맑은 고딕" charset="0"/>
+                <a:ea typeface="맑은 고딕" charset="0"/>
+              </a:rPr>
+              <a:t>1.</a:t>
+            </a:r>
+            <a:r>
+              <a:rPr sz="1800">
+                <a:latin typeface="맑은 고딕" charset="0"/>
+                <a:ea typeface="맑은 고딕" charset="0"/>
+              </a:rPr>
+              <a:t> </a:t>
+            </a:r>
+            <a:r>
+              <a:rPr lang="ko-KR" sz="1800">
+                <a:latin typeface="맑은 고딕" charset="0"/>
+                <a:ea typeface="맑은 고딕" charset="0"/>
+              </a:rPr>
+              <a:t>첫 번째로 UI를 선택하고 Scroll View를 생성합니다.</a:t>
+            </a:r>
+            <a:endParaRPr lang="ko-KR" altLang="en-US" sz="1800">
+              <a:latin typeface="맑은 고딕" charset="0"/>
+              <a:ea typeface="맑은 고딕" charset="0"/>
+            </a:endParaRPr>
+          </a:p>
+        </p:txBody>
+      </p:sp>
+    </p:spTree>
+  </p:cSld>
+  <p:clrMapOvr>
+    <a:masterClrMapping/>
+  </p:clrMapOvr>
+  <mc:AlternateContent xmlns:mc="http://schemas.openxmlformats.org/markup-compatibility/2006">
+    <mc:Choice xmlns:p14="http://schemas.microsoft.com/office/powerpoint/2010/main" Requires="p14">
+      <p:transition spd="slow" p14:dur="2000"/>
+    </mc:Choice>
+    <mc:Fallback>
+      <p:transition spd="slow"/>
+    </mc:Fallback>
+  </mc:AlternateContent>
+  <p:timing>
+    <p:tnLst>
+      <p:par>
+        <p:cTn id="1" dur="indefinite" restart="never" nodeType="tmRoot"/>
+      </p:par>
+    </p:tnLst>
+  </p:timing>
+</p:sld>
+</file>
+
+<file path=ppt/slides/slide10.xml><?xml version="1.0" encoding="utf-8"?>
+<p:sld xmlns:a="http://schemas.openxmlformats.org/drawingml/2006/main" xmlns:r="http://schemas.openxmlformats.org/officeDocument/2006/relationships" xmlns:p="http://schemas.openxmlformats.org/presentationml/2006/main">
+  <p:cSld>
+    <p:spTree>
+      <p:nvGrpSpPr>
+        <p:cNvPr id="1" name=""/>
+        <p:cNvGrpSpPr/>
+        <p:nvPr/>
+      </p:nvGrpSpPr>
+      <p:grpSpPr>
+        <a:xfrm>
+          <a:off x="0" y="0"/>
+          <a:ext cx="0" cy="0"/>
+          <a:chOff x="0" y="0"/>
+          <a:chExt cx="0" cy="0"/>
+        </a:xfrm>
+      </p:grpSpPr>
+      <p:sp>
+        <p:nvSpPr>
+          <p:cNvPr id="29" name="Rect 0"/>
+          <p:cNvSpPr txBox="1">
+            <a:spLocks/>
+          </p:cNvSpPr>
+          <p:nvPr/>
+        </p:nvSpPr>
+        <p:spPr>
+          <a:xfrm rot="0">
+            <a:off x="1229995" y="1337310"/>
+            <a:ext cx="4039235" cy="370840"/>
+          </a:xfrm>
+          <a:prstGeom prst="rect"/>
+          <a:noFill/>
+          <a:ln w="0">
+            <a:noFill/>
+            <a:prstDash/>
+          </a:ln>
+        </p:spPr>
+        <p:txBody>
+          <a:bodyPr wrap="square" lIns="89535" tIns="46355" rIns="89535" bIns="46355" numCol="1" vert="horz" anchor="t">
+            <a:spAutoFit/>
+          </a:bodyPr>
+          <a:lstStyle/>
+          <a:p>
+            <a:pPr marL="0" indent="0" algn="l" latinLnBrk="0" hangingPunct="1">
+              <a:buFontTx/>
+              <a:buNone/>
+            </a:pPr>
+            <a:endParaRPr lang="ko-KR" altLang="en-US" sz="1800">
+              <a:latin typeface="맑은 고딕" charset="0"/>
+              <a:ea typeface="맑은 고딕" charset="0"/>
+            </a:endParaRPr>
+          </a:p>
+        </p:txBody>
+      </p:sp>
+      <p:sp>
+        <p:nvSpPr>
+          <p:cNvPr id="31" name="Rect 0"/>
+          <p:cNvSpPr txBox="1">
+            <a:spLocks/>
+          </p:cNvSpPr>
+          <p:nvPr/>
+        </p:nvSpPr>
+        <p:spPr>
+          <a:xfrm rot="0">
+            <a:off x="6801485" y="3204210"/>
+            <a:ext cx="4162425" cy="370840"/>
+          </a:xfrm>
+          <a:prstGeom prst="rect"/>
+          <a:noFill/>
+          <a:ln w="0">
+            <a:noFill/>
+            <a:prstDash/>
+          </a:ln>
+        </p:spPr>
+        <p:txBody>
+          <a:bodyPr wrap="square" lIns="89535" tIns="46355" rIns="89535" bIns="46355" numCol="1" vert="horz" anchor="t">
+            <a:spAutoFit/>
+          </a:bodyPr>
+          <a:lstStyle/>
+          <a:p>
+            <a:pPr marL="0" indent="0" algn="l" latinLnBrk="0" hangingPunct="1">
+              <a:buFontTx/>
+              <a:buNone/>
+            </a:pPr>
+            <a:endParaRPr lang="ko-KR" altLang="en-US" sz="1800">
+              <a:latin typeface="맑은 고딕" charset="0"/>
+              <a:ea typeface="맑은 고딕" charset="0"/>
+            </a:endParaRPr>
+          </a:p>
+        </p:txBody>
+      </p:sp>
+      <p:sp>
+        <p:nvSpPr>
+          <p:cNvPr id="35" name="Rect 0"/>
+          <p:cNvSpPr txBox="1">
+            <a:spLocks/>
+          </p:cNvSpPr>
+          <p:nvPr/>
+        </p:nvSpPr>
+        <p:spPr>
+          <a:xfrm rot="0">
+            <a:off x="4342765" y="467995"/>
+            <a:ext cx="3503930" cy="554990"/>
+          </a:xfrm>
+          <a:prstGeom prst="rect"/>
+          <a:noFill/>
+          <a:ln w="0">
+            <a:noFill/>
+            <a:prstDash/>
+          </a:ln>
+        </p:spPr>
+        <p:txBody>
+          <a:bodyPr wrap="square" lIns="89535" tIns="46355" rIns="89535" bIns="46355" numCol="1" vert="horz" anchor="t">
+            <a:spAutoFit/>
+          </a:bodyPr>
+          <a:lstStyle/>
+          <a:p>
+            <a:pPr marL="0" indent="0" rtl="0" algn="l" defTabSz="914400" eaLnBrk="1" latinLnBrk="0" hangingPunct="1">
+              <a:buFontTx/>
+              <a:buNone/>
+            </a:pPr>
+            <a:r>
+              <a:rPr lang="ko-KR" sz="3000" b="1">
+                <a:latin typeface="맑은 고딕" charset="0"/>
+                <a:ea typeface="맑은 고딕" charset="0"/>
+              </a:rPr>
+              <a:t>아홉</a:t>
+            </a:r>
+            <a:r>
+              <a:rPr lang="ko-KR" sz="3000" b="1">
+                <a:latin typeface="맑은 고딕" charset="0"/>
+                <a:ea typeface="맑은 고딕" charset="0"/>
+              </a:rPr>
+              <a:t> 번째 튜토리얼</a:t>
+            </a:r>
+            <a:r>
+              <a:rPr sz="3000" b="1">
+                <a:latin typeface="맑은 고딕" charset="0"/>
+                <a:ea typeface="맑은 고딕" charset="0"/>
+              </a:rPr>
+              <a:t> </a:t>
+            </a:r>
+            <a:endParaRPr lang="ko-KR" altLang="en-US" sz="3000" b="1">
+              <a:latin typeface="맑은 고딕" charset="0"/>
+              <a:ea typeface="맑은 고딕" charset="0"/>
+            </a:endParaRPr>
+          </a:p>
+        </p:txBody>
+      </p:sp>
+      <p:pic>
+        <p:nvPicPr>
+          <p:cNvPr id="36" name="그림 67" descr="C:/Users/Admin1/AppData/Roaming/PolarisOffice/ETemp/21612_20234488/fImage50442943281.png"/>
+          <p:cNvPicPr>
+            <a:picLocks noChangeAspect="1"/>
+          </p:cNvPicPr>
+          <p:nvPr/>
+        </p:nvPicPr>
+        <p:blipFill rotWithShape="1">
+          <a:blip r:embed="rId2" cstate="print">
+            <a:extLst>
+              <a:ext uri="{28A0092B-C50C-407E-A947-70E740481C1C}">
+                <a14:useLocalDpi xmlns:a14="http://schemas.microsoft.com/office/drawing/2010/main" val="0"/>
+              </a:ext>
+            </a:extLst>
+          </a:blip>
+          <a:stretch>
+            <a:fillRect/>
+          </a:stretch>
+        </p:blipFill>
+        <p:spPr>
+          <a:xfrm rot="0">
+            <a:off x="3000375" y="1537970"/>
+            <a:ext cx="2381885" cy="1301115"/>
+          </a:xfrm>
+          <a:prstGeom prst="roundRect"/>
+          <a:solidFill>
+            <a:srgbClr val="EDEDED"/>
+          </a:solidFill>
+        </p:spPr>
+      </p:pic>
+      <p:pic>
+        <p:nvPicPr>
+          <p:cNvPr id="37" name="그림 70" descr="C:/Users/Admin1/AppData/Roaming/PolarisOffice/ETemp/21612_20234488/fImage132672956827.png"/>
+          <p:cNvPicPr>
+            <a:picLocks noChangeAspect="1"/>
+          </p:cNvPicPr>
+          <p:nvPr/>
+        </p:nvPicPr>
+        <p:blipFill rotWithShape="1">
+          <a:blip r:embed="rId3" cstate="print">
+            <a:extLst>
+              <a:ext uri="{28A0092B-C50C-407E-A947-70E740481C1C}">
+                <a14:useLocalDpi xmlns:a14="http://schemas.microsoft.com/office/drawing/2010/main" val="0"/>
+              </a:ext>
+            </a:extLst>
+          </a:blip>
+          <a:stretch>
+            <a:fillRect/>
+          </a:stretch>
+        </p:blipFill>
+        <p:spPr>
+          <a:xfrm rot="0">
+            <a:off x="1466850" y="1537970"/>
+            <a:ext cx="1315085" cy="1301115"/>
+          </a:xfrm>
+          <a:prstGeom prst="roundRect"/>
+          <a:solidFill>
+            <a:srgbClr val="EDEDED"/>
+          </a:solidFill>
+        </p:spPr>
+      </p:pic>
+      <p:sp>
+        <p:nvSpPr>
+          <p:cNvPr id="38" name="텍스트 상자 73"/>
+          <p:cNvSpPr txBox="1">
+            <a:spLocks/>
+          </p:cNvSpPr>
+          <p:nvPr/>
+        </p:nvSpPr>
+        <p:spPr>
+          <a:xfrm rot="0">
+            <a:off x="1466850" y="2969260"/>
+            <a:ext cx="3915410" cy="923925"/>
+          </a:xfrm>
+          <a:prstGeom prst="rect"/>
+          <a:noFill/>
+          <a:ln w="0">
+            <a:noFill/>
+            <a:prstDash/>
+          </a:ln>
+        </p:spPr>
+        <p:txBody>
+          <a:bodyPr wrap="square" lIns="89535" tIns="46355" rIns="89535" bIns="46355" numCol="1" vert="horz" anchor="t">
+            <a:spAutoFit/>
+          </a:bodyPr>
+          <a:lstStyle/>
+          <a:p>
+            <a:pPr marL="0" indent="0" algn="l" latinLnBrk="0" hangingPunct="1">
+              <a:buFontTx/>
+              <a:buNone/>
+            </a:pPr>
+            <a:r>
+              <a:rPr sz="1800" b="1">
+                <a:solidFill>
+                  <a:srgbClr val="0611F2"/>
+                </a:solidFill>
+                <a:latin typeface="맑은 고딕" charset="0"/>
+                <a:ea typeface="맑은 고딕" charset="0"/>
+              </a:rPr>
+              <a:t>1</a:t>
+            </a:r>
+            <a:r>
+              <a:rPr lang="ko-KR" sz="1800" b="1">
+                <a:solidFill>
+                  <a:srgbClr val="0611F2"/>
+                </a:solidFill>
+                <a:latin typeface="맑은 고딕" charset="0"/>
+                <a:ea typeface="맑은 고딕" charset="0"/>
+              </a:rPr>
+              <a:t>4</a:t>
+            </a:r>
+            <a:r>
+              <a:rPr sz="1800" b="1">
+                <a:solidFill>
+                  <a:srgbClr val="0611F2"/>
+                </a:solidFill>
+                <a:latin typeface="맑은 고딕" charset="0"/>
+                <a:ea typeface="맑은 고딕" charset="0"/>
+              </a:rPr>
+              <a:t>.</a:t>
+            </a:r>
+            <a:r>
+              <a:rPr sz="1800">
+                <a:latin typeface="맑은 고딕" charset="0"/>
+                <a:ea typeface="맑은 고딕" charset="0"/>
+              </a:rPr>
+              <a:t> </a:t>
+            </a:r>
+            <a:r>
+              <a:rPr lang="ko-KR" sz="1800">
+                <a:latin typeface="맑은 고딕" charset="0"/>
+                <a:ea typeface="맑은 고딕" charset="0"/>
+              </a:rPr>
+              <a:t>그런 다음 Content 오브젝트를 선택하고 Content Size Fitter 컴포넌트를 추가합니다.</a:t>
+            </a:r>
+            <a:endParaRPr lang="ko-KR" altLang="en-US" sz="1800">
+              <a:latin typeface="맑은 고딕" charset="0"/>
+              <a:ea typeface="맑은 고딕" charset="0"/>
+            </a:endParaRPr>
+          </a:p>
+        </p:txBody>
+      </p:sp>
+      <p:pic>
+        <p:nvPicPr>
+          <p:cNvPr id="39" name="그림 74" descr="C:/Users/Admin1/AppData/Roaming/PolarisOffice/ETemp/21612_20234488/fImage129512979961.png"/>
+          <p:cNvPicPr>
+            <a:picLocks noChangeAspect="1"/>
+          </p:cNvPicPr>
+          <p:nvPr/>
+        </p:nvPicPr>
+        <p:blipFill rotWithShape="1">
+          <a:blip r:embed="rId4" cstate="print">
+            <a:extLst>
+              <a:ext uri="{28A0092B-C50C-407E-A947-70E740481C1C}">
+                <a14:useLocalDpi xmlns:a14="http://schemas.microsoft.com/office/drawing/2010/main" val="0"/>
+              </a:ext>
+            </a:extLst>
+          </a:blip>
+          <a:stretch>
+            <a:fillRect/>
+          </a:stretch>
+        </p:blipFill>
+        <p:spPr>
+          <a:xfrm rot="0">
+            <a:off x="6810375" y="1514475"/>
+            <a:ext cx="4161790" cy="1267460"/>
+          </a:xfrm>
+          <a:prstGeom prst="roundRect"/>
+          <a:solidFill>
+            <a:srgbClr val="EDEDED"/>
+          </a:solidFill>
+        </p:spPr>
+      </p:pic>
+      <p:pic>
+        <p:nvPicPr>
+          <p:cNvPr id="40" name="그림 77" descr="C:/Users/Admin1/AppData/Roaming/PolarisOffice/ETemp/21612_20234488/fImage11478298491.png"/>
+          <p:cNvPicPr>
+            <a:picLocks noChangeAspect="1"/>
+          </p:cNvPicPr>
+          <p:nvPr/>
+        </p:nvPicPr>
+        <p:blipFill rotWithShape="1">
+          <a:blip r:embed="rId5" cstate="print">
+            <a:extLst>
+              <a:ext uri="{28A0092B-C50C-407E-A947-70E740481C1C}">
+                <a14:useLocalDpi xmlns:a14="http://schemas.microsoft.com/office/drawing/2010/main" val="0"/>
+              </a:ext>
+            </a:extLst>
+          </a:blip>
+          <a:stretch>
+            <a:fillRect/>
+          </a:stretch>
+        </p:blipFill>
+        <p:spPr>
+          <a:xfrm rot="0">
+            <a:off x="6805295" y="2971800"/>
+            <a:ext cx="1501140" cy="1331595"/>
+          </a:xfrm>
+          <a:prstGeom prst="roundRect"/>
+          <a:solidFill>
+            <a:srgbClr val="EDEDED"/>
+          </a:solidFill>
+        </p:spPr>
+      </p:pic>
+      <p:pic>
+        <p:nvPicPr>
+          <p:cNvPr id="41" name="그림 80" descr="C:/Users/Admin1/AppData/Roaming/PolarisOffice/ETemp/21612_20234488/fImage54332992995.png"/>
+          <p:cNvPicPr>
+            <a:picLocks noChangeAspect="1"/>
+          </p:cNvPicPr>
+          <p:nvPr/>
+        </p:nvPicPr>
+        <p:blipFill rotWithShape="1">
+          <a:blip r:embed="rId6" cstate="print">
+            <a:extLst>
+              <a:ext uri="{28A0092B-C50C-407E-A947-70E740481C1C}">
+                <a14:useLocalDpi xmlns:a14="http://schemas.microsoft.com/office/drawing/2010/main" val="0"/>
+              </a:ext>
+            </a:extLst>
+          </a:blip>
+          <a:stretch>
+            <a:fillRect/>
+          </a:stretch>
+        </p:blipFill>
+        <p:spPr>
+          <a:xfrm rot="0">
+            <a:off x="8452485" y="2973705"/>
+            <a:ext cx="2553970" cy="1330325"/>
+          </a:xfrm>
+          <a:prstGeom prst="roundRect"/>
+          <a:solidFill>
+            <a:srgbClr val="EDEDED"/>
+          </a:solidFill>
+        </p:spPr>
+      </p:pic>
+      <p:cxnSp>
+        <p:nvCxnSpPr>
+          <p:cNvPr id="42" name="도형 81"/>
+          <p:cNvCxnSpPr/>
+          <p:nvPr/>
+        </p:nvCxnSpPr>
+        <p:spPr>
+          <a:xfrm rot="0" flipV="1">
+            <a:off x="7888605" y="2597785"/>
+            <a:ext cx="2996565" cy="1256030"/>
+          </a:xfrm>
+          <a:prstGeom prst="straightConnector1"/>
+          <a:ln w="6350" cap="flat" cmpd="sng">
+            <a:prstDash/>
+            <a:headEnd type="none" w="med" len="med"/>
+            <a:tailEnd type="triangle" w="med" len="med"/>
+          </a:ln>
+        </p:spPr>
+        <p:style>
+          <a:lnRef idx="1">
+            <a:schemeClr val="accent1"/>
+          </a:lnRef>
+          <a:fillRef idx="0">
+            <a:schemeClr val="accent1"/>
+          </a:fillRef>
+          <a:effectRef idx="0">
+            <a:schemeClr val="accent1"/>
+          </a:effectRef>
+          <a:fontRef idx="minor">
+            <a:schemeClr val="tx1"/>
+          </a:fontRef>
+        </p:style>
+      </p:cxnSp>
+      <p:cxnSp>
+        <p:nvCxnSpPr>
+          <p:cNvPr id="43" name="도형 82"/>
+          <p:cNvCxnSpPr/>
+          <p:nvPr/>
+        </p:nvCxnSpPr>
+        <p:spPr>
+          <a:xfrm rot="0" flipV="1">
+            <a:off x="7741285" y="2130425"/>
+            <a:ext cx="3152775" cy="1922780"/>
+          </a:xfrm>
+          <a:prstGeom prst="straightConnector1"/>
+          <a:ln w="6350" cap="flat" cmpd="sng">
+            <a:prstDash/>
+            <a:headEnd type="none" w="med" len="med"/>
+            <a:tailEnd type="triangle" w="med" len="med"/>
+          </a:ln>
+        </p:spPr>
+        <p:style>
+          <a:lnRef idx="1">
+            <a:schemeClr val="accent1"/>
+          </a:lnRef>
+          <a:fillRef idx="0">
+            <a:schemeClr val="accent1"/>
+          </a:fillRef>
+          <a:effectRef idx="0">
+            <a:schemeClr val="accent1"/>
+          </a:effectRef>
+          <a:fontRef idx="minor">
+            <a:schemeClr val="tx1"/>
+          </a:fontRef>
+        </p:style>
+      </p:cxnSp>
+      <p:cxnSp>
+        <p:nvCxnSpPr>
+          <p:cNvPr id="44" name="도형 83"/>
+          <p:cNvCxnSpPr/>
+          <p:nvPr/>
+        </p:nvCxnSpPr>
+        <p:spPr>
+          <a:xfrm rot="0" flipV="1">
+            <a:off x="10045065" y="2364105"/>
+            <a:ext cx="840105" cy="987425"/>
+          </a:xfrm>
+          <a:prstGeom prst="straightConnector1"/>
+          <a:ln w="6350" cap="flat" cmpd="sng">
+            <a:prstDash/>
+            <a:headEnd type="none" w="med" len="med"/>
+            <a:tailEnd type="triangle" w="med" len="med"/>
+          </a:ln>
+        </p:spPr>
+        <p:style>
+          <a:lnRef idx="1">
+            <a:schemeClr val="accent1"/>
+          </a:lnRef>
+          <a:fillRef idx="0">
+            <a:schemeClr val="accent1"/>
+          </a:fillRef>
+          <a:effectRef idx="0">
+            <a:schemeClr val="accent1"/>
+          </a:effectRef>
+          <a:fontRef idx="minor">
+            <a:schemeClr val="tx1"/>
+          </a:fontRef>
+        </p:style>
+      </p:cxnSp>
+      <p:sp>
+        <p:nvSpPr>
+          <p:cNvPr id="45" name="텍스트 상자 84"/>
+          <p:cNvSpPr txBox="1">
+            <a:spLocks/>
+          </p:cNvSpPr>
+          <p:nvPr/>
+        </p:nvSpPr>
+        <p:spPr>
+          <a:xfrm rot="0">
+            <a:off x="6794500" y="4425950"/>
+            <a:ext cx="4185920" cy="1754505"/>
+          </a:xfrm>
+          <a:prstGeom prst="rect"/>
+          <a:noFill/>
+          <a:ln w="0">
+            <a:noFill/>
+            <a:prstDash/>
+          </a:ln>
+        </p:spPr>
+        <p:txBody>
+          <a:bodyPr wrap="square" lIns="89535" tIns="46355" rIns="89535" bIns="46355" numCol="1" vert="horz" anchor="t">
+            <a:spAutoFit/>
+          </a:bodyPr>
+          <a:lstStyle/>
+          <a:p>
+            <a:pPr marL="0" indent="0" algn="l" latinLnBrk="0" hangingPunct="1">
+              <a:buFontTx/>
+              <a:buNone/>
+            </a:pPr>
+            <a:r>
+              <a:rPr sz="1800" b="1">
+                <a:solidFill>
+                  <a:srgbClr val="0611F2"/>
+                </a:solidFill>
+                <a:latin typeface="맑은 고딕" charset="0"/>
+                <a:ea typeface="맑은 고딕" charset="0"/>
+              </a:rPr>
+              <a:t>1</a:t>
+            </a:r>
+            <a:r>
+              <a:rPr lang="ko-KR" sz="1800" b="1">
+                <a:solidFill>
+                  <a:srgbClr val="0611F2"/>
+                </a:solidFill>
+                <a:latin typeface="맑은 고딕" charset="0"/>
+                <a:ea typeface="맑은 고딕" charset="0"/>
+              </a:rPr>
+              <a:t>6</a:t>
+            </a:r>
+            <a:r>
+              <a:rPr sz="1800" b="1">
+                <a:solidFill>
+                  <a:srgbClr val="0611F2"/>
+                </a:solidFill>
+                <a:latin typeface="맑은 고딕" charset="0"/>
+                <a:ea typeface="맑은 고딕" charset="0"/>
+              </a:rPr>
+              <a:t>.</a:t>
+            </a:r>
+            <a:r>
+              <a:rPr sz="1800">
+                <a:latin typeface="맑은 고딕" charset="0"/>
+                <a:ea typeface="맑은 고딕" charset="0"/>
+              </a:rPr>
+              <a:t> </a:t>
+            </a:r>
+            <a:r>
+              <a:rPr lang="ko-KR" sz="1800">
+                <a:latin typeface="맑은 고딕" charset="0"/>
+                <a:ea typeface="맑은 고딕" charset="0"/>
+              </a:rPr>
+              <a:t>이제 Chatting Manager 오브젝트를 선택합니다.</a:t>
+            </a:r>
+            <a:endParaRPr lang="ko-KR" altLang="en-US" sz="1800">
+              <a:latin typeface="맑은 고딕" charset="0"/>
+              <a:ea typeface="맑은 고딕" charset="0"/>
+            </a:endParaRPr>
+          </a:p>
+          <a:p>
+            <a:pPr marL="0" indent="0" algn="l" latinLnBrk="0" hangingPunct="1">
+              <a:buFontTx/>
+              <a:buNone/>
+            </a:pPr>
+            <a:endParaRPr lang="ko-KR" altLang="en-US" sz="1800">
+              <a:latin typeface="맑은 고딕" charset="0"/>
+              <a:ea typeface="맑은 고딕" charset="0"/>
+            </a:endParaRPr>
+          </a:p>
+          <a:p>
+            <a:pPr marL="0" indent="0" algn="l" latinLnBrk="0" hangingPunct="1">
+              <a:buFontTx/>
+              <a:buNone/>
+            </a:pPr>
+            <a:r>
+              <a:rPr lang="ko-KR" sz="1800">
+                <a:latin typeface="맑은 고딕" charset="0"/>
+                <a:ea typeface="맑은 고딕" charset="0"/>
+              </a:rPr>
+              <a:t>그다음 Chat Manager 스크립트에서 Input과 Chat Prefab 그리고 Chat Content를 넣어줍니다.</a:t>
+            </a:r>
+            <a:endParaRPr lang="ko-KR" altLang="en-US" sz="1800">
+              <a:latin typeface="맑은 고딕" charset="0"/>
+              <a:ea typeface="맑은 고딕" charset="0"/>
+            </a:endParaRPr>
+          </a:p>
+        </p:txBody>
+      </p:sp>
+      <p:pic>
+        <p:nvPicPr>
+          <p:cNvPr id="46" name="그림 85" descr="C:/Users/Admin1/AppData/Roaming/PolarisOffice/ETemp/21612_20234488/fImage126203041942.png"/>
           <p:cNvPicPr>
             <a:picLocks noChangeAspect="1"/>
           </p:cNvPicPr>
@@ -7153,61 +8437,18 @@
         </p:blipFill>
         <p:spPr>
           <a:xfrm rot="0">
-            <a:off x="3473450" y="1567180"/>
-            <a:ext cx="1056640" cy="943610"/>
-          </a:xfrm>
-          <a:prstGeom prst="rect"/>
-          <a:noFill/>
+            <a:off x="1454785" y="4017645"/>
+            <a:ext cx="3931920" cy="1334135"/>
+          </a:xfrm>
+          <a:prstGeom prst="roundRect"/>
+          <a:solidFill>
+            <a:srgbClr val="EDEDED"/>
+          </a:solidFill>
         </p:spPr>
       </p:pic>
       <p:sp>
         <p:nvSpPr>
-          <p:cNvPr id="1048" name="도형 37"/>
-          <p:cNvSpPr>
-            <a:spLocks/>
-          </p:cNvSpPr>
-          <p:nvPr/>
-        </p:nvSpPr>
-        <p:spPr>
-          <a:xfrm rot="10800000" flipH="1">
-            <a:off x="1300480" y="1195705"/>
-            <a:ext cx="2853055" cy="619760"/>
-          </a:xfrm>
-          <a:prstGeom prst="curvedUpArrow"/>
-        </p:spPr>
-        <p:style>
-          <a:lnRef idx="2">
-            <a:schemeClr val="accent1">
-              <a:shade val="50000"/>
-            </a:schemeClr>
-          </a:lnRef>
-          <a:fillRef idx="1">
-            <a:schemeClr val="accent1"/>
-          </a:fillRef>
-          <a:effectRef idx="0">
-            <a:schemeClr val="accent1"/>
-          </a:effectRef>
-          <a:fontRef idx="minor">
-            <a:schemeClr val="lt1"/>
-          </a:fontRef>
-        </p:style>
-        <p:txBody>
-          <a:bodyPr wrap="square" lIns="91440" tIns="45720" rIns="91440" bIns="45720" vert="horz" anchor="ctr">
-            <a:noAutofit/>
-          </a:bodyPr>
-          <a:lstStyle/>
-          <a:p>
-            <a:pPr marL="0" indent="0" algn="ctr" hangingPunct="1"/>
-            <a:endParaRPr lang="ko-KR" altLang="en-US" sz="1800">
-              <a:latin typeface="맑은 고딕" charset="0"/>
-              <a:ea typeface="맑은 고딕" charset="0"/>
-            </a:endParaRPr>
-          </a:p>
-        </p:txBody>
-      </p:sp>
-      <p:sp>
-        <p:nvSpPr>
-          <p:cNvPr id="1049" name="텍스트 상자 38"/>
+          <p:cNvPr id="47" name="텍스트 상자 88"/>
           <p:cNvSpPr txBox="1">
             <a:spLocks/>
           </p:cNvSpPr>
@@ -7215,8 +8456,8 @@
         </p:nvSpPr>
         <p:spPr>
           <a:xfrm rot="0">
-            <a:off x="1038225" y="1822450"/>
-            <a:ext cx="781685" cy="400685"/>
+            <a:off x="1451610" y="5508625"/>
+            <a:ext cx="3926205" cy="647065"/>
           </a:xfrm>
           <a:prstGeom prst="rect"/>
           <a:noFill/>
@@ -7236,269 +8477,50 @@
               <a:buNone/>
             </a:pPr>
             <a:r>
-              <a:rPr lang="ko-KR" sz="2000" b="1">
-                <a:solidFill>
-                  <a:schemeClr val="bg1"/>
-                </a:solidFill>
-                <a:latin typeface="맑은 고딕" charset="0"/>
-                <a:ea typeface="맑은 고딕" charset="0"/>
-              </a:rPr>
-              <a:t>1001</a:t>
-            </a:r>
-            <a:endParaRPr lang="ko-KR" altLang="en-US" sz="2000" b="1">
-              <a:solidFill>
-                <a:schemeClr val="bg1"/>
-              </a:solidFill>
-              <a:latin typeface="맑은 고딕" charset="0"/>
-              <a:ea typeface="맑은 고딕" charset="0"/>
-            </a:endParaRPr>
-          </a:p>
-        </p:txBody>
-      </p:sp>
-      <p:sp>
-        <p:nvSpPr>
-          <p:cNvPr id="1050" name="텍스트 상자 39"/>
-          <p:cNvSpPr txBox="1">
-            <a:spLocks/>
-          </p:cNvSpPr>
-          <p:nvPr/>
-        </p:nvSpPr>
-        <p:spPr>
-          <a:xfrm rot="0">
-            <a:off x="3624580" y="1818005"/>
-            <a:ext cx="781685" cy="400685"/>
-          </a:xfrm>
-          <a:prstGeom prst="rect"/>
-          <a:noFill/>
-          <a:ln w="0">
-            <a:noFill/>
-            <a:prstDash/>
-          </a:ln>
-        </p:spPr>
-        <p:txBody>
-          <a:bodyPr wrap="square" lIns="89535" tIns="46355" rIns="89535" bIns="46355" numCol="1" vert="horz" anchor="t">
-            <a:spAutoFit/>
-          </a:bodyPr>
-          <a:lstStyle/>
-          <a:p>
-            <a:pPr marL="0" indent="0" algn="l" latinLnBrk="0" hangingPunct="1">
-              <a:buFontTx/>
-              <a:buNone/>
-            </a:pPr>
-            <a:r>
-              <a:rPr lang="ko-KR" sz="2000" b="1">
-                <a:solidFill>
-                  <a:schemeClr val="bg1"/>
-                </a:solidFill>
-                <a:latin typeface="맑은 고딕" charset="0"/>
-                <a:ea typeface="맑은 고딕" charset="0"/>
-              </a:rPr>
-              <a:t>1001</a:t>
-            </a:r>
-            <a:endParaRPr lang="ko-KR" altLang="en-US" sz="2000" b="1">
-              <a:solidFill>
-                <a:schemeClr val="bg1"/>
-              </a:solidFill>
-              <a:latin typeface="맑은 고딕" charset="0"/>
-              <a:ea typeface="맑은 고딕" charset="0"/>
-            </a:endParaRPr>
-          </a:p>
-        </p:txBody>
-      </p:sp>
-      <p:sp>
-        <p:nvSpPr>
-          <p:cNvPr id="1051" name="텍스트 상자 40"/>
-          <p:cNvSpPr txBox="1">
-            <a:spLocks/>
-          </p:cNvSpPr>
-          <p:nvPr/>
-        </p:nvSpPr>
-        <p:spPr>
-          <a:xfrm rot="0">
-            <a:off x="1772285" y="2642235"/>
-            <a:ext cx="781685" cy="400685"/>
-          </a:xfrm>
-          <a:prstGeom prst="rect"/>
-          <a:noFill/>
-          <a:ln w="0">
-            <a:noFill/>
-            <a:prstDash/>
-          </a:ln>
-        </p:spPr>
-        <p:txBody>
-          <a:bodyPr wrap="square" lIns="89535" tIns="46355" rIns="89535" bIns="46355" numCol="1" vert="horz" anchor="t">
-            <a:spAutoFit/>
-          </a:bodyPr>
-          <a:lstStyle/>
-          <a:p>
-            <a:pPr marL="0" indent="0" algn="l" latinLnBrk="0" hangingPunct="1">
-              <a:buFontTx/>
-              <a:buNone/>
-            </a:pPr>
-            <a:r>
-              <a:rPr lang="ko-KR" sz="2000" b="1">
-                <a:solidFill>
-                  <a:schemeClr val="bg1"/>
-                </a:solidFill>
-                <a:latin typeface="맑은 고딕" charset="0"/>
-                <a:ea typeface="맑은 고딕" charset="0"/>
-              </a:rPr>
-              <a:t>2000</a:t>
-            </a:r>
-            <a:endParaRPr lang="ko-KR" altLang="en-US" sz="2000" b="1">
-              <a:solidFill>
-                <a:schemeClr val="bg1"/>
-              </a:solidFill>
-              <a:latin typeface="맑은 고딕" charset="0"/>
-              <a:ea typeface="맑은 고딕" charset="0"/>
-            </a:endParaRPr>
-          </a:p>
-        </p:txBody>
-      </p:sp>
-      <p:sp>
-        <p:nvSpPr>
-          <p:cNvPr id="1052" name="텍스트 상자 41"/>
-          <p:cNvSpPr txBox="1">
-            <a:spLocks/>
-          </p:cNvSpPr>
-          <p:nvPr/>
-        </p:nvSpPr>
-        <p:spPr>
-          <a:xfrm rot="0">
-            <a:off x="4387215" y="2637790"/>
-            <a:ext cx="781685" cy="400685"/>
-          </a:xfrm>
-          <a:prstGeom prst="rect"/>
-          <a:noFill/>
-          <a:ln w="0">
-            <a:noFill/>
-            <a:prstDash/>
-          </a:ln>
-        </p:spPr>
-        <p:txBody>
-          <a:bodyPr wrap="square" lIns="89535" tIns="46355" rIns="89535" bIns="46355" numCol="1" vert="horz" anchor="t">
-            <a:spAutoFit/>
-          </a:bodyPr>
-          <a:lstStyle/>
-          <a:p>
-            <a:pPr marL="0" indent="0" algn="l" latinLnBrk="0" hangingPunct="1">
-              <a:buFontTx/>
-              <a:buNone/>
-            </a:pPr>
-            <a:r>
-              <a:rPr lang="ko-KR" sz="2000" b="1">
-                <a:solidFill>
-                  <a:schemeClr val="bg1"/>
-                </a:solidFill>
-                <a:latin typeface="맑은 고딕" charset="0"/>
-                <a:ea typeface="맑은 고딕" charset="0"/>
-              </a:rPr>
-              <a:t>2000</a:t>
-            </a:r>
-            <a:endParaRPr lang="ko-KR" altLang="en-US" sz="2000" b="1">
-              <a:solidFill>
-                <a:schemeClr val="bg1"/>
-              </a:solidFill>
-              <a:latin typeface="맑은 고딕" charset="0"/>
-              <a:ea typeface="맑은 고딕" charset="0"/>
-            </a:endParaRPr>
-          </a:p>
-        </p:txBody>
-      </p:sp>
-      <p:sp>
-        <p:nvSpPr>
-          <p:cNvPr id="1053" name="텍스트 상자 42"/>
-          <p:cNvSpPr txBox="1">
-            <a:spLocks/>
-          </p:cNvSpPr>
-          <p:nvPr/>
-        </p:nvSpPr>
-        <p:spPr>
-          <a:xfrm rot="0">
-            <a:off x="942975" y="1527175"/>
-            <a:ext cx="1019810" cy="400685"/>
-          </a:xfrm>
-          <a:prstGeom prst="rect"/>
-          <a:noFill/>
-          <a:ln w="0">
-            <a:noFill/>
-            <a:prstDash/>
-          </a:ln>
-        </p:spPr>
-        <p:txBody>
-          <a:bodyPr wrap="square" lIns="89535" tIns="46355" rIns="89535" bIns="46355" numCol="1" vert="horz" anchor="t">
-            <a:spAutoFit/>
-          </a:bodyPr>
-          <a:lstStyle/>
-          <a:p>
-            <a:pPr marL="0" indent="0" algn="l" latinLnBrk="0" hangingPunct="1">
-              <a:buFontTx/>
-              <a:buNone/>
-            </a:pPr>
-            <a:r>
-              <a:rPr lang="ko-KR" sz="2000" b="1">
+              <a:rPr sz="1800" b="1">
                 <a:solidFill>
                   <a:srgbClr val="0611F2"/>
                 </a:solidFill>
                 <a:latin typeface="맑은 고딕" charset="0"/>
                 <a:ea typeface="맑은 고딕" charset="0"/>
               </a:rPr>
-              <a:t>IsMine</a:t>
-            </a:r>
-            <a:endParaRPr lang="ko-KR" altLang="en-US" sz="2000" b="1">
-              <a:solidFill>
-                <a:srgbClr val="0611F2"/>
-              </a:solidFill>
-              <a:latin typeface="맑은 고딕" charset="0"/>
-              <a:ea typeface="맑은 고딕" charset="0"/>
-            </a:endParaRPr>
-          </a:p>
-        </p:txBody>
-      </p:sp>
-      <p:sp>
-        <p:nvSpPr>
-          <p:cNvPr id="1054" name="텍스트 상자 44"/>
-          <p:cNvSpPr txBox="1">
-            <a:spLocks/>
-          </p:cNvSpPr>
-          <p:nvPr/>
-        </p:nvSpPr>
-        <p:spPr>
-          <a:xfrm rot="0">
-            <a:off x="4300855" y="2351405"/>
-            <a:ext cx="1019810" cy="400685"/>
-          </a:xfrm>
-          <a:prstGeom prst="rect"/>
-          <a:noFill/>
-          <a:ln w="0">
-            <a:noFill/>
-            <a:prstDash/>
-          </a:ln>
-        </p:spPr>
-        <p:txBody>
-          <a:bodyPr wrap="square" lIns="89535" tIns="46355" rIns="89535" bIns="46355" numCol="1" vert="horz" anchor="t">
-            <a:spAutoFit/>
-          </a:bodyPr>
-          <a:lstStyle/>
-          <a:p>
-            <a:pPr marL="0" indent="0" algn="l" latinLnBrk="0" hangingPunct="1">
-              <a:buFontTx/>
-              <a:buNone/>
-            </a:pPr>
-            <a:r>
-              <a:rPr lang="ko-KR" sz="2000" b="1">
+              <a:t>1</a:t>
+            </a:r>
+            <a:r>
+              <a:rPr lang="ko-KR" sz="1800" b="1">
                 <a:solidFill>
-                  <a:srgbClr val="80007F"/>
+                  <a:srgbClr val="0611F2"/>
                 </a:solidFill>
                 <a:latin typeface="맑은 고딕" charset="0"/>
                 <a:ea typeface="맑은 고딕" charset="0"/>
               </a:rPr>
-              <a:t>IsMine</a:t>
-            </a:r>
-            <a:endParaRPr lang="ko-KR" altLang="en-US" sz="2000" b="1">
-              <a:solidFill>
-                <a:srgbClr val="80007F"/>
-              </a:solidFill>
+              <a:t>5</a:t>
+            </a:r>
+            <a:r>
+              <a:rPr sz="1800" b="1">
+                <a:solidFill>
+                  <a:srgbClr val="0611F2"/>
+                </a:solidFill>
+                <a:latin typeface="맑은 고딕" charset="0"/>
+                <a:ea typeface="맑은 고딕" charset="0"/>
+              </a:rPr>
+              <a:t>.</a:t>
+            </a:r>
+            <a:r>
+              <a:rPr sz="1800">
+                <a:latin typeface="맑은 고딕" charset="0"/>
+                <a:ea typeface="맑은 고딕" charset="0"/>
+              </a:rPr>
+              <a:t> </a:t>
+            </a:r>
+            <a:r>
+              <a:rPr lang="ko-KR" sz="1800">
+                <a:latin typeface="맑은 고딕" charset="0"/>
+                <a:ea typeface="맑은 고딕" charset="0"/>
+              </a:rPr>
+              <a:t>그다음으로 InputField의 위치와 앵커를 조정합니다.</a:t>
+            </a:r>
+            <a:endParaRPr lang="ko-KR" altLang="en-US" sz="1800">
               <a:latin typeface="맑은 고딕" charset="0"/>
               <a:ea typeface="맑은 고딕" charset="0"/>
             </a:endParaRPr>
@@ -7547,7 +8569,7 @@
       </p:grpSpPr>
       <p:sp>
         <p:nvSpPr>
-          <p:cNvPr id="1031" name="Rect 0"/>
+          <p:cNvPr id="2" name="Rect 0"/>
           <p:cNvSpPr txBox="1">
             <a:spLocks/>
           </p:cNvSpPr>
@@ -7555,8 +8577,8 @@
         </p:nvSpPr>
         <p:spPr>
           <a:xfrm rot="0">
-            <a:off x="3908425" y="376555"/>
-            <a:ext cx="4377690" cy="554990"/>
+            <a:off x="4509135" y="361315"/>
+            <a:ext cx="3173730" cy="554990"/>
           </a:xfrm>
           <a:prstGeom prst="rect"/>
           <a:noFill/>
@@ -7571,24 +8593,32 @@
           </a:bodyPr>
           <a:lstStyle/>
           <a:p>
-            <a:pPr marL="0" indent="0" algn="l" latinLnBrk="0">
-              <a:buFontTx/>
-              <a:buNone/>
-            </a:pPr>
-            <a:r>
-              <a:rPr lang="ko-KR" altLang="en-US" sz="3000" b="1">
-                <a:solidFill>
-                  <a:schemeClr val="tx1"/>
-                </a:solidFill>
-                <a:latin typeface="맑은 고딕" charset="0"/>
-                <a:ea typeface="맑은 고딕" charset="0"/>
-              </a:rPr>
-              <a:t>Remote Procedure Call</a:t>
+            <a:pPr marL="0" indent="0" rtl="0" algn="l" defTabSz="914400" eaLnBrk="1" latinLnBrk="0" hangingPunct="1">
+              <a:buFontTx/>
+              <a:buNone/>
+            </a:pPr>
+            <a:r>
+              <a:rPr lang="ko-KR" sz="3000" b="1">
+                <a:latin typeface="맑은 고딕" charset="0"/>
+                <a:ea typeface="맑은 고딕" charset="0"/>
+              </a:rPr>
+              <a:t>두</a:t>
+            </a:r>
+            <a:r>
+              <a:rPr lang="ko-KR" sz="3000" b="1">
+                <a:latin typeface="맑은 고딕" charset="0"/>
+                <a:ea typeface="맑은 고딕" charset="0"/>
+              </a:rPr>
+              <a:t> 번째 튜토리얼</a:t>
+            </a:r>
+            <a:r>
+              <a:rPr sz="3000" b="1">
+                <a:latin typeface="맑은 고딕" charset="0"/>
+                <a:ea typeface="맑은 고딕" charset="0"/>
+              </a:rPr>
+              <a:t> </a:t>
             </a:r>
             <a:endParaRPr lang="ko-KR" altLang="en-US" sz="3000" b="1">
-              <a:solidFill>
-                <a:schemeClr val="tx1"/>
-              </a:solidFill>
               <a:latin typeface="맑은 고딕" charset="0"/>
               <a:ea typeface="맑은 고딕" charset="0"/>
             </a:endParaRPr>
@@ -7597,7 +8627,7 @@
       </p:sp>
       <p:sp>
         <p:nvSpPr>
-          <p:cNvPr id="1032" name="텍스트 상자 1"/>
+          <p:cNvPr id="6" name="Rect 0"/>
           <p:cNvSpPr txBox="1">
             <a:spLocks/>
           </p:cNvSpPr>
@@ -7605,8 +8635,8 @@
         </p:nvSpPr>
         <p:spPr>
           <a:xfrm rot="0">
-            <a:off x="828040" y="1393190"/>
-            <a:ext cx="4506595" cy="923925"/>
+            <a:off x="1239520" y="4368165"/>
+            <a:ext cx="4190365" cy="1754505"/>
           </a:xfrm>
           <a:prstGeom prst="rect"/>
           <a:noFill/>
@@ -7621,27 +8651,95 @@
           </a:bodyPr>
           <a:lstStyle/>
           <a:p>
-            <a:pPr marL="0" indent="0" algn="l" latinLnBrk="0" hangingPunct="1">
-              <a:buFontTx/>
-              <a:buNone/>
-            </a:pPr>
+            <a:pPr marL="0" indent="0" rtl="0" algn="l" defTabSz="914400" eaLnBrk="1" latinLnBrk="0" hangingPunct="1">
+              <a:buFontTx/>
+              <a:buNone/>
+            </a:pPr>
+            <a:r>
+              <a:rPr sz="1800" b="1">
+                <a:solidFill>
+                  <a:srgbClr val="0611F2"/>
+                </a:solidFill>
+                <a:latin typeface="맑은 고딕" charset="0"/>
+                <a:ea typeface="맑은 고딕" charset="0"/>
+              </a:rPr>
+              <a:t>2</a:t>
+            </a:r>
+            <a:r>
+              <a:rPr sz="1800" b="1">
+                <a:solidFill>
+                  <a:srgbClr val="0611F2"/>
+                </a:solidFill>
+                <a:latin typeface="맑은 고딕" charset="0"/>
+                <a:ea typeface="맑은 고딕" charset="0"/>
+              </a:rPr>
+              <a:t>.</a:t>
+            </a:r>
+            <a:r>
+              <a:rPr sz="1800">
+                <a:latin typeface="맑은 고딕" charset="0"/>
+                <a:ea typeface="맑은 고딕" charset="0"/>
+              </a:rPr>
+              <a:t> </a:t>
+            </a:r>
+            <a:r>
+              <a:rPr sz="1800">
+                <a:latin typeface="맑은 고딕" charset="0"/>
+                <a:ea typeface="맑은 고딕" charset="0"/>
+              </a:rPr>
+              <a:t>그</a:t>
+            </a:r>
             <a:r>
               <a:rPr lang="ko-KR" sz="1800">
                 <a:latin typeface="맑은 고딕" charset="0"/>
                 <a:ea typeface="맑은 고딕" charset="0"/>
               </a:rPr>
-              <a:t>원격 프로시저 호출은 주소 공간에서 함수나 프로시저를 실행할 수 있게 하는 프로세스 간 통신 기술입니다.</a:t>
+              <a:t>런 다음 </a:t>
+            </a:r>
+            <a:r>
+              <a:rPr lang="ko-KR" sz="1800">
+                <a:latin typeface="맑은 고딕" charset="0"/>
+                <a:ea typeface="맑은 고딕" charset="0"/>
+              </a:rPr>
+              <a:t>Scroll View에 Content의 하위 오브젝트로 Text UI를 추가하고 이름을 String으로 변경합니다.</a:t>
             </a:r>
             <a:endParaRPr lang="ko-KR" altLang="en-US" sz="1800">
               <a:latin typeface="맑은 고딕" charset="0"/>
               <a:ea typeface="맑은 고딕" charset="0"/>
             </a:endParaRPr>
           </a:p>
-        </p:txBody>
-      </p:sp>
-      <p:sp>
-        <p:nvSpPr>
-          <p:cNvPr id="1033" name="텍스트 상자 2"/>
+          <a:p>
+            <a:pPr marL="0" indent="0" rtl="0" algn="l" defTabSz="914400" eaLnBrk="1" latinLnBrk="0" hangingPunct="1">
+              <a:buFontTx/>
+              <a:buNone/>
+            </a:pPr>
+            <a:endParaRPr lang="ko-KR" altLang="en-US" sz="1800">
+              <a:latin typeface="맑은 고딕" charset="0"/>
+              <a:ea typeface="맑은 고딕" charset="0"/>
+            </a:endParaRPr>
+          </a:p>
+          <a:p>
+            <a:pPr marL="0" indent="0" rtl="0" algn="l" defTabSz="914400" eaLnBrk="1" latinLnBrk="0" hangingPunct="1">
+              <a:buFontTx/>
+              <a:buNone/>
+            </a:pPr>
+            <a:r>
+              <a:rPr lang="ko-KR" sz="1800">
+                <a:latin typeface="맑은 고딕" charset="0"/>
+                <a:ea typeface="맑은 고딕" charset="0"/>
+              </a:rPr>
+              <a:t>그리고 Content Size Fitter 컴포넌트를 추가합니다.</a:t>
+            </a:r>
+            <a:endParaRPr lang="ko-KR" altLang="en-US" sz="1800">
+              <a:latin typeface="맑은 고딕" charset="0"/>
+              <a:ea typeface="맑은 고딕" charset="0"/>
+            </a:endParaRPr>
+          </a:p>
+        </p:txBody>
+      </p:sp>
+      <p:sp>
+        <p:nvSpPr>
+          <p:cNvPr id="7" name="Rect 0"/>
           <p:cNvSpPr txBox="1">
             <a:spLocks/>
           </p:cNvSpPr>
@@ -7649,8 +8747,8 @@
         </p:nvSpPr>
         <p:spPr>
           <a:xfrm rot="0">
-            <a:off x="6905625" y="1388745"/>
-            <a:ext cx="4162425" cy="3692525"/>
+            <a:off x="6774180" y="2780665"/>
+            <a:ext cx="4191635" cy="647065"/>
           </a:xfrm>
           <a:prstGeom prst="rect"/>
           <a:noFill/>
@@ -7665,88 +8763,82 @@
           </a:bodyPr>
           <a:lstStyle/>
           <a:p>
-            <a:pPr marL="0" indent="0" algn="l" latinLnBrk="0" hangingPunct="1">
-              <a:buFontTx/>
-              <a:buNone/>
-            </a:pPr>
+            <a:pPr marL="0" indent="0" rtl="0" algn="l" defTabSz="914400" eaLnBrk="1" latinLnBrk="0" hangingPunct="1">
+              <a:buFontTx/>
+              <a:buNone/>
+            </a:pPr>
+            <a:r>
+              <a:rPr sz="1800" b="1">
+                <a:solidFill>
+                  <a:srgbClr val="0611F2"/>
+                </a:solidFill>
+                <a:latin typeface="맑은 고딕" charset="0"/>
+                <a:ea typeface="맑은 고딕" charset="0"/>
+              </a:rPr>
+              <a:t>3</a:t>
+            </a:r>
+            <a:r>
+              <a:rPr sz="1800" b="1">
+                <a:solidFill>
+                  <a:srgbClr val="0611F2"/>
+                </a:solidFill>
+                <a:latin typeface="맑은 고딕" charset="0"/>
+                <a:ea typeface="맑은 고딕" charset="0"/>
+              </a:rPr>
+              <a:t>.</a:t>
+            </a:r>
+            <a:r>
+              <a:rPr sz="1800">
+                <a:latin typeface="맑은 고딕" charset="0"/>
+                <a:ea typeface="맑은 고딕" charset="0"/>
+              </a:rPr>
+              <a:t> 그</a:t>
+            </a:r>
             <a:r>
               <a:rPr lang="ko-KR" sz="1800">
                 <a:latin typeface="맑은 고딕" charset="0"/>
                 <a:ea typeface="맑은 고딕" charset="0"/>
               </a:rPr>
-              <a:t>포톤에서는 여러 명의 클라이언트가 모두 같은 스크립트를 가지고 일반 함수를 호출하게 되면 로컬에서만 실행됩니다.</a:t>
+              <a:t>다음 String </a:t>
+            </a:r>
+            <a:r>
+              <a:rPr lang="ko-KR" sz="1800">
+                <a:latin typeface="맑은 고딕" charset="0"/>
+                <a:ea typeface="맑은 고딕" charset="0"/>
+              </a:rPr>
+              <a:t>오브젝트</a:t>
+            </a:r>
+            <a:r>
+              <a:rPr lang="ko-KR" sz="1800">
+                <a:latin typeface="맑은 고딕" charset="0"/>
+                <a:ea typeface="맑은 고딕" charset="0"/>
+              </a:rPr>
+              <a:t>를 Resources 폴더에 넣고 프리팹으로 </a:t>
+            </a:r>
+            <a:r>
+              <a:rPr lang="ko-KR" sz="1800">
+                <a:latin typeface="맑은 고딕" charset="0"/>
+                <a:ea typeface="맑은 고딕" charset="0"/>
+              </a:rPr>
+              <a:t>설정합니다.</a:t>
             </a:r>
             <a:endParaRPr lang="ko-KR" altLang="en-US" sz="1800">
               <a:latin typeface="맑은 고딕" charset="0"/>
               <a:ea typeface="맑은 고딕" charset="0"/>
             </a:endParaRPr>
           </a:p>
-          <a:p>
-            <a:pPr marL="0" indent="0" algn="l" latinLnBrk="0" hangingPunct="1">
-              <a:buFontTx/>
-              <a:buNone/>
-            </a:pPr>
-            <a:endParaRPr lang="ko-KR" altLang="en-US" sz="1800">
-              <a:latin typeface="맑은 고딕" charset="0"/>
-              <a:ea typeface="맑은 고딕" charset="0"/>
-            </a:endParaRPr>
-          </a:p>
-          <a:p>
-            <a:pPr marL="0" indent="0" algn="l" latinLnBrk="0" hangingPunct="1">
-              <a:buFontTx/>
-              <a:buNone/>
-            </a:pPr>
-            <a:r>
-              <a:rPr lang="ko-KR" sz="1800">
-                <a:latin typeface="맑은 고딕" charset="0"/>
-                <a:ea typeface="맑은 고딕" charset="0"/>
-              </a:rPr>
-              <a:t>그래서 다른 컴퓨터에서도 특정 함수의 실행을 보여주기 위해서는 RPC 함수를 만들어서 호출해야 합니다.</a:t>
-            </a:r>
-            <a:endParaRPr lang="ko-KR" altLang="en-US" sz="1800">
-              <a:latin typeface="맑은 고딕" charset="0"/>
-              <a:ea typeface="맑은 고딕" charset="0"/>
-            </a:endParaRPr>
-          </a:p>
-          <a:p>
-            <a:pPr marL="0" indent="0" algn="l" latinLnBrk="0" hangingPunct="1">
-              <a:buFontTx/>
-              <a:buNone/>
-            </a:pPr>
-            <a:endParaRPr lang="ko-KR" altLang="en-US" sz="1800">
-              <a:latin typeface="맑은 고딕" charset="0"/>
-              <a:ea typeface="맑은 고딕" charset="0"/>
-            </a:endParaRPr>
-          </a:p>
-          <a:p>
-            <a:pPr marL="0" indent="0" algn="l" latinLnBrk="0" hangingPunct="1">
-              <a:buFontTx/>
-              <a:buNone/>
-            </a:pPr>
-            <a:r>
-              <a:rPr lang="ko-KR" sz="1800">
-                <a:latin typeface="맑은 고딕" charset="0"/>
-                <a:ea typeface="맑은 고딕" charset="0"/>
-              </a:rPr>
-              <a:t>PRC 채팅은 일반 함수끼리 통신이 안 되기 때문에 서로 다른 클라이언트에서는 같은 View ID끼리 같은 함수를 실행하도록 설정합니다.</a:t>
-            </a:r>
-            <a:endParaRPr lang="ko-KR" altLang="en-US" sz="1800">
-              <a:latin typeface="맑은 고딕" charset="0"/>
-              <a:ea typeface="맑은 고딕" charset="0"/>
-            </a:endParaRPr>
-          </a:p>
         </p:txBody>
       </p:sp>
       <p:pic>
         <p:nvPicPr>
-          <p:cNvPr id="1035" name="그림 6"/>
+          <p:cNvPr id="10" name="그림 18"/>
           <p:cNvPicPr>
             <a:picLocks noChangeAspect="1"/>
           </p:cNvPicPr>
           <p:nvPr/>
         </p:nvPicPr>
         <p:blipFill rotWithShape="1">
-          <a:blip r:embed="rId6" cstate="print">
+          <a:blip r:embed="rId2" cstate="print">
             <a:extLst>
               <a:ext uri="{28A0092B-C50C-407E-A947-70E740481C1C}">
                 <a14:useLocalDpi xmlns:a14="http://schemas.microsoft.com/office/drawing/2010/main" val="0"/>
@@ -7759,16 +8851,80 @@
         </p:blipFill>
         <p:spPr>
           <a:xfrm rot="0">
-            <a:off x="829945" y="3442970"/>
-            <a:ext cx="1951990" cy="1882140"/>
-          </a:xfrm>
-          <a:prstGeom prst="rect"/>
-          <a:noFill/>
+            <a:off x="3858895" y="1209675"/>
+            <a:ext cx="1581785" cy="877570"/>
+          </a:xfrm>
+          <a:prstGeom prst="roundRect"/>
+          <a:solidFill>
+            <a:srgbClr val="EDEDED"/>
+          </a:solidFill>
         </p:spPr>
       </p:pic>
       <p:pic>
         <p:nvPicPr>
-          <p:cNvPr id="1036" name="그림 7"/>
+          <p:cNvPr id="11" name="그림 21"/>
+          <p:cNvPicPr>
+            <a:picLocks noChangeAspect="1"/>
+          </p:cNvPicPr>
+          <p:nvPr/>
+        </p:nvPicPr>
+        <p:blipFill rotWithShape="1">
+          <a:blip r:embed="rId3" cstate="hqprint">
+            <a:extLst>
+              <a:ext uri="{28A0092B-C50C-407E-A947-70E740481C1C}">
+                <a14:useLocalDpi xmlns:a14="http://schemas.microsoft.com/office/drawing/2010/main"/>
+              </a:ext>
+            </a:extLst>
+          </a:blip>
+          <a:stretch>
+            <a:fillRect/>
+          </a:stretch>
+        </p:blipFill>
+        <p:spPr>
+          <a:xfrm rot="0">
+            <a:off x="1231265" y="2312670"/>
+            <a:ext cx="4206240" cy="1877695"/>
+          </a:xfrm>
+          <a:prstGeom prst="roundRect"/>
+          <a:solidFill>
+            <a:srgbClr val="EDEDED"/>
+          </a:solidFill>
+        </p:spPr>
+      </p:pic>
+      <p:pic>
+        <p:nvPicPr>
+          <p:cNvPr id="12" name="그림 22"/>
+          <p:cNvPicPr>
+            <a:picLocks noChangeAspect="1"/>
+          </p:cNvPicPr>
+          <p:nvPr/>
+        </p:nvPicPr>
+        <p:blipFill rotWithShape="1">
+          <a:blip r:embed="rId4" cstate="print">
+            <a:extLst>
+              <a:ext uri="{28A0092B-C50C-407E-A947-70E740481C1C}">
+                <a14:useLocalDpi xmlns:a14="http://schemas.microsoft.com/office/drawing/2010/main" val="0"/>
+              </a:ext>
+            </a:extLst>
+          </a:blip>
+          <a:stretch>
+            <a:fillRect/>
+          </a:stretch>
+        </p:blipFill>
+        <p:spPr>
+          <a:xfrm rot="0">
+            <a:off x="1236980" y="1211580"/>
+            <a:ext cx="2153285" cy="876935"/>
+          </a:xfrm>
+          <a:prstGeom prst="roundRect"/>
+          <a:solidFill>
+            <a:srgbClr val="EDEDED"/>
+          </a:solidFill>
+        </p:spPr>
+      </p:pic>
+      <p:pic>
+        <p:nvPicPr>
+          <p:cNvPr id="14" name="그림 15" descr="C:/Users/Admin1/AppData/Roaming/PolarisOffice/ETemp/21612_20234488/fImage54331748467.png"/>
           <p:cNvPicPr>
             <a:picLocks noChangeAspect="1"/>
           </p:cNvPicPr>
@@ -7788,116 +8944,18 @@
         </p:blipFill>
         <p:spPr>
           <a:xfrm rot="0">
-            <a:off x="3378200" y="3438525"/>
-            <a:ext cx="1951990" cy="1882140"/>
-          </a:xfrm>
-          <a:prstGeom prst="rect"/>
-          <a:noFill/>
+            <a:off x="8404860" y="1230630"/>
+            <a:ext cx="2565400" cy="1416050"/>
+          </a:xfrm>
+          <a:prstGeom prst="roundRect"/>
+          <a:solidFill>
+            <a:srgbClr val="EDEDED"/>
+          </a:solidFill>
         </p:spPr>
       </p:pic>
-      <p:sp>
-        <p:nvSpPr>
-          <p:cNvPr id="1037" name="텍스트 상자 8"/>
-          <p:cNvSpPr txBox="1">
-            <a:spLocks/>
-          </p:cNvSpPr>
-          <p:nvPr/>
-        </p:nvSpPr>
-        <p:spPr>
-          <a:xfrm rot="0">
-            <a:off x="909320" y="5513070"/>
-            <a:ext cx="1777365" cy="400685"/>
-          </a:xfrm>
-          <a:prstGeom prst="rect"/>
-          <a:noFill/>
-          <a:ln w="0">
-            <a:noFill/>
-            <a:prstDash/>
-          </a:ln>
-        </p:spPr>
-        <p:txBody>
-          <a:bodyPr wrap="square" lIns="89535" tIns="46355" rIns="89535" bIns="46355" numCol="1" vert="horz" anchor="t">
-            <a:spAutoFit/>
-          </a:bodyPr>
-          <a:lstStyle/>
-          <a:p>
-            <a:pPr marL="0" indent="0" algn="l" latinLnBrk="0" hangingPunct="1">
-              <a:buFontTx/>
-              <a:buNone/>
-            </a:pPr>
-            <a:r>
-              <a:rPr lang="ko-KR" sz="2000" b="1">
-                <a:solidFill>
-                  <a:srgbClr val="36B700"/>
-                </a:solidFill>
-                <a:latin typeface="맑은 고딕" charset="0"/>
-                <a:ea typeface="맑은 고딕" charset="0"/>
-              </a:rPr>
-              <a:t>A 클라이언트</a:t>
-            </a:r>
-            <a:endParaRPr lang="ko-KR" altLang="en-US" sz="2000" b="1">
-              <a:solidFill>
-                <a:srgbClr val="36B700"/>
-              </a:solidFill>
-              <a:latin typeface="맑은 고딕" charset="0"/>
-              <a:ea typeface="맑은 고딕" charset="0"/>
-            </a:endParaRPr>
-          </a:p>
-        </p:txBody>
-      </p:sp>
-      <p:sp>
-        <p:nvSpPr>
-          <p:cNvPr id="1038" name="텍스트 상자 9"/>
-          <p:cNvSpPr txBox="1">
-            <a:spLocks/>
-          </p:cNvSpPr>
-          <p:nvPr/>
-        </p:nvSpPr>
-        <p:spPr>
-          <a:xfrm rot="0">
-            <a:off x="3457575" y="5527675"/>
-            <a:ext cx="1777365" cy="400685"/>
-          </a:xfrm>
-          <a:prstGeom prst="rect"/>
-          <a:noFill/>
-          <a:ln w="0">
-            <a:noFill/>
-            <a:prstDash/>
-          </a:ln>
-        </p:spPr>
-        <p:txBody>
-          <a:bodyPr wrap="square" lIns="89535" tIns="46355" rIns="89535" bIns="46355" numCol="1" vert="horz" anchor="t">
-            <a:spAutoFit/>
-          </a:bodyPr>
-          <a:lstStyle/>
-          <a:p>
-            <a:pPr marL="0" indent="0" algn="l" latinLnBrk="0" hangingPunct="1">
-              <a:buFontTx/>
-              <a:buNone/>
-            </a:pPr>
-            <a:r>
-              <a:rPr lang="ko-KR" sz="2000" b="1">
-                <a:solidFill>
-                  <a:srgbClr val="36B700"/>
-                </a:solidFill>
-                <a:latin typeface="맑은 고딕" charset="0"/>
-                <a:ea typeface="맑은 고딕" charset="0"/>
-              </a:rPr>
-              <a:t>B 클라이언트</a:t>
-            </a:r>
-            <a:endParaRPr lang="ko-KR" altLang="en-US" sz="2000" b="1">
-              <a:solidFill>
-                <a:srgbClr val="36B700"/>
-              </a:solidFill>
-              <a:latin typeface="맑은 고딕" charset="0"/>
-              <a:ea typeface="맑은 고딕" charset="0"/>
-            </a:endParaRPr>
-          </a:p>
-        </p:txBody>
-      </p:sp>
       <p:pic>
         <p:nvPicPr>
-          <p:cNvPr id="1039" name="그림 10"/>
+          <p:cNvPr id="16" name="그림 29" descr="C:/Users/Admin1/AppData/Roaming/PolarisOffice/ETemp/21612_20234488/fImage114731866334.png"/>
           <p:cNvPicPr>
             <a:picLocks noChangeAspect="1"/>
           </p:cNvPicPr>
@@ -7917,8 +8975,8 @@
         </p:blipFill>
         <p:spPr>
           <a:xfrm rot="0">
-            <a:off x="1080770" y="3612515"/>
-            <a:ext cx="1443990" cy="512445"/>
+            <a:off x="6775450" y="1211580"/>
+            <a:ext cx="1480185" cy="1424305"/>
           </a:xfrm>
           <a:prstGeom prst="roundRect"/>
           <a:solidFill>
@@ -7926,9 +8984,42 @@
           </a:solidFill>
         </p:spPr>
       </p:pic>
+      <p:cxnSp>
+        <p:nvCxnSpPr>
+          <p:cNvPr id="15" name="도형 16"/>
+          <p:cNvCxnSpPr/>
+          <p:nvPr/>
+        </p:nvCxnSpPr>
+        <p:spPr>
+          <a:xfrm rot="0">
+            <a:off x="7806055" y="2344420"/>
+            <a:ext cx="1496695" cy="8890"/>
+          </a:xfrm>
+          <a:prstGeom prst="straightConnector1"/>
+          <a:ln w="6350" cap="flat" cmpd="sng">
+            <a:prstDash/>
+            <a:headEnd type="none" w="med" len="med"/>
+            <a:tailEnd type="triangle" w="med" len="med"/>
+          </a:ln>
+        </p:spPr>
+        <p:style>
+          <a:lnRef idx="1">
+            <a:schemeClr val="accent1"/>
+          </a:lnRef>
+          <a:fillRef idx="0">
+            <a:schemeClr val="accent1"/>
+          </a:fillRef>
+          <a:effectRef idx="0">
+            <a:schemeClr val="accent1"/>
+          </a:effectRef>
+          <a:fontRef idx="minor">
+            <a:schemeClr val="tx1"/>
+          </a:fontRef>
+        </p:style>
+      </p:cxnSp>
       <p:pic>
         <p:nvPicPr>
-          <p:cNvPr id="1040" name="그림 13"/>
+          <p:cNvPr id="17" name="그림 32" descr="C:/Users/Admin1/AppData/Roaming/PolarisOffice/ETemp/21612_20234488/fImage115161876500.png"/>
           <p:cNvPicPr>
             <a:picLocks noChangeAspect="1"/>
           </p:cNvPicPr>
@@ -7948,8 +9039,8 @@
         </p:blipFill>
         <p:spPr>
           <a:xfrm rot="0">
-            <a:off x="3676650" y="3608070"/>
-            <a:ext cx="1443990" cy="512445"/>
+            <a:off x="6773545" y="3596640"/>
+            <a:ext cx="1340485" cy="1433195"/>
           </a:xfrm>
           <a:prstGeom prst="roundRect"/>
           <a:solidFill>
@@ -7957,154 +9048,9 @@
           </a:solidFill>
         </p:spPr>
       </p:pic>
-      <p:sp>
-        <p:nvSpPr>
-          <p:cNvPr id="1041" name="텍스트 상자 14"/>
-          <p:cNvSpPr txBox="1">
-            <a:spLocks/>
-          </p:cNvSpPr>
-          <p:nvPr/>
-        </p:nvSpPr>
-        <p:spPr>
-          <a:xfrm rot="0">
-            <a:off x="1038225" y="4127500"/>
-            <a:ext cx="1534160" cy="323850"/>
-          </a:xfrm>
-          <a:prstGeom prst="rect"/>
-          <a:noFill/>
-          <a:ln w="0">
-            <a:noFill/>
-            <a:prstDash/>
-          </a:ln>
-        </p:spPr>
-        <p:txBody>
-          <a:bodyPr wrap="square" lIns="89535" tIns="46355" rIns="89535" bIns="46355" numCol="1" vert="horz" anchor="t">
-            <a:spAutoFit/>
-          </a:bodyPr>
-          <a:lstStyle/>
-          <a:p>
-            <a:pPr marL="0" indent="0" algn="l" latinLnBrk="0" hangingPunct="1">
-              <a:buFontTx/>
-              <a:buNone/>
-            </a:pPr>
-            <a:r>
-              <a:rPr lang="ko-KR" sz="1500" b="1">
-                <a:solidFill>
-                  <a:srgbClr val="0611F2"/>
-                </a:solidFill>
-                <a:latin typeface="맑은 고딕" charset="0"/>
-                <a:ea typeface="맑은 고딕" charset="0"/>
-              </a:rPr>
-              <a:t>View ID : 1001</a:t>
-            </a:r>
-            <a:endParaRPr lang="ko-KR" altLang="en-US" sz="1500" b="1">
-              <a:solidFill>
-                <a:srgbClr val="0611F2"/>
-              </a:solidFill>
-              <a:latin typeface="맑은 고딕" charset="0"/>
-              <a:ea typeface="맑은 고딕" charset="0"/>
-            </a:endParaRPr>
-          </a:p>
-        </p:txBody>
-      </p:sp>
-      <p:sp>
-        <p:nvSpPr>
-          <p:cNvPr id="1042" name="텍스트 상자 15"/>
-          <p:cNvSpPr txBox="1">
-            <a:spLocks/>
-          </p:cNvSpPr>
-          <p:nvPr/>
-        </p:nvSpPr>
-        <p:spPr>
-          <a:xfrm rot="0">
-            <a:off x="3586480" y="4132580"/>
-            <a:ext cx="1534160" cy="323850"/>
-          </a:xfrm>
-          <a:prstGeom prst="rect"/>
-          <a:noFill/>
-          <a:ln w="0">
-            <a:noFill/>
-            <a:prstDash/>
-          </a:ln>
-        </p:spPr>
-        <p:txBody>
-          <a:bodyPr wrap="square" lIns="89535" tIns="46355" rIns="89535" bIns="46355" numCol="1" vert="horz" anchor="t">
-            <a:spAutoFit/>
-          </a:bodyPr>
-          <a:lstStyle/>
-          <a:p>
-            <a:pPr marL="0" indent="0" algn="l" latinLnBrk="0" hangingPunct="1">
-              <a:buFontTx/>
-              <a:buNone/>
-            </a:pPr>
-            <a:r>
-              <a:rPr lang="ko-KR" sz="1500" b="1">
-                <a:solidFill>
-                  <a:srgbClr val="0611F2"/>
-                </a:solidFill>
-                <a:latin typeface="맑은 고딕" charset="0"/>
-                <a:ea typeface="맑은 고딕" charset="0"/>
-              </a:rPr>
-              <a:t>View ID : 1001</a:t>
-            </a:r>
-            <a:endParaRPr lang="ko-KR" altLang="en-US" sz="1500" b="1">
-              <a:solidFill>
-                <a:srgbClr val="0611F2"/>
-              </a:solidFill>
-              <a:latin typeface="맑은 고딕" charset="0"/>
-              <a:ea typeface="맑은 고딕" charset="0"/>
-            </a:endParaRPr>
-          </a:p>
-        </p:txBody>
-      </p:sp>
-      <p:sp>
-        <p:nvSpPr>
-          <p:cNvPr id="1043" name="도형 18"/>
-          <p:cNvSpPr>
-            <a:spLocks/>
-          </p:cNvSpPr>
-          <p:nvPr/>
-        </p:nvSpPr>
-        <p:spPr>
-          <a:xfrm rot="0" flipH="1">
-            <a:off x="1609725" y="4448175"/>
-            <a:ext cx="3039110" cy="619760"/>
-          </a:xfrm>
-          <a:prstGeom prst="curvedUpArrow"/>
-        </p:spPr>
-        <p:style>
-          <a:lnRef idx="2">
-            <a:schemeClr val="accent1">
-              <a:shade val="50000"/>
-            </a:schemeClr>
-          </a:lnRef>
-          <a:fillRef idx="1">
-            <a:schemeClr val="accent1"/>
-          </a:fillRef>
-          <a:effectRef idx="0">
-            <a:schemeClr val="accent1"/>
-          </a:effectRef>
-          <a:fontRef idx="minor">
-            <a:schemeClr val="lt1"/>
-          </a:fontRef>
-        </p:style>
-        <p:txBody>
-          <a:bodyPr wrap="square" lIns="91440" tIns="45720" rIns="91440" bIns="45720" vert="horz" anchor="ctr">
-            <a:noAutofit/>
-          </a:bodyPr>
-          <a:lstStyle/>
-          <a:p>
-            <a:pPr marL="0" indent="0" algn="ctr" hangingPunct="1"/>
-            <a:endParaRPr lang="ko-KR" altLang="en-US" sz="1800">
-              <a:latin typeface="맑은 고딕" charset="0"/>
-              <a:ea typeface="맑은 고딕" charset="0"/>
-            </a:endParaRPr>
-          </a:p>
-        </p:txBody>
-      </p:sp>
       <p:pic>
         <p:nvPicPr>
-          <p:cNvPr id="1044" name="그림 19"/>
+          <p:cNvPr id="18" name="그림 35" descr="C:/Users/Admin1/AppData/Roaming/PolarisOffice/ETemp/21612_20234488/fImage54801899169.png"/>
           <p:cNvPicPr>
             <a:picLocks noChangeAspect="1"/>
           </p:cNvPicPr>
@@ -8124,8 +9070,8 @@
         </p:blipFill>
         <p:spPr>
           <a:xfrm rot="0">
-            <a:off x="833120" y="2433320"/>
-            <a:ext cx="4501515" cy="891540"/>
+            <a:off x="8252460" y="3607435"/>
+            <a:ext cx="2721610" cy="1430655"/>
           </a:xfrm>
           <a:prstGeom prst="roundRect"/>
           <a:solidFill>
@@ -8133,6 +9079,84 @@
           </a:solidFill>
         </p:spPr>
       </p:pic>
+      <p:sp>
+        <p:nvSpPr>
+          <p:cNvPr id="19" name="텍스트 상자 38"/>
+          <p:cNvSpPr txBox="1">
+            <a:spLocks/>
+          </p:cNvSpPr>
+          <p:nvPr/>
+        </p:nvSpPr>
+        <p:spPr>
+          <a:xfrm rot="0">
+            <a:off x="6779260" y="5196205"/>
+            <a:ext cx="4191635" cy="923925"/>
+          </a:xfrm>
+          <a:prstGeom prst="rect"/>
+          <a:noFill/>
+          <a:ln w="0">
+            <a:noFill/>
+            <a:prstDash/>
+          </a:ln>
+        </p:spPr>
+        <p:txBody>
+          <a:bodyPr wrap="square" lIns="89535" tIns="46355" rIns="89535" bIns="46355" numCol="1" vert="horz" anchor="t">
+            <a:spAutoFit/>
+          </a:bodyPr>
+          <a:lstStyle/>
+          <a:p>
+            <a:pPr marL="0" indent="0" rtl="0" algn="l" defTabSz="914400" eaLnBrk="1" latinLnBrk="0" hangingPunct="1">
+              <a:buFontTx/>
+              <a:buNone/>
+            </a:pPr>
+            <a:r>
+              <a:rPr lang="ko-KR" sz="1800" b="1">
+                <a:solidFill>
+                  <a:srgbClr val="0611F2"/>
+                </a:solidFill>
+                <a:latin typeface="맑은 고딕" charset="0"/>
+                <a:ea typeface="맑은 고딕" charset="0"/>
+              </a:rPr>
+              <a:t>4</a:t>
+            </a:r>
+            <a:r>
+              <a:rPr sz="1800" b="1">
+                <a:solidFill>
+                  <a:srgbClr val="0611F2"/>
+                </a:solidFill>
+                <a:latin typeface="맑은 고딕" charset="0"/>
+                <a:ea typeface="맑은 고딕" charset="0"/>
+              </a:rPr>
+              <a:t>.</a:t>
+            </a:r>
+            <a:r>
+              <a:rPr sz="1800">
+                <a:latin typeface="맑은 고딕" charset="0"/>
+                <a:ea typeface="맑은 고딕" charset="0"/>
+              </a:rPr>
+              <a:t> </a:t>
+            </a:r>
+            <a:r>
+              <a:rPr sz="1800">
+                <a:latin typeface="맑은 고딕" charset="0"/>
+                <a:ea typeface="맑은 고딕" charset="0"/>
+              </a:rPr>
+              <a:t>이</a:t>
+            </a:r>
+            <a:r>
+              <a:rPr lang="ko-KR" sz="1800">
+                <a:latin typeface="맑은 고딕" charset="0"/>
+                <a:ea typeface="맑은 고딕" charset="0"/>
+              </a:rPr>
+              <a:t>제 Content 오브젝트를 선택하고 Veritical Layout Group 컴포넌트를 추가합니다.</a:t>
+            </a:r>
+            <a:endParaRPr lang="ko-KR" altLang="en-US" sz="1800">
+              <a:latin typeface="맑은 고딕" charset="0"/>
+              <a:ea typeface="맑은 고딕" charset="0"/>
+            </a:endParaRPr>
+          </a:p>
+        </p:txBody>
+      </p:sp>
     </p:spTree>
   </p:cSld>
   <p:clrMapOvr>
@@ -8175,7 +9199,7 @@
       </p:grpSpPr>
       <p:sp>
         <p:nvSpPr>
-          <p:cNvPr id="2" name="Rect 0"/>
+          <p:cNvPr id="2" name="텍스트 상자 1"/>
           <p:cNvSpPr txBox="1">
             <a:spLocks/>
           </p:cNvSpPr>
@@ -8183,8 +9207,8 @@
         </p:nvSpPr>
         <p:spPr>
           <a:xfrm rot="0">
-            <a:off x="4509135" y="361315"/>
-            <a:ext cx="3173095" cy="554990"/>
+            <a:off x="4509135" y="377825"/>
+            <a:ext cx="3181350" cy="554990"/>
           </a:xfrm>
           <a:prstGeom prst="rect"/>
           <a:noFill/>
@@ -8194,7 +9218,7 @@
           </a:ln>
         </p:spPr>
         <p:txBody>
-          <a:bodyPr wrap="square" lIns="89535" tIns="46355" rIns="89535" bIns="46355" vert="horz" anchor="t">
+          <a:bodyPr wrap="square" lIns="89535" tIns="46355" rIns="89535" bIns="46355" numCol="1" vert="horz" anchor="t">
             <a:spAutoFit/>
           </a:bodyPr>
           <a:lstStyle/>
@@ -8208,7 +9232,7 @@
                 <a:latin typeface="맑은 고딕" charset="0"/>
                 <a:ea typeface="맑은 고딕" charset="0"/>
               </a:rPr>
-              <a:t>첫 번째 튜토리얼</a:t>
+              <a:t>세 번째 튜토리얼</a:t>
             </a:r>
             <a:r>
               <a:rPr sz="3000" b="1">
@@ -8226,7 +9250,7 @@
       </p:sp>
       <p:sp>
         <p:nvSpPr>
-          <p:cNvPr id="6" name="Rect 0"/>
+          <p:cNvPr id="3" name="텍스트 상자 2"/>
           <p:cNvSpPr txBox="1">
             <a:spLocks/>
           </p:cNvSpPr>
@@ -8234,8 +9258,8 @@
         </p:nvSpPr>
         <p:spPr>
           <a:xfrm rot="0">
-            <a:off x="1239520" y="4335145"/>
-            <a:ext cx="4189730" cy="1754505"/>
+            <a:off x="1333500" y="3121025"/>
+            <a:ext cx="4030345" cy="925195"/>
           </a:xfrm>
           <a:prstGeom prst="rect"/>
           <a:noFill/>
@@ -8255,237 +9279,22 @@
               <a:buNone/>
             </a:pPr>
             <a:r>
-              <a:rPr sz="1800" b="1">
-                <a:solidFill>
-                  <a:srgbClr val="0611F2"/>
-                </a:solidFill>
-                <a:latin typeface="맑은 고딕" charset="0"/>
-                <a:ea typeface="맑은 고딕" charset="0"/>
-              </a:rPr>
-              <a:t>1.</a:t>
-            </a:r>
-            <a:r>
               <a:rPr sz="1800">
                 <a:latin typeface="맑은 고딕" charset="0"/>
                 <a:ea typeface="맑은 고딕" charset="0"/>
               </a:rPr>
-              <a:t> </a:t>
-            </a:r>
-            <a:r>
-              <a:rPr lang="ko-KR" sz="1800">
-                <a:latin typeface="맑은 고딕" charset="0"/>
-                <a:ea typeface="맑은 고딕" charset="0"/>
-              </a:rPr>
-              <a:t>Scroll View에 Content의 하위 오브젝트로 Text UI를 추가하고 이름을 String으로 변경합니다.</a:t>
+              <a:t>Content Size Fitter : UI의 크기에 따라 유동적으로 UI의 크기를 조절할 수 있는 컴포넌트입니다. </a:t>
             </a:r>
             <a:endParaRPr lang="ko-KR" altLang="en-US" sz="1800">
               <a:latin typeface="맑은 고딕" charset="0"/>
               <a:ea typeface="맑은 고딕" charset="0"/>
             </a:endParaRPr>
           </a:p>
-          <a:p>
-            <a:pPr marL="0" indent="0" rtl="0" algn="l" defTabSz="914400" eaLnBrk="1" latinLnBrk="0" hangingPunct="1">
-              <a:buFontTx/>
-              <a:buNone/>
-            </a:pPr>
-            <a:endParaRPr lang="ko-KR" altLang="en-US" sz="1800">
-              <a:latin typeface="맑은 고딕" charset="0"/>
-              <a:ea typeface="맑은 고딕" charset="0"/>
-            </a:endParaRPr>
-          </a:p>
-          <a:p>
-            <a:pPr marL="0" indent="0" rtl="0" algn="l" defTabSz="914400" eaLnBrk="1" latinLnBrk="0" hangingPunct="1">
-              <a:buFontTx/>
-              <a:buNone/>
-            </a:pPr>
-            <a:r>
-              <a:rPr lang="ko-KR" sz="1800">
-                <a:latin typeface="맑은 고딕" charset="0"/>
-                <a:ea typeface="맑은 고딕" charset="0"/>
-              </a:rPr>
-              <a:t>그리고 Content Size Fitter 컴포넌트를 추가합니다.</a:t>
-            </a:r>
-            <a:endParaRPr lang="ko-KR" altLang="en-US" sz="1800">
-              <a:latin typeface="맑은 고딕" charset="0"/>
-              <a:ea typeface="맑은 고딕" charset="0"/>
-            </a:endParaRPr>
-          </a:p>
-        </p:txBody>
-      </p:sp>
-      <p:sp>
-        <p:nvSpPr>
-          <p:cNvPr id="7" name="Rect 0"/>
-          <p:cNvSpPr txBox="1">
-            <a:spLocks/>
-          </p:cNvSpPr>
-          <p:nvPr/>
-        </p:nvSpPr>
-        <p:spPr>
-          <a:xfrm rot="0">
-            <a:off x="6789420" y="1214120"/>
-            <a:ext cx="4126230" cy="923925"/>
-          </a:xfrm>
-          <a:prstGeom prst="rect"/>
-          <a:noFill/>
-          <a:ln w="0">
-            <a:noFill/>
-            <a:prstDash/>
-          </a:ln>
-        </p:spPr>
-        <p:txBody>
-          <a:bodyPr wrap="square" lIns="89535" tIns="46355" rIns="89535" bIns="46355" numCol="1" vert="horz" anchor="t">
-            <a:spAutoFit/>
-          </a:bodyPr>
-          <a:lstStyle/>
-          <a:p>
-            <a:pPr marL="0" indent="0" rtl="0" algn="l" defTabSz="914400" eaLnBrk="1" latinLnBrk="0" hangingPunct="1">
-              <a:buFontTx/>
-              <a:buNone/>
-            </a:pPr>
-            <a:r>
-              <a:rPr sz="1800" b="1">
-                <a:solidFill>
-                  <a:srgbClr val="0611F2"/>
-                </a:solidFill>
-                <a:latin typeface="맑은 고딕" charset="0"/>
-                <a:ea typeface="맑은 고딕" charset="0"/>
-              </a:rPr>
-              <a:t>2</a:t>
-            </a:r>
-            <a:r>
-              <a:rPr sz="1800" b="1">
-                <a:solidFill>
-                  <a:srgbClr val="0611F2"/>
-                </a:solidFill>
-                <a:latin typeface="맑은 고딕" charset="0"/>
-                <a:ea typeface="맑은 고딕" charset="0"/>
-              </a:rPr>
-              <a:t>.</a:t>
-            </a:r>
-            <a:r>
-              <a:rPr sz="1800">
-                <a:latin typeface="맑은 고딕" charset="0"/>
-                <a:ea typeface="맑은 고딕" charset="0"/>
-              </a:rPr>
-              <a:t> </a:t>
-            </a:r>
-            <a:r>
-              <a:rPr sz="1800">
-                <a:latin typeface="맑은 고딕" charset="0"/>
-                <a:ea typeface="맑은 고딕" charset="0"/>
-              </a:rPr>
-              <a:t>그</a:t>
-            </a:r>
-            <a:r>
-              <a:rPr lang="ko-KR" sz="1800">
-                <a:latin typeface="맑은 고딕" charset="0"/>
-                <a:ea typeface="맑은 고딕" charset="0"/>
-              </a:rPr>
-              <a:t>다음 String UI를 Resources 폴더에 넣고 프리팹으로 만들어 놓습니다.</a:t>
-            </a:r>
-            <a:endParaRPr lang="ko-KR" altLang="en-US" sz="1800">
-              <a:latin typeface="맑은 고딕" charset="0"/>
-              <a:ea typeface="맑은 고딕" charset="0"/>
-            </a:endParaRPr>
-          </a:p>
         </p:txBody>
       </p:sp>
       <p:pic>
         <p:nvPicPr>
-          <p:cNvPr id="10" name="그림 18"/>
-          <p:cNvPicPr>
-            <a:picLocks noChangeAspect="1"/>
-          </p:cNvPicPr>
-          <p:nvPr/>
-        </p:nvPicPr>
-        <p:blipFill rotWithShape="1">
-          <a:blip r:embed="rId2" cstate="print">
-            <a:extLst>
-              <a:ext uri="{28A0092B-C50C-407E-A947-70E740481C1C}">
-                <a14:useLocalDpi xmlns:a14="http://schemas.microsoft.com/office/drawing/2010/main" val="0"/>
-              </a:ext>
-            </a:extLst>
-          </a:blip>
-          <a:stretch>
-            <a:fillRect/>
-          </a:stretch>
-        </p:blipFill>
-        <p:spPr>
-          <a:xfrm rot="0">
-            <a:off x="3858895" y="1209675"/>
-            <a:ext cx="1581785" cy="877570"/>
-          </a:xfrm>
-          <a:prstGeom prst="roundRect"/>
-          <a:solidFill>
-            <a:srgbClr val="EDEDED"/>
-          </a:solidFill>
-        </p:spPr>
-      </p:pic>
-      <p:pic>
-        <p:nvPicPr>
-          <p:cNvPr id="11" name="그림 21"/>
-          <p:cNvPicPr>
-            <a:picLocks noChangeAspect="1"/>
-          </p:cNvPicPr>
-          <p:nvPr/>
-        </p:nvPicPr>
-        <p:blipFill rotWithShape="1">
-          <a:blip r:embed="rId3" cstate="hqprint">
-            <a:extLst>
-              <a:ext uri="{28A0092B-C50C-407E-A947-70E740481C1C}">
-                <a14:useLocalDpi xmlns:a14="http://schemas.microsoft.com/office/drawing/2010/main"/>
-              </a:ext>
-            </a:extLst>
-          </a:blip>
-          <a:stretch>
-            <a:fillRect/>
-          </a:stretch>
-        </p:blipFill>
-        <p:spPr>
-          <a:xfrm rot="0">
-            <a:off x="1231265" y="2312670"/>
-            <a:ext cx="4206240" cy="1877695"/>
-          </a:xfrm>
-          <a:prstGeom prst="roundRect"/>
-          <a:solidFill>
-            <a:srgbClr val="EDEDED"/>
-          </a:solidFill>
-        </p:spPr>
-      </p:pic>
-      <p:pic>
-        <p:nvPicPr>
-          <p:cNvPr id="12" name="그림 22"/>
-          <p:cNvPicPr>
-            <a:picLocks noChangeAspect="1"/>
-          </p:cNvPicPr>
-          <p:nvPr/>
-        </p:nvPicPr>
-        <p:blipFill rotWithShape="1">
-          <a:blip r:embed="rId4" cstate="print">
-            <a:extLst>
-              <a:ext uri="{28A0092B-C50C-407E-A947-70E740481C1C}">
-                <a14:useLocalDpi xmlns:a14="http://schemas.microsoft.com/office/drawing/2010/main" val="0"/>
-              </a:ext>
-            </a:extLst>
-          </a:blip>
-          <a:stretch>
-            <a:fillRect/>
-          </a:stretch>
-        </p:blipFill>
-        <p:spPr>
-          <a:xfrm rot="0">
-            <a:off x="1236980" y="1211580"/>
-            <a:ext cx="2153285" cy="876935"/>
-          </a:xfrm>
-          <a:prstGeom prst="roundRect"/>
-          <a:solidFill>
-            <a:srgbClr val="EDEDED"/>
-          </a:solidFill>
-        </p:spPr>
-      </p:pic>
-      <p:pic>
-        <p:nvPicPr>
-          <p:cNvPr id="13" name="그림 26"/>
+          <p:cNvPr id="8" name="그림 7" descr="C:/Users/Admin1/AppData/Roaming/PolarisOffice/ETemp/21612_20234488/fImage603472316500.png"/>
           <p:cNvPicPr>
             <a:picLocks noChangeAspect="1"/>
           </p:cNvPicPr>
@@ -8505,46 +9314,257 @@
         </p:blipFill>
         <p:spPr>
           <a:xfrm rot="0">
-            <a:off x="6791960" y="2202815"/>
-            <a:ext cx="4124960" cy="3891280"/>
+            <a:off x="1322070" y="1380490"/>
+            <a:ext cx="4042410" cy="1642110"/>
+          </a:xfrm>
+          <a:prstGeom prst="roundRect"/>
+          <a:solidFill>
+            <a:srgbClr val="EDEDED"/>
+          </a:solidFill>
+        </p:spPr>
+      </p:pic>
+      <p:pic>
+        <p:nvPicPr>
+          <p:cNvPr id="9" name="그림 41" descr="C:/Users/Admin1/AppData/Roaming/PolarisOffice/ETemp/21612_20234488/fImage191501945724.png"/>
+          <p:cNvPicPr>
+            <a:picLocks noChangeAspect="1"/>
+          </p:cNvPicPr>
+          <p:nvPr/>
+        </p:nvPicPr>
+        <p:blipFill rotWithShape="1">
+          <a:blip r:embed="rId7" cstate="hqprint">
+            <a:extLst>
+              <a:ext uri="{28A0092B-C50C-407E-A947-70E740481C1C}">
+                <a14:useLocalDpi xmlns:a14="http://schemas.microsoft.com/office/drawing/2010/main"/>
+              </a:ext>
+            </a:extLst>
+          </a:blip>
+          <a:stretch>
+            <a:fillRect/>
+          </a:stretch>
+        </p:blipFill>
+        <p:spPr>
+          <a:xfrm rot="0">
+            <a:off x="6808470" y="1383665"/>
+            <a:ext cx="2345055" cy="3796030"/>
+          </a:xfrm>
+          <a:prstGeom prst="roundRect"/>
+          <a:solidFill>
+            <a:srgbClr val="EDEDED"/>
+          </a:solidFill>
+        </p:spPr>
+      </p:pic>
+      <p:pic>
+        <p:nvPicPr>
+          <p:cNvPr id="10" name="그림 42" descr="C:/Users/Admin1/AppData/Roaming/PolarisOffice/ETemp/21612_20234488/fImage122231951478.png"/>
+          <p:cNvPicPr>
+            <a:picLocks noChangeAspect="1"/>
+          </p:cNvPicPr>
+          <p:nvPr/>
+        </p:nvPicPr>
+        <p:blipFill rotWithShape="1">
+          <a:blip r:embed="rId8" cstate="print">
+            <a:extLst>
+              <a:ext uri="{28A0092B-C50C-407E-A947-70E740481C1C}">
+                <a14:useLocalDpi xmlns:a14="http://schemas.microsoft.com/office/drawing/2010/main" val="0"/>
+              </a:ext>
+            </a:extLst>
+          </a:blip>
+          <a:stretch>
+            <a:fillRect/>
+          </a:stretch>
+        </p:blipFill>
+        <p:spPr>
+          <a:xfrm rot="0">
+            <a:off x="9327515" y="2270760"/>
+            <a:ext cx="1621155" cy="2134235"/>
+          </a:xfrm>
+          <a:prstGeom prst="roundRect"/>
+          <a:solidFill>
+            <a:srgbClr val="EDEDED"/>
+          </a:solidFill>
+        </p:spPr>
+      </p:pic>
+      <p:sp>
+        <p:nvSpPr>
+          <p:cNvPr id="11" name="텍스트 상자 45"/>
+          <p:cNvSpPr txBox="1">
+            <a:spLocks/>
+          </p:cNvSpPr>
+          <p:nvPr/>
+        </p:nvSpPr>
+        <p:spPr>
+          <a:xfrm rot="0">
+            <a:off x="6816725" y="5348605"/>
+            <a:ext cx="4123690" cy="647065"/>
           </a:xfrm>
           <a:prstGeom prst="rect"/>
           <a:noFill/>
+          <a:ln w="0">
+            <a:noFill/>
+            <a:prstDash/>
+          </a:ln>
+        </p:spPr>
+        <p:txBody>
+          <a:bodyPr wrap="square" lIns="89535" tIns="46355" rIns="89535" bIns="46355" numCol="1" vert="horz" anchor="t">
+            <a:spAutoFit/>
+          </a:bodyPr>
+          <a:lstStyle/>
+          <a:p>
+            <a:pPr marL="0" indent="0" rtl="0" algn="l" defTabSz="914400" eaLnBrk="1" latinLnBrk="0" hangingPunct="1">
+              <a:buFontTx/>
+              <a:buNone/>
+            </a:pPr>
+            <a:r>
+              <a:rPr lang="ko-KR" sz="1800" b="1">
+                <a:solidFill>
+                  <a:srgbClr val="0611F2"/>
+                </a:solidFill>
+                <a:latin typeface="맑은 고딕" charset="0"/>
+                <a:ea typeface="맑은 고딕" charset="0"/>
+              </a:rPr>
+              <a:t>6</a:t>
+            </a:r>
+            <a:r>
+              <a:rPr sz="1800" b="1">
+                <a:solidFill>
+                  <a:srgbClr val="0611F2"/>
+                </a:solidFill>
+                <a:latin typeface="맑은 고딕" charset="0"/>
+                <a:ea typeface="맑은 고딕" charset="0"/>
+              </a:rPr>
+              <a:t>.</a:t>
+            </a:r>
+            <a:r>
+              <a:rPr sz="1800">
+                <a:latin typeface="맑은 고딕" charset="0"/>
+                <a:ea typeface="맑은 고딕" charset="0"/>
+              </a:rPr>
+              <a:t> </a:t>
+            </a:r>
+            <a:r>
+              <a:rPr lang="ko-KR" sz="1800">
+                <a:latin typeface="맑은 고딕" charset="0"/>
+                <a:ea typeface="맑은 고딕" charset="0"/>
+              </a:rPr>
+              <a:t>그다음으로 UI에 Input Field를 추가합니다.</a:t>
+            </a:r>
+            <a:r>
+              <a:rPr sz="1800">
+                <a:latin typeface="맑은 고딕" charset="0"/>
+                <a:ea typeface="맑은 고딕" charset="0"/>
+              </a:rPr>
+              <a:t> </a:t>
+            </a:r>
+            <a:endParaRPr lang="ko-KR" altLang="en-US" sz="1800">
+              <a:latin typeface="맑은 고딕" charset="0"/>
+              <a:ea typeface="맑은 고딕" charset="0"/>
+            </a:endParaRPr>
+          </a:p>
+        </p:txBody>
+      </p:sp>
+      <p:pic>
+        <p:nvPicPr>
+          <p:cNvPr id="12" name="그림 94" descr="C:/Users/Admin1/AppData/Roaming/PolarisOffice/ETemp/21612_20234488/fImage125483459358.png"/>
+          <p:cNvPicPr>
+            <a:picLocks noChangeAspect="1"/>
+          </p:cNvPicPr>
+          <p:nvPr/>
+        </p:nvPicPr>
+        <p:blipFill rotWithShape="1">
+          <a:blip r:embed="rId9" cstate="print">
+            <a:extLst>
+              <a:ext uri="{28A0092B-C50C-407E-A947-70E740481C1C}">
+                <a14:useLocalDpi xmlns:a14="http://schemas.microsoft.com/office/drawing/2010/main" val="0"/>
+              </a:ext>
+            </a:extLst>
+          </a:blip>
+          <a:stretch>
+            <a:fillRect/>
+          </a:stretch>
+        </p:blipFill>
+        <p:spPr>
+          <a:xfrm rot="0">
+            <a:off x="1330325" y="4116070"/>
+            <a:ext cx="4030345" cy="1106170"/>
+          </a:xfrm>
+          <a:prstGeom prst="roundRect"/>
+          <a:solidFill>
+            <a:srgbClr val="EDEDED"/>
+          </a:solidFill>
         </p:spPr>
       </p:pic>
-      <p:cxnSp>
-        <p:nvCxnSpPr>
-          <p:cNvPr id="14" name="도형 27"/>
-          <p:cNvCxnSpPr/>
+      <p:sp>
+        <p:nvSpPr>
+          <p:cNvPr id="13" name="텍스트 상자 97"/>
+          <p:cNvSpPr txBox="1">
+            <a:spLocks/>
+          </p:cNvSpPr>
           <p:nvPr/>
-        </p:nvCxnSpPr>
-        <p:spPr>
-          <a:xfrm rot="0">
-            <a:off x="7365365" y="2868295"/>
-            <a:ext cx="939800" cy="1463675"/>
-          </a:xfrm>
-          <a:prstGeom prst="straightConnector1"/>
-          <a:ln w="6350" cap="flat" cmpd="sng">
+        </p:nvSpPr>
+        <p:spPr>
+          <a:xfrm rot="0">
+            <a:off x="1337945" y="5334000"/>
+            <a:ext cx="4031615" cy="647065"/>
+          </a:xfrm>
+          <a:prstGeom prst="rect"/>
+          <a:noFill/>
+          <a:ln w="0">
+            <a:noFill/>
             <a:prstDash/>
-            <a:headEnd type="none" w="med" len="med"/>
-            <a:tailEnd type="triangle" w="med" len="med"/>
           </a:ln>
         </p:spPr>
-        <p:style>
-          <a:lnRef idx="1">
-            <a:schemeClr val="accent1"/>
-          </a:lnRef>
-          <a:fillRef idx="0">
-            <a:schemeClr val="accent1"/>
-          </a:fillRef>
-          <a:effectRef idx="0">
-            <a:schemeClr val="accent1"/>
-          </a:effectRef>
-          <a:fontRef idx="minor">
-            <a:schemeClr val="tx1"/>
-          </a:fontRef>
-        </p:style>
-      </p:cxnSp>
+        <p:txBody>
+          <a:bodyPr wrap="square" lIns="89535" tIns="46355" rIns="89535" bIns="46355" numCol="1" vert="horz" anchor="t">
+            <a:spAutoFit/>
+          </a:bodyPr>
+          <a:lstStyle/>
+          <a:p>
+            <a:pPr marL="0" indent="0" rtl="0" algn="l" defTabSz="914400" eaLnBrk="1" latinLnBrk="0" hangingPunct="1">
+              <a:buFontTx/>
+              <a:buNone/>
+            </a:pPr>
+            <a:r>
+              <a:rPr lang="ko-KR" sz="1800" b="1">
+                <a:solidFill>
+                  <a:srgbClr val="0611F2"/>
+                </a:solidFill>
+                <a:latin typeface="맑은 고딕" charset="0"/>
+                <a:ea typeface="맑은 고딕" charset="0"/>
+              </a:rPr>
+              <a:t>5</a:t>
+            </a:r>
+            <a:r>
+              <a:rPr sz="1800" b="1">
+                <a:solidFill>
+                  <a:srgbClr val="0611F2"/>
+                </a:solidFill>
+                <a:latin typeface="맑은 고딕" charset="0"/>
+                <a:ea typeface="맑은 고딕" charset="0"/>
+              </a:rPr>
+              <a:t>.</a:t>
+            </a:r>
+            <a:r>
+              <a:rPr sz="1800">
+                <a:latin typeface="맑은 고딕" charset="0"/>
+                <a:ea typeface="맑은 고딕" charset="0"/>
+              </a:rPr>
+              <a:t> </a:t>
+            </a:r>
+            <a:r>
+              <a:rPr lang="ko-KR" sz="1800">
+                <a:latin typeface="맑은 고딕" charset="0"/>
+                <a:ea typeface="맑은 고딕" charset="0"/>
+              </a:rPr>
+              <a:t>그리고 Scroll View 오브젝트의 크기와 앵커를 설정합니다.</a:t>
+            </a:r>
+            <a:endParaRPr lang="ko-KR" altLang="en-US" sz="1800">
+              <a:latin typeface="맑은 고딕" charset="0"/>
+              <a:ea typeface="맑은 고딕" charset="0"/>
+            </a:endParaRPr>
+          </a:p>
+        </p:txBody>
+      </p:sp>
     </p:spTree>
   </p:cSld>
   <p:clrMapOvr>
@@ -8569,7 +9589,7 @@
 </file>
 
 <file path=ppt/slides/slide4.xml><?xml version="1.0" encoding="utf-8"?>
-<p:sld xmlns:a="http://schemas.openxmlformats.org/drawingml/2006/main" xmlns:r="http://schemas.openxmlformats.org/officeDocument/2006/relationships" xmlns:p="http://schemas.openxmlformats.org/presentationml/2006/main">
+<p:sld xmlns:a="http://schemas.openxmlformats.org/drawingml/2006/main" xmlns:r="http://schemas.openxmlformats.org/officeDocument/2006/relationships" xmlns:p="http://schemas.openxmlformats.org/presentationml/2006/main" xmlns:p14="http://schemas.microsoft.com/office/powerpoint/2010/main">
   <p:cSld>
     <p:spTree>
       <p:nvGrpSpPr>
@@ -8587,16 +9607,16 @@
       </p:grpSpPr>
       <p:sp>
         <p:nvSpPr>
-          <p:cNvPr id="2" name="텍스트 상자 1"/>
+          <p:cNvPr id="2" name="텍스트 상자 10"/>
           <p:cNvSpPr txBox="1">
             <a:spLocks/>
           </p:cNvSpPr>
           <p:nvPr/>
         </p:nvSpPr>
         <p:spPr>
-          <a:xfrm rot="0">
-            <a:off x="4259580" y="361315"/>
-            <a:ext cx="3580130" cy="556260"/>
+          <a:xfrm>
+            <a:off x="4525645" y="369570"/>
+            <a:ext cx="3140710" cy="554990"/>
           </a:xfrm>
           <a:prstGeom prst="rect"/>
           <a:noFill/>
@@ -8606,7 +9626,7 @@
           </a:ln>
         </p:spPr>
         <p:txBody>
-          <a:bodyPr wrap="square" lIns="89535" tIns="46355" rIns="89535" bIns="46355" vert="horz" anchor="t">
+          <a:bodyPr wrap="square" lIns="89535" tIns="46355" rIns="89535" bIns="46355" numCol="1" vert="horz" anchor="t">
             <a:spAutoFit/>
           </a:bodyPr>
           <a:lstStyle/>
@@ -8616,11 +9636,25 @@
               <a:buNone/>
             </a:pPr>
             <a:r>
+              <a:rPr lang="ko-KR" sz="3000" b="1">
+                <a:latin typeface="맑은 고딕" charset="0"/>
+                <a:ea typeface="맑은 고딕" charset="0"/>
+              </a:rPr>
+              <a:t>네</a:t>
+            </a:r>
+            <a:r>
+              <a:rPr lang="ko-KR" sz="3000" b="1">
+                <a:latin typeface="맑은 고딕" charset="0"/>
+                <a:ea typeface="맑은 고딕" charset="0"/>
+              </a:rPr>
+              <a:t> 번째 튜토리얼</a:t>
+            </a:r>
+            <a:r>
               <a:rPr sz="3000" b="1">
                 <a:latin typeface="맑은 고딕" charset="0"/>
                 <a:ea typeface="맑은 고딕" charset="0"/>
               </a:rPr>
-              <a:t>Content Size Fitter </a:t>
+              <a:t> </a:t>
             </a:r>
             <a:endParaRPr lang="ko-KR" altLang="en-US" sz="3000" b="1">
               <a:latin typeface="맑은 고딕" charset="0"/>
@@ -8629,97 +9663,9 @@
           </a:p>
         </p:txBody>
       </p:sp>
-      <p:sp>
-        <p:nvSpPr>
-          <p:cNvPr id="3" name="텍스트 상자 2"/>
-          <p:cNvSpPr txBox="1">
-            <a:spLocks/>
-          </p:cNvSpPr>
-          <p:nvPr/>
-        </p:nvSpPr>
-        <p:spPr>
-          <a:xfrm rot="0">
-            <a:off x="1325245" y="1370330"/>
-            <a:ext cx="4029710" cy="924560"/>
-          </a:xfrm>
-          <a:prstGeom prst="rect"/>
-          <a:noFill/>
-          <a:ln w="0">
-            <a:noFill/>
-            <a:prstDash/>
-          </a:ln>
-        </p:spPr>
-        <p:txBody>
-          <a:bodyPr wrap="square" lIns="89535" tIns="46355" rIns="89535" bIns="46355" vert="horz" anchor="t">
-            <a:spAutoFit/>
-          </a:bodyPr>
-          <a:lstStyle/>
-          <a:p>
-            <a:pPr marL="0" indent="0" rtl="0" algn="l" defTabSz="914400" eaLnBrk="1" latinLnBrk="0" hangingPunct="1">
-              <a:buFontTx/>
-              <a:buNone/>
-            </a:pPr>
-            <a:r>
-              <a:rPr sz="1800">
-                <a:latin typeface="맑은 고딕" charset="0"/>
-                <a:ea typeface="맑은 고딕" charset="0"/>
-              </a:rPr>
-              <a:t>Content Size Fitter : UI의 크기에 따라 유동적으로 UI의 크기를 조절할 수 있는 컴포넌트입니다. </a:t>
-            </a:r>
-            <a:endParaRPr lang="ko-KR" altLang="en-US" sz="1800">
-              <a:latin typeface="맑은 고딕" charset="0"/>
-              <a:ea typeface="맑은 고딕" charset="0"/>
-            </a:endParaRPr>
-          </a:p>
-        </p:txBody>
-      </p:sp>
-      <p:sp>
-        <p:nvSpPr>
-          <p:cNvPr id="4" name="텍스트 상자 3"/>
-          <p:cNvSpPr txBox="1">
-            <a:spLocks/>
-          </p:cNvSpPr>
-          <p:nvPr/>
-        </p:nvSpPr>
-        <p:spPr>
-          <a:xfrm rot="0">
-            <a:off x="6849110" y="5067935"/>
-            <a:ext cx="4000500" cy="1202055"/>
-          </a:xfrm>
-          <a:prstGeom prst="rect"/>
-          <a:noFill/>
-          <a:ln w="0">
-            <a:noFill/>
-            <a:prstDash/>
-          </a:ln>
-        </p:spPr>
-        <p:txBody>
-          <a:bodyPr wrap="square" lIns="89535" tIns="46355" rIns="89535" bIns="46355" vert="horz" anchor="t">
-            <a:spAutoFit/>
-          </a:bodyPr>
-          <a:lstStyle/>
-          <a:p>
-            <a:pPr marL="0" indent="0" rtl="0" algn="l" defTabSz="914400" eaLnBrk="1" latinLnBrk="0" hangingPunct="1">
-              <a:buFontTx/>
-              <a:buNone/>
-            </a:pPr>
-            <a:r>
-              <a:rPr sz="1800">
-                <a:latin typeface="맑은 고딕" charset="0"/>
-                <a:ea typeface="맑은 고딕" charset="0"/>
-              </a:rPr>
-              <a:t>Unconstrained : UI의 크기를 콘텐츠에 맞추지 않는 옵션으로 UI의 크기를 직접 맞추거나 고정된 크기를 사용해야 할 때 사용하는 옵션입니다.</a:t>
-            </a:r>
-            <a:endParaRPr lang="ko-KR" altLang="en-US" sz="1800">
-              <a:latin typeface="맑은 고딕" charset="0"/>
-              <a:ea typeface="맑은 고딕" charset="0"/>
-            </a:endParaRPr>
-          </a:p>
-        </p:txBody>
-      </p:sp>
       <p:pic>
         <p:nvPicPr>
-          <p:cNvPr id="5" name="그림 4" descr="C:/Users/Admin1/AppData/Roaming/PolarisOffice/ETemp/17088_10211680/fImage635222841.png"/>
+          <p:cNvPr id="3" name="그림 11" descr="C:/Users/Admin1/AppData/Roaming/PolarisOffice/ETemp/21612_20234488/fImage240861709169.png"/>
           <p:cNvPicPr>
             <a:picLocks noChangeAspect="1"/>
           </p:cNvPicPr>
@@ -8739,8 +9685,8 @@
         </p:blipFill>
         <p:spPr>
           <a:xfrm rot="0">
-            <a:off x="6849745" y="1379855"/>
-            <a:ext cx="4008755" cy="915670"/>
+            <a:off x="1231265" y="1263650"/>
+            <a:ext cx="4058285" cy="2710815"/>
           </a:xfrm>
           <a:prstGeom prst="roundRect"/>
           <a:solidFill>
@@ -8750,7 +9696,7 @@
       </p:pic>
       <p:pic>
         <p:nvPicPr>
-          <p:cNvPr id="6" name="그림 5" descr="C:/Users/Admin1/AppData/Roaming/PolarisOffice/ETemp/17088_10211680/fImage422482298467.png"/>
+          <p:cNvPr id="4" name="그림 12" descr="C:/Users/Admin1/AppData/Roaming/PolarisOffice/ETemp/21612_20234488/fImage64291715724.png"/>
           <p:cNvPicPr>
             <a:picLocks noChangeAspect="1"/>
           </p:cNvPicPr>
@@ -8770,8 +9716,8 @@
         </p:blipFill>
         <p:spPr>
           <a:xfrm rot="0">
-            <a:off x="6851015" y="3230245"/>
-            <a:ext cx="890270" cy="922020"/>
+            <a:off x="6866255" y="3350895"/>
+            <a:ext cx="4036695" cy="1031240"/>
           </a:xfrm>
           <a:prstGeom prst="roundRect"/>
           <a:solidFill>
@@ -8779,38 +9725,193 @@
           </a:solidFill>
         </p:spPr>
       </p:pic>
+      <p:sp>
+        <p:nvSpPr>
+          <p:cNvPr id="6" name="텍스트 상자 14"/>
+          <p:cNvSpPr txBox="1">
+            <a:spLocks/>
+          </p:cNvSpPr>
+          <p:nvPr/>
+        </p:nvSpPr>
+        <p:spPr>
+          <a:xfrm rot="0">
+            <a:off x="1231265" y="5304155"/>
+            <a:ext cx="4056380" cy="923925"/>
+          </a:xfrm>
+          <a:prstGeom prst="rect"/>
+          <a:noFill/>
+          <a:ln w="0">
+            <a:noFill/>
+            <a:prstDash/>
+          </a:ln>
+        </p:spPr>
+        <p:txBody>
+          <a:bodyPr wrap="square" lIns="89535" tIns="46355" rIns="89535" bIns="46355" numCol="1" vert="horz" anchor="t">
+            <a:spAutoFit/>
+          </a:bodyPr>
+          <a:lstStyle/>
+          <a:p>
+            <a:pPr marL="0" indent="0" rtl="0" algn="l" defTabSz="914400" eaLnBrk="1" latinLnBrk="0" hangingPunct="1">
+              <a:buFontTx/>
+              <a:buNone/>
+            </a:pPr>
+            <a:r>
+              <a:rPr sz="1800">
+                <a:latin typeface="맑은 고딕" charset="0"/>
+                <a:ea typeface="맑은 고딕" charset="0"/>
+              </a:rPr>
+              <a:t>Preferred Size : 기본적인 콘텐츠의 크기와 UI(Text, Image, Button)의 크기에 따라 맞추어주는 옵션입니다.</a:t>
+            </a:r>
+            <a:endParaRPr lang="ko-KR" altLang="en-US" sz="1800">
+              <a:latin typeface="맑은 고딕" charset="0"/>
+              <a:ea typeface="맑은 고딕" charset="0"/>
+            </a:endParaRPr>
+          </a:p>
+        </p:txBody>
+      </p:sp>
+      <p:sp>
+        <p:nvSpPr>
+          <p:cNvPr id="7" name="텍스트 상자 15"/>
+          <p:cNvSpPr txBox="1">
+            <a:spLocks/>
+          </p:cNvSpPr>
+          <p:nvPr/>
+        </p:nvSpPr>
+        <p:spPr>
+          <a:xfrm rot="0">
+            <a:off x="6864350" y="4511675"/>
+            <a:ext cx="4029710" cy="1754505"/>
+          </a:xfrm>
+          <a:prstGeom prst="rect"/>
+          <a:noFill/>
+          <a:ln w="0">
+            <a:noFill/>
+            <a:prstDash/>
+          </a:ln>
+        </p:spPr>
+        <p:txBody>
+          <a:bodyPr wrap="square" lIns="89535" tIns="46355" rIns="89535" bIns="46355" numCol="1" vert="horz" anchor="t">
+            <a:spAutoFit/>
+          </a:bodyPr>
+          <a:lstStyle/>
+          <a:p>
+            <a:pPr marL="0" indent="0" rtl="0" algn="l" defTabSz="914400" eaLnBrk="1" latinLnBrk="0" hangingPunct="1">
+              <a:buFontTx/>
+              <a:buNone/>
+            </a:pPr>
+            <a:r>
+              <a:rPr lang="ko-KR" sz="1800" b="1">
+                <a:solidFill>
+                  <a:srgbClr val="0611F2"/>
+                </a:solidFill>
+                <a:latin typeface="맑은 고딕" charset="0"/>
+                <a:ea typeface="맑은 고딕" charset="0"/>
+              </a:rPr>
+              <a:t>7</a:t>
+            </a:r>
+            <a:r>
+              <a:rPr sz="1800" b="1">
+                <a:solidFill>
+                  <a:srgbClr val="0611F2"/>
+                </a:solidFill>
+                <a:latin typeface="맑은 고딕" charset="0"/>
+                <a:ea typeface="맑은 고딕" charset="0"/>
+              </a:rPr>
+              <a:t>.</a:t>
+            </a:r>
+            <a:r>
+              <a:rPr sz="1800">
+                <a:latin typeface="맑은 고딕" charset="0"/>
+                <a:ea typeface="맑은 고딕" charset="0"/>
+              </a:rPr>
+              <a:t> </a:t>
+            </a:r>
+            <a:r>
+              <a:rPr lang="ko-KR" sz="1800">
+                <a:latin typeface="맑은 고딕" charset="0"/>
+                <a:ea typeface="맑은 고딕" charset="0"/>
+              </a:rPr>
+              <a:t>그런 다음</a:t>
+            </a:r>
+            <a:r>
+              <a:rPr lang="ko-KR" sz="1800">
+                <a:latin typeface="맑은 고딕" charset="0"/>
+                <a:ea typeface="맑은 고딕" charset="0"/>
+              </a:rPr>
+              <a:t> String </a:t>
+            </a:r>
+            <a:r>
+              <a:rPr lang="ko-KR" sz="1800">
+                <a:latin typeface="맑은 고딕" charset="0"/>
+                <a:ea typeface="맑은 고딕" charset="0"/>
+              </a:rPr>
+              <a:t>오브젝트를 선택하고 앵커와 크기를 설정합니다.</a:t>
+            </a:r>
+            <a:endParaRPr lang="ko-KR" altLang="en-US" sz="1800">
+              <a:latin typeface="맑은 고딕" charset="0"/>
+              <a:ea typeface="맑은 고딕" charset="0"/>
+            </a:endParaRPr>
+          </a:p>
+          <a:p>
+            <a:pPr marL="0" indent="0" rtl="0" algn="l" defTabSz="914400" eaLnBrk="1" latinLnBrk="0" hangingPunct="1">
+              <a:buFontTx/>
+              <a:buNone/>
+            </a:pPr>
+            <a:endParaRPr lang="ko-KR" altLang="en-US" sz="1800">
+              <a:latin typeface="맑은 고딕" charset="0"/>
+              <a:ea typeface="맑은 고딕" charset="0"/>
+            </a:endParaRPr>
+          </a:p>
+          <a:p>
+            <a:pPr marL="0" indent="0" rtl="0" algn="l" defTabSz="914400" eaLnBrk="1" latinLnBrk="0" hangingPunct="1">
+              <a:buFontTx/>
+              <a:buNone/>
+            </a:pPr>
+            <a:r>
+              <a:rPr lang="ko-KR" sz="1800">
+                <a:latin typeface="맑은 고딕" charset="0"/>
+                <a:ea typeface="맑은 고딕" charset="0"/>
+              </a:rPr>
+              <a:t>그리고</a:t>
+            </a:r>
+            <a:r>
+              <a:rPr lang="ko-KR" sz="1800">
+                <a:latin typeface="맑은 고딕" charset="0"/>
+                <a:ea typeface="맑은 고딕" charset="0"/>
+              </a:rPr>
+              <a:t> Content Size Fitter 컴포넌트</a:t>
+            </a:r>
+            <a:r>
+              <a:rPr lang="ko-KR" sz="1800">
+                <a:latin typeface="맑은 고딕" charset="0"/>
+                <a:ea typeface="맑은 고딕" charset="0"/>
+              </a:rPr>
+              <a:t>의</a:t>
+            </a:r>
+            <a:r>
+              <a:rPr lang="ko-KR" sz="1800">
+                <a:latin typeface="맑은 고딕" charset="0"/>
+                <a:ea typeface="맑은 고딕" charset="0"/>
+              </a:rPr>
+              <a:t> Horizontal Fit을 Preferred Size로 설정합니다. </a:t>
+            </a:r>
+            <a:r>
+              <a:rPr sz="1800">
+                <a:latin typeface="맑은 고딕" charset="0"/>
+                <a:ea typeface="맑은 고딕" charset="0"/>
+              </a:rPr>
+              <a:t> </a:t>
+            </a:r>
+            <a:endParaRPr lang="ko-KR" altLang="en-US" sz="1800">
+              <a:latin typeface="맑은 고딕" charset="0"/>
+              <a:ea typeface="맑은 고딕" charset="0"/>
+            </a:endParaRPr>
+          </a:p>
+        </p:txBody>
+      </p:sp>
       <p:pic>
         <p:nvPicPr>
-          <p:cNvPr id="7" name="그림 6" descr="C:/Users/Admin1/AppData/Roaming/PolarisOffice/ETemp/17088_10211680/fImage285882306334.png"/>
-          <p:cNvPicPr>
-            <a:picLocks noChangeAspect="1"/>
-          </p:cNvPicPr>
-          <p:nvPr/>
-        </p:nvPicPr>
-        <p:blipFill rotWithShape="1">
-          <a:blip r:embed="rId4" cstate="hqprint">
-            <a:extLst>
-              <a:ext uri="{28A0092B-C50C-407E-A947-70E740481C1C}">
-                <a14:useLocalDpi xmlns:a14="http://schemas.microsoft.com/office/drawing/2010/main"/>
-              </a:ext>
-            </a:extLst>
-          </a:blip>
-          <a:stretch>
-            <a:fillRect/>
-          </a:stretch>
-        </p:blipFill>
-        <p:spPr>
-          <a:xfrm rot="0">
-            <a:off x="7879080" y="2492375"/>
-            <a:ext cx="2974340" cy="2412365"/>
-          </a:xfrm>
-          <a:prstGeom prst="rect"/>
-          <a:noFill/>
-        </p:spPr>
-      </p:pic>
-      <p:pic>
-        <p:nvPicPr>
-          <p:cNvPr id="8" name="그림 7" descr="C:/Users/Admin1/AppData/Roaming/PolarisOffice/ETemp/17088_10211680/fImage603472316500.png"/>
+          <p:cNvPr id="8" name="그림 16" descr="C:/Users/Admin1/AppData/Roaming/PolarisOffice/ETemp/21612_20234488/fImage345611759358.png"/>
           <p:cNvPicPr>
             <a:picLocks noChangeAspect="1"/>
           </p:cNvPicPr>
@@ -8830,8 +9931,8 @@
         </p:blipFill>
         <p:spPr>
           <a:xfrm rot="0">
-            <a:off x="1322070" y="2469515"/>
-            <a:ext cx="4041775" cy="2169795"/>
+            <a:off x="3500120" y="4274820"/>
+            <a:ext cx="1789430" cy="863600"/>
           </a:xfrm>
           <a:prstGeom prst="roundRect"/>
           <a:solidFill>
@@ -8839,77 +9940,68 @@
           </a:solidFill>
         </p:spPr>
       </p:pic>
-      <p:sp>
-        <p:nvSpPr>
-          <p:cNvPr id="9" name="텍스트 상자 8"/>
-          <p:cNvSpPr txBox="1">
-            <a:spLocks/>
-          </p:cNvSpPr>
+      <p:pic>
+        <p:nvPicPr>
+          <p:cNvPr id="9" name="그림 17" descr="C:/Users/Admin1/AppData/Roaming/PolarisOffice/ETemp/21612_20234488/fImage137551766962.png"/>
+          <p:cNvPicPr>
+            <a:picLocks noChangeAspect="1"/>
+          </p:cNvPicPr>
           <p:nvPr/>
-        </p:nvSpPr>
-        <p:spPr>
-          <a:xfrm rot="0">
-            <a:off x="1322070" y="4792345"/>
-            <a:ext cx="4049395" cy="1478280"/>
-          </a:xfrm>
-          <a:prstGeom prst="rect"/>
-          <a:noFill/>
-          <a:ln w="0">
-            <a:noFill/>
-            <a:prstDash/>
-          </a:ln>
-        </p:spPr>
-        <p:txBody>
-          <a:bodyPr wrap="square" lIns="89535" tIns="46355" rIns="89535" bIns="46355" vert="horz" anchor="t">
-            <a:spAutoFit/>
-          </a:bodyPr>
-          <a:lstStyle/>
-          <a:p>
-            <a:pPr marL="0" indent="0" rtl="0" algn="l" defTabSz="914400" eaLnBrk="1" latinLnBrk="0" hangingPunct="1">
-              <a:buFontTx/>
-              <a:buNone/>
-            </a:pPr>
-            <a:r>
-              <a:rPr sz="1800">
-                <a:latin typeface="맑은 고딕" charset="0"/>
-                <a:ea typeface="맑은 고딕" charset="0"/>
-              </a:rPr>
-              <a:t>Vertical Fit : 수직에 대한 UI의 크기를 조절합니다.</a:t>
-            </a:r>
-            <a:endParaRPr lang="ko-KR" altLang="en-US" sz="1800">
-              <a:latin typeface="맑은 고딕" charset="0"/>
-              <a:ea typeface="맑은 고딕" charset="0"/>
-            </a:endParaRPr>
-          </a:p>
-          <a:p>
-            <a:pPr marL="0" indent="0" rtl="0" algn="l" defTabSz="914400" eaLnBrk="1" latinLnBrk="0" hangingPunct="1">
-              <a:buFontTx/>
-              <a:buNone/>
-            </a:pPr>
-            <a:endParaRPr lang="ko-KR" altLang="en-US" sz="1800">
-              <a:latin typeface="맑은 고딕" charset="0"/>
-              <a:ea typeface="맑은 고딕" charset="0"/>
-            </a:endParaRPr>
-          </a:p>
-          <a:p>
-            <a:pPr marL="0" indent="0" rtl="0" algn="l" defTabSz="914400" eaLnBrk="1" latinLnBrk="0" hangingPunct="1">
-              <a:buFontTx/>
-              <a:buNone/>
-            </a:pPr>
-            <a:r>
-              <a:rPr sz="1800">
-                <a:latin typeface="맑은 고딕" charset="0"/>
-                <a:ea typeface="맑은 고딕" charset="0"/>
-              </a:rPr>
-              <a:t>Horizontal Fit : 수평에 대한 UI의 크기를 조절합니다. </a:t>
-            </a:r>
-            <a:endParaRPr lang="ko-KR" altLang="en-US" sz="1800">
-              <a:latin typeface="맑은 고딕" charset="0"/>
-              <a:ea typeface="맑은 고딕" charset="0"/>
-            </a:endParaRPr>
-          </a:p>
-        </p:txBody>
-      </p:sp>
+        </p:nvPicPr>
+        <p:blipFill rotWithShape="1">
+          <a:blip r:embed="rId6" cstate="hqprint">
+            <a:extLst>
+              <a:ext uri="{28A0092B-C50C-407E-A947-70E740481C1C}">
+                <a14:useLocalDpi xmlns:a14="http://schemas.microsoft.com/office/drawing/2010/main"/>
+              </a:ext>
+            </a:extLst>
+          </a:blip>
+          <a:stretch>
+            <a:fillRect/>
+          </a:stretch>
+        </p:blipFill>
+        <p:spPr>
+          <a:xfrm rot="0">
+            <a:off x="1228090" y="4264660"/>
+            <a:ext cx="1800225" cy="865505"/>
+          </a:xfrm>
+          <a:prstGeom prst="roundRect"/>
+          <a:solidFill>
+            <a:srgbClr val="EDEDED"/>
+          </a:solidFill>
+        </p:spPr>
+      </p:pic>
+      <p:pic>
+        <p:nvPicPr>
+          <p:cNvPr id="11" name="그림 93" descr="C:/Users/Admin1/AppData/Roaming/PolarisOffice/ETemp/21612_20234488/fImage121013266962.png"/>
+          <p:cNvPicPr>
+            <a:picLocks noChangeAspect="1"/>
+          </p:cNvPicPr>
+          <p:nvPr/>
+        </p:nvPicPr>
+        <p:blipFill rotWithShape="1">
+          <a:blip r:embed="rId8" cstate="print">
+            <a:extLst>
+              <a:ext uri="{28A0092B-C50C-407E-A947-70E740481C1C}">
+                <a14:useLocalDpi xmlns:a14="http://schemas.microsoft.com/office/drawing/2010/main" val="0"/>
+              </a:ext>
+            </a:extLst>
+          </a:blip>
+          <a:stretch>
+            <a:fillRect/>
+          </a:stretch>
+        </p:blipFill>
+        <p:spPr>
+          <a:xfrm rot="0">
+            <a:off x="6866255" y="1255395"/>
+            <a:ext cx="4036695" cy="1905635"/>
+          </a:xfrm>
+          <a:prstGeom prst="roundRect"/>
+          <a:solidFill>
+            <a:srgbClr val="EDEDED"/>
+          </a:solidFill>
+        </p:spPr>
+      </p:pic>
     </p:spTree>
   </p:cSld>
   <p:clrMapOvr>
@@ -8952,7 +10044,7 @@
       </p:grpSpPr>
       <p:sp>
         <p:nvSpPr>
-          <p:cNvPr id="2" name="텍스트 상자 10"/>
+          <p:cNvPr id="2" name="텍스트 상자 13"/>
           <p:cNvSpPr txBox="1">
             <a:spLocks/>
           </p:cNvSpPr>
@@ -8960,8 +10052,8 @@
         </p:nvSpPr>
         <p:spPr>
           <a:xfrm rot="0">
-            <a:off x="4525645" y="369570"/>
-            <a:ext cx="3140075" cy="554990"/>
+            <a:off x="4356735" y="405765"/>
+            <a:ext cx="3560445" cy="554990"/>
           </a:xfrm>
           <a:prstGeom prst="rect"/>
           <a:noFill/>
@@ -8971,7 +10063,7 @@
           </a:ln>
         </p:spPr>
         <p:txBody>
-          <a:bodyPr wrap="square" lIns="89535" tIns="46355" rIns="89535" bIns="46355" vert="horz" anchor="t">
+          <a:bodyPr wrap="square" lIns="89535" tIns="46355" rIns="89535" bIns="46355" numCol="1" vert="horz" anchor="t">
             <a:spAutoFit/>
           </a:bodyPr>
           <a:lstStyle/>
@@ -8985,7 +10077,7 @@
                 <a:latin typeface="맑은 고딕" charset="0"/>
                 <a:ea typeface="맑은 고딕" charset="0"/>
               </a:rPr>
-              <a:t>두 번째 튜토리얼</a:t>
+              <a:t>다섯 번째 튜토리얼</a:t>
             </a:r>
             <a:r>
               <a:rPr sz="3000" b="1">
@@ -9001,9 +10093,145 @@
           </a:p>
         </p:txBody>
       </p:sp>
+      <p:sp>
+        <p:nvSpPr>
+          <p:cNvPr id="3" name="텍스트 상자 14"/>
+          <p:cNvSpPr txBox="1">
+            <a:spLocks/>
+          </p:cNvSpPr>
+          <p:nvPr/>
+        </p:nvSpPr>
+        <p:spPr>
+          <a:xfrm rot="0">
+            <a:off x="1292225" y="4253230"/>
+            <a:ext cx="4070350" cy="1754505"/>
+          </a:xfrm>
+          <a:prstGeom prst="rect"/>
+          <a:noFill/>
+          <a:ln w="0">
+            <a:noFill/>
+            <a:prstDash/>
+          </a:ln>
+        </p:spPr>
+        <p:txBody>
+          <a:bodyPr wrap="square" lIns="89535" tIns="46355" rIns="89535" bIns="46355" numCol="1" vert="horz" anchor="t">
+            <a:spAutoFit/>
+          </a:bodyPr>
+          <a:lstStyle/>
+          <a:p>
+            <a:pPr marL="0" indent="0" rtl="0" algn="l" defTabSz="914400" eaLnBrk="1" latinLnBrk="0" hangingPunct="1">
+              <a:buFontTx/>
+              <a:buNone/>
+            </a:pPr>
+            <a:r>
+              <a:rPr sz="1800">
+                <a:latin typeface="맑은 고딕" charset="0"/>
+                <a:ea typeface="맑은 고딕" charset="0"/>
+              </a:rPr>
+              <a:t>Min Size : LayOut Group 컴포넌트와 함께 사용</a:t>
+            </a:r>
+            <a:r>
+              <a:rPr lang="ko-KR" sz="1800">
+                <a:latin typeface="맑은 고딕" charset="0"/>
+                <a:ea typeface="맑은 고딕" charset="0"/>
+              </a:rPr>
+              <a:t>해야 합니다.</a:t>
+            </a:r>
+            <a:endParaRPr lang="ko-KR" altLang="en-US" sz="1800">
+              <a:latin typeface="맑은 고딕" charset="0"/>
+              <a:ea typeface="맑은 고딕" charset="0"/>
+            </a:endParaRPr>
+          </a:p>
+          <a:p>
+            <a:pPr marL="0" indent="0" rtl="0" algn="l" defTabSz="914400" eaLnBrk="1" latinLnBrk="0" hangingPunct="1">
+              <a:buFontTx/>
+              <a:buNone/>
+            </a:pPr>
+            <a:endParaRPr lang="ko-KR" altLang="en-US" sz="1800">
+              <a:latin typeface="맑은 고딕" charset="0"/>
+              <a:ea typeface="맑은 고딕" charset="0"/>
+            </a:endParaRPr>
+          </a:p>
+          <a:p>
+            <a:pPr marL="0" indent="0" rtl="0" algn="l" defTabSz="914400" eaLnBrk="1" latinLnBrk="0" hangingPunct="1">
+              <a:buFontTx/>
+              <a:buNone/>
+            </a:pPr>
+            <a:r>
+              <a:rPr sz="1800">
+                <a:latin typeface="맑은 고딕" charset="0"/>
+                <a:ea typeface="맑은 고딕" charset="0"/>
+              </a:rPr>
+              <a:t>Min Size</a:t>
+            </a:r>
+            <a:r>
+              <a:rPr lang="ko-KR" sz="1800">
+                <a:latin typeface="맑은 고딕" charset="0"/>
+                <a:ea typeface="맑은 고딕" charset="0"/>
+              </a:rPr>
+              <a:t>의 경우 </a:t>
+            </a:r>
+            <a:r>
+              <a:rPr sz="1800">
+                <a:latin typeface="맑은 고딕" charset="0"/>
+                <a:ea typeface="맑은 고딕" charset="0"/>
+              </a:rPr>
+              <a:t>레이아웃 요소의 최소 크기를 기준으로 UI의 크기를 맞추는 옵션입니다.  </a:t>
+            </a:r>
+            <a:endParaRPr lang="ko-KR" altLang="en-US" sz="1800">
+              <a:latin typeface="맑은 고딕" charset="0"/>
+              <a:ea typeface="맑은 고딕" charset="0"/>
+            </a:endParaRPr>
+          </a:p>
+        </p:txBody>
+      </p:sp>
+      <p:sp>
+        <p:nvSpPr>
+          <p:cNvPr id="4" name="텍스트 상자 15"/>
+          <p:cNvSpPr txBox="1">
+            <a:spLocks/>
+          </p:cNvSpPr>
+          <p:nvPr/>
+        </p:nvSpPr>
+        <p:spPr>
+          <a:xfrm rot="0">
+            <a:off x="6824980" y="4805680"/>
+            <a:ext cx="4150995" cy="1202055"/>
+          </a:xfrm>
+          <a:prstGeom prst="rect"/>
+          <a:noFill/>
+          <a:ln w="0">
+            <a:noFill/>
+            <a:prstDash/>
+          </a:ln>
+        </p:spPr>
+        <p:txBody>
+          <a:bodyPr wrap="square" lIns="89535" tIns="46355" rIns="89535" bIns="46355" numCol="1" vert="horz" anchor="t">
+            <a:spAutoFit/>
+          </a:bodyPr>
+          <a:lstStyle/>
+          <a:p>
+            <a:pPr marL="0" indent="0" rtl="0" algn="l" defTabSz="914400" eaLnBrk="1" latinLnBrk="0" hangingPunct="1">
+              <a:buFontTx/>
+              <a:buNone/>
+            </a:pPr>
+            <a:r>
+              <a:rPr sz="1800">
+                <a:latin typeface="맑은 고딕" charset="0"/>
+                <a:ea typeface="맑은 고딕" charset="0"/>
+              </a:rPr>
+              <a:t>스크롤 뷰에서 Content라는 게임 오브젝트의 하위 오브젝트로 UI 오브젝트가 생성될 때 생성된 수에 따라 스크롤바의 크기가 조절됩니다.</a:t>
+            </a:r>
+            <a:endParaRPr lang="ko-KR" altLang="en-US" sz="1800">
+              <a:latin typeface="맑은 고딕" charset="0"/>
+              <a:ea typeface="맑은 고딕" charset="0"/>
+            </a:endParaRPr>
+          </a:p>
+        </p:txBody>
+      </p:sp>
       <p:pic>
         <p:nvPicPr>
-          <p:cNvPr id="3" name="그림 11"/>
+          <p:cNvPr id="5" name="그림 16" descr="C:/Users/Admin1/AppData/Roaming/PolarisOffice/ETemp/21612_20234488/fImage25012479169.png"/>
           <p:cNvPicPr>
             <a:picLocks noChangeAspect="1"/>
           </p:cNvPicPr>
@@ -9023,18 +10251,16 @@
         </p:blipFill>
         <p:spPr>
           <a:xfrm rot="0">
-            <a:off x="1231265" y="1263650"/>
-            <a:ext cx="4057650" cy="2446020"/>
-          </a:xfrm>
-          <a:prstGeom prst="roundRect"/>
-          <a:solidFill>
-            <a:srgbClr val="EDEDED"/>
-          </a:solidFill>
+            <a:off x="1290955" y="1367790"/>
+            <a:ext cx="4055110" cy="2686050"/>
+          </a:xfrm>
+          <a:prstGeom prst="rect"/>
+          <a:noFill/>
         </p:spPr>
       </p:pic>
       <p:pic>
         <p:nvPicPr>
-          <p:cNvPr id="4" name="그림 12"/>
+          <p:cNvPr id="6" name="그림 17" descr="C:/Users/Admin1/AppData/Roaming/PolarisOffice/ETemp/21612_20234488/fImage76002485724.png"/>
           <p:cNvPicPr>
             <a:picLocks noChangeAspect="1"/>
           </p:cNvPicPr>
@@ -9054,8 +10280,8 @@
         </p:blipFill>
         <p:spPr>
           <a:xfrm rot="0">
-            <a:off x="6874510" y="3982085"/>
-            <a:ext cx="3950970" cy="840105"/>
+            <a:off x="1576705" y="1559560"/>
+            <a:ext cx="3124835" cy="2214880"/>
           </a:xfrm>
           <a:prstGeom prst="roundRect"/>
           <a:solidFill>
@@ -9063,9 +10289,179 @@
           </a:solidFill>
         </p:spPr>
       </p:pic>
+      <p:sp>
+        <p:nvSpPr>
+          <p:cNvPr id="7" name="텍스트 상자 18"/>
+          <p:cNvSpPr txBox="1">
+            <a:spLocks/>
+          </p:cNvSpPr>
+          <p:nvPr/>
+        </p:nvSpPr>
+        <p:spPr>
+          <a:xfrm rot="0">
+            <a:off x="1889125" y="1860550"/>
+            <a:ext cx="831215" cy="323850"/>
+          </a:xfrm>
+          <a:prstGeom prst="rect"/>
+          <a:noFill/>
+          <a:ln w="0">
+            <a:noFill/>
+            <a:prstDash/>
+          </a:ln>
+        </p:spPr>
+        <p:txBody>
+          <a:bodyPr wrap="square" lIns="89535" tIns="46355" rIns="89535" bIns="46355" numCol="1" vert="horz" anchor="t">
+            <a:spAutoFit/>
+          </a:bodyPr>
+          <a:lstStyle/>
+          <a:p>
+            <a:pPr marL="0" indent="0" rtl="0" algn="l" defTabSz="914400" eaLnBrk="1" latinLnBrk="0" hangingPunct="1">
+              <a:buFontTx/>
+              <a:buNone/>
+            </a:pPr>
+            <a:r>
+              <a:rPr lang="ko-KR" sz="1500" b="1">
+                <a:solidFill>
+                  <a:srgbClr val="009900"/>
+                </a:solidFill>
+                <a:latin typeface="맑은 고딕" charset="0"/>
+                <a:ea typeface="맑은 고딕" charset="0"/>
+              </a:rPr>
+              <a:t>Layout</a:t>
+            </a:r>
+            <a:endParaRPr lang="ko-KR" altLang="en-US" sz="1500" b="1">
+              <a:solidFill>
+                <a:srgbClr val="009900"/>
+              </a:solidFill>
+              <a:latin typeface="맑은 고딕" charset="0"/>
+              <a:ea typeface="맑은 고딕" charset="0"/>
+            </a:endParaRPr>
+          </a:p>
+        </p:txBody>
+      </p:sp>
+      <p:sp>
+        <p:nvSpPr>
+          <p:cNvPr id="8" name="텍스트 상자 19"/>
+          <p:cNvSpPr txBox="1">
+            <a:spLocks/>
+          </p:cNvSpPr>
+          <p:nvPr/>
+        </p:nvSpPr>
+        <p:spPr>
+          <a:xfrm rot="0">
+            <a:off x="1801495" y="3166110"/>
+            <a:ext cx="1017270" cy="323850"/>
+          </a:xfrm>
+          <a:prstGeom prst="rect"/>
+          <a:noFill/>
+          <a:ln w="0">
+            <a:noFill/>
+            <a:prstDash/>
+          </a:ln>
+        </p:spPr>
+        <p:txBody>
+          <a:bodyPr wrap="square" lIns="89535" tIns="46355" rIns="89535" bIns="46355" numCol="1" vert="horz" anchor="t">
+            <a:spAutoFit/>
+          </a:bodyPr>
+          <a:lstStyle/>
+          <a:p>
+            <a:pPr marL="0" indent="0" rtl="0" algn="l" defTabSz="914400" eaLnBrk="1" latinLnBrk="0" hangingPunct="1">
+              <a:buFontTx/>
+              <a:buNone/>
+            </a:pPr>
+            <a:endParaRPr lang="ko-KR" altLang="en-US" sz="1500" b="1">
+              <a:solidFill>
+                <a:srgbClr val="009900"/>
+              </a:solidFill>
+              <a:latin typeface="맑은 고딕" charset="0"/>
+              <a:ea typeface="맑은 고딕" charset="0"/>
+            </a:endParaRPr>
+          </a:p>
+        </p:txBody>
+      </p:sp>
+      <p:sp>
+        <p:nvSpPr>
+          <p:cNvPr id="9" name="텍스트 상자 20"/>
+          <p:cNvSpPr txBox="1">
+            <a:spLocks/>
+          </p:cNvSpPr>
+          <p:nvPr/>
+        </p:nvSpPr>
+        <p:spPr>
+          <a:xfrm rot="0">
+            <a:off x="3384550" y="3173730"/>
+            <a:ext cx="1017270" cy="323850"/>
+          </a:xfrm>
+          <a:prstGeom prst="rect"/>
+          <a:noFill/>
+          <a:ln w="0">
+            <a:noFill/>
+            <a:prstDash/>
+          </a:ln>
+        </p:spPr>
+        <p:txBody>
+          <a:bodyPr wrap="square" lIns="89535" tIns="46355" rIns="89535" bIns="46355" numCol="1" vert="horz" anchor="t">
+            <a:spAutoFit/>
+          </a:bodyPr>
+          <a:lstStyle/>
+          <a:p>
+            <a:pPr marL="0" indent="0" rtl="0" algn="l" defTabSz="914400" eaLnBrk="1" latinLnBrk="0" hangingPunct="1">
+              <a:buFontTx/>
+              <a:buNone/>
+            </a:pPr>
+            <a:endParaRPr lang="ko-KR" altLang="en-US" sz="1500" b="1">
+              <a:solidFill>
+                <a:srgbClr val="009900"/>
+              </a:solidFill>
+              <a:latin typeface="맑은 고딕" charset="0"/>
+              <a:ea typeface="맑은 고딕" charset="0"/>
+            </a:endParaRPr>
+          </a:p>
+        </p:txBody>
+      </p:sp>
+      <p:sp>
+        <p:nvSpPr>
+          <p:cNvPr id="10" name="텍스트 상자 21"/>
+          <p:cNvSpPr txBox="1">
+            <a:spLocks/>
+          </p:cNvSpPr>
+          <p:nvPr/>
+        </p:nvSpPr>
+        <p:spPr>
+          <a:xfrm rot="0">
+            <a:off x="3370580" y="1932305"/>
+            <a:ext cx="1017270" cy="323850"/>
+          </a:xfrm>
+          <a:prstGeom prst="rect"/>
+          <a:noFill/>
+          <a:ln w="0">
+            <a:noFill/>
+            <a:prstDash/>
+          </a:ln>
+        </p:spPr>
+        <p:txBody>
+          <a:bodyPr wrap="square" lIns="89535" tIns="46355" rIns="89535" bIns="46355" numCol="1" vert="horz" anchor="t">
+            <a:spAutoFit/>
+          </a:bodyPr>
+          <a:lstStyle/>
+          <a:p>
+            <a:pPr marL="0" indent="0" rtl="0" algn="l" defTabSz="914400" eaLnBrk="1" latinLnBrk="0" hangingPunct="1">
+              <a:buFontTx/>
+              <a:buNone/>
+            </a:pPr>
+            <a:endParaRPr lang="ko-KR" altLang="en-US" sz="1500" b="1">
+              <a:solidFill>
+                <a:srgbClr val="009900"/>
+              </a:solidFill>
+              <a:latin typeface="맑은 고딕" charset="0"/>
+              <a:ea typeface="맑은 고딕" charset="0"/>
+            </a:endParaRPr>
+          </a:p>
+        </p:txBody>
+      </p:sp>
       <p:pic>
         <p:nvPicPr>
-          <p:cNvPr id="5" name="그림 13"/>
+          <p:cNvPr id="11" name="그림 22"/>
           <p:cNvPicPr>
             <a:picLocks noChangeAspect="1"/>
           </p:cNvPicPr>
@@ -9085,8 +10481,8 @@
         </p:blipFill>
         <p:spPr>
           <a:xfrm rot="0">
-            <a:off x="6869430" y="1271905"/>
-            <a:ext cx="3964305" cy="2593975"/>
+            <a:off x="6824980" y="1374775"/>
+            <a:ext cx="4149725" cy="3206750"/>
           </a:xfrm>
           <a:prstGeom prst="roundRect"/>
           <a:solidFill>
@@ -9096,7 +10492,7 @@
       </p:pic>
       <p:sp>
         <p:nvSpPr>
-          <p:cNvPr id="6" name="텍스트 상자 14"/>
+          <p:cNvPr id="12" name="텍스트 상자 48"/>
           <p:cNvSpPr txBox="1">
             <a:spLocks/>
           </p:cNvSpPr>
@@ -9104,8 +10500,8 @@
         </p:nvSpPr>
         <p:spPr>
           <a:xfrm rot="0">
-            <a:off x="1231265" y="5304155"/>
-            <a:ext cx="4067175" cy="925195"/>
+            <a:off x="1897380" y="3001010"/>
+            <a:ext cx="831215" cy="323850"/>
           </a:xfrm>
           <a:prstGeom prst="rect"/>
           <a:noFill/>
@@ -9125,23 +10521,19 @@
               <a:buNone/>
             </a:pPr>
             <a:r>
-              <a:rPr sz="1800" b="1">
+              <a:rPr lang="ko-KR" sz="1500" b="1">
                 <a:solidFill>
-                  <a:srgbClr val="0611F2"/>
+                  <a:srgbClr val="009900"/>
                 </a:solidFill>
                 <a:latin typeface="맑은 고딕" charset="0"/>
                 <a:ea typeface="맑은 고딕" charset="0"/>
               </a:rPr>
-              <a:t>3.</a:t>
-            </a:r>
-            <a:r>
-              <a:rPr sz="1800">
-                <a:latin typeface="맑은 고딕" charset="0"/>
-                <a:ea typeface="맑은 고딕" charset="0"/>
-              </a:rPr>
-              <a:t> Preferred Size : 기본적인 콘텐츠의 크기와 UI(Text, Image, Button)의 크기에 따라 맞추어주는 옵션입니다.</a:t>
-            </a:r>
-            <a:endParaRPr lang="ko-KR" altLang="en-US" sz="1800">
+              <a:t>Layout</a:t>
+            </a:r>
+            <a:endParaRPr lang="ko-KR" altLang="en-US" sz="1500" b="1">
+              <a:solidFill>
+                <a:srgbClr val="009900"/>
+              </a:solidFill>
               <a:latin typeface="맑은 고딕" charset="0"/>
               <a:ea typeface="맑은 고딕" charset="0"/>
             </a:endParaRPr>
@@ -9150,7 +10542,7 @@
       </p:sp>
       <p:sp>
         <p:nvSpPr>
-          <p:cNvPr id="7" name="텍스트 상자 15"/>
+          <p:cNvPr id="13" name="텍스트 상자 49"/>
           <p:cNvSpPr txBox="1">
             <a:spLocks/>
           </p:cNvSpPr>
@@ -9158,8 +10550,8 @@
         </p:nvSpPr>
         <p:spPr>
           <a:xfrm rot="0">
-            <a:off x="6872605" y="5025390"/>
-            <a:ext cx="3964305" cy="1202055"/>
+            <a:off x="3463925" y="3001010"/>
+            <a:ext cx="831215" cy="323850"/>
           </a:xfrm>
           <a:prstGeom prst="rect"/>
           <a:noFill/>
@@ -9179,105 +10571,75 @@
               <a:buNone/>
             </a:pPr>
             <a:r>
-              <a:rPr sz="1800" b="1">
+              <a:rPr lang="ko-KR" sz="1500" b="1">
                 <a:solidFill>
-                  <a:srgbClr val="0611F2"/>
+                  <a:srgbClr val="009900"/>
                 </a:solidFill>
                 <a:latin typeface="맑은 고딕" charset="0"/>
                 <a:ea typeface="맑은 고딕" charset="0"/>
               </a:rPr>
-              <a:t>4.</a:t>
-            </a:r>
-            <a:r>
-              <a:rPr sz="1800">
-                <a:latin typeface="맑은 고딕" charset="0"/>
-                <a:ea typeface="맑은 고딕" charset="0"/>
-              </a:rPr>
-              <a:t> </a:t>
-            </a:r>
-            <a:r>
-              <a:rPr lang="ko-KR" sz="1800">
-                <a:latin typeface="맑은 고딕" charset="0"/>
-                <a:ea typeface="맑은 고딕" charset="0"/>
-              </a:rPr>
-              <a:t>현재 프리팹으로 되어 있는 String UI에 Content Size Fitter 컴포넌트를 부착하고 Horizontal Fit을 Preferred Size로 설정합니다. </a:t>
-            </a:r>
-            <a:r>
-              <a:rPr sz="1800">
-                <a:latin typeface="맑은 고딕" charset="0"/>
-                <a:ea typeface="맑은 고딕" charset="0"/>
-              </a:rPr>
-              <a:t> </a:t>
-            </a:r>
-            <a:endParaRPr lang="ko-KR" altLang="en-US" sz="1800">
+              <a:t>Layout</a:t>
+            </a:r>
+            <a:endParaRPr lang="ko-KR" altLang="en-US" sz="1500" b="1">
+              <a:solidFill>
+                <a:srgbClr val="009900"/>
+              </a:solidFill>
               <a:latin typeface="맑은 고딕" charset="0"/>
               <a:ea typeface="맑은 고딕" charset="0"/>
             </a:endParaRPr>
           </a:p>
         </p:txBody>
       </p:sp>
-      <p:pic>
-        <p:nvPicPr>
-          <p:cNvPr id="8" name="그림 16"/>
-          <p:cNvPicPr>
-            <a:picLocks noChangeAspect="1"/>
-          </p:cNvPicPr>
+      <p:sp>
+        <p:nvSpPr>
+          <p:cNvPr id="14" name="텍스트 상자 50"/>
+          <p:cNvSpPr txBox="1">
+            <a:spLocks/>
+          </p:cNvSpPr>
           <p:nvPr/>
-        </p:nvPicPr>
-        <p:blipFill rotWithShape="1">
-          <a:blip r:embed="rId5" cstate="hqprint">
-            <a:extLst>
-              <a:ext uri="{28A0092B-C50C-407E-A947-70E740481C1C}">
-                <a14:useLocalDpi xmlns:a14="http://schemas.microsoft.com/office/drawing/2010/main"/>
-              </a:ext>
-            </a:extLst>
-          </a:blip>
-          <a:stretch>
-            <a:fillRect/>
-          </a:stretch>
-        </p:blipFill>
-        <p:spPr>
-          <a:xfrm rot="0">
-            <a:off x="3500120" y="3890645"/>
-            <a:ext cx="1788795" cy="1247140"/>
-          </a:xfrm>
-          <a:prstGeom prst="roundRect"/>
-          <a:solidFill>
-            <a:srgbClr val="EDEDED"/>
-          </a:solidFill>
-        </p:spPr>
-      </p:pic>
-      <p:pic>
-        <p:nvPicPr>
-          <p:cNvPr id="9" name="그림 17"/>
-          <p:cNvPicPr>
-            <a:picLocks noChangeAspect="1"/>
-          </p:cNvPicPr>
-          <p:nvPr/>
-        </p:nvPicPr>
-        <p:blipFill rotWithShape="1">
-          <a:blip r:embed="rId6" cstate="hqprint">
-            <a:extLst>
-              <a:ext uri="{28A0092B-C50C-407E-A947-70E740481C1C}">
-                <a14:useLocalDpi xmlns:a14="http://schemas.microsoft.com/office/drawing/2010/main"/>
-              </a:ext>
-            </a:extLst>
-          </a:blip>
-          <a:stretch>
-            <a:fillRect/>
-          </a:stretch>
-        </p:blipFill>
-        <p:spPr>
-          <a:xfrm rot="0">
-            <a:off x="1228090" y="3879215"/>
-            <a:ext cx="1799590" cy="1250315"/>
-          </a:xfrm>
-          <a:prstGeom prst="roundRect"/>
-          <a:solidFill>
-            <a:srgbClr val="EDEDED"/>
-          </a:solidFill>
-        </p:spPr>
-      </p:pic>
+        </p:nvSpPr>
+        <p:spPr>
+          <a:xfrm rot="0">
+            <a:off x="3453130" y="1858010"/>
+            <a:ext cx="831215" cy="323850"/>
+          </a:xfrm>
+          <a:prstGeom prst="rect"/>
+          <a:noFill/>
+          <a:ln w="0">
+            <a:noFill/>
+            <a:prstDash/>
+          </a:ln>
+        </p:spPr>
+        <p:txBody>
+          <a:bodyPr wrap="square" lIns="89535" tIns="46355" rIns="89535" bIns="46355" numCol="1" vert="horz" anchor="t">
+            <a:spAutoFit/>
+          </a:bodyPr>
+          <a:lstStyle/>
+          <a:p>
+            <a:pPr marL="0" indent="0" rtl="0" algn="l" defTabSz="914400" eaLnBrk="1" latinLnBrk="0" hangingPunct="1">
+              <a:buFontTx/>
+              <a:buNone/>
+            </a:pPr>
+            <a:r>
+              <a:rPr lang="ko-KR" sz="1500" b="1">
+                <a:solidFill>
+                  <a:srgbClr val="009900"/>
+                </a:solidFill>
+                <a:latin typeface="맑은 고딕" charset="0"/>
+                <a:ea typeface="맑은 고딕" charset="0"/>
+              </a:rPr>
+              <a:t>Layout</a:t>
+            </a:r>
+            <a:endParaRPr lang="ko-KR" altLang="en-US" sz="1500" b="1">
+              <a:solidFill>
+                <a:srgbClr val="009900"/>
+              </a:solidFill>
+              <a:latin typeface="맑은 고딕" charset="0"/>
+              <a:ea typeface="맑은 고딕" charset="0"/>
+            </a:endParaRPr>
+          </a:p>
+        </p:txBody>
+      </p:sp>
     </p:spTree>
   </p:cSld>
   <p:clrMapOvr>
@@ -9302,7 +10664,7 @@
 </file>
 
 <file path=ppt/slides/slide6.xml><?xml version="1.0" encoding="utf-8"?>
-<p:sld xmlns:a="http://schemas.openxmlformats.org/drawingml/2006/main" xmlns:r="http://schemas.openxmlformats.org/officeDocument/2006/relationships" xmlns:p="http://schemas.openxmlformats.org/presentationml/2006/main">
+<p:sld xmlns:a="http://schemas.openxmlformats.org/drawingml/2006/main" xmlns:r="http://schemas.openxmlformats.org/officeDocument/2006/relationships" xmlns:p="http://schemas.openxmlformats.org/presentationml/2006/main" xmlns:p14="http://schemas.microsoft.com/office/powerpoint/2010/main">
   <p:cSld>
     <p:spTree>
       <p:nvGrpSpPr>
@@ -9320,7 +10682,7 @@
       </p:grpSpPr>
       <p:sp>
         <p:nvSpPr>
-          <p:cNvPr id="2" name="텍스트 상자 13"/>
+          <p:cNvPr id="2" name="Rect 0"/>
           <p:cNvSpPr txBox="1">
             <a:spLocks/>
           </p:cNvSpPr>
@@ -9328,8 +10690,8 @@
         </p:nvSpPr>
         <p:spPr>
           <a:xfrm rot="0">
-            <a:off x="5224145" y="353060"/>
-            <a:ext cx="1751965" cy="555625"/>
+            <a:off x="4307840" y="372110"/>
+            <a:ext cx="3576320" cy="554990"/>
           </a:xfrm>
           <a:prstGeom prst="rect"/>
           <a:noFill/>
@@ -9339,7 +10701,7 @@
           </a:ln>
         </p:spPr>
         <p:txBody>
-          <a:bodyPr wrap="square" lIns="89535" tIns="46355" rIns="89535" bIns="46355" vert="horz" anchor="t">
+          <a:bodyPr wrap="square" lIns="89535" tIns="46355" rIns="89535" bIns="46355" numCol="1" vert="horz" anchor="t">
             <a:spAutoFit/>
           </a:bodyPr>
           <a:lstStyle/>
@@ -9349,11 +10711,25 @@
               <a:buNone/>
             </a:pPr>
             <a:r>
+              <a:rPr lang="ko-KR" sz="3000" b="1">
+                <a:latin typeface="맑은 고딕" charset="0"/>
+                <a:ea typeface="맑은 고딕" charset="0"/>
+              </a:rPr>
+              <a:t>여섯</a:t>
+            </a:r>
+            <a:r>
+              <a:rPr lang="ko-KR" sz="3000" b="1">
+                <a:latin typeface="맑은 고딕" charset="0"/>
+                <a:ea typeface="맑은 고딕" charset="0"/>
+              </a:rPr>
+              <a:t> 번째 튜토리얼</a:t>
+            </a:r>
+            <a:r>
               <a:rPr sz="3000" b="1">
                 <a:latin typeface="맑은 고딕" charset="0"/>
                 <a:ea typeface="맑은 고딕" charset="0"/>
               </a:rPr>
-              <a:t>Min Size </a:t>
+              <a:t> </a:t>
             </a:r>
             <a:endParaRPr lang="ko-KR" altLang="en-US" sz="3000" b="1">
               <a:latin typeface="맑은 고딕" charset="0"/>
@@ -9364,16 +10740,16 @@
       </p:sp>
       <p:sp>
         <p:nvSpPr>
-          <p:cNvPr id="3" name="텍스트 상자 14"/>
+          <p:cNvPr id="6" name="Rect 0"/>
           <p:cNvSpPr txBox="1">
             <a:spLocks/>
           </p:cNvSpPr>
           <p:nvPr/>
         </p:nvSpPr>
         <p:spPr>
-          <a:xfrm rot="0">
-            <a:off x="1325245" y="1370330"/>
-            <a:ext cx="4037965" cy="1478280"/>
+          <a:xfrm>
+            <a:off x="1189355" y="3961130"/>
+            <a:ext cx="4124325" cy="2031365"/>
           </a:xfrm>
           <a:prstGeom prst="rect"/>
           <a:noFill/>
@@ -9383,7 +10759,7 @@
           </a:ln>
         </p:spPr>
         <p:txBody>
-          <a:bodyPr wrap="square" lIns="89535" tIns="46355" rIns="89535" bIns="46355" vert="horz" anchor="t">
+          <a:bodyPr wrap="square" lIns="89535" tIns="46355" rIns="89535" bIns="46355" numCol="1" vert="horz" anchor="t">
             <a:spAutoFit/>
           </a:bodyPr>
           <a:lstStyle/>
@@ -9393,66 +10769,90 @@
               <a:buNone/>
             </a:pPr>
             <a:r>
+              <a:rPr lang="ko-KR" sz="1800" b="1">
+                <a:solidFill>
+                  <a:srgbClr val="0611F2"/>
+                </a:solidFill>
+                <a:latin typeface="맑은 고딕" charset="0"/>
+                <a:ea typeface="맑은 고딕" charset="0"/>
+              </a:rPr>
+              <a:t>8</a:t>
+            </a:r>
+            <a:r>
+              <a:rPr sz="1800" b="1">
+                <a:solidFill>
+                  <a:srgbClr val="0611F2"/>
+                </a:solidFill>
+                <a:latin typeface="맑은 고딕" charset="0"/>
+                <a:ea typeface="맑은 고딕" charset="0"/>
+              </a:rPr>
+              <a:t>.</a:t>
+            </a:r>
+            <a:r>
               <a:rPr sz="1800">
                 <a:latin typeface="맑은 고딕" charset="0"/>
                 <a:ea typeface="맑은 고딕" charset="0"/>
               </a:rPr>
-              <a:t>Min Size : 단독으로 사용하지는 않고, LayOut Group 컴포넌트와 함께 사용하며, 레이아웃 요소의 최소 크기를 기준으로 UI의 크기를 맞추는 옵션입니다.  </a:t>
+              <a:t> </a:t>
+            </a:r>
+            <a:r>
+              <a:rPr lang="ko-KR" sz="1800">
+                <a:latin typeface="맑은 고딕" charset="0"/>
+                <a:ea typeface="맑은 고딕" charset="0"/>
+              </a:rPr>
+              <a:t>빈 게임 오브젝트를 생성하고 이름은 Chatting Manager로 변경합니다.</a:t>
             </a:r>
             <a:endParaRPr lang="ko-KR" altLang="en-US" sz="1800">
               <a:latin typeface="맑은 고딕" charset="0"/>
               <a:ea typeface="맑은 고딕" charset="0"/>
             </a:endParaRPr>
           </a:p>
-        </p:txBody>
-      </p:sp>
-      <p:sp>
-        <p:nvSpPr>
-          <p:cNvPr id="4" name="텍스트 상자 15"/>
-          <p:cNvSpPr txBox="1">
-            <a:spLocks/>
-          </p:cNvSpPr>
-          <p:nvPr/>
-        </p:nvSpPr>
-        <p:spPr>
-          <a:xfrm rot="0">
-            <a:off x="6824980" y="4742180"/>
-            <a:ext cx="4150360" cy="1201420"/>
-          </a:xfrm>
-          <a:prstGeom prst="rect"/>
-          <a:noFill/>
-          <a:ln w="0">
-            <a:noFill/>
-            <a:prstDash/>
-          </a:ln>
-        </p:spPr>
-        <p:txBody>
-          <a:bodyPr wrap="square" lIns="89535" tIns="46355" rIns="89535" bIns="46355" vert="horz" anchor="t">
-            <a:spAutoFit/>
-          </a:bodyPr>
-          <a:lstStyle/>
           <a:p>
             <a:pPr marL="0" indent="0" rtl="0" algn="l" defTabSz="914400" eaLnBrk="1" latinLnBrk="0" hangingPunct="1">
               <a:buFontTx/>
               <a:buNone/>
             </a:pPr>
-            <a:r>
-              <a:rPr sz="1800">
-                <a:latin typeface="맑은 고딕" charset="0"/>
-                <a:ea typeface="맑은 고딕" charset="0"/>
-              </a:rPr>
-              <a:t>스크롤 뷰에서 Content라는 게임 오브젝트의 하위 오브젝트로 UI 오브젝트가 생성될 때 생성된 수에 따라 스크롤바의 크기가 조절됩니다.</a:t>
-            </a:r>
             <a:endParaRPr lang="ko-KR" altLang="en-US" sz="1800">
               <a:latin typeface="맑은 고딕" charset="0"/>
               <a:ea typeface="맑은 고딕" charset="0"/>
             </a:endParaRPr>
           </a:p>
+          <a:p>
+            <a:pPr marL="0" indent="0" rtl="0" algn="l" defTabSz="914400" eaLnBrk="1" latinLnBrk="0" hangingPunct="1">
+              <a:buFontTx/>
+              <a:buNone/>
+            </a:pPr>
+            <a:r>
+              <a:rPr lang="ko-KR" sz="1800">
+                <a:latin typeface="맑은 고딕" charset="0"/>
+                <a:ea typeface="맑은 고딕" charset="0"/>
+              </a:rPr>
+              <a:t>그리고 ChatManager라는 스크립트를 </a:t>
+            </a:r>
+            <a:r>
+              <a:rPr lang="ko-KR" sz="1800">
+                <a:latin typeface="맑은 고딕" charset="0"/>
+                <a:ea typeface="맑은 고딕" charset="0"/>
+              </a:rPr>
+              <a:t>생성하고</a:t>
+            </a:r>
+            <a:r>
+              <a:rPr lang="ko-KR" sz="1800">
+                <a:latin typeface="맑은 고딕" charset="0"/>
+                <a:ea typeface="맑은 고딕" charset="0"/>
+              </a:rPr>
+              <a:t> Chatting Manager 오브젝트에 넣어줍니다.</a:t>
+            </a:r>
+            <a:endParaRPr lang="ko-KR" altLang="en-US" sz="1800">
+              <a:latin typeface="맑은 고딕" charset="0"/>
+              <a:ea typeface="맑은 고딕" charset="0"/>
+            </a:endParaRPr>
+          </a:p>
         </p:txBody>
       </p:sp>
       <p:pic>
         <p:nvPicPr>
-          <p:cNvPr id="5" name="그림 16" descr="C:/Users/Admin1/AppData/Roaming/PolarisOffice/ETemp/17088_10211680/fImage25012479169.png"/>
+          <p:cNvPr id="16" name="그림 32" descr="C:/Users/Admin1/AppData/Roaming/PolarisOffice/ETemp/21612_20234488/fImage21692074464.png"/>
           <p:cNvPicPr>
             <a:picLocks noChangeAspect="1"/>
           </p:cNvPicPr>
@@ -9472,16 +10872,18 @@
         </p:blipFill>
         <p:spPr>
           <a:xfrm rot="0">
-            <a:off x="1323975" y="3030220"/>
-            <a:ext cx="4047490" cy="2914650"/>
-          </a:xfrm>
-          <a:prstGeom prst="rect"/>
-          <a:noFill/>
+            <a:off x="4238625" y="3030220"/>
+            <a:ext cx="743585" cy="791845"/>
+          </a:xfrm>
+          <a:prstGeom prst="roundRect"/>
+          <a:solidFill>
+            <a:srgbClr val="EDEDED"/>
+          </a:solidFill>
         </p:spPr>
       </p:pic>
       <p:pic>
         <p:nvPicPr>
-          <p:cNvPr id="6" name="그림 17" descr="C:/Users/Admin1/AppData/Roaming/PolarisOffice/ETemp/17088_10211680/fImage76002485724.png"/>
+          <p:cNvPr id="17" name="그림 37" descr="C:/Users/Admin1/AppData/Roaming/PolarisOffice/ETemp/21612_20234488/fImage330252115705.png"/>
           <p:cNvPicPr>
             <a:picLocks noChangeAspect="1"/>
           </p:cNvPicPr>
@@ -9501,8 +10903,8 @@
         </p:blipFill>
         <p:spPr>
           <a:xfrm rot="0">
-            <a:off x="1582420" y="3279775"/>
-            <a:ext cx="3124200" cy="2416175"/>
+            <a:off x="1252855" y="1322705"/>
+            <a:ext cx="2395855" cy="2494915"/>
           </a:xfrm>
           <a:prstGeom prst="roundRect"/>
           <a:solidFill>
@@ -9512,7 +10914,7 @@
       </p:pic>
       <p:sp>
         <p:nvSpPr>
-          <p:cNvPr id="7" name="텍스트 상자 18"/>
+          <p:cNvPr id="21" name="텍스트 상자 44"/>
           <p:cNvSpPr txBox="1">
             <a:spLocks/>
           </p:cNvSpPr>
@@ -9520,8 +10922,8 @@
         </p:nvSpPr>
         <p:spPr>
           <a:xfrm rot="0">
-            <a:off x="1829435" y="3644900"/>
-            <a:ext cx="1015365" cy="324485"/>
+            <a:off x="6819900" y="4234180"/>
+            <a:ext cx="4029710" cy="1754505"/>
           </a:xfrm>
           <a:prstGeom prst="rect"/>
           <a:noFill/>
@@ -9531,7 +10933,7 @@
           </a:ln>
         </p:spPr>
         <p:txBody>
-          <a:bodyPr wrap="square" lIns="89535" tIns="46355" rIns="89535" bIns="46355" vert="horz" anchor="t">
+          <a:bodyPr wrap="square" lIns="89535" tIns="46355" rIns="89535" bIns="46355" numCol="1" vert="horz" anchor="t">
             <a:spAutoFit/>
           </a:bodyPr>
           <a:lstStyle/>
@@ -9541,188 +10943,93 @@
               <a:buNone/>
             </a:pPr>
             <a:r>
-              <a:rPr sz="1500" b="1">
+              <a:rPr lang="ko-KR" sz="1800" b="1">
                 <a:solidFill>
-                  <a:srgbClr val="009900"/>
+                  <a:srgbClr val="0611F2"/>
                 </a:solidFill>
                 <a:latin typeface="맑은 고딕" charset="0"/>
                 <a:ea typeface="맑은 고딕" charset="0"/>
               </a:rPr>
-              <a:t>레이아웃</a:t>
-            </a:r>
-            <a:endParaRPr lang="ko-KR" altLang="en-US" sz="1500" b="1">
-              <a:solidFill>
-                <a:srgbClr val="009900"/>
-              </a:solidFill>
+              <a:t>9</a:t>
+            </a:r>
+            <a:r>
+              <a:rPr sz="1800" b="1">
+                <a:solidFill>
+                  <a:srgbClr val="0611F2"/>
+                </a:solidFill>
+                <a:latin typeface="맑은 고딕" charset="0"/>
+                <a:ea typeface="맑은 고딕" charset="0"/>
+              </a:rPr>
+              <a:t>.</a:t>
+            </a:r>
+            <a:r>
+              <a:rPr sz="1800">
+                <a:latin typeface="맑은 고딕" charset="0"/>
+                <a:ea typeface="맑은 고딕" charset="0"/>
+              </a:rPr>
+              <a:t> </a:t>
+            </a:r>
+            <a:r>
+              <a:rPr lang="ko-KR" sz="1800">
+                <a:latin typeface="맑은 고딕" charset="0"/>
+                <a:ea typeface="맑은 고딕" charset="0"/>
+              </a:rPr>
+              <a:t>이제</a:t>
+            </a:r>
+            <a:r>
+              <a:rPr lang="ko-KR" sz="1800">
+                <a:latin typeface="맑은 고딕" charset="0"/>
+                <a:ea typeface="맑은 고딕" charset="0"/>
+              </a:rPr>
+              <a:t> 텍스트를 입력할 InputField와 채팅 UI를 생성하기 위한 GameObject 선언합니다.</a:t>
+            </a:r>
+            <a:endParaRPr lang="ko-KR" altLang="en-US" sz="1800">
               <a:latin typeface="맑은 고딕" charset="0"/>
               <a:ea typeface="맑은 고딕" charset="0"/>
             </a:endParaRPr>
           </a:p>
-        </p:txBody>
-      </p:sp>
-      <p:sp>
-        <p:nvSpPr>
-          <p:cNvPr id="8" name="텍스트 상자 19"/>
-          <p:cNvSpPr txBox="1">
-            <a:spLocks/>
-          </p:cNvSpPr>
-          <p:nvPr/>
-        </p:nvSpPr>
-        <p:spPr>
-          <a:xfrm rot="0">
-            <a:off x="1826260" y="4897120"/>
-            <a:ext cx="1015365" cy="324485"/>
-          </a:xfrm>
-          <a:prstGeom prst="rect"/>
-          <a:noFill/>
-          <a:ln w="0">
-            <a:noFill/>
-            <a:prstDash/>
-          </a:ln>
-        </p:spPr>
-        <p:txBody>
-          <a:bodyPr wrap="square" lIns="89535" tIns="46355" rIns="89535" bIns="46355" vert="horz" anchor="t">
-            <a:spAutoFit/>
-          </a:bodyPr>
-          <a:lstStyle/>
           <a:p>
             <a:pPr marL="0" indent="0" rtl="0" algn="l" defTabSz="914400" eaLnBrk="1" latinLnBrk="0" hangingPunct="1">
               <a:buFontTx/>
               <a:buNone/>
             </a:pPr>
-            <a:r>
-              <a:rPr sz="1500" b="1">
-                <a:solidFill>
-                  <a:srgbClr val="009900"/>
-                </a:solidFill>
-                <a:latin typeface="맑은 고딕" charset="0"/>
-                <a:ea typeface="맑은 고딕" charset="0"/>
-              </a:rPr>
-              <a:t>레이아웃</a:t>
-            </a:r>
-            <a:endParaRPr lang="ko-KR" altLang="en-US" sz="1500" b="1">
-              <a:solidFill>
-                <a:srgbClr val="009900"/>
-              </a:solidFill>
+            <a:endParaRPr lang="ko-KR" altLang="en-US" sz="1800">
               <a:latin typeface="맑은 고딕" charset="0"/>
               <a:ea typeface="맑은 고딕" charset="0"/>
             </a:endParaRPr>
           </a:p>
-        </p:txBody>
-      </p:sp>
-      <p:sp>
-        <p:nvSpPr>
-          <p:cNvPr id="9" name="텍스트 상자 20"/>
-          <p:cNvSpPr txBox="1">
-            <a:spLocks/>
-          </p:cNvSpPr>
-          <p:nvPr/>
-        </p:nvSpPr>
-        <p:spPr>
-          <a:xfrm rot="0">
-            <a:off x="3377565" y="4893945"/>
-            <a:ext cx="1015365" cy="324485"/>
-          </a:xfrm>
-          <a:prstGeom prst="rect"/>
-          <a:noFill/>
-          <a:ln w="0">
-            <a:noFill/>
-            <a:prstDash/>
-          </a:ln>
-        </p:spPr>
-        <p:txBody>
-          <a:bodyPr wrap="square" lIns="89535" tIns="46355" rIns="89535" bIns="46355" vert="horz" anchor="t">
-            <a:spAutoFit/>
-          </a:bodyPr>
-          <a:lstStyle/>
           <a:p>
             <a:pPr marL="0" indent="0" rtl="0" algn="l" defTabSz="914400" eaLnBrk="1" latinLnBrk="0" hangingPunct="1">
               <a:buFontTx/>
               <a:buNone/>
             </a:pPr>
             <a:r>
-              <a:rPr sz="1500" b="1">
-                <a:solidFill>
-                  <a:srgbClr val="009900"/>
-                </a:solidFill>
-                <a:latin typeface="맑은 고딕" charset="0"/>
-                <a:ea typeface="맑은 고딕" charset="0"/>
-              </a:rPr>
-              <a:t>레이아웃</a:t>
-            </a:r>
-            <a:endParaRPr lang="ko-KR" altLang="en-US" sz="1500" b="1">
-              <a:solidFill>
-                <a:srgbClr val="009900"/>
-              </a:solidFill>
+              <a:rPr lang="ko-KR" sz="1800">
+                <a:latin typeface="맑은 고딕" charset="0"/>
+                <a:ea typeface="맑은 고딕" charset="0"/>
+              </a:rPr>
+              <a:t>마지막으로 텍스트의 위치를 조정할 Transform 변수를 선언합니다.</a:t>
+            </a:r>
+            <a:endParaRPr lang="ko-KR" altLang="en-US" sz="1800">
               <a:latin typeface="맑은 고딕" charset="0"/>
               <a:ea typeface="맑은 고딕" charset="0"/>
             </a:endParaRPr>
           </a:p>
         </p:txBody>
       </p:sp>
-      <p:sp>
-        <p:nvSpPr>
-          <p:cNvPr id="10" name="텍스트 상자 21"/>
-          <p:cNvSpPr txBox="1">
-            <a:spLocks/>
-          </p:cNvSpPr>
-          <p:nvPr/>
-        </p:nvSpPr>
-        <p:spPr>
-          <a:xfrm rot="0">
-            <a:off x="3374390" y="3652520"/>
-            <a:ext cx="1015365" cy="324485"/>
-          </a:xfrm>
-          <a:prstGeom prst="rect"/>
-          <a:noFill/>
-          <a:ln w="0">
-            <a:noFill/>
-            <a:prstDash/>
-          </a:ln>
-        </p:spPr>
-        <p:txBody>
-          <a:bodyPr wrap="square" lIns="89535" tIns="46355" rIns="89535" bIns="46355" vert="horz" anchor="t">
-            <a:spAutoFit/>
-          </a:bodyPr>
-          <a:lstStyle/>
-          <a:p>
-            <a:pPr marL="0" indent="0" rtl="0" algn="l" defTabSz="914400" eaLnBrk="1" latinLnBrk="0" hangingPunct="1">
-              <a:buFontTx/>
-              <a:buNone/>
-            </a:pPr>
-            <a:r>
-              <a:rPr sz="1500" b="1">
-                <a:solidFill>
-                  <a:srgbClr val="009900"/>
-                </a:solidFill>
-                <a:latin typeface="맑은 고딕" charset="0"/>
-                <a:ea typeface="맑은 고딕" charset="0"/>
-              </a:rPr>
-              <a:t>레이아웃</a:t>
-            </a:r>
-            <a:endParaRPr lang="ko-KR" altLang="en-US" sz="1500" b="1">
-              <a:solidFill>
-                <a:srgbClr val="009900"/>
-              </a:solidFill>
-              <a:latin typeface="맑은 고딕" charset="0"/>
-              <a:ea typeface="맑은 고딕" charset="0"/>
-            </a:endParaRPr>
-          </a:p>
-        </p:txBody>
-      </p:sp>
       <p:pic>
         <p:nvPicPr>
-          <p:cNvPr id="11" name="그림 22" descr="C:/Users/Admin1/AppData/Roaming/PolarisOffice/ETemp/17088_10211680/fImage245002531478.png"/>
+          <p:cNvPr id="26" name="그림 51" descr="C:/Users/Admin1/AppData/Roaming/PolarisOffice/ETemp/21612_20234488/fImage94852004464.png"/>
           <p:cNvPicPr>
             <a:picLocks noChangeAspect="1"/>
           </p:cNvPicPr>
           <p:nvPr/>
         </p:nvPicPr>
         <p:blipFill rotWithShape="1">
-          <a:blip r:embed="rId4" cstate="hqprint">
+          <a:blip r:embed="rId9" cstate="print">
             <a:extLst>
               <a:ext uri="{28A0092B-C50C-407E-A947-70E740481C1C}">
-                <a14:useLocalDpi xmlns:a14="http://schemas.microsoft.com/office/drawing/2010/main"/>
+                <a14:useLocalDpi xmlns:a14="http://schemas.microsoft.com/office/drawing/2010/main" val="0"/>
               </a:ext>
             </a:extLst>
           </a:blip>
@@ -9732,8 +11039,74 @@
         </p:blipFill>
         <p:spPr>
           <a:xfrm rot="0">
-            <a:off x="6824980" y="1374775"/>
-            <a:ext cx="4149725" cy="3206750"/>
+            <a:off x="3841750" y="1333500"/>
+            <a:ext cx="1530985" cy="1418590"/>
+          </a:xfrm>
+          <a:prstGeom prst="roundRect"/>
+          <a:solidFill>
+            <a:srgbClr val="EDEDED"/>
+          </a:solidFill>
+        </p:spPr>
+      </p:pic>
+      <p:cxnSp>
+        <p:nvCxnSpPr>
+          <p:cNvPr id="19" name="도형 39"/>
+          <p:cNvCxnSpPr>
+            <a:stCxn id="16" idx="0"/>
+            <a:endCxn id="26" idx="2"/>
+          </p:cNvCxnSpPr>
+          <p:nvPr/>
+        </p:nvCxnSpPr>
+        <p:spPr>
+          <a:xfrm rot="0" flipH="1" flipV="1">
+            <a:off x="4606925" y="2751455"/>
+            <a:ext cx="3810" cy="279400"/>
+          </a:xfrm>
+          <a:prstGeom prst="straightConnector1"/>
+          <a:ln w="6350" cap="flat" cmpd="sng">
+            <a:prstDash/>
+            <a:tailEnd type="triangle" w="med" len="med"/>
+          </a:ln>
+        </p:spPr>
+        <p:style>
+          <a:lnRef idx="1">
+            <a:schemeClr val="accent1"/>
+          </a:lnRef>
+          <a:fillRef idx="0">
+            <a:schemeClr val="accent1"/>
+          </a:fillRef>
+          <a:effectRef idx="0">
+            <a:schemeClr val="accent1"/>
+          </a:effectRef>
+          <a:fontRef idx="minor">
+            <a:schemeClr val="tx1"/>
+          </a:fontRef>
+        </p:style>
+      </p:cxnSp>
+      <p:pic>
+        <p:nvPicPr>
+          <p:cNvPr id="27" name="그림 54" descr="C:/Users/Admin1/AppData/Roaming/PolarisOffice/ETemp/21612_20234488/fImage97142015705.png"/>
+          <p:cNvPicPr>
+            <a:picLocks noChangeAspect="1"/>
+          </p:cNvPicPr>
+          <p:nvPr/>
+        </p:nvPicPr>
+        <p:blipFill rotWithShape="1">
+          <a:blip r:embed="rId10" cstate="print">
+            <a:extLst>
+              <a:ext uri="{28A0092B-C50C-407E-A947-70E740481C1C}">
+                <a14:useLocalDpi xmlns:a14="http://schemas.microsoft.com/office/drawing/2010/main" val="0"/>
+              </a:ext>
+            </a:extLst>
+          </a:blip>
+          <a:stretch>
+            <a:fillRect/>
+          </a:stretch>
+        </p:blipFill>
+        <p:spPr>
+          <a:xfrm rot="0">
+            <a:off x="6819900" y="1323975"/>
+            <a:ext cx="4020185" cy="2724150"/>
           </a:xfrm>
           <a:prstGeom prst="roundRect"/>
           <a:solidFill>
@@ -9783,7 +11156,7 @@
       </p:grpSpPr>
       <p:sp>
         <p:nvSpPr>
-          <p:cNvPr id="2" name="Rect 0"/>
+          <p:cNvPr id="25" name="Rect 0"/>
           <p:cNvSpPr txBox="1">
             <a:spLocks/>
           </p:cNvSpPr>
@@ -9791,8 +11164,8 @@
         </p:nvSpPr>
         <p:spPr>
           <a:xfrm rot="0">
-            <a:off x="4509135" y="361315"/>
-            <a:ext cx="3173095" cy="554990"/>
+            <a:off x="1229995" y="4312920"/>
+            <a:ext cx="4133850" cy="1754505"/>
           </a:xfrm>
           <a:prstGeom prst="rect"/>
           <a:noFill/>
@@ -9802,48 +11175,151 @@
           </a:ln>
         </p:spPr>
         <p:txBody>
-          <a:bodyPr wrap="square" lIns="89535" tIns="46355" rIns="89535" bIns="46355" vert="horz" anchor="t">
+          <a:bodyPr wrap="square" lIns="89535" tIns="46355" rIns="89535" bIns="46355" numCol="1" vert="horz" anchor="t">
             <a:spAutoFit/>
           </a:bodyPr>
           <a:lstStyle/>
           <a:p>
-            <a:pPr marL="0" indent="0" rtl="0" algn="l" defTabSz="914400" eaLnBrk="1" latinLnBrk="0" hangingPunct="1">
-              <a:buFontTx/>
-              <a:buNone/>
-            </a:pPr>
-            <a:r>
-              <a:rPr lang="ko-KR" sz="3000" b="1">
-                <a:latin typeface="맑은 고딕" charset="0"/>
-                <a:ea typeface="맑은 고딕" charset="0"/>
-              </a:rPr>
-              <a:t>세 번째 튜토리얼</a:t>
-            </a:r>
-            <a:r>
-              <a:rPr sz="3000" b="1">
+            <a:pPr marL="0" indent="0" algn="l" latinLnBrk="0" hangingPunct="1">
+              <a:buFontTx/>
+              <a:buNone/>
+            </a:pPr>
+            <a:r>
+              <a:rPr lang="ko-KR" sz="1800" b="1">
+                <a:solidFill>
+                  <a:srgbClr val="0611F2"/>
+                </a:solidFill>
+                <a:latin typeface="맑은 고딕" charset="0"/>
+                <a:ea typeface="맑은 고딕" charset="0"/>
+              </a:rPr>
+              <a:t>10</a:t>
+            </a:r>
+            <a:r>
+              <a:rPr sz="1800" b="1">
+                <a:solidFill>
+                  <a:srgbClr val="0611F2"/>
+                </a:solidFill>
+                <a:latin typeface="맑은 고딕" charset="0"/>
+                <a:ea typeface="맑은 고딕" charset="0"/>
+              </a:rPr>
+              <a:t>.</a:t>
+            </a:r>
+            <a:r>
+              <a:rPr sz="1800">
                 <a:latin typeface="맑은 고딕" charset="0"/>
                 <a:ea typeface="맑은 고딕" charset="0"/>
               </a:rPr>
               <a:t> </a:t>
             </a:r>
-            <a:endParaRPr lang="ko-KR" altLang="en-US" sz="3000" b="1">
+            <a:r>
+              <a:rPr lang="ko-KR" sz="1800">
+                <a:latin typeface="맑은 고딕" charset="0"/>
+                <a:ea typeface="맑은 고딕" charset="0"/>
+              </a:rPr>
+              <a:t>이제 </a:t>
+            </a:r>
+            <a:r>
+              <a:rPr lang="ko-KR" sz="1800">
+                <a:latin typeface="맑은 고딕" charset="0"/>
+                <a:ea typeface="맑은 고딕" charset="0"/>
+              </a:rPr>
+              <a:t>채팅 UI를 생성하도록 설정</a:t>
+            </a:r>
+            <a:r>
+              <a:rPr lang="ko-KR" sz="1800">
+                <a:latin typeface="맑은 고딕" charset="0"/>
+                <a:ea typeface="맑은 고딕" charset="0"/>
+              </a:rPr>
+              <a:t>합니다.</a:t>
+            </a:r>
+            <a:endParaRPr lang="ko-KR" altLang="en-US" sz="1800">
               <a:latin typeface="맑은 고딕" charset="0"/>
               <a:ea typeface="맑은 고딕" charset="0"/>
             </a:endParaRPr>
           </a:p>
-        </p:txBody>
-      </p:sp>
-      <p:sp>
-        <p:nvSpPr>
-          <p:cNvPr id="6" name="Rect 0"/>
+          <a:p>
+            <a:pPr marL="0" indent="0" algn="l" latinLnBrk="0" hangingPunct="1">
+              <a:buFontTx/>
+              <a:buNone/>
+            </a:pPr>
+            <a:endParaRPr lang="ko-KR" altLang="en-US" sz="1800">
+              <a:latin typeface="맑은 고딕" charset="0"/>
+              <a:ea typeface="맑은 고딕" charset="0"/>
+            </a:endParaRPr>
+          </a:p>
+          <a:p>
+            <a:pPr marL="0" indent="0" algn="l" latinLnBrk="0" hangingPunct="1">
+              <a:buFontTx/>
+              <a:buNone/>
+            </a:pPr>
+            <a:r>
+              <a:rPr lang="ko-KR" sz="1800">
+                <a:latin typeface="맑은 고딕" charset="0"/>
+                <a:ea typeface="맑은 고딕" charset="0"/>
+              </a:rPr>
+              <a:t>그리고</a:t>
+            </a:r>
+            <a:r>
+              <a:rPr lang="ko-KR" sz="1800">
+                <a:latin typeface="맑은 고딕" charset="0"/>
+                <a:ea typeface="맑은 고딕" charset="0"/>
+              </a:rPr>
+              <a:t> 채팅 UI의 위치를 </a:t>
+            </a:r>
+            <a:r>
+              <a:rPr lang="ko-KR" sz="1800">
+                <a:latin typeface="맑은 고딕" charset="0"/>
+                <a:ea typeface="맑은 고딕" charset="0"/>
+              </a:rPr>
+              <a:t>content</a:t>
+            </a:r>
+            <a:r>
+              <a:rPr lang="ko-KR" sz="1800">
+                <a:latin typeface="맑은 고딕" charset="0"/>
+                <a:ea typeface="맑은 고딕" charset="0"/>
+              </a:rPr>
+              <a:t> 오브젝트의 하위 오브젝트로 설정</a:t>
+            </a:r>
+            <a:r>
+              <a:rPr lang="ko-KR" sz="1800">
+                <a:latin typeface="맑은 고딕" charset="0"/>
+                <a:ea typeface="맑은 고딕" charset="0"/>
+              </a:rPr>
+              <a:t>하고</a:t>
+            </a:r>
+            <a:r>
+              <a:rPr lang="ko-KR" sz="1800">
+                <a:latin typeface="맑은 고딕" charset="0"/>
+                <a:ea typeface="맑은 고딕" charset="0"/>
+              </a:rPr>
+              <a:t> PunRPC 함수로 </a:t>
+            </a:r>
+            <a:r>
+              <a:rPr lang="ko-KR" sz="1800">
+                <a:latin typeface="맑은 고딕" charset="0"/>
+                <a:ea typeface="맑은 고딕" charset="0"/>
+              </a:rPr>
+              <a:t>설정합니다.</a:t>
+            </a:r>
+            <a:endParaRPr lang="ko-KR" altLang="en-US" sz="1800">
+              <a:latin typeface="맑은 고딕" charset="0"/>
+              <a:ea typeface="맑은 고딕" charset="0"/>
+            </a:endParaRPr>
+          </a:p>
+        </p:txBody>
+      </p:sp>
+      <p:sp>
+        <p:nvSpPr>
+          <p:cNvPr id="31" name="텍스트 상자 24"/>
           <p:cNvSpPr txBox="1">
             <a:spLocks/>
           </p:cNvSpPr>
           <p:nvPr/>
         </p:nvSpPr>
         <p:spPr>
-          <a:xfrm>
-            <a:off x="1189355" y="3961130"/>
-            <a:ext cx="4123690" cy="2031365"/>
+          <a:xfrm rot="0">
+            <a:off x="6791325" y="4315460"/>
+            <a:ext cx="4324985" cy="1754505"/>
           </a:xfrm>
           <a:prstGeom prst="rect"/>
           <a:noFill/>
@@ -9858,10 +11334,20 @@
           </a:bodyPr>
           <a:lstStyle/>
           <a:p>
-            <a:pPr marL="0" indent="0" rtl="0" algn="l" defTabSz="914400" eaLnBrk="1" latinLnBrk="0" hangingPunct="1">
-              <a:buFontTx/>
-              <a:buNone/>
-            </a:pPr>
+            <a:pPr marL="0" indent="0" algn="l" latinLnBrk="0" hangingPunct="1">
+              <a:buFontTx/>
+              <a:buNone/>
+            </a:pPr>
+            <a:r>
+              <a:rPr lang="ko-KR" sz="1800" b="1">
+                <a:solidFill>
+                  <a:srgbClr val="0611F2"/>
+                </a:solidFill>
+                <a:latin typeface="맑은 고딕" charset="0"/>
+                <a:ea typeface="맑은 고딕" charset="0"/>
+              </a:rPr>
+              <a:t>11</a:t>
+            </a:r>
             <a:r>
               <a:rPr sz="1800" b="1">
                 <a:solidFill>
@@ -9870,16 +11356,6 @@
                 <a:latin typeface="맑은 고딕" charset="0"/>
                 <a:ea typeface="맑은 고딕" charset="0"/>
               </a:rPr>
-              <a:t>5</a:t>
-            </a:r>
-            <a:r>
-              <a:rPr sz="1800" b="1">
-                <a:solidFill>
-                  <a:srgbClr val="0611F2"/>
-                </a:solidFill>
-                <a:latin typeface="맑은 고딕" charset="0"/>
-                <a:ea typeface="맑은 고딕" charset="0"/>
-              </a:rPr>
               <a:t>.</a:t>
             </a:r>
             <a:r>
@@ -9894,7 +11370,7 @@
                 <a:latin typeface="맑은 고딕" charset="0"/>
                 <a:ea typeface="맑은 고딕" charset="0"/>
               </a:rPr>
-              <a:t>빈 게임 오브젝트를 생성하고 이름은 Chatting Manager로 변경합니다.</a:t>
+              <a:t>그다음 InputField에 입력한 값을 string 변수에 저장합니다.</a:t>
             </a:r>
             <a:endParaRPr lang="ko-KR" altLang="en-US" sz="1800">
               <a:latin typeface="맑은 고딕" charset="0"/>
@@ -9902,7 +11378,7 @@
             </a:endParaRPr>
           </a:p>
           <a:p>
-            <a:pPr marL="0" indent="0" rtl="0" algn="l" defTabSz="914400" eaLnBrk="1" latinLnBrk="0" hangingPunct="1">
+            <a:pPr marL="0" indent="0" algn="l" latinLnBrk="0" hangingPunct="1">
               <a:buFontTx/>
               <a:buNone/>
             </a:pPr>
@@ -9912,7 +11388,7 @@
             </a:endParaRPr>
           </a:p>
           <a:p>
-            <a:pPr marL="0" indent="0" rtl="0" algn="l" defTabSz="914400" eaLnBrk="1" latinLnBrk="0" hangingPunct="1">
+            <a:pPr marL="0" indent="0" algn="l" latinLnBrk="0" hangingPunct="1">
               <a:buFontTx/>
               <a:buNone/>
             </a:pPr>
@@ -9921,7 +11397,21 @@
                 <a:latin typeface="맑은 고딕" charset="0"/>
                 <a:ea typeface="맑은 고딕" charset="0"/>
               </a:rPr>
-              <a:t>그리고 ChatManager라는 스크립트를 작성해서 Chatting Manager 오브젝트에 넣어줍니다.</a:t>
+              <a:t>마지막으로 채팅을 입력하고 Enter Key를 누르는 순간 RPC 함수를 호출</a:t>
+            </a:r>
+            <a:r>
+              <a:rPr lang="ko-KR" sz="1800">
+                <a:latin typeface="맑은 고딕" charset="0"/>
+                <a:ea typeface="맑은 고딕" charset="0"/>
+              </a:rPr>
+              <a:t>합니다</a:t>
+            </a:r>
+            <a:r>
+              <a:rPr lang="ko-KR" sz="1800">
+                <a:latin typeface="맑은 고딕" charset="0"/>
+                <a:ea typeface="맑은 고딕" charset="0"/>
+              </a:rPr>
+              <a:t>.</a:t>
             </a:r>
             <a:endParaRPr lang="ko-KR" altLang="en-US" sz="1800">
               <a:latin typeface="맑은 고딕" charset="0"/>
@@ -9932,296 +11422,7 @@
       </p:sp>
       <p:pic>
         <p:nvPicPr>
-          <p:cNvPr id="16" name="그림 32"/>
-          <p:cNvPicPr>
-            <a:picLocks noChangeAspect="1"/>
-          </p:cNvPicPr>
-          <p:nvPr/>
-        </p:nvPicPr>
-        <p:blipFill rotWithShape="1">
-          <a:blip r:embed="rId2" cstate="print">
-            <a:extLst>
-              <a:ext uri="{28A0092B-C50C-407E-A947-70E740481C1C}">
-                <a14:useLocalDpi xmlns:a14="http://schemas.microsoft.com/office/drawing/2010/main" val="0"/>
-              </a:ext>
-            </a:extLst>
-          </a:blip>
-          <a:stretch>
-            <a:fillRect/>
-          </a:stretch>
-        </p:blipFill>
-        <p:spPr>
-          <a:xfrm rot="0">
-            <a:off x="4017010" y="2942590"/>
-            <a:ext cx="747395" cy="791210"/>
-          </a:xfrm>
-          <a:prstGeom prst="roundRect"/>
-          <a:solidFill>
-            <a:srgbClr val="EDEDED"/>
-          </a:solidFill>
-        </p:spPr>
-      </p:pic>
-      <p:pic>
-        <p:nvPicPr>
-          <p:cNvPr id="17" name="그림 37"/>
-          <p:cNvPicPr>
-            <a:picLocks noChangeAspect="1"/>
-          </p:cNvPicPr>
-          <p:nvPr/>
-        </p:nvPicPr>
-        <p:blipFill rotWithShape="1">
-          <a:blip r:embed="rId3" cstate="hqprint">
-            <a:extLst>
-              <a:ext uri="{28A0092B-C50C-407E-A947-70E740481C1C}">
-                <a14:useLocalDpi xmlns:a14="http://schemas.microsoft.com/office/drawing/2010/main"/>
-              </a:ext>
-            </a:extLst>
-          </a:blip>
-          <a:stretch>
-            <a:fillRect/>
-          </a:stretch>
-        </p:blipFill>
-        <p:spPr>
-          <a:xfrm rot="0">
-            <a:off x="1252855" y="1217295"/>
-            <a:ext cx="1891030" cy="2599690"/>
-          </a:xfrm>
-          <a:prstGeom prst="roundRect"/>
-          <a:solidFill>
-            <a:srgbClr val="EDEDED"/>
-          </a:solidFill>
-        </p:spPr>
-      </p:pic>
-      <p:pic>
-        <p:nvPicPr>
-          <p:cNvPr id="18" name="그림 38"/>
-          <p:cNvPicPr>
-            <a:picLocks noChangeAspect="1"/>
-          </p:cNvPicPr>
-          <p:nvPr/>
-        </p:nvPicPr>
-        <p:blipFill rotWithShape="1">
-          <a:blip r:embed="rId4" cstate="hqprint">
-            <a:extLst>
-              <a:ext uri="{28A0092B-C50C-407E-A947-70E740481C1C}">
-                <a14:useLocalDpi xmlns:a14="http://schemas.microsoft.com/office/drawing/2010/main"/>
-              </a:ext>
-            </a:extLst>
-          </a:blip>
-          <a:stretch>
-            <a:fillRect/>
-          </a:stretch>
-        </p:blipFill>
-        <p:spPr>
-          <a:xfrm rot="0">
-            <a:off x="3469640" y="1214120"/>
-            <a:ext cx="1835150" cy="1420495"/>
-          </a:xfrm>
-          <a:prstGeom prst="roundRect"/>
-          <a:solidFill>
-            <a:srgbClr val="EDEDED"/>
-          </a:solidFill>
-        </p:spPr>
-      </p:pic>
-      <p:cxnSp>
-        <p:nvCxnSpPr>
-          <p:cNvPr id="19" name="도형 39"/>
-          <p:cNvCxnSpPr>
-            <a:stCxn id="16" idx="0"/>
-            <a:endCxn id="18" idx="2"/>
-          </p:cNvCxnSpPr>
-          <p:nvPr/>
-        </p:nvCxnSpPr>
-        <p:spPr>
-          <a:xfrm rot="0" flipH="1" flipV="1">
-            <a:off x="4386580" y="2633345"/>
-            <a:ext cx="4445" cy="309880"/>
-          </a:xfrm>
-          <a:prstGeom prst="straightConnector1"/>
-          <a:ln w="6350" cap="flat" cmpd="sng">
-            <a:prstDash/>
-            <a:headEnd type="none" w="med" len="med"/>
-            <a:tailEnd type="triangle" w="med" len="med"/>
-          </a:ln>
-        </p:spPr>
-        <p:style>
-          <a:lnRef idx="1">
-            <a:schemeClr val="accent1"/>
-          </a:lnRef>
-          <a:fillRef idx="0">
-            <a:schemeClr val="accent1"/>
-          </a:fillRef>
-          <a:effectRef idx="0">
-            <a:schemeClr val="accent1"/>
-          </a:effectRef>
-          <a:fontRef idx="minor">
-            <a:schemeClr val="tx1"/>
-          </a:fontRef>
-        </p:style>
-      </p:cxnSp>
-      <p:pic>
-        <p:nvPicPr>
-          <p:cNvPr id="20" name="그림 41"/>
-          <p:cNvPicPr>
-            <a:picLocks noChangeAspect="1"/>
-          </p:cNvPicPr>
-          <p:nvPr/>
-        </p:nvPicPr>
-        <p:blipFill rotWithShape="1">
-          <a:blip r:embed="rId5" cstate="print">
-            <a:extLst>
-              <a:ext uri="{28A0092B-C50C-407E-A947-70E740481C1C}">
-                <a14:useLocalDpi xmlns:a14="http://schemas.microsoft.com/office/drawing/2010/main" val="0"/>
-              </a:ext>
-            </a:extLst>
-          </a:blip>
-          <a:stretch>
-            <a:fillRect/>
-          </a:stretch>
-        </p:blipFill>
-        <p:spPr>
-          <a:xfrm rot="0">
-            <a:off x="6904355" y="1214120"/>
-            <a:ext cx="3895090" cy="806450"/>
-          </a:xfrm>
-          <a:prstGeom prst="roundRect"/>
-          <a:solidFill>
-            <a:srgbClr val="EDEDED"/>
-          </a:solidFill>
-        </p:spPr>
-      </p:pic>
-      <p:sp>
-        <p:nvSpPr>
-          <p:cNvPr id="21" name="텍스트 상자 44"/>
-          <p:cNvSpPr txBox="1">
-            <a:spLocks/>
-          </p:cNvSpPr>
-          <p:nvPr/>
-        </p:nvSpPr>
-        <p:spPr>
-          <a:xfrm>
-            <a:off x="6905625" y="2129155"/>
-            <a:ext cx="3894455" cy="1754505"/>
-          </a:xfrm>
-          <a:prstGeom prst="rect"/>
-          <a:noFill/>
-          <a:ln w="0">
-            <a:noFill/>
-            <a:prstDash/>
-          </a:ln>
-        </p:spPr>
-        <p:txBody>
-          <a:bodyPr wrap="square" lIns="89535" tIns="46355" rIns="89535" bIns="46355" numCol="1" vert="horz" anchor="t">
-            <a:spAutoFit/>
-          </a:bodyPr>
-          <a:lstStyle/>
-          <a:p>
-            <a:pPr marL="0" indent="0" rtl="0" algn="l" defTabSz="914400" eaLnBrk="1" latinLnBrk="0" hangingPunct="1">
-              <a:buFontTx/>
-              <a:buNone/>
-            </a:pPr>
-            <a:r>
-              <a:rPr sz="1800" b="1">
-                <a:solidFill>
-                  <a:srgbClr val="0611F2"/>
-                </a:solidFill>
-                <a:latin typeface="맑은 고딕" charset="0"/>
-                <a:ea typeface="맑은 고딕" charset="0"/>
-              </a:rPr>
-              <a:t>6</a:t>
-            </a:r>
-            <a:r>
-              <a:rPr sz="1800" b="1">
-                <a:solidFill>
-                  <a:srgbClr val="0611F2"/>
-                </a:solidFill>
-                <a:latin typeface="맑은 고딕" charset="0"/>
-                <a:ea typeface="맑은 고딕" charset="0"/>
-              </a:rPr>
-              <a:t>.</a:t>
-            </a:r>
-            <a:r>
-              <a:rPr sz="1800">
-                <a:latin typeface="맑은 고딕" charset="0"/>
-                <a:ea typeface="맑은 고딕" charset="0"/>
-              </a:rPr>
-              <a:t> </a:t>
-            </a:r>
-            <a:r>
-              <a:rPr lang="ko-KR" sz="1800">
-                <a:latin typeface="맑은 고딕" charset="0"/>
-                <a:ea typeface="맑은 고딕" charset="0"/>
-              </a:rPr>
-              <a:t>그리고 텍스트를 입력할 InputField와 채팅 UI를 생성하기 위한 GameObject 선언합니다.</a:t>
-            </a:r>
-            <a:endParaRPr lang="ko-KR" altLang="en-US" sz="1800">
-              <a:latin typeface="맑은 고딕" charset="0"/>
-              <a:ea typeface="맑은 고딕" charset="0"/>
-            </a:endParaRPr>
-          </a:p>
-          <a:p>
-            <a:pPr marL="0" indent="0" rtl="0" algn="l" defTabSz="914400" eaLnBrk="1" latinLnBrk="0" hangingPunct="1">
-              <a:buFontTx/>
-              <a:buNone/>
-            </a:pPr>
-            <a:endParaRPr lang="ko-KR" altLang="en-US" sz="1800">
-              <a:latin typeface="맑은 고딕" charset="0"/>
-              <a:ea typeface="맑은 고딕" charset="0"/>
-            </a:endParaRPr>
-          </a:p>
-          <a:p>
-            <a:pPr marL="0" indent="0" rtl="0" algn="l" defTabSz="914400" eaLnBrk="1" latinLnBrk="0" hangingPunct="1">
-              <a:buFontTx/>
-              <a:buNone/>
-            </a:pPr>
-            <a:r>
-              <a:rPr lang="ko-KR" sz="1800">
-                <a:latin typeface="맑은 고딕" charset="0"/>
-                <a:ea typeface="맑은 고딕" charset="0"/>
-              </a:rPr>
-              <a:t>마지막으로 텍스트의 위치를 조정할 Transform 변수를 선언합니다.</a:t>
-            </a:r>
-            <a:endParaRPr lang="ko-KR" altLang="en-US" sz="1800">
-              <a:latin typeface="맑은 고딕" charset="0"/>
-              <a:ea typeface="맑은 고딕" charset="0"/>
-            </a:endParaRPr>
-          </a:p>
-        </p:txBody>
-      </p:sp>
-      <p:pic>
-        <p:nvPicPr>
-          <p:cNvPr id="22" name="그림 46"/>
-          <p:cNvPicPr>
-            <a:picLocks noChangeAspect="1"/>
-          </p:cNvPicPr>
-          <p:nvPr/>
-        </p:nvPicPr>
-        <p:blipFill rotWithShape="1">
-          <a:blip r:embed="rId6" cstate="hqprint">
-            <a:extLst>
-              <a:ext uri="{28A0092B-C50C-407E-A947-70E740481C1C}">
-                <a14:useLocalDpi xmlns:a14="http://schemas.microsoft.com/office/drawing/2010/main"/>
-              </a:ext>
-            </a:extLst>
-          </a:blip>
-          <a:stretch>
-            <a:fillRect/>
-          </a:stretch>
-        </p:blipFill>
-        <p:spPr>
-          <a:xfrm rot="0">
-            <a:off x="6910070" y="4026535"/>
-            <a:ext cx="1287145" cy="1959610"/>
-          </a:xfrm>
-          <a:prstGeom prst="roundRect"/>
-          <a:solidFill>
-            <a:srgbClr val="EDEDED"/>
-          </a:solidFill>
-        </p:spPr>
-      </p:pic>
-      <p:pic>
-        <p:nvPicPr>
-          <p:cNvPr id="23" name="그림 48"/>
+          <p:cNvPr id="34" name="그림 32" descr="C:/Users/Admin1/AppData/Roaming/PolarisOffice/ETemp/21612_20234488/fImage115431423281.png"/>
           <p:cNvPicPr>
             <a:picLocks noChangeAspect="1"/>
           </p:cNvPicPr>
@@ -10241,79 +11442,100 @@
         </p:blipFill>
         <p:spPr>
           <a:xfrm rot="0">
-            <a:off x="8487410" y="4015105"/>
-            <a:ext cx="2312035" cy="1971040"/>
-          </a:xfrm>
-          <a:prstGeom prst="roundRect"/>
-          <a:solidFill>
-            <a:srgbClr val="EDEDED"/>
-          </a:solidFill>
+            <a:off x="6800850" y="1337945"/>
+            <a:ext cx="4315460" cy="2834640"/>
+          </a:xfrm>
+          <a:prstGeom prst="rect"/>
+          <a:noFill/>
         </p:spPr>
       </p:pic>
-      <p:cxnSp>
-        <p:nvCxnSpPr>
-          <p:cNvPr id="24" name="도형 49"/>
-          <p:cNvCxnSpPr/>
+      <p:sp>
+        <p:nvSpPr>
+          <p:cNvPr id="35" name="텍스트 상자 45"/>
+          <p:cNvSpPr txBox="1">
+            <a:spLocks/>
+          </p:cNvSpPr>
           <p:nvPr/>
-        </p:nvCxnSpPr>
-        <p:spPr>
-          <a:xfrm rot="0">
-            <a:off x="7681595" y="5337175"/>
-            <a:ext cx="3018155" cy="523875"/>
-          </a:xfrm>
-          <a:prstGeom prst="straightConnector1"/>
-          <a:ln w="6350" cap="flat" cmpd="sng">
+        </p:nvSpPr>
+        <p:spPr>
+          <a:xfrm rot="0">
+            <a:off x="4323715" y="476885"/>
+            <a:ext cx="3554095" cy="554990"/>
+          </a:xfrm>
+          <a:prstGeom prst="rect"/>
+          <a:noFill/>
+          <a:ln w="0">
+            <a:noFill/>
             <a:prstDash/>
-            <a:tailEnd type="triangle" w="med" len="med"/>
           </a:ln>
         </p:spPr>
-        <p:style>
-          <a:lnRef idx="1">
-            <a:schemeClr val="accent1"/>
-          </a:lnRef>
-          <a:fillRef idx="0">
-            <a:schemeClr val="accent1"/>
-          </a:fillRef>
-          <a:effectRef idx="0">
-            <a:schemeClr val="accent1"/>
-          </a:effectRef>
-          <a:fontRef idx="minor">
-            <a:schemeClr val="tx1"/>
-          </a:fontRef>
-        </p:style>
-      </p:cxnSp>
-      <p:cxnSp>
-        <p:nvCxnSpPr>
-          <p:cNvPr id="25" name="도형 50"/>
-          <p:cNvCxnSpPr/>
+        <p:txBody>
+          <a:bodyPr wrap="square" lIns="89535" tIns="46355" rIns="89535" bIns="46355" numCol="1" vert="horz" anchor="t">
+            <a:spAutoFit/>
+          </a:bodyPr>
+          <a:lstStyle/>
+          <a:p>
+            <a:pPr marL="0" indent="0" rtl="0" algn="l" defTabSz="914400" eaLnBrk="1" latinLnBrk="0" hangingPunct="1">
+              <a:buFontTx/>
+              <a:buNone/>
+            </a:pPr>
+            <a:r>
+              <a:rPr lang="ko-KR" sz="3000" b="1">
+                <a:latin typeface="맑은 고딕" charset="0"/>
+                <a:ea typeface="맑은 고딕" charset="0"/>
+              </a:rPr>
+              <a:t>일곱</a:t>
+            </a:r>
+            <a:r>
+              <a:rPr lang="ko-KR" sz="3000" b="1">
+                <a:latin typeface="맑은 고딕" charset="0"/>
+                <a:ea typeface="맑은 고딕" charset="0"/>
+              </a:rPr>
+              <a:t> 번째 튜토리얼</a:t>
+            </a:r>
+            <a:r>
+              <a:rPr sz="3000" b="1">
+                <a:latin typeface="맑은 고딕" charset="0"/>
+                <a:ea typeface="맑은 고딕" charset="0"/>
+              </a:rPr>
+              <a:t> </a:t>
+            </a:r>
+            <a:endParaRPr lang="ko-KR" altLang="en-US" sz="3000" b="1">
+              <a:latin typeface="맑은 고딕" charset="0"/>
+              <a:ea typeface="맑은 고딕" charset="0"/>
+            </a:endParaRPr>
+          </a:p>
+        </p:txBody>
+      </p:sp>
+      <p:pic>
+        <p:nvPicPr>
+          <p:cNvPr id="36" name="그림 2" descr="C:/Users/Admin1/AppData/Roaming/PolarisOffice/ETemp/21612_20234488/fImage1486913841.png"/>
+          <p:cNvPicPr>
+            <a:picLocks noChangeAspect="1"/>
+          </p:cNvPicPr>
           <p:nvPr/>
-        </p:nvCxnSpPr>
-        <p:spPr>
-          <a:xfrm rot="0" flipV="1">
-            <a:off x="7573010" y="5561330"/>
-            <a:ext cx="3126740" cy="50800"/>
-          </a:xfrm>
-          <a:prstGeom prst="straightConnector1"/>
-          <a:ln w="6350" cap="flat" cmpd="sng">
-            <a:prstDash/>
-            <a:tailEnd type="triangle" w="med" len="med"/>
-          </a:ln>
-        </p:spPr>
-        <p:style>
-          <a:lnRef idx="1">
-            <a:schemeClr val="accent1"/>
-          </a:lnRef>
-          <a:fillRef idx="0">
-            <a:schemeClr val="accent1"/>
-          </a:fillRef>
-          <a:effectRef idx="0">
-            <a:schemeClr val="accent1"/>
-          </a:effectRef>
-          <a:fontRef idx="minor">
-            <a:schemeClr val="tx1"/>
-          </a:fontRef>
-        </p:style>
-      </p:cxnSp>
+        </p:nvPicPr>
+        <p:blipFill rotWithShape="1">
+          <a:blip r:embed="rId8" cstate="hqprint">
+            <a:extLst>
+              <a:ext uri="{28A0092B-C50C-407E-A947-70E740481C1C}">
+                <a14:useLocalDpi xmlns:a14="http://schemas.microsoft.com/office/drawing/2010/main"/>
+              </a:ext>
+            </a:extLst>
+          </a:blip>
+          <a:stretch>
+            <a:fillRect/>
+          </a:stretch>
+        </p:blipFill>
+        <p:spPr>
+          <a:xfrm rot="0">
+            <a:off x="1231265" y="1356995"/>
+            <a:ext cx="4124325" cy="2806065"/>
+          </a:xfrm>
+          <a:prstGeom prst="rect"/>
+          <a:noFill/>
+        </p:spPr>
+      </p:pic>
     </p:spTree>
   </p:cSld>
   <p:clrMapOvr>
@@ -10356,7 +11578,7 @@
       </p:grpSpPr>
       <p:sp>
         <p:nvSpPr>
-          <p:cNvPr id="25" name="Rect 0"/>
+          <p:cNvPr id="1031" name="Rect 0"/>
           <p:cNvSpPr txBox="1">
             <a:spLocks/>
           </p:cNvSpPr>
@@ -10364,8 +11586,8 @@
         </p:nvSpPr>
         <p:spPr>
           <a:xfrm rot="0">
-            <a:off x="1229995" y="4589145"/>
-            <a:ext cx="4133215" cy="1477645"/>
+            <a:off x="3908425" y="376555"/>
+            <a:ext cx="4377690" cy="554990"/>
           </a:xfrm>
           <a:prstGeom prst="rect"/>
           <a:noFill/>
@@ -10380,71 +11602,33 @@
           </a:bodyPr>
           <a:lstStyle/>
           <a:p>
-            <a:pPr marL="0" indent="0" algn="l" latinLnBrk="0" hangingPunct="1">
-              <a:buFontTx/>
-              <a:buNone/>
-            </a:pPr>
-            <a:r>
-              <a:rPr sz="1800" b="1">
+            <a:pPr marL="0" indent="0" algn="l" latinLnBrk="0">
+              <a:buFontTx/>
+              <a:buNone/>
+            </a:pPr>
+            <a:r>
+              <a:rPr lang="ko-KR" altLang="en-US" sz="3000" b="1">
                 <a:solidFill>
-                  <a:srgbClr val="0611F2"/>
+                  <a:schemeClr val="tx1"/>
                 </a:solidFill>
                 <a:latin typeface="맑은 고딕" charset="0"/>
                 <a:ea typeface="맑은 고딕" charset="0"/>
               </a:rPr>
-              <a:t>7.</a:t>
-            </a:r>
-            <a:r>
-              <a:rPr sz="1800">
-                <a:latin typeface="맑은 고딕" charset="0"/>
-                <a:ea typeface="맑은 고딕" charset="0"/>
-              </a:rPr>
-              <a:t> </a:t>
-            </a:r>
-            <a:r>
-              <a:rPr lang="ko-KR" sz="1800">
-                <a:latin typeface="맑은 고딕" charset="0"/>
-                <a:ea typeface="맑은 고딕" charset="0"/>
-              </a:rPr>
-              <a:t>채팅 UI를 생성하도록 설정하고 채팅 UI의 위치를 콘텐트 오브젝트의 하위 오브젝트로 설정합니다.</a:t>
-            </a:r>
-            <a:endParaRPr lang="ko-KR" altLang="en-US" sz="1800">
+              <a:t>Remote Procedure Call</a:t>
+            </a:r>
+            <a:endParaRPr lang="ko-KR" altLang="en-US" sz="3000" b="1">
+              <a:solidFill>
+                <a:schemeClr val="tx1"/>
+              </a:solidFill>
               <a:latin typeface="맑은 고딕" charset="0"/>
               <a:ea typeface="맑은 고딕" charset="0"/>
             </a:endParaRPr>
           </a:p>
-          <a:p>
-            <a:pPr marL="0" indent="0" algn="l" latinLnBrk="0" hangingPunct="1">
-              <a:buFontTx/>
-              <a:buNone/>
-            </a:pPr>
-            <a:endParaRPr lang="ko-KR" altLang="en-US" sz="1800">
-              <a:latin typeface="맑은 고딕" charset="0"/>
-              <a:ea typeface="맑은 고딕" charset="0"/>
-            </a:endParaRPr>
-          </a:p>
-          <a:p>
-            <a:pPr marL="0" indent="0" algn="l" latinLnBrk="0" hangingPunct="1">
-              <a:buFontTx/>
-              <a:buNone/>
-            </a:pPr>
-            <a:r>
-              <a:rPr lang="ko-KR" sz="1800">
-                <a:latin typeface="맑은 고딕" charset="0"/>
-                <a:ea typeface="맑은 고딕" charset="0"/>
-              </a:rPr>
-              <a:t>그다음 PunRPC 함수로 만들어 줍니다.</a:t>
-            </a:r>
-            <a:endParaRPr lang="ko-KR" altLang="en-US" sz="1800">
-              <a:latin typeface="맑은 고딕" charset="0"/>
-              <a:ea typeface="맑은 고딕" charset="0"/>
-            </a:endParaRPr>
-          </a:p>
-        </p:txBody>
-      </p:sp>
-      <p:sp>
-        <p:nvSpPr>
-          <p:cNvPr id="29" name="텍스트 상자 4"/>
+        </p:txBody>
+      </p:sp>
+      <p:sp>
+        <p:nvSpPr>
+          <p:cNvPr id="1032" name="텍스트 상자 1"/>
           <p:cNvSpPr txBox="1">
             <a:spLocks/>
           </p:cNvSpPr>
@@ -10452,8 +11636,8 @@
         </p:nvSpPr>
         <p:spPr>
           <a:xfrm rot="0">
-            <a:off x="1229995" y="1337310"/>
-            <a:ext cx="4132580" cy="923925"/>
+            <a:off x="837565" y="5269865"/>
+            <a:ext cx="4497070" cy="923925"/>
           </a:xfrm>
           <a:prstGeom prst="rect"/>
           <a:noFill/>
@@ -10477,7 +11661,7 @@
                 <a:latin typeface="맑은 고딕" charset="0"/>
                 <a:ea typeface="맑은 고딕" charset="0"/>
               </a:rPr>
-              <a:t>Photon View RPC는 호출할 RPC 함수를 다른 원격 객체에 함수를 전달하는 것입니다.</a:t>
+              <a:t>원격 프로시저 호출은 주소 공간에서 함수나 프로시저를 실행할 수 있게 하는 프로세스 간 통신 기술입니다.</a:t>
             </a:r>
             <a:endParaRPr lang="ko-KR" altLang="en-US" sz="1800">
               <a:latin typeface="맑은 고딕" charset="0"/>
@@ -10488,7 +11672,7 @@
       </p:sp>
       <p:sp>
         <p:nvSpPr>
-          <p:cNvPr id="31" name="텍스트 상자 24"/>
+          <p:cNvPr id="1033" name="텍스트 상자 2"/>
           <p:cNvSpPr txBox="1">
             <a:spLocks/>
           </p:cNvSpPr>
@@ -10496,8 +11680,8 @@
         </p:nvSpPr>
         <p:spPr>
           <a:xfrm rot="0">
-            <a:off x="6801485" y="3762375"/>
-            <a:ext cx="4206240" cy="2308860"/>
+            <a:off x="6905625" y="1388745"/>
+            <a:ext cx="4163060" cy="4799965"/>
           </a:xfrm>
           <a:prstGeom prst="rect"/>
           <a:noFill/>
@@ -10517,28 +11701,11 @@
               <a:buNone/>
             </a:pPr>
             <a:r>
-              <a:rPr sz="1800" b="1">
-                <a:solidFill>
-                  <a:srgbClr val="0611F2"/>
-                </a:solidFill>
-                <a:latin typeface="맑은 고딕" charset="0"/>
-                <a:ea typeface="맑은 고딕" charset="0"/>
-              </a:rPr>
-              <a:t>8.</a:t>
-            </a:r>
-            <a:r>
-              <a:rPr sz="1800">
-                <a:latin typeface="맑은 고딕" charset="0"/>
-                <a:ea typeface="맑은 고딕" charset="0"/>
-              </a:rPr>
-              <a:t> </a:t>
-            </a:r>
-            <a:r>
               <a:rPr lang="ko-KR" sz="1800">
                 <a:latin typeface="맑은 고딕" charset="0"/>
                 <a:ea typeface="맑은 고딕" charset="0"/>
               </a:rPr>
-              <a:t>그다음 InputField에 입력한 값을 string 변수 (chat)에 저장합니다.</a:t>
+              <a:t>포톤에서는 여러 명의 클라이언트가 모두 같은 스크립트를 가지고 일반 함수를 호출하게 되면 로컬에서만 실행됩니다.</a:t>
             </a:r>
             <a:endParaRPr lang="ko-KR" altLang="en-US" sz="1800">
               <a:latin typeface="맑은 고딕" charset="0"/>
@@ -10561,39 +11728,105 @@
               <a:buNone/>
             </a:pPr>
             <a:r>
-              <a:rPr sz="1800" b="1">
-                <a:solidFill>
-                  <a:srgbClr val="0611F2"/>
-                </a:solidFill>
-                <a:latin typeface="맑은 고딕" charset="0"/>
-                <a:ea typeface="맑은 고딕" charset="0"/>
-              </a:rPr>
-              <a:t>9.</a:t>
-            </a:r>
-            <a:r>
-              <a:rPr sz="1800">
-                <a:latin typeface="맑은 고딕" charset="0"/>
-                <a:ea typeface="맑은 고딕" charset="0"/>
-              </a:rPr>
-              <a:t> </a:t>
-            </a:r>
-            <a:r>
               <a:rPr lang="ko-KR" sz="1800">
                 <a:latin typeface="맑은 고딕" charset="0"/>
                 <a:ea typeface="맑은 고딕" charset="0"/>
               </a:rPr>
-              <a:t>마지막으로 채팅을 입력하고 Enter Key를 누르는 순간 RPC 함수를 호출하여 (호출할 PRC 함수), (현재 원격에 전달하는 대상), (RPC 함수가 사용할 변수)를 설정합니다.</a:t>
+              <a:t>그래서 다른 컴퓨터에서도 특정 함수의 실행을 보여주기 위해서는 RPC 함수를 만들어서 호출해야 합니다.</a:t>
             </a:r>
             <a:endParaRPr lang="ko-KR" altLang="en-US" sz="1800">
               <a:latin typeface="맑은 고딕" charset="0"/>
               <a:ea typeface="맑은 고딕" charset="0"/>
             </a:endParaRPr>
           </a:p>
+          <a:p>
+            <a:pPr marL="0" indent="0" algn="l" latinLnBrk="0" hangingPunct="1">
+              <a:buFontTx/>
+              <a:buNone/>
+            </a:pPr>
+            <a:endParaRPr lang="ko-KR" altLang="en-US" sz="1800">
+              <a:latin typeface="맑은 고딕" charset="0"/>
+              <a:ea typeface="맑은 고딕" charset="0"/>
+            </a:endParaRPr>
+          </a:p>
+          <a:p>
+            <a:pPr marL="0" indent="0" algn="l" latinLnBrk="0" hangingPunct="1">
+              <a:buFontTx/>
+              <a:buNone/>
+            </a:pPr>
+            <a:r>
+              <a:rPr lang="ko-KR" sz="1800">
+                <a:latin typeface="맑은 고딕" charset="0"/>
+                <a:ea typeface="맑은 고딕" charset="0"/>
+              </a:rPr>
+              <a:t>PRC 채팅은 일반 함수끼리 통신이 안 되기 때문에 서로 다른 클라이언트에서는 같은 View ID끼리 같은 함수를 실행하도록 설정합니다.</a:t>
+            </a:r>
+            <a:endParaRPr lang="ko-KR" altLang="en-US" sz="1800">
+              <a:latin typeface="맑은 고딕" charset="0"/>
+              <a:ea typeface="맑은 고딕" charset="0"/>
+            </a:endParaRPr>
+          </a:p>
+          <a:p>
+            <a:pPr marL="0" indent="0" algn="l" latinLnBrk="0" hangingPunct="1">
+              <a:buFontTx/>
+              <a:buNone/>
+            </a:pPr>
+            <a:endParaRPr lang="ko-KR" altLang="en-US" sz="1800">
+              <a:latin typeface="맑은 고딕" charset="0"/>
+              <a:ea typeface="맑은 고딕" charset="0"/>
+            </a:endParaRPr>
+          </a:p>
+          <a:p>
+            <a:pPr marL="0" indent="0" algn="l" latinLnBrk="0" hangingPunct="1">
+              <a:buFontTx/>
+              <a:buNone/>
+            </a:pPr>
+            <a:r>
+              <a:rPr lang="ko-KR" sz="1800">
+                <a:latin typeface="맑은 고딕" charset="0"/>
+                <a:ea typeface="맑은 고딕" charset="0"/>
+              </a:rPr>
+              <a:t>Photon View RPC는 호출할 RPC 함수를 다른 원격 객체에 함수를 전달하는 것입니다.</a:t>
+            </a:r>
+            <a:endParaRPr lang="ko-KR" altLang="en-US" sz="1800">
+              <a:latin typeface="맑은 고딕" charset="0"/>
+              <a:ea typeface="맑은 고딕" charset="0"/>
+            </a:endParaRPr>
+          </a:p>
         </p:txBody>
       </p:sp>
       <p:pic>
         <p:nvPicPr>
-          <p:cNvPr id="34" name="그림 32"/>
+          <p:cNvPr id="1035" name="그림 6" descr="C:/Users/Admin1/AppData/Roaming/PolarisOffice/ETemp/21612_20234488/fImage2416911941.png"/>
+          <p:cNvPicPr>
+            <a:picLocks noChangeAspect="1"/>
+          </p:cNvPicPr>
+          <p:nvPr/>
+        </p:nvPicPr>
+        <p:blipFill rotWithShape="1">
+          <a:blip r:embed="rId6" cstate="hqprint">
+            <a:extLst>
+              <a:ext uri="{28A0092B-C50C-407E-A947-70E740481C1C}">
+                <a14:useLocalDpi xmlns:a14="http://schemas.microsoft.com/office/drawing/2010/main"/>
+              </a:ext>
+            </a:extLst>
+          </a:blip>
+          <a:stretch>
+            <a:fillRect/>
+          </a:stretch>
+        </p:blipFill>
+        <p:spPr>
+          <a:xfrm rot="0">
+            <a:off x="839470" y="2690495"/>
+            <a:ext cx="1952625" cy="1882775"/>
+          </a:xfrm>
+          <a:prstGeom prst="rect"/>
+          <a:noFill/>
+        </p:spPr>
+      </p:pic>
+      <p:pic>
+        <p:nvPicPr>
+          <p:cNvPr id="1036" name="그림 7" descr="C:/Users/Admin1/AppData/Roaming/PolarisOffice/ETemp/21612_20234488/fImage241691208467.png"/>
           <p:cNvPicPr>
             <a:picLocks noChangeAspect="1"/>
           </p:cNvPicPr>
@@ -10613,8 +11846,8 @@
         </p:blipFill>
         <p:spPr>
           <a:xfrm rot="0">
-            <a:off x="6800850" y="1337945"/>
-            <a:ext cx="4197985" cy="2253615"/>
+            <a:off x="3387725" y="2686050"/>
+            <a:ext cx="1952625" cy="1882775"/>
           </a:xfrm>
           <a:prstGeom prst="rect"/>
           <a:noFill/>
@@ -10622,7 +11855,7 @@
       </p:pic>
       <p:sp>
         <p:nvSpPr>
-          <p:cNvPr id="35" name="텍스트 상자 45"/>
+          <p:cNvPr id="1037" name="텍스트 상자 8"/>
           <p:cNvSpPr txBox="1">
             <a:spLocks/>
           </p:cNvSpPr>
@@ -10630,8 +11863,8 @@
         </p:nvSpPr>
         <p:spPr>
           <a:xfrm rot="0">
-            <a:off x="4533265" y="476885"/>
-            <a:ext cx="3122295" cy="554990"/>
+            <a:off x="928370" y="4741545"/>
+            <a:ext cx="1778000" cy="401320"/>
           </a:xfrm>
           <a:prstGeom prst="rect"/>
           <a:noFill/>
@@ -10641,39 +11874,88 @@
           </a:ln>
         </p:spPr>
         <p:txBody>
-          <a:bodyPr wrap="square" lIns="89535" tIns="46355" rIns="89535" bIns="46355" vert="horz" anchor="t">
+          <a:bodyPr wrap="square" lIns="89535" tIns="46355" rIns="89535" bIns="46355" numCol="1" vert="horz" anchor="t">
             <a:spAutoFit/>
           </a:bodyPr>
           <a:lstStyle/>
           <a:p>
-            <a:pPr marL="0" indent="0" rtl="0" algn="l" defTabSz="914400" eaLnBrk="1" latinLnBrk="0" hangingPunct="1">
-              <a:buFontTx/>
-              <a:buNone/>
-            </a:pPr>
-            <a:r>
-              <a:rPr lang="ko-KR" sz="3000" b="1">
-                <a:latin typeface="맑은 고딕" charset="0"/>
-                <a:ea typeface="맑은 고딕" charset="0"/>
-              </a:rPr>
-              <a:t>네 번째 튜토리얼</a:t>
-            </a:r>
-            <a:r>
-              <a:rPr sz="3000" b="1">
-                <a:latin typeface="맑은 고딕" charset="0"/>
-                <a:ea typeface="맑은 고딕" charset="0"/>
-              </a:rPr>
-              <a:t> </a:t>
-            </a:r>
-            <a:endParaRPr lang="ko-KR" altLang="en-US" sz="3000" b="1">
+            <a:pPr marL="0" indent="0" algn="l" latinLnBrk="0" hangingPunct="1">
+              <a:buFontTx/>
+              <a:buNone/>
+            </a:pPr>
+            <a:r>
+              <a:rPr lang="ko-KR" sz="2000" b="1">
+                <a:solidFill>
+                  <a:srgbClr val="36B700"/>
+                </a:solidFill>
+                <a:latin typeface="맑은 고딕" charset="0"/>
+                <a:ea typeface="맑은 고딕" charset="0"/>
+              </a:rPr>
+              <a:t>A 클라이언트</a:t>
+            </a:r>
+            <a:endParaRPr lang="ko-KR" altLang="en-US" sz="2000" b="1">
+              <a:solidFill>
+                <a:srgbClr val="36B700"/>
+              </a:solidFill>
               <a:latin typeface="맑은 고딕" charset="0"/>
               <a:ea typeface="맑은 고딕" charset="0"/>
             </a:endParaRPr>
           </a:p>
         </p:txBody>
       </p:sp>
+      <p:sp>
+        <p:nvSpPr>
+          <p:cNvPr id="1038" name="텍스트 상자 9"/>
+          <p:cNvSpPr txBox="1">
+            <a:spLocks/>
+          </p:cNvSpPr>
+          <p:nvPr/>
+        </p:nvSpPr>
+        <p:spPr>
+          <a:xfrm rot="0">
+            <a:off x="3476625" y="4756150"/>
+            <a:ext cx="1778000" cy="401320"/>
+          </a:xfrm>
+          <a:prstGeom prst="rect"/>
+          <a:noFill/>
+          <a:ln w="0">
+            <a:noFill/>
+            <a:prstDash/>
+          </a:ln>
+        </p:spPr>
+        <p:txBody>
+          <a:bodyPr wrap="square" lIns="89535" tIns="46355" rIns="89535" bIns="46355" numCol="1" vert="horz" anchor="t">
+            <a:spAutoFit/>
+          </a:bodyPr>
+          <a:lstStyle/>
+          <a:p>
+            <a:pPr marL="0" indent="0" algn="l" latinLnBrk="0" hangingPunct="1">
+              <a:buFontTx/>
+              <a:buNone/>
+            </a:pPr>
+            <a:r>
+              <a:rPr lang="ko-KR" sz="2000" b="1">
+                <a:solidFill>
+                  <a:srgbClr val="36B700"/>
+                </a:solidFill>
+                <a:latin typeface="맑은 고딕" charset="0"/>
+                <a:ea typeface="맑은 고딕" charset="0"/>
+              </a:rPr>
+              <a:t>B 클라이언트</a:t>
+            </a:r>
+            <a:endParaRPr lang="ko-KR" altLang="en-US" sz="2000" b="1">
+              <a:solidFill>
+                <a:srgbClr val="36B700"/>
+              </a:solidFill>
+              <a:latin typeface="맑은 고딕" charset="0"/>
+              <a:ea typeface="맑은 고딕" charset="0"/>
+            </a:endParaRPr>
+          </a:p>
+        </p:txBody>
+      </p:sp>
       <p:pic>
         <p:nvPicPr>
-          <p:cNvPr id="36" name="그림 2"/>
+          <p:cNvPr id="1039" name="그림 10" descr="C:/Users/Admin1/AppData/Roaming/PolarisOffice/ETemp/21612_20234488/fImage16421236334.png"/>
           <p:cNvPicPr>
             <a:picLocks noChangeAspect="1"/>
           </p:cNvPicPr>
@@ -10693,11 +11975,283 @@
         </p:blipFill>
         <p:spPr>
           <a:xfrm rot="0">
-            <a:off x="1231265" y="2385695"/>
-            <a:ext cx="4123690" cy="2070735"/>
+            <a:off x="1090295" y="2860040"/>
+            <a:ext cx="1444625" cy="513080"/>
+          </a:xfrm>
+          <a:prstGeom prst="roundRect"/>
+          <a:solidFill>
+            <a:srgbClr val="EDEDED"/>
+          </a:solidFill>
+        </p:spPr>
+      </p:pic>
+      <p:pic>
+        <p:nvPicPr>
+          <p:cNvPr id="1040" name="그림 13" descr="C:/Users/Admin1/AppData/Roaming/PolarisOffice/ETemp/21612_20234488/fImage16421246500.png"/>
+          <p:cNvPicPr>
+            <a:picLocks noChangeAspect="1"/>
+          </p:cNvPicPr>
+          <p:nvPr/>
+        </p:nvPicPr>
+        <p:blipFill rotWithShape="1">
+          <a:blip r:embed="rId9" cstate="hqprint">
+            <a:extLst>
+              <a:ext uri="{28A0092B-C50C-407E-A947-70E740481C1C}">
+                <a14:useLocalDpi xmlns:a14="http://schemas.microsoft.com/office/drawing/2010/main"/>
+              </a:ext>
+            </a:extLst>
+          </a:blip>
+          <a:stretch>
+            <a:fillRect/>
+          </a:stretch>
+        </p:blipFill>
+        <p:spPr>
+          <a:xfrm rot="0">
+            <a:off x="3686175" y="2855595"/>
+            <a:ext cx="1444625" cy="513080"/>
+          </a:xfrm>
+          <a:prstGeom prst="roundRect"/>
+          <a:solidFill>
+            <a:srgbClr val="EDEDED"/>
+          </a:solidFill>
+        </p:spPr>
+      </p:pic>
+      <p:sp>
+        <p:nvSpPr>
+          <p:cNvPr id="1041" name="텍스트 상자 14"/>
+          <p:cNvSpPr txBox="1">
+            <a:spLocks/>
+          </p:cNvSpPr>
+          <p:nvPr/>
+        </p:nvSpPr>
+        <p:spPr>
+          <a:xfrm rot="0">
+            <a:off x="1047750" y="3375025"/>
+            <a:ext cx="1534795" cy="324485"/>
           </a:xfrm>
           <a:prstGeom prst="rect"/>
           <a:noFill/>
+          <a:ln w="0">
+            <a:noFill/>
+            <a:prstDash/>
+          </a:ln>
+        </p:spPr>
+        <p:txBody>
+          <a:bodyPr wrap="square" lIns="89535" tIns="46355" rIns="89535" bIns="46355" numCol="1" vert="horz" anchor="t">
+            <a:spAutoFit/>
+          </a:bodyPr>
+          <a:lstStyle/>
+          <a:p>
+            <a:pPr marL="0" indent="0" algn="l" latinLnBrk="0" hangingPunct="1">
+              <a:buFontTx/>
+              <a:buNone/>
+            </a:pPr>
+            <a:r>
+              <a:rPr lang="ko-KR" sz="1500" b="1">
+                <a:solidFill>
+                  <a:srgbClr val="0611F2"/>
+                </a:solidFill>
+                <a:latin typeface="맑은 고딕" charset="0"/>
+                <a:ea typeface="맑은 고딕" charset="0"/>
+              </a:rPr>
+              <a:t>View</a:t>
+            </a:r>
+            <a:r>
+              <a:rPr lang="ko-KR" sz="1500" b="1">
+                <a:solidFill>
+                  <a:srgbClr val="0611F2"/>
+                </a:solidFill>
+                <a:latin typeface="맑은 고딕" charset="0"/>
+                <a:ea typeface="맑은 고딕" charset="0"/>
+              </a:rPr>
+              <a:t> </a:t>
+            </a:r>
+            <a:r>
+              <a:rPr lang="ko-KR" sz="1500" b="1">
+                <a:solidFill>
+                  <a:srgbClr val="0611F2"/>
+                </a:solidFill>
+                <a:latin typeface="맑은 고딕" charset="0"/>
+                <a:ea typeface="맑은 고딕" charset="0"/>
+              </a:rPr>
+              <a:t>ID</a:t>
+            </a:r>
+            <a:r>
+              <a:rPr lang="ko-KR" sz="1500" b="1">
+                <a:solidFill>
+                  <a:srgbClr val="0611F2"/>
+                </a:solidFill>
+                <a:latin typeface="맑은 고딕" charset="0"/>
+                <a:ea typeface="맑은 고딕" charset="0"/>
+              </a:rPr>
+              <a:t> </a:t>
+            </a:r>
+            <a:r>
+              <a:rPr lang="ko-KR" sz="1500" b="1">
+                <a:solidFill>
+                  <a:srgbClr val="0611F2"/>
+                </a:solidFill>
+                <a:latin typeface="맑은 고딕" charset="0"/>
+                <a:ea typeface="맑은 고딕" charset="0"/>
+              </a:rPr>
+              <a:t>:</a:t>
+            </a:r>
+            <a:r>
+              <a:rPr lang="ko-KR" sz="1500" b="1">
+                <a:solidFill>
+                  <a:srgbClr val="0611F2"/>
+                </a:solidFill>
+                <a:latin typeface="맑은 고딕" charset="0"/>
+                <a:ea typeface="맑은 고딕" charset="0"/>
+              </a:rPr>
+              <a:t> </a:t>
+            </a:r>
+            <a:r>
+              <a:rPr lang="ko-KR" sz="1500" b="1">
+                <a:solidFill>
+                  <a:srgbClr val="0611F2"/>
+                </a:solidFill>
+                <a:latin typeface="맑은 고딕" charset="0"/>
+                <a:ea typeface="맑은 고딕" charset="0"/>
+              </a:rPr>
+              <a:t>1001</a:t>
+            </a:r>
+            <a:endParaRPr lang="ko-KR" altLang="en-US" sz="1500" b="1">
+              <a:solidFill>
+                <a:srgbClr val="0611F2"/>
+              </a:solidFill>
+              <a:latin typeface="맑은 고딕" charset="0"/>
+              <a:ea typeface="맑은 고딕" charset="0"/>
+            </a:endParaRPr>
+          </a:p>
+        </p:txBody>
+      </p:sp>
+      <p:sp>
+        <p:nvSpPr>
+          <p:cNvPr id="1042" name="텍스트 상자 15"/>
+          <p:cNvSpPr txBox="1">
+            <a:spLocks/>
+          </p:cNvSpPr>
+          <p:nvPr/>
+        </p:nvSpPr>
+        <p:spPr>
+          <a:xfrm rot="0">
+            <a:off x="3596005" y="3380105"/>
+            <a:ext cx="1534795" cy="324485"/>
+          </a:xfrm>
+          <a:prstGeom prst="rect"/>
+          <a:noFill/>
+          <a:ln w="0">
+            <a:noFill/>
+            <a:prstDash/>
+          </a:ln>
+        </p:spPr>
+        <p:txBody>
+          <a:bodyPr wrap="square" lIns="89535" tIns="46355" rIns="89535" bIns="46355" numCol="1" vert="horz" anchor="t">
+            <a:spAutoFit/>
+          </a:bodyPr>
+          <a:lstStyle/>
+          <a:p>
+            <a:pPr marL="0" indent="0" algn="l" latinLnBrk="0" hangingPunct="1">
+              <a:buFontTx/>
+              <a:buNone/>
+            </a:pPr>
+            <a:r>
+              <a:rPr lang="ko-KR" sz="1500" b="1">
+                <a:solidFill>
+                  <a:srgbClr val="0611F2"/>
+                </a:solidFill>
+                <a:latin typeface="맑은 고딕" charset="0"/>
+                <a:ea typeface="맑은 고딕" charset="0"/>
+              </a:rPr>
+              <a:t>View ID : 1001</a:t>
+            </a:r>
+            <a:endParaRPr lang="ko-KR" altLang="en-US" sz="1500" b="1">
+              <a:solidFill>
+                <a:srgbClr val="0611F2"/>
+              </a:solidFill>
+              <a:latin typeface="맑은 고딕" charset="0"/>
+              <a:ea typeface="맑은 고딕" charset="0"/>
+            </a:endParaRPr>
+          </a:p>
+        </p:txBody>
+      </p:sp>
+      <p:sp>
+        <p:nvSpPr>
+          <p:cNvPr id="1043" name="도형 18"/>
+          <p:cNvSpPr>
+            <a:spLocks/>
+          </p:cNvSpPr>
+          <p:nvPr/>
+        </p:nvSpPr>
+        <p:spPr>
+          <a:xfrm rot="0" flipH="1">
+            <a:off x="1619250" y="3695700"/>
+            <a:ext cx="3039745" cy="620395"/>
+          </a:xfrm>
+          <a:prstGeom prst="curvedUpArrow"/>
+        </p:spPr>
+        <p:style>
+          <a:lnRef idx="2">
+            <a:schemeClr val="accent1">
+              <a:shade val="50000"/>
+            </a:schemeClr>
+          </a:lnRef>
+          <a:fillRef idx="1">
+            <a:schemeClr val="accent1"/>
+          </a:fillRef>
+          <a:effectRef idx="0">
+            <a:schemeClr val="accent1"/>
+          </a:effectRef>
+          <a:fontRef idx="minor">
+            <a:schemeClr val="lt1"/>
+          </a:fontRef>
+        </p:style>
+        <p:txBody>
+          <a:bodyPr wrap="square" lIns="91440" tIns="45720" rIns="91440" bIns="45720" numCol="1" vert="horz" anchor="ctr">
+            <a:noAutofit/>
+          </a:bodyPr>
+          <a:lstStyle/>
+          <a:p>
+            <a:pPr marL="0" indent="0" algn="ctr" latinLnBrk="0" hangingPunct="1">
+              <a:buFontTx/>
+              <a:buNone/>
+            </a:pPr>
+            <a:endParaRPr lang="ko-KR" altLang="en-US" sz="1800">
+              <a:latin typeface="맑은 고딕" charset="0"/>
+              <a:ea typeface="맑은 고딕" charset="0"/>
+            </a:endParaRPr>
+          </a:p>
+        </p:txBody>
+      </p:sp>
+      <p:pic>
+        <p:nvPicPr>
+          <p:cNvPr id="1044" name="그림 19" descr="C:/Users/Admin1/AppData/Roaming/PolarisOffice/ETemp/21612_20234488/fImage95731329169.png"/>
+          <p:cNvPicPr>
+            <a:picLocks noChangeAspect="1"/>
+          </p:cNvPicPr>
+          <p:nvPr/>
+        </p:nvPicPr>
+        <p:blipFill rotWithShape="1">
+          <a:blip r:embed="rId10" cstate="hqprint">
+            <a:extLst>
+              <a:ext uri="{28A0092B-C50C-407E-A947-70E740481C1C}">
+                <a14:useLocalDpi xmlns:a14="http://schemas.microsoft.com/office/drawing/2010/main"/>
+              </a:ext>
+            </a:extLst>
+          </a:blip>
+          <a:stretch>
+            <a:fillRect/>
+          </a:stretch>
+        </p:blipFill>
+        <p:spPr>
+          <a:xfrm rot="0">
+            <a:off x="842645" y="1395095"/>
+            <a:ext cx="4502150" cy="1120140"/>
+          </a:xfrm>
+          <a:prstGeom prst="roundRect"/>
+          <a:solidFill>
+            <a:srgbClr val="EDEDED"/>
+          </a:solidFill>
         </p:spPr>
       </p:pic>
     </p:spTree>
@@ -10742,7 +12296,7 @@
       </p:grpSpPr>
       <p:sp>
         <p:nvSpPr>
-          <p:cNvPr id="25" name="Rect 0"/>
+          <p:cNvPr id="29" name="Rect 0"/>
           <p:cNvSpPr txBox="1">
             <a:spLocks/>
           </p:cNvSpPr>
@@ -10750,8 +12304,8 @@
         </p:nvSpPr>
         <p:spPr>
           <a:xfrm rot="0">
-            <a:off x="6798310" y="5496560"/>
-            <a:ext cx="4175125" cy="647065"/>
+            <a:off x="1229995" y="1337310"/>
+            <a:ext cx="4038600" cy="370205"/>
           </a:xfrm>
           <a:prstGeom prst="rect"/>
           <a:noFill/>
@@ -10770,30 +12324,6 @@
               <a:buFontTx/>
               <a:buNone/>
             </a:pPr>
-            <a:r>
-              <a:rPr sz="1800" b="1">
-                <a:solidFill>
-                  <a:srgbClr val="0611F2"/>
-                </a:solidFill>
-                <a:latin typeface="맑은 고딕" charset="0"/>
-                <a:ea typeface="맑은 고딕" charset="0"/>
-              </a:rPr>
-              <a:t>12.</a:t>
-            </a:r>
-            <a:r>
-              <a:rPr sz="1800">
-                <a:latin typeface="맑은 고딕" charset="0"/>
-                <a:ea typeface="맑은 고딕" charset="0"/>
-              </a:rPr>
-              <a:t> </a:t>
-            </a:r>
-            <a:r>
-              <a:rPr lang="ko-KR" sz="1800">
-                <a:latin typeface="맑은 고딕" charset="0"/>
-                <a:ea typeface="맑은 고딕" charset="0"/>
-              </a:rPr>
-              <a:t>마지막으로 Photon View를 Chatting Manager에 추가합니다.</a:t>
-            </a:r>
             <a:endParaRPr lang="ko-KR" altLang="en-US" sz="1800">
               <a:latin typeface="맑은 고딕" charset="0"/>
               <a:ea typeface="맑은 고딕" charset="0"/>
@@ -10803,16 +12333,16 @@
       </p:sp>
       <p:sp>
         <p:nvSpPr>
-          <p:cNvPr id="29" name="Rect 0"/>
+          <p:cNvPr id="35" name="Rect 0"/>
           <p:cNvSpPr txBox="1">
             <a:spLocks/>
           </p:cNvSpPr>
           <p:nvPr/>
         </p:nvSpPr>
         <p:spPr>
-          <a:xfrm rot="0">
-            <a:off x="1229995" y="1337310"/>
-            <a:ext cx="4038600" cy="370205"/>
+          <a:xfrm>
+            <a:off x="4342765" y="467995"/>
+            <a:ext cx="3503930" cy="554990"/>
           </a:xfrm>
           <a:prstGeom prst="rect"/>
           <a:noFill/>
@@ -10827,11 +12357,32 @@
           </a:bodyPr>
           <a:lstStyle/>
           <a:p>
-            <a:pPr marL="0" indent="0" algn="l" latinLnBrk="0" hangingPunct="1">
-              <a:buFontTx/>
-              <a:buNone/>
-            </a:pPr>
-            <a:endParaRPr lang="ko-KR" altLang="en-US" sz="1800">
+            <a:pPr marL="0" indent="0" rtl="0" algn="l" defTabSz="914400" eaLnBrk="1" latinLnBrk="0" hangingPunct="1">
+              <a:buFontTx/>
+              <a:buNone/>
+            </a:pPr>
+            <a:r>
+              <a:rPr lang="ko-KR" sz="3000" b="1">
+                <a:latin typeface="맑은 고딕" charset="0"/>
+                <a:ea typeface="맑은 고딕" charset="0"/>
+              </a:rPr>
+              <a:t>여덟</a:t>
+            </a:r>
+            <a:r>
+              <a:rPr lang="ko-KR" sz="3000" b="1">
+                <a:latin typeface="맑은 고딕" charset="0"/>
+                <a:ea typeface="맑은 고딕" charset="0"/>
+              </a:rPr>
+              <a:t> 번째 튜토리얼</a:t>
+            </a:r>
+            <a:r>
+              <a:rPr sz="3000" b="1">
+                <a:latin typeface="맑은 고딕" charset="0"/>
+                <a:ea typeface="맑은 고딕" charset="0"/>
+              </a:rPr>
+              <a:t> </a:t>
+            </a:r>
+            <a:endParaRPr lang="ko-KR" altLang="en-US" sz="3000" b="1">
               <a:latin typeface="맑은 고딕" charset="0"/>
               <a:ea typeface="맑은 고딕" charset="0"/>
             </a:endParaRPr>
@@ -10840,7 +12391,7 @@
       </p:sp>
       <p:sp>
         <p:nvSpPr>
-          <p:cNvPr id="31" name="Rect 0"/>
+          <p:cNvPr id="36" name="텍스트 상자 59"/>
           <p:cNvSpPr txBox="1">
             <a:spLocks/>
           </p:cNvSpPr>
@@ -10848,8 +12399,8 @@
         </p:nvSpPr>
         <p:spPr>
           <a:xfrm rot="0">
-            <a:off x="6801485" y="3204210"/>
-            <a:ext cx="4161790" cy="370205"/>
+            <a:off x="1228725" y="5160010"/>
+            <a:ext cx="4191635" cy="923925"/>
           </a:xfrm>
           <a:prstGeom prst="rect"/>
           <a:noFill/>
@@ -10868,6 +12419,50 @@
               <a:buFontTx/>
               <a:buNone/>
             </a:pPr>
+            <a:r>
+              <a:rPr sz="1800" b="1">
+                <a:solidFill>
+                  <a:srgbClr val="0611F2"/>
+                </a:solidFill>
+                <a:latin typeface="맑은 고딕" charset="0"/>
+                <a:ea typeface="맑은 고딕" charset="0"/>
+              </a:rPr>
+              <a:t>1</a:t>
+            </a:r>
+            <a:r>
+              <a:rPr sz="1800" b="1">
+                <a:solidFill>
+                  <a:srgbClr val="0611F2"/>
+                </a:solidFill>
+                <a:latin typeface="맑은 고딕" charset="0"/>
+                <a:ea typeface="맑은 고딕" charset="0"/>
+              </a:rPr>
+              <a:t>2</a:t>
+            </a:r>
+            <a:r>
+              <a:rPr sz="1800" b="1">
+                <a:solidFill>
+                  <a:srgbClr val="0611F2"/>
+                </a:solidFill>
+                <a:latin typeface="맑은 고딕" charset="0"/>
+                <a:ea typeface="맑은 고딕" charset="0"/>
+              </a:rPr>
+              <a:t>.</a:t>
+            </a:r>
+            <a:r>
+              <a:rPr sz="1800">
+                <a:latin typeface="맑은 고딕" charset="0"/>
+                <a:ea typeface="맑은 고딕" charset="0"/>
+              </a:rPr>
+              <a:t> </a:t>
+            </a:r>
+            <a:r>
+              <a:rPr lang="ko-KR" sz="1800">
+                <a:latin typeface="맑은 고딕" charset="0"/>
+                <a:ea typeface="맑은 고딕" charset="0"/>
+              </a:rPr>
+              <a:t>그리고 Scroll Rect 옵션에 수직으로 이동만 하므로 Horizontal을 비활성화합니다.</a:t>
+            </a:r>
             <a:endParaRPr lang="ko-KR" altLang="en-US" sz="1800">
               <a:latin typeface="맑은 고딕" charset="0"/>
               <a:ea typeface="맑은 고딕" charset="0"/>
@@ -10875,9 +12470,38 @@
           </a:p>
         </p:txBody>
       </p:sp>
-      <p:sp>
-        <p:nvSpPr>
-          <p:cNvPr id="35" name="Rect 0"/>
+      <p:pic>
+        <p:nvPicPr>
+          <p:cNvPr id="37" name="그림 60" descr="C:/Users/Admin1/AppData/Roaming/PolarisOffice/ETemp/21612_20234488/fImage251202414827.png"/>
+          <p:cNvPicPr>
+            <a:picLocks noChangeAspect="1"/>
+          </p:cNvPicPr>
+          <p:nvPr/>
+        </p:nvPicPr>
+        <p:blipFill rotWithShape="1">
+          <a:blip r:embed="rId5" cstate="hqprint">
+            <a:extLst>
+              <a:ext uri="{28A0092B-C50C-407E-A947-70E740481C1C}">
+                <a14:useLocalDpi xmlns:a14="http://schemas.microsoft.com/office/drawing/2010/main"/>
+              </a:ext>
+            </a:extLst>
+          </a:blip>
+          <a:stretch>
+            <a:fillRect/>
+          </a:stretch>
+        </p:blipFill>
+        <p:spPr>
+          <a:xfrm rot="0">
+            <a:off x="1174115" y="1504950"/>
+            <a:ext cx="4198620" cy="3486785"/>
+          </a:xfrm>
+          <a:prstGeom prst="rect"/>
+          <a:noFill/>
+        </p:spPr>
+      </p:pic>
+      <p:sp>
+        <p:nvSpPr>
+          <p:cNvPr id="38" name="텍스트 상자 64"/>
           <p:cNvSpPr txBox="1">
             <a:spLocks/>
           </p:cNvSpPr>
@@ -10885,8 +12509,8 @@
         </p:nvSpPr>
         <p:spPr>
           <a:xfrm rot="0">
-            <a:off x="4342765" y="467995"/>
-            <a:ext cx="3503295" cy="554990"/>
+            <a:off x="6798310" y="5496560"/>
+            <a:ext cx="4079875" cy="647065"/>
           </a:xfrm>
           <a:prstGeom prst="rect"/>
           <a:noFill/>
@@ -10896,30 +12520,74 @@
           </a:ln>
         </p:spPr>
         <p:txBody>
-          <a:bodyPr wrap="square" lIns="89535" tIns="46355" rIns="89535" bIns="46355" vert="horz" anchor="t">
+          <a:bodyPr wrap="square" lIns="89535" tIns="46355" rIns="89535" bIns="46355" numCol="1" vert="horz" anchor="t">
             <a:spAutoFit/>
           </a:bodyPr>
           <a:lstStyle/>
           <a:p>
-            <a:pPr marL="0" indent="0" rtl="0" algn="l" defTabSz="914400" eaLnBrk="1" latinLnBrk="0" hangingPunct="1">
-              <a:buFontTx/>
-              <a:buNone/>
-            </a:pPr>
-            <a:r>
-              <a:rPr lang="ko-KR" sz="3000" b="1">
-                <a:latin typeface="맑은 고딕" charset="0"/>
-                <a:ea typeface="맑은 고딕" charset="0"/>
-              </a:rPr>
-              <a:t>다섯 번째 튜토리얼</a:t>
-            </a:r>
-            <a:r>
-              <a:rPr sz="3000" b="1">
+            <a:pPr marL="0" indent="0" algn="l" latinLnBrk="0" hangingPunct="1">
+              <a:buFontTx/>
+              <a:buNone/>
+            </a:pPr>
+            <a:r>
+              <a:rPr sz="1800" b="1">
+                <a:solidFill>
+                  <a:srgbClr val="0611F2"/>
+                </a:solidFill>
+                <a:latin typeface="맑은 고딕" charset="0"/>
+                <a:ea typeface="맑은 고딕" charset="0"/>
+              </a:rPr>
+              <a:t>1</a:t>
+            </a:r>
+            <a:r>
+              <a:rPr sz="1800" b="1">
+                <a:solidFill>
+                  <a:srgbClr val="0611F2"/>
+                </a:solidFill>
+                <a:latin typeface="맑은 고딕" charset="0"/>
+                <a:ea typeface="맑은 고딕" charset="0"/>
+              </a:rPr>
+              <a:t>3</a:t>
+            </a:r>
+            <a:r>
+              <a:rPr sz="1800" b="1">
+                <a:solidFill>
+                  <a:srgbClr val="0611F2"/>
+                </a:solidFill>
+                <a:latin typeface="맑은 고딕" charset="0"/>
+                <a:ea typeface="맑은 고딕" charset="0"/>
+              </a:rPr>
+              <a:t>.</a:t>
+            </a:r>
+            <a:r>
+              <a:rPr sz="1800">
                 <a:latin typeface="맑은 고딕" charset="0"/>
                 <a:ea typeface="맑은 고딕" charset="0"/>
               </a:rPr>
               <a:t> </a:t>
             </a:r>
-            <a:endParaRPr lang="ko-KR" altLang="en-US" sz="3000" b="1">
+            <a:r>
+              <a:rPr lang="ko-KR" sz="1800">
+                <a:latin typeface="맑은 고딕" charset="0"/>
+                <a:ea typeface="맑은 고딕" charset="0"/>
+              </a:rPr>
+              <a:t>마지막으로 Chatting Manager에</a:t>
+            </a:r>
+            <a:r>
+              <a:rPr lang="ko-KR" sz="1800">
+                <a:latin typeface="맑은 고딕" charset="0"/>
+                <a:ea typeface="맑은 고딕" charset="0"/>
+              </a:rPr>
+              <a:t> Photon View 컴포넌트를</a:t>
+            </a:r>
+            <a:r>
+              <a:rPr lang="ko-KR" sz="1800">
+                <a:latin typeface="맑은 고딕" charset="0"/>
+                <a:ea typeface="맑은 고딕" charset="0"/>
+              </a:rPr>
+              <a:t> 추가합니다.</a:t>
+            </a:r>
+            <a:endParaRPr lang="ko-KR" altLang="en-US" sz="1800">
               <a:latin typeface="맑은 고딕" charset="0"/>
               <a:ea typeface="맑은 고딕" charset="0"/>
             </a:endParaRPr>
@@ -10928,7 +12596,7 @@
       </p:sp>
       <p:pic>
         <p:nvPicPr>
-          <p:cNvPr id="36" name="그림 54"/>
+          <p:cNvPr id="39" name="그림 65" descr="C:/Users/Admin1/AppData/Roaming/PolarisOffice/ETemp/21612_20234488/fImage8792234491.png"/>
           <p:cNvPicPr>
             <a:picLocks noChangeAspect="1"/>
           </p:cNvPicPr>
@@ -10948,8 +12616,8 @@
         </p:blipFill>
         <p:spPr>
           <a:xfrm rot="0">
-            <a:off x="6815455" y="2485390"/>
-            <a:ext cx="2163445" cy="2844165"/>
+            <a:off x="9153525" y="2095500"/>
+            <a:ext cx="1721485" cy="2677160"/>
           </a:xfrm>
           <a:prstGeom prst="roundRect"/>
           <a:solidFill>
@@ -10959,17 +12627,17 @@
       </p:pic>
       <p:pic>
         <p:nvPicPr>
-          <p:cNvPr id="37" name="그림 55"/>
+          <p:cNvPr id="40" name="그림 66" descr="C:/Users/Admin1/AppData/Roaming/PolarisOffice/ETemp/21612_20234488/fImage94852938145.png"/>
           <p:cNvPicPr>
             <a:picLocks noChangeAspect="1"/>
           </p:cNvPicPr>
           <p:nvPr/>
         </p:nvPicPr>
         <p:blipFill rotWithShape="1">
-          <a:blip r:embed="rId3" cstate="hqprint">
+          <a:blip r:embed="rId7" cstate="print">
             <a:extLst>
               <a:ext uri="{28A0092B-C50C-407E-A947-70E740481C1C}">
-                <a14:useLocalDpi xmlns:a14="http://schemas.microsoft.com/office/drawing/2010/main"/>
+                <a14:useLocalDpi xmlns:a14="http://schemas.microsoft.com/office/drawing/2010/main" val="0"/>
               </a:ext>
             </a:extLst>
           </a:blip>
@@ -10979,225 +12647,8 @@
         </p:blipFill>
         <p:spPr>
           <a:xfrm rot="0">
-            <a:off x="9410700" y="2845435"/>
-            <a:ext cx="1562100" cy="2112010"/>
-          </a:xfrm>
-          <a:prstGeom prst="roundRect"/>
-          <a:solidFill>
-            <a:srgbClr val="EDEDED"/>
-          </a:solidFill>
-        </p:spPr>
-      </p:pic>
-      <p:cxnSp>
-        <p:nvCxnSpPr>
-          <p:cNvPr id="38" name="도형 56"/>
-          <p:cNvCxnSpPr/>
-          <p:nvPr/>
-        </p:nvCxnSpPr>
-        <p:spPr>
-          <a:xfrm rot="0" flipV="1">
-            <a:off x="2135505" y="2909570"/>
-            <a:ext cx="1762125" cy="2540"/>
-          </a:xfrm>
-          <a:prstGeom prst="straightConnector1"/>
-          <a:ln w="6350" cap="flat" cmpd="sng">
-            <a:prstDash/>
-            <a:headEnd type="none" w="med" len="med"/>
-            <a:tailEnd type="triangle" w="med" len="med"/>
-          </a:ln>
-        </p:spPr>
-        <p:style>
-          <a:lnRef idx="1">
-            <a:schemeClr val="accent1"/>
-          </a:lnRef>
-          <a:fillRef idx="0">
-            <a:schemeClr val="accent1"/>
-          </a:fillRef>
-          <a:effectRef idx="0">
-            <a:schemeClr val="accent1"/>
-          </a:effectRef>
-          <a:fontRef idx="minor">
-            <a:schemeClr val="tx1"/>
-          </a:fontRef>
-        </p:style>
-      </p:cxnSp>
-      <p:pic>
-        <p:nvPicPr>
-          <p:cNvPr id="39" name="그림 57"/>
-          <p:cNvPicPr>
-            <a:picLocks noChangeAspect="1"/>
-          </p:cNvPicPr>
-          <p:nvPr/>
-        </p:nvPicPr>
-        <p:blipFill rotWithShape="1">
-          <a:blip r:embed="rId4" cstate="hqprint">
-            <a:extLst>
-              <a:ext uri="{28A0092B-C50C-407E-A947-70E740481C1C}">
-                <a14:useLocalDpi xmlns:a14="http://schemas.microsoft.com/office/drawing/2010/main"/>
-              </a:ext>
-            </a:extLst>
-          </a:blip>
-          <a:stretch>
-            <a:fillRect/>
-          </a:stretch>
-        </p:blipFill>
-        <p:spPr>
-          <a:xfrm rot="0">
-            <a:off x="1031240" y="1396365"/>
-            <a:ext cx="4348480" cy="1768475"/>
-          </a:xfrm>
-          <a:prstGeom prst="roundRect"/>
-          <a:solidFill>
-            <a:srgbClr val="EDEDED"/>
-          </a:solidFill>
-        </p:spPr>
-      </p:pic>
-      <p:sp>
-        <p:nvSpPr>
-          <p:cNvPr id="40" name="텍스트 상자 58"/>
-          <p:cNvSpPr txBox="1">
-            <a:spLocks/>
-          </p:cNvSpPr>
-          <p:nvPr/>
-        </p:nvSpPr>
-        <p:spPr>
-          <a:xfrm rot="0">
-            <a:off x="1022985" y="3278505"/>
-            <a:ext cx="4357370" cy="923925"/>
-          </a:xfrm>
-          <a:prstGeom prst="rect"/>
-          <a:noFill/>
-          <a:ln w="0">
-            <a:noFill/>
-            <a:prstDash/>
-          </a:ln>
-        </p:spPr>
-        <p:txBody>
-          <a:bodyPr wrap="square" lIns="89535" tIns="46355" rIns="89535" bIns="46355" numCol="1" vert="horz" anchor="t">
-            <a:spAutoFit/>
-          </a:bodyPr>
-          <a:lstStyle/>
-          <a:p>
-            <a:pPr marL="0" indent="0" algn="l" latinLnBrk="0" hangingPunct="1">
-              <a:buFontTx/>
-              <a:buNone/>
-            </a:pPr>
-            <a:r>
-              <a:rPr sz="1800" b="1">
-                <a:solidFill>
-                  <a:srgbClr val="0611F2"/>
-                </a:solidFill>
-                <a:latin typeface="맑은 고딕" charset="0"/>
-                <a:ea typeface="맑은 고딕" charset="0"/>
-              </a:rPr>
-              <a:t>10.</a:t>
-            </a:r>
-            <a:r>
-              <a:rPr sz="1800">
-                <a:latin typeface="맑은 고딕" charset="0"/>
-                <a:ea typeface="맑은 고딕" charset="0"/>
-              </a:rPr>
-              <a:t> </a:t>
-            </a:r>
-            <a:r>
-              <a:rPr lang="ko-KR" sz="1800">
-                <a:latin typeface="맑은 고딕" charset="0"/>
-                <a:ea typeface="맑은 고딕" charset="0"/>
-              </a:rPr>
-              <a:t>그리고 Content 오브젝트에 채팅 UI가 자동으로 정렬될 수 있도록 Vertical Layout Group 컴포넌트를 추가합니다. </a:t>
-            </a:r>
-            <a:endParaRPr lang="ko-KR" altLang="en-US" sz="1800">
-              <a:latin typeface="맑은 고딕" charset="0"/>
-              <a:ea typeface="맑은 고딕" charset="0"/>
-            </a:endParaRPr>
-          </a:p>
-        </p:txBody>
-      </p:sp>
-      <p:sp>
-        <p:nvSpPr>
-          <p:cNvPr id="42" name="텍스트 상자 60"/>
-          <p:cNvSpPr txBox="1">
-            <a:spLocks/>
-          </p:cNvSpPr>
-          <p:nvPr/>
-        </p:nvSpPr>
-        <p:spPr>
-          <a:xfrm rot="0">
-            <a:off x="6809105" y="1397635"/>
-            <a:ext cx="4164330" cy="924560"/>
-          </a:xfrm>
-          <a:prstGeom prst="rect"/>
-          <a:noFill/>
-          <a:ln w="0">
-            <a:noFill/>
-            <a:prstDash/>
-          </a:ln>
-        </p:spPr>
-        <p:txBody>
-          <a:bodyPr wrap="square" lIns="89535" tIns="46355" rIns="89535" bIns="46355" numCol="1" vert="horz" anchor="t">
-            <a:spAutoFit/>
-          </a:bodyPr>
-          <a:lstStyle/>
-          <a:p>
-            <a:pPr marL="0" indent="0" algn="l" latinLnBrk="0" hangingPunct="1">
-              <a:buFontTx/>
-              <a:buNone/>
-            </a:pPr>
-            <a:r>
-              <a:rPr sz="1800" b="1">
-                <a:solidFill>
-                  <a:srgbClr val="0611F2"/>
-                </a:solidFill>
-                <a:latin typeface="맑은 고딕" charset="0"/>
-                <a:ea typeface="맑은 고딕" charset="0"/>
-              </a:rPr>
-              <a:t>11.</a:t>
-            </a:r>
-            <a:r>
-              <a:rPr sz="1800">
-                <a:latin typeface="맑은 고딕" charset="0"/>
-                <a:ea typeface="맑은 고딕" charset="0"/>
-              </a:rPr>
-              <a:t> </a:t>
-            </a:r>
-            <a:r>
-              <a:rPr lang="ko-KR" sz="1800">
-                <a:latin typeface="맑은 고딕" charset="0"/>
-                <a:ea typeface="맑은 고딕" charset="0"/>
-              </a:rPr>
-              <a:t>그리고 Scroll Rect 옵션에 수직으로 이동만 하므로 Horizontal을 비활성화합니다.</a:t>
-            </a:r>
-            <a:endParaRPr lang="ko-KR" altLang="en-US" sz="1800">
-              <a:latin typeface="맑은 고딕" charset="0"/>
-              <a:ea typeface="맑은 고딕" charset="0"/>
-            </a:endParaRPr>
-          </a:p>
-        </p:txBody>
-      </p:sp>
-      <p:pic>
-        <p:nvPicPr>
-          <p:cNvPr id="43" name="그림 61"/>
-          <p:cNvPicPr>
-            <a:picLocks noChangeAspect="1"/>
-          </p:cNvPicPr>
-          <p:nvPr/>
-        </p:nvPicPr>
-        <p:blipFill rotWithShape="1">
-          <a:blip r:embed="rId5" cstate="hqprint">
-            <a:extLst>
-              <a:ext uri="{28A0092B-C50C-407E-A947-70E740481C1C}">
-                <a14:useLocalDpi xmlns:a14="http://schemas.microsoft.com/office/drawing/2010/main"/>
-              </a:ext>
-            </a:extLst>
-          </a:blip>
-          <a:stretch>
-            <a:fillRect/>
-          </a:stretch>
-        </p:blipFill>
-        <p:spPr>
-          <a:xfrm rot="0">
-            <a:off x="1031240" y="4364355"/>
-            <a:ext cx="4348480" cy="1768475"/>
+            <a:off x="6810375" y="1495425"/>
+            <a:ext cx="2200910" cy="3791585"/>
           </a:xfrm>
           <a:prstGeom prst="roundRect"/>
           <a:solidFill>

--- a/Assets/Class/Photon Server/PPT Data/Photon RPC.pptx
+++ b/Assets/Class/Photon Server/PPT Data/Photon RPC.pptx
@@ -2,22 +2,22 @@
 <file path=ppt/presentation.xml><?xml version="1.0" encoding="utf-8"?>
 <p:presentation xmlns:a="http://schemas.openxmlformats.org/drawingml/2006/main" xmlns:r="http://schemas.openxmlformats.org/officeDocument/2006/relationships" xmlns:p="http://schemas.openxmlformats.org/presentationml/2006/main" xmlns:p14="http://schemas.microsoft.com/office/powerpoint/2010/main" saveSubsetFonts="1" firstSlideNum="0">
   <p:sldMasterIdLst>
-    <p:sldMasterId id="2147486815" r:id="rId12"/>
+    <p:sldMasterId id="2147486816" r:id="rId12"/>
   </p:sldMasterIdLst>
   <p:notesMasterIdLst>
     <p:notesMasterId r:id="rId14"/>
   </p:notesMasterIdLst>
   <p:sldIdLst>
-    <p:sldId id="315" r:id="rId16"/>
-    <p:sldId id="317" r:id="rId17"/>
-    <p:sldId id="320" r:id="rId18"/>
-    <p:sldId id="316" r:id="rId19"/>
-    <p:sldId id="321" r:id="rId20"/>
-    <p:sldId id="318" r:id="rId21"/>
-    <p:sldId id="314" r:id="rId22"/>
-    <p:sldId id="303" r:id="rId23"/>
-    <p:sldId id="319" r:id="rId24"/>
-    <p:sldId id="322" r:id="rId25"/>
+    <p:sldId id="303" r:id="rId16"/>
+    <p:sldId id="315" r:id="rId18"/>
+    <p:sldId id="317" r:id="rId20"/>
+    <p:sldId id="320" r:id="rId22"/>
+    <p:sldId id="316" r:id="rId24"/>
+    <p:sldId id="321" r:id="rId26"/>
+    <p:sldId id="318" r:id="rId28"/>
+    <p:sldId id="314" r:id="rId30"/>
+    <p:sldId id="319" r:id="rId32"/>
+    <p:sldId id="322" r:id="rId34"/>
   </p:sldIdLst>
   <p:sldSz cx="12192000" cy="6858000"/>
   <p:notesSz cx="6858000" cy="9144000"/>
@@ -506,7 +506,7 @@
         <p:spPr>
           <a:xfrm rot="0">
             <a:off x="685800" y="1143000"/>
-            <a:ext cx="5490210" cy="3089910"/>
+            <a:ext cx="5489575" cy="3089275"/>
           </a:xfrm>
           <a:prstGeom prst="rect"/>
           <a:noFill/>
@@ -545,7 +545,7 @@
         <p:spPr>
           <a:xfrm rot="0">
             <a:off x="685800" y="4400550"/>
-            <a:ext cx="5490210" cy="3604260"/>
+            <a:ext cx="5489575" cy="3603625"/>
           </a:xfrm>
           <a:prstGeom prst="rect"/>
         </p:spPr>
@@ -575,7 +575,7 @@
         <p:spPr>
           <a:xfrm rot="0">
             <a:off x="3884930" y="8685530"/>
-            <a:ext cx="2975610" cy="462280"/>
+            <a:ext cx="2974975" cy="461645"/>
           </a:xfrm>
           <a:prstGeom prst="rect"/>
         </p:spPr>
@@ -790,7 +790,7 @@
         <p:spPr>
           <a:xfrm rot="0">
             <a:off x="685800" y="1143000"/>
-            <a:ext cx="5493385" cy="3093085"/>
+            <a:ext cx="5490210" cy="3089910"/>
           </a:xfrm>
           <a:prstGeom prst="rect"/>
           <a:noFill/>
@@ -829,7 +829,7 @@
         <p:spPr>
           <a:xfrm rot="0">
             <a:off x="685800" y="4400550"/>
-            <a:ext cx="5493385" cy="3607435"/>
+            <a:ext cx="5490210" cy="3604260"/>
           </a:xfrm>
           <a:prstGeom prst="rect"/>
         </p:spPr>
@@ -859,7 +859,7 @@
         <p:spPr>
           <a:xfrm rot="0">
             <a:off x="3884930" y="8685530"/>
-            <a:ext cx="2978785" cy="465455"/>
+            <a:ext cx="2975610" cy="462280"/>
           </a:xfrm>
           <a:prstGeom prst="rect"/>
         </p:spPr>
@@ -932,7 +932,7 @@
         <p:spPr>
           <a:xfrm rot="0">
             <a:off x="685800" y="1143000"/>
-            <a:ext cx="5490210" cy="3089910"/>
+            <a:ext cx="5493385" cy="3093085"/>
           </a:xfrm>
           <a:prstGeom prst="rect"/>
           <a:noFill/>
@@ -971,7 +971,7 @@
         <p:spPr>
           <a:xfrm rot="0">
             <a:off x="685800" y="4400550"/>
-            <a:ext cx="5490210" cy="3604260"/>
+            <a:ext cx="5493385" cy="3607435"/>
           </a:xfrm>
           <a:prstGeom prst="rect"/>
         </p:spPr>
@@ -1001,7 +1001,7 @@
         <p:spPr>
           <a:xfrm rot="0">
             <a:off x="3884930" y="8685530"/>
-            <a:ext cx="2975610" cy="462280"/>
+            <a:ext cx="2978785" cy="465455"/>
           </a:xfrm>
           <a:prstGeom prst="rect"/>
         </p:spPr>
@@ -1074,7 +1074,7 @@
         <p:spPr>
           <a:xfrm rot="0">
             <a:off x="685800" y="1143000"/>
-            <a:ext cx="5493385" cy="3093085"/>
+            <a:ext cx="5490210" cy="3089910"/>
           </a:xfrm>
           <a:prstGeom prst="rect"/>
           <a:noFill/>
@@ -1113,7 +1113,7 @@
         <p:spPr>
           <a:xfrm rot="0">
             <a:off x="685800" y="4400550"/>
-            <a:ext cx="5493385" cy="3607435"/>
+            <a:ext cx="5490210" cy="3604260"/>
           </a:xfrm>
           <a:prstGeom prst="rect"/>
         </p:spPr>
@@ -1143,7 +1143,7 @@
         <p:spPr>
           <a:xfrm rot="0">
             <a:off x="3884930" y="8685530"/>
-            <a:ext cx="2978785" cy="465455"/>
+            <a:ext cx="2975610" cy="462280"/>
           </a:xfrm>
           <a:prstGeom prst="rect"/>
         </p:spPr>
@@ -1216,7 +1216,7 @@
         <p:spPr>
           <a:xfrm rot="0">
             <a:off x="685800" y="1143000"/>
-            <a:ext cx="5494020" cy="3093720"/>
+            <a:ext cx="5493385" cy="3093085"/>
           </a:xfrm>
           <a:prstGeom prst="rect"/>
           <a:noFill/>
@@ -1255,7 +1255,7 @@
         <p:spPr>
           <a:xfrm rot="0">
             <a:off x="685800" y="4400550"/>
-            <a:ext cx="5494020" cy="3608070"/>
+            <a:ext cx="5493385" cy="3607435"/>
           </a:xfrm>
           <a:prstGeom prst="rect"/>
         </p:spPr>
@@ -1285,7 +1285,7 @@
         <p:spPr>
           <a:xfrm rot="0">
             <a:off x="3884930" y="8685530"/>
-            <a:ext cx="2979420" cy="466090"/>
+            <a:ext cx="2978785" cy="465455"/>
           </a:xfrm>
           <a:prstGeom prst="rect"/>
         </p:spPr>
@@ -1358,7 +1358,7 @@
         <p:spPr>
           <a:xfrm rot="0">
             <a:off x="685800" y="1143000"/>
-            <a:ext cx="5493385" cy="3093085"/>
+            <a:ext cx="5494020" cy="3093720"/>
           </a:xfrm>
           <a:prstGeom prst="rect"/>
           <a:noFill/>
@@ -1397,7 +1397,7 @@
         <p:spPr>
           <a:xfrm rot="0">
             <a:off x="685800" y="4400550"/>
-            <a:ext cx="5493385" cy="3607435"/>
+            <a:ext cx="5494020" cy="3608070"/>
           </a:xfrm>
           <a:prstGeom prst="rect"/>
         </p:spPr>
@@ -1427,7 +1427,7 @@
         <p:spPr>
           <a:xfrm rot="0">
             <a:off x="3884930" y="8685530"/>
-            <a:ext cx="2978785" cy="465455"/>
+            <a:ext cx="2979420" cy="466090"/>
           </a:xfrm>
           <a:prstGeom prst="rect"/>
         </p:spPr>
@@ -1500,7 +1500,7 @@
         <p:spPr>
           <a:xfrm rot="0">
             <a:off x="685800" y="1143000"/>
-            <a:ext cx="5492750" cy="3092450"/>
+            <a:ext cx="5493385" cy="3093085"/>
           </a:xfrm>
           <a:prstGeom prst="rect"/>
           <a:noFill/>
@@ -1539,7 +1539,7 @@
         <p:spPr>
           <a:xfrm rot="0">
             <a:off x="685800" y="4400550"/>
-            <a:ext cx="5492750" cy="3606800"/>
+            <a:ext cx="5493385" cy="3607435"/>
           </a:xfrm>
           <a:prstGeom prst="rect"/>
         </p:spPr>
@@ -1569,7 +1569,7 @@
         <p:spPr>
           <a:xfrm rot="0">
             <a:off x="3884930" y="8685530"/>
-            <a:ext cx="2978150" cy="464820"/>
+            <a:ext cx="2978785" cy="465455"/>
           </a:xfrm>
           <a:prstGeom prst="rect"/>
         </p:spPr>
@@ -1642,7 +1642,7 @@
         <p:spPr>
           <a:xfrm rot="0">
             <a:off x="685800" y="1143000"/>
-            <a:ext cx="5489575" cy="3089275"/>
+            <a:ext cx="5492750" cy="3092450"/>
           </a:xfrm>
           <a:prstGeom prst="rect"/>
           <a:noFill/>
@@ -1681,7 +1681,7 @@
         <p:spPr>
           <a:xfrm rot="0">
             <a:off x="685800" y="4400550"/>
-            <a:ext cx="5489575" cy="3603625"/>
+            <a:ext cx="5492750" cy="3606800"/>
           </a:xfrm>
           <a:prstGeom prst="rect"/>
         </p:spPr>
@@ -1711,7 +1711,7 @@
         <p:spPr>
           <a:xfrm rot="0">
             <a:off x="3884930" y="8685530"/>
-            <a:ext cx="2974975" cy="461645"/>
+            <a:ext cx="2978150" cy="464820"/>
           </a:xfrm>
           <a:prstGeom prst="rect"/>
         </p:spPr>
@@ -6808,8 +6808,8 @@
         </p:nvSpPr>
         <p:spPr>
           <a:xfrm rot="0">
-            <a:off x="4530090" y="417195"/>
-            <a:ext cx="3141980" cy="554990"/>
+            <a:off x="3908425" y="376555"/>
+            <a:ext cx="4377690" cy="554990"/>
           </a:xfrm>
           <a:prstGeom prst="rect"/>
           <a:noFill/>
@@ -6829,13 +6829,19 @@
               <a:buNone/>
             </a:pPr>
             <a:r>
-              <a:rPr lang="ko-KR" sz="3000" b="1">
-                <a:latin typeface="맑은 고딕" charset="0"/>
-                <a:ea typeface="맑은 고딕" charset="0"/>
-              </a:rPr>
-              <a:t>첫 번째 튜토리얼</a:t>
+              <a:rPr lang="ko-KR" altLang="en-US" sz="3000" b="1">
+                <a:solidFill>
+                  <a:schemeClr val="tx1"/>
+                </a:solidFill>
+                <a:latin typeface="맑은 고딕" charset="0"/>
+                <a:ea typeface="맑은 고딕" charset="0"/>
+              </a:rPr>
+              <a:t>Remote Procedure Call</a:t>
             </a:r>
             <a:endParaRPr lang="ko-KR" altLang="en-US" sz="3000" b="1">
+              <a:solidFill>
+                <a:schemeClr val="tx1"/>
+              </a:solidFill>
               <a:latin typeface="맑은 고딕" charset="0"/>
               <a:ea typeface="맑은 고딕" charset="0"/>
             </a:endParaRPr>
@@ -6844,7 +6850,7 @@
       </p:sp>
       <p:sp>
         <p:nvSpPr>
-          <p:cNvPr id="1033" name="Rect 0"/>
+          <p:cNvPr id="1032" name="텍스트 상자 1"/>
           <p:cNvSpPr txBox="1">
             <a:spLocks/>
           </p:cNvSpPr>
@@ -6852,8 +6858,8 @@
         </p:nvSpPr>
         <p:spPr>
           <a:xfrm rot="0">
-            <a:off x="944880" y="3914140"/>
-            <a:ext cx="4435475" cy="2031365"/>
+            <a:off x="837565" y="5269865"/>
+            <a:ext cx="4497070" cy="923925"/>
           </a:xfrm>
           <a:prstGeom prst="rect"/>
           <a:noFill/>
@@ -6877,116 +6883,52 @@
                 <a:latin typeface="맑은 고딕" charset="0"/>
                 <a:ea typeface="맑은 고딕" charset="0"/>
               </a:rPr>
-              <a:t>A</a:t>
-            </a:r>
-            <a:r>
-              <a:rPr lang="ko-KR" sz="1800">
-                <a:latin typeface="맑은 고딕" charset="0"/>
-                <a:ea typeface="맑은 고딕" charset="0"/>
-              </a:rPr>
-              <a:t> </a:t>
-            </a:r>
-            <a:r>
-              <a:rPr lang="ko-KR" sz="1800">
-                <a:latin typeface="맑은 고딕" charset="0"/>
-                <a:ea typeface="맑은 고딕" charset="0"/>
-              </a:rPr>
-              <a:t>클라이언트의</a:t>
-            </a:r>
-            <a:r>
-              <a:rPr lang="ko-KR" sz="1800">
-                <a:latin typeface="맑은 고딕" charset="0"/>
-                <a:ea typeface="맑은 고딕" charset="0"/>
-              </a:rPr>
-              <a:t> </a:t>
-            </a:r>
-            <a:r>
-              <a:rPr lang="ko-KR" sz="1800">
-                <a:latin typeface="맑은 고딕" charset="0"/>
-                <a:ea typeface="맑은 고딕" charset="0"/>
-              </a:rPr>
-              <a:t>1001</a:t>
-            </a:r>
-            <a:r>
-              <a:rPr lang="ko-KR" sz="1800">
-                <a:latin typeface="맑은 고딕" charset="0"/>
-                <a:ea typeface="맑은 고딕" charset="0"/>
-              </a:rPr>
-              <a:t> </a:t>
-            </a:r>
-            <a:r>
-              <a:rPr lang="ko-KR" sz="1800">
-                <a:latin typeface="맑은 고딕" charset="0"/>
-                <a:ea typeface="맑은 고딕" charset="0"/>
-              </a:rPr>
-              <a:t>객체가</a:t>
-            </a:r>
-            <a:r>
-              <a:rPr lang="ko-KR" sz="1800">
-                <a:latin typeface="맑은 고딕" charset="0"/>
-                <a:ea typeface="맑은 고딕" charset="0"/>
-              </a:rPr>
-              <a:t> </a:t>
-            </a:r>
-            <a:r>
-              <a:rPr lang="ko-KR" sz="1800">
-                <a:latin typeface="맑은 고딕" charset="0"/>
-                <a:ea typeface="맑은 고딕" charset="0"/>
-              </a:rPr>
-              <a:t>현재</a:t>
-            </a:r>
-            <a:r>
-              <a:rPr lang="ko-KR" sz="1800">
-                <a:latin typeface="맑은 고딕" charset="0"/>
-                <a:ea typeface="맑은 고딕" charset="0"/>
-              </a:rPr>
-              <a:t> </a:t>
-            </a:r>
-            <a:r>
-              <a:rPr lang="ko-KR" sz="1800">
-                <a:latin typeface="맑은 고딕" charset="0"/>
-                <a:ea typeface="맑은 고딕" charset="0"/>
-              </a:rPr>
-              <a:t>로컬</a:t>
-            </a:r>
-            <a:r>
-              <a:rPr lang="ko-KR" sz="1800">
-                <a:latin typeface="맑은 고딕" charset="0"/>
-                <a:ea typeface="맑은 고딕" charset="0"/>
-              </a:rPr>
-              <a:t> </a:t>
-            </a:r>
-            <a:r>
-              <a:rPr lang="ko-KR" sz="1800">
-                <a:latin typeface="맑은 고딕" charset="0"/>
-                <a:ea typeface="맑은 고딕" charset="0"/>
-              </a:rPr>
-              <a:t>객체</a:t>
-            </a:r>
-            <a:r>
-              <a:rPr lang="ko-KR" sz="1800">
-                <a:latin typeface="맑은 고딕" charset="0"/>
-                <a:ea typeface="맑은 고딕" charset="0"/>
-              </a:rPr>
-              <a:t>이고, </a:t>
-            </a:r>
-            <a:r>
-              <a:rPr lang="ko-KR" sz="1800">
-                <a:latin typeface="맑은 고딕" charset="0"/>
-                <a:ea typeface="맑은 고딕" charset="0"/>
-              </a:rPr>
-              <a:t>B 클라이언트에서는 1001 객체는 원격 객체입니다.</a:t>
+              <a:t>원격 프로시저 호출은 주소 공간에서 함수나 프로시저를 실행할 수 있게 하는 프로세스 간 통신 기술입니다.</a:t>
             </a:r>
             <a:endParaRPr lang="ko-KR" altLang="en-US" sz="1800">
               <a:latin typeface="맑은 고딕" charset="0"/>
               <a:ea typeface="맑은 고딕" charset="0"/>
             </a:endParaRPr>
           </a:p>
+        </p:txBody>
+      </p:sp>
+      <p:sp>
+        <p:nvSpPr>
+          <p:cNvPr id="1033" name="텍스트 상자 2"/>
+          <p:cNvSpPr txBox="1">
+            <a:spLocks/>
+          </p:cNvSpPr>
+          <p:nvPr/>
+        </p:nvSpPr>
+        <p:spPr>
+          <a:xfrm rot="0">
+            <a:off x="6905625" y="1388745"/>
+            <a:ext cx="4163060" cy="4799965"/>
+          </a:xfrm>
+          <a:prstGeom prst="rect"/>
+          <a:noFill/>
+          <a:ln w="0">
+            <a:noFill/>
+            <a:prstDash/>
+          </a:ln>
+        </p:spPr>
+        <p:txBody>
+          <a:bodyPr wrap="square" lIns="89535" tIns="46355" rIns="89535" bIns="46355" numCol="1" vert="horz" anchor="t">
+            <a:spAutoFit/>
+          </a:bodyPr>
+          <a:lstStyle/>
           <a:p>
             <a:pPr marL="0" indent="0" algn="l" latinLnBrk="0" hangingPunct="1">
               <a:buFontTx/>
               <a:buNone/>
             </a:pPr>
+            <a:r>
+              <a:rPr lang="ko-KR" sz="1800">
+                <a:latin typeface="맑은 고딕" charset="0"/>
+                <a:ea typeface="맑은 고딕" charset="0"/>
+              </a:rPr>
+              <a:t>포톤에서는 여러 명의 클라이언트가 모두 같은 스크립트를 가지고 일반 함수를 호출하게 되면 로컬에서만 실행됩니다.</a:t>
+            </a:r>
             <a:endParaRPr lang="ko-KR" altLang="en-US" sz="1800">
               <a:latin typeface="맑은 고딕" charset="0"/>
               <a:ea typeface="맑은 고딕" charset="0"/>
@@ -6997,37 +6939,94 @@
               <a:buFontTx/>
               <a:buNone/>
             </a:pPr>
-            <a:r>
-              <a:rPr lang="ko-KR" sz="1800">
-                <a:latin typeface="맑은 고딕" charset="0"/>
-                <a:ea typeface="맑은 고딕" charset="0"/>
-              </a:rPr>
-              <a:t>RPC 함수는</a:t>
-            </a:r>
-            <a:r>
-              <a:rPr lang="ko-KR" sz="1800">
-                <a:latin typeface="맑은 고딕" charset="0"/>
-                <a:ea typeface="맑은 고딕" charset="0"/>
-              </a:rPr>
-              <a:t> 서로 다른 클라이언트에서 같은 View ID를 가진 객체에만 RPC 함수가 전달되는 것입니다.</a:t>
-            </a:r>
             <a:endParaRPr lang="ko-KR" altLang="en-US" sz="1800">
               <a:latin typeface="맑은 고딕" charset="0"/>
               <a:ea typeface="맑은 고딕" charset="0"/>
             </a:endParaRPr>
           </a:p>
+          <a:p>
+            <a:pPr marL="0" indent="0" algn="l" latinLnBrk="0" hangingPunct="1">
+              <a:buFontTx/>
+              <a:buNone/>
+            </a:pPr>
+            <a:r>
+              <a:rPr lang="ko-KR" sz="1800">
+                <a:latin typeface="맑은 고딕" charset="0"/>
+                <a:ea typeface="맑은 고딕" charset="0"/>
+              </a:rPr>
+              <a:t>그래서 다른 컴퓨터에서도 특정 함수의 실행을 보여주기 위해서는 RPC 함수를 만들어서 호출해야 합니다.</a:t>
+            </a:r>
+            <a:endParaRPr lang="ko-KR" altLang="en-US" sz="1800">
+              <a:latin typeface="맑은 고딕" charset="0"/>
+              <a:ea typeface="맑은 고딕" charset="0"/>
+            </a:endParaRPr>
+          </a:p>
+          <a:p>
+            <a:pPr marL="0" indent="0" algn="l" latinLnBrk="0" hangingPunct="1">
+              <a:buFontTx/>
+              <a:buNone/>
+            </a:pPr>
+            <a:endParaRPr lang="ko-KR" altLang="en-US" sz="1800">
+              <a:latin typeface="맑은 고딕" charset="0"/>
+              <a:ea typeface="맑은 고딕" charset="0"/>
+            </a:endParaRPr>
+          </a:p>
+          <a:p>
+            <a:pPr marL="0" indent="0" algn="l" latinLnBrk="0" hangingPunct="1">
+              <a:buFontTx/>
+              <a:buNone/>
+            </a:pPr>
+            <a:r>
+              <a:rPr lang="ko-KR" sz="1800">
+                <a:latin typeface="맑은 고딕" charset="0"/>
+                <a:ea typeface="맑은 고딕" charset="0"/>
+              </a:rPr>
+              <a:t>PRC 채팅은 일반 함수끼리 통신이 안 되기 때문에 서로 다른 클라이언트에서는 같은 View ID끼리 같은 함수를 실행하도록 설정합니다.</a:t>
+            </a:r>
+            <a:endParaRPr lang="ko-KR" altLang="en-US" sz="1800">
+              <a:latin typeface="맑은 고딕" charset="0"/>
+              <a:ea typeface="맑은 고딕" charset="0"/>
+            </a:endParaRPr>
+          </a:p>
+          <a:p>
+            <a:pPr marL="0" indent="0" algn="l" latinLnBrk="0" hangingPunct="1">
+              <a:buFontTx/>
+              <a:buNone/>
+            </a:pPr>
+            <a:endParaRPr lang="ko-KR" altLang="en-US" sz="1800">
+              <a:latin typeface="맑은 고딕" charset="0"/>
+              <a:ea typeface="맑은 고딕" charset="0"/>
+            </a:endParaRPr>
+          </a:p>
+          <a:p>
+            <a:pPr marL="0" indent="0" algn="l" latinLnBrk="0" hangingPunct="1">
+              <a:buFontTx/>
+              <a:buNone/>
+            </a:pPr>
+            <a:r>
+              <a:rPr lang="ko-KR" sz="1800">
+                <a:latin typeface="맑은 고딕" charset="0"/>
+                <a:ea typeface="맑은 고딕" charset="0"/>
+              </a:rPr>
+              <a:t>Photon View RPC는 호출할 RPC 함수를 다른 원격 객체에 함수를 전달하는 것입니다.</a:t>
+            </a:r>
+            <a:endParaRPr lang="ko-KR" altLang="en-US" sz="1800">
+              <a:latin typeface="맑은 고딕" charset="0"/>
+              <a:ea typeface="맑은 고딕" charset="0"/>
+            </a:endParaRPr>
+          </a:p>
         </p:txBody>
       </p:sp>
       <p:pic>
         <p:nvPicPr>
-          <p:cNvPr id="1035" name="Picture " descr="C:/Users/Admin1/AppData/Roaming/PolarisOffice/ETemp/21612_20234488/fImage241692185724.png"/>
+          <p:cNvPr id="1035" name="그림 6" descr="C:/Users/Admin1/AppData/Roaming/PolarisOffice/ETemp/21612_20234488/fImage2416911941.png"/>
           <p:cNvPicPr>
             <a:picLocks noChangeAspect="1"/>
           </p:cNvPicPr>
           <p:nvPr/>
         </p:nvPicPr>
         <p:blipFill rotWithShape="1">
-          <a:blip r:embed="rId2" cstate="hqprint">
+          <a:blip r:embed="rId6" cstate="hqprint">
             <a:extLst>
               <a:ext uri="{28A0092B-C50C-407E-A947-70E740481C1C}">
                 <a14:useLocalDpi xmlns:a14="http://schemas.microsoft.com/office/drawing/2010/main"/>
@@ -7040,8 +7039,8 @@
         </p:blipFill>
         <p:spPr>
           <a:xfrm rot="0">
-            <a:off x="944245" y="1395095"/>
-            <a:ext cx="2170430" cy="2238375"/>
+            <a:off x="839470" y="2690495"/>
+            <a:ext cx="1952625" cy="1882775"/>
           </a:xfrm>
           <a:prstGeom prst="rect"/>
           <a:noFill/>
@@ -7049,291 +7048,7 @@
       </p:pic>
       <p:pic>
         <p:nvPicPr>
-          <p:cNvPr id="1036" name="Picture " descr="C:/Users/Admin1/AppData/Roaming/PolarisOffice/ETemp/21612_20234488/fImage241692191478.png"/>
-          <p:cNvPicPr>
-            <a:picLocks noChangeAspect="1"/>
-          </p:cNvPicPr>
-          <p:nvPr/>
-        </p:nvPicPr>
-        <p:blipFill rotWithShape="1">
-          <a:blip r:embed="rId3" cstate="hqprint">
-            <a:extLst>
-              <a:ext uri="{28A0092B-C50C-407E-A947-70E740481C1C}">
-                <a14:useLocalDpi xmlns:a14="http://schemas.microsoft.com/office/drawing/2010/main"/>
-              </a:ext>
-            </a:extLst>
-          </a:blip>
-          <a:stretch>
-            <a:fillRect/>
-          </a:stretch>
-        </p:blipFill>
-        <p:spPr>
-          <a:xfrm rot="0">
-            <a:off x="3286125" y="1390650"/>
-            <a:ext cx="2182495" cy="2251075"/>
-          </a:xfrm>
-          <a:prstGeom prst="rect"/>
-          <a:noFill/>
-        </p:spPr>
-      </p:pic>
-      <p:sp>
-        <p:nvSpPr>
-          <p:cNvPr id="1037" name="Rect 0"/>
-          <p:cNvSpPr txBox="1">
-            <a:spLocks/>
-          </p:cNvSpPr>
-          <p:nvPr/>
-        </p:nvSpPr>
-        <p:spPr>
-          <a:xfrm rot="0">
-            <a:off x="1138555" y="3314065"/>
-            <a:ext cx="1778000" cy="400685"/>
-          </a:xfrm>
-          <a:prstGeom prst="rect"/>
-          <a:noFill/>
-          <a:ln w="0">
-            <a:noFill/>
-            <a:prstDash/>
-          </a:ln>
-        </p:spPr>
-        <p:txBody>
-          <a:bodyPr wrap="square" lIns="89535" tIns="46355" rIns="89535" bIns="46355" numCol="1" vert="horz" anchor="t">
-            <a:spAutoFit/>
-          </a:bodyPr>
-          <a:lstStyle/>
-          <a:p>
-            <a:pPr marL="0" indent="0" algn="l" latinLnBrk="0" hangingPunct="1">
-              <a:buFontTx/>
-              <a:buNone/>
-            </a:pPr>
-            <a:r>
-              <a:rPr lang="ko-KR" sz="2000" b="1">
-                <a:solidFill>
-                  <a:srgbClr val="36B700"/>
-                </a:solidFill>
-                <a:latin typeface="맑은 고딕" charset="0"/>
-                <a:ea typeface="맑은 고딕" charset="0"/>
-              </a:rPr>
-              <a:t>A</a:t>
-            </a:r>
-            <a:r>
-              <a:rPr lang="ko-KR" sz="2000" b="1">
-                <a:solidFill>
-                  <a:srgbClr val="36B700"/>
-                </a:solidFill>
-                <a:latin typeface="맑은 고딕" charset="0"/>
-                <a:ea typeface="맑은 고딕" charset="0"/>
-              </a:rPr>
-              <a:t> </a:t>
-            </a:r>
-            <a:r>
-              <a:rPr lang="ko-KR" sz="2000" b="1">
-                <a:solidFill>
-                  <a:srgbClr val="36B700"/>
-                </a:solidFill>
-                <a:latin typeface="맑은 고딕" charset="0"/>
-                <a:ea typeface="맑은 고딕" charset="0"/>
-              </a:rPr>
-              <a:t>클라이언트</a:t>
-            </a:r>
-            <a:endParaRPr lang="ko-KR" altLang="en-US" sz="2000" b="1">
-              <a:solidFill>
-                <a:srgbClr val="36B700"/>
-              </a:solidFill>
-              <a:latin typeface="맑은 고딕" charset="0"/>
-              <a:ea typeface="맑은 고딕" charset="0"/>
-            </a:endParaRPr>
-          </a:p>
-        </p:txBody>
-      </p:sp>
-      <p:sp>
-        <p:nvSpPr>
-          <p:cNvPr id="1038" name="Rect 0"/>
-          <p:cNvSpPr txBox="1">
-            <a:spLocks/>
-          </p:cNvSpPr>
-          <p:nvPr/>
-        </p:nvSpPr>
-        <p:spPr>
-          <a:xfrm rot="0">
-            <a:off x="3507105" y="3309620"/>
-            <a:ext cx="1778000" cy="400685"/>
-          </a:xfrm>
-          <a:prstGeom prst="rect"/>
-          <a:noFill/>
-          <a:ln w="0">
-            <a:noFill/>
-            <a:prstDash/>
-          </a:ln>
-        </p:spPr>
-        <p:txBody>
-          <a:bodyPr wrap="square" lIns="89535" tIns="46355" rIns="89535" bIns="46355" numCol="1" vert="horz" anchor="t">
-            <a:spAutoFit/>
-          </a:bodyPr>
-          <a:lstStyle/>
-          <a:p>
-            <a:pPr marL="0" indent="0" algn="l" latinLnBrk="0" hangingPunct="1">
-              <a:buFontTx/>
-              <a:buNone/>
-            </a:pPr>
-            <a:r>
-              <a:rPr lang="ko-KR" sz="2000" b="1">
-                <a:solidFill>
-                  <a:srgbClr val="36B700"/>
-                </a:solidFill>
-                <a:latin typeface="맑은 고딕" charset="0"/>
-                <a:ea typeface="맑은 고딕" charset="0"/>
-              </a:rPr>
-              <a:t>B 클라이언트</a:t>
-            </a:r>
-            <a:endParaRPr lang="ko-KR" altLang="en-US" sz="2000" b="1">
-              <a:solidFill>
-                <a:srgbClr val="36B700"/>
-              </a:solidFill>
-              <a:latin typeface="맑은 고딕" charset="0"/>
-              <a:ea typeface="맑은 고딕" charset="0"/>
-            </a:endParaRPr>
-          </a:p>
-        </p:txBody>
-      </p:sp>
-      <p:sp>
-        <p:nvSpPr>
-          <p:cNvPr id="1043" name="Rect 0"/>
-          <p:cNvSpPr>
-            <a:spLocks/>
-          </p:cNvSpPr>
-          <p:nvPr/>
-        </p:nvSpPr>
-        <p:spPr>
-          <a:xfrm rot="0" flipH="1">
-            <a:off x="2181860" y="2595880"/>
-            <a:ext cx="2783205" cy="620395"/>
-          </a:xfrm>
-          <a:prstGeom prst="curvedUpArrow"/>
-        </p:spPr>
-        <p:style>
-          <a:lnRef idx="2">
-            <a:schemeClr val="accent1">
-              <a:shade val="50000"/>
-            </a:schemeClr>
-          </a:lnRef>
-          <a:fillRef idx="1">
-            <a:schemeClr val="accent1"/>
-          </a:fillRef>
-          <a:effectRef idx="0">
-            <a:schemeClr val="accent1"/>
-          </a:effectRef>
-          <a:fontRef idx="minor">
-            <a:schemeClr val="lt1"/>
-          </a:fontRef>
-        </p:style>
-        <p:txBody>
-          <a:bodyPr wrap="square" lIns="91440" tIns="45720" rIns="91440" bIns="45720" numCol="1" vert="horz" anchor="ctr">
-            <a:noAutofit/>
-          </a:bodyPr>
-          <a:lstStyle/>
-          <a:p>
-            <a:pPr marL="0" indent="0" algn="ctr" latinLnBrk="0" hangingPunct="1">
-              <a:buFontTx/>
-              <a:buNone/>
-            </a:pPr>
-            <a:endParaRPr lang="ko-KR" altLang="en-US" sz="1800">
-              <a:latin typeface="맑은 고딕" charset="0"/>
-              <a:ea typeface="맑은 고딕" charset="0"/>
-            </a:endParaRPr>
-          </a:p>
-        </p:txBody>
-      </p:sp>
-      <p:pic>
-        <p:nvPicPr>
-          <p:cNvPr id="1044" name="그림 33" descr="C:/Users/Admin1/AppData/Roaming/PolarisOffice/ETemp/21612_20234488/fImage3176942319358.png"/>
-          <p:cNvPicPr>
-            <a:picLocks noChangeAspect="1"/>
-          </p:cNvPicPr>
-          <p:nvPr/>
-        </p:nvPicPr>
-        <p:blipFill rotWithShape="1">
-          <a:blip r:embed="rId4" cstate="hqprint">
-            <a:extLst>
-              <a:ext uri="{28A0092B-C50C-407E-A947-70E740481C1C}">
-                <a14:useLocalDpi xmlns:a14="http://schemas.microsoft.com/office/drawing/2010/main"/>
-              </a:ext>
-            </a:extLst>
-          </a:blip>
-          <a:stretch>
-            <a:fillRect/>
-          </a:stretch>
-        </p:blipFill>
-        <p:spPr>
-          <a:xfrm rot="0">
-            <a:off x="2015490" y="2061210"/>
-            <a:ext cx="734695" cy="734695"/>
-          </a:xfrm>
-          <a:prstGeom prst="rect"/>
-          <a:noFill/>
-        </p:spPr>
-      </p:pic>
-      <p:pic>
-        <p:nvPicPr>
-          <p:cNvPr id="1045" name="그림 34" descr="C:/Users/Admin1/AppData/Roaming/PolarisOffice/ETemp/21612_20234488/fImage3176942326962.png"/>
-          <p:cNvPicPr>
-            <a:picLocks noChangeAspect="1"/>
-          </p:cNvPicPr>
-          <p:nvPr/>
-        </p:nvPicPr>
-        <p:blipFill rotWithShape="1">
-          <a:blip r:embed="rId5" cstate="hqprint">
-            <a:extLst>
-              <a:ext uri="{28A0092B-C50C-407E-A947-70E740481C1C}">
-                <a14:useLocalDpi xmlns:a14="http://schemas.microsoft.com/office/drawing/2010/main"/>
-              </a:ext>
-            </a:extLst>
-          </a:blip>
-          <a:stretch>
-            <a:fillRect/>
-          </a:stretch>
-        </p:blipFill>
-        <p:spPr>
-          <a:xfrm rot="0">
-            <a:off x="4466590" y="2056765"/>
-            <a:ext cx="734695" cy="734695"/>
-          </a:xfrm>
-          <a:prstGeom prst="rect"/>
-          <a:noFill/>
-        </p:spPr>
-      </p:pic>
-      <p:pic>
-        <p:nvPicPr>
-          <p:cNvPr id="1046" name="그림 35"/>
-          <p:cNvPicPr>
-            <a:picLocks noChangeAspect="1"/>
-          </p:cNvPicPr>
-          <p:nvPr/>
-        </p:nvPicPr>
-        <p:blipFill rotWithShape="1">
-          <a:blip r:embed="rId6" cstate="print">
-            <a:extLst>
-              <a:ext uri="{28A0092B-C50C-407E-A947-70E740481C1C}">
-                <a14:useLocalDpi xmlns:a14="http://schemas.microsoft.com/office/drawing/2010/main" val="0"/>
-              </a:ext>
-            </a:extLst>
-          </a:blip>
-          <a:stretch>
-            <a:fillRect/>
-          </a:stretch>
-        </p:blipFill>
-        <p:spPr>
-          <a:xfrm rot="0">
-            <a:off x="944245" y="1562100"/>
-            <a:ext cx="1056640" cy="943610"/>
-          </a:xfrm>
-          <a:prstGeom prst="rect"/>
-          <a:noFill/>
-        </p:spPr>
-      </p:pic>
-      <p:pic>
-        <p:nvPicPr>
-          <p:cNvPr id="1047" name="그림 36" descr="C:/Users/Admin1/AppData/Roaming/PolarisOffice/ETemp/21612_20234488/fImage3816752345705.png"/>
+          <p:cNvPr id="1036" name="그림 7" descr="C:/Users/Admin1/AppData/Roaming/PolarisOffice/ETemp/21612_20234488/fImage241691208467.png"/>
           <p:cNvPicPr>
             <a:picLocks noChangeAspect="1"/>
           </p:cNvPicPr>
@@ -7353,8 +7068,8 @@
         </p:blipFill>
         <p:spPr>
           <a:xfrm rot="0">
-            <a:off x="3335020" y="1497965"/>
-            <a:ext cx="1057275" cy="944245"/>
+            <a:off x="3387725" y="2686050"/>
+            <a:ext cx="1952625" cy="1882775"/>
           </a:xfrm>
           <a:prstGeom prst="rect"/>
           <a:noFill/>
@@ -7362,16 +7077,338 @@
       </p:pic>
       <p:sp>
         <p:nvSpPr>
-          <p:cNvPr id="1048" name="도형 37"/>
+          <p:cNvPr id="1037" name="텍스트 상자 8"/>
+          <p:cNvSpPr txBox="1">
+            <a:spLocks/>
+          </p:cNvSpPr>
+          <p:nvPr/>
+        </p:nvSpPr>
+        <p:spPr>
+          <a:xfrm rot="0">
+            <a:off x="928370" y="4741545"/>
+            <a:ext cx="1778000" cy="401320"/>
+          </a:xfrm>
+          <a:prstGeom prst="rect"/>
+          <a:noFill/>
+          <a:ln w="0">
+            <a:noFill/>
+            <a:prstDash/>
+          </a:ln>
+        </p:spPr>
+        <p:txBody>
+          <a:bodyPr wrap="square" lIns="89535" tIns="46355" rIns="89535" bIns="46355" numCol="1" vert="horz" anchor="t">
+            <a:spAutoFit/>
+          </a:bodyPr>
+          <a:lstStyle/>
+          <a:p>
+            <a:pPr marL="0" indent="0" algn="l" latinLnBrk="0" hangingPunct="1">
+              <a:buFontTx/>
+              <a:buNone/>
+            </a:pPr>
+            <a:r>
+              <a:rPr lang="ko-KR" sz="2000" b="1">
+                <a:solidFill>
+                  <a:srgbClr val="36B700"/>
+                </a:solidFill>
+                <a:latin typeface="맑은 고딕" charset="0"/>
+                <a:ea typeface="맑은 고딕" charset="0"/>
+              </a:rPr>
+              <a:t>A 클라이언트</a:t>
+            </a:r>
+            <a:endParaRPr lang="ko-KR" altLang="en-US" sz="2000" b="1">
+              <a:solidFill>
+                <a:srgbClr val="36B700"/>
+              </a:solidFill>
+              <a:latin typeface="맑은 고딕" charset="0"/>
+              <a:ea typeface="맑은 고딕" charset="0"/>
+            </a:endParaRPr>
+          </a:p>
+        </p:txBody>
+      </p:sp>
+      <p:sp>
+        <p:nvSpPr>
+          <p:cNvPr id="1038" name="텍스트 상자 9"/>
+          <p:cNvSpPr txBox="1">
+            <a:spLocks/>
+          </p:cNvSpPr>
+          <p:nvPr/>
+        </p:nvSpPr>
+        <p:spPr>
+          <a:xfrm rot="0">
+            <a:off x="3476625" y="4756150"/>
+            <a:ext cx="1778000" cy="401320"/>
+          </a:xfrm>
+          <a:prstGeom prst="rect"/>
+          <a:noFill/>
+          <a:ln w="0">
+            <a:noFill/>
+            <a:prstDash/>
+          </a:ln>
+        </p:spPr>
+        <p:txBody>
+          <a:bodyPr wrap="square" lIns="89535" tIns="46355" rIns="89535" bIns="46355" numCol="1" vert="horz" anchor="t">
+            <a:spAutoFit/>
+          </a:bodyPr>
+          <a:lstStyle/>
+          <a:p>
+            <a:pPr marL="0" indent="0" algn="l" latinLnBrk="0" hangingPunct="1">
+              <a:buFontTx/>
+              <a:buNone/>
+            </a:pPr>
+            <a:r>
+              <a:rPr lang="ko-KR" sz="2000" b="1">
+                <a:solidFill>
+                  <a:srgbClr val="36B700"/>
+                </a:solidFill>
+                <a:latin typeface="맑은 고딕" charset="0"/>
+                <a:ea typeface="맑은 고딕" charset="0"/>
+              </a:rPr>
+              <a:t>B 클라이언트</a:t>
+            </a:r>
+            <a:endParaRPr lang="ko-KR" altLang="en-US" sz="2000" b="1">
+              <a:solidFill>
+                <a:srgbClr val="36B700"/>
+              </a:solidFill>
+              <a:latin typeface="맑은 고딕" charset="0"/>
+              <a:ea typeface="맑은 고딕" charset="0"/>
+            </a:endParaRPr>
+          </a:p>
+        </p:txBody>
+      </p:sp>
+      <p:pic>
+        <p:nvPicPr>
+          <p:cNvPr id="1039" name="그림 10" descr="C:/Users/Admin1/AppData/Roaming/PolarisOffice/ETemp/21612_20234488/fImage16421236334.png"/>
+          <p:cNvPicPr>
+            <a:picLocks noChangeAspect="1"/>
+          </p:cNvPicPr>
+          <p:nvPr/>
+        </p:nvPicPr>
+        <p:blipFill rotWithShape="1">
+          <a:blip r:embed="rId8" cstate="hqprint">
+            <a:extLst>
+              <a:ext uri="{28A0092B-C50C-407E-A947-70E740481C1C}">
+                <a14:useLocalDpi xmlns:a14="http://schemas.microsoft.com/office/drawing/2010/main"/>
+              </a:ext>
+            </a:extLst>
+          </a:blip>
+          <a:stretch>
+            <a:fillRect/>
+          </a:stretch>
+        </p:blipFill>
+        <p:spPr>
+          <a:xfrm rot="0">
+            <a:off x="1090295" y="2860040"/>
+            <a:ext cx="1444625" cy="513080"/>
+          </a:xfrm>
+          <a:prstGeom prst="roundRect"/>
+          <a:solidFill>
+            <a:srgbClr val="EDEDED"/>
+          </a:solidFill>
+        </p:spPr>
+      </p:pic>
+      <p:pic>
+        <p:nvPicPr>
+          <p:cNvPr id="1040" name="그림 13" descr="C:/Users/Admin1/AppData/Roaming/PolarisOffice/ETemp/21612_20234488/fImage16421246500.png"/>
+          <p:cNvPicPr>
+            <a:picLocks noChangeAspect="1"/>
+          </p:cNvPicPr>
+          <p:nvPr/>
+        </p:nvPicPr>
+        <p:blipFill rotWithShape="1">
+          <a:blip r:embed="rId9" cstate="hqprint">
+            <a:extLst>
+              <a:ext uri="{28A0092B-C50C-407E-A947-70E740481C1C}">
+                <a14:useLocalDpi xmlns:a14="http://schemas.microsoft.com/office/drawing/2010/main"/>
+              </a:ext>
+            </a:extLst>
+          </a:blip>
+          <a:stretch>
+            <a:fillRect/>
+          </a:stretch>
+        </p:blipFill>
+        <p:spPr>
+          <a:xfrm rot="0">
+            <a:off x="3686175" y="2855595"/>
+            <a:ext cx="1444625" cy="513080"/>
+          </a:xfrm>
+          <a:prstGeom prst="roundRect"/>
+          <a:solidFill>
+            <a:srgbClr val="EDEDED"/>
+          </a:solidFill>
+        </p:spPr>
+      </p:pic>
+      <p:sp>
+        <p:nvSpPr>
+          <p:cNvPr id="1041" name="텍스트 상자 14"/>
+          <p:cNvSpPr txBox="1">
+            <a:spLocks/>
+          </p:cNvSpPr>
+          <p:nvPr/>
+        </p:nvSpPr>
+        <p:spPr>
+          <a:xfrm rot="0">
+            <a:off x="1047750" y="3375025"/>
+            <a:ext cx="1534795" cy="324485"/>
+          </a:xfrm>
+          <a:prstGeom prst="rect"/>
+          <a:noFill/>
+          <a:ln w="0">
+            <a:noFill/>
+            <a:prstDash/>
+          </a:ln>
+        </p:spPr>
+        <p:txBody>
+          <a:bodyPr wrap="square" lIns="89535" tIns="46355" rIns="89535" bIns="46355" numCol="1" vert="horz" anchor="t">
+            <a:spAutoFit/>
+          </a:bodyPr>
+          <a:lstStyle/>
+          <a:p>
+            <a:pPr marL="0" indent="0" algn="l" latinLnBrk="0" hangingPunct="1">
+              <a:buFontTx/>
+              <a:buNone/>
+            </a:pPr>
+            <a:r>
+              <a:rPr lang="ko-KR" sz="1500" b="1">
+                <a:solidFill>
+                  <a:srgbClr val="0611F2"/>
+                </a:solidFill>
+                <a:latin typeface="맑은 고딕" charset="0"/>
+                <a:ea typeface="맑은 고딕" charset="0"/>
+              </a:rPr>
+              <a:t>View</a:t>
+            </a:r>
+            <a:r>
+              <a:rPr lang="ko-KR" sz="1500" b="1">
+                <a:solidFill>
+                  <a:srgbClr val="0611F2"/>
+                </a:solidFill>
+                <a:latin typeface="맑은 고딕" charset="0"/>
+                <a:ea typeface="맑은 고딕" charset="0"/>
+              </a:rPr>
+              <a:t> </a:t>
+            </a:r>
+            <a:r>
+              <a:rPr lang="ko-KR" sz="1500" b="1">
+                <a:solidFill>
+                  <a:srgbClr val="0611F2"/>
+                </a:solidFill>
+                <a:latin typeface="맑은 고딕" charset="0"/>
+                <a:ea typeface="맑은 고딕" charset="0"/>
+              </a:rPr>
+              <a:t>ID</a:t>
+            </a:r>
+            <a:r>
+              <a:rPr lang="ko-KR" sz="1500" b="1">
+                <a:solidFill>
+                  <a:srgbClr val="0611F2"/>
+                </a:solidFill>
+                <a:latin typeface="맑은 고딕" charset="0"/>
+                <a:ea typeface="맑은 고딕" charset="0"/>
+              </a:rPr>
+              <a:t> </a:t>
+            </a:r>
+            <a:r>
+              <a:rPr lang="ko-KR" sz="1500" b="1">
+                <a:solidFill>
+                  <a:srgbClr val="0611F2"/>
+                </a:solidFill>
+                <a:latin typeface="맑은 고딕" charset="0"/>
+                <a:ea typeface="맑은 고딕" charset="0"/>
+              </a:rPr>
+              <a:t>:</a:t>
+            </a:r>
+            <a:r>
+              <a:rPr lang="ko-KR" sz="1500" b="1">
+                <a:solidFill>
+                  <a:srgbClr val="0611F2"/>
+                </a:solidFill>
+                <a:latin typeface="맑은 고딕" charset="0"/>
+                <a:ea typeface="맑은 고딕" charset="0"/>
+              </a:rPr>
+              <a:t> </a:t>
+            </a:r>
+            <a:r>
+              <a:rPr lang="ko-KR" sz="1500" b="1">
+                <a:solidFill>
+                  <a:srgbClr val="0611F2"/>
+                </a:solidFill>
+                <a:latin typeface="맑은 고딕" charset="0"/>
+                <a:ea typeface="맑은 고딕" charset="0"/>
+              </a:rPr>
+              <a:t>1001</a:t>
+            </a:r>
+            <a:endParaRPr lang="ko-KR" altLang="en-US" sz="1500" b="1">
+              <a:solidFill>
+                <a:srgbClr val="0611F2"/>
+              </a:solidFill>
+              <a:latin typeface="맑은 고딕" charset="0"/>
+              <a:ea typeface="맑은 고딕" charset="0"/>
+            </a:endParaRPr>
+          </a:p>
+        </p:txBody>
+      </p:sp>
+      <p:sp>
+        <p:nvSpPr>
+          <p:cNvPr id="1042" name="텍스트 상자 15"/>
+          <p:cNvSpPr txBox="1">
+            <a:spLocks/>
+          </p:cNvSpPr>
+          <p:nvPr/>
+        </p:nvSpPr>
+        <p:spPr>
+          <a:xfrm rot="0">
+            <a:off x="3596005" y="3380105"/>
+            <a:ext cx="1534795" cy="324485"/>
+          </a:xfrm>
+          <a:prstGeom prst="rect"/>
+          <a:noFill/>
+          <a:ln w="0">
+            <a:noFill/>
+            <a:prstDash/>
+          </a:ln>
+        </p:spPr>
+        <p:txBody>
+          <a:bodyPr wrap="square" lIns="89535" tIns="46355" rIns="89535" bIns="46355" numCol="1" vert="horz" anchor="t">
+            <a:spAutoFit/>
+          </a:bodyPr>
+          <a:lstStyle/>
+          <a:p>
+            <a:pPr marL="0" indent="0" algn="l" latinLnBrk="0" hangingPunct="1">
+              <a:buFontTx/>
+              <a:buNone/>
+            </a:pPr>
+            <a:r>
+              <a:rPr lang="ko-KR" sz="1500" b="1">
+                <a:solidFill>
+                  <a:srgbClr val="0611F2"/>
+                </a:solidFill>
+                <a:latin typeface="맑은 고딕" charset="0"/>
+                <a:ea typeface="맑은 고딕" charset="0"/>
+              </a:rPr>
+              <a:t>View ID : 1001</a:t>
+            </a:r>
+            <a:endParaRPr lang="ko-KR" altLang="en-US" sz="1500" b="1">
+              <a:solidFill>
+                <a:srgbClr val="0611F2"/>
+              </a:solidFill>
+              <a:latin typeface="맑은 고딕" charset="0"/>
+              <a:ea typeface="맑은 고딕" charset="0"/>
+            </a:endParaRPr>
+          </a:p>
+        </p:txBody>
+      </p:sp>
+      <p:sp>
+        <p:nvSpPr>
+          <p:cNvPr id="1043" name="도형 18"/>
           <p:cNvSpPr>
             <a:spLocks/>
           </p:cNvSpPr>
           <p:nvPr/>
         </p:nvSpPr>
         <p:spPr>
-          <a:xfrm rot="10800000" flipH="1">
-            <a:off x="1300480" y="1195705"/>
-            <a:ext cx="2679065" cy="620395"/>
+          <a:xfrm rot="0" flipH="1">
+            <a:off x="1619250" y="3695700"/>
+            <a:ext cx="3039745" cy="620395"/>
           </a:xfrm>
           <a:prstGeom prst="curvedUpArrow"/>
         </p:spPr>
@@ -7408,319 +7445,19 @@
           </a:p>
         </p:txBody>
       </p:sp>
-      <p:sp>
-        <p:nvSpPr>
-          <p:cNvPr id="1049" name="텍스트 상자 38"/>
-          <p:cNvSpPr txBox="1">
-            <a:spLocks/>
-          </p:cNvSpPr>
-          <p:nvPr/>
-        </p:nvSpPr>
-        <p:spPr>
-          <a:xfrm rot="0">
-            <a:off x="1038225" y="1822450"/>
-            <a:ext cx="781685" cy="400685"/>
-          </a:xfrm>
-          <a:prstGeom prst="rect"/>
-          <a:noFill/>
-          <a:ln w="0">
-            <a:noFill/>
-            <a:prstDash/>
-          </a:ln>
-        </p:spPr>
-        <p:txBody>
-          <a:bodyPr wrap="square" lIns="89535" tIns="46355" rIns="89535" bIns="46355" numCol="1" vert="horz" anchor="t">
-            <a:spAutoFit/>
-          </a:bodyPr>
-          <a:lstStyle/>
-          <a:p>
-            <a:pPr marL="0" indent="0" algn="l" latinLnBrk="0" hangingPunct="1">
-              <a:buFontTx/>
-              <a:buNone/>
-            </a:pPr>
-            <a:r>
-              <a:rPr lang="ko-KR" sz="2000" b="1">
-                <a:solidFill>
-                  <a:schemeClr val="bg1"/>
-                </a:solidFill>
-                <a:latin typeface="맑은 고딕" charset="0"/>
-                <a:ea typeface="맑은 고딕" charset="0"/>
-              </a:rPr>
-              <a:t>1001</a:t>
-            </a:r>
-            <a:endParaRPr lang="ko-KR" altLang="en-US" sz="2000" b="1">
-              <a:solidFill>
-                <a:schemeClr val="bg1"/>
-              </a:solidFill>
-              <a:latin typeface="맑은 고딕" charset="0"/>
-              <a:ea typeface="맑은 고딕" charset="0"/>
-            </a:endParaRPr>
-          </a:p>
-        </p:txBody>
-      </p:sp>
-      <p:sp>
-        <p:nvSpPr>
-          <p:cNvPr id="1050" name="텍스트 상자 39"/>
-          <p:cNvSpPr txBox="1">
-            <a:spLocks/>
-          </p:cNvSpPr>
-          <p:nvPr/>
-        </p:nvSpPr>
-        <p:spPr>
-          <a:xfrm rot="0">
-            <a:off x="3486150" y="1748790"/>
-            <a:ext cx="782320" cy="401320"/>
-          </a:xfrm>
-          <a:prstGeom prst="rect"/>
-          <a:noFill/>
-          <a:ln w="0">
-            <a:noFill/>
-            <a:prstDash/>
-          </a:ln>
-        </p:spPr>
-        <p:txBody>
-          <a:bodyPr wrap="square" lIns="89535" tIns="46355" rIns="89535" bIns="46355" numCol="1" vert="horz" anchor="t">
-            <a:spAutoFit/>
-          </a:bodyPr>
-          <a:lstStyle/>
-          <a:p>
-            <a:pPr marL="0" indent="0" algn="l" latinLnBrk="0" hangingPunct="1">
-              <a:buFontTx/>
-              <a:buNone/>
-            </a:pPr>
-            <a:r>
-              <a:rPr lang="ko-KR" sz="2000" b="1">
-                <a:solidFill>
-                  <a:schemeClr val="bg1"/>
-                </a:solidFill>
-                <a:latin typeface="맑은 고딕" charset="0"/>
-                <a:ea typeface="맑은 고딕" charset="0"/>
-              </a:rPr>
-              <a:t>1001</a:t>
-            </a:r>
-            <a:endParaRPr lang="ko-KR" altLang="en-US" sz="2000" b="1">
-              <a:solidFill>
-                <a:schemeClr val="bg1"/>
-              </a:solidFill>
-              <a:latin typeface="맑은 고딕" charset="0"/>
-              <a:ea typeface="맑은 고딕" charset="0"/>
-            </a:endParaRPr>
-          </a:p>
-        </p:txBody>
-      </p:sp>
-      <p:sp>
-        <p:nvSpPr>
-          <p:cNvPr id="1051" name="텍스트 상자 40"/>
-          <p:cNvSpPr txBox="1">
-            <a:spLocks/>
-          </p:cNvSpPr>
-          <p:nvPr/>
-        </p:nvSpPr>
-        <p:spPr>
-          <a:xfrm rot="0">
-            <a:off x="1997075" y="2226945"/>
-            <a:ext cx="782320" cy="401320"/>
-          </a:xfrm>
-          <a:prstGeom prst="rect"/>
-          <a:noFill/>
-          <a:ln w="0">
-            <a:noFill/>
-            <a:prstDash/>
-          </a:ln>
-        </p:spPr>
-        <p:txBody>
-          <a:bodyPr wrap="square" lIns="89535" tIns="46355" rIns="89535" bIns="46355" numCol="1" vert="horz" anchor="t">
-            <a:spAutoFit/>
-          </a:bodyPr>
-          <a:lstStyle/>
-          <a:p>
-            <a:pPr marL="0" indent="0" algn="l" latinLnBrk="0" hangingPunct="1">
-              <a:buFontTx/>
-              <a:buNone/>
-            </a:pPr>
-            <a:r>
-              <a:rPr lang="ko-KR" sz="2000" b="1">
-                <a:solidFill>
-                  <a:schemeClr val="bg1"/>
-                </a:solidFill>
-                <a:latin typeface="맑은 고딕" charset="0"/>
-                <a:ea typeface="맑은 고딕" charset="0"/>
-              </a:rPr>
-              <a:t>2000</a:t>
-            </a:r>
-            <a:endParaRPr lang="ko-KR" altLang="en-US" sz="2000" b="1">
-              <a:solidFill>
-                <a:schemeClr val="bg1"/>
-              </a:solidFill>
-              <a:latin typeface="맑은 고딕" charset="0"/>
-              <a:ea typeface="맑은 고딕" charset="0"/>
-            </a:endParaRPr>
-          </a:p>
-        </p:txBody>
-      </p:sp>
-      <p:sp>
-        <p:nvSpPr>
-          <p:cNvPr id="1052" name="텍스트 상자 41"/>
-          <p:cNvSpPr txBox="1">
-            <a:spLocks/>
-          </p:cNvSpPr>
-          <p:nvPr/>
-        </p:nvSpPr>
-        <p:spPr>
-          <a:xfrm rot="0">
-            <a:off x="4448175" y="2222500"/>
-            <a:ext cx="782320" cy="401320"/>
-          </a:xfrm>
-          <a:prstGeom prst="rect"/>
-          <a:noFill/>
-          <a:ln w="0">
-            <a:noFill/>
-            <a:prstDash/>
-          </a:ln>
-        </p:spPr>
-        <p:txBody>
-          <a:bodyPr wrap="square" lIns="89535" tIns="46355" rIns="89535" bIns="46355" numCol="1" vert="horz" anchor="t">
-            <a:spAutoFit/>
-          </a:bodyPr>
-          <a:lstStyle/>
-          <a:p>
-            <a:pPr marL="0" indent="0" algn="l" latinLnBrk="0" hangingPunct="1">
-              <a:buFontTx/>
-              <a:buNone/>
-            </a:pPr>
-            <a:r>
-              <a:rPr lang="ko-KR" sz="2000" b="1">
-                <a:solidFill>
-                  <a:schemeClr val="bg1"/>
-                </a:solidFill>
-                <a:latin typeface="맑은 고딕" charset="0"/>
-                <a:ea typeface="맑은 고딕" charset="0"/>
-              </a:rPr>
-              <a:t>2000</a:t>
-            </a:r>
-            <a:endParaRPr lang="ko-KR" altLang="en-US" sz="2000" b="1">
-              <a:solidFill>
-                <a:schemeClr val="bg1"/>
-              </a:solidFill>
-              <a:latin typeface="맑은 고딕" charset="0"/>
-              <a:ea typeface="맑은 고딕" charset="0"/>
-            </a:endParaRPr>
-          </a:p>
-        </p:txBody>
-      </p:sp>
-      <p:sp>
-        <p:nvSpPr>
-          <p:cNvPr id="1053" name="텍스트 상자 42"/>
-          <p:cNvSpPr txBox="1">
-            <a:spLocks/>
-          </p:cNvSpPr>
-          <p:nvPr/>
-        </p:nvSpPr>
-        <p:spPr>
-          <a:xfrm rot="0">
-            <a:off x="942975" y="1527175"/>
-            <a:ext cx="1019810" cy="400685"/>
-          </a:xfrm>
-          <a:prstGeom prst="rect"/>
-          <a:noFill/>
-          <a:ln w="0">
-            <a:noFill/>
-            <a:prstDash/>
-          </a:ln>
-        </p:spPr>
-        <p:txBody>
-          <a:bodyPr wrap="square" lIns="89535" tIns="46355" rIns="89535" bIns="46355" numCol="1" vert="horz" anchor="t">
-            <a:spAutoFit/>
-          </a:bodyPr>
-          <a:lstStyle/>
-          <a:p>
-            <a:pPr marL="0" indent="0" algn="l" latinLnBrk="0" hangingPunct="1">
-              <a:buFontTx/>
-              <a:buNone/>
-            </a:pPr>
-            <a:r>
-              <a:rPr lang="ko-KR" sz="2000" b="1">
-                <a:solidFill>
-                  <a:srgbClr val="0611F2"/>
-                </a:solidFill>
-                <a:latin typeface="맑은 고딕" charset="0"/>
-                <a:ea typeface="맑은 고딕" charset="0"/>
-              </a:rPr>
-              <a:t>IsMine</a:t>
-            </a:r>
-            <a:endParaRPr lang="ko-KR" altLang="en-US" sz="2000" b="1">
-              <a:solidFill>
-                <a:srgbClr val="0611F2"/>
-              </a:solidFill>
-              <a:latin typeface="맑은 고딕" charset="0"/>
-              <a:ea typeface="맑은 고딕" charset="0"/>
-            </a:endParaRPr>
-          </a:p>
-        </p:txBody>
-      </p:sp>
-      <p:sp>
-        <p:nvSpPr>
-          <p:cNvPr id="1054" name="텍스트 상자 44"/>
-          <p:cNvSpPr txBox="1">
-            <a:spLocks/>
-          </p:cNvSpPr>
-          <p:nvPr/>
-        </p:nvSpPr>
-        <p:spPr>
-          <a:xfrm rot="0">
-            <a:off x="4361815" y="1936115"/>
-            <a:ext cx="1020445" cy="401320"/>
-          </a:xfrm>
-          <a:prstGeom prst="rect"/>
-          <a:noFill/>
-          <a:ln w="0">
-            <a:noFill/>
-            <a:prstDash/>
-          </a:ln>
-        </p:spPr>
-        <p:txBody>
-          <a:bodyPr wrap="square" lIns="89535" tIns="46355" rIns="89535" bIns="46355" numCol="1" vert="horz" anchor="t">
-            <a:spAutoFit/>
-          </a:bodyPr>
-          <a:lstStyle/>
-          <a:p>
-            <a:pPr marL="0" indent="0" algn="l" latinLnBrk="0" hangingPunct="1">
-              <a:buFontTx/>
-              <a:buNone/>
-            </a:pPr>
-            <a:r>
-              <a:rPr lang="ko-KR" sz="2000" b="1">
-                <a:solidFill>
-                  <a:srgbClr val="80007F"/>
-                </a:solidFill>
-                <a:latin typeface="맑은 고딕" charset="0"/>
-                <a:ea typeface="맑은 고딕" charset="0"/>
-              </a:rPr>
-              <a:t>IsMine</a:t>
-            </a:r>
-            <a:endParaRPr lang="ko-KR" altLang="en-US" sz="2000" b="1">
-              <a:solidFill>
-                <a:srgbClr val="80007F"/>
-              </a:solidFill>
-              <a:latin typeface="맑은 고딕" charset="0"/>
-              <a:ea typeface="맑은 고딕" charset="0"/>
-            </a:endParaRPr>
-          </a:p>
-        </p:txBody>
-      </p:sp>
       <p:pic>
         <p:nvPicPr>
-          <p:cNvPr id="1055" name="그림 6" descr="C:/Users/Admin1/AppData/Roaming/PolarisOffice/ETemp/21612_20234488/fImage1928117041.png"/>
+          <p:cNvPr id="1044" name="그림 19" descr="C:/Users/Admin1/AppData/Roaming/PolarisOffice/ETemp/21612_20234488/fImage95731329169.png"/>
           <p:cNvPicPr>
             <a:picLocks noChangeAspect="1"/>
           </p:cNvPicPr>
           <p:nvPr/>
         </p:nvPicPr>
         <p:blipFill rotWithShape="1">
-          <a:blip r:embed="rId9" cstate="print">
+          <a:blip r:embed="rId10" cstate="hqprint">
             <a:extLst>
               <a:ext uri="{28A0092B-C50C-407E-A947-70E740481C1C}">
-                <a14:useLocalDpi xmlns:a14="http://schemas.microsoft.com/office/drawing/2010/main" val="0"/>
+                <a14:useLocalDpi xmlns:a14="http://schemas.microsoft.com/office/drawing/2010/main"/>
               </a:ext>
             </a:extLst>
           </a:blip>
@@ -7730,8 +7467,8 @@
         </p:blipFill>
         <p:spPr>
           <a:xfrm rot="0">
-            <a:off x="6806565" y="1445260"/>
-            <a:ext cx="4065905" cy="3571875"/>
+            <a:off x="842645" y="1395095"/>
+            <a:ext cx="4502150" cy="1120140"/>
           </a:xfrm>
           <a:prstGeom prst="roundRect"/>
           <a:solidFill>
@@ -7739,67 +7476,6 @@
           </a:solidFill>
         </p:spPr>
       </p:pic>
-      <p:sp>
-        <p:nvSpPr>
-          <p:cNvPr id="1056" name="텍스트 상자 9"/>
-          <p:cNvSpPr txBox="1">
-            <a:spLocks/>
-          </p:cNvSpPr>
-          <p:nvPr/>
-        </p:nvSpPr>
-        <p:spPr>
-          <a:xfrm rot="0">
-            <a:off x="6797675" y="5294630"/>
-            <a:ext cx="4057015" cy="647065"/>
-          </a:xfrm>
-          <a:prstGeom prst="rect"/>
-          <a:noFill/>
-          <a:ln w="0">
-            <a:noFill/>
-            <a:prstDash/>
-          </a:ln>
-        </p:spPr>
-        <p:txBody>
-          <a:bodyPr wrap="square" lIns="89535" tIns="46355" rIns="89535" bIns="46355" numCol="1" vert="horz" anchor="t">
-            <a:spAutoFit/>
-          </a:bodyPr>
-          <a:lstStyle/>
-          <a:p>
-            <a:pPr marL="0" indent="0" rtl="0" algn="l" defTabSz="914400" eaLnBrk="1" latinLnBrk="0" hangingPunct="1">
-              <a:buFontTx/>
-              <a:buNone/>
-            </a:pPr>
-            <a:r>
-              <a:rPr sz="1800" b="1">
-                <a:solidFill>
-                  <a:srgbClr val="0611F2"/>
-                </a:solidFill>
-                <a:latin typeface="맑은 고딕" charset="0"/>
-                <a:ea typeface="맑은 고딕" charset="0"/>
-              </a:rPr>
-              <a:t>1.</a:t>
-            </a:r>
-            <a:r>
-              <a:rPr sz="1800">
-                <a:latin typeface="맑은 고딕" charset="0"/>
-                <a:ea typeface="맑은 고딕" charset="0"/>
-              </a:rPr>
-              <a:t> </a:t>
-            </a:r>
-            <a:r>
-              <a:rPr lang="ko-KR" sz="1800">
-                <a:latin typeface="맑은 고딕" charset="0"/>
-                <a:ea typeface="맑은 고딕" charset="0"/>
-              </a:rPr>
-              <a:t>첫 번째로 UI를 선택하고 Scroll View를 생성합니다.</a:t>
-            </a:r>
-            <a:endParaRPr lang="ko-KR" altLang="en-US" sz="1800">
-              <a:latin typeface="맑은 고딕" charset="0"/>
-              <a:ea typeface="맑은 고딕" charset="0"/>
-            </a:endParaRPr>
-          </a:p>
-        </p:txBody>
-      </p:sp>
     </p:spTree>
   </p:cSld>
   <p:clrMapOvr>
@@ -8569,7 +8245,7 @@
       </p:grpSpPr>
       <p:sp>
         <p:nvSpPr>
-          <p:cNvPr id="2" name="Rect 0"/>
+          <p:cNvPr id="1031" name="Rect 0"/>
           <p:cNvSpPr txBox="1">
             <a:spLocks/>
           </p:cNvSpPr>
@@ -8577,8 +8253,8 @@
         </p:nvSpPr>
         <p:spPr>
           <a:xfrm rot="0">
-            <a:off x="4509135" y="361315"/>
-            <a:ext cx="3173730" cy="554990"/>
+            <a:off x="4530090" y="417195"/>
+            <a:ext cx="3141980" cy="554990"/>
           </a:xfrm>
           <a:prstGeom prst="rect"/>
           <a:noFill/>
@@ -8593,7 +8269,7 @@
           </a:bodyPr>
           <a:lstStyle/>
           <a:p>
-            <a:pPr marL="0" indent="0" rtl="0" algn="l" defTabSz="914400" eaLnBrk="1" latinLnBrk="0" hangingPunct="1">
+            <a:pPr marL="0" indent="0" algn="l" latinLnBrk="0">
               <a:buFontTx/>
               <a:buNone/>
             </a:pPr>
@@ -8602,21 +8278,7 @@
                 <a:latin typeface="맑은 고딕" charset="0"/>
                 <a:ea typeface="맑은 고딕" charset="0"/>
               </a:rPr>
-              <a:t>두</a:t>
-            </a:r>
-            <a:r>
-              <a:rPr lang="ko-KR" sz="3000" b="1">
-                <a:latin typeface="맑은 고딕" charset="0"/>
-                <a:ea typeface="맑은 고딕" charset="0"/>
-              </a:rPr>
-              <a:t> 번째 튜토리얼</a:t>
-            </a:r>
-            <a:r>
-              <a:rPr sz="3000" b="1">
-                <a:latin typeface="맑은 고딕" charset="0"/>
-                <a:ea typeface="맑은 고딕" charset="0"/>
-              </a:rPr>
-              <a:t> </a:t>
+              <a:t>첫 번째 튜토리얼</a:t>
             </a:r>
             <a:endParaRPr lang="ko-KR" altLang="en-US" sz="3000" b="1">
               <a:latin typeface="맑은 고딕" charset="0"/>
@@ -8627,7 +8289,7 @@
       </p:sp>
       <p:sp>
         <p:nvSpPr>
-          <p:cNvPr id="6" name="Rect 0"/>
+          <p:cNvPr id="1033" name="Rect 0"/>
           <p:cNvSpPr txBox="1">
             <a:spLocks/>
           </p:cNvSpPr>
@@ -8635,8 +8297,8 @@
         </p:nvSpPr>
         <p:spPr>
           <a:xfrm rot="0">
-            <a:off x="1239520" y="4368165"/>
-            <a:ext cx="4190365" cy="1754505"/>
+            <a:off x="944880" y="3914140"/>
+            <a:ext cx="4435475" cy="2031365"/>
           </a:xfrm>
           <a:prstGeom prst="rect"/>
           <a:noFill/>
@@ -8651,57 +8313,114 @@
           </a:bodyPr>
           <a:lstStyle/>
           <a:p>
-            <a:pPr marL="0" indent="0" rtl="0" algn="l" defTabSz="914400" eaLnBrk="1" latinLnBrk="0" hangingPunct="1">
-              <a:buFontTx/>
-              <a:buNone/>
-            </a:pPr>
-            <a:r>
-              <a:rPr sz="1800" b="1">
-                <a:solidFill>
-                  <a:srgbClr val="0611F2"/>
-                </a:solidFill>
-                <a:latin typeface="맑은 고딕" charset="0"/>
-                <a:ea typeface="맑은 고딕" charset="0"/>
-              </a:rPr>
-              <a:t>2</a:t>
-            </a:r>
-            <a:r>
-              <a:rPr sz="1800" b="1">
-                <a:solidFill>
-                  <a:srgbClr val="0611F2"/>
-                </a:solidFill>
-                <a:latin typeface="맑은 고딕" charset="0"/>
-                <a:ea typeface="맑은 고딕" charset="0"/>
-              </a:rPr>
-              <a:t>.</a:t>
-            </a:r>
-            <a:r>
-              <a:rPr sz="1800">
+            <a:pPr marL="0" indent="0" algn="l" latinLnBrk="0" hangingPunct="1">
+              <a:buFontTx/>
+              <a:buNone/>
+            </a:pPr>
+            <a:r>
+              <a:rPr lang="ko-KR" sz="1800">
+                <a:latin typeface="맑은 고딕" charset="0"/>
+                <a:ea typeface="맑은 고딕" charset="0"/>
+              </a:rPr>
+              <a:t>A</a:t>
+            </a:r>
+            <a:r>
+              <a:rPr lang="ko-KR" sz="1800">
                 <a:latin typeface="맑은 고딕" charset="0"/>
                 <a:ea typeface="맑은 고딕" charset="0"/>
               </a:rPr>
               <a:t> </a:t>
             </a:r>
             <a:r>
-              <a:rPr sz="1800">
-                <a:latin typeface="맑은 고딕" charset="0"/>
-                <a:ea typeface="맑은 고딕" charset="0"/>
-              </a:rPr>
-              <a:t>그</a:t>
-            </a:r>
-            <a:r>
               <a:rPr lang="ko-KR" sz="1800">
                 <a:latin typeface="맑은 고딕" charset="0"/>
                 <a:ea typeface="맑은 고딕" charset="0"/>
               </a:rPr>
-              <a:t>런 다음 </a:t>
+              <a:t>클라이언트의</a:t>
             </a:r>
             <a:r>
               <a:rPr lang="ko-KR" sz="1800">
                 <a:latin typeface="맑은 고딕" charset="0"/>
                 <a:ea typeface="맑은 고딕" charset="0"/>
               </a:rPr>
-              <a:t>Scroll View에 Content의 하위 오브젝트로 Text UI를 추가하고 이름을 String으로 변경합니다.</a:t>
+              <a:t> </a:t>
+            </a:r>
+            <a:r>
+              <a:rPr lang="ko-KR" sz="1800">
+                <a:latin typeface="맑은 고딕" charset="0"/>
+                <a:ea typeface="맑은 고딕" charset="0"/>
+              </a:rPr>
+              <a:t>1001</a:t>
+            </a:r>
+            <a:r>
+              <a:rPr lang="ko-KR" sz="1800">
+                <a:latin typeface="맑은 고딕" charset="0"/>
+                <a:ea typeface="맑은 고딕" charset="0"/>
+              </a:rPr>
+              <a:t> </a:t>
+            </a:r>
+            <a:r>
+              <a:rPr lang="ko-KR" sz="1800">
+                <a:latin typeface="맑은 고딕" charset="0"/>
+                <a:ea typeface="맑은 고딕" charset="0"/>
+              </a:rPr>
+              <a:t>객체가</a:t>
+            </a:r>
+            <a:r>
+              <a:rPr lang="ko-KR" sz="1800">
+                <a:latin typeface="맑은 고딕" charset="0"/>
+                <a:ea typeface="맑은 고딕" charset="0"/>
+              </a:rPr>
+              <a:t> </a:t>
+            </a:r>
+            <a:r>
+              <a:rPr lang="ko-KR" sz="1800">
+                <a:latin typeface="맑은 고딕" charset="0"/>
+                <a:ea typeface="맑은 고딕" charset="0"/>
+              </a:rPr>
+              <a:t>현재</a:t>
+            </a:r>
+            <a:r>
+              <a:rPr lang="ko-KR" sz="1800">
+                <a:latin typeface="맑은 고딕" charset="0"/>
+                <a:ea typeface="맑은 고딕" charset="0"/>
+              </a:rPr>
+              <a:t> </a:t>
+            </a:r>
+            <a:r>
+              <a:rPr lang="ko-KR" sz="1800">
+                <a:latin typeface="맑은 고딕" charset="0"/>
+                <a:ea typeface="맑은 고딕" charset="0"/>
+              </a:rPr>
+              <a:t>로컬</a:t>
+            </a:r>
+            <a:r>
+              <a:rPr lang="ko-KR" sz="1800">
+                <a:latin typeface="맑은 고딕" charset="0"/>
+                <a:ea typeface="맑은 고딕" charset="0"/>
+              </a:rPr>
+              <a:t> </a:t>
+            </a:r>
+            <a:r>
+              <a:rPr lang="ko-KR" sz="1800">
+                <a:latin typeface="맑은 고딕" charset="0"/>
+                <a:ea typeface="맑은 고딕" charset="0"/>
+              </a:rPr>
+              <a:t>객체</a:t>
+            </a:r>
+            <a:r>
+              <a:rPr lang="ko-KR" sz="1800">
+                <a:latin typeface="맑은 고딕" charset="0"/>
+                <a:ea typeface="맑은 고딕" charset="0"/>
+              </a:rPr>
+              <a:t>이고, </a:t>
+            </a:r>
+            <a:r>
+              <a:rPr lang="ko-KR" sz="1800">
+                <a:latin typeface="맑은 고딕" charset="0"/>
+                <a:ea typeface="맑은 고딕" charset="0"/>
+              </a:rPr>
+              <a:t>B 클라이언트에서는 1001 객체는 원격 객체입니다.</a:t>
             </a:r>
             <a:endParaRPr lang="ko-KR" altLang="en-US" sz="1800">
               <a:latin typeface="맑은 고딕" charset="0"/>
@@ -8709,7 +8428,7 @@
             </a:endParaRPr>
           </a:p>
           <a:p>
-            <a:pPr marL="0" indent="0" rtl="0" algn="l" defTabSz="914400" eaLnBrk="1" latinLnBrk="0" hangingPunct="1">
+            <a:pPr marL="0" indent="0" algn="l" latinLnBrk="0" hangingPunct="1">
               <a:buFontTx/>
               <a:buNone/>
             </a:pPr>
@@ -8719,7 +8438,7 @@
             </a:endParaRPr>
           </a:p>
           <a:p>
-            <a:pPr marL="0" indent="0" rtl="0" algn="l" defTabSz="914400" eaLnBrk="1" latinLnBrk="0" hangingPunct="1">
+            <a:pPr marL="0" indent="0" algn="l" latinLnBrk="0" hangingPunct="1">
               <a:buFontTx/>
               <a:buNone/>
             </a:pPr>
@@ -8728,7 +8447,14 @@
                 <a:latin typeface="맑은 고딕" charset="0"/>
                 <a:ea typeface="맑은 고딕" charset="0"/>
               </a:rPr>
-              <a:t>그리고 Content Size Fitter 컴포넌트를 추가합니다.</a:t>
+              <a:t>RPC 함수는</a:t>
+            </a:r>
+            <a:r>
+              <a:rPr lang="ko-KR" sz="1800">
+                <a:latin typeface="맑은 고딕" charset="0"/>
+                <a:ea typeface="맑은 고딕" charset="0"/>
+              </a:rPr>
+              <a:t> 서로 다른 클라이언트에서 같은 View ID를 가진 객체에만 RPC 함수가 전달되는 것입니다.</a:t>
             </a:r>
             <a:endParaRPr lang="ko-KR" altLang="en-US" sz="1800">
               <a:latin typeface="맑은 고딕" charset="0"/>
@@ -8737,111 +8463,19 @@
           </a:p>
         </p:txBody>
       </p:sp>
-      <p:sp>
-        <p:nvSpPr>
-          <p:cNvPr id="7" name="Rect 0"/>
-          <p:cNvSpPr txBox="1">
-            <a:spLocks/>
-          </p:cNvSpPr>
-          <p:nvPr/>
-        </p:nvSpPr>
-        <p:spPr>
-          <a:xfrm rot="0">
-            <a:off x="6774180" y="2780665"/>
-            <a:ext cx="4191635" cy="647065"/>
-          </a:xfrm>
-          <a:prstGeom prst="rect"/>
-          <a:noFill/>
-          <a:ln w="0">
-            <a:noFill/>
-            <a:prstDash/>
-          </a:ln>
-        </p:spPr>
-        <p:txBody>
-          <a:bodyPr wrap="square" lIns="89535" tIns="46355" rIns="89535" bIns="46355" numCol="1" vert="horz" anchor="t">
-            <a:spAutoFit/>
-          </a:bodyPr>
-          <a:lstStyle/>
-          <a:p>
-            <a:pPr marL="0" indent="0" rtl="0" algn="l" defTabSz="914400" eaLnBrk="1" latinLnBrk="0" hangingPunct="1">
-              <a:buFontTx/>
-              <a:buNone/>
-            </a:pPr>
-            <a:r>
-              <a:rPr sz="1800" b="1">
-                <a:solidFill>
-                  <a:srgbClr val="0611F2"/>
-                </a:solidFill>
-                <a:latin typeface="맑은 고딕" charset="0"/>
-                <a:ea typeface="맑은 고딕" charset="0"/>
-              </a:rPr>
-              <a:t>3</a:t>
-            </a:r>
-            <a:r>
-              <a:rPr sz="1800" b="1">
-                <a:solidFill>
-                  <a:srgbClr val="0611F2"/>
-                </a:solidFill>
-                <a:latin typeface="맑은 고딕" charset="0"/>
-                <a:ea typeface="맑은 고딕" charset="0"/>
-              </a:rPr>
-              <a:t>.</a:t>
-            </a:r>
-            <a:r>
-              <a:rPr sz="1800">
-                <a:latin typeface="맑은 고딕" charset="0"/>
-                <a:ea typeface="맑은 고딕" charset="0"/>
-              </a:rPr>
-              <a:t> 그</a:t>
-            </a:r>
-            <a:r>
-              <a:rPr lang="ko-KR" sz="1800">
-                <a:latin typeface="맑은 고딕" charset="0"/>
-                <a:ea typeface="맑은 고딕" charset="0"/>
-              </a:rPr>
-              <a:t>다음 String </a:t>
-            </a:r>
-            <a:r>
-              <a:rPr lang="ko-KR" sz="1800">
-                <a:latin typeface="맑은 고딕" charset="0"/>
-                <a:ea typeface="맑은 고딕" charset="0"/>
-              </a:rPr>
-              <a:t>오브젝트</a:t>
-            </a:r>
-            <a:r>
-              <a:rPr lang="ko-KR" sz="1800">
-                <a:latin typeface="맑은 고딕" charset="0"/>
-                <a:ea typeface="맑은 고딕" charset="0"/>
-              </a:rPr>
-              <a:t>를 Resources 폴더에 넣고 프리팹으로 </a:t>
-            </a:r>
-            <a:r>
-              <a:rPr lang="ko-KR" sz="1800">
-                <a:latin typeface="맑은 고딕" charset="0"/>
-                <a:ea typeface="맑은 고딕" charset="0"/>
-              </a:rPr>
-              <a:t>설정합니다.</a:t>
-            </a:r>
-            <a:endParaRPr lang="ko-KR" altLang="en-US" sz="1800">
-              <a:latin typeface="맑은 고딕" charset="0"/>
-              <a:ea typeface="맑은 고딕" charset="0"/>
-            </a:endParaRPr>
-          </a:p>
-        </p:txBody>
-      </p:sp>
       <p:pic>
         <p:nvPicPr>
-          <p:cNvPr id="10" name="그림 18"/>
+          <p:cNvPr id="1035" name="Picture " descr="C:/Users/Admin1/AppData/Roaming/PolarisOffice/ETemp/21612_20234488/fImage241692185724.png"/>
           <p:cNvPicPr>
             <a:picLocks noChangeAspect="1"/>
           </p:cNvPicPr>
           <p:nvPr/>
         </p:nvPicPr>
         <p:blipFill rotWithShape="1">
-          <a:blip r:embed="rId2" cstate="print">
+          <a:blip r:embed="rId2" cstate="hqprint">
             <a:extLst>
               <a:ext uri="{28A0092B-C50C-407E-A947-70E740481C1C}">
-                <a14:useLocalDpi xmlns:a14="http://schemas.microsoft.com/office/drawing/2010/main" val="0"/>
+                <a14:useLocalDpi xmlns:a14="http://schemas.microsoft.com/office/drawing/2010/main"/>
               </a:ext>
             </a:extLst>
           </a:blip>
@@ -8851,18 +8485,16 @@
         </p:blipFill>
         <p:spPr>
           <a:xfrm rot="0">
-            <a:off x="3858895" y="1209675"/>
-            <a:ext cx="1581785" cy="877570"/>
-          </a:xfrm>
-          <a:prstGeom prst="roundRect"/>
-          <a:solidFill>
-            <a:srgbClr val="EDEDED"/>
-          </a:solidFill>
+            <a:off x="944245" y="1395095"/>
+            <a:ext cx="2170430" cy="2238375"/>
+          </a:xfrm>
+          <a:prstGeom prst="rect"/>
+          <a:noFill/>
         </p:spPr>
       </p:pic>
       <p:pic>
         <p:nvPicPr>
-          <p:cNvPr id="11" name="그림 21"/>
+          <p:cNvPr id="1036" name="Picture " descr="C:/Users/Admin1/AppData/Roaming/PolarisOffice/ETemp/21612_20234488/fImage241692191478.png"/>
           <p:cNvPicPr>
             <a:picLocks noChangeAspect="1"/>
           </p:cNvPicPr>
@@ -8882,25 +8514,249 @@
         </p:blipFill>
         <p:spPr>
           <a:xfrm rot="0">
-            <a:off x="1231265" y="2312670"/>
-            <a:ext cx="4206240" cy="1877695"/>
-          </a:xfrm>
-          <a:prstGeom prst="roundRect"/>
-          <a:solidFill>
-            <a:srgbClr val="EDEDED"/>
-          </a:solidFill>
+            <a:off x="3286125" y="1390650"/>
+            <a:ext cx="2182495" cy="2251075"/>
+          </a:xfrm>
+          <a:prstGeom prst="rect"/>
+          <a:noFill/>
         </p:spPr>
       </p:pic>
+      <p:sp>
+        <p:nvSpPr>
+          <p:cNvPr id="1037" name="Rect 0"/>
+          <p:cNvSpPr txBox="1">
+            <a:spLocks/>
+          </p:cNvSpPr>
+          <p:nvPr/>
+        </p:nvSpPr>
+        <p:spPr>
+          <a:xfrm rot="0">
+            <a:off x="1138555" y="3314065"/>
+            <a:ext cx="1778000" cy="400685"/>
+          </a:xfrm>
+          <a:prstGeom prst="rect"/>
+          <a:noFill/>
+          <a:ln w="0">
+            <a:noFill/>
+            <a:prstDash/>
+          </a:ln>
+        </p:spPr>
+        <p:txBody>
+          <a:bodyPr wrap="square" lIns="89535" tIns="46355" rIns="89535" bIns="46355" numCol="1" vert="horz" anchor="t">
+            <a:spAutoFit/>
+          </a:bodyPr>
+          <a:lstStyle/>
+          <a:p>
+            <a:pPr marL="0" indent="0" algn="l" latinLnBrk="0" hangingPunct="1">
+              <a:buFontTx/>
+              <a:buNone/>
+            </a:pPr>
+            <a:r>
+              <a:rPr lang="ko-KR" sz="2000" b="1">
+                <a:solidFill>
+                  <a:srgbClr val="36B700"/>
+                </a:solidFill>
+                <a:latin typeface="맑은 고딕" charset="0"/>
+                <a:ea typeface="맑은 고딕" charset="0"/>
+              </a:rPr>
+              <a:t>A</a:t>
+            </a:r>
+            <a:r>
+              <a:rPr lang="ko-KR" sz="2000" b="1">
+                <a:solidFill>
+                  <a:srgbClr val="36B700"/>
+                </a:solidFill>
+                <a:latin typeface="맑은 고딕" charset="0"/>
+                <a:ea typeface="맑은 고딕" charset="0"/>
+              </a:rPr>
+              <a:t> </a:t>
+            </a:r>
+            <a:r>
+              <a:rPr lang="ko-KR" sz="2000" b="1">
+                <a:solidFill>
+                  <a:srgbClr val="36B700"/>
+                </a:solidFill>
+                <a:latin typeface="맑은 고딕" charset="0"/>
+                <a:ea typeface="맑은 고딕" charset="0"/>
+              </a:rPr>
+              <a:t>클라이언트</a:t>
+            </a:r>
+            <a:endParaRPr lang="ko-KR" altLang="en-US" sz="2000" b="1">
+              <a:solidFill>
+                <a:srgbClr val="36B700"/>
+              </a:solidFill>
+              <a:latin typeface="맑은 고딕" charset="0"/>
+              <a:ea typeface="맑은 고딕" charset="0"/>
+            </a:endParaRPr>
+          </a:p>
+        </p:txBody>
+      </p:sp>
+      <p:sp>
+        <p:nvSpPr>
+          <p:cNvPr id="1038" name="Rect 0"/>
+          <p:cNvSpPr txBox="1">
+            <a:spLocks/>
+          </p:cNvSpPr>
+          <p:nvPr/>
+        </p:nvSpPr>
+        <p:spPr>
+          <a:xfrm rot="0">
+            <a:off x="3507105" y="3309620"/>
+            <a:ext cx="1778000" cy="400685"/>
+          </a:xfrm>
+          <a:prstGeom prst="rect"/>
+          <a:noFill/>
+          <a:ln w="0">
+            <a:noFill/>
+            <a:prstDash/>
+          </a:ln>
+        </p:spPr>
+        <p:txBody>
+          <a:bodyPr wrap="square" lIns="89535" tIns="46355" rIns="89535" bIns="46355" numCol="1" vert="horz" anchor="t">
+            <a:spAutoFit/>
+          </a:bodyPr>
+          <a:lstStyle/>
+          <a:p>
+            <a:pPr marL="0" indent="0" algn="l" latinLnBrk="0" hangingPunct="1">
+              <a:buFontTx/>
+              <a:buNone/>
+            </a:pPr>
+            <a:r>
+              <a:rPr lang="ko-KR" sz="2000" b="1">
+                <a:solidFill>
+                  <a:srgbClr val="36B700"/>
+                </a:solidFill>
+                <a:latin typeface="맑은 고딕" charset="0"/>
+                <a:ea typeface="맑은 고딕" charset="0"/>
+              </a:rPr>
+              <a:t>B 클라이언트</a:t>
+            </a:r>
+            <a:endParaRPr lang="ko-KR" altLang="en-US" sz="2000" b="1">
+              <a:solidFill>
+                <a:srgbClr val="36B700"/>
+              </a:solidFill>
+              <a:latin typeface="맑은 고딕" charset="0"/>
+              <a:ea typeface="맑은 고딕" charset="0"/>
+            </a:endParaRPr>
+          </a:p>
+        </p:txBody>
+      </p:sp>
+      <p:sp>
+        <p:nvSpPr>
+          <p:cNvPr id="1043" name="Rect 0"/>
+          <p:cNvSpPr>
+            <a:spLocks/>
+          </p:cNvSpPr>
+          <p:nvPr/>
+        </p:nvSpPr>
+        <p:spPr>
+          <a:xfrm rot="0" flipH="1">
+            <a:off x="2181860" y="2595880"/>
+            <a:ext cx="2783205" cy="620395"/>
+          </a:xfrm>
+          <a:prstGeom prst="curvedUpArrow"/>
+        </p:spPr>
+        <p:style>
+          <a:lnRef idx="2">
+            <a:schemeClr val="accent1">
+              <a:shade val="50000"/>
+            </a:schemeClr>
+          </a:lnRef>
+          <a:fillRef idx="1">
+            <a:schemeClr val="accent1"/>
+          </a:fillRef>
+          <a:effectRef idx="0">
+            <a:schemeClr val="accent1"/>
+          </a:effectRef>
+          <a:fontRef idx="minor">
+            <a:schemeClr val="lt1"/>
+          </a:fontRef>
+        </p:style>
+        <p:txBody>
+          <a:bodyPr wrap="square" lIns="91440" tIns="45720" rIns="91440" bIns="45720" numCol="1" vert="horz" anchor="ctr">
+            <a:noAutofit/>
+          </a:bodyPr>
+          <a:lstStyle/>
+          <a:p>
+            <a:pPr marL="0" indent="0" algn="ctr" latinLnBrk="0" hangingPunct="1">
+              <a:buFontTx/>
+              <a:buNone/>
+            </a:pPr>
+            <a:endParaRPr lang="ko-KR" altLang="en-US" sz="1800">
+              <a:latin typeface="맑은 고딕" charset="0"/>
+              <a:ea typeface="맑은 고딕" charset="0"/>
+            </a:endParaRPr>
+          </a:p>
+        </p:txBody>
+      </p:sp>
       <p:pic>
         <p:nvPicPr>
-          <p:cNvPr id="12" name="그림 22"/>
+          <p:cNvPr id="1044" name="그림 33" descr="C:/Users/Admin1/AppData/Roaming/PolarisOffice/ETemp/21612_20234488/fImage3176942319358.png"/>
           <p:cNvPicPr>
             <a:picLocks noChangeAspect="1"/>
           </p:cNvPicPr>
           <p:nvPr/>
         </p:nvPicPr>
         <p:blipFill rotWithShape="1">
-          <a:blip r:embed="rId4" cstate="print">
+          <a:blip r:embed="rId4" cstate="hqprint">
+            <a:extLst>
+              <a:ext uri="{28A0092B-C50C-407E-A947-70E740481C1C}">
+                <a14:useLocalDpi xmlns:a14="http://schemas.microsoft.com/office/drawing/2010/main"/>
+              </a:ext>
+            </a:extLst>
+          </a:blip>
+          <a:stretch>
+            <a:fillRect/>
+          </a:stretch>
+        </p:blipFill>
+        <p:spPr>
+          <a:xfrm rot="0">
+            <a:off x="2015490" y="2061210"/>
+            <a:ext cx="734695" cy="734695"/>
+          </a:xfrm>
+          <a:prstGeom prst="rect"/>
+          <a:noFill/>
+        </p:spPr>
+      </p:pic>
+      <p:pic>
+        <p:nvPicPr>
+          <p:cNvPr id="1045" name="그림 34" descr="C:/Users/Admin1/AppData/Roaming/PolarisOffice/ETemp/21612_20234488/fImage3176942326962.png"/>
+          <p:cNvPicPr>
+            <a:picLocks noChangeAspect="1"/>
+          </p:cNvPicPr>
+          <p:nvPr/>
+        </p:nvPicPr>
+        <p:blipFill rotWithShape="1">
+          <a:blip r:embed="rId5" cstate="hqprint">
+            <a:extLst>
+              <a:ext uri="{28A0092B-C50C-407E-A947-70E740481C1C}">
+                <a14:useLocalDpi xmlns:a14="http://schemas.microsoft.com/office/drawing/2010/main"/>
+              </a:ext>
+            </a:extLst>
+          </a:blip>
+          <a:stretch>
+            <a:fillRect/>
+          </a:stretch>
+        </p:blipFill>
+        <p:spPr>
+          <a:xfrm rot="0">
+            <a:off x="4466590" y="2056765"/>
+            <a:ext cx="734695" cy="734695"/>
+          </a:xfrm>
+          <a:prstGeom prst="rect"/>
+          <a:noFill/>
+        </p:spPr>
+      </p:pic>
+      <p:pic>
+        <p:nvPicPr>
+          <p:cNvPr id="1046" name="그림 35"/>
+          <p:cNvPicPr>
+            <a:picLocks noChangeAspect="1"/>
+          </p:cNvPicPr>
+          <p:nvPr/>
+        </p:nvPicPr>
+        <p:blipFill rotWithShape="1">
+          <a:blip r:embed="rId6" cstate="print">
             <a:extLst>
               <a:ext uri="{28A0092B-C50C-407E-A947-70E740481C1C}">
                 <a14:useLocalDpi xmlns:a14="http://schemas.microsoft.com/office/drawing/2010/main" val="0"/>
@@ -8913,28 +8769,26 @@
         </p:blipFill>
         <p:spPr>
           <a:xfrm rot="0">
-            <a:off x="1236980" y="1211580"/>
-            <a:ext cx="2153285" cy="876935"/>
-          </a:xfrm>
-          <a:prstGeom prst="roundRect"/>
-          <a:solidFill>
-            <a:srgbClr val="EDEDED"/>
-          </a:solidFill>
+            <a:off x="944245" y="1562100"/>
+            <a:ext cx="1056640" cy="943610"/>
+          </a:xfrm>
+          <a:prstGeom prst="rect"/>
+          <a:noFill/>
         </p:spPr>
       </p:pic>
       <p:pic>
         <p:nvPicPr>
-          <p:cNvPr id="14" name="그림 15" descr="C:/Users/Admin1/AppData/Roaming/PolarisOffice/ETemp/21612_20234488/fImage54331748467.png"/>
+          <p:cNvPr id="1047" name="그림 36" descr="C:/Users/Admin1/AppData/Roaming/PolarisOffice/ETemp/21612_20234488/fImage3816752345705.png"/>
           <p:cNvPicPr>
             <a:picLocks noChangeAspect="1"/>
           </p:cNvPicPr>
           <p:nvPr/>
         </p:nvPicPr>
         <p:blipFill rotWithShape="1">
-          <a:blip r:embed="rId7" cstate="print">
+          <a:blip r:embed="rId7" cstate="hqprint">
             <a:extLst>
               <a:ext uri="{28A0092B-C50C-407E-A947-70E740481C1C}">
-                <a14:useLocalDpi xmlns:a14="http://schemas.microsoft.com/office/drawing/2010/main" val="0"/>
+                <a14:useLocalDpi xmlns:a14="http://schemas.microsoft.com/office/drawing/2010/main"/>
               </a:ext>
             </a:extLst>
           </a:blip>
@@ -8944,82 +8798,364 @@
         </p:blipFill>
         <p:spPr>
           <a:xfrm rot="0">
-            <a:off x="8404860" y="1230630"/>
-            <a:ext cx="2565400" cy="1416050"/>
-          </a:xfrm>
-          <a:prstGeom prst="roundRect"/>
-          <a:solidFill>
-            <a:srgbClr val="EDEDED"/>
-          </a:solidFill>
+            <a:off x="3335020" y="1497965"/>
+            <a:ext cx="1057275" cy="944245"/>
+          </a:xfrm>
+          <a:prstGeom prst="rect"/>
+          <a:noFill/>
         </p:spPr>
       </p:pic>
-      <p:pic>
-        <p:nvPicPr>
-          <p:cNvPr id="16" name="그림 29" descr="C:/Users/Admin1/AppData/Roaming/PolarisOffice/ETemp/21612_20234488/fImage114731866334.png"/>
-          <p:cNvPicPr>
-            <a:picLocks noChangeAspect="1"/>
-          </p:cNvPicPr>
+      <p:sp>
+        <p:nvSpPr>
+          <p:cNvPr id="1048" name="도형 37"/>
+          <p:cNvSpPr>
+            <a:spLocks/>
+          </p:cNvSpPr>
           <p:nvPr/>
-        </p:nvPicPr>
-        <p:blipFill rotWithShape="1">
-          <a:blip r:embed="rId8" cstate="print">
-            <a:extLst>
-              <a:ext uri="{28A0092B-C50C-407E-A947-70E740481C1C}">
-                <a14:useLocalDpi xmlns:a14="http://schemas.microsoft.com/office/drawing/2010/main" val="0"/>
-              </a:ext>
-            </a:extLst>
-          </a:blip>
-          <a:stretch>
-            <a:fillRect/>
-          </a:stretch>
-        </p:blipFill>
-        <p:spPr>
-          <a:xfrm rot="0">
-            <a:off x="6775450" y="1211580"/>
-            <a:ext cx="1480185" cy="1424305"/>
-          </a:xfrm>
-          <a:prstGeom prst="roundRect"/>
-          <a:solidFill>
-            <a:srgbClr val="EDEDED"/>
-          </a:solidFill>
-        </p:spPr>
-      </p:pic>
-      <p:cxnSp>
-        <p:nvCxnSpPr>
-          <p:cNvPr id="15" name="도형 16"/>
-          <p:cNvCxnSpPr/>
-          <p:nvPr/>
-        </p:nvCxnSpPr>
-        <p:spPr>
-          <a:xfrm rot="0">
-            <a:off x="7806055" y="2344420"/>
-            <a:ext cx="1496695" cy="8890"/>
-          </a:xfrm>
-          <a:prstGeom prst="straightConnector1"/>
-          <a:ln w="6350" cap="flat" cmpd="sng">
-            <a:prstDash/>
-            <a:headEnd type="none" w="med" len="med"/>
-            <a:tailEnd type="triangle" w="med" len="med"/>
-          </a:ln>
+        </p:nvSpPr>
+        <p:spPr>
+          <a:xfrm rot="10800000" flipH="1">
+            <a:off x="1300480" y="1195705"/>
+            <a:ext cx="2679065" cy="620395"/>
+          </a:xfrm>
+          <a:prstGeom prst="curvedUpArrow"/>
         </p:spPr>
         <p:style>
-          <a:lnRef idx="1">
-            <a:schemeClr val="accent1"/>
+          <a:lnRef idx="2">
+            <a:schemeClr val="accent1">
+              <a:shade val="50000"/>
+            </a:schemeClr>
           </a:lnRef>
-          <a:fillRef idx="0">
+          <a:fillRef idx="1">
             <a:schemeClr val="accent1"/>
           </a:fillRef>
           <a:effectRef idx="0">
             <a:schemeClr val="accent1"/>
           </a:effectRef>
           <a:fontRef idx="minor">
-            <a:schemeClr val="tx1"/>
+            <a:schemeClr val="lt1"/>
           </a:fontRef>
         </p:style>
-      </p:cxnSp>
+        <p:txBody>
+          <a:bodyPr wrap="square" lIns="91440" tIns="45720" rIns="91440" bIns="45720" numCol="1" vert="horz" anchor="ctr">
+            <a:noAutofit/>
+          </a:bodyPr>
+          <a:lstStyle/>
+          <a:p>
+            <a:pPr marL="0" indent="0" algn="ctr" latinLnBrk="0" hangingPunct="1">
+              <a:buFontTx/>
+              <a:buNone/>
+            </a:pPr>
+            <a:endParaRPr lang="ko-KR" altLang="en-US" sz="1800">
+              <a:latin typeface="맑은 고딕" charset="0"/>
+              <a:ea typeface="맑은 고딕" charset="0"/>
+            </a:endParaRPr>
+          </a:p>
+        </p:txBody>
+      </p:sp>
+      <p:sp>
+        <p:nvSpPr>
+          <p:cNvPr id="1049" name="텍스트 상자 38"/>
+          <p:cNvSpPr txBox="1">
+            <a:spLocks/>
+          </p:cNvSpPr>
+          <p:nvPr/>
+        </p:nvSpPr>
+        <p:spPr>
+          <a:xfrm rot="0">
+            <a:off x="1038225" y="1822450"/>
+            <a:ext cx="781685" cy="400685"/>
+          </a:xfrm>
+          <a:prstGeom prst="rect"/>
+          <a:noFill/>
+          <a:ln w="0">
+            <a:noFill/>
+            <a:prstDash/>
+          </a:ln>
+        </p:spPr>
+        <p:txBody>
+          <a:bodyPr wrap="square" lIns="89535" tIns="46355" rIns="89535" bIns="46355" numCol="1" vert="horz" anchor="t">
+            <a:spAutoFit/>
+          </a:bodyPr>
+          <a:lstStyle/>
+          <a:p>
+            <a:pPr marL="0" indent="0" algn="l" latinLnBrk="0" hangingPunct="1">
+              <a:buFontTx/>
+              <a:buNone/>
+            </a:pPr>
+            <a:r>
+              <a:rPr lang="ko-KR" sz="2000" b="1">
+                <a:solidFill>
+                  <a:schemeClr val="bg1"/>
+                </a:solidFill>
+                <a:latin typeface="맑은 고딕" charset="0"/>
+                <a:ea typeface="맑은 고딕" charset="0"/>
+              </a:rPr>
+              <a:t>1001</a:t>
+            </a:r>
+            <a:endParaRPr lang="ko-KR" altLang="en-US" sz="2000" b="1">
+              <a:solidFill>
+                <a:schemeClr val="bg1"/>
+              </a:solidFill>
+              <a:latin typeface="맑은 고딕" charset="0"/>
+              <a:ea typeface="맑은 고딕" charset="0"/>
+            </a:endParaRPr>
+          </a:p>
+        </p:txBody>
+      </p:sp>
+      <p:sp>
+        <p:nvSpPr>
+          <p:cNvPr id="1050" name="텍스트 상자 39"/>
+          <p:cNvSpPr txBox="1">
+            <a:spLocks/>
+          </p:cNvSpPr>
+          <p:nvPr/>
+        </p:nvSpPr>
+        <p:spPr>
+          <a:xfrm rot="0">
+            <a:off x="3486150" y="1748790"/>
+            <a:ext cx="782320" cy="401320"/>
+          </a:xfrm>
+          <a:prstGeom prst="rect"/>
+          <a:noFill/>
+          <a:ln w="0">
+            <a:noFill/>
+            <a:prstDash/>
+          </a:ln>
+        </p:spPr>
+        <p:txBody>
+          <a:bodyPr wrap="square" lIns="89535" tIns="46355" rIns="89535" bIns="46355" numCol="1" vert="horz" anchor="t">
+            <a:spAutoFit/>
+          </a:bodyPr>
+          <a:lstStyle/>
+          <a:p>
+            <a:pPr marL="0" indent="0" algn="l" latinLnBrk="0" hangingPunct="1">
+              <a:buFontTx/>
+              <a:buNone/>
+            </a:pPr>
+            <a:r>
+              <a:rPr lang="ko-KR" sz="2000" b="1">
+                <a:solidFill>
+                  <a:schemeClr val="bg1"/>
+                </a:solidFill>
+                <a:latin typeface="맑은 고딕" charset="0"/>
+                <a:ea typeface="맑은 고딕" charset="0"/>
+              </a:rPr>
+              <a:t>1001</a:t>
+            </a:r>
+            <a:endParaRPr lang="ko-KR" altLang="en-US" sz="2000" b="1">
+              <a:solidFill>
+                <a:schemeClr val="bg1"/>
+              </a:solidFill>
+              <a:latin typeface="맑은 고딕" charset="0"/>
+              <a:ea typeface="맑은 고딕" charset="0"/>
+            </a:endParaRPr>
+          </a:p>
+        </p:txBody>
+      </p:sp>
+      <p:sp>
+        <p:nvSpPr>
+          <p:cNvPr id="1051" name="텍스트 상자 40"/>
+          <p:cNvSpPr txBox="1">
+            <a:spLocks/>
+          </p:cNvSpPr>
+          <p:nvPr/>
+        </p:nvSpPr>
+        <p:spPr>
+          <a:xfrm rot="0">
+            <a:off x="1997075" y="2226945"/>
+            <a:ext cx="782320" cy="401320"/>
+          </a:xfrm>
+          <a:prstGeom prst="rect"/>
+          <a:noFill/>
+          <a:ln w="0">
+            <a:noFill/>
+            <a:prstDash/>
+          </a:ln>
+        </p:spPr>
+        <p:txBody>
+          <a:bodyPr wrap="square" lIns="89535" tIns="46355" rIns="89535" bIns="46355" numCol="1" vert="horz" anchor="t">
+            <a:spAutoFit/>
+          </a:bodyPr>
+          <a:lstStyle/>
+          <a:p>
+            <a:pPr marL="0" indent="0" algn="l" latinLnBrk="0" hangingPunct="1">
+              <a:buFontTx/>
+              <a:buNone/>
+            </a:pPr>
+            <a:r>
+              <a:rPr lang="ko-KR" sz="2000" b="1">
+                <a:solidFill>
+                  <a:schemeClr val="bg1"/>
+                </a:solidFill>
+                <a:latin typeface="맑은 고딕" charset="0"/>
+                <a:ea typeface="맑은 고딕" charset="0"/>
+              </a:rPr>
+              <a:t>2000</a:t>
+            </a:r>
+            <a:endParaRPr lang="ko-KR" altLang="en-US" sz="2000" b="1">
+              <a:solidFill>
+                <a:schemeClr val="bg1"/>
+              </a:solidFill>
+              <a:latin typeface="맑은 고딕" charset="0"/>
+              <a:ea typeface="맑은 고딕" charset="0"/>
+            </a:endParaRPr>
+          </a:p>
+        </p:txBody>
+      </p:sp>
+      <p:sp>
+        <p:nvSpPr>
+          <p:cNvPr id="1052" name="텍스트 상자 41"/>
+          <p:cNvSpPr txBox="1">
+            <a:spLocks/>
+          </p:cNvSpPr>
+          <p:nvPr/>
+        </p:nvSpPr>
+        <p:spPr>
+          <a:xfrm rot="0">
+            <a:off x="4448175" y="2222500"/>
+            <a:ext cx="782320" cy="401320"/>
+          </a:xfrm>
+          <a:prstGeom prst="rect"/>
+          <a:noFill/>
+          <a:ln w="0">
+            <a:noFill/>
+            <a:prstDash/>
+          </a:ln>
+        </p:spPr>
+        <p:txBody>
+          <a:bodyPr wrap="square" lIns="89535" tIns="46355" rIns="89535" bIns="46355" numCol="1" vert="horz" anchor="t">
+            <a:spAutoFit/>
+          </a:bodyPr>
+          <a:lstStyle/>
+          <a:p>
+            <a:pPr marL="0" indent="0" algn="l" latinLnBrk="0" hangingPunct="1">
+              <a:buFontTx/>
+              <a:buNone/>
+            </a:pPr>
+            <a:r>
+              <a:rPr lang="ko-KR" sz="2000" b="1">
+                <a:solidFill>
+                  <a:schemeClr val="bg1"/>
+                </a:solidFill>
+                <a:latin typeface="맑은 고딕" charset="0"/>
+                <a:ea typeface="맑은 고딕" charset="0"/>
+              </a:rPr>
+              <a:t>2000</a:t>
+            </a:r>
+            <a:endParaRPr lang="ko-KR" altLang="en-US" sz="2000" b="1">
+              <a:solidFill>
+                <a:schemeClr val="bg1"/>
+              </a:solidFill>
+              <a:latin typeface="맑은 고딕" charset="0"/>
+              <a:ea typeface="맑은 고딕" charset="0"/>
+            </a:endParaRPr>
+          </a:p>
+        </p:txBody>
+      </p:sp>
+      <p:sp>
+        <p:nvSpPr>
+          <p:cNvPr id="1053" name="텍스트 상자 42"/>
+          <p:cNvSpPr txBox="1">
+            <a:spLocks/>
+          </p:cNvSpPr>
+          <p:nvPr/>
+        </p:nvSpPr>
+        <p:spPr>
+          <a:xfrm rot="0">
+            <a:off x="942975" y="1527175"/>
+            <a:ext cx="1019810" cy="400685"/>
+          </a:xfrm>
+          <a:prstGeom prst="rect"/>
+          <a:noFill/>
+          <a:ln w="0">
+            <a:noFill/>
+            <a:prstDash/>
+          </a:ln>
+        </p:spPr>
+        <p:txBody>
+          <a:bodyPr wrap="square" lIns="89535" tIns="46355" rIns="89535" bIns="46355" numCol="1" vert="horz" anchor="t">
+            <a:spAutoFit/>
+          </a:bodyPr>
+          <a:lstStyle/>
+          <a:p>
+            <a:pPr marL="0" indent="0" algn="l" latinLnBrk="0" hangingPunct="1">
+              <a:buFontTx/>
+              <a:buNone/>
+            </a:pPr>
+            <a:r>
+              <a:rPr lang="ko-KR" sz="2000" b="1">
+                <a:solidFill>
+                  <a:srgbClr val="0611F2"/>
+                </a:solidFill>
+                <a:latin typeface="맑은 고딕" charset="0"/>
+                <a:ea typeface="맑은 고딕" charset="0"/>
+              </a:rPr>
+              <a:t>IsMine</a:t>
+            </a:r>
+            <a:endParaRPr lang="ko-KR" altLang="en-US" sz="2000" b="1">
+              <a:solidFill>
+                <a:srgbClr val="0611F2"/>
+              </a:solidFill>
+              <a:latin typeface="맑은 고딕" charset="0"/>
+              <a:ea typeface="맑은 고딕" charset="0"/>
+            </a:endParaRPr>
+          </a:p>
+        </p:txBody>
+      </p:sp>
+      <p:sp>
+        <p:nvSpPr>
+          <p:cNvPr id="1054" name="텍스트 상자 44"/>
+          <p:cNvSpPr txBox="1">
+            <a:spLocks/>
+          </p:cNvSpPr>
+          <p:nvPr/>
+        </p:nvSpPr>
+        <p:spPr>
+          <a:xfrm rot="0">
+            <a:off x="4361815" y="1936115"/>
+            <a:ext cx="1020445" cy="401320"/>
+          </a:xfrm>
+          <a:prstGeom prst="rect"/>
+          <a:noFill/>
+          <a:ln w="0">
+            <a:noFill/>
+            <a:prstDash/>
+          </a:ln>
+        </p:spPr>
+        <p:txBody>
+          <a:bodyPr wrap="square" lIns="89535" tIns="46355" rIns="89535" bIns="46355" numCol="1" vert="horz" anchor="t">
+            <a:spAutoFit/>
+          </a:bodyPr>
+          <a:lstStyle/>
+          <a:p>
+            <a:pPr marL="0" indent="0" algn="l" latinLnBrk="0" hangingPunct="1">
+              <a:buFontTx/>
+              <a:buNone/>
+            </a:pPr>
+            <a:r>
+              <a:rPr lang="ko-KR" sz="2000" b="1">
+                <a:solidFill>
+                  <a:srgbClr val="80007F"/>
+                </a:solidFill>
+                <a:latin typeface="맑은 고딕" charset="0"/>
+                <a:ea typeface="맑은 고딕" charset="0"/>
+              </a:rPr>
+              <a:t>IsMine</a:t>
+            </a:r>
+            <a:endParaRPr lang="ko-KR" altLang="en-US" sz="2000" b="1">
+              <a:solidFill>
+                <a:srgbClr val="80007F"/>
+              </a:solidFill>
+              <a:latin typeface="맑은 고딕" charset="0"/>
+              <a:ea typeface="맑은 고딕" charset="0"/>
+            </a:endParaRPr>
+          </a:p>
+        </p:txBody>
+      </p:sp>
       <p:pic>
         <p:nvPicPr>
-          <p:cNvPr id="17" name="그림 32" descr="C:/Users/Admin1/AppData/Roaming/PolarisOffice/ETemp/21612_20234488/fImage115161876500.png"/>
+          <p:cNvPr id="1055" name="그림 6" descr="C:/Users/Admin1/AppData/Roaming/PolarisOffice/ETemp/21612_20234488/fImage1928117041.png"/>
           <p:cNvPicPr>
             <a:picLocks noChangeAspect="1"/>
           </p:cNvPicPr>
@@ -9039,8 +9175,8 @@
         </p:blipFill>
         <p:spPr>
           <a:xfrm rot="0">
-            <a:off x="6773545" y="3596640"/>
-            <a:ext cx="1340485" cy="1433195"/>
+            <a:off x="6806565" y="1445260"/>
+            <a:ext cx="4065905" cy="3571875"/>
           </a:xfrm>
           <a:prstGeom prst="roundRect"/>
           <a:solidFill>
@@ -9048,40 +9184,9 @@
           </a:solidFill>
         </p:spPr>
       </p:pic>
-      <p:pic>
-        <p:nvPicPr>
-          <p:cNvPr id="18" name="그림 35" descr="C:/Users/Admin1/AppData/Roaming/PolarisOffice/ETemp/21612_20234488/fImage54801899169.png"/>
-          <p:cNvPicPr>
-            <a:picLocks noChangeAspect="1"/>
-          </p:cNvPicPr>
-          <p:nvPr/>
-        </p:nvPicPr>
-        <p:blipFill rotWithShape="1">
-          <a:blip r:embed="rId10" cstate="print">
-            <a:extLst>
-              <a:ext uri="{28A0092B-C50C-407E-A947-70E740481C1C}">
-                <a14:useLocalDpi xmlns:a14="http://schemas.microsoft.com/office/drawing/2010/main" val="0"/>
-              </a:ext>
-            </a:extLst>
-          </a:blip>
-          <a:stretch>
-            <a:fillRect/>
-          </a:stretch>
-        </p:blipFill>
-        <p:spPr>
-          <a:xfrm rot="0">
-            <a:off x="8252460" y="3607435"/>
-            <a:ext cx="2721610" cy="1430655"/>
-          </a:xfrm>
-          <a:prstGeom prst="roundRect"/>
-          <a:solidFill>
-            <a:srgbClr val="EDEDED"/>
-          </a:solidFill>
-        </p:spPr>
-      </p:pic>
-      <p:sp>
-        <p:nvSpPr>
-          <p:cNvPr id="19" name="텍스트 상자 38"/>
+      <p:sp>
+        <p:nvSpPr>
+          <p:cNvPr id="1056" name="텍스트 상자 9"/>
           <p:cNvSpPr txBox="1">
             <a:spLocks/>
           </p:cNvSpPr>
@@ -9089,8 +9194,8 @@
         </p:nvSpPr>
         <p:spPr>
           <a:xfrm rot="0">
-            <a:off x="6779260" y="5196205"/>
-            <a:ext cx="4191635" cy="923925"/>
+            <a:off x="6797675" y="5294630"/>
+            <a:ext cx="4057015" cy="647065"/>
           </a:xfrm>
           <a:prstGeom prst="rect"/>
           <a:noFill/>
@@ -9110,16 +9215,6 @@
               <a:buNone/>
             </a:pPr>
             <a:r>
-              <a:rPr lang="ko-KR" sz="1800" b="1">
-                <a:solidFill>
-                  <a:srgbClr val="0611F2"/>
-                </a:solidFill>
-                <a:latin typeface="맑은 고딕" charset="0"/>
-                <a:ea typeface="맑은 고딕" charset="0"/>
-              </a:rPr>
-              <a:t>4</a:t>
-            </a:r>
-            <a:r>
               <a:rPr sz="1800" b="1">
                 <a:solidFill>
                   <a:srgbClr val="0611F2"/>
@@ -9127,7 +9222,7 @@
                 <a:latin typeface="맑은 고딕" charset="0"/>
                 <a:ea typeface="맑은 고딕" charset="0"/>
               </a:rPr>
-              <a:t>.</a:t>
+              <a:t>1.</a:t>
             </a:r>
             <a:r>
               <a:rPr sz="1800">
@@ -9137,18 +9232,11 @@
               <a:t> </a:t>
             </a:r>
             <a:r>
-              <a:rPr sz="1800">
-                <a:latin typeface="맑은 고딕" charset="0"/>
-                <a:ea typeface="맑은 고딕" charset="0"/>
-              </a:rPr>
-              <a:t>이</a:t>
-            </a:r>
-            <a:r>
               <a:rPr lang="ko-KR" sz="1800">
                 <a:latin typeface="맑은 고딕" charset="0"/>
                 <a:ea typeface="맑은 고딕" charset="0"/>
               </a:rPr>
-              <a:t>제 Content 오브젝트를 선택하고 Veritical Layout Group 컴포넌트를 추가합니다.</a:t>
+              <a:t>첫 번째로 UI를 선택하고 Scroll View를 생성합니다.</a:t>
             </a:r>
             <a:endParaRPr lang="ko-KR" altLang="en-US" sz="1800">
               <a:latin typeface="맑은 고딕" charset="0"/>
@@ -9199,7 +9287,7 @@
       </p:grpSpPr>
       <p:sp>
         <p:nvSpPr>
-          <p:cNvPr id="2" name="텍스트 상자 1"/>
+          <p:cNvPr id="2" name="Rect 0"/>
           <p:cNvSpPr txBox="1">
             <a:spLocks/>
           </p:cNvSpPr>
@@ -9207,8 +9295,8 @@
         </p:nvSpPr>
         <p:spPr>
           <a:xfrm rot="0">
-            <a:off x="4509135" y="377825"/>
-            <a:ext cx="3181350" cy="554990"/>
+            <a:off x="4509135" y="361315"/>
+            <a:ext cx="3173730" cy="554990"/>
           </a:xfrm>
           <a:prstGeom prst="rect"/>
           <a:noFill/>
@@ -9232,7 +9320,14 @@
                 <a:latin typeface="맑은 고딕" charset="0"/>
                 <a:ea typeface="맑은 고딕" charset="0"/>
               </a:rPr>
-              <a:t>세 번째 튜토리얼</a:t>
+              <a:t>두</a:t>
+            </a:r>
+            <a:r>
+              <a:rPr lang="ko-KR" sz="3000" b="1">
+                <a:latin typeface="맑은 고딕" charset="0"/>
+                <a:ea typeface="맑은 고딕" charset="0"/>
+              </a:rPr>
+              <a:t> 번째 튜토리얼</a:t>
             </a:r>
             <a:r>
               <a:rPr sz="3000" b="1">
@@ -9250,7 +9345,7 @@
       </p:sp>
       <p:sp>
         <p:nvSpPr>
-          <p:cNvPr id="3" name="텍스트 상자 2"/>
+          <p:cNvPr id="6" name="Rect 0"/>
           <p:cNvSpPr txBox="1">
             <a:spLocks/>
           </p:cNvSpPr>
@@ -9258,8 +9353,8 @@
         </p:nvSpPr>
         <p:spPr>
           <a:xfrm rot="0">
-            <a:off x="1333500" y="3121025"/>
-            <a:ext cx="4030345" cy="925195"/>
+            <a:off x="1239520" y="4368165"/>
+            <a:ext cx="4190365" cy="1754505"/>
           </a:xfrm>
           <a:prstGeom prst="rect"/>
           <a:noFill/>
@@ -9279,29 +9374,220 @@
               <a:buNone/>
             </a:pPr>
             <a:r>
+              <a:rPr sz="1800" b="1">
+                <a:solidFill>
+                  <a:srgbClr val="0611F2"/>
+                </a:solidFill>
+                <a:latin typeface="맑은 고딕" charset="0"/>
+                <a:ea typeface="맑은 고딕" charset="0"/>
+              </a:rPr>
+              <a:t>2</a:t>
+            </a:r>
+            <a:r>
+              <a:rPr sz="1800" b="1">
+                <a:solidFill>
+                  <a:srgbClr val="0611F2"/>
+                </a:solidFill>
+                <a:latin typeface="맑은 고딕" charset="0"/>
+                <a:ea typeface="맑은 고딕" charset="0"/>
+              </a:rPr>
+              <a:t>.</a:t>
+            </a:r>
+            <a:r>
               <a:rPr sz="1800">
                 <a:latin typeface="맑은 고딕" charset="0"/>
                 <a:ea typeface="맑은 고딕" charset="0"/>
               </a:rPr>
-              <a:t>Content Size Fitter : UI의 크기에 따라 유동적으로 UI의 크기를 조절할 수 있는 컴포넌트입니다. </a:t>
+              <a:t> </a:t>
+            </a:r>
+            <a:r>
+              <a:rPr sz="1800">
+                <a:latin typeface="맑은 고딕" charset="0"/>
+                <a:ea typeface="맑은 고딕" charset="0"/>
+              </a:rPr>
+              <a:t>그</a:t>
+            </a:r>
+            <a:r>
+              <a:rPr lang="ko-KR" sz="1800">
+                <a:latin typeface="맑은 고딕" charset="0"/>
+                <a:ea typeface="맑은 고딕" charset="0"/>
+              </a:rPr>
+              <a:t>런 다음 </a:t>
+            </a:r>
+            <a:r>
+              <a:rPr lang="ko-KR" sz="1800">
+                <a:latin typeface="맑은 고딕" charset="0"/>
+                <a:ea typeface="맑은 고딕" charset="0"/>
+              </a:rPr>
+              <a:t>Scroll View에 Content의 하위 오브젝트로 Text UI를 추가하고 이름을 String으로 변경합니다.</a:t>
             </a:r>
             <a:endParaRPr lang="ko-KR" altLang="en-US" sz="1800">
               <a:latin typeface="맑은 고딕" charset="0"/>
               <a:ea typeface="맑은 고딕" charset="0"/>
             </a:endParaRPr>
           </a:p>
+          <a:p>
+            <a:pPr marL="0" indent="0" rtl="0" algn="l" defTabSz="914400" eaLnBrk="1" latinLnBrk="0" hangingPunct="1">
+              <a:buFontTx/>
+              <a:buNone/>
+            </a:pPr>
+            <a:endParaRPr lang="ko-KR" altLang="en-US" sz="1800">
+              <a:latin typeface="맑은 고딕" charset="0"/>
+              <a:ea typeface="맑은 고딕" charset="0"/>
+            </a:endParaRPr>
+          </a:p>
+          <a:p>
+            <a:pPr marL="0" indent="0" rtl="0" algn="l" defTabSz="914400" eaLnBrk="1" latinLnBrk="0" hangingPunct="1">
+              <a:buFontTx/>
+              <a:buNone/>
+            </a:pPr>
+            <a:r>
+              <a:rPr lang="ko-KR" sz="1800">
+                <a:latin typeface="맑은 고딕" charset="0"/>
+                <a:ea typeface="맑은 고딕" charset="0"/>
+              </a:rPr>
+              <a:t>그리고 Content Size Fitter 컴포넌트를 추가합니다.</a:t>
+            </a:r>
+            <a:endParaRPr lang="ko-KR" altLang="en-US" sz="1800">
+              <a:latin typeface="맑은 고딕" charset="0"/>
+              <a:ea typeface="맑은 고딕" charset="0"/>
+            </a:endParaRPr>
+          </a:p>
+        </p:txBody>
+      </p:sp>
+      <p:sp>
+        <p:nvSpPr>
+          <p:cNvPr id="7" name="Rect 0"/>
+          <p:cNvSpPr txBox="1">
+            <a:spLocks/>
+          </p:cNvSpPr>
+          <p:nvPr/>
+        </p:nvSpPr>
+        <p:spPr>
+          <a:xfrm rot="0">
+            <a:off x="6774180" y="2780665"/>
+            <a:ext cx="4191635" cy="647065"/>
+          </a:xfrm>
+          <a:prstGeom prst="rect"/>
+          <a:noFill/>
+          <a:ln w="0">
+            <a:noFill/>
+            <a:prstDash/>
+          </a:ln>
+        </p:spPr>
+        <p:txBody>
+          <a:bodyPr wrap="square" lIns="89535" tIns="46355" rIns="89535" bIns="46355" numCol="1" vert="horz" anchor="t">
+            <a:spAutoFit/>
+          </a:bodyPr>
+          <a:lstStyle/>
+          <a:p>
+            <a:pPr marL="0" indent="0" rtl="0" algn="l" defTabSz="914400" eaLnBrk="1" latinLnBrk="0" hangingPunct="1">
+              <a:buFontTx/>
+              <a:buNone/>
+            </a:pPr>
+            <a:r>
+              <a:rPr sz="1800" b="1">
+                <a:solidFill>
+                  <a:srgbClr val="0611F2"/>
+                </a:solidFill>
+                <a:latin typeface="맑은 고딕" charset="0"/>
+                <a:ea typeface="맑은 고딕" charset="0"/>
+              </a:rPr>
+              <a:t>3</a:t>
+            </a:r>
+            <a:r>
+              <a:rPr sz="1800" b="1">
+                <a:solidFill>
+                  <a:srgbClr val="0611F2"/>
+                </a:solidFill>
+                <a:latin typeface="맑은 고딕" charset="0"/>
+                <a:ea typeface="맑은 고딕" charset="0"/>
+              </a:rPr>
+              <a:t>.</a:t>
+            </a:r>
+            <a:r>
+              <a:rPr sz="1800">
+                <a:latin typeface="맑은 고딕" charset="0"/>
+                <a:ea typeface="맑은 고딕" charset="0"/>
+              </a:rPr>
+              <a:t> 그</a:t>
+            </a:r>
+            <a:r>
+              <a:rPr lang="ko-KR" sz="1800">
+                <a:latin typeface="맑은 고딕" charset="0"/>
+                <a:ea typeface="맑은 고딕" charset="0"/>
+              </a:rPr>
+              <a:t>다음 String </a:t>
+            </a:r>
+            <a:r>
+              <a:rPr lang="ko-KR" sz="1800">
+                <a:latin typeface="맑은 고딕" charset="0"/>
+                <a:ea typeface="맑은 고딕" charset="0"/>
+              </a:rPr>
+              <a:t>오브젝트</a:t>
+            </a:r>
+            <a:r>
+              <a:rPr lang="ko-KR" sz="1800">
+                <a:latin typeface="맑은 고딕" charset="0"/>
+                <a:ea typeface="맑은 고딕" charset="0"/>
+              </a:rPr>
+              <a:t>를 Resources 폴더에 넣고 프리팹으로 </a:t>
+            </a:r>
+            <a:r>
+              <a:rPr lang="ko-KR" sz="1800">
+                <a:latin typeface="맑은 고딕" charset="0"/>
+                <a:ea typeface="맑은 고딕" charset="0"/>
+              </a:rPr>
+              <a:t>설정합니다.</a:t>
+            </a:r>
+            <a:endParaRPr lang="ko-KR" altLang="en-US" sz="1800">
+              <a:latin typeface="맑은 고딕" charset="0"/>
+              <a:ea typeface="맑은 고딕" charset="0"/>
+            </a:endParaRPr>
+          </a:p>
         </p:txBody>
       </p:sp>
       <p:pic>
         <p:nvPicPr>
-          <p:cNvPr id="8" name="그림 7" descr="C:/Users/Admin1/AppData/Roaming/PolarisOffice/ETemp/21612_20234488/fImage603472316500.png"/>
+          <p:cNvPr id="10" name="그림 18"/>
           <p:cNvPicPr>
             <a:picLocks noChangeAspect="1"/>
           </p:cNvPicPr>
           <p:nvPr/>
         </p:nvPicPr>
         <p:blipFill rotWithShape="1">
-          <a:blip r:embed="rId5" cstate="hqprint">
+          <a:blip r:embed="rId2" cstate="print">
+            <a:extLst>
+              <a:ext uri="{28A0092B-C50C-407E-A947-70E740481C1C}">
+                <a14:useLocalDpi xmlns:a14="http://schemas.microsoft.com/office/drawing/2010/main" val="0"/>
+              </a:ext>
+            </a:extLst>
+          </a:blip>
+          <a:stretch>
+            <a:fillRect/>
+          </a:stretch>
+        </p:blipFill>
+        <p:spPr>
+          <a:xfrm rot="0">
+            <a:off x="3858895" y="1209675"/>
+            <a:ext cx="1581785" cy="877570"/>
+          </a:xfrm>
+          <a:prstGeom prst="roundRect"/>
+          <a:solidFill>
+            <a:srgbClr val="EDEDED"/>
+          </a:solidFill>
+        </p:spPr>
+      </p:pic>
+      <p:pic>
+        <p:nvPicPr>
+          <p:cNvPr id="11" name="그림 21"/>
+          <p:cNvPicPr>
+            <a:picLocks noChangeAspect="1"/>
+          </p:cNvPicPr>
+          <p:nvPr/>
+        </p:nvPicPr>
+        <p:blipFill rotWithShape="1">
+          <a:blip r:embed="rId3" cstate="hqprint">
             <a:extLst>
               <a:ext uri="{28A0092B-C50C-407E-A947-70E740481C1C}">
                 <a14:useLocalDpi xmlns:a14="http://schemas.microsoft.com/office/drawing/2010/main"/>
@@ -9314,8 +9600,8 @@
         </p:blipFill>
         <p:spPr>
           <a:xfrm rot="0">
-            <a:off x="1322070" y="1380490"/>
-            <a:ext cx="4042410" cy="1642110"/>
+            <a:off x="1231265" y="2312670"/>
+            <a:ext cx="4206240" cy="1877695"/>
           </a:xfrm>
           <a:prstGeom prst="roundRect"/>
           <a:solidFill>
@@ -9325,17 +9611,17 @@
       </p:pic>
       <p:pic>
         <p:nvPicPr>
-          <p:cNvPr id="9" name="그림 41" descr="C:/Users/Admin1/AppData/Roaming/PolarisOffice/ETemp/21612_20234488/fImage191501945724.png"/>
+          <p:cNvPr id="12" name="그림 22"/>
           <p:cNvPicPr>
             <a:picLocks noChangeAspect="1"/>
           </p:cNvPicPr>
           <p:nvPr/>
         </p:nvPicPr>
         <p:blipFill rotWithShape="1">
-          <a:blip r:embed="rId7" cstate="hqprint">
+          <a:blip r:embed="rId4" cstate="print">
             <a:extLst>
               <a:ext uri="{28A0092B-C50C-407E-A947-70E740481C1C}">
-                <a14:useLocalDpi xmlns:a14="http://schemas.microsoft.com/office/drawing/2010/main"/>
+                <a14:useLocalDpi xmlns:a14="http://schemas.microsoft.com/office/drawing/2010/main" val="0"/>
               </a:ext>
             </a:extLst>
           </a:blip>
@@ -9345,8 +9631,8 @@
         </p:blipFill>
         <p:spPr>
           <a:xfrm rot="0">
-            <a:off x="6808470" y="1383665"/>
-            <a:ext cx="2345055" cy="3796030"/>
+            <a:off x="1236980" y="1211580"/>
+            <a:ext cx="2153285" cy="876935"/>
           </a:xfrm>
           <a:prstGeom prst="roundRect"/>
           <a:solidFill>
@@ -9356,7 +9642,38 @@
       </p:pic>
       <p:pic>
         <p:nvPicPr>
-          <p:cNvPr id="10" name="그림 42" descr="C:/Users/Admin1/AppData/Roaming/PolarisOffice/ETemp/21612_20234488/fImage122231951478.png"/>
+          <p:cNvPr id="14" name="그림 15" descr="C:/Users/Admin1/AppData/Roaming/PolarisOffice/ETemp/21612_20234488/fImage54331748467.png"/>
+          <p:cNvPicPr>
+            <a:picLocks noChangeAspect="1"/>
+          </p:cNvPicPr>
+          <p:nvPr/>
+        </p:nvPicPr>
+        <p:blipFill rotWithShape="1">
+          <a:blip r:embed="rId7" cstate="print">
+            <a:extLst>
+              <a:ext uri="{28A0092B-C50C-407E-A947-70E740481C1C}">
+                <a14:useLocalDpi xmlns:a14="http://schemas.microsoft.com/office/drawing/2010/main" val="0"/>
+              </a:ext>
+            </a:extLst>
+          </a:blip>
+          <a:stretch>
+            <a:fillRect/>
+          </a:stretch>
+        </p:blipFill>
+        <p:spPr>
+          <a:xfrm rot="0">
+            <a:off x="8404860" y="1230630"/>
+            <a:ext cx="2565400" cy="1416050"/>
+          </a:xfrm>
+          <a:prstGeom prst="roundRect"/>
+          <a:solidFill>
+            <a:srgbClr val="EDEDED"/>
+          </a:solidFill>
+        </p:spPr>
+      </p:pic>
+      <p:pic>
+        <p:nvPicPr>
+          <p:cNvPr id="16" name="그림 29" descr="C:/Users/Admin1/AppData/Roaming/PolarisOffice/ETemp/21612_20234488/fImage114731866334.png"/>
           <p:cNvPicPr>
             <a:picLocks noChangeAspect="1"/>
           </p:cNvPicPr>
@@ -9376,8 +9693,8 @@
         </p:blipFill>
         <p:spPr>
           <a:xfrm rot="0">
-            <a:off x="9327515" y="2270760"/>
-            <a:ext cx="1621155" cy="2134235"/>
+            <a:off x="6775450" y="1211580"/>
+            <a:ext cx="1480185" cy="1424305"/>
           </a:xfrm>
           <a:prstGeom prst="roundRect"/>
           <a:solidFill>
@@ -9385,87 +9702,42 @@
           </a:solidFill>
         </p:spPr>
       </p:pic>
-      <p:sp>
-        <p:nvSpPr>
-          <p:cNvPr id="11" name="텍스트 상자 45"/>
-          <p:cNvSpPr txBox="1">
-            <a:spLocks/>
-          </p:cNvSpPr>
+      <p:cxnSp>
+        <p:nvCxnSpPr>
+          <p:cNvPr id="15" name="도형 16"/>
+          <p:cNvCxnSpPr/>
           <p:nvPr/>
-        </p:nvSpPr>
-        <p:spPr>
-          <a:xfrm rot="0">
-            <a:off x="6816725" y="5348605"/>
-            <a:ext cx="4123690" cy="647065"/>
-          </a:xfrm>
-          <a:prstGeom prst="rect"/>
-          <a:noFill/>
-          <a:ln w="0">
-            <a:noFill/>
+        </p:nvCxnSpPr>
+        <p:spPr>
+          <a:xfrm rot="0">
+            <a:off x="7806055" y="2344420"/>
+            <a:ext cx="1496695" cy="8890"/>
+          </a:xfrm>
+          <a:prstGeom prst="straightConnector1"/>
+          <a:ln w="6350" cap="flat" cmpd="sng">
             <a:prstDash/>
+            <a:headEnd type="none" w="med" len="med"/>
+            <a:tailEnd type="triangle" w="med" len="med"/>
           </a:ln>
         </p:spPr>
-        <p:txBody>
-          <a:bodyPr wrap="square" lIns="89535" tIns="46355" rIns="89535" bIns="46355" numCol="1" vert="horz" anchor="t">
-            <a:spAutoFit/>
-          </a:bodyPr>
-          <a:lstStyle/>
-          <a:p>
-            <a:pPr marL="0" indent="0" rtl="0" algn="l" defTabSz="914400" eaLnBrk="1" latinLnBrk="0" hangingPunct="1">
-              <a:buFontTx/>
-              <a:buNone/>
-            </a:pPr>
-            <a:r>
-              <a:rPr lang="ko-KR" sz="1800" b="1">
-                <a:solidFill>
-                  <a:srgbClr val="0611F2"/>
-                </a:solidFill>
-                <a:latin typeface="맑은 고딕" charset="0"/>
-                <a:ea typeface="맑은 고딕" charset="0"/>
-              </a:rPr>
-              <a:t>6</a:t>
-            </a:r>
-            <a:r>
-              <a:rPr sz="1800" b="1">
-                <a:solidFill>
-                  <a:srgbClr val="0611F2"/>
-                </a:solidFill>
-                <a:latin typeface="맑은 고딕" charset="0"/>
-                <a:ea typeface="맑은 고딕" charset="0"/>
-              </a:rPr>
-              <a:t>.</a:t>
-            </a:r>
-            <a:r>
-              <a:rPr sz="1800">
-                <a:latin typeface="맑은 고딕" charset="0"/>
-                <a:ea typeface="맑은 고딕" charset="0"/>
-              </a:rPr>
-              <a:t> </a:t>
-            </a:r>
-            <a:r>
-              <a:rPr lang="ko-KR" sz="1800">
-                <a:latin typeface="맑은 고딕" charset="0"/>
-                <a:ea typeface="맑은 고딕" charset="0"/>
-              </a:rPr>
-              <a:t>그다음으로 UI에 Input Field를 추가합니다.</a:t>
-            </a:r>
-            <a:r>
-              <a:rPr sz="1800">
-                <a:latin typeface="맑은 고딕" charset="0"/>
-                <a:ea typeface="맑은 고딕" charset="0"/>
-              </a:rPr>
-              <a:t> </a:t>
-            </a:r>
-            <a:endParaRPr lang="ko-KR" altLang="en-US" sz="1800">
-              <a:latin typeface="맑은 고딕" charset="0"/>
-              <a:ea typeface="맑은 고딕" charset="0"/>
-            </a:endParaRPr>
-          </a:p>
-        </p:txBody>
-      </p:sp>
+        <p:style>
+          <a:lnRef idx="1">
+            <a:schemeClr val="accent1"/>
+          </a:lnRef>
+          <a:fillRef idx="0">
+            <a:schemeClr val="accent1"/>
+          </a:fillRef>
+          <a:effectRef idx="0">
+            <a:schemeClr val="accent1"/>
+          </a:effectRef>
+          <a:fontRef idx="minor">
+            <a:schemeClr val="tx1"/>
+          </a:fontRef>
+        </p:style>
+      </p:cxnSp>
       <p:pic>
         <p:nvPicPr>
-          <p:cNvPr id="12" name="그림 94" descr="C:/Users/Admin1/AppData/Roaming/PolarisOffice/ETemp/21612_20234488/fImage125483459358.png"/>
+          <p:cNvPr id="17" name="그림 32" descr="C:/Users/Admin1/AppData/Roaming/PolarisOffice/ETemp/21612_20234488/fImage115161876500.png"/>
           <p:cNvPicPr>
             <a:picLocks noChangeAspect="1"/>
           </p:cNvPicPr>
@@ -9485,8 +9757,8 @@
         </p:blipFill>
         <p:spPr>
           <a:xfrm rot="0">
-            <a:off x="1330325" y="4116070"/>
-            <a:ext cx="4030345" cy="1106170"/>
+            <a:off x="6773545" y="3596640"/>
+            <a:ext cx="1340485" cy="1433195"/>
           </a:xfrm>
           <a:prstGeom prst="roundRect"/>
           <a:solidFill>
@@ -9494,9 +9766,40 @@
           </a:solidFill>
         </p:spPr>
       </p:pic>
-      <p:sp>
-        <p:nvSpPr>
-          <p:cNvPr id="13" name="텍스트 상자 97"/>
+      <p:pic>
+        <p:nvPicPr>
+          <p:cNvPr id="18" name="그림 35" descr="C:/Users/Admin1/AppData/Roaming/PolarisOffice/ETemp/21612_20234488/fImage54801899169.png"/>
+          <p:cNvPicPr>
+            <a:picLocks noChangeAspect="1"/>
+          </p:cNvPicPr>
+          <p:nvPr/>
+        </p:nvPicPr>
+        <p:blipFill rotWithShape="1">
+          <a:blip r:embed="rId10" cstate="print">
+            <a:extLst>
+              <a:ext uri="{28A0092B-C50C-407E-A947-70E740481C1C}">
+                <a14:useLocalDpi xmlns:a14="http://schemas.microsoft.com/office/drawing/2010/main" val="0"/>
+              </a:ext>
+            </a:extLst>
+          </a:blip>
+          <a:stretch>
+            <a:fillRect/>
+          </a:stretch>
+        </p:blipFill>
+        <p:spPr>
+          <a:xfrm rot="0">
+            <a:off x="8252460" y="3607435"/>
+            <a:ext cx="2721610" cy="1430655"/>
+          </a:xfrm>
+          <a:prstGeom prst="roundRect"/>
+          <a:solidFill>
+            <a:srgbClr val="EDEDED"/>
+          </a:solidFill>
+        </p:spPr>
+      </p:pic>
+      <p:sp>
+        <p:nvSpPr>
+          <p:cNvPr id="19" name="텍스트 상자 38"/>
           <p:cNvSpPr txBox="1">
             <a:spLocks/>
           </p:cNvSpPr>
@@ -9504,8 +9807,8 @@
         </p:nvSpPr>
         <p:spPr>
           <a:xfrm rot="0">
-            <a:off x="1337945" y="5334000"/>
-            <a:ext cx="4031615" cy="647065"/>
+            <a:off x="6779260" y="5196205"/>
+            <a:ext cx="4191635" cy="923925"/>
           </a:xfrm>
           <a:prstGeom prst="rect"/>
           <a:noFill/>
@@ -9532,7 +9835,7 @@
                 <a:latin typeface="맑은 고딕" charset="0"/>
                 <a:ea typeface="맑은 고딕" charset="0"/>
               </a:rPr>
-              <a:t>5</a:t>
+              <a:t>4</a:t>
             </a:r>
             <a:r>
               <a:rPr sz="1800" b="1">
@@ -9552,11 +9855,18 @@
               <a:t> </a:t>
             </a:r>
             <a:r>
+              <a:rPr sz="1800">
+                <a:latin typeface="맑은 고딕" charset="0"/>
+                <a:ea typeface="맑은 고딕" charset="0"/>
+              </a:rPr>
+              <a:t>이</a:t>
+            </a:r>
+            <a:r>
               <a:rPr lang="ko-KR" sz="1800">
                 <a:latin typeface="맑은 고딕" charset="0"/>
                 <a:ea typeface="맑은 고딕" charset="0"/>
               </a:rPr>
-              <a:t>그리고 Scroll View 오브젝트의 크기와 앵커를 설정합니다.</a:t>
+              <a:t>제 Content 오브젝트를 선택하고 Veritical Layout Group 컴포넌트를 추가합니다.</a:t>
             </a:r>
             <a:endParaRPr lang="ko-KR" altLang="en-US" sz="1800">
               <a:latin typeface="맑은 고딕" charset="0"/>
@@ -9607,16 +9917,16 @@
       </p:grpSpPr>
       <p:sp>
         <p:nvSpPr>
-          <p:cNvPr id="2" name="텍스트 상자 10"/>
+          <p:cNvPr id="2" name="텍스트 상자 1"/>
           <p:cNvSpPr txBox="1">
             <a:spLocks/>
           </p:cNvSpPr>
           <p:nvPr/>
         </p:nvSpPr>
         <p:spPr>
-          <a:xfrm>
-            <a:off x="4525645" y="369570"/>
-            <a:ext cx="3140710" cy="554990"/>
+          <a:xfrm rot="0">
+            <a:off x="4509135" y="377825"/>
+            <a:ext cx="3181350" cy="554990"/>
           </a:xfrm>
           <a:prstGeom prst="rect"/>
           <a:noFill/>
@@ -9640,14 +9950,7 @@
                 <a:latin typeface="맑은 고딕" charset="0"/>
                 <a:ea typeface="맑은 고딕" charset="0"/>
               </a:rPr>
-              <a:t>네</a:t>
-            </a:r>
-            <a:r>
-              <a:rPr lang="ko-KR" sz="3000" b="1">
-                <a:latin typeface="맑은 고딕" charset="0"/>
-                <a:ea typeface="맑은 고딕" charset="0"/>
-              </a:rPr>
-              <a:t> 번째 튜토리얼</a:t>
+              <a:t>세 번째 튜토리얼</a:t>
             </a:r>
             <a:r>
               <a:rPr sz="3000" b="1">
@@ -9663,71 +9966,9 @@
           </a:p>
         </p:txBody>
       </p:sp>
-      <p:pic>
-        <p:nvPicPr>
-          <p:cNvPr id="3" name="그림 11" descr="C:/Users/Admin1/AppData/Roaming/PolarisOffice/ETemp/21612_20234488/fImage240861709169.png"/>
-          <p:cNvPicPr>
-            <a:picLocks noChangeAspect="1"/>
-          </p:cNvPicPr>
-          <p:nvPr/>
-        </p:nvPicPr>
-        <p:blipFill rotWithShape="1">
-          <a:blip r:embed="rId2" cstate="hqprint">
-            <a:extLst>
-              <a:ext uri="{28A0092B-C50C-407E-A947-70E740481C1C}">
-                <a14:useLocalDpi xmlns:a14="http://schemas.microsoft.com/office/drawing/2010/main"/>
-              </a:ext>
-            </a:extLst>
-          </a:blip>
-          <a:stretch>
-            <a:fillRect/>
-          </a:stretch>
-        </p:blipFill>
-        <p:spPr>
-          <a:xfrm rot="0">
-            <a:off x="1231265" y="1263650"/>
-            <a:ext cx="4058285" cy="2710815"/>
-          </a:xfrm>
-          <a:prstGeom prst="roundRect"/>
-          <a:solidFill>
-            <a:srgbClr val="EDEDED"/>
-          </a:solidFill>
-        </p:spPr>
-      </p:pic>
-      <p:pic>
-        <p:nvPicPr>
-          <p:cNvPr id="4" name="그림 12" descr="C:/Users/Admin1/AppData/Roaming/PolarisOffice/ETemp/21612_20234488/fImage64291715724.png"/>
-          <p:cNvPicPr>
-            <a:picLocks noChangeAspect="1"/>
-          </p:cNvPicPr>
-          <p:nvPr/>
-        </p:nvPicPr>
-        <p:blipFill rotWithShape="1">
-          <a:blip r:embed="rId3" cstate="hqprint">
-            <a:extLst>
-              <a:ext uri="{28A0092B-C50C-407E-A947-70E740481C1C}">
-                <a14:useLocalDpi xmlns:a14="http://schemas.microsoft.com/office/drawing/2010/main"/>
-              </a:ext>
-            </a:extLst>
-          </a:blip>
-          <a:stretch>
-            <a:fillRect/>
-          </a:stretch>
-        </p:blipFill>
-        <p:spPr>
-          <a:xfrm rot="0">
-            <a:off x="6866255" y="3350895"/>
-            <a:ext cx="4036695" cy="1031240"/>
-          </a:xfrm>
-          <a:prstGeom prst="roundRect"/>
-          <a:solidFill>
-            <a:srgbClr val="EDEDED"/>
-          </a:solidFill>
-        </p:spPr>
-      </p:pic>
-      <p:sp>
-        <p:nvSpPr>
-          <p:cNvPr id="6" name="텍스트 상자 14"/>
+      <p:sp>
+        <p:nvSpPr>
+          <p:cNvPr id="3" name="텍스트 상자 2"/>
           <p:cNvSpPr txBox="1">
             <a:spLocks/>
           </p:cNvSpPr>
@@ -9735,8 +9976,8 @@
         </p:nvSpPr>
         <p:spPr>
           <a:xfrm rot="0">
-            <a:off x="1231265" y="5304155"/>
-            <a:ext cx="4056380" cy="923925"/>
+            <a:off x="1333500" y="3121025"/>
+            <a:ext cx="4030345" cy="925195"/>
           </a:xfrm>
           <a:prstGeom prst="rect"/>
           <a:noFill/>
@@ -9760,7 +10001,7 @@
                 <a:latin typeface="맑은 고딕" charset="0"/>
                 <a:ea typeface="맑은 고딕" charset="0"/>
               </a:rPr>
-              <a:t>Preferred Size : 기본적인 콘텐츠의 크기와 UI(Text, Image, Button)의 크기에 따라 맞추어주는 옵션입니다.</a:t>
+              <a:t>Content Size Fitter : UI의 크기에 따라 유동적으로 UI의 크기를 조절할 수 있는 컴포넌트입니다. </a:t>
             </a:r>
             <a:endParaRPr lang="ko-KR" altLang="en-US" sz="1800">
               <a:latin typeface="맑은 고딕" charset="0"/>
@@ -9769,149 +10010,9 @@
           </a:p>
         </p:txBody>
       </p:sp>
-      <p:sp>
-        <p:nvSpPr>
-          <p:cNvPr id="7" name="텍스트 상자 15"/>
-          <p:cNvSpPr txBox="1">
-            <a:spLocks/>
-          </p:cNvSpPr>
-          <p:nvPr/>
-        </p:nvSpPr>
-        <p:spPr>
-          <a:xfrm rot="0">
-            <a:off x="6864350" y="4511675"/>
-            <a:ext cx="4029710" cy="1754505"/>
-          </a:xfrm>
-          <a:prstGeom prst="rect"/>
-          <a:noFill/>
-          <a:ln w="0">
-            <a:noFill/>
-            <a:prstDash/>
-          </a:ln>
-        </p:spPr>
-        <p:txBody>
-          <a:bodyPr wrap="square" lIns="89535" tIns="46355" rIns="89535" bIns="46355" numCol="1" vert="horz" anchor="t">
-            <a:spAutoFit/>
-          </a:bodyPr>
-          <a:lstStyle/>
-          <a:p>
-            <a:pPr marL="0" indent="0" rtl="0" algn="l" defTabSz="914400" eaLnBrk="1" latinLnBrk="0" hangingPunct="1">
-              <a:buFontTx/>
-              <a:buNone/>
-            </a:pPr>
-            <a:r>
-              <a:rPr lang="ko-KR" sz="1800" b="1">
-                <a:solidFill>
-                  <a:srgbClr val="0611F2"/>
-                </a:solidFill>
-                <a:latin typeface="맑은 고딕" charset="0"/>
-                <a:ea typeface="맑은 고딕" charset="0"/>
-              </a:rPr>
-              <a:t>7</a:t>
-            </a:r>
-            <a:r>
-              <a:rPr sz="1800" b="1">
-                <a:solidFill>
-                  <a:srgbClr val="0611F2"/>
-                </a:solidFill>
-                <a:latin typeface="맑은 고딕" charset="0"/>
-                <a:ea typeface="맑은 고딕" charset="0"/>
-              </a:rPr>
-              <a:t>.</a:t>
-            </a:r>
-            <a:r>
-              <a:rPr sz="1800">
-                <a:latin typeface="맑은 고딕" charset="0"/>
-                <a:ea typeface="맑은 고딕" charset="0"/>
-              </a:rPr>
-              <a:t> </a:t>
-            </a:r>
-            <a:r>
-              <a:rPr lang="ko-KR" sz="1800">
-                <a:latin typeface="맑은 고딕" charset="0"/>
-                <a:ea typeface="맑은 고딕" charset="0"/>
-              </a:rPr>
-              <a:t>그런 다음</a:t>
-            </a:r>
-            <a:r>
-              <a:rPr lang="ko-KR" sz="1800">
-                <a:latin typeface="맑은 고딕" charset="0"/>
-                <a:ea typeface="맑은 고딕" charset="0"/>
-              </a:rPr>
-              <a:t> String </a:t>
-            </a:r>
-            <a:r>
-              <a:rPr lang="ko-KR" sz="1800">
-                <a:latin typeface="맑은 고딕" charset="0"/>
-                <a:ea typeface="맑은 고딕" charset="0"/>
-              </a:rPr>
-              <a:t>오브젝트를 선택하고 앵커와 크기를 설정합니다.</a:t>
-            </a:r>
-            <a:endParaRPr lang="ko-KR" altLang="en-US" sz="1800">
-              <a:latin typeface="맑은 고딕" charset="0"/>
-              <a:ea typeface="맑은 고딕" charset="0"/>
-            </a:endParaRPr>
-          </a:p>
-          <a:p>
-            <a:pPr marL="0" indent="0" rtl="0" algn="l" defTabSz="914400" eaLnBrk="1" latinLnBrk="0" hangingPunct="1">
-              <a:buFontTx/>
-              <a:buNone/>
-            </a:pPr>
-            <a:endParaRPr lang="ko-KR" altLang="en-US" sz="1800">
-              <a:latin typeface="맑은 고딕" charset="0"/>
-              <a:ea typeface="맑은 고딕" charset="0"/>
-            </a:endParaRPr>
-          </a:p>
-          <a:p>
-            <a:pPr marL="0" indent="0" rtl="0" algn="l" defTabSz="914400" eaLnBrk="1" latinLnBrk="0" hangingPunct="1">
-              <a:buFontTx/>
-              <a:buNone/>
-            </a:pPr>
-            <a:r>
-              <a:rPr lang="ko-KR" sz="1800">
-                <a:latin typeface="맑은 고딕" charset="0"/>
-                <a:ea typeface="맑은 고딕" charset="0"/>
-              </a:rPr>
-              <a:t>그리고</a:t>
-            </a:r>
-            <a:r>
-              <a:rPr lang="ko-KR" sz="1800">
-                <a:latin typeface="맑은 고딕" charset="0"/>
-                <a:ea typeface="맑은 고딕" charset="0"/>
-              </a:rPr>
-              <a:t> Content Size Fitter 컴포넌트</a:t>
-            </a:r>
-            <a:r>
-              <a:rPr lang="ko-KR" sz="1800">
-                <a:latin typeface="맑은 고딕" charset="0"/>
-                <a:ea typeface="맑은 고딕" charset="0"/>
-              </a:rPr>
-              <a:t>의</a:t>
-            </a:r>
-            <a:r>
-              <a:rPr lang="ko-KR" sz="1800">
-                <a:latin typeface="맑은 고딕" charset="0"/>
-                <a:ea typeface="맑은 고딕" charset="0"/>
-              </a:rPr>
-              <a:t> Horizontal Fit을 Preferred Size로 설정합니다. </a:t>
-            </a:r>
-            <a:r>
-              <a:rPr sz="1800">
-                <a:latin typeface="맑은 고딕" charset="0"/>
-                <a:ea typeface="맑은 고딕" charset="0"/>
-              </a:rPr>
-              <a:t> </a:t>
-            </a:r>
-            <a:endParaRPr lang="ko-KR" altLang="en-US" sz="1800">
-              <a:latin typeface="맑은 고딕" charset="0"/>
-              <a:ea typeface="맑은 고딕" charset="0"/>
-            </a:endParaRPr>
-          </a:p>
-        </p:txBody>
-      </p:sp>
       <p:pic>
         <p:nvPicPr>
-          <p:cNvPr id="8" name="그림 16" descr="C:/Users/Admin1/AppData/Roaming/PolarisOffice/ETemp/21612_20234488/fImage345611759358.png"/>
+          <p:cNvPr id="8" name="그림 7" descr="C:/Users/Admin1/AppData/Roaming/PolarisOffice/ETemp/21612_20234488/fImage603472316500.png"/>
           <p:cNvPicPr>
             <a:picLocks noChangeAspect="1"/>
           </p:cNvPicPr>
@@ -9931,8 +10032,8 @@
         </p:blipFill>
         <p:spPr>
           <a:xfrm rot="0">
-            <a:off x="3500120" y="4274820"/>
-            <a:ext cx="1789430" cy="863600"/>
+            <a:off x="1322070" y="1380490"/>
+            <a:ext cx="4042410" cy="1642110"/>
           </a:xfrm>
           <a:prstGeom prst="roundRect"/>
           <a:solidFill>
@@ -9942,14 +10043,14 @@
       </p:pic>
       <p:pic>
         <p:nvPicPr>
-          <p:cNvPr id="9" name="그림 17" descr="C:/Users/Admin1/AppData/Roaming/PolarisOffice/ETemp/21612_20234488/fImage137551766962.png"/>
+          <p:cNvPr id="9" name="그림 41" descr="C:/Users/Admin1/AppData/Roaming/PolarisOffice/ETemp/21612_20234488/fImage191501945724.png"/>
           <p:cNvPicPr>
             <a:picLocks noChangeAspect="1"/>
           </p:cNvPicPr>
           <p:nvPr/>
         </p:nvPicPr>
         <p:blipFill rotWithShape="1">
-          <a:blip r:embed="rId6" cstate="hqprint">
+          <a:blip r:embed="rId7" cstate="hqprint">
             <a:extLst>
               <a:ext uri="{28A0092B-C50C-407E-A947-70E740481C1C}">
                 <a14:useLocalDpi xmlns:a14="http://schemas.microsoft.com/office/drawing/2010/main"/>
@@ -9962,8 +10063,8 @@
         </p:blipFill>
         <p:spPr>
           <a:xfrm rot="0">
-            <a:off x="1228090" y="4264660"/>
-            <a:ext cx="1800225" cy="865505"/>
+            <a:off x="6808470" y="1383665"/>
+            <a:ext cx="2345055" cy="3796030"/>
           </a:xfrm>
           <a:prstGeom prst="roundRect"/>
           <a:solidFill>
@@ -9973,7 +10074,7 @@
       </p:pic>
       <p:pic>
         <p:nvPicPr>
-          <p:cNvPr id="11" name="그림 93" descr="C:/Users/Admin1/AppData/Roaming/PolarisOffice/ETemp/21612_20234488/fImage121013266962.png"/>
+          <p:cNvPr id="10" name="그림 42" descr="C:/Users/Admin1/AppData/Roaming/PolarisOffice/ETemp/21612_20234488/fImage122231951478.png"/>
           <p:cNvPicPr>
             <a:picLocks noChangeAspect="1"/>
           </p:cNvPicPr>
@@ -9993,8 +10094,8 @@
         </p:blipFill>
         <p:spPr>
           <a:xfrm rot="0">
-            <a:off x="6866255" y="1255395"/>
-            <a:ext cx="4036695" cy="1905635"/>
+            <a:off x="9327515" y="2270760"/>
+            <a:ext cx="1621155" cy="2134235"/>
           </a:xfrm>
           <a:prstGeom prst="roundRect"/>
           <a:solidFill>
@@ -10002,6 +10103,186 @@
           </a:solidFill>
         </p:spPr>
       </p:pic>
+      <p:sp>
+        <p:nvSpPr>
+          <p:cNvPr id="11" name="텍스트 상자 45"/>
+          <p:cNvSpPr txBox="1">
+            <a:spLocks/>
+          </p:cNvSpPr>
+          <p:nvPr/>
+        </p:nvSpPr>
+        <p:spPr>
+          <a:xfrm rot="0">
+            <a:off x="6816725" y="5348605"/>
+            <a:ext cx="4123690" cy="647065"/>
+          </a:xfrm>
+          <a:prstGeom prst="rect"/>
+          <a:noFill/>
+          <a:ln w="0">
+            <a:noFill/>
+            <a:prstDash/>
+          </a:ln>
+        </p:spPr>
+        <p:txBody>
+          <a:bodyPr wrap="square" lIns="89535" tIns="46355" rIns="89535" bIns="46355" numCol="1" vert="horz" anchor="t">
+            <a:spAutoFit/>
+          </a:bodyPr>
+          <a:lstStyle/>
+          <a:p>
+            <a:pPr marL="0" indent="0" rtl="0" algn="l" defTabSz="914400" eaLnBrk="1" latinLnBrk="0" hangingPunct="1">
+              <a:buFontTx/>
+              <a:buNone/>
+            </a:pPr>
+            <a:r>
+              <a:rPr lang="ko-KR" sz="1800" b="1">
+                <a:solidFill>
+                  <a:srgbClr val="0611F2"/>
+                </a:solidFill>
+                <a:latin typeface="맑은 고딕" charset="0"/>
+                <a:ea typeface="맑은 고딕" charset="0"/>
+              </a:rPr>
+              <a:t>6</a:t>
+            </a:r>
+            <a:r>
+              <a:rPr sz="1800" b="1">
+                <a:solidFill>
+                  <a:srgbClr val="0611F2"/>
+                </a:solidFill>
+                <a:latin typeface="맑은 고딕" charset="0"/>
+                <a:ea typeface="맑은 고딕" charset="0"/>
+              </a:rPr>
+              <a:t>.</a:t>
+            </a:r>
+            <a:r>
+              <a:rPr sz="1800">
+                <a:latin typeface="맑은 고딕" charset="0"/>
+                <a:ea typeface="맑은 고딕" charset="0"/>
+              </a:rPr>
+              <a:t> </a:t>
+            </a:r>
+            <a:r>
+              <a:rPr lang="ko-KR" sz="1800">
+                <a:latin typeface="맑은 고딕" charset="0"/>
+                <a:ea typeface="맑은 고딕" charset="0"/>
+              </a:rPr>
+              <a:t>그다음으로 UI에 Input Field를 추가합니다.</a:t>
+            </a:r>
+            <a:r>
+              <a:rPr sz="1800">
+                <a:latin typeface="맑은 고딕" charset="0"/>
+                <a:ea typeface="맑은 고딕" charset="0"/>
+              </a:rPr>
+              <a:t> </a:t>
+            </a:r>
+            <a:endParaRPr lang="ko-KR" altLang="en-US" sz="1800">
+              <a:latin typeface="맑은 고딕" charset="0"/>
+              <a:ea typeface="맑은 고딕" charset="0"/>
+            </a:endParaRPr>
+          </a:p>
+        </p:txBody>
+      </p:sp>
+      <p:pic>
+        <p:nvPicPr>
+          <p:cNvPr id="12" name="그림 94" descr="C:/Users/Admin1/AppData/Roaming/PolarisOffice/ETemp/21612_20234488/fImage125483459358.png"/>
+          <p:cNvPicPr>
+            <a:picLocks noChangeAspect="1"/>
+          </p:cNvPicPr>
+          <p:nvPr/>
+        </p:nvPicPr>
+        <p:blipFill rotWithShape="1">
+          <a:blip r:embed="rId9" cstate="print">
+            <a:extLst>
+              <a:ext uri="{28A0092B-C50C-407E-A947-70E740481C1C}">
+                <a14:useLocalDpi xmlns:a14="http://schemas.microsoft.com/office/drawing/2010/main" val="0"/>
+              </a:ext>
+            </a:extLst>
+          </a:blip>
+          <a:stretch>
+            <a:fillRect/>
+          </a:stretch>
+        </p:blipFill>
+        <p:spPr>
+          <a:xfrm rot="0">
+            <a:off x="1330325" y="4116070"/>
+            <a:ext cx="4030345" cy="1106170"/>
+          </a:xfrm>
+          <a:prstGeom prst="roundRect"/>
+          <a:solidFill>
+            <a:srgbClr val="EDEDED"/>
+          </a:solidFill>
+        </p:spPr>
+      </p:pic>
+      <p:sp>
+        <p:nvSpPr>
+          <p:cNvPr id="13" name="텍스트 상자 97"/>
+          <p:cNvSpPr txBox="1">
+            <a:spLocks/>
+          </p:cNvSpPr>
+          <p:nvPr/>
+        </p:nvSpPr>
+        <p:spPr>
+          <a:xfrm rot="0">
+            <a:off x="1337945" y="5334000"/>
+            <a:ext cx="4031615" cy="647065"/>
+          </a:xfrm>
+          <a:prstGeom prst="rect"/>
+          <a:noFill/>
+          <a:ln w="0">
+            <a:noFill/>
+            <a:prstDash/>
+          </a:ln>
+        </p:spPr>
+        <p:txBody>
+          <a:bodyPr wrap="square" lIns="89535" tIns="46355" rIns="89535" bIns="46355" numCol="1" vert="horz" anchor="t">
+            <a:spAutoFit/>
+          </a:bodyPr>
+          <a:lstStyle/>
+          <a:p>
+            <a:pPr marL="0" indent="0" rtl="0" algn="l" defTabSz="914400" eaLnBrk="1" latinLnBrk="0" hangingPunct="1">
+              <a:buFontTx/>
+              <a:buNone/>
+            </a:pPr>
+            <a:r>
+              <a:rPr lang="ko-KR" sz="1800" b="1">
+                <a:solidFill>
+                  <a:srgbClr val="0611F2"/>
+                </a:solidFill>
+                <a:latin typeface="맑은 고딕" charset="0"/>
+                <a:ea typeface="맑은 고딕" charset="0"/>
+              </a:rPr>
+              <a:t>5</a:t>
+            </a:r>
+            <a:r>
+              <a:rPr sz="1800" b="1">
+                <a:solidFill>
+                  <a:srgbClr val="0611F2"/>
+                </a:solidFill>
+                <a:latin typeface="맑은 고딕" charset="0"/>
+                <a:ea typeface="맑은 고딕" charset="0"/>
+              </a:rPr>
+              <a:t>.</a:t>
+            </a:r>
+            <a:r>
+              <a:rPr sz="1800">
+                <a:latin typeface="맑은 고딕" charset="0"/>
+                <a:ea typeface="맑은 고딕" charset="0"/>
+              </a:rPr>
+              <a:t> </a:t>
+            </a:r>
+            <a:r>
+              <a:rPr lang="ko-KR" sz="1800">
+                <a:latin typeface="맑은 고딕" charset="0"/>
+                <a:ea typeface="맑은 고딕" charset="0"/>
+              </a:rPr>
+              <a:t>그리고 Scroll View 오브젝트의 크기와 앵커를 설정합니다.</a:t>
+            </a:r>
+            <a:endParaRPr lang="ko-KR" altLang="en-US" sz="1800">
+              <a:latin typeface="맑은 고딕" charset="0"/>
+              <a:ea typeface="맑은 고딕" charset="0"/>
+            </a:endParaRPr>
+          </a:p>
+        </p:txBody>
+      </p:sp>
     </p:spTree>
   </p:cSld>
   <p:clrMapOvr>
@@ -10044,16 +10325,16 @@
       </p:grpSpPr>
       <p:sp>
         <p:nvSpPr>
-          <p:cNvPr id="2" name="텍스트 상자 13"/>
+          <p:cNvPr id="2" name="텍스트 상자 10"/>
           <p:cNvSpPr txBox="1">
             <a:spLocks/>
           </p:cNvSpPr>
           <p:nvPr/>
         </p:nvSpPr>
         <p:spPr>
-          <a:xfrm rot="0">
-            <a:off x="4356735" y="405765"/>
-            <a:ext cx="3560445" cy="554990"/>
+          <a:xfrm>
+            <a:off x="4525645" y="369570"/>
+            <a:ext cx="3140710" cy="554990"/>
           </a:xfrm>
           <a:prstGeom prst="rect"/>
           <a:noFill/>
@@ -10077,7 +10358,14 @@
                 <a:latin typeface="맑은 고딕" charset="0"/>
                 <a:ea typeface="맑은 고딕" charset="0"/>
               </a:rPr>
-              <a:t>다섯 번째 튜토리얼</a:t>
+              <a:t>네</a:t>
+            </a:r>
+            <a:r>
+              <a:rPr lang="ko-KR" sz="3000" b="1">
+                <a:latin typeface="맑은 고딕" charset="0"/>
+                <a:ea typeface="맑은 고딕" charset="0"/>
+              </a:rPr>
+              <a:t> 번째 튜토리얼</a:t>
             </a:r>
             <a:r>
               <a:rPr sz="3000" b="1">
@@ -10093,145 +10381,9 @@
           </a:p>
         </p:txBody>
       </p:sp>
-      <p:sp>
-        <p:nvSpPr>
-          <p:cNvPr id="3" name="텍스트 상자 14"/>
-          <p:cNvSpPr txBox="1">
-            <a:spLocks/>
-          </p:cNvSpPr>
-          <p:nvPr/>
-        </p:nvSpPr>
-        <p:spPr>
-          <a:xfrm rot="0">
-            <a:off x="1292225" y="4253230"/>
-            <a:ext cx="4070350" cy="1754505"/>
-          </a:xfrm>
-          <a:prstGeom prst="rect"/>
-          <a:noFill/>
-          <a:ln w="0">
-            <a:noFill/>
-            <a:prstDash/>
-          </a:ln>
-        </p:spPr>
-        <p:txBody>
-          <a:bodyPr wrap="square" lIns="89535" tIns="46355" rIns="89535" bIns="46355" numCol="1" vert="horz" anchor="t">
-            <a:spAutoFit/>
-          </a:bodyPr>
-          <a:lstStyle/>
-          <a:p>
-            <a:pPr marL="0" indent="0" rtl="0" algn="l" defTabSz="914400" eaLnBrk="1" latinLnBrk="0" hangingPunct="1">
-              <a:buFontTx/>
-              <a:buNone/>
-            </a:pPr>
-            <a:r>
-              <a:rPr sz="1800">
-                <a:latin typeface="맑은 고딕" charset="0"/>
-                <a:ea typeface="맑은 고딕" charset="0"/>
-              </a:rPr>
-              <a:t>Min Size : LayOut Group 컴포넌트와 함께 사용</a:t>
-            </a:r>
-            <a:r>
-              <a:rPr lang="ko-KR" sz="1800">
-                <a:latin typeface="맑은 고딕" charset="0"/>
-                <a:ea typeface="맑은 고딕" charset="0"/>
-              </a:rPr>
-              <a:t>해야 합니다.</a:t>
-            </a:r>
-            <a:endParaRPr lang="ko-KR" altLang="en-US" sz="1800">
-              <a:latin typeface="맑은 고딕" charset="0"/>
-              <a:ea typeface="맑은 고딕" charset="0"/>
-            </a:endParaRPr>
-          </a:p>
-          <a:p>
-            <a:pPr marL="0" indent="0" rtl="0" algn="l" defTabSz="914400" eaLnBrk="1" latinLnBrk="0" hangingPunct="1">
-              <a:buFontTx/>
-              <a:buNone/>
-            </a:pPr>
-            <a:endParaRPr lang="ko-KR" altLang="en-US" sz="1800">
-              <a:latin typeface="맑은 고딕" charset="0"/>
-              <a:ea typeface="맑은 고딕" charset="0"/>
-            </a:endParaRPr>
-          </a:p>
-          <a:p>
-            <a:pPr marL="0" indent="0" rtl="0" algn="l" defTabSz="914400" eaLnBrk="1" latinLnBrk="0" hangingPunct="1">
-              <a:buFontTx/>
-              <a:buNone/>
-            </a:pPr>
-            <a:r>
-              <a:rPr sz="1800">
-                <a:latin typeface="맑은 고딕" charset="0"/>
-                <a:ea typeface="맑은 고딕" charset="0"/>
-              </a:rPr>
-              <a:t>Min Size</a:t>
-            </a:r>
-            <a:r>
-              <a:rPr lang="ko-KR" sz="1800">
-                <a:latin typeface="맑은 고딕" charset="0"/>
-                <a:ea typeface="맑은 고딕" charset="0"/>
-              </a:rPr>
-              <a:t>의 경우 </a:t>
-            </a:r>
-            <a:r>
-              <a:rPr sz="1800">
-                <a:latin typeface="맑은 고딕" charset="0"/>
-                <a:ea typeface="맑은 고딕" charset="0"/>
-              </a:rPr>
-              <a:t>레이아웃 요소의 최소 크기를 기준으로 UI의 크기를 맞추는 옵션입니다.  </a:t>
-            </a:r>
-            <a:endParaRPr lang="ko-KR" altLang="en-US" sz="1800">
-              <a:latin typeface="맑은 고딕" charset="0"/>
-              <a:ea typeface="맑은 고딕" charset="0"/>
-            </a:endParaRPr>
-          </a:p>
-        </p:txBody>
-      </p:sp>
-      <p:sp>
-        <p:nvSpPr>
-          <p:cNvPr id="4" name="텍스트 상자 15"/>
-          <p:cNvSpPr txBox="1">
-            <a:spLocks/>
-          </p:cNvSpPr>
-          <p:nvPr/>
-        </p:nvSpPr>
-        <p:spPr>
-          <a:xfrm rot="0">
-            <a:off x="6824980" y="4805680"/>
-            <a:ext cx="4150995" cy="1202055"/>
-          </a:xfrm>
-          <a:prstGeom prst="rect"/>
-          <a:noFill/>
-          <a:ln w="0">
-            <a:noFill/>
-            <a:prstDash/>
-          </a:ln>
-        </p:spPr>
-        <p:txBody>
-          <a:bodyPr wrap="square" lIns="89535" tIns="46355" rIns="89535" bIns="46355" numCol="1" vert="horz" anchor="t">
-            <a:spAutoFit/>
-          </a:bodyPr>
-          <a:lstStyle/>
-          <a:p>
-            <a:pPr marL="0" indent="0" rtl="0" algn="l" defTabSz="914400" eaLnBrk="1" latinLnBrk="0" hangingPunct="1">
-              <a:buFontTx/>
-              <a:buNone/>
-            </a:pPr>
-            <a:r>
-              <a:rPr sz="1800">
-                <a:latin typeface="맑은 고딕" charset="0"/>
-                <a:ea typeface="맑은 고딕" charset="0"/>
-              </a:rPr>
-              <a:t>스크롤 뷰에서 Content라는 게임 오브젝트의 하위 오브젝트로 UI 오브젝트가 생성될 때 생성된 수에 따라 스크롤바의 크기가 조절됩니다.</a:t>
-            </a:r>
-            <a:endParaRPr lang="ko-KR" altLang="en-US" sz="1800">
-              <a:latin typeface="맑은 고딕" charset="0"/>
-              <a:ea typeface="맑은 고딕" charset="0"/>
-            </a:endParaRPr>
-          </a:p>
-        </p:txBody>
-      </p:sp>
       <p:pic>
         <p:nvPicPr>
-          <p:cNvPr id="5" name="그림 16" descr="C:/Users/Admin1/AppData/Roaming/PolarisOffice/ETemp/21612_20234488/fImage25012479169.png"/>
+          <p:cNvPr id="3" name="그림 11" descr="C:/Users/Admin1/AppData/Roaming/PolarisOffice/ETemp/21612_20234488/fImage240861709169.png"/>
           <p:cNvPicPr>
             <a:picLocks noChangeAspect="1"/>
           </p:cNvPicPr>
@@ -10251,16 +10403,18 @@
         </p:blipFill>
         <p:spPr>
           <a:xfrm rot="0">
-            <a:off x="1290955" y="1367790"/>
-            <a:ext cx="4055110" cy="2686050"/>
-          </a:xfrm>
-          <a:prstGeom prst="rect"/>
-          <a:noFill/>
+            <a:off x="1231265" y="1263650"/>
+            <a:ext cx="4058285" cy="2710815"/>
+          </a:xfrm>
+          <a:prstGeom prst="roundRect"/>
+          <a:solidFill>
+            <a:srgbClr val="EDEDED"/>
+          </a:solidFill>
         </p:spPr>
       </p:pic>
       <p:pic>
         <p:nvPicPr>
-          <p:cNvPr id="6" name="그림 17" descr="C:/Users/Admin1/AppData/Roaming/PolarisOffice/ETemp/21612_20234488/fImage76002485724.png"/>
+          <p:cNvPr id="4" name="그림 12" descr="C:/Users/Admin1/AppData/Roaming/PolarisOffice/ETemp/21612_20234488/fImage64291715724.png"/>
           <p:cNvPicPr>
             <a:picLocks noChangeAspect="1"/>
           </p:cNvPicPr>
@@ -10280,8 +10434,8 @@
         </p:blipFill>
         <p:spPr>
           <a:xfrm rot="0">
-            <a:off x="1576705" y="1559560"/>
-            <a:ext cx="3124835" cy="2214880"/>
+            <a:off x="6866255" y="3350895"/>
+            <a:ext cx="4036695" cy="1031240"/>
           </a:xfrm>
           <a:prstGeom prst="roundRect"/>
           <a:solidFill>
@@ -10291,7 +10445,7 @@
       </p:pic>
       <p:sp>
         <p:nvSpPr>
-          <p:cNvPr id="7" name="텍스트 상자 18"/>
+          <p:cNvPr id="6" name="텍스트 상자 14"/>
           <p:cNvSpPr txBox="1">
             <a:spLocks/>
           </p:cNvSpPr>
@@ -10299,8 +10453,8 @@
         </p:nvSpPr>
         <p:spPr>
           <a:xfrm rot="0">
-            <a:off x="1889125" y="1860550"/>
-            <a:ext cx="831215" cy="323850"/>
+            <a:off x="1231265" y="5304155"/>
+            <a:ext cx="4056380" cy="923925"/>
           </a:xfrm>
           <a:prstGeom prst="rect"/>
           <a:noFill/>
@@ -10320,19 +10474,13 @@
               <a:buNone/>
             </a:pPr>
             <a:r>
-              <a:rPr lang="ko-KR" sz="1500" b="1">
-                <a:solidFill>
-                  <a:srgbClr val="009900"/>
-                </a:solidFill>
-                <a:latin typeface="맑은 고딕" charset="0"/>
-                <a:ea typeface="맑은 고딕" charset="0"/>
-              </a:rPr>
-              <a:t>Layout</a:t>
-            </a:r>
-            <a:endParaRPr lang="ko-KR" altLang="en-US" sz="1500" b="1">
-              <a:solidFill>
-                <a:srgbClr val="009900"/>
-              </a:solidFill>
+              <a:rPr sz="1800">
+                <a:latin typeface="맑은 고딕" charset="0"/>
+                <a:ea typeface="맑은 고딕" charset="0"/>
+              </a:rPr>
+              <a:t>Preferred Size : 기본적인 콘텐츠의 크기와 UI(Text, Image, Button)의 크기에 따라 맞추어주는 옵션입니다.</a:t>
+            </a:r>
+            <a:endParaRPr lang="ko-KR" altLang="en-US" sz="1800">
               <a:latin typeface="맑은 고딕" charset="0"/>
               <a:ea typeface="맑은 고딕" charset="0"/>
             </a:endParaRPr>
@@ -10341,7 +10489,7 @@
       </p:sp>
       <p:sp>
         <p:nvSpPr>
-          <p:cNvPr id="8" name="텍스트 상자 19"/>
+          <p:cNvPr id="7" name="텍스트 상자 15"/>
           <p:cNvSpPr txBox="1">
             <a:spLocks/>
           </p:cNvSpPr>
@@ -10349,8 +10497,8 @@
         </p:nvSpPr>
         <p:spPr>
           <a:xfrm rot="0">
-            <a:off x="1801495" y="3166110"/>
-            <a:ext cx="1017270" cy="323850"/>
+            <a:off x="6864350" y="4511675"/>
+            <a:ext cx="4029710" cy="1754505"/>
           </a:xfrm>
           <a:prstGeom prst="rect"/>
           <a:noFill/>
@@ -10369,90 +10517,110 @@
               <a:buFontTx/>
               <a:buNone/>
             </a:pPr>
-            <a:endParaRPr lang="ko-KR" altLang="en-US" sz="1500" b="1">
-              <a:solidFill>
-                <a:srgbClr val="009900"/>
-              </a:solidFill>
+            <a:r>
+              <a:rPr lang="ko-KR" sz="1800" b="1">
+                <a:solidFill>
+                  <a:srgbClr val="0611F2"/>
+                </a:solidFill>
+                <a:latin typeface="맑은 고딕" charset="0"/>
+                <a:ea typeface="맑은 고딕" charset="0"/>
+              </a:rPr>
+              <a:t>7</a:t>
+            </a:r>
+            <a:r>
+              <a:rPr sz="1800" b="1">
+                <a:solidFill>
+                  <a:srgbClr val="0611F2"/>
+                </a:solidFill>
+                <a:latin typeface="맑은 고딕" charset="0"/>
+                <a:ea typeface="맑은 고딕" charset="0"/>
+              </a:rPr>
+              <a:t>.</a:t>
+            </a:r>
+            <a:r>
+              <a:rPr sz="1800">
+                <a:latin typeface="맑은 고딕" charset="0"/>
+                <a:ea typeface="맑은 고딕" charset="0"/>
+              </a:rPr>
+              <a:t> </a:t>
+            </a:r>
+            <a:r>
+              <a:rPr lang="ko-KR" sz="1800">
+                <a:latin typeface="맑은 고딕" charset="0"/>
+                <a:ea typeface="맑은 고딕" charset="0"/>
+              </a:rPr>
+              <a:t>그런 다음</a:t>
+            </a:r>
+            <a:r>
+              <a:rPr lang="ko-KR" sz="1800">
+                <a:latin typeface="맑은 고딕" charset="0"/>
+                <a:ea typeface="맑은 고딕" charset="0"/>
+              </a:rPr>
+              <a:t> String </a:t>
+            </a:r>
+            <a:r>
+              <a:rPr lang="ko-KR" sz="1800">
+                <a:latin typeface="맑은 고딕" charset="0"/>
+                <a:ea typeface="맑은 고딕" charset="0"/>
+              </a:rPr>
+              <a:t>오브젝트를 선택하고 앵커와 크기를 설정합니다.</a:t>
+            </a:r>
+            <a:endParaRPr lang="ko-KR" altLang="en-US" sz="1800">
               <a:latin typeface="맑은 고딕" charset="0"/>
               <a:ea typeface="맑은 고딕" charset="0"/>
             </a:endParaRPr>
           </a:p>
-        </p:txBody>
-      </p:sp>
-      <p:sp>
-        <p:nvSpPr>
-          <p:cNvPr id="9" name="텍스트 상자 20"/>
-          <p:cNvSpPr txBox="1">
-            <a:spLocks/>
-          </p:cNvSpPr>
-          <p:nvPr/>
-        </p:nvSpPr>
-        <p:spPr>
-          <a:xfrm rot="0">
-            <a:off x="3384550" y="3173730"/>
-            <a:ext cx="1017270" cy="323850"/>
-          </a:xfrm>
-          <a:prstGeom prst="rect"/>
-          <a:noFill/>
-          <a:ln w="0">
-            <a:noFill/>
-            <a:prstDash/>
-          </a:ln>
-        </p:spPr>
-        <p:txBody>
-          <a:bodyPr wrap="square" lIns="89535" tIns="46355" rIns="89535" bIns="46355" numCol="1" vert="horz" anchor="t">
-            <a:spAutoFit/>
-          </a:bodyPr>
-          <a:lstStyle/>
           <a:p>
             <a:pPr marL="0" indent="0" rtl="0" algn="l" defTabSz="914400" eaLnBrk="1" latinLnBrk="0" hangingPunct="1">
               <a:buFontTx/>
               <a:buNone/>
             </a:pPr>
-            <a:endParaRPr lang="ko-KR" altLang="en-US" sz="1500" b="1">
-              <a:solidFill>
-                <a:srgbClr val="009900"/>
-              </a:solidFill>
+            <a:endParaRPr lang="ko-KR" altLang="en-US" sz="1800">
               <a:latin typeface="맑은 고딕" charset="0"/>
               <a:ea typeface="맑은 고딕" charset="0"/>
             </a:endParaRPr>
           </a:p>
-        </p:txBody>
-      </p:sp>
-      <p:sp>
-        <p:nvSpPr>
-          <p:cNvPr id="10" name="텍스트 상자 21"/>
-          <p:cNvSpPr txBox="1">
-            <a:spLocks/>
-          </p:cNvSpPr>
-          <p:nvPr/>
-        </p:nvSpPr>
-        <p:spPr>
-          <a:xfrm rot="0">
-            <a:off x="3370580" y="1932305"/>
-            <a:ext cx="1017270" cy="323850"/>
-          </a:xfrm>
-          <a:prstGeom prst="rect"/>
-          <a:noFill/>
-          <a:ln w="0">
-            <a:noFill/>
-            <a:prstDash/>
-          </a:ln>
-        </p:spPr>
-        <p:txBody>
-          <a:bodyPr wrap="square" lIns="89535" tIns="46355" rIns="89535" bIns="46355" numCol="1" vert="horz" anchor="t">
-            <a:spAutoFit/>
-          </a:bodyPr>
-          <a:lstStyle/>
           <a:p>
             <a:pPr marL="0" indent="0" rtl="0" algn="l" defTabSz="914400" eaLnBrk="1" latinLnBrk="0" hangingPunct="1">
               <a:buFontTx/>
               <a:buNone/>
             </a:pPr>
-            <a:endParaRPr lang="ko-KR" altLang="en-US" sz="1500" b="1">
-              <a:solidFill>
-                <a:srgbClr val="009900"/>
-              </a:solidFill>
+            <a:r>
+              <a:rPr lang="ko-KR" sz="1800">
+                <a:latin typeface="맑은 고딕" charset="0"/>
+                <a:ea typeface="맑은 고딕" charset="0"/>
+              </a:rPr>
+              <a:t>그리고</a:t>
+            </a:r>
+            <a:r>
+              <a:rPr lang="ko-KR" sz="1800">
+                <a:latin typeface="맑은 고딕" charset="0"/>
+                <a:ea typeface="맑은 고딕" charset="0"/>
+              </a:rPr>
+              <a:t> Content Size Fitter 컴포넌트</a:t>
+            </a:r>
+            <a:r>
+              <a:rPr lang="ko-KR" sz="1800">
+                <a:latin typeface="맑은 고딕" charset="0"/>
+                <a:ea typeface="맑은 고딕" charset="0"/>
+              </a:rPr>
+              <a:t>의</a:t>
+            </a:r>
+            <a:r>
+              <a:rPr lang="ko-KR" sz="1800">
+                <a:latin typeface="맑은 고딕" charset="0"/>
+                <a:ea typeface="맑은 고딕" charset="0"/>
+              </a:rPr>
+              <a:t> Horizontal Fit을 Preferred Size로 설정합니다. </a:t>
+            </a:r>
+            <a:r>
+              <a:rPr sz="1800">
+                <a:latin typeface="맑은 고딕" charset="0"/>
+                <a:ea typeface="맑은 고딕" charset="0"/>
+              </a:rPr>
+              <a:t> </a:t>
+            </a:r>
+            <a:endParaRPr lang="ko-KR" altLang="en-US" sz="1800">
               <a:latin typeface="맑은 고딕" charset="0"/>
               <a:ea typeface="맑은 고딕" charset="0"/>
             </a:endParaRPr>
@@ -10461,14 +10629,14 @@
       </p:sp>
       <p:pic>
         <p:nvPicPr>
-          <p:cNvPr id="11" name="그림 22"/>
+          <p:cNvPr id="8" name="그림 16" descr="C:/Users/Admin1/AppData/Roaming/PolarisOffice/ETemp/21612_20234488/fImage345611759358.png"/>
           <p:cNvPicPr>
             <a:picLocks noChangeAspect="1"/>
           </p:cNvPicPr>
           <p:nvPr/>
         </p:nvPicPr>
         <p:blipFill rotWithShape="1">
-          <a:blip r:embed="rId4" cstate="hqprint">
+          <a:blip r:embed="rId5" cstate="hqprint">
             <a:extLst>
               <a:ext uri="{28A0092B-C50C-407E-A947-70E740481C1C}">
                 <a14:useLocalDpi xmlns:a14="http://schemas.microsoft.com/office/drawing/2010/main"/>
@@ -10481,8 +10649,8 @@
         </p:blipFill>
         <p:spPr>
           <a:xfrm rot="0">
-            <a:off x="6824980" y="1374775"/>
-            <a:ext cx="4149725" cy="3206750"/>
+            <a:off x="3500120" y="4274820"/>
+            <a:ext cx="1789430" cy="863600"/>
           </a:xfrm>
           <a:prstGeom prst="roundRect"/>
           <a:solidFill>
@@ -10490,156 +10658,68 @@
           </a:solidFill>
         </p:spPr>
       </p:pic>
-      <p:sp>
-        <p:nvSpPr>
-          <p:cNvPr id="12" name="텍스트 상자 48"/>
-          <p:cNvSpPr txBox="1">
-            <a:spLocks/>
-          </p:cNvSpPr>
+      <p:pic>
+        <p:nvPicPr>
+          <p:cNvPr id="9" name="그림 17" descr="C:/Users/Admin1/AppData/Roaming/PolarisOffice/ETemp/21612_20234488/fImage137551766962.png"/>
+          <p:cNvPicPr>
+            <a:picLocks noChangeAspect="1"/>
+          </p:cNvPicPr>
           <p:nvPr/>
-        </p:nvSpPr>
-        <p:spPr>
-          <a:xfrm rot="0">
-            <a:off x="1897380" y="3001010"/>
-            <a:ext cx="831215" cy="323850"/>
-          </a:xfrm>
-          <a:prstGeom prst="rect"/>
-          <a:noFill/>
-          <a:ln w="0">
-            <a:noFill/>
-            <a:prstDash/>
-          </a:ln>
-        </p:spPr>
-        <p:txBody>
-          <a:bodyPr wrap="square" lIns="89535" tIns="46355" rIns="89535" bIns="46355" numCol="1" vert="horz" anchor="t">
-            <a:spAutoFit/>
-          </a:bodyPr>
-          <a:lstStyle/>
-          <a:p>
-            <a:pPr marL="0" indent="0" rtl="0" algn="l" defTabSz="914400" eaLnBrk="1" latinLnBrk="0" hangingPunct="1">
-              <a:buFontTx/>
-              <a:buNone/>
-            </a:pPr>
-            <a:r>
-              <a:rPr lang="ko-KR" sz="1500" b="1">
-                <a:solidFill>
-                  <a:srgbClr val="009900"/>
-                </a:solidFill>
-                <a:latin typeface="맑은 고딕" charset="0"/>
-                <a:ea typeface="맑은 고딕" charset="0"/>
-              </a:rPr>
-              <a:t>Layout</a:t>
-            </a:r>
-            <a:endParaRPr lang="ko-KR" altLang="en-US" sz="1500" b="1">
-              <a:solidFill>
-                <a:srgbClr val="009900"/>
-              </a:solidFill>
-              <a:latin typeface="맑은 고딕" charset="0"/>
-              <a:ea typeface="맑은 고딕" charset="0"/>
-            </a:endParaRPr>
-          </a:p>
-        </p:txBody>
-      </p:sp>
-      <p:sp>
-        <p:nvSpPr>
-          <p:cNvPr id="13" name="텍스트 상자 49"/>
-          <p:cNvSpPr txBox="1">
-            <a:spLocks/>
-          </p:cNvSpPr>
+        </p:nvPicPr>
+        <p:blipFill rotWithShape="1">
+          <a:blip r:embed="rId6" cstate="hqprint">
+            <a:extLst>
+              <a:ext uri="{28A0092B-C50C-407E-A947-70E740481C1C}">
+                <a14:useLocalDpi xmlns:a14="http://schemas.microsoft.com/office/drawing/2010/main"/>
+              </a:ext>
+            </a:extLst>
+          </a:blip>
+          <a:stretch>
+            <a:fillRect/>
+          </a:stretch>
+        </p:blipFill>
+        <p:spPr>
+          <a:xfrm rot="0">
+            <a:off x="1228090" y="4264660"/>
+            <a:ext cx="1800225" cy="865505"/>
+          </a:xfrm>
+          <a:prstGeom prst="roundRect"/>
+          <a:solidFill>
+            <a:srgbClr val="EDEDED"/>
+          </a:solidFill>
+        </p:spPr>
+      </p:pic>
+      <p:pic>
+        <p:nvPicPr>
+          <p:cNvPr id="11" name="그림 93" descr="C:/Users/Admin1/AppData/Roaming/PolarisOffice/ETemp/21612_20234488/fImage121013266962.png"/>
+          <p:cNvPicPr>
+            <a:picLocks noChangeAspect="1"/>
+          </p:cNvPicPr>
           <p:nvPr/>
-        </p:nvSpPr>
-        <p:spPr>
-          <a:xfrm rot="0">
-            <a:off x="3463925" y="3001010"/>
-            <a:ext cx="831215" cy="323850"/>
-          </a:xfrm>
-          <a:prstGeom prst="rect"/>
-          <a:noFill/>
-          <a:ln w="0">
-            <a:noFill/>
-            <a:prstDash/>
-          </a:ln>
-        </p:spPr>
-        <p:txBody>
-          <a:bodyPr wrap="square" lIns="89535" tIns="46355" rIns="89535" bIns="46355" numCol="1" vert="horz" anchor="t">
-            <a:spAutoFit/>
-          </a:bodyPr>
-          <a:lstStyle/>
-          <a:p>
-            <a:pPr marL="0" indent="0" rtl="0" algn="l" defTabSz="914400" eaLnBrk="1" latinLnBrk="0" hangingPunct="1">
-              <a:buFontTx/>
-              <a:buNone/>
-            </a:pPr>
-            <a:r>
-              <a:rPr lang="ko-KR" sz="1500" b="1">
-                <a:solidFill>
-                  <a:srgbClr val="009900"/>
-                </a:solidFill>
-                <a:latin typeface="맑은 고딕" charset="0"/>
-                <a:ea typeface="맑은 고딕" charset="0"/>
-              </a:rPr>
-              <a:t>Layout</a:t>
-            </a:r>
-            <a:endParaRPr lang="ko-KR" altLang="en-US" sz="1500" b="1">
-              <a:solidFill>
-                <a:srgbClr val="009900"/>
-              </a:solidFill>
-              <a:latin typeface="맑은 고딕" charset="0"/>
-              <a:ea typeface="맑은 고딕" charset="0"/>
-            </a:endParaRPr>
-          </a:p>
-        </p:txBody>
-      </p:sp>
-      <p:sp>
-        <p:nvSpPr>
-          <p:cNvPr id="14" name="텍스트 상자 50"/>
-          <p:cNvSpPr txBox="1">
-            <a:spLocks/>
-          </p:cNvSpPr>
-          <p:nvPr/>
-        </p:nvSpPr>
-        <p:spPr>
-          <a:xfrm rot="0">
-            <a:off x="3453130" y="1858010"/>
-            <a:ext cx="831215" cy="323850"/>
-          </a:xfrm>
-          <a:prstGeom prst="rect"/>
-          <a:noFill/>
-          <a:ln w="0">
-            <a:noFill/>
-            <a:prstDash/>
-          </a:ln>
-        </p:spPr>
-        <p:txBody>
-          <a:bodyPr wrap="square" lIns="89535" tIns="46355" rIns="89535" bIns="46355" numCol="1" vert="horz" anchor="t">
-            <a:spAutoFit/>
-          </a:bodyPr>
-          <a:lstStyle/>
-          <a:p>
-            <a:pPr marL="0" indent="0" rtl="0" algn="l" defTabSz="914400" eaLnBrk="1" latinLnBrk="0" hangingPunct="1">
-              <a:buFontTx/>
-              <a:buNone/>
-            </a:pPr>
-            <a:r>
-              <a:rPr lang="ko-KR" sz="1500" b="1">
-                <a:solidFill>
-                  <a:srgbClr val="009900"/>
-                </a:solidFill>
-                <a:latin typeface="맑은 고딕" charset="0"/>
-                <a:ea typeface="맑은 고딕" charset="0"/>
-              </a:rPr>
-              <a:t>Layout</a:t>
-            </a:r>
-            <a:endParaRPr lang="ko-KR" altLang="en-US" sz="1500" b="1">
-              <a:solidFill>
-                <a:srgbClr val="009900"/>
-              </a:solidFill>
-              <a:latin typeface="맑은 고딕" charset="0"/>
-              <a:ea typeface="맑은 고딕" charset="0"/>
-            </a:endParaRPr>
-          </a:p>
-        </p:txBody>
-      </p:sp>
+        </p:nvPicPr>
+        <p:blipFill rotWithShape="1">
+          <a:blip r:embed="rId8" cstate="print">
+            <a:extLst>
+              <a:ext uri="{28A0092B-C50C-407E-A947-70E740481C1C}">
+                <a14:useLocalDpi xmlns:a14="http://schemas.microsoft.com/office/drawing/2010/main" val="0"/>
+              </a:ext>
+            </a:extLst>
+          </a:blip>
+          <a:stretch>
+            <a:fillRect/>
+          </a:stretch>
+        </p:blipFill>
+        <p:spPr>
+          <a:xfrm rot="0">
+            <a:off x="6866255" y="1255395"/>
+            <a:ext cx="4036695" cy="1905635"/>
+          </a:xfrm>
+          <a:prstGeom prst="roundRect"/>
+          <a:solidFill>
+            <a:srgbClr val="EDEDED"/>
+          </a:solidFill>
+        </p:spPr>
+      </p:pic>
     </p:spTree>
   </p:cSld>
   <p:clrMapOvr>
@@ -10682,7 +10762,7 @@
       </p:grpSpPr>
       <p:sp>
         <p:nvSpPr>
-          <p:cNvPr id="2" name="Rect 0"/>
+          <p:cNvPr id="2" name="텍스트 상자 13"/>
           <p:cNvSpPr txBox="1">
             <a:spLocks/>
           </p:cNvSpPr>
@@ -10690,8 +10770,8 @@
         </p:nvSpPr>
         <p:spPr>
           <a:xfrm rot="0">
-            <a:off x="4307840" y="372110"/>
-            <a:ext cx="3576320" cy="554990"/>
+            <a:off x="4356735" y="405765"/>
+            <a:ext cx="3560445" cy="554990"/>
           </a:xfrm>
           <a:prstGeom prst="rect"/>
           <a:noFill/>
@@ -10715,14 +10795,7 @@
                 <a:latin typeface="맑은 고딕" charset="0"/>
                 <a:ea typeface="맑은 고딕" charset="0"/>
               </a:rPr>
-              <a:t>여섯</a:t>
-            </a:r>
-            <a:r>
-              <a:rPr lang="ko-KR" sz="3000" b="1">
-                <a:latin typeface="맑은 고딕" charset="0"/>
-                <a:ea typeface="맑은 고딕" charset="0"/>
-              </a:rPr>
-              <a:t> 번째 튜토리얼</a:t>
+              <a:t>다섯 번째 튜토리얼</a:t>
             </a:r>
             <a:r>
               <a:rPr sz="3000" b="1">
@@ -10740,16 +10813,16 @@
       </p:sp>
       <p:sp>
         <p:nvSpPr>
-          <p:cNvPr id="6" name="Rect 0"/>
+          <p:cNvPr id="3" name="텍스트 상자 14"/>
           <p:cNvSpPr txBox="1">
             <a:spLocks/>
           </p:cNvSpPr>
           <p:nvPr/>
         </p:nvSpPr>
         <p:spPr>
-          <a:xfrm>
-            <a:off x="1189355" y="3961130"/>
-            <a:ext cx="4124325" cy="2031365"/>
+          <a:xfrm rot="0">
+            <a:off x="1292225" y="4253230"/>
+            <a:ext cx="4070350" cy="1754505"/>
           </a:xfrm>
           <a:prstGeom prst="rect"/>
           <a:noFill/>
@@ -10769,38 +10842,18 @@
               <a:buNone/>
             </a:pPr>
             <a:r>
-              <a:rPr lang="ko-KR" sz="1800" b="1">
-                <a:solidFill>
-                  <a:srgbClr val="0611F2"/>
-                </a:solidFill>
-                <a:latin typeface="맑은 고딕" charset="0"/>
-                <a:ea typeface="맑은 고딕" charset="0"/>
-              </a:rPr>
-              <a:t>8</a:t>
-            </a:r>
-            <a:r>
-              <a:rPr sz="1800" b="1">
-                <a:solidFill>
-                  <a:srgbClr val="0611F2"/>
-                </a:solidFill>
-                <a:latin typeface="맑은 고딕" charset="0"/>
-                <a:ea typeface="맑은 고딕" charset="0"/>
-              </a:rPr>
-              <a:t>.</a:t>
-            </a:r>
-            <a:r>
               <a:rPr sz="1800">
                 <a:latin typeface="맑은 고딕" charset="0"/>
                 <a:ea typeface="맑은 고딕" charset="0"/>
               </a:rPr>
-              <a:t> </a:t>
+              <a:t>Min Size : LayOut Group 컴포넌트와 함께 사용</a:t>
             </a:r>
             <a:r>
               <a:rPr lang="ko-KR" sz="1800">
                 <a:latin typeface="맑은 고딕" charset="0"/>
                 <a:ea typeface="맑은 고딕" charset="0"/>
               </a:rPr>
-              <a:t>빈 게임 오브젝트를 생성하고 이름은 Chatting Manager로 변경합니다.</a:t>
+              <a:t>해야 합니다.</a:t>
             </a:r>
             <a:endParaRPr lang="ko-KR" altLang="en-US" sz="1800">
               <a:latin typeface="맑은 고딕" charset="0"/>
@@ -10823,25 +10876,25 @@
               <a:buNone/>
             </a:pPr>
             <a:r>
+              <a:rPr sz="1800">
+                <a:latin typeface="맑은 고딕" charset="0"/>
+                <a:ea typeface="맑은 고딕" charset="0"/>
+              </a:rPr>
+              <a:t>Min Size</a:t>
+            </a:r>
+            <a:r>
               <a:rPr lang="ko-KR" sz="1800">
                 <a:latin typeface="맑은 고딕" charset="0"/>
                 <a:ea typeface="맑은 고딕" charset="0"/>
               </a:rPr>
-              <a:t>그리고 ChatManager라는 스크립트를 </a:t>
-            </a:r>
-            <a:r>
-              <a:rPr lang="ko-KR" sz="1800">
-                <a:latin typeface="맑은 고딕" charset="0"/>
-                <a:ea typeface="맑은 고딕" charset="0"/>
-              </a:rPr>
-              <a:t>생성하고</a:t>
-            </a:r>
-            <a:r>
-              <a:rPr lang="ko-KR" sz="1800">
-                <a:latin typeface="맑은 고딕" charset="0"/>
-                <a:ea typeface="맑은 고딕" charset="0"/>
-              </a:rPr>
-              <a:t> Chatting Manager 오브젝트에 넣어줍니다.</a:t>
+              <a:t>의 경우 </a:t>
+            </a:r>
+            <a:r>
+              <a:rPr sz="1800">
+                <a:latin typeface="맑은 고딕" charset="0"/>
+                <a:ea typeface="맑은 고딕" charset="0"/>
+              </a:rPr>
+              <a:t>레이아웃 요소의 최소 크기를 기준으로 UI의 크기를 맞추는 옵션입니다.  </a:t>
             </a:r>
             <a:endParaRPr lang="ko-KR" altLang="en-US" sz="1800">
               <a:latin typeface="맑은 고딕" charset="0"/>
@@ -10850,9 +10903,53 @@
           </a:p>
         </p:txBody>
       </p:sp>
+      <p:sp>
+        <p:nvSpPr>
+          <p:cNvPr id="4" name="텍스트 상자 15"/>
+          <p:cNvSpPr txBox="1">
+            <a:spLocks/>
+          </p:cNvSpPr>
+          <p:nvPr/>
+        </p:nvSpPr>
+        <p:spPr>
+          <a:xfrm rot="0">
+            <a:off x="6824980" y="4805680"/>
+            <a:ext cx="4150995" cy="1202055"/>
+          </a:xfrm>
+          <a:prstGeom prst="rect"/>
+          <a:noFill/>
+          <a:ln w="0">
+            <a:noFill/>
+            <a:prstDash/>
+          </a:ln>
+        </p:spPr>
+        <p:txBody>
+          <a:bodyPr wrap="square" lIns="89535" tIns="46355" rIns="89535" bIns="46355" numCol="1" vert="horz" anchor="t">
+            <a:spAutoFit/>
+          </a:bodyPr>
+          <a:lstStyle/>
+          <a:p>
+            <a:pPr marL="0" indent="0" rtl="0" algn="l" defTabSz="914400" eaLnBrk="1" latinLnBrk="0" hangingPunct="1">
+              <a:buFontTx/>
+              <a:buNone/>
+            </a:pPr>
+            <a:r>
+              <a:rPr sz="1800">
+                <a:latin typeface="맑은 고딕" charset="0"/>
+                <a:ea typeface="맑은 고딕" charset="0"/>
+              </a:rPr>
+              <a:t>스크롤 뷰에서 Content라는 게임 오브젝트의 하위 오브젝트로 UI 오브젝트가 생성될 때 생성된 수에 따라 스크롤바의 크기가 조절됩니다.</a:t>
+            </a:r>
+            <a:endParaRPr lang="ko-KR" altLang="en-US" sz="1800">
+              <a:latin typeface="맑은 고딕" charset="0"/>
+              <a:ea typeface="맑은 고딕" charset="0"/>
+            </a:endParaRPr>
+          </a:p>
+        </p:txBody>
+      </p:sp>
       <p:pic>
         <p:nvPicPr>
-          <p:cNvPr id="16" name="그림 32" descr="C:/Users/Admin1/AppData/Roaming/PolarisOffice/ETemp/21612_20234488/fImage21692074464.png"/>
+          <p:cNvPr id="5" name="그림 16" descr="C:/Users/Admin1/AppData/Roaming/PolarisOffice/ETemp/21612_20234488/fImage25012479169.png"/>
           <p:cNvPicPr>
             <a:picLocks noChangeAspect="1"/>
           </p:cNvPicPr>
@@ -10872,18 +10969,16 @@
         </p:blipFill>
         <p:spPr>
           <a:xfrm rot="0">
-            <a:off x="4238625" y="3030220"/>
-            <a:ext cx="743585" cy="791845"/>
-          </a:xfrm>
-          <a:prstGeom prst="roundRect"/>
-          <a:solidFill>
-            <a:srgbClr val="EDEDED"/>
-          </a:solidFill>
+            <a:off x="1290955" y="1367790"/>
+            <a:ext cx="4055110" cy="2686050"/>
+          </a:xfrm>
+          <a:prstGeom prst="rect"/>
+          <a:noFill/>
         </p:spPr>
       </p:pic>
       <p:pic>
         <p:nvPicPr>
-          <p:cNvPr id="17" name="그림 37" descr="C:/Users/Admin1/AppData/Roaming/PolarisOffice/ETemp/21612_20234488/fImage330252115705.png"/>
+          <p:cNvPr id="6" name="그림 17" descr="C:/Users/Admin1/AppData/Roaming/PolarisOffice/ETemp/21612_20234488/fImage76002485724.png"/>
           <p:cNvPicPr>
             <a:picLocks noChangeAspect="1"/>
           </p:cNvPicPr>
@@ -10903,8 +10998,8 @@
         </p:blipFill>
         <p:spPr>
           <a:xfrm rot="0">
-            <a:off x="1252855" y="1322705"/>
-            <a:ext cx="2395855" cy="2494915"/>
+            <a:off x="1576705" y="1559560"/>
+            <a:ext cx="3124835" cy="2214880"/>
           </a:xfrm>
           <a:prstGeom prst="roundRect"/>
           <a:solidFill>
@@ -10914,7 +11009,7 @@
       </p:pic>
       <p:sp>
         <p:nvSpPr>
-          <p:cNvPr id="21" name="텍스트 상자 44"/>
+          <p:cNvPr id="7" name="텍스트 상자 18"/>
           <p:cNvSpPr txBox="1">
             <a:spLocks/>
           </p:cNvSpPr>
@@ -10922,8 +11017,8 @@
         </p:nvSpPr>
         <p:spPr>
           <a:xfrm rot="0">
-            <a:off x="6819900" y="4234180"/>
-            <a:ext cx="4029710" cy="1754505"/>
+            <a:off x="1889125" y="1860550"/>
+            <a:ext cx="831215" cy="323850"/>
           </a:xfrm>
           <a:prstGeom prst="rect"/>
           <a:noFill/>
@@ -10943,93 +11038,158 @@
               <a:buNone/>
             </a:pPr>
             <a:r>
-              <a:rPr lang="ko-KR" sz="1800" b="1">
+              <a:rPr lang="ko-KR" sz="1500" b="1">
                 <a:solidFill>
-                  <a:srgbClr val="0611F2"/>
+                  <a:srgbClr val="009900"/>
                 </a:solidFill>
                 <a:latin typeface="맑은 고딕" charset="0"/>
                 <a:ea typeface="맑은 고딕" charset="0"/>
               </a:rPr>
-              <a:t>9</a:t>
-            </a:r>
-            <a:r>
-              <a:rPr sz="1800" b="1">
-                <a:solidFill>
-                  <a:srgbClr val="0611F2"/>
-                </a:solidFill>
-                <a:latin typeface="맑은 고딕" charset="0"/>
-                <a:ea typeface="맑은 고딕" charset="0"/>
-              </a:rPr>
-              <a:t>.</a:t>
-            </a:r>
-            <a:r>
-              <a:rPr sz="1800">
-                <a:latin typeface="맑은 고딕" charset="0"/>
-                <a:ea typeface="맑은 고딕" charset="0"/>
-              </a:rPr>
-              <a:t> </a:t>
-            </a:r>
-            <a:r>
-              <a:rPr lang="ko-KR" sz="1800">
-                <a:latin typeface="맑은 고딕" charset="0"/>
-                <a:ea typeface="맑은 고딕" charset="0"/>
-              </a:rPr>
-              <a:t>이제</a:t>
-            </a:r>
-            <a:r>
-              <a:rPr lang="ko-KR" sz="1800">
-                <a:latin typeface="맑은 고딕" charset="0"/>
-                <a:ea typeface="맑은 고딕" charset="0"/>
-              </a:rPr>
-              <a:t> 텍스트를 입력할 InputField와 채팅 UI를 생성하기 위한 GameObject 선언합니다.</a:t>
-            </a:r>
-            <a:endParaRPr lang="ko-KR" altLang="en-US" sz="1800">
+              <a:t>Layout</a:t>
+            </a:r>
+            <a:endParaRPr lang="ko-KR" altLang="en-US" sz="1500" b="1">
+              <a:solidFill>
+                <a:srgbClr val="009900"/>
+              </a:solidFill>
               <a:latin typeface="맑은 고딕" charset="0"/>
               <a:ea typeface="맑은 고딕" charset="0"/>
             </a:endParaRPr>
           </a:p>
+        </p:txBody>
+      </p:sp>
+      <p:sp>
+        <p:nvSpPr>
+          <p:cNvPr id="8" name="텍스트 상자 19"/>
+          <p:cNvSpPr txBox="1">
+            <a:spLocks/>
+          </p:cNvSpPr>
+          <p:nvPr/>
+        </p:nvSpPr>
+        <p:spPr>
+          <a:xfrm rot="0">
+            <a:off x="1801495" y="3166110"/>
+            <a:ext cx="1017270" cy="323850"/>
+          </a:xfrm>
+          <a:prstGeom prst="rect"/>
+          <a:noFill/>
+          <a:ln w="0">
+            <a:noFill/>
+            <a:prstDash/>
+          </a:ln>
+        </p:spPr>
+        <p:txBody>
+          <a:bodyPr wrap="square" lIns="89535" tIns="46355" rIns="89535" bIns="46355" numCol="1" vert="horz" anchor="t">
+            <a:spAutoFit/>
+          </a:bodyPr>
+          <a:lstStyle/>
           <a:p>
             <a:pPr marL="0" indent="0" rtl="0" algn="l" defTabSz="914400" eaLnBrk="1" latinLnBrk="0" hangingPunct="1">
               <a:buFontTx/>
               <a:buNone/>
             </a:pPr>
-            <a:endParaRPr lang="ko-KR" altLang="en-US" sz="1800">
+            <a:endParaRPr lang="ko-KR" altLang="en-US" sz="1500" b="1">
+              <a:solidFill>
+                <a:srgbClr val="009900"/>
+              </a:solidFill>
               <a:latin typeface="맑은 고딕" charset="0"/>
               <a:ea typeface="맑은 고딕" charset="0"/>
             </a:endParaRPr>
           </a:p>
+        </p:txBody>
+      </p:sp>
+      <p:sp>
+        <p:nvSpPr>
+          <p:cNvPr id="9" name="텍스트 상자 20"/>
+          <p:cNvSpPr txBox="1">
+            <a:spLocks/>
+          </p:cNvSpPr>
+          <p:nvPr/>
+        </p:nvSpPr>
+        <p:spPr>
+          <a:xfrm rot="0">
+            <a:off x="3384550" y="3173730"/>
+            <a:ext cx="1017270" cy="323850"/>
+          </a:xfrm>
+          <a:prstGeom prst="rect"/>
+          <a:noFill/>
+          <a:ln w="0">
+            <a:noFill/>
+            <a:prstDash/>
+          </a:ln>
+        </p:spPr>
+        <p:txBody>
+          <a:bodyPr wrap="square" lIns="89535" tIns="46355" rIns="89535" bIns="46355" numCol="1" vert="horz" anchor="t">
+            <a:spAutoFit/>
+          </a:bodyPr>
+          <a:lstStyle/>
           <a:p>
             <a:pPr marL="0" indent="0" rtl="0" algn="l" defTabSz="914400" eaLnBrk="1" latinLnBrk="0" hangingPunct="1">
               <a:buFontTx/>
               <a:buNone/>
             </a:pPr>
-            <a:r>
-              <a:rPr lang="ko-KR" sz="1800">
-                <a:latin typeface="맑은 고딕" charset="0"/>
-                <a:ea typeface="맑은 고딕" charset="0"/>
-              </a:rPr>
-              <a:t>마지막으로 텍스트의 위치를 조정할 Transform 변수를 선언합니다.</a:t>
-            </a:r>
-            <a:endParaRPr lang="ko-KR" altLang="en-US" sz="1800">
+            <a:endParaRPr lang="ko-KR" altLang="en-US" sz="1500" b="1">
+              <a:solidFill>
+                <a:srgbClr val="009900"/>
+              </a:solidFill>
               <a:latin typeface="맑은 고딕" charset="0"/>
               <a:ea typeface="맑은 고딕" charset="0"/>
             </a:endParaRPr>
           </a:p>
         </p:txBody>
       </p:sp>
+      <p:sp>
+        <p:nvSpPr>
+          <p:cNvPr id="10" name="텍스트 상자 21"/>
+          <p:cNvSpPr txBox="1">
+            <a:spLocks/>
+          </p:cNvSpPr>
+          <p:nvPr/>
+        </p:nvSpPr>
+        <p:spPr>
+          <a:xfrm rot="0">
+            <a:off x="3370580" y="1932305"/>
+            <a:ext cx="1017270" cy="323850"/>
+          </a:xfrm>
+          <a:prstGeom prst="rect"/>
+          <a:noFill/>
+          <a:ln w="0">
+            <a:noFill/>
+            <a:prstDash/>
+          </a:ln>
+        </p:spPr>
+        <p:txBody>
+          <a:bodyPr wrap="square" lIns="89535" tIns="46355" rIns="89535" bIns="46355" numCol="1" vert="horz" anchor="t">
+            <a:spAutoFit/>
+          </a:bodyPr>
+          <a:lstStyle/>
+          <a:p>
+            <a:pPr marL="0" indent="0" rtl="0" algn="l" defTabSz="914400" eaLnBrk="1" latinLnBrk="0" hangingPunct="1">
+              <a:buFontTx/>
+              <a:buNone/>
+            </a:pPr>
+            <a:endParaRPr lang="ko-KR" altLang="en-US" sz="1500" b="1">
+              <a:solidFill>
+                <a:srgbClr val="009900"/>
+              </a:solidFill>
+              <a:latin typeface="맑은 고딕" charset="0"/>
+              <a:ea typeface="맑은 고딕" charset="0"/>
+            </a:endParaRPr>
+          </a:p>
+        </p:txBody>
+      </p:sp>
       <p:pic>
         <p:nvPicPr>
-          <p:cNvPr id="26" name="그림 51" descr="C:/Users/Admin1/AppData/Roaming/PolarisOffice/ETemp/21612_20234488/fImage94852004464.png"/>
+          <p:cNvPr id="11" name="그림 22"/>
           <p:cNvPicPr>
             <a:picLocks noChangeAspect="1"/>
           </p:cNvPicPr>
           <p:nvPr/>
         </p:nvPicPr>
         <p:blipFill rotWithShape="1">
-          <a:blip r:embed="rId9" cstate="print">
+          <a:blip r:embed="rId4" cstate="hqprint">
             <a:extLst>
               <a:ext uri="{28A0092B-C50C-407E-A947-70E740481C1C}">
-                <a14:useLocalDpi xmlns:a14="http://schemas.microsoft.com/office/drawing/2010/main" val="0"/>
+                <a14:useLocalDpi xmlns:a14="http://schemas.microsoft.com/office/drawing/2010/main"/>
               </a:ext>
             </a:extLst>
           </a:blip>
@@ -11039,8 +11199,8 @@
         </p:blipFill>
         <p:spPr>
           <a:xfrm rot="0">
-            <a:off x="3841750" y="1333500"/>
-            <a:ext cx="1530985" cy="1418590"/>
+            <a:off x="6824980" y="1374775"/>
+            <a:ext cx="4149725" cy="3206750"/>
           </a:xfrm>
           <a:prstGeom prst="roundRect"/>
           <a:solidFill>
@@ -11048,72 +11208,156 @@
           </a:solidFill>
         </p:spPr>
       </p:pic>
-      <p:cxnSp>
-        <p:nvCxnSpPr>
-          <p:cNvPr id="19" name="도형 39"/>
-          <p:cNvCxnSpPr>
-            <a:stCxn id="16" idx="0"/>
-            <a:endCxn id="26" idx="2"/>
-          </p:cNvCxnSpPr>
+      <p:sp>
+        <p:nvSpPr>
+          <p:cNvPr id="12" name="텍스트 상자 48"/>
+          <p:cNvSpPr txBox="1">
+            <a:spLocks/>
+          </p:cNvSpPr>
           <p:nvPr/>
-        </p:nvCxnSpPr>
-        <p:spPr>
-          <a:xfrm rot="0" flipH="1" flipV="1">
-            <a:off x="4606925" y="2751455"/>
-            <a:ext cx="3810" cy="279400"/>
-          </a:xfrm>
-          <a:prstGeom prst="straightConnector1"/>
-          <a:ln w="6350" cap="flat" cmpd="sng">
+        </p:nvSpPr>
+        <p:spPr>
+          <a:xfrm rot="0">
+            <a:off x="1897380" y="3001010"/>
+            <a:ext cx="831215" cy="323850"/>
+          </a:xfrm>
+          <a:prstGeom prst="rect"/>
+          <a:noFill/>
+          <a:ln w="0">
+            <a:noFill/>
             <a:prstDash/>
-            <a:tailEnd type="triangle" w="med" len="med"/>
           </a:ln>
         </p:spPr>
-        <p:style>
-          <a:lnRef idx="1">
-            <a:schemeClr val="accent1"/>
-          </a:lnRef>
-          <a:fillRef idx="0">
-            <a:schemeClr val="accent1"/>
-          </a:fillRef>
-          <a:effectRef idx="0">
-            <a:schemeClr val="accent1"/>
-          </a:effectRef>
-          <a:fontRef idx="minor">
-            <a:schemeClr val="tx1"/>
-          </a:fontRef>
-        </p:style>
-      </p:cxnSp>
-      <p:pic>
-        <p:nvPicPr>
-          <p:cNvPr id="27" name="그림 54" descr="C:/Users/Admin1/AppData/Roaming/PolarisOffice/ETemp/21612_20234488/fImage97142015705.png"/>
-          <p:cNvPicPr>
-            <a:picLocks noChangeAspect="1"/>
-          </p:cNvPicPr>
+        <p:txBody>
+          <a:bodyPr wrap="square" lIns="89535" tIns="46355" rIns="89535" bIns="46355" numCol="1" vert="horz" anchor="t">
+            <a:spAutoFit/>
+          </a:bodyPr>
+          <a:lstStyle/>
+          <a:p>
+            <a:pPr marL="0" indent="0" rtl="0" algn="l" defTabSz="914400" eaLnBrk="1" latinLnBrk="0" hangingPunct="1">
+              <a:buFontTx/>
+              <a:buNone/>
+            </a:pPr>
+            <a:r>
+              <a:rPr lang="ko-KR" sz="1500" b="1">
+                <a:solidFill>
+                  <a:srgbClr val="009900"/>
+                </a:solidFill>
+                <a:latin typeface="맑은 고딕" charset="0"/>
+                <a:ea typeface="맑은 고딕" charset="0"/>
+              </a:rPr>
+              <a:t>Layout</a:t>
+            </a:r>
+            <a:endParaRPr lang="ko-KR" altLang="en-US" sz="1500" b="1">
+              <a:solidFill>
+                <a:srgbClr val="009900"/>
+              </a:solidFill>
+              <a:latin typeface="맑은 고딕" charset="0"/>
+              <a:ea typeface="맑은 고딕" charset="0"/>
+            </a:endParaRPr>
+          </a:p>
+        </p:txBody>
+      </p:sp>
+      <p:sp>
+        <p:nvSpPr>
+          <p:cNvPr id="13" name="텍스트 상자 49"/>
+          <p:cNvSpPr txBox="1">
+            <a:spLocks/>
+          </p:cNvSpPr>
           <p:nvPr/>
-        </p:nvPicPr>
-        <p:blipFill rotWithShape="1">
-          <a:blip r:embed="rId10" cstate="print">
-            <a:extLst>
-              <a:ext uri="{28A0092B-C50C-407E-A947-70E740481C1C}">
-                <a14:useLocalDpi xmlns:a14="http://schemas.microsoft.com/office/drawing/2010/main" val="0"/>
-              </a:ext>
-            </a:extLst>
-          </a:blip>
-          <a:stretch>
-            <a:fillRect/>
-          </a:stretch>
-        </p:blipFill>
-        <p:spPr>
-          <a:xfrm rot="0">
-            <a:off x="6819900" y="1323975"/>
-            <a:ext cx="4020185" cy="2724150"/>
-          </a:xfrm>
-          <a:prstGeom prst="roundRect"/>
-          <a:solidFill>
-            <a:srgbClr val="EDEDED"/>
-          </a:solidFill>
-        </p:spPr>
-      </p:pic>
+        </p:nvSpPr>
+        <p:spPr>
+          <a:xfrm rot="0">
+            <a:off x="3463925" y="3001010"/>
+            <a:ext cx="831215" cy="323850"/>
+          </a:xfrm>
+          <a:prstGeom prst="rect"/>
+          <a:noFill/>
+          <a:ln w="0">
+            <a:noFill/>
+            <a:prstDash/>
+          </a:ln>
+        </p:spPr>
+        <p:txBody>
+          <a:bodyPr wrap="square" lIns="89535" tIns="46355" rIns="89535" bIns="46355" numCol="1" vert="horz" anchor="t">
+            <a:spAutoFit/>
+          </a:bodyPr>
+          <a:lstStyle/>
+          <a:p>
+            <a:pPr marL="0" indent="0" rtl="0" algn="l" defTabSz="914400" eaLnBrk="1" latinLnBrk="0" hangingPunct="1">
+              <a:buFontTx/>
+              <a:buNone/>
+            </a:pPr>
+            <a:r>
+              <a:rPr lang="ko-KR" sz="1500" b="1">
+                <a:solidFill>
+                  <a:srgbClr val="009900"/>
+                </a:solidFill>
+                <a:latin typeface="맑은 고딕" charset="0"/>
+                <a:ea typeface="맑은 고딕" charset="0"/>
+              </a:rPr>
+              <a:t>Layout</a:t>
+            </a:r>
+            <a:endParaRPr lang="ko-KR" altLang="en-US" sz="1500" b="1">
+              <a:solidFill>
+                <a:srgbClr val="009900"/>
+              </a:solidFill>
+              <a:latin typeface="맑은 고딕" charset="0"/>
+              <a:ea typeface="맑은 고딕" charset="0"/>
+            </a:endParaRPr>
+          </a:p>
+        </p:txBody>
+      </p:sp>
+      <p:sp>
+        <p:nvSpPr>
+          <p:cNvPr id="14" name="텍스트 상자 50"/>
+          <p:cNvSpPr txBox="1">
+            <a:spLocks/>
+          </p:cNvSpPr>
+          <p:nvPr/>
+        </p:nvSpPr>
+        <p:spPr>
+          <a:xfrm rot="0">
+            <a:off x="3453130" y="1858010"/>
+            <a:ext cx="831215" cy="323850"/>
+          </a:xfrm>
+          <a:prstGeom prst="rect"/>
+          <a:noFill/>
+          <a:ln w="0">
+            <a:noFill/>
+            <a:prstDash/>
+          </a:ln>
+        </p:spPr>
+        <p:txBody>
+          <a:bodyPr wrap="square" lIns="89535" tIns="46355" rIns="89535" bIns="46355" numCol="1" vert="horz" anchor="t">
+            <a:spAutoFit/>
+          </a:bodyPr>
+          <a:lstStyle/>
+          <a:p>
+            <a:pPr marL="0" indent="0" rtl="0" algn="l" defTabSz="914400" eaLnBrk="1" latinLnBrk="0" hangingPunct="1">
+              <a:buFontTx/>
+              <a:buNone/>
+            </a:pPr>
+            <a:r>
+              <a:rPr lang="ko-KR" sz="1500" b="1">
+                <a:solidFill>
+                  <a:srgbClr val="009900"/>
+                </a:solidFill>
+                <a:latin typeface="맑은 고딕" charset="0"/>
+                <a:ea typeface="맑은 고딕" charset="0"/>
+              </a:rPr>
+              <a:t>Layout</a:t>
+            </a:r>
+            <a:endParaRPr lang="ko-KR" altLang="en-US" sz="1500" b="1">
+              <a:solidFill>
+                <a:srgbClr val="009900"/>
+              </a:solidFill>
+              <a:latin typeface="맑은 고딕" charset="0"/>
+              <a:ea typeface="맑은 고딕" charset="0"/>
+            </a:endParaRPr>
+          </a:p>
+        </p:txBody>
+      </p:sp>
     </p:spTree>
   </p:cSld>
   <p:clrMapOvr>
@@ -11156,7 +11400,7 @@
       </p:grpSpPr>
       <p:sp>
         <p:nvSpPr>
-          <p:cNvPr id="25" name="Rect 0"/>
+          <p:cNvPr id="2" name="Rect 0"/>
           <p:cNvSpPr txBox="1">
             <a:spLocks/>
           </p:cNvSpPr>
@@ -11164,8 +11408,8 @@
         </p:nvSpPr>
         <p:spPr>
           <a:xfrm rot="0">
-            <a:off x="1229995" y="4312920"/>
-            <a:ext cx="4133850" cy="1754505"/>
+            <a:off x="4307840" y="372110"/>
+            <a:ext cx="3576320" cy="554990"/>
           </a:xfrm>
           <a:prstGeom prst="rect"/>
           <a:noFill/>
@@ -11180,146 +11424,50 @@
           </a:bodyPr>
           <a:lstStyle/>
           <a:p>
-            <a:pPr marL="0" indent="0" algn="l" latinLnBrk="0" hangingPunct="1">
-              <a:buFontTx/>
-              <a:buNone/>
-            </a:pPr>
-            <a:r>
-              <a:rPr lang="ko-KR" sz="1800" b="1">
-                <a:solidFill>
-                  <a:srgbClr val="0611F2"/>
-                </a:solidFill>
-                <a:latin typeface="맑은 고딕" charset="0"/>
-                <a:ea typeface="맑은 고딕" charset="0"/>
-              </a:rPr>
-              <a:t>10</a:t>
-            </a:r>
-            <a:r>
-              <a:rPr sz="1800" b="1">
-                <a:solidFill>
-                  <a:srgbClr val="0611F2"/>
-                </a:solidFill>
-                <a:latin typeface="맑은 고딕" charset="0"/>
-                <a:ea typeface="맑은 고딕" charset="0"/>
-              </a:rPr>
-              <a:t>.</a:t>
-            </a:r>
-            <a:r>
-              <a:rPr sz="1800">
+            <a:pPr marL="0" indent="0" rtl="0" algn="l" defTabSz="914400" eaLnBrk="1" latinLnBrk="0" hangingPunct="1">
+              <a:buFontTx/>
+              <a:buNone/>
+            </a:pPr>
+            <a:r>
+              <a:rPr lang="ko-KR" sz="3000" b="1">
+                <a:latin typeface="맑은 고딕" charset="0"/>
+                <a:ea typeface="맑은 고딕" charset="0"/>
+              </a:rPr>
+              <a:t>여섯</a:t>
+            </a:r>
+            <a:r>
+              <a:rPr lang="ko-KR" sz="3000" b="1">
+                <a:latin typeface="맑은 고딕" charset="0"/>
+                <a:ea typeface="맑은 고딕" charset="0"/>
+              </a:rPr>
+              <a:t> 번째 튜토리얼</a:t>
+            </a:r>
+            <a:r>
+              <a:rPr sz="3000" b="1">
                 <a:latin typeface="맑은 고딕" charset="0"/>
                 <a:ea typeface="맑은 고딕" charset="0"/>
               </a:rPr>
               <a:t> </a:t>
             </a:r>
-            <a:r>
-              <a:rPr lang="ko-KR" sz="1800">
-                <a:latin typeface="맑은 고딕" charset="0"/>
-                <a:ea typeface="맑은 고딕" charset="0"/>
-              </a:rPr>
-              <a:t>이제 </a:t>
-            </a:r>
-            <a:r>
-              <a:rPr lang="ko-KR" sz="1800">
-                <a:latin typeface="맑은 고딕" charset="0"/>
-                <a:ea typeface="맑은 고딕" charset="0"/>
-              </a:rPr>
-              <a:t>채팅 UI를 생성하도록 설정</a:t>
-            </a:r>
-            <a:r>
-              <a:rPr lang="ko-KR" sz="1800">
-                <a:latin typeface="맑은 고딕" charset="0"/>
-                <a:ea typeface="맑은 고딕" charset="0"/>
-              </a:rPr>
-              <a:t>합니다.</a:t>
-            </a:r>
-            <a:endParaRPr lang="ko-KR" altLang="en-US" sz="1800">
+            <a:endParaRPr lang="ko-KR" altLang="en-US" sz="3000" b="1">
               <a:latin typeface="맑은 고딕" charset="0"/>
               <a:ea typeface="맑은 고딕" charset="0"/>
             </a:endParaRPr>
           </a:p>
-          <a:p>
-            <a:pPr marL="0" indent="0" algn="l" latinLnBrk="0" hangingPunct="1">
-              <a:buFontTx/>
-              <a:buNone/>
-            </a:pPr>
-            <a:endParaRPr lang="ko-KR" altLang="en-US" sz="1800">
-              <a:latin typeface="맑은 고딕" charset="0"/>
-              <a:ea typeface="맑은 고딕" charset="0"/>
-            </a:endParaRPr>
-          </a:p>
-          <a:p>
-            <a:pPr marL="0" indent="0" algn="l" latinLnBrk="0" hangingPunct="1">
-              <a:buFontTx/>
-              <a:buNone/>
-            </a:pPr>
-            <a:r>
-              <a:rPr lang="ko-KR" sz="1800">
-                <a:latin typeface="맑은 고딕" charset="0"/>
-                <a:ea typeface="맑은 고딕" charset="0"/>
-              </a:rPr>
-              <a:t>그리고</a:t>
-            </a:r>
-            <a:r>
-              <a:rPr lang="ko-KR" sz="1800">
-                <a:latin typeface="맑은 고딕" charset="0"/>
-                <a:ea typeface="맑은 고딕" charset="0"/>
-              </a:rPr>
-              <a:t> 채팅 UI의 위치를 </a:t>
-            </a:r>
-            <a:r>
-              <a:rPr lang="ko-KR" sz="1800">
-                <a:latin typeface="맑은 고딕" charset="0"/>
-                <a:ea typeface="맑은 고딕" charset="0"/>
-              </a:rPr>
-              <a:t>content</a:t>
-            </a:r>
-            <a:r>
-              <a:rPr lang="ko-KR" sz="1800">
-                <a:latin typeface="맑은 고딕" charset="0"/>
-                <a:ea typeface="맑은 고딕" charset="0"/>
-              </a:rPr>
-              <a:t> 오브젝트의 하위 오브젝트로 설정</a:t>
-            </a:r>
-            <a:r>
-              <a:rPr lang="ko-KR" sz="1800">
-                <a:latin typeface="맑은 고딕" charset="0"/>
-                <a:ea typeface="맑은 고딕" charset="0"/>
-              </a:rPr>
-              <a:t>하고</a:t>
-            </a:r>
-            <a:r>
-              <a:rPr lang="ko-KR" sz="1800">
-                <a:latin typeface="맑은 고딕" charset="0"/>
-                <a:ea typeface="맑은 고딕" charset="0"/>
-              </a:rPr>
-              <a:t> PunRPC 함수로 </a:t>
-            </a:r>
-            <a:r>
-              <a:rPr lang="ko-KR" sz="1800">
-                <a:latin typeface="맑은 고딕" charset="0"/>
-                <a:ea typeface="맑은 고딕" charset="0"/>
-              </a:rPr>
-              <a:t>설정합니다.</a:t>
-            </a:r>
-            <a:endParaRPr lang="ko-KR" altLang="en-US" sz="1800">
-              <a:latin typeface="맑은 고딕" charset="0"/>
-              <a:ea typeface="맑은 고딕" charset="0"/>
-            </a:endParaRPr>
-          </a:p>
-        </p:txBody>
-      </p:sp>
-      <p:sp>
-        <p:nvSpPr>
-          <p:cNvPr id="31" name="텍스트 상자 24"/>
+        </p:txBody>
+      </p:sp>
+      <p:sp>
+        <p:nvSpPr>
+          <p:cNvPr id="6" name="Rect 0"/>
           <p:cNvSpPr txBox="1">
             <a:spLocks/>
           </p:cNvSpPr>
           <p:nvPr/>
         </p:nvSpPr>
         <p:spPr>
-          <a:xfrm rot="0">
-            <a:off x="6791325" y="4315460"/>
-            <a:ext cx="4324985" cy="1754505"/>
+          <a:xfrm>
+            <a:off x="1189355" y="3961130"/>
+            <a:ext cx="4124325" cy="2031365"/>
           </a:xfrm>
           <a:prstGeom prst="rect"/>
           <a:noFill/>
@@ -11334,7 +11482,7 @@
           </a:bodyPr>
           <a:lstStyle/>
           <a:p>
-            <a:pPr marL="0" indent="0" algn="l" latinLnBrk="0" hangingPunct="1">
+            <a:pPr marL="0" indent="0" rtl="0" algn="l" defTabSz="914400" eaLnBrk="1" latinLnBrk="0" hangingPunct="1">
               <a:buFontTx/>
               <a:buNone/>
             </a:pPr>
@@ -11346,7 +11494,7 @@
                 <a:latin typeface="맑은 고딕" charset="0"/>
                 <a:ea typeface="맑은 고딕" charset="0"/>
               </a:rPr>
-              <a:t>11</a:t>
+              <a:t>8</a:t>
             </a:r>
             <a:r>
               <a:rPr sz="1800" b="1">
@@ -11370,7 +11518,7 @@
                 <a:latin typeface="맑은 고딕" charset="0"/>
                 <a:ea typeface="맑은 고딕" charset="0"/>
               </a:rPr>
-              <a:t>그다음 InputField에 입력한 값을 string 변수에 저장합니다.</a:t>
+              <a:t>빈 게임 오브젝트를 생성하고 이름은 Chatting Manager로 변경합니다.</a:t>
             </a:r>
             <a:endParaRPr lang="ko-KR" altLang="en-US" sz="1800">
               <a:latin typeface="맑은 고딕" charset="0"/>
@@ -11378,7 +11526,7 @@
             </a:endParaRPr>
           </a:p>
           <a:p>
-            <a:pPr marL="0" indent="0" algn="l" latinLnBrk="0" hangingPunct="1">
+            <a:pPr marL="0" indent="0" rtl="0" algn="l" defTabSz="914400" eaLnBrk="1" latinLnBrk="0" hangingPunct="1">
               <a:buFontTx/>
               <a:buNone/>
             </a:pPr>
@@ -11388,7 +11536,7 @@
             </a:endParaRPr>
           </a:p>
           <a:p>
-            <a:pPr marL="0" indent="0" algn="l" latinLnBrk="0" hangingPunct="1">
+            <a:pPr marL="0" indent="0" rtl="0" algn="l" defTabSz="914400" eaLnBrk="1" latinLnBrk="0" hangingPunct="1">
               <a:buFontTx/>
               <a:buNone/>
             </a:pPr>
@@ -11397,21 +11545,21 @@
                 <a:latin typeface="맑은 고딕" charset="0"/>
                 <a:ea typeface="맑은 고딕" charset="0"/>
               </a:rPr>
-              <a:t>마지막으로 채팅을 입력하고 Enter Key를 누르는 순간 RPC 함수를 호출</a:t>
+              <a:t>그리고 ChatManager라는 스크립트를 </a:t>
             </a:r>
             <a:r>
               <a:rPr lang="ko-KR" sz="1800">
                 <a:latin typeface="맑은 고딕" charset="0"/>
                 <a:ea typeface="맑은 고딕" charset="0"/>
               </a:rPr>
-              <a:t>합니다</a:t>
+              <a:t>생성하고</a:t>
             </a:r>
             <a:r>
               <a:rPr lang="ko-KR" sz="1800">
                 <a:latin typeface="맑은 고딕" charset="0"/>
                 <a:ea typeface="맑은 고딕" charset="0"/>
               </a:rPr>
-              <a:t>.</a:t>
+              <a:t> Chatting Manager 오브젝트에 넣어줍니다.</a:t>
             </a:r>
             <a:endParaRPr lang="ko-KR" altLang="en-US" sz="1800">
               <a:latin typeface="맑은 고딕" charset="0"/>
@@ -11422,14 +11570,14 @@
       </p:sp>
       <p:pic>
         <p:nvPicPr>
-          <p:cNvPr id="34" name="그림 32" descr="C:/Users/Admin1/AppData/Roaming/PolarisOffice/ETemp/21612_20234488/fImage115431423281.png"/>
+          <p:cNvPr id="16" name="그림 32" descr="C:/Users/Admin1/AppData/Roaming/PolarisOffice/ETemp/21612_20234488/fImage21692074464.png"/>
           <p:cNvPicPr>
             <a:picLocks noChangeAspect="1"/>
           </p:cNvPicPr>
           <p:nvPr/>
         </p:nvPicPr>
         <p:blipFill rotWithShape="1">
-          <a:blip r:embed="rId7" cstate="hqprint">
+          <a:blip r:embed="rId2" cstate="hqprint">
             <a:extLst>
               <a:ext uri="{28A0092B-C50C-407E-A947-70E740481C1C}">
                 <a14:useLocalDpi xmlns:a14="http://schemas.microsoft.com/office/drawing/2010/main"/>
@@ -11442,81 +11590,25 @@
         </p:blipFill>
         <p:spPr>
           <a:xfrm rot="0">
-            <a:off x="6800850" y="1337945"/>
-            <a:ext cx="4315460" cy="2834640"/>
-          </a:xfrm>
-          <a:prstGeom prst="rect"/>
-          <a:noFill/>
+            <a:off x="4238625" y="3030220"/>
+            <a:ext cx="743585" cy="791845"/>
+          </a:xfrm>
+          <a:prstGeom prst="roundRect"/>
+          <a:solidFill>
+            <a:srgbClr val="EDEDED"/>
+          </a:solidFill>
         </p:spPr>
       </p:pic>
-      <p:sp>
-        <p:nvSpPr>
-          <p:cNvPr id="35" name="텍스트 상자 45"/>
-          <p:cNvSpPr txBox="1">
-            <a:spLocks/>
-          </p:cNvSpPr>
-          <p:nvPr/>
-        </p:nvSpPr>
-        <p:spPr>
-          <a:xfrm rot="0">
-            <a:off x="4323715" y="476885"/>
-            <a:ext cx="3554095" cy="554990"/>
-          </a:xfrm>
-          <a:prstGeom prst="rect"/>
-          <a:noFill/>
-          <a:ln w="0">
-            <a:noFill/>
-            <a:prstDash/>
-          </a:ln>
-        </p:spPr>
-        <p:txBody>
-          <a:bodyPr wrap="square" lIns="89535" tIns="46355" rIns="89535" bIns="46355" numCol="1" vert="horz" anchor="t">
-            <a:spAutoFit/>
-          </a:bodyPr>
-          <a:lstStyle/>
-          <a:p>
-            <a:pPr marL="0" indent="0" rtl="0" algn="l" defTabSz="914400" eaLnBrk="1" latinLnBrk="0" hangingPunct="1">
-              <a:buFontTx/>
-              <a:buNone/>
-            </a:pPr>
-            <a:r>
-              <a:rPr lang="ko-KR" sz="3000" b="1">
-                <a:latin typeface="맑은 고딕" charset="0"/>
-                <a:ea typeface="맑은 고딕" charset="0"/>
-              </a:rPr>
-              <a:t>일곱</a:t>
-            </a:r>
-            <a:r>
-              <a:rPr lang="ko-KR" sz="3000" b="1">
-                <a:latin typeface="맑은 고딕" charset="0"/>
-                <a:ea typeface="맑은 고딕" charset="0"/>
-              </a:rPr>
-              <a:t> 번째 튜토리얼</a:t>
-            </a:r>
-            <a:r>
-              <a:rPr sz="3000" b="1">
-                <a:latin typeface="맑은 고딕" charset="0"/>
-                <a:ea typeface="맑은 고딕" charset="0"/>
-              </a:rPr>
-              <a:t> </a:t>
-            </a:r>
-            <a:endParaRPr lang="ko-KR" altLang="en-US" sz="3000" b="1">
-              <a:latin typeface="맑은 고딕" charset="0"/>
-              <a:ea typeface="맑은 고딕" charset="0"/>
-            </a:endParaRPr>
-          </a:p>
-        </p:txBody>
-      </p:sp>
       <p:pic>
         <p:nvPicPr>
-          <p:cNvPr id="36" name="그림 2" descr="C:/Users/Admin1/AppData/Roaming/PolarisOffice/ETemp/21612_20234488/fImage1486913841.png"/>
+          <p:cNvPr id="17" name="그림 37" descr="C:/Users/Admin1/AppData/Roaming/PolarisOffice/ETemp/21612_20234488/fImage330252115705.png"/>
           <p:cNvPicPr>
             <a:picLocks noChangeAspect="1"/>
           </p:cNvPicPr>
           <p:nvPr/>
         </p:nvPicPr>
         <p:blipFill rotWithShape="1">
-          <a:blip r:embed="rId8" cstate="hqprint">
+          <a:blip r:embed="rId3" cstate="hqprint">
             <a:extLst>
               <a:ext uri="{28A0092B-C50C-407E-A947-70E740481C1C}">
                 <a14:useLocalDpi xmlns:a14="http://schemas.microsoft.com/office/drawing/2010/main"/>
@@ -11529,11 +11621,215 @@
         </p:blipFill>
         <p:spPr>
           <a:xfrm rot="0">
-            <a:off x="1231265" y="1356995"/>
-            <a:ext cx="4124325" cy="2806065"/>
+            <a:off x="1252855" y="1322705"/>
+            <a:ext cx="2395855" cy="2494915"/>
+          </a:xfrm>
+          <a:prstGeom prst="roundRect"/>
+          <a:solidFill>
+            <a:srgbClr val="EDEDED"/>
+          </a:solidFill>
+        </p:spPr>
+      </p:pic>
+      <p:sp>
+        <p:nvSpPr>
+          <p:cNvPr id="21" name="텍스트 상자 44"/>
+          <p:cNvSpPr txBox="1">
+            <a:spLocks/>
+          </p:cNvSpPr>
+          <p:nvPr/>
+        </p:nvSpPr>
+        <p:spPr>
+          <a:xfrm rot="0">
+            <a:off x="6819900" y="4234180"/>
+            <a:ext cx="4029710" cy="1754505"/>
           </a:xfrm>
           <a:prstGeom prst="rect"/>
           <a:noFill/>
+          <a:ln w="0">
+            <a:noFill/>
+            <a:prstDash/>
+          </a:ln>
+        </p:spPr>
+        <p:txBody>
+          <a:bodyPr wrap="square" lIns="89535" tIns="46355" rIns="89535" bIns="46355" numCol="1" vert="horz" anchor="t">
+            <a:spAutoFit/>
+          </a:bodyPr>
+          <a:lstStyle/>
+          <a:p>
+            <a:pPr marL="0" indent="0" rtl="0" algn="l" defTabSz="914400" eaLnBrk="1" latinLnBrk="0" hangingPunct="1">
+              <a:buFontTx/>
+              <a:buNone/>
+            </a:pPr>
+            <a:r>
+              <a:rPr lang="ko-KR" sz="1800" b="1">
+                <a:solidFill>
+                  <a:srgbClr val="0611F2"/>
+                </a:solidFill>
+                <a:latin typeface="맑은 고딕" charset="0"/>
+                <a:ea typeface="맑은 고딕" charset="0"/>
+              </a:rPr>
+              <a:t>9</a:t>
+            </a:r>
+            <a:r>
+              <a:rPr sz="1800" b="1">
+                <a:solidFill>
+                  <a:srgbClr val="0611F2"/>
+                </a:solidFill>
+                <a:latin typeface="맑은 고딕" charset="0"/>
+                <a:ea typeface="맑은 고딕" charset="0"/>
+              </a:rPr>
+              <a:t>.</a:t>
+            </a:r>
+            <a:r>
+              <a:rPr sz="1800">
+                <a:latin typeface="맑은 고딕" charset="0"/>
+                <a:ea typeface="맑은 고딕" charset="0"/>
+              </a:rPr>
+              <a:t> </a:t>
+            </a:r>
+            <a:r>
+              <a:rPr lang="ko-KR" sz="1800">
+                <a:latin typeface="맑은 고딕" charset="0"/>
+                <a:ea typeface="맑은 고딕" charset="0"/>
+              </a:rPr>
+              <a:t>이제</a:t>
+            </a:r>
+            <a:r>
+              <a:rPr lang="ko-KR" sz="1800">
+                <a:latin typeface="맑은 고딕" charset="0"/>
+                <a:ea typeface="맑은 고딕" charset="0"/>
+              </a:rPr>
+              <a:t> 텍스트를 입력할 InputField와 채팅 UI를 생성하기 위한 GameObject 선언합니다.</a:t>
+            </a:r>
+            <a:endParaRPr lang="ko-KR" altLang="en-US" sz="1800">
+              <a:latin typeface="맑은 고딕" charset="0"/>
+              <a:ea typeface="맑은 고딕" charset="0"/>
+            </a:endParaRPr>
+          </a:p>
+          <a:p>
+            <a:pPr marL="0" indent="0" rtl="0" algn="l" defTabSz="914400" eaLnBrk="1" latinLnBrk="0" hangingPunct="1">
+              <a:buFontTx/>
+              <a:buNone/>
+            </a:pPr>
+            <a:endParaRPr lang="ko-KR" altLang="en-US" sz="1800">
+              <a:latin typeface="맑은 고딕" charset="0"/>
+              <a:ea typeface="맑은 고딕" charset="0"/>
+            </a:endParaRPr>
+          </a:p>
+          <a:p>
+            <a:pPr marL="0" indent="0" rtl="0" algn="l" defTabSz="914400" eaLnBrk="1" latinLnBrk="0" hangingPunct="1">
+              <a:buFontTx/>
+              <a:buNone/>
+            </a:pPr>
+            <a:r>
+              <a:rPr lang="ko-KR" sz="1800">
+                <a:latin typeface="맑은 고딕" charset="0"/>
+                <a:ea typeface="맑은 고딕" charset="0"/>
+              </a:rPr>
+              <a:t>마지막으로 텍스트의 위치를 조정할 Transform 변수를 선언합니다.</a:t>
+            </a:r>
+            <a:endParaRPr lang="ko-KR" altLang="en-US" sz="1800">
+              <a:latin typeface="맑은 고딕" charset="0"/>
+              <a:ea typeface="맑은 고딕" charset="0"/>
+            </a:endParaRPr>
+          </a:p>
+        </p:txBody>
+      </p:sp>
+      <p:pic>
+        <p:nvPicPr>
+          <p:cNvPr id="26" name="그림 51" descr="C:/Users/Admin1/AppData/Roaming/PolarisOffice/ETemp/21612_20234488/fImage94852004464.png"/>
+          <p:cNvPicPr>
+            <a:picLocks noChangeAspect="1"/>
+          </p:cNvPicPr>
+          <p:nvPr/>
+        </p:nvPicPr>
+        <p:blipFill rotWithShape="1">
+          <a:blip r:embed="rId9" cstate="print">
+            <a:extLst>
+              <a:ext uri="{28A0092B-C50C-407E-A947-70E740481C1C}">
+                <a14:useLocalDpi xmlns:a14="http://schemas.microsoft.com/office/drawing/2010/main" val="0"/>
+              </a:ext>
+            </a:extLst>
+          </a:blip>
+          <a:stretch>
+            <a:fillRect/>
+          </a:stretch>
+        </p:blipFill>
+        <p:spPr>
+          <a:xfrm rot="0">
+            <a:off x="3841750" y="1333500"/>
+            <a:ext cx="1530985" cy="1418590"/>
+          </a:xfrm>
+          <a:prstGeom prst="roundRect"/>
+          <a:solidFill>
+            <a:srgbClr val="EDEDED"/>
+          </a:solidFill>
+        </p:spPr>
+      </p:pic>
+      <p:cxnSp>
+        <p:nvCxnSpPr>
+          <p:cNvPr id="19" name="도형 39"/>
+          <p:cNvCxnSpPr>
+            <a:stCxn id="16" idx="0"/>
+            <a:endCxn id="26" idx="2"/>
+          </p:cNvCxnSpPr>
+          <p:nvPr/>
+        </p:nvCxnSpPr>
+        <p:spPr>
+          <a:xfrm rot="0" flipH="1" flipV="1">
+            <a:off x="4606925" y="2751455"/>
+            <a:ext cx="3810" cy="279400"/>
+          </a:xfrm>
+          <a:prstGeom prst="straightConnector1"/>
+          <a:ln w="6350" cap="flat" cmpd="sng">
+            <a:prstDash/>
+            <a:tailEnd type="triangle" w="med" len="med"/>
+          </a:ln>
+        </p:spPr>
+        <p:style>
+          <a:lnRef idx="1">
+            <a:schemeClr val="accent1"/>
+          </a:lnRef>
+          <a:fillRef idx="0">
+            <a:schemeClr val="accent1"/>
+          </a:fillRef>
+          <a:effectRef idx="0">
+            <a:schemeClr val="accent1"/>
+          </a:effectRef>
+          <a:fontRef idx="minor">
+            <a:schemeClr val="tx1"/>
+          </a:fontRef>
+        </p:style>
+      </p:cxnSp>
+      <p:pic>
+        <p:nvPicPr>
+          <p:cNvPr id="27" name="그림 54" descr="C:/Users/Admin1/AppData/Roaming/PolarisOffice/ETemp/21612_20234488/fImage97142015705.png"/>
+          <p:cNvPicPr>
+            <a:picLocks noChangeAspect="1"/>
+          </p:cNvPicPr>
+          <p:nvPr/>
+        </p:nvPicPr>
+        <p:blipFill rotWithShape="1">
+          <a:blip r:embed="rId10" cstate="print">
+            <a:extLst>
+              <a:ext uri="{28A0092B-C50C-407E-A947-70E740481C1C}">
+                <a14:useLocalDpi xmlns:a14="http://schemas.microsoft.com/office/drawing/2010/main" val="0"/>
+              </a:ext>
+            </a:extLst>
+          </a:blip>
+          <a:stretch>
+            <a:fillRect/>
+          </a:stretch>
+        </p:blipFill>
+        <p:spPr>
+          <a:xfrm rot="0">
+            <a:off x="6819900" y="1323975"/>
+            <a:ext cx="4020185" cy="2724150"/>
+          </a:xfrm>
+          <a:prstGeom prst="roundRect"/>
+          <a:solidFill>
+            <a:srgbClr val="EDEDED"/>
+          </a:solidFill>
         </p:spPr>
       </p:pic>
     </p:spTree>
@@ -11578,7 +11874,7 @@
       </p:grpSpPr>
       <p:sp>
         <p:nvSpPr>
-          <p:cNvPr id="1031" name="Rect 0"/>
+          <p:cNvPr id="25" name="Rect 0"/>
           <p:cNvSpPr txBox="1">
             <a:spLocks/>
           </p:cNvSpPr>
@@ -11586,8 +11882,8 @@
         </p:nvSpPr>
         <p:spPr>
           <a:xfrm rot="0">
-            <a:off x="3908425" y="376555"/>
-            <a:ext cx="4377690" cy="554990"/>
+            <a:off x="1229995" y="4312920"/>
+            <a:ext cx="4133850" cy="1754505"/>
           </a:xfrm>
           <a:prstGeom prst="rect"/>
           <a:noFill/>
@@ -11602,33 +11898,137 @@
           </a:bodyPr>
           <a:lstStyle/>
           <a:p>
-            <a:pPr marL="0" indent="0" algn="l" latinLnBrk="0">
-              <a:buFontTx/>
-              <a:buNone/>
-            </a:pPr>
-            <a:r>
-              <a:rPr lang="ko-KR" altLang="en-US" sz="3000" b="1">
+            <a:pPr marL="0" indent="0" algn="l" latinLnBrk="0" hangingPunct="1">
+              <a:buFontTx/>
+              <a:buNone/>
+            </a:pPr>
+            <a:r>
+              <a:rPr lang="ko-KR" sz="1800" b="1">
                 <a:solidFill>
-                  <a:schemeClr val="tx1"/>
+                  <a:srgbClr val="0611F2"/>
                 </a:solidFill>
                 <a:latin typeface="맑은 고딕" charset="0"/>
                 <a:ea typeface="맑은 고딕" charset="0"/>
               </a:rPr>
-              <a:t>Remote Procedure Call</a:t>
-            </a:r>
-            <a:endParaRPr lang="ko-KR" altLang="en-US" sz="3000" b="1">
-              <a:solidFill>
-                <a:schemeClr val="tx1"/>
-              </a:solidFill>
+              <a:t>10</a:t>
+            </a:r>
+            <a:r>
+              <a:rPr sz="1800" b="1">
+                <a:solidFill>
+                  <a:srgbClr val="0611F2"/>
+                </a:solidFill>
+                <a:latin typeface="맑은 고딕" charset="0"/>
+                <a:ea typeface="맑은 고딕" charset="0"/>
+              </a:rPr>
+              <a:t>.</a:t>
+            </a:r>
+            <a:r>
+              <a:rPr sz="1800">
+                <a:latin typeface="맑은 고딕" charset="0"/>
+                <a:ea typeface="맑은 고딕" charset="0"/>
+              </a:rPr>
+              <a:t> </a:t>
+            </a:r>
+            <a:r>
+              <a:rPr lang="ko-KR" sz="1800">
+                <a:latin typeface="맑은 고딕" charset="0"/>
+                <a:ea typeface="맑은 고딕" charset="0"/>
+              </a:rPr>
+              <a:t>이제 </a:t>
+            </a:r>
+            <a:r>
+              <a:rPr lang="ko-KR" sz="1800">
+                <a:latin typeface="맑은 고딕" charset="0"/>
+                <a:ea typeface="맑은 고딕" charset="0"/>
+              </a:rPr>
+              <a:t>채팅 UI를 생성하도록 설정</a:t>
+            </a:r>
+            <a:r>
+              <a:rPr lang="ko-KR" sz="1800">
+                <a:latin typeface="맑은 고딕" charset="0"/>
+                <a:ea typeface="맑은 고딕" charset="0"/>
+              </a:rPr>
+              <a:t>합니다.</a:t>
+            </a:r>
+            <a:endParaRPr lang="ko-KR" altLang="en-US" sz="1800">
               <a:latin typeface="맑은 고딕" charset="0"/>
               <a:ea typeface="맑은 고딕" charset="0"/>
             </a:endParaRPr>
           </a:p>
-        </p:txBody>
-      </p:sp>
-      <p:sp>
-        <p:nvSpPr>
-          <p:cNvPr id="1032" name="텍스트 상자 1"/>
+          <a:p>
+            <a:pPr marL="0" indent="0" algn="l" latinLnBrk="0" hangingPunct="1">
+              <a:buFontTx/>
+              <a:buNone/>
+            </a:pPr>
+            <a:endParaRPr lang="ko-KR" altLang="en-US" sz="1800">
+              <a:latin typeface="맑은 고딕" charset="0"/>
+              <a:ea typeface="맑은 고딕" charset="0"/>
+            </a:endParaRPr>
+          </a:p>
+          <a:p>
+            <a:pPr marL="0" indent="0" algn="l" latinLnBrk="0" hangingPunct="1">
+              <a:buFontTx/>
+              <a:buNone/>
+            </a:pPr>
+            <a:r>
+              <a:rPr lang="ko-KR" sz="1800">
+                <a:latin typeface="맑은 고딕" charset="0"/>
+                <a:ea typeface="맑은 고딕" charset="0"/>
+              </a:rPr>
+              <a:t>그리고</a:t>
+            </a:r>
+            <a:r>
+              <a:rPr lang="ko-KR" sz="1800">
+                <a:latin typeface="맑은 고딕" charset="0"/>
+                <a:ea typeface="맑은 고딕" charset="0"/>
+              </a:rPr>
+              <a:t> 채팅 UI의 위치를 </a:t>
+            </a:r>
+            <a:r>
+              <a:rPr lang="ko-KR" sz="1800">
+                <a:latin typeface="맑은 고딕" charset="0"/>
+                <a:ea typeface="맑은 고딕" charset="0"/>
+              </a:rPr>
+              <a:t>content</a:t>
+            </a:r>
+            <a:r>
+              <a:rPr lang="ko-KR" sz="1800">
+                <a:latin typeface="맑은 고딕" charset="0"/>
+                <a:ea typeface="맑은 고딕" charset="0"/>
+              </a:rPr>
+              <a:t> 오브젝트의 하위 오브젝트로 설정</a:t>
+            </a:r>
+            <a:r>
+              <a:rPr lang="ko-KR" sz="1800">
+                <a:latin typeface="맑은 고딕" charset="0"/>
+                <a:ea typeface="맑은 고딕" charset="0"/>
+              </a:rPr>
+              <a:t>하고</a:t>
+            </a:r>
+            <a:r>
+              <a:rPr lang="ko-KR" sz="1800">
+                <a:latin typeface="맑은 고딕" charset="0"/>
+                <a:ea typeface="맑은 고딕" charset="0"/>
+              </a:rPr>
+              <a:t> PunRPC 함수로 </a:t>
+            </a:r>
+            <a:r>
+              <a:rPr lang="ko-KR" sz="1800">
+                <a:latin typeface="맑은 고딕" charset="0"/>
+                <a:ea typeface="맑은 고딕" charset="0"/>
+              </a:rPr>
+              <a:t>설정합니다.</a:t>
+            </a:r>
+            <a:endParaRPr lang="ko-KR" altLang="en-US" sz="1800">
+              <a:latin typeface="맑은 고딕" charset="0"/>
+              <a:ea typeface="맑은 고딕" charset="0"/>
+            </a:endParaRPr>
+          </a:p>
+        </p:txBody>
+      </p:sp>
+      <p:sp>
+        <p:nvSpPr>
+          <p:cNvPr id="31" name="텍스트 상자 24"/>
           <p:cNvSpPr txBox="1">
             <a:spLocks/>
           </p:cNvSpPr>
@@ -11636,8 +12036,8 @@
         </p:nvSpPr>
         <p:spPr>
           <a:xfrm rot="0">
-            <a:off x="837565" y="5269865"/>
-            <a:ext cx="4497070" cy="923925"/>
+            <a:off x="6791325" y="4315460"/>
+            <a:ext cx="4324985" cy="1754505"/>
           </a:xfrm>
           <a:prstGeom prst="rect"/>
           <a:noFill/>
@@ -11657,56 +12057,49 @@
               <a:buNone/>
             </a:pPr>
             <a:r>
+              <a:rPr lang="ko-KR" sz="1800" b="1">
+                <a:solidFill>
+                  <a:srgbClr val="0611F2"/>
+                </a:solidFill>
+                <a:latin typeface="맑은 고딕" charset="0"/>
+                <a:ea typeface="맑은 고딕" charset="0"/>
+              </a:rPr>
+              <a:t>11</a:t>
+            </a:r>
+            <a:r>
+              <a:rPr sz="1800" b="1">
+                <a:solidFill>
+                  <a:srgbClr val="0611F2"/>
+                </a:solidFill>
+                <a:latin typeface="맑은 고딕" charset="0"/>
+                <a:ea typeface="맑은 고딕" charset="0"/>
+              </a:rPr>
+              <a:t>.</a:t>
+            </a:r>
+            <a:r>
+              <a:rPr sz="1800">
+                <a:latin typeface="맑은 고딕" charset="0"/>
+                <a:ea typeface="맑은 고딕" charset="0"/>
+              </a:rPr>
+              <a:t> </a:t>
+            </a:r>
+            <a:r>
               <a:rPr lang="ko-KR" sz="1800">
                 <a:latin typeface="맑은 고딕" charset="0"/>
                 <a:ea typeface="맑은 고딕" charset="0"/>
               </a:rPr>
-              <a:t>원격 프로시저 호출은 주소 공간에서 함수나 프로시저를 실행할 수 있게 하는 프로세스 간 통신 기술입니다.</a:t>
+              <a:t>그다음 InputField에 입력한 값을 string 변수에 저장합니다.</a:t>
             </a:r>
             <a:endParaRPr lang="ko-KR" altLang="en-US" sz="1800">
               <a:latin typeface="맑은 고딕" charset="0"/>
               <a:ea typeface="맑은 고딕" charset="0"/>
             </a:endParaRPr>
           </a:p>
-        </p:txBody>
-      </p:sp>
-      <p:sp>
-        <p:nvSpPr>
-          <p:cNvPr id="1033" name="텍스트 상자 2"/>
-          <p:cNvSpPr txBox="1">
-            <a:spLocks/>
-          </p:cNvSpPr>
-          <p:nvPr/>
-        </p:nvSpPr>
-        <p:spPr>
-          <a:xfrm rot="0">
-            <a:off x="6905625" y="1388745"/>
-            <a:ext cx="4163060" cy="4799965"/>
-          </a:xfrm>
-          <a:prstGeom prst="rect"/>
-          <a:noFill/>
-          <a:ln w="0">
-            <a:noFill/>
-            <a:prstDash/>
-          </a:ln>
-        </p:spPr>
-        <p:txBody>
-          <a:bodyPr wrap="square" lIns="89535" tIns="46355" rIns="89535" bIns="46355" numCol="1" vert="horz" anchor="t">
-            <a:spAutoFit/>
-          </a:bodyPr>
-          <a:lstStyle/>
           <a:p>
             <a:pPr marL="0" indent="0" algn="l" latinLnBrk="0" hangingPunct="1">
               <a:buFontTx/>
               <a:buNone/>
             </a:pPr>
-            <a:r>
-              <a:rPr lang="ko-KR" sz="1800">
-                <a:latin typeface="맑은 고딕" charset="0"/>
-                <a:ea typeface="맑은 고딕" charset="0"/>
-              </a:rPr>
-              <a:t>포톤에서는 여러 명의 클라이언트가 모두 같은 스크립트를 가지고 일반 함수를 호출하게 되면 로컬에서만 실행됩니다.</a:t>
-            </a:r>
             <a:endParaRPr lang="ko-KR" altLang="en-US" sz="1800">
               <a:latin typeface="맑은 고딕" charset="0"/>
               <a:ea typeface="맑은 고딕" charset="0"/>
@@ -11717,116 +12110,37 @@
               <a:buFontTx/>
               <a:buNone/>
             </a:pPr>
+            <a:r>
+              <a:rPr lang="ko-KR" sz="1800">
+                <a:latin typeface="맑은 고딕" charset="0"/>
+                <a:ea typeface="맑은 고딕" charset="0"/>
+              </a:rPr>
+              <a:t>마지막으로 채팅을 입력하고 Enter Key를 누르는 순간 RPC 함수를 호출</a:t>
+            </a:r>
+            <a:r>
+              <a:rPr lang="ko-KR" sz="1800">
+                <a:latin typeface="맑은 고딕" charset="0"/>
+                <a:ea typeface="맑은 고딕" charset="0"/>
+              </a:rPr>
+              <a:t>합니다</a:t>
+            </a:r>
+            <a:r>
+              <a:rPr lang="ko-KR" sz="1800">
+                <a:latin typeface="맑은 고딕" charset="0"/>
+                <a:ea typeface="맑은 고딕" charset="0"/>
+              </a:rPr>
+              <a:t>.</a:t>
+            </a:r>
             <a:endParaRPr lang="ko-KR" altLang="en-US" sz="1800">
               <a:latin typeface="맑은 고딕" charset="0"/>
               <a:ea typeface="맑은 고딕" charset="0"/>
             </a:endParaRPr>
           </a:p>
-          <a:p>
-            <a:pPr marL="0" indent="0" algn="l" latinLnBrk="0" hangingPunct="1">
-              <a:buFontTx/>
-              <a:buNone/>
-            </a:pPr>
-            <a:r>
-              <a:rPr lang="ko-KR" sz="1800">
-                <a:latin typeface="맑은 고딕" charset="0"/>
-                <a:ea typeface="맑은 고딕" charset="0"/>
-              </a:rPr>
-              <a:t>그래서 다른 컴퓨터에서도 특정 함수의 실행을 보여주기 위해서는 RPC 함수를 만들어서 호출해야 합니다.</a:t>
-            </a:r>
-            <a:endParaRPr lang="ko-KR" altLang="en-US" sz="1800">
-              <a:latin typeface="맑은 고딕" charset="0"/>
-              <a:ea typeface="맑은 고딕" charset="0"/>
-            </a:endParaRPr>
-          </a:p>
-          <a:p>
-            <a:pPr marL="0" indent="0" algn="l" latinLnBrk="0" hangingPunct="1">
-              <a:buFontTx/>
-              <a:buNone/>
-            </a:pPr>
-            <a:endParaRPr lang="ko-KR" altLang="en-US" sz="1800">
-              <a:latin typeface="맑은 고딕" charset="0"/>
-              <a:ea typeface="맑은 고딕" charset="0"/>
-            </a:endParaRPr>
-          </a:p>
-          <a:p>
-            <a:pPr marL="0" indent="0" algn="l" latinLnBrk="0" hangingPunct="1">
-              <a:buFontTx/>
-              <a:buNone/>
-            </a:pPr>
-            <a:r>
-              <a:rPr lang="ko-KR" sz="1800">
-                <a:latin typeface="맑은 고딕" charset="0"/>
-                <a:ea typeface="맑은 고딕" charset="0"/>
-              </a:rPr>
-              <a:t>PRC 채팅은 일반 함수끼리 통신이 안 되기 때문에 서로 다른 클라이언트에서는 같은 View ID끼리 같은 함수를 실행하도록 설정합니다.</a:t>
-            </a:r>
-            <a:endParaRPr lang="ko-KR" altLang="en-US" sz="1800">
-              <a:latin typeface="맑은 고딕" charset="0"/>
-              <a:ea typeface="맑은 고딕" charset="0"/>
-            </a:endParaRPr>
-          </a:p>
-          <a:p>
-            <a:pPr marL="0" indent="0" algn="l" latinLnBrk="0" hangingPunct="1">
-              <a:buFontTx/>
-              <a:buNone/>
-            </a:pPr>
-            <a:endParaRPr lang="ko-KR" altLang="en-US" sz="1800">
-              <a:latin typeface="맑은 고딕" charset="0"/>
-              <a:ea typeface="맑은 고딕" charset="0"/>
-            </a:endParaRPr>
-          </a:p>
-          <a:p>
-            <a:pPr marL="0" indent="0" algn="l" latinLnBrk="0" hangingPunct="1">
-              <a:buFontTx/>
-              <a:buNone/>
-            </a:pPr>
-            <a:r>
-              <a:rPr lang="ko-KR" sz="1800">
-                <a:latin typeface="맑은 고딕" charset="0"/>
-                <a:ea typeface="맑은 고딕" charset="0"/>
-              </a:rPr>
-              <a:t>Photon View RPC는 호출할 RPC 함수를 다른 원격 객체에 함수를 전달하는 것입니다.</a:t>
-            </a:r>
-            <a:endParaRPr lang="ko-KR" altLang="en-US" sz="1800">
-              <a:latin typeface="맑은 고딕" charset="0"/>
-              <a:ea typeface="맑은 고딕" charset="0"/>
-            </a:endParaRPr>
-          </a:p>
         </p:txBody>
       </p:sp>
       <p:pic>
         <p:nvPicPr>
-          <p:cNvPr id="1035" name="그림 6" descr="C:/Users/Admin1/AppData/Roaming/PolarisOffice/ETemp/21612_20234488/fImage2416911941.png"/>
-          <p:cNvPicPr>
-            <a:picLocks noChangeAspect="1"/>
-          </p:cNvPicPr>
-          <p:nvPr/>
-        </p:nvPicPr>
-        <p:blipFill rotWithShape="1">
-          <a:blip r:embed="rId6" cstate="hqprint">
-            <a:extLst>
-              <a:ext uri="{28A0092B-C50C-407E-A947-70E740481C1C}">
-                <a14:useLocalDpi xmlns:a14="http://schemas.microsoft.com/office/drawing/2010/main"/>
-              </a:ext>
-            </a:extLst>
-          </a:blip>
-          <a:stretch>
-            <a:fillRect/>
-          </a:stretch>
-        </p:blipFill>
-        <p:spPr>
-          <a:xfrm rot="0">
-            <a:off x="839470" y="2690495"/>
-            <a:ext cx="1952625" cy="1882775"/>
-          </a:xfrm>
-          <a:prstGeom prst="rect"/>
-          <a:noFill/>
-        </p:spPr>
-      </p:pic>
-      <p:pic>
-        <p:nvPicPr>
-          <p:cNvPr id="1036" name="그림 7" descr="C:/Users/Admin1/AppData/Roaming/PolarisOffice/ETemp/21612_20234488/fImage241691208467.png"/>
+          <p:cNvPr id="34" name="그림 32" descr="C:/Users/Admin1/AppData/Roaming/PolarisOffice/ETemp/21612_20234488/fImage115431423281.png"/>
           <p:cNvPicPr>
             <a:picLocks noChangeAspect="1"/>
           </p:cNvPicPr>
@@ -11846,8 +12160,8 @@
         </p:blipFill>
         <p:spPr>
           <a:xfrm rot="0">
-            <a:off x="3387725" y="2686050"/>
-            <a:ext cx="1952625" cy="1882775"/>
+            <a:off x="6800850" y="1337945"/>
+            <a:ext cx="4315460" cy="2834640"/>
           </a:xfrm>
           <a:prstGeom prst="rect"/>
           <a:noFill/>
@@ -11855,7 +12169,7 @@
       </p:pic>
       <p:sp>
         <p:nvSpPr>
-          <p:cNvPr id="1037" name="텍스트 상자 8"/>
+          <p:cNvPr id="35" name="텍스트 상자 45"/>
           <p:cNvSpPr txBox="1">
             <a:spLocks/>
           </p:cNvSpPr>
@@ -11863,8 +12177,8 @@
         </p:nvSpPr>
         <p:spPr>
           <a:xfrm rot="0">
-            <a:off x="928370" y="4741545"/>
-            <a:ext cx="1778000" cy="401320"/>
+            <a:off x="4323715" y="476885"/>
+            <a:ext cx="3554095" cy="554990"/>
           </a:xfrm>
           <a:prstGeom prst="rect"/>
           <a:noFill/>
@@ -11879,83 +12193,41 @@
           </a:bodyPr>
           <a:lstStyle/>
           <a:p>
-            <a:pPr marL="0" indent="0" algn="l" latinLnBrk="0" hangingPunct="1">
-              <a:buFontTx/>
-              <a:buNone/>
-            </a:pPr>
-            <a:r>
-              <a:rPr lang="ko-KR" sz="2000" b="1">
-                <a:solidFill>
-                  <a:srgbClr val="36B700"/>
-                </a:solidFill>
-                <a:latin typeface="맑은 고딕" charset="0"/>
-                <a:ea typeface="맑은 고딕" charset="0"/>
-              </a:rPr>
-              <a:t>A 클라이언트</a:t>
-            </a:r>
-            <a:endParaRPr lang="ko-KR" altLang="en-US" sz="2000" b="1">
-              <a:solidFill>
-                <a:srgbClr val="36B700"/>
-              </a:solidFill>
+            <a:pPr marL="0" indent="0" rtl="0" algn="l" defTabSz="914400" eaLnBrk="1" latinLnBrk="0" hangingPunct="1">
+              <a:buFontTx/>
+              <a:buNone/>
+            </a:pPr>
+            <a:r>
+              <a:rPr lang="ko-KR" sz="3000" b="1">
+                <a:latin typeface="맑은 고딕" charset="0"/>
+                <a:ea typeface="맑은 고딕" charset="0"/>
+              </a:rPr>
+              <a:t>일곱</a:t>
+            </a:r>
+            <a:r>
+              <a:rPr lang="ko-KR" sz="3000" b="1">
+                <a:latin typeface="맑은 고딕" charset="0"/>
+                <a:ea typeface="맑은 고딕" charset="0"/>
+              </a:rPr>
+              <a:t> 번째 튜토리얼</a:t>
+            </a:r>
+            <a:r>
+              <a:rPr sz="3000" b="1">
+                <a:latin typeface="맑은 고딕" charset="0"/>
+                <a:ea typeface="맑은 고딕" charset="0"/>
+              </a:rPr>
+              <a:t> </a:t>
+            </a:r>
+            <a:endParaRPr lang="ko-KR" altLang="en-US" sz="3000" b="1">
               <a:latin typeface="맑은 고딕" charset="0"/>
               <a:ea typeface="맑은 고딕" charset="0"/>
             </a:endParaRPr>
           </a:p>
         </p:txBody>
       </p:sp>
-      <p:sp>
-        <p:nvSpPr>
-          <p:cNvPr id="1038" name="텍스트 상자 9"/>
-          <p:cNvSpPr txBox="1">
-            <a:spLocks/>
-          </p:cNvSpPr>
-          <p:nvPr/>
-        </p:nvSpPr>
-        <p:spPr>
-          <a:xfrm rot="0">
-            <a:off x="3476625" y="4756150"/>
-            <a:ext cx="1778000" cy="401320"/>
-          </a:xfrm>
-          <a:prstGeom prst="rect"/>
-          <a:noFill/>
-          <a:ln w="0">
-            <a:noFill/>
-            <a:prstDash/>
-          </a:ln>
-        </p:spPr>
-        <p:txBody>
-          <a:bodyPr wrap="square" lIns="89535" tIns="46355" rIns="89535" bIns="46355" numCol="1" vert="horz" anchor="t">
-            <a:spAutoFit/>
-          </a:bodyPr>
-          <a:lstStyle/>
-          <a:p>
-            <a:pPr marL="0" indent="0" algn="l" latinLnBrk="0" hangingPunct="1">
-              <a:buFontTx/>
-              <a:buNone/>
-            </a:pPr>
-            <a:r>
-              <a:rPr lang="ko-KR" sz="2000" b="1">
-                <a:solidFill>
-                  <a:srgbClr val="36B700"/>
-                </a:solidFill>
-                <a:latin typeface="맑은 고딕" charset="0"/>
-                <a:ea typeface="맑은 고딕" charset="0"/>
-              </a:rPr>
-              <a:t>B 클라이언트</a:t>
-            </a:r>
-            <a:endParaRPr lang="ko-KR" altLang="en-US" sz="2000" b="1">
-              <a:solidFill>
-                <a:srgbClr val="36B700"/>
-              </a:solidFill>
-              <a:latin typeface="맑은 고딕" charset="0"/>
-              <a:ea typeface="맑은 고딕" charset="0"/>
-            </a:endParaRPr>
-          </a:p>
-        </p:txBody>
-      </p:sp>
       <p:pic>
         <p:nvPicPr>
-          <p:cNvPr id="1039" name="그림 10" descr="C:/Users/Admin1/AppData/Roaming/PolarisOffice/ETemp/21612_20234488/fImage16421236334.png"/>
+          <p:cNvPr id="36" name="그림 2" descr="C:/Users/Admin1/AppData/Roaming/PolarisOffice/ETemp/21612_20234488/fImage1486913841.png"/>
           <p:cNvPicPr>
             <a:picLocks noChangeAspect="1"/>
           </p:cNvPicPr>
@@ -11975,283 +12247,11 @@
         </p:blipFill>
         <p:spPr>
           <a:xfrm rot="0">
-            <a:off x="1090295" y="2860040"/>
-            <a:ext cx="1444625" cy="513080"/>
-          </a:xfrm>
-          <a:prstGeom prst="roundRect"/>
-          <a:solidFill>
-            <a:srgbClr val="EDEDED"/>
-          </a:solidFill>
-        </p:spPr>
-      </p:pic>
-      <p:pic>
-        <p:nvPicPr>
-          <p:cNvPr id="1040" name="그림 13" descr="C:/Users/Admin1/AppData/Roaming/PolarisOffice/ETemp/21612_20234488/fImage16421246500.png"/>
-          <p:cNvPicPr>
-            <a:picLocks noChangeAspect="1"/>
-          </p:cNvPicPr>
-          <p:nvPr/>
-        </p:nvPicPr>
-        <p:blipFill rotWithShape="1">
-          <a:blip r:embed="rId9" cstate="hqprint">
-            <a:extLst>
-              <a:ext uri="{28A0092B-C50C-407E-A947-70E740481C1C}">
-                <a14:useLocalDpi xmlns:a14="http://schemas.microsoft.com/office/drawing/2010/main"/>
-              </a:ext>
-            </a:extLst>
-          </a:blip>
-          <a:stretch>
-            <a:fillRect/>
-          </a:stretch>
-        </p:blipFill>
-        <p:spPr>
-          <a:xfrm rot="0">
-            <a:off x="3686175" y="2855595"/>
-            <a:ext cx="1444625" cy="513080"/>
-          </a:xfrm>
-          <a:prstGeom prst="roundRect"/>
-          <a:solidFill>
-            <a:srgbClr val="EDEDED"/>
-          </a:solidFill>
-        </p:spPr>
-      </p:pic>
-      <p:sp>
-        <p:nvSpPr>
-          <p:cNvPr id="1041" name="텍스트 상자 14"/>
-          <p:cNvSpPr txBox="1">
-            <a:spLocks/>
-          </p:cNvSpPr>
-          <p:nvPr/>
-        </p:nvSpPr>
-        <p:spPr>
-          <a:xfrm rot="0">
-            <a:off x="1047750" y="3375025"/>
-            <a:ext cx="1534795" cy="324485"/>
+            <a:off x="1231265" y="1356995"/>
+            <a:ext cx="4124325" cy="2806065"/>
           </a:xfrm>
           <a:prstGeom prst="rect"/>
           <a:noFill/>
-          <a:ln w="0">
-            <a:noFill/>
-            <a:prstDash/>
-          </a:ln>
-        </p:spPr>
-        <p:txBody>
-          <a:bodyPr wrap="square" lIns="89535" tIns="46355" rIns="89535" bIns="46355" numCol="1" vert="horz" anchor="t">
-            <a:spAutoFit/>
-          </a:bodyPr>
-          <a:lstStyle/>
-          <a:p>
-            <a:pPr marL="0" indent="0" algn="l" latinLnBrk="0" hangingPunct="1">
-              <a:buFontTx/>
-              <a:buNone/>
-            </a:pPr>
-            <a:r>
-              <a:rPr lang="ko-KR" sz="1500" b="1">
-                <a:solidFill>
-                  <a:srgbClr val="0611F2"/>
-                </a:solidFill>
-                <a:latin typeface="맑은 고딕" charset="0"/>
-                <a:ea typeface="맑은 고딕" charset="0"/>
-              </a:rPr>
-              <a:t>View</a:t>
-            </a:r>
-            <a:r>
-              <a:rPr lang="ko-KR" sz="1500" b="1">
-                <a:solidFill>
-                  <a:srgbClr val="0611F2"/>
-                </a:solidFill>
-                <a:latin typeface="맑은 고딕" charset="0"/>
-                <a:ea typeface="맑은 고딕" charset="0"/>
-              </a:rPr>
-              <a:t> </a:t>
-            </a:r>
-            <a:r>
-              <a:rPr lang="ko-KR" sz="1500" b="1">
-                <a:solidFill>
-                  <a:srgbClr val="0611F2"/>
-                </a:solidFill>
-                <a:latin typeface="맑은 고딕" charset="0"/>
-                <a:ea typeface="맑은 고딕" charset="0"/>
-              </a:rPr>
-              <a:t>ID</a:t>
-            </a:r>
-            <a:r>
-              <a:rPr lang="ko-KR" sz="1500" b="1">
-                <a:solidFill>
-                  <a:srgbClr val="0611F2"/>
-                </a:solidFill>
-                <a:latin typeface="맑은 고딕" charset="0"/>
-                <a:ea typeface="맑은 고딕" charset="0"/>
-              </a:rPr>
-              <a:t> </a:t>
-            </a:r>
-            <a:r>
-              <a:rPr lang="ko-KR" sz="1500" b="1">
-                <a:solidFill>
-                  <a:srgbClr val="0611F2"/>
-                </a:solidFill>
-                <a:latin typeface="맑은 고딕" charset="0"/>
-                <a:ea typeface="맑은 고딕" charset="0"/>
-              </a:rPr>
-              <a:t>:</a:t>
-            </a:r>
-            <a:r>
-              <a:rPr lang="ko-KR" sz="1500" b="1">
-                <a:solidFill>
-                  <a:srgbClr val="0611F2"/>
-                </a:solidFill>
-                <a:latin typeface="맑은 고딕" charset="0"/>
-                <a:ea typeface="맑은 고딕" charset="0"/>
-              </a:rPr>
-              <a:t> </a:t>
-            </a:r>
-            <a:r>
-              <a:rPr lang="ko-KR" sz="1500" b="1">
-                <a:solidFill>
-                  <a:srgbClr val="0611F2"/>
-                </a:solidFill>
-                <a:latin typeface="맑은 고딕" charset="0"/>
-                <a:ea typeface="맑은 고딕" charset="0"/>
-              </a:rPr>
-              <a:t>1001</a:t>
-            </a:r>
-            <a:endParaRPr lang="ko-KR" altLang="en-US" sz="1500" b="1">
-              <a:solidFill>
-                <a:srgbClr val="0611F2"/>
-              </a:solidFill>
-              <a:latin typeface="맑은 고딕" charset="0"/>
-              <a:ea typeface="맑은 고딕" charset="0"/>
-            </a:endParaRPr>
-          </a:p>
-        </p:txBody>
-      </p:sp>
-      <p:sp>
-        <p:nvSpPr>
-          <p:cNvPr id="1042" name="텍스트 상자 15"/>
-          <p:cNvSpPr txBox="1">
-            <a:spLocks/>
-          </p:cNvSpPr>
-          <p:nvPr/>
-        </p:nvSpPr>
-        <p:spPr>
-          <a:xfrm rot="0">
-            <a:off x="3596005" y="3380105"/>
-            <a:ext cx="1534795" cy="324485"/>
-          </a:xfrm>
-          <a:prstGeom prst="rect"/>
-          <a:noFill/>
-          <a:ln w="0">
-            <a:noFill/>
-            <a:prstDash/>
-          </a:ln>
-        </p:spPr>
-        <p:txBody>
-          <a:bodyPr wrap="square" lIns="89535" tIns="46355" rIns="89535" bIns="46355" numCol="1" vert="horz" anchor="t">
-            <a:spAutoFit/>
-          </a:bodyPr>
-          <a:lstStyle/>
-          <a:p>
-            <a:pPr marL="0" indent="0" algn="l" latinLnBrk="0" hangingPunct="1">
-              <a:buFontTx/>
-              <a:buNone/>
-            </a:pPr>
-            <a:r>
-              <a:rPr lang="ko-KR" sz="1500" b="1">
-                <a:solidFill>
-                  <a:srgbClr val="0611F2"/>
-                </a:solidFill>
-                <a:latin typeface="맑은 고딕" charset="0"/>
-                <a:ea typeface="맑은 고딕" charset="0"/>
-              </a:rPr>
-              <a:t>View ID : 1001</a:t>
-            </a:r>
-            <a:endParaRPr lang="ko-KR" altLang="en-US" sz="1500" b="1">
-              <a:solidFill>
-                <a:srgbClr val="0611F2"/>
-              </a:solidFill>
-              <a:latin typeface="맑은 고딕" charset="0"/>
-              <a:ea typeface="맑은 고딕" charset="0"/>
-            </a:endParaRPr>
-          </a:p>
-        </p:txBody>
-      </p:sp>
-      <p:sp>
-        <p:nvSpPr>
-          <p:cNvPr id="1043" name="도형 18"/>
-          <p:cNvSpPr>
-            <a:spLocks/>
-          </p:cNvSpPr>
-          <p:nvPr/>
-        </p:nvSpPr>
-        <p:spPr>
-          <a:xfrm rot="0" flipH="1">
-            <a:off x="1619250" y="3695700"/>
-            <a:ext cx="3039745" cy="620395"/>
-          </a:xfrm>
-          <a:prstGeom prst="curvedUpArrow"/>
-        </p:spPr>
-        <p:style>
-          <a:lnRef idx="2">
-            <a:schemeClr val="accent1">
-              <a:shade val="50000"/>
-            </a:schemeClr>
-          </a:lnRef>
-          <a:fillRef idx="1">
-            <a:schemeClr val="accent1"/>
-          </a:fillRef>
-          <a:effectRef idx="0">
-            <a:schemeClr val="accent1"/>
-          </a:effectRef>
-          <a:fontRef idx="minor">
-            <a:schemeClr val="lt1"/>
-          </a:fontRef>
-        </p:style>
-        <p:txBody>
-          <a:bodyPr wrap="square" lIns="91440" tIns="45720" rIns="91440" bIns="45720" numCol="1" vert="horz" anchor="ctr">
-            <a:noAutofit/>
-          </a:bodyPr>
-          <a:lstStyle/>
-          <a:p>
-            <a:pPr marL="0" indent="0" algn="ctr" latinLnBrk="0" hangingPunct="1">
-              <a:buFontTx/>
-              <a:buNone/>
-            </a:pPr>
-            <a:endParaRPr lang="ko-KR" altLang="en-US" sz="1800">
-              <a:latin typeface="맑은 고딕" charset="0"/>
-              <a:ea typeface="맑은 고딕" charset="0"/>
-            </a:endParaRPr>
-          </a:p>
-        </p:txBody>
-      </p:sp>
-      <p:pic>
-        <p:nvPicPr>
-          <p:cNvPr id="1044" name="그림 19" descr="C:/Users/Admin1/AppData/Roaming/PolarisOffice/ETemp/21612_20234488/fImage95731329169.png"/>
-          <p:cNvPicPr>
-            <a:picLocks noChangeAspect="1"/>
-          </p:cNvPicPr>
-          <p:nvPr/>
-        </p:nvPicPr>
-        <p:blipFill rotWithShape="1">
-          <a:blip r:embed="rId10" cstate="hqprint">
-            <a:extLst>
-              <a:ext uri="{28A0092B-C50C-407E-A947-70E740481C1C}">
-                <a14:useLocalDpi xmlns:a14="http://schemas.microsoft.com/office/drawing/2010/main"/>
-              </a:ext>
-            </a:extLst>
-          </a:blip>
-          <a:stretch>
-            <a:fillRect/>
-          </a:stretch>
-        </p:blipFill>
-        <p:spPr>
-          <a:xfrm rot="0">
-            <a:off x="842645" y="1395095"/>
-            <a:ext cx="4502150" cy="1120140"/>
-          </a:xfrm>
-          <a:prstGeom prst="roundRect"/>
-          <a:solidFill>
-            <a:srgbClr val="EDEDED"/>
-          </a:solidFill>
         </p:spPr>
       </p:pic>
     </p:spTree>

--- a/Assets/Class/Photon Server/PPT Data/Photon RPC.pptx
+++ b/Assets/Class/Photon Server/PPT Data/Photon RPC.pptx
@@ -2,7 +2,7 @@
 <file path=ppt/presentation.xml><?xml version="1.0" encoding="utf-8"?>
 <p:presentation xmlns:a="http://schemas.openxmlformats.org/drawingml/2006/main" xmlns:r="http://schemas.openxmlformats.org/officeDocument/2006/relationships" xmlns:p="http://schemas.openxmlformats.org/presentationml/2006/main" xmlns:p14="http://schemas.microsoft.com/office/powerpoint/2010/main" saveSubsetFonts="1" firstSlideNum="0">
   <p:sldMasterIdLst>
-    <p:sldMasterId id="2147486816" r:id="rId12"/>
+    <p:sldMasterId id="2147486818" r:id="rId12"/>
   </p:sldMasterIdLst>
   <p:notesMasterIdLst>
     <p:notesMasterId r:id="rId14"/>
@@ -13,11 +13,10 @@
     <p:sldId id="317" r:id="rId20"/>
     <p:sldId id="320" r:id="rId22"/>
     <p:sldId id="316" r:id="rId24"/>
-    <p:sldId id="321" r:id="rId26"/>
-    <p:sldId id="318" r:id="rId28"/>
-    <p:sldId id="314" r:id="rId30"/>
-    <p:sldId id="319" r:id="rId32"/>
-    <p:sldId id="322" r:id="rId34"/>
+    <p:sldId id="318" r:id="rId26"/>
+    <p:sldId id="314" r:id="rId27"/>
+    <p:sldId id="319" r:id="rId28"/>
+    <p:sldId id="322" r:id="rId29"/>
   </p:sldIdLst>
   <p:sldSz cx="12192000" cy="6858000"/>
   <p:notesSz cx="6858000" cy="9144000"/>
@@ -618,148 +617,6 @@
 </p:notes>
 </file>
 
-<file path=ppt/notesSlides/notesSlide10.xml><?xml version="1.0" encoding="utf-8"?>
-<p:notes xmlns:a="http://schemas.openxmlformats.org/drawingml/2006/main" xmlns:r="http://schemas.openxmlformats.org/officeDocument/2006/relationships" xmlns:p="http://schemas.openxmlformats.org/presentationml/2006/main">
-  <p:cSld>
-    <p:spTree>
-      <p:nvGrpSpPr>
-        <p:cNvPr id="1" name=""/>
-        <p:cNvGrpSpPr/>
-        <p:nvPr/>
-      </p:nvGrpSpPr>
-      <p:grpSpPr>
-        <a:xfrm>
-          <a:off x="0" y="0"/>
-          <a:ext cx="0" cy="0"/>
-          <a:chOff x="0" y="0"/>
-          <a:chExt cx="0" cy="0"/>
-        </a:xfrm>
-      </p:grpSpPr>
-      <p:sp>
-        <p:nvSpPr>
-          <p:cNvPr id="2" name="슬라이드 이미지 개체 틀 3"/>
-          <p:cNvSpPr>
-            <a:spLocks noChangeAspect="1"/>
-          </p:cNvSpPr>
-          <p:nvPr>
-            <p:ph type="sldImg" idx="2"/>
-          </p:nvPr>
-        </p:nvSpPr>
-        <p:spPr>
-          <a:xfrm rot="0">
-            <a:off x="685800" y="1143000"/>
-            <a:ext cx="5494020" cy="3093720"/>
-          </a:xfrm>
-          <a:prstGeom prst="rect"/>
-          <a:noFill/>
-          <a:ln w="12700" cap="flat" cmpd="sng">
-            <a:solidFill>
-              <a:srgbClr val="000000">
-                <a:alpha val="100000"/>
-              </a:srgbClr>
-            </a:solidFill>
-            <a:prstDash val="solid"/>
-          </a:ln>
-        </p:spPr>
-        <p:txBody>
-          <a:bodyPr wrap="square" lIns="91440" tIns="45720" rIns="91440" bIns="45720" numCol="1" vert="horz" anchor="ctr">
-            <a:noAutofit/>
-          </a:bodyPr>
-          <a:lstStyle/>
-          <a:p>
-            <a:pPr marL="0" indent="0" latinLnBrk="0">
-              <a:buFontTx/>
-              <a:buNone/>
-            </a:pPr>
-          </a:p>
-        </p:txBody>
-      </p:sp>
-      <p:sp>
-        <p:nvSpPr>
-          <p:cNvPr id="3" name="슬라이드 노트 개체 틀 4"/>
-          <p:cNvSpPr txBox="1">
-            <a:spLocks/>
-          </p:cNvSpPr>
-          <p:nvPr>
-            <p:ph type="body" idx="3"/>
-          </p:nvPr>
-        </p:nvSpPr>
-        <p:spPr>
-          <a:xfrm rot="0">
-            <a:off x="685800" y="4400550"/>
-            <a:ext cx="5494020" cy="3608070"/>
-          </a:xfrm>
-          <a:prstGeom prst="rect"/>
-        </p:spPr>
-        <p:txBody>
-          <a:bodyPr wrap="square" lIns="91440" tIns="45720" rIns="91440" bIns="45720" numCol="1" vert="horz" anchor="t">
-            <a:noAutofit/>
-          </a:bodyPr>
-          <a:lstStyle/>
-          <a:p>
-            <a:pPr marL="0" indent="0" latinLnBrk="0">
-              <a:buFontTx/>
-              <a:buNone/>
-            </a:pPr>
-          </a:p>
-        </p:txBody>
-      </p:sp>
-      <p:sp>
-        <p:nvSpPr>
-          <p:cNvPr id="4" name="슬라이드 번호 개체 틀 6"/>
-          <p:cNvSpPr txBox="1">
-            <a:spLocks/>
-          </p:cNvSpPr>
-          <p:nvPr>
-            <p:ph type="sldNum" idx="5"/>
-          </p:nvPr>
-        </p:nvSpPr>
-        <p:spPr>
-          <a:xfrm rot="0">
-            <a:off x="3884930" y="8685530"/>
-            <a:ext cx="2979420" cy="466090"/>
-          </a:xfrm>
-          <a:prstGeom prst="rect"/>
-        </p:spPr>
-        <p:txBody>
-          <a:bodyPr wrap="square" lIns="91440" tIns="45720" rIns="91440" bIns="45720" numCol="1" vert="horz" anchor="b">
-            <a:noAutofit/>
-          </a:bodyPr>
-          <a:lstStyle>
-            <a:lvl1pPr marL="0" indent="0" algn="r" latinLnBrk="0">
-              <a:buFontTx/>
-              <a:buNone/>
-              <a:defRPr lang="en-GB" altLang="en-US" sz="1200"/>
-            </a:lvl1pPr>
-          </a:lstStyle>
-          <a:p>
-            <a:pPr marL="0" indent="0" latinLnBrk="0">
-              <a:buFontTx/>
-              <a:buNone/>
-            </a:pPr>
-            <a:fld id="{B9320F77-B9A0-41C5-862A-B4B631284C64}" type="slidenum">
-              <a:rPr lang="ko-KR" altLang="en-US"/>
-              <a:t>‹#›</a:t>
-            </a:fld>
-          </a:p>
-        </p:txBody>
-      </p:sp>
-    </p:spTree>
-  </p:cSld>
-  <p:clrMapOvr>
-    <a:masterClrMapping/>
-  </p:clrMapOvr>
-  <mc:AlternateContent xmlns:mc="http://schemas.openxmlformats.org/markup-compatibility/2006">
-    <mc:Choice xmlns:p14="http://schemas.microsoft.com/office/powerpoint/2010/main" Requires="p14">
-      <p:transition spd="slow" p14:dur="0"/>
-    </mc:Choice>
-    <mc:Fallback>
-      <p:transition spd="slow"/>
-    </mc:Fallback>
-  </mc:AlternateContent>
-</p:notes>
-</file>
-
 <file path=ppt/notesSlides/notesSlide2.xml><?xml version="1.0" encoding="utf-8"?>
 <p:notes xmlns:a="http://schemas.openxmlformats.org/drawingml/2006/main" xmlns:r="http://schemas.openxmlformats.org/officeDocument/2006/relationships" xmlns:p="http://schemas.openxmlformats.org/presentationml/2006/main">
   <p:cSld>
@@ -1358,7 +1215,7 @@
         <p:spPr>
           <a:xfrm rot="0">
             <a:off x="685800" y="1143000"/>
-            <a:ext cx="5494020" cy="3093720"/>
+            <a:ext cx="5493385" cy="3093085"/>
           </a:xfrm>
           <a:prstGeom prst="rect"/>
           <a:noFill/>
@@ -1397,7 +1254,7 @@
         <p:spPr>
           <a:xfrm rot="0">
             <a:off x="685800" y="4400550"/>
-            <a:ext cx="5494020" cy="3608070"/>
+            <a:ext cx="5493385" cy="3607435"/>
           </a:xfrm>
           <a:prstGeom prst="rect"/>
         </p:spPr>
@@ -1427,7 +1284,7 @@
         <p:spPr>
           <a:xfrm rot="0">
             <a:off x="3884930" y="8685530"/>
-            <a:ext cx="2979420" cy="466090"/>
+            <a:ext cx="2978785" cy="465455"/>
           </a:xfrm>
           <a:prstGeom prst="rect"/>
         </p:spPr>
@@ -1500,7 +1357,7 @@
         <p:spPr>
           <a:xfrm rot="0">
             <a:off x="685800" y="1143000"/>
-            <a:ext cx="5493385" cy="3093085"/>
+            <a:ext cx="5492750" cy="3092450"/>
           </a:xfrm>
           <a:prstGeom prst="rect"/>
           <a:noFill/>
@@ -1539,7 +1396,7 @@
         <p:spPr>
           <a:xfrm rot="0">
             <a:off x="685800" y="4400550"/>
-            <a:ext cx="5493385" cy="3607435"/>
+            <a:ext cx="5492750" cy="3606800"/>
           </a:xfrm>
           <a:prstGeom prst="rect"/>
         </p:spPr>
@@ -1569,7 +1426,7 @@
         <p:spPr>
           <a:xfrm rot="0">
             <a:off x="3884930" y="8685530"/>
-            <a:ext cx="2978785" cy="465455"/>
+            <a:ext cx="2978150" cy="464820"/>
           </a:xfrm>
           <a:prstGeom prst="rect"/>
         </p:spPr>
@@ -1642,7 +1499,7 @@
         <p:spPr>
           <a:xfrm rot="0">
             <a:off x="685800" y="1143000"/>
-            <a:ext cx="5492750" cy="3092450"/>
+            <a:ext cx="5493385" cy="3093085"/>
           </a:xfrm>
           <a:prstGeom prst="rect"/>
           <a:noFill/>
@@ -1681,7 +1538,7 @@
         <p:spPr>
           <a:xfrm rot="0">
             <a:off x="685800" y="4400550"/>
-            <a:ext cx="5492750" cy="3606800"/>
+            <a:ext cx="5493385" cy="3607435"/>
           </a:xfrm>
           <a:prstGeom prst="rect"/>
         </p:spPr>
@@ -1711,7 +1568,7 @@
         <p:spPr>
           <a:xfrm rot="0">
             <a:off x="3884930" y="8685530"/>
-            <a:ext cx="2978150" cy="464820"/>
+            <a:ext cx="2978785" cy="465455"/>
           </a:xfrm>
           <a:prstGeom prst="rect"/>
         </p:spPr>
@@ -1784,7 +1641,7 @@
         <p:spPr>
           <a:xfrm rot="0">
             <a:off x="685800" y="1143000"/>
-            <a:ext cx="5493385" cy="3093085"/>
+            <a:ext cx="5494020" cy="3093720"/>
           </a:xfrm>
           <a:prstGeom prst="rect"/>
           <a:noFill/>
@@ -1823,7 +1680,7 @@
         <p:spPr>
           <a:xfrm rot="0">
             <a:off x="685800" y="4400550"/>
-            <a:ext cx="5493385" cy="3607435"/>
+            <a:ext cx="5494020" cy="3608070"/>
           </a:xfrm>
           <a:prstGeom prst="rect"/>
         </p:spPr>
@@ -1853,7 +1710,7 @@
         <p:spPr>
           <a:xfrm rot="0">
             <a:off x="3884930" y="8685530"/>
-            <a:ext cx="2978785" cy="465455"/>
+            <a:ext cx="2979420" cy="466090"/>
           </a:xfrm>
           <a:prstGeom prst="rect"/>
         </p:spPr>
@@ -7499,733 +7356,6 @@
 </p:sld>
 </file>
 
-<file path=ppt/slides/slide10.xml><?xml version="1.0" encoding="utf-8"?>
-<p:sld xmlns:a="http://schemas.openxmlformats.org/drawingml/2006/main" xmlns:r="http://schemas.openxmlformats.org/officeDocument/2006/relationships" xmlns:p="http://schemas.openxmlformats.org/presentationml/2006/main">
-  <p:cSld>
-    <p:spTree>
-      <p:nvGrpSpPr>
-        <p:cNvPr id="1" name=""/>
-        <p:cNvGrpSpPr/>
-        <p:nvPr/>
-      </p:nvGrpSpPr>
-      <p:grpSpPr>
-        <a:xfrm>
-          <a:off x="0" y="0"/>
-          <a:ext cx="0" cy="0"/>
-          <a:chOff x="0" y="0"/>
-          <a:chExt cx="0" cy="0"/>
-        </a:xfrm>
-      </p:grpSpPr>
-      <p:sp>
-        <p:nvSpPr>
-          <p:cNvPr id="29" name="Rect 0"/>
-          <p:cNvSpPr txBox="1">
-            <a:spLocks/>
-          </p:cNvSpPr>
-          <p:nvPr/>
-        </p:nvSpPr>
-        <p:spPr>
-          <a:xfrm rot="0">
-            <a:off x="1229995" y="1337310"/>
-            <a:ext cx="4039235" cy="370840"/>
-          </a:xfrm>
-          <a:prstGeom prst="rect"/>
-          <a:noFill/>
-          <a:ln w="0">
-            <a:noFill/>
-            <a:prstDash/>
-          </a:ln>
-        </p:spPr>
-        <p:txBody>
-          <a:bodyPr wrap="square" lIns="89535" tIns="46355" rIns="89535" bIns="46355" numCol="1" vert="horz" anchor="t">
-            <a:spAutoFit/>
-          </a:bodyPr>
-          <a:lstStyle/>
-          <a:p>
-            <a:pPr marL="0" indent="0" algn="l" latinLnBrk="0" hangingPunct="1">
-              <a:buFontTx/>
-              <a:buNone/>
-            </a:pPr>
-            <a:endParaRPr lang="ko-KR" altLang="en-US" sz="1800">
-              <a:latin typeface="맑은 고딕" charset="0"/>
-              <a:ea typeface="맑은 고딕" charset="0"/>
-            </a:endParaRPr>
-          </a:p>
-        </p:txBody>
-      </p:sp>
-      <p:sp>
-        <p:nvSpPr>
-          <p:cNvPr id="31" name="Rect 0"/>
-          <p:cNvSpPr txBox="1">
-            <a:spLocks/>
-          </p:cNvSpPr>
-          <p:nvPr/>
-        </p:nvSpPr>
-        <p:spPr>
-          <a:xfrm rot="0">
-            <a:off x="6801485" y="3204210"/>
-            <a:ext cx="4162425" cy="370840"/>
-          </a:xfrm>
-          <a:prstGeom prst="rect"/>
-          <a:noFill/>
-          <a:ln w="0">
-            <a:noFill/>
-            <a:prstDash/>
-          </a:ln>
-        </p:spPr>
-        <p:txBody>
-          <a:bodyPr wrap="square" lIns="89535" tIns="46355" rIns="89535" bIns="46355" numCol="1" vert="horz" anchor="t">
-            <a:spAutoFit/>
-          </a:bodyPr>
-          <a:lstStyle/>
-          <a:p>
-            <a:pPr marL="0" indent="0" algn="l" latinLnBrk="0" hangingPunct="1">
-              <a:buFontTx/>
-              <a:buNone/>
-            </a:pPr>
-            <a:endParaRPr lang="ko-KR" altLang="en-US" sz="1800">
-              <a:latin typeface="맑은 고딕" charset="0"/>
-              <a:ea typeface="맑은 고딕" charset="0"/>
-            </a:endParaRPr>
-          </a:p>
-        </p:txBody>
-      </p:sp>
-      <p:sp>
-        <p:nvSpPr>
-          <p:cNvPr id="35" name="Rect 0"/>
-          <p:cNvSpPr txBox="1">
-            <a:spLocks/>
-          </p:cNvSpPr>
-          <p:nvPr/>
-        </p:nvSpPr>
-        <p:spPr>
-          <a:xfrm rot="0">
-            <a:off x="4342765" y="467995"/>
-            <a:ext cx="3503930" cy="554990"/>
-          </a:xfrm>
-          <a:prstGeom prst="rect"/>
-          <a:noFill/>
-          <a:ln w="0">
-            <a:noFill/>
-            <a:prstDash/>
-          </a:ln>
-        </p:spPr>
-        <p:txBody>
-          <a:bodyPr wrap="square" lIns="89535" tIns="46355" rIns="89535" bIns="46355" numCol="1" vert="horz" anchor="t">
-            <a:spAutoFit/>
-          </a:bodyPr>
-          <a:lstStyle/>
-          <a:p>
-            <a:pPr marL="0" indent="0" rtl="0" algn="l" defTabSz="914400" eaLnBrk="1" latinLnBrk="0" hangingPunct="1">
-              <a:buFontTx/>
-              <a:buNone/>
-            </a:pPr>
-            <a:r>
-              <a:rPr lang="ko-KR" sz="3000" b="1">
-                <a:latin typeface="맑은 고딕" charset="0"/>
-                <a:ea typeface="맑은 고딕" charset="0"/>
-              </a:rPr>
-              <a:t>아홉</a:t>
-            </a:r>
-            <a:r>
-              <a:rPr lang="ko-KR" sz="3000" b="1">
-                <a:latin typeface="맑은 고딕" charset="0"/>
-                <a:ea typeface="맑은 고딕" charset="0"/>
-              </a:rPr>
-              <a:t> 번째 튜토리얼</a:t>
-            </a:r>
-            <a:r>
-              <a:rPr sz="3000" b="1">
-                <a:latin typeface="맑은 고딕" charset="0"/>
-                <a:ea typeface="맑은 고딕" charset="0"/>
-              </a:rPr>
-              <a:t> </a:t>
-            </a:r>
-            <a:endParaRPr lang="ko-KR" altLang="en-US" sz="3000" b="1">
-              <a:latin typeface="맑은 고딕" charset="0"/>
-              <a:ea typeface="맑은 고딕" charset="0"/>
-            </a:endParaRPr>
-          </a:p>
-        </p:txBody>
-      </p:sp>
-      <p:pic>
-        <p:nvPicPr>
-          <p:cNvPr id="36" name="그림 67" descr="C:/Users/Admin1/AppData/Roaming/PolarisOffice/ETemp/21612_20234488/fImage50442943281.png"/>
-          <p:cNvPicPr>
-            <a:picLocks noChangeAspect="1"/>
-          </p:cNvPicPr>
-          <p:nvPr/>
-        </p:nvPicPr>
-        <p:blipFill rotWithShape="1">
-          <a:blip r:embed="rId2" cstate="print">
-            <a:extLst>
-              <a:ext uri="{28A0092B-C50C-407E-A947-70E740481C1C}">
-                <a14:useLocalDpi xmlns:a14="http://schemas.microsoft.com/office/drawing/2010/main" val="0"/>
-              </a:ext>
-            </a:extLst>
-          </a:blip>
-          <a:stretch>
-            <a:fillRect/>
-          </a:stretch>
-        </p:blipFill>
-        <p:spPr>
-          <a:xfrm rot="0">
-            <a:off x="3000375" y="1537970"/>
-            <a:ext cx="2381885" cy="1301115"/>
-          </a:xfrm>
-          <a:prstGeom prst="roundRect"/>
-          <a:solidFill>
-            <a:srgbClr val="EDEDED"/>
-          </a:solidFill>
-        </p:spPr>
-      </p:pic>
-      <p:pic>
-        <p:nvPicPr>
-          <p:cNvPr id="37" name="그림 70" descr="C:/Users/Admin1/AppData/Roaming/PolarisOffice/ETemp/21612_20234488/fImage132672956827.png"/>
-          <p:cNvPicPr>
-            <a:picLocks noChangeAspect="1"/>
-          </p:cNvPicPr>
-          <p:nvPr/>
-        </p:nvPicPr>
-        <p:blipFill rotWithShape="1">
-          <a:blip r:embed="rId3" cstate="print">
-            <a:extLst>
-              <a:ext uri="{28A0092B-C50C-407E-A947-70E740481C1C}">
-                <a14:useLocalDpi xmlns:a14="http://schemas.microsoft.com/office/drawing/2010/main" val="0"/>
-              </a:ext>
-            </a:extLst>
-          </a:blip>
-          <a:stretch>
-            <a:fillRect/>
-          </a:stretch>
-        </p:blipFill>
-        <p:spPr>
-          <a:xfrm rot="0">
-            <a:off x="1466850" y="1537970"/>
-            <a:ext cx="1315085" cy="1301115"/>
-          </a:xfrm>
-          <a:prstGeom prst="roundRect"/>
-          <a:solidFill>
-            <a:srgbClr val="EDEDED"/>
-          </a:solidFill>
-        </p:spPr>
-      </p:pic>
-      <p:sp>
-        <p:nvSpPr>
-          <p:cNvPr id="38" name="텍스트 상자 73"/>
-          <p:cNvSpPr txBox="1">
-            <a:spLocks/>
-          </p:cNvSpPr>
-          <p:nvPr/>
-        </p:nvSpPr>
-        <p:spPr>
-          <a:xfrm rot="0">
-            <a:off x="1466850" y="2969260"/>
-            <a:ext cx="3915410" cy="923925"/>
-          </a:xfrm>
-          <a:prstGeom prst="rect"/>
-          <a:noFill/>
-          <a:ln w="0">
-            <a:noFill/>
-            <a:prstDash/>
-          </a:ln>
-        </p:spPr>
-        <p:txBody>
-          <a:bodyPr wrap="square" lIns="89535" tIns="46355" rIns="89535" bIns="46355" numCol="1" vert="horz" anchor="t">
-            <a:spAutoFit/>
-          </a:bodyPr>
-          <a:lstStyle/>
-          <a:p>
-            <a:pPr marL="0" indent="0" algn="l" latinLnBrk="0" hangingPunct="1">
-              <a:buFontTx/>
-              <a:buNone/>
-            </a:pPr>
-            <a:r>
-              <a:rPr sz="1800" b="1">
-                <a:solidFill>
-                  <a:srgbClr val="0611F2"/>
-                </a:solidFill>
-                <a:latin typeface="맑은 고딕" charset="0"/>
-                <a:ea typeface="맑은 고딕" charset="0"/>
-              </a:rPr>
-              <a:t>1</a:t>
-            </a:r>
-            <a:r>
-              <a:rPr lang="ko-KR" sz="1800" b="1">
-                <a:solidFill>
-                  <a:srgbClr val="0611F2"/>
-                </a:solidFill>
-                <a:latin typeface="맑은 고딕" charset="0"/>
-                <a:ea typeface="맑은 고딕" charset="0"/>
-              </a:rPr>
-              <a:t>4</a:t>
-            </a:r>
-            <a:r>
-              <a:rPr sz="1800" b="1">
-                <a:solidFill>
-                  <a:srgbClr val="0611F2"/>
-                </a:solidFill>
-                <a:latin typeface="맑은 고딕" charset="0"/>
-                <a:ea typeface="맑은 고딕" charset="0"/>
-              </a:rPr>
-              <a:t>.</a:t>
-            </a:r>
-            <a:r>
-              <a:rPr sz="1800">
-                <a:latin typeface="맑은 고딕" charset="0"/>
-                <a:ea typeface="맑은 고딕" charset="0"/>
-              </a:rPr>
-              <a:t> </a:t>
-            </a:r>
-            <a:r>
-              <a:rPr lang="ko-KR" sz="1800">
-                <a:latin typeface="맑은 고딕" charset="0"/>
-                <a:ea typeface="맑은 고딕" charset="0"/>
-              </a:rPr>
-              <a:t>그런 다음 Content 오브젝트를 선택하고 Content Size Fitter 컴포넌트를 추가합니다.</a:t>
-            </a:r>
-            <a:endParaRPr lang="ko-KR" altLang="en-US" sz="1800">
-              <a:latin typeface="맑은 고딕" charset="0"/>
-              <a:ea typeface="맑은 고딕" charset="0"/>
-            </a:endParaRPr>
-          </a:p>
-        </p:txBody>
-      </p:sp>
-      <p:pic>
-        <p:nvPicPr>
-          <p:cNvPr id="39" name="그림 74" descr="C:/Users/Admin1/AppData/Roaming/PolarisOffice/ETemp/21612_20234488/fImage129512979961.png"/>
-          <p:cNvPicPr>
-            <a:picLocks noChangeAspect="1"/>
-          </p:cNvPicPr>
-          <p:nvPr/>
-        </p:nvPicPr>
-        <p:blipFill rotWithShape="1">
-          <a:blip r:embed="rId4" cstate="print">
-            <a:extLst>
-              <a:ext uri="{28A0092B-C50C-407E-A947-70E740481C1C}">
-                <a14:useLocalDpi xmlns:a14="http://schemas.microsoft.com/office/drawing/2010/main" val="0"/>
-              </a:ext>
-            </a:extLst>
-          </a:blip>
-          <a:stretch>
-            <a:fillRect/>
-          </a:stretch>
-        </p:blipFill>
-        <p:spPr>
-          <a:xfrm rot="0">
-            <a:off x="6810375" y="1514475"/>
-            <a:ext cx="4161790" cy="1267460"/>
-          </a:xfrm>
-          <a:prstGeom prst="roundRect"/>
-          <a:solidFill>
-            <a:srgbClr val="EDEDED"/>
-          </a:solidFill>
-        </p:spPr>
-      </p:pic>
-      <p:pic>
-        <p:nvPicPr>
-          <p:cNvPr id="40" name="그림 77" descr="C:/Users/Admin1/AppData/Roaming/PolarisOffice/ETemp/21612_20234488/fImage11478298491.png"/>
-          <p:cNvPicPr>
-            <a:picLocks noChangeAspect="1"/>
-          </p:cNvPicPr>
-          <p:nvPr/>
-        </p:nvPicPr>
-        <p:blipFill rotWithShape="1">
-          <a:blip r:embed="rId5" cstate="print">
-            <a:extLst>
-              <a:ext uri="{28A0092B-C50C-407E-A947-70E740481C1C}">
-                <a14:useLocalDpi xmlns:a14="http://schemas.microsoft.com/office/drawing/2010/main" val="0"/>
-              </a:ext>
-            </a:extLst>
-          </a:blip>
-          <a:stretch>
-            <a:fillRect/>
-          </a:stretch>
-        </p:blipFill>
-        <p:spPr>
-          <a:xfrm rot="0">
-            <a:off x="6805295" y="2971800"/>
-            <a:ext cx="1501140" cy="1331595"/>
-          </a:xfrm>
-          <a:prstGeom prst="roundRect"/>
-          <a:solidFill>
-            <a:srgbClr val="EDEDED"/>
-          </a:solidFill>
-        </p:spPr>
-      </p:pic>
-      <p:pic>
-        <p:nvPicPr>
-          <p:cNvPr id="41" name="그림 80" descr="C:/Users/Admin1/AppData/Roaming/PolarisOffice/ETemp/21612_20234488/fImage54332992995.png"/>
-          <p:cNvPicPr>
-            <a:picLocks noChangeAspect="1"/>
-          </p:cNvPicPr>
-          <p:nvPr/>
-        </p:nvPicPr>
-        <p:blipFill rotWithShape="1">
-          <a:blip r:embed="rId6" cstate="print">
-            <a:extLst>
-              <a:ext uri="{28A0092B-C50C-407E-A947-70E740481C1C}">
-                <a14:useLocalDpi xmlns:a14="http://schemas.microsoft.com/office/drawing/2010/main" val="0"/>
-              </a:ext>
-            </a:extLst>
-          </a:blip>
-          <a:stretch>
-            <a:fillRect/>
-          </a:stretch>
-        </p:blipFill>
-        <p:spPr>
-          <a:xfrm rot="0">
-            <a:off x="8452485" y="2973705"/>
-            <a:ext cx="2553970" cy="1330325"/>
-          </a:xfrm>
-          <a:prstGeom prst="roundRect"/>
-          <a:solidFill>
-            <a:srgbClr val="EDEDED"/>
-          </a:solidFill>
-        </p:spPr>
-      </p:pic>
-      <p:cxnSp>
-        <p:nvCxnSpPr>
-          <p:cNvPr id="42" name="도형 81"/>
-          <p:cNvCxnSpPr/>
-          <p:nvPr/>
-        </p:nvCxnSpPr>
-        <p:spPr>
-          <a:xfrm rot="0" flipV="1">
-            <a:off x="7888605" y="2597785"/>
-            <a:ext cx="2996565" cy="1256030"/>
-          </a:xfrm>
-          <a:prstGeom prst="straightConnector1"/>
-          <a:ln w="6350" cap="flat" cmpd="sng">
-            <a:prstDash/>
-            <a:headEnd type="none" w="med" len="med"/>
-            <a:tailEnd type="triangle" w="med" len="med"/>
-          </a:ln>
-        </p:spPr>
-        <p:style>
-          <a:lnRef idx="1">
-            <a:schemeClr val="accent1"/>
-          </a:lnRef>
-          <a:fillRef idx="0">
-            <a:schemeClr val="accent1"/>
-          </a:fillRef>
-          <a:effectRef idx="0">
-            <a:schemeClr val="accent1"/>
-          </a:effectRef>
-          <a:fontRef idx="minor">
-            <a:schemeClr val="tx1"/>
-          </a:fontRef>
-        </p:style>
-      </p:cxnSp>
-      <p:cxnSp>
-        <p:nvCxnSpPr>
-          <p:cNvPr id="43" name="도형 82"/>
-          <p:cNvCxnSpPr/>
-          <p:nvPr/>
-        </p:nvCxnSpPr>
-        <p:spPr>
-          <a:xfrm rot="0" flipV="1">
-            <a:off x="7741285" y="2130425"/>
-            <a:ext cx="3152775" cy="1922780"/>
-          </a:xfrm>
-          <a:prstGeom prst="straightConnector1"/>
-          <a:ln w="6350" cap="flat" cmpd="sng">
-            <a:prstDash/>
-            <a:headEnd type="none" w="med" len="med"/>
-            <a:tailEnd type="triangle" w="med" len="med"/>
-          </a:ln>
-        </p:spPr>
-        <p:style>
-          <a:lnRef idx="1">
-            <a:schemeClr val="accent1"/>
-          </a:lnRef>
-          <a:fillRef idx="0">
-            <a:schemeClr val="accent1"/>
-          </a:fillRef>
-          <a:effectRef idx="0">
-            <a:schemeClr val="accent1"/>
-          </a:effectRef>
-          <a:fontRef idx="minor">
-            <a:schemeClr val="tx1"/>
-          </a:fontRef>
-        </p:style>
-      </p:cxnSp>
-      <p:cxnSp>
-        <p:nvCxnSpPr>
-          <p:cNvPr id="44" name="도형 83"/>
-          <p:cNvCxnSpPr/>
-          <p:nvPr/>
-        </p:nvCxnSpPr>
-        <p:spPr>
-          <a:xfrm rot="0" flipV="1">
-            <a:off x="10045065" y="2364105"/>
-            <a:ext cx="840105" cy="987425"/>
-          </a:xfrm>
-          <a:prstGeom prst="straightConnector1"/>
-          <a:ln w="6350" cap="flat" cmpd="sng">
-            <a:prstDash/>
-            <a:headEnd type="none" w="med" len="med"/>
-            <a:tailEnd type="triangle" w="med" len="med"/>
-          </a:ln>
-        </p:spPr>
-        <p:style>
-          <a:lnRef idx="1">
-            <a:schemeClr val="accent1"/>
-          </a:lnRef>
-          <a:fillRef idx="0">
-            <a:schemeClr val="accent1"/>
-          </a:fillRef>
-          <a:effectRef idx="0">
-            <a:schemeClr val="accent1"/>
-          </a:effectRef>
-          <a:fontRef idx="minor">
-            <a:schemeClr val="tx1"/>
-          </a:fontRef>
-        </p:style>
-      </p:cxnSp>
-      <p:sp>
-        <p:nvSpPr>
-          <p:cNvPr id="45" name="텍스트 상자 84"/>
-          <p:cNvSpPr txBox="1">
-            <a:spLocks/>
-          </p:cNvSpPr>
-          <p:nvPr/>
-        </p:nvSpPr>
-        <p:spPr>
-          <a:xfrm rot="0">
-            <a:off x="6794500" y="4425950"/>
-            <a:ext cx="4185920" cy="1754505"/>
-          </a:xfrm>
-          <a:prstGeom prst="rect"/>
-          <a:noFill/>
-          <a:ln w="0">
-            <a:noFill/>
-            <a:prstDash/>
-          </a:ln>
-        </p:spPr>
-        <p:txBody>
-          <a:bodyPr wrap="square" lIns="89535" tIns="46355" rIns="89535" bIns="46355" numCol="1" vert="horz" anchor="t">
-            <a:spAutoFit/>
-          </a:bodyPr>
-          <a:lstStyle/>
-          <a:p>
-            <a:pPr marL="0" indent="0" algn="l" latinLnBrk="0" hangingPunct="1">
-              <a:buFontTx/>
-              <a:buNone/>
-            </a:pPr>
-            <a:r>
-              <a:rPr sz="1800" b="1">
-                <a:solidFill>
-                  <a:srgbClr val="0611F2"/>
-                </a:solidFill>
-                <a:latin typeface="맑은 고딕" charset="0"/>
-                <a:ea typeface="맑은 고딕" charset="0"/>
-              </a:rPr>
-              <a:t>1</a:t>
-            </a:r>
-            <a:r>
-              <a:rPr lang="ko-KR" sz="1800" b="1">
-                <a:solidFill>
-                  <a:srgbClr val="0611F2"/>
-                </a:solidFill>
-                <a:latin typeface="맑은 고딕" charset="0"/>
-                <a:ea typeface="맑은 고딕" charset="0"/>
-              </a:rPr>
-              <a:t>6</a:t>
-            </a:r>
-            <a:r>
-              <a:rPr sz="1800" b="1">
-                <a:solidFill>
-                  <a:srgbClr val="0611F2"/>
-                </a:solidFill>
-                <a:latin typeface="맑은 고딕" charset="0"/>
-                <a:ea typeface="맑은 고딕" charset="0"/>
-              </a:rPr>
-              <a:t>.</a:t>
-            </a:r>
-            <a:r>
-              <a:rPr sz="1800">
-                <a:latin typeface="맑은 고딕" charset="0"/>
-                <a:ea typeface="맑은 고딕" charset="0"/>
-              </a:rPr>
-              <a:t> </a:t>
-            </a:r>
-            <a:r>
-              <a:rPr lang="ko-KR" sz="1800">
-                <a:latin typeface="맑은 고딕" charset="0"/>
-                <a:ea typeface="맑은 고딕" charset="0"/>
-              </a:rPr>
-              <a:t>이제 Chatting Manager 오브젝트를 선택합니다.</a:t>
-            </a:r>
-            <a:endParaRPr lang="ko-KR" altLang="en-US" sz="1800">
-              <a:latin typeface="맑은 고딕" charset="0"/>
-              <a:ea typeface="맑은 고딕" charset="0"/>
-            </a:endParaRPr>
-          </a:p>
-          <a:p>
-            <a:pPr marL="0" indent="0" algn="l" latinLnBrk="0" hangingPunct="1">
-              <a:buFontTx/>
-              <a:buNone/>
-            </a:pPr>
-            <a:endParaRPr lang="ko-KR" altLang="en-US" sz="1800">
-              <a:latin typeface="맑은 고딕" charset="0"/>
-              <a:ea typeface="맑은 고딕" charset="0"/>
-            </a:endParaRPr>
-          </a:p>
-          <a:p>
-            <a:pPr marL="0" indent="0" algn="l" latinLnBrk="0" hangingPunct="1">
-              <a:buFontTx/>
-              <a:buNone/>
-            </a:pPr>
-            <a:r>
-              <a:rPr lang="ko-KR" sz="1800">
-                <a:latin typeface="맑은 고딕" charset="0"/>
-                <a:ea typeface="맑은 고딕" charset="0"/>
-              </a:rPr>
-              <a:t>그다음 Chat Manager 스크립트에서 Input과 Chat Prefab 그리고 Chat Content를 넣어줍니다.</a:t>
-            </a:r>
-            <a:endParaRPr lang="ko-KR" altLang="en-US" sz="1800">
-              <a:latin typeface="맑은 고딕" charset="0"/>
-              <a:ea typeface="맑은 고딕" charset="0"/>
-            </a:endParaRPr>
-          </a:p>
-        </p:txBody>
-      </p:sp>
-      <p:pic>
-        <p:nvPicPr>
-          <p:cNvPr id="46" name="그림 85" descr="C:/Users/Admin1/AppData/Roaming/PolarisOffice/ETemp/21612_20234488/fImage126203041942.png"/>
-          <p:cNvPicPr>
-            <a:picLocks noChangeAspect="1"/>
-          </p:cNvPicPr>
-          <p:nvPr/>
-        </p:nvPicPr>
-        <p:blipFill rotWithShape="1">
-          <a:blip r:embed="rId7" cstate="print">
-            <a:extLst>
-              <a:ext uri="{28A0092B-C50C-407E-A947-70E740481C1C}">
-                <a14:useLocalDpi xmlns:a14="http://schemas.microsoft.com/office/drawing/2010/main" val="0"/>
-              </a:ext>
-            </a:extLst>
-          </a:blip>
-          <a:stretch>
-            <a:fillRect/>
-          </a:stretch>
-        </p:blipFill>
-        <p:spPr>
-          <a:xfrm rot="0">
-            <a:off x="1454785" y="4017645"/>
-            <a:ext cx="3931920" cy="1334135"/>
-          </a:xfrm>
-          <a:prstGeom prst="roundRect"/>
-          <a:solidFill>
-            <a:srgbClr val="EDEDED"/>
-          </a:solidFill>
-        </p:spPr>
-      </p:pic>
-      <p:sp>
-        <p:nvSpPr>
-          <p:cNvPr id="47" name="텍스트 상자 88"/>
-          <p:cNvSpPr txBox="1">
-            <a:spLocks/>
-          </p:cNvSpPr>
-          <p:nvPr/>
-        </p:nvSpPr>
-        <p:spPr>
-          <a:xfrm rot="0">
-            <a:off x="1451610" y="5508625"/>
-            <a:ext cx="3926205" cy="647065"/>
-          </a:xfrm>
-          <a:prstGeom prst="rect"/>
-          <a:noFill/>
-          <a:ln w="0">
-            <a:noFill/>
-            <a:prstDash/>
-          </a:ln>
-        </p:spPr>
-        <p:txBody>
-          <a:bodyPr wrap="square" lIns="89535" tIns="46355" rIns="89535" bIns="46355" numCol="1" vert="horz" anchor="t">
-            <a:spAutoFit/>
-          </a:bodyPr>
-          <a:lstStyle/>
-          <a:p>
-            <a:pPr marL="0" indent="0" algn="l" latinLnBrk="0" hangingPunct="1">
-              <a:buFontTx/>
-              <a:buNone/>
-            </a:pPr>
-            <a:r>
-              <a:rPr sz="1800" b="1">
-                <a:solidFill>
-                  <a:srgbClr val="0611F2"/>
-                </a:solidFill>
-                <a:latin typeface="맑은 고딕" charset="0"/>
-                <a:ea typeface="맑은 고딕" charset="0"/>
-              </a:rPr>
-              <a:t>1</a:t>
-            </a:r>
-            <a:r>
-              <a:rPr lang="ko-KR" sz="1800" b="1">
-                <a:solidFill>
-                  <a:srgbClr val="0611F2"/>
-                </a:solidFill>
-                <a:latin typeface="맑은 고딕" charset="0"/>
-                <a:ea typeface="맑은 고딕" charset="0"/>
-              </a:rPr>
-              <a:t>5</a:t>
-            </a:r>
-            <a:r>
-              <a:rPr sz="1800" b="1">
-                <a:solidFill>
-                  <a:srgbClr val="0611F2"/>
-                </a:solidFill>
-                <a:latin typeface="맑은 고딕" charset="0"/>
-                <a:ea typeface="맑은 고딕" charset="0"/>
-              </a:rPr>
-              <a:t>.</a:t>
-            </a:r>
-            <a:r>
-              <a:rPr sz="1800">
-                <a:latin typeface="맑은 고딕" charset="0"/>
-                <a:ea typeface="맑은 고딕" charset="0"/>
-              </a:rPr>
-              <a:t> </a:t>
-            </a:r>
-            <a:r>
-              <a:rPr lang="ko-KR" sz="1800">
-                <a:latin typeface="맑은 고딕" charset="0"/>
-                <a:ea typeface="맑은 고딕" charset="0"/>
-              </a:rPr>
-              <a:t>그다음으로 InputField의 위치와 앵커를 조정합니다.</a:t>
-            </a:r>
-            <a:endParaRPr lang="ko-KR" altLang="en-US" sz="1800">
-              <a:latin typeface="맑은 고딕" charset="0"/>
-              <a:ea typeface="맑은 고딕" charset="0"/>
-            </a:endParaRPr>
-          </a:p>
-        </p:txBody>
-      </p:sp>
-    </p:spTree>
-  </p:cSld>
-  <p:clrMapOvr>
-    <a:masterClrMapping/>
-  </p:clrMapOvr>
-  <mc:AlternateContent xmlns:mc="http://schemas.openxmlformats.org/markup-compatibility/2006">
-    <mc:Choice xmlns:p14="http://schemas.microsoft.com/office/powerpoint/2010/main" Requires="p14">
-      <p:transition spd="slow" p14:dur="2000"/>
-    </mc:Choice>
-    <mc:Fallback>
-      <p:transition spd="slow"/>
-    </mc:Fallback>
-  </mc:AlternateContent>
-  <p:timing>
-    <p:tnLst>
-      <p:par>
-        <p:cTn id="1" dur="indefinite" restart="never" nodeType="tmRoot"/>
-      </p:par>
-    </p:tnLst>
-  </p:timing>
-</p:sld>
-</file>
-
 <file path=ppt/slides/slide2.xml><?xml version="1.0" encoding="utf-8"?>
 <p:sld xmlns:a="http://schemas.openxmlformats.org/drawingml/2006/main" xmlns:r="http://schemas.openxmlformats.org/officeDocument/2006/relationships" xmlns:p="http://schemas.openxmlformats.org/presentationml/2006/main" xmlns:p14="http://schemas.microsoft.com/office/powerpoint/2010/main">
   <p:cSld>
@@ -10762,16 +9892,16 @@
       </p:grpSpPr>
       <p:sp>
         <p:nvSpPr>
-          <p:cNvPr id="2" name="텍스트 상자 13"/>
+          <p:cNvPr id="2" name="Rect 0"/>
           <p:cNvSpPr txBox="1">
             <a:spLocks/>
           </p:cNvSpPr>
           <p:nvPr/>
         </p:nvSpPr>
         <p:spPr>
-          <a:xfrm rot="0">
-            <a:off x="4356735" y="405765"/>
-            <a:ext cx="3560445" cy="554990"/>
+          <a:xfrm>
+            <a:off x="4307840" y="372110"/>
+            <a:ext cx="3576955" cy="554990"/>
           </a:xfrm>
           <a:prstGeom prst="rect"/>
           <a:noFill/>
@@ -10795,7 +9925,14 @@
                 <a:latin typeface="맑은 고딕" charset="0"/>
                 <a:ea typeface="맑은 고딕" charset="0"/>
               </a:rPr>
-              <a:t>다섯 번째 튜토리얼</a:t>
+              <a:t>다</a:t>
+            </a:r>
+            <a:r>
+              <a:rPr lang="ko-KR" sz="3000" b="1">
+                <a:latin typeface="맑은 고딕" charset="0"/>
+                <a:ea typeface="맑은 고딕" charset="0"/>
+              </a:rPr>
+              <a:t>섯 번째 튜토리얼</a:t>
             </a:r>
             <a:r>
               <a:rPr sz="3000" b="1">
@@ -10813,16 +9950,16 @@
       </p:sp>
       <p:sp>
         <p:nvSpPr>
-          <p:cNvPr id="3" name="텍스트 상자 14"/>
+          <p:cNvPr id="6" name="Rect 0"/>
           <p:cNvSpPr txBox="1">
             <a:spLocks/>
           </p:cNvSpPr>
           <p:nvPr/>
         </p:nvSpPr>
         <p:spPr>
-          <a:xfrm rot="0">
-            <a:off x="1292225" y="4253230"/>
-            <a:ext cx="4070350" cy="1754505"/>
+          <a:xfrm>
+            <a:off x="1189355" y="3961130"/>
+            <a:ext cx="4124325" cy="2031365"/>
           </a:xfrm>
           <a:prstGeom prst="rect"/>
           <a:noFill/>
@@ -10842,18 +9979,38 @@
               <a:buNone/>
             </a:pPr>
             <a:r>
+              <a:rPr lang="ko-KR" sz="1800" b="1">
+                <a:solidFill>
+                  <a:srgbClr val="0611F2"/>
+                </a:solidFill>
+                <a:latin typeface="맑은 고딕" charset="0"/>
+                <a:ea typeface="맑은 고딕" charset="0"/>
+              </a:rPr>
+              <a:t>8</a:t>
+            </a:r>
+            <a:r>
+              <a:rPr sz="1800" b="1">
+                <a:solidFill>
+                  <a:srgbClr val="0611F2"/>
+                </a:solidFill>
+                <a:latin typeface="맑은 고딕" charset="0"/>
+                <a:ea typeface="맑은 고딕" charset="0"/>
+              </a:rPr>
+              <a:t>.</a:t>
+            </a:r>
+            <a:r>
               <a:rPr sz="1800">
                 <a:latin typeface="맑은 고딕" charset="0"/>
                 <a:ea typeface="맑은 고딕" charset="0"/>
               </a:rPr>
-              <a:t>Min Size : LayOut Group 컴포넌트와 함께 사용</a:t>
+              <a:t> </a:t>
             </a:r>
             <a:r>
               <a:rPr lang="ko-KR" sz="1800">
                 <a:latin typeface="맑은 고딕" charset="0"/>
                 <a:ea typeface="맑은 고딕" charset="0"/>
               </a:rPr>
-              <a:t>해야 합니다.</a:t>
+              <a:t>빈 게임 오브젝트를 생성하고 이름은 Chatting Manager로 변경합니다.</a:t>
             </a:r>
             <a:endParaRPr lang="ko-KR" altLang="en-US" sz="1800">
               <a:latin typeface="맑은 고딕" charset="0"/>
@@ -10876,25 +10033,25 @@
               <a:buNone/>
             </a:pPr>
             <a:r>
-              <a:rPr sz="1800">
-                <a:latin typeface="맑은 고딕" charset="0"/>
-                <a:ea typeface="맑은 고딕" charset="0"/>
-              </a:rPr>
-              <a:t>Min Size</a:t>
-            </a:r>
-            <a:r>
               <a:rPr lang="ko-KR" sz="1800">
                 <a:latin typeface="맑은 고딕" charset="0"/>
                 <a:ea typeface="맑은 고딕" charset="0"/>
               </a:rPr>
-              <a:t>의 경우 </a:t>
-            </a:r>
-            <a:r>
-              <a:rPr sz="1800">
-                <a:latin typeface="맑은 고딕" charset="0"/>
-                <a:ea typeface="맑은 고딕" charset="0"/>
-              </a:rPr>
-              <a:t>레이아웃 요소의 최소 크기를 기준으로 UI의 크기를 맞추는 옵션입니다.  </a:t>
+              <a:t>그리고 ChatManager라는 스크립트를 </a:t>
+            </a:r>
+            <a:r>
+              <a:rPr lang="ko-KR" sz="1800">
+                <a:latin typeface="맑은 고딕" charset="0"/>
+                <a:ea typeface="맑은 고딕" charset="0"/>
+              </a:rPr>
+              <a:t>생성하고</a:t>
+            </a:r>
+            <a:r>
+              <a:rPr lang="ko-KR" sz="1800">
+                <a:latin typeface="맑은 고딕" charset="0"/>
+                <a:ea typeface="맑은 고딕" charset="0"/>
+              </a:rPr>
+              <a:t> Chatting Manager 오브젝트에 넣어줍니다.</a:t>
             </a:r>
             <a:endParaRPr lang="ko-KR" altLang="en-US" sz="1800">
               <a:latin typeface="맑은 고딕" charset="0"/>
@@ -10903,53 +10060,9 @@
           </a:p>
         </p:txBody>
       </p:sp>
-      <p:sp>
-        <p:nvSpPr>
-          <p:cNvPr id="4" name="텍스트 상자 15"/>
-          <p:cNvSpPr txBox="1">
-            <a:spLocks/>
-          </p:cNvSpPr>
-          <p:nvPr/>
-        </p:nvSpPr>
-        <p:spPr>
-          <a:xfrm rot="0">
-            <a:off x="6824980" y="4805680"/>
-            <a:ext cx="4150995" cy="1202055"/>
-          </a:xfrm>
-          <a:prstGeom prst="rect"/>
-          <a:noFill/>
-          <a:ln w="0">
-            <a:noFill/>
-            <a:prstDash/>
-          </a:ln>
-        </p:spPr>
-        <p:txBody>
-          <a:bodyPr wrap="square" lIns="89535" tIns="46355" rIns="89535" bIns="46355" numCol="1" vert="horz" anchor="t">
-            <a:spAutoFit/>
-          </a:bodyPr>
-          <a:lstStyle/>
-          <a:p>
-            <a:pPr marL="0" indent="0" rtl="0" algn="l" defTabSz="914400" eaLnBrk="1" latinLnBrk="0" hangingPunct="1">
-              <a:buFontTx/>
-              <a:buNone/>
-            </a:pPr>
-            <a:r>
-              <a:rPr sz="1800">
-                <a:latin typeface="맑은 고딕" charset="0"/>
-                <a:ea typeface="맑은 고딕" charset="0"/>
-              </a:rPr>
-              <a:t>스크롤 뷰에서 Content라는 게임 오브젝트의 하위 오브젝트로 UI 오브젝트가 생성될 때 생성된 수에 따라 스크롤바의 크기가 조절됩니다.</a:t>
-            </a:r>
-            <a:endParaRPr lang="ko-KR" altLang="en-US" sz="1800">
-              <a:latin typeface="맑은 고딕" charset="0"/>
-              <a:ea typeface="맑은 고딕" charset="0"/>
-            </a:endParaRPr>
-          </a:p>
-        </p:txBody>
-      </p:sp>
       <p:pic>
         <p:nvPicPr>
-          <p:cNvPr id="5" name="그림 16" descr="C:/Users/Admin1/AppData/Roaming/PolarisOffice/ETemp/21612_20234488/fImage25012479169.png"/>
+          <p:cNvPr id="16" name="그림 32"/>
           <p:cNvPicPr>
             <a:picLocks noChangeAspect="1"/>
           </p:cNvPicPr>
@@ -10969,16 +10082,18 @@
         </p:blipFill>
         <p:spPr>
           <a:xfrm rot="0">
-            <a:off x="1290955" y="1367790"/>
-            <a:ext cx="4055110" cy="2686050"/>
-          </a:xfrm>
-          <a:prstGeom prst="rect"/>
-          <a:noFill/>
+            <a:off x="4238625" y="3030220"/>
+            <a:ext cx="743585" cy="791845"/>
+          </a:xfrm>
+          <a:prstGeom prst="roundRect"/>
+          <a:solidFill>
+            <a:srgbClr val="EDEDED"/>
+          </a:solidFill>
         </p:spPr>
       </p:pic>
       <p:pic>
         <p:nvPicPr>
-          <p:cNvPr id="6" name="그림 17" descr="C:/Users/Admin1/AppData/Roaming/PolarisOffice/ETemp/21612_20234488/fImage76002485724.png"/>
+          <p:cNvPr id="17" name="그림 37"/>
           <p:cNvPicPr>
             <a:picLocks noChangeAspect="1"/>
           </p:cNvPicPr>
@@ -10998,8 +10113,8 @@
         </p:blipFill>
         <p:spPr>
           <a:xfrm rot="0">
-            <a:off x="1576705" y="1559560"/>
-            <a:ext cx="3124835" cy="2214880"/>
+            <a:off x="1252855" y="1322705"/>
+            <a:ext cx="2395855" cy="2494915"/>
           </a:xfrm>
           <a:prstGeom prst="roundRect"/>
           <a:solidFill>
@@ -11009,7 +10124,7 @@
       </p:pic>
       <p:sp>
         <p:nvSpPr>
-          <p:cNvPr id="7" name="텍스트 상자 18"/>
+          <p:cNvPr id="21" name="텍스트 상자 44"/>
           <p:cNvSpPr txBox="1">
             <a:spLocks/>
           </p:cNvSpPr>
@@ -11017,8 +10132,8 @@
         </p:nvSpPr>
         <p:spPr>
           <a:xfrm rot="0">
-            <a:off x="1889125" y="1860550"/>
-            <a:ext cx="831215" cy="323850"/>
+            <a:off x="6819900" y="4234180"/>
+            <a:ext cx="4029710" cy="1754505"/>
           </a:xfrm>
           <a:prstGeom prst="rect"/>
           <a:noFill/>
@@ -11038,158 +10153,93 @@
               <a:buNone/>
             </a:pPr>
             <a:r>
-              <a:rPr lang="ko-KR" sz="1500" b="1">
+              <a:rPr lang="ko-KR" sz="1800" b="1">
                 <a:solidFill>
-                  <a:srgbClr val="009900"/>
+                  <a:srgbClr val="0611F2"/>
                 </a:solidFill>
                 <a:latin typeface="맑은 고딕" charset="0"/>
                 <a:ea typeface="맑은 고딕" charset="0"/>
               </a:rPr>
-              <a:t>Layout</a:t>
-            </a:r>
-            <a:endParaRPr lang="ko-KR" altLang="en-US" sz="1500" b="1">
-              <a:solidFill>
-                <a:srgbClr val="009900"/>
-              </a:solidFill>
+              <a:t>9</a:t>
+            </a:r>
+            <a:r>
+              <a:rPr sz="1800" b="1">
+                <a:solidFill>
+                  <a:srgbClr val="0611F2"/>
+                </a:solidFill>
+                <a:latin typeface="맑은 고딕" charset="0"/>
+                <a:ea typeface="맑은 고딕" charset="0"/>
+              </a:rPr>
+              <a:t>.</a:t>
+            </a:r>
+            <a:r>
+              <a:rPr sz="1800">
+                <a:latin typeface="맑은 고딕" charset="0"/>
+                <a:ea typeface="맑은 고딕" charset="0"/>
+              </a:rPr>
+              <a:t> </a:t>
+            </a:r>
+            <a:r>
+              <a:rPr lang="ko-KR" sz="1800">
+                <a:latin typeface="맑은 고딕" charset="0"/>
+                <a:ea typeface="맑은 고딕" charset="0"/>
+              </a:rPr>
+              <a:t>이제</a:t>
+            </a:r>
+            <a:r>
+              <a:rPr lang="ko-KR" sz="1800">
+                <a:latin typeface="맑은 고딕" charset="0"/>
+                <a:ea typeface="맑은 고딕" charset="0"/>
+              </a:rPr>
+              <a:t> 텍스트를 입력할 InputField와 채팅 UI를 생성하기 위한 GameObject 선언합니다.</a:t>
+            </a:r>
+            <a:endParaRPr lang="ko-KR" altLang="en-US" sz="1800">
               <a:latin typeface="맑은 고딕" charset="0"/>
               <a:ea typeface="맑은 고딕" charset="0"/>
             </a:endParaRPr>
           </a:p>
-        </p:txBody>
-      </p:sp>
-      <p:sp>
-        <p:nvSpPr>
-          <p:cNvPr id="8" name="텍스트 상자 19"/>
-          <p:cNvSpPr txBox="1">
-            <a:spLocks/>
-          </p:cNvSpPr>
-          <p:nvPr/>
-        </p:nvSpPr>
-        <p:spPr>
-          <a:xfrm rot="0">
-            <a:off x="1801495" y="3166110"/>
-            <a:ext cx="1017270" cy="323850"/>
-          </a:xfrm>
-          <a:prstGeom prst="rect"/>
-          <a:noFill/>
-          <a:ln w="0">
-            <a:noFill/>
-            <a:prstDash/>
-          </a:ln>
-        </p:spPr>
-        <p:txBody>
-          <a:bodyPr wrap="square" lIns="89535" tIns="46355" rIns="89535" bIns="46355" numCol="1" vert="horz" anchor="t">
-            <a:spAutoFit/>
-          </a:bodyPr>
-          <a:lstStyle/>
           <a:p>
             <a:pPr marL="0" indent="0" rtl="0" algn="l" defTabSz="914400" eaLnBrk="1" latinLnBrk="0" hangingPunct="1">
               <a:buFontTx/>
               <a:buNone/>
             </a:pPr>
-            <a:endParaRPr lang="ko-KR" altLang="en-US" sz="1500" b="1">
-              <a:solidFill>
-                <a:srgbClr val="009900"/>
-              </a:solidFill>
+            <a:endParaRPr lang="ko-KR" altLang="en-US" sz="1800">
               <a:latin typeface="맑은 고딕" charset="0"/>
               <a:ea typeface="맑은 고딕" charset="0"/>
             </a:endParaRPr>
           </a:p>
-        </p:txBody>
-      </p:sp>
-      <p:sp>
-        <p:nvSpPr>
-          <p:cNvPr id="9" name="텍스트 상자 20"/>
-          <p:cNvSpPr txBox="1">
-            <a:spLocks/>
-          </p:cNvSpPr>
-          <p:nvPr/>
-        </p:nvSpPr>
-        <p:spPr>
-          <a:xfrm rot="0">
-            <a:off x="3384550" y="3173730"/>
-            <a:ext cx="1017270" cy="323850"/>
-          </a:xfrm>
-          <a:prstGeom prst="rect"/>
-          <a:noFill/>
-          <a:ln w="0">
-            <a:noFill/>
-            <a:prstDash/>
-          </a:ln>
-        </p:spPr>
-        <p:txBody>
-          <a:bodyPr wrap="square" lIns="89535" tIns="46355" rIns="89535" bIns="46355" numCol="1" vert="horz" anchor="t">
-            <a:spAutoFit/>
-          </a:bodyPr>
-          <a:lstStyle/>
           <a:p>
             <a:pPr marL="0" indent="0" rtl="0" algn="l" defTabSz="914400" eaLnBrk="1" latinLnBrk="0" hangingPunct="1">
               <a:buFontTx/>
               <a:buNone/>
             </a:pPr>
-            <a:endParaRPr lang="ko-KR" altLang="en-US" sz="1500" b="1">
-              <a:solidFill>
-                <a:srgbClr val="009900"/>
-              </a:solidFill>
+            <a:r>
+              <a:rPr lang="ko-KR" sz="1800">
+                <a:latin typeface="맑은 고딕" charset="0"/>
+                <a:ea typeface="맑은 고딕" charset="0"/>
+              </a:rPr>
+              <a:t>마지막으로 텍스트의 위치를 조정할 Transform 변수를 선언합니다.</a:t>
+            </a:r>
+            <a:endParaRPr lang="ko-KR" altLang="en-US" sz="1800">
               <a:latin typeface="맑은 고딕" charset="0"/>
               <a:ea typeface="맑은 고딕" charset="0"/>
             </a:endParaRPr>
           </a:p>
         </p:txBody>
       </p:sp>
-      <p:sp>
-        <p:nvSpPr>
-          <p:cNvPr id="10" name="텍스트 상자 21"/>
-          <p:cNvSpPr txBox="1">
-            <a:spLocks/>
-          </p:cNvSpPr>
-          <p:nvPr/>
-        </p:nvSpPr>
-        <p:spPr>
-          <a:xfrm rot="0">
-            <a:off x="3370580" y="1932305"/>
-            <a:ext cx="1017270" cy="323850"/>
-          </a:xfrm>
-          <a:prstGeom prst="rect"/>
-          <a:noFill/>
-          <a:ln w="0">
-            <a:noFill/>
-            <a:prstDash/>
-          </a:ln>
-        </p:spPr>
-        <p:txBody>
-          <a:bodyPr wrap="square" lIns="89535" tIns="46355" rIns="89535" bIns="46355" numCol="1" vert="horz" anchor="t">
-            <a:spAutoFit/>
-          </a:bodyPr>
-          <a:lstStyle/>
-          <a:p>
-            <a:pPr marL="0" indent="0" rtl="0" algn="l" defTabSz="914400" eaLnBrk="1" latinLnBrk="0" hangingPunct="1">
-              <a:buFontTx/>
-              <a:buNone/>
-            </a:pPr>
-            <a:endParaRPr lang="ko-KR" altLang="en-US" sz="1500" b="1">
-              <a:solidFill>
-                <a:srgbClr val="009900"/>
-              </a:solidFill>
-              <a:latin typeface="맑은 고딕" charset="0"/>
-              <a:ea typeface="맑은 고딕" charset="0"/>
-            </a:endParaRPr>
-          </a:p>
-        </p:txBody>
-      </p:sp>
       <p:pic>
         <p:nvPicPr>
-          <p:cNvPr id="11" name="그림 22"/>
+          <p:cNvPr id="26" name="그림 51"/>
           <p:cNvPicPr>
             <a:picLocks noChangeAspect="1"/>
           </p:cNvPicPr>
           <p:nvPr/>
         </p:nvPicPr>
         <p:blipFill rotWithShape="1">
-          <a:blip r:embed="rId4" cstate="hqprint">
+          <a:blip r:embed="rId9" cstate="print">
             <a:extLst>
               <a:ext uri="{28A0092B-C50C-407E-A947-70E740481C1C}">
-                <a14:useLocalDpi xmlns:a14="http://schemas.microsoft.com/office/drawing/2010/main"/>
+                <a14:useLocalDpi xmlns:a14="http://schemas.microsoft.com/office/drawing/2010/main" val="0"/>
               </a:ext>
             </a:extLst>
           </a:blip>
@@ -11199,8 +10249,8 @@
         </p:blipFill>
         <p:spPr>
           <a:xfrm rot="0">
-            <a:off x="6824980" y="1374775"/>
-            <a:ext cx="4149725" cy="3206750"/>
+            <a:off x="3841750" y="1333500"/>
+            <a:ext cx="1530985" cy="1418590"/>
           </a:xfrm>
           <a:prstGeom prst="roundRect"/>
           <a:solidFill>
@@ -11208,156 +10258,72 @@
           </a:solidFill>
         </p:spPr>
       </p:pic>
-      <p:sp>
-        <p:nvSpPr>
-          <p:cNvPr id="12" name="텍스트 상자 48"/>
-          <p:cNvSpPr txBox="1">
-            <a:spLocks/>
-          </p:cNvSpPr>
+      <p:cxnSp>
+        <p:nvCxnSpPr>
+          <p:cNvPr id="19" name="도형 39"/>
+          <p:cNvCxnSpPr>
+            <a:stCxn id="16" idx="0"/>
+            <a:endCxn id="26" idx="2"/>
+          </p:cNvCxnSpPr>
           <p:nvPr/>
-        </p:nvSpPr>
-        <p:spPr>
-          <a:xfrm rot="0">
-            <a:off x="1897380" y="3001010"/>
-            <a:ext cx="831215" cy="323850"/>
-          </a:xfrm>
-          <a:prstGeom prst="rect"/>
-          <a:noFill/>
-          <a:ln w="0">
-            <a:noFill/>
+        </p:nvCxnSpPr>
+        <p:spPr>
+          <a:xfrm rot="0" flipH="1" flipV="1">
+            <a:off x="4606925" y="2751455"/>
+            <a:ext cx="3810" cy="279400"/>
+          </a:xfrm>
+          <a:prstGeom prst="straightConnector1"/>
+          <a:ln w="6350" cap="flat" cmpd="sng">
             <a:prstDash/>
+            <a:tailEnd type="triangle" w="med" len="med"/>
           </a:ln>
         </p:spPr>
-        <p:txBody>
-          <a:bodyPr wrap="square" lIns="89535" tIns="46355" rIns="89535" bIns="46355" numCol="1" vert="horz" anchor="t">
-            <a:spAutoFit/>
-          </a:bodyPr>
-          <a:lstStyle/>
-          <a:p>
-            <a:pPr marL="0" indent="0" rtl="0" algn="l" defTabSz="914400" eaLnBrk="1" latinLnBrk="0" hangingPunct="1">
-              <a:buFontTx/>
-              <a:buNone/>
-            </a:pPr>
-            <a:r>
-              <a:rPr lang="ko-KR" sz="1500" b="1">
-                <a:solidFill>
-                  <a:srgbClr val="009900"/>
-                </a:solidFill>
-                <a:latin typeface="맑은 고딕" charset="0"/>
-                <a:ea typeface="맑은 고딕" charset="0"/>
-              </a:rPr>
-              <a:t>Layout</a:t>
-            </a:r>
-            <a:endParaRPr lang="ko-KR" altLang="en-US" sz="1500" b="1">
-              <a:solidFill>
-                <a:srgbClr val="009900"/>
-              </a:solidFill>
-              <a:latin typeface="맑은 고딕" charset="0"/>
-              <a:ea typeface="맑은 고딕" charset="0"/>
-            </a:endParaRPr>
-          </a:p>
-        </p:txBody>
-      </p:sp>
-      <p:sp>
-        <p:nvSpPr>
-          <p:cNvPr id="13" name="텍스트 상자 49"/>
-          <p:cNvSpPr txBox="1">
-            <a:spLocks/>
-          </p:cNvSpPr>
+        <p:style>
+          <a:lnRef idx="1">
+            <a:schemeClr val="accent1"/>
+          </a:lnRef>
+          <a:fillRef idx="0">
+            <a:schemeClr val="accent1"/>
+          </a:fillRef>
+          <a:effectRef idx="0">
+            <a:schemeClr val="accent1"/>
+          </a:effectRef>
+          <a:fontRef idx="minor">
+            <a:schemeClr val="tx1"/>
+          </a:fontRef>
+        </p:style>
+      </p:cxnSp>
+      <p:pic>
+        <p:nvPicPr>
+          <p:cNvPr id="27" name="그림 54"/>
+          <p:cNvPicPr>
+            <a:picLocks noChangeAspect="1"/>
+          </p:cNvPicPr>
           <p:nvPr/>
-        </p:nvSpPr>
-        <p:spPr>
-          <a:xfrm rot="0">
-            <a:off x="3463925" y="3001010"/>
-            <a:ext cx="831215" cy="323850"/>
-          </a:xfrm>
-          <a:prstGeom prst="rect"/>
-          <a:noFill/>
-          <a:ln w="0">
-            <a:noFill/>
-            <a:prstDash/>
-          </a:ln>
-        </p:spPr>
-        <p:txBody>
-          <a:bodyPr wrap="square" lIns="89535" tIns="46355" rIns="89535" bIns="46355" numCol="1" vert="horz" anchor="t">
-            <a:spAutoFit/>
-          </a:bodyPr>
-          <a:lstStyle/>
-          <a:p>
-            <a:pPr marL="0" indent="0" rtl="0" algn="l" defTabSz="914400" eaLnBrk="1" latinLnBrk="0" hangingPunct="1">
-              <a:buFontTx/>
-              <a:buNone/>
-            </a:pPr>
-            <a:r>
-              <a:rPr lang="ko-KR" sz="1500" b="1">
-                <a:solidFill>
-                  <a:srgbClr val="009900"/>
-                </a:solidFill>
-                <a:latin typeface="맑은 고딕" charset="0"/>
-                <a:ea typeface="맑은 고딕" charset="0"/>
-              </a:rPr>
-              <a:t>Layout</a:t>
-            </a:r>
-            <a:endParaRPr lang="ko-KR" altLang="en-US" sz="1500" b="1">
-              <a:solidFill>
-                <a:srgbClr val="009900"/>
-              </a:solidFill>
-              <a:latin typeface="맑은 고딕" charset="0"/>
-              <a:ea typeface="맑은 고딕" charset="0"/>
-            </a:endParaRPr>
-          </a:p>
-        </p:txBody>
-      </p:sp>
-      <p:sp>
-        <p:nvSpPr>
-          <p:cNvPr id="14" name="텍스트 상자 50"/>
-          <p:cNvSpPr txBox="1">
-            <a:spLocks/>
-          </p:cNvSpPr>
-          <p:nvPr/>
-        </p:nvSpPr>
-        <p:spPr>
-          <a:xfrm rot="0">
-            <a:off x="3453130" y="1858010"/>
-            <a:ext cx="831215" cy="323850"/>
-          </a:xfrm>
-          <a:prstGeom prst="rect"/>
-          <a:noFill/>
-          <a:ln w="0">
-            <a:noFill/>
-            <a:prstDash/>
-          </a:ln>
-        </p:spPr>
-        <p:txBody>
-          <a:bodyPr wrap="square" lIns="89535" tIns="46355" rIns="89535" bIns="46355" numCol="1" vert="horz" anchor="t">
-            <a:spAutoFit/>
-          </a:bodyPr>
-          <a:lstStyle/>
-          <a:p>
-            <a:pPr marL="0" indent="0" rtl="0" algn="l" defTabSz="914400" eaLnBrk="1" latinLnBrk="0" hangingPunct="1">
-              <a:buFontTx/>
-              <a:buNone/>
-            </a:pPr>
-            <a:r>
-              <a:rPr lang="ko-KR" sz="1500" b="1">
-                <a:solidFill>
-                  <a:srgbClr val="009900"/>
-                </a:solidFill>
-                <a:latin typeface="맑은 고딕" charset="0"/>
-                <a:ea typeface="맑은 고딕" charset="0"/>
-              </a:rPr>
-              <a:t>Layout</a:t>
-            </a:r>
-            <a:endParaRPr lang="ko-KR" altLang="en-US" sz="1500" b="1">
-              <a:solidFill>
-                <a:srgbClr val="009900"/>
-              </a:solidFill>
-              <a:latin typeface="맑은 고딕" charset="0"/>
-              <a:ea typeface="맑은 고딕" charset="0"/>
-            </a:endParaRPr>
-          </a:p>
-        </p:txBody>
-      </p:sp>
+        </p:nvPicPr>
+        <p:blipFill rotWithShape="1">
+          <a:blip r:embed="rId10" cstate="print">
+            <a:extLst>
+              <a:ext uri="{28A0092B-C50C-407E-A947-70E740481C1C}">
+                <a14:useLocalDpi xmlns:a14="http://schemas.microsoft.com/office/drawing/2010/main" val="0"/>
+              </a:ext>
+            </a:extLst>
+          </a:blip>
+          <a:stretch>
+            <a:fillRect/>
+          </a:stretch>
+        </p:blipFill>
+        <p:spPr>
+          <a:xfrm rot="0">
+            <a:off x="6819900" y="1323975"/>
+            <a:ext cx="4020185" cy="2724150"/>
+          </a:xfrm>
+          <a:prstGeom prst="roundRect"/>
+          <a:solidFill>
+            <a:srgbClr val="EDEDED"/>
+          </a:solidFill>
+        </p:spPr>
+      </p:pic>
     </p:spTree>
   </p:cSld>
   <p:clrMapOvr>
@@ -11400,7 +10366,7 @@
       </p:grpSpPr>
       <p:sp>
         <p:nvSpPr>
-          <p:cNvPr id="2" name="Rect 0"/>
+          <p:cNvPr id="25" name="Rect 0"/>
           <p:cNvSpPr txBox="1">
             <a:spLocks/>
           </p:cNvSpPr>
@@ -11408,8 +10374,8 @@
         </p:nvSpPr>
         <p:spPr>
           <a:xfrm rot="0">
-            <a:off x="4307840" y="372110"/>
-            <a:ext cx="3576320" cy="554990"/>
+            <a:off x="1229995" y="4312920"/>
+            <a:ext cx="4133850" cy="1754505"/>
           </a:xfrm>
           <a:prstGeom prst="rect"/>
           <a:noFill/>
@@ -11424,50 +10390,146 @@
           </a:bodyPr>
           <a:lstStyle/>
           <a:p>
-            <a:pPr marL="0" indent="0" rtl="0" algn="l" defTabSz="914400" eaLnBrk="1" latinLnBrk="0" hangingPunct="1">
-              <a:buFontTx/>
-              <a:buNone/>
-            </a:pPr>
-            <a:r>
-              <a:rPr lang="ko-KR" sz="3000" b="1">
-                <a:latin typeface="맑은 고딕" charset="0"/>
-                <a:ea typeface="맑은 고딕" charset="0"/>
-              </a:rPr>
-              <a:t>여섯</a:t>
-            </a:r>
-            <a:r>
-              <a:rPr lang="ko-KR" sz="3000" b="1">
-                <a:latin typeface="맑은 고딕" charset="0"/>
-                <a:ea typeface="맑은 고딕" charset="0"/>
-              </a:rPr>
-              <a:t> 번째 튜토리얼</a:t>
-            </a:r>
-            <a:r>
-              <a:rPr sz="3000" b="1">
+            <a:pPr marL="0" indent="0" algn="l" latinLnBrk="0" hangingPunct="1">
+              <a:buFontTx/>
+              <a:buNone/>
+            </a:pPr>
+            <a:r>
+              <a:rPr lang="ko-KR" sz="1800" b="1">
+                <a:solidFill>
+                  <a:srgbClr val="0611F2"/>
+                </a:solidFill>
+                <a:latin typeface="맑은 고딕" charset="0"/>
+                <a:ea typeface="맑은 고딕" charset="0"/>
+              </a:rPr>
+              <a:t>10</a:t>
+            </a:r>
+            <a:r>
+              <a:rPr sz="1800" b="1">
+                <a:solidFill>
+                  <a:srgbClr val="0611F2"/>
+                </a:solidFill>
+                <a:latin typeface="맑은 고딕" charset="0"/>
+                <a:ea typeface="맑은 고딕" charset="0"/>
+              </a:rPr>
+              <a:t>.</a:t>
+            </a:r>
+            <a:r>
+              <a:rPr sz="1800">
                 <a:latin typeface="맑은 고딕" charset="0"/>
                 <a:ea typeface="맑은 고딕" charset="0"/>
               </a:rPr>
               <a:t> </a:t>
             </a:r>
-            <a:endParaRPr lang="ko-KR" altLang="en-US" sz="3000" b="1">
+            <a:r>
+              <a:rPr lang="ko-KR" sz="1800">
+                <a:latin typeface="맑은 고딕" charset="0"/>
+                <a:ea typeface="맑은 고딕" charset="0"/>
+              </a:rPr>
+              <a:t>이제 </a:t>
+            </a:r>
+            <a:r>
+              <a:rPr lang="ko-KR" sz="1800">
+                <a:latin typeface="맑은 고딕" charset="0"/>
+                <a:ea typeface="맑은 고딕" charset="0"/>
+              </a:rPr>
+              <a:t>채팅 UI를 생성하도록 설정</a:t>
+            </a:r>
+            <a:r>
+              <a:rPr lang="ko-KR" sz="1800">
+                <a:latin typeface="맑은 고딕" charset="0"/>
+                <a:ea typeface="맑은 고딕" charset="0"/>
+              </a:rPr>
+              <a:t>합니다.</a:t>
+            </a:r>
+            <a:endParaRPr lang="ko-KR" altLang="en-US" sz="1800">
               <a:latin typeface="맑은 고딕" charset="0"/>
               <a:ea typeface="맑은 고딕" charset="0"/>
             </a:endParaRPr>
           </a:p>
-        </p:txBody>
-      </p:sp>
-      <p:sp>
-        <p:nvSpPr>
-          <p:cNvPr id="6" name="Rect 0"/>
+          <a:p>
+            <a:pPr marL="0" indent="0" algn="l" latinLnBrk="0" hangingPunct="1">
+              <a:buFontTx/>
+              <a:buNone/>
+            </a:pPr>
+            <a:endParaRPr lang="ko-KR" altLang="en-US" sz="1800">
+              <a:latin typeface="맑은 고딕" charset="0"/>
+              <a:ea typeface="맑은 고딕" charset="0"/>
+            </a:endParaRPr>
+          </a:p>
+          <a:p>
+            <a:pPr marL="0" indent="0" algn="l" latinLnBrk="0" hangingPunct="1">
+              <a:buFontTx/>
+              <a:buNone/>
+            </a:pPr>
+            <a:r>
+              <a:rPr lang="ko-KR" sz="1800">
+                <a:latin typeface="맑은 고딕" charset="0"/>
+                <a:ea typeface="맑은 고딕" charset="0"/>
+              </a:rPr>
+              <a:t>그리고</a:t>
+            </a:r>
+            <a:r>
+              <a:rPr lang="ko-KR" sz="1800">
+                <a:latin typeface="맑은 고딕" charset="0"/>
+                <a:ea typeface="맑은 고딕" charset="0"/>
+              </a:rPr>
+              <a:t> 채팅 UI의 위치를 </a:t>
+            </a:r>
+            <a:r>
+              <a:rPr lang="ko-KR" sz="1800">
+                <a:latin typeface="맑은 고딕" charset="0"/>
+                <a:ea typeface="맑은 고딕" charset="0"/>
+              </a:rPr>
+              <a:t>content</a:t>
+            </a:r>
+            <a:r>
+              <a:rPr lang="ko-KR" sz="1800">
+                <a:latin typeface="맑은 고딕" charset="0"/>
+                <a:ea typeface="맑은 고딕" charset="0"/>
+              </a:rPr>
+              <a:t> 오브젝트의 하위 오브젝트로 설정</a:t>
+            </a:r>
+            <a:r>
+              <a:rPr lang="ko-KR" sz="1800">
+                <a:latin typeface="맑은 고딕" charset="0"/>
+                <a:ea typeface="맑은 고딕" charset="0"/>
+              </a:rPr>
+              <a:t>하고</a:t>
+            </a:r>
+            <a:r>
+              <a:rPr lang="ko-KR" sz="1800">
+                <a:latin typeface="맑은 고딕" charset="0"/>
+                <a:ea typeface="맑은 고딕" charset="0"/>
+              </a:rPr>
+              <a:t> PunRPC 함수로 </a:t>
+            </a:r>
+            <a:r>
+              <a:rPr lang="ko-KR" sz="1800">
+                <a:latin typeface="맑은 고딕" charset="0"/>
+                <a:ea typeface="맑은 고딕" charset="0"/>
+              </a:rPr>
+              <a:t>설정합니다.</a:t>
+            </a:r>
+            <a:endParaRPr lang="ko-KR" altLang="en-US" sz="1800">
+              <a:latin typeface="맑은 고딕" charset="0"/>
+              <a:ea typeface="맑은 고딕" charset="0"/>
+            </a:endParaRPr>
+          </a:p>
+        </p:txBody>
+      </p:sp>
+      <p:sp>
+        <p:nvSpPr>
+          <p:cNvPr id="31" name="텍스트 상자 24"/>
           <p:cNvSpPr txBox="1">
             <a:spLocks/>
           </p:cNvSpPr>
           <p:nvPr/>
         </p:nvSpPr>
         <p:spPr>
-          <a:xfrm>
-            <a:off x="1189355" y="3961130"/>
-            <a:ext cx="4124325" cy="2031365"/>
+          <a:xfrm rot="0">
+            <a:off x="6791325" y="4315460"/>
+            <a:ext cx="4324985" cy="1754505"/>
           </a:xfrm>
           <a:prstGeom prst="rect"/>
           <a:noFill/>
@@ -11482,7 +10544,7 @@
           </a:bodyPr>
           <a:lstStyle/>
           <a:p>
-            <a:pPr marL="0" indent="0" rtl="0" algn="l" defTabSz="914400" eaLnBrk="1" latinLnBrk="0" hangingPunct="1">
+            <a:pPr marL="0" indent="0" algn="l" latinLnBrk="0" hangingPunct="1">
               <a:buFontTx/>
               <a:buNone/>
             </a:pPr>
@@ -11494,7 +10556,7 @@
                 <a:latin typeface="맑은 고딕" charset="0"/>
                 <a:ea typeface="맑은 고딕" charset="0"/>
               </a:rPr>
-              <a:t>8</a:t>
+              <a:t>11</a:t>
             </a:r>
             <a:r>
               <a:rPr sz="1800" b="1">
@@ -11518,7 +10580,7 @@
                 <a:latin typeface="맑은 고딕" charset="0"/>
                 <a:ea typeface="맑은 고딕" charset="0"/>
               </a:rPr>
-              <a:t>빈 게임 오브젝트를 생성하고 이름은 Chatting Manager로 변경합니다.</a:t>
+              <a:t>그다음 InputField에 입력한 값을 string 변수에 저장합니다.</a:t>
             </a:r>
             <a:endParaRPr lang="ko-KR" altLang="en-US" sz="1800">
               <a:latin typeface="맑은 고딕" charset="0"/>
@@ -11526,7 +10588,7 @@
             </a:endParaRPr>
           </a:p>
           <a:p>
-            <a:pPr marL="0" indent="0" rtl="0" algn="l" defTabSz="914400" eaLnBrk="1" latinLnBrk="0" hangingPunct="1">
+            <a:pPr marL="0" indent="0" algn="l" latinLnBrk="0" hangingPunct="1">
               <a:buFontTx/>
               <a:buNone/>
             </a:pPr>
@@ -11536,7 +10598,7 @@
             </a:endParaRPr>
           </a:p>
           <a:p>
-            <a:pPr marL="0" indent="0" rtl="0" algn="l" defTabSz="914400" eaLnBrk="1" latinLnBrk="0" hangingPunct="1">
+            <a:pPr marL="0" indent="0" algn="l" latinLnBrk="0" hangingPunct="1">
               <a:buFontTx/>
               <a:buNone/>
             </a:pPr>
@@ -11545,21 +10607,21 @@
                 <a:latin typeface="맑은 고딕" charset="0"/>
                 <a:ea typeface="맑은 고딕" charset="0"/>
               </a:rPr>
-              <a:t>그리고 ChatManager라는 스크립트를 </a:t>
+              <a:t>마지막으로 채팅을 입력하고 Enter Key를 누르는 순간 RPC 함수를 호출</a:t>
             </a:r>
             <a:r>
               <a:rPr lang="ko-KR" sz="1800">
                 <a:latin typeface="맑은 고딕" charset="0"/>
                 <a:ea typeface="맑은 고딕" charset="0"/>
               </a:rPr>
-              <a:t>생성하고</a:t>
+              <a:t>합니다</a:t>
             </a:r>
             <a:r>
               <a:rPr lang="ko-KR" sz="1800">
                 <a:latin typeface="맑은 고딕" charset="0"/>
                 <a:ea typeface="맑은 고딕" charset="0"/>
               </a:rPr>
-              <a:t> Chatting Manager 오브젝트에 넣어줍니다.</a:t>
+              <a:t>.</a:t>
             </a:r>
             <a:endParaRPr lang="ko-KR" altLang="en-US" sz="1800">
               <a:latin typeface="맑은 고딕" charset="0"/>
@@ -11570,14 +10632,14 @@
       </p:sp>
       <p:pic>
         <p:nvPicPr>
-          <p:cNvPr id="16" name="그림 32" descr="C:/Users/Admin1/AppData/Roaming/PolarisOffice/ETemp/21612_20234488/fImage21692074464.png"/>
+          <p:cNvPr id="34" name="그림 32"/>
           <p:cNvPicPr>
             <a:picLocks noChangeAspect="1"/>
           </p:cNvPicPr>
           <p:nvPr/>
         </p:nvPicPr>
         <p:blipFill rotWithShape="1">
-          <a:blip r:embed="rId2" cstate="hqprint">
+          <a:blip r:embed="rId7" cstate="hqprint">
             <a:extLst>
               <a:ext uri="{28A0092B-C50C-407E-A947-70E740481C1C}">
                 <a14:useLocalDpi xmlns:a14="http://schemas.microsoft.com/office/drawing/2010/main"/>
@@ -11590,25 +10652,81 @@
         </p:blipFill>
         <p:spPr>
           <a:xfrm rot="0">
-            <a:off x="4238625" y="3030220"/>
-            <a:ext cx="743585" cy="791845"/>
-          </a:xfrm>
-          <a:prstGeom prst="roundRect"/>
-          <a:solidFill>
-            <a:srgbClr val="EDEDED"/>
-          </a:solidFill>
+            <a:off x="6800850" y="1337945"/>
+            <a:ext cx="4315460" cy="2834640"/>
+          </a:xfrm>
+          <a:prstGeom prst="rect"/>
+          <a:noFill/>
         </p:spPr>
       </p:pic>
+      <p:sp>
+        <p:nvSpPr>
+          <p:cNvPr id="35" name="텍스트 상자 45"/>
+          <p:cNvSpPr txBox="1">
+            <a:spLocks/>
+          </p:cNvSpPr>
+          <p:nvPr/>
+        </p:nvSpPr>
+        <p:spPr>
+          <a:xfrm>
+            <a:off x="4323715" y="476885"/>
+            <a:ext cx="3554730" cy="554990"/>
+          </a:xfrm>
+          <a:prstGeom prst="rect"/>
+          <a:noFill/>
+          <a:ln w="0">
+            <a:noFill/>
+            <a:prstDash/>
+          </a:ln>
+        </p:spPr>
+        <p:txBody>
+          <a:bodyPr wrap="square" lIns="89535" tIns="46355" rIns="89535" bIns="46355" numCol="1" vert="horz" anchor="t">
+            <a:spAutoFit/>
+          </a:bodyPr>
+          <a:lstStyle/>
+          <a:p>
+            <a:pPr marL="0" indent="0" rtl="0" algn="l" defTabSz="914400" eaLnBrk="1" latinLnBrk="0" hangingPunct="1">
+              <a:buFontTx/>
+              <a:buNone/>
+            </a:pPr>
+            <a:r>
+              <a:rPr lang="ko-KR" sz="3000" b="1">
+                <a:latin typeface="맑은 고딕" charset="0"/>
+                <a:ea typeface="맑은 고딕" charset="0"/>
+              </a:rPr>
+              <a:t>여섯</a:t>
+            </a:r>
+            <a:r>
+              <a:rPr lang="ko-KR" sz="3000" b="1">
+                <a:latin typeface="맑은 고딕" charset="0"/>
+                <a:ea typeface="맑은 고딕" charset="0"/>
+              </a:rPr>
+              <a:t> 번째 튜토리얼</a:t>
+            </a:r>
+            <a:r>
+              <a:rPr sz="3000" b="1">
+                <a:latin typeface="맑은 고딕" charset="0"/>
+                <a:ea typeface="맑은 고딕" charset="0"/>
+              </a:rPr>
+              <a:t> </a:t>
+            </a:r>
+            <a:endParaRPr lang="ko-KR" altLang="en-US" sz="3000" b="1">
+              <a:latin typeface="맑은 고딕" charset="0"/>
+              <a:ea typeface="맑은 고딕" charset="0"/>
+            </a:endParaRPr>
+          </a:p>
+        </p:txBody>
+      </p:sp>
       <p:pic>
         <p:nvPicPr>
-          <p:cNvPr id="17" name="그림 37" descr="C:/Users/Admin1/AppData/Roaming/PolarisOffice/ETemp/21612_20234488/fImage330252115705.png"/>
+          <p:cNvPr id="36" name="그림 2"/>
           <p:cNvPicPr>
             <a:picLocks noChangeAspect="1"/>
           </p:cNvPicPr>
           <p:nvPr/>
         </p:nvPicPr>
         <p:blipFill rotWithShape="1">
-          <a:blip r:embed="rId3" cstate="hqprint">
+          <a:blip r:embed="rId8" cstate="hqprint">
             <a:extLst>
               <a:ext uri="{28A0092B-C50C-407E-A947-70E740481C1C}">
                 <a14:useLocalDpi xmlns:a14="http://schemas.microsoft.com/office/drawing/2010/main"/>
@@ -11621,215 +10739,11 @@
         </p:blipFill>
         <p:spPr>
           <a:xfrm rot="0">
-            <a:off x="1252855" y="1322705"/>
-            <a:ext cx="2395855" cy="2494915"/>
-          </a:xfrm>
-          <a:prstGeom prst="roundRect"/>
-          <a:solidFill>
-            <a:srgbClr val="EDEDED"/>
-          </a:solidFill>
-        </p:spPr>
-      </p:pic>
-      <p:sp>
-        <p:nvSpPr>
-          <p:cNvPr id="21" name="텍스트 상자 44"/>
-          <p:cNvSpPr txBox="1">
-            <a:spLocks/>
-          </p:cNvSpPr>
-          <p:nvPr/>
-        </p:nvSpPr>
-        <p:spPr>
-          <a:xfrm rot="0">
-            <a:off x="6819900" y="4234180"/>
-            <a:ext cx="4029710" cy="1754505"/>
+            <a:off x="1231265" y="1356995"/>
+            <a:ext cx="4124325" cy="2806065"/>
           </a:xfrm>
           <a:prstGeom prst="rect"/>
           <a:noFill/>
-          <a:ln w="0">
-            <a:noFill/>
-            <a:prstDash/>
-          </a:ln>
-        </p:spPr>
-        <p:txBody>
-          <a:bodyPr wrap="square" lIns="89535" tIns="46355" rIns="89535" bIns="46355" numCol="1" vert="horz" anchor="t">
-            <a:spAutoFit/>
-          </a:bodyPr>
-          <a:lstStyle/>
-          <a:p>
-            <a:pPr marL="0" indent="0" rtl="0" algn="l" defTabSz="914400" eaLnBrk="1" latinLnBrk="0" hangingPunct="1">
-              <a:buFontTx/>
-              <a:buNone/>
-            </a:pPr>
-            <a:r>
-              <a:rPr lang="ko-KR" sz="1800" b="1">
-                <a:solidFill>
-                  <a:srgbClr val="0611F2"/>
-                </a:solidFill>
-                <a:latin typeface="맑은 고딕" charset="0"/>
-                <a:ea typeface="맑은 고딕" charset="0"/>
-              </a:rPr>
-              <a:t>9</a:t>
-            </a:r>
-            <a:r>
-              <a:rPr sz="1800" b="1">
-                <a:solidFill>
-                  <a:srgbClr val="0611F2"/>
-                </a:solidFill>
-                <a:latin typeface="맑은 고딕" charset="0"/>
-                <a:ea typeface="맑은 고딕" charset="0"/>
-              </a:rPr>
-              <a:t>.</a:t>
-            </a:r>
-            <a:r>
-              <a:rPr sz="1800">
-                <a:latin typeface="맑은 고딕" charset="0"/>
-                <a:ea typeface="맑은 고딕" charset="0"/>
-              </a:rPr>
-              <a:t> </a:t>
-            </a:r>
-            <a:r>
-              <a:rPr lang="ko-KR" sz="1800">
-                <a:latin typeface="맑은 고딕" charset="0"/>
-                <a:ea typeface="맑은 고딕" charset="0"/>
-              </a:rPr>
-              <a:t>이제</a:t>
-            </a:r>
-            <a:r>
-              <a:rPr lang="ko-KR" sz="1800">
-                <a:latin typeface="맑은 고딕" charset="0"/>
-                <a:ea typeface="맑은 고딕" charset="0"/>
-              </a:rPr>
-              <a:t> 텍스트를 입력할 InputField와 채팅 UI를 생성하기 위한 GameObject 선언합니다.</a:t>
-            </a:r>
-            <a:endParaRPr lang="ko-KR" altLang="en-US" sz="1800">
-              <a:latin typeface="맑은 고딕" charset="0"/>
-              <a:ea typeface="맑은 고딕" charset="0"/>
-            </a:endParaRPr>
-          </a:p>
-          <a:p>
-            <a:pPr marL="0" indent="0" rtl="0" algn="l" defTabSz="914400" eaLnBrk="1" latinLnBrk="0" hangingPunct="1">
-              <a:buFontTx/>
-              <a:buNone/>
-            </a:pPr>
-            <a:endParaRPr lang="ko-KR" altLang="en-US" sz="1800">
-              <a:latin typeface="맑은 고딕" charset="0"/>
-              <a:ea typeface="맑은 고딕" charset="0"/>
-            </a:endParaRPr>
-          </a:p>
-          <a:p>
-            <a:pPr marL="0" indent="0" rtl="0" algn="l" defTabSz="914400" eaLnBrk="1" latinLnBrk="0" hangingPunct="1">
-              <a:buFontTx/>
-              <a:buNone/>
-            </a:pPr>
-            <a:r>
-              <a:rPr lang="ko-KR" sz="1800">
-                <a:latin typeface="맑은 고딕" charset="0"/>
-                <a:ea typeface="맑은 고딕" charset="0"/>
-              </a:rPr>
-              <a:t>마지막으로 텍스트의 위치를 조정할 Transform 변수를 선언합니다.</a:t>
-            </a:r>
-            <a:endParaRPr lang="ko-KR" altLang="en-US" sz="1800">
-              <a:latin typeface="맑은 고딕" charset="0"/>
-              <a:ea typeface="맑은 고딕" charset="0"/>
-            </a:endParaRPr>
-          </a:p>
-        </p:txBody>
-      </p:sp>
-      <p:pic>
-        <p:nvPicPr>
-          <p:cNvPr id="26" name="그림 51" descr="C:/Users/Admin1/AppData/Roaming/PolarisOffice/ETemp/21612_20234488/fImage94852004464.png"/>
-          <p:cNvPicPr>
-            <a:picLocks noChangeAspect="1"/>
-          </p:cNvPicPr>
-          <p:nvPr/>
-        </p:nvPicPr>
-        <p:blipFill rotWithShape="1">
-          <a:blip r:embed="rId9" cstate="print">
-            <a:extLst>
-              <a:ext uri="{28A0092B-C50C-407E-A947-70E740481C1C}">
-                <a14:useLocalDpi xmlns:a14="http://schemas.microsoft.com/office/drawing/2010/main" val="0"/>
-              </a:ext>
-            </a:extLst>
-          </a:blip>
-          <a:stretch>
-            <a:fillRect/>
-          </a:stretch>
-        </p:blipFill>
-        <p:spPr>
-          <a:xfrm rot="0">
-            <a:off x="3841750" y="1333500"/>
-            <a:ext cx="1530985" cy="1418590"/>
-          </a:xfrm>
-          <a:prstGeom prst="roundRect"/>
-          <a:solidFill>
-            <a:srgbClr val="EDEDED"/>
-          </a:solidFill>
-        </p:spPr>
-      </p:pic>
-      <p:cxnSp>
-        <p:nvCxnSpPr>
-          <p:cNvPr id="19" name="도형 39"/>
-          <p:cNvCxnSpPr>
-            <a:stCxn id="16" idx="0"/>
-            <a:endCxn id="26" idx="2"/>
-          </p:cNvCxnSpPr>
-          <p:nvPr/>
-        </p:nvCxnSpPr>
-        <p:spPr>
-          <a:xfrm rot="0" flipH="1" flipV="1">
-            <a:off x="4606925" y="2751455"/>
-            <a:ext cx="3810" cy="279400"/>
-          </a:xfrm>
-          <a:prstGeom prst="straightConnector1"/>
-          <a:ln w="6350" cap="flat" cmpd="sng">
-            <a:prstDash/>
-            <a:tailEnd type="triangle" w="med" len="med"/>
-          </a:ln>
-        </p:spPr>
-        <p:style>
-          <a:lnRef idx="1">
-            <a:schemeClr val="accent1"/>
-          </a:lnRef>
-          <a:fillRef idx="0">
-            <a:schemeClr val="accent1"/>
-          </a:fillRef>
-          <a:effectRef idx="0">
-            <a:schemeClr val="accent1"/>
-          </a:effectRef>
-          <a:fontRef idx="minor">
-            <a:schemeClr val="tx1"/>
-          </a:fontRef>
-        </p:style>
-      </p:cxnSp>
-      <p:pic>
-        <p:nvPicPr>
-          <p:cNvPr id="27" name="그림 54" descr="C:/Users/Admin1/AppData/Roaming/PolarisOffice/ETemp/21612_20234488/fImage97142015705.png"/>
-          <p:cNvPicPr>
-            <a:picLocks noChangeAspect="1"/>
-          </p:cNvPicPr>
-          <p:nvPr/>
-        </p:nvPicPr>
-        <p:blipFill rotWithShape="1">
-          <a:blip r:embed="rId10" cstate="print">
-            <a:extLst>
-              <a:ext uri="{28A0092B-C50C-407E-A947-70E740481C1C}">
-                <a14:useLocalDpi xmlns:a14="http://schemas.microsoft.com/office/drawing/2010/main" val="0"/>
-              </a:ext>
-            </a:extLst>
-          </a:blip>
-          <a:stretch>
-            <a:fillRect/>
-          </a:stretch>
-        </p:blipFill>
-        <p:spPr>
-          <a:xfrm rot="0">
-            <a:off x="6819900" y="1323975"/>
-            <a:ext cx="4020185" cy="2724150"/>
-          </a:xfrm>
-          <a:prstGeom prst="roundRect"/>
-          <a:solidFill>
-            <a:srgbClr val="EDEDED"/>
-          </a:solidFill>
         </p:spPr>
       </p:pic>
     </p:spTree>
@@ -11874,7 +10788,7 @@
       </p:grpSpPr>
       <p:sp>
         <p:nvSpPr>
-          <p:cNvPr id="25" name="Rect 0"/>
+          <p:cNvPr id="29" name="Rect 0"/>
           <p:cNvSpPr txBox="1">
             <a:spLocks/>
           </p:cNvSpPr>
@@ -11882,8 +10796,8 @@
         </p:nvSpPr>
         <p:spPr>
           <a:xfrm rot="0">
-            <a:off x="1229995" y="4312920"/>
-            <a:ext cx="4133850" cy="1754505"/>
+            <a:off x="1229995" y="1337310"/>
+            <a:ext cx="4038600" cy="370205"/>
           </a:xfrm>
           <a:prstGeom prst="rect"/>
           <a:noFill/>
@@ -11902,142 +10816,25 @@
               <a:buFontTx/>
               <a:buNone/>
             </a:pPr>
-            <a:r>
-              <a:rPr lang="ko-KR" sz="1800" b="1">
-                <a:solidFill>
-                  <a:srgbClr val="0611F2"/>
-                </a:solidFill>
-                <a:latin typeface="맑은 고딕" charset="0"/>
-                <a:ea typeface="맑은 고딕" charset="0"/>
-              </a:rPr>
-              <a:t>10</a:t>
-            </a:r>
-            <a:r>
-              <a:rPr sz="1800" b="1">
-                <a:solidFill>
-                  <a:srgbClr val="0611F2"/>
-                </a:solidFill>
-                <a:latin typeface="맑은 고딕" charset="0"/>
-                <a:ea typeface="맑은 고딕" charset="0"/>
-              </a:rPr>
-              <a:t>.</a:t>
-            </a:r>
-            <a:r>
-              <a:rPr sz="1800">
-                <a:latin typeface="맑은 고딕" charset="0"/>
-                <a:ea typeface="맑은 고딕" charset="0"/>
-              </a:rPr>
-              <a:t> </a:t>
-            </a:r>
-            <a:r>
-              <a:rPr lang="ko-KR" sz="1800">
-                <a:latin typeface="맑은 고딕" charset="0"/>
-                <a:ea typeface="맑은 고딕" charset="0"/>
-              </a:rPr>
-              <a:t>이제 </a:t>
-            </a:r>
-            <a:r>
-              <a:rPr lang="ko-KR" sz="1800">
-                <a:latin typeface="맑은 고딕" charset="0"/>
-                <a:ea typeface="맑은 고딕" charset="0"/>
-              </a:rPr>
-              <a:t>채팅 UI를 생성하도록 설정</a:t>
-            </a:r>
-            <a:r>
-              <a:rPr lang="ko-KR" sz="1800">
-                <a:latin typeface="맑은 고딕" charset="0"/>
-                <a:ea typeface="맑은 고딕" charset="0"/>
-              </a:rPr>
-              <a:t>합니다.</a:t>
-            </a:r>
             <a:endParaRPr lang="ko-KR" altLang="en-US" sz="1800">
               <a:latin typeface="맑은 고딕" charset="0"/>
               <a:ea typeface="맑은 고딕" charset="0"/>
             </a:endParaRPr>
           </a:p>
-          <a:p>
-            <a:pPr marL="0" indent="0" algn="l" latinLnBrk="0" hangingPunct="1">
-              <a:buFontTx/>
-              <a:buNone/>
-            </a:pPr>
-            <a:endParaRPr lang="ko-KR" altLang="en-US" sz="1800">
-              <a:latin typeface="맑은 고딕" charset="0"/>
-              <a:ea typeface="맑은 고딕" charset="0"/>
-            </a:endParaRPr>
-          </a:p>
-          <a:p>
-            <a:pPr marL="0" indent="0" algn="l" latinLnBrk="0" hangingPunct="1">
-              <a:buFontTx/>
-              <a:buNone/>
-            </a:pPr>
-            <a:r>
-              <a:rPr lang="ko-KR" sz="1800">
-                <a:latin typeface="맑은 고딕" charset="0"/>
-                <a:ea typeface="맑은 고딕" charset="0"/>
-              </a:rPr>
-              <a:t>그리고</a:t>
-            </a:r>
-            <a:r>
-              <a:rPr lang="ko-KR" sz="1800">
-                <a:latin typeface="맑은 고딕" charset="0"/>
-                <a:ea typeface="맑은 고딕" charset="0"/>
-              </a:rPr>
-              <a:t> 채팅 UI의 위치를 </a:t>
-            </a:r>
-            <a:r>
-              <a:rPr lang="ko-KR" sz="1800">
-                <a:latin typeface="맑은 고딕" charset="0"/>
-                <a:ea typeface="맑은 고딕" charset="0"/>
-              </a:rPr>
-              <a:t>content</a:t>
-            </a:r>
-            <a:r>
-              <a:rPr lang="ko-KR" sz="1800">
-                <a:latin typeface="맑은 고딕" charset="0"/>
-                <a:ea typeface="맑은 고딕" charset="0"/>
-              </a:rPr>
-              <a:t> 오브젝트의 하위 오브젝트로 설정</a:t>
-            </a:r>
-            <a:r>
-              <a:rPr lang="ko-KR" sz="1800">
-                <a:latin typeface="맑은 고딕" charset="0"/>
-                <a:ea typeface="맑은 고딕" charset="0"/>
-              </a:rPr>
-              <a:t>하고</a:t>
-            </a:r>
-            <a:r>
-              <a:rPr lang="ko-KR" sz="1800">
-                <a:latin typeface="맑은 고딕" charset="0"/>
-                <a:ea typeface="맑은 고딕" charset="0"/>
-              </a:rPr>
-              <a:t> PunRPC 함수로 </a:t>
-            </a:r>
-            <a:r>
-              <a:rPr lang="ko-KR" sz="1800">
-                <a:latin typeface="맑은 고딕" charset="0"/>
-                <a:ea typeface="맑은 고딕" charset="0"/>
-              </a:rPr>
-              <a:t>설정합니다.</a:t>
-            </a:r>
-            <a:endParaRPr lang="ko-KR" altLang="en-US" sz="1800">
-              <a:latin typeface="맑은 고딕" charset="0"/>
-              <a:ea typeface="맑은 고딕" charset="0"/>
-            </a:endParaRPr>
-          </a:p>
-        </p:txBody>
-      </p:sp>
-      <p:sp>
-        <p:nvSpPr>
-          <p:cNvPr id="31" name="텍스트 상자 24"/>
+        </p:txBody>
+      </p:sp>
+      <p:sp>
+        <p:nvSpPr>
+          <p:cNvPr id="35" name="Rect 0"/>
           <p:cNvSpPr txBox="1">
             <a:spLocks/>
           </p:cNvSpPr>
           <p:nvPr/>
         </p:nvSpPr>
         <p:spPr>
-          <a:xfrm rot="0">
-            <a:off x="6791325" y="4315460"/>
-            <a:ext cx="4324985" cy="1754505"/>
+          <a:xfrm>
+            <a:off x="4342765" y="467995"/>
+            <a:ext cx="3504565" cy="554990"/>
           </a:xfrm>
           <a:prstGeom prst="rect"/>
           <a:noFill/>
@@ -12052,20 +10849,68 @@
           </a:bodyPr>
           <a:lstStyle/>
           <a:p>
+            <a:pPr marL="0" indent="0" rtl="0" algn="l" defTabSz="914400" eaLnBrk="1" latinLnBrk="0" hangingPunct="1">
+              <a:buFontTx/>
+              <a:buNone/>
+            </a:pPr>
+            <a:r>
+              <a:rPr lang="ko-KR" sz="3000" b="1">
+                <a:latin typeface="맑은 고딕" charset="0"/>
+                <a:ea typeface="맑은 고딕" charset="0"/>
+              </a:rPr>
+              <a:t>일곱</a:t>
+            </a:r>
+            <a:r>
+              <a:rPr lang="ko-KR" sz="3000" b="1">
+                <a:latin typeface="맑은 고딕" charset="0"/>
+                <a:ea typeface="맑은 고딕" charset="0"/>
+              </a:rPr>
+              <a:t> 번째 튜토리얼</a:t>
+            </a:r>
+            <a:r>
+              <a:rPr sz="3000" b="1">
+                <a:latin typeface="맑은 고딕" charset="0"/>
+                <a:ea typeface="맑은 고딕" charset="0"/>
+              </a:rPr>
+              <a:t> </a:t>
+            </a:r>
+            <a:endParaRPr lang="ko-KR" altLang="en-US" sz="3000" b="1">
+              <a:latin typeface="맑은 고딕" charset="0"/>
+              <a:ea typeface="맑은 고딕" charset="0"/>
+            </a:endParaRPr>
+          </a:p>
+        </p:txBody>
+      </p:sp>
+      <p:sp>
+        <p:nvSpPr>
+          <p:cNvPr id="36" name="텍스트 상자 59"/>
+          <p:cNvSpPr txBox="1">
+            <a:spLocks/>
+          </p:cNvSpPr>
+          <p:nvPr/>
+        </p:nvSpPr>
+        <p:spPr>
+          <a:xfrm rot="0">
+            <a:off x="1228725" y="5160010"/>
+            <a:ext cx="4191635" cy="923925"/>
+          </a:xfrm>
+          <a:prstGeom prst="rect"/>
+          <a:noFill/>
+          <a:ln w="0">
+            <a:noFill/>
+            <a:prstDash/>
+          </a:ln>
+        </p:spPr>
+        <p:txBody>
+          <a:bodyPr wrap="square" lIns="89535" tIns="46355" rIns="89535" bIns="46355" numCol="1" vert="horz" anchor="t">
+            <a:spAutoFit/>
+          </a:bodyPr>
+          <a:lstStyle/>
+          <a:p>
             <a:pPr marL="0" indent="0" algn="l" latinLnBrk="0" hangingPunct="1">
               <a:buFontTx/>
               <a:buNone/>
             </a:pPr>
-            <a:r>
-              <a:rPr lang="ko-KR" sz="1800" b="1">
-                <a:solidFill>
-                  <a:srgbClr val="0611F2"/>
-                </a:solidFill>
-                <a:latin typeface="맑은 고딕" charset="0"/>
-                <a:ea typeface="맑은 고딕" charset="0"/>
-              </a:rPr>
-              <a:t>11</a:t>
-            </a:r>
             <a:r>
               <a:rPr sz="1800" b="1">
                 <a:solidFill>
@@ -12074,6 +10919,26 @@
                 <a:latin typeface="맑은 고딕" charset="0"/>
                 <a:ea typeface="맑은 고딕" charset="0"/>
               </a:rPr>
+              <a:t>1</a:t>
+            </a:r>
+            <a:r>
+              <a:rPr sz="1800" b="1">
+                <a:solidFill>
+                  <a:srgbClr val="0611F2"/>
+                </a:solidFill>
+                <a:latin typeface="맑은 고딕" charset="0"/>
+                <a:ea typeface="맑은 고딕" charset="0"/>
+              </a:rPr>
+              <a:t>2</a:t>
+            </a:r>
+            <a:r>
+              <a:rPr sz="1800" b="1">
+                <a:solidFill>
+                  <a:srgbClr val="0611F2"/>
+                </a:solidFill>
+                <a:latin typeface="맑은 고딕" charset="0"/>
+                <a:ea typeface="맑은 고딕" charset="0"/>
+              </a:rPr>
               <a:t>.</a:t>
             </a:r>
             <a:r>
@@ -12088,66 +10953,25 @@
                 <a:latin typeface="맑은 고딕" charset="0"/>
                 <a:ea typeface="맑은 고딕" charset="0"/>
               </a:rPr>
-              <a:t>그다음 InputField에 입력한 값을 string 변수에 저장합니다.</a:t>
+              <a:t>그리고 Scroll Rect 옵션에 수직으로 이동만 하므로 Horizontal을 비활성화합니다.</a:t>
             </a:r>
             <a:endParaRPr lang="ko-KR" altLang="en-US" sz="1800">
               <a:latin typeface="맑은 고딕" charset="0"/>
               <a:ea typeface="맑은 고딕" charset="0"/>
             </a:endParaRPr>
           </a:p>
-          <a:p>
-            <a:pPr marL="0" indent="0" algn="l" latinLnBrk="0" hangingPunct="1">
-              <a:buFontTx/>
-              <a:buNone/>
-            </a:pPr>
-            <a:endParaRPr lang="ko-KR" altLang="en-US" sz="1800">
-              <a:latin typeface="맑은 고딕" charset="0"/>
-              <a:ea typeface="맑은 고딕" charset="0"/>
-            </a:endParaRPr>
-          </a:p>
-          <a:p>
-            <a:pPr marL="0" indent="0" algn="l" latinLnBrk="0" hangingPunct="1">
-              <a:buFontTx/>
-              <a:buNone/>
-            </a:pPr>
-            <a:r>
-              <a:rPr lang="ko-KR" sz="1800">
-                <a:latin typeface="맑은 고딕" charset="0"/>
-                <a:ea typeface="맑은 고딕" charset="0"/>
-              </a:rPr>
-              <a:t>마지막으로 채팅을 입력하고 Enter Key를 누르는 순간 RPC 함수를 호출</a:t>
-            </a:r>
-            <a:r>
-              <a:rPr lang="ko-KR" sz="1800">
-                <a:latin typeface="맑은 고딕" charset="0"/>
-                <a:ea typeface="맑은 고딕" charset="0"/>
-              </a:rPr>
-              <a:t>합니다</a:t>
-            </a:r>
-            <a:r>
-              <a:rPr lang="ko-KR" sz="1800">
-                <a:latin typeface="맑은 고딕" charset="0"/>
-                <a:ea typeface="맑은 고딕" charset="0"/>
-              </a:rPr>
-              <a:t>.</a:t>
-            </a:r>
-            <a:endParaRPr lang="ko-KR" altLang="en-US" sz="1800">
-              <a:latin typeface="맑은 고딕" charset="0"/>
-              <a:ea typeface="맑은 고딕" charset="0"/>
-            </a:endParaRPr>
-          </a:p>
         </p:txBody>
       </p:sp>
       <p:pic>
         <p:nvPicPr>
-          <p:cNvPr id="34" name="그림 32" descr="C:/Users/Admin1/AppData/Roaming/PolarisOffice/ETemp/21612_20234488/fImage115431423281.png"/>
+          <p:cNvPr id="37" name="그림 60"/>
           <p:cNvPicPr>
             <a:picLocks noChangeAspect="1"/>
           </p:cNvPicPr>
           <p:nvPr/>
         </p:nvPicPr>
         <p:blipFill rotWithShape="1">
-          <a:blip r:embed="rId7" cstate="hqprint">
+          <a:blip r:embed="rId5" cstate="hqprint">
             <a:extLst>
               <a:ext uri="{28A0092B-C50C-407E-A947-70E740481C1C}">
                 <a14:useLocalDpi xmlns:a14="http://schemas.microsoft.com/office/drawing/2010/main"/>
@@ -12160,8 +10984,8 @@
         </p:blipFill>
         <p:spPr>
           <a:xfrm rot="0">
-            <a:off x="6800850" y="1337945"/>
-            <a:ext cx="4315460" cy="2834640"/>
+            <a:off x="1174115" y="1504950"/>
+            <a:ext cx="4198620" cy="3486785"/>
           </a:xfrm>
           <a:prstGeom prst="rect"/>
           <a:noFill/>
@@ -12169,7 +10993,7 @@
       </p:pic>
       <p:sp>
         <p:nvSpPr>
-          <p:cNvPr id="35" name="텍스트 상자 45"/>
+          <p:cNvPr id="38" name="텍스트 상자 64"/>
           <p:cNvSpPr txBox="1">
             <a:spLocks/>
           </p:cNvSpPr>
@@ -12177,8 +11001,8 @@
         </p:nvSpPr>
         <p:spPr>
           <a:xfrm rot="0">
-            <a:off x="4323715" y="476885"/>
-            <a:ext cx="3554095" cy="554990"/>
+            <a:off x="6798310" y="5496560"/>
+            <a:ext cx="4079875" cy="647065"/>
           </a:xfrm>
           <a:prstGeom prst="rect"/>
           <a:noFill/>
@@ -12193,32 +11017,69 @@
           </a:bodyPr>
           <a:lstStyle/>
           <a:p>
-            <a:pPr marL="0" indent="0" rtl="0" algn="l" defTabSz="914400" eaLnBrk="1" latinLnBrk="0" hangingPunct="1">
-              <a:buFontTx/>
-              <a:buNone/>
-            </a:pPr>
-            <a:r>
-              <a:rPr lang="ko-KR" sz="3000" b="1">
-                <a:latin typeface="맑은 고딕" charset="0"/>
-                <a:ea typeface="맑은 고딕" charset="0"/>
-              </a:rPr>
-              <a:t>일곱</a:t>
-            </a:r>
-            <a:r>
-              <a:rPr lang="ko-KR" sz="3000" b="1">
-                <a:latin typeface="맑은 고딕" charset="0"/>
-                <a:ea typeface="맑은 고딕" charset="0"/>
-              </a:rPr>
-              <a:t> 번째 튜토리얼</a:t>
-            </a:r>
-            <a:r>
-              <a:rPr sz="3000" b="1">
+            <a:pPr marL="0" indent="0" algn="l" latinLnBrk="0" hangingPunct="1">
+              <a:buFontTx/>
+              <a:buNone/>
+            </a:pPr>
+            <a:r>
+              <a:rPr sz="1800" b="1">
+                <a:solidFill>
+                  <a:srgbClr val="0611F2"/>
+                </a:solidFill>
+                <a:latin typeface="맑은 고딕" charset="0"/>
+                <a:ea typeface="맑은 고딕" charset="0"/>
+              </a:rPr>
+              <a:t>1</a:t>
+            </a:r>
+            <a:r>
+              <a:rPr sz="1800" b="1">
+                <a:solidFill>
+                  <a:srgbClr val="0611F2"/>
+                </a:solidFill>
+                <a:latin typeface="맑은 고딕" charset="0"/>
+                <a:ea typeface="맑은 고딕" charset="0"/>
+              </a:rPr>
+              <a:t>3</a:t>
+            </a:r>
+            <a:r>
+              <a:rPr sz="1800" b="1">
+                <a:solidFill>
+                  <a:srgbClr val="0611F2"/>
+                </a:solidFill>
+                <a:latin typeface="맑은 고딕" charset="0"/>
+                <a:ea typeface="맑은 고딕" charset="0"/>
+              </a:rPr>
+              <a:t>.</a:t>
+            </a:r>
+            <a:r>
+              <a:rPr sz="1800">
                 <a:latin typeface="맑은 고딕" charset="0"/>
                 <a:ea typeface="맑은 고딕" charset="0"/>
               </a:rPr>
               <a:t> </a:t>
             </a:r>
-            <a:endParaRPr lang="ko-KR" altLang="en-US" sz="3000" b="1">
+            <a:r>
+              <a:rPr lang="ko-KR" sz="1800">
+                <a:latin typeface="맑은 고딕" charset="0"/>
+                <a:ea typeface="맑은 고딕" charset="0"/>
+              </a:rPr>
+              <a:t>마지막으로 Chatting Manager에</a:t>
+            </a:r>
+            <a:r>
+              <a:rPr lang="ko-KR" sz="1800">
+                <a:latin typeface="맑은 고딕" charset="0"/>
+                <a:ea typeface="맑은 고딕" charset="0"/>
+              </a:rPr>
+              <a:t> Photon View 컴포넌트를</a:t>
+            </a:r>
+            <a:r>
+              <a:rPr lang="ko-KR" sz="1800">
+                <a:latin typeface="맑은 고딕" charset="0"/>
+                <a:ea typeface="맑은 고딕" charset="0"/>
+              </a:rPr>
+              <a:t> 추가합니다.</a:t>
+            </a:r>
+            <a:endParaRPr lang="ko-KR" altLang="en-US" sz="1800">
               <a:latin typeface="맑은 고딕" charset="0"/>
               <a:ea typeface="맑은 고딕" charset="0"/>
             </a:endParaRPr>
@@ -12227,14 +11088,14 @@
       </p:sp>
       <p:pic>
         <p:nvPicPr>
-          <p:cNvPr id="36" name="그림 2" descr="C:/Users/Admin1/AppData/Roaming/PolarisOffice/ETemp/21612_20234488/fImage1486913841.png"/>
+          <p:cNvPr id="39" name="그림 65"/>
           <p:cNvPicPr>
             <a:picLocks noChangeAspect="1"/>
           </p:cNvPicPr>
           <p:nvPr/>
         </p:nvPicPr>
         <p:blipFill rotWithShape="1">
-          <a:blip r:embed="rId8" cstate="hqprint">
+          <a:blip r:embed="rId2" cstate="hqprint">
             <a:extLst>
               <a:ext uri="{28A0092B-C50C-407E-A947-70E740481C1C}">
                 <a14:useLocalDpi xmlns:a14="http://schemas.microsoft.com/office/drawing/2010/main"/>
@@ -12247,11 +11108,44 @@
         </p:blipFill>
         <p:spPr>
           <a:xfrm rot="0">
-            <a:off x="1231265" y="1356995"/>
-            <a:ext cx="4124325" cy="2806065"/>
-          </a:xfrm>
-          <a:prstGeom prst="rect"/>
-          <a:noFill/>
+            <a:off x="9153525" y="2095500"/>
+            <a:ext cx="1721485" cy="2677160"/>
+          </a:xfrm>
+          <a:prstGeom prst="roundRect"/>
+          <a:solidFill>
+            <a:srgbClr val="EDEDED"/>
+          </a:solidFill>
+        </p:spPr>
+      </p:pic>
+      <p:pic>
+        <p:nvPicPr>
+          <p:cNvPr id="40" name="그림 66"/>
+          <p:cNvPicPr>
+            <a:picLocks noChangeAspect="1"/>
+          </p:cNvPicPr>
+          <p:nvPr/>
+        </p:nvPicPr>
+        <p:blipFill rotWithShape="1">
+          <a:blip r:embed="rId7" cstate="print">
+            <a:extLst>
+              <a:ext uri="{28A0092B-C50C-407E-A947-70E740481C1C}">
+                <a14:useLocalDpi xmlns:a14="http://schemas.microsoft.com/office/drawing/2010/main" val="0"/>
+              </a:ext>
+            </a:extLst>
+          </a:blip>
+          <a:stretch>
+            <a:fillRect/>
+          </a:stretch>
+        </p:blipFill>
+        <p:spPr>
+          <a:xfrm rot="0">
+            <a:off x="6810375" y="1495425"/>
+            <a:ext cx="2200910" cy="3791585"/>
+          </a:xfrm>
+          <a:prstGeom prst="roundRect"/>
+          <a:solidFill>
+            <a:srgbClr val="EDEDED"/>
+          </a:solidFill>
         </p:spPr>
       </p:pic>
     </p:spTree>
@@ -12305,7 +11199,7 @@
         <p:spPr>
           <a:xfrm rot="0">
             <a:off x="1229995" y="1337310"/>
-            <a:ext cx="4038600" cy="370205"/>
+            <a:ext cx="4039235" cy="370840"/>
           </a:xfrm>
           <a:prstGeom prst="rect"/>
           <a:noFill/>
@@ -12333,16 +11227,16 @@
       </p:sp>
       <p:sp>
         <p:nvSpPr>
-          <p:cNvPr id="35" name="Rect 0"/>
+          <p:cNvPr id="31" name="Rect 0"/>
           <p:cNvSpPr txBox="1">
             <a:spLocks/>
           </p:cNvSpPr>
           <p:nvPr/>
         </p:nvSpPr>
         <p:spPr>
-          <a:xfrm>
-            <a:off x="4342765" y="467995"/>
-            <a:ext cx="3503930" cy="554990"/>
+          <a:xfrm rot="0">
+            <a:off x="6801485" y="3204210"/>
+            <a:ext cx="4162425" cy="370840"/>
           </a:xfrm>
           <a:prstGeom prst="rect"/>
           <a:noFill/>
@@ -12357,32 +11251,11 @@
           </a:bodyPr>
           <a:lstStyle/>
           <a:p>
-            <a:pPr marL="0" indent="0" rtl="0" algn="l" defTabSz="914400" eaLnBrk="1" latinLnBrk="0" hangingPunct="1">
-              <a:buFontTx/>
-              <a:buNone/>
-            </a:pPr>
-            <a:r>
-              <a:rPr lang="ko-KR" sz="3000" b="1">
-                <a:latin typeface="맑은 고딕" charset="0"/>
-                <a:ea typeface="맑은 고딕" charset="0"/>
-              </a:rPr>
-              <a:t>여덟</a:t>
-            </a:r>
-            <a:r>
-              <a:rPr lang="ko-KR" sz="3000" b="1">
-                <a:latin typeface="맑은 고딕" charset="0"/>
-                <a:ea typeface="맑은 고딕" charset="0"/>
-              </a:rPr>
-              <a:t> 번째 튜토리얼</a:t>
-            </a:r>
-            <a:r>
-              <a:rPr sz="3000" b="1">
-                <a:latin typeface="맑은 고딕" charset="0"/>
-                <a:ea typeface="맑은 고딕" charset="0"/>
-              </a:rPr>
-              <a:t> </a:t>
-            </a:r>
-            <a:endParaRPr lang="ko-KR" altLang="en-US" sz="3000" b="1">
+            <a:pPr marL="0" indent="0" algn="l" latinLnBrk="0" hangingPunct="1">
+              <a:buFontTx/>
+              <a:buNone/>
+            </a:pPr>
+            <a:endParaRPr lang="ko-KR" altLang="en-US" sz="1800">
               <a:latin typeface="맑은 고딕" charset="0"/>
               <a:ea typeface="맑은 고딕" charset="0"/>
             </a:endParaRPr>
@@ -12391,16 +11264,16 @@
       </p:sp>
       <p:sp>
         <p:nvSpPr>
-          <p:cNvPr id="36" name="텍스트 상자 59"/>
+          <p:cNvPr id="35" name="Rect 0"/>
           <p:cNvSpPr txBox="1">
             <a:spLocks/>
           </p:cNvSpPr>
           <p:nvPr/>
         </p:nvSpPr>
         <p:spPr>
-          <a:xfrm rot="0">
-            <a:off x="1228725" y="5160010"/>
-            <a:ext cx="4191635" cy="923925"/>
+          <a:xfrm>
+            <a:off x="4342765" y="467995"/>
+            <a:ext cx="3504565" cy="554990"/>
           </a:xfrm>
           <a:prstGeom prst="rect"/>
           <a:noFill/>
@@ -12415,55 +11288,32 @@
           </a:bodyPr>
           <a:lstStyle/>
           <a:p>
-            <a:pPr marL="0" indent="0" algn="l" latinLnBrk="0" hangingPunct="1">
-              <a:buFontTx/>
-              <a:buNone/>
-            </a:pPr>
-            <a:r>
-              <a:rPr sz="1800" b="1">
-                <a:solidFill>
-                  <a:srgbClr val="0611F2"/>
-                </a:solidFill>
-                <a:latin typeface="맑은 고딕" charset="0"/>
-                <a:ea typeface="맑은 고딕" charset="0"/>
-              </a:rPr>
-              <a:t>1</a:t>
-            </a:r>
-            <a:r>
-              <a:rPr sz="1800" b="1">
-                <a:solidFill>
-                  <a:srgbClr val="0611F2"/>
-                </a:solidFill>
-                <a:latin typeface="맑은 고딕" charset="0"/>
-                <a:ea typeface="맑은 고딕" charset="0"/>
-              </a:rPr>
-              <a:t>2</a:t>
-            </a:r>
-            <a:r>
-              <a:rPr sz="1800" b="1">
-                <a:solidFill>
-                  <a:srgbClr val="0611F2"/>
-                </a:solidFill>
-                <a:latin typeface="맑은 고딕" charset="0"/>
-                <a:ea typeface="맑은 고딕" charset="0"/>
-              </a:rPr>
-              <a:t>.</a:t>
-            </a:r>
-            <a:r>
-              <a:rPr sz="1800">
+            <a:pPr marL="0" indent="0" rtl="0" algn="l" defTabSz="914400" eaLnBrk="1" latinLnBrk="0" hangingPunct="1">
+              <a:buFontTx/>
+              <a:buNone/>
+            </a:pPr>
+            <a:r>
+              <a:rPr lang="ko-KR" sz="3000" b="1">
+                <a:latin typeface="맑은 고딕" charset="0"/>
+                <a:ea typeface="맑은 고딕" charset="0"/>
+              </a:rPr>
+              <a:t>여덟</a:t>
+            </a:r>
+            <a:r>
+              <a:rPr lang="ko-KR" sz="3000" b="1">
+                <a:latin typeface="맑은 고딕" charset="0"/>
+                <a:ea typeface="맑은 고딕" charset="0"/>
+              </a:rPr>
+              <a:t> 번째 튜토리얼</a:t>
+            </a:r>
+            <a:r>
+              <a:rPr sz="3000" b="1">
                 <a:latin typeface="맑은 고딕" charset="0"/>
                 <a:ea typeface="맑은 고딕" charset="0"/>
               </a:rPr>
               <a:t> </a:t>
             </a:r>
-            <a:r>
-              <a:rPr lang="ko-KR" sz="1800">
-                <a:latin typeface="맑은 고딕" charset="0"/>
-                <a:ea typeface="맑은 고딕" charset="0"/>
-              </a:rPr>
-              <a:t>그리고 Scroll Rect 옵션에 수직으로 이동만 하므로 Horizontal을 비활성화합니다.</a:t>
-            </a:r>
-            <a:endParaRPr lang="ko-KR" altLang="en-US" sz="1800">
+            <a:endParaRPr lang="ko-KR" altLang="en-US" sz="3000" b="1">
               <a:latin typeface="맑은 고딕" charset="0"/>
               <a:ea typeface="맑은 고딕" charset="0"/>
             </a:endParaRPr>
@@ -12472,17 +11322,17 @@
       </p:sp>
       <p:pic>
         <p:nvPicPr>
-          <p:cNvPr id="37" name="그림 60" descr="C:/Users/Admin1/AppData/Roaming/PolarisOffice/ETemp/21612_20234488/fImage251202414827.png"/>
+          <p:cNvPr id="36" name="그림 67"/>
           <p:cNvPicPr>
             <a:picLocks noChangeAspect="1"/>
           </p:cNvPicPr>
           <p:nvPr/>
         </p:nvPicPr>
         <p:blipFill rotWithShape="1">
-          <a:blip r:embed="rId5" cstate="hqprint">
+          <a:blip r:embed="rId2" cstate="print">
             <a:extLst>
               <a:ext uri="{28A0092B-C50C-407E-A947-70E740481C1C}">
-                <a14:useLocalDpi xmlns:a14="http://schemas.microsoft.com/office/drawing/2010/main"/>
+                <a14:useLocalDpi xmlns:a14="http://schemas.microsoft.com/office/drawing/2010/main" val="0"/>
               </a:ext>
             </a:extLst>
           </a:blip>
@@ -12492,121 +11342,28 @@
         </p:blipFill>
         <p:spPr>
           <a:xfrm rot="0">
-            <a:off x="1174115" y="1504950"/>
-            <a:ext cx="4198620" cy="3486785"/>
-          </a:xfrm>
-          <a:prstGeom prst="rect"/>
-          <a:noFill/>
+            <a:off x="3000375" y="1537970"/>
+            <a:ext cx="2381885" cy="1301115"/>
+          </a:xfrm>
+          <a:prstGeom prst="roundRect"/>
+          <a:solidFill>
+            <a:srgbClr val="EDEDED"/>
+          </a:solidFill>
         </p:spPr>
       </p:pic>
-      <p:sp>
-        <p:nvSpPr>
-          <p:cNvPr id="38" name="텍스트 상자 64"/>
-          <p:cNvSpPr txBox="1">
-            <a:spLocks/>
-          </p:cNvSpPr>
-          <p:nvPr/>
-        </p:nvSpPr>
-        <p:spPr>
-          <a:xfrm rot="0">
-            <a:off x="6798310" y="5496560"/>
-            <a:ext cx="4079875" cy="647065"/>
-          </a:xfrm>
-          <a:prstGeom prst="rect"/>
-          <a:noFill/>
-          <a:ln w="0">
-            <a:noFill/>
-            <a:prstDash/>
-          </a:ln>
-        </p:spPr>
-        <p:txBody>
-          <a:bodyPr wrap="square" lIns="89535" tIns="46355" rIns="89535" bIns="46355" numCol="1" vert="horz" anchor="t">
-            <a:spAutoFit/>
-          </a:bodyPr>
-          <a:lstStyle/>
-          <a:p>
-            <a:pPr marL="0" indent="0" algn="l" latinLnBrk="0" hangingPunct="1">
-              <a:buFontTx/>
-              <a:buNone/>
-            </a:pPr>
-            <a:r>
-              <a:rPr sz="1800" b="1">
-                <a:solidFill>
-                  <a:srgbClr val="0611F2"/>
-                </a:solidFill>
-                <a:latin typeface="맑은 고딕" charset="0"/>
-                <a:ea typeface="맑은 고딕" charset="0"/>
-              </a:rPr>
-              <a:t>1</a:t>
-            </a:r>
-            <a:r>
-              <a:rPr sz="1800" b="1">
-                <a:solidFill>
-                  <a:srgbClr val="0611F2"/>
-                </a:solidFill>
-                <a:latin typeface="맑은 고딕" charset="0"/>
-                <a:ea typeface="맑은 고딕" charset="0"/>
-              </a:rPr>
-              <a:t>3</a:t>
-            </a:r>
-            <a:r>
-              <a:rPr sz="1800" b="1">
-                <a:solidFill>
-                  <a:srgbClr val="0611F2"/>
-                </a:solidFill>
-                <a:latin typeface="맑은 고딕" charset="0"/>
-                <a:ea typeface="맑은 고딕" charset="0"/>
-              </a:rPr>
-              <a:t>.</a:t>
-            </a:r>
-            <a:r>
-              <a:rPr sz="1800">
-                <a:latin typeface="맑은 고딕" charset="0"/>
-                <a:ea typeface="맑은 고딕" charset="0"/>
-              </a:rPr>
-              <a:t> </a:t>
-            </a:r>
-            <a:r>
-              <a:rPr lang="ko-KR" sz="1800">
-                <a:latin typeface="맑은 고딕" charset="0"/>
-                <a:ea typeface="맑은 고딕" charset="0"/>
-              </a:rPr>
-              <a:t>마지막으로 Chatting Manager에</a:t>
-            </a:r>
-            <a:r>
-              <a:rPr lang="ko-KR" sz="1800">
-                <a:latin typeface="맑은 고딕" charset="0"/>
-                <a:ea typeface="맑은 고딕" charset="0"/>
-              </a:rPr>
-              <a:t> Photon View 컴포넌트를</a:t>
-            </a:r>
-            <a:r>
-              <a:rPr lang="ko-KR" sz="1800">
-                <a:latin typeface="맑은 고딕" charset="0"/>
-                <a:ea typeface="맑은 고딕" charset="0"/>
-              </a:rPr>
-              <a:t> 추가합니다.</a:t>
-            </a:r>
-            <a:endParaRPr lang="ko-KR" altLang="en-US" sz="1800">
-              <a:latin typeface="맑은 고딕" charset="0"/>
-              <a:ea typeface="맑은 고딕" charset="0"/>
-            </a:endParaRPr>
-          </a:p>
-        </p:txBody>
-      </p:sp>
       <p:pic>
         <p:nvPicPr>
-          <p:cNvPr id="39" name="그림 65" descr="C:/Users/Admin1/AppData/Roaming/PolarisOffice/ETemp/21612_20234488/fImage8792234491.png"/>
+          <p:cNvPr id="37" name="그림 70"/>
           <p:cNvPicPr>
             <a:picLocks noChangeAspect="1"/>
           </p:cNvPicPr>
           <p:nvPr/>
         </p:nvPicPr>
         <p:blipFill rotWithShape="1">
-          <a:blip r:embed="rId2" cstate="hqprint">
+          <a:blip r:embed="rId3" cstate="print">
             <a:extLst>
               <a:ext uri="{28A0092B-C50C-407E-A947-70E740481C1C}">
-                <a14:useLocalDpi xmlns:a14="http://schemas.microsoft.com/office/drawing/2010/main"/>
+                <a14:useLocalDpi xmlns:a14="http://schemas.microsoft.com/office/drawing/2010/main" val="0"/>
               </a:ext>
             </a:extLst>
           </a:blip>
@@ -12616,8 +11373,8 @@
         </p:blipFill>
         <p:spPr>
           <a:xfrm rot="0">
-            <a:off x="9153525" y="2095500"/>
-            <a:ext cx="1721485" cy="2677160"/>
+            <a:off x="1466850" y="1537970"/>
+            <a:ext cx="1315085" cy="1301115"/>
           </a:xfrm>
           <a:prstGeom prst="roundRect"/>
           <a:solidFill>
@@ -12625,9 +11382,390 @@
           </a:solidFill>
         </p:spPr>
       </p:pic>
+      <p:sp>
+        <p:nvSpPr>
+          <p:cNvPr id="38" name="텍스트 상자 73"/>
+          <p:cNvSpPr txBox="1">
+            <a:spLocks/>
+          </p:cNvSpPr>
+          <p:nvPr/>
+        </p:nvSpPr>
+        <p:spPr>
+          <a:xfrm rot="0">
+            <a:off x="1466850" y="2969260"/>
+            <a:ext cx="3915410" cy="923925"/>
+          </a:xfrm>
+          <a:prstGeom prst="rect"/>
+          <a:noFill/>
+          <a:ln w="0">
+            <a:noFill/>
+            <a:prstDash/>
+          </a:ln>
+        </p:spPr>
+        <p:txBody>
+          <a:bodyPr wrap="square" lIns="89535" tIns="46355" rIns="89535" bIns="46355" numCol="1" vert="horz" anchor="t">
+            <a:spAutoFit/>
+          </a:bodyPr>
+          <a:lstStyle/>
+          <a:p>
+            <a:pPr marL="0" indent="0" algn="l" latinLnBrk="0" hangingPunct="1">
+              <a:buFontTx/>
+              <a:buNone/>
+            </a:pPr>
+            <a:r>
+              <a:rPr sz="1800" b="1">
+                <a:solidFill>
+                  <a:srgbClr val="0611F2"/>
+                </a:solidFill>
+                <a:latin typeface="맑은 고딕" charset="0"/>
+                <a:ea typeface="맑은 고딕" charset="0"/>
+              </a:rPr>
+              <a:t>1</a:t>
+            </a:r>
+            <a:r>
+              <a:rPr lang="ko-KR" sz="1800" b="1">
+                <a:solidFill>
+                  <a:srgbClr val="0611F2"/>
+                </a:solidFill>
+                <a:latin typeface="맑은 고딕" charset="0"/>
+                <a:ea typeface="맑은 고딕" charset="0"/>
+              </a:rPr>
+              <a:t>4</a:t>
+            </a:r>
+            <a:r>
+              <a:rPr sz="1800" b="1">
+                <a:solidFill>
+                  <a:srgbClr val="0611F2"/>
+                </a:solidFill>
+                <a:latin typeface="맑은 고딕" charset="0"/>
+                <a:ea typeface="맑은 고딕" charset="0"/>
+              </a:rPr>
+              <a:t>.</a:t>
+            </a:r>
+            <a:r>
+              <a:rPr sz="1800">
+                <a:latin typeface="맑은 고딕" charset="0"/>
+                <a:ea typeface="맑은 고딕" charset="0"/>
+              </a:rPr>
+              <a:t> </a:t>
+            </a:r>
+            <a:r>
+              <a:rPr lang="ko-KR" sz="1800">
+                <a:latin typeface="맑은 고딕" charset="0"/>
+                <a:ea typeface="맑은 고딕" charset="0"/>
+              </a:rPr>
+              <a:t>그런 다음 Content 오브젝트를 선택하고 Content Size Fitter 컴포넌트를 추가합니다.</a:t>
+            </a:r>
+            <a:endParaRPr lang="ko-KR" altLang="en-US" sz="1800">
+              <a:latin typeface="맑은 고딕" charset="0"/>
+              <a:ea typeface="맑은 고딕" charset="0"/>
+            </a:endParaRPr>
+          </a:p>
+        </p:txBody>
+      </p:sp>
       <p:pic>
         <p:nvPicPr>
-          <p:cNvPr id="40" name="그림 66" descr="C:/Users/Admin1/AppData/Roaming/PolarisOffice/ETemp/21612_20234488/fImage94852938145.png"/>
+          <p:cNvPr id="39" name="그림 74"/>
+          <p:cNvPicPr>
+            <a:picLocks noChangeAspect="1"/>
+          </p:cNvPicPr>
+          <p:nvPr/>
+        </p:nvPicPr>
+        <p:blipFill rotWithShape="1">
+          <a:blip r:embed="rId4" cstate="print">
+            <a:extLst>
+              <a:ext uri="{28A0092B-C50C-407E-A947-70E740481C1C}">
+                <a14:useLocalDpi xmlns:a14="http://schemas.microsoft.com/office/drawing/2010/main" val="0"/>
+              </a:ext>
+            </a:extLst>
+          </a:blip>
+          <a:stretch>
+            <a:fillRect/>
+          </a:stretch>
+        </p:blipFill>
+        <p:spPr>
+          <a:xfrm rot="0">
+            <a:off x="6810375" y="1514475"/>
+            <a:ext cx="4161790" cy="1267460"/>
+          </a:xfrm>
+          <a:prstGeom prst="roundRect"/>
+          <a:solidFill>
+            <a:srgbClr val="EDEDED"/>
+          </a:solidFill>
+        </p:spPr>
+      </p:pic>
+      <p:pic>
+        <p:nvPicPr>
+          <p:cNvPr id="40" name="그림 77"/>
+          <p:cNvPicPr>
+            <a:picLocks noChangeAspect="1"/>
+          </p:cNvPicPr>
+          <p:nvPr/>
+        </p:nvPicPr>
+        <p:blipFill rotWithShape="1">
+          <a:blip r:embed="rId5" cstate="print">
+            <a:extLst>
+              <a:ext uri="{28A0092B-C50C-407E-A947-70E740481C1C}">
+                <a14:useLocalDpi xmlns:a14="http://schemas.microsoft.com/office/drawing/2010/main" val="0"/>
+              </a:ext>
+            </a:extLst>
+          </a:blip>
+          <a:stretch>
+            <a:fillRect/>
+          </a:stretch>
+        </p:blipFill>
+        <p:spPr>
+          <a:xfrm rot="0">
+            <a:off x="6805295" y="2971800"/>
+            <a:ext cx="1501140" cy="1331595"/>
+          </a:xfrm>
+          <a:prstGeom prst="roundRect"/>
+          <a:solidFill>
+            <a:srgbClr val="EDEDED"/>
+          </a:solidFill>
+        </p:spPr>
+      </p:pic>
+      <p:pic>
+        <p:nvPicPr>
+          <p:cNvPr id="41" name="그림 80"/>
+          <p:cNvPicPr>
+            <a:picLocks noChangeAspect="1"/>
+          </p:cNvPicPr>
+          <p:nvPr/>
+        </p:nvPicPr>
+        <p:blipFill rotWithShape="1">
+          <a:blip r:embed="rId6" cstate="print">
+            <a:extLst>
+              <a:ext uri="{28A0092B-C50C-407E-A947-70E740481C1C}">
+                <a14:useLocalDpi xmlns:a14="http://schemas.microsoft.com/office/drawing/2010/main" val="0"/>
+              </a:ext>
+            </a:extLst>
+          </a:blip>
+          <a:stretch>
+            <a:fillRect/>
+          </a:stretch>
+        </p:blipFill>
+        <p:spPr>
+          <a:xfrm rot="0">
+            <a:off x="8452485" y="2973705"/>
+            <a:ext cx="2553970" cy="1330325"/>
+          </a:xfrm>
+          <a:prstGeom prst="roundRect"/>
+          <a:solidFill>
+            <a:srgbClr val="EDEDED"/>
+          </a:solidFill>
+        </p:spPr>
+      </p:pic>
+      <p:cxnSp>
+        <p:nvCxnSpPr>
+          <p:cNvPr id="42" name="도형 81"/>
+          <p:cNvCxnSpPr/>
+          <p:nvPr/>
+        </p:nvCxnSpPr>
+        <p:spPr>
+          <a:xfrm rot="0" flipV="1">
+            <a:off x="7888605" y="2597785"/>
+            <a:ext cx="2996565" cy="1256030"/>
+          </a:xfrm>
+          <a:prstGeom prst="straightConnector1"/>
+          <a:ln w="6350" cap="flat" cmpd="sng">
+            <a:prstDash/>
+            <a:headEnd type="none" w="med" len="med"/>
+            <a:tailEnd type="triangle" w="med" len="med"/>
+          </a:ln>
+        </p:spPr>
+        <p:style>
+          <a:lnRef idx="1">
+            <a:schemeClr val="accent1"/>
+          </a:lnRef>
+          <a:fillRef idx="0">
+            <a:schemeClr val="accent1"/>
+          </a:fillRef>
+          <a:effectRef idx="0">
+            <a:schemeClr val="accent1"/>
+          </a:effectRef>
+          <a:fontRef idx="minor">
+            <a:schemeClr val="tx1"/>
+          </a:fontRef>
+        </p:style>
+      </p:cxnSp>
+      <p:cxnSp>
+        <p:nvCxnSpPr>
+          <p:cNvPr id="43" name="도형 82"/>
+          <p:cNvCxnSpPr/>
+          <p:nvPr/>
+        </p:nvCxnSpPr>
+        <p:spPr>
+          <a:xfrm rot="0" flipV="1">
+            <a:off x="7741285" y="2130425"/>
+            <a:ext cx="3152775" cy="1922780"/>
+          </a:xfrm>
+          <a:prstGeom prst="straightConnector1"/>
+          <a:ln w="6350" cap="flat" cmpd="sng">
+            <a:prstDash/>
+            <a:headEnd type="none" w="med" len="med"/>
+            <a:tailEnd type="triangle" w="med" len="med"/>
+          </a:ln>
+        </p:spPr>
+        <p:style>
+          <a:lnRef idx="1">
+            <a:schemeClr val="accent1"/>
+          </a:lnRef>
+          <a:fillRef idx="0">
+            <a:schemeClr val="accent1"/>
+          </a:fillRef>
+          <a:effectRef idx="0">
+            <a:schemeClr val="accent1"/>
+          </a:effectRef>
+          <a:fontRef idx="minor">
+            <a:schemeClr val="tx1"/>
+          </a:fontRef>
+        </p:style>
+      </p:cxnSp>
+      <p:cxnSp>
+        <p:nvCxnSpPr>
+          <p:cNvPr id="44" name="도형 83"/>
+          <p:cNvCxnSpPr/>
+          <p:nvPr/>
+        </p:nvCxnSpPr>
+        <p:spPr>
+          <a:xfrm rot="0" flipV="1">
+            <a:off x="10045065" y="2364105"/>
+            <a:ext cx="840105" cy="987425"/>
+          </a:xfrm>
+          <a:prstGeom prst="straightConnector1"/>
+          <a:ln w="6350" cap="flat" cmpd="sng">
+            <a:prstDash/>
+            <a:headEnd type="none" w="med" len="med"/>
+            <a:tailEnd type="triangle" w="med" len="med"/>
+          </a:ln>
+        </p:spPr>
+        <p:style>
+          <a:lnRef idx="1">
+            <a:schemeClr val="accent1"/>
+          </a:lnRef>
+          <a:fillRef idx="0">
+            <a:schemeClr val="accent1"/>
+          </a:fillRef>
+          <a:effectRef idx="0">
+            <a:schemeClr val="accent1"/>
+          </a:effectRef>
+          <a:fontRef idx="minor">
+            <a:schemeClr val="tx1"/>
+          </a:fontRef>
+        </p:style>
+      </p:cxnSp>
+      <p:sp>
+        <p:nvSpPr>
+          <p:cNvPr id="45" name="텍스트 상자 84"/>
+          <p:cNvSpPr txBox="1">
+            <a:spLocks/>
+          </p:cNvSpPr>
+          <p:nvPr/>
+        </p:nvSpPr>
+        <p:spPr>
+          <a:xfrm rot="0">
+            <a:off x="6794500" y="4425950"/>
+            <a:ext cx="4185920" cy="1754505"/>
+          </a:xfrm>
+          <a:prstGeom prst="rect"/>
+          <a:noFill/>
+          <a:ln w="0">
+            <a:noFill/>
+            <a:prstDash/>
+          </a:ln>
+        </p:spPr>
+        <p:txBody>
+          <a:bodyPr wrap="square" lIns="89535" tIns="46355" rIns="89535" bIns="46355" numCol="1" vert="horz" anchor="t">
+            <a:spAutoFit/>
+          </a:bodyPr>
+          <a:lstStyle/>
+          <a:p>
+            <a:pPr marL="0" indent="0" algn="l" latinLnBrk="0" hangingPunct="1">
+              <a:buFontTx/>
+              <a:buNone/>
+            </a:pPr>
+            <a:r>
+              <a:rPr sz="1800" b="1">
+                <a:solidFill>
+                  <a:srgbClr val="0611F2"/>
+                </a:solidFill>
+                <a:latin typeface="맑은 고딕" charset="0"/>
+                <a:ea typeface="맑은 고딕" charset="0"/>
+              </a:rPr>
+              <a:t>1</a:t>
+            </a:r>
+            <a:r>
+              <a:rPr lang="ko-KR" sz="1800" b="1">
+                <a:solidFill>
+                  <a:srgbClr val="0611F2"/>
+                </a:solidFill>
+                <a:latin typeface="맑은 고딕" charset="0"/>
+                <a:ea typeface="맑은 고딕" charset="0"/>
+              </a:rPr>
+              <a:t>6</a:t>
+            </a:r>
+            <a:r>
+              <a:rPr sz="1800" b="1">
+                <a:solidFill>
+                  <a:srgbClr val="0611F2"/>
+                </a:solidFill>
+                <a:latin typeface="맑은 고딕" charset="0"/>
+                <a:ea typeface="맑은 고딕" charset="0"/>
+              </a:rPr>
+              <a:t>.</a:t>
+            </a:r>
+            <a:r>
+              <a:rPr sz="1800">
+                <a:latin typeface="맑은 고딕" charset="0"/>
+                <a:ea typeface="맑은 고딕" charset="0"/>
+              </a:rPr>
+              <a:t> </a:t>
+            </a:r>
+            <a:r>
+              <a:rPr lang="ko-KR" sz="1800">
+                <a:latin typeface="맑은 고딕" charset="0"/>
+                <a:ea typeface="맑은 고딕" charset="0"/>
+              </a:rPr>
+              <a:t>이제 Chatting Manager 오브젝트를 선택합니다.</a:t>
+            </a:r>
+            <a:endParaRPr lang="ko-KR" altLang="en-US" sz="1800">
+              <a:latin typeface="맑은 고딕" charset="0"/>
+              <a:ea typeface="맑은 고딕" charset="0"/>
+            </a:endParaRPr>
+          </a:p>
+          <a:p>
+            <a:pPr marL="0" indent="0" algn="l" latinLnBrk="0" hangingPunct="1">
+              <a:buFontTx/>
+              <a:buNone/>
+            </a:pPr>
+            <a:endParaRPr lang="ko-KR" altLang="en-US" sz="1800">
+              <a:latin typeface="맑은 고딕" charset="0"/>
+              <a:ea typeface="맑은 고딕" charset="0"/>
+            </a:endParaRPr>
+          </a:p>
+          <a:p>
+            <a:pPr marL="0" indent="0" algn="l" latinLnBrk="0" hangingPunct="1">
+              <a:buFontTx/>
+              <a:buNone/>
+            </a:pPr>
+            <a:r>
+              <a:rPr lang="ko-KR" sz="1800">
+                <a:latin typeface="맑은 고딕" charset="0"/>
+                <a:ea typeface="맑은 고딕" charset="0"/>
+              </a:rPr>
+              <a:t>그다음 Chat Manager 스크립트에서 Input과 Chat Prefab 그리고 Chat Content를 넣어줍니다.</a:t>
+            </a:r>
+            <a:endParaRPr lang="ko-KR" altLang="en-US" sz="1800">
+              <a:latin typeface="맑은 고딕" charset="0"/>
+              <a:ea typeface="맑은 고딕" charset="0"/>
+            </a:endParaRPr>
+          </a:p>
+        </p:txBody>
+      </p:sp>
+      <p:pic>
+        <p:nvPicPr>
+          <p:cNvPr id="46" name="그림 85"/>
           <p:cNvPicPr>
             <a:picLocks noChangeAspect="1"/>
           </p:cNvPicPr>
@@ -12647,8 +11785,8 @@
         </p:blipFill>
         <p:spPr>
           <a:xfrm rot="0">
-            <a:off x="6810375" y="1495425"/>
-            <a:ext cx="2200910" cy="3791585"/>
+            <a:off x="1454785" y="4017645"/>
+            <a:ext cx="3931920" cy="1334135"/>
           </a:xfrm>
           <a:prstGeom prst="roundRect"/>
           <a:solidFill>
@@ -12656,6 +11794,87 @@
           </a:solidFill>
         </p:spPr>
       </p:pic>
+      <p:sp>
+        <p:nvSpPr>
+          <p:cNvPr id="47" name="텍스트 상자 88"/>
+          <p:cNvSpPr txBox="1">
+            <a:spLocks/>
+          </p:cNvSpPr>
+          <p:nvPr/>
+        </p:nvSpPr>
+        <p:spPr>
+          <a:xfrm rot="0">
+            <a:off x="1451610" y="5508625"/>
+            <a:ext cx="3926205" cy="647065"/>
+          </a:xfrm>
+          <a:prstGeom prst="rect"/>
+          <a:noFill/>
+          <a:ln w="0">
+            <a:noFill/>
+            <a:prstDash/>
+          </a:ln>
+        </p:spPr>
+        <p:txBody>
+          <a:bodyPr wrap="square" lIns="89535" tIns="46355" rIns="89535" bIns="46355" numCol="1" vert="horz" anchor="t">
+            <a:spAutoFit/>
+          </a:bodyPr>
+          <a:lstStyle/>
+          <a:p>
+            <a:pPr marL="0" indent="0" algn="l" latinLnBrk="0" hangingPunct="1">
+              <a:buFontTx/>
+              <a:buNone/>
+            </a:pPr>
+            <a:r>
+              <a:rPr sz="1800" b="1">
+                <a:solidFill>
+                  <a:srgbClr val="0611F2"/>
+                </a:solidFill>
+                <a:latin typeface="맑은 고딕" charset="0"/>
+                <a:ea typeface="맑은 고딕" charset="0"/>
+              </a:rPr>
+              <a:t>1</a:t>
+            </a:r>
+            <a:r>
+              <a:rPr lang="ko-KR" sz="1800" b="1">
+                <a:solidFill>
+                  <a:srgbClr val="0611F2"/>
+                </a:solidFill>
+                <a:latin typeface="맑은 고딕" charset="0"/>
+                <a:ea typeface="맑은 고딕" charset="0"/>
+              </a:rPr>
+              <a:t>5</a:t>
+            </a:r>
+            <a:r>
+              <a:rPr sz="1800" b="1">
+                <a:solidFill>
+                  <a:srgbClr val="0611F2"/>
+                </a:solidFill>
+                <a:latin typeface="맑은 고딕" charset="0"/>
+                <a:ea typeface="맑은 고딕" charset="0"/>
+              </a:rPr>
+              <a:t>.</a:t>
+            </a:r>
+            <a:r>
+              <a:rPr sz="1800">
+                <a:latin typeface="맑은 고딕" charset="0"/>
+                <a:ea typeface="맑은 고딕" charset="0"/>
+              </a:rPr>
+              <a:t> </a:t>
+            </a:r>
+            <a:r>
+              <a:rPr lang="ko-KR" sz="1800">
+                <a:latin typeface="맑은 고딕" charset="0"/>
+                <a:ea typeface="맑은 고딕" charset="0"/>
+              </a:rPr>
+              <a:t>그다음으로 InputField의 위치와 앵커를 조정합니다.</a:t>
+            </a:r>
+            <a:endParaRPr lang="ko-KR" altLang="en-US" sz="1800">
+              <a:latin typeface="맑은 고딕" charset="0"/>
+              <a:ea typeface="맑은 고딕" charset="0"/>
+            </a:endParaRPr>
+          </a:p>
+        </p:txBody>
+      </p:sp>
     </p:spTree>
   </p:cSld>
   <p:clrMapOvr>

--- a/Assets/Class/Photon Server/PPT Data/Photon RPC.pptx
+++ b/Assets/Class/Photon Server/PPT Data/Photon RPC.pptx
@@ -2,21 +2,28 @@
 <file path=ppt/presentation.xml><?xml version="1.0" encoding="utf-8"?>
 <p:presentation xmlns:a="http://schemas.openxmlformats.org/drawingml/2006/main" xmlns:r="http://schemas.openxmlformats.org/officeDocument/2006/relationships" xmlns:p="http://schemas.openxmlformats.org/presentationml/2006/main" xmlns:p14="http://schemas.microsoft.com/office/powerpoint/2010/main" saveSubsetFonts="1" firstSlideNum="0">
   <p:sldMasterIdLst>
-    <p:sldMasterId id="2147486818" r:id="rId12"/>
+    <p:sldMasterId id="2147486862" r:id="rId12"/>
   </p:sldMasterIdLst>
   <p:notesMasterIdLst>
     <p:notesMasterId r:id="rId14"/>
   </p:notesMasterIdLst>
   <p:sldIdLst>
     <p:sldId id="303" r:id="rId16"/>
-    <p:sldId id="315" r:id="rId18"/>
-    <p:sldId id="317" r:id="rId20"/>
-    <p:sldId id="320" r:id="rId22"/>
-    <p:sldId id="316" r:id="rId24"/>
-    <p:sldId id="318" r:id="rId26"/>
-    <p:sldId id="314" r:id="rId27"/>
-    <p:sldId id="319" r:id="rId28"/>
-    <p:sldId id="322" r:id="rId29"/>
+    <p:sldId id="315" r:id="rId17"/>
+    <p:sldId id="317" r:id="rId18"/>
+    <p:sldId id="320" r:id="rId19"/>
+    <p:sldId id="316" r:id="rId20"/>
+    <p:sldId id="318" r:id="rId21"/>
+    <p:sldId id="314" r:id="rId22"/>
+    <p:sldId id="319" r:id="rId23"/>
+    <p:sldId id="322" r:id="rId24"/>
+    <p:sldId id="323" r:id="rId25"/>
+    <p:sldId id="324" r:id="rId26"/>
+    <p:sldId id="325" r:id="rId27"/>
+    <p:sldId id="326" r:id="rId28"/>
+    <p:sldId id="327" r:id="rId29"/>
+    <p:sldId id="329" r:id="rId30"/>
+    <p:sldId id="328" r:id="rId31"/>
   </p:sldIdLst>
   <p:sldSz cx="12192000" cy="6858000"/>
   <p:notesSz cx="6858000" cy="9144000"/>
@@ -617,6 +624,1000 @@
 </p:notes>
 </file>
 
+<file path=ppt/notesSlides/notesSlide10.xml><?xml version="1.0" encoding="utf-8"?>
+<p:notes xmlns:a="http://schemas.openxmlformats.org/drawingml/2006/main" xmlns:r="http://schemas.openxmlformats.org/officeDocument/2006/relationships" xmlns:p="http://schemas.openxmlformats.org/presentationml/2006/main">
+  <p:cSld>
+    <p:spTree>
+      <p:nvGrpSpPr>
+        <p:cNvPr id="1" name=""/>
+        <p:cNvGrpSpPr/>
+        <p:nvPr/>
+      </p:nvGrpSpPr>
+      <p:grpSpPr>
+        <a:xfrm>
+          <a:off x="0" y="0"/>
+          <a:ext cx="0" cy="0"/>
+          <a:chOff x="0" y="0"/>
+          <a:chExt cx="0" cy="0"/>
+        </a:xfrm>
+      </p:grpSpPr>
+      <p:sp>
+        <p:nvSpPr>
+          <p:cNvPr id="2" name="슬라이드 이미지 개체 틀 3"/>
+          <p:cNvSpPr>
+            <a:spLocks noChangeAspect="1"/>
+          </p:cNvSpPr>
+          <p:nvPr>
+            <p:ph type="sldImg" idx="2"/>
+          </p:nvPr>
+        </p:nvSpPr>
+        <p:spPr>
+          <a:xfrm rot="0">
+            <a:off x="685800" y="1143000"/>
+            <a:ext cx="5494655" cy="3094355"/>
+          </a:xfrm>
+          <a:prstGeom prst="rect"/>
+          <a:noFill/>
+          <a:ln w="12700" cap="flat" cmpd="sng">
+            <a:solidFill>
+              <a:srgbClr val="000000">
+                <a:alpha val="100000"/>
+              </a:srgbClr>
+            </a:solidFill>
+            <a:prstDash val="solid"/>
+          </a:ln>
+        </p:spPr>
+        <p:txBody>
+          <a:bodyPr wrap="square" lIns="91440" tIns="45720" rIns="91440" bIns="45720" numCol="1" vert="horz" anchor="ctr">
+            <a:noAutofit/>
+          </a:bodyPr>
+          <a:lstStyle/>
+          <a:p>
+            <a:pPr marL="0" indent="0" latinLnBrk="0">
+              <a:buFontTx/>
+              <a:buNone/>
+            </a:pPr>
+          </a:p>
+        </p:txBody>
+      </p:sp>
+      <p:sp>
+        <p:nvSpPr>
+          <p:cNvPr id="3" name="슬라이드 노트 개체 틀 4"/>
+          <p:cNvSpPr txBox="1">
+            <a:spLocks/>
+          </p:cNvSpPr>
+          <p:nvPr>
+            <p:ph type="body" idx="3"/>
+          </p:nvPr>
+        </p:nvSpPr>
+        <p:spPr>
+          <a:xfrm rot="0">
+            <a:off x="685800" y="4400550"/>
+            <a:ext cx="5494655" cy="3608705"/>
+          </a:xfrm>
+          <a:prstGeom prst="rect"/>
+        </p:spPr>
+        <p:txBody>
+          <a:bodyPr wrap="square" lIns="91440" tIns="45720" rIns="91440" bIns="45720" numCol="1" vert="horz" anchor="t">
+            <a:noAutofit/>
+          </a:bodyPr>
+          <a:lstStyle/>
+          <a:p>
+            <a:pPr marL="0" indent="0" latinLnBrk="0">
+              <a:buFontTx/>
+              <a:buNone/>
+            </a:pPr>
+          </a:p>
+        </p:txBody>
+      </p:sp>
+      <p:sp>
+        <p:nvSpPr>
+          <p:cNvPr id="4" name="슬라이드 번호 개체 틀 6"/>
+          <p:cNvSpPr txBox="1">
+            <a:spLocks/>
+          </p:cNvSpPr>
+          <p:nvPr>
+            <p:ph type="sldNum" idx="5"/>
+          </p:nvPr>
+        </p:nvSpPr>
+        <p:spPr>
+          <a:xfrm rot="0">
+            <a:off x="3884930" y="8685530"/>
+            <a:ext cx="2980055" cy="466725"/>
+          </a:xfrm>
+          <a:prstGeom prst="rect"/>
+        </p:spPr>
+        <p:txBody>
+          <a:bodyPr wrap="square" lIns="91440" tIns="45720" rIns="91440" bIns="45720" numCol="1" vert="horz" anchor="b">
+            <a:noAutofit/>
+          </a:bodyPr>
+          <a:lstStyle>
+            <a:lvl1pPr marL="0" indent="0" algn="r" latinLnBrk="0">
+              <a:buFontTx/>
+              <a:buNone/>
+              <a:defRPr lang="en-GB" altLang="en-US" sz="1200"/>
+            </a:lvl1pPr>
+          </a:lstStyle>
+          <a:p>
+            <a:pPr marL="0" indent="0" latinLnBrk="0">
+              <a:buFontTx/>
+              <a:buNone/>
+            </a:pPr>
+            <a:fld id="{B9320F77-B9A0-41C5-862A-B4B631284C64}" type="slidenum">
+              <a:rPr lang="ko-KR" altLang="en-US"/>
+              <a:t>‹#›</a:t>
+            </a:fld>
+          </a:p>
+        </p:txBody>
+      </p:sp>
+    </p:spTree>
+  </p:cSld>
+  <p:clrMapOvr>
+    <a:masterClrMapping/>
+  </p:clrMapOvr>
+  <mc:AlternateContent xmlns:mc="http://schemas.openxmlformats.org/markup-compatibility/2006">
+    <mc:Choice xmlns:p14="http://schemas.microsoft.com/office/powerpoint/2010/main" Requires="p14">
+      <p:transition spd="slow" p14:dur="0"/>
+    </mc:Choice>
+    <mc:Fallback>
+      <p:transition spd="slow"/>
+    </mc:Fallback>
+  </mc:AlternateContent>
+</p:notes>
+</file>
+
+<file path=ppt/notesSlides/notesSlide11.xml><?xml version="1.0" encoding="utf-8"?>
+<p:notes xmlns:a="http://schemas.openxmlformats.org/drawingml/2006/main" xmlns:r="http://schemas.openxmlformats.org/officeDocument/2006/relationships" xmlns:p="http://schemas.openxmlformats.org/presentationml/2006/main">
+  <p:cSld>
+    <p:spTree>
+      <p:nvGrpSpPr>
+        <p:cNvPr id="1" name=""/>
+        <p:cNvGrpSpPr/>
+        <p:nvPr/>
+      </p:nvGrpSpPr>
+      <p:grpSpPr>
+        <a:xfrm>
+          <a:off x="0" y="0"/>
+          <a:ext cx="0" cy="0"/>
+          <a:chOff x="0" y="0"/>
+          <a:chExt cx="0" cy="0"/>
+        </a:xfrm>
+      </p:grpSpPr>
+      <p:sp>
+        <p:nvSpPr>
+          <p:cNvPr id="2" name="슬라이드 이미지 개체 틀 3"/>
+          <p:cNvSpPr>
+            <a:spLocks noChangeAspect="1"/>
+          </p:cNvSpPr>
+          <p:nvPr>
+            <p:ph type="sldImg" idx="2"/>
+          </p:nvPr>
+        </p:nvSpPr>
+        <p:spPr>
+          <a:xfrm rot="0">
+            <a:off x="685800" y="1143000"/>
+            <a:ext cx="5494655" cy="3094355"/>
+          </a:xfrm>
+          <a:prstGeom prst="rect"/>
+          <a:noFill/>
+          <a:ln w="12700" cap="flat" cmpd="sng">
+            <a:solidFill>
+              <a:srgbClr val="000000">
+                <a:alpha val="100000"/>
+              </a:srgbClr>
+            </a:solidFill>
+            <a:prstDash val="solid"/>
+          </a:ln>
+        </p:spPr>
+        <p:txBody>
+          <a:bodyPr wrap="square" lIns="91440" tIns="45720" rIns="91440" bIns="45720" numCol="1" vert="horz" anchor="ctr">
+            <a:noAutofit/>
+          </a:bodyPr>
+          <a:lstStyle/>
+          <a:p>
+            <a:pPr marL="0" indent="0" latinLnBrk="0">
+              <a:buFontTx/>
+              <a:buNone/>
+            </a:pPr>
+          </a:p>
+        </p:txBody>
+      </p:sp>
+      <p:sp>
+        <p:nvSpPr>
+          <p:cNvPr id="3" name="슬라이드 노트 개체 틀 4"/>
+          <p:cNvSpPr txBox="1">
+            <a:spLocks/>
+          </p:cNvSpPr>
+          <p:nvPr>
+            <p:ph type="body" idx="3"/>
+          </p:nvPr>
+        </p:nvSpPr>
+        <p:spPr>
+          <a:xfrm rot="0">
+            <a:off x="685800" y="4400550"/>
+            <a:ext cx="5494655" cy="3608705"/>
+          </a:xfrm>
+          <a:prstGeom prst="rect"/>
+        </p:spPr>
+        <p:txBody>
+          <a:bodyPr wrap="square" lIns="91440" tIns="45720" rIns="91440" bIns="45720" numCol="1" vert="horz" anchor="t">
+            <a:noAutofit/>
+          </a:bodyPr>
+          <a:lstStyle/>
+          <a:p>
+            <a:pPr marL="0" indent="0" latinLnBrk="0">
+              <a:buFontTx/>
+              <a:buNone/>
+            </a:pPr>
+          </a:p>
+        </p:txBody>
+      </p:sp>
+      <p:sp>
+        <p:nvSpPr>
+          <p:cNvPr id="4" name="슬라이드 번호 개체 틀 6"/>
+          <p:cNvSpPr txBox="1">
+            <a:spLocks/>
+          </p:cNvSpPr>
+          <p:nvPr>
+            <p:ph type="sldNum" idx="5"/>
+          </p:nvPr>
+        </p:nvSpPr>
+        <p:spPr>
+          <a:xfrm rot="0">
+            <a:off x="3884930" y="8685530"/>
+            <a:ext cx="2980055" cy="466725"/>
+          </a:xfrm>
+          <a:prstGeom prst="rect"/>
+        </p:spPr>
+        <p:txBody>
+          <a:bodyPr wrap="square" lIns="91440" tIns="45720" rIns="91440" bIns="45720" numCol="1" vert="horz" anchor="b">
+            <a:noAutofit/>
+          </a:bodyPr>
+          <a:lstStyle>
+            <a:lvl1pPr marL="0" indent="0" algn="r" latinLnBrk="0">
+              <a:buFontTx/>
+              <a:buNone/>
+              <a:defRPr lang="en-GB" altLang="en-US" sz="1200"/>
+            </a:lvl1pPr>
+          </a:lstStyle>
+          <a:p>
+            <a:pPr marL="0" indent="0" latinLnBrk="0">
+              <a:buFontTx/>
+              <a:buNone/>
+            </a:pPr>
+            <a:fld id="{B9320F77-B9A0-41C5-862A-B4B631284C64}" type="slidenum">
+              <a:rPr lang="ko-KR" altLang="en-US"/>
+              <a:t>‹#›</a:t>
+            </a:fld>
+          </a:p>
+        </p:txBody>
+      </p:sp>
+    </p:spTree>
+  </p:cSld>
+  <p:clrMapOvr>
+    <a:masterClrMapping/>
+  </p:clrMapOvr>
+  <mc:AlternateContent xmlns:mc="http://schemas.openxmlformats.org/markup-compatibility/2006">
+    <mc:Choice xmlns:p14="http://schemas.microsoft.com/office/powerpoint/2010/main" Requires="p14">
+      <p:transition spd="slow" p14:dur="0"/>
+    </mc:Choice>
+    <mc:Fallback>
+      <p:transition spd="slow"/>
+    </mc:Fallback>
+  </mc:AlternateContent>
+</p:notes>
+</file>
+
+<file path=ppt/notesSlides/notesSlide12.xml><?xml version="1.0" encoding="utf-8"?>
+<p:notes xmlns:a="http://schemas.openxmlformats.org/drawingml/2006/main" xmlns:r="http://schemas.openxmlformats.org/officeDocument/2006/relationships" xmlns:p="http://schemas.openxmlformats.org/presentationml/2006/main">
+  <p:cSld>
+    <p:spTree>
+      <p:nvGrpSpPr>
+        <p:cNvPr id="1" name=""/>
+        <p:cNvGrpSpPr/>
+        <p:nvPr/>
+      </p:nvGrpSpPr>
+      <p:grpSpPr>
+        <a:xfrm>
+          <a:off x="0" y="0"/>
+          <a:ext cx="0" cy="0"/>
+          <a:chOff x="0" y="0"/>
+          <a:chExt cx="0" cy="0"/>
+        </a:xfrm>
+      </p:grpSpPr>
+      <p:sp>
+        <p:nvSpPr>
+          <p:cNvPr id="2" name="슬라이드 이미지 개체 틀 3"/>
+          <p:cNvSpPr>
+            <a:spLocks noChangeAspect="1"/>
+          </p:cNvSpPr>
+          <p:nvPr>
+            <p:ph type="sldImg" idx="2"/>
+          </p:nvPr>
+        </p:nvSpPr>
+        <p:spPr>
+          <a:xfrm rot="0">
+            <a:off x="685800" y="1143000"/>
+            <a:ext cx="5494655" cy="3094355"/>
+          </a:xfrm>
+          <a:prstGeom prst="rect"/>
+          <a:noFill/>
+          <a:ln w="12700" cap="flat" cmpd="sng">
+            <a:solidFill>
+              <a:srgbClr val="000000">
+                <a:alpha val="100000"/>
+              </a:srgbClr>
+            </a:solidFill>
+            <a:prstDash val="solid"/>
+          </a:ln>
+        </p:spPr>
+        <p:txBody>
+          <a:bodyPr wrap="square" lIns="91440" tIns="45720" rIns="91440" bIns="45720" numCol="1" vert="horz" anchor="ctr">
+            <a:noAutofit/>
+          </a:bodyPr>
+          <a:lstStyle/>
+          <a:p>
+            <a:pPr marL="0" indent="0" latinLnBrk="0">
+              <a:buFontTx/>
+              <a:buNone/>
+            </a:pPr>
+          </a:p>
+        </p:txBody>
+      </p:sp>
+      <p:sp>
+        <p:nvSpPr>
+          <p:cNvPr id="3" name="슬라이드 노트 개체 틀 4"/>
+          <p:cNvSpPr txBox="1">
+            <a:spLocks/>
+          </p:cNvSpPr>
+          <p:nvPr>
+            <p:ph type="body" idx="3"/>
+          </p:nvPr>
+        </p:nvSpPr>
+        <p:spPr>
+          <a:xfrm rot="0">
+            <a:off x="685800" y="4400550"/>
+            <a:ext cx="5494655" cy="3608705"/>
+          </a:xfrm>
+          <a:prstGeom prst="rect"/>
+        </p:spPr>
+        <p:txBody>
+          <a:bodyPr wrap="square" lIns="91440" tIns="45720" rIns="91440" bIns="45720" numCol="1" vert="horz" anchor="t">
+            <a:noAutofit/>
+          </a:bodyPr>
+          <a:lstStyle/>
+          <a:p>
+            <a:pPr marL="0" indent="0" latinLnBrk="0">
+              <a:buFontTx/>
+              <a:buNone/>
+            </a:pPr>
+          </a:p>
+        </p:txBody>
+      </p:sp>
+      <p:sp>
+        <p:nvSpPr>
+          <p:cNvPr id="4" name="슬라이드 번호 개체 틀 6"/>
+          <p:cNvSpPr txBox="1">
+            <a:spLocks/>
+          </p:cNvSpPr>
+          <p:nvPr>
+            <p:ph type="sldNum" idx="5"/>
+          </p:nvPr>
+        </p:nvSpPr>
+        <p:spPr>
+          <a:xfrm rot="0">
+            <a:off x="3884930" y="8685530"/>
+            <a:ext cx="2980055" cy="466725"/>
+          </a:xfrm>
+          <a:prstGeom prst="rect"/>
+        </p:spPr>
+        <p:txBody>
+          <a:bodyPr wrap="square" lIns="91440" tIns="45720" rIns="91440" bIns="45720" numCol="1" vert="horz" anchor="b">
+            <a:noAutofit/>
+          </a:bodyPr>
+          <a:lstStyle>
+            <a:lvl1pPr marL="0" indent="0" algn="r" latinLnBrk="0">
+              <a:buFontTx/>
+              <a:buNone/>
+              <a:defRPr lang="en-GB" altLang="en-US" sz="1200"/>
+            </a:lvl1pPr>
+          </a:lstStyle>
+          <a:p>
+            <a:pPr marL="0" indent="0" latinLnBrk="0">
+              <a:buFontTx/>
+              <a:buNone/>
+            </a:pPr>
+            <a:fld id="{B9320F77-B9A0-41C5-862A-B4B631284C64}" type="slidenum">
+              <a:rPr lang="ko-KR" altLang="en-US"/>
+              <a:t>‹#›</a:t>
+            </a:fld>
+          </a:p>
+        </p:txBody>
+      </p:sp>
+    </p:spTree>
+  </p:cSld>
+  <p:clrMapOvr>
+    <a:masterClrMapping/>
+  </p:clrMapOvr>
+  <mc:AlternateContent xmlns:mc="http://schemas.openxmlformats.org/markup-compatibility/2006">
+    <mc:Choice xmlns:p14="http://schemas.microsoft.com/office/powerpoint/2010/main" Requires="p14">
+      <p:transition spd="slow" p14:dur="0"/>
+    </mc:Choice>
+    <mc:Fallback>
+      <p:transition spd="slow"/>
+    </mc:Fallback>
+  </mc:AlternateContent>
+</p:notes>
+</file>
+
+<file path=ppt/notesSlides/notesSlide13.xml><?xml version="1.0" encoding="utf-8"?>
+<p:notes xmlns:a="http://schemas.openxmlformats.org/drawingml/2006/main" xmlns:r="http://schemas.openxmlformats.org/officeDocument/2006/relationships" xmlns:p="http://schemas.openxmlformats.org/presentationml/2006/main">
+  <p:cSld>
+    <p:spTree>
+      <p:nvGrpSpPr>
+        <p:cNvPr id="1" name=""/>
+        <p:cNvGrpSpPr/>
+        <p:nvPr/>
+      </p:nvGrpSpPr>
+      <p:grpSpPr>
+        <a:xfrm>
+          <a:off x="0" y="0"/>
+          <a:ext cx="0" cy="0"/>
+          <a:chOff x="0" y="0"/>
+          <a:chExt cx="0" cy="0"/>
+        </a:xfrm>
+      </p:grpSpPr>
+      <p:sp>
+        <p:nvSpPr>
+          <p:cNvPr id="2" name="슬라이드 이미지 개체 틀 3"/>
+          <p:cNvSpPr>
+            <a:spLocks noChangeAspect="1"/>
+          </p:cNvSpPr>
+          <p:nvPr>
+            <p:ph type="sldImg" idx="2"/>
+          </p:nvPr>
+        </p:nvSpPr>
+        <p:spPr>
+          <a:xfrm rot="0">
+            <a:off x="685800" y="1143000"/>
+            <a:ext cx="5494655" cy="3094355"/>
+          </a:xfrm>
+          <a:prstGeom prst="rect"/>
+          <a:noFill/>
+          <a:ln w="12700" cap="flat" cmpd="sng">
+            <a:solidFill>
+              <a:srgbClr val="000000">
+                <a:alpha val="100000"/>
+              </a:srgbClr>
+            </a:solidFill>
+            <a:prstDash val="solid"/>
+          </a:ln>
+        </p:spPr>
+        <p:txBody>
+          <a:bodyPr wrap="square" lIns="91440" tIns="45720" rIns="91440" bIns="45720" numCol="1" vert="horz" anchor="ctr">
+            <a:noAutofit/>
+          </a:bodyPr>
+          <a:lstStyle/>
+          <a:p>
+            <a:pPr marL="0" indent="0" latinLnBrk="0">
+              <a:buFontTx/>
+              <a:buNone/>
+            </a:pPr>
+          </a:p>
+        </p:txBody>
+      </p:sp>
+      <p:sp>
+        <p:nvSpPr>
+          <p:cNvPr id="3" name="슬라이드 노트 개체 틀 4"/>
+          <p:cNvSpPr txBox="1">
+            <a:spLocks/>
+          </p:cNvSpPr>
+          <p:nvPr>
+            <p:ph type="body" idx="3"/>
+          </p:nvPr>
+        </p:nvSpPr>
+        <p:spPr>
+          <a:xfrm rot="0">
+            <a:off x="685800" y="4400550"/>
+            <a:ext cx="5494655" cy="3608705"/>
+          </a:xfrm>
+          <a:prstGeom prst="rect"/>
+        </p:spPr>
+        <p:txBody>
+          <a:bodyPr wrap="square" lIns="91440" tIns="45720" rIns="91440" bIns="45720" numCol="1" vert="horz" anchor="t">
+            <a:noAutofit/>
+          </a:bodyPr>
+          <a:lstStyle/>
+          <a:p>
+            <a:pPr marL="0" indent="0" latinLnBrk="0">
+              <a:buFontTx/>
+              <a:buNone/>
+            </a:pPr>
+          </a:p>
+        </p:txBody>
+      </p:sp>
+      <p:sp>
+        <p:nvSpPr>
+          <p:cNvPr id="4" name="슬라이드 번호 개체 틀 6"/>
+          <p:cNvSpPr txBox="1">
+            <a:spLocks/>
+          </p:cNvSpPr>
+          <p:nvPr>
+            <p:ph type="sldNum" idx="5"/>
+          </p:nvPr>
+        </p:nvSpPr>
+        <p:spPr>
+          <a:xfrm rot="0">
+            <a:off x="3884930" y="8685530"/>
+            <a:ext cx="2980055" cy="466725"/>
+          </a:xfrm>
+          <a:prstGeom prst="rect"/>
+        </p:spPr>
+        <p:txBody>
+          <a:bodyPr wrap="square" lIns="91440" tIns="45720" rIns="91440" bIns="45720" numCol="1" vert="horz" anchor="b">
+            <a:noAutofit/>
+          </a:bodyPr>
+          <a:lstStyle>
+            <a:lvl1pPr marL="0" indent="0" algn="r" latinLnBrk="0">
+              <a:buFontTx/>
+              <a:buNone/>
+              <a:defRPr lang="en-GB" altLang="en-US" sz="1200"/>
+            </a:lvl1pPr>
+          </a:lstStyle>
+          <a:p>
+            <a:pPr marL="0" indent="0" latinLnBrk="0">
+              <a:buFontTx/>
+              <a:buNone/>
+            </a:pPr>
+            <a:fld id="{B9320F77-B9A0-41C5-862A-B4B631284C64}" type="slidenum">
+              <a:rPr lang="ko-KR" altLang="en-US"/>
+              <a:t>‹#›</a:t>
+            </a:fld>
+          </a:p>
+        </p:txBody>
+      </p:sp>
+    </p:spTree>
+  </p:cSld>
+  <p:clrMapOvr>
+    <a:masterClrMapping/>
+  </p:clrMapOvr>
+  <mc:AlternateContent xmlns:mc="http://schemas.openxmlformats.org/markup-compatibility/2006">
+    <mc:Choice xmlns:p14="http://schemas.microsoft.com/office/powerpoint/2010/main" Requires="p14">
+      <p:transition spd="slow" p14:dur="0"/>
+    </mc:Choice>
+    <mc:Fallback>
+      <p:transition spd="slow"/>
+    </mc:Fallback>
+  </mc:AlternateContent>
+</p:notes>
+</file>
+
+<file path=ppt/notesSlides/notesSlide14.xml><?xml version="1.0" encoding="utf-8"?>
+<p:notes xmlns:a="http://schemas.openxmlformats.org/drawingml/2006/main" xmlns:r="http://schemas.openxmlformats.org/officeDocument/2006/relationships" xmlns:p="http://schemas.openxmlformats.org/presentationml/2006/main">
+  <p:cSld>
+    <p:spTree>
+      <p:nvGrpSpPr>
+        <p:cNvPr id="1" name=""/>
+        <p:cNvGrpSpPr/>
+        <p:nvPr/>
+      </p:nvGrpSpPr>
+      <p:grpSpPr>
+        <a:xfrm>
+          <a:off x="0" y="0"/>
+          <a:ext cx="0" cy="0"/>
+          <a:chOff x="0" y="0"/>
+          <a:chExt cx="0" cy="0"/>
+        </a:xfrm>
+      </p:grpSpPr>
+      <p:sp>
+        <p:nvSpPr>
+          <p:cNvPr id="2" name="슬라이드 이미지 개체 틀 3"/>
+          <p:cNvSpPr>
+            <a:spLocks noChangeAspect="1"/>
+          </p:cNvSpPr>
+          <p:nvPr>
+            <p:ph type="sldImg" idx="2"/>
+          </p:nvPr>
+        </p:nvSpPr>
+        <p:spPr>
+          <a:xfrm rot="0">
+            <a:off x="685800" y="1143000"/>
+            <a:ext cx="5494655" cy="3094355"/>
+          </a:xfrm>
+          <a:prstGeom prst="rect"/>
+          <a:noFill/>
+          <a:ln w="12700" cap="flat" cmpd="sng">
+            <a:solidFill>
+              <a:srgbClr val="000000">
+                <a:alpha val="100000"/>
+              </a:srgbClr>
+            </a:solidFill>
+            <a:prstDash val="solid"/>
+          </a:ln>
+        </p:spPr>
+        <p:txBody>
+          <a:bodyPr wrap="square" lIns="91440" tIns="45720" rIns="91440" bIns="45720" numCol="1" vert="horz" anchor="ctr">
+            <a:noAutofit/>
+          </a:bodyPr>
+          <a:lstStyle/>
+          <a:p>
+            <a:pPr marL="0" indent="0" latinLnBrk="0">
+              <a:buFontTx/>
+              <a:buNone/>
+            </a:pPr>
+          </a:p>
+        </p:txBody>
+      </p:sp>
+      <p:sp>
+        <p:nvSpPr>
+          <p:cNvPr id="3" name="슬라이드 노트 개체 틀 4"/>
+          <p:cNvSpPr txBox="1">
+            <a:spLocks/>
+          </p:cNvSpPr>
+          <p:nvPr>
+            <p:ph type="body" idx="3"/>
+          </p:nvPr>
+        </p:nvSpPr>
+        <p:spPr>
+          <a:xfrm rot="0">
+            <a:off x="685800" y="4400550"/>
+            <a:ext cx="5494655" cy="3608705"/>
+          </a:xfrm>
+          <a:prstGeom prst="rect"/>
+        </p:spPr>
+        <p:txBody>
+          <a:bodyPr wrap="square" lIns="91440" tIns="45720" rIns="91440" bIns="45720" numCol="1" vert="horz" anchor="t">
+            <a:noAutofit/>
+          </a:bodyPr>
+          <a:lstStyle/>
+          <a:p>
+            <a:pPr marL="0" indent="0" latinLnBrk="0">
+              <a:buFontTx/>
+              <a:buNone/>
+            </a:pPr>
+          </a:p>
+        </p:txBody>
+      </p:sp>
+      <p:sp>
+        <p:nvSpPr>
+          <p:cNvPr id="4" name="슬라이드 번호 개체 틀 6"/>
+          <p:cNvSpPr txBox="1">
+            <a:spLocks/>
+          </p:cNvSpPr>
+          <p:nvPr>
+            <p:ph type="sldNum" idx="5"/>
+          </p:nvPr>
+        </p:nvSpPr>
+        <p:spPr>
+          <a:xfrm rot="0">
+            <a:off x="3884930" y="8685530"/>
+            <a:ext cx="2980055" cy="466725"/>
+          </a:xfrm>
+          <a:prstGeom prst="rect"/>
+        </p:spPr>
+        <p:txBody>
+          <a:bodyPr wrap="square" lIns="91440" tIns="45720" rIns="91440" bIns="45720" numCol="1" vert="horz" anchor="b">
+            <a:noAutofit/>
+          </a:bodyPr>
+          <a:lstStyle>
+            <a:lvl1pPr marL="0" indent="0" algn="r" latinLnBrk="0">
+              <a:buFontTx/>
+              <a:buNone/>
+              <a:defRPr lang="en-GB" altLang="en-US" sz="1200"/>
+            </a:lvl1pPr>
+          </a:lstStyle>
+          <a:p>
+            <a:pPr marL="0" indent="0" latinLnBrk="0">
+              <a:buFontTx/>
+              <a:buNone/>
+            </a:pPr>
+            <a:fld id="{B9320F77-B9A0-41C5-862A-B4B631284C64}" type="slidenum">
+              <a:rPr lang="ko-KR" altLang="en-US"/>
+              <a:t>‹#›</a:t>
+            </a:fld>
+          </a:p>
+        </p:txBody>
+      </p:sp>
+    </p:spTree>
+  </p:cSld>
+  <p:clrMapOvr>
+    <a:masterClrMapping/>
+  </p:clrMapOvr>
+  <mc:AlternateContent xmlns:mc="http://schemas.openxmlformats.org/markup-compatibility/2006">
+    <mc:Choice xmlns:p14="http://schemas.microsoft.com/office/powerpoint/2010/main" Requires="p14">
+      <p:transition spd="slow" p14:dur="0"/>
+    </mc:Choice>
+    <mc:Fallback>
+      <p:transition spd="slow"/>
+    </mc:Fallback>
+  </mc:AlternateContent>
+</p:notes>
+</file>
+
+<file path=ppt/notesSlides/notesSlide15.xml><?xml version="1.0" encoding="utf-8"?>
+<p:notes xmlns:a="http://schemas.openxmlformats.org/drawingml/2006/main" xmlns:r="http://schemas.openxmlformats.org/officeDocument/2006/relationships" xmlns:p="http://schemas.openxmlformats.org/presentationml/2006/main">
+  <p:cSld>
+    <p:spTree>
+      <p:nvGrpSpPr>
+        <p:cNvPr id="1" name=""/>
+        <p:cNvGrpSpPr/>
+        <p:nvPr/>
+      </p:nvGrpSpPr>
+      <p:grpSpPr>
+        <a:xfrm>
+          <a:off x="0" y="0"/>
+          <a:ext cx="0" cy="0"/>
+          <a:chOff x="0" y="0"/>
+          <a:chExt cx="0" cy="0"/>
+        </a:xfrm>
+      </p:grpSpPr>
+      <p:sp>
+        <p:nvSpPr>
+          <p:cNvPr id="2" name="슬라이드 이미지 개체 틀 3"/>
+          <p:cNvSpPr>
+            <a:spLocks noChangeAspect="1"/>
+          </p:cNvSpPr>
+          <p:nvPr>
+            <p:ph type="sldImg" idx="2"/>
+          </p:nvPr>
+        </p:nvSpPr>
+        <p:spPr>
+          <a:xfrm rot="0">
+            <a:off x="685800" y="1143000"/>
+            <a:ext cx="5494655" cy="3094355"/>
+          </a:xfrm>
+          <a:prstGeom prst="rect"/>
+          <a:noFill/>
+          <a:ln w="12700" cap="flat" cmpd="sng">
+            <a:solidFill>
+              <a:srgbClr val="000000">
+                <a:alpha val="100000"/>
+              </a:srgbClr>
+            </a:solidFill>
+            <a:prstDash val="solid"/>
+          </a:ln>
+        </p:spPr>
+        <p:txBody>
+          <a:bodyPr wrap="square" lIns="91440" tIns="45720" rIns="91440" bIns="45720" numCol="1" vert="horz" anchor="ctr">
+            <a:noAutofit/>
+          </a:bodyPr>
+          <a:lstStyle/>
+          <a:p>
+            <a:pPr marL="0" indent="0" latinLnBrk="0">
+              <a:buFontTx/>
+              <a:buNone/>
+            </a:pPr>
+          </a:p>
+        </p:txBody>
+      </p:sp>
+      <p:sp>
+        <p:nvSpPr>
+          <p:cNvPr id="3" name="슬라이드 노트 개체 틀 4"/>
+          <p:cNvSpPr txBox="1">
+            <a:spLocks/>
+          </p:cNvSpPr>
+          <p:nvPr>
+            <p:ph type="body" idx="3"/>
+          </p:nvPr>
+        </p:nvSpPr>
+        <p:spPr>
+          <a:xfrm rot="0">
+            <a:off x="685800" y="4400550"/>
+            <a:ext cx="5494655" cy="3608705"/>
+          </a:xfrm>
+          <a:prstGeom prst="rect"/>
+        </p:spPr>
+        <p:txBody>
+          <a:bodyPr wrap="square" lIns="91440" tIns="45720" rIns="91440" bIns="45720" numCol="1" vert="horz" anchor="t">
+            <a:noAutofit/>
+          </a:bodyPr>
+          <a:lstStyle/>
+          <a:p>
+            <a:pPr marL="0" indent="0" latinLnBrk="0">
+              <a:buFontTx/>
+              <a:buNone/>
+            </a:pPr>
+          </a:p>
+        </p:txBody>
+      </p:sp>
+      <p:sp>
+        <p:nvSpPr>
+          <p:cNvPr id="4" name="슬라이드 번호 개체 틀 6"/>
+          <p:cNvSpPr txBox="1">
+            <a:spLocks/>
+          </p:cNvSpPr>
+          <p:nvPr>
+            <p:ph type="sldNum" idx="5"/>
+          </p:nvPr>
+        </p:nvSpPr>
+        <p:spPr>
+          <a:xfrm rot="0">
+            <a:off x="3884930" y="8685530"/>
+            <a:ext cx="2980055" cy="466725"/>
+          </a:xfrm>
+          <a:prstGeom prst="rect"/>
+        </p:spPr>
+        <p:txBody>
+          <a:bodyPr wrap="square" lIns="91440" tIns="45720" rIns="91440" bIns="45720" numCol="1" vert="horz" anchor="b">
+            <a:noAutofit/>
+          </a:bodyPr>
+          <a:lstStyle>
+            <a:lvl1pPr marL="0" indent="0" algn="r" latinLnBrk="0">
+              <a:buFontTx/>
+              <a:buNone/>
+              <a:defRPr lang="en-GB" altLang="en-US" sz="1200"/>
+            </a:lvl1pPr>
+          </a:lstStyle>
+          <a:p>
+            <a:pPr marL="0" indent="0" latinLnBrk="0">
+              <a:buFontTx/>
+              <a:buNone/>
+            </a:pPr>
+            <a:fld id="{B9320F77-B9A0-41C5-862A-B4B631284C64}" type="slidenum">
+              <a:rPr lang="ko-KR" altLang="en-US"/>
+              <a:t>‹#›</a:t>
+            </a:fld>
+          </a:p>
+        </p:txBody>
+      </p:sp>
+    </p:spTree>
+  </p:cSld>
+  <p:clrMapOvr>
+    <a:masterClrMapping/>
+  </p:clrMapOvr>
+  <mc:AlternateContent xmlns:mc="http://schemas.openxmlformats.org/markup-compatibility/2006">
+    <mc:Choice xmlns:p14="http://schemas.microsoft.com/office/powerpoint/2010/main" Requires="p14">
+      <p:transition spd="slow" p14:dur="0"/>
+    </mc:Choice>
+    <mc:Fallback>
+      <p:transition spd="slow"/>
+    </mc:Fallback>
+  </mc:AlternateContent>
+</p:notes>
+</file>
+
+<file path=ppt/notesSlides/notesSlide16.xml><?xml version="1.0" encoding="utf-8"?>
+<p:notes xmlns:a="http://schemas.openxmlformats.org/drawingml/2006/main" xmlns:r="http://schemas.openxmlformats.org/officeDocument/2006/relationships" xmlns:p="http://schemas.openxmlformats.org/presentationml/2006/main">
+  <p:cSld>
+    <p:spTree>
+      <p:nvGrpSpPr>
+        <p:cNvPr id="1" name=""/>
+        <p:cNvGrpSpPr/>
+        <p:nvPr/>
+      </p:nvGrpSpPr>
+      <p:grpSpPr>
+        <a:xfrm>
+          <a:off x="0" y="0"/>
+          <a:ext cx="0" cy="0"/>
+          <a:chOff x="0" y="0"/>
+          <a:chExt cx="0" cy="0"/>
+        </a:xfrm>
+      </p:grpSpPr>
+      <p:sp>
+        <p:nvSpPr>
+          <p:cNvPr id="2" name="슬라이드 이미지 개체 틀 3"/>
+          <p:cNvSpPr>
+            <a:spLocks noChangeAspect="1"/>
+          </p:cNvSpPr>
+          <p:nvPr>
+            <p:ph type="sldImg" idx="2"/>
+          </p:nvPr>
+        </p:nvSpPr>
+        <p:spPr>
+          <a:xfrm rot="0">
+            <a:off x="685800" y="1143000"/>
+            <a:ext cx="5494655" cy="3094355"/>
+          </a:xfrm>
+          <a:prstGeom prst="rect"/>
+          <a:noFill/>
+          <a:ln w="12700" cap="flat" cmpd="sng">
+            <a:solidFill>
+              <a:srgbClr val="000000">
+                <a:alpha val="100000"/>
+              </a:srgbClr>
+            </a:solidFill>
+            <a:prstDash val="solid"/>
+          </a:ln>
+        </p:spPr>
+        <p:txBody>
+          <a:bodyPr wrap="square" lIns="91440" tIns="45720" rIns="91440" bIns="45720" numCol="1" vert="horz" anchor="ctr">
+            <a:noAutofit/>
+          </a:bodyPr>
+          <a:lstStyle/>
+          <a:p>
+            <a:pPr marL="0" indent="0" latinLnBrk="0">
+              <a:buFontTx/>
+              <a:buNone/>
+            </a:pPr>
+          </a:p>
+        </p:txBody>
+      </p:sp>
+      <p:sp>
+        <p:nvSpPr>
+          <p:cNvPr id="3" name="슬라이드 노트 개체 틀 4"/>
+          <p:cNvSpPr txBox="1">
+            <a:spLocks/>
+          </p:cNvSpPr>
+          <p:nvPr>
+            <p:ph type="body" idx="3"/>
+          </p:nvPr>
+        </p:nvSpPr>
+        <p:spPr>
+          <a:xfrm rot="0">
+            <a:off x="685800" y="4400550"/>
+            <a:ext cx="5494655" cy="3608705"/>
+          </a:xfrm>
+          <a:prstGeom prst="rect"/>
+        </p:spPr>
+        <p:txBody>
+          <a:bodyPr wrap="square" lIns="91440" tIns="45720" rIns="91440" bIns="45720" numCol="1" vert="horz" anchor="t">
+            <a:noAutofit/>
+          </a:bodyPr>
+          <a:lstStyle/>
+          <a:p>
+            <a:pPr marL="0" indent="0" latinLnBrk="0">
+              <a:buFontTx/>
+              <a:buNone/>
+            </a:pPr>
+          </a:p>
+        </p:txBody>
+      </p:sp>
+      <p:sp>
+        <p:nvSpPr>
+          <p:cNvPr id="4" name="슬라이드 번호 개체 틀 6"/>
+          <p:cNvSpPr txBox="1">
+            <a:spLocks/>
+          </p:cNvSpPr>
+          <p:nvPr>
+            <p:ph type="sldNum" idx="5"/>
+          </p:nvPr>
+        </p:nvSpPr>
+        <p:spPr>
+          <a:xfrm rot="0">
+            <a:off x="3884930" y="8685530"/>
+            <a:ext cx="2980055" cy="466725"/>
+          </a:xfrm>
+          <a:prstGeom prst="rect"/>
+        </p:spPr>
+        <p:txBody>
+          <a:bodyPr wrap="square" lIns="91440" tIns="45720" rIns="91440" bIns="45720" numCol="1" vert="horz" anchor="b">
+            <a:noAutofit/>
+          </a:bodyPr>
+          <a:lstStyle>
+            <a:lvl1pPr marL="0" indent="0" algn="r" latinLnBrk="0">
+              <a:buFontTx/>
+              <a:buNone/>
+              <a:defRPr lang="en-GB" altLang="en-US" sz="1200"/>
+            </a:lvl1pPr>
+          </a:lstStyle>
+          <a:p>
+            <a:pPr marL="0" indent="0" latinLnBrk="0">
+              <a:buFontTx/>
+              <a:buNone/>
+            </a:pPr>
+            <a:fld id="{B9320F77-B9A0-41C5-862A-B4B631284C64}" type="slidenum">
+              <a:rPr lang="ko-KR" altLang="en-US"/>
+              <a:t>‹#›</a:t>
+            </a:fld>
+          </a:p>
+        </p:txBody>
+      </p:sp>
+    </p:spTree>
+  </p:cSld>
+  <p:clrMapOvr>
+    <a:masterClrMapping/>
+  </p:clrMapOvr>
+  <mc:AlternateContent xmlns:mc="http://schemas.openxmlformats.org/markup-compatibility/2006">
+    <mc:Choice xmlns:p14="http://schemas.microsoft.com/office/powerpoint/2010/main" Requires="p14">
+      <p:transition spd="slow" p14:dur="0"/>
+    </mc:Choice>
+    <mc:Fallback>
+      <p:transition spd="slow"/>
+    </mc:Fallback>
+  </mc:AlternateContent>
+</p:notes>
+</file>
+
 <file path=ppt/notesSlides/notesSlide2.xml><?xml version="1.0" encoding="utf-8"?>
 <p:notes xmlns:a="http://schemas.openxmlformats.org/drawingml/2006/main" xmlns:r="http://schemas.openxmlformats.org/officeDocument/2006/relationships" xmlns:p="http://schemas.openxmlformats.org/presentationml/2006/main">
   <p:cSld>
@@ -6876,7 +7877,7 @@
       </p:sp>
       <p:pic>
         <p:nvPicPr>
-          <p:cNvPr id="1035" name="그림 6" descr="C:/Users/Admin1/AppData/Roaming/PolarisOffice/ETemp/21612_20234488/fImage2416911941.png"/>
+          <p:cNvPr id="1035" name="그림 6"/>
           <p:cNvPicPr>
             <a:picLocks noChangeAspect="1"/>
           </p:cNvPicPr>
@@ -6905,7 +7906,7 @@
       </p:pic>
       <p:pic>
         <p:nvPicPr>
-          <p:cNvPr id="1036" name="그림 7" descr="C:/Users/Admin1/AppData/Roaming/PolarisOffice/ETemp/21612_20234488/fImage241691208467.png"/>
+          <p:cNvPr id="1036" name="그림 7"/>
           <p:cNvPicPr>
             <a:picLocks noChangeAspect="1"/>
           </p:cNvPicPr>
@@ -7034,7 +8035,7 @@
       </p:sp>
       <p:pic>
         <p:nvPicPr>
-          <p:cNvPr id="1039" name="그림 10" descr="C:/Users/Admin1/AppData/Roaming/PolarisOffice/ETemp/21612_20234488/fImage16421236334.png"/>
+          <p:cNvPr id="1039" name="그림 10"/>
           <p:cNvPicPr>
             <a:picLocks noChangeAspect="1"/>
           </p:cNvPicPr>
@@ -7065,7 +8066,7 @@
       </p:pic>
       <p:pic>
         <p:nvPicPr>
-          <p:cNvPr id="1040" name="그림 13" descr="C:/Users/Admin1/AppData/Roaming/PolarisOffice/ETemp/21612_20234488/fImage16421246500.png"/>
+          <p:cNvPr id="1040" name="그림 13"/>
           <p:cNvPicPr>
             <a:picLocks noChangeAspect="1"/>
           </p:cNvPicPr>
@@ -7304,7 +8305,7 @@
       </p:sp>
       <p:pic>
         <p:nvPicPr>
-          <p:cNvPr id="1044" name="그림 19" descr="C:/Users/Admin1/AppData/Roaming/PolarisOffice/ETemp/21612_20234488/fImage95731329169.png"/>
+          <p:cNvPr id="1044" name="그림 19"/>
           <p:cNvPicPr>
             <a:picLocks noChangeAspect="1"/>
           </p:cNvPicPr>
@@ -7326,6 +8327,3795 @@
           <a:xfrm rot="0">
             <a:off x="842645" y="1395095"/>
             <a:ext cx="4502150" cy="1120140"/>
+          </a:xfrm>
+          <a:prstGeom prst="roundRect"/>
+          <a:solidFill>
+            <a:srgbClr val="EDEDED"/>
+          </a:solidFill>
+        </p:spPr>
+      </p:pic>
+    </p:spTree>
+  </p:cSld>
+  <p:clrMapOvr>
+    <a:masterClrMapping/>
+  </p:clrMapOvr>
+  <mc:AlternateContent xmlns:mc="http://schemas.openxmlformats.org/markup-compatibility/2006">
+    <mc:Choice xmlns:p14="http://schemas.microsoft.com/office/powerpoint/2010/main" Requires="p14">
+      <p:transition spd="slow" p14:dur="2000"/>
+    </mc:Choice>
+    <mc:Fallback>
+      <p:transition spd="slow"/>
+    </mc:Fallback>
+  </mc:AlternateContent>
+  <p:timing>
+    <p:tnLst>
+      <p:par>
+        <p:cTn id="1" dur="indefinite" restart="never" nodeType="tmRoot"/>
+      </p:par>
+    </p:tnLst>
+  </p:timing>
+</p:sld>
+</file>
+
+<file path=ppt/slides/slide10.xml><?xml version="1.0" encoding="utf-8"?>
+<p:sld xmlns:a="http://schemas.openxmlformats.org/drawingml/2006/main" xmlns:r="http://schemas.openxmlformats.org/officeDocument/2006/relationships" xmlns:p="http://schemas.openxmlformats.org/presentationml/2006/main">
+  <p:cSld>
+    <p:spTree>
+      <p:nvGrpSpPr>
+        <p:cNvPr id="1" name=""/>
+        <p:cNvGrpSpPr/>
+        <p:nvPr/>
+      </p:nvGrpSpPr>
+      <p:grpSpPr>
+        <a:xfrm>
+          <a:off x="0" y="0"/>
+          <a:ext cx="0" cy="0"/>
+          <a:chOff x="0" y="0"/>
+          <a:chExt cx="0" cy="0"/>
+        </a:xfrm>
+      </p:grpSpPr>
+      <p:sp>
+        <p:nvSpPr>
+          <p:cNvPr id="29" name="Rect 0"/>
+          <p:cNvSpPr txBox="1">
+            <a:spLocks/>
+          </p:cNvSpPr>
+          <p:nvPr/>
+        </p:nvSpPr>
+        <p:spPr>
+          <a:xfrm rot="0">
+            <a:off x="1229995" y="1337310"/>
+            <a:ext cx="4039870" cy="371475"/>
+          </a:xfrm>
+          <a:prstGeom prst="rect"/>
+          <a:noFill/>
+          <a:ln w="0">
+            <a:noFill/>
+            <a:prstDash/>
+          </a:ln>
+        </p:spPr>
+        <p:txBody>
+          <a:bodyPr wrap="square" lIns="89535" tIns="46355" rIns="89535" bIns="46355" numCol="1" vert="horz" anchor="t">
+            <a:spAutoFit/>
+          </a:bodyPr>
+          <a:lstStyle/>
+          <a:p>
+            <a:pPr marL="0" indent="0" algn="l" latinLnBrk="0" hangingPunct="1">
+              <a:buFontTx/>
+              <a:buNone/>
+            </a:pPr>
+            <a:endParaRPr lang="ko-KR" altLang="en-US" sz="1800">
+              <a:latin typeface="맑은 고딕" charset="0"/>
+              <a:ea typeface="맑은 고딕" charset="0"/>
+            </a:endParaRPr>
+          </a:p>
+        </p:txBody>
+      </p:sp>
+      <p:sp>
+        <p:nvSpPr>
+          <p:cNvPr id="31" name="Rect 0"/>
+          <p:cNvSpPr txBox="1">
+            <a:spLocks/>
+          </p:cNvSpPr>
+          <p:nvPr/>
+        </p:nvSpPr>
+        <p:spPr>
+          <a:xfrm rot="0">
+            <a:off x="6801485" y="3204210"/>
+            <a:ext cx="4163060" cy="371475"/>
+          </a:xfrm>
+          <a:prstGeom prst="rect"/>
+          <a:noFill/>
+          <a:ln w="0">
+            <a:noFill/>
+            <a:prstDash/>
+          </a:ln>
+        </p:spPr>
+        <p:txBody>
+          <a:bodyPr wrap="square" lIns="89535" tIns="46355" rIns="89535" bIns="46355" numCol="1" vert="horz" anchor="t">
+            <a:spAutoFit/>
+          </a:bodyPr>
+          <a:lstStyle/>
+          <a:p>
+            <a:pPr marL="0" indent="0" algn="l" latinLnBrk="0" hangingPunct="1">
+              <a:buFontTx/>
+              <a:buNone/>
+            </a:pPr>
+            <a:endParaRPr lang="ko-KR" altLang="en-US" sz="1800">
+              <a:latin typeface="맑은 고딕" charset="0"/>
+              <a:ea typeface="맑은 고딕" charset="0"/>
+            </a:endParaRPr>
+          </a:p>
+        </p:txBody>
+      </p:sp>
+      <p:sp>
+        <p:nvSpPr>
+          <p:cNvPr id="35" name="Rect 0"/>
+          <p:cNvSpPr txBox="1">
+            <a:spLocks/>
+          </p:cNvSpPr>
+          <p:nvPr/>
+        </p:nvSpPr>
+        <p:spPr>
+          <a:xfrm rot="0">
+            <a:off x="4342765" y="467995"/>
+            <a:ext cx="3505200" cy="554990"/>
+          </a:xfrm>
+          <a:prstGeom prst="rect"/>
+          <a:noFill/>
+          <a:ln w="0">
+            <a:noFill/>
+            <a:prstDash/>
+          </a:ln>
+        </p:spPr>
+        <p:txBody>
+          <a:bodyPr wrap="square" lIns="89535" tIns="46355" rIns="89535" bIns="46355" numCol="1" vert="horz" anchor="t">
+            <a:spAutoFit/>
+          </a:bodyPr>
+          <a:lstStyle/>
+          <a:p>
+            <a:pPr marL="0" indent="0" rtl="0" algn="l" defTabSz="914400" eaLnBrk="1" latinLnBrk="0" hangingPunct="1">
+              <a:buFontTx/>
+              <a:buNone/>
+            </a:pPr>
+            <a:r>
+              <a:rPr lang="ko-KR" sz="3000" b="1">
+                <a:latin typeface="맑은 고딕" charset="0"/>
+                <a:ea typeface="맑은 고딕" charset="0"/>
+              </a:rPr>
+              <a:t>아홉</a:t>
+            </a:r>
+            <a:r>
+              <a:rPr lang="ko-KR" sz="3000" b="1">
+                <a:latin typeface="맑은 고딕" charset="0"/>
+                <a:ea typeface="맑은 고딕" charset="0"/>
+              </a:rPr>
+              <a:t> 번째 튜토리얼</a:t>
+            </a:r>
+            <a:r>
+              <a:rPr sz="3000" b="1">
+                <a:latin typeface="맑은 고딕" charset="0"/>
+                <a:ea typeface="맑은 고딕" charset="0"/>
+              </a:rPr>
+              <a:t> </a:t>
+            </a:r>
+            <a:endParaRPr lang="ko-KR" altLang="en-US" sz="3000" b="1">
+              <a:latin typeface="맑은 고딕" charset="0"/>
+              <a:ea typeface="맑은 고딕" charset="0"/>
+            </a:endParaRPr>
+          </a:p>
+        </p:txBody>
+      </p:sp>
+      <p:sp>
+        <p:nvSpPr>
+          <p:cNvPr id="45" name="Rect 0"/>
+          <p:cNvSpPr txBox="1">
+            <a:spLocks/>
+          </p:cNvSpPr>
+          <p:nvPr/>
+        </p:nvSpPr>
+        <p:spPr>
+          <a:xfrm rot="0">
+            <a:off x="6802755" y="4168140"/>
+            <a:ext cx="4186555" cy="2031365"/>
+          </a:xfrm>
+          <a:prstGeom prst="rect"/>
+          <a:noFill/>
+          <a:ln w="0">
+            <a:noFill/>
+            <a:prstDash/>
+          </a:ln>
+        </p:spPr>
+        <p:txBody>
+          <a:bodyPr wrap="square" lIns="89535" tIns="46355" rIns="89535" bIns="46355" numCol="1" vert="horz" anchor="t">
+            <a:spAutoFit/>
+          </a:bodyPr>
+          <a:lstStyle/>
+          <a:p>
+            <a:pPr marL="0" indent="0" rtl="0" algn="l" defTabSz="914400" eaLnBrk="1" latinLnBrk="0" hangingPunct="1">
+              <a:buFontTx/>
+              <a:buNone/>
+            </a:pPr>
+            <a:r>
+              <a:rPr sz="1800" b="1">
+                <a:solidFill>
+                  <a:srgbClr val="0611F2"/>
+                </a:solidFill>
+                <a:latin typeface="맑은 고딕" charset="0"/>
+                <a:ea typeface="맑은 고딕" charset="0"/>
+              </a:rPr>
+              <a:t>19</a:t>
+            </a:r>
+            <a:r>
+              <a:rPr sz="1800" b="1">
+                <a:solidFill>
+                  <a:srgbClr val="0611F2"/>
+                </a:solidFill>
+                <a:latin typeface="맑은 고딕" charset="0"/>
+                <a:ea typeface="맑은 고딕" charset="0"/>
+              </a:rPr>
+              <a:t>.</a:t>
+            </a:r>
+            <a:r>
+              <a:rPr sz="1800">
+                <a:latin typeface="맑은 고딕" charset="0"/>
+                <a:ea typeface="맑은 고딕" charset="0"/>
+              </a:rPr>
+              <a:t> 그</a:t>
+            </a:r>
+            <a:r>
+              <a:rPr lang="ko-KR" sz="1800">
+                <a:latin typeface="맑은 고딕" charset="0"/>
+                <a:ea typeface="맑은 고딕" charset="0"/>
+              </a:rPr>
+              <a:t>런 다음</a:t>
+            </a:r>
+            <a:r>
+              <a:rPr sz="1800">
+                <a:latin typeface="맑은 고딕" charset="0"/>
+                <a:ea typeface="맑은 고딕" charset="0"/>
+              </a:rPr>
+              <a:t> </a:t>
+            </a:r>
+            <a:r>
+              <a:rPr sz="1800">
+                <a:latin typeface="맑은 고딕" charset="0"/>
+                <a:ea typeface="맑은 고딕" charset="0"/>
+              </a:rPr>
+              <a:t>H</a:t>
+            </a:r>
+            <a:r>
+              <a:rPr lang="ko-KR" sz="1800">
+                <a:latin typeface="맑은 고딕" charset="0"/>
+                <a:ea typeface="맑은 고딕" charset="0"/>
+              </a:rPr>
+              <a:t>ome Button 오브젝트에</a:t>
+            </a:r>
+            <a:r>
+              <a:rPr sz="1800">
+                <a:latin typeface="맑은 고딕" charset="0"/>
+                <a:ea typeface="맑은 고딕" charset="0"/>
+              </a:rPr>
+              <a:t> On Click(</a:t>
+            </a:r>
+            <a:r>
+              <a:rPr sz="1800">
+                <a:latin typeface="맑은 고딕" charset="0"/>
+                <a:ea typeface="맑은 고딕" charset="0"/>
+              </a:rPr>
+              <a:t> </a:t>
+            </a:r>
+            <a:r>
+              <a:rPr sz="1800">
+                <a:latin typeface="맑은 고딕" charset="0"/>
+                <a:ea typeface="맑은 고딕" charset="0"/>
+              </a:rPr>
+              <a:t>) 함수를 생성합니다.</a:t>
+            </a:r>
+            <a:endParaRPr lang="ko-KR" altLang="en-US" sz="1800">
+              <a:latin typeface="맑은 고딕" charset="0"/>
+              <a:ea typeface="맑은 고딕" charset="0"/>
+            </a:endParaRPr>
+          </a:p>
+          <a:p>
+            <a:pPr marL="0" indent="0" rtl="0" algn="l" defTabSz="914400" eaLnBrk="1" latinLnBrk="0" hangingPunct="1">
+              <a:buFontTx/>
+              <a:buNone/>
+            </a:pPr>
+            <a:endParaRPr lang="ko-KR" altLang="en-US" sz="1800">
+              <a:latin typeface="맑은 고딕" charset="0"/>
+              <a:ea typeface="맑은 고딕" charset="0"/>
+            </a:endParaRPr>
+          </a:p>
+          <a:p>
+            <a:pPr marL="0" indent="0" rtl="0" algn="l" defTabSz="914400" eaLnBrk="1" latinLnBrk="0" hangingPunct="1">
+              <a:buFontTx/>
+              <a:buNone/>
+            </a:pPr>
+            <a:r>
+              <a:rPr lang="ko-KR" sz="1800">
+                <a:latin typeface="맑은 고딕" charset="0"/>
+                <a:ea typeface="맑은 고딕" charset="0"/>
+              </a:rPr>
+              <a:t>마지막으로</a:t>
+            </a:r>
+            <a:r>
+              <a:rPr sz="1800">
+                <a:latin typeface="맑은 고딕" charset="0"/>
+                <a:ea typeface="맑은 고딕" charset="0"/>
+              </a:rPr>
+              <a:t> </a:t>
+            </a:r>
+            <a:r>
+              <a:rPr sz="1800">
+                <a:latin typeface="맑은 고딕" charset="0"/>
+                <a:ea typeface="맑은 고딕" charset="0"/>
+              </a:rPr>
+              <a:t>H</a:t>
+            </a:r>
+            <a:r>
+              <a:rPr lang="ko-KR" sz="1800">
+                <a:latin typeface="맑은 고딕" charset="0"/>
+                <a:ea typeface="맑은 고딕" charset="0"/>
+              </a:rPr>
+              <a:t>ome Button 오브젝트에 있는</a:t>
+            </a:r>
+            <a:r>
+              <a:rPr sz="1800">
+                <a:latin typeface="맑은 고딕" charset="0"/>
+                <a:ea typeface="맑은 고딕" charset="0"/>
+              </a:rPr>
+              <a:t> On Click( ) 함수에 </a:t>
+            </a:r>
+            <a:r>
+              <a:rPr lang="ko-KR" sz="1800">
+                <a:latin typeface="맑은 고딕" charset="0"/>
+                <a:ea typeface="맑은 고딕" charset="0"/>
+              </a:rPr>
+              <a:t>Game </a:t>
+            </a:r>
+            <a:r>
+              <a:rPr sz="1800">
+                <a:latin typeface="맑은 고딕" charset="0"/>
+                <a:ea typeface="맑은 고딕" charset="0"/>
+              </a:rPr>
+              <a:t>Manager 오브젝트를 넣어줍니다.</a:t>
+            </a:r>
+            <a:endParaRPr lang="ko-KR" altLang="en-US" sz="1800">
+              <a:latin typeface="맑은 고딕" charset="0"/>
+              <a:ea typeface="맑은 고딕" charset="0"/>
+            </a:endParaRPr>
+          </a:p>
+        </p:txBody>
+      </p:sp>
+      <p:sp>
+        <p:nvSpPr>
+          <p:cNvPr id="47" name="Rect 0"/>
+          <p:cNvSpPr txBox="1">
+            <a:spLocks/>
+          </p:cNvSpPr>
+          <p:nvPr/>
+        </p:nvSpPr>
+        <p:spPr>
+          <a:xfrm rot="0">
+            <a:off x="1229995" y="5267325"/>
+            <a:ext cx="4157345" cy="923925"/>
+          </a:xfrm>
+          <a:prstGeom prst="rect"/>
+          <a:noFill/>
+          <a:ln w="0">
+            <a:noFill/>
+            <a:prstDash/>
+          </a:ln>
+        </p:spPr>
+        <p:txBody>
+          <a:bodyPr wrap="square" lIns="89535" tIns="46355" rIns="89535" bIns="46355" numCol="1" vert="horz" anchor="t">
+            <a:spAutoFit/>
+          </a:bodyPr>
+          <a:lstStyle/>
+          <a:p>
+            <a:pPr marL="0" indent="0" algn="l" latinLnBrk="0" hangingPunct="1">
+              <a:buFontTx/>
+              <a:buNone/>
+            </a:pPr>
+            <a:r>
+              <a:rPr sz="1800" b="1">
+                <a:solidFill>
+                  <a:srgbClr val="0611F2"/>
+                </a:solidFill>
+                <a:latin typeface="맑은 고딕" charset="0"/>
+                <a:ea typeface="맑은 고딕" charset="0"/>
+              </a:rPr>
+              <a:t>1</a:t>
+            </a:r>
+            <a:r>
+              <a:rPr lang="ko-KR" sz="1800" b="1">
+                <a:solidFill>
+                  <a:srgbClr val="0611F2"/>
+                </a:solidFill>
+                <a:latin typeface="맑은 고딕" charset="0"/>
+                <a:ea typeface="맑은 고딕" charset="0"/>
+              </a:rPr>
+              <a:t>8</a:t>
+            </a:r>
+            <a:r>
+              <a:rPr sz="1800" b="1">
+                <a:solidFill>
+                  <a:srgbClr val="0611F2"/>
+                </a:solidFill>
+                <a:latin typeface="맑은 고딕" charset="0"/>
+                <a:ea typeface="맑은 고딕" charset="0"/>
+              </a:rPr>
+              <a:t>.</a:t>
+            </a:r>
+            <a:r>
+              <a:rPr sz="1800">
+                <a:latin typeface="맑은 고딕" charset="0"/>
+                <a:ea typeface="맑은 고딕" charset="0"/>
+              </a:rPr>
+              <a:t> </a:t>
+            </a:r>
+            <a:r>
+              <a:rPr lang="ko-KR" sz="1800">
+                <a:latin typeface="맑은 고딕" charset="0"/>
+                <a:ea typeface="맑은 고딕" charset="0"/>
+              </a:rPr>
+              <a:t>그리고 UI에서 Button을 생성하고 Home Button이라는 이름으로 정의합니다.</a:t>
+            </a:r>
+            <a:endParaRPr lang="ko-KR" altLang="en-US" sz="1800">
+              <a:latin typeface="맑은 고딕" charset="0"/>
+              <a:ea typeface="맑은 고딕" charset="0"/>
+            </a:endParaRPr>
+          </a:p>
+        </p:txBody>
+      </p:sp>
+      <p:pic>
+        <p:nvPicPr>
+          <p:cNvPr id="48" name="그림 2" descr="C:/Users/Admin1/AppData/Roaming/PolarisOffice/ETemp/8940_18798640/fImage191382596962.png"/>
+          <p:cNvPicPr>
+            <a:picLocks noChangeAspect="1"/>
+          </p:cNvPicPr>
+          <p:nvPr/>
+        </p:nvPicPr>
+        <p:blipFill rotWithShape="1">
+          <a:blip r:embed="rId2" cstate="hqprint">
+            <a:extLst>
+              <a:ext uri="{28A0092B-C50C-407E-A947-70E740481C1C}">
+                <a14:useLocalDpi xmlns:a14="http://schemas.microsoft.com/office/drawing/2010/main"/>
+              </a:ext>
+            </a:extLst>
+          </a:blip>
+          <a:stretch>
+            <a:fillRect/>
+          </a:stretch>
+        </p:blipFill>
+        <p:spPr>
+          <a:xfrm rot="0">
+            <a:off x="1230630" y="1513205"/>
+            <a:ext cx="2527300" cy="3508375"/>
+          </a:xfrm>
+          <a:prstGeom prst="roundRect"/>
+          <a:solidFill>
+            <a:srgbClr val="EDEDED"/>
+          </a:solidFill>
+        </p:spPr>
+      </p:pic>
+      <p:pic>
+        <p:nvPicPr>
+          <p:cNvPr id="49" name="그림 39" descr="C:/Users/Admin1/AppData/Roaming/PolarisOffice/ETemp/8940_18798640/fImage128912794464.png"/>
+          <p:cNvPicPr>
+            <a:picLocks noChangeAspect="1"/>
+          </p:cNvPicPr>
+          <p:nvPr/>
+        </p:nvPicPr>
+        <p:blipFill rotWithShape="1">
+          <a:blip r:embed="rId3" cstate="print">
+            <a:extLst>
+              <a:ext uri="{28A0092B-C50C-407E-A947-70E740481C1C}">
+                <a14:useLocalDpi xmlns:a14="http://schemas.microsoft.com/office/drawing/2010/main" val="0"/>
+              </a:ext>
+            </a:extLst>
+          </a:blip>
+          <a:stretch>
+            <a:fillRect/>
+          </a:stretch>
+        </p:blipFill>
+        <p:spPr>
+          <a:xfrm rot="0">
+            <a:off x="3960495" y="2002790"/>
+            <a:ext cx="1426845" cy="2536825"/>
+          </a:xfrm>
+          <a:prstGeom prst="roundRect"/>
+          <a:solidFill>
+            <a:srgbClr val="EDEDED"/>
+          </a:solidFill>
+        </p:spPr>
+      </p:pic>
+      <p:pic>
+        <p:nvPicPr>
+          <p:cNvPr id="50" name="그림 43" descr="C:/Users/Admin1/AppData/Roaming/PolarisOffice/ETemp/8940_18798640/fImage30172825705.png"/>
+          <p:cNvPicPr>
+            <a:picLocks noChangeAspect="1"/>
+          </p:cNvPicPr>
+          <p:nvPr/>
+        </p:nvPicPr>
+        <p:blipFill rotWithShape="1">
+          <a:blip r:embed="rId4" cstate="hqprint">
+            <a:extLst>
+              <a:ext uri="{28A0092B-C50C-407E-A947-70E740481C1C}">
+                <a14:useLocalDpi xmlns:a14="http://schemas.microsoft.com/office/drawing/2010/main"/>
+              </a:ext>
+            </a:extLst>
+          </a:blip>
+          <a:stretch>
+            <a:fillRect/>
+          </a:stretch>
+        </p:blipFill>
+        <p:spPr>
+          <a:xfrm rot="0">
+            <a:off x="8279765" y="1524635"/>
+            <a:ext cx="2710815" cy="1202690"/>
+          </a:xfrm>
+          <a:prstGeom prst="roundRect"/>
+          <a:solidFill>
+            <a:srgbClr val="EDEDED"/>
+          </a:solidFill>
+        </p:spPr>
+      </p:pic>
+      <p:pic>
+        <p:nvPicPr>
+          <p:cNvPr id="51" name="그림 44" descr="C:/Users/Admin1/AppData/Roaming/PolarisOffice/ETemp/8940_18798640/fImage55662838145.png"/>
+          <p:cNvPicPr>
+            <a:picLocks noChangeAspect="1"/>
+          </p:cNvPicPr>
+          <p:nvPr/>
+        </p:nvPicPr>
+        <p:blipFill rotWithShape="1">
+          <a:blip r:embed="rId5" cstate="hqprint">
+            <a:extLst>
+              <a:ext uri="{28A0092B-C50C-407E-A947-70E740481C1C}">
+                <a14:useLocalDpi xmlns:a14="http://schemas.microsoft.com/office/drawing/2010/main"/>
+              </a:ext>
+            </a:extLst>
+          </a:blip>
+          <a:stretch>
+            <a:fillRect/>
+          </a:stretch>
+        </p:blipFill>
+        <p:spPr>
+          <a:xfrm rot="0">
+            <a:off x="8279765" y="2884805"/>
+            <a:ext cx="2686050" cy="1106170"/>
+          </a:xfrm>
+          <a:prstGeom prst="roundRect"/>
+          <a:solidFill>
+            <a:srgbClr val="EDEDED"/>
+          </a:solidFill>
+        </p:spPr>
+      </p:pic>
+      <p:pic>
+        <p:nvPicPr>
+          <p:cNvPr id="52" name="그림 45" descr="C:/Users/Admin1/AppData/Roaming/PolarisOffice/ETemp/8940_18798640/fImage94582843281.png"/>
+          <p:cNvPicPr>
+            <a:picLocks noChangeAspect="1"/>
+          </p:cNvPicPr>
+          <p:nvPr/>
+        </p:nvPicPr>
+        <p:blipFill rotWithShape="1">
+          <a:blip r:embed="rId6" cstate="print">
+            <a:extLst>
+              <a:ext uri="{28A0092B-C50C-407E-A947-70E740481C1C}">
+                <a14:useLocalDpi xmlns:a14="http://schemas.microsoft.com/office/drawing/2010/main" val="0"/>
+              </a:ext>
+            </a:extLst>
+          </a:blip>
+          <a:stretch>
+            <a:fillRect/>
+          </a:stretch>
+        </p:blipFill>
+        <p:spPr>
+          <a:xfrm rot="0">
+            <a:off x="6791960" y="1513205"/>
+            <a:ext cx="1330325" cy="2477770"/>
+          </a:xfrm>
+          <a:prstGeom prst="roundRect"/>
+          <a:solidFill>
+            <a:srgbClr val="EDEDED"/>
+          </a:solidFill>
+        </p:spPr>
+      </p:pic>
+      <p:cxnSp>
+        <p:nvCxnSpPr>
+          <p:cNvPr id="53" name="도형 48"/>
+          <p:cNvCxnSpPr/>
+          <p:nvPr/>
+        </p:nvCxnSpPr>
+        <p:spPr>
+          <a:xfrm rot="0">
+            <a:off x="7739380" y="2602230"/>
+            <a:ext cx="1306195" cy="956310"/>
+          </a:xfrm>
+          <a:prstGeom prst="straightConnector1"/>
+          <a:ln w="6350" cap="flat" cmpd="sng">
+            <a:prstDash/>
+            <a:headEnd type="none" w="med" len="med"/>
+            <a:tailEnd type="triangle" w="med" len="med"/>
+          </a:ln>
+        </p:spPr>
+        <p:style>
+          <a:lnRef idx="1">
+            <a:schemeClr val="accent1"/>
+          </a:lnRef>
+          <a:fillRef idx="0">
+            <a:schemeClr val="accent1"/>
+          </a:fillRef>
+          <a:effectRef idx="0">
+            <a:schemeClr val="accent1"/>
+          </a:effectRef>
+          <a:fontRef idx="minor">
+            <a:schemeClr val="tx1"/>
+          </a:fontRef>
+        </p:style>
+      </p:cxnSp>
+    </p:spTree>
+  </p:cSld>
+  <p:clrMapOvr>
+    <a:masterClrMapping/>
+  </p:clrMapOvr>
+  <mc:AlternateContent xmlns:mc="http://schemas.openxmlformats.org/markup-compatibility/2006">
+    <mc:Choice xmlns:p14="http://schemas.microsoft.com/office/powerpoint/2010/main" Requires="p14">
+      <p:transition spd="slow" p14:dur="2000"/>
+    </mc:Choice>
+    <mc:Fallback>
+      <p:transition spd="slow"/>
+    </mc:Fallback>
+  </mc:AlternateContent>
+  <p:timing>
+    <p:tnLst>
+      <p:par>
+        <p:cTn id="1" dur="indefinite" restart="never" nodeType="tmRoot"/>
+      </p:par>
+    </p:tnLst>
+  </p:timing>
+</p:sld>
+</file>
+
+<file path=ppt/slides/slide11.xml><?xml version="1.0" encoding="utf-8"?>
+<p:sld xmlns:a="http://schemas.openxmlformats.org/drawingml/2006/main" xmlns:r="http://schemas.openxmlformats.org/officeDocument/2006/relationships" xmlns:p="http://schemas.openxmlformats.org/presentationml/2006/main">
+  <p:cSld>
+    <p:spTree>
+      <p:nvGrpSpPr>
+        <p:cNvPr id="1" name=""/>
+        <p:cNvGrpSpPr/>
+        <p:nvPr/>
+      </p:nvGrpSpPr>
+      <p:grpSpPr>
+        <a:xfrm>
+          <a:off x="0" y="0"/>
+          <a:ext cx="0" cy="0"/>
+          <a:chOff x="0" y="0"/>
+          <a:chExt cx="0" cy="0"/>
+        </a:xfrm>
+      </p:grpSpPr>
+      <p:sp>
+        <p:nvSpPr>
+          <p:cNvPr id="29" name="Rect 0"/>
+          <p:cNvSpPr txBox="1">
+            <a:spLocks/>
+          </p:cNvSpPr>
+          <p:nvPr/>
+        </p:nvSpPr>
+        <p:spPr>
+          <a:xfrm rot="0">
+            <a:off x="1229995" y="1337310"/>
+            <a:ext cx="4039870" cy="371475"/>
+          </a:xfrm>
+          <a:prstGeom prst="rect"/>
+          <a:noFill/>
+          <a:ln w="0">
+            <a:noFill/>
+            <a:prstDash/>
+          </a:ln>
+        </p:spPr>
+        <p:txBody>
+          <a:bodyPr wrap="square" lIns="89535" tIns="46355" rIns="89535" bIns="46355" numCol="1" vert="horz" anchor="t">
+            <a:spAutoFit/>
+          </a:bodyPr>
+          <a:lstStyle/>
+          <a:p>
+            <a:pPr marL="0" indent="0" algn="l" latinLnBrk="0" hangingPunct="1">
+              <a:buFontTx/>
+              <a:buNone/>
+            </a:pPr>
+            <a:endParaRPr lang="ko-KR" altLang="en-US" sz="1800">
+              <a:latin typeface="맑은 고딕" charset="0"/>
+              <a:ea typeface="맑은 고딕" charset="0"/>
+            </a:endParaRPr>
+          </a:p>
+        </p:txBody>
+      </p:sp>
+      <p:sp>
+        <p:nvSpPr>
+          <p:cNvPr id="31" name="Rect 0"/>
+          <p:cNvSpPr txBox="1">
+            <a:spLocks/>
+          </p:cNvSpPr>
+          <p:nvPr/>
+        </p:nvSpPr>
+        <p:spPr>
+          <a:xfrm rot="0">
+            <a:off x="6801485" y="3204210"/>
+            <a:ext cx="4163060" cy="371475"/>
+          </a:xfrm>
+          <a:prstGeom prst="rect"/>
+          <a:noFill/>
+          <a:ln w="0">
+            <a:noFill/>
+            <a:prstDash/>
+          </a:ln>
+        </p:spPr>
+        <p:txBody>
+          <a:bodyPr wrap="square" lIns="89535" tIns="46355" rIns="89535" bIns="46355" numCol="1" vert="horz" anchor="t">
+            <a:spAutoFit/>
+          </a:bodyPr>
+          <a:lstStyle/>
+          <a:p>
+            <a:pPr marL="0" indent="0" algn="l" latinLnBrk="0" hangingPunct="1">
+              <a:buFontTx/>
+              <a:buNone/>
+            </a:pPr>
+            <a:endParaRPr lang="ko-KR" altLang="en-US" sz="1800">
+              <a:latin typeface="맑은 고딕" charset="0"/>
+              <a:ea typeface="맑은 고딕" charset="0"/>
+            </a:endParaRPr>
+          </a:p>
+        </p:txBody>
+      </p:sp>
+      <p:sp>
+        <p:nvSpPr>
+          <p:cNvPr id="35" name="Rect 0"/>
+          <p:cNvSpPr txBox="1">
+            <a:spLocks/>
+          </p:cNvSpPr>
+          <p:nvPr/>
+        </p:nvSpPr>
+        <p:spPr>
+          <a:xfrm rot="0">
+            <a:off x="4525645" y="467995"/>
+            <a:ext cx="3147695" cy="554990"/>
+          </a:xfrm>
+          <a:prstGeom prst="rect"/>
+          <a:noFill/>
+          <a:ln w="0">
+            <a:noFill/>
+            <a:prstDash/>
+          </a:ln>
+        </p:spPr>
+        <p:txBody>
+          <a:bodyPr wrap="square" lIns="89535" tIns="46355" rIns="89535" bIns="46355" numCol="1" vert="horz" anchor="t">
+            <a:spAutoFit/>
+          </a:bodyPr>
+          <a:lstStyle/>
+          <a:p>
+            <a:pPr marL="0" indent="0" rtl="0" algn="l" defTabSz="914400" eaLnBrk="1" latinLnBrk="0" hangingPunct="1">
+              <a:buFontTx/>
+              <a:buNone/>
+            </a:pPr>
+            <a:r>
+              <a:rPr lang="ko-KR" sz="3000" b="1">
+                <a:latin typeface="맑은 고딕" charset="0"/>
+                <a:ea typeface="맑은 고딕" charset="0"/>
+              </a:rPr>
+              <a:t>열</a:t>
+            </a:r>
+            <a:r>
+              <a:rPr lang="ko-KR" sz="3000" b="1">
+                <a:latin typeface="맑은 고딕" charset="0"/>
+                <a:ea typeface="맑은 고딕" charset="0"/>
+              </a:rPr>
+              <a:t> 번째 튜토리얼</a:t>
+            </a:r>
+            <a:r>
+              <a:rPr sz="3000" b="1">
+                <a:latin typeface="맑은 고딕" charset="0"/>
+                <a:ea typeface="맑은 고딕" charset="0"/>
+              </a:rPr>
+              <a:t> </a:t>
+            </a:r>
+            <a:endParaRPr lang="ko-KR" altLang="en-US" sz="3000" b="1">
+              <a:latin typeface="맑은 고딕" charset="0"/>
+              <a:ea typeface="맑은 고딕" charset="0"/>
+            </a:endParaRPr>
+          </a:p>
+        </p:txBody>
+      </p:sp>
+      <p:sp>
+        <p:nvSpPr>
+          <p:cNvPr id="45" name="Rect 0"/>
+          <p:cNvSpPr txBox="1">
+            <a:spLocks/>
+          </p:cNvSpPr>
+          <p:nvPr/>
+        </p:nvSpPr>
+        <p:spPr>
+          <a:xfrm rot="0">
+            <a:off x="6802755" y="4991100"/>
+            <a:ext cx="4171315" cy="1200785"/>
+          </a:xfrm>
+          <a:prstGeom prst="rect"/>
+          <a:noFill/>
+          <a:ln w="0">
+            <a:noFill/>
+            <a:prstDash/>
+          </a:ln>
+        </p:spPr>
+        <p:txBody>
+          <a:bodyPr wrap="square" lIns="89535" tIns="46355" rIns="89535" bIns="46355" numCol="1" vert="horz" anchor="t">
+            <a:spAutoFit/>
+          </a:bodyPr>
+          <a:lstStyle/>
+          <a:p>
+            <a:pPr marL="0" indent="0" rtl="0" algn="l" defTabSz="914400" eaLnBrk="1" latinLnBrk="0" hangingPunct="1">
+              <a:buFontTx/>
+              <a:buNone/>
+            </a:pPr>
+            <a:r>
+              <a:rPr lang="ko-KR" sz="1800" b="1">
+                <a:solidFill>
+                  <a:srgbClr val="0611F2"/>
+                </a:solidFill>
+                <a:latin typeface="맑은 고딕" charset="0"/>
+                <a:ea typeface="맑은 고딕" charset="0"/>
+              </a:rPr>
+              <a:t>22</a:t>
+            </a:r>
+            <a:r>
+              <a:rPr sz="1800" b="1">
+                <a:solidFill>
+                  <a:srgbClr val="0611F2"/>
+                </a:solidFill>
+                <a:latin typeface="맑은 고딕" charset="0"/>
+                <a:ea typeface="맑은 고딕" charset="0"/>
+              </a:rPr>
+              <a:t>.</a:t>
+            </a:r>
+            <a:r>
+              <a:rPr sz="1800">
+                <a:latin typeface="맑은 고딕" charset="0"/>
+                <a:ea typeface="맑은 고딕" charset="0"/>
+              </a:rPr>
+              <a:t> 그</a:t>
+            </a:r>
+            <a:r>
+              <a:rPr lang="ko-KR" sz="1800">
+                <a:latin typeface="맑은 고딕" charset="0"/>
+                <a:ea typeface="맑은 고딕" charset="0"/>
+              </a:rPr>
+              <a:t>런 다음</a:t>
+            </a:r>
+            <a:r>
+              <a:rPr sz="1800">
+                <a:latin typeface="맑은 고딕" charset="0"/>
+                <a:ea typeface="맑은 고딕" charset="0"/>
+              </a:rPr>
+              <a:t> </a:t>
+            </a:r>
+            <a:r>
+              <a:rPr sz="1800">
+                <a:latin typeface="맑은 고딕" charset="0"/>
+                <a:ea typeface="맑은 고딕" charset="0"/>
+              </a:rPr>
+              <a:t>H</a:t>
+            </a:r>
+            <a:r>
+              <a:rPr lang="ko-KR" sz="1800">
+                <a:latin typeface="맑은 고딕" charset="0"/>
+                <a:ea typeface="맑은 고딕" charset="0"/>
+              </a:rPr>
+              <a:t>ome Button 오브젝트에</a:t>
+            </a:r>
+            <a:r>
+              <a:rPr sz="1800">
+                <a:latin typeface="맑은 고딕" charset="0"/>
+                <a:ea typeface="맑은 고딕" charset="0"/>
+              </a:rPr>
+              <a:t> </a:t>
+            </a:r>
+            <a:r>
+              <a:rPr lang="ko-KR" sz="1800">
+                <a:latin typeface="맑은 고딕" charset="0"/>
+                <a:ea typeface="맑은 고딕" charset="0"/>
+              </a:rPr>
+              <a:t>Image </a:t>
+            </a:r>
+            <a:r>
+              <a:rPr sz="1800">
+                <a:latin typeface="맑은 고딕" charset="0"/>
+                <a:ea typeface="맑은 고딕" charset="0"/>
+              </a:rPr>
+              <a:t>컴포넌</a:t>
+            </a:r>
+            <a:r>
+              <a:rPr lang="ko-KR" sz="1800">
+                <a:latin typeface="맑은 고딕" charset="0"/>
+                <a:ea typeface="맑은 고딕" charset="0"/>
+              </a:rPr>
+              <a:t>트에 있는 Source Image에 Home 텍스처를 넣어줍니다.</a:t>
+            </a:r>
+            <a:endParaRPr lang="ko-KR" altLang="en-US" sz="1800">
+              <a:latin typeface="맑은 고딕" charset="0"/>
+              <a:ea typeface="맑은 고딕" charset="0"/>
+            </a:endParaRPr>
+          </a:p>
+        </p:txBody>
+      </p:sp>
+      <p:sp>
+        <p:nvSpPr>
+          <p:cNvPr id="47" name="Rect 0"/>
+          <p:cNvSpPr txBox="1">
+            <a:spLocks/>
+          </p:cNvSpPr>
+          <p:nvPr/>
+        </p:nvSpPr>
+        <p:spPr>
+          <a:xfrm rot="0">
+            <a:off x="1229995" y="2806700"/>
+            <a:ext cx="4157345" cy="647065"/>
+          </a:xfrm>
+          <a:prstGeom prst="rect"/>
+          <a:noFill/>
+          <a:ln w="0">
+            <a:noFill/>
+            <a:prstDash/>
+          </a:ln>
+        </p:spPr>
+        <p:txBody>
+          <a:bodyPr wrap="square" lIns="89535" tIns="46355" rIns="89535" bIns="46355" numCol="1" vert="horz" anchor="t">
+            <a:spAutoFit/>
+          </a:bodyPr>
+          <a:lstStyle/>
+          <a:p>
+            <a:pPr marL="0" indent="0" rtl="0" algn="l" defTabSz="914400" eaLnBrk="1" latinLnBrk="0" hangingPunct="1">
+              <a:buFontTx/>
+              <a:buNone/>
+            </a:pPr>
+            <a:r>
+              <a:rPr sz="1800" b="1">
+                <a:solidFill>
+                  <a:srgbClr val="0611F2"/>
+                </a:solidFill>
+                <a:latin typeface="맑은 고딕" charset="0"/>
+                <a:ea typeface="맑은 고딕" charset="0"/>
+              </a:rPr>
+              <a:t>2</a:t>
+            </a:r>
+            <a:r>
+              <a:rPr sz="1800" b="1">
+                <a:solidFill>
+                  <a:srgbClr val="0611F2"/>
+                </a:solidFill>
+                <a:latin typeface="맑은 고딕" charset="0"/>
+                <a:ea typeface="맑은 고딕" charset="0"/>
+              </a:rPr>
+              <a:t>0</a:t>
+            </a:r>
+            <a:r>
+              <a:rPr sz="1800" b="1">
+                <a:solidFill>
+                  <a:srgbClr val="0611F2"/>
+                </a:solidFill>
+                <a:latin typeface="맑은 고딕" charset="0"/>
+                <a:ea typeface="맑은 고딕" charset="0"/>
+              </a:rPr>
+              <a:t>.</a:t>
+            </a:r>
+            <a:r>
+              <a:rPr sz="1800">
+                <a:latin typeface="맑은 고딕" charset="0"/>
+                <a:ea typeface="맑은 고딕" charset="0"/>
+              </a:rPr>
+              <a:t> 이제 </a:t>
+            </a:r>
+            <a:r>
+              <a:rPr lang="ko-KR" sz="1800">
+                <a:latin typeface="맑은 고딕" charset="0"/>
+                <a:ea typeface="맑은 고딕" charset="0"/>
+              </a:rPr>
+              <a:t>Game </a:t>
+            </a:r>
+            <a:r>
+              <a:rPr sz="1800">
+                <a:latin typeface="맑은 고딕" charset="0"/>
+                <a:ea typeface="맑은 고딕" charset="0"/>
+              </a:rPr>
+              <a:t>Manager 스크립트에 있는 </a:t>
+            </a:r>
+            <a:r>
+              <a:rPr lang="ko-KR" sz="1800">
+                <a:latin typeface="맑은 고딕" charset="0"/>
+                <a:ea typeface="맑은 고딕" charset="0"/>
+              </a:rPr>
+              <a:t>ExitGame</a:t>
+            </a:r>
+            <a:r>
+              <a:rPr sz="1800">
+                <a:latin typeface="맑은 고딕" charset="0"/>
+                <a:ea typeface="맑은 고딕" charset="0"/>
+              </a:rPr>
+              <a:t>( ) 함수를 선택합니다.</a:t>
+            </a:r>
+            <a:endParaRPr lang="ko-KR" altLang="en-US" sz="1800">
+              <a:latin typeface="맑은 고딕" charset="0"/>
+              <a:ea typeface="맑은 고딕" charset="0"/>
+            </a:endParaRPr>
+          </a:p>
+        </p:txBody>
+      </p:sp>
+      <p:pic>
+        <p:nvPicPr>
+          <p:cNvPr id="54" name="그림 49" descr="C:/Users/Admin1/AppData/Roaming/PolarisOffice/ETemp/8940_18798640/fImage58223006827.png"/>
+          <p:cNvPicPr>
+            <a:picLocks noChangeAspect="1"/>
+          </p:cNvPicPr>
+          <p:nvPr/>
+        </p:nvPicPr>
+        <p:blipFill rotWithShape="1">
+          <a:blip r:embed="rId2" cstate="print">
+            <a:extLst>
+              <a:ext uri="{28A0092B-C50C-407E-A947-70E740481C1C}">
+                <a14:useLocalDpi xmlns:a14="http://schemas.microsoft.com/office/drawing/2010/main" val="0"/>
+              </a:ext>
+            </a:extLst>
+          </a:blip>
+          <a:stretch>
+            <a:fillRect/>
+          </a:stretch>
+        </p:blipFill>
+        <p:spPr>
+          <a:xfrm rot="0">
+            <a:off x="1230630" y="1446530"/>
+            <a:ext cx="4148455" cy="1289050"/>
+          </a:xfrm>
+          <a:prstGeom prst="roundRect"/>
+          <a:solidFill>
+            <a:srgbClr val="EDEDED"/>
+          </a:solidFill>
+        </p:spPr>
+      </p:pic>
+      <p:pic>
+        <p:nvPicPr>
+          <p:cNvPr id="55" name="그림 52" descr="C:/Users/Admin1/AppData/Roaming/PolarisOffice/ETemp/8940_18798640/fImage114453019961.png"/>
+          <p:cNvPicPr>
+            <a:picLocks noChangeAspect="1"/>
+          </p:cNvPicPr>
+          <p:nvPr/>
+        </p:nvPicPr>
+        <p:blipFill rotWithShape="1">
+          <a:blip r:embed="rId3" cstate="print">
+            <a:extLst>
+              <a:ext uri="{28A0092B-C50C-407E-A947-70E740481C1C}">
+                <a14:useLocalDpi xmlns:a14="http://schemas.microsoft.com/office/drawing/2010/main" val="0"/>
+              </a:ext>
+            </a:extLst>
+          </a:blip>
+          <a:stretch>
+            <a:fillRect/>
+          </a:stretch>
+        </p:blipFill>
+        <p:spPr>
+          <a:xfrm rot="0">
+            <a:off x="1231900" y="3574415"/>
+            <a:ext cx="4138930" cy="1623695"/>
+          </a:xfrm>
+          <a:prstGeom prst="roundRect"/>
+          <a:solidFill>
+            <a:srgbClr val="EDEDED"/>
+          </a:solidFill>
+        </p:spPr>
+      </p:pic>
+      <p:sp>
+        <p:nvSpPr>
+          <p:cNvPr id="56" name="텍스트 상자 55"/>
+          <p:cNvSpPr txBox="1">
+            <a:spLocks/>
+          </p:cNvSpPr>
+          <p:nvPr/>
+        </p:nvSpPr>
+        <p:spPr>
+          <a:xfrm rot="0">
+            <a:off x="1230630" y="5280660"/>
+            <a:ext cx="4140200" cy="923925"/>
+          </a:xfrm>
+          <a:prstGeom prst="rect"/>
+          <a:noFill/>
+          <a:ln w="0">
+            <a:noFill/>
+            <a:prstDash/>
+          </a:ln>
+        </p:spPr>
+        <p:txBody>
+          <a:bodyPr wrap="square" lIns="89535" tIns="46355" rIns="89535" bIns="46355" numCol="1" vert="horz" anchor="t">
+            <a:spAutoFit/>
+          </a:bodyPr>
+          <a:lstStyle/>
+          <a:p>
+            <a:pPr marL="0" indent="0" rtl="0" algn="l" defTabSz="914400" eaLnBrk="1" latinLnBrk="0" hangingPunct="1">
+              <a:buFontTx/>
+              <a:buNone/>
+            </a:pPr>
+            <a:r>
+              <a:rPr sz="1800" b="1">
+                <a:solidFill>
+                  <a:srgbClr val="0611F2"/>
+                </a:solidFill>
+                <a:latin typeface="맑은 고딕" charset="0"/>
+                <a:ea typeface="맑은 고딕" charset="0"/>
+              </a:rPr>
+              <a:t>2</a:t>
+            </a:r>
+            <a:r>
+              <a:rPr lang="ko-KR" sz="1800" b="1">
+                <a:solidFill>
+                  <a:srgbClr val="0611F2"/>
+                </a:solidFill>
+                <a:latin typeface="맑은 고딕" charset="0"/>
+                <a:ea typeface="맑은 고딕" charset="0"/>
+              </a:rPr>
+              <a:t>1</a:t>
+            </a:r>
+            <a:r>
+              <a:rPr sz="1800" b="1">
+                <a:solidFill>
+                  <a:srgbClr val="0611F2"/>
+                </a:solidFill>
+                <a:latin typeface="맑은 고딕" charset="0"/>
+                <a:ea typeface="맑은 고딕" charset="0"/>
+              </a:rPr>
+              <a:t>.</a:t>
+            </a:r>
+            <a:r>
+              <a:rPr sz="1800">
+                <a:latin typeface="맑은 고딕" charset="0"/>
+                <a:ea typeface="맑은 고딕" charset="0"/>
+              </a:rPr>
+              <a:t> </a:t>
+            </a:r>
+            <a:r>
+              <a:rPr lang="ko-KR" sz="1800">
+                <a:latin typeface="맑은 고딕" charset="0"/>
+                <a:ea typeface="맑은 고딕" charset="0"/>
+              </a:rPr>
+              <a:t>그다음으로</a:t>
+            </a:r>
+            <a:r>
+              <a:rPr sz="1800">
+                <a:latin typeface="맑은 고딕" charset="0"/>
+                <a:ea typeface="맑은 고딕" charset="0"/>
+              </a:rPr>
+              <a:t> </a:t>
+            </a:r>
+            <a:r>
+              <a:rPr lang="ko-KR" sz="1800">
+                <a:latin typeface="맑은 고딕" charset="0"/>
+                <a:ea typeface="맑은 고딕" charset="0"/>
+              </a:rPr>
+              <a:t>Home Button 오브젝트의 앵커를 지정하고, </a:t>
+            </a:r>
+            <a:r>
+              <a:rPr sz="1800">
+                <a:latin typeface="맑은 고딕" charset="0"/>
+                <a:ea typeface="맑은 고딕" charset="0"/>
+              </a:rPr>
+              <a:t>위치</a:t>
+            </a:r>
+            <a:r>
+              <a:rPr lang="ko-KR" sz="1800">
+                <a:latin typeface="맑은 고딕" charset="0"/>
+                <a:ea typeface="맑은 고딕" charset="0"/>
+              </a:rPr>
+              <a:t>와 크기를 설정합니다.</a:t>
+            </a:r>
+            <a:endParaRPr lang="ko-KR" altLang="en-US" sz="1800">
+              <a:latin typeface="맑은 고딕" charset="0"/>
+              <a:ea typeface="맑은 고딕" charset="0"/>
+            </a:endParaRPr>
+          </a:p>
+        </p:txBody>
+      </p:sp>
+      <p:pic>
+        <p:nvPicPr>
+          <p:cNvPr id="57" name="그림 56" descr="C:/Users/Admin1/AppData/Roaming/PolarisOffice/ETemp/8940_18798640/fImage16075303491.png"/>
+          <p:cNvPicPr>
+            <a:picLocks noChangeAspect="1"/>
+          </p:cNvPicPr>
+          <p:nvPr/>
+        </p:nvPicPr>
+        <p:blipFill rotWithShape="1">
+          <a:blip r:embed="rId4" cstate="print">
+            <a:extLst>
+              <a:ext uri="{28A0092B-C50C-407E-A947-70E740481C1C}">
+                <a14:useLocalDpi xmlns:a14="http://schemas.microsoft.com/office/drawing/2010/main" val="0"/>
+              </a:ext>
+            </a:extLst>
+          </a:blip>
+          <a:stretch>
+            <a:fillRect/>
+          </a:stretch>
+        </p:blipFill>
+        <p:spPr>
+          <a:xfrm rot="0">
+            <a:off x="6808470" y="1446530"/>
+            <a:ext cx="4157345" cy="2195195"/>
+          </a:xfrm>
+          <a:prstGeom prst="roundRect"/>
+          <a:solidFill>
+            <a:srgbClr val="EDEDED"/>
+          </a:solidFill>
+        </p:spPr>
+      </p:pic>
+      <p:pic>
+        <p:nvPicPr>
+          <p:cNvPr id="58" name="그림 59" descr="C:/Users/Admin1/AppData/Roaming/PolarisOffice/ETemp/8940_18798640/fImage195603042995.png"/>
+          <p:cNvPicPr>
+            <a:picLocks noChangeAspect="1"/>
+          </p:cNvPicPr>
+          <p:nvPr/>
+        </p:nvPicPr>
+        <p:blipFill rotWithShape="1">
+          <a:blip r:embed="rId5" cstate="print">
+            <a:extLst>
+              <a:ext uri="{28A0092B-C50C-407E-A947-70E740481C1C}">
+                <a14:useLocalDpi xmlns:a14="http://schemas.microsoft.com/office/drawing/2010/main" val="0"/>
+              </a:ext>
+            </a:extLst>
+          </a:blip>
+          <a:stretch>
+            <a:fillRect/>
+          </a:stretch>
+        </p:blipFill>
+        <p:spPr>
+          <a:xfrm rot="0">
+            <a:off x="6800215" y="3840480"/>
+            <a:ext cx="4165600" cy="1064895"/>
+          </a:xfrm>
+          <a:prstGeom prst="roundRect"/>
+          <a:solidFill>
+            <a:srgbClr val="EDEDED"/>
+          </a:solidFill>
+        </p:spPr>
+      </p:pic>
+      <p:cxnSp>
+        <p:nvCxnSpPr>
+          <p:cNvPr id="59" name="도형 62"/>
+          <p:cNvCxnSpPr/>
+          <p:nvPr/>
+        </p:nvCxnSpPr>
+        <p:spPr>
+          <a:xfrm rot="0" flipV="1">
+            <a:off x="8147050" y="1779270"/>
+            <a:ext cx="2685415" cy="2303145"/>
+          </a:xfrm>
+          <a:prstGeom prst="straightConnector1"/>
+          <a:ln w="6350" cap="flat" cmpd="sng">
+            <a:prstDash/>
+            <a:headEnd type="none" w="med" len="med"/>
+            <a:tailEnd type="triangle" w="med" len="med"/>
+          </a:ln>
+        </p:spPr>
+        <p:style>
+          <a:lnRef idx="1">
+            <a:schemeClr val="accent1"/>
+          </a:lnRef>
+          <a:fillRef idx="0">
+            <a:schemeClr val="accent1"/>
+          </a:fillRef>
+          <a:effectRef idx="0">
+            <a:schemeClr val="accent1"/>
+          </a:effectRef>
+          <a:fontRef idx="minor">
+            <a:schemeClr val="tx1"/>
+          </a:fontRef>
+        </p:style>
+      </p:cxnSp>
+    </p:spTree>
+  </p:cSld>
+  <p:clrMapOvr>
+    <a:masterClrMapping/>
+  </p:clrMapOvr>
+  <mc:AlternateContent xmlns:mc="http://schemas.openxmlformats.org/markup-compatibility/2006">
+    <mc:Choice xmlns:p14="http://schemas.microsoft.com/office/powerpoint/2010/main" Requires="p14">
+      <p:transition spd="slow" p14:dur="2000"/>
+    </mc:Choice>
+    <mc:Fallback>
+      <p:transition spd="slow"/>
+    </mc:Fallback>
+  </mc:AlternateContent>
+  <p:timing>
+    <p:tnLst>
+      <p:par>
+        <p:cTn id="1" dur="indefinite" restart="never" nodeType="tmRoot"/>
+      </p:par>
+    </p:tnLst>
+  </p:timing>
+</p:sld>
+</file>
+
+<file path=ppt/slides/slide12.xml><?xml version="1.0" encoding="utf-8"?>
+<p:sld xmlns:a="http://schemas.openxmlformats.org/drawingml/2006/main" xmlns:r="http://schemas.openxmlformats.org/officeDocument/2006/relationships" xmlns:p="http://schemas.openxmlformats.org/presentationml/2006/main">
+  <p:cSld>
+    <p:spTree>
+      <p:nvGrpSpPr>
+        <p:cNvPr id="1" name=""/>
+        <p:cNvGrpSpPr/>
+        <p:nvPr/>
+      </p:nvGrpSpPr>
+      <p:grpSpPr>
+        <a:xfrm>
+          <a:off x="0" y="0"/>
+          <a:ext cx="0" cy="0"/>
+          <a:chOff x="0" y="0"/>
+          <a:chExt cx="0" cy="0"/>
+        </a:xfrm>
+      </p:grpSpPr>
+      <p:sp>
+        <p:nvSpPr>
+          <p:cNvPr id="29" name="Rect 0"/>
+          <p:cNvSpPr txBox="1">
+            <a:spLocks/>
+          </p:cNvSpPr>
+          <p:nvPr/>
+        </p:nvSpPr>
+        <p:spPr>
+          <a:xfrm rot="0">
+            <a:off x="1229995" y="1337310"/>
+            <a:ext cx="4039870" cy="371475"/>
+          </a:xfrm>
+          <a:prstGeom prst="rect"/>
+          <a:noFill/>
+          <a:ln w="0">
+            <a:noFill/>
+            <a:prstDash/>
+          </a:ln>
+        </p:spPr>
+        <p:txBody>
+          <a:bodyPr wrap="square" lIns="89535" tIns="46355" rIns="89535" bIns="46355" numCol="1" vert="horz" anchor="t">
+            <a:spAutoFit/>
+          </a:bodyPr>
+          <a:lstStyle/>
+          <a:p>
+            <a:pPr marL="0" indent="0" algn="l" latinLnBrk="0" hangingPunct="1">
+              <a:buFontTx/>
+              <a:buNone/>
+            </a:pPr>
+            <a:endParaRPr lang="ko-KR" altLang="en-US" sz="1800">
+              <a:latin typeface="맑은 고딕" charset="0"/>
+              <a:ea typeface="맑은 고딕" charset="0"/>
+            </a:endParaRPr>
+          </a:p>
+        </p:txBody>
+      </p:sp>
+      <p:sp>
+        <p:nvSpPr>
+          <p:cNvPr id="35" name="Rect 0"/>
+          <p:cNvSpPr txBox="1">
+            <a:spLocks/>
+          </p:cNvSpPr>
+          <p:nvPr/>
+        </p:nvSpPr>
+        <p:spPr>
+          <a:xfrm rot="0">
+            <a:off x="4326255" y="459740"/>
+            <a:ext cx="3538855" cy="554990"/>
+          </a:xfrm>
+          <a:prstGeom prst="rect"/>
+          <a:noFill/>
+          <a:ln w="0">
+            <a:noFill/>
+            <a:prstDash/>
+          </a:ln>
+        </p:spPr>
+        <p:txBody>
+          <a:bodyPr wrap="square" lIns="89535" tIns="46355" rIns="89535" bIns="46355" numCol="1" vert="horz" anchor="t">
+            <a:spAutoFit/>
+          </a:bodyPr>
+          <a:lstStyle/>
+          <a:p>
+            <a:pPr marL="0" indent="0" rtl="0" algn="l" defTabSz="914400" eaLnBrk="1" latinLnBrk="0" hangingPunct="1">
+              <a:buFontTx/>
+              <a:buNone/>
+            </a:pPr>
+            <a:r>
+              <a:rPr lang="ko-KR" sz="3000" b="1">
+                <a:latin typeface="맑은 고딕" charset="0"/>
+                <a:ea typeface="맑은 고딕" charset="0"/>
+              </a:rPr>
+              <a:t>열한</a:t>
+            </a:r>
+            <a:r>
+              <a:rPr lang="ko-KR" sz="3000" b="1">
+                <a:latin typeface="맑은 고딕" charset="0"/>
+                <a:ea typeface="맑은 고딕" charset="0"/>
+              </a:rPr>
+              <a:t> 번째 튜토리얼</a:t>
+            </a:r>
+            <a:r>
+              <a:rPr sz="3000" b="1">
+                <a:latin typeface="맑은 고딕" charset="0"/>
+                <a:ea typeface="맑은 고딕" charset="0"/>
+              </a:rPr>
+              <a:t> </a:t>
+            </a:r>
+            <a:endParaRPr lang="ko-KR" altLang="en-US" sz="3000" b="1">
+              <a:latin typeface="맑은 고딕" charset="0"/>
+              <a:ea typeface="맑은 고딕" charset="0"/>
+            </a:endParaRPr>
+          </a:p>
+        </p:txBody>
+      </p:sp>
+      <p:sp>
+        <p:nvSpPr>
+          <p:cNvPr id="45" name="Rect 0"/>
+          <p:cNvSpPr txBox="1">
+            <a:spLocks/>
+          </p:cNvSpPr>
+          <p:nvPr/>
+        </p:nvSpPr>
+        <p:spPr>
+          <a:xfrm rot="0">
+            <a:off x="6808470" y="5547995"/>
+            <a:ext cx="4182110" cy="647065"/>
+          </a:xfrm>
+          <a:prstGeom prst="rect"/>
+          <a:noFill/>
+          <a:ln w="0">
+            <a:noFill/>
+            <a:prstDash/>
+          </a:ln>
+        </p:spPr>
+        <p:txBody>
+          <a:bodyPr wrap="square" lIns="89535" tIns="46355" rIns="89535" bIns="46355" numCol="1" vert="horz" anchor="t">
+            <a:spAutoFit/>
+          </a:bodyPr>
+          <a:lstStyle/>
+          <a:p>
+            <a:pPr marL="0" indent="0" rtl="0" algn="l" defTabSz="914400" eaLnBrk="1" latinLnBrk="0" hangingPunct="1">
+              <a:buFontTx/>
+              <a:buNone/>
+            </a:pPr>
+            <a:r>
+              <a:rPr lang="ko-KR" sz="1800" b="1">
+                <a:solidFill>
+                  <a:srgbClr val="0611F2"/>
+                </a:solidFill>
+                <a:latin typeface="맑은 고딕" charset="0"/>
+                <a:ea typeface="맑은 고딕" charset="0"/>
+              </a:rPr>
+              <a:t>25</a:t>
+            </a:r>
+            <a:r>
+              <a:rPr sz="1800" b="1">
+                <a:solidFill>
+                  <a:srgbClr val="0611F2"/>
+                </a:solidFill>
+                <a:latin typeface="맑은 고딕" charset="0"/>
+                <a:ea typeface="맑은 고딕" charset="0"/>
+              </a:rPr>
+              <a:t>.</a:t>
+            </a:r>
+            <a:r>
+              <a:rPr sz="1800">
+                <a:latin typeface="맑은 고딕" charset="0"/>
+                <a:ea typeface="맑은 고딕" charset="0"/>
+              </a:rPr>
+              <a:t> </a:t>
+            </a:r>
+            <a:r>
+              <a:rPr lang="ko-KR" sz="1800">
+                <a:latin typeface="맑은 고딕" charset="0"/>
+                <a:ea typeface="맑은 고딕" charset="0"/>
+              </a:rPr>
+              <a:t>그다음 CreateCrystal 스크립트에서 Transform 배열을 선언합니다.</a:t>
+            </a:r>
+            <a:endParaRPr lang="ko-KR" altLang="en-US" sz="1800">
+              <a:latin typeface="맑은 고딕" charset="0"/>
+              <a:ea typeface="맑은 고딕" charset="0"/>
+            </a:endParaRPr>
+          </a:p>
+        </p:txBody>
+      </p:sp>
+      <p:sp>
+        <p:nvSpPr>
+          <p:cNvPr id="56" name="Rect 0"/>
+          <p:cNvSpPr txBox="1">
+            <a:spLocks/>
+          </p:cNvSpPr>
+          <p:nvPr/>
+        </p:nvSpPr>
+        <p:spPr>
+          <a:xfrm rot="0">
+            <a:off x="1230630" y="4158615"/>
+            <a:ext cx="4140200" cy="2031365"/>
+          </a:xfrm>
+          <a:prstGeom prst="rect"/>
+          <a:noFill/>
+          <a:ln w="0">
+            <a:noFill/>
+            <a:prstDash/>
+          </a:ln>
+        </p:spPr>
+        <p:txBody>
+          <a:bodyPr wrap="square" lIns="89535" tIns="46355" rIns="89535" bIns="46355" numCol="1" vert="horz" anchor="t">
+            <a:spAutoFit/>
+          </a:bodyPr>
+          <a:lstStyle/>
+          <a:p>
+            <a:pPr marL="0" indent="0" rtl="0" algn="l" defTabSz="914400" eaLnBrk="1" latinLnBrk="0" hangingPunct="1">
+              <a:buFontTx/>
+              <a:buNone/>
+            </a:pPr>
+            <a:r>
+              <a:rPr sz="1800" b="1">
+                <a:solidFill>
+                  <a:srgbClr val="0611F2"/>
+                </a:solidFill>
+                <a:latin typeface="맑은 고딕" charset="0"/>
+                <a:ea typeface="맑은 고딕" charset="0"/>
+              </a:rPr>
+              <a:t>23</a:t>
+            </a:r>
+            <a:r>
+              <a:rPr sz="1800" b="1">
+                <a:solidFill>
+                  <a:srgbClr val="0611F2"/>
+                </a:solidFill>
+                <a:latin typeface="맑은 고딕" charset="0"/>
+                <a:ea typeface="맑은 고딕" charset="0"/>
+              </a:rPr>
+              <a:t>.</a:t>
+            </a:r>
+            <a:r>
+              <a:rPr sz="1800">
+                <a:latin typeface="맑은 고딕" charset="0"/>
+                <a:ea typeface="맑은 고딕" charset="0"/>
+              </a:rPr>
+              <a:t> </a:t>
+            </a:r>
+            <a:r>
+              <a:rPr lang="ko-KR" sz="1800">
+                <a:latin typeface="맑은 고딕" charset="0"/>
+                <a:ea typeface="맑은 고딕" charset="0"/>
+              </a:rPr>
+              <a:t>그리고 빈 게임 오브젝트를 생성하고 Create Crystal이라는 이름으로 정의합니다.</a:t>
+            </a:r>
+            <a:endParaRPr lang="ko-KR" altLang="en-US" sz="1800">
+              <a:latin typeface="맑은 고딕" charset="0"/>
+              <a:ea typeface="맑은 고딕" charset="0"/>
+            </a:endParaRPr>
+          </a:p>
+          <a:p>
+            <a:pPr marL="0" indent="0" rtl="0" algn="l" defTabSz="914400" eaLnBrk="1" latinLnBrk="0" hangingPunct="1">
+              <a:buFontTx/>
+              <a:buNone/>
+            </a:pPr>
+            <a:endParaRPr lang="ko-KR" altLang="en-US" sz="1800">
+              <a:latin typeface="맑은 고딕" charset="0"/>
+              <a:ea typeface="맑은 고딕" charset="0"/>
+            </a:endParaRPr>
+          </a:p>
+          <a:p>
+            <a:pPr marL="0" indent="0" rtl="0" algn="l" defTabSz="914400" eaLnBrk="1" latinLnBrk="0" hangingPunct="1">
+              <a:buFontTx/>
+              <a:buNone/>
+            </a:pPr>
+            <a:r>
+              <a:rPr lang="ko-KR" sz="1800">
+                <a:latin typeface="맑은 고딕" charset="0"/>
+                <a:ea typeface="맑은 고딕" charset="0"/>
+              </a:rPr>
+              <a:t>마지막으로 CreateCrystal 스크립트를 생성하여 Create Crystal 오브젝트에 넣어줍니다.</a:t>
+            </a:r>
+            <a:endParaRPr lang="ko-KR" altLang="en-US" sz="1800">
+              <a:latin typeface="맑은 고딕" charset="0"/>
+              <a:ea typeface="맑은 고딕" charset="0"/>
+            </a:endParaRPr>
+          </a:p>
+        </p:txBody>
+      </p:sp>
+      <p:pic>
+        <p:nvPicPr>
+          <p:cNvPr id="60" name="그림 63" descr="C:/Users/Admin1/AppData/Roaming/PolarisOffice/ETemp/8940_18798640/fImage330252115705.png"/>
+          <p:cNvPicPr>
+            <a:picLocks noChangeAspect="1"/>
+          </p:cNvPicPr>
+          <p:nvPr/>
+        </p:nvPicPr>
+        <p:blipFill rotWithShape="1">
+          <a:blip r:embed="rId2" cstate="hqprint">
+            <a:extLst>
+              <a:ext uri="{28A0092B-C50C-407E-A947-70E740481C1C}">
+                <a14:useLocalDpi xmlns:a14="http://schemas.microsoft.com/office/drawing/2010/main"/>
+              </a:ext>
+            </a:extLst>
+          </a:blip>
+          <a:stretch>
+            <a:fillRect/>
+          </a:stretch>
+        </p:blipFill>
+        <p:spPr>
+          <a:xfrm rot="0">
+            <a:off x="1252855" y="1438275"/>
+            <a:ext cx="2439035" cy="2502535"/>
+          </a:xfrm>
+          <a:prstGeom prst="roundRect"/>
+          <a:solidFill>
+            <a:srgbClr val="EDEDED"/>
+          </a:solidFill>
+        </p:spPr>
+      </p:pic>
+      <p:pic>
+        <p:nvPicPr>
+          <p:cNvPr id="61" name="그림 64" descr="C:/Users/Admin1/AppData/Roaming/PolarisOffice/ETemp/8940_18798640/fImage121203211942.png"/>
+          <p:cNvPicPr>
+            <a:picLocks noChangeAspect="1"/>
+          </p:cNvPicPr>
+          <p:nvPr/>
+        </p:nvPicPr>
+        <p:blipFill rotWithShape="1">
+          <a:blip r:embed="rId3" cstate="print">
+            <a:extLst>
+              <a:ext uri="{28A0092B-C50C-407E-A947-70E740481C1C}">
+                <a14:useLocalDpi xmlns:a14="http://schemas.microsoft.com/office/drawing/2010/main" val="0"/>
+              </a:ext>
+            </a:extLst>
+          </a:blip>
+          <a:stretch>
+            <a:fillRect/>
+          </a:stretch>
+        </p:blipFill>
+        <p:spPr>
+          <a:xfrm rot="0">
+            <a:off x="3907155" y="1438275"/>
+            <a:ext cx="1455420" cy="1388745"/>
+          </a:xfrm>
+          <a:prstGeom prst="roundRect"/>
+          <a:solidFill>
+            <a:srgbClr val="EDEDED"/>
+          </a:solidFill>
+        </p:spPr>
+      </p:pic>
+      <p:pic>
+        <p:nvPicPr>
+          <p:cNvPr id="62" name="그림 67" descr="C:/Users/Admin1/AppData/Roaming/PolarisOffice/ETemp/8940_18798640/fImage22353224827.png"/>
+          <p:cNvPicPr>
+            <a:picLocks noChangeAspect="1"/>
+          </p:cNvPicPr>
+          <p:nvPr/>
+        </p:nvPicPr>
+        <p:blipFill rotWithShape="1">
+          <a:blip r:embed="rId4" cstate="print">
+            <a:extLst>
+              <a:ext uri="{28A0092B-C50C-407E-A947-70E740481C1C}">
+                <a14:useLocalDpi xmlns:a14="http://schemas.microsoft.com/office/drawing/2010/main" val="0"/>
+              </a:ext>
+            </a:extLst>
+          </a:blip>
+          <a:stretch>
+            <a:fillRect/>
+          </a:stretch>
+        </p:blipFill>
+        <p:spPr>
+          <a:xfrm rot="0">
+            <a:off x="4281805" y="3242310"/>
+            <a:ext cx="686435" cy="706755"/>
+          </a:xfrm>
+          <a:prstGeom prst="roundRect"/>
+          <a:solidFill>
+            <a:srgbClr val="EDEDED"/>
+          </a:solidFill>
+        </p:spPr>
+      </p:pic>
+      <p:cxnSp>
+        <p:nvCxnSpPr>
+          <p:cNvPr id="63" name="도형 70"/>
+          <p:cNvCxnSpPr>
+            <a:stCxn id="62" idx="0"/>
+            <a:endCxn id="61" idx="2"/>
+          </p:cNvCxnSpPr>
+          <p:nvPr/>
+        </p:nvCxnSpPr>
+        <p:spPr>
+          <a:xfrm rot="0" flipV="1">
+            <a:off x="4624705" y="2826385"/>
+            <a:ext cx="10160" cy="416560"/>
+          </a:xfrm>
+          <a:prstGeom prst="straightConnector1"/>
+          <a:ln w="6350" cap="flat" cmpd="sng">
+            <a:prstDash/>
+            <a:headEnd type="none" w="med" len="med"/>
+            <a:tailEnd type="triangle" w="med" len="med"/>
+          </a:ln>
+        </p:spPr>
+        <p:style>
+          <a:lnRef idx="1">
+            <a:schemeClr val="accent1"/>
+          </a:lnRef>
+          <a:fillRef idx="0">
+            <a:schemeClr val="accent1"/>
+          </a:fillRef>
+          <a:effectRef idx="0">
+            <a:schemeClr val="accent1"/>
+          </a:effectRef>
+          <a:fontRef idx="minor">
+            <a:schemeClr val="tx1"/>
+          </a:fontRef>
+        </p:style>
+      </p:cxnSp>
+      <p:pic>
+        <p:nvPicPr>
+          <p:cNvPr id="64" name="그림 71" descr="C:/Users/Admin1/AppData/Roaming/PolarisOffice/ETemp/8940_18798640/fImage74723245436.png"/>
+          <p:cNvPicPr>
+            <a:picLocks noChangeAspect="1"/>
+          </p:cNvPicPr>
+          <p:nvPr/>
+        </p:nvPicPr>
+        <p:blipFill rotWithShape="1">
+          <a:blip r:embed="rId5" cstate="print">
+            <a:extLst>
+              <a:ext uri="{28A0092B-C50C-407E-A947-70E740481C1C}">
+                <a14:useLocalDpi xmlns:a14="http://schemas.microsoft.com/office/drawing/2010/main" val="0"/>
+              </a:ext>
+            </a:extLst>
+          </a:blip>
+          <a:stretch>
+            <a:fillRect/>
+          </a:stretch>
+        </p:blipFill>
+        <p:spPr>
+          <a:xfrm rot="0">
+            <a:off x="6816725" y="4053205"/>
+            <a:ext cx="4131945" cy="1392555"/>
+          </a:xfrm>
+          <a:prstGeom prst="roundRect"/>
+          <a:solidFill>
+            <a:srgbClr val="EDEDED"/>
+          </a:solidFill>
+        </p:spPr>
+      </p:pic>
+      <p:pic>
+        <p:nvPicPr>
+          <p:cNvPr id="65" name="그림 77" descr="C:/Users/Admin1/AppData/Roaming/PolarisOffice/ETemp/8940_18798640/fImage113133272391.png"/>
+          <p:cNvPicPr>
+            <a:picLocks noChangeAspect="1"/>
+          </p:cNvPicPr>
+          <p:nvPr/>
+        </p:nvPicPr>
+        <p:blipFill rotWithShape="1">
+          <a:blip r:embed="rId6" cstate="print">
+            <a:extLst>
+              <a:ext uri="{28A0092B-C50C-407E-A947-70E740481C1C}">
+                <a14:useLocalDpi xmlns:a14="http://schemas.microsoft.com/office/drawing/2010/main" val="0"/>
+              </a:ext>
+            </a:extLst>
+          </a:blip>
+          <a:stretch>
+            <a:fillRect/>
+          </a:stretch>
+        </p:blipFill>
+        <p:spPr>
+          <a:xfrm rot="0">
+            <a:off x="6798310" y="1431925"/>
+            <a:ext cx="4150360" cy="1636395"/>
+          </a:xfrm>
+          <a:prstGeom prst="roundRect"/>
+          <a:solidFill>
+            <a:srgbClr val="EDEDED"/>
+          </a:solidFill>
+        </p:spPr>
+      </p:pic>
+      <p:sp>
+        <p:nvSpPr>
+          <p:cNvPr id="66" name="텍스트 상자 78"/>
+          <p:cNvSpPr txBox="1">
+            <a:spLocks/>
+          </p:cNvSpPr>
+          <p:nvPr/>
+        </p:nvSpPr>
+        <p:spPr>
+          <a:xfrm rot="0">
+            <a:off x="6805295" y="3200400"/>
+            <a:ext cx="4147820" cy="647065"/>
+          </a:xfrm>
+          <a:prstGeom prst="rect"/>
+          <a:noFill/>
+          <a:ln w="0">
+            <a:noFill/>
+            <a:prstDash/>
+          </a:ln>
+        </p:spPr>
+        <p:txBody>
+          <a:bodyPr wrap="square" lIns="89535" tIns="46355" rIns="89535" bIns="46355" numCol="1" vert="horz" anchor="t">
+            <a:spAutoFit/>
+          </a:bodyPr>
+          <a:lstStyle/>
+          <a:p>
+            <a:pPr marL="0" indent="0" rtl="0" algn="l" defTabSz="914400" eaLnBrk="1" latinLnBrk="0" hangingPunct="1">
+              <a:buFontTx/>
+              <a:buNone/>
+            </a:pPr>
+            <a:r>
+              <a:rPr lang="ko-KR" sz="1800" b="1">
+                <a:solidFill>
+                  <a:srgbClr val="0611F2"/>
+                </a:solidFill>
+                <a:latin typeface="맑은 고딕" charset="0"/>
+                <a:ea typeface="맑은 고딕" charset="0"/>
+              </a:rPr>
+              <a:t>24</a:t>
+            </a:r>
+            <a:r>
+              <a:rPr sz="1800" b="1">
+                <a:solidFill>
+                  <a:srgbClr val="0611F2"/>
+                </a:solidFill>
+                <a:latin typeface="맑은 고딕" charset="0"/>
+                <a:ea typeface="맑은 고딕" charset="0"/>
+              </a:rPr>
+              <a:t>.</a:t>
+            </a:r>
+            <a:r>
+              <a:rPr sz="1800">
+                <a:latin typeface="맑은 고딕" charset="0"/>
+                <a:ea typeface="맑은 고딕" charset="0"/>
+              </a:rPr>
+              <a:t> </a:t>
+            </a:r>
+            <a:r>
+              <a:rPr lang="ko-KR" sz="1800">
+                <a:latin typeface="맑은 고딕" charset="0"/>
+                <a:ea typeface="맑은 고딕" charset="0"/>
+              </a:rPr>
+              <a:t>이제 Create Crystal 오브젝트의 위치와 회전 값을 초기화합니다.</a:t>
+            </a:r>
+            <a:endParaRPr lang="ko-KR" altLang="en-US" sz="1800">
+              <a:latin typeface="맑은 고딕" charset="0"/>
+              <a:ea typeface="맑은 고딕" charset="0"/>
+            </a:endParaRPr>
+          </a:p>
+        </p:txBody>
+      </p:sp>
+    </p:spTree>
+  </p:cSld>
+  <p:clrMapOvr>
+    <a:masterClrMapping/>
+  </p:clrMapOvr>
+  <mc:AlternateContent xmlns:mc="http://schemas.openxmlformats.org/markup-compatibility/2006">
+    <mc:Choice xmlns:p14="http://schemas.microsoft.com/office/powerpoint/2010/main" Requires="p14">
+      <p:transition spd="slow" p14:dur="2000"/>
+    </mc:Choice>
+    <mc:Fallback>
+      <p:transition spd="slow"/>
+    </mc:Fallback>
+  </mc:AlternateContent>
+  <p:timing>
+    <p:tnLst>
+      <p:par>
+        <p:cTn id="1" dur="indefinite" restart="never" nodeType="tmRoot"/>
+      </p:par>
+    </p:tnLst>
+  </p:timing>
+</p:sld>
+</file>
+
+<file path=ppt/slides/slide13.xml><?xml version="1.0" encoding="utf-8"?>
+<p:sld xmlns:a="http://schemas.openxmlformats.org/drawingml/2006/main" xmlns:r="http://schemas.openxmlformats.org/officeDocument/2006/relationships" xmlns:p="http://schemas.openxmlformats.org/presentationml/2006/main">
+  <p:cSld>
+    <p:spTree>
+      <p:nvGrpSpPr>
+        <p:cNvPr id="1" name=""/>
+        <p:cNvGrpSpPr/>
+        <p:nvPr/>
+      </p:nvGrpSpPr>
+      <p:grpSpPr>
+        <a:xfrm>
+          <a:off x="0" y="0"/>
+          <a:ext cx="0" cy="0"/>
+          <a:chOff x="0" y="0"/>
+          <a:chExt cx="0" cy="0"/>
+        </a:xfrm>
+      </p:grpSpPr>
+      <p:sp>
+        <p:nvSpPr>
+          <p:cNvPr id="29" name="Rect 0"/>
+          <p:cNvSpPr txBox="1">
+            <a:spLocks/>
+          </p:cNvSpPr>
+          <p:nvPr/>
+        </p:nvSpPr>
+        <p:spPr>
+          <a:xfrm rot="0">
+            <a:off x="1229995" y="1337310"/>
+            <a:ext cx="4039870" cy="371475"/>
+          </a:xfrm>
+          <a:prstGeom prst="rect"/>
+          <a:noFill/>
+          <a:ln w="0">
+            <a:noFill/>
+            <a:prstDash/>
+          </a:ln>
+        </p:spPr>
+        <p:txBody>
+          <a:bodyPr wrap="square" lIns="89535" tIns="46355" rIns="89535" bIns="46355" numCol="1" vert="horz" anchor="t">
+            <a:spAutoFit/>
+          </a:bodyPr>
+          <a:lstStyle/>
+          <a:p>
+            <a:pPr marL="0" indent="0" algn="l" latinLnBrk="0" hangingPunct="1">
+              <a:buFontTx/>
+              <a:buNone/>
+            </a:pPr>
+            <a:endParaRPr lang="ko-KR" altLang="en-US" sz="1800">
+              <a:latin typeface="맑은 고딕" charset="0"/>
+              <a:ea typeface="맑은 고딕" charset="0"/>
+            </a:endParaRPr>
+          </a:p>
+        </p:txBody>
+      </p:sp>
+      <p:sp>
+        <p:nvSpPr>
+          <p:cNvPr id="35" name="Rect 0"/>
+          <p:cNvSpPr txBox="1">
+            <a:spLocks/>
+          </p:cNvSpPr>
+          <p:nvPr/>
+        </p:nvSpPr>
+        <p:spPr>
+          <a:xfrm rot="0">
+            <a:off x="4326255" y="459740"/>
+            <a:ext cx="3538855" cy="554990"/>
+          </a:xfrm>
+          <a:prstGeom prst="rect"/>
+          <a:noFill/>
+          <a:ln w="0">
+            <a:noFill/>
+            <a:prstDash/>
+          </a:ln>
+        </p:spPr>
+        <p:txBody>
+          <a:bodyPr wrap="square" lIns="89535" tIns="46355" rIns="89535" bIns="46355" numCol="1" vert="horz" anchor="t">
+            <a:spAutoFit/>
+          </a:bodyPr>
+          <a:lstStyle/>
+          <a:p>
+            <a:pPr marL="0" indent="0" rtl="0" algn="l" defTabSz="914400" eaLnBrk="1" latinLnBrk="0" hangingPunct="1">
+              <a:buFontTx/>
+              <a:buNone/>
+            </a:pPr>
+            <a:r>
+              <a:rPr lang="ko-KR" sz="3000" b="1">
+                <a:latin typeface="맑은 고딕" charset="0"/>
+                <a:ea typeface="맑은 고딕" charset="0"/>
+              </a:rPr>
+              <a:t>열두</a:t>
+            </a:r>
+            <a:r>
+              <a:rPr lang="ko-KR" sz="3000" b="1">
+                <a:latin typeface="맑은 고딕" charset="0"/>
+                <a:ea typeface="맑은 고딕" charset="0"/>
+              </a:rPr>
+              <a:t> 번째 튜토리얼</a:t>
+            </a:r>
+            <a:r>
+              <a:rPr sz="3000" b="1">
+                <a:latin typeface="맑은 고딕" charset="0"/>
+                <a:ea typeface="맑은 고딕" charset="0"/>
+              </a:rPr>
+              <a:t> </a:t>
+            </a:r>
+            <a:endParaRPr lang="ko-KR" altLang="en-US" sz="3000" b="1">
+              <a:latin typeface="맑은 고딕" charset="0"/>
+              <a:ea typeface="맑은 고딕" charset="0"/>
+            </a:endParaRPr>
+          </a:p>
+        </p:txBody>
+      </p:sp>
+      <p:sp>
+        <p:nvSpPr>
+          <p:cNvPr id="45" name="Rect 0"/>
+          <p:cNvSpPr txBox="1">
+            <a:spLocks/>
+          </p:cNvSpPr>
+          <p:nvPr/>
+        </p:nvSpPr>
+        <p:spPr>
+          <a:xfrm rot="0">
+            <a:off x="6800215" y="4151630"/>
+            <a:ext cx="4182110" cy="2031365"/>
+          </a:xfrm>
+          <a:prstGeom prst="rect"/>
+          <a:noFill/>
+          <a:ln w="0">
+            <a:noFill/>
+            <a:prstDash/>
+          </a:ln>
+        </p:spPr>
+        <p:txBody>
+          <a:bodyPr wrap="square" lIns="89535" tIns="46355" rIns="89535" bIns="46355" numCol="1" vert="horz" anchor="t">
+            <a:spAutoFit/>
+          </a:bodyPr>
+          <a:lstStyle/>
+          <a:p>
+            <a:pPr marL="0" indent="0" rtl="0" algn="l" defTabSz="914400" eaLnBrk="1" latinLnBrk="0" hangingPunct="1">
+              <a:buFontTx/>
+              <a:buNone/>
+            </a:pPr>
+            <a:r>
+              <a:rPr lang="ko-KR" sz="1800" b="1">
+                <a:solidFill>
+                  <a:srgbClr val="0611F2"/>
+                </a:solidFill>
+                <a:latin typeface="맑은 고딕" charset="0"/>
+                <a:ea typeface="맑은 고딕" charset="0"/>
+              </a:rPr>
+              <a:t>27</a:t>
+            </a:r>
+            <a:r>
+              <a:rPr sz="1800" b="1">
+                <a:solidFill>
+                  <a:srgbClr val="0611F2"/>
+                </a:solidFill>
+                <a:latin typeface="맑은 고딕" charset="0"/>
+                <a:ea typeface="맑은 고딕" charset="0"/>
+              </a:rPr>
+              <a:t>.</a:t>
+            </a:r>
+            <a:r>
+              <a:rPr sz="1800">
+                <a:latin typeface="맑은 고딕" charset="0"/>
+                <a:ea typeface="맑은 고딕" charset="0"/>
+              </a:rPr>
+              <a:t> </a:t>
+            </a:r>
+            <a:r>
+              <a:rPr lang="ko-KR" sz="1800">
+                <a:latin typeface="맑은 고딕" charset="0"/>
+                <a:ea typeface="맑은 고딕" charset="0"/>
+              </a:rPr>
+              <a:t>그러고 나서 빈 게임 오브젝트를 4개 생성합니다.</a:t>
+            </a:r>
+            <a:endParaRPr lang="ko-KR" altLang="en-US" sz="1800">
+              <a:latin typeface="맑은 고딕" charset="0"/>
+              <a:ea typeface="맑은 고딕" charset="0"/>
+            </a:endParaRPr>
+          </a:p>
+          <a:p>
+            <a:pPr marL="0" indent="0" rtl="0" algn="l" defTabSz="914400" eaLnBrk="1" latinLnBrk="0" hangingPunct="1">
+              <a:buFontTx/>
+              <a:buNone/>
+            </a:pPr>
+            <a:endParaRPr lang="ko-KR" altLang="en-US" sz="1800">
+              <a:latin typeface="맑은 고딕" charset="0"/>
+              <a:ea typeface="맑은 고딕" charset="0"/>
+            </a:endParaRPr>
+          </a:p>
+          <a:p>
+            <a:pPr marL="0" indent="0" rtl="0" algn="l" defTabSz="914400" eaLnBrk="1" latinLnBrk="0" hangingPunct="1">
+              <a:buFontTx/>
+              <a:buNone/>
+            </a:pPr>
+            <a:r>
+              <a:rPr lang="ko-KR" sz="1800">
+                <a:latin typeface="맑은 고딕" charset="0"/>
+                <a:ea typeface="맑은 고딕" charset="0"/>
+              </a:rPr>
+              <a:t>이제 각각의 이름을 First Point와 Second Point 그리고 Third Point 마지막으로 Four Point라는 이름으로 정의합니다.</a:t>
+            </a:r>
+            <a:endParaRPr lang="ko-KR" altLang="en-US" sz="1800">
+              <a:latin typeface="맑은 고딕" charset="0"/>
+              <a:ea typeface="맑은 고딕" charset="0"/>
+            </a:endParaRPr>
+          </a:p>
+        </p:txBody>
+      </p:sp>
+      <p:sp>
+        <p:nvSpPr>
+          <p:cNvPr id="56" name="Rect 0"/>
+          <p:cNvSpPr txBox="1">
+            <a:spLocks/>
+          </p:cNvSpPr>
+          <p:nvPr/>
+        </p:nvSpPr>
+        <p:spPr>
+          <a:xfrm rot="0">
+            <a:off x="1230630" y="4982210"/>
+            <a:ext cx="4140200" cy="1200785"/>
+          </a:xfrm>
+          <a:prstGeom prst="rect"/>
+          <a:noFill/>
+          <a:ln w="0">
+            <a:noFill/>
+            <a:prstDash/>
+          </a:ln>
+        </p:spPr>
+        <p:txBody>
+          <a:bodyPr wrap="square" lIns="89535" tIns="46355" rIns="89535" bIns="46355" numCol="1" vert="horz" anchor="t">
+            <a:spAutoFit/>
+          </a:bodyPr>
+          <a:lstStyle/>
+          <a:p>
+            <a:pPr marL="0" indent="0" rtl="0" algn="l" defTabSz="914400" eaLnBrk="1" latinLnBrk="0" hangingPunct="1">
+              <a:buFontTx/>
+              <a:buNone/>
+            </a:pPr>
+            <a:r>
+              <a:rPr sz="1800" b="1">
+                <a:solidFill>
+                  <a:srgbClr val="0611F2"/>
+                </a:solidFill>
+                <a:latin typeface="맑은 고딕" charset="0"/>
+                <a:ea typeface="맑은 고딕" charset="0"/>
+              </a:rPr>
+              <a:t>2</a:t>
+            </a:r>
+            <a:r>
+              <a:rPr lang="ko-KR" sz="1800" b="1">
+                <a:solidFill>
+                  <a:srgbClr val="0611F2"/>
+                </a:solidFill>
+                <a:latin typeface="맑은 고딕" charset="0"/>
+                <a:ea typeface="맑은 고딕" charset="0"/>
+              </a:rPr>
+              <a:t>6</a:t>
+            </a:r>
+            <a:r>
+              <a:rPr sz="1800" b="1">
+                <a:solidFill>
+                  <a:srgbClr val="0611F2"/>
+                </a:solidFill>
+                <a:latin typeface="맑은 고딕" charset="0"/>
+                <a:ea typeface="맑은 고딕" charset="0"/>
+              </a:rPr>
+              <a:t>.</a:t>
+            </a:r>
+            <a:r>
+              <a:rPr sz="1800">
+                <a:latin typeface="맑은 고딕" charset="0"/>
+                <a:ea typeface="맑은 고딕" charset="0"/>
+              </a:rPr>
+              <a:t> </a:t>
+            </a:r>
+            <a:r>
+              <a:rPr lang="ko-KR" sz="1800">
+                <a:latin typeface="맑은 고딕" charset="0"/>
+                <a:ea typeface="맑은 고딕" charset="0"/>
+              </a:rPr>
+              <a:t>그런 다음 마스터 클라이언트에서만 ObjectCreation( ) 코루틴 함수로 5초 마다 호출하도록 설정합니다.</a:t>
+            </a:r>
+            <a:endParaRPr lang="ko-KR" altLang="en-US" sz="1800">
+              <a:latin typeface="맑은 고딕" charset="0"/>
+              <a:ea typeface="맑은 고딕" charset="0"/>
+            </a:endParaRPr>
+          </a:p>
+        </p:txBody>
+      </p:sp>
+      <p:pic>
+        <p:nvPicPr>
+          <p:cNvPr id="67" name="그림 81" descr="C:/Users/Admin1/AppData/Roaming/PolarisOffice/ETemp/8940_18798640/fImage121983434604.png"/>
+          <p:cNvPicPr>
+            <a:picLocks noChangeAspect="1"/>
+          </p:cNvPicPr>
+          <p:nvPr/>
+        </p:nvPicPr>
+        <p:blipFill rotWithShape="1">
+          <a:blip r:embed="rId2" cstate="print">
+            <a:extLst>
+              <a:ext uri="{28A0092B-C50C-407E-A947-70E740481C1C}">
+                <a14:useLocalDpi xmlns:a14="http://schemas.microsoft.com/office/drawing/2010/main" val="0"/>
+              </a:ext>
+            </a:extLst>
+          </a:blip>
+          <a:stretch>
+            <a:fillRect/>
+          </a:stretch>
+        </p:blipFill>
+        <p:spPr>
+          <a:xfrm rot="0">
+            <a:off x="1222375" y="1438910"/>
+            <a:ext cx="4148455" cy="3391535"/>
+          </a:xfrm>
+          <a:prstGeom prst="rect"/>
+          <a:noFill/>
+        </p:spPr>
+      </p:pic>
+      <p:pic>
+        <p:nvPicPr>
+          <p:cNvPr id="69" name="그림 86" descr="C:/Users/Admin1/AppData/Roaming/PolarisOffice/ETemp/8940_18798640/fImage330252115705.png"/>
+          <p:cNvPicPr>
+            <a:picLocks noChangeAspect="1"/>
+          </p:cNvPicPr>
+          <p:nvPr/>
+        </p:nvPicPr>
+        <p:blipFill rotWithShape="1">
+          <a:blip r:embed="rId3" cstate="hqprint">
+            <a:extLst>
+              <a:ext uri="{28A0092B-C50C-407E-A947-70E740481C1C}">
+                <a14:useLocalDpi xmlns:a14="http://schemas.microsoft.com/office/drawing/2010/main"/>
+              </a:ext>
+            </a:extLst>
+          </a:blip>
+          <a:stretch>
+            <a:fillRect/>
+          </a:stretch>
+        </p:blipFill>
+        <p:spPr>
+          <a:xfrm rot="0">
+            <a:off x="6800215" y="1438275"/>
+            <a:ext cx="2411095" cy="2552700"/>
+          </a:xfrm>
+          <a:prstGeom prst="roundRect"/>
+          <a:solidFill>
+            <a:srgbClr val="EDEDED"/>
+          </a:solidFill>
+        </p:spPr>
+      </p:pic>
+      <p:pic>
+        <p:nvPicPr>
+          <p:cNvPr id="70" name="그림 87" descr="C:/Users/Admin1/AppData/Roaming/PolarisOffice/ETemp/8940_18798640/fImage142403463902.png"/>
+          <p:cNvPicPr>
+            <a:picLocks noChangeAspect="1"/>
+          </p:cNvPicPr>
+          <p:nvPr/>
+        </p:nvPicPr>
+        <p:blipFill rotWithShape="1">
+          <a:blip r:embed="rId4" cstate="print">
+            <a:extLst>
+              <a:ext uri="{28A0092B-C50C-407E-A947-70E740481C1C}">
+                <a14:useLocalDpi xmlns:a14="http://schemas.microsoft.com/office/drawing/2010/main" val="0"/>
+              </a:ext>
+            </a:extLst>
+          </a:blip>
+          <a:stretch>
+            <a:fillRect/>
+          </a:stretch>
+        </p:blipFill>
+        <p:spPr>
+          <a:xfrm rot="0">
+            <a:off x="9393555" y="1704340"/>
+            <a:ext cx="1588770" cy="2012315"/>
+          </a:xfrm>
+          <a:prstGeom prst="roundRect"/>
+          <a:solidFill>
+            <a:srgbClr val="EDEDED"/>
+          </a:solidFill>
+        </p:spPr>
+      </p:pic>
+    </p:spTree>
+  </p:cSld>
+  <p:clrMapOvr>
+    <a:masterClrMapping/>
+  </p:clrMapOvr>
+  <mc:AlternateContent xmlns:mc="http://schemas.openxmlformats.org/markup-compatibility/2006">
+    <mc:Choice xmlns:p14="http://schemas.microsoft.com/office/powerpoint/2010/main" Requires="p14">
+      <p:transition spd="slow" p14:dur="2000"/>
+    </mc:Choice>
+    <mc:Fallback>
+      <p:transition spd="slow"/>
+    </mc:Fallback>
+  </mc:AlternateContent>
+  <p:timing>
+    <p:tnLst>
+      <p:par>
+        <p:cTn id="1" dur="indefinite" restart="never" nodeType="tmRoot"/>
+      </p:par>
+    </p:tnLst>
+  </p:timing>
+</p:sld>
+</file>
+
+<file path=ppt/slides/slide14.xml><?xml version="1.0" encoding="utf-8"?>
+<p:sld xmlns:a="http://schemas.openxmlformats.org/drawingml/2006/main" xmlns:r="http://schemas.openxmlformats.org/officeDocument/2006/relationships" xmlns:p="http://schemas.openxmlformats.org/presentationml/2006/main">
+  <p:cSld>
+    <p:spTree>
+      <p:nvGrpSpPr>
+        <p:cNvPr id="1" name=""/>
+        <p:cNvGrpSpPr/>
+        <p:nvPr/>
+      </p:nvGrpSpPr>
+      <p:grpSpPr>
+        <a:xfrm>
+          <a:off x="0" y="0"/>
+          <a:ext cx="0" cy="0"/>
+          <a:chOff x="0" y="0"/>
+          <a:chExt cx="0" cy="0"/>
+        </a:xfrm>
+      </p:grpSpPr>
+      <p:sp>
+        <p:nvSpPr>
+          <p:cNvPr id="29" name="Rect 0"/>
+          <p:cNvSpPr txBox="1">
+            <a:spLocks/>
+          </p:cNvSpPr>
+          <p:nvPr/>
+        </p:nvSpPr>
+        <p:spPr>
+          <a:xfrm rot="0">
+            <a:off x="1229995" y="1337310"/>
+            <a:ext cx="4039870" cy="371475"/>
+          </a:xfrm>
+          <a:prstGeom prst="rect"/>
+          <a:noFill/>
+          <a:ln w="0">
+            <a:noFill/>
+            <a:prstDash/>
+          </a:ln>
+        </p:spPr>
+        <p:txBody>
+          <a:bodyPr wrap="square" lIns="89535" tIns="46355" rIns="89535" bIns="46355" numCol="1" vert="horz" anchor="t">
+            <a:spAutoFit/>
+          </a:bodyPr>
+          <a:lstStyle/>
+          <a:p>
+            <a:pPr marL="0" indent="0" algn="l" latinLnBrk="0" hangingPunct="1">
+              <a:buFontTx/>
+              <a:buNone/>
+            </a:pPr>
+            <a:endParaRPr lang="ko-KR" altLang="en-US" sz="1800">
+              <a:latin typeface="맑은 고딕" charset="0"/>
+              <a:ea typeface="맑은 고딕" charset="0"/>
+            </a:endParaRPr>
+          </a:p>
+        </p:txBody>
+      </p:sp>
+      <p:sp>
+        <p:nvSpPr>
+          <p:cNvPr id="35" name="Rect 0"/>
+          <p:cNvSpPr txBox="1">
+            <a:spLocks/>
+          </p:cNvSpPr>
+          <p:nvPr/>
+        </p:nvSpPr>
+        <p:spPr>
+          <a:xfrm rot="0">
+            <a:off x="4326255" y="459740"/>
+            <a:ext cx="3538855" cy="554990"/>
+          </a:xfrm>
+          <a:prstGeom prst="rect"/>
+          <a:noFill/>
+          <a:ln w="0">
+            <a:noFill/>
+            <a:prstDash/>
+          </a:ln>
+        </p:spPr>
+        <p:txBody>
+          <a:bodyPr wrap="square" lIns="89535" tIns="46355" rIns="89535" bIns="46355" numCol="1" vert="horz" anchor="t">
+            <a:spAutoFit/>
+          </a:bodyPr>
+          <a:lstStyle/>
+          <a:p>
+            <a:pPr marL="0" indent="0" rtl="0" algn="l" defTabSz="914400" eaLnBrk="1" latinLnBrk="0" hangingPunct="1">
+              <a:buFontTx/>
+              <a:buNone/>
+            </a:pPr>
+            <a:r>
+              <a:rPr lang="ko-KR" sz="3000" b="1">
+                <a:latin typeface="맑은 고딕" charset="0"/>
+                <a:ea typeface="맑은 고딕" charset="0"/>
+              </a:rPr>
+              <a:t>열세</a:t>
+            </a:r>
+            <a:r>
+              <a:rPr lang="ko-KR" sz="3000" b="1">
+                <a:latin typeface="맑은 고딕" charset="0"/>
+                <a:ea typeface="맑은 고딕" charset="0"/>
+              </a:rPr>
+              <a:t> 번째 튜토리얼</a:t>
+            </a:r>
+            <a:r>
+              <a:rPr sz="3000" b="1">
+                <a:latin typeface="맑은 고딕" charset="0"/>
+                <a:ea typeface="맑은 고딕" charset="0"/>
+              </a:rPr>
+              <a:t> </a:t>
+            </a:r>
+            <a:endParaRPr lang="ko-KR" altLang="en-US" sz="3000" b="1">
+              <a:latin typeface="맑은 고딕" charset="0"/>
+              <a:ea typeface="맑은 고딕" charset="0"/>
+            </a:endParaRPr>
+          </a:p>
+        </p:txBody>
+      </p:sp>
+      <p:sp>
+        <p:nvSpPr>
+          <p:cNvPr id="45" name="Rect 0"/>
+          <p:cNvSpPr txBox="1">
+            <a:spLocks/>
+          </p:cNvSpPr>
+          <p:nvPr/>
+        </p:nvSpPr>
+        <p:spPr>
+          <a:xfrm rot="0">
+            <a:off x="6791960" y="3054350"/>
+            <a:ext cx="4156710" cy="3138805"/>
+          </a:xfrm>
+          <a:prstGeom prst="rect"/>
+          <a:noFill/>
+          <a:ln w="0">
+            <a:noFill/>
+            <a:prstDash/>
+          </a:ln>
+        </p:spPr>
+        <p:txBody>
+          <a:bodyPr wrap="square" lIns="89535" tIns="46355" rIns="89535" bIns="46355" numCol="1" vert="horz" anchor="t">
+            <a:spAutoFit/>
+          </a:bodyPr>
+          <a:lstStyle/>
+          <a:p>
+            <a:pPr marL="0" indent="0" rtl="0" algn="l" defTabSz="914400" eaLnBrk="1" latinLnBrk="0" hangingPunct="1">
+              <a:buFontTx/>
+              <a:buNone/>
+            </a:pPr>
+            <a:r>
+              <a:rPr lang="ko-KR" sz="1800" b="1">
+                <a:solidFill>
+                  <a:srgbClr val="0611F2"/>
+                </a:solidFill>
+                <a:latin typeface="맑은 고딕" charset="0"/>
+                <a:ea typeface="맑은 고딕" charset="0"/>
+              </a:rPr>
+              <a:t>29</a:t>
+            </a:r>
+            <a:r>
+              <a:rPr sz="1800" b="1">
+                <a:solidFill>
+                  <a:srgbClr val="0611F2"/>
+                </a:solidFill>
+                <a:latin typeface="맑은 고딕" charset="0"/>
+                <a:ea typeface="맑은 고딕" charset="0"/>
+              </a:rPr>
+              <a:t>.</a:t>
+            </a:r>
+            <a:r>
+              <a:rPr sz="1800">
+                <a:latin typeface="맑은 고딕" charset="0"/>
+                <a:ea typeface="맑은 고딕" charset="0"/>
+              </a:rPr>
+              <a:t> </a:t>
+            </a:r>
+            <a:r>
+              <a:rPr lang="ko-KR" sz="1800">
+                <a:latin typeface="맑은 고딕" charset="0"/>
+                <a:ea typeface="맑은 고딕" charset="0"/>
+              </a:rPr>
+              <a:t>그런 다음 Create Crystal 오브젝트에 있는 CreateCrystal 스크립트의 Point를 4개 설정합니다. </a:t>
+            </a:r>
+            <a:endParaRPr lang="ko-KR" altLang="en-US" sz="1800">
+              <a:latin typeface="맑은 고딕" charset="0"/>
+              <a:ea typeface="맑은 고딕" charset="0"/>
+            </a:endParaRPr>
+          </a:p>
+          <a:p>
+            <a:pPr marL="0" indent="0" rtl="0" algn="l" defTabSz="914400" eaLnBrk="1" latinLnBrk="0" hangingPunct="1">
+              <a:buFontTx/>
+              <a:buNone/>
+            </a:pPr>
+            <a:endParaRPr lang="ko-KR" altLang="en-US" sz="1800">
+              <a:latin typeface="맑은 고딕" charset="0"/>
+              <a:ea typeface="맑은 고딕" charset="0"/>
+            </a:endParaRPr>
+          </a:p>
+          <a:p>
+            <a:pPr marL="0" indent="0" rtl="0" algn="l" defTabSz="914400" eaLnBrk="1" latinLnBrk="0" hangingPunct="1">
+              <a:buFontTx/>
+              <a:buNone/>
+            </a:pPr>
+            <a:r>
+              <a:rPr lang="ko-KR" sz="1800">
+                <a:latin typeface="맑은 고딕" charset="0"/>
+                <a:ea typeface="맑은 고딕" charset="0"/>
+              </a:rPr>
+              <a:t>이제 Element 0에는 First Point를 넣어주고 Element 1에는 Second Point를 넣어줍니다.</a:t>
+            </a:r>
+            <a:endParaRPr lang="ko-KR" altLang="en-US" sz="1800">
+              <a:latin typeface="맑은 고딕" charset="0"/>
+              <a:ea typeface="맑은 고딕" charset="0"/>
+            </a:endParaRPr>
+          </a:p>
+          <a:p>
+            <a:pPr marL="0" indent="0" rtl="0" algn="l" defTabSz="914400" eaLnBrk="1" latinLnBrk="0" hangingPunct="1">
+              <a:buFontTx/>
+              <a:buNone/>
+            </a:pPr>
+            <a:endParaRPr lang="ko-KR" altLang="en-US" sz="1800">
+              <a:latin typeface="맑은 고딕" charset="0"/>
+              <a:ea typeface="맑은 고딕" charset="0"/>
+            </a:endParaRPr>
+          </a:p>
+          <a:p>
+            <a:pPr marL="0" indent="0" rtl="0" algn="l" defTabSz="914400" eaLnBrk="1" latinLnBrk="0" hangingPunct="1">
+              <a:buFontTx/>
+              <a:buNone/>
+            </a:pPr>
+            <a:r>
+              <a:rPr lang="ko-KR" sz="1800">
+                <a:latin typeface="맑은 고딕" charset="0"/>
+                <a:ea typeface="맑은 고딕" charset="0"/>
+              </a:rPr>
+              <a:t>그리고 Element 2에는 Third Point를 넣어준 다음 Element 3에는 Four Point를 넣어줍니다.</a:t>
+            </a:r>
+            <a:endParaRPr lang="ko-KR" altLang="en-US" sz="1800">
+              <a:latin typeface="맑은 고딕" charset="0"/>
+              <a:ea typeface="맑은 고딕" charset="0"/>
+            </a:endParaRPr>
+          </a:p>
+        </p:txBody>
+      </p:sp>
+      <p:sp>
+        <p:nvSpPr>
+          <p:cNvPr id="56" name="Rect 0"/>
+          <p:cNvSpPr txBox="1">
+            <a:spLocks/>
+          </p:cNvSpPr>
+          <p:nvPr/>
+        </p:nvSpPr>
+        <p:spPr>
+          <a:xfrm rot="0">
+            <a:off x="1230630" y="5273040"/>
+            <a:ext cx="4148455" cy="923925"/>
+          </a:xfrm>
+          <a:prstGeom prst="rect"/>
+          <a:noFill/>
+          <a:ln w="0">
+            <a:noFill/>
+            <a:prstDash/>
+          </a:ln>
+        </p:spPr>
+        <p:txBody>
+          <a:bodyPr wrap="square" lIns="89535" tIns="46355" rIns="89535" bIns="46355" numCol="1" vert="horz" anchor="t">
+            <a:spAutoFit/>
+          </a:bodyPr>
+          <a:lstStyle/>
+          <a:p>
+            <a:pPr marL="0" indent="0" rtl="0" algn="l" defTabSz="914400" eaLnBrk="1" latinLnBrk="0" hangingPunct="1">
+              <a:buFontTx/>
+              <a:buNone/>
+            </a:pPr>
+            <a:r>
+              <a:rPr sz="1800" b="1">
+                <a:solidFill>
+                  <a:srgbClr val="0611F2"/>
+                </a:solidFill>
+                <a:latin typeface="맑은 고딕" charset="0"/>
+                <a:ea typeface="맑은 고딕" charset="0"/>
+              </a:rPr>
+              <a:t>2</a:t>
+            </a:r>
+            <a:r>
+              <a:rPr lang="ko-KR" sz="1800" b="1">
+                <a:solidFill>
+                  <a:srgbClr val="0611F2"/>
+                </a:solidFill>
+                <a:latin typeface="맑은 고딕" charset="0"/>
+                <a:ea typeface="맑은 고딕" charset="0"/>
+              </a:rPr>
+              <a:t>8</a:t>
+            </a:r>
+            <a:r>
+              <a:rPr sz="1800" b="1">
+                <a:solidFill>
+                  <a:srgbClr val="0611F2"/>
+                </a:solidFill>
+                <a:latin typeface="맑은 고딕" charset="0"/>
+                <a:ea typeface="맑은 고딕" charset="0"/>
+              </a:rPr>
+              <a:t>.</a:t>
+            </a:r>
+            <a:r>
+              <a:rPr sz="1800">
+                <a:latin typeface="맑은 고딕" charset="0"/>
+                <a:ea typeface="맑은 고딕" charset="0"/>
+              </a:rPr>
+              <a:t> </a:t>
+            </a:r>
+            <a:r>
+              <a:rPr lang="ko-KR" sz="1800">
+                <a:latin typeface="맑은 고딕" charset="0"/>
+                <a:ea typeface="맑은 고딕" charset="0"/>
+              </a:rPr>
+              <a:t>그다음 아까 생성한 4개의 빈 게임 오브젝트를 선택하고 Select Icon을 설정합니다.</a:t>
+            </a:r>
+            <a:endParaRPr lang="ko-KR" altLang="en-US" sz="1800">
+              <a:latin typeface="맑은 고딕" charset="0"/>
+              <a:ea typeface="맑은 고딕" charset="0"/>
+            </a:endParaRPr>
+          </a:p>
+        </p:txBody>
+      </p:sp>
+      <p:pic>
+        <p:nvPicPr>
+          <p:cNvPr id="71" name="그림 90" descr="C:/Users/Admin1/AppData/Roaming/PolarisOffice/ETemp/8940_18798640/fImage7012357153.png"/>
+          <p:cNvPicPr>
+            <a:picLocks noChangeAspect="1"/>
+          </p:cNvPicPr>
+          <p:nvPr/>
+        </p:nvPicPr>
+        <p:blipFill rotWithShape="1">
+          <a:blip r:embed="rId2" cstate="print">
+            <a:extLst>
+              <a:ext uri="{28A0092B-C50C-407E-A947-70E740481C1C}">
+                <a14:useLocalDpi xmlns:a14="http://schemas.microsoft.com/office/drawing/2010/main" val="0"/>
+              </a:ext>
+            </a:extLst>
+          </a:blip>
+          <a:stretch>
+            <a:fillRect/>
+          </a:stretch>
+        </p:blipFill>
+        <p:spPr>
+          <a:xfrm rot="0">
+            <a:off x="3807460" y="2185670"/>
+            <a:ext cx="1571625" cy="2479040"/>
+          </a:xfrm>
+          <a:prstGeom prst="roundRect"/>
+          <a:solidFill>
+            <a:srgbClr val="EDEDED"/>
+          </a:solidFill>
+        </p:spPr>
+      </p:pic>
+      <p:pic>
+        <p:nvPicPr>
+          <p:cNvPr id="72" name="그림 93" descr="C:/Users/Admin1/AppData/Roaming/PolarisOffice/ETemp/8940_18798640/fImage14240358292.png"/>
+          <p:cNvPicPr>
+            <a:picLocks noChangeAspect="1"/>
+          </p:cNvPicPr>
+          <p:nvPr/>
+        </p:nvPicPr>
+        <p:blipFill rotWithShape="1">
+          <a:blip r:embed="rId3" cstate="print">
+            <a:extLst>
+              <a:ext uri="{28A0092B-C50C-407E-A947-70E740481C1C}">
+                <a14:useLocalDpi xmlns:a14="http://schemas.microsoft.com/office/drawing/2010/main" val="0"/>
+              </a:ext>
+            </a:extLst>
+          </a:blip>
+          <a:stretch>
+            <a:fillRect/>
+          </a:stretch>
+        </p:blipFill>
+        <p:spPr>
+          <a:xfrm rot="0">
+            <a:off x="1227455" y="1430020"/>
+            <a:ext cx="2414270" cy="3633470"/>
+          </a:xfrm>
+          <a:prstGeom prst="roundRect"/>
+          <a:solidFill>
+            <a:srgbClr val="EDEDED"/>
+          </a:solidFill>
+        </p:spPr>
+      </p:pic>
+      <p:pic>
+        <p:nvPicPr>
+          <p:cNvPr id="73" name="그림 94" descr="C:/Users/Admin1/AppData/Roaming/PolarisOffice/ETemp/8940_18798640/fImage164213592382.png"/>
+          <p:cNvPicPr>
+            <a:picLocks noChangeAspect="1"/>
+          </p:cNvPicPr>
+          <p:nvPr/>
+        </p:nvPicPr>
+        <p:blipFill rotWithShape="1">
+          <a:blip r:embed="rId4" cstate="print">
+            <a:extLst>
+              <a:ext uri="{28A0092B-C50C-407E-A947-70E740481C1C}">
+                <a14:useLocalDpi xmlns:a14="http://schemas.microsoft.com/office/drawing/2010/main" val="0"/>
+              </a:ext>
+            </a:extLst>
+          </a:blip>
+          <a:stretch>
+            <a:fillRect/>
+          </a:stretch>
+        </p:blipFill>
+        <p:spPr>
+          <a:xfrm rot="0">
+            <a:off x="8238490" y="1440180"/>
+            <a:ext cx="2719070" cy="1486535"/>
+          </a:xfrm>
+          <a:prstGeom prst="roundRect"/>
+          <a:solidFill>
+            <a:srgbClr val="EDEDED"/>
+          </a:solidFill>
+        </p:spPr>
+      </p:pic>
+      <p:pic>
+        <p:nvPicPr>
+          <p:cNvPr id="74" name="그림 97" descr="C:/Users/Admin1/AppData/Roaming/PolarisOffice/ETemp/8940_18798640/fImage118943607421.png"/>
+          <p:cNvPicPr>
+            <a:picLocks noChangeAspect="1"/>
+          </p:cNvPicPr>
+          <p:nvPr/>
+        </p:nvPicPr>
+        <p:blipFill rotWithShape="1">
+          <a:blip r:embed="rId5" cstate="print">
+            <a:extLst>
+              <a:ext uri="{28A0092B-C50C-407E-A947-70E740481C1C}">
+                <a14:useLocalDpi xmlns:a14="http://schemas.microsoft.com/office/drawing/2010/main" val="0"/>
+              </a:ext>
+            </a:extLst>
+          </a:blip>
+          <a:stretch>
+            <a:fillRect/>
+          </a:stretch>
+        </p:blipFill>
+        <p:spPr>
+          <a:xfrm rot="0">
+            <a:off x="6783705" y="1430020"/>
+            <a:ext cx="1322070" cy="1501775"/>
+          </a:xfrm>
+          <a:prstGeom prst="roundRect"/>
+          <a:solidFill>
+            <a:srgbClr val="EDEDED"/>
+          </a:solidFill>
+        </p:spPr>
+      </p:pic>
+      <p:cxnSp>
+        <p:nvCxnSpPr>
+          <p:cNvPr id="75" name="도형 102"/>
+          <p:cNvCxnSpPr/>
+          <p:nvPr/>
+        </p:nvCxnSpPr>
+        <p:spPr>
+          <a:xfrm rot="0" flipV="1">
+            <a:off x="7498715" y="2103120"/>
+            <a:ext cx="3325495" cy="457835"/>
+          </a:xfrm>
+          <a:prstGeom prst="straightConnector1"/>
+          <a:ln w="6350" cap="flat" cmpd="sng">
+            <a:prstDash/>
+            <a:headEnd type="none" w="med" len="med"/>
+            <a:tailEnd type="triangle" w="med" len="med"/>
+          </a:ln>
+        </p:spPr>
+        <p:style>
+          <a:lnRef idx="1">
+            <a:schemeClr val="accent1"/>
+          </a:lnRef>
+          <a:fillRef idx="0">
+            <a:schemeClr val="accent1"/>
+          </a:fillRef>
+          <a:effectRef idx="0">
+            <a:schemeClr val="accent1"/>
+          </a:effectRef>
+          <a:fontRef idx="minor">
+            <a:schemeClr val="tx1"/>
+          </a:fontRef>
+        </p:style>
+      </p:cxnSp>
+      <p:cxnSp>
+        <p:nvCxnSpPr>
+          <p:cNvPr id="76" name="도형 103"/>
+          <p:cNvCxnSpPr/>
+          <p:nvPr/>
+        </p:nvCxnSpPr>
+        <p:spPr>
+          <a:xfrm rot="0" flipV="1">
+            <a:off x="7656195" y="2244725"/>
+            <a:ext cx="3176270" cy="407670"/>
+          </a:xfrm>
+          <a:prstGeom prst="straightConnector1"/>
+          <a:ln w="6350" cap="flat" cmpd="sng">
+            <a:prstDash/>
+            <a:headEnd type="none" w="med" len="med"/>
+            <a:tailEnd type="triangle" w="med" len="med"/>
+          </a:ln>
+        </p:spPr>
+        <p:style>
+          <a:lnRef idx="1">
+            <a:schemeClr val="accent1"/>
+          </a:lnRef>
+          <a:fillRef idx="0">
+            <a:schemeClr val="accent1"/>
+          </a:fillRef>
+          <a:effectRef idx="0">
+            <a:schemeClr val="accent1"/>
+          </a:effectRef>
+          <a:fontRef idx="minor">
+            <a:schemeClr val="tx1"/>
+          </a:fontRef>
+        </p:style>
+      </p:cxnSp>
+      <p:cxnSp>
+        <p:nvCxnSpPr>
+          <p:cNvPr id="77" name="도형 104"/>
+          <p:cNvCxnSpPr/>
+          <p:nvPr/>
+        </p:nvCxnSpPr>
+        <p:spPr>
+          <a:xfrm rot="0" flipV="1">
+            <a:off x="7556500" y="2419350"/>
+            <a:ext cx="3267710" cy="340995"/>
+          </a:xfrm>
+          <a:prstGeom prst="straightConnector1"/>
+          <a:ln w="6350" cap="flat" cmpd="sng">
+            <a:prstDash/>
+            <a:headEnd type="none" w="med" len="med"/>
+            <a:tailEnd type="triangle" w="med" len="med"/>
+          </a:ln>
+        </p:spPr>
+        <p:style>
+          <a:lnRef idx="1">
+            <a:schemeClr val="accent1"/>
+          </a:lnRef>
+          <a:fillRef idx="0">
+            <a:schemeClr val="accent1"/>
+          </a:fillRef>
+          <a:effectRef idx="0">
+            <a:schemeClr val="accent1"/>
+          </a:effectRef>
+          <a:fontRef idx="minor">
+            <a:schemeClr val="tx1"/>
+          </a:fontRef>
+        </p:style>
+      </p:cxnSp>
+      <p:cxnSp>
+        <p:nvCxnSpPr>
+          <p:cNvPr id="78" name="도형 105"/>
+          <p:cNvCxnSpPr/>
+          <p:nvPr/>
+        </p:nvCxnSpPr>
+        <p:spPr>
+          <a:xfrm rot="0" flipV="1">
+            <a:off x="7523480" y="2568575"/>
+            <a:ext cx="3308985" cy="299720"/>
+          </a:xfrm>
+          <a:prstGeom prst="straightConnector1"/>
+          <a:ln w="6350" cap="flat" cmpd="sng">
+            <a:prstDash/>
+            <a:headEnd type="none" w="med" len="med"/>
+            <a:tailEnd type="triangle" w="med" len="med"/>
+          </a:ln>
+        </p:spPr>
+        <p:style>
+          <a:lnRef idx="1">
+            <a:schemeClr val="accent1"/>
+          </a:lnRef>
+          <a:fillRef idx="0">
+            <a:schemeClr val="accent1"/>
+          </a:fillRef>
+          <a:effectRef idx="0">
+            <a:schemeClr val="accent1"/>
+          </a:effectRef>
+          <a:fontRef idx="minor">
+            <a:schemeClr val="tx1"/>
+          </a:fontRef>
+        </p:style>
+      </p:cxnSp>
+    </p:spTree>
+  </p:cSld>
+  <p:clrMapOvr>
+    <a:masterClrMapping/>
+  </p:clrMapOvr>
+  <mc:AlternateContent xmlns:mc="http://schemas.openxmlformats.org/markup-compatibility/2006">
+    <mc:Choice xmlns:p14="http://schemas.microsoft.com/office/powerpoint/2010/main" Requires="p14">
+      <p:transition spd="slow" p14:dur="2000"/>
+    </mc:Choice>
+    <mc:Fallback>
+      <p:transition spd="slow"/>
+    </mc:Fallback>
+  </mc:AlternateContent>
+  <p:timing>
+    <p:tnLst>
+      <p:par>
+        <p:cTn id="1" dur="indefinite" restart="never" nodeType="tmRoot"/>
+      </p:par>
+    </p:tnLst>
+  </p:timing>
+</p:sld>
+</file>
+
+<file path=ppt/slides/slide15.xml><?xml version="1.0" encoding="utf-8"?>
+<p:sld xmlns:a="http://schemas.openxmlformats.org/drawingml/2006/main" xmlns:r="http://schemas.openxmlformats.org/officeDocument/2006/relationships" xmlns:p="http://schemas.openxmlformats.org/presentationml/2006/main">
+  <p:cSld>
+    <p:spTree>
+      <p:nvGrpSpPr>
+        <p:cNvPr id="1" name=""/>
+        <p:cNvGrpSpPr/>
+        <p:nvPr/>
+      </p:nvGrpSpPr>
+      <p:grpSpPr>
+        <a:xfrm>
+          <a:off x="0" y="0"/>
+          <a:ext cx="0" cy="0"/>
+          <a:chOff x="0" y="0"/>
+          <a:chExt cx="0" cy="0"/>
+        </a:xfrm>
+      </p:grpSpPr>
+      <p:sp>
+        <p:nvSpPr>
+          <p:cNvPr id="29" name="Rect 0"/>
+          <p:cNvSpPr txBox="1">
+            <a:spLocks/>
+          </p:cNvSpPr>
+          <p:nvPr/>
+        </p:nvSpPr>
+        <p:spPr>
+          <a:xfrm rot="0">
+            <a:off x="1229995" y="1337310"/>
+            <a:ext cx="4039870" cy="371475"/>
+          </a:xfrm>
+          <a:prstGeom prst="rect"/>
+          <a:noFill/>
+          <a:ln w="0">
+            <a:noFill/>
+            <a:prstDash/>
+          </a:ln>
+        </p:spPr>
+        <p:txBody>
+          <a:bodyPr wrap="square" lIns="89535" tIns="46355" rIns="89535" bIns="46355" numCol="1" vert="horz" anchor="t">
+            <a:spAutoFit/>
+          </a:bodyPr>
+          <a:lstStyle/>
+          <a:p>
+            <a:pPr marL="0" indent="0" algn="l" latinLnBrk="0" hangingPunct="1">
+              <a:buFontTx/>
+              <a:buNone/>
+            </a:pPr>
+            <a:endParaRPr lang="ko-KR" altLang="en-US" sz="1800">
+              <a:latin typeface="맑은 고딕" charset="0"/>
+              <a:ea typeface="맑은 고딕" charset="0"/>
+            </a:endParaRPr>
+          </a:p>
+        </p:txBody>
+      </p:sp>
+      <p:sp>
+        <p:nvSpPr>
+          <p:cNvPr id="35" name="Rect 0"/>
+          <p:cNvSpPr txBox="1">
+            <a:spLocks/>
+          </p:cNvSpPr>
+          <p:nvPr/>
+        </p:nvSpPr>
+        <p:spPr>
+          <a:xfrm rot="0">
+            <a:off x="4326255" y="459740"/>
+            <a:ext cx="3538855" cy="554990"/>
+          </a:xfrm>
+          <a:prstGeom prst="rect"/>
+          <a:noFill/>
+          <a:ln w="0">
+            <a:noFill/>
+            <a:prstDash/>
+          </a:ln>
+        </p:spPr>
+        <p:txBody>
+          <a:bodyPr wrap="square" lIns="89535" tIns="46355" rIns="89535" bIns="46355" numCol="1" vert="horz" anchor="t">
+            <a:spAutoFit/>
+          </a:bodyPr>
+          <a:lstStyle/>
+          <a:p>
+            <a:pPr marL="0" indent="0" rtl="0" algn="l" defTabSz="914400" eaLnBrk="1" latinLnBrk="0" hangingPunct="1">
+              <a:buFontTx/>
+              <a:buNone/>
+            </a:pPr>
+            <a:r>
+              <a:rPr lang="ko-KR" sz="3000" b="1">
+                <a:latin typeface="맑은 고딕" charset="0"/>
+                <a:ea typeface="맑은 고딕" charset="0"/>
+              </a:rPr>
+              <a:t>열네</a:t>
+            </a:r>
+            <a:r>
+              <a:rPr lang="ko-KR" sz="3000" b="1">
+                <a:latin typeface="맑은 고딕" charset="0"/>
+                <a:ea typeface="맑은 고딕" charset="0"/>
+              </a:rPr>
+              <a:t> 번째 튜토리얼</a:t>
+            </a:r>
+            <a:r>
+              <a:rPr sz="3000" b="1">
+                <a:latin typeface="맑은 고딕" charset="0"/>
+                <a:ea typeface="맑은 고딕" charset="0"/>
+              </a:rPr>
+              <a:t> </a:t>
+            </a:r>
+            <a:endParaRPr lang="ko-KR" altLang="en-US" sz="3000" b="1">
+              <a:latin typeface="맑은 고딕" charset="0"/>
+              <a:ea typeface="맑은 고딕" charset="0"/>
+            </a:endParaRPr>
+          </a:p>
+        </p:txBody>
+      </p:sp>
+      <p:sp>
+        <p:nvSpPr>
+          <p:cNvPr id="56" name="Rect 0"/>
+          <p:cNvSpPr txBox="1">
+            <a:spLocks/>
+          </p:cNvSpPr>
+          <p:nvPr/>
+        </p:nvSpPr>
+        <p:spPr>
+          <a:xfrm rot="0">
+            <a:off x="1230630" y="4159250"/>
+            <a:ext cx="4148455" cy="2031365"/>
+          </a:xfrm>
+          <a:prstGeom prst="rect"/>
+          <a:noFill/>
+          <a:ln w="0">
+            <a:noFill/>
+            <a:prstDash/>
+          </a:ln>
+        </p:spPr>
+        <p:txBody>
+          <a:bodyPr wrap="square" lIns="89535" tIns="46355" rIns="89535" bIns="46355" numCol="1" vert="horz" anchor="t">
+            <a:spAutoFit/>
+          </a:bodyPr>
+          <a:lstStyle/>
+          <a:p>
+            <a:pPr marL="0" indent="0" rtl="0" algn="l" defTabSz="914400" eaLnBrk="1" latinLnBrk="0" hangingPunct="1">
+              <a:buFontTx/>
+              <a:buNone/>
+            </a:pPr>
+            <a:r>
+              <a:rPr lang="ko-KR" sz="1800" b="1">
+                <a:solidFill>
+                  <a:srgbClr val="0611F2"/>
+                </a:solidFill>
+                <a:latin typeface="맑은 고딕" charset="0"/>
+                <a:ea typeface="맑은 고딕" charset="0"/>
+              </a:rPr>
+              <a:t>30</a:t>
+            </a:r>
+            <a:r>
+              <a:rPr sz="1800" b="1">
+                <a:solidFill>
+                  <a:srgbClr val="0611F2"/>
+                </a:solidFill>
+                <a:latin typeface="맑은 고딕" charset="0"/>
+                <a:ea typeface="맑은 고딕" charset="0"/>
+              </a:rPr>
+              <a:t>.</a:t>
+            </a:r>
+            <a:r>
+              <a:rPr sz="1800">
+                <a:latin typeface="맑은 고딕" charset="0"/>
+                <a:ea typeface="맑은 고딕" charset="0"/>
+              </a:rPr>
+              <a:t> </a:t>
+            </a:r>
+            <a:r>
+              <a:rPr lang="ko-KR" sz="1800">
+                <a:latin typeface="맑은 고딕" charset="0"/>
+                <a:ea typeface="맑은 고딕" charset="0"/>
+              </a:rPr>
+              <a:t>그다음으로 First Point 오브젝트와 Second Point 오브젝트의 위치를 설정합니다.</a:t>
+            </a:r>
+            <a:endParaRPr lang="ko-KR" altLang="en-US" sz="1800">
+              <a:latin typeface="맑은 고딕" charset="0"/>
+              <a:ea typeface="맑은 고딕" charset="0"/>
+            </a:endParaRPr>
+          </a:p>
+          <a:p>
+            <a:pPr marL="0" indent="0" rtl="0" algn="l" defTabSz="914400" eaLnBrk="1" latinLnBrk="0" hangingPunct="1">
+              <a:buFontTx/>
+              <a:buNone/>
+            </a:pPr>
+            <a:endParaRPr lang="ko-KR" altLang="en-US" sz="1800">
+              <a:latin typeface="맑은 고딕" charset="0"/>
+              <a:ea typeface="맑은 고딕" charset="0"/>
+            </a:endParaRPr>
+          </a:p>
+          <a:p>
+            <a:pPr marL="0" indent="0" rtl="0" algn="l" defTabSz="914400" eaLnBrk="1" latinLnBrk="0" hangingPunct="1">
+              <a:buFontTx/>
+              <a:buNone/>
+            </a:pPr>
+            <a:r>
+              <a:rPr lang="ko-KR" sz="1800">
+                <a:latin typeface="맑은 고딕" charset="0"/>
+                <a:ea typeface="맑은 고딕" charset="0"/>
+              </a:rPr>
+              <a:t>그러고 나서 Third Point 오브젝트와 Four Point 오브젝트의 위치를 설정합니다.</a:t>
+            </a:r>
+            <a:endParaRPr lang="ko-KR" altLang="en-US" sz="1800">
+              <a:latin typeface="맑은 고딕" charset="0"/>
+              <a:ea typeface="맑은 고딕" charset="0"/>
+            </a:endParaRPr>
+          </a:p>
+        </p:txBody>
+      </p:sp>
+      <p:pic>
+        <p:nvPicPr>
+          <p:cNvPr id="79" name="Picture " descr="C:/Users/Admin1/AppData/Roaming/PolarisOffice/ETemp/8940_18798640/fImage113413958716.png"/>
+          <p:cNvPicPr>
+            <a:picLocks noChangeAspect="1"/>
+          </p:cNvPicPr>
+          <p:nvPr/>
+        </p:nvPicPr>
+        <p:blipFill rotWithShape="1">
+          <a:blip r:embed="rId2" cstate="print">
+            <a:extLst>
+              <a:ext uri="{28A0092B-C50C-407E-A947-70E740481C1C}">
+                <a14:useLocalDpi xmlns:a14="http://schemas.microsoft.com/office/drawing/2010/main" val="0"/>
+              </a:ext>
+            </a:extLst>
+          </a:blip>
+          <a:stretch>
+            <a:fillRect/>
+          </a:stretch>
+        </p:blipFill>
+        <p:spPr>
+          <a:xfrm rot="0">
+            <a:off x="1230630" y="1421765"/>
+            <a:ext cx="2020570" cy="1211580"/>
+          </a:xfrm>
+          <a:prstGeom prst="roundRect"/>
+          <a:solidFill>
+            <a:srgbClr val="EDEDED"/>
+          </a:solidFill>
+        </p:spPr>
+      </p:pic>
+      <p:pic>
+        <p:nvPicPr>
+          <p:cNvPr id="80" name="Picture " descr="C:/Users/Admin1/AppData/Roaming/PolarisOffice/ETemp/8940_18798640/fImage114143969718.png"/>
+          <p:cNvPicPr>
+            <a:picLocks noChangeAspect="1"/>
+          </p:cNvPicPr>
+          <p:nvPr/>
+        </p:nvPicPr>
+        <p:blipFill rotWithShape="1">
+          <a:blip r:embed="rId3" cstate="print">
+            <a:extLst>
+              <a:ext uri="{28A0092B-C50C-407E-A947-70E740481C1C}">
+                <a14:useLocalDpi xmlns:a14="http://schemas.microsoft.com/office/drawing/2010/main" val="0"/>
+              </a:ext>
+            </a:extLst>
+          </a:blip>
+          <a:stretch>
+            <a:fillRect/>
+          </a:stretch>
+        </p:blipFill>
+        <p:spPr>
+          <a:xfrm rot="0">
+            <a:off x="3342005" y="1421765"/>
+            <a:ext cx="2037080" cy="1214120"/>
+          </a:xfrm>
+          <a:prstGeom prst="roundRect"/>
+          <a:solidFill>
+            <a:srgbClr val="EDEDED"/>
+          </a:solidFill>
+        </p:spPr>
+      </p:pic>
+      <p:pic>
+        <p:nvPicPr>
+          <p:cNvPr id="81" name="Picture " descr="C:/Users/Admin1/AppData/Roaming/PolarisOffice/ETemp/8940_18798640/fImage113473979895.png"/>
+          <p:cNvPicPr>
+            <a:picLocks noChangeAspect="1"/>
+          </p:cNvPicPr>
+          <p:nvPr/>
+        </p:nvPicPr>
+        <p:blipFill rotWithShape="1">
+          <a:blip r:embed="rId4" cstate="print">
+            <a:extLst>
+              <a:ext uri="{28A0092B-C50C-407E-A947-70E740481C1C}">
+                <a14:useLocalDpi xmlns:a14="http://schemas.microsoft.com/office/drawing/2010/main" val="0"/>
+              </a:ext>
+            </a:extLst>
+          </a:blip>
+          <a:stretch>
+            <a:fillRect/>
+          </a:stretch>
+        </p:blipFill>
+        <p:spPr>
+          <a:xfrm rot="0">
+            <a:off x="1228725" y="2826385"/>
+            <a:ext cx="2022475" cy="1197610"/>
+          </a:xfrm>
+          <a:prstGeom prst="roundRect"/>
+          <a:solidFill>
+            <a:srgbClr val="EDEDED"/>
+          </a:solidFill>
+        </p:spPr>
+      </p:pic>
+      <p:pic>
+        <p:nvPicPr>
+          <p:cNvPr id="82" name="Picture " descr="C:/Users/Admin1/AppData/Roaming/PolarisOffice/ETemp/8940_18798640/fImage113053985447.png"/>
+          <p:cNvPicPr>
+            <a:picLocks noChangeAspect="1"/>
+          </p:cNvPicPr>
+          <p:nvPr/>
+        </p:nvPicPr>
+        <p:blipFill rotWithShape="1">
+          <a:blip r:embed="rId5" cstate="print">
+            <a:extLst>
+              <a:ext uri="{28A0092B-C50C-407E-A947-70E740481C1C}">
+                <a14:useLocalDpi xmlns:a14="http://schemas.microsoft.com/office/drawing/2010/main" val="0"/>
+              </a:ext>
+            </a:extLst>
+          </a:blip>
+          <a:stretch>
+            <a:fillRect/>
+          </a:stretch>
+        </p:blipFill>
+        <p:spPr>
+          <a:xfrm rot="0">
+            <a:off x="3350260" y="2836545"/>
+            <a:ext cx="2028825" cy="1187450"/>
+          </a:xfrm>
+          <a:prstGeom prst="roundRect"/>
+          <a:solidFill>
+            <a:srgbClr val="EDEDED"/>
+          </a:solidFill>
+        </p:spPr>
+      </p:pic>
+      <p:sp>
+        <p:nvSpPr>
+          <p:cNvPr id="85" name="Rect 0"/>
+          <p:cNvSpPr txBox="1">
+            <a:spLocks/>
+          </p:cNvSpPr>
+          <p:nvPr/>
+        </p:nvSpPr>
+        <p:spPr>
+          <a:xfrm rot="0">
+            <a:off x="6807835" y="5544820"/>
+            <a:ext cx="4149090" cy="647065"/>
+          </a:xfrm>
+          <a:prstGeom prst="rect"/>
+          <a:noFill/>
+          <a:ln w="0">
+            <a:noFill/>
+            <a:prstDash/>
+          </a:ln>
+        </p:spPr>
+        <p:txBody>
+          <a:bodyPr wrap="square" lIns="89535" tIns="46355" rIns="89535" bIns="46355" numCol="1" vert="horz" anchor="t">
+            <a:spAutoFit/>
+          </a:bodyPr>
+          <a:lstStyle/>
+          <a:p>
+            <a:pPr marL="0" indent="0" rtl="0" algn="l" defTabSz="914400" eaLnBrk="1" latinLnBrk="0" hangingPunct="1">
+              <a:buFontTx/>
+              <a:buNone/>
+            </a:pPr>
+            <a:r>
+              <a:rPr lang="ko-KR" sz="1800" b="1">
+                <a:solidFill>
+                  <a:srgbClr val="0611F2"/>
+                </a:solidFill>
+                <a:latin typeface="맑은 고딕" charset="0"/>
+                <a:ea typeface="맑은 고딕" charset="0"/>
+              </a:rPr>
+              <a:t>32</a:t>
+            </a:r>
+            <a:r>
+              <a:rPr sz="1800" b="1">
+                <a:solidFill>
+                  <a:srgbClr val="0611F2"/>
+                </a:solidFill>
+                <a:latin typeface="맑은 고딕" charset="0"/>
+                <a:ea typeface="맑은 고딕" charset="0"/>
+              </a:rPr>
+              <a:t>.</a:t>
+            </a:r>
+            <a:r>
+              <a:rPr sz="1800">
+                <a:latin typeface="맑은 고딕" charset="0"/>
+                <a:ea typeface="맑은 고딕" charset="0"/>
+              </a:rPr>
+              <a:t> </a:t>
+            </a:r>
+            <a:r>
+              <a:rPr lang="ko-KR" sz="1800">
+                <a:latin typeface="맑은 고딕" charset="0"/>
+                <a:ea typeface="맑은 고딕" charset="0"/>
+              </a:rPr>
+              <a:t>이제 PlayFab 사이트에 접속하여 PlayFab에 로그인합니다.</a:t>
+            </a:r>
+            <a:endParaRPr lang="ko-KR" altLang="en-US" sz="1800">
+              <a:latin typeface="맑은 고딕" charset="0"/>
+              <a:ea typeface="맑은 고딕" charset="0"/>
+            </a:endParaRPr>
+          </a:p>
+        </p:txBody>
+      </p:sp>
+      <p:pic>
+        <p:nvPicPr>
+          <p:cNvPr id="86" name="그림 129" descr="C:/Users/Admin1/AppData/Roaming/PolarisOffice/ETemp/8940_18798640/fImage2063954071726.png"/>
+          <p:cNvPicPr>
+            <a:picLocks noChangeAspect="1"/>
+          </p:cNvPicPr>
+          <p:nvPr/>
+        </p:nvPicPr>
+        <p:blipFill rotWithShape="1">
+          <a:blip r:embed="rId6" cstate="hqprint">
+            <a:extLst>
+              <a:ext uri="{28A0092B-C50C-407E-A947-70E740481C1C}">
+                <a14:useLocalDpi xmlns:a14="http://schemas.microsoft.com/office/drawing/2010/main"/>
+              </a:ext>
+            </a:extLst>
+          </a:blip>
+          <a:stretch>
+            <a:fillRect/>
+          </a:stretch>
+        </p:blipFill>
+        <p:spPr>
+          <a:xfrm rot="0">
+            <a:off x="6808470" y="3840480"/>
+            <a:ext cx="4140200" cy="1597025"/>
+          </a:xfrm>
+          <a:prstGeom prst="roundRect"/>
+          <a:solidFill>
+            <a:srgbClr val="EDEDED"/>
+          </a:solidFill>
+        </p:spPr>
+      </p:pic>
+      <p:sp>
+        <p:nvSpPr>
+          <p:cNvPr id="87" name="텍스트 상자 131"/>
+          <p:cNvSpPr txBox="1">
+            <a:spLocks/>
+          </p:cNvSpPr>
+          <p:nvPr/>
+        </p:nvSpPr>
+        <p:spPr>
+          <a:xfrm rot="0">
+            <a:off x="6816725" y="2788285"/>
+            <a:ext cx="4134485" cy="954405"/>
+          </a:xfrm>
+          <a:prstGeom prst="rect"/>
+          <a:noFill/>
+          <a:ln w="0">
+            <a:noFill/>
+            <a:prstDash/>
+          </a:ln>
+        </p:spPr>
+        <p:txBody>
+          <a:bodyPr wrap="square" lIns="89535" tIns="46355" rIns="89535" bIns="46355" vert="horz" anchor="t">
+            <a:spAutoFit/>
+          </a:bodyPr>
+          <a:lstStyle/>
+          <a:p>
+            <a:pPr marL="0" indent="0" rtl="0" algn="l" defTabSz="914400" eaLnBrk="1" latinLnBrk="0" hangingPunct="1">
+              <a:buFontTx/>
+              <a:buNone/>
+            </a:pPr>
+            <a:r>
+              <a:rPr sz="2000" b="1">
+                <a:solidFill>
+                  <a:srgbClr val="0611F2"/>
+                </a:solidFill>
+                <a:latin typeface="맑은 고딕" charset="0"/>
+                <a:ea typeface="맑은 고딕" charset="0"/>
+              </a:rPr>
+              <a:t>3</a:t>
+            </a:r>
+            <a:r>
+              <a:rPr sz="2000" b="1">
+                <a:solidFill>
+                  <a:srgbClr val="0611F2"/>
+                </a:solidFill>
+                <a:latin typeface="맑은 고딕" charset="0"/>
+                <a:ea typeface="맑은 고딕" charset="0"/>
+              </a:rPr>
+              <a:t>1.</a:t>
+            </a:r>
+            <a:r>
+              <a:rPr sz="1800">
+                <a:latin typeface="맑은 고딕" charset="0"/>
+                <a:ea typeface="맑은 고딕" charset="0"/>
+              </a:rPr>
+              <a:t> </a:t>
+            </a:r>
+            <a:r>
+              <a:rPr lang="ko-KR" sz="1800">
+                <a:latin typeface="맑은 고딕" charset="0"/>
+                <a:ea typeface="맑은 고딕" charset="0"/>
+              </a:rPr>
+              <a:t>그런 다음</a:t>
+            </a:r>
+            <a:r>
+              <a:rPr sz="1800">
+                <a:latin typeface="맑은 고딕" charset="0"/>
+                <a:ea typeface="맑은 고딕" charset="0"/>
+              </a:rPr>
+              <a:t> Google에서 PlayFab을 입력하고 Azure PlayFab이라는 사이트에 접속합니다. </a:t>
+            </a:r>
+            <a:endParaRPr lang="ko-KR" altLang="en-US" sz="1800">
+              <a:latin typeface="맑은 고딕" charset="0"/>
+              <a:ea typeface="맑은 고딕" charset="0"/>
+            </a:endParaRPr>
+          </a:p>
+        </p:txBody>
+      </p:sp>
+      <p:pic>
+        <p:nvPicPr>
+          <p:cNvPr id="88" name="그림 132" descr="C:/Users/Admin1/AppData/Roaming/PolarisOffice/ETemp/8940_18798640/fImage221224104771.png"/>
+          <p:cNvPicPr>
+            <a:picLocks noChangeAspect="1"/>
+          </p:cNvPicPr>
+          <p:nvPr/>
+        </p:nvPicPr>
+        <p:blipFill rotWithShape="1">
+          <a:blip r:embed="rId7" cstate="hqprint">
+            <a:extLst>
+              <a:ext uri="{28A0092B-C50C-407E-A947-70E740481C1C}">
+                <a14:useLocalDpi xmlns:a14="http://schemas.microsoft.com/office/drawing/2010/main"/>
+              </a:ext>
+            </a:extLst>
+          </a:blip>
+          <a:stretch>
+            <a:fillRect/>
+          </a:stretch>
+        </p:blipFill>
+        <p:spPr>
+          <a:xfrm rot="0">
+            <a:off x="6816725" y="1421765"/>
+            <a:ext cx="4133850" cy="1272540"/>
+          </a:xfrm>
+          <a:prstGeom prst="roundRect"/>
+          <a:solidFill>
+            <a:srgbClr val="EDEDED"/>
+          </a:solidFill>
+        </p:spPr>
+      </p:pic>
+    </p:spTree>
+  </p:cSld>
+  <p:clrMapOvr>
+    <a:masterClrMapping/>
+  </p:clrMapOvr>
+  <mc:AlternateContent xmlns:mc="http://schemas.openxmlformats.org/markup-compatibility/2006">
+    <mc:Choice xmlns:p14="http://schemas.microsoft.com/office/powerpoint/2010/main" Requires="p14">
+      <p:transition spd="slow" p14:dur="2000"/>
+    </mc:Choice>
+    <mc:Fallback>
+      <p:transition spd="slow"/>
+    </mc:Fallback>
+  </mc:AlternateContent>
+  <p:timing>
+    <p:tnLst>
+      <p:par>
+        <p:cTn id="1" dur="indefinite" restart="never" nodeType="tmRoot"/>
+      </p:par>
+    </p:tnLst>
+  </p:timing>
+</p:sld>
+</file>
+
+<file path=ppt/slides/slide16.xml><?xml version="1.0" encoding="utf-8"?>
+<p:sld xmlns:a="http://schemas.openxmlformats.org/drawingml/2006/main" xmlns:r="http://schemas.openxmlformats.org/officeDocument/2006/relationships" xmlns:p="http://schemas.openxmlformats.org/presentationml/2006/main">
+  <p:cSld>
+    <p:spTree>
+      <p:nvGrpSpPr>
+        <p:cNvPr id="1" name=""/>
+        <p:cNvGrpSpPr/>
+        <p:nvPr/>
+      </p:nvGrpSpPr>
+      <p:grpSpPr>
+        <a:xfrm>
+          <a:off x="0" y="0"/>
+          <a:ext cx="0" cy="0"/>
+          <a:chOff x="0" y="0"/>
+          <a:chExt cx="0" cy="0"/>
+        </a:xfrm>
+      </p:grpSpPr>
+      <p:sp>
+        <p:nvSpPr>
+          <p:cNvPr id="29" name="Rect 0"/>
+          <p:cNvSpPr txBox="1">
+            <a:spLocks/>
+          </p:cNvSpPr>
+          <p:nvPr/>
+        </p:nvSpPr>
+        <p:spPr>
+          <a:xfrm rot="0">
+            <a:off x="1229995" y="1337310"/>
+            <a:ext cx="4039870" cy="371475"/>
+          </a:xfrm>
+          <a:prstGeom prst="rect"/>
+          <a:noFill/>
+          <a:ln w="0">
+            <a:noFill/>
+            <a:prstDash/>
+          </a:ln>
+        </p:spPr>
+        <p:txBody>
+          <a:bodyPr wrap="square" lIns="89535" tIns="46355" rIns="89535" bIns="46355" numCol="1" vert="horz" anchor="t">
+            <a:spAutoFit/>
+          </a:bodyPr>
+          <a:lstStyle/>
+          <a:p>
+            <a:pPr marL="0" indent="0" algn="l" latinLnBrk="0" hangingPunct="1">
+              <a:buFontTx/>
+              <a:buNone/>
+            </a:pPr>
+            <a:endParaRPr lang="ko-KR" altLang="en-US" sz="1800">
+              <a:latin typeface="맑은 고딕" charset="0"/>
+              <a:ea typeface="맑은 고딕" charset="0"/>
+            </a:endParaRPr>
+          </a:p>
+        </p:txBody>
+      </p:sp>
+      <p:sp>
+        <p:nvSpPr>
+          <p:cNvPr id="35" name="Rect 0"/>
+          <p:cNvSpPr txBox="1">
+            <a:spLocks/>
+          </p:cNvSpPr>
+          <p:nvPr/>
+        </p:nvSpPr>
+        <p:spPr>
+          <a:xfrm rot="0">
+            <a:off x="4151630" y="467995"/>
+            <a:ext cx="3895725" cy="554990"/>
+          </a:xfrm>
+          <a:prstGeom prst="rect"/>
+          <a:noFill/>
+          <a:ln w="0">
+            <a:noFill/>
+            <a:prstDash/>
+          </a:ln>
+        </p:spPr>
+        <p:txBody>
+          <a:bodyPr wrap="square" lIns="89535" tIns="46355" rIns="89535" bIns="46355" numCol="1" vert="horz" anchor="t">
+            <a:spAutoFit/>
+          </a:bodyPr>
+          <a:lstStyle/>
+          <a:p>
+            <a:pPr marL="0" indent="0" rtl="0" algn="l" defTabSz="914400" eaLnBrk="1" latinLnBrk="0" hangingPunct="1">
+              <a:buFontTx/>
+              <a:buNone/>
+            </a:pPr>
+            <a:r>
+              <a:rPr lang="ko-KR" sz="3000" b="1">
+                <a:latin typeface="맑은 고딕" charset="0"/>
+                <a:ea typeface="맑은 고딕" charset="0"/>
+              </a:rPr>
+              <a:t>열다섯</a:t>
+            </a:r>
+            <a:r>
+              <a:rPr lang="ko-KR" sz="3000" b="1">
+                <a:latin typeface="맑은 고딕" charset="0"/>
+                <a:ea typeface="맑은 고딕" charset="0"/>
+              </a:rPr>
+              <a:t> 번째 튜토리얼</a:t>
+            </a:r>
+            <a:r>
+              <a:rPr sz="3000" b="1">
+                <a:latin typeface="맑은 고딕" charset="0"/>
+                <a:ea typeface="맑은 고딕" charset="0"/>
+              </a:rPr>
+              <a:t> </a:t>
+            </a:r>
+            <a:endParaRPr lang="ko-KR" altLang="en-US" sz="3000" b="1">
+              <a:latin typeface="맑은 고딕" charset="0"/>
+              <a:ea typeface="맑은 고딕" charset="0"/>
+            </a:endParaRPr>
+          </a:p>
+        </p:txBody>
+      </p:sp>
+      <p:sp>
+        <p:nvSpPr>
+          <p:cNvPr id="56" name="Rect 0"/>
+          <p:cNvSpPr txBox="1">
+            <a:spLocks/>
+          </p:cNvSpPr>
+          <p:nvPr/>
+        </p:nvSpPr>
+        <p:spPr>
+          <a:xfrm rot="0">
+            <a:off x="1230630" y="5281295"/>
+            <a:ext cx="4148455" cy="923925"/>
+          </a:xfrm>
+          <a:prstGeom prst="rect"/>
+          <a:noFill/>
+          <a:ln w="0">
+            <a:noFill/>
+            <a:prstDash/>
+          </a:ln>
+        </p:spPr>
+        <p:txBody>
+          <a:bodyPr wrap="square" lIns="89535" tIns="46355" rIns="89535" bIns="46355" numCol="1" vert="horz" anchor="t">
+            <a:spAutoFit/>
+          </a:bodyPr>
+          <a:lstStyle/>
+          <a:p>
+            <a:pPr marL="0" indent="0" rtl="0" algn="l" defTabSz="914400" eaLnBrk="1" latinLnBrk="0" hangingPunct="1">
+              <a:buFontTx/>
+              <a:buNone/>
+            </a:pPr>
+            <a:r>
+              <a:rPr lang="ko-KR" sz="1800" b="1">
+                <a:solidFill>
+                  <a:srgbClr val="0611F2"/>
+                </a:solidFill>
+                <a:latin typeface="맑은 고딕" charset="0"/>
+                <a:ea typeface="맑은 고딕" charset="0"/>
+              </a:rPr>
+              <a:t>33</a:t>
+            </a:r>
+            <a:r>
+              <a:rPr sz="1800" b="1">
+                <a:solidFill>
+                  <a:srgbClr val="0611F2"/>
+                </a:solidFill>
+                <a:latin typeface="맑은 고딕" charset="0"/>
+                <a:ea typeface="맑은 고딕" charset="0"/>
+              </a:rPr>
+              <a:t>.</a:t>
+            </a:r>
+            <a:r>
+              <a:rPr sz="1800">
+                <a:latin typeface="맑은 고딕" charset="0"/>
+                <a:ea typeface="맑은 고딕" charset="0"/>
+              </a:rPr>
+              <a:t> </a:t>
+            </a:r>
+            <a:r>
+              <a:rPr lang="ko-KR" sz="1800">
+                <a:latin typeface="맑은 고딕" charset="0"/>
+                <a:ea typeface="맑은 고딕" charset="0"/>
+              </a:rPr>
+              <a:t>그다음 PlayFab에 전자 메일 주소와 암호를 입력하고 로그인을 선택합니다.</a:t>
+            </a:r>
+            <a:endParaRPr lang="ko-KR" altLang="en-US" sz="1800">
+              <a:latin typeface="맑은 고딕" charset="0"/>
+              <a:ea typeface="맑은 고딕" charset="0"/>
+            </a:endParaRPr>
+          </a:p>
+        </p:txBody>
+      </p:sp>
+      <p:pic>
+        <p:nvPicPr>
+          <p:cNvPr id="83" name="그림 121" descr="C:/Users/Admin1/AppData/Roaming/PolarisOffice/ETemp/8940_18798640/fImage161373891538.png"/>
+          <p:cNvPicPr>
+            <a:picLocks noChangeAspect="1"/>
+          </p:cNvPicPr>
+          <p:nvPr/>
+        </p:nvPicPr>
+        <p:blipFill rotWithShape="1">
+          <a:blip r:embed="rId2" cstate="print">
+            <a:extLst>
+              <a:ext uri="{28A0092B-C50C-407E-A947-70E740481C1C}">
+                <a14:useLocalDpi xmlns:a14="http://schemas.microsoft.com/office/drawing/2010/main" val="0"/>
+              </a:ext>
+            </a:extLst>
+          </a:blip>
+          <a:stretch>
+            <a:fillRect/>
+          </a:stretch>
+        </p:blipFill>
+        <p:spPr>
+          <a:xfrm rot="0">
+            <a:off x="6808470" y="1404620"/>
+            <a:ext cx="2552700" cy="3650615"/>
+          </a:xfrm>
+          <a:prstGeom prst="roundRect"/>
+          <a:solidFill>
+            <a:srgbClr val="EDEDED"/>
+          </a:solidFill>
+        </p:spPr>
+      </p:pic>
+      <p:pic>
+        <p:nvPicPr>
+          <p:cNvPr id="84" name="그림 124" descr="C:/Users/Admin1/AppData/Roaming/PolarisOffice/ETemp/8940_18798640/fImage33013901869.png"/>
+          <p:cNvPicPr>
+            <a:picLocks noChangeAspect="1"/>
+          </p:cNvPicPr>
+          <p:nvPr/>
+        </p:nvPicPr>
+        <p:blipFill rotWithShape="1">
+          <a:blip r:embed="rId3" cstate="print">
+            <a:extLst>
+              <a:ext uri="{28A0092B-C50C-407E-A947-70E740481C1C}">
+                <a14:useLocalDpi xmlns:a14="http://schemas.microsoft.com/office/drawing/2010/main" val="0"/>
+              </a:ext>
+            </a:extLst>
+          </a:blip>
+          <a:stretch>
+            <a:fillRect/>
+          </a:stretch>
+        </p:blipFill>
+        <p:spPr>
+          <a:xfrm rot="0">
+            <a:off x="9526905" y="2045335"/>
+            <a:ext cx="1430655" cy="2386330"/>
+          </a:xfrm>
+          <a:prstGeom prst="roundRect"/>
+          <a:solidFill>
+            <a:srgbClr val="EDEDED"/>
+          </a:solidFill>
+        </p:spPr>
+      </p:pic>
+      <p:sp>
+        <p:nvSpPr>
+          <p:cNvPr id="85" name="텍스트 상자 127"/>
+          <p:cNvSpPr txBox="1">
+            <a:spLocks/>
+          </p:cNvSpPr>
+          <p:nvPr/>
+        </p:nvSpPr>
+        <p:spPr>
+          <a:xfrm rot="0">
+            <a:off x="6814185" y="5278755"/>
+            <a:ext cx="4148455" cy="923925"/>
+          </a:xfrm>
+          <a:prstGeom prst="rect"/>
+          <a:noFill/>
+          <a:ln w="0">
+            <a:noFill/>
+            <a:prstDash/>
+          </a:ln>
+        </p:spPr>
+        <p:txBody>
+          <a:bodyPr wrap="square" lIns="89535" tIns="46355" rIns="89535" bIns="46355" numCol="1" vert="horz" anchor="t">
+            <a:spAutoFit/>
+          </a:bodyPr>
+          <a:lstStyle/>
+          <a:p>
+            <a:pPr marL="0" indent="0" rtl="0" algn="l" defTabSz="914400" eaLnBrk="1" latinLnBrk="0" hangingPunct="1">
+              <a:buFontTx/>
+              <a:buNone/>
+            </a:pPr>
+            <a:r>
+              <a:rPr lang="ko-KR" sz="1800" b="1">
+                <a:solidFill>
+                  <a:srgbClr val="0611F2"/>
+                </a:solidFill>
+                <a:latin typeface="맑은 고딕" charset="0"/>
+                <a:ea typeface="맑은 고딕" charset="0"/>
+              </a:rPr>
+              <a:t>31</a:t>
+            </a:r>
+            <a:r>
+              <a:rPr sz="1800" b="1">
+                <a:solidFill>
+                  <a:srgbClr val="0611F2"/>
+                </a:solidFill>
+                <a:latin typeface="맑은 고딕" charset="0"/>
+                <a:ea typeface="맑은 고딕" charset="0"/>
+              </a:rPr>
+              <a:t>.</a:t>
+            </a:r>
+            <a:r>
+              <a:rPr sz="1800">
+                <a:latin typeface="맑은 고딕" charset="0"/>
+                <a:ea typeface="맑은 고딕" charset="0"/>
+              </a:rPr>
+              <a:t> </a:t>
+            </a:r>
+            <a:r>
+              <a:rPr lang="ko-KR" sz="1800">
+                <a:latin typeface="맑은 고딕" charset="0"/>
+                <a:ea typeface="맑은 고딕" charset="0"/>
+              </a:rPr>
+              <a:t>마지막으로 Game DB에 설정을 선택한 다음 타이틀 설정을 선택합니다.</a:t>
+            </a:r>
+            <a:endParaRPr lang="ko-KR" altLang="en-US" sz="1800">
+              <a:latin typeface="맑은 고딕" charset="0"/>
+              <a:ea typeface="맑은 고딕" charset="0"/>
+            </a:endParaRPr>
+          </a:p>
+        </p:txBody>
+      </p:sp>
+      <p:pic>
+        <p:nvPicPr>
+          <p:cNvPr id="86" name="그림 130" descr="C:/Users/Admin1/AppData/Roaming/PolarisOffice/ETemp/8940_18798640/fImage235094089912.png"/>
+          <p:cNvPicPr>
+            <a:picLocks noChangeAspect="1"/>
+          </p:cNvPicPr>
+          <p:nvPr/>
+        </p:nvPicPr>
+        <p:blipFill rotWithShape="1">
+          <a:blip r:embed="rId4" cstate="print">
+            <a:extLst>
+              <a:ext uri="{28A0092B-C50C-407E-A947-70E740481C1C}">
+                <a14:useLocalDpi xmlns:a14="http://schemas.microsoft.com/office/drawing/2010/main" val="0"/>
+              </a:ext>
+            </a:extLst>
+          </a:blip>
+          <a:stretch>
+            <a:fillRect/>
+          </a:stretch>
+        </p:blipFill>
+        <p:spPr>
+          <a:xfrm rot="0">
+            <a:off x="1230630" y="1404620"/>
+            <a:ext cx="4148455" cy="3750310"/>
           </a:xfrm>
           <a:prstGeom prst="roundRect"/>
           <a:solidFill>
@@ -7595,7 +12385,7 @@
       </p:sp>
       <p:pic>
         <p:nvPicPr>
-          <p:cNvPr id="1035" name="Picture " descr="C:/Users/Admin1/AppData/Roaming/PolarisOffice/ETemp/21612_20234488/fImage241692185724.png"/>
+          <p:cNvPr id="1035" name="Picture "/>
           <p:cNvPicPr>
             <a:picLocks noChangeAspect="1"/>
           </p:cNvPicPr>
@@ -7624,7 +12414,7 @@
       </p:pic>
       <p:pic>
         <p:nvPicPr>
-          <p:cNvPr id="1036" name="Picture " descr="C:/Users/Admin1/AppData/Roaming/PolarisOffice/ETemp/21612_20234488/fImage241692191478.png"/>
+          <p:cNvPr id="1036" name="Picture "/>
           <p:cNvPicPr>
             <a:picLocks noChangeAspect="1"/>
           </p:cNvPicPr>
@@ -7821,7 +12611,7 @@
       </p:sp>
       <p:pic>
         <p:nvPicPr>
-          <p:cNvPr id="1044" name="그림 33" descr="C:/Users/Admin1/AppData/Roaming/PolarisOffice/ETemp/21612_20234488/fImage3176942319358.png"/>
+          <p:cNvPr id="1044" name="그림 33"/>
           <p:cNvPicPr>
             <a:picLocks noChangeAspect="1"/>
           </p:cNvPicPr>
@@ -7850,7 +12640,7 @@
       </p:pic>
       <p:pic>
         <p:nvPicPr>
-          <p:cNvPr id="1045" name="그림 34" descr="C:/Users/Admin1/AppData/Roaming/PolarisOffice/ETemp/21612_20234488/fImage3176942326962.png"/>
+          <p:cNvPr id="1045" name="그림 34"/>
           <p:cNvPicPr>
             <a:picLocks noChangeAspect="1"/>
           </p:cNvPicPr>
@@ -7908,7 +12698,7 @@
       </p:pic>
       <p:pic>
         <p:nvPicPr>
-          <p:cNvPr id="1047" name="그림 36" descr="C:/Users/Admin1/AppData/Roaming/PolarisOffice/ETemp/21612_20234488/fImage3816752345705.png"/>
+          <p:cNvPr id="1047" name="그림 36"/>
           <p:cNvPicPr>
             <a:picLocks noChangeAspect="1"/>
           </p:cNvPicPr>
@@ -8285,14 +13075,106 @@
       </p:sp>
       <p:pic>
         <p:nvPicPr>
-          <p:cNvPr id="1055" name="그림 6" descr="C:/Users/Admin1/AppData/Roaming/PolarisOffice/ETemp/21612_20234488/fImage1928117041.png"/>
+          <p:cNvPr id="1055" name="그림 6" descr="C:/Users/Admin1/AppData/Roaming/PolarisOffice/ETemp/8940_18798640/fImage1928117041.png"/>
           <p:cNvPicPr>
             <a:picLocks noChangeAspect="1"/>
           </p:cNvPicPr>
           <p:nvPr/>
         </p:nvPicPr>
         <p:blipFill rotWithShape="1">
-          <a:blip r:embed="rId9" cstate="print">
+          <a:blip r:embed="rId9" cstate="hqprint">
+            <a:extLst>
+              <a:ext uri="{28A0092B-C50C-407E-A947-70E740481C1C}">
+                <a14:useLocalDpi xmlns:a14="http://schemas.microsoft.com/office/drawing/2010/main"/>
+              </a:ext>
+            </a:extLst>
+          </a:blip>
+          <a:stretch>
+            <a:fillRect/>
+          </a:stretch>
+        </p:blipFill>
+        <p:spPr>
+          <a:xfrm rot="0">
+            <a:off x="6806565" y="1445260"/>
+            <a:ext cx="2587625" cy="3692525"/>
+          </a:xfrm>
+          <a:prstGeom prst="roundRect"/>
+          <a:solidFill>
+            <a:srgbClr val="EDEDED"/>
+          </a:solidFill>
+        </p:spPr>
+      </p:pic>
+      <p:sp>
+        <p:nvSpPr>
+          <p:cNvPr id="1056" name="텍스트 상자 9"/>
+          <p:cNvSpPr txBox="1">
+            <a:spLocks/>
+          </p:cNvSpPr>
+          <p:nvPr/>
+        </p:nvSpPr>
+        <p:spPr>
+          <a:xfrm rot="0">
+            <a:off x="6797675" y="5294630"/>
+            <a:ext cx="4159885" cy="647065"/>
+          </a:xfrm>
+          <a:prstGeom prst="rect"/>
+          <a:noFill/>
+          <a:ln w="0">
+            <a:noFill/>
+            <a:prstDash/>
+          </a:ln>
+        </p:spPr>
+        <p:txBody>
+          <a:bodyPr wrap="square" lIns="89535" tIns="46355" rIns="89535" bIns="46355" numCol="1" vert="horz" anchor="t">
+            <a:spAutoFit/>
+          </a:bodyPr>
+          <a:lstStyle/>
+          <a:p>
+            <a:pPr marL="0" indent="0" rtl="0" algn="l" defTabSz="914400" eaLnBrk="1" latinLnBrk="0" hangingPunct="1">
+              <a:buFontTx/>
+              <a:buNone/>
+            </a:pPr>
+            <a:r>
+              <a:rPr sz="1800" b="1">
+                <a:solidFill>
+                  <a:srgbClr val="0611F2"/>
+                </a:solidFill>
+                <a:latin typeface="맑은 고딕" charset="0"/>
+                <a:ea typeface="맑은 고딕" charset="0"/>
+              </a:rPr>
+              <a:t>1.</a:t>
+            </a:r>
+            <a:r>
+              <a:rPr sz="1800">
+                <a:latin typeface="맑은 고딕" charset="0"/>
+                <a:ea typeface="맑은 고딕" charset="0"/>
+              </a:rPr>
+              <a:t> </a:t>
+            </a:r>
+            <a:r>
+              <a:rPr lang="ko-KR" sz="1800">
+                <a:latin typeface="맑은 고딕" charset="0"/>
+                <a:ea typeface="맑은 고딕" charset="0"/>
+              </a:rPr>
+              <a:t>첫 번째로 UI를 선택하고 Scroll View를 생성합니다.</a:t>
+            </a:r>
+            <a:endParaRPr lang="ko-KR" altLang="en-US" sz="1800">
+              <a:latin typeface="맑은 고딕" charset="0"/>
+              <a:ea typeface="맑은 고딕" charset="0"/>
+            </a:endParaRPr>
+          </a:p>
+        </p:txBody>
+      </p:sp>
+      <p:pic>
+        <p:nvPicPr>
+          <p:cNvPr id="1057" name="그림 14" descr="C:/Users/Admin1/AppData/Roaming/PolarisOffice/ETemp/8940_18798640/fImage923426541.png"/>
+          <p:cNvPicPr>
+            <a:picLocks noChangeAspect="1"/>
+          </p:cNvPicPr>
+          <p:nvPr/>
+        </p:nvPicPr>
+        <p:blipFill rotWithShape="1">
+          <a:blip r:embed="rId10" cstate="print">
             <a:extLst>
               <a:ext uri="{28A0092B-C50C-407E-A947-70E740481C1C}">
                 <a14:useLocalDpi xmlns:a14="http://schemas.microsoft.com/office/drawing/2010/main" val="0"/>
@@ -8305,8 +13187,8 @@
         </p:blipFill>
         <p:spPr>
           <a:xfrm rot="0">
-            <a:off x="6806565" y="1445260"/>
-            <a:ext cx="4065905" cy="3571875"/>
+            <a:off x="9543415" y="2144395"/>
+            <a:ext cx="1405890" cy="2345055"/>
           </a:xfrm>
           <a:prstGeom prst="roundRect"/>
           <a:solidFill>
@@ -8314,67 +13196,6 @@
           </a:solidFill>
         </p:spPr>
       </p:pic>
-      <p:sp>
-        <p:nvSpPr>
-          <p:cNvPr id="1056" name="텍스트 상자 9"/>
-          <p:cNvSpPr txBox="1">
-            <a:spLocks/>
-          </p:cNvSpPr>
-          <p:nvPr/>
-        </p:nvSpPr>
-        <p:spPr>
-          <a:xfrm rot="0">
-            <a:off x="6797675" y="5294630"/>
-            <a:ext cx="4057015" cy="647065"/>
-          </a:xfrm>
-          <a:prstGeom prst="rect"/>
-          <a:noFill/>
-          <a:ln w="0">
-            <a:noFill/>
-            <a:prstDash/>
-          </a:ln>
-        </p:spPr>
-        <p:txBody>
-          <a:bodyPr wrap="square" lIns="89535" tIns="46355" rIns="89535" bIns="46355" numCol="1" vert="horz" anchor="t">
-            <a:spAutoFit/>
-          </a:bodyPr>
-          <a:lstStyle/>
-          <a:p>
-            <a:pPr marL="0" indent="0" rtl="0" algn="l" defTabSz="914400" eaLnBrk="1" latinLnBrk="0" hangingPunct="1">
-              <a:buFontTx/>
-              <a:buNone/>
-            </a:pPr>
-            <a:r>
-              <a:rPr sz="1800" b="1">
-                <a:solidFill>
-                  <a:srgbClr val="0611F2"/>
-                </a:solidFill>
-                <a:latin typeface="맑은 고딕" charset="0"/>
-                <a:ea typeface="맑은 고딕" charset="0"/>
-              </a:rPr>
-              <a:t>1.</a:t>
-            </a:r>
-            <a:r>
-              <a:rPr sz="1800">
-                <a:latin typeface="맑은 고딕" charset="0"/>
-                <a:ea typeface="맑은 고딕" charset="0"/>
-              </a:rPr>
-              <a:t> </a:t>
-            </a:r>
-            <a:r>
-              <a:rPr lang="ko-KR" sz="1800">
-                <a:latin typeface="맑은 고딕" charset="0"/>
-                <a:ea typeface="맑은 고딕" charset="0"/>
-              </a:rPr>
-              <a:t>첫 번째로 UI를 선택하고 Scroll View를 생성합니다.</a:t>
-            </a:r>
-            <a:endParaRPr lang="ko-KR" altLang="en-US" sz="1800">
-              <a:latin typeface="맑은 고딕" charset="0"/>
-              <a:ea typeface="맑은 고딕" charset="0"/>
-            </a:endParaRPr>
-          </a:p>
-        </p:txBody>
-      </p:sp>
     </p:spTree>
   </p:cSld>
   <p:clrMapOvr>
@@ -8483,8 +13304,8 @@
         </p:nvSpPr>
         <p:spPr>
           <a:xfrm rot="0">
-            <a:off x="1239520" y="4368165"/>
-            <a:ext cx="4190365" cy="1754505"/>
+            <a:off x="1247775" y="5182870"/>
+            <a:ext cx="4131310" cy="923925"/>
           </a:xfrm>
           <a:prstGeom prst="rect"/>
           <a:noFill/>
@@ -8511,78 +13332,27 @@
                 <a:latin typeface="맑은 고딕" charset="0"/>
                 <a:ea typeface="맑은 고딕" charset="0"/>
               </a:rPr>
-              <a:t>2</a:t>
-            </a:r>
-            <a:r>
-              <a:rPr sz="1800" b="1">
-                <a:solidFill>
-                  <a:srgbClr val="0611F2"/>
-                </a:solidFill>
-                <a:latin typeface="맑은 고딕" charset="0"/>
-                <a:ea typeface="맑은 고딕" charset="0"/>
-              </a:rPr>
-              <a:t>.</a:t>
+              <a:t>2.</a:t>
             </a:r>
             <a:r>
               <a:rPr sz="1800">
                 <a:latin typeface="맑은 고딕" charset="0"/>
                 <a:ea typeface="맑은 고딕" charset="0"/>
               </a:rPr>
-              <a:t> </a:t>
-            </a:r>
-            <a:r>
-              <a:rPr sz="1800">
-                <a:latin typeface="맑은 고딕" charset="0"/>
-                <a:ea typeface="맑은 고딕" charset="0"/>
-              </a:rPr>
-              <a:t>그</a:t>
+              <a:t> 그</a:t>
             </a:r>
             <a:r>
               <a:rPr lang="ko-KR" sz="1800">
                 <a:latin typeface="맑은 고딕" charset="0"/>
                 <a:ea typeface="맑은 고딕" charset="0"/>
               </a:rPr>
-              <a:t>런 다음 </a:t>
-            </a:r>
-            <a:r>
-              <a:rPr lang="ko-KR" sz="1800">
-                <a:latin typeface="맑은 고딕" charset="0"/>
-                <a:ea typeface="맑은 고딕" charset="0"/>
-              </a:rPr>
-              <a:t>Scroll View에 Content의 하위 오브젝트로 Text UI를 추가하고 이름을 String으로 변경합니다.</a:t>
+              <a:t>런 다음 Scroll View에 Content의 하위 오브젝트로 Text를 추가하고 이름을 String으로 변경합니다.</a:t>
             </a:r>
             <a:endParaRPr lang="ko-KR" altLang="en-US" sz="1800">
               <a:latin typeface="맑은 고딕" charset="0"/>
               <a:ea typeface="맑은 고딕" charset="0"/>
             </a:endParaRPr>
           </a:p>
-          <a:p>
-            <a:pPr marL="0" indent="0" rtl="0" algn="l" defTabSz="914400" eaLnBrk="1" latinLnBrk="0" hangingPunct="1">
-              <a:buFontTx/>
-              <a:buNone/>
-            </a:pPr>
-            <a:endParaRPr lang="ko-KR" altLang="en-US" sz="1800">
-              <a:latin typeface="맑은 고딕" charset="0"/>
-              <a:ea typeface="맑은 고딕" charset="0"/>
-            </a:endParaRPr>
-          </a:p>
-          <a:p>
-            <a:pPr marL="0" indent="0" rtl="0" algn="l" defTabSz="914400" eaLnBrk="1" latinLnBrk="0" hangingPunct="1">
-              <a:buFontTx/>
-              <a:buNone/>
-            </a:pPr>
-            <a:r>
-              <a:rPr lang="ko-KR" sz="1800">
-                <a:latin typeface="맑은 고딕" charset="0"/>
-                <a:ea typeface="맑은 고딕" charset="0"/>
-              </a:rPr>
-              <a:t>그리고 Content Size Fitter 컴포넌트를 추가합니다.</a:t>
-            </a:r>
-            <a:endParaRPr lang="ko-KR" altLang="en-US" sz="1800">
-              <a:latin typeface="맑은 고딕" charset="0"/>
-              <a:ea typeface="맑은 고딕" charset="0"/>
-            </a:endParaRPr>
-          </a:p>
         </p:txBody>
       </p:sp>
       <p:sp>
@@ -8595,8 +13365,8 @@
         </p:nvSpPr>
         <p:spPr>
           <a:xfrm rot="0">
-            <a:off x="6774180" y="2780665"/>
-            <a:ext cx="4191635" cy="647065"/>
+            <a:off x="6782435" y="2780665"/>
+            <a:ext cx="4192270" cy="647700"/>
           </a:xfrm>
           <a:prstGeom prst="rect"/>
           <a:noFill/>
@@ -8623,7 +13393,130 @@
                 <a:latin typeface="맑은 고딕" charset="0"/>
                 <a:ea typeface="맑은 고딕" charset="0"/>
               </a:rPr>
-              <a:t>3</a:t>
+              <a:t>3.</a:t>
+            </a:r>
+            <a:r>
+              <a:rPr sz="1800">
+                <a:latin typeface="맑은 고딕" charset="0"/>
+                <a:ea typeface="맑은 고딕" charset="0"/>
+              </a:rPr>
+              <a:t> 그</a:t>
+            </a:r>
+            <a:r>
+              <a:rPr lang="ko-KR" sz="1800">
+                <a:latin typeface="맑은 고딕" charset="0"/>
+                <a:ea typeface="맑은 고딕" charset="0"/>
+              </a:rPr>
+              <a:t>다음 String 오브젝트를 Resources 폴더에 넣고 프리팹으로 설정합니다.</a:t>
+            </a:r>
+            <a:endParaRPr lang="ko-KR" altLang="en-US" sz="1800">
+              <a:latin typeface="맑은 고딕" charset="0"/>
+              <a:ea typeface="맑은 고딕" charset="0"/>
+            </a:endParaRPr>
+          </a:p>
+        </p:txBody>
+      </p:sp>
+      <p:pic>
+        <p:nvPicPr>
+          <p:cNvPr id="14" name="그림 15" descr="C:/Users/Admin1/AppData/Roaming/PolarisOffice/ETemp/8940_18798640/fImage54331748467.png"/>
+          <p:cNvPicPr>
+            <a:picLocks noChangeAspect="1"/>
+          </p:cNvPicPr>
+          <p:nvPr/>
+        </p:nvPicPr>
+        <p:blipFill rotWithShape="1">
+          <a:blip r:embed="rId7" cstate="hqprint">
+            <a:extLst>
+              <a:ext uri="{28A0092B-C50C-407E-A947-70E740481C1C}">
+                <a14:useLocalDpi xmlns:a14="http://schemas.microsoft.com/office/drawing/2010/main"/>
+              </a:ext>
+            </a:extLst>
+          </a:blip>
+          <a:stretch>
+            <a:fillRect/>
+          </a:stretch>
+        </p:blipFill>
+        <p:spPr>
+          <a:xfrm rot="0">
+            <a:off x="8129905" y="1355090"/>
+            <a:ext cx="2840990" cy="1289050"/>
+          </a:xfrm>
+          <a:prstGeom prst="roundRect"/>
+          <a:solidFill>
+            <a:srgbClr val="EDEDED"/>
+          </a:solidFill>
+        </p:spPr>
+      </p:pic>
+      <p:pic>
+        <p:nvPicPr>
+          <p:cNvPr id="18" name="그림 35" descr="C:/Users/Admin1/AppData/Roaming/PolarisOffice/ETemp/8940_18798640/fImage54801899169.png"/>
+          <p:cNvPicPr>
+            <a:picLocks noChangeAspect="1"/>
+          </p:cNvPicPr>
+          <p:nvPr/>
+        </p:nvPicPr>
+        <p:blipFill rotWithShape="1">
+          <a:blip r:embed="rId10" cstate="hqprint">
+            <a:extLst>
+              <a:ext uri="{28A0092B-C50C-407E-A947-70E740481C1C}">
+                <a14:useLocalDpi xmlns:a14="http://schemas.microsoft.com/office/drawing/2010/main"/>
+              </a:ext>
+            </a:extLst>
+          </a:blip>
+          <a:stretch>
+            <a:fillRect/>
+          </a:stretch>
+        </p:blipFill>
+        <p:spPr>
+          <a:xfrm rot="0">
+            <a:off x="8252460" y="3540760"/>
+            <a:ext cx="2722245" cy="1572260"/>
+          </a:xfrm>
+          <a:prstGeom prst="roundRect"/>
+          <a:solidFill>
+            <a:srgbClr val="EDEDED"/>
+          </a:solidFill>
+        </p:spPr>
+      </p:pic>
+      <p:sp>
+        <p:nvSpPr>
+          <p:cNvPr id="19" name="텍스트 상자 38"/>
+          <p:cNvSpPr txBox="1">
+            <a:spLocks/>
+          </p:cNvSpPr>
+          <p:nvPr/>
+        </p:nvSpPr>
+        <p:spPr>
+          <a:xfrm rot="0">
+            <a:off x="6779260" y="5196205"/>
+            <a:ext cx="4191635" cy="923925"/>
+          </a:xfrm>
+          <a:prstGeom prst="rect"/>
+          <a:noFill/>
+          <a:ln w="0">
+            <a:noFill/>
+            <a:prstDash/>
+          </a:ln>
+        </p:spPr>
+        <p:txBody>
+          <a:bodyPr wrap="square" lIns="89535" tIns="46355" rIns="89535" bIns="46355" numCol="1" vert="horz" anchor="t">
+            <a:spAutoFit/>
+          </a:bodyPr>
+          <a:lstStyle/>
+          <a:p>
+            <a:pPr marL="0" indent="0" rtl="0" algn="l" defTabSz="914400" eaLnBrk="1" latinLnBrk="0" hangingPunct="1">
+              <a:buFontTx/>
+              <a:buNone/>
+            </a:pPr>
+            <a:r>
+              <a:rPr lang="ko-KR" sz="1800" b="1">
+                <a:solidFill>
+                  <a:srgbClr val="0611F2"/>
+                </a:solidFill>
+                <a:latin typeface="맑은 고딕" charset="0"/>
+                <a:ea typeface="맑은 고딕" charset="0"/>
+              </a:rPr>
+              <a:t>4</a:t>
             </a:r>
             <a:r>
               <a:rPr sz="1800" b="1">
@@ -8640,35 +13533,21 @@
                 <a:latin typeface="맑은 고딕" charset="0"/>
                 <a:ea typeface="맑은 고딕" charset="0"/>
               </a:rPr>
-              <a:t> 그</a:t>
+              <a:t> </a:t>
+            </a:r>
+            <a:r>
+              <a:rPr sz="1800">
+                <a:latin typeface="맑은 고딕" charset="0"/>
+                <a:ea typeface="맑은 고딕" charset="0"/>
+              </a:rPr>
+              <a:t>이</a:t>
             </a:r>
             <a:r>
               <a:rPr lang="ko-KR" sz="1800">
                 <a:latin typeface="맑은 고딕" charset="0"/>
                 <a:ea typeface="맑은 고딕" charset="0"/>
               </a:rPr>
-              <a:t>다음 String </a:t>
-            </a:r>
-            <a:r>
-              <a:rPr lang="ko-KR" sz="1800">
-                <a:latin typeface="맑은 고딕" charset="0"/>
-                <a:ea typeface="맑은 고딕" charset="0"/>
-              </a:rPr>
-              <a:t>오브젝트</a:t>
-            </a:r>
-            <a:r>
-              <a:rPr lang="ko-KR" sz="1800">
-                <a:latin typeface="맑은 고딕" charset="0"/>
-                <a:ea typeface="맑은 고딕" charset="0"/>
-              </a:rPr>
-              <a:t>를 Resources 폴더에 넣고 프리팹으로 </a:t>
-            </a:r>
-            <a:r>
-              <a:rPr lang="ko-KR" sz="1800">
-                <a:latin typeface="맑은 고딕" charset="0"/>
-                <a:ea typeface="맑은 고딕" charset="0"/>
-              </a:rPr>
-              <a:t>설정합니다.</a:t>
+              <a:t>제 Content 오브젝트를 선택하고 Veritical Layout Group 컴포넌트를 추가합니다.</a:t>
             </a:r>
             <a:endParaRPr lang="ko-KR" altLang="en-US" sz="1800">
               <a:latin typeface="맑은 고딕" charset="0"/>
@@ -8679,14 +13558,14 @@
       </p:sp>
       <p:pic>
         <p:nvPicPr>
-          <p:cNvPr id="10" name="그림 18"/>
+          <p:cNvPr id="20" name="그림 3" descr="C:/Users/Admin1/AppData/Roaming/PolarisOffice/ETemp/8940_18798640/fImage113352608467.png"/>
           <p:cNvPicPr>
             <a:picLocks noChangeAspect="1"/>
           </p:cNvPicPr>
           <p:nvPr/>
         </p:nvPicPr>
         <p:blipFill rotWithShape="1">
-          <a:blip r:embed="rId2" cstate="print">
+          <a:blip r:embed="rId11" cstate="print">
             <a:extLst>
               <a:ext uri="{28A0092B-C50C-407E-A947-70E740481C1C}">
                 <a14:useLocalDpi xmlns:a14="http://schemas.microsoft.com/office/drawing/2010/main" val="0"/>
@@ -8699,8 +13578,8 @@
         </p:blipFill>
         <p:spPr>
           <a:xfrm rot="0">
-            <a:off x="3858895" y="1209675"/>
-            <a:ext cx="1581785" cy="877570"/>
+            <a:off x="6783070" y="3542030"/>
+            <a:ext cx="1381125" cy="1579245"/>
           </a:xfrm>
           <a:prstGeom prst="roundRect"/>
           <a:solidFill>
@@ -8710,45 +13589,14 @@
       </p:pic>
       <p:pic>
         <p:nvPicPr>
-          <p:cNvPr id="11" name="그림 21"/>
+          <p:cNvPr id="21" name="그림 11" descr="C:/Users/Admin1/AppData/Roaming/PolarisOffice/ETemp/8940_18798640/fImage127332646334.png"/>
           <p:cNvPicPr>
             <a:picLocks noChangeAspect="1"/>
           </p:cNvPicPr>
           <p:nvPr/>
         </p:nvPicPr>
         <p:blipFill rotWithShape="1">
-          <a:blip r:embed="rId3" cstate="hqprint">
-            <a:extLst>
-              <a:ext uri="{28A0092B-C50C-407E-A947-70E740481C1C}">
-                <a14:useLocalDpi xmlns:a14="http://schemas.microsoft.com/office/drawing/2010/main"/>
-              </a:ext>
-            </a:extLst>
-          </a:blip>
-          <a:stretch>
-            <a:fillRect/>
-          </a:stretch>
-        </p:blipFill>
-        <p:spPr>
-          <a:xfrm rot="0">
-            <a:off x="1231265" y="2312670"/>
-            <a:ext cx="4206240" cy="1877695"/>
-          </a:xfrm>
-          <a:prstGeom prst="roundRect"/>
-          <a:solidFill>
-            <a:srgbClr val="EDEDED"/>
-          </a:solidFill>
-        </p:spPr>
-      </p:pic>
-      <p:pic>
-        <p:nvPicPr>
-          <p:cNvPr id="12" name="그림 22"/>
-          <p:cNvPicPr>
-            <a:picLocks noChangeAspect="1"/>
-          </p:cNvPicPr>
-          <p:nvPr/>
-        </p:nvPicPr>
-        <p:blipFill rotWithShape="1">
-          <a:blip r:embed="rId4" cstate="print">
+          <a:blip r:embed="rId12" cstate="print">
             <a:extLst>
               <a:ext uri="{28A0092B-C50C-407E-A947-70E740481C1C}">
                 <a14:useLocalDpi xmlns:a14="http://schemas.microsoft.com/office/drawing/2010/main" val="0"/>
@@ -8761,70 +13609,8 @@
         </p:blipFill>
         <p:spPr>
           <a:xfrm rot="0">
-            <a:off x="1236980" y="1211580"/>
-            <a:ext cx="2153285" cy="876935"/>
-          </a:xfrm>
-          <a:prstGeom prst="roundRect"/>
-          <a:solidFill>
-            <a:srgbClr val="EDEDED"/>
-          </a:solidFill>
-        </p:spPr>
-      </p:pic>
-      <p:pic>
-        <p:nvPicPr>
-          <p:cNvPr id="14" name="그림 15" descr="C:/Users/Admin1/AppData/Roaming/PolarisOffice/ETemp/21612_20234488/fImage54331748467.png"/>
-          <p:cNvPicPr>
-            <a:picLocks noChangeAspect="1"/>
-          </p:cNvPicPr>
-          <p:nvPr/>
-        </p:nvPicPr>
-        <p:blipFill rotWithShape="1">
-          <a:blip r:embed="rId7" cstate="print">
-            <a:extLst>
-              <a:ext uri="{28A0092B-C50C-407E-A947-70E740481C1C}">
-                <a14:useLocalDpi xmlns:a14="http://schemas.microsoft.com/office/drawing/2010/main" val="0"/>
-              </a:ext>
-            </a:extLst>
-          </a:blip>
-          <a:stretch>
-            <a:fillRect/>
-          </a:stretch>
-        </p:blipFill>
-        <p:spPr>
-          <a:xfrm rot="0">
-            <a:off x="8404860" y="1230630"/>
-            <a:ext cx="2565400" cy="1416050"/>
-          </a:xfrm>
-          <a:prstGeom prst="roundRect"/>
-          <a:solidFill>
-            <a:srgbClr val="EDEDED"/>
-          </a:solidFill>
-        </p:spPr>
-      </p:pic>
-      <p:pic>
-        <p:nvPicPr>
-          <p:cNvPr id="16" name="그림 29" descr="C:/Users/Admin1/AppData/Roaming/PolarisOffice/ETemp/21612_20234488/fImage114731866334.png"/>
-          <p:cNvPicPr>
-            <a:picLocks noChangeAspect="1"/>
-          </p:cNvPicPr>
-          <p:nvPr/>
-        </p:nvPicPr>
-        <p:blipFill rotWithShape="1">
-          <a:blip r:embed="rId8" cstate="print">
-            <a:extLst>
-              <a:ext uri="{28A0092B-C50C-407E-A947-70E740481C1C}">
-                <a14:useLocalDpi xmlns:a14="http://schemas.microsoft.com/office/drawing/2010/main" val="0"/>
-              </a:ext>
-            </a:extLst>
-          </a:blip>
-          <a:stretch>
-            <a:fillRect/>
-          </a:stretch>
-        </p:blipFill>
-        <p:spPr>
-          <a:xfrm rot="0">
-            <a:off x="6775450" y="1211580"/>
-            <a:ext cx="1480185" cy="1424305"/>
+            <a:off x="6783070" y="1365250"/>
+            <a:ext cx="1231265" cy="1287145"/>
           </a:xfrm>
           <a:prstGeom prst="roundRect"/>
           <a:solidFill>
@@ -8840,13 +13626,12 @@
         </p:nvCxnSpPr>
         <p:spPr>
           <a:xfrm rot="0">
-            <a:off x="7806055" y="2344420"/>
-            <a:ext cx="1496695" cy="8890"/>
+            <a:off x="7681595" y="2410460"/>
+            <a:ext cx="1454785" cy="9525"/>
           </a:xfrm>
           <a:prstGeom prst="straightConnector1"/>
           <a:ln w="6350" cap="flat" cmpd="sng">
             <a:prstDash/>
-            <a:headEnd type="none" w="med" len="med"/>
             <a:tailEnd type="triangle" w="med" len="med"/>
           </a:ln>
         </p:spPr>
@@ -8867,14 +13652,14 @@
       </p:cxnSp>
       <p:pic>
         <p:nvPicPr>
-          <p:cNvPr id="17" name="그림 32" descr="C:/Users/Admin1/AppData/Roaming/PolarisOffice/ETemp/21612_20234488/fImage115161876500.png"/>
+          <p:cNvPr id="22" name="그림 24" descr="C:/Users/Admin1/AppData/Roaming/PolarisOffice/ETemp/8940_18798640/fImage119382726500.png"/>
           <p:cNvPicPr>
             <a:picLocks noChangeAspect="1"/>
           </p:cNvPicPr>
           <p:nvPr/>
         </p:nvPicPr>
         <p:blipFill rotWithShape="1">
-          <a:blip r:embed="rId9" cstate="print">
+          <a:blip r:embed="rId13" cstate="print">
             <a:extLst>
               <a:ext uri="{28A0092B-C50C-407E-A947-70E740481C1C}">
                 <a14:useLocalDpi xmlns:a14="http://schemas.microsoft.com/office/drawing/2010/main" val="0"/>
@@ -8887,8 +13672,8 @@
         </p:blipFill>
         <p:spPr>
           <a:xfrm rot="0">
-            <a:off x="6773545" y="3596640"/>
-            <a:ext cx="1340485" cy="1433195"/>
+            <a:off x="4031615" y="2028190"/>
+            <a:ext cx="1347470" cy="2270125"/>
           </a:xfrm>
           <a:prstGeom prst="roundRect"/>
           <a:solidFill>
@@ -8898,14 +13683,14 @@
       </p:pic>
       <p:pic>
         <p:nvPicPr>
-          <p:cNvPr id="18" name="그림 35" descr="C:/Users/Admin1/AppData/Roaming/PolarisOffice/ETemp/21612_20234488/fImage54801899169.png"/>
+          <p:cNvPr id="23" name="그림 29" descr="C:/Users/Admin1/AppData/Roaming/PolarisOffice/ETemp/8940_18798640/fImage223252759169.png"/>
           <p:cNvPicPr>
             <a:picLocks noChangeAspect="1"/>
           </p:cNvPicPr>
           <p:nvPr/>
         </p:nvPicPr>
         <p:blipFill rotWithShape="1">
-          <a:blip r:embed="rId10" cstate="print">
+          <a:blip r:embed="rId14" cstate="print">
             <a:extLst>
               <a:ext uri="{28A0092B-C50C-407E-A947-70E740481C1C}">
                 <a14:useLocalDpi xmlns:a14="http://schemas.microsoft.com/office/drawing/2010/main" val="0"/>
@@ -8918,8 +13703,8 @@
         </p:blipFill>
         <p:spPr>
           <a:xfrm rot="0">
-            <a:off x="8252460" y="3607435"/>
-            <a:ext cx="2721610" cy="1430655"/>
+            <a:off x="1247140" y="1363345"/>
+            <a:ext cx="2627630" cy="3575050"/>
           </a:xfrm>
           <a:prstGeom prst="roundRect"/>
           <a:solidFill>
@@ -8927,84 +13712,6 @@
           </a:solidFill>
         </p:spPr>
       </p:pic>
-      <p:sp>
-        <p:nvSpPr>
-          <p:cNvPr id="19" name="텍스트 상자 38"/>
-          <p:cNvSpPr txBox="1">
-            <a:spLocks/>
-          </p:cNvSpPr>
-          <p:nvPr/>
-        </p:nvSpPr>
-        <p:spPr>
-          <a:xfrm rot="0">
-            <a:off x="6779260" y="5196205"/>
-            <a:ext cx="4191635" cy="923925"/>
-          </a:xfrm>
-          <a:prstGeom prst="rect"/>
-          <a:noFill/>
-          <a:ln w="0">
-            <a:noFill/>
-            <a:prstDash/>
-          </a:ln>
-        </p:spPr>
-        <p:txBody>
-          <a:bodyPr wrap="square" lIns="89535" tIns="46355" rIns="89535" bIns="46355" numCol="1" vert="horz" anchor="t">
-            <a:spAutoFit/>
-          </a:bodyPr>
-          <a:lstStyle/>
-          <a:p>
-            <a:pPr marL="0" indent="0" rtl="0" algn="l" defTabSz="914400" eaLnBrk="1" latinLnBrk="0" hangingPunct="1">
-              <a:buFontTx/>
-              <a:buNone/>
-            </a:pPr>
-            <a:r>
-              <a:rPr lang="ko-KR" sz="1800" b="1">
-                <a:solidFill>
-                  <a:srgbClr val="0611F2"/>
-                </a:solidFill>
-                <a:latin typeface="맑은 고딕" charset="0"/>
-                <a:ea typeface="맑은 고딕" charset="0"/>
-              </a:rPr>
-              <a:t>4</a:t>
-            </a:r>
-            <a:r>
-              <a:rPr sz="1800" b="1">
-                <a:solidFill>
-                  <a:srgbClr val="0611F2"/>
-                </a:solidFill>
-                <a:latin typeface="맑은 고딕" charset="0"/>
-                <a:ea typeface="맑은 고딕" charset="0"/>
-              </a:rPr>
-              <a:t>.</a:t>
-            </a:r>
-            <a:r>
-              <a:rPr sz="1800">
-                <a:latin typeface="맑은 고딕" charset="0"/>
-                <a:ea typeface="맑은 고딕" charset="0"/>
-              </a:rPr>
-              <a:t> </a:t>
-            </a:r>
-            <a:r>
-              <a:rPr sz="1800">
-                <a:latin typeface="맑은 고딕" charset="0"/>
-                <a:ea typeface="맑은 고딕" charset="0"/>
-              </a:rPr>
-              <a:t>이</a:t>
-            </a:r>
-            <a:r>
-              <a:rPr lang="ko-KR" sz="1800">
-                <a:latin typeface="맑은 고딕" charset="0"/>
-                <a:ea typeface="맑은 고딕" charset="0"/>
-              </a:rPr>
-              <a:t>제 Content 오브젝트를 선택하고 Veritical Layout Group 컴포넌트를 추가합니다.</a:t>
-            </a:r>
-            <a:endParaRPr lang="ko-KR" altLang="en-US" sz="1800">
-              <a:latin typeface="맑은 고딕" charset="0"/>
-              <a:ea typeface="맑은 고딕" charset="0"/>
-            </a:endParaRPr>
-          </a:p>
-        </p:txBody>
-      </p:sp>
     </p:spTree>
   </p:cSld>
   <p:clrMapOvr>
@@ -9096,84 +13803,9 @@
           </a:p>
         </p:txBody>
       </p:sp>
-      <p:sp>
-        <p:nvSpPr>
-          <p:cNvPr id="3" name="텍스트 상자 2"/>
-          <p:cNvSpPr txBox="1">
-            <a:spLocks/>
-          </p:cNvSpPr>
-          <p:nvPr/>
-        </p:nvSpPr>
-        <p:spPr>
-          <a:xfrm rot="0">
-            <a:off x="1333500" y="3121025"/>
-            <a:ext cx="4030345" cy="925195"/>
-          </a:xfrm>
-          <a:prstGeom prst="rect"/>
-          <a:noFill/>
-          <a:ln w="0">
-            <a:noFill/>
-            <a:prstDash/>
-          </a:ln>
-        </p:spPr>
-        <p:txBody>
-          <a:bodyPr wrap="square" lIns="89535" tIns="46355" rIns="89535" bIns="46355" numCol="1" vert="horz" anchor="t">
-            <a:spAutoFit/>
-          </a:bodyPr>
-          <a:lstStyle/>
-          <a:p>
-            <a:pPr marL="0" indent="0" rtl="0" algn="l" defTabSz="914400" eaLnBrk="1" latinLnBrk="0" hangingPunct="1">
-              <a:buFontTx/>
-              <a:buNone/>
-            </a:pPr>
-            <a:r>
-              <a:rPr sz="1800">
-                <a:latin typeface="맑은 고딕" charset="0"/>
-                <a:ea typeface="맑은 고딕" charset="0"/>
-              </a:rPr>
-              <a:t>Content Size Fitter : UI의 크기에 따라 유동적으로 UI의 크기를 조절할 수 있는 컴포넌트입니다. </a:t>
-            </a:r>
-            <a:endParaRPr lang="ko-KR" altLang="en-US" sz="1800">
-              <a:latin typeface="맑은 고딕" charset="0"/>
-              <a:ea typeface="맑은 고딕" charset="0"/>
-            </a:endParaRPr>
-          </a:p>
-        </p:txBody>
-      </p:sp>
       <p:pic>
         <p:nvPicPr>
-          <p:cNvPr id="8" name="그림 7" descr="C:/Users/Admin1/AppData/Roaming/PolarisOffice/ETemp/21612_20234488/fImage603472316500.png"/>
-          <p:cNvPicPr>
-            <a:picLocks noChangeAspect="1"/>
-          </p:cNvPicPr>
-          <p:nvPr/>
-        </p:nvPicPr>
-        <p:blipFill rotWithShape="1">
-          <a:blip r:embed="rId5" cstate="hqprint">
-            <a:extLst>
-              <a:ext uri="{28A0092B-C50C-407E-A947-70E740481C1C}">
-                <a14:useLocalDpi xmlns:a14="http://schemas.microsoft.com/office/drawing/2010/main"/>
-              </a:ext>
-            </a:extLst>
-          </a:blip>
-          <a:stretch>
-            <a:fillRect/>
-          </a:stretch>
-        </p:blipFill>
-        <p:spPr>
-          <a:xfrm rot="0">
-            <a:off x="1322070" y="1380490"/>
-            <a:ext cx="4042410" cy="1642110"/>
-          </a:xfrm>
-          <a:prstGeom prst="roundRect"/>
-          <a:solidFill>
-            <a:srgbClr val="EDEDED"/>
-          </a:solidFill>
-        </p:spPr>
-      </p:pic>
-      <p:pic>
-        <p:nvPicPr>
-          <p:cNvPr id="9" name="그림 41" descr="C:/Users/Admin1/AppData/Roaming/PolarisOffice/ETemp/21612_20234488/fImage191501945724.png"/>
+          <p:cNvPr id="9" name="그림 41" descr="C:/Users/Admin1/AppData/Roaming/PolarisOffice/ETemp/8940_18798640/fImage191501945724.png"/>
           <p:cNvPicPr>
             <a:picLocks noChangeAspect="1"/>
           </p:cNvPicPr>
@@ -9194,7 +13826,7 @@
         <p:spPr>
           <a:xfrm rot="0">
             <a:off x="6808470" y="1383665"/>
-            <a:ext cx="2345055" cy="3796030"/>
+            <a:ext cx="2494280" cy="3870960"/>
           </a:xfrm>
           <a:prstGeom prst="roundRect"/>
           <a:solidFill>
@@ -9202,16 +13834,217 @@
           </a:solidFill>
         </p:spPr>
       </p:pic>
+      <p:sp>
+        <p:nvSpPr>
+          <p:cNvPr id="11" name="텍스트 상자 45"/>
+          <p:cNvSpPr txBox="1">
+            <a:spLocks/>
+          </p:cNvSpPr>
+          <p:nvPr/>
+        </p:nvSpPr>
+        <p:spPr>
+          <a:xfrm rot="0">
+            <a:off x="6824980" y="5448300"/>
+            <a:ext cx="4123690" cy="647065"/>
+          </a:xfrm>
+          <a:prstGeom prst="rect"/>
+          <a:noFill/>
+          <a:ln w="0">
+            <a:noFill/>
+            <a:prstDash/>
+          </a:ln>
+        </p:spPr>
+        <p:txBody>
+          <a:bodyPr wrap="square" lIns="89535" tIns="46355" rIns="89535" bIns="46355" numCol="1" vert="horz" anchor="t">
+            <a:spAutoFit/>
+          </a:bodyPr>
+          <a:lstStyle/>
+          <a:p>
+            <a:pPr marL="0" indent="0" rtl="0" algn="l" defTabSz="914400" eaLnBrk="1" latinLnBrk="0" hangingPunct="1">
+              <a:buFontTx/>
+              <a:buNone/>
+            </a:pPr>
+            <a:r>
+              <a:rPr lang="ko-KR" sz="1800" b="1">
+                <a:solidFill>
+                  <a:srgbClr val="0611F2"/>
+                </a:solidFill>
+                <a:latin typeface="맑은 고딕" charset="0"/>
+                <a:ea typeface="맑은 고딕" charset="0"/>
+              </a:rPr>
+              <a:t>7</a:t>
+            </a:r>
+            <a:r>
+              <a:rPr sz="1800" b="1">
+                <a:solidFill>
+                  <a:srgbClr val="0611F2"/>
+                </a:solidFill>
+                <a:latin typeface="맑은 고딕" charset="0"/>
+                <a:ea typeface="맑은 고딕" charset="0"/>
+              </a:rPr>
+              <a:t>.</a:t>
+            </a:r>
+            <a:r>
+              <a:rPr sz="1800">
+                <a:latin typeface="맑은 고딕" charset="0"/>
+                <a:ea typeface="맑은 고딕" charset="0"/>
+              </a:rPr>
+              <a:t> </a:t>
+            </a:r>
+            <a:r>
+              <a:rPr lang="ko-KR" sz="1800">
+                <a:latin typeface="맑은 고딕" charset="0"/>
+                <a:ea typeface="맑은 고딕" charset="0"/>
+              </a:rPr>
+              <a:t>그다음</a:t>
+            </a:r>
+            <a:r>
+              <a:rPr lang="ko-KR" sz="1800">
+                <a:latin typeface="맑은 고딕" charset="0"/>
+                <a:ea typeface="맑은 고딕" charset="0"/>
+              </a:rPr>
+              <a:t>으로 UI에</a:t>
+            </a:r>
+            <a:r>
+              <a:rPr lang="ko-KR" sz="1800">
+                <a:latin typeface="맑은 고딕" charset="0"/>
+                <a:ea typeface="맑은 고딕" charset="0"/>
+              </a:rPr>
+              <a:t>서</a:t>
+            </a:r>
+            <a:r>
+              <a:rPr lang="ko-KR" sz="1800">
+                <a:latin typeface="맑은 고딕" charset="0"/>
+                <a:ea typeface="맑은 고딕" charset="0"/>
+              </a:rPr>
+              <a:t> Input Field를 추가합니다.</a:t>
+            </a:r>
+            <a:r>
+              <a:rPr sz="1800">
+                <a:latin typeface="맑은 고딕" charset="0"/>
+                <a:ea typeface="맑은 고딕" charset="0"/>
+              </a:rPr>
+              <a:t> </a:t>
+            </a:r>
+            <a:endParaRPr lang="ko-KR" altLang="en-US" sz="1800">
+              <a:latin typeface="맑은 고딕" charset="0"/>
+              <a:ea typeface="맑은 고딕" charset="0"/>
+            </a:endParaRPr>
+          </a:p>
+        </p:txBody>
+      </p:sp>
       <p:pic>
         <p:nvPicPr>
-          <p:cNvPr id="10" name="그림 42" descr="C:/Users/Admin1/AppData/Roaming/PolarisOffice/ETemp/21612_20234488/fImage122231951478.png"/>
+          <p:cNvPr id="12" name="그림 94" descr="C:/Users/Admin1/AppData/Roaming/PolarisOffice/ETemp/8940_18798640/fImage125483459358.png"/>
           <p:cNvPicPr>
             <a:picLocks noChangeAspect="1"/>
           </p:cNvPicPr>
           <p:nvPr/>
         </p:nvPicPr>
         <p:blipFill rotWithShape="1">
-          <a:blip r:embed="rId8" cstate="print">
+          <a:blip r:embed="rId9" cstate="hqprint">
+            <a:extLst>
+              <a:ext uri="{28A0092B-C50C-407E-A947-70E740481C1C}">
+                <a14:useLocalDpi xmlns:a14="http://schemas.microsoft.com/office/drawing/2010/main"/>
+              </a:ext>
+            </a:extLst>
+          </a:blip>
+          <a:stretch>
+            <a:fillRect/>
+          </a:stretch>
+        </p:blipFill>
+        <p:spPr>
+          <a:xfrm rot="0">
+            <a:off x="1230630" y="1381125"/>
+            <a:ext cx="4131945" cy="1204595"/>
+          </a:xfrm>
+          <a:prstGeom prst="roundRect"/>
+          <a:solidFill>
+            <a:srgbClr val="EDEDED"/>
+          </a:solidFill>
+        </p:spPr>
+      </p:pic>
+      <p:sp>
+        <p:nvSpPr>
+          <p:cNvPr id="13" name="텍스트 상자 97"/>
+          <p:cNvSpPr txBox="1">
+            <a:spLocks/>
+          </p:cNvSpPr>
+          <p:nvPr/>
+        </p:nvSpPr>
+        <p:spPr>
+          <a:xfrm rot="0">
+            <a:off x="1237615" y="2657475"/>
+            <a:ext cx="4133850" cy="647065"/>
+          </a:xfrm>
+          <a:prstGeom prst="rect"/>
+          <a:noFill/>
+          <a:ln w="0">
+            <a:noFill/>
+            <a:prstDash/>
+          </a:ln>
+        </p:spPr>
+        <p:txBody>
+          <a:bodyPr wrap="square" lIns="89535" tIns="46355" rIns="89535" bIns="46355" numCol="1" vert="horz" anchor="t">
+            <a:spAutoFit/>
+          </a:bodyPr>
+          <a:lstStyle/>
+          <a:p>
+            <a:pPr marL="0" indent="0" rtl="0" algn="l" defTabSz="914400" eaLnBrk="1" latinLnBrk="0" hangingPunct="1">
+              <a:buFontTx/>
+              <a:buNone/>
+            </a:pPr>
+            <a:r>
+              <a:rPr lang="ko-KR" sz="1800" b="1">
+                <a:solidFill>
+                  <a:srgbClr val="0611F2"/>
+                </a:solidFill>
+                <a:latin typeface="맑은 고딕" charset="0"/>
+                <a:ea typeface="맑은 고딕" charset="0"/>
+              </a:rPr>
+              <a:t>5</a:t>
+            </a:r>
+            <a:r>
+              <a:rPr sz="1800" b="1">
+                <a:solidFill>
+                  <a:srgbClr val="0611F2"/>
+                </a:solidFill>
+                <a:latin typeface="맑은 고딕" charset="0"/>
+                <a:ea typeface="맑은 고딕" charset="0"/>
+              </a:rPr>
+              <a:t>.</a:t>
+            </a:r>
+            <a:r>
+              <a:rPr sz="1800">
+                <a:latin typeface="맑은 고딕" charset="0"/>
+                <a:ea typeface="맑은 고딕" charset="0"/>
+              </a:rPr>
+              <a:t> </a:t>
+            </a:r>
+            <a:r>
+              <a:rPr lang="ko-KR" sz="1800">
+                <a:latin typeface="맑은 고딕" charset="0"/>
+                <a:ea typeface="맑은 고딕" charset="0"/>
+              </a:rPr>
+              <a:t>그리고 Scroll View 오브젝트의 크기와 앵커를 설정합니다.</a:t>
+            </a:r>
+            <a:endParaRPr lang="ko-KR" altLang="en-US" sz="1800">
+              <a:latin typeface="맑은 고딕" charset="0"/>
+              <a:ea typeface="맑은 고딕" charset="0"/>
+            </a:endParaRPr>
+          </a:p>
+        </p:txBody>
+      </p:sp>
+      <p:pic>
+        <p:nvPicPr>
+          <p:cNvPr id="14" name="그림 19" descr="C:/Users/Admin1/AppData/Roaming/PolarisOffice/ETemp/8940_18798640/fImage100302685724.png"/>
+          <p:cNvPicPr>
+            <a:picLocks noChangeAspect="1"/>
+          </p:cNvPicPr>
+          <p:nvPr/>
+        </p:nvPicPr>
+        <p:blipFill rotWithShape="1">
+          <a:blip r:embed="rId10" cstate="print">
             <a:extLst>
               <a:ext uri="{28A0092B-C50C-407E-A947-70E740481C1C}">
                 <a14:useLocalDpi xmlns:a14="http://schemas.microsoft.com/office/drawing/2010/main" val="0"/>
@@ -9224,8 +14057,8 @@
         </p:blipFill>
         <p:spPr>
           <a:xfrm rot="0">
-            <a:off x="9327515" y="2270760"/>
-            <a:ext cx="1621155" cy="2134235"/>
+            <a:off x="9493250" y="2144395"/>
+            <a:ext cx="1455420" cy="2353945"/>
           </a:xfrm>
           <a:prstGeom prst="roundRect"/>
           <a:solidFill>
@@ -9233,97 +14066,19 @@
           </a:solidFill>
         </p:spPr>
       </p:pic>
-      <p:sp>
-        <p:nvSpPr>
-          <p:cNvPr id="11" name="텍스트 상자 45"/>
-          <p:cNvSpPr txBox="1">
-            <a:spLocks/>
-          </p:cNvSpPr>
-          <p:nvPr/>
-        </p:nvSpPr>
-        <p:spPr>
-          <a:xfrm rot="0">
-            <a:off x="6816725" y="5348605"/>
-            <a:ext cx="4123690" cy="647065"/>
-          </a:xfrm>
-          <a:prstGeom prst="rect"/>
-          <a:noFill/>
-          <a:ln w="0">
-            <a:noFill/>
-            <a:prstDash/>
-          </a:ln>
-        </p:spPr>
-        <p:txBody>
-          <a:bodyPr wrap="square" lIns="89535" tIns="46355" rIns="89535" bIns="46355" numCol="1" vert="horz" anchor="t">
-            <a:spAutoFit/>
-          </a:bodyPr>
-          <a:lstStyle/>
-          <a:p>
-            <a:pPr marL="0" indent="0" rtl="0" algn="l" defTabSz="914400" eaLnBrk="1" latinLnBrk="0" hangingPunct="1">
-              <a:buFontTx/>
-              <a:buNone/>
-            </a:pPr>
-            <a:r>
-              <a:rPr lang="ko-KR" sz="1800" b="1">
-                <a:solidFill>
-                  <a:srgbClr val="0611F2"/>
-                </a:solidFill>
-                <a:latin typeface="맑은 고딕" charset="0"/>
-                <a:ea typeface="맑은 고딕" charset="0"/>
-              </a:rPr>
-              <a:t>6</a:t>
-            </a:r>
-            <a:r>
-              <a:rPr sz="1800" b="1">
-                <a:solidFill>
-                  <a:srgbClr val="0611F2"/>
-                </a:solidFill>
-                <a:latin typeface="맑은 고딕" charset="0"/>
-                <a:ea typeface="맑은 고딕" charset="0"/>
-              </a:rPr>
-              <a:t>.</a:t>
-            </a:r>
-            <a:r>
-              <a:rPr sz="1800">
-                <a:latin typeface="맑은 고딕" charset="0"/>
-                <a:ea typeface="맑은 고딕" charset="0"/>
-              </a:rPr>
-              <a:t> </a:t>
-            </a:r>
-            <a:r>
-              <a:rPr lang="ko-KR" sz="1800">
-                <a:latin typeface="맑은 고딕" charset="0"/>
-                <a:ea typeface="맑은 고딕" charset="0"/>
-              </a:rPr>
-              <a:t>그다음으로 UI에 Input Field를 추가합니다.</a:t>
-            </a:r>
-            <a:r>
-              <a:rPr sz="1800">
-                <a:latin typeface="맑은 고딕" charset="0"/>
-                <a:ea typeface="맑은 고딕" charset="0"/>
-              </a:rPr>
-              <a:t> </a:t>
-            </a:r>
-            <a:endParaRPr lang="ko-KR" altLang="en-US" sz="1800">
-              <a:latin typeface="맑은 고딕" charset="0"/>
-              <a:ea typeface="맑은 고딕" charset="0"/>
-            </a:endParaRPr>
-          </a:p>
-        </p:txBody>
-      </p:sp>
       <p:pic>
         <p:nvPicPr>
-          <p:cNvPr id="12" name="그림 94" descr="C:/Users/Admin1/AppData/Roaming/PolarisOffice/ETemp/21612_20234488/fImage125483459358.png"/>
+          <p:cNvPr id="15" name="그림 22" descr="C:/Users/Admin1/AppData/Roaming/PolarisOffice/ETemp/8940_18798640/fImage173371898467.png"/>
           <p:cNvPicPr>
             <a:picLocks noChangeAspect="1"/>
           </p:cNvPicPr>
           <p:nvPr/>
         </p:nvPicPr>
         <p:blipFill rotWithShape="1">
-          <a:blip r:embed="rId9" cstate="print">
+          <a:blip r:embed="rId11" cstate="hqprint">
             <a:extLst>
               <a:ext uri="{28A0092B-C50C-407E-A947-70E740481C1C}">
-                <a14:useLocalDpi xmlns:a14="http://schemas.microsoft.com/office/drawing/2010/main" val="0"/>
+                <a14:useLocalDpi xmlns:a14="http://schemas.microsoft.com/office/drawing/2010/main"/>
               </a:ext>
             </a:extLst>
           </a:blip>
@@ -9333,8 +14088,8 @@
         </p:blipFill>
         <p:spPr>
           <a:xfrm rot="0">
-            <a:off x="1330325" y="4116070"/>
-            <a:ext cx="4030345" cy="1106170"/>
+            <a:off x="1230630" y="3426460"/>
+            <a:ext cx="4131945" cy="1960880"/>
           </a:xfrm>
           <a:prstGeom prst="roundRect"/>
           <a:solidFill>
@@ -9344,7 +14099,7 @@
       </p:pic>
       <p:sp>
         <p:nvSpPr>
-          <p:cNvPr id="13" name="텍스트 상자 97"/>
+          <p:cNvPr id="16" name="텍스트 상자 23"/>
           <p:cNvSpPr txBox="1">
             <a:spLocks/>
           </p:cNvSpPr>
@@ -9352,19 +14107,15 @@
         </p:nvSpPr>
         <p:spPr>
           <a:xfrm rot="0">
-            <a:off x="1337945" y="5334000"/>
-            <a:ext cx="4031615" cy="647065"/>
+            <a:off x="1233170" y="5535930"/>
+            <a:ext cx="4129405" cy="554355"/>
           </a:xfrm>
           <a:prstGeom prst="rect"/>
           <a:noFill/>
-          <a:ln w="0">
-            <a:noFill/>
-            <a:prstDash/>
-          </a:ln>
-        </p:spPr>
-        <p:txBody>
-          <a:bodyPr wrap="square" lIns="89535" tIns="46355" rIns="89535" bIns="46355" numCol="1" vert="horz" anchor="t">
-            <a:spAutoFit/>
+        </p:spPr>
+        <p:txBody>
+          <a:bodyPr wrap="square" lIns="0" tIns="0" rIns="0" bIns="0" vert="horz" anchor="t">
+            <a:noAutofit/>
           </a:bodyPr>
           <a:lstStyle/>
           <a:p>
@@ -9372,16 +14123,6 @@
               <a:buFontTx/>
               <a:buNone/>
             </a:pPr>
-            <a:r>
-              <a:rPr lang="ko-KR" sz="1800" b="1">
-                <a:solidFill>
-                  <a:srgbClr val="0611F2"/>
-                </a:solidFill>
-                <a:latin typeface="맑은 고딕" charset="0"/>
-                <a:ea typeface="맑은 고딕" charset="0"/>
-              </a:rPr>
-              <a:t>5</a:t>
-            </a:r>
             <a:r>
               <a:rPr sz="1800" b="1">
                 <a:solidFill>
@@ -9390,6 +14131,16 @@
                 <a:latin typeface="맑은 고딕" charset="0"/>
                 <a:ea typeface="맑은 고딕" charset="0"/>
               </a:rPr>
+              <a:t>6</a:t>
+            </a:r>
+            <a:r>
+              <a:rPr sz="1800" b="1">
+                <a:solidFill>
+                  <a:srgbClr val="0611F2"/>
+                </a:solidFill>
+                <a:latin typeface="맑은 고딕" charset="0"/>
+                <a:ea typeface="맑은 고딕" charset="0"/>
+              </a:rPr>
               <a:t>.</a:t>
             </a:r>
             <a:r>
@@ -9404,7 +14155,28 @@
                 <a:latin typeface="맑은 고딕" charset="0"/>
                 <a:ea typeface="맑은 고딕" charset="0"/>
               </a:rPr>
-              <a:t>그리고 Scroll View 오브젝트의 크기와 앵커를 설정합니다.</a:t>
+              <a:t>그런 다음</a:t>
+            </a:r>
+            <a:r>
+              <a:rPr lang="ko-KR" sz="1800">
+                <a:latin typeface="맑은 고딕" charset="0"/>
+                <a:ea typeface="맑은 고딕" charset="0"/>
+              </a:rPr>
+              <a:t> </a:t>
+            </a:r>
+            <a:r>
+              <a:rPr lang="ko-KR" sz="1800">
+                <a:latin typeface="맑은 고딕" charset="0"/>
+                <a:ea typeface="맑은 고딕" charset="0"/>
+              </a:rPr>
+              <a:t>String 오브젝트에 </a:t>
+            </a:r>
+            <a:r>
+              <a:rPr lang="ko-KR" sz="1800">
+                <a:latin typeface="맑은 고딕" charset="0"/>
+                <a:ea typeface="맑은 고딕" charset="0"/>
+              </a:rPr>
+              <a:t>Content Size Fitter 컴포넌트를 추가합니다.</a:t>
             </a:r>
             <a:endParaRPr lang="ko-KR" altLang="en-US" sz="1800">
               <a:latin typeface="맑은 고딕" charset="0"/>
@@ -9513,38 +14285,7 @@
       </p:sp>
       <p:pic>
         <p:nvPicPr>
-          <p:cNvPr id="3" name="그림 11" descr="C:/Users/Admin1/AppData/Roaming/PolarisOffice/ETemp/21612_20234488/fImage240861709169.png"/>
-          <p:cNvPicPr>
-            <a:picLocks noChangeAspect="1"/>
-          </p:cNvPicPr>
-          <p:nvPr/>
-        </p:nvPicPr>
-        <p:blipFill rotWithShape="1">
-          <a:blip r:embed="rId2" cstate="hqprint">
-            <a:extLst>
-              <a:ext uri="{28A0092B-C50C-407E-A947-70E740481C1C}">
-                <a14:useLocalDpi xmlns:a14="http://schemas.microsoft.com/office/drawing/2010/main"/>
-              </a:ext>
-            </a:extLst>
-          </a:blip>
-          <a:stretch>
-            <a:fillRect/>
-          </a:stretch>
-        </p:blipFill>
-        <p:spPr>
-          <a:xfrm rot="0">
-            <a:off x="1231265" y="1263650"/>
-            <a:ext cx="4058285" cy="2710815"/>
-          </a:xfrm>
-          <a:prstGeom prst="roundRect"/>
-          <a:solidFill>
-            <a:srgbClr val="EDEDED"/>
-          </a:solidFill>
-        </p:spPr>
-      </p:pic>
-      <p:pic>
-        <p:nvPicPr>
-          <p:cNvPr id="4" name="그림 12" descr="C:/Users/Admin1/AppData/Roaming/PolarisOffice/ETemp/21612_20234488/fImage64291715724.png"/>
+          <p:cNvPr id="4" name="그림 12" descr="C:/Users/Admin1/AppData/Roaming/PolarisOffice/ETemp/8940_18798640/fImage64291715724.png"/>
           <p:cNvPicPr>
             <a:picLocks noChangeAspect="1"/>
           </p:cNvPicPr>
@@ -9564,8 +14305,8 @@
         </p:blipFill>
         <p:spPr>
           <a:xfrm rot="0">
-            <a:off x="6866255" y="3350895"/>
-            <a:ext cx="4036695" cy="1031240"/>
+            <a:off x="6866255" y="3291840"/>
+            <a:ext cx="4107815" cy="1106170"/>
           </a:xfrm>
           <a:prstGeom prst="roundRect"/>
           <a:solidFill>
@@ -9575,7 +14316,7 @@
       </p:pic>
       <p:sp>
         <p:nvSpPr>
-          <p:cNvPr id="6" name="텍스트 상자 14"/>
+          <p:cNvPr id="7" name="텍스트 상자 15"/>
           <p:cNvSpPr txBox="1">
             <a:spLocks/>
           </p:cNvSpPr>
@@ -9583,8 +14324,8 @@
         </p:nvSpPr>
         <p:spPr>
           <a:xfrm rot="0">
-            <a:off x="1231265" y="5304155"/>
-            <a:ext cx="4056380" cy="923925"/>
+            <a:off x="6864350" y="4511675"/>
+            <a:ext cx="4101465" cy="1754505"/>
           </a:xfrm>
           <a:prstGeom prst="rect"/>
           <a:noFill/>
@@ -9604,97 +14345,56 @@
               <a:buNone/>
             </a:pPr>
             <a:r>
+              <a:rPr lang="ko-KR" sz="1800" b="1">
+                <a:solidFill>
+                  <a:srgbClr val="0611F2"/>
+                </a:solidFill>
+                <a:latin typeface="맑은 고딕" charset="0"/>
+                <a:ea typeface="맑은 고딕" charset="0"/>
+              </a:rPr>
+              <a:t>8</a:t>
+            </a:r>
+            <a:r>
+              <a:rPr sz="1800" b="1">
+                <a:solidFill>
+                  <a:srgbClr val="0611F2"/>
+                </a:solidFill>
+                <a:latin typeface="맑은 고딕" charset="0"/>
+                <a:ea typeface="맑은 고딕" charset="0"/>
+              </a:rPr>
+              <a:t>.</a:t>
+            </a:r>
+            <a:r>
               <a:rPr sz="1800">
                 <a:latin typeface="맑은 고딕" charset="0"/>
                 <a:ea typeface="맑은 고딕" charset="0"/>
               </a:rPr>
-              <a:t>Preferred Size : 기본적인 콘텐츠의 크기와 UI(Text, Image, Button)의 크기에 따라 맞추어주는 옵션입니다.</a:t>
+              <a:t> </a:t>
+            </a:r>
+            <a:r>
+              <a:rPr lang="ko-KR" sz="1800">
+                <a:latin typeface="맑은 고딕" charset="0"/>
+                <a:ea typeface="맑은 고딕" charset="0"/>
+              </a:rPr>
+              <a:t>이제</a:t>
+            </a:r>
+            <a:r>
+              <a:rPr lang="ko-KR" sz="1800">
+                <a:latin typeface="맑은 고딕" charset="0"/>
+                <a:ea typeface="맑은 고딕" charset="0"/>
+              </a:rPr>
+              <a:t> String 오브젝트를 선택하고 앵커와 크기를 설정합니다.</a:t>
             </a:r>
             <a:endParaRPr lang="ko-KR" altLang="en-US" sz="1800">
               <a:latin typeface="맑은 고딕" charset="0"/>
               <a:ea typeface="맑은 고딕" charset="0"/>
             </a:endParaRPr>
           </a:p>
-        </p:txBody>
-      </p:sp>
-      <p:sp>
-        <p:nvSpPr>
-          <p:cNvPr id="7" name="텍스트 상자 15"/>
-          <p:cNvSpPr txBox="1">
-            <a:spLocks/>
-          </p:cNvSpPr>
-          <p:nvPr/>
-        </p:nvSpPr>
-        <p:spPr>
-          <a:xfrm rot="0">
-            <a:off x="6864350" y="4511675"/>
-            <a:ext cx="4029710" cy="1754505"/>
-          </a:xfrm>
-          <a:prstGeom prst="rect"/>
-          <a:noFill/>
-          <a:ln w="0">
-            <a:noFill/>
-            <a:prstDash/>
-          </a:ln>
-        </p:spPr>
-        <p:txBody>
-          <a:bodyPr wrap="square" lIns="89535" tIns="46355" rIns="89535" bIns="46355" numCol="1" vert="horz" anchor="t">
-            <a:spAutoFit/>
-          </a:bodyPr>
-          <a:lstStyle/>
           <a:p>
             <a:pPr marL="0" indent="0" rtl="0" algn="l" defTabSz="914400" eaLnBrk="1" latinLnBrk="0" hangingPunct="1">
               <a:buFontTx/>
               <a:buNone/>
             </a:pPr>
-            <a:r>
-              <a:rPr lang="ko-KR" sz="1800" b="1">
-                <a:solidFill>
-                  <a:srgbClr val="0611F2"/>
-                </a:solidFill>
-                <a:latin typeface="맑은 고딕" charset="0"/>
-                <a:ea typeface="맑은 고딕" charset="0"/>
-              </a:rPr>
-              <a:t>7</a:t>
-            </a:r>
-            <a:r>
-              <a:rPr sz="1800" b="1">
-                <a:solidFill>
-                  <a:srgbClr val="0611F2"/>
-                </a:solidFill>
-                <a:latin typeface="맑은 고딕" charset="0"/>
-                <a:ea typeface="맑은 고딕" charset="0"/>
-              </a:rPr>
-              <a:t>.</a:t>
-            </a:r>
-            <a:r>
-              <a:rPr sz="1800">
-                <a:latin typeface="맑은 고딕" charset="0"/>
-                <a:ea typeface="맑은 고딕" charset="0"/>
-              </a:rPr>
-              <a:t> </a:t>
-            </a:r>
-            <a:r>
-              <a:rPr lang="ko-KR" sz="1800">
-                <a:latin typeface="맑은 고딕" charset="0"/>
-                <a:ea typeface="맑은 고딕" charset="0"/>
-              </a:rPr>
-              <a:t>그런 다음</a:t>
-            </a:r>
-            <a:r>
-              <a:rPr lang="ko-KR" sz="1800">
-                <a:latin typeface="맑은 고딕" charset="0"/>
-                <a:ea typeface="맑은 고딕" charset="0"/>
-              </a:rPr>
-              <a:t> String </a:t>
-            </a:r>
-            <a:r>
-              <a:rPr lang="ko-KR" sz="1800">
-                <a:latin typeface="맑은 고딕" charset="0"/>
-                <a:ea typeface="맑은 고딕" charset="0"/>
-              </a:rPr>
-              <a:t>오브젝트를 선택하고 앵커와 크기를 설정합니다.</a:t>
-            </a:r>
             <a:endParaRPr lang="ko-KR" altLang="en-US" sz="1800">
               <a:latin typeface="맑은 고딕" charset="0"/>
               <a:ea typeface="맑은 고딕" charset="0"/>
@@ -9705,68 +14405,51 @@
               <a:buFontTx/>
               <a:buNone/>
             </a:pPr>
+            <a:r>
+              <a:rPr lang="ko-KR" sz="1800">
+                <a:latin typeface="맑은 고딕" charset="0"/>
+                <a:ea typeface="맑은 고딕" charset="0"/>
+              </a:rPr>
+              <a:t>그</a:t>
+            </a:r>
+            <a:r>
+              <a:rPr lang="ko-KR" sz="1800">
+                <a:latin typeface="맑은 고딕" charset="0"/>
+                <a:ea typeface="맑은 고딕" charset="0"/>
+              </a:rPr>
+              <a:t>리고</a:t>
+            </a:r>
+            <a:r>
+              <a:rPr lang="ko-KR" sz="1800">
+                <a:latin typeface="맑은 고딕" charset="0"/>
+                <a:ea typeface="맑은 고딕" charset="0"/>
+              </a:rPr>
+              <a:t> Content Size Fitter 컴포넌트의 Horizontal Fit을 Preferred Size로 설정합니다. </a:t>
+            </a:r>
+            <a:r>
+              <a:rPr sz="1800">
+                <a:latin typeface="맑은 고딕" charset="0"/>
+                <a:ea typeface="맑은 고딕" charset="0"/>
+              </a:rPr>
+              <a:t> </a:t>
+            </a:r>
             <a:endParaRPr lang="ko-KR" altLang="en-US" sz="1800">
               <a:latin typeface="맑은 고딕" charset="0"/>
               <a:ea typeface="맑은 고딕" charset="0"/>
             </a:endParaRPr>
           </a:p>
-          <a:p>
-            <a:pPr marL="0" indent="0" rtl="0" algn="l" defTabSz="914400" eaLnBrk="1" latinLnBrk="0" hangingPunct="1">
-              <a:buFontTx/>
-              <a:buNone/>
-            </a:pPr>
-            <a:r>
-              <a:rPr lang="ko-KR" sz="1800">
-                <a:latin typeface="맑은 고딕" charset="0"/>
-                <a:ea typeface="맑은 고딕" charset="0"/>
-              </a:rPr>
-              <a:t>그리고</a:t>
-            </a:r>
-            <a:r>
-              <a:rPr lang="ko-KR" sz="1800">
-                <a:latin typeface="맑은 고딕" charset="0"/>
-                <a:ea typeface="맑은 고딕" charset="0"/>
-              </a:rPr>
-              <a:t> Content Size Fitter 컴포넌트</a:t>
-            </a:r>
-            <a:r>
-              <a:rPr lang="ko-KR" sz="1800">
-                <a:latin typeface="맑은 고딕" charset="0"/>
-                <a:ea typeface="맑은 고딕" charset="0"/>
-              </a:rPr>
-              <a:t>의</a:t>
-            </a:r>
-            <a:r>
-              <a:rPr lang="ko-KR" sz="1800">
-                <a:latin typeface="맑은 고딕" charset="0"/>
-                <a:ea typeface="맑은 고딕" charset="0"/>
-              </a:rPr>
-              <a:t> Horizontal Fit을 Preferred Size로 설정합니다. </a:t>
-            </a:r>
-            <a:r>
-              <a:rPr sz="1800">
-                <a:latin typeface="맑은 고딕" charset="0"/>
-                <a:ea typeface="맑은 고딕" charset="0"/>
-              </a:rPr>
-              <a:t> </a:t>
-            </a:r>
-            <a:endParaRPr lang="ko-KR" altLang="en-US" sz="1800">
-              <a:latin typeface="맑은 고딕" charset="0"/>
-              <a:ea typeface="맑은 고딕" charset="0"/>
-            </a:endParaRPr>
-          </a:p>
         </p:txBody>
       </p:sp>
       <p:pic>
         <p:nvPicPr>
-          <p:cNvPr id="8" name="그림 16" descr="C:/Users/Admin1/AppData/Roaming/PolarisOffice/ETemp/21612_20234488/fImage345611759358.png"/>
+          <p:cNvPr id="11" name="그림 93" descr="C:/Users/Admin1/AppData/Roaming/PolarisOffice/ETemp/8940_18798640/fImage121013266962.png"/>
           <p:cNvPicPr>
             <a:picLocks noChangeAspect="1"/>
           </p:cNvPicPr>
           <p:nvPr/>
         </p:nvPicPr>
         <p:blipFill rotWithShape="1">
-          <a:blip r:embed="rId5" cstate="hqprint">
+          <a:blip r:embed="rId8" cstate="hqprint">
             <a:extLst>
               <a:ext uri="{28A0092B-C50C-407E-A947-70E740481C1C}">
                 <a14:useLocalDpi xmlns:a14="http://schemas.microsoft.com/office/drawing/2010/main"/>
@@ -9779,8 +14462,8 @@
         </p:blipFill>
         <p:spPr>
           <a:xfrm rot="0">
-            <a:off x="3500120" y="4274820"/>
-            <a:ext cx="1789430" cy="863600"/>
+            <a:off x="6866255" y="1255395"/>
+            <a:ext cx="4099560" cy="1906270"/>
           </a:xfrm>
           <a:prstGeom prst="roundRect"/>
           <a:solidFill>
@@ -9788,16 +14471,60 @@
           </a:solidFill>
         </p:spPr>
       </p:pic>
+      <p:sp>
+        <p:nvSpPr>
+          <p:cNvPr id="12" name="텍스트 상자 17"/>
+          <p:cNvSpPr txBox="1">
+            <a:spLocks/>
+          </p:cNvSpPr>
+          <p:nvPr/>
+        </p:nvSpPr>
+        <p:spPr>
+          <a:xfrm rot="0">
+            <a:off x="1238885" y="5340350"/>
+            <a:ext cx="4115435" cy="923925"/>
+          </a:xfrm>
+          <a:prstGeom prst="rect"/>
+          <a:noFill/>
+          <a:ln w="0">
+            <a:noFill/>
+            <a:prstDash/>
+          </a:ln>
+        </p:spPr>
+        <p:txBody>
+          <a:bodyPr wrap="square" lIns="89535" tIns="46355" rIns="89535" bIns="46355" numCol="1" vert="horz" anchor="t">
+            <a:spAutoFit/>
+          </a:bodyPr>
+          <a:lstStyle/>
+          <a:p>
+            <a:pPr marL="0" indent="0" rtl="0" algn="l" defTabSz="914400" eaLnBrk="1" latinLnBrk="0" hangingPunct="1">
+              <a:buFontTx/>
+              <a:buNone/>
+            </a:pPr>
+            <a:r>
+              <a:rPr sz="1800">
+                <a:latin typeface="맑은 고딕" charset="0"/>
+                <a:ea typeface="맑은 고딕" charset="0"/>
+              </a:rPr>
+              <a:t>Content Size Fitter : UI의 크기에 따라 유동적으로 UI의 크기를 조절할 수 있는 컴포넌트입니다. </a:t>
+            </a:r>
+            <a:endParaRPr lang="ko-KR" altLang="en-US" sz="1800">
+              <a:latin typeface="맑은 고딕" charset="0"/>
+              <a:ea typeface="맑은 고딕" charset="0"/>
+            </a:endParaRPr>
+          </a:p>
+        </p:txBody>
+      </p:sp>
       <p:pic>
         <p:nvPicPr>
-          <p:cNvPr id="9" name="그림 17" descr="C:/Users/Admin1/AppData/Roaming/PolarisOffice/ETemp/21612_20234488/fImage137551766962.png"/>
+          <p:cNvPr id="13" name="그림 18" descr="C:/Users/Admin1/AppData/Roaming/PolarisOffice/ETemp/8940_18798640/fImage603472316500.png"/>
           <p:cNvPicPr>
             <a:picLocks noChangeAspect="1"/>
           </p:cNvPicPr>
           <p:nvPr/>
         </p:nvPicPr>
         <p:blipFill rotWithShape="1">
-          <a:blip r:embed="rId6" cstate="hqprint">
+          <a:blip r:embed="rId9" cstate="hqprint">
             <a:extLst>
               <a:ext uri="{28A0092B-C50C-407E-A947-70E740481C1C}">
                 <a14:useLocalDpi xmlns:a14="http://schemas.microsoft.com/office/drawing/2010/main"/>
@@ -9810,39 +14537,8 @@
         </p:blipFill>
         <p:spPr>
           <a:xfrm rot="0">
-            <a:off x="1228090" y="4264660"/>
-            <a:ext cx="1800225" cy="865505"/>
-          </a:xfrm>
-          <a:prstGeom prst="roundRect"/>
-          <a:solidFill>
-            <a:srgbClr val="EDEDED"/>
-          </a:solidFill>
-        </p:spPr>
-      </p:pic>
-      <p:pic>
-        <p:nvPicPr>
-          <p:cNvPr id="11" name="그림 93" descr="C:/Users/Admin1/AppData/Roaming/PolarisOffice/ETemp/21612_20234488/fImage121013266962.png"/>
-          <p:cNvPicPr>
-            <a:picLocks noChangeAspect="1"/>
-          </p:cNvPicPr>
-          <p:nvPr/>
-        </p:nvPicPr>
-        <p:blipFill rotWithShape="1">
-          <a:blip r:embed="rId8" cstate="print">
-            <a:extLst>
-              <a:ext uri="{28A0092B-C50C-407E-A947-70E740481C1C}">
-                <a14:useLocalDpi xmlns:a14="http://schemas.microsoft.com/office/drawing/2010/main" val="0"/>
-              </a:ext>
-            </a:extLst>
-          </a:blip>
-          <a:stretch>
-            <a:fillRect/>
-          </a:stretch>
-        </p:blipFill>
-        <p:spPr>
-          <a:xfrm rot="0">
-            <a:off x="6866255" y="1255395"/>
-            <a:ext cx="4036695" cy="1905635"/>
+            <a:off x="1238885" y="1380490"/>
+            <a:ext cx="4126230" cy="3766185"/>
           </a:xfrm>
           <a:prstGeom prst="roundRect"/>
           <a:solidFill>
@@ -9957,9 +14653,9 @@
           <p:nvPr/>
         </p:nvSpPr>
         <p:spPr>
-          <a:xfrm>
-            <a:off x="1189355" y="3961130"/>
-            <a:ext cx="4124325" cy="2031365"/>
+          <a:xfrm rot="0">
+            <a:off x="1246505" y="4127500"/>
+            <a:ext cx="4126230" cy="2031365"/>
           </a:xfrm>
           <a:prstGeom prst="rect"/>
           <a:noFill/>
@@ -9986,7 +14682,7 @@
                 <a:latin typeface="맑은 고딕" charset="0"/>
                 <a:ea typeface="맑은 고딕" charset="0"/>
               </a:rPr>
-              <a:t>8</a:t>
+              <a:t>9</a:t>
             </a:r>
             <a:r>
               <a:rPr sz="1800" b="1">
@@ -10037,21 +14733,7 @@
                 <a:latin typeface="맑은 고딕" charset="0"/>
                 <a:ea typeface="맑은 고딕" charset="0"/>
               </a:rPr>
-              <a:t>그리고 ChatManager라는 스크립트를 </a:t>
-            </a:r>
-            <a:r>
-              <a:rPr lang="ko-KR" sz="1800">
-                <a:latin typeface="맑은 고딕" charset="0"/>
-                <a:ea typeface="맑은 고딕" charset="0"/>
-              </a:rPr>
-              <a:t>생성하고</a:t>
-            </a:r>
-            <a:r>
-              <a:rPr lang="ko-KR" sz="1800">
-                <a:latin typeface="맑은 고딕" charset="0"/>
-                <a:ea typeface="맑은 고딕" charset="0"/>
-              </a:rPr>
-              <a:t> Chatting Manager 오브젝트에 넣어줍니다.</a:t>
+              <a:t>그리고 ChatManager라는 스크립트를 생성하고 Chatting Manager 오브젝트에 넣어줍니다.</a:t>
             </a:r>
             <a:endParaRPr lang="ko-KR" altLang="en-US" sz="1800">
               <a:latin typeface="맑은 고딕" charset="0"/>
@@ -10062,7 +14744,7 @@
       </p:sp>
       <p:pic>
         <p:nvPicPr>
-          <p:cNvPr id="16" name="그림 32"/>
+          <p:cNvPr id="16" name="그림 32" descr="C:/Users/Admin1/AppData/Roaming/PolarisOffice/ETemp/8940_18798640/fImage21692074464.png"/>
           <p:cNvPicPr>
             <a:picLocks noChangeAspect="1"/>
           </p:cNvPicPr>
@@ -10082,8 +14764,8 @@
         </p:blipFill>
         <p:spPr>
           <a:xfrm rot="0">
-            <a:off x="4238625" y="3030220"/>
-            <a:ext cx="743585" cy="791845"/>
+            <a:off x="4305300" y="3183890"/>
+            <a:ext cx="608330" cy="688975"/>
           </a:xfrm>
           <a:prstGeom prst="roundRect"/>
           <a:solidFill>
@@ -10093,7 +14775,7 @@
       </p:pic>
       <p:pic>
         <p:nvPicPr>
-          <p:cNvPr id="17" name="그림 37"/>
+          <p:cNvPr id="17" name="그림 37" descr="C:/Users/Admin1/AppData/Roaming/PolarisOffice/ETemp/8940_18798640/fImage330252115705.png"/>
           <p:cNvPicPr>
             <a:picLocks noChangeAspect="1"/>
           </p:cNvPicPr>
@@ -10114,7 +14796,7 @@
         <p:spPr>
           <a:xfrm rot="0">
             <a:off x="1252855" y="1322705"/>
-            <a:ext cx="2395855" cy="2494915"/>
+            <a:ext cx="2313940" cy="2576830"/>
           </a:xfrm>
           <a:prstGeom prst="roundRect"/>
           <a:solidFill>
@@ -10132,8 +14814,8 @@
         </p:nvSpPr>
         <p:spPr>
           <a:xfrm rot="0">
-            <a:off x="6819900" y="4234180"/>
-            <a:ext cx="4029710" cy="1754505"/>
+            <a:off x="6819900" y="4408805"/>
+            <a:ext cx="4030345" cy="1754505"/>
           </a:xfrm>
           <a:prstGeom prst="rect"/>
           <a:noFill/>
@@ -10160,7 +14842,7 @@
                 <a:latin typeface="맑은 고딕" charset="0"/>
                 <a:ea typeface="맑은 고딕" charset="0"/>
               </a:rPr>
-              <a:t>9</a:t>
+              <a:t>10</a:t>
             </a:r>
             <a:r>
               <a:rPr sz="1800" b="1">
@@ -10184,14 +14866,7 @@
                 <a:latin typeface="맑은 고딕" charset="0"/>
                 <a:ea typeface="맑은 고딕" charset="0"/>
               </a:rPr>
-              <a:t>이제</a:t>
-            </a:r>
-            <a:r>
-              <a:rPr lang="ko-KR" sz="1800">
-                <a:latin typeface="맑은 고딕" charset="0"/>
-                <a:ea typeface="맑은 고딕" charset="0"/>
-              </a:rPr>
-              <a:t> 텍스트를 입력할 InputField와 채팅 UI를 생성하기 위한 GameObject 선언합니다.</a:t>
+              <a:t>이제 텍스트를 입력할 InputField와 채팅 UI를 생성하기 위한 GameObject 선언합니다.</a:t>
             </a:r>
             <a:endParaRPr lang="ko-KR" altLang="en-US" sz="1800">
               <a:latin typeface="맑은 고딕" charset="0"/>
@@ -10229,17 +14904,17 @@
       </p:sp>
       <p:pic>
         <p:nvPicPr>
-          <p:cNvPr id="26" name="그림 51"/>
+          <p:cNvPr id="26" name="그림 51" descr="C:/Users/Admin1/AppData/Roaming/PolarisOffice/ETemp/8940_18798640/fImage94852004464.png"/>
           <p:cNvPicPr>
             <a:picLocks noChangeAspect="1"/>
           </p:cNvPicPr>
           <p:nvPr/>
         </p:nvPicPr>
         <p:blipFill rotWithShape="1">
-          <a:blip r:embed="rId9" cstate="print">
+          <a:blip r:embed="rId9" cstate="hqprint">
             <a:extLst>
               <a:ext uri="{28A0092B-C50C-407E-A947-70E740481C1C}">
-                <a14:useLocalDpi xmlns:a14="http://schemas.microsoft.com/office/drawing/2010/main" val="0"/>
+                <a14:useLocalDpi xmlns:a14="http://schemas.microsoft.com/office/drawing/2010/main"/>
               </a:ext>
             </a:extLst>
           </a:blip>
@@ -10249,8 +14924,8 @@
         </p:blipFill>
         <p:spPr>
           <a:xfrm rot="0">
-            <a:off x="3841750" y="1333500"/>
-            <a:ext cx="1530985" cy="1418590"/>
+            <a:off x="3841750" y="1313180"/>
+            <a:ext cx="1531620" cy="1439545"/>
           </a:xfrm>
           <a:prstGeom prst="roundRect"/>
           <a:solidFill>
@@ -10269,8 +14944,8 @@
         </p:nvCxnSpPr>
         <p:spPr>
           <a:xfrm rot="0" flipH="1" flipV="1">
-            <a:off x="4606925" y="2751455"/>
-            <a:ext cx="3810" cy="279400"/>
+            <a:off x="4606925" y="2752090"/>
+            <a:ext cx="2540" cy="432435"/>
           </a:xfrm>
           <a:prstGeom prst="straightConnector1"/>
           <a:ln w="6350" cap="flat" cmpd="sng">
@@ -10295,17 +14970,17 @@
       </p:cxnSp>
       <p:pic>
         <p:nvPicPr>
-          <p:cNvPr id="27" name="그림 54"/>
+          <p:cNvPr id="27" name="그림 54" descr="C:/Users/Admin1/AppData/Roaming/PolarisOffice/ETemp/8940_18798640/fImage97142015705.png"/>
           <p:cNvPicPr>
             <a:picLocks noChangeAspect="1"/>
           </p:cNvPicPr>
           <p:nvPr/>
         </p:nvPicPr>
         <p:blipFill rotWithShape="1">
-          <a:blip r:embed="rId10" cstate="print">
+          <a:blip r:embed="rId10" cstate="hqprint">
             <a:extLst>
               <a:ext uri="{28A0092B-C50C-407E-A947-70E740481C1C}">
-                <a14:useLocalDpi xmlns:a14="http://schemas.microsoft.com/office/drawing/2010/main" val="0"/>
+                <a14:useLocalDpi xmlns:a14="http://schemas.microsoft.com/office/drawing/2010/main"/>
               </a:ext>
             </a:extLst>
           </a:blip>
@@ -10316,12 +14991,10 @@
         <p:spPr>
           <a:xfrm rot="0">
             <a:off x="6819900" y="1323975"/>
-            <a:ext cx="4020185" cy="2724150"/>
-          </a:xfrm>
-          <a:prstGeom prst="roundRect"/>
-          <a:solidFill>
-            <a:srgbClr val="EDEDED"/>
-          </a:solidFill>
+            <a:ext cx="4020820" cy="2882900"/>
+          </a:xfrm>
+          <a:prstGeom prst="rect"/>
+          <a:noFill/>
         </p:spPr>
       </p:pic>
     </p:spTree>
@@ -10374,8 +15047,8 @@
         </p:nvSpPr>
         <p:spPr>
           <a:xfrm rot="0">
-            <a:off x="1229995" y="4312920"/>
-            <a:ext cx="4133850" cy="1754505"/>
+            <a:off x="1229995" y="4429125"/>
+            <a:ext cx="4134485" cy="1754505"/>
           </a:xfrm>
           <a:prstGeom prst="rect"/>
           <a:noFill/>
@@ -10402,7 +15075,17 @@
                 <a:latin typeface="맑은 고딕" charset="0"/>
                 <a:ea typeface="맑은 고딕" charset="0"/>
               </a:rPr>
-              <a:t>10</a:t>
+              <a:t>1</a:t>
+            </a:r>
+            <a:r>
+              <a:rPr lang="ko-KR" sz="1800" b="1">
+                <a:solidFill>
+                  <a:srgbClr val="0611F2"/>
+                </a:solidFill>
+                <a:latin typeface="맑은 고딕" charset="0"/>
+                <a:ea typeface="맑은 고딕" charset="0"/>
+              </a:rPr>
+              <a:t>1</a:t>
             </a:r>
             <a:r>
               <a:rPr sz="1800" b="1">
@@ -10426,21 +15109,7 @@
                 <a:latin typeface="맑은 고딕" charset="0"/>
                 <a:ea typeface="맑은 고딕" charset="0"/>
               </a:rPr>
-              <a:t>이제 </a:t>
-            </a:r>
-            <a:r>
-              <a:rPr lang="ko-KR" sz="1800">
-                <a:latin typeface="맑은 고딕" charset="0"/>
-                <a:ea typeface="맑은 고딕" charset="0"/>
-              </a:rPr>
-              <a:t>채팅 UI를 생성하도록 설정</a:t>
-            </a:r>
-            <a:r>
-              <a:rPr lang="ko-KR" sz="1800">
-                <a:latin typeface="맑은 고딕" charset="0"/>
-                <a:ea typeface="맑은 고딕" charset="0"/>
-              </a:rPr>
-              <a:t>합니다.</a:t>
+              <a:t>이제 채팅 UI를 생성하도록 설정합니다.</a:t>
             </a:r>
             <a:endParaRPr lang="ko-KR" altLang="en-US" sz="1800">
               <a:latin typeface="맑은 고딕" charset="0"/>
@@ -10467,49 +15136,7 @@
                 <a:latin typeface="맑은 고딕" charset="0"/>
                 <a:ea typeface="맑은 고딕" charset="0"/>
               </a:rPr>
-              <a:t>그리고</a:t>
-            </a:r>
-            <a:r>
-              <a:rPr lang="ko-KR" sz="1800">
-                <a:latin typeface="맑은 고딕" charset="0"/>
-                <a:ea typeface="맑은 고딕" charset="0"/>
-              </a:rPr>
-              <a:t> 채팅 UI의 위치를 </a:t>
-            </a:r>
-            <a:r>
-              <a:rPr lang="ko-KR" sz="1800">
-                <a:latin typeface="맑은 고딕" charset="0"/>
-                <a:ea typeface="맑은 고딕" charset="0"/>
-              </a:rPr>
-              <a:t>content</a:t>
-            </a:r>
-            <a:r>
-              <a:rPr lang="ko-KR" sz="1800">
-                <a:latin typeface="맑은 고딕" charset="0"/>
-                <a:ea typeface="맑은 고딕" charset="0"/>
-              </a:rPr>
-              <a:t> 오브젝트의 하위 오브젝트로 설정</a:t>
-            </a:r>
-            <a:r>
-              <a:rPr lang="ko-KR" sz="1800">
-                <a:latin typeface="맑은 고딕" charset="0"/>
-                <a:ea typeface="맑은 고딕" charset="0"/>
-              </a:rPr>
-              <a:t>하고</a:t>
-            </a:r>
-            <a:r>
-              <a:rPr lang="ko-KR" sz="1800">
-                <a:latin typeface="맑은 고딕" charset="0"/>
-                <a:ea typeface="맑은 고딕" charset="0"/>
-              </a:rPr>
-              <a:t> PunRPC 함수로 </a:t>
-            </a:r>
-            <a:r>
-              <a:rPr lang="ko-KR" sz="1800">
-                <a:latin typeface="맑은 고딕" charset="0"/>
-                <a:ea typeface="맑은 고딕" charset="0"/>
-              </a:rPr>
-              <a:t>설정합니다.</a:t>
+              <a:t>그리고 채팅 UI의 위치를 content 오브젝트의 하위 오브젝트로 설정하고 PunRPC 함수로 설정합니다.</a:t>
             </a:r>
             <a:endParaRPr lang="ko-KR" altLang="en-US" sz="1800">
               <a:latin typeface="맑은 고딕" charset="0"/>
@@ -10528,8 +15155,8 @@
         </p:nvSpPr>
         <p:spPr>
           <a:xfrm rot="0">
-            <a:off x="6791325" y="4315460"/>
-            <a:ext cx="4324985" cy="1754505"/>
+            <a:off x="6775450" y="3874770"/>
+            <a:ext cx="4182110" cy="2308225"/>
           </a:xfrm>
           <a:prstGeom prst="rect"/>
           <a:noFill/>
@@ -10556,7 +15183,17 @@
                 <a:latin typeface="맑은 고딕" charset="0"/>
                 <a:ea typeface="맑은 고딕" charset="0"/>
               </a:rPr>
-              <a:t>11</a:t>
+              <a:t>1</a:t>
+            </a:r>
+            <a:r>
+              <a:rPr lang="ko-KR" sz="1800" b="1">
+                <a:solidFill>
+                  <a:srgbClr val="0611F2"/>
+                </a:solidFill>
+                <a:latin typeface="맑은 고딕" charset="0"/>
+                <a:ea typeface="맑은 고딕" charset="0"/>
+              </a:rPr>
+              <a:t>2</a:t>
             </a:r>
             <a:r>
               <a:rPr sz="1800" b="1">
@@ -10580,7 +15217,21 @@
                 <a:latin typeface="맑은 고딕" charset="0"/>
                 <a:ea typeface="맑은 고딕" charset="0"/>
               </a:rPr>
-              <a:t>그다음 InputField에 입력한 값을 string 변수에 저장합니다.</a:t>
+              <a:t>그다음 </a:t>
+            </a:r>
+            <a:r>
+              <a:rPr lang="ko-KR" sz="1800">
+                <a:latin typeface="맑은 고딕" charset="0"/>
+                <a:ea typeface="맑은 고딕" charset="0"/>
+              </a:rPr>
+              <a:t>Update() 함수에서 </a:t>
+            </a:r>
+            <a:r>
+              <a:rPr lang="ko-KR" sz="1800">
+                <a:latin typeface="맑은 고딕" charset="0"/>
+                <a:ea typeface="맑은 고딕" charset="0"/>
+              </a:rPr>
+              <a:t>InputField에 입력한 값을 string 변수에 저장합니다.</a:t>
             </a:r>
             <a:endParaRPr lang="ko-KR" altLang="en-US" sz="1800">
               <a:latin typeface="맑은 고딕" charset="0"/>
@@ -10607,21 +15258,28 @@
                 <a:latin typeface="맑은 고딕" charset="0"/>
                 <a:ea typeface="맑은 고딕" charset="0"/>
               </a:rPr>
-              <a:t>마지막으로 채팅을 입력하고 Enter Key를 누르는 순간 RPC 함수를 호출</a:t>
+              <a:t>그런 다음</a:t>
             </a:r>
             <a:r>
               <a:rPr lang="ko-KR" sz="1800">
                 <a:latin typeface="맑은 고딕" charset="0"/>
                 <a:ea typeface="맑은 고딕" charset="0"/>
               </a:rPr>
-              <a:t>합니다</a:t>
+              <a:t> 채팅을 입력하고 Enter Key를 누르는 순간 RPC 함수를 </a:t>
             </a:r>
             <a:r>
               <a:rPr lang="ko-KR" sz="1800">
                 <a:latin typeface="맑은 고딕" charset="0"/>
                 <a:ea typeface="맑은 고딕" charset="0"/>
               </a:rPr>
-              <a:t>.</a:t>
+              <a:t>모든 클라이언트가 전송받을 수 있도록 </a:t>
+            </a:r>
+            <a:r>
+              <a:rPr lang="ko-KR" sz="1800">
+                <a:latin typeface="맑은 고딕" charset="0"/>
+                <a:ea typeface="맑은 고딕" charset="0"/>
+              </a:rPr>
+              <a:t>호출합니다.</a:t>
             </a:r>
             <a:endParaRPr lang="ko-KR" altLang="en-US" sz="1800">
               <a:latin typeface="맑은 고딕" charset="0"/>
@@ -10630,19 +15288,77 @@
           </a:p>
         </p:txBody>
       </p:sp>
+      <p:sp>
+        <p:nvSpPr>
+          <p:cNvPr id="35" name="텍스트 상자 45"/>
+          <p:cNvSpPr txBox="1">
+            <a:spLocks/>
+          </p:cNvSpPr>
+          <p:nvPr/>
+        </p:nvSpPr>
+        <p:spPr>
+          <a:xfrm>
+            <a:off x="4323715" y="476885"/>
+            <a:ext cx="3554730" cy="554990"/>
+          </a:xfrm>
+          <a:prstGeom prst="rect"/>
+          <a:noFill/>
+          <a:ln w="0">
+            <a:noFill/>
+            <a:prstDash/>
+          </a:ln>
+        </p:spPr>
+        <p:txBody>
+          <a:bodyPr wrap="square" lIns="89535" tIns="46355" rIns="89535" bIns="46355" numCol="1" vert="horz" anchor="t">
+            <a:spAutoFit/>
+          </a:bodyPr>
+          <a:lstStyle/>
+          <a:p>
+            <a:pPr marL="0" indent="0" rtl="0" algn="l" defTabSz="914400" eaLnBrk="1" latinLnBrk="0" hangingPunct="1">
+              <a:buFontTx/>
+              <a:buNone/>
+            </a:pPr>
+            <a:r>
+              <a:rPr lang="ko-KR" sz="3000" b="1">
+                <a:latin typeface="맑은 고딕" charset="0"/>
+                <a:ea typeface="맑은 고딕" charset="0"/>
+              </a:rPr>
+              <a:t>여섯</a:t>
+            </a:r>
+            <a:r>
+              <a:rPr lang="ko-KR" sz="3000" b="1">
+                <a:latin typeface="맑은 고딕" charset="0"/>
+                <a:ea typeface="맑은 고딕" charset="0"/>
+              </a:rPr>
+              <a:t> 번째 튜토리얼</a:t>
+            </a:r>
+            <a:r>
+              <a:rPr sz="3000" b="1">
+                <a:latin typeface="맑은 고딕" charset="0"/>
+                <a:ea typeface="맑은 고딕" charset="0"/>
+              </a:rPr>
+              <a:t> </a:t>
+            </a:r>
+            <a:endParaRPr lang="ko-KR" altLang="en-US" sz="3000" b="1">
+              <a:latin typeface="맑은 고딕" charset="0"/>
+              <a:ea typeface="맑은 고딕" charset="0"/>
+            </a:endParaRPr>
+          </a:p>
+        </p:txBody>
+      </p:sp>
       <p:pic>
         <p:nvPicPr>
-          <p:cNvPr id="34" name="그림 32"/>
+          <p:cNvPr id="38" name="그림 37" descr="C:/Users/Admin1/AppData/Roaming/PolarisOffice/ETemp/8940_18798640/fImage150362771478.png"/>
           <p:cNvPicPr>
             <a:picLocks noChangeAspect="1"/>
           </p:cNvPicPr>
           <p:nvPr/>
         </p:nvPicPr>
         <p:blipFill rotWithShape="1">
-          <a:blip r:embed="rId7" cstate="hqprint">
+          <a:blip r:embed="rId9" cstate="print">
             <a:extLst>
               <a:ext uri="{28A0092B-C50C-407E-A947-70E740481C1C}">
-                <a14:useLocalDpi xmlns:a14="http://schemas.microsoft.com/office/drawing/2010/main"/>
+                <a14:useLocalDpi xmlns:a14="http://schemas.microsoft.com/office/drawing/2010/main" val="0"/>
               </a:ext>
             </a:extLst>
           </a:blip>
@@ -10652,84 +15368,26 @@
         </p:blipFill>
         <p:spPr>
           <a:xfrm rot="0">
-            <a:off x="6800850" y="1337945"/>
-            <a:ext cx="4315460" cy="2834640"/>
+            <a:off x="1230630" y="1404620"/>
+            <a:ext cx="4140200" cy="2885440"/>
           </a:xfrm>
           <a:prstGeom prst="rect"/>
           <a:noFill/>
         </p:spPr>
       </p:pic>
-      <p:sp>
-        <p:nvSpPr>
-          <p:cNvPr id="35" name="텍스트 상자 45"/>
-          <p:cNvSpPr txBox="1">
-            <a:spLocks/>
-          </p:cNvSpPr>
-          <p:nvPr/>
-        </p:nvSpPr>
-        <p:spPr>
-          <a:xfrm>
-            <a:off x="4323715" y="476885"/>
-            <a:ext cx="3554730" cy="554990"/>
-          </a:xfrm>
-          <a:prstGeom prst="rect"/>
-          <a:noFill/>
-          <a:ln w="0">
-            <a:noFill/>
-            <a:prstDash/>
-          </a:ln>
-        </p:spPr>
-        <p:txBody>
-          <a:bodyPr wrap="square" lIns="89535" tIns="46355" rIns="89535" bIns="46355" numCol="1" vert="horz" anchor="t">
-            <a:spAutoFit/>
-          </a:bodyPr>
-          <a:lstStyle/>
-          <a:p>
-            <a:pPr marL="0" indent="0" rtl="0" algn="l" defTabSz="914400" eaLnBrk="1" latinLnBrk="0" hangingPunct="1">
-              <a:buFontTx/>
-              <a:buNone/>
-            </a:pPr>
-            <a:r>
-              <a:rPr lang="ko-KR" sz="3000" b="1">
-                <a:latin typeface="맑은 고딕" charset="0"/>
-                <a:ea typeface="맑은 고딕" charset="0"/>
-              </a:rPr>
-              <a:t>여섯</a:t>
-            </a:r>
-            <a:r>
-              <a:rPr lang="ko-KR" sz="3000" b="1">
-                <a:latin typeface="맑은 고딕" charset="0"/>
-                <a:ea typeface="맑은 고딕" charset="0"/>
-              </a:rPr>
-              <a:t> 번째 튜토리얼</a:t>
-            </a:r>
-            <a:r>
-              <a:rPr sz="3000" b="1">
-                <a:latin typeface="맑은 고딕" charset="0"/>
-                <a:ea typeface="맑은 고딕" charset="0"/>
-              </a:rPr>
-              <a:t> </a:t>
-            </a:r>
-            <a:endParaRPr lang="ko-KR" altLang="en-US" sz="3000" b="1">
-              <a:latin typeface="맑은 고딕" charset="0"/>
-              <a:ea typeface="맑은 고딕" charset="0"/>
-            </a:endParaRPr>
-          </a:p>
-        </p:txBody>
-      </p:sp>
       <p:pic>
         <p:nvPicPr>
-          <p:cNvPr id="36" name="그림 2"/>
+          <p:cNvPr id="39" name="그림 38" descr="C:/Users/Admin1/AppData/Roaming/PolarisOffice/ETemp/8940_18798640/fImage135102789358.png"/>
           <p:cNvPicPr>
             <a:picLocks noChangeAspect="1"/>
           </p:cNvPicPr>
           <p:nvPr/>
         </p:nvPicPr>
         <p:blipFill rotWithShape="1">
-          <a:blip r:embed="rId8" cstate="hqprint">
+          <a:blip r:embed="rId10" cstate="print">
             <a:extLst>
               <a:ext uri="{28A0092B-C50C-407E-A947-70E740481C1C}">
-                <a14:useLocalDpi xmlns:a14="http://schemas.microsoft.com/office/drawing/2010/main"/>
+                <a14:useLocalDpi xmlns:a14="http://schemas.microsoft.com/office/drawing/2010/main" val="0"/>
               </a:ext>
             </a:extLst>
           </a:blip>
@@ -10739,8 +15397,8 @@
         </p:blipFill>
         <p:spPr>
           <a:xfrm rot="0">
-            <a:off x="1231265" y="1356995"/>
-            <a:ext cx="4124325" cy="2806065"/>
+            <a:off x="6775450" y="1405255"/>
+            <a:ext cx="4173855" cy="2269490"/>
           </a:xfrm>
           <a:prstGeom prst="rect"/>
           <a:noFill/>
@@ -10890,9 +15548,9 @@
           <p:nvPr/>
         </p:nvSpPr>
         <p:spPr>
-          <a:xfrm rot="0">
+          <a:xfrm>
             <a:off x="1228725" y="5160010"/>
-            <a:ext cx="4191635" cy="923925"/>
+            <a:ext cx="4192270" cy="923925"/>
           </a:xfrm>
           <a:prstGeom prst="rect"/>
           <a:noFill/>
@@ -10929,7 +15587,7 @@
                 <a:latin typeface="맑은 고딕" charset="0"/>
                 <a:ea typeface="맑은 고딕" charset="0"/>
               </a:rPr>
-              <a:t>2</a:t>
+              <a:t>3</a:t>
             </a:r>
             <a:r>
               <a:rPr sz="1800" b="1">
@@ -10953,7 +15611,14 @@
                 <a:latin typeface="맑은 고딕" charset="0"/>
                 <a:ea typeface="맑은 고딕" charset="0"/>
               </a:rPr>
-              <a:t>그리고 Scroll Rect 옵션에 수직으로 이동만 하므로 Horizontal을 비활성화합니다.</a:t>
+              <a:t>이제 </a:t>
+            </a:r>
+            <a:r>
+              <a:rPr lang="ko-KR" sz="1800">
+                <a:latin typeface="맑은 고딕" charset="0"/>
+                <a:ea typeface="맑은 고딕" charset="0"/>
+              </a:rPr>
+              <a:t>Scroll Rect 옵션에 수직으로 이동만 하므로 Horizontal을 비활성화합니다.</a:t>
             </a:r>
             <a:endParaRPr lang="ko-KR" altLang="en-US" sz="1800">
               <a:latin typeface="맑은 고딕" charset="0"/>
@@ -11000,9 +15665,9 @@
           <p:nvPr/>
         </p:nvSpPr>
         <p:spPr>
-          <a:xfrm rot="0">
+          <a:xfrm>
             <a:off x="6798310" y="5496560"/>
-            <a:ext cx="4079875" cy="647065"/>
+            <a:ext cx="4080510" cy="647065"/>
           </a:xfrm>
           <a:prstGeom prst="rect"/>
           <a:noFill/>
@@ -11039,7 +15704,7 @@
                 <a:latin typeface="맑은 고딕" charset="0"/>
                 <a:ea typeface="맑은 고딕" charset="0"/>
               </a:rPr>
-              <a:t>3</a:t>
+              <a:t>4</a:t>
             </a:r>
             <a:r>
               <a:rPr sz="1800" b="1">
@@ -11063,21 +15728,14 @@
                 <a:latin typeface="맑은 고딕" charset="0"/>
                 <a:ea typeface="맑은 고딕" charset="0"/>
               </a:rPr>
-              <a:t>마지막으로 Chatting Manager에</a:t>
+              <a:t>그리고</a:t>
             </a:r>
             <a:r>
               <a:rPr lang="ko-KR" sz="1800">
                 <a:latin typeface="맑은 고딕" charset="0"/>
                 <a:ea typeface="맑은 고딕" charset="0"/>
               </a:rPr>
-              <a:t> Photon View 컴포넌트를</a:t>
-            </a:r>
-            <a:r>
-              <a:rPr lang="ko-KR" sz="1800">
-                <a:latin typeface="맑은 고딕" charset="0"/>
-                <a:ea typeface="맑은 고딕" charset="0"/>
-              </a:rPr>
-              <a:t> 추가합니다.</a:t>
+              <a:t> Chatting Manager에 Photon View 컴포넌트를 추가합니다.</a:t>
             </a:r>
             <a:endParaRPr lang="ko-KR" altLang="en-US" sz="1800">
               <a:latin typeface="맑은 고딕" charset="0"/>
@@ -11391,9 +16049,9 @@
           <p:nvPr/>
         </p:nvSpPr>
         <p:spPr>
-          <a:xfrm rot="0">
+          <a:xfrm>
             <a:off x="1466850" y="2969260"/>
-            <a:ext cx="3915410" cy="923925"/>
+            <a:ext cx="3916045" cy="923925"/>
           </a:xfrm>
           <a:prstGeom prst="rect"/>
           <a:noFill/>
@@ -11430,7 +16088,7 @@
                 <a:latin typeface="맑은 고딕" charset="0"/>
                 <a:ea typeface="맑은 고딕" charset="0"/>
               </a:rPr>
-              <a:t>4</a:t>
+              <a:t>5</a:t>
             </a:r>
             <a:r>
               <a:rPr sz="1800" b="1">
@@ -11664,9 +16322,9 @@
           <p:nvPr/>
         </p:nvSpPr>
         <p:spPr>
-          <a:xfrm rot="0">
+          <a:xfrm>
             <a:off x="6794500" y="4425950"/>
-            <a:ext cx="4185920" cy="1754505"/>
+            <a:ext cx="4186555" cy="1754505"/>
           </a:xfrm>
           <a:prstGeom prst="rect"/>
           <a:noFill/>
@@ -11703,7 +16361,7 @@
                 <a:latin typeface="맑은 고딕" charset="0"/>
                 <a:ea typeface="맑은 고딕" charset="0"/>
               </a:rPr>
-              <a:t>6</a:t>
+              <a:t>7</a:t>
             </a:r>
             <a:r>
               <a:rPr sz="1800" b="1">
@@ -11805,7 +16463,7 @@
         <p:spPr>
           <a:xfrm rot="0">
             <a:off x="1451610" y="5508625"/>
-            <a:ext cx="3926205" cy="647065"/>
+            <a:ext cx="3926840" cy="647065"/>
           </a:xfrm>
           <a:prstGeom prst="rect"/>
           <a:noFill/>
@@ -11842,7 +16500,7 @@
                 <a:latin typeface="맑은 고딕" charset="0"/>
                 <a:ea typeface="맑은 고딕" charset="0"/>
               </a:rPr>
-              <a:t>5</a:t>
+              <a:t>6</a:t>
             </a:r>
             <a:r>
               <a:rPr sz="1800" b="1">

--- a/Assets/Class/Photon Server/PPT Data/Photon RPC.pptx
+++ b/Assets/Class/Photon Server/PPT Data/Photon RPC.pptx
@@ -2,7 +2,7 @@
 <file path=ppt/presentation.xml><?xml version="1.0" encoding="utf-8"?>
 <p:presentation xmlns:a="http://schemas.openxmlformats.org/drawingml/2006/main" xmlns:r="http://schemas.openxmlformats.org/officeDocument/2006/relationships" xmlns:p="http://schemas.openxmlformats.org/presentationml/2006/main" xmlns:p14="http://schemas.microsoft.com/office/powerpoint/2010/main" saveSubsetFonts="1" firstSlideNum="0">
   <p:sldMasterIdLst>
-    <p:sldMasterId id="2147486862" r:id="rId12"/>
+    <p:sldMasterId id="2147486866" r:id="rId12"/>
   </p:sldMasterIdLst>
   <p:notesMasterIdLst>
     <p:notesMasterId r:id="rId14"/>
@@ -23,7 +23,6 @@
     <p:sldId id="326" r:id="rId28"/>
     <p:sldId id="327" r:id="rId29"/>
     <p:sldId id="329" r:id="rId30"/>
-    <p:sldId id="328" r:id="rId31"/>
   </p:sldIdLst>
   <p:sldSz cx="12192000" cy="6858000"/>
   <p:notesSz cx="6858000" cy="9144000"/>
@@ -1476,148 +1475,6 @@
 </p:notes>
 </file>
 
-<file path=ppt/notesSlides/notesSlide16.xml><?xml version="1.0" encoding="utf-8"?>
-<p:notes xmlns:a="http://schemas.openxmlformats.org/drawingml/2006/main" xmlns:r="http://schemas.openxmlformats.org/officeDocument/2006/relationships" xmlns:p="http://schemas.openxmlformats.org/presentationml/2006/main">
-  <p:cSld>
-    <p:spTree>
-      <p:nvGrpSpPr>
-        <p:cNvPr id="1" name=""/>
-        <p:cNvGrpSpPr/>
-        <p:nvPr/>
-      </p:nvGrpSpPr>
-      <p:grpSpPr>
-        <a:xfrm>
-          <a:off x="0" y="0"/>
-          <a:ext cx="0" cy="0"/>
-          <a:chOff x="0" y="0"/>
-          <a:chExt cx="0" cy="0"/>
-        </a:xfrm>
-      </p:grpSpPr>
-      <p:sp>
-        <p:nvSpPr>
-          <p:cNvPr id="2" name="슬라이드 이미지 개체 틀 3"/>
-          <p:cNvSpPr>
-            <a:spLocks noChangeAspect="1"/>
-          </p:cNvSpPr>
-          <p:nvPr>
-            <p:ph type="sldImg" idx="2"/>
-          </p:nvPr>
-        </p:nvSpPr>
-        <p:spPr>
-          <a:xfrm rot="0">
-            <a:off x="685800" y="1143000"/>
-            <a:ext cx="5494655" cy="3094355"/>
-          </a:xfrm>
-          <a:prstGeom prst="rect"/>
-          <a:noFill/>
-          <a:ln w="12700" cap="flat" cmpd="sng">
-            <a:solidFill>
-              <a:srgbClr val="000000">
-                <a:alpha val="100000"/>
-              </a:srgbClr>
-            </a:solidFill>
-            <a:prstDash val="solid"/>
-          </a:ln>
-        </p:spPr>
-        <p:txBody>
-          <a:bodyPr wrap="square" lIns="91440" tIns="45720" rIns="91440" bIns="45720" numCol="1" vert="horz" anchor="ctr">
-            <a:noAutofit/>
-          </a:bodyPr>
-          <a:lstStyle/>
-          <a:p>
-            <a:pPr marL="0" indent="0" latinLnBrk="0">
-              <a:buFontTx/>
-              <a:buNone/>
-            </a:pPr>
-          </a:p>
-        </p:txBody>
-      </p:sp>
-      <p:sp>
-        <p:nvSpPr>
-          <p:cNvPr id="3" name="슬라이드 노트 개체 틀 4"/>
-          <p:cNvSpPr txBox="1">
-            <a:spLocks/>
-          </p:cNvSpPr>
-          <p:nvPr>
-            <p:ph type="body" idx="3"/>
-          </p:nvPr>
-        </p:nvSpPr>
-        <p:spPr>
-          <a:xfrm rot="0">
-            <a:off x="685800" y="4400550"/>
-            <a:ext cx="5494655" cy="3608705"/>
-          </a:xfrm>
-          <a:prstGeom prst="rect"/>
-        </p:spPr>
-        <p:txBody>
-          <a:bodyPr wrap="square" lIns="91440" tIns="45720" rIns="91440" bIns="45720" numCol="1" vert="horz" anchor="t">
-            <a:noAutofit/>
-          </a:bodyPr>
-          <a:lstStyle/>
-          <a:p>
-            <a:pPr marL="0" indent="0" latinLnBrk="0">
-              <a:buFontTx/>
-              <a:buNone/>
-            </a:pPr>
-          </a:p>
-        </p:txBody>
-      </p:sp>
-      <p:sp>
-        <p:nvSpPr>
-          <p:cNvPr id="4" name="슬라이드 번호 개체 틀 6"/>
-          <p:cNvSpPr txBox="1">
-            <a:spLocks/>
-          </p:cNvSpPr>
-          <p:nvPr>
-            <p:ph type="sldNum" idx="5"/>
-          </p:nvPr>
-        </p:nvSpPr>
-        <p:spPr>
-          <a:xfrm rot="0">
-            <a:off x="3884930" y="8685530"/>
-            <a:ext cx="2980055" cy="466725"/>
-          </a:xfrm>
-          <a:prstGeom prst="rect"/>
-        </p:spPr>
-        <p:txBody>
-          <a:bodyPr wrap="square" lIns="91440" tIns="45720" rIns="91440" bIns="45720" numCol="1" vert="horz" anchor="b">
-            <a:noAutofit/>
-          </a:bodyPr>
-          <a:lstStyle>
-            <a:lvl1pPr marL="0" indent="0" algn="r" latinLnBrk="0">
-              <a:buFontTx/>
-              <a:buNone/>
-              <a:defRPr lang="en-GB" altLang="en-US" sz="1200"/>
-            </a:lvl1pPr>
-          </a:lstStyle>
-          <a:p>
-            <a:pPr marL="0" indent="0" latinLnBrk="0">
-              <a:buFontTx/>
-              <a:buNone/>
-            </a:pPr>
-            <a:fld id="{B9320F77-B9A0-41C5-862A-B4B631284C64}" type="slidenum">
-              <a:rPr lang="ko-KR" altLang="en-US"/>
-              <a:t>‹#›</a:t>
-            </a:fld>
-          </a:p>
-        </p:txBody>
-      </p:sp>
-    </p:spTree>
-  </p:cSld>
-  <p:clrMapOvr>
-    <a:masterClrMapping/>
-  </p:clrMapOvr>
-  <mc:AlternateContent xmlns:mc="http://schemas.openxmlformats.org/markup-compatibility/2006">
-    <mc:Choice xmlns:p14="http://schemas.microsoft.com/office/powerpoint/2010/main" Requires="p14">
-      <p:transition spd="slow" p14:dur="0"/>
-    </mc:Choice>
-    <mc:Fallback>
-      <p:transition spd="slow"/>
-    </mc:Fallback>
-  </mc:AlternateContent>
-</p:notes>
-</file>
-
 <file path=ppt/notesSlides/notesSlide2.xml><?xml version="1.0" encoding="utf-8"?>
 <p:notes xmlns:a="http://schemas.openxmlformats.org/drawingml/2006/main" xmlns:r="http://schemas.openxmlformats.org/officeDocument/2006/relationships" xmlns:p="http://schemas.openxmlformats.org/presentationml/2006/main">
   <p:cSld>
@@ -8358,7 +8215,7 @@
 </file>
 
 <file path=ppt/slides/slide10.xml><?xml version="1.0" encoding="utf-8"?>
-<p:sld xmlns:a="http://schemas.openxmlformats.org/drawingml/2006/main" xmlns:r="http://schemas.openxmlformats.org/officeDocument/2006/relationships" xmlns:p="http://schemas.openxmlformats.org/presentationml/2006/main">
+<p:sld xmlns:a="http://schemas.openxmlformats.org/drawingml/2006/main" xmlns:r="http://schemas.openxmlformats.org/officeDocument/2006/relationships" xmlns:p="http://schemas.openxmlformats.org/presentationml/2006/main" xmlns:p14="http://schemas.microsoft.com/office/powerpoint/2010/main">
   <p:cSld>
     <p:spTree>
       <p:nvGrpSpPr>
@@ -8771,7 +8628,7 @@
       </p:sp>
       <p:pic>
         <p:nvPicPr>
-          <p:cNvPr id="48" name="그림 2" descr="C:/Users/Admin1/AppData/Roaming/PolarisOffice/ETemp/8940_18798640/fImage191382596962.png"/>
+          <p:cNvPr id="48" name="그림 2"/>
           <p:cNvPicPr>
             <a:picLocks noChangeAspect="1"/>
           </p:cNvPicPr>
@@ -8802,7 +8659,7 @@
       </p:pic>
       <p:pic>
         <p:nvPicPr>
-          <p:cNvPr id="49" name="그림 39" descr="C:/Users/Admin1/AppData/Roaming/PolarisOffice/ETemp/8940_18798640/fImage128912794464.png"/>
+          <p:cNvPr id="49" name="그림 39"/>
           <p:cNvPicPr>
             <a:picLocks noChangeAspect="1"/>
           </p:cNvPicPr>
@@ -8833,7 +8690,7 @@
       </p:pic>
       <p:pic>
         <p:nvPicPr>
-          <p:cNvPr id="50" name="그림 43" descr="C:/Users/Admin1/AppData/Roaming/PolarisOffice/ETemp/8940_18798640/fImage30172825705.png"/>
+          <p:cNvPr id="50" name="그림 43"/>
           <p:cNvPicPr>
             <a:picLocks noChangeAspect="1"/>
           </p:cNvPicPr>
@@ -8864,7 +8721,7 @@
       </p:pic>
       <p:pic>
         <p:nvPicPr>
-          <p:cNvPr id="51" name="그림 44" descr="C:/Users/Admin1/AppData/Roaming/PolarisOffice/ETemp/8940_18798640/fImage55662838145.png"/>
+          <p:cNvPr id="51" name="그림 44"/>
           <p:cNvPicPr>
             <a:picLocks noChangeAspect="1"/>
           </p:cNvPicPr>
@@ -8895,7 +8752,7 @@
       </p:pic>
       <p:pic>
         <p:nvPicPr>
-          <p:cNvPr id="52" name="그림 45" descr="C:/Users/Admin1/AppData/Roaming/PolarisOffice/ETemp/8940_18798640/fImage94582843281.png"/>
+          <p:cNvPr id="52" name="그림 45"/>
           <p:cNvPicPr>
             <a:picLocks noChangeAspect="1"/>
           </p:cNvPicPr>
@@ -8981,7 +8838,7 @@
 </file>
 
 <file path=ppt/slides/slide11.xml><?xml version="1.0" encoding="utf-8"?>
-<p:sld xmlns:a="http://schemas.openxmlformats.org/drawingml/2006/main" xmlns:r="http://schemas.openxmlformats.org/officeDocument/2006/relationships" xmlns:p="http://schemas.openxmlformats.org/presentationml/2006/main">
+<p:sld xmlns:a="http://schemas.openxmlformats.org/drawingml/2006/main" xmlns:r="http://schemas.openxmlformats.org/officeDocument/2006/relationships" xmlns:p="http://schemas.openxmlformats.org/presentationml/2006/main" xmlns:p14="http://schemas.microsoft.com/office/powerpoint/2010/main">
   <p:cSld>
     <p:spTree>
       <p:nvGrpSpPr>
@@ -9353,7 +9210,7 @@
       </p:sp>
       <p:pic>
         <p:nvPicPr>
-          <p:cNvPr id="54" name="그림 49" descr="C:/Users/Admin1/AppData/Roaming/PolarisOffice/ETemp/8940_18798640/fImage58223006827.png"/>
+          <p:cNvPr id="54" name="그림 49"/>
           <p:cNvPicPr>
             <a:picLocks noChangeAspect="1"/>
           </p:cNvPicPr>
@@ -9384,7 +9241,7 @@
       </p:pic>
       <p:pic>
         <p:nvPicPr>
-          <p:cNvPr id="55" name="그림 52" descr="C:/Users/Admin1/AppData/Roaming/PolarisOffice/ETemp/8940_18798640/fImage114453019961.png"/>
+          <p:cNvPr id="55" name="그림 52"/>
           <p:cNvPicPr>
             <a:picLocks noChangeAspect="1"/>
           </p:cNvPicPr>
@@ -9524,7 +9381,7 @@
       </p:sp>
       <p:pic>
         <p:nvPicPr>
-          <p:cNvPr id="57" name="그림 56" descr="C:/Users/Admin1/AppData/Roaming/PolarisOffice/ETemp/8940_18798640/fImage16075303491.png"/>
+          <p:cNvPr id="57" name="그림 56"/>
           <p:cNvPicPr>
             <a:picLocks noChangeAspect="1"/>
           </p:cNvPicPr>
@@ -9555,7 +9412,7 @@
       </p:pic>
       <p:pic>
         <p:nvPicPr>
-          <p:cNvPr id="58" name="그림 59" descr="C:/Users/Admin1/AppData/Roaming/PolarisOffice/ETemp/8940_18798640/fImage195603042995.png"/>
+          <p:cNvPr id="58" name="그림 59"/>
           <p:cNvPicPr>
             <a:picLocks noChangeAspect="1"/>
           </p:cNvPicPr>
@@ -9641,7 +9498,7 @@
 </file>
 
 <file path=ppt/slides/slide12.xml><?xml version="1.0" encoding="utf-8"?>
-<p:sld xmlns:a="http://schemas.openxmlformats.org/drawingml/2006/main" xmlns:r="http://schemas.openxmlformats.org/officeDocument/2006/relationships" xmlns:p="http://schemas.openxmlformats.org/presentationml/2006/main">
+<p:sld xmlns:a="http://schemas.openxmlformats.org/drawingml/2006/main" xmlns:r="http://schemas.openxmlformats.org/officeDocument/2006/relationships" xmlns:p="http://schemas.openxmlformats.org/presentationml/2006/main" xmlns:p14="http://schemas.microsoft.com/office/powerpoint/2010/main">
   <p:cSld>
     <p:spTree>
       <p:nvGrpSpPr>
@@ -9923,7 +9780,7 @@
       </p:sp>
       <p:pic>
         <p:nvPicPr>
-          <p:cNvPr id="60" name="그림 63" descr="C:/Users/Admin1/AppData/Roaming/PolarisOffice/ETemp/8940_18798640/fImage330252115705.png"/>
+          <p:cNvPr id="60" name="그림 63"/>
           <p:cNvPicPr>
             <a:picLocks noChangeAspect="1"/>
           </p:cNvPicPr>
@@ -9954,7 +9811,7 @@
       </p:pic>
       <p:pic>
         <p:nvPicPr>
-          <p:cNvPr id="61" name="그림 64" descr="C:/Users/Admin1/AppData/Roaming/PolarisOffice/ETemp/8940_18798640/fImage121203211942.png"/>
+          <p:cNvPr id="61" name="그림 64"/>
           <p:cNvPicPr>
             <a:picLocks noChangeAspect="1"/>
           </p:cNvPicPr>
@@ -9985,7 +9842,7 @@
       </p:pic>
       <p:pic>
         <p:nvPicPr>
-          <p:cNvPr id="62" name="그림 67" descr="C:/Users/Admin1/AppData/Roaming/PolarisOffice/ETemp/8940_18798640/fImage22353224827.png"/>
+          <p:cNvPr id="62" name="그림 67"/>
           <p:cNvPicPr>
             <a:picLocks noChangeAspect="1"/>
           </p:cNvPicPr>
@@ -10052,7 +9909,7 @@
       </p:cxnSp>
       <p:pic>
         <p:nvPicPr>
-          <p:cNvPr id="64" name="그림 71" descr="C:/Users/Admin1/AppData/Roaming/PolarisOffice/ETemp/8940_18798640/fImage74723245436.png"/>
+          <p:cNvPr id="64" name="그림 71"/>
           <p:cNvPicPr>
             <a:picLocks noChangeAspect="1"/>
           </p:cNvPicPr>
@@ -10083,7 +9940,7 @@
       </p:pic>
       <p:pic>
         <p:nvPicPr>
-          <p:cNvPr id="65" name="그림 77" descr="C:/Users/Admin1/AppData/Roaming/PolarisOffice/ETemp/8940_18798640/fImage113133272391.png"/>
+          <p:cNvPr id="65" name="그림 77"/>
           <p:cNvPicPr>
             <a:picLocks noChangeAspect="1"/>
           </p:cNvPicPr>
@@ -10207,7 +10064,7 @@
 </file>
 
 <file path=ppt/slides/slide13.xml><?xml version="1.0" encoding="utf-8"?>
-<p:sld xmlns:a="http://schemas.openxmlformats.org/drawingml/2006/main" xmlns:r="http://schemas.openxmlformats.org/officeDocument/2006/relationships" xmlns:p="http://schemas.openxmlformats.org/presentationml/2006/main">
+<p:sld xmlns:a="http://schemas.openxmlformats.org/drawingml/2006/main" xmlns:r="http://schemas.openxmlformats.org/officeDocument/2006/relationships" xmlns:p="http://schemas.openxmlformats.org/presentationml/2006/main" xmlns:p14="http://schemas.microsoft.com/office/powerpoint/2010/main">
   <p:cSld>
     <p:spTree>
       <p:nvGrpSpPr>
@@ -10499,7 +10356,7 @@
       </p:sp>
       <p:pic>
         <p:nvPicPr>
-          <p:cNvPr id="67" name="그림 81" descr="C:/Users/Admin1/AppData/Roaming/PolarisOffice/ETemp/8940_18798640/fImage121983434604.png"/>
+          <p:cNvPr id="67" name="그림 81"/>
           <p:cNvPicPr>
             <a:picLocks noChangeAspect="1"/>
           </p:cNvPicPr>
@@ -10528,7 +10385,7 @@
       </p:pic>
       <p:pic>
         <p:nvPicPr>
-          <p:cNvPr id="69" name="그림 86" descr="C:/Users/Admin1/AppData/Roaming/PolarisOffice/ETemp/8940_18798640/fImage330252115705.png"/>
+          <p:cNvPr id="69" name="그림 86"/>
           <p:cNvPicPr>
             <a:picLocks noChangeAspect="1"/>
           </p:cNvPicPr>
@@ -10559,7 +10416,7 @@
       </p:pic>
       <p:pic>
         <p:nvPicPr>
-          <p:cNvPr id="70" name="그림 87" descr="C:/Users/Admin1/AppData/Roaming/PolarisOffice/ETemp/8940_18798640/fImage142403463902.png"/>
+          <p:cNvPr id="70" name="그림 87"/>
           <p:cNvPicPr>
             <a:picLocks noChangeAspect="1"/>
           </p:cNvPicPr>
@@ -10612,7 +10469,7 @@
 </file>
 
 <file path=ppt/slides/slide14.xml><?xml version="1.0" encoding="utf-8"?>
-<p:sld xmlns:a="http://schemas.openxmlformats.org/drawingml/2006/main" xmlns:r="http://schemas.openxmlformats.org/officeDocument/2006/relationships" xmlns:p="http://schemas.openxmlformats.org/presentationml/2006/main">
+<p:sld xmlns:a="http://schemas.openxmlformats.org/drawingml/2006/main" xmlns:r="http://schemas.openxmlformats.org/officeDocument/2006/relationships" xmlns:p="http://schemas.openxmlformats.org/presentationml/2006/main" xmlns:p14="http://schemas.microsoft.com/office/powerpoint/2010/main">
   <p:cSld>
     <p:spTree>
       <p:nvGrpSpPr>
@@ -10931,7 +10788,7 @@
       </p:sp>
       <p:pic>
         <p:nvPicPr>
-          <p:cNvPr id="71" name="그림 90" descr="C:/Users/Admin1/AppData/Roaming/PolarisOffice/ETemp/8940_18798640/fImage7012357153.png"/>
+          <p:cNvPr id="71" name="그림 90"/>
           <p:cNvPicPr>
             <a:picLocks noChangeAspect="1"/>
           </p:cNvPicPr>
@@ -10962,7 +10819,7 @@
       </p:pic>
       <p:pic>
         <p:nvPicPr>
-          <p:cNvPr id="72" name="그림 93" descr="C:/Users/Admin1/AppData/Roaming/PolarisOffice/ETemp/8940_18798640/fImage14240358292.png"/>
+          <p:cNvPr id="72" name="그림 93"/>
           <p:cNvPicPr>
             <a:picLocks noChangeAspect="1"/>
           </p:cNvPicPr>
@@ -10993,7 +10850,7 @@
       </p:pic>
       <p:pic>
         <p:nvPicPr>
-          <p:cNvPr id="73" name="그림 94" descr="C:/Users/Admin1/AppData/Roaming/PolarisOffice/ETemp/8940_18798640/fImage164213592382.png"/>
+          <p:cNvPr id="73" name="그림 94"/>
           <p:cNvPicPr>
             <a:picLocks noChangeAspect="1"/>
           </p:cNvPicPr>
@@ -11024,7 +10881,7 @@
       </p:pic>
       <p:pic>
         <p:nvPicPr>
-          <p:cNvPr id="74" name="그림 97" descr="C:/Users/Admin1/AppData/Roaming/PolarisOffice/ETemp/8940_18798640/fImage118943607421.png"/>
+          <p:cNvPr id="74" name="그림 97"/>
           <p:cNvPicPr>
             <a:picLocks noChangeAspect="1"/>
           </p:cNvPicPr>
@@ -11209,7 +11066,7 @@
 </file>
 
 <file path=ppt/slides/slide15.xml><?xml version="1.0" encoding="utf-8"?>
-<p:sld xmlns:a="http://schemas.openxmlformats.org/drawingml/2006/main" xmlns:r="http://schemas.openxmlformats.org/officeDocument/2006/relationships" xmlns:p="http://schemas.openxmlformats.org/presentationml/2006/main">
+<p:sld xmlns:a="http://schemas.openxmlformats.org/drawingml/2006/main" xmlns:r="http://schemas.openxmlformats.org/officeDocument/2006/relationships" xmlns:p="http://schemas.openxmlformats.org/presentationml/2006/main" xmlns:p14="http://schemas.microsoft.com/office/powerpoint/2010/main">
   <p:cSld>
     <p:spTree>
       <p:nvGrpSpPr>
@@ -11420,7 +11277,7 @@
       </p:sp>
       <p:pic>
         <p:nvPicPr>
-          <p:cNvPr id="79" name="Picture " descr="C:/Users/Admin1/AppData/Roaming/PolarisOffice/ETemp/8940_18798640/fImage113413958716.png"/>
+          <p:cNvPr id="79" name="Picture "/>
           <p:cNvPicPr>
             <a:picLocks noChangeAspect="1"/>
           </p:cNvPicPr>
@@ -11451,7 +11308,7 @@
       </p:pic>
       <p:pic>
         <p:nvPicPr>
-          <p:cNvPr id="80" name="Picture " descr="C:/Users/Admin1/AppData/Roaming/PolarisOffice/ETemp/8940_18798640/fImage114143969718.png"/>
+          <p:cNvPr id="80" name="Picture "/>
           <p:cNvPicPr>
             <a:picLocks noChangeAspect="1"/>
           </p:cNvPicPr>
@@ -11482,7 +11339,7 @@
       </p:pic>
       <p:pic>
         <p:nvPicPr>
-          <p:cNvPr id="81" name="Picture " descr="C:/Users/Admin1/AppData/Roaming/PolarisOffice/ETemp/8940_18798640/fImage113473979895.png"/>
+          <p:cNvPr id="81" name="Picture "/>
           <p:cNvPicPr>
             <a:picLocks noChangeAspect="1"/>
           </p:cNvPicPr>
@@ -11513,7 +11370,7 @@
       </p:pic>
       <p:pic>
         <p:nvPicPr>
-          <p:cNvPr id="82" name="Picture " descr="C:/Users/Admin1/AppData/Roaming/PolarisOffice/ETemp/8940_18798640/fImage113053985447.png"/>
+          <p:cNvPr id="82" name="Picture "/>
           <p:cNvPicPr>
             <a:picLocks noChangeAspect="1"/>
           </p:cNvPicPr>
@@ -11552,8 +11409,8 @@
         </p:nvSpPr>
         <p:spPr>
           <a:xfrm rot="0">
-            <a:off x="6807835" y="5544820"/>
-            <a:ext cx="4149090" cy="647065"/>
+            <a:off x="6807835" y="3608070"/>
+            <a:ext cx="4157980" cy="2585085"/>
           </a:xfrm>
           <a:prstGeom prst="rect"/>
           <a:noFill/>
@@ -11580,7 +11437,17 @@
                 <a:latin typeface="맑은 고딕" charset="0"/>
                 <a:ea typeface="맑은 고딕" charset="0"/>
               </a:rPr>
-              <a:t>32</a:t>
+              <a:t>3</a:t>
+            </a:r>
+            <a:r>
+              <a:rPr lang="ko-KR" sz="1800" b="1">
+                <a:solidFill>
+                  <a:srgbClr val="0611F2"/>
+                </a:solidFill>
+                <a:latin typeface="맑은 고딕" charset="0"/>
+                <a:ea typeface="맑은 고딕" charset="0"/>
+              </a:rPr>
+              <a:t>1</a:t>
             </a:r>
             <a:r>
               <a:rPr sz="1800" b="1">
@@ -11604,225 +11471,49 @@
                 <a:latin typeface="맑은 고딕" charset="0"/>
                 <a:ea typeface="맑은 고딕" charset="0"/>
               </a:rPr>
-              <a:t>이제 PlayFab 사이트에 접속하여 PlayFab에 로그인합니다.</a:t>
+              <a:t>마지막으로</a:t>
+            </a:r>
+            <a:r>
+              <a:rPr lang="ko-KR" sz="1800">
+                <a:latin typeface="맑은 고딕" charset="0"/>
+                <a:ea typeface="맑은 고딕" charset="0"/>
+              </a:rPr>
+              <a:t> </a:t>
+            </a:r>
+            <a:r>
+              <a:rPr lang="ko-KR" sz="1800">
+                <a:latin typeface="맑은 고딕" charset="0"/>
+                <a:ea typeface="맑은 고딕" charset="0"/>
+              </a:rPr>
+              <a:t>CharacterSystem 스크립트에서 OnTriggerEnter( ) 함수를 선언합니다.</a:t>
             </a:r>
             <a:endParaRPr lang="ko-KR" altLang="en-US" sz="1800">
               <a:latin typeface="맑은 고딕" charset="0"/>
               <a:ea typeface="맑은 고딕" charset="0"/>
             </a:endParaRPr>
           </a:p>
-        </p:txBody>
-      </p:sp>
-      <p:pic>
-        <p:nvPicPr>
-          <p:cNvPr id="86" name="그림 129" descr="C:/Users/Admin1/AppData/Roaming/PolarisOffice/ETemp/8940_18798640/fImage2063954071726.png"/>
-          <p:cNvPicPr>
-            <a:picLocks noChangeAspect="1"/>
-          </p:cNvPicPr>
-          <p:nvPr/>
-        </p:nvPicPr>
-        <p:blipFill rotWithShape="1">
-          <a:blip r:embed="rId6" cstate="hqprint">
-            <a:extLst>
-              <a:ext uri="{28A0092B-C50C-407E-A947-70E740481C1C}">
-                <a14:useLocalDpi xmlns:a14="http://schemas.microsoft.com/office/drawing/2010/main"/>
-              </a:ext>
-            </a:extLst>
-          </a:blip>
-          <a:stretch>
-            <a:fillRect/>
-          </a:stretch>
-        </p:blipFill>
-        <p:spPr>
-          <a:xfrm rot="0">
-            <a:off x="6808470" y="3840480"/>
-            <a:ext cx="4140200" cy="1597025"/>
-          </a:xfrm>
-          <a:prstGeom prst="roundRect"/>
-          <a:solidFill>
-            <a:srgbClr val="EDEDED"/>
-          </a:solidFill>
-        </p:spPr>
-      </p:pic>
-      <p:sp>
-        <p:nvSpPr>
-          <p:cNvPr id="87" name="텍스트 상자 131"/>
-          <p:cNvSpPr txBox="1">
-            <a:spLocks/>
-          </p:cNvSpPr>
-          <p:nvPr/>
-        </p:nvSpPr>
-        <p:spPr>
-          <a:xfrm rot="0">
-            <a:off x="6816725" y="2788285"/>
-            <a:ext cx="4134485" cy="954405"/>
-          </a:xfrm>
-          <a:prstGeom prst="rect"/>
-          <a:noFill/>
-          <a:ln w="0">
-            <a:noFill/>
-            <a:prstDash/>
-          </a:ln>
-        </p:spPr>
-        <p:txBody>
-          <a:bodyPr wrap="square" lIns="89535" tIns="46355" rIns="89535" bIns="46355" vert="horz" anchor="t">
-            <a:spAutoFit/>
-          </a:bodyPr>
-          <a:lstStyle/>
           <a:p>
             <a:pPr marL="0" indent="0" rtl="0" algn="l" defTabSz="914400" eaLnBrk="1" latinLnBrk="0" hangingPunct="1">
               <a:buFontTx/>
               <a:buNone/>
             </a:pPr>
-            <a:r>
-              <a:rPr sz="2000" b="1">
-                <a:solidFill>
-                  <a:srgbClr val="0611F2"/>
-                </a:solidFill>
-                <a:latin typeface="맑은 고딕" charset="0"/>
-                <a:ea typeface="맑은 고딕" charset="0"/>
-              </a:rPr>
-              <a:t>3</a:t>
-            </a:r>
-            <a:r>
-              <a:rPr sz="2000" b="1">
-                <a:solidFill>
-                  <a:srgbClr val="0611F2"/>
-                </a:solidFill>
-                <a:latin typeface="맑은 고딕" charset="0"/>
-                <a:ea typeface="맑은 고딕" charset="0"/>
-              </a:rPr>
-              <a:t>1.</a:t>
-            </a:r>
-            <a:r>
-              <a:rPr sz="1800">
-                <a:latin typeface="맑은 고딕" charset="0"/>
-                <a:ea typeface="맑은 고딕" charset="0"/>
-              </a:rPr>
-              <a:t> </a:t>
-            </a:r>
-            <a:r>
-              <a:rPr lang="ko-KR" sz="1800">
-                <a:latin typeface="맑은 고딕" charset="0"/>
-                <a:ea typeface="맑은 고딕" charset="0"/>
-              </a:rPr>
-              <a:t>그런 다음</a:t>
-            </a:r>
-            <a:r>
-              <a:rPr sz="1800">
-                <a:latin typeface="맑은 고딕" charset="0"/>
-                <a:ea typeface="맑은 고딕" charset="0"/>
-              </a:rPr>
-              <a:t> Google에서 PlayFab을 입력하고 Azure PlayFab이라는 사이트에 접속합니다. </a:t>
-            </a:r>
             <a:endParaRPr lang="ko-KR" altLang="en-US" sz="1800">
               <a:latin typeface="맑은 고딕" charset="0"/>
               <a:ea typeface="맑은 고딕" charset="0"/>
             </a:endParaRPr>
           </a:p>
-        </p:txBody>
-      </p:sp>
-      <p:pic>
-        <p:nvPicPr>
-          <p:cNvPr id="88" name="그림 132" descr="C:/Users/Admin1/AppData/Roaming/PolarisOffice/ETemp/8940_18798640/fImage221224104771.png"/>
-          <p:cNvPicPr>
-            <a:picLocks noChangeAspect="1"/>
-          </p:cNvPicPr>
-          <p:nvPr/>
-        </p:nvPicPr>
-        <p:blipFill rotWithShape="1">
-          <a:blip r:embed="rId7" cstate="hqprint">
-            <a:extLst>
-              <a:ext uri="{28A0092B-C50C-407E-A947-70E740481C1C}">
-                <a14:useLocalDpi xmlns:a14="http://schemas.microsoft.com/office/drawing/2010/main"/>
-              </a:ext>
-            </a:extLst>
-          </a:blip>
-          <a:stretch>
-            <a:fillRect/>
-          </a:stretch>
-        </p:blipFill>
-        <p:spPr>
-          <a:xfrm rot="0">
-            <a:off x="6816725" y="1421765"/>
-            <a:ext cx="4133850" cy="1272540"/>
-          </a:xfrm>
-          <a:prstGeom prst="roundRect"/>
-          <a:solidFill>
-            <a:srgbClr val="EDEDED"/>
-          </a:solidFill>
-        </p:spPr>
-      </p:pic>
-    </p:spTree>
-  </p:cSld>
-  <p:clrMapOvr>
-    <a:masterClrMapping/>
-  </p:clrMapOvr>
-  <mc:AlternateContent xmlns:mc="http://schemas.openxmlformats.org/markup-compatibility/2006">
-    <mc:Choice xmlns:p14="http://schemas.microsoft.com/office/powerpoint/2010/main" Requires="p14">
-      <p:transition spd="slow" p14:dur="2000"/>
-    </mc:Choice>
-    <mc:Fallback>
-      <p:transition spd="slow"/>
-    </mc:Fallback>
-  </mc:AlternateContent>
-  <p:timing>
-    <p:tnLst>
-      <p:par>
-        <p:cTn id="1" dur="indefinite" restart="never" nodeType="tmRoot"/>
-      </p:par>
-    </p:tnLst>
-  </p:timing>
-</p:sld>
-</file>
-
-<file path=ppt/slides/slide16.xml><?xml version="1.0" encoding="utf-8"?>
-<p:sld xmlns:a="http://schemas.openxmlformats.org/drawingml/2006/main" xmlns:r="http://schemas.openxmlformats.org/officeDocument/2006/relationships" xmlns:p="http://schemas.openxmlformats.org/presentationml/2006/main">
-  <p:cSld>
-    <p:spTree>
-      <p:nvGrpSpPr>
-        <p:cNvPr id="1" name=""/>
-        <p:cNvGrpSpPr/>
-        <p:nvPr/>
-      </p:nvGrpSpPr>
-      <p:grpSpPr>
-        <a:xfrm>
-          <a:off x="0" y="0"/>
-          <a:ext cx="0" cy="0"/>
-          <a:chOff x="0" y="0"/>
-          <a:chExt cx="0" cy="0"/>
-        </a:xfrm>
-      </p:grpSpPr>
-      <p:sp>
-        <p:nvSpPr>
-          <p:cNvPr id="29" name="Rect 0"/>
-          <p:cNvSpPr txBox="1">
-            <a:spLocks/>
-          </p:cNvSpPr>
-          <p:nvPr/>
-        </p:nvSpPr>
-        <p:spPr>
-          <a:xfrm rot="0">
-            <a:off x="1229995" y="1337310"/>
-            <a:ext cx="4039870" cy="371475"/>
-          </a:xfrm>
-          <a:prstGeom prst="rect"/>
-          <a:noFill/>
-          <a:ln w="0">
-            <a:noFill/>
-            <a:prstDash/>
-          </a:ln>
-        </p:spPr>
-        <p:txBody>
-          <a:bodyPr wrap="square" lIns="89535" tIns="46355" rIns="89535" bIns="46355" numCol="1" vert="horz" anchor="t">
-            <a:spAutoFit/>
-          </a:bodyPr>
-          <a:lstStyle/>
-          <a:p>
-            <a:pPr marL="0" indent="0" algn="l" latinLnBrk="0" hangingPunct="1">
-              <a:buFontTx/>
-              <a:buNone/>
-            </a:pPr>
+          <a:p>
+            <a:pPr marL="0" indent="0" rtl="0" algn="l" defTabSz="914400" eaLnBrk="1" latinLnBrk="0" hangingPunct="1">
+              <a:buFontTx/>
+              <a:buNone/>
+            </a:pPr>
+            <a:r>
+              <a:rPr lang="ko-KR" sz="1800">
+                <a:latin typeface="맑은 고딕" charset="0"/>
+                <a:ea typeface="맑은 고딕" charset="0"/>
+              </a:rPr>
+              <a:t>그런 다음 Crystal(Clone)이라는 오브젝트와 충돌했을 때 PhotonView ID를 통해 충돌한 오브젝트가 자신이라면 캐릭터와 충돌한 오브젝트를 삭제하도록 설정합니다. </a:t>
+            </a:r>
             <a:endParaRPr lang="ko-KR" altLang="en-US" sz="1800">
               <a:latin typeface="맑은 고딕" charset="0"/>
               <a:ea typeface="맑은 고딕" charset="0"/>
@@ -11830,145 +11521,16 @@
           </a:p>
         </p:txBody>
       </p:sp>
-      <p:sp>
-        <p:nvSpPr>
-          <p:cNvPr id="35" name="Rect 0"/>
-          <p:cNvSpPr txBox="1">
-            <a:spLocks/>
-          </p:cNvSpPr>
-          <p:nvPr/>
-        </p:nvSpPr>
-        <p:spPr>
-          <a:xfrm rot="0">
-            <a:off x="4151630" y="467995"/>
-            <a:ext cx="3895725" cy="554990"/>
-          </a:xfrm>
-          <a:prstGeom prst="rect"/>
-          <a:noFill/>
-          <a:ln w="0">
-            <a:noFill/>
-            <a:prstDash/>
-          </a:ln>
-        </p:spPr>
-        <p:txBody>
-          <a:bodyPr wrap="square" lIns="89535" tIns="46355" rIns="89535" bIns="46355" numCol="1" vert="horz" anchor="t">
-            <a:spAutoFit/>
-          </a:bodyPr>
-          <a:lstStyle/>
-          <a:p>
-            <a:pPr marL="0" indent="0" rtl="0" algn="l" defTabSz="914400" eaLnBrk="1" latinLnBrk="0" hangingPunct="1">
-              <a:buFontTx/>
-              <a:buNone/>
-            </a:pPr>
-            <a:r>
-              <a:rPr lang="ko-KR" sz="3000" b="1">
-                <a:latin typeface="맑은 고딕" charset="0"/>
-                <a:ea typeface="맑은 고딕" charset="0"/>
-              </a:rPr>
-              <a:t>열다섯</a:t>
-            </a:r>
-            <a:r>
-              <a:rPr lang="ko-KR" sz="3000" b="1">
-                <a:latin typeface="맑은 고딕" charset="0"/>
-                <a:ea typeface="맑은 고딕" charset="0"/>
-              </a:rPr>
-              <a:t> 번째 튜토리얼</a:t>
-            </a:r>
-            <a:r>
-              <a:rPr sz="3000" b="1">
-                <a:latin typeface="맑은 고딕" charset="0"/>
-                <a:ea typeface="맑은 고딕" charset="0"/>
-              </a:rPr>
-              <a:t> </a:t>
-            </a:r>
-            <a:endParaRPr lang="ko-KR" altLang="en-US" sz="3000" b="1">
-              <a:latin typeface="맑은 고딕" charset="0"/>
-              <a:ea typeface="맑은 고딕" charset="0"/>
-            </a:endParaRPr>
-          </a:p>
-        </p:txBody>
-      </p:sp>
-      <p:sp>
-        <p:nvSpPr>
-          <p:cNvPr id="56" name="Rect 0"/>
-          <p:cNvSpPr txBox="1">
-            <a:spLocks/>
-          </p:cNvSpPr>
-          <p:nvPr/>
-        </p:nvSpPr>
-        <p:spPr>
-          <a:xfrm rot="0">
-            <a:off x="1230630" y="5281295"/>
-            <a:ext cx="4148455" cy="923925"/>
-          </a:xfrm>
-          <a:prstGeom prst="rect"/>
-          <a:noFill/>
-          <a:ln w="0">
-            <a:noFill/>
-            <a:prstDash/>
-          </a:ln>
-        </p:spPr>
-        <p:txBody>
-          <a:bodyPr wrap="square" lIns="89535" tIns="46355" rIns="89535" bIns="46355" numCol="1" vert="horz" anchor="t">
-            <a:spAutoFit/>
-          </a:bodyPr>
-          <a:lstStyle/>
-          <a:p>
-            <a:pPr marL="0" indent="0" rtl="0" algn="l" defTabSz="914400" eaLnBrk="1" latinLnBrk="0" hangingPunct="1">
-              <a:buFontTx/>
-              <a:buNone/>
-            </a:pPr>
-            <a:r>
-              <a:rPr lang="ko-KR" sz="1800" b="1">
-                <a:solidFill>
-                  <a:srgbClr val="0611F2"/>
-                </a:solidFill>
-                <a:latin typeface="맑은 고딕" charset="0"/>
-                <a:ea typeface="맑은 고딕" charset="0"/>
-              </a:rPr>
-              <a:t>33</a:t>
-            </a:r>
-            <a:r>
-              <a:rPr sz="1800" b="1">
-                <a:solidFill>
-                  <a:srgbClr val="0611F2"/>
-                </a:solidFill>
-                <a:latin typeface="맑은 고딕" charset="0"/>
-                <a:ea typeface="맑은 고딕" charset="0"/>
-              </a:rPr>
-              <a:t>.</a:t>
-            </a:r>
-            <a:r>
-              <a:rPr sz="1800">
-                <a:latin typeface="맑은 고딕" charset="0"/>
-                <a:ea typeface="맑은 고딕" charset="0"/>
-              </a:rPr>
-              <a:t> </a:t>
-            </a:r>
-            <a:r>
-              <a:rPr lang="ko-KR" sz="1800">
-                <a:latin typeface="맑은 고딕" charset="0"/>
-                <a:ea typeface="맑은 고딕" charset="0"/>
-              </a:rPr>
-              <a:t>그다음 PlayFab에 전자 메일 주소와 암호를 입력하고 로그인을 선택합니다.</a:t>
-            </a:r>
-            <a:endParaRPr lang="ko-KR" altLang="en-US" sz="1800">
-              <a:latin typeface="맑은 고딕" charset="0"/>
-              <a:ea typeface="맑은 고딕" charset="0"/>
-            </a:endParaRPr>
-          </a:p>
-        </p:txBody>
-      </p:sp>
       <p:pic>
         <p:nvPicPr>
-          <p:cNvPr id="83" name="그림 121" descr="C:/Users/Admin1/AppData/Roaming/PolarisOffice/ETemp/8940_18798640/fImage161373891538.png"/>
+          <p:cNvPr id="86" name="그림 1" descr="C:/Users/Admin1/AppData/Roaming/PolarisOffice/ETemp/23364_9930448/fImage974935641.png"/>
           <p:cNvPicPr>
             <a:picLocks noChangeAspect="1"/>
           </p:cNvPicPr>
           <p:nvPr/>
         </p:nvPicPr>
         <p:blipFill rotWithShape="1">
-          <a:blip r:embed="rId2" cstate="print">
+          <a:blip r:embed="rId9" cstate="print">
             <a:extLst>
               <a:ext uri="{28A0092B-C50C-407E-A947-70E740481C1C}">
                 <a14:useLocalDpi xmlns:a14="http://schemas.microsoft.com/office/drawing/2010/main" val="0"/>
@@ -11981,146 +11543,11 @@
         </p:blipFill>
         <p:spPr>
           <a:xfrm rot="0">
-            <a:off x="6808470" y="1404620"/>
-            <a:ext cx="2552700" cy="3650615"/>
-          </a:xfrm>
-          <a:prstGeom prst="roundRect"/>
-          <a:solidFill>
-            <a:srgbClr val="EDEDED"/>
-          </a:solidFill>
-        </p:spPr>
-      </p:pic>
-      <p:pic>
-        <p:nvPicPr>
-          <p:cNvPr id="84" name="그림 124" descr="C:/Users/Admin1/AppData/Roaming/PolarisOffice/ETemp/8940_18798640/fImage33013901869.png"/>
-          <p:cNvPicPr>
-            <a:picLocks noChangeAspect="1"/>
-          </p:cNvPicPr>
-          <p:nvPr/>
-        </p:nvPicPr>
-        <p:blipFill rotWithShape="1">
-          <a:blip r:embed="rId3" cstate="print">
-            <a:extLst>
-              <a:ext uri="{28A0092B-C50C-407E-A947-70E740481C1C}">
-                <a14:useLocalDpi xmlns:a14="http://schemas.microsoft.com/office/drawing/2010/main" val="0"/>
-              </a:ext>
-            </a:extLst>
-          </a:blip>
-          <a:stretch>
-            <a:fillRect/>
-          </a:stretch>
-        </p:blipFill>
-        <p:spPr>
-          <a:xfrm rot="0">
-            <a:off x="9526905" y="2045335"/>
-            <a:ext cx="1430655" cy="2386330"/>
-          </a:xfrm>
-          <a:prstGeom prst="roundRect"/>
-          <a:solidFill>
-            <a:srgbClr val="EDEDED"/>
-          </a:solidFill>
-        </p:spPr>
-      </p:pic>
-      <p:sp>
-        <p:nvSpPr>
-          <p:cNvPr id="85" name="텍스트 상자 127"/>
-          <p:cNvSpPr txBox="1">
-            <a:spLocks/>
-          </p:cNvSpPr>
-          <p:nvPr/>
-        </p:nvSpPr>
-        <p:spPr>
-          <a:xfrm rot="0">
-            <a:off x="6814185" y="5278755"/>
-            <a:ext cx="4148455" cy="923925"/>
+            <a:off x="6816725" y="1421765"/>
+            <a:ext cx="4140835" cy="2087245"/>
           </a:xfrm>
           <a:prstGeom prst="rect"/>
           <a:noFill/>
-          <a:ln w="0">
-            <a:noFill/>
-            <a:prstDash/>
-          </a:ln>
-        </p:spPr>
-        <p:txBody>
-          <a:bodyPr wrap="square" lIns="89535" tIns="46355" rIns="89535" bIns="46355" numCol="1" vert="horz" anchor="t">
-            <a:spAutoFit/>
-          </a:bodyPr>
-          <a:lstStyle/>
-          <a:p>
-            <a:pPr marL="0" indent="0" rtl="0" algn="l" defTabSz="914400" eaLnBrk="1" latinLnBrk="0" hangingPunct="1">
-              <a:buFontTx/>
-              <a:buNone/>
-            </a:pPr>
-            <a:r>
-              <a:rPr lang="ko-KR" sz="1800" b="1">
-                <a:solidFill>
-                  <a:srgbClr val="0611F2"/>
-                </a:solidFill>
-                <a:latin typeface="맑은 고딕" charset="0"/>
-                <a:ea typeface="맑은 고딕" charset="0"/>
-              </a:rPr>
-              <a:t>31</a:t>
-            </a:r>
-            <a:r>
-              <a:rPr sz="1800" b="1">
-                <a:solidFill>
-                  <a:srgbClr val="0611F2"/>
-                </a:solidFill>
-                <a:latin typeface="맑은 고딕" charset="0"/>
-                <a:ea typeface="맑은 고딕" charset="0"/>
-              </a:rPr>
-              <a:t>.</a:t>
-            </a:r>
-            <a:r>
-              <a:rPr sz="1800">
-                <a:latin typeface="맑은 고딕" charset="0"/>
-                <a:ea typeface="맑은 고딕" charset="0"/>
-              </a:rPr>
-              <a:t> </a:t>
-            </a:r>
-            <a:r>
-              <a:rPr lang="ko-KR" sz="1800">
-                <a:latin typeface="맑은 고딕" charset="0"/>
-                <a:ea typeface="맑은 고딕" charset="0"/>
-              </a:rPr>
-              <a:t>마지막으로 Game DB에 설정을 선택한 다음 타이틀 설정을 선택합니다.</a:t>
-            </a:r>
-            <a:endParaRPr lang="ko-KR" altLang="en-US" sz="1800">
-              <a:latin typeface="맑은 고딕" charset="0"/>
-              <a:ea typeface="맑은 고딕" charset="0"/>
-            </a:endParaRPr>
-          </a:p>
-        </p:txBody>
-      </p:sp>
-      <p:pic>
-        <p:nvPicPr>
-          <p:cNvPr id="86" name="그림 130" descr="C:/Users/Admin1/AppData/Roaming/PolarisOffice/ETemp/8940_18798640/fImage235094089912.png"/>
-          <p:cNvPicPr>
-            <a:picLocks noChangeAspect="1"/>
-          </p:cNvPicPr>
-          <p:nvPr/>
-        </p:nvPicPr>
-        <p:blipFill rotWithShape="1">
-          <a:blip r:embed="rId4" cstate="print">
-            <a:extLst>
-              <a:ext uri="{28A0092B-C50C-407E-A947-70E740481C1C}">
-                <a14:useLocalDpi xmlns:a14="http://schemas.microsoft.com/office/drawing/2010/main" val="0"/>
-              </a:ext>
-            </a:extLst>
-          </a:blip>
-          <a:stretch>
-            <a:fillRect/>
-          </a:stretch>
-        </p:blipFill>
-        <p:spPr>
-          <a:xfrm rot="0">
-            <a:off x="1230630" y="1404620"/>
-            <a:ext cx="4148455" cy="3750310"/>
-          </a:xfrm>
-          <a:prstGeom prst="roundRect"/>
-          <a:solidFill>
-            <a:srgbClr val="EDEDED"/>
-          </a:solidFill>
         </p:spPr>
       </p:pic>
     </p:spTree>
@@ -13075,7 +12502,7 @@
       </p:sp>
       <p:pic>
         <p:nvPicPr>
-          <p:cNvPr id="1055" name="그림 6" descr="C:/Users/Admin1/AppData/Roaming/PolarisOffice/ETemp/8940_18798640/fImage1928117041.png"/>
+          <p:cNvPr id="1055" name="그림 6"/>
           <p:cNvPicPr>
             <a:picLocks noChangeAspect="1"/>
           </p:cNvPicPr>
@@ -13167,7 +12594,7 @@
       </p:sp>
       <p:pic>
         <p:nvPicPr>
-          <p:cNvPr id="1057" name="그림 14" descr="C:/Users/Admin1/AppData/Roaming/PolarisOffice/ETemp/8940_18798640/fImage923426541.png"/>
+          <p:cNvPr id="1057" name="그림 14"/>
           <p:cNvPicPr>
             <a:picLocks noChangeAspect="1"/>
           </p:cNvPicPr>
@@ -13418,7 +12845,7 @@
       </p:sp>
       <p:pic>
         <p:nvPicPr>
-          <p:cNvPr id="14" name="그림 15" descr="C:/Users/Admin1/AppData/Roaming/PolarisOffice/ETemp/8940_18798640/fImage54331748467.png"/>
+          <p:cNvPr id="14" name="그림 15"/>
           <p:cNvPicPr>
             <a:picLocks noChangeAspect="1"/>
           </p:cNvPicPr>
@@ -13449,7 +12876,7 @@
       </p:pic>
       <p:pic>
         <p:nvPicPr>
-          <p:cNvPr id="18" name="그림 35" descr="C:/Users/Admin1/AppData/Roaming/PolarisOffice/ETemp/8940_18798640/fImage54801899169.png"/>
+          <p:cNvPr id="18" name="그림 35"/>
           <p:cNvPicPr>
             <a:picLocks noChangeAspect="1"/>
           </p:cNvPicPr>
@@ -13558,7 +12985,7 @@
       </p:sp>
       <p:pic>
         <p:nvPicPr>
-          <p:cNvPr id="20" name="그림 3" descr="C:/Users/Admin1/AppData/Roaming/PolarisOffice/ETemp/8940_18798640/fImage113352608467.png"/>
+          <p:cNvPr id="20" name="그림 3"/>
           <p:cNvPicPr>
             <a:picLocks noChangeAspect="1"/>
           </p:cNvPicPr>
@@ -13589,7 +13016,7 @@
       </p:pic>
       <p:pic>
         <p:nvPicPr>
-          <p:cNvPr id="21" name="그림 11" descr="C:/Users/Admin1/AppData/Roaming/PolarisOffice/ETemp/8940_18798640/fImage127332646334.png"/>
+          <p:cNvPr id="21" name="그림 11"/>
           <p:cNvPicPr>
             <a:picLocks noChangeAspect="1"/>
           </p:cNvPicPr>
@@ -13652,7 +13079,7 @@
       </p:cxnSp>
       <p:pic>
         <p:nvPicPr>
-          <p:cNvPr id="22" name="그림 24" descr="C:/Users/Admin1/AppData/Roaming/PolarisOffice/ETemp/8940_18798640/fImage119382726500.png"/>
+          <p:cNvPr id="22" name="그림 24"/>
           <p:cNvPicPr>
             <a:picLocks noChangeAspect="1"/>
           </p:cNvPicPr>
@@ -13683,7 +13110,7 @@
       </p:pic>
       <p:pic>
         <p:nvPicPr>
-          <p:cNvPr id="23" name="그림 29" descr="C:/Users/Admin1/AppData/Roaming/PolarisOffice/ETemp/8940_18798640/fImage223252759169.png"/>
+          <p:cNvPr id="23" name="그림 29"/>
           <p:cNvPicPr>
             <a:picLocks noChangeAspect="1"/>
           </p:cNvPicPr>
@@ -13805,7 +13232,7 @@
       </p:sp>
       <p:pic>
         <p:nvPicPr>
-          <p:cNvPr id="9" name="그림 41" descr="C:/Users/Admin1/AppData/Roaming/PolarisOffice/ETemp/8940_18798640/fImage191501945724.png"/>
+          <p:cNvPr id="9" name="그림 41"/>
           <p:cNvPicPr>
             <a:picLocks noChangeAspect="1"/>
           </p:cNvPicPr>
@@ -13935,7 +13362,7 @@
       </p:sp>
       <p:pic>
         <p:nvPicPr>
-          <p:cNvPr id="12" name="그림 94" descr="C:/Users/Admin1/AppData/Roaming/PolarisOffice/ETemp/8940_18798640/fImage125483459358.png"/>
+          <p:cNvPr id="12" name="그림 94"/>
           <p:cNvPicPr>
             <a:picLocks noChangeAspect="1"/>
           </p:cNvPicPr>
@@ -14037,7 +13464,7 @@
       </p:sp>
       <p:pic>
         <p:nvPicPr>
-          <p:cNvPr id="14" name="그림 19" descr="C:/Users/Admin1/AppData/Roaming/PolarisOffice/ETemp/8940_18798640/fImage100302685724.png"/>
+          <p:cNvPr id="14" name="그림 19"/>
           <p:cNvPicPr>
             <a:picLocks noChangeAspect="1"/>
           </p:cNvPicPr>
@@ -14068,7 +13495,7 @@
       </p:pic>
       <p:pic>
         <p:nvPicPr>
-          <p:cNvPr id="15" name="그림 22" descr="C:/Users/Admin1/AppData/Roaming/PolarisOffice/ETemp/8940_18798640/fImage173371898467.png"/>
+          <p:cNvPr id="15" name="그림 22"/>
           <p:cNvPicPr>
             <a:picLocks noChangeAspect="1"/>
           </p:cNvPicPr>
@@ -14285,7 +13712,7 @@
       </p:sp>
       <p:pic>
         <p:nvPicPr>
-          <p:cNvPr id="4" name="그림 12" descr="C:/Users/Admin1/AppData/Roaming/PolarisOffice/ETemp/8940_18798640/fImage64291715724.png"/>
+          <p:cNvPr id="4" name="그림 12"/>
           <p:cNvPicPr>
             <a:picLocks noChangeAspect="1"/>
           </p:cNvPicPr>
@@ -14442,7 +13869,7 @@
       </p:sp>
       <p:pic>
         <p:nvPicPr>
-          <p:cNvPr id="11" name="그림 93" descr="C:/Users/Admin1/AppData/Roaming/PolarisOffice/ETemp/8940_18798640/fImage121013266962.png"/>
+          <p:cNvPr id="11" name="그림 93"/>
           <p:cNvPicPr>
             <a:picLocks noChangeAspect="1"/>
           </p:cNvPicPr>
@@ -14517,7 +13944,7 @@
       </p:sp>
       <p:pic>
         <p:nvPicPr>
-          <p:cNvPr id="13" name="그림 18" descr="C:/Users/Admin1/AppData/Roaming/PolarisOffice/ETemp/8940_18798640/fImage603472316500.png"/>
+          <p:cNvPr id="13" name="그림 18"/>
           <p:cNvPicPr>
             <a:picLocks noChangeAspect="1"/>
           </p:cNvPicPr>
@@ -14744,7 +14171,7 @@
       </p:sp>
       <p:pic>
         <p:nvPicPr>
-          <p:cNvPr id="16" name="그림 32" descr="C:/Users/Admin1/AppData/Roaming/PolarisOffice/ETemp/8940_18798640/fImage21692074464.png"/>
+          <p:cNvPr id="16" name="그림 32"/>
           <p:cNvPicPr>
             <a:picLocks noChangeAspect="1"/>
           </p:cNvPicPr>
@@ -14775,7 +14202,7 @@
       </p:pic>
       <p:pic>
         <p:nvPicPr>
-          <p:cNvPr id="17" name="그림 37" descr="C:/Users/Admin1/AppData/Roaming/PolarisOffice/ETemp/8940_18798640/fImage330252115705.png"/>
+          <p:cNvPr id="17" name="그림 37"/>
           <p:cNvPicPr>
             <a:picLocks noChangeAspect="1"/>
           </p:cNvPicPr>
@@ -14904,7 +14331,7 @@
       </p:sp>
       <p:pic>
         <p:nvPicPr>
-          <p:cNvPr id="26" name="그림 51" descr="C:/Users/Admin1/AppData/Roaming/PolarisOffice/ETemp/8940_18798640/fImage94852004464.png"/>
+          <p:cNvPr id="26" name="그림 51"/>
           <p:cNvPicPr>
             <a:picLocks noChangeAspect="1"/>
           </p:cNvPicPr>
@@ -14970,7 +14397,7 @@
       </p:cxnSp>
       <p:pic>
         <p:nvPicPr>
-          <p:cNvPr id="27" name="그림 54" descr="C:/Users/Admin1/AppData/Roaming/PolarisOffice/ETemp/8940_18798640/fImage97142015705.png"/>
+          <p:cNvPr id="27" name="그림 54"/>
           <p:cNvPicPr>
             <a:picLocks noChangeAspect="1"/>
           </p:cNvPicPr>
@@ -15348,7 +14775,7 @@
       </p:sp>
       <p:pic>
         <p:nvPicPr>
-          <p:cNvPr id="38" name="그림 37" descr="C:/Users/Admin1/AppData/Roaming/PolarisOffice/ETemp/8940_18798640/fImage150362771478.png"/>
+          <p:cNvPr id="38" name="그림 37"/>
           <p:cNvPicPr>
             <a:picLocks noChangeAspect="1"/>
           </p:cNvPicPr>
@@ -15377,7 +14804,7 @@
       </p:pic>
       <p:pic>
         <p:nvPicPr>
-          <p:cNvPr id="39" name="그림 38" descr="C:/Users/Admin1/AppData/Roaming/PolarisOffice/ETemp/8940_18798640/fImage135102789358.png"/>
+          <p:cNvPr id="39" name="그림 38"/>
           <p:cNvPicPr>
             <a:picLocks noChangeAspect="1"/>
           </p:cNvPicPr>

--- a/Assets/Class/Photon Server/PPT Data/Photon RPC.pptx
+++ b/Assets/Class/Photon Server/PPT Data/Photon RPC.pptx
@@ -2,27 +2,27 @@
 <file path=ppt/presentation.xml><?xml version="1.0" encoding="utf-8"?>
 <p:presentation xmlns:a="http://schemas.openxmlformats.org/drawingml/2006/main" xmlns:r="http://schemas.openxmlformats.org/officeDocument/2006/relationships" xmlns:p="http://schemas.openxmlformats.org/presentationml/2006/main" xmlns:p14="http://schemas.microsoft.com/office/powerpoint/2010/main" saveSubsetFonts="1" firstSlideNum="0">
   <p:sldMasterIdLst>
-    <p:sldMasterId id="2147486866" r:id="rId12"/>
+    <p:sldMasterId id="2147486867" r:id="rId12"/>
   </p:sldMasterIdLst>
   <p:notesMasterIdLst>
     <p:notesMasterId r:id="rId14"/>
   </p:notesMasterIdLst>
   <p:sldIdLst>
     <p:sldId id="303" r:id="rId16"/>
-    <p:sldId id="315" r:id="rId17"/>
-    <p:sldId id="317" r:id="rId18"/>
-    <p:sldId id="320" r:id="rId19"/>
-    <p:sldId id="316" r:id="rId20"/>
-    <p:sldId id="318" r:id="rId21"/>
-    <p:sldId id="314" r:id="rId22"/>
-    <p:sldId id="319" r:id="rId23"/>
-    <p:sldId id="322" r:id="rId24"/>
-    <p:sldId id="323" r:id="rId25"/>
-    <p:sldId id="324" r:id="rId26"/>
-    <p:sldId id="325" r:id="rId27"/>
-    <p:sldId id="326" r:id="rId28"/>
-    <p:sldId id="327" r:id="rId29"/>
-    <p:sldId id="329" r:id="rId30"/>
+    <p:sldId id="315" r:id="rId18"/>
+    <p:sldId id="317" r:id="rId20"/>
+    <p:sldId id="320" r:id="rId22"/>
+    <p:sldId id="316" r:id="rId24"/>
+    <p:sldId id="318" r:id="rId26"/>
+    <p:sldId id="314" r:id="rId28"/>
+    <p:sldId id="319" r:id="rId30"/>
+    <p:sldId id="322" r:id="rId32"/>
+    <p:sldId id="323" r:id="rId34"/>
+    <p:sldId id="324" r:id="rId36"/>
+    <p:sldId id="325" r:id="rId38"/>
+    <p:sldId id="326" r:id="rId39"/>
+    <p:sldId id="327" r:id="rId41"/>
+    <p:sldId id="329" r:id="rId43"/>
   </p:sldIdLst>
   <p:sldSz cx="12192000" cy="6858000"/>
   <p:notesSz cx="6858000" cy="9144000"/>
@@ -9842,17 +9842,17 @@
       </p:pic>
       <p:pic>
         <p:nvPicPr>
-          <p:cNvPr id="62" name="그림 67"/>
+          <p:cNvPr id="62" name="그림 67" descr="C:/Users/Admin1/AppData/Roaming/PolarisOffice/ETemp/6568_14335912/fImage22353224827.png"/>
           <p:cNvPicPr>
             <a:picLocks noChangeAspect="1"/>
           </p:cNvPicPr>
           <p:nvPr/>
         </p:nvPicPr>
         <p:blipFill rotWithShape="1">
-          <a:blip r:embed="rId4" cstate="print">
+          <a:blip r:embed="rId4" cstate="hqprint">
             <a:extLst>
               <a:ext uri="{28A0092B-C50C-407E-A947-70E740481C1C}">
-                <a14:useLocalDpi xmlns:a14="http://schemas.microsoft.com/office/drawing/2010/main" val="0"/>
+                <a14:useLocalDpi xmlns:a14="http://schemas.microsoft.com/office/drawing/2010/main"/>
               </a:ext>
             </a:extLst>
           </a:blip>
@@ -9862,8 +9862,8 @@
         </p:blipFill>
         <p:spPr>
           <a:xfrm rot="0">
-            <a:off x="4281805" y="3242310"/>
-            <a:ext cx="686435" cy="706755"/>
+            <a:off x="4314825" y="3242310"/>
+            <a:ext cx="654050" cy="707390"/>
           </a:xfrm>
           <a:prstGeom prst="roundRect"/>
           <a:solidFill>
@@ -9881,14 +9881,13 @@
           <p:nvPr/>
         </p:nvCxnSpPr>
         <p:spPr>
-          <a:xfrm rot="0" flipV="1">
-            <a:off x="4624705" y="2826385"/>
-            <a:ext cx="10160" cy="416560"/>
+          <a:xfrm rot="0" flipH="1" flipV="1">
+            <a:off x="4634865" y="2827020"/>
+            <a:ext cx="6985" cy="415925"/>
           </a:xfrm>
           <a:prstGeom prst="straightConnector1"/>
           <a:ln w="6350" cap="flat" cmpd="sng">
             <a:prstDash/>
-            <a:headEnd type="none" w="med" len="med"/>
             <a:tailEnd type="triangle" w="med" len="med"/>
           </a:ln>
         </p:spPr>

--- a/Assets/Class/Photon Server/PPT Data/Photon RPC.pptx
+++ b/Assets/Class/Photon Server/PPT Data/Photon RPC.pptx
@@ -2,7 +2,7 @@
 <file path=ppt/presentation.xml><?xml version="1.0" encoding="utf-8"?>
 <p:presentation xmlns:a="http://schemas.openxmlformats.org/drawingml/2006/main" xmlns:r="http://schemas.openxmlformats.org/officeDocument/2006/relationships" xmlns:p="http://schemas.openxmlformats.org/presentationml/2006/main" xmlns:p14="http://schemas.microsoft.com/office/powerpoint/2010/main" saveSubsetFonts="1" firstSlideNum="0">
   <p:sldMasterIdLst>
-    <p:sldMasterId id="2147486867" r:id="rId12"/>
+    <p:sldMasterId id="2147486870" r:id="rId12"/>
   </p:sldMasterIdLst>
   <p:notesMasterIdLst>
     <p:notesMasterId r:id="rId14"/>
@@ -20,9 +20,9 @@
     <p:sldId id="323" r:id="rId34"/>
     <p:sldId id="324" r:id="rId36"/>
     <p:sldId id="325" r:id="rId38"/>
-    <p:sldId id="326" r:id="rId39"/>
+    <p:sldId id="326" r:id="rId40"/>
     <p:sldId id="327" r:id="rId41"/>
-    <p:sldId id="329" r:id="rId43"/>
+    <p:sldId id="329" r:id="rId42"/>
   </p:sldIdLst>
   <p:sldSz cx="12192000" cy="6858000"/>
   <p:notesSz cx="6858000" cy="9144000"/>
@@ -10384,7 +10384,7 @@
       </p:pic>
       <p:pic>
         <p:nvPicPr>
-          <p:cNvPr id="69" name="그림 86"/>
+          <p:cNvPr id="69" name="그림 86" descr="C:/Users/Admin1/AppData/Roaming/PolarisOffice/ETemp/8600_9634312/fImage330252115705.png"/>
           <p:cNvPicPr>
             <a:picLocks noChangeAspect="1"/>
           </p:cNvPicPr>
@@ -10405,7 +10405,7 @@
         <p:spPr>
           <a:xfrm rot="0">
             <a:off x="6800215" y="1438275"/>
-            <a:ext cx="2411095" cy="2552700"/>
+            <a:ext cx="2411730" cy="2553335"/>
           </a:xfrm>
           <a:prstGeom prst="roundRect"/>
           <a:solidFill>

--- a/Assets/Class/Photon Server/PPT Data/Photon RPC.pptx
+++ b/Assets/Class/Photon Server/PPT Data/Photon RPC.pptx
@@ -2,14 +2,14 @@
 <file path=ppt/presentation.xml><?xml version="1.0" encoding="utf-8"?>
 <p:presentation xmlns:a="http://schemas.openxmlformats.org/drawingml/2006/main" xmlns:r="http://schemas.openxmlformats.org/officeDocument/2006/relationships" xmlns:p="http://schemas.openxmlformats.org/presentationml/2006/main" xmlns:p14="http://schemas.microsoft.com/office/powerpoint/2010/main" saveSubsetFonts="1" firstSlideNum="0">
   <p:sldMasterIdLst>
-    <p:sldMasterId id="2147486870" r:id="rId12"/>
+    <p:sldMasterId id="2147486871" r:id="rId12"/>
   </p:sldMasterIdLst>
   <p:notesMasterIdLst>
     <p:notesMasterId r:id="rId14"/>
   </p:notesMasterIdLst>
   <p:sldIdLst>
-    <p:sldId id="303" r:id="rId16"/>
-    <p:sldId id="315" r:id="rId18"/>
+    <p:sldId id="315" r:id="rId16"/>
+    <p:sldId id="303" r:id="rId18"/>
     <p:sldId id="317" r:id="rId20"/>
     <p:sldId id="320" r:id="rId22"/>
     <p:sldId id="316" r:id="rId24"/>
@@ -21,8 +21,8 @@
     <p:sldId id="324" r:id="rId36"/>
     <p:sldId id="325" r:id="rId38"/>
     <p:sldId id="326" r:id="rId40"/>
-    <p:sldId id="327" r:id="rId41"/>
-    <p:sldId id="329" r:id="rId42"/>
+    <p:sldId id="327" r:id="rId42"/>
+    <p:sldId id="329" r:id="rId44"/>
   </p:sldIdLst>
   <p:sldSz cx="12192000" cy="6858000"/>
   <p:notesSz cx="6858000" cy="9144000"/>
@@ -511,7 +511,7 @@
         <p:spPr>
           <a:xfrm rot="0">
             <a:off x="685800" y="1143000"/>
-            <a:ext cx="5489575" cy="3089275"/>
+            <a:ext cx="5490210" cy="3089910"/>
           </a:xfrm>
           <a:prstGeom prst="rect"/>
           <a:noFill/>
@@ -550,7 +550,7 @@
         <p:spPr>
           <a:xfrm rot="0">
             <a:off x="685800" y="4400550"/>
-            <a:ext cx="5489575" cy="3603625"/>
+            <a:ext cx="5490210" cy="3604260"/>
           </a:xfrm>
           <a:prstGeom prst="rect"/>
         </p:spPr>
@@ -580,7 +580,7 @@
         <p:spPr>
           <a:xfrm rot="0">
             <a:off x="3884930" y="8685530"/>
-            <a:ext cx="2974975" cy="461645"/>
+            <a:ext cx="2975610" cy="462280"/>
           </a:xfrm>
           <a:prstGeom prst="rect"/>
         </p:spPr>
@@ -1505,7 +1505,7 @@
         <p:spPr>
           <a:xfrm rot="0">
             <a:off x="685800" y="1143000"/>
-            <a:ext cx="5490210" cy="3089910"/>
+            <a:ext cx="5489575" cy="3089275"/>
           </a:xfrm>
           <a:prstGeom prst="rect"/>
           <a:noFill/>
@@ -1544,7 +1544,7 @@
         <p:spPr>
           <a:xfrm rot="0">
             <a:off x="685800" y="4400550"/>
-            <a:ext cx="5490210" cy="3604260"/>
+            <a:ext cx="5489575" cy="3603625"/>
           </a:xfrm>
           <a:prstGeom prst="rect"/>
         </p:spPr>
@@ -1574,7 +1574,7 @@
         <p:spPr>
           <a:xfrm rot="0">
             <a:off x="3884930" y="8685530"/>
-            <a:ext cx="2975610" cy="462280"/>
+            <a:ext cx="2974975" cy="461645"/>
           </a:xfrm>
           <a:prstGeom prst="rect"/>
         </p:spPr>
@@ -7523,8 +7523,8 @@
         </p:nvSpPr>
         <p:spPr>
           <a:xfrm rot="0">
-            <a:off x="3908425" y="376555"/>
-            <a:ext cx="4377690" cy="554990"/>
+            <a:off x="4530090" y="417195"/>
+            <a:ext cx="3141980" cy="554990"/>
           </a:xfrm>
           <a:prstGeom prst="rect"/>
           <a:noFill/>
@@ -7544,19 +7544,13 @@
               <a:buNone/>
             </a:pPr>
             <a:r>
-              <a:rPr lang="ko-KR" altLang="en-US" sz="3000" b="1">
-                <a:solidFill>
-                  <a:schemeClr val="tx1"/>
-                </a:solidFill>
-                <a:latin typeface="맑은 고딕" charset="0"/>
-                <a:ea typeface="맑은 고딕" charset="0"/>
-              </a:rPr>
-              <a:t>Remote Procedure Call</a:t>
+              <a:rPr lang="ko-KR" sz="3000" b="1">
+                <a:latin typeface="맑은 고딕" charset="0"/>
+                <a:ea typeface="맑은 고딕" charset="0"/>
+              </a:rPr>
+              <a:t>첫 번째 튜토리얼</a:t>
             </a:r>
             <a:endParaRPr lang="ko-KR" altLang="en-US" sz="3000" b="1">
-              <a:solidFill>
-                <a:schemeClr val="tx1"/>
-              </a:solidFill>
               <a:latin typeface="맑은 고딕" charset="0"/>
               <a:ea typeface="맑은 고딕" charset="0"/>
             </a:endParaRPr>
@@ -7565,7 +7559,7 @@
       </p:sp>
       <p:sp>
         <p:nvSpPr>
-          <p:cNvPr id="1032" name="텍스트 상자 1"/>
+          <p:cNvPr id="1033" name="Rect 0"/>
           <p:cNvSpPr txBox="1">
             <a:spLocks/>
           </p:cNvSpPr>
@@ -7573,8 +7567,8 @@
         </p:nvSpPr>
         <p:spPr>
           <a:xfrm rot="0">
-            <a:off x="837565" y="5269865"/>
-            <a:ext cx="4497070" cy="923925"/>
+            <a:off x="944880" y="3914140"/>
+            <a:ext cx="4435475" cy="2031365"/>
           </a:xfrm>
           <a:prstGeom prst="rect"/>
           <a:noFill/>
@@ -7598,52 +7592,116 @@
                 <a:latin typeface="맑은 고딕" charset="0"/>
                 <a:ea typeface="맑은 고딕" charset="0"/>
               </a:rPr>
-              <a:t>원격 프로시저 호출은 주소 공간에서 함수나 프로시저를 실행할 수 있게 하는 프로세스 간 통신 기술입니다.</a:t>
+              <a:t>A</a:t>
+            </a:r>
+            <a:r>
+              <a:rPr lang="ko-KR" sz="1800">
+                <a:latin typeface="맑은 고딕" charset="0"/>
+                <a:ea typeface="맑은 고딕" charset="0"/>
+              </a:rPr>
+              <a:t> </a:t>
+            </a:r>
+            <a:r>
+              <a:rPr lang="ko-KR" sz="1800">
+                <a:latin typeface="맑은 고딕" charset="0"/>
+                <a:ea typeface="맑은 고딕" charset="0"/>
+              </a:rPr>
+              <a:t>클라이언트의</a:t>
+            </a:r>
+            <a:r>
+              <a:rPr lang="ko-KR" sz="1800">
+                <a:latin typeface="맑은 고딕" charset="0"/>
+                <a:ea typeface="맑은 고딕" charset="0"/>
+              </a:rPr>
+              <a:t> </a:t>
+            </a:r>
+            <a:r>
+              <a:rPr lang="ko-KR" sz="1800">
+                <a:latin typeface="맑은 고딕" charset="0"/>
+                <a:ea typeface="맑은 고딕" charset="0"/>
+              </a:rPr>
+              <a:t>1001</a:t>
+            </a:r>
+            <a:r>
+              <a:rPr lang="ko-KR" sz="1800">
+                <a:latin typeface="맑은 고딕" charset="0"/>
+                <a:ea typeface="맑은 고딕" charset="0"/>
+              </a:rPr>
+              <a:t> </a:t>
+            </a:r>
+            <a:r>
+              <a:rPr lang="ko-KR" sz="1800">
+                <a:latin typeface="맑은 고딕" charset="0"/>
+                <a:ea typeface="맑은 고딕" charset="0"/>
+              </a:rPr>
+              <a:t>객체가</a:t>
+            </a:r>
+            <a:r>
+              <a:rPr lang="ko-KR" sz="1800">
+                <a:latin typeface="맑은 고딕" charset="0"/>
+                <a:ea typeface="맑은 고딕" charset="0"/>
+              </a:rPr>
+              <a:t> </a:t>
+            </a:r>
+            <a:r>
+              <a:rPr lang="ko-KR" sz="1800">
+                <a:latin typeface="맑은 고딕" charset="0"/>
+                <a:ea typeface="맑은 고딕" charset="0"/>
+              </a:rPr>
+              <a:t>현재</a:t>
+            </a:r>
+            <a:r>
+              <a:rPr lang="ko-KR" sz="1800">
+                <a:latin typeface="맑은 고딕" charset="0"/>
+                <a:ea typeface="맑은 고딕" charset="0"/>
+              </a:rPr>
+              <a:t> </a:t>
+            </a:r>
+            <a:r>
+              <a:rPr lang="ko-KR" sz="1800">
+                <a:latin typeface="맑은 고딕" charset="0"/>
+                <a:ea typeface="맑은 고딕" charset="0"/>
+              </a:rPr>
+              <a:t>로컬</a:t>
+            </a:r>
+            <a:r>
+              <a:rPr lang="ko-KR" sz="1800">
+                <a:latin typeface="맑은 고딕" charset="0"/>
+                <a:ea typeface="맑은 고딕" charset="0"/>
+              </a:rPr>
+              <a:t> </a:t>
+            </a:r>
+            <a:r>
+              <a:rPr lang="ko-KR" sz="1800">
+                <a:latin typeface="맑은 고딕" charset="0"/>
+                <a:ea typeface="맑은 고딕" charset="0"/>
+              </a:rPr>
+              <a:t>객체</a:t>
+            </a:r>
+            <a:r>
+              <a:rPr lang="ko-KR" sz="1800">
+                <a:latin typeface="맑은 고딕" charset="0"/>
+                <a:ea typeface="맑은 고딕" charset="0"/>
+              </a:rPr>
+              <a:t>이고, </a:t>
+            </a:r>
+            <a:r>
+              <a:rPr lang="ko-KR" sz="1800">
+                <a:latin typeface="맑은 고딕" charset="0"/>
+                <a:ea typeface="맑은 고딕" charset="0"/>
+              </a:rPr>
+              <a:t>B 클라이언트에서는 1001 객체는 원격 객체입니다.</a:t>
             </a:r>
             <a:endParaRPr lang="ko-KR" altLang="en-US" sz="1800">
               <a:latin typeface="맑은 고딕" charset="0"/>
               <a:ea typeface="맑은 고딕" charset="0"/>
             </a:endParaRPr>
           </a:p>
-        </p:txBody>
-      </p:sp>
-      <p:sp>
-        <p:nvSpPr>
-          <p:cNvPr id="1033" name="텍스트 상자 2"/>
-          <p:cNvSpPr txBox="1">
-            <a:spLocks/>
-          </p:cNvSpPr>
-          <p:nvPr/>
-        </p:nvSpPr>
-        <p:spPr>
-          <a:xfrm rot="0">
-            <a:off x="6905625" y="1388745"/>
-            <a:ext cx="4163060" cy="4799965"/>
-          </a:xfrm>
-          <a:prstGeom prst="rect"/>
-          <a:noFill/>
-          <a:ln w="0">
-            <a:noFill/>
-            <a:prstDash/>
-          </a:ln>
-        </p:spPr>
-        <p:txBody>
-          <a:bodyPr wrap="square" lIns="89535" tIns="46355" rIns="89535" bIns="46355" numCol="1" vert="horz" anchor="t">
-            <a:spAutoFit/>
-          </a:bodyPr>
-          <a:lstStyle/>
           <a:p>
             <a:pPr marL="0" indent="0" algn="l" latinLnBrk="0" hangingPunct="1">
               <a:buFontTx/>
               <a:buNone/>
             </a:pPr>
-            <a:r>
-              <a:rPr lang="ko-KR" sz="1800">
-                <a:latin typeface="맑은 고딕" charset="0"/>
-                <a:ea typeface="맑은 고딕" charset="0"/>
-              </a:rPr>
-              <a:t>포톤에서는 여러 명의 클라이언트가 모두 같은 스크립트를 가지고 일반 함수를 호출하게 되면 로컬에서만 실행됩니다.</a:t>
-            </a:r>
             <a:endParaRPr lang="ko-KR" altLang="en-US" sz="1800">
               <a:latin typeface="맑은 고딕" charset="0"/>
               <a:ea typeface="맑은 고딕" charset="0"/>
@@ -7654,94 +7712,37 @@
               <a:buFontTx/>
               <a:buNone/>
             </a:pPr>
+            <a:r>
+              <a:rPr lang="ko-KR" sz="1800">
+                <a:latin typeface="맑은 고딕" charset="0"/>
+                <a:ea typeface="맑은 고딕" charset="0"/>
+              </a:rPr>
+              <a:t>RPC 함수는</a:t>
+            </a:r>
+            <a:r>
+              <a:rPr lang="ko-KR" sz="1800">
+                <a:latin typeface="맑은 고딕" charset="0"/>
+                <a:ea typeface="맑은 고딕" charset="0"/>
+              </a:rPr>
+              <a:t> 서로 다른 클라이언트에서 같은 View ID를 가진 객체에만 RPC 함수가 전달되는 것입니다.</a:t>
+            </a:r>
             <a:endParaRPr lang="ko-KR" altLang="en-US" sz="1800">
               <a:latin typeface="맑은 고딕" charset="0"/>
               <a:ea typeface="맑은 고딕" charset="0"/>
             </a:endParaRPr>
           </a:p>
-          <a:p>
-            <a:pPr marL="0" indent="0" algn="l" latinLnBrk="0" hangingPunct="1">
-              <a:buFontTx/>
-              <a:buNone/>
-            </a:pPr>
-            <a:r>
-              <a:rPr lang="ko-KR" sz="1800">
-                <a:latin typeface="맑은 고딕" charset="0"/>
-                <a:ea typeface="맑은 고딕" charset="0"/>
-              </a:rPr>
-              <a:t>그래서 다른 컴퓨터에서도 특정 함수의 실행을 보여주기 위해서는 RPC 함수를 만들어서 호출해야 합니다.</a:t>
-            </a:r>
-            <a:endParaRPr lang="ko-KR" altLang="en-US" sz="1800">
-              <a:latin typeface="맑은 고딕" charset="0"/>
-              <a:ea typeface="맑은 고딕" charset="0"/>
-            </a:endParaRPr>
-          </a:p>
-          <a:p>
-            <a:pPr marL="0" indent="0" algn="l" latinLnBrk="0" hangingPunct="1">
-              <a:buFontTx/>
-              <a:buNone/>
-            </a:pPr>
-            <a:endParaRPr lang="ko-KR" altLang="en-US" sz="1800">
-              <a:latin typeface="맑은 고딕" charset="0"/>
-              <a:ea typeface="맑은 고딕" charset="0"/>
-            </a:endParaRPr>
-          </a:p>
-          <a:p>
-            <a:pPr marL="0" indent="0" algn="l" latinLnBrk="0" hangingPunct="1">
-              <a:buFontTx/>
-              <a:buNone/>
-            </a:pPr>
-            <a:r>
-              <a:rPr lang="ko-KR" sz="1800">
-                <a:latin typeface="맑은 고딕" charset="0"/>
-                <a:ea typeface="맑은 고딕" charset="0"/>
-              </a:rPr>
-              <a:t>PRC 채팅은 일반 함수끼리 통신이 안 되기 때문에 서로 다른 클라이언트에서는 같은 View ID끼리 같은 함수를 실행하도록 설정합니다.</a:t>
-            </a:r>
-            <a:endParaRPr lang="ko-KR" altLang="en-US" sz="1800">
-              <a:latin typeface="맑은 고딕" charset="0"/>
-              <a:ea typeface="맑은 고딕" charset="0"/>
-            </a:endParaRPr>
-          </a:p>
-          <a:p>
-            <a:pPr marL="0" indent="0" algn="l" latinLnBrk="0" hangingPunct="1">
-              <a:buFontTx/>
-              <a:buNone/>
-            </a:pPr>
-            <a:endParaRPr lang="ko-KR" altLang="en-US" sz="1800">
-              <a:latin typeface="맑은 고딕" charset="0"/>
-              <a:ea typeface="맑은 고딕" charset="0"/>
-            </a:endParaRPr>
-          </a:p>
-          <a:p>
-            <a:pPr marL="0" indent="0" algn="l" latinLnBrk="0" hangingPunct="1">
-              <a:buFontTx/>
-              <a:buNone/>
-            </a:pPr>
-            <a:r>
-              <a:rPr lang="ko-KR" sz="1800">
-                <a:latin typeface="맑은 고딕" charset="0"/>
-                <a:ea typeface="맑은 고딕" charset="0"/>
-              </a:rPr>
-              <a:t>Photon View RPC는 호출할 RPC 함수를 다른 원격 객체에 함수를 전달하는 것입니다.</a:t>
-            </a:r>
-            <a:endParaRPr lang="ko-KR" altLang="en-US" sz="1800">
-              <a:latin typeface="맑은 고딕" charset="0"/>
-              <a:ea typeface="맑은 고딕" charset="0"/>
-            </a:endParaRPr>
-          </a:p>
         </p:txBody>
       </p:sp>
       <p:pic>
         <p:nvPicPr>
-          <p:cNvPr id="1035" name="그림 6"/>
+          <p:cNvPr id="1035" name="Picture "/>
           <p:cNvPicPr>
             <a:picLocks noChangeAspect="1"/>
           </p:cNvPicPr>
           <p:nvPr/>
         </p:nvPicPr>
         <p:blipFill rotWithShape="1">
-          <a:blip r:embed="rId6" cstate="hqprint">
+          <a:blip r:embed="rId2" cstate="hqprint">
             <a:extLst>
               <a:ext uri="{28A0092B-C50C-407E-A947-70E740481C1C}">
                 <a14:useLocalDpi xmlns:a14="http://schemas.microsoft.com/office/drawing/2010/main"/>
@@ -7754,8 +7755,8 @@
         </p:blipFill>
         <p:spPr>
           <a:xfrm rot="0">
-            <a:off x="839470" y="2690495"/>
-            <a:ext cx="1952625" cy="1882775"/>
+            <a:off x="944245" y="1395095"/>
+            <a:ext cx="2170430" cy="2238375"/>
           </a:xfrm>
           <a:prstGeom prst="rect"/>
           <a:noFill/>
@@ -7763,14 +7764,14 @@
       </p:pic>
       <p:pic>
         <p:nvPicPr>
-          <p:cNvPr id="1036" name="그림 7"/>
+          <p:cNvPr id="1036" name="Picture "/>
           <p:cNvPicPr>
             <a:picLocks noChangeAspect="1"/>
           </p:cNvPicPr>
           <p:nvPr/>
         </p:nvPicPr>
         <p:blipFill rotWithShape="1">
-          <a:blip r:embed="rId7" cstate="hqprint">
+          <a:blip r:embed="rId3" cstate="hqprint">
             <a:extLst>
               <a:ext uri="{28A0092B-C50C-407E-A947-70E740481C1C}">
                 <a14:useLocalDpi xmlns:a14="http://schemas.microsoft.com/office/drawing/2010/main"/>
@@ -7783,8 +7784,8 @@
         </p:blipFill>
         <p:spPr>
           <a:xfrm rot="0">
-            <a:off x="3387725" y="2686050"/>
-            <a:ext cx="1952625" cy="1882775"/>
+            <a:off x="3286125" y="1390650"/>
+            <a:ext cx="2182495" cy="2251075"/>
           </a:xfrm>
           <a:prstGeom prst="rect"/>
           <a:noFill/>
@@ -7792,7 +7793,7 @@
       </p:pic>
       <p:sp>
         <p:nvSpPr>
-          <p:cNvPr id="1037" name="텍스트 상자 8"/>
+          <p:cNvPr id="1037" name="Rect 0"/>
           <p:cNvSpPr txBox="1">
             <a:spLocks/>
           </p:cNvSpPr>
@@ -7800,8 +7801,8 @@
         </p:nvSpPr>
         <p:spPr>
           <a:xfrm rot="0">
-            <a:off x="928370" y="4741545"/>
-            <a:ext cx="1778000" cy="401320"/>
+            <a:off x="1138555" y="3314065"/>
+            <a:ext cx="1778000" cy="400685"/>
           </a:xfrm>
           <a:prstGeom prst="rect"/>
           <a:noFill/>
@@ -7828,7 +7829,27 @@
                 <a:latin typeface="맑은 고딕" charset="0"/>
                 <a:ea typeface="맑은 고딕" charset="0"/>
               </a:rPr>
-              <a:t>A 클라이언트</a:t>
+              <a:t>A</a:t>
+            </a:r>
+            <a:r>
+              <a:rPr lang="ko-KR" sz="2000" b="1">
+                <a:solidFill>
+                  <a:srgbClr val="36B700"/>
+                </a:solidFill>
+                <a:latin typeface="맑은 고딕" charset="0"/>
+                <a:ea typeface="맑은 고딕" charset="0"/>
+              </a:rPr>
+              <a:t> </a:t>
+            </a:r>
+            <a:r>
+              <a:rPr lang="ko-KR" sz="2000" b="1">
+                <a:solidFill>
+                  <a:srgbClr val="36B700"/>
+                </a:solidFill>
+                <a:latin typeface="맑은 고딕" charset="0"/>
+                <a:ea typeface="맑은 고딕" charset="0"/>
+              </a:rPr>
+              <a:t>클라이언트</a:t>
             </a:r>
             <a:endParaRPr lang="ko-KR" altLang="en-US" sz="2000" b="1">
               <a:solidFill>
@@ -7842,7 +7863,7 @@
       </p:sp>
       <p:sp>
         <p:nvSpPr>
-          <p:cNvPr id="1038" name="텍스트 상자 9"/>
+          <p:cNvPr id="1038" name="Rect 0"/>
           <p:cNvSpPr txBox="1">
             <a:spLocks/>
           </p:cNvSpPr>
@@ -7850,8 +7871,8 @@
         </p:nvSpPr>
         <p:spPr>
           <a:xfrm rot="0">
-            <a:off x="3476625" y="4756150"/>
-            <a:ext cx="1778000" cy="401320"/>
+            <a:off x="3507105" y="3309620"/>
+            <a:ext cx="1778000" cy="400685"/>
           </a:xfrm>
           <a:prstGeom prst="rect"/>
           <a:noFill/>
@@ -7890,231 +7911,9 @@
           </a:p>
         </p:txBody>
       </p:sp>
-      <p:pic>
-        <p:nvPicPr>
-          <p:cNvPr id="1039" name="그림 10"/>
-          <p:cNvPicPr>
-            <a:picLocks noChangeAspect="1"/>
-          </p:cNvPicPr>
-          <p:nvPr/>
-        </p:nvPicPr>
-        <p:blipFill rotWithShape="1">
-          <a:blip r:embed="rId8" cstate="hqprint">
-            <a:extLst>
-              <a:ext uri="{28A0092B-C50C-407E-A947-70E740481C1C}">
-                <a14:useLocalDpi xmlns:a14="http://schemas.microsoft.com/office/drawing/2010/main"/>
-              </a:ext>
-            </a:extLst>
-          </a:blip>
-          <a:stretch>
-            <a:fillRect/>
-          </a:stretch>
-        </p:blipFill>
-        <p:spPr>
-          <a:xfrm rot="0">
-            <a:off x="1090295" y="2860040"/>
-            <a:ext cx="1444625" cy="513080"/>
-          </a:xfrm>
-          <a:prstGeom prst="roundRect"/>
-          <a:solidFill>
-            <a:srgbClr val="EDEDED"/>
-          </a:solidFill>
-        </p:spPr>
-      </p:pic>
-      <p:pic>
-        <p:nvPicPr>
-          <p:cNvPr id="1040" name="그림 13"/>
-          <p:cNvPicPr>
-            <a:picLocks noChangeAspect="1"/>
-          </p:cNvPicPr>
-          <p:nvPr/>
-        </p:nvPicPr>
-        <p:blipFill rotWithShape="1">
-          <a:blip r:embed="rId9" cstate="hqprint">
-            <a:extLst>
-              <a:ext uri="{28A0092B-C50C-407E-A947-70E740481C1C}">
-                <a14:useLocalDpi xmlns:a14="http://schemas.microsoft.com/office/drawing/2010/main"/>
-              </a:ext>
-            </a:extLst>
-          </a:blip>
-          <a:stretch>
-            <a:fillRect/>
-          </a:stretch>
-        </p:blipFill>
-        <p:spPr>
-          <a:xfrm rot="0">
-            <a:off x="3686175" y="2855595"/>
-            <a:ext cx="1444625" cy="513080"/>
-          </a:xfrm>
-          <a:prstGeom prst="roundRect"/>
-          <a:solidFill>
-            <a:srgbClr val="EDEDED"/>
-          </a:solidFill>
-        </p:spPr>
-      </p:pic>
-      <p:sp>
-        <p:nvSpPr>
-          <p:cNvPr id="1041" name="텍스트 상자 14"/>
-          <p:cNvSpPr txBox="1">
-            <a:spLocks/>
-          </p:cNvSpPr>
-          <p:nvPr/>
-        </p:nvSpPr>
-        <p:spPr>
-          <a:xfrm rot="0">
-            <a:off x="1047750" y="3375025"/>
-            <a:ext cx="1534795" cy="324485"/>
-          </a:xfrm>
-          <a:prstGeom prst="rect"/>
-          <a:noFill/>
-          <a:ln w="0">
-            <a:noFill/>
-            <a:prstDash/>
-          </a:ln>
-        </p:spPr>
-        <p:txBody>
-          <a:bodyPr wrap="square" lIns="89535" tIns="46355" rIns="89535" bIns="46355" numCol="1" vert="horz" anchor="t">
-            <a:spAutoFit/>
-          </a:bodyPr>
-          <a:lstStyle/>
-          <a:p>
-            <a:pPr marL="0" indent="0" algn="l" latinLnBrk="0" hangingPunct="1">
-              <a:buFontTx/>
-              <a:buNone/>
-            </a:pPr>
-            <a:r>
-              <a:rPr lang="ko-KR" sz="1500" b="1">
-                <a:solidFill>
-                  <a:srgbClr val="0611F2"/>
-                </a:solidFill>
-                <a:latin typeface="맑은 고딕" charset="0"/>
-                <a:ea typeface="맑은 고딕" charset="0"/>
-              </a:rPr>
-              <a:t>View</a:t>
-            </a:r>
-            <a:r>
-              <a:rPr lang="ko-KR" sz="1500" b="1">
-                <a:solidFill>
-                  <a:srgbClr val="0611F2"/>
-                </a:solidFill>
-                <a:latin typeface="맑은 고딕" charset="0"/>
-                <a:ea typeface="맑은 고딕" charset="0"/>
-              </a:rPr>
-              <a:t> </a:t>
-            </a:r>
-            <a:r>
-              <a:rPr lang="ko-KR" sz="1500" b="1">
-                <a:solidFill>
-                  <a:srgbClr val="0611F2"/>
-                </a:solidFill>
-                <a:latin typeface="맑은 고딕" charset="0"/>
-                <a:ea typeface="맑은 고딕" charset="0"/>
-              </a:rPr>
-              <a:t>ID</a:t>
-            </a:r>
-            <a:r>
-              <a:rPr lang="ko-KR" sz="1500" b="1">
-                <a:solidFill>
-                  <a:srgbClr val="0611F2"/>
-                </a:solidFill>
-                <a:latin typeface="맑은 고딕" charset="0"/>
-                <a:ea typeface="맑은 고딕" charset="0"/>
-              </a:rPr>
-              <a:t> </a:t>
-            </a:r>
-            <a:r>
-              <a:rPr lang="ko-KR" sz="1500" b="1">
-                <a:solidFill>
-                  <a:srgbClr val="0611F2"/>
-                </a:solidFill>
-                <a:latin typeface="맑은 고딕" charset="0"/>
-                <a:ea typeface="맑은 고딕" charset="0"/>
-              </a:rPr>
-              <a:t>:</a:t>
-            </a:r>
-            <a:r>
-              <a:rPr lang="ko-KR" sz="1500" b="1">
-                <a:solidFill>
-                  <a:srgbClr val="0611F2"/>
-                </a:solidFill>
-                <a:latin typeface="맑은 고딕" charset="0"/>
-                <a:ea typeface="맑은 고딕" charset="0"/>
-              </a:rPr>
-              <a:t> </a:t>
-            </a:r>
-            <a:r>
-              <a:rPr lang="ko-KR" sz="1500" b="1">
-                <a:solidFill>
-                  <a:srgbClr val="0611F2"/>
-                </a:solidFill>
-                <a:latin typeface="맑은 고딕" charset="0"/>
-                <a:ea typeface="맑은 고딕" charset="0"/>
-              </a:rPr>
-              <a:t>1001</a:t>
-            </a:r>
-            <a:endParaRPr lang="ko-KR" altLang="en-US" sz="1500" b="1">
-              <a:solidFill>
-                <a:srgbClr val="0611F2"/>
-              </a:solidFill>
-              <a:latin typeface="맑은 고딕" charset="0"/>
-              <a:ea typeface="맑은 고딕" charset="0"/>
-            </a:endParaRPr>
-          </a:p>
-        </p:txBody>
-      </p:sp>
-      <p:sp>
-        <p:nvSpPr>
-          <p:cNvPr id="1042" name="텍스트 상자 15"/>
-          <p:cNvSpPr txBox="1">
-            <a:spLocks/>
-          </p:cNvSpPr>
-          <p:nvPr/>
-        </p:nvSpPr>
-        <p:spPr>
-          <a:xfrm rot="0">
-            <a:off x="3596005" y="3380105"/>
-            <a:ext cx="1534795" cy="324485"/>
-          </a:xfrm>
-          <a:prstGeom prst="rect"/>
-          <a:noFill/>
-          <a:ln w="0">
-            <a:noFill/>
-            <a:prstDash/>
-          </a:ln>
-        </p:spPr>
-        <p:txBody>
-          <a:bodyPr wrap="square" lIns="89535" tIns="46355" rIns="89535" bIns="46355" numCol="1" vert="horz" anchor="t">
-            <a:spAutoFit/>
-          </a:bodyPr>
-          <a:lstStyle/>
-          <a:p>
-            <a:pPr marL="0" indent="0" algn="l" latinLnBrk="0" hangingPunct="1">
-              <a:buFontTx/>
-              <a:buNone/>
-            </a:pPr>
-            <a:r>
-              <a:rPr lang="ko-KR" sz="1500" b="1">
-                <a:solidFill>
-                  <a:srgbClr val="0611F2"/>
-                </a:solidFill>
-                <a:latin typeface="맑은 고딕" charset="0"/>
-                <a:ea typeface="맑은 고딕" charset="0"/>
-              </a:rPr>
-              <a:t>View ID : 1001</a:t>
-            </a:r>
-            <a:endParaRPr lang="ko-KR" altLang="en-US" sz="1500" b="1">
-              <a:solidFill>
-                <a:srgbClr val="0611F2"/>
-              </a:solidFill>
-              <a:latin typeface="맑은 고딕" charset="0"/>
-              <a:ea typeface="맑은 고딕" charset="0"/>
-            </a:endParaRPr>
-          </a:p>
-        </p:txBody>
-      </p:sp>
-      <p:sp>
-        <p:nvSpPr>
-          <p:cNvPr id="1043" name="도형 18"/>
+      <p:sp>
+        <p:nvSpPr>
+          <p:cNvPr id="1043" name="Rect 0"/>
           <p:cNvSpPr>
             <a:spLocks/>
           </p:cNvSpPr>
@@ -8122,8 +7921,8 @@
         </p:nvSpPr>
         <p:spPr>
           <a:xfrm rot="0" flipH="1">
-            <a:off x="1619250" y="3695700"/>
-            <a:ext cx="3039745" cy="620395"/>
+            <a:off x="2181860" y="2595880"/>
+            <a:ext cx="2783205" cy="620395"/>
           </a:xfrm>
           <a:prstGeom prst="curvedUpArrow"/>
         </p:spPr>
@@ -8162,14 +7961,14 @@
       </p:sp>
       <p:pic>
         <p:nvPicPr>
-          <p:cNvPr id="1044" name="그림 19"/>
+          <p:cNvPr id="1044" name="그림 33"/>
           <p:cNvPicPr>
             <a:picLocks noChangeAspect="1"/>
           </p:cNvPicPr>
           <p:nvPr/>
         </p:nvPicPr>
         <p:blipFill rotWithShape="1">
-          <a:blip r:embed="rId10" cstate="hqprint">
+          <a:blip r:embed="rId4" cstate="hqprint">
             <a:extLst>
               <a:ext uri="{28A0092B-C50C-407E-A947-70E740481C1C}">
                 <a14:useLocalDpi xmlns:a14="http://schemas.microsoft.com/office/drawing/2010/main"/>
@@ -8182,8 +7981,564 @@
         </p:blipFill>
         <p:spPr>
           <a:xfrm rot="0">
-            <a:off x="842645" y="1395095"/>
-            <a:ext cx="4502150" cy="1120140"/>
+            <a:off x="2015490" y="2061210"/>
+            <a:ext cx="734695" cy="734695"/>
+          </a:xfrm>
+          <a:prstGeom prst="rect"/>
+          <a:noFill/>
+        </p:spPr>
+      </p:pic>
+      <p:pic>
+        <p:nvPicPr>
+          <p:cNvPr id="1045" name="그림 34"/>
+          <p:cNvPicPr>
+            <a:picLocks noChangeAspect="1"/>
+          </p:cNvPicPr>
+          <p:nvPr/>
+        </p:nvPicPr>
+        <p:blipFill rotWithShape="1">
+          <a:blip r:embed="rId5" cstate="hqprint">
+            <a:extLst>
+              <a:ext uri="{28A0092B-C50C-407E-A947-70E740481C1C}">
+                <a14:useLocalDpi xmlns:a14="http://schemas.microsoft.com/office/drawing/2010/main"/>
+              </a:ext>
+            </a:extLst>
+          </a:blip>
+          <a:stretch>
+            <a:fillRect/>
+          </a:stretch>
+        </p:blipFill>
+        <p:spPr>
+          <a:xfrm rot="0">
+            <a:off x="4466590" y="2056765"/>
+            <a:ext cx="734695" cy="734695"/>
+          </a:xfrm>
+          <a:prstGeom prst="rect"/>
+          <a:noFill/>
+        </p:spPr>
+      </p:pic>
+      <p:pic>
+        <p:nvPicPr>
+          <p:cNvPr id="1046" name="그림 35"/>
+          <p:cNvPicPr>
+            <a:picLocks noChangeAspect="1"/>
+          </p:cNvPicPr>
+          <p:nvPr/>
+        </p:nvPicPr>
+        <p:blipFill rotWithShape="1">
+          <a:blip r:embed="rId6" cstate="print">
+            <a:extLst>
+              <a:ext uri="{28A0092B-C50C-407E-A947-70E740481C1C}">
+                <a14:useLocalDpi xmlns:a14="http://schemas.microsoft.com/office/drawing/2010/main" val="0"/>
+              </a:ext>
+            </a:extLst>
+          </a:blip>
+          <a:stretch>
+            <a:fillRect/>
+          </a:stretch>
+        </p:blipFill>
+        <p:spPr>
+          <a:xfrm rot="0">
+            <a:off x="944245" y="1562100"/>
+            <a:ext cx="1056640" cy="943610"/>
+          </a:xfrm>
+          <a:prstGeom prst="rect"/>
+          <a:noFill/>
+        </p:spPr>
+      </p:pic>
+      <p:pic>
+        <p:nvPicPr>
+          <p:cNvPr id="1047" name="그림 36"/>
+          <p:cNvPicPr>
+            <a:picLocks noChangeAspect="1"/>
+          </p:cNvPicPr>
+          <p:nvPr/>
+        </p:nvPicPr>
+        <p:blipFill rotWithShape="1">
+          <a:blip r:embed="rId7" cstate="hqprint">
+            <a:extLst>
+              <a:ext uri="{28A0092B-C50C-407E-A947-70E740481C1C}">
+                <a14:useLocalDpi xmlns:a14="http://schemas.microsoft.com/office/drawing/2010/main"/>
+              </a:ext>
+            </a:extLst>
+          </a:blip>
+          <a:stretch>
+            <a:fillRect/>
+          </a:stretch>
+        </p:blipFill>
+        <p:spPr>
+          <a:xfrm rot="0">
+            <a:off x="3335020" y="1497965"/>
+            <a:ext cx="1057275" cy="944245"/>
+          </a:xfrm>
+          <a:prstGeom prst="rect"/>
+          <a:noFill/>
+        </p:spPr>
+      </p:pic>
+      <p:sp>
+        <p:nvSpPr>
+          <p:cNvPr id="1048" name="도형 37"/>
+          <p:cNvSpPr>
+            <a:spLocks/>
+          </p:cNvSpPr>
+          <p:nvPr/>
+        </p:nvSpPr>
+        <p:spPr>
+          <a:xfrm rot="10800000" flipH="1">
+            <a:off x="1300480" y="1195705"/>
+            <a:ext cx="2679065" cy="620395"/>
+          </a:xfrm>
+          <a:prstGeom prst="curvedUpArrow"/>
+        </p:spPr>
+        <p:style>
+          <a:lnRef idx="2">
+            <a:schemeClr val="accent1">
+              <a:shade val="50000"/>
+            </a:schemeClr>
+          </a:lnRef>
+          <a:fillRef idx="1">
+            <a:schemeClr val="accent1"/>
+          </a:fillRef>
+          <a:effectRef idx="0">
+            <a:schemeClr val="accent1"/>
+          </a:effectRef>
+          <a:fontRef idx="minor">
+            <a:schemeClr val="lt1"/>
+          </a:fontRef>
+        </p:style>
+        <p:txBody>
+          <a:bodyPr wrap="square" lIns="91440" tIns="45720" rIns="91440" bIns="45720" numCol="1" vert="horz" anchor="ctr">
+            <a:noAutofit/>
+          </a:bodyPr>
+          <a:lstStyle/>
+          <a:p>
+            <a:pPr marL="0" indent="0" algn="ctr" latinLnBrk="0" hangingPunct="1">
+              <a:buFontTx/>
+              <a:buNone/>
+            </a:pPr>
+            <a:endParaRPr lang="ko-KR" altLang="en-US" sz="1800">
+              <a:latin typeface="맑은 고딕" charset="0"/>
+              <a:ea typeface="맑은 고딕" charset="0"/>
+            </a:endParaRPr>
+          </a:p>
+        </p:txBody>
+      </p:sp>
+      <p:sp>
+        <p:nvSpPr>
+          <p:cNvPr id="1049" name="텍스트 상자 38"/>
+          <p:cNvSpPr txBox="1">
+            <a:spLocks/>
+          </p:cNvSpPr>
+          <p:nvPr/>
+        </p:nvSpPr>
+        <p:spPr>
+          <a:xfrm rot="0">
+            <a:off x="1038225" y="1822450"/>
+            <a:ext cx="781685" cy="400685"/>
+          </a:xfrm>
+          <a:prstGeom prst="rect"/>
+          <a:noFill/>
+          <a:ln w="0">
+            <a:noFill/>
+            <a:prstDash/>
+          </a:ln>
+        </p:spPr>
+        <p:txBody>
+          <a:bodyPr wrap="square" lIns="89535" tIns="46355" rIns="89535" bIns="46355" numCol="1" vert="horz" anchor="t">
+            <a:spAutoFit/>
+          </a:bodyPr>
+          <a:lstStyle/>
+          <a:p>
+            <a:pPr marL="0" indent="0" algn="l" latinLnBrk="0" hangingPunct="1">
+              <a:buFontTx/>
+              <a:buNone/>
+            </a:pPr>
+            <a:r>
+              <a:rPr lang="ko-KR" sz="2000" b="1">
+                <a:solidFill>
+                  <a:schemeClr val="bg1"/>
+                </a:solidFill>
+                <a:latin typeface="맑은 고딕" charset="0"/>
+                <a:ea typeface="맑은 고딕" charset="0"/>
+              </a:rPr>
+              <a:t>1001</a:t>
+            </a:r>
+            <a:endParaRPr lang="ko-KR" altLang="en-US" sz="2000" b="1">
+              <a:solidFill>
+                <a:schemeClr val="bg1"/>
+              </a:solidFill>
+              <a:latin typeface="맑은 고딕" charset="0"/>
+              <a:ea typeface="맑은 고딕" charset="0"/>
+            </a:endParaRPr>
+          </a:p>
+        </p:txBody>
+      </p:sp>
+      <p:sp>
+        <p:nvSpPr>
+          <p:cNvPr id="1050" name="텍스트 상자 39"/>
+          <p:cNvSpPr txBox="1">
+            <a:spLocks/>
+          </p:cNvSpPr>
+          <p:nvPr/>
+        </p:nvSpPr>
+        <p:spPr>
+          <a:xfrm rot="0">
+            <a:off x="3486150" y="1748790"/>
+            <a:ext cx="782320" cy="401320"/>
+          </a:xfrm>
+          <a:prstGeom prst="rect"/>
+          <a:noFill/>
+          <a:ln w="0">
+            <a:noFill/>
+            <a:prstDash/>
+          </a:ln>
+        </p:spPr>
+        <p:txBody>
+          <a:bodyPr wrap="square" lIns="89535" tIns="46355" rIns="89535" bIns="46355" numCol="1" vert="horz" anchor="t">
+            <a:spAutoFit/>
+          </a:bodyPr>
+          <a:lstStyle/>
+          <a:p>
+            <a:pPr marL="0" indent="0" algn="l" latinLnBrk="0" hangingPunct="1">
+              <a:buFontTx/>
+              <a:buNone/>
+            </a:pPr>
+            <a:r>
+              <a:rPr lang="ko-KR" sz="2000" b="1">
+                <a:solidFill>
+                  <a:schemeClr val="bg1"/>
+                </a:solidFill>
+                <a:latin typeface="맑은 고딕" charset="0"/>
+                <a:ea typeface="맑은 고딕" charset="0"/>
+              </a:rPr>
+              <a:t>1001</a:t>
+            </a:r>
+            <a:endParaRPr lang="ko-KR" altLang="en-US" sz="2000" b="1">
+              <a:solidFill>
+                <a:schemeClr val="bg1"/>
+              </a:solidFill>
+              <a:latin typeface="맑은 고딕" charset="0"/>
+              <a:ea typeface="맑은 고딕" charset="0"/>
+            </a:endParaRPr>
+          </a:p>
+        </p:txBody>
+      </p:sp>
+      <p:sp>
+        <p:nvSpPr>
+          <p:cNvPr id="1051" name="텍스트 상자 40"/>
+          <p:cNvSpPr txBox="1">
+            <a:spLocks/>
+          </p:cNvSpPr>
+          <p:nvPr/>
+        </p:nvSpPr>
+        <p:spPr>
+          <a:xfrm rot="0">
+            <a:off x="1997075" y="2226945"/>
+            <a:ext cx="782320" cy="401320"/>
+          </a:xfrm>
+          <a:prstGeom prst="rect"/>
+          <a:noFill/>
+          <a:ln w="0">
+            <a:noFill/>
+            <a:prstDash/>
+          </a:ln>
+        </p:spPr>
+        <p:txBody>
+          <a:bodyPr wrap="square" lIns="89535" tIns="46355" rIns="89535" bIns="46355" numCol="1" vert="horz" anchor="t">
+            <a:spAutoFit/>
+          </a:bodyPr>
+          <a:lstStyle/>
+          <a:p>
+            <a:pPr marL="0" indent="0" algn="l" latinLnBrk="0" hangingPunct="1">
+              <a:buFontTx/>
+              <a:buNone/>
+            </a:pPr>
+            <a:r>
+              <a:rPr lang="ko-KR" sz="2000" b="1">
+                <a:solidFill>
+                  <a:schemeClr val="bg1"/>
+                </a:solidFill>
+                <a:latin typeface="맑은 고딕" charset="0"/>
+                <a:ea typeface="맑은 고딕" charset="0"/>
+              </a:rPr>
+              <a:t>2000</a:t>
+            </a:r>
+            <a:endParaRPr lang="ko-KR" altLang="en-US" sz="2000" b="1">
+              <a:solidFill>
+                <a:schemeClr val="bg1"/>
+              </a:solidFill>
+              <a:latin typeface="맑은 고딕" charset="0"/>
+              <a:ea typeface="맑은 고딕" charset="0"/>
+            </a:endParaRPr>
+          </a:p>
+        </p:txBody>
+      </p:sp>
+      <p:sp>
+        <p:nvSpPr>
+          <p:cNvPr id="1052" name="텍스트 상자 41"/>
+          <p:cNvSpPr txBox="1">
+            <a:spLocks/>
+          </p:cNvSpPr>
+          <p:nvPr/>
+        </p:nvSpPr>
+        <p:spPr>
+          <a:xfrm rot="0">
+            <a:off x="4448175" y="2222500"/>
+            <a:ext cx="782320" cy="401320"/>
+          </a:xfrm>
+          <a:prstGeom prst="rect"/>
+          <a:noFill/>
+          <a:ln w="0">
+            <a:noFill/>
+            <a:prstDash/>
+          </a:ln>
+        </p:spPr>
+        <p:txBody>
+          <a:bodyPr wrap="square" lIns="89535" tIns="46355" rIns="89535" bIns="46355" numCol="1" vert="horz" anchor="t">
+            <a:spAutoFit/>
+          </a:bodyPr>
+          <a:lstStyle/>
+          <a:p>
+            <a:pPr marL="0" indent="0" algn="l" latinLnBrk="0" hangingPunct="1">
+              <a:buFontTx/>
+              <a:buNone/>
+            </a:pPr>
+            <a:r>
+              <a:rPr lang="ko-KR" sz="2000" b="1">
+                <a:solidFill>
+                  <a:schemeClr val="bg1"/>
+                </a:solidFill>
+                <a:latin typeface="맑은 고딕" charset="0"/>
+                <a:ea typeface="맑은 고딕" charset="0"/>
+              </a:rPr>
+              <a:t>2000</a:t>
+            </a:r>
+            <a:endParaRPr lang="ko-KR" altLang="en-US" sz="2000" b="1">
+              <a:solidFill>
+                <a:schemeClr val="bg1"/>
+              </a:solidFill>
+              <a:latin typeface="맑은 고딕" charset="0"/>
+              <a:ea typeface="맑은 고딕" charset="0"/>
+            </a:endParaRPr>
+          </a:p>
+        </p:txBody>
+      </p:sp>
+      <p:sp>
+        <p:nvSpPr>
+          <p:cNvPr id="1053" name="텍스트 상자 42"/>
+          <p:cNvSpPr txBox="1">
+            <a:spLocks/>
+          </p:cNvSpPr>
+          <p:nvPr/>
+        </p:nvSpPr>
+        <p:spPr>
+          <a:xfrm rot="0">
+            <a:off x="942975" y="1527175"/>
+            <a:ext cx="1019810" cy="400685"/>
+          </a:xfrm>
+          <a:prstGeom prst="rect"/>
+          <a:noFill/>
+          <a:ln w="0">
+            <a:noFill/>
+            <a:prstDash/>
+          </a:ln>
+        </p:spPr>
+        <p:txBody>
+          <a:bodyPr wrap="square" lIns="89535" tIns="46355" rIns="89535" bIns="46355" numCol="1" vert="horz" anchor="t">
+            <a:spAutoFit/>
+          </a:bodyPr>
+          <a:lstStyle/>
+          <a:p>
+            <a:pPr marL="0" indent="0" algn="l" latinLnBrk="0" hangingPunct="1">
+              <a:buFontTx/>
+              <a:buNone/>
+            </a:pPr>
+            <a:r>
+              <a:rPr lang="ko-KR" sz="2000" b="1">
+                <a:solidFill>
+                  <a:srgbClr val="0611F2"/>
+                </a:solidFill>
+                <a:latin typeface="맑은 고딕" charset="0"/>
+                <a:ea typeface="맑은 고딕" charset="0"/>
+              </a:rPr>
+              <a:t>IsMine</a:t>
+            </a:r>
+            <a:endParaRPr lang="ko-KR" altLang="en-US" sz="2000" b="1">
+              <a:solidFill>
+                <a:srgbClr val="0611F2"/>
+              </a:solidFill>
+              <a:latin typeface="맑은 고딕" charset="0"/>
+              <a:ea typeface="맑은 고딕" charset="0"/>
+            </a:endParaRPr>
+          </a:p>
+        </p:txBody>
+      </p:sp>
+      <p:sp>
+        <p:nvSpPr>
+          <p:cNvPr id="1054" name="텍스트 상자 44"/>
+          <p:cNvSpPr txBox="1">
+            <a:spLocks/>
+          </p:cNvSpPr>
+          <p:nvPr/>
+        </p:nvSpPr>
+        <p:spPr>
+          <a:xfrm rot="0">
+            <a:off x="4361815" y="1936115"/>
+            <a:ext cx="1020445" cy="401320"/>
+          </a:xfrm>
+          <a:prstGeom prst="rect"/>
+          <a:noFill/>
+          <a:ln w="0">
+            <a:noFill/>
+            <a:prstDash/>
+          </a:ln>
+        </p:spPr>
+        <p:txBody>
+          <a:bodyPr wrap="square" lIns="89535" tIns="46355" rIns="89535" bIns="46355" numCol="1" vert="horz" anchor="t">
+            <a:spAutoFit/>
+          </a:bodyPr>
+          <a:lstStyle/>
+          <a:p>
+            <a:pPr marL="0" indent="0" algn="l" latinLnBrk="0" hangingPunct="1">
+              <a:buFontTx/>
+              <a:buNone/>
+            </a:pPr>
+            <a:r>
+              <a:rPr lang="ko-KR" sz="2000" b="1">
+                <a:solidFill>
+                  <a:srgbClr val="80007F"/>
+                </a:solidFill>
+                <a:latin typeface="맑은 고딕" charset="0"/>
+                <a:ea typeface="맑은 고딕" charset="0"/>
+              </a:rPr>
+              <a:t>IsMine</a:t>
+            </a:r>
+            <a:endParaRPr lang="ko-KR" altLang="en-US" sz="2000" b="1">
+              <a:solidFill>
+                <a:srgbClr val="80007F"/>
+              </a:solidFill>
+              <a:latin typeface="맑은 고딕" charset="0"/>
+              <a:ea typeface="맑은 고딕" charset="0"/>
+            </a:endParaRPr>
+          </a:p>
+        </p:txBody>
+      </p:sp>
+      <p:pic>
+        <p:nvPicPr>
+          <p:cNvPr id="1055" name="그림 6"/>
+          <p:cNvPicPr>
+            <a:picLocks noChangeAspect="1"/>
+          </p:cNvPicPr>
+          <p:nvPr/>
+        </p:nvPicPr>
+        <p:blipFill rotWithShape="1">
+          <a:blip r:embed="rId9" cstate="hqprint">
+            <a:extLst>
+              <a:ext uri="{28A0092B-C50C-407E-A947-70E740481C1C}">
+                <a14:useLocalDpi xmlns:a14="http://schemas.microsoft.com/office/drawing/2010/main"/>
+              </a:ext>
+            </a:extLst>
+          </a:blip>
+          <a:stretch>
+            <a:fillRect/>
+          </a:stretch>
+        </p:blipFill>
+        <p:spPr>
+          <a:xfrm rot="0">
+            <a:off x="6806565" y="1445260"/>
+            <a:ext cx="2587625" cy="3692525"/>
+          </a:xfrm>
+          <a:prstGeom prst="roundRect"/>
+          <a:solidFill>
+            <a:srgbClr val="EDEDED"/>
+          </a:solidFill>
+        </p:spPr>
+      </p:pic>
+      <p:sp>
+        <p:nvSpPr>
+          <p:cNvPr id="1056" name="텍스트 상자 9"/>
+          <p:cNvSpPr txBox="1">
+            <a:spLocks/>
+          </p:cNvSpPr>
+          <p:nvPr/>
+        </p:nvSpPr>
+        <p:spPr>
+          <a:xfrm rot="0">
+            <a:off x="6797675" y="5294630"/>
+            <a:ext cx="4159885" cy="647065"/>
+          </a:xfrm>
+          <a:prstGeom prst="rect"/>
+          <a:noFill/>
+          <a:ln w="0">
+            <a:noFill/>
+            <a:prstDash/>
+          </a:ln>
+        </p:spPr>
+        <p:txBody>
+          <a:bodyPr wrap="square" lIns="89535" tIns="46355" rIns="89535" bIns="46355" numCol="1" vert="horz" anchor="t">
+            <a:spAutoFit/>
+          </a:bodyPr>
+          <a:lstStyle/>
+          <a:p>
+            <a:pPr marL="0" indent="0" rtl="0" algn="l" defTabSz="914400" eaLnBrk="1" latinLnBrk="0" hangingPunct="1">
+              <a:buFontTx/>
+              <a:buNone/>
+            </a:pPr>
+            <a:r>
+              <a:rPr sz="1800" b="1">
+                <a:solidFill>
+                  <a:srgbClr val="0611F2"/>
+                </a:solidFill>
+                <a:latin typeface="맑은 고딕" charset="0"/>
+                <a:ea typeface="맑은 고딕" charset="0"/>
+              </a:rPr>
+              <a:t>1.</a:t>
+            </a:r>
+            <a:r>
+              <a:rPr sz="1800">
+                <a:latin typeface="맑은 고딕" charset="0"/>
+                <a:ea typeface="맑은 고딕" charset="0"/>
+              </a:rPr>
+              <a:t> </a:t>
+            </a:r>
+            <a:r>
+              <a:rPr lang="ko-KR" sz="1800">
+                <a:latin typeface="맑은 고딕" charset="0"/>
+                <a:ea typeface="맑은 고딕" charset="0"/>
+              </a:rPr>
+              <a:t>첫 번째로 UI를 선택하고 Scroll View를 생성합니다.</a:t>
+            </a:r>
+            <a:endParaRPr lang="ko-KR" altLang="en-US" sz="1800">
+              <a:latin typeface="맑은 고딕" charset="0"/>
+              <a:ea typeface="맑은 고딕" charset="0"/>
+            </a:endParaRPr>
+          </a:p>
+        </p:txBody>
+      </p:sp>
+      <p:pic>
+        <p:nvPicPr>
+          <p:cNvPr id="1057" name="그림 14"/>
+          <p:cNvPicPr>
+            <a:picLocks noChangeAspect="1"/>
+          </p:cNvPicPr>
+          <p:nvPr/>
+        </p:nvPicPr>
+        <p:blipFill rotWithShape="1">
+          <a:blip r:embed="rId10" cstate="print">
+            <a:extLst>
+              <a:ext uri="{28A0092B-C50C-407E-A947-70E740481C1C}">
+                <a14:useLocalDpi xmlns:a14="http://schemas.microsoft.com/office/drawing/2010/main" val="0"/>
+              </a:ext>
+            </a:extLst>
+          </a:blip>
+          <a:stretch>
+            <a:fillRect/>
+          </a:stretch>
+        </p:blipFill>
+        <p:spPr>
+          <a:xfrm rot="0">
+            <a:off x="9543415" y="2144395"/>
+            <a:ext cx="1405890" cy="2345055"/>
           </a:xfrm>
           <a:prstGeom prst="roundRect"/>
           <a:solidFill>
@@ -11599,8 +11954,8 @@
         </p:nvSpPr>
         <p:spPr>
           <a:xfrm rot="0">
-            <a:off x="4530090" y="417195"/>
-            <a:ext cx="3141980" cy="554990"/>
+            <a:off x="3908425" y="376555"/>
+            <a:ext cx="4377690" cy="554990"/>
           </a:xfrm>
           <a:prstGeom prst="rect"/>
           <a:noFill/>
@@ -11620,13 +11975,19 @@
               <a:buNone/>
             </a:pPr>
             <a:r>
-              <a:rPr lang="ko-KR" sz="3000" b="1">
-                <a:latin typeface="맑은 고딕" charset="0"/>
-                <a:ea typeface="맑은 고딕" charset="0"/>
-              </a:rPr>
-              <a:t>첫 번째 튜토리얼</a:t>
+              <a:rPr lang="ko-KR" altLang="en-US" sz="3000" b="1">
+                <a:solidFill>
+                  <a:schemeClr val="tx1"/>
+                </a:solidFill>
+                <a:latin typeface="맑은 고딕" charset="0"/>
+                <a:ea typeface="맑은 고딕" charset="0"/>
+              </a:rPr>
+              <a:t>Remote Procedure Call</a:t>
             </a:r>
             <a:endParaRPr lang="ko-KR" altLang="en-US" sz="3000" b="1">
+              <a:solidFill>
+                <a:schemeClr val="tx1"/>
+              </a:solidFill>
               <a:latin typeface="맑은 고딕" charset="0"/>
               <a:ea typeface="맑은 고딕" charset="0"/>
             </a:endParaRPr>
@@ -11635,7 +11996,7 @@
       </p:sp>
       <p:sp>
         <p:nvSpPr>
-          <p:cNvPr id="1033" name="Rect 0"/>
+          <p:cNvPr id="1032" name="텍스트 상자 1"/>
           <p:cNvSpPr txBox="1">
             <a:spLocks/>
           </p:cNvSpPr>
@@ -11643,8 +12004,8 @@
         </p:nvSpPr>
         <p:spPr>
           <a:xfrm rot="0">
-            <a:off x="944880" y="3914140"/>
-            <a:ext cx="4435475" cy="2031365"/>
+            <a:off x="837565" y="5269865"/>
+            <a:ext cx="4497070" cy="923925"/>
           </a:xfrm>
           <a:prstGeom prst="rect"/>
           <a:noFill/>
@@ -11668,116 +12029,52 @@
                 <a:latin typeface="맑은 고딕" charset="0"/>
                 <a:ea typeface="맑은 고딕" charset="0"/>
               </a:rPr>
-              <a:t>A</a:t>
-            </a:r>
-            <a:r>
-              <a:rPr lang="ko-KR" sz="1800">
-                <a:latin typeface="맑은 고딕" charset="0"/>
-                <a:ea typeface="맑은 고딕" charset="0"/>
-              </a:rPr>
-              <a:t> </a:t>
-            </a:r>
-            <a:r>
-              <a:rPr lang="ko-KR" sz="1800">
-                <a:latin typeface="맑은 고딕" charset="0"/>
-                <a:ea typeface="맑은 고딕" charset="0"/>
-              </a:rPr>
-              <a:t>클라이언트의</a:t>
-            </a:r>
-            <a:r>
-              <a:rPr lang="ko-KR" sz="1800">
-                <a:latin typeface="맑은 고딕" charset="0"/>
-                <a:ea typeface="맑은 고딕" charset="0"/>
-              </a:rPr>
-              <a:t> </a:t>
-            </a:r>
-            <a:r>
-              <a:rPr lang="ko-KR" sz="1800">
-                <a:latin typeface="맑은 고딕" charset="0"/>
-                <a:ea typeface="맑은 고딕" charset="0"/>
-              </a:rPr>
-              <a:t>1001</a:t>
-            </a:r>
-            <a:r>
-              <a:rPr lang="ko-KR" sz="1800">
-                <a:latin typeface="맑은 고딕" charset="0"/>
-                <a:ea typeface="맑은 고딕" charset="0"/>
-              </a:rPr>
-              <a:t> </a:t>
-            </a:r>
-            <a:r>
-              <a:rPr lang="ko-KR" sz="1800">
-                <a:latin typeface="맑은 고딕" charset="0"/>
-                <a:ea typeface="맑은 고딕" charset="0"/>
-              </a:rPr>
-              <a:t>객체가</a:t>
-            </a:r>
-            <a:r>
-              <a:rPr lang="ko-KR" sz="1800">
-                <a:latin typeface="맑은 고딕" charset="0"/>
-                <a:ea typeface="맑은 고딕" charset="0"/>
-              </a:rPr>
-              <a:t> </a:t>
-            </a:r>
-            <a:r>
-              <a:rPr lang="ko-KR" sz="1800">
-                <a:latin typeface="맑은 고딕" charset="0"/>
-                <a:ea typeface="맑은 고딕" charset="0"/>
-              </a:rPr>
-              <a:t>현재</a:t>
-            </a:r>
-            <a:r>
-              <a:rPr lang="ko-KR" sz="1800">
-                <a:latin typeface="맑은 고딕" charset="0"/>
-                <a:ea typeface="맑은 고딕" charset="0"/>
-              </a:rPr>
-              <a:t> </a:t>
-            </a:r>
-            <a:r>
-              <a:rPr lang="ko-KR" sz="1800">
-                <a:latin typeface="맑은 고딕" charset="0"/>
-                <a:ea typeface="맑은 고딕" charset="0"/>
-              </a:rPr>
-              <a:t>로컬</a:t>
-            </a:r>
-            <a:r>
-              <a:rPr lang="ko-KR" sz="1800">
-                <a:latin typeface="맑은 고딕" charset="0"/>
-                <a:ea typeface="맑은 고딕" charset="0"/>
-              </a:rPr>
-              <a:t> </a:t>
-            </a:r>
-            <a:r>
-              <a:rPr lang="ko-KR" sz="1800">
-                <a:latin typeface="맑은 고딕" charset="0"/>
-                <a:ea typeface="맑은 고딕" charset="0"/>
-              </a:rPr>
-              <a:t>객체</a:t>
-            </a:r>
-            <a:r>
-              <a:rPr lang="ko-KR" sz="1800">
-                <a:latin typeface="맑은 고딕" charset="0"/>
-                <a:ea typeface="맑은 고딕" charset="0"/>
-              </a:rPr>
-              <a:t>이고, </a:t>
-            </a:r>
-            <a:r>
-              <a:rPr lang="ko-KR" sz="1800">
-                <a:latin typeface="맑은 고딕" charset="0"/>
-                <a:ea typeface="맑은 고딕" charset="0"/>
-              </a:rPr>
-              <a:t>B 클라이언트에서는 1001 객체는 원격 객체입니다.</a:t>
+              <a:t>원격 프로시저 호출은 주소 공간에서 함수나 프로시저를 실행할 수 있게 하는 프로세스 간 통신 기술입니다.</a:t>
             </a:r>
             <a:endParaRPr lang="ko-KR" altLang="en-US" sz="1800">
               <a:latin typeface="맑은 고딕" charset="0"/>
               <a:ea typeface="맑은 고딕" charset="0"/>
             </a:endParaRPr>
           </a:p>
+        </p:txBody>
+      </p:sp>
+      <p:sp>
+        <p:nvSpPr>
+          <p:cNvPr id="1033" name="텍스트 상자 2"/>
+          <p:cNvSpPr txBox="1">
+            <a:spLocks/>
+          </p:cNvSpPr>
+          <p:nvPr/>
+        </p:nvSpPr>
+        <p:spPr>
+          <a:xfrm rot="0">
+            <a:off x="6905625" y="1388745"/>
+            <a:ext cx="4163060" cy="4799965"/>
+          </a:xfrm>
+          <a:prstGeom prst="rect"/>
+          <a:noFill/>
+          <a:ln w="0">
+            <a:noFill/>
+            <a:prstDash/>
+          </a:ln>
+        </p:spPr>
+        <p:txBody>
+          <a:bodyPr wrap="square" lIns="89535" tIns="46355" rIns="89535" bIns="46355" numCol="1" vert="horz" anchor="t">
+            <a:spAutoFit/>
+          </a:bodyPr>
+          <a:lstStyle/>
           <a:p>
             <a:pPr marL="0" indent="0" algn="l" latinLnBrk="0" hangingPunct="1">
               <a:buFontTx/>
               <a:buNone/>
             </a:pPr>
+            <a:r>
+              <a:rPr lang="ko-KR" sz="1800">
+                <a:latin typeface="맑은 고딕" charset="0"/>
+                <a:ea typeface="맑은 고딕" charset="0"/>
+              </a:rPr>
+              <a:t>포톤에서는 여러 명의 클라이언트가 모두 같은 스크립트를 가지고 일반 함수를 호출하게 되면 로컬에서만 실행됩니다.</a:t>
+            </a:r>
             <a:endParaRPr lang="ko-KR" altLang="en-US" sz="1800">
               <a:latin typeface="맑은 고딕" charset="0"/>
               <a:ea typeface="맑은 고딕" charset="0"/>
@@ -11788,37 +12085,94 @@
               <a:buFontTx/>
               <a:buNone/>
             </a:pPr>
-            <a:r>
-              <a:rPr lang="ko-KR" sz="1800">
-                <a:latin typeface="맑은 고딕" charset="0"/>
-                <a:ea typeface="맑은 고딕" charset="0"/>
-              </a:rPr>
-              <a:t>RPC 함수는</a:t>
-            </a:r>
-            <a:r>
-              <a:rPr lang="ko-KR" sz="1800">
-                <a:latin typeface="맑은 고딕" charset="0"/>
-                <a:ea typeface="맑은 고딕" charset="0"/>
-              </a:rPr>
-              <a:t> 서로 다른 클라이언트에서 같은 View ID를 가진 객체에만 RPC 함수가 전달되는 것입니다.</a:t>
-            </a:r>
             <a:endParaRPr lang="ko-KR" altLang="en-US" sz="1800">
               <a:latin typeface="맑은 고딕" charset="0"/>
               <a:ea typeface="맑은 고딕" charset="0"/>
             </a:endParaRPr>
           </a:p>
+          <a:p>
+            <a:pPr marL="0" indent="0" algn="l" latinLnBrk="0" hangingPunct="1">
+              <a:buFontTx/>
+              <a:buNone/>
+            </a:pPr>
+            <a:r>
+              <a:rPr lang="ko-KR" sz="1800">
+                <a:latin typeface="맑은 고딕" charset="0"/>
+                <a:ea typeface="맑은 고딕" charset="0"/>
+              </a:rPr>
+              <a:t>그래서 다른 컴퓨터에서도 특정 함수의 실행을 보여주기 위해서는 RPC 함수를 만들어서 호출해야 합니다.</a:t>
+            </a:r>
+            <a:endParaRPr lang="ko-KR" altLang="en-US" sz="1800">
+              <a:latin typeface="맑은 고딕" charset="0"/>
+              <a:ea typeface="맑은 고딕" charset="0"/>
+            </a:endParaRPr>
+          </a:p>
+          <a:p>
+            <a:pPr marL="0" indent="0" algn="l" latinLnBrk="0" hangingPunct="1">
+              <a:buFontTx/>
+              <a:buNone/>
+            </a:pPr>
+            <a:endParaRPr lang="ko-KR" altLang="en-US" sz="1800">
+              <a:latin typeface="맑은 고딕" charset="0"/>
+              <a:ea typeface="맑은 고딕" charset="0"/>
+            </a:endParaRPr>
+          </a:p>
+          <a:p>
+            <a:pPr marL="0" indent="0" algn="l" latinLnBrk="0" hangingPunct="1">
+              <a:buFontTx/>
+              <a:buNone/>
+            </a:pPr>
+            <a:r>
+              <a:rPr lang="ko-KR" sz="1800">
+                <a:latin typeface="맑은 고딕" charset="0"/>
+                <a:ea typeface="맑은 고딕" charset="0"/>
+              </a:rPr>
+              <a:t>PRC 채팅은 일반 함수끼리 통신이 안 되기 때문에 서로 다른 클라이언트에서는 같은 View ID끼리 같은 함수를 실행하도록 설정합니다.</a:t>
+            </a:r>
+            <a:endParaRPr lang="ko-KR" altLang="en-US" sz="1800">
+              <a:latin typeface="맑은 고딕" charset="0"/>
+              <a:ea typeface="맑은 고딕" charset="0"/>
+            </a:endParaRPr>
+          </a:p>
+          <a:p>
+            <a:pPr marL="0" indent="0" algn="l" latinLnBrk="0" hangingPunct="1">
+              <a:buFontTx/>
+              <a:buNone/>
+            </a:pPr>
+            <a:endParaRPr lang="ko-KR" altLang="en-US" sz="1800">
+              <a:latin typeface="맑은 고딕" charset="0"/>
+              <a:ea typeface="맑은 고딕" charset="0"/>
+            </a:endParaRPr>
+          </a:p>
+          <a:p>
+            <a:pPr marL="0" indent="0" algn="l" latinLnBrk="0" hangingPunct="1">
+              <a:buFontTx/>
+              <a:buNone/>
+            </a:pPr>
+            <a:r>
+              <a:rPr lang="ko-KR" sz="1800">
+                <a:latin typeface="맑은 고딕" charset="0"/>
+                <a:ea typeface="맑은 고딕" charset="0"/>
+              </a:rPr>
+              <a:t>Photon View RPC는 호출할 RPC 함수를 다른 원격 객체에 함수를 전달하는 것입니다.</a:t>
+            </a:r>
+            <a:endParaRPr lang="ko-KR" altLang="en-US" sz="1800">
+              <a:latin typeface="맑은 고딕" charset="0"/>
+              <a:ea typeface="맑은 고딕" charset="0"/>
+            </a:endParaRPr>
+          </a:p>
         </p:txBody>
       </p:sp>
       <p:pic>
         <p:nvPicPr>
-          <p:cNvPr id="1035" name="Picture "/>
+          <p:cNvPr id="1035" name="그림 6"/>
           <p:cNvPicPr>
             <a:picLocks noChangeAspect="1"/>
           </p:cNvPicPr>
           <p:nvPr/>
         </p:nvPicPr>
         <p:blipFill rotWithShape="1">
-          <a:blip r:embed="rId2" cstate="hqprint">
+          <a:blip r:embed="rId6" cstate="hqprint">
             <a:extLst>
               <a:ext uri="{28A0092B-C50C-407E-A947-70E740481C1C}">
                 <a14:useLocalDpi xmlns:a14="http://schemas.microsoft.com/office/drawing/2010/main"/>
@@ -11831,8 +12185,8 @@
         </p:blipFill>
         <p:spPr>
           <a:xfrm rot="0">
-            <a:off x="944245" y="1395095"/>
-            <a:ext cx="2170430" cy="2238375"/>
+            <a:off x="839470" y="2690495"/>
+            <a:ext cx="1952625" cy="1882775"/>
           </a:xfrm>
           <a:prstGeom prst="rect"/>
           <a:noFill/>
@@ -11840,14 +12194,14 @@
       </p:pic>
       <p:pic>
         <p:nvPicPr>
-          <p:cNvPr id="1036" name="Picture "/>
+          <p:cNvPr id="1036" name="그림 7"/>
           <p:cNvPicPr>
             <a:picLocks noChangeAspect="1"/>
           </p:cNvPicPr>
           <p:nvPr/>
         </p:nvPicPr>
         <p:blipFill rotWithShape="1">
-          <a:blip r:embed="rId3" cstate="hqprint">
+          <a:blip r:embed="rId7" cstate="hqprint">
             <a:extLst>
               <a:ext uri="{28A0092B-C50C-407E-A947-70E740481C1C}">
                 <a14:useLocalDpi xmlns:a14="http://schemas.microsoft.com/office/drawing/2010/main"/>
@@ -11860,8 +12214,8 @@
         </p:blipFill>
         <p:spPr>
           <a:xfrm rot="0">
-            <a:off x="3286125" y="1390650"/>
-            <a:ext cx="2182495" cy="2251075"/>
+            <a:off x="3387725" y="2686050"/>
+            <a:ext cx="1952625" cy="1882775"/>
           </a:xfrm>
           <a:prstGeom prst="rect"/>
           <a:noFill/>
@@ -11869,7 +12223,7 @@
       </p:pic>
       <p:sp>
         <p:nvSpPr>
-          <p:cNvPr id="1037" name="Rect 0"/>
+          <p:cNvPr id="1037" name="텍스트 상자 8"/>
           <p:cNvSpPr txBox="1">
             <a:spLocks/>
           </p:cNvSpPr>
@@ -11877,8 +12231,8 @@
         </p:nvSpPr>
         <p:spPr>
           <a:xfrm rot="0">
-            <a:off x="1138555" y="3314065"/>
-            <a:ext cx="1778000" cy="400685"/>
+            <a:off x="928370" y="4741545"/>
+            <a:ext cx="1778000" cy="401320"/>
           </a:xfrm>
           <a:prstGeom prst="rect"/>
           <a:noFill/>
@@ -11905,27 +12259,7 @@
                 <a:latin typeface="맑은 고딕" charset="0"/>
                 <a:ea typeface="맑은 고딕" charset="0"/>
               </a:rPr>
-              <a:t>A</a:t>
-            </a:r>
-            <a:r>
-              <a:rPr lang="ko-KR" sz="2000" b="1">
-                <a:solidFill>
-                  <a:srgbClr val="36B700"/>
-                </a:solidFill>
-                <a:latin typeface="맑은 고딕" charset="0"/>
-                <a:ea typeface="맑은 고딕" charset="0"/>
-              </a:rPr>
-              <a:t> </a:t>
-            </a:r>
-            <a:r>
-              <a:rPr lang="ko-KR" sz="2000" b="1">
-                <a:solidFill>
-                  <a:srgbClr val="36B700"/>
-                </a:solidFill>
-                <a:latin typeface="맑은 고딕" charset="0"/>
-                <a:ea typeface="맑은 고딕" charset="0"/>
-              </a:rPr>
-              <a:t>클라이언트</a:t>
+              <a:t>A 클라이언트</a:t>
             </a:r>
             <a:endParaRPr lang="ko-KR" altLang="en-US" sz="2000" b="1">
               <a:solidFill>
@@ -11939,7 +12273,7 @@
       </p:sp>
       <p:sp>
         <p:nvSpPr>
-          <p:cNvPr id="1038" name="Rect 0"/>
+          <p:cNvPr id="1038" name="텍스트 상자 9"/>
           <p:cNvSpPr txBox="1">
             <a:spLocks/>
           </p:cNvSpPr>
@@ -11947,8 +12281,8 @@
         </p:nvSpPr>
         <p:spPr>
           <a:xfrm rot="0">
-            <a:off x="3507105" y="3309620"/>
-            <a:ext cx="1778000" cy="400685"/>
+            <a:off x="3476625" y="4756150"/>
+            <a:ext cx="1778000" cy="401320"/>
           </a:xfrm>
           <a:prstGeom prst="rect"/>
           <a:noFill/>
@@ -11987,9 +12321,231 @@
           </a:p>
         </p:txBody>
       </p:sp>
-      <p:sp>
-        <p:nvSpPr>
-          <p:cNvPr id="1043" name="Rect 0"/>
+      <p:pic>
+        <p:nvPicPr>
+          <p:cNvPr id="1039" name="그림 10"/>
+          <p:cNvPicPr>
+            <a:picLocks noChangeAspect="1"/>
+          </p:cNvPicPr>
+          <p:nvPr/>
+        </p:nvPicPr>
+        <p:blipFill rotWithShape="1">
+          <a:blip r:embed="rId8" cstate="hqprint">
+            <a:extLst>
+              <a:ext uri="{28A0092B-C50C-407E-A947-70E740481C1C}">
+                <a14:useLocalDpi xmlns:a14="http://schemas.microsoft.com/office/drawing/2010/main"/>
+              </a:ext>
+            </a:extLst>
+          </a:blip>
+          <a:stretch>
+            <a:fillRect/>
+          </a:stretch>
+        </p:blipFill>
+        <p:spPr>
+          <a:xfrm rot="0">
+            <a:off x="1090295" y="2860040"/>
+            <a:ext cx="1444625" cy="513080"/>
+          </a:xfrm>
+          <a:prstGeom prst="roundRect"/>
+          <a:solidFill>
+            <a:srgbClr val="EDEDED"/>
+          </a:solidFill>
+        </p:spPr>
+      </p:pic>
+      <p:pic>
+        <p:nvPicPr>
+          <p:cNvPr id="1040" name="그림 13"/>
+          <p:cNvPicPr>
+            <a:picLocks noChangeAspect="1"/>
+          </p:cNvPicPr>
+          <p:nvPr/>
+        </p:nvPicPr>
+        <p:blipFill rotWithShape="1">
+          <a:blip r:embed="rId9" cstate="hqprint">
+            <a:extLst>
+              <a:ext uri="{28A0092B-C50C-407E-A947-70E740481C1C}">
+                <a14:useLocalDpi xmlns:a14="http://schemas.microsoft.com/office/drawing/2010/main"/>
+              </a:ext>
+            </a:extLst>
+          </a:blip>
+          <a:stretch>
+            <a:fillRect/>
+          </a:stretch>
+        </p:blipFill>
+        <p:spPr>
+          <a:xfrm rot="0">
+            <a:off x="3686175" y="2855595"/>
+            <a:ext cx="1444625" cy="513080"/>
+          </a:xfrm>
+          <a:prstGeom prst="roundRect"/>
+          <a:solidFill>
+            <a:srgbClr val="EDEDED"/>
+          </a:solidFill>
+        </p:spPr>
+      </p:pic>
+      <p:sp>
+        <p:nvSpPr>
+          <p:cNvPr id="1041" name="텍스트 상자 14"/>
+          <p:cNvSpPr txBox="1">
+            <a:spLocks/>
+          </p:cNvSpPr>
+          <p:nvPr/>
+        </p:nvSpPr>
+        <p:spPr>
+          <a:xfrm rot="0">
+            <a:off x="1047750" y="3375025"/>
+            <a:ext cx="1534795" cy="324485"/>
+          </a:xfrm>
+          <a:prstGeom prst="rect"/>
+          <a:noFill/>
+          <a:ln w="0">
+            <a:noFill/>
+            <a:prstDash/>
+          </a:ln>
+        </p:spPr>
+        <p:txBody>
+          <a:bodyPr wrap="square" lIns="89535" tIns="46355" rIns="89535" bIns="46355" numCol="1" vert="horz" anchor="t">
+            <a:spAutoFit/>
+          </a:bodyPr>
+          <a:lstStyle/>
+          <a:p>
+            <a:pPr marL="0" indent="0" algn="l" latinLnBrk="0" hangingPunct="1">
+              <a:buFontTx/>
+              <a:buNone/>
+            </a:pPr>
+            <a:r>
+              <a:rPr lang="ko-KR" sz="1500" b="1">
+                <a:solidFill>
+                  <a:srgbClr val="0611F2"/>
+                </a:solidFill>
+                <a:latin typeface="맑은 고딕" charset="0"/>
+                <a:ea typeface="맑은 고딕" charset="0"/>
+              </a:rPr>
+              <a:t>View</a:t>
+            </a:r>
+            <a:r>
+              <a:rPr lang="ko-KR" sz="1500" b="1">
+                <a:solidFill>
+                  <a:srgbClr val="0611F2"/>
+                </a:solidFill>
+                <a:latin typeface="맑은 고딕" charset="0"/>
+                <a:ea typeface="맑은 고딕" charset="0"/>
+              </a:rPr>
+              <a:t> </a:t>
+            </a:r>
+            <a:r>
+              <a:rPr lang="ko-KR" sz="1500" b="1">
+                <a:solidFill>
+                  <a:srgbClr val="0611F2"/>
+                </a:solidFill>
+                <a:latin typeface="맑은 고딕" charset="0"/>
+                <a:ea typeface="맑은 고딕" charset="0"/>
+              </a:rPr>
+              <a:t>ID</a:t>
+            </a:r>
+            <a:r>
+              <a:rPr lang="ko-KR" sz="1500" b="1">
+                <a:solidFill>
+                  <a:srgbClr val="0611F2"/>
+                </a:solidFill>
+                <a:latin typeface="맑은 고딕" charset="0"/>
+                <a:ea typeface="맑은 고딕" charset="0"/>
+              </a:rPr>
+              <a:t> </a:t>
+            </a:r>
+            <a:r>
+              <a:rPr lang="ko-KR" sz="1500" b="1">
+                <a:solidFill>
+                  <a:srgbClr val="0611F2"/>
+                </a:solidFill>
+                <a:latin typeface="맑은 고딕" charset="0"/>
+                <a:ea typeface="맑은 고딕" charset="0"/>
+              </a:rPr>
+              <a:t>:</a:t>
+            </a:r>
+            <a:r>
+              <a:rPr lang="ko-KR" sz="1500" b="1">
+                <a:solidFill>
+                  <a:srgbClr val="0611F2"/>
+                </a:solidFill>
+                <a:latin typeface="맑은 고딕" charset="0"/>
+                <a:ea typeface="맑은 고딕" charset="0"/>
+              </a:rPr>
+              <a:t> </a:t>
+            </a:r>
+            <a:r>
+              <a:rPr lang="ko-KR" sz="1500" b="1">
+                <a:solidFill>
+                  <a:srgbClr val="0611F2"/>
+                </a:solidFill>
+                <a:latin typeface="맑은 고딕" charset="0"/>
+                <a:ea typeface="맑은 고딕" charset="0"/>
+              </a:rPr>
+              <a:t>1001</a:t>
+            </a:r>
+            <a:endParaRPr lang="ko-KR" altLang="en-US" sz="1500" b="1">
+              <a:solidFill>
+                <a:srgbClr val="0611F2"/>
+              </a:solidFill>
+              <a:latin typeface="맑은 고딕" charset="0"/>
+              <a:ea typeface="맑은 고딕" charset="0"/>
+            </a:endParaRPr>
+          </a:p>
+        </p:txBody>
+      </p:sp>
+      <p:sp>
+        <p:nvSpPr>
+          <p:cNvPr id="1042" name="텍스트 상자 15"/>
+          <p:cNvSpPr txBox="1">
+            <a:spLocks/>
+          </p:cNvSpPr>
+          <p:nvPr/>
+        </p:nvSpPr>
+        <p:spPr>
+          <a:xfrm rot="0">
+            <a:off x="3596005" y="3380105"/>
+            <a:ext cx="1534795" cy="324485"/>
+          </a:xfrm>
+          <a:prstGeom prst="rect"/>
+          <a:noFill/>
+          <a:ln w="0">
+            <a:noFill/>
+            <a:prstDash/>
+          </a:ln>
+        </p:spPr>
+        <p:txBody>
+          <a:bodyPr wrap="square" lIns="89535" tIns="46355" rIns="89535" bIns="46355" numCol="1" vert="horz" anchor="t">
+            <a:spAutoFit/>
+          </a:bodyPr>
+          <a:lstStyle/>
+          <a:p>
+            <a:pPr marL="0" indent="0" algn="l" latinLnBrk="0" hangingPunct="1">
+              <a:buFontTx/>
+              <a:buNone/>
+            </a:pPr>
+            <a:r>
+              <a:rPr lang="ko-KR" sz="1500" b="1">
+                <a:solidFill>
+                  <a:srgbClr val="0611F2"/>
+                </a:solidFill>
+                <a:latin typeface="맑은 고딕" charset="0"/>
+                <a:ea typeface="맑은 고딕" charset="0"/>
+              </a:rPr>
+              <a:t>View ID : 1001</a:t>
+            </a:r>
+            <a:endParaRPr lang="ko-KR" altLang="en-US" sz="1500" b="1">
+              <a:solidFill>
+                <a:srgbClr val="0611F2"/>
+              </a:solidFill>
+              <a:latin typeface="맑은 고딕" charset="0"/>
+              <a:ea typeface="맑은 고딕" charset="0"/>
+            </a:endParaRPr>
+          </a:p>
+        </p:txBody>
+      </p:sp>
+      <p:sp>
+        <p:nvSpPr>
+          <p:cNvPr id="1043" name="도형 18"/>
           <p:cNvSpPr>
             <a:spLocks/>
           </p:cNvSpPr>
@@ -11997,8 +12553,8 @@
         </p:nvSpPr>
         <p:spPr>
           <a:xfrm rot="0" flipH="1">
-            <a:off x="2181860" y="2595880"/>
-            <a:ext cx="2783205" cy="620395"/>
+            <a:off x="1619250" y="3695700"/>
+            <a:ext cx="3039745" cy="620395"/>
           </a:xfrm>
           <a:prstGeom prst="curvedUpArrow"/>
         </p:spPr>
@@ -12037,14 +12593,14 @@
       </p:sp>
       <p:pic>
         <p:nvPicPr>
-          <p:cNvPr id="1044" name="그림 33"/>
+          <p:cNvPr id="1044" name="그림 19"/>
           <p:cNvPicPr>
             <a:picLocks noChangeAspect="1"/>
           </p:cNvPicPr>
           <p:nvPr/>
         </p:nvPicPr>
         <p:blipFill rotWithShape="1">
-          <a:blip r:embed="rId4" cstate="hqprint">
+          <a:blip r:embed="rId10" cstate="hqprint">
             <a:extLst>
               <a:ext uri="{28A0092B-C50C-407E-A947-70E740481C1C}">
                 <a14:useLocalDpi xmlns:a14="http://schemas.microsoft.com/office/drawing/2010/main"/>
@@ -12057,564 +12613,8 @@
         </p:blipFill>
         <p:spPr>
           <a:xfrm rot="0">
-            <a:off x="2015490" y="2061210"/>
-            <a:ext cx="734695" cy="734695"/>
-          </a:xfrm>
-          <a:prstGeom prst="rect"/>
-          <a:noFill/>
-        </p:spPr>
-      </p:pic>
-      <p:pic>
-        <p:nvPicPr>
-          <p:cNvPr id="1045" name="그림 34"/>
-          <p:cNvPicPr>
-            <a:picLocks noChangeAspect="1"/>
-          </p:cNvPicPr>
-          <p:nvPr/>
-        </p:nvPicPr>
-        <p:blipFill rotWithShape="1">
-          <a:blip r:embed="rId5" cstate="hqprint">
-            <a:extLst>
-              <a:ext uri="{28A0092B-C50C-407E-A947-70E740481C1C}">
-                <a14:useLocalDpi xmlns:a14="http://schemas.microsoft.com/office/drawing/2010/main"/>
-              </a:ext>
-            </a:extLst>
-          </a:blip>
-          <a:stretch>
-            <a:fillRect/>
-          </a:stretch>
-        </p:blipFill>
-        <p:spPr>
-          <a:xfrm rot="0">
-            <a:off x="4466590" y="2056765"/>
-            <a:ext cx="734695" cy="734695"/>
-          </a:xfrm>
-          <a:prstGeom prst="rect"/>
-          <a:noFill/>
-        </p:spPr>
-      </p:pic>
-      <p:pic>
-        <p:nvPicPr>
-          <p:cNvPr id="1046" name="그림 35"/>
-          <p:cNvPicPr>
-            <a:picLocks noChangeAspect="1"/>
-          </p:cNvPicPr>
-          <p:nvPr/>
-        </p:nvPicPr>
-        <p:blipFill rotWithShape="1">
-          <a:blip r:embed="rId6" cstate="print">
-            <a:extLst>
-              <a:ext uri="{28A0092B-C50C-407E-A947-70E740481C1C}">
-                <a14:useLocalDpi xmlns:a14="http://schemas.microsoft.com/office/drawing/2010/main" val="0"/>
-              </a:ext>
-            </a:extLst>
-          </a:blip>
-          <a:stretch>
-            <a:fillRect/>
-          </a:stretch>
-        </p:blipFill>
-        <p:spPr>
-          <a:xfrm rot="0">
-            <a:off x="944245" y="1562100"/>
-            <a:ext cx="1056640" cy="943610"/>
-          </a:xfrm>
-          <a:prstGeom prst="rect"/>
-          <a:noFill/>
-        </p:spPr>
-      </p:pic>
-      <p:pic>
-        <p:nvPicPr>
-          <p:cNvPr id="1047" name="그림 36"/>
-          <p:cNvPicPr>
-            <a:picLocks noChangeAspect="1"/>
-          </p:cNvPicPr>
-          <p:nvPr/>
-        </p:nvPicPr>
-        <p:blipFill rotWithShape="1">
-          <a:blip r:embed="rId7" cstate="hqprint">
-            <a:extLst>
-              <a:ext uri="{28A0092B-C50C-407E-A947-70E740481C1C}">
-                <a14:useLocalDpi xmlns:a14="http://schemas.microsoft.com/office/drawing/2010/main"/>
-              </a:ext>
-            </a:extLst>
-          </a:blip>
-          <a:stretch>
-            <a:fillRect/>
-          </a:stretch>
-        </p:blipFill>
-        <p:spPr>
-          <a:xfrm rot="0">
-            <a:off x="3335020" y="1497965"/>
-            <a:ext cx="1057275" cy="944245"/>
-          </a:xfrm>
-          <a:prstGeom prst="rect"/>
-          <a:noFill/>
-        </p:spPr>
-      </p:pic>
-      <p:sp>
-        <p:nvSpPr>
-          <p:cNvPr id="1048" name="도형 37"/>
-          <p:cNvSpPr>
-            <a:spLocks/>
-          </p:cNvSpPr>
-          <p:nvPr/>
-        </p:nvSpPr>
-        <p:spPr>
-          <a:xfrm rot="10800000" flipH="1">
-            <a:off x="1300480" y="1195705"/>
-            <a:ext cx="2679065" cy="620395"/>
-          </a:xfrm>
-          <a:prstGeom prst="curvedUpArrow"/>
-        </p:spPr>
-        <p:style>
-          <a:lnRef idx="2">
-            <a:schemeClr val="accent1">
-              <a:shade val="50000"/>
-            </a:schemeClr>
-          </a:lnRef>
-          <a:fillRef idx="1">
-            <a:schemeClr val="accent1"/>
-          </a:fillRef>
-          <a:effectRef idx="0">
-            <a:schemeClr val="accent1"/>
-          </a:effectRef>
-          <a:fontRef idx="minor">
-            <a:schemeClr val="lt1"/>
-          </a:fontRef>
-        </p:style>
-        <p:txBody>
-          <a:bodyPr wrap="square" lIns="91440" tIns="45720" rIns="91440" bIns="45720" numCol="1" vert="horz" anchor="ctr">
-            <a:noAutofit/>
-          </a:bodyPr>
-          <a:lstStyle/>
-          <a:p>
-            <a:pPr marL="0" indent="0" algn="ctr" latinLnBrk="0" hangingPunct="1">
-              <a:buFontTx/>
-              <a:buNone/>
-            </a:pPr>
-            <a:endParaRPr lang="ko-KR" altLang="en-US" sz="1800">
-              <a:latin typeface="맑은 고딕" charset="0"/>
-              <a:ea typeface="맑은 고딕" charset="0"/>
-            </a:endParaRPr>
-          </a:p>
-        </p:txBody>
-      </p:sp>
-      <p:sp>
-        <p:nvSpPr>
-          <p:cNvPr id="1049" name="텍스트 상자 38"/>
-          <p:cNvSpPr txBox="1">
-            <a:spLocks/>
-          </p:cNvSpPr>
-          <p:nvPr/>
-        </p:nvSpPr>
-        <p:spPr>
-          <a:xfrm rot="0">
-            <a:off x="1038225" y="1822450"/>
-            <a:ext cx="781685" cy="400685"/>
-          </a:xfrm>
-          <a:prstGeom prst="rect"/>
-          <a:noFill/>
-          <a:ln w="0">
-            <a:noFill/>
-            <a:prstDash/>
-          </a:ln>
-        </p:spPr>
-        <p:txBody>
-          <a:bodyPr wrap="square" lIns="89535" tIns="46355" rIns="89535" bIns="46355" numCol="1" vert="horz" anchor="t">
-            <a:spAutoFit/>
-          </a:bodyPr>
-          <a:lstStyle/>
-          <a:p>
-            <a:pPr marL="0" indent="0" algn="l" latinLnBrk="0" hangingPunct="1">
-              <a:buFontTx/>
-              <a:buNone/>
-            </a:pPr>
-            <a:r>
-              <a:rPr lang="ko-KR" sz="2000" b="1">
-                <a:solidFill>
-                  <a:schemeClr val="bg1"/>
-                </a:solidFill>
-                <a:latin typeface="맑은 고딕" charset="0"/>
-                <a:ea typeface="맑은 고딕" charset="0"/>
-              </a:rPr>
-              <a:t>1001</a:t>
-            </a:r>
-            <a:endParaRPr lang="ko-KR" altLang="en-US" sz="2000" b="1">
-              <a:solidFill>
-                <a:schemeClr val="bg1"/>
-              </a:solidFill>
-              <a:latin typeface="맑은 고딕" charset="0"/>
-              <a:ea typeface="맑은 고딕" charset="0"/>
-            </a:endParaRPr>
-          </a:p>
-        </p:txBody>
-      </p:sp>
-      <p:sp>
-        <p:nvSpPr>
-          <p:cNvPr id="1050" name="텍스트 상자 39"/>
-          <p:cNvSpPr txBox="1">
-            <a:spLocks/>
-          </p:cNvSpPr>
-          <p:nvPr/>
-        </p:nvSpPr>
-        <p:spPr>
-          <a:xfrm rot="0">
-            <a:off x="3486150" y="1748790"/>
-            <a:ext cx="782320" cy="401320"/>
-          </a:xfrm>
-          <a:prstGeom prst="rect"/>
-          <a:noFill/>
-          <a:ln w="0">
-            <a:noFill/>
-            <a:prstDash/>
-          </a:ln>
-        </p:spPr>
-        <p:txBody>
-          <a:bodyPr wrap="square" lIns="89535" tIns="46355" rIns="89535" bIns="46355" numCol="1" vert="horz" anchor="t">
-            <a:spAutoFit/>
-          </a:bodyPr>
-          <a:lstStyle/>
-          <a:p>
-            <a:pPr marL="0" indent="0" algn="l" latinLnBrk="0" hangingPunct="1">
-              <a:buFontTx/>
-              <a:buNone/>
-            </a:pPr>
-            <a:r>
-              <a:rPr lang="ko-KR" sz="2000" b="1">
-                <a:solidFill>
-                  <a:schemeClr val="bg1"/>
-                </a:solidFill>
-                <a:latin typeface="맑은 고딕" charset="0"/>
-                <a:ea typeface="맑은 고딕" charset="0"/>
-              </a:rPr>
-              <a:t>1001</a:t>
-            </a:r>
-            <a:endParaRPr lang="ko-KR" altLang="en-US" sz="2000" b="1">
-              <a:solidFill>
-                <a:schemeClr val="bg1"/>
-              </a:solidFill>
-              <a:latin typeface="맑은 고딕" charset="0"/>
-              <a:ea typeface="맑은 고딕" charset="0"/>
-            </a:endParaRPr>
-          </a:p>
-        </p:txBody>
-      </p:sp>
-      <p:sp>
-        <p:nvSpPr>
-          <p:cNvPr id="1051" name="텍스트 상자 40"/>
-          <p:cNvSpPr txBox="1">
-            <a:spLocks/>
-          </p:cNvSpPr>
-          <p:nvPr/>
-        </p:nvSpPr>
-        <p:spPr>
-          <a:xfrm rot="0">
-            <a:off x="1997075" y="2226945"/>
-            <a:ext cx="782320" cy="401320"/>
-          </a:xfrm>
-          <a:prstGeom prst="rect"/>
-          <a:noFill/>
-          <a:ln w="0">
-            <a:noFill/>
-            <a:prstDash/>
-          </a:ln>
-        </p:spPr>
-        <p:txBody>
-          <a:bodyPr wrap="square" lIns="89535" tIns="46355" rIns="89535" bIns="46355" numCol="1" vert="horz" anchor="t">
-            <a:spAutoFit/>
-          </a:bodyPr>
-          <a:lstStyle/>
-          <a:p>
-            <a:pPr marL="0" indent="0" algn="l" latinLnBrk="0" hangingPunct="1">
-              <a:buFontTx/>
-              <a:buNone/>
-            </a:pPr>
-            <a:r>
-              <a:rPr lang="ko-KR" sz="2000" b="1">
-                <a:solidFill>
-                  <a:schemeClr val="bg1"/>
-                </a:solidFill>
-                <a:latin typeface="맑은 고딕" charset="0"/>
-                <a:ea typeface="맑은 고딕" charset="0"/>
-              </a:rPr>
-              <a:t>2000</a:t>
-            </a:r>
-            <a:endParaRPr lang="ko-KR" altLang="en-US" sz="2000" b="1">
-              <a:solidFill>
-                <a:schemeClr val="bg1"/>
-              </a:solidFill>
-              <a:latin typeface="맑은 고딕" charset="0"/>
-              <a:ea typeface="맑은 고딕" charset="0"/>
-            </a:endParaRPr>
-          </a:p>
-        </p:txBody>
-      </p:sp>
-      <p:sp>
-        <p:nvSpPr>
-          <p:cNvPr id="1052" name="텍스트 상자 41"/>
-          <p:cNvSpPr txBox="1">
-            <a:spLocks/>
-          </p:cNvSpPr>
-          <p:nvPr/>
-        </p:nvSpPr>
-        <p:spPr>
-          <a:xfrm rot="0">
-            <a:off x="4448175" y="2222500"/>
-            <a:ext cx="782320" cy="401320"/>
-          </a:xfrm>
-          <a:prstGeom prst="rect"/>
-          <a:noFill/>
-          <a:ln w="0">
-            <a:noFill/>
-            <a:prstDash/>
-          </a:ln>
-        </p:spPr>
-        <p:txBody>
-          <a:bodyPr wrap="square" lIns="89535" tIns="46355" rIns="89535" bIns="46355" numCol="1" vert="horz" anchor="t">
-            <a:spAutoFit/>
-          </a:bodyPr>
-          <a:lstStyle/>
-          <a:p>
-            <a:pPr marL="0" indent="0" algn="l" latinLnBrk="0" hangingPunct="1">
-              <a:buFontTx/>
-              <a:buNone/>
-            </a:pPr>
-            <a:r>
-              <a:rPr lang="ko-KR" sz="2000" b="1">
-                <a:solidFill>
-                  <a:schemeClr val="bg1"/>
-                </a:solidFill>
-                <a:latin typeface="맑은 고딕" charset="0"/>
-                <a:ea typeface="맑은 고딕" charset="0"/>
-              </a:rPr>
-              <a:t>2000</a:t>
-            </a:r>
-            <a:endParaRPr lang="ko-KR" altLang="en-US" sz="2000" b="1">
-              <a:solidFill>
-                <a:schemeClr val="bg1"/>
-              </a:solidFill>
-              <a:latin typeface="맑은 고딕" charset="0"/>
-              <a:ea typeface="맑은 고딕" charset="0"/>
-            </a:endParaRPr>
-          </a:p>
-        </p:txBody>
-      </p:sp>
-      <p:sp>
-        <p:nvSpPr>
-          <p:cNvPr id="1053" name="텍스트 상자 42"/>
-          <p:cNvSpPr txBox="1">
-            <a:spLocks/>
-          </p:cNvSpPr>
-          <p:nvPr/>
-        </p:nvSpPr>
-        <p:spPr>
-          <a:xfrm rot="0">
-            <a:off x="942975" y="1527175"/>
-            <a:ext cx="1019810" cy="400685"/>
-          </a:xfrm>
-          <a:prstGeom prst="rect"/>
-          <a:noFill/>
-          <a:ln w="0">
-            <a:noFill/>
-            <a:prstDash/>
-          </a:ln>
-        </p:spPr>
-        <p:txBody>
-          <a:bodyPr wrap="square" lIns="89535" tIns="46355" rIns="89535" bIns="46355" numCol="1" vert="horz" anchor="t">
-            <a:spAutoFit/>
-          </a:bodyPr>
-          <a:lstStyle/>
-          <a:p>
-            <a:pPr marL="0" indent="0" algn="l" latinLnBrk="0" hangingPunct="1">
-              <a:buFontTx/>
-              <a:buNone/>
-            </a:pPr>
-            <a:r>
-              <a:rPr lang="ko-KR" sz="2000" b="1">
-                <a:solidFill>
-                  <a:srgbClr val="0611F2"/>
-                </a:solidFill>
-                <a:latin typeface="맑은 고딕" charset="0"/>
-                <a:ea typeface="맑은 고딕" charset="0"/>
-              </a:rPr>
-              <a:t>IsMine</a:t>
-            </a:r>
-            <a:endParaRPr lang="ko-KR" altLang="en-US" sz="2000" b="1">
-              <a:solidFill>
-                <a:srgbClr val="0611F2"/>
-              </a:solidFill>
-              <a:latin typeface="맑은 고딕" charset="0"/>
-              <a:ea typeface="맑은 고딕" charset="0"/>
-            </a:endParaRPr>
-          </a:p>
-        </p:txBody>
-      </p:sp>
-      <p:sp>
-        <p:nvSpPr>
-          <p:cNvPr id="1054" name="텍스트 상자 44"/>
-          <p:cNvSpPr txBox="1">
-            <a:spLocks/>
-          </p:cNvSpPr>
-          <p:nvPr/>
-        </p:nvSpPr>
-        <p:spPr>
-          <a:xfrm rot="0">
-            <a:off x="4361815" y="1936115"/>
-            <a:ext cx="1020445" cy="401320"/>
-          </a:xfrm>
-          <a:prstGeom prst="rect"/>
-          <a:noFill/>
-          <a:ln w="0">
-            <a:noFill/>
-            <a:prstDash/>
-          </a:ln>
-        </p:spPr>
-        <p:txBody>
-          <a:bodyPr wrap="square" lIns="89535" tIns="46355" rIns="89535" bIns="46355" numCol="1" vert="horz" anchor="t">
-            <a:spAutoFit/>
-          </a:bodyPr>
-          <a:lstStyle/>
-          <a:p>
-            <a:pPr marL="0" indent="0" algn="l" latinLnBrk="0" hangingPunct="1">
-              <a:buFontTx/>
-              <a:buNone/>
-            </a:pPr>
-            <a:r>
-              <a:rPr lang="ko-KR" sz="2000" b="1">
-                <a:solidFill>
-                  <a:srgbClr val="80007F"/>
-                </a:solidFill>
-                <a:latin typeface="맑은 고딕" charset="0"/>
-                <a:ea typeface="맑은 고딕" charset="0"/>
-              </a:rPr>
-              <a:t>IsMine</a:t>
-            </a:r>
-            <a:endParaRPr lang="ko-KR" altLang="en-US" sz="2000" b="1">
-              <a:solidFill>
-                <a:srgbClr val="80007F"/>
-              </a:solidFill>
-              <a:latin typeface="맑은 고딕" charset="0"/>
-              <a:ea typeface="맑은 고딕" charset="0"/>
-            </a:endParaRPr>
-          </a:p>
-        </p:txBody>
-      </p:sp>
-      <p:pic>
-        <p:nvPicPr>
-          <p:cNvPr id="1055" name="그림 6"/>
-          <p:cNvPicPr>
-            <a:picLocks noChangeAspect="1"/>
-          </p:cNvPicPr>
-          <p:nvPr/>
-        </p:nvPicPr>
-        <p:blipFill rotWithShape="1">
-          <a:blip r:embed="rId9" cstate="hqprint">
-            <a:extLst>
-              <a:ext uri="{28A0092B-C50C-407E-A947-70E740481C1C}">
-                <a14:useLocalDpi xmlns:a14="http://schemas.microsoft.com/office/drawing/2010/main"/>
-              </a:ext>
-            </a:extLst>
-          </a:blip>
-          <a:stretch>
-            <a:fillRect/>
-          </a:stretch>
-        </p:blipFill>
-        <p:spPr>
-          <a:xfrm rot="0">
-            <a:off x="6806565" y="1445260"/>
-            <a:ext cx="2587625" cy="3692525"/>
-          </a:xfrm>
-          <a:prstGeom prst="roundRect"/>
-          <a:solidFill>
-            <a:srgbClr val="EDEDED"/>
-          </a:solidFill>
-        </p:spPr>
-      </p:pic>
-      <p:sp>
-        <p:nvSpPr>
-          <p:cNvPr id="1056" name="텍스트 상자 9"/>
-          <p:cNvSpPr txBox="1">
-            <a:spLocks/>
-          </p:cNvSpPr>
-          <p:nvPr/>
-        </p:nvSpPr>
-        <p:spPr>
-          <a:xfrm rot="0">
-            <a:off x="6797675" y="5294630"/>
-            <a:ext cx="4159885" cy="647065"/>
-          </a:xfrm>
-          <a:prstGeom prst="rect"/>
-          <a:noFill/>
-          <a:ln w="0">
-            <a:noFill/>
-            <a:prstDash/>
-          </a:ln>
-        </p:spPr>
-        <p:txBody>
-          <a:bodyPr wrap="square" lIns="89535" tIns="46355" rIns="89535" bIns="46355" numCol="1" vert="horz" anchor="t">
-            <a:spAutoFit/>
-          </a:bodyPr>
-          <a:lstStyle/>
-          <a:p>
-            <a:pPr marL="0" indent="0" rtl="0" algn="l" defTabSz="914400" eaLnBrk="1" latinLnBrk="0" hangingPunct="1">
-              <a:buFontTx/>
-              <a:buNone/>
-            </a:pPr>
-            <a:r>
-              <a:rPr sz="1800" b="1">
-                <a:solidFill>
-                  <a:srgbClr val="0611F2"/>
-                </a:solidFill>
-                <a:latin typeface="맑은 고딕" charset="0"/>
-                <a:ea typeface="맑은 고딕" charset="0"/>
-              </a:rPr>
-              <a:t>1.</a:t>
-            </a:r>
-            <a:r>
-              <a:rPr sz="1800">
-                <a:latin typeface="맑은 고딕" charset="0"/>
-                <a:ea typeface="맑은 고딕" charset="0"/>
-              </a:rPr>
-              <a:t> </a:t>
-            </a:r>
-            <a:r>
-              <a:rPr lang="ko-KR" sz="1800">
-                <a:latin typeface="맑은 고딕" charset="0"/>
-                <a:ea typeface="맑은 고딕" charset="0"/>
-              </a:rPr>
-              <a:t>첫 번째로 UI를 선택하고 Scroll View를 생성합니다.</a:t>
-            </a:r>
-            <a:endParaRPr lang="ko-KR" altLang="en-US" sz="1800">
-              <a:latin typeface="맑은 고딕" charset="0"/>
-              <a:ea typeface="맑은 고딕" charset="0"/>
-            </a:endParaRPr>
-          </a:p>
-        </p:txBody>
-      </p:sp>
-      <p:pic>
-        <p:nvPicPr>
-          <p:cNvPr id="1057" name="그림 14"/>
-          <p:cNvPicPr>
-            <a:picLocks noChangeAspect="1"/>
-          </p:cNvPicPr>
-          <p:nvPr/>
-        </p:nvPicPr>
-        <p:blipFill rotWithShape="1">
-          <a:blip r:embed="rId10" cstate="print">
-            <a:extLst>
-              <a:ext uri="{28A0092B-C50C-407E-A947-70E740481C1C}">
-                <a14:useLocalDpi xmlns:a14="http://schemas.microsoft.com/office/drawing/2010/main" val="0"/>
-              </a:ext>
-            </a:extLst>
-          </a:blip>
-          <a:stretch>
-            <a:fillRect/>
-          </a:stretch>
-        </p:blipFill>
-        <p:spPr>
-          <a:xfrm rot="0">
-            <a:off x="9543415" y="2144395"/>
-            <a:ext cx="1405890" cy="2345055"/>
+            <a:off x="842645" y="1395095"/>
+            <a:ext cx="4502150" cy="1120140"/>
           </a:xfrm>
           <a:prstGeom prst="roundRect"/>
           <a:solidFill>

--- a/Assets/Class/Photon Server/PPT Data/Photon RPC.pptx
+++ b/Assets/Class/Photon Server/PPT Data/Photon RPC.pptx
@@ -2,7 +2,7 @@
 <file path=ppt/presentation.xml><?xml version="1.0" encoding="utf-8"?>
 <p:presentation xmlns:a="http://schemas.openxmlformats.org/drawingml/2006/main" xmlns:r="http://schemas.openxmlformats.org/officeDocument/2006/relationships" xmlns:p="http://schemas.openxmlformats.org/presentationml/2006/main" xmlns:p14="http://schemas.microsoft.com/office/powerpoint/2010/main" saveSubsetFonts="1" firstSlideNum="0">
   <p:sldMasterIdLst>
-    <p:sldMasterId id="2147486871" r:id="rId12"/>
+    <p:sldMasterId id="2147486872" r:id="rId12"/>
   </p:sldMasterIdLst>
   <p:notesMasterIdLst>
     <p:notesMasterId r:id="rId14"/>
@@ -20,9 +20,6 @@
     <p:sldId id="323" r:id="rId34"/>
     <p:sldId id="324" r:id="rId36"/>
     <p:sldId id="325" r:id="rId38"/>
-    <p:sldId id="326" r:id="rId40"/>
-    <p:sldId id="327" r:id="rId42"/>
-    <p:sldId id="329" r:id="rId44"/>
   </p:sldIdLst>
   <p:sldSz cx="12192000" cy="6858000"/>
   <p:notesSz cx="6858000" cy="9144000"/>
@@ -1049,432 +1046,6 @@
 </p:notes>
 </file>
 
-<file path=ppt/notesSlides/notesSlide13.xml><?xml version="1.0" encoding="utf-8"?>
-<p:notes xmlns:a="http://schemas.openxmlformats.org/drawingml/2006/main" xmlns:r="http://schemas.openxmlformats.org/officeDocument/2006/relationships" xmlns:p="http://schemas.openxmlformats.org/presentationml/2006/main">
-  <p:cSld>
-    <p:spTree>
-      <p:nvGrpSpPr>
-        <p:cNvPr id="1" name=""/>
-        <p:cNvGrpSpPr/>
-        <p:nvPr/>
-      </p:nvGrpSpPr>
-      <p:grpSpPr>
-        <a:xfrm>
-          <a:off x="0" y="0"/>
-          <a:ext cx="0" cy="0"/>
-          <a:chOff x="0" y="0"/>
-          <a:chExt cx="0" cy="0"/>
-        </a:xfrm>
-      </p:grpSpPr>
-      <p:sp>
-        <p:nvSpPr>
-          <p:cNvPr id="2" name="슬라이드 이미지 개체 틀 3"/>
-          <p:cNvSpPr>
-            <a:spLocks noChangeAspect="1"/>
-          </p:cNvSpPr>
-          <p:nvPr>
-            <p:ph type="sldImg" idx="2"/>
-          </p:nvPr>
-        </p:nvSpPr>
-        <p:spPr>
-          <a:xfrm rot="0">
-            <a:off x="685800" y="1143000"/>
-            <a:ext cx="5494655" cy="3094355"/>
-          </a:xfrm>
-          <a:prstGeom prst="rect"/>
-          <a:noFill/>
-          <a:ln w="12700" cap="flat" cmpd="sng">
-            <a:solidFill>
-              <a:srgbClr val="000000">
-                <a:alpha val="100000"/>
-              </a:srgbClr>
-            </a:solidFill>
-            <a:prstDash val="solid"/>
-          </a:ln>
-        </p:spPr>
-        <p:txBody>
-          <a:bodyPr wrap="square" lIns="91440" tIns="45720" rIns="91440" bIns="45720" numCol="1" vert="horz" anchor="ctr">
-            <a:noAutofit/>
-          </a:bodyPr>
-          <a:lstStyle/>
-          <a:p>
-            <a:pPr marL="0" indent="0" latinLnBrk="0">
-              <a:buFontTx/>
-              <a:buNone/>
-            </a:pPr>
-          </a:p>
-        </p:txBody>
-      </p:sp>
-      <p:sp>
-        <p:nvSpPr>
-          <p:cNvPr id="3" name="슬라이드 노트 개체 틀 4"/>
-          <p:cNvSpPr txBox="1">
-            <a:spLocks/>
-          </p:cNvSpPr>
-          <p:nvPr>
-            <p:ph type="body" idx="3"/>
-          </p:nvPr>
-        </p:nvSpPr>
-        <p:spPr>
-          <a:xfrm rot="0">
-            <a:off x="685800" y="4400550"/>
-            <a:ext cx="5494655" cy="3608705"/>
-          </a:xfrm>
-          <a:prstGeom prst="rect"/>
-        </p:spPr>
-        <p:txBody>
-          <a:bodyPr wrap="square" lIns="91440" tIns="45720" rIns="91440" bIns="45720" numCol="1" vert="horz" anchor="t">
-            <a:noAutofit/>
-          </a:bodyPr>
-          <a:lstStyle/>
-          <a:p>
-            <a:pPr marL="0" indent="0" latinLnBrk="0">
-              <a:buFontTx/>
-              <a:buNone/>
-            </a:pPr>
-          </a:p>
-        </p:txBody>
-      </p:sp>
-      <p:sp>
-        <p:nvSpPr>
-          <p:cNvPr id="4" name="슬라이드 번호 개체 틀 6"/>
-          <p:cNvSpPr txBox="1">
-            <a:spLocks/>
-          </p:cNvSpPr>
-          <p:nvPr>
-            <p:ph type="sldNum" idx="5"/>
-          </p:nvPr>
-        </p:nvSpPr>
-        <p:spPr>
-          <a:xfrm rot="0">
-            <a:off x="3884930" y="8685530"/>
-            <a:ext cx="2980055" cy="466725"/>
-          </a:xfrm>
-          <a:prstGeom prst="rect"/>
-        </p:spPr>
-        <p:txBody>
-          <a:bodyPr wrap="square" lIns="91440" tIns="45720" rIns="91440" bIns="45720" numCol="1" vert="horz" anchor="b">
-            <a:noAutofit/>
-          </a:bodyPr>
-          <a:lstStyle>
-            <a:lvl1pPr marL="0" indent="0" algn="r" latinLnBrk="0">
-              <a:buFontTx/>
-              <a:buNone/>
-              <a:defRPr lang="en-GB" altLang="en-US" sz="1200"/>
-            </a:lvl1pPr>
-          </a:lstStyle>
-          <a:p>
-            <a:pPr marL="0" indent="0" latinLnBrk="0">
-              <a:buFontTx/>
-              <a:buNone/>
-            </a:pPr>
-            <a:fld id="{B9320F77-B9A0-41C5-862A-B4B631284C64}" type="slidenum">
-              <a:rPr lang="ko-KR" altLang="en-US"/>
-              <a:t>‹#›</a:t>
-            </a:fld>
-          </a:p>
-        </p:txBody>
-      </p:sp>
-    </p:spTree>
-  </p:cSld>
-  <p:clrMapOvr>
-    <a:masterClrMapping/>
-  </p:clrMapOvr>
-  <mc:AlternateContent xmlns:mc="http://schemas.openxmlformats.org/markup-compatibility/2006">
-    <mc:Choice xmlns:p14="http://schemas.microsoft.com/office/powerpoint/2010/main" Requires="p14">
-      <p:transition spd="slow" p14:dur="0"/>
-    </mc:Choice>
-    <mc:Fallback>
-      <p:transition spd="slow"/>
-    </mc:Fallback>
-  </mc:AlternateContent>
-</p:notes>
-</file>
-
-<file path=ppt/notesSlides/notesSlide14.xml><?xml version="1.0" encoding="utf-8"?>
-<p:notes xmlns:a="http://schemas.openxmlformats.org/drawingml/2006/main" xmlns:r="http://schemas.openxmlformats.org/officeDocument/2006/relationships" xmlns:p="http://schemas.openxmlformats.org/presentationml/2006/main">
-  <p:cSld>
-    <p:spTree>
-      <p:nvGrpSpPr>
-        <p:cNvPr id="1" name=""/>
-        <p:cNvGrpSpPr/>
-        <p:nvPr/>
-      </p:nvGrpSpPr>
-      <p:grpSpPr>
-        <a:xfrm>
-          <a:off x="0" y="0"/>
-          <a:ext cx="0" cy="0"/>
-          <a:chOff x="0" y="0"/>
-          <a:chExt cx="0" cy="0"/>
-        </a:xfrm>
-      </p:grpSpPr>
-      <p:sp>
-        <p:nvSpPr>
-          <p:cNvPr id="2" name="슬라이드 이미지 개체 틀 3"/>
-          <p:cNvSpPr>
-            <a:spLocks noChangeAspect="1"/>
-          </p:cNvSpPr>
-          <p:nvPr>
-            <p:ph type="sldImg" idx="2"/>
-          </p:nvPr>
-        </p:nvSpPr>
-        <p:spPr>
-          <a:xfrm rot="0">
-            <a:off x="685800" y="1143000"/>
-            <a:ext cx="5494655" cy="3094355"/>
-          </a:xfrm>
-          <a:prstGeom prst="rect"/>
-          <a:noFill/>
-          <a:ln w="12700" cap="flat" cmpd="sng">
-            <a:solidFill>
-              <a:srgbClr val="000000">
-                <a:alpha val="100000"/>
-              </a:srgbClr>
-            </a:solidFill>
-            <a:prstDash val="solid"/>
-          </a:ln>
-        </p:spPr>
-        <p:txBody>
-          <a:bodyPr wrap="square" lIns="91440" tIns="45720" rIns="91440" bIns="45720" numCol="1" vert="horz" anchor="ctr">
-            <a:noAutofit/>
-          </a:bodyPr>
-          <a:lstStyle/>
-          <a:p>
-            <a:pPr marL="0" indent="0" latinLnBrk="0">
-              <a:buFontTx/>
-              <a:buNone/>
-            </a:pPr>
-          </a:p>
-        </p:txBody>
-      </p:sp>
-      <p:sp>
-        <p:nvSpPr>
-          <p:cNvPr id="3" name="슬라이드 노트 개체 틀 4"/>
-          <p:cNvSpPr txBox="1">
-            <a:spLocks/>
-          </p:cNvSpPr>
-          <p:nvPr>
-            <p:ph type="body" idx="3"/>
-          </p:nvPr>
-        </p:nvSpPr>
-        <p:spPr>
-          <a:xfrm rot="0">
-            <a:off x="685800" y="4400550"/>
-            <a:ext cx="5494655" cy="3608705"/>
-          </a:xfrm>
-          <a:prstGeom prst="rect"/>
-        </p:spPr>
-        <p:txBody>
-          <a:bodyPr wrap="square" lIns="91440" tIns="45720" rIns="91440" bIns="45720" numCol="1" vert="horz" anchor="t">
-            <a:noAutofit/>
-          </a:bodyPr>
-          <a:lstStyle/>
-          <a:p>
-            <a:pPr marL="0" indent="0" latinLnBrk="0">
-              <a:buFontTx/>
-              <a:buNone/>
-            </a:pPr>
-          </a:p>
-        </p:txBody>
-      </p:sp>
-      <p:sp>
-        <p:nvSpPr>
-          <p:cNvPr id="4" name="슬라이드 번호 개체 틀 6"/>
-          <p:cNvSpPr txBox="1">
-            <a:spLocks/>
-          </p:cNvSpPr>
-          <p:nvPr>
-            <p:ph type="sldNum" idx="5"/>
-          </p:nvPr>
-        </p:nvSpPr>
-        <p:spPr>
-          <a:xfrm rot="0">
-            <a:off x="3884930" y="8685530"/>
-            <a:ext cx="2980055" cy="466725"/>
-          </a:xfrm>
-          <a:prstGeom prst="rect"/>
-        </p:spPr>
-        <p:txBody>
-          <a:bodyPr wrap="square" lIns="91440" tIns="45720" rIns="91440" bIns="45720" numCol="1" vert="horz" anchor="b">
-            <a:noAutofit/>
-          </a:bodyPr>
-          <a:lstStyle>
-            <a:lvl1pPr marL="0" indent="0" algn="r" latinLnBrk="0">
-              <a:buFontTx/>
-              <a:buNone/>
-              <a:defRPr lang="en-GB" altLang="en-US" sz="1200"/>
-            </a:lvl1pPr>
-          </a:lstStyle>
-          <a:p>
-            <a:pPr marL="0" indent="0" latinLnBrk="0">
-              <a:buFontTx/>
-              <a:buNone/>
-            </a:pPr>
-            <a:fld id="{B9320F77-B9A0-41C5-862A-B4B631284C64}" type="slidenum">
-              <a:rPr lang="ko-KR" altLang="en-US"/>
-              <a:t>‹#›</a:t>
-            </a:fld>
-          </a:p>
-        </p:txBody>
-      </p:sp>
-    </p:spTree>
-  </p:cSld>
-  <p:clrMapOvr>
-    <a:masterClrMapping/>
-  </p:clrMapOvr>
-  <mc:AlternateContent xmlns:mc="http://schemas.openxmlformats.org/markup-compatibility/2006">
-    <mc:Choice xmlns:p14="http://schemas.microsoft.com/office/powerpoint/2010/main" Requires="p14">
-      <p:transition spd="slow" p14:dur="0"/>
-    </mc:Choice>
-    <mc:Fallback>
-      <p:transition spd="slow"/>
-    </mc:Fallback>
-  </mc:AlternateContent>
-</p:notes>
-</file>
-
-<file path=ppt/notesSlides/notesSlide15.xml><?xml version="1.0" encoding="utf-8"?>
-<p:notes xmlns:a="http://schemas.openxmlformats.org/drawingml/2006/main" xmlns:r="http://schemas.openxmlformats.org/officeDocument/2006/relationships" xmlns:p="http://schemas.openxmlformats.org/presentationml/2006/main">
-  <p:cSld>
-    <p:spTree>
-      <p:nvGrpSpPr>
-        <p:cNvPr id="1" name=""/>
-        <p:cNvGrpSpPr/>
-        <p:nvPr/>
-      </p:nvGrpSpPr>
-      <p:grpSpPr>
-        <a:xfrm>
-          <a:off x="0" y="0"/>
-          <a:ext cx="0" cy="0"/>
-          <a:chOff x="0" y="0"/>
-          <a:chExt cx="0" cy="0"/>
-        </a:xfrm>
-      </p:grpSpPr>
-      <p:sp>
-        <p:nvSpPr>
-          <p:cNvPr id="2" name="슬라이드 이미지 개체 틀 3"/>
-          <p:cNvSpPr>
-            <a:spLocks noChangeAspect="1"/>
-          </p:cNvSpPr>
-          <p:nvPr>
-            <p:ph type="sldImg" idx="2"/>
-          </p:nvPr>
-        </p:nvSpPr>
-        <p:spPr>
-          <a:xfrm rot="0">
-            <a:off x="685800" y="1143000"/>
-            <a:ext cx="5494655" cy="3094355"/>
-          </a:xfrm>
-          <a:prstGeom prst="rect"/>
-          <a:noFill/>
-          <a:ln w="12700" cap="flat" cmpd="sng">
-            <a:solidFill>
-              <a:srgbClr val="000000">
-                <a:alpha val="100000"/>
-              </a:srgbClr>
-            </a:solidFill>
-            <a:prstDash val="solid"/>
-          </a:ln>
-        </p:spPr>
-        <p:txBody>
-          <a:bodyPr wrap="square" lIns="91440" tIns="45720" rIns="91440" bIns="45720" numCol="1" vert="horz" anchor="ctr">
-            <a:noAutofit/>
-          </a:bodyPr>
-          <a:lstStyle/>
-          <a:p>
-            <a:pPr marL="0" indent="0" latinLnBrk="0">
-              <a:buFontTx/>
-              <a:buNone/>
-            </a:pPr>
-          </a:p>
-        </p:txBody>
-      </p:sp>
-      <p:sp>
-        <p:nvSpPr>
-          <p:cNvPr id="3" name="슬라이드 노트 개체 틀 4"/>
-          <p:cNvSpPr txBox="1">
-            <a:spLocks/>
-          </p:cNvSpPr>
-          <p:nvPr>
-            <p:ph type="body" idx="3"/>
-          </p:nvPr>
-        </p:nvSpPr>
-        <p:spPr>
-          <a:xfrm rot="0">
-            <a:off x="685800" y="4400550"/>
-            <a:ext cx="5494655" cy="3608705"/>
-          </a:xfrm>
-          <a:prstGeom prst="rect"/>
-        </p:spPr>
-        <p:txBody>
-          <a:bodyPr wrap="square" lIns="91440" tIns="45720" rIns="91440" bIns="45720" numCol="1" vert="horz" anchor="t">
-            <a:noAutofit/>
-          </a:bodyPr>
-          <a:lstStyle/>
-          <a:p>
-            <a:pPr marL="0" indent="0" latinLnBrk="0">
-              <a:buFontTx/>
-              <a:buNone/>
-            </a:pPr>
-          </a:p>
-        </p:txBody>
-      </p:sp>
-      <p:sp>
-        <p:nvSpPr>
-          <p:cNvPr id="4" name="슬라이드 번호 개체 틀 6"/>
-          <p:cNvSpPr txBox="1">
-            <a:spLocks/>
-          </p:cNvSpPr>
-          <p:nvPr>
-            <p:ph type="sldNum" idx="5"/>
-          </p:nvPr>
-        </p:nvSpPr>
-        <p:spPr>
-          <a:xfrm rot="0">
-            <a:off x="3884930" y="8685530"/>
-            <a:ext cx="2980055" cy="466725"/>
-          </a:xfrm>
-          <a:prstGeom prst="rect"/>
-        </p:spPr>
-        <p:txBody>
-          <a:bodyPr wrap="square" lIns="91440" tIns="45720" rIns="91440" bIns="45720" numCol="1" vert="horz" anchor="b">
-            <a:noAutofit/>
-          </a:bodyPr>
-          <a:lstStyle>
-            <a:lvl1pPr marL="0" indent="0" algn="r" latinLnBrk="0">
-              <a:buFontTx/>
-              <a:buNone/>
-              <a:defRPr lang="en-GB" altLang="en-US" sz="1200"/>
-            </a:lvl1pPr>
-          </a:lstStyle>
-          <a:p>
-            <a:pPr marL="0" indent="0" latinLnBrk="0">
-              <a:buFontTx/>
-              <a:buNone/>
-            </a:pPr>
-            <a:fld id="{B9320F77-B9A0-41C5-862A-B4B631284C64}" type="slidenum">
-              <a:rPr lang="ko-KR" altLang="en-US"/>
-              <a:t>‹#›</a:t>
-            </a:fld>
-          </a:p>
-        </p:txBody>
-      </p:sp>
-    </p:spTree>
-  </p:cSld>
-  <p:clrMapOvr>
-    <a:masterClrMapping/>
-  </p:clrMapOvr>
-  <mc:AlternateContent xmlns:mc="http://schemas.openxmlformats.org/markup-compatibility/2006">
-    <mc:Choice xmlns:p14="http://schemas.microsoft.com/office/powerpoint/2010/main" Requires="p14">
-      <p:transition spd="slow" p14:dur="0"/>
-    </mc:Choice>
-    <mc:Fallback>
-      <p:transition spd="slow"/>
-    </mc:Fallback>
-  </mc:AlternateContent>
-</p:notes>
-</file>
-
 <file path=ppt/notesSlides/notesSlide2.xml><?xml version="1.0" encoding="utf-8"?>
 <p:notes xmlns:a="http://schemas.openxmlformats.org/drawingml/2006/main" xmlns:r="http://schemas.openxmlformats.org/officeDocument/2006/relationships" xmlns:p="http://schemas.openxmlformats.org/presentationml/2006/main">
   <p:cSld>
@@ -10394,1516 +9965,6 @@
           </a:p>
         </p:txBody>
       </p:sp>
-    </p:spTree>
-  </p:cSld>
-  <p:clrMapOvr>
-    <a:masterClrMapping/>
-  </p:clrMapOvr>
-  <mc:AlternateContent xmlns:mc="http://schemas.openxmlformats.org/markup-compatibility/2006">
-    <mc:Choice xmlns:p14="http://schemas.microsoft.com/office/powerpoint/2010/main" Requires="p14">
-      <p:transition spd="slow" p14:dur="2000"/>
-    </mc:Choice>
-    <mc:Fallback>
-      <p:transition spd="slow"/>
-    </mc:Fallback>
-  </mc:AlternateContent>
-  <p:timing>
-    <p:tnLst>
-      <p:par>
-        <p:cTn id="1" dur="indefinite" restart="never" nodeType="tmRoot"/>
-      </p:par>
-    </p:tnLst>
-  </p:timing>
-</p:sld>
-</file>
-
-<file path=ppt/slides/slide13.xml><?xml version="1.0" encoding="utf-8"?>
-<p:sld xmlns:a="http://schemas.openxmlformats.org/drawingml/2006/main" xmlns:r="http://schemas.openxmlformats.org/officeDocument/2006/relationships" xmlns:p="http://schemas.openxmlformats.org/presentationml/2006/main" xmlns:p14="http://schemas.microsoft.com/office/powerpoint/2010/main">
-  <p:cSld>
-    <p:spTree>
-      <p:nvGrpSpPr>
-        <p:cNvPr id="1" name=""/>
-        <p:cNvGrpSpPr/>
-        <p:nvPr/>
-      </p:nvGrpSpPr>
-      <p:grpSpPr>
-        <a:xfrm>
-          <a:off x="0" y="0"/>
-          <a:ext cx="0" cy="0"/>
-          <a:chOff x="0" y="0"/>
-          <a:chExt cx="0" cy="0"/>
-        </a:xfrm>
-      </p:grpSpPr>
-      <p:sp>
-        <p:nvSpPr>
-          <p:cNvPr id="29" name="Rect 0"/>
-          <p:cNvSpPr txBox="1">
-            <a:spLocks/>
-          </p:cNvSpPr>
-          <p:nvPr/>
-        </p:nvSpPr>
-        <p:spPr>
-          <a:xfrm rot="0">
-            <a:off x="1229995" y="1337310"/>
-            <a:ext cx="4039870" cy="371475"/>
-          </a:xfrm>
-          <a:prstGeom prst="rect"/>
-          <a:noFill/>
-          <a:ln w="0">
-            <a:noFill/>
-            <a:prstDash/>
-          </a:ln>
-        </p:spPr>
-        <p:txBody>
-          <a:bodyPr wrap="square" lIns="89535" tIns="46355" rIns="89535" bIns="46355" numCol="1" vert="horz" anchor="t">
-            <a:spAutoFit/>
-          </a:bodyPr>
-          <a:lstStyle/>
-          <a:p>
-            <a:pPr marL="0" indent="0" algn="l" latinLnBrk="0" hangingPunct="1">
-              <a:buFontTx/>
-              <a:buNone/>
-            </a:pPr>
-            <a:endParaRPr lang="ko-KR" altLang="en-US" sz="1800">
-              <a:latin typeface="맑은 고딕" charset="0"/>
-              <a:ea typeface="맑은 고딕" charset="0"/>
-            </a:endParaRPr>
-          </a:p>
-        </p:txBody>
-      </p:sp>
-      <p:sp>
-        <p:nvSpPr>
-          <p:cNvPr id="35" name="Rect 0"/>
-          <p:cNvSpPr txBox="1">
-            <a:spLocks/>
-          </p:cNvSpPr>
-          <p:nvPr/>
-        </p:nvSpPr>
-        <p:spPr>
-          <a:xfrm rot="0">
-            <a:off x="4326255" y="459740"/>
-            <a:ext cx="3538855" cy="554990"/>
-          </a:xfrm>
-          <a:prstGeom prst="rect"/>
-          <a:noFill/>
-          <a:ln w="0">
-            <a:noFill/>
-            <a:prstDash/>
-          </a:ln>
-        </p:spPr>
-        <p:txBody>
-          <a:bodyPr wrap="square" lIns="89535" tIns="46355" rIns="89535" bIns="46355" numCol="1" vert="horz" anchor="t">
-            <a:spAutoFit/>
-          </a:bodyPr>
-          <a:lstStyle/>
-          <a:p>
-            <a:pPr marL="0" indent="0" rtl="0" algn="l" defTabSz="914400" eaLnBrk="1" latinLnBrk="0" hangingPunct="1">
-              <a:buFontTx/>
-              <a:buNone/>
-            </a:pPr>
-            <a:r>
-              <a:rPr lang="ko-KR" sz="3000" b="1">
-                <a:latin typeface="맑은 고딕" charset="0"/>
-                <a:ea typeface="맑은 고딕" charset="0"/>
-              </a:rPr>
-              <a:t>열두</a:t>
-            </a:r>
-            <a:r>
-              <a:rPr lang="ko-KR" sz="3000" b="1">
-                <a:latin typeface="맑은 고딕" charset="0"/>
-                <a:ea typeface="맑은 고딕" charset="0"/>
-              </a:rPr>
-              <a:t> 번째 튜토리얼</a:t>
-            </a:r>
-            <a:r>
-              <a:rPr sz="3000" b="1">
-                <a:latin typeface="맑은 고딕" charset="0"/>
-                <a:ea typeface="맑은 고딕" charset="0"/>
-              </a:rPr>
-              <a:t> </a:t>
-            </a:r>
-            <a:endParaRPr lang="ko-KR" altLang="en-US" sz="3000" b="1">
-              <a:latin typeface="맑은 고딕" charset="0"/>
-              <a:ea typeface="맑은 고딕" charset="0"/>
-            </a:endParaRPr>
-          </a:p>
-        </p:txBody>
-      </p:sp>
-      <p:sp>
-        <p:nvSpPr>
-          <p:cNvPr id="45" name="Rect 0"/>
-          <p:cNvSpPr txBox="1">
-            <a:spLocks/>
-          </p:cNvSpPr>
-          <p:nvPr/>
-        </p:nvSpPr>
-        <p:spPr>
-          <a:xfrm rot="0">
-            <a:off x="6800215" y="4151630"/>
-            <a:ext cx="4182110" cy="2031365"/>
-          </a:xfrm>
-          <a:prstGeom prst="rect"/>
-          <a:noFill/>
-          <a:ln w="0">
-            <a:noFill/>
-            <a:prstDash/>
-          </a:ln>
-        </p:spPr>
-        <p:txBody>
-          <a:bodyPr wrap="square" lIns="89535" tIns="46355" rIns="89535" bIns="46355" numCol="1" vert="horz" anchor="t">
-            <a:spAutoFit/>
-          </a:bodyPr>
-          <a:lstStyle/>
-          <a:p>
-            <a:pPr marL="0" indent="0" rtl="0" algn="l" defTabSz="914400" eaLnBrk="1" latinLnBrk="0" hangingPunct="1">
-              <a:buFontTx/>
-              <a:buNone/>
-            </a:pPr>
-            <a:r>
-              <a:rPr lang="ko-KR" sz="1800" b="1">
-                <a:solidFill>
-                  <a:srgbClr val="0611F2"/>
-                </a:solidFill>
-                <a:latin typeface="맑은 고딕" charset="0"/>
-                <a:ea typeface="맑은 고딕" charset="0"/>
-              </a:rPr>
-              <a:t>27</a:t>
-            </a:r>
-            <a:r>
-              <a:rPr sz="1800" b="1">
-                <a:solidFill>
-                  <a:srgbClr val="0611F2"/>
-                </a:solidFill>
-                <a:latin typeface="맑은 고딕" charset="0"/>
-                <a:ea typeface="맑은 고딕" charset="0"/>
-              </a:rPr>
-              <a:t>.</a:t>
-            </a:r>
-            <a:r>
-              <a:rPr sz="1800">
-                <a:latin typeface="맑은 고딕" charset="0"/>
-                <a:ea typeface="맑은 고딕" charset="0"/>
-              </a:rPr>
-              <a:t> </a:t>
-            </a:r>
-            <a:r>
-              <a:rPr lang="ko-KR" sz="1800">
-                <a:latin typeface="맑은 고딕" charset="0"/>
-                <a:ea typeface="맑은 고딕" charset="0"/>
-              </a:rPr>
-              <a:t>그러고 나서 빈 게임 오브젝트를 4개 생성합니다.</a:t>
-            </a:r>
-            <a:endParaRPr lang="ko-KR" altLang="en-US" sz="1800">
-              <a:latin typeface="맑은 고딕" charset="0"/>
-              <a:ea typeface="맑은 고딕" charset="0"/>
-            </a:endParaRPr>
-          </a:p>
-          <a:p>
-            <a:pPr marL="0" indent="0" rtl="0" algn="l" defTabSz="914400" eaLnBrk="1" latinLnBrk="0" hangingPunct="1">
-              <a:buFontTx/>
-              <a:buNone/>
-            </a:pPr>
-            <a:endParaRPr lang="ko-KR" altLang="en-US" sz="1800">
-              <a:latin typeface="맑은 고딕" charset="0"/>
-              <a:ea typeface="맑은 고딕" charset="0"/>
-            </a:endParaRPr>
-          </a:p>
-          <a:p>
-            <a:pPr marL="0" indent="0" rtl="0" algn="l" defTabSz="914400" eaLnBrk="1" latinLnBrk="0" hangingPunct="1">
-              <a:buFontTx/>
-              <a:buNone/>
-            </a:pPr>
-            <a:r>
-              <a:rPr lang="ko-KR" sz="1800">
-                <a:latin typeface="맑은 고딕" charset="0"/>
-                <a:ea typeface="맑은 고딕" charset="0"/>
-              </a:rPr>
-              <a:t>이제 각각의 이름을 First Point와 Second Point 그리고 Third Point 마지막으로 Four Point라는 이름으로 정의합니다.</a:t>
-            </a:r>
-            <a:endParaRPr lang="ko-KR" altLang="en-US" sz="1800">
-              <a:latin typeface="맑은 고딕" charset="0"/>
-              <a:ea typeface="맑은 고딕" charset="0"/>
-            </a:endParaRPr>
-          </a:p>
-        </p:txBody>
-      </p:sp>
-      <p:sp>
-        <p:nvSpPr>
-          <p:cNvPr id="56" name="Rect 0"/>
-          <p:cNvSpPr txBox="1">
-            <a:spLocks/>
-          </p:cNvSpPr>
-          <p:nvPr/>
-        </p:nvSpPr>
-        <p:spPr>
-          <a:xfrm rot="0">
-            <a:off x="1230630" y="4982210"/>
-            <a:ext cx="4140200" cy="1200785"/>
-          </a:xfrm>
-          <a:prstGeom prst="rect"/>
-          <a:noFill/>
-          <a:ln w="0">
-            <a:noFill/>
-            <a:prstDash/>
-          </a:ln>
-        </p:spPr>
-        <p:txBody>
-          <a:bodyPr wrap="square" lIns="89535" tIns="46355" rIns="89535" bIns="46355" numCol="1" vert="horz" anchor="t">
-            <a:spAutoFit/>
-          </a:bodyPr>
-          <a:lstStyle/>
-          <a:p>
-            <a:pPr marL="0" indent="0" rtl="0" algn="l" defTabSz="914400" eaLnBrk="1" latinLnBrk="0" hangingPunct="1">
-              <a:buFontTx/>
-              <a:buNone/>
-            </a:pPr>
-            <a:r>
-              <a:rPr sz="1800" b="1">
-                <a:solidFill>
-                  <a:srgbClr val="0611F2"/>
-                </a:solidFill>
-                <a:latin typeface="맑은 고딕" charset="0"/>
-                <a:ea typeface="맑은 고딕" charset="0"/>
-              </a:rPr>
-              <a:t>2</a:t>
-            </a:r>
-            <a:r>
-              <a:rPr lang="ko-KR" sz="1800" b="1">
-                <a:solidFill>
-                  <a:srgbClr val="0611F2"/>
-                </a:solidFill>
-                <a:latin typeface="맑은 고딕" charset="0"/>
-                <a:ea typeface="맑은 고딕" charset="0"/>
-              </a:rPr>
-              <a:t>6</a:t>
-            </a:r>
-            <a:r>
-              <a:rPr sz="1800" b="1">
-                <a:solidFill>
-                  <a:srgbClr val="0611F2"/>
-                </a:solidFill>
-                <a:latin typeface="맑은 고딕" charset="0"/>
-                <a:ea typeface="맑은 고딕" charset="0"/>
-              </a:rPr>
-              <a:t>.</a:t>
-            </a:r>
-            <a:r>
-              <a:rPr sz="1800">
-                <a:latin typeface="맑은 고딕" charset="0"/>
-                <a:ea typeface="맑은 고딕" charset="0"/>
-              </a:rPr>
-              <a:t> </a:t>
-            </a:r>
-            <a:r>
-              <a:rPr lang="ko-KR" sz="1800">
-                <a:latin typeface="맑은 고딕" charset="0"/>
-                <a:ea typeface="맑은 고딕" charset="0"/>
-              </a:rPr>
-              <a:t>그런 다음 마스터 클라이언트에서만 ObjectCreation( ) 코루틴 함수로 5초 마다 호출하도록 설정합니다.</a:t>
-            </a:r>
-            <a:endParaRPr lang="ko-KR" altLang="en-US" sz="1800">
-              <a:latin typeface="맑은 고딕" charset="0"/>
-              <a:ea typeface="맑은 고딕" charset="0"/>
-            </a:endParaRPr>
-          </a:p>
-        </p:txBody>
-      </p:sp>
-      <p:pic>
-        <p:nvPicPr>
-          <p:cNvPr id="67" name="그림 81"/>
-          <p:cNvPicPr>
-            <a:picLocks noChangeAspect="1"/>
-          </p:cNvPicPr>
-          <p:nvPr/>
-        </p:nvPicPr>
-        <p:blipFill rotWithShape="1">
-          <a:blip r:embed="rId2" cstate="print">
-            <a:extLst>
-              <a:ext uri="{28A0092B-C50C-407E-A947-70E740481C1C}">
-                <a14:useLocalDpi xmlns:a14="http://schemas.microsoft.com/office/drawing/2010/main" val="0"/>
-              </a:ext>
-            </a:extLst>
-          </a:blip>
-          <a:stretch>
-            <a:fillRect/>
-          </a:stretch>
-        </p:blipFill>
-        <p:spPr>
-          <a:xfrm rot="0">
-            <a:off x="1222375" y="1438910"/>
-            <a:ext cx="4148455" cy="3391535"/>
-          </a:xfrm>
-          <a:prstGeom prst="rect"/>
-          <a:noFill/>
-        </p:spPr>
-      </p:pic>
-      <p:pic>
-        <p:nvPicPr>
-          <p:cNvPr id="69" name="그림 86" descr="C:/Users/Admin1/AppData/Roaming/PolarisOffice/ETemp/8600_9634312/fImage330252115705.png"/>
-          <p:cNvPicPr>
-            <a:picLocks noChangeAspect="1"/>
-          </p:cNvPicPr>
-          <p:nvPr/>
-        </p:nvPicPr>
-        <p:blipFill rotWithShape="1">
-          <a:blip r:embed="rId3" cstate="hqprint">
-            <a:extLst>
-              <a:ext uri="{28A0092B-C50C-407E-A947-70E740481C1C}">
-                <a14:useLocalDpi xmlns:a14="http://schemas.microsoft.com/office/drawing/2010/main"/>
-              </a:ext>
-            </a:extLst>
-          </a:blip>
-          <a:stretch>
-            <a:fillRect/>
-          </a:stretch>
-        </p:blipFill>
-        <p:spPr>
-          <a:xfrm rot="0">
-            <a:off x="6800215" y="1438275"/>
-            <a:ext cx="2411730" cy="2553335"/>
-          </a:xfrm>
-          <a:prstGeom prst="roundRect"/>
-          <a:solidFill>
-            <a:srgbClr val="EDEDED"/>
-          </a:solidFill>
-        </p:spPr>
-      </p:pic>
-      <p:pic>
-        <p:nvPicPr>
-          <p:cNvPr id="70" name="그림 87"/>
-          <p:cNvPicPr>
-            <a:picLocks noChangeAspect="1"/>
-          </p:cNvPicPr>
-          <p:nvPr/>
-        </p:nvPicPr>
-        <p:blipFill rotWithShape="1">
-          <a:blip r:embed="rId4" cstate="print">
-            <a:extLst>
-              <a:ext uri="{28A0092B-C50C-407E-A947-70E740481C1C}">
-                <a14:useLocalDpi xmlns:a14="http://schemas.microsoft.com/office/drawing/2010/main" val="0"/>
-              </a:ext>
-            </a:extLst>
-          </a:blip>
-          <a:stretch>
-            <a:fillRect/>
-          </a:stretch>
-        </p:blipFill>
-        <p:spPr>
-          <a:xfrm rot="0">
-            <a:off x="9393555" y="1704340"/>
-            <a:ext cx="1588770" cy="2012315"/>
-          </a:xfrm>
-          <a:prstGeom prst="roundRect"/>
-          <a:solidFill>
-            <a:srgbClr val="EDEDED"/>
-          </a:solidFill>
-        </p:spPr>
-      </p:pic>
-    </p:spTree>
-  </p:cSld>
-  <p:clrMapOvr>
-    <a:masterClrMapping/>
-  </p:clrMapOvr>
-  <mc:AlternateContent xmlns:mc="http://schemas.openxmlformats.org/markup-compatibility/2006">
-    <mc:Choice xmlns:p14="http://schemas.microsoft.com/office/powerpoint/2010/main" Requires="p14">
-      <p:transition spd="slow" p14:dur="2000"/>
-    </mc:Choice>
-    <mc:Fallback>
-      <p:transition spd="slow"/>
-    </mc:Fallback>
-  </mc:AlternateContent>
-  <p:timing>
-    <p:tnLst>
-      <p:par>
-        <p:cTn id="1" dur="indefinite" restart="never" nodeType="tmRoot"/>
-      </p:par>
-    </p:tnLst>
-  </p:timing>
-</p:sld>
-</file>
-
-<file path=ppt/slides/slide14.xml><?xml version="1.0" encoding="utf-8"?>
-<p:sld xmlns:a="http://schemas.openxmlformats.org/drawingml/2006/main" xmlns:r="http://schemas.openxmlformats.org/officeDocument/2006/relationships" xmlns:p="http://schemas.openxmlformats.org/presentationml/2006/main" xmlns:p14="http://schemas.microsoft.com/office/powerpoint/2010/main">
-  <p:cSld>
-    <p:spTree>
-      <p:nvGrpSpPr>
-        <p:cNvPr id="1" name=""/>
-        <p:cNvGrpSpPr/>
-        <p:nvPr/>
-      </p:nvGrpSpPr>
-      <p:grpSpPr>
-        <a:xfrm>
-          <a:off x="0" y="0"/>
-          <a:ext cx="0" cy="0"/>
-          <a:chOff x="0" y="0"/>
-          <a:chExt cx="0" cy="0"/>
-        </a:xfrm>
-      </p:grpSpPr>
-      <p:sp>
-        <p:nvSpPr>
-          <p:cNvPr id="29" name="Rect 0"/>
-          <p:cNvSpPr txBox="1">
-            <a:spLocks/>
-          </p:cNvSpPr>
-          <p:nvPr/>
-        </p:nvSpPr>
-        <p:spPr>
-          <a:xfrm rot="0">
-            <a:off x="1229995" y="1337310"/>
-            <a:ext cx="4039870" cy="371475"/>
-          </a:xfrm>
-          <a:prstGeom prst="rect"/>
-          <a:noFill/>
-          <a:ln w="0">
-            <a:noFill/>
-            <a:prstDash/>
-          </a:ln>
-        </p:spPr>
-        <p:txBody>
-          <a:bodyPr wrap="square" lIns="89535" tIns="46355" rIns="89535" bIns="46355" numCol="1" vert="horz" anchor="t">
-            <a:spAutoFit/>
-          </a:bodyPr>
-          <a:lstStyle/>
-          <a:p>
-            <a:pPr marL="0" indent="0" algn="l" latinLnBrk="0" hangingPunct="1">
-              <a:buFontTx/>
-              <a:buNone/>
-            </a:pPr>
-            <a:endParaRPr lang="ko-KR" altLang="en-US" sz="1800">
-              <a:latin typeface="맑은 고딕" charset="0"/>
-              <a:ea typeface="맑은 고딕" charset="0"/>
-            </a:endParaRPr>
-          </a:p>
-        </p:txBody>
-      </p:sp>
-      <p:sp>
-        <p:nvSpPr>
-          <p:cNvPr id="35" name="Rect 0"/>
-          <p:cNvSpPr txBox="1">
-            <a:spLocks/>
-          </p:cNvSpPr>
-          <p:nvPr/>
-        </p:nvSpPr>
-        <p:spPr>
-          <a:xfrm rot="0">
-            <a:off x="4326255" y="459740"/>
-            <a:ext cx="3538855" cy="554990"/>
-          </a:xfrm>
-          <a:prstGeom prst="rect"/>
-          <a:noFill/>
-          <a:ln w="0">
-            <a:noFill/>
-            <a:prstDash/>
-          </a:ln>
-        </p:spPr>
-        <p:txBody>
-          <a:bodyPr wrap="square" lIns="89535" tIns="46355" rIns="89535" bIns="46355" numCol="1" vert="horz" anchor="t">
-            <a:spAutoFit/>
-          </a:bodyPr>
-          <a:lstStyle/>
-          <a:p>
-            <a:pPr marL="0" indent="0" rtl="0" algn="l" defTabSz="914400" eaLnBrk="1" latinLnBrk="0" hangingPunct="1">
-              <a:buFontTx/>
-              <a:buNone/>
-            </a:pPr>
-            <a:r>
-              <a:rPr lang="ko-KR" sz="3000" b="1">
-                <a:latin typeface="맑은 고딕" charset="0"/>
-                <a:ea typeface="맑은 고딕" charset="0"/>
-              </a:rPr>
-              <a:t>열세</a:t>
-            </a:r>
-            <a:r>
-              <a:rPr lang="ko-KR" sz="3000" b="1">
-                <a:latin typeface="맑은 고딕" charset="0"/>
-                <a:ea typeface="맑은 고딕" charset="0"/>
-              </a:rPr>
-              <a:t> 번째 튜토리얼</a:t>
-            </a:r>
-            <a:r>
-              <a:rPr sz="3000" b="1">
-                <a:latin typeface="맑은 고딕" charset="0"/>
-                <a:ea typeface="맑은 고딕" charset="0"/>
-              </a:rPr>
-              <a:t> </a:t>
-            </a:r>
-            <a:endParaRPr lang="ko-KR" altLang="en-US" sz="3000" b="1">
-              <a:latin typeface="맑은 고딕" charset="0"/>
-              <a:ea typeface="맑은 고딕" charset="0"/>
-            </a:endParaRPr>
-          </a:p>
-        </p:txBody>
-      </p:sp>
-      <p:sp>
-        <p:nvSpPr>
-          <p:cNvPr id="45" name="Rect 0"/>
-          <p:cNvSpPr txBox="1">
-            <a:spLocks/>
-          </p:cNvSpPr>
-          <p:nvPr/>
-        </p:nvSpPr>
-        <p:spPr>
-          <a:xfrm rot="0">
-            <a:off x="6791960" y="3054350"/>
-            <a:ext cx="4156710" cy="3138805"/>
-          </a:xfrm>
-          <a:prstGeom prst="rect"/>
-          <a:noFill/>
-          <a:ln w="0">
-            <a:noFill/>
-            <a:prstDash/>
-          </a:ln>
-        </p:spPr>
-        <p:txBody>
-          <a:bodyPr wrap="square" lIns="89535" tIns="46355" rIns="89535" bIns="46355" numCol="1" vert="horz" anchor="t">
-            <a:spAutoFit/>
-          </a:bodyPr>
-          <a:lstStyle/>
-          <a:p>
-            <a:pPr marL="0" indent="0" rtl="0" algn="l" defTabSz="914400" eaLnBrk="1" latinLnBrk="0" hangingPunct="1">
-              <a:buFontTx/>
-              <a:buNone/>
-            </a:pPr>
-            <a:r>
-              <a:rPr lang="ko-KR" sz="1800" b="1">
-                <a:solidFill>
-                  <a:srgbClr val="0611F2"/>
-                </a:solidFill>
-                <a:latin typeface="맑은 고딕" charset="0"/>
-                <a:ea typeface="맑은 고딕" charset="0"/>
-              </a:rPr>
-              <a:t>29</a:t>
-            </a:r>
-            <a:r>
-              <a:rPr sz="1800" b="1">
-                <a:solidFill>
-                  <a:srgbClr val="0611F2"/>
-                </a:solidFill>
-                <a:latin typeface="맑은 고딕" charset="0"/>
-                <a:ea typeface="맑은 고딕" charset="0"/>
-              </a:rPr>
-              <a:t>.</a:t>
-            </a:r>
-            <a:r>
-              <a:rPr sz="1800">
-                <a:latin typeface="맑은 고딕" charset="0"/>
-                <a:ea typeface="맑은 고딕" charset="0"/>
-              </a:rPr>
-              <a:t> </a:t>
-            </a:r>
-            <a:r>
-              <a:rPr lang="ko-KR" sz="1800">
-                <a:latin typeface="맑은 고딕" charset="0"/>
-                <a:ea typeface="맑은 고딕" charset="0"/>
-              </a:rPr>
-              <a:t>그런 다음 Create Crystal 오브젝트에 있는 CreateCrystal 스크립트의 Point를 4개 설정합니다. </a:t>
-            </a:r>
-            <a:endParaRPr lang="ko-KR" altLang="en-US" sz="1800">
-              <a:latin typeface="맑은 고딕" charset="0"/>
-              <a:ea typeface="맑은 고딕" charset="0"/>
-            </a:endParaRPr>
-          </a:p>
-          <a:p>
-            <a:pPr marL="0" indent="0" rtl="0" algn="l" defTabSz="914400" eaLnBrk="1" latinLnBrk="0" hangingPunct="1">
-              <a:buFontTx/>
-              <a:buNone/>
-            </a:pPr>
-            <a:endParaRPr lang="ko-KR" altLang="en-US" sz="1800">
-              <a:latin typeface="맑은 고딕" charset="0"/>
-              <a:ea typeface="맑은 고딕" charset="0"/>
-            </a:endParaRPr>
-          </a:p>
-          <a:p>
-            <a:pPr marL="0" indent="0" rtl="0" algn="l" defTabSz="914400" eaLnBrk="1" latinLnBrk="0" hangingPunct="1">
-              <a:buFontTx/>
-              <a:buNone/>
-            </a:pPr>
-            <a:r>
-              <a:rPr lang="ko-KR" sz="1800">
-                <a:latin typeface="맑은 고딕" charset="0"/>
-                <a:ea typeface="맑은 고딕" charset="0"/>
-              </a:rPr>
-              <a:t>이제 Element 0에는 First Point를 넣어주고 Element 1에는 Second Point를 넣어줍니다.</a:t>
-            </a:r>
-            <a:endParaRPr lang="ko-KR" altLang="en-US" sz="1800">
-              <a:latin typeface="맑은 고딕" charset="0"/>
-              <a:ea typeface="맑은 고딕" charset="0"/>
-            </a:endParaRPr>
-          </a:p>
-          <a:p>
-            <a:pPr marL="0" indent="0" rtl="0" algn="l" defTabSz="914400" eaLnBrk="1" latinLnBrk="0" hangingPunct="1">
-              <a:buFontTx/>
-              <a:buNone/>
-            </a:pPr>
-            <a:endParaRPr lang="ko-KR" altLang="en-US" sz="1800">
-              <a:latin typeface="맑은 고딕" charset="0"/>
-              <a:ea typeface="맑은 고딕" charset="0"/>
-            </a:endParaRPr>
-          </a:p>
-          <a:p>
-            <a:pPr marL="0" indent="0" rtl="0" algn="l" defTabSz="914400" eaLnBrk="1" latinLnBrk="0" hangingPunct="1">
-              <a:buFontTx/>
-              <a:buNone/>
-            </a:pPr>
-            <a:r>
-              <a:rPr lang="ko-KR" sz="1800">
-                <a:latin typeface="맑은 고딕" charset="0"/>
-                <a:ea typeface="맑은 고딕" charset="0"/>
-              </a:rPr>
-              <a:t>그리고 Element 2에는 Third Point를 넣어준 다음 Element 3에는 Four Point를 넣어줍니다.</a:t>
-            </a:r>
-            <a:endParaRPr lang="ko-KR" altLang="en-US" sz="1800">
-              <a:latin typeface="맑은 고딕" charset="0"/>
-              <a:ea typeface="맑은 고딕" charset="0"/>
-            </a:endParaRPr>
-          </a:p>
-        </p:txBody>
-      </p:sp>
-      <p:sp>
-        <p:nvSpPr>
-          <p:cNvPr id="56" name="Rect 0"/>
-          <p:cNvSpPr txBox="1">
-            <a:spLocks/>
-          </p:cNvSpPr>
-          <p:nvPr/>
-        </p:nvSpPr>
-        <p:spPr>
-          <a:xfrm rot="0">
-            <a:off x="1230630" y="5273040"/>
-            <a:ext cx="4148455" cy="923925"/>
-          </a:xfrm>
-          <a:prstGeom prst="rect"/>
-          <a:noFill/>
-          <a:ln w="0">
-            <a:noFill/>
-            <a:prstDash/>
-          </a:ln>
-        </p:spPr>
-        <p:txBody>
-          <a:bodyPr wrap="square" lIns="89535" tIns="46355" rIns="89535" bIns="46355" numCol="1" vert="horz" anchor="t">
-            <a:spAutoFit/>
-          </a:bodyPr>
-          <a:lstStyle/>
-          <a:p>
-            <a:pPr marL="0" indent="0" rtl="0" algn="l" defTabSz="914400" eaLnBrk="1" latinLnBrk="0" hangingPunct="1">
-              <a:buFontTx/>
-              <a:buNone/>
-            </a:pPr>
-            <a:r>
-              <a:rPr sz="1800" b="1">
-                <a:solidFill>
-                  <a:srgbClr val="0611F2"/>
-                </a:solidFill>
-                <a:latin typeface="맑은 고딕" charset="0"/>
-                <a:ea typeface="맑은 고딕" charset="0"/>
-              </a:rPr>
-              <a:t>2</a:t>
-            </a:r>
-            <a:r>
-              <a:rPr lang="ko-KR" sz="1800" b="1">
-                <a:solidFill>
-                  <a:srgbClr val="0611F2"/>
-                </a:solidFill>
-                <a:latin typeface="맑은 고딕" charset="0"/>
-                <a:ea typeface="맑은 고딕" charset="0"/>
-              </a:rPr>
-              <a:t>8</a:t>
-            </a:r>
-            <a:r>
-              <a:rPr sz="1800" b="1">
-                <a:solidFill>
-                  <a:srgbClr val="0611F2"/>
-                </a:solidFill>
-                <a:latin typeface="맑은 고딕" charset="0"/>
-                <a:ea typeface="맑은 고딕" charset="0"/>
-              </a:rPr>
-              <a:t>.</a:t>
-            </a:r>
-            <a:r>
-              <a:rPr sz="1800">
-                <a:latin typeface="맑은 고딕" charset="0"/>
-                <a:ea typeface="맑은 고딕" charset="0"/>
-              </a:rPr>
-              <a:t> </a:t>
-            </a:r>
-            <a:r>
-              <a:rPr lang="ko-KR" sz="1800">
-                <a:latin typeface="맑은 고딕" charset="0"/>
-                <a:ea typeface="맑은 고딕" charset="0"/>
-              </a:rPr>
-              <a:t>그다음 아까 생성한 4개의 빈 게임 오브젝트를 선택하고 Select Icon을 설정합니다.</a:t>
-            </a:r>
-            <a:endParaRPr lang="ko-KR" altLang="en-US" sz="1800">
-              <a:latin typeface="맑은 고딕" charset="0"/>
-              <a:ea typeface="맑은 고딕" charset="0"/>
-            </a:endParaRPr>
-          </a:p>
-        </p:txBody>
-      </p:sp>
-      <p:pic>
-        <p:nvPicPr>
-          <p:cNvPr id="71" name="그림 90"/>
-          <p:cNvPicPr>
-            <a:picLocks noChangeAspect="1"/>
-          </p:cNvPicPr>
-          <p:nvPr/>
-        </p:nvPicPr>
-        <p:blipFill rotWithShape="1">
-          <a:blip r:embed="rId2" cstate="print">
-            <a:extLst>
-              <a:ext uri="{28A0092B-C50C-407E-A947-70E740481C1C}">
-                <a14:useLocalDpi xmlns:a14="http://schemas.microsoft.com/office/drawing/2010/main" val="0"/>
-              </a:ext>
-            </a:extLst>
-          </a:blip>
-          <a:stretch>
-            <a:fillRect/>
-          </a:stretch>
-        </p:blipFill>
-        <p:spPr>
-          <a:xfrm rot="0">
-            <a:off x="3807460" y="2185670"/>
-            <a:ext cx="1571625" cy="2479040"/>
-          </a:xfrm>
-          <a:prstGeom prst="roundRect"/>
-          <a:solidFill>
-            <a:srgbClr val="EDEDED"/>
-          </a:solidFill>
-        </p:spPr>
-      </p:pic>
-      <p:pic>
-        <p:nvPicPr>
-          <p:cNvPr id="72" name="그림 93"/>
-          <p:cNvPicPr>
-            <a:picLocks noChangeAspect="1"/>
-          </p:cNvPicPr>
-          <p:nvPr/>
-        </p:nvPicPr>
-        <p:blipFill rotWithShape="1">
-          <a:blip r:embed="rId3" cstate="print">
-            <a:extLst>
-              <a:ext uri="{28A0092B-C50C-407E-A947-70E740481C1C}">
-                <a14:useLocalDpi xmlns:a14="http://schemas.microsoft.com/office/drawing/2010/main" val="0"/>
-              </a:ext>
-            </a:extLst>
-          </a:blip>
-          <a:stretch>
-            <a:fillRect/>
-          </a:stretch>
-        </p:blipFill>
-        <p:spPr>
-          <a:xfrm rot="0">
-            <a:off x="1227455" y="1430020"/>
-            <a:ext cx="2414270" cy="3633470"/>
-          </a:xfrm>
-          <a:prstGeom prst="roundRect"/>
-          <a:solidFill>
-            <a:srgbClr val="EDEDED"/>
-          </a:solidFill>
-        </p:spPr>
-      </p:pic>
-      <p:pic>
-        <p:nvPicPr>
-          <p:cNvPr id="73" name="그림 94"/>
-          <p:cNvPicPr>
-            <a:picLocks noChangeAspect="1"/>
-          </p:cNvPicPr>
-          <p:nvPr/>
-        </p:nvPicPr>
-        <p:blipFill rotWithShape="1">
-          <a:blip r:embed="rId4" cstate="print">
-            <a:extLst>
-              <a:ext uri="{28A0092B-C50C-407E-A947-70E740481C1C}">
-                <a14:useLocalDpi xmlns:a14="http://schemas.microsoft.com/office/drawing/2010/main" val="0"/>
-              </a:ext>
-            </a:extLst>
-          </a:blip>
-          <a:stretch>
-            <a:fillRect/>
-          </a:stretch>
-        </p:blipFill>
-        <p:spPr>
-          <a:xfrm rot="0">
-            <a:off x="8238490" y="1440180"/>
-            <a:ext cx="2719070" cy="1486535"/>
-          </a:xfrm>
-          <a:prstGeom prst="roundRect"/>
-          <a:solidFill>
-            <a:srgbClr val="EDEDED"/>
-          </a:solidFill>
-        </p:spPr>
-      </p:pic>
-      <p:pic>
-        <p:nvPicPr>
-          <p:cNvPr id="74" name="그림 97"/>
-          <p:cNvPicPr>
-            <a:picLocks noChangeAspect="1"/>
-          </p:cNvPicPr>
-          <p:nvPr/>
-        </p:nvPicPr>
-        <p:blipFill rotWithShape="1">
-          <a:blip r:embed="rId5" cstate="print">
-            <a:extLst>
-              <a:ext uri="{28A0092B-C50C-407E-A947-70E740481C1C}">
-                <a14:useLocalDpi xmlns:a14="http://schemas.microsoft.com/office/drawing/2010/main" val="0"/>
-              </a:ext>
-            </a:extLst>
-          </a:blip>
-          <a:stretch>
-            <a:fillRect/>
-          </a:stretch>
-        </p:blipFill>
-        <p:spPr>
-          <a:xfrm rot="0">
-            <a:off x="6783705" y="1430020"/>
-            <a:ext cx="1322070" cy="1501775"/>
-          </a:xfrm>
-          <a:prstGeom prst="roundRect"/>
-          <a:solidFill>
-            <a:srgbClr val="EDEDED"/>
-          </a:solidFill>
-        </p:spPr>
-      </p:pic>
-      <p:cxnSp>
-        <p:nvCxnSpPr>
-          <p:cNvPr id="75" name="도형 102"/>
-          <p:cNvCxnSpPr/>
-          <p:nvPr/>
-        </p:nvCxnSpPr>
-        <p:spPr>
-          <a:xfrm rot="0" flipV="1">
-            <a:off x="7498715" y="2103120"/>
-            <a:ext cx="3325495" cy="457835"/>
-          </a:xfrm>
-          <a:prstGeom prst="straightConnector1"/>
-          <a:ln w="6350" cap="flat" cmpd="sng">
-            <a:prstDash/>
-            <a:headEnd type="none" w="med" len="med"/>
-            <a:tailEnd type="triangle" w="med" len="med"/>
-          </a:ln>
-        </p:spPr>
-        <p:style>
-          <a:lnRef idx="1">
-            <a:schemeClr val="accent1"/>
-          </a:lnRef>
-          <a:fillRef idx="0">
-            <a:schemeClr val="accent1"/>
-          </a:fillRef>
-          <a:effectRef idx="0">
-            <a:schemeClr val="accent1"/>
-          </a:effectRef>
-          <a:fontRef idx="minor">
-            <a:schemeClr val="tx1"/>
-          </a:fontRef>
-        </p:style>
-      </p:cxnSp>
-      <p:cxnSp>
-        <p:nvCxnSpPr>
-          <p:cNvPr id="76" name="도형 103"/>
-          <p:cNvCxnSpPr/>
-          <p:nvPr/>
-        </p:nvCxnSpPr>
-        <p:spPr>
-          <a:xfrm rot="0" flipV="1">
-            <a:off x="7656195" y="2244725"/>
-            <a:ext cx="3176270" cy="407670"/>
-          </a:xfrm>
-          <a:prstGeom prst="straightConnector1"/>
-          <a:ln w="6350" cap="flat" cmpd="sng">
-            <a:prstDash/>
-            <a:headEnd type="none" w="med" len="med"/>
-            <a:tailEnd type="triangle" w="med" len="med"/>
-          </a:ln>
-        </p:spPr>
-        <p:style>
-          <a:lnRef idx="1">
-            <a:schemeClr val="accent1"/>
-          </a:lnRef>
-          <a:fillRef idx="0">
-            <a:schemeClr val="accent1"/>
-          </a:fillRef>
-          <a:effectRef idx="0">
-            <a:schemeClr val="accent1"/>
-          </a:effectRef>
-          <a:fontRef idx="minor">
-            <a:schemeClr val="tx1"/>
-          </a:fontRef>
-        </p:style>
-      </p:cxnSp>
-      <p:cxnSp>
-        <p:nvCxnSpPr>
-          <p:cNvPr id="77" name="도형 104"/>
-          <p:cNvCxnSpPr/>
-          <p:nvPr/>
-        </p:nvCxnSpPr>
-        <p:spPr>
-          <a:xfrm rot="0" flipV="1">
-            <a:off x="7556500" y="2419350"/>
-            <a:ext cx="3267710" cy="340995"/>
-          </a:xfrm>
-          <a:prstGeom prst="straightConnector1"/>
-          <a:ln w="6350" cap="flat" cmpd="sng">
-            <a:prstDash/>
-            <a:headEnd type="none" w="med" len="med"/>
-            <a:tailEnd type="triangle" w="med" len="med"/>
-          </a:ln>
-        </p:spPr>
-        <p:style>
-          <a:lnRef idx="1">
-            <a:schemeClr val="accent1"/>
-          </a:lnRef>
-          <a:fillRef idx="0">
-            <a:schemeClr val="accent1"/>
-          </a:fillRef>
-          <a:effectRef idx="0">
-            <a:schemeClr val="accent1"/>
-          </a:effectRef>
-          <a:fontRef idx="minor">
-            <a:schemeClr val="tx1"/>
-          </a:fontRef>
-        </p:style>
-      </p:cxnSp>
-      <p:cxnSp>
-        <p:nvCxnSpPr>
-          <p:cNvPr id="78" name="도형 105"/>
-          <p:cNvCxnSpPr/>
-          <p:nvPr/>
-        </p:nvCxnSpPr>
-        <p:spPr>
-          <a:xfrm rot="0" flipV="1">
-            <a:off x="7523480" y="2568575"/>
-            <a:ext cx="3308985" cy="299720"/>
-          </a:xfrm>
-          <a:prstGeom prst="straightConnector1"/>
-          <a:ln w="6350" cap="flat" cmpd="sng">
-            <a:prstDash/>
-            <a:headEnd type="none" w="med" len="med"/>
-            <a:tailEnd type="triangle" w="med" len="med"/>
-          </a:ln>
-        </p:spPr>
-        <p:style>
-          <a:lnRef idx="1">
-            <a:schemeClr val="accent1"/>
-          </a:lnRef>
-          <a:fillRef idx="0">
-            <a:schemeClr val="accent1"/>
-          </a:fillRef>
-          <a:effectRef idx="0">
-            <a:schemeClr val="accent1"/>
-          </a:effectRef>
-          <a:fontRef idx="minor">
-            <a:schemeClr val="tx1"/>
-          </a:fontRef>
-        </p:style>
-      </p:cxnSp>
-    </p:spTree>
-  </p:cSld>
-  <p:clrMapOvr>
-    <a:masterClrMapping/>
-  </p:clrMapOvr>
-  <mc:AlternateContent xmlns:mc="http://schemas.openxmlformats.org/markup-compatibility/2006">
-    <mc:Choice xmlns:p14="http://schemas.microsoft.com/office/powerpoint/2010/main" Requires="p14">
-      <p:transition spd="slow" p14:dur="2000"/>
-    </mc:Choice>
-    <mc:Fallback>
-      <p:transition spd="slow"/>
-    </mc:Fallback>
-  </mc:AlternateContent>
-  <p:timing>
-    <p:tnLst>
-      <p:par>
-        <p:cTn id="1" dur="indefinite" restart="never" nodeType="tmRoot"/>
-      </p:par>
-    </p:tnLst>
-  </p:timing>
-</p:sld>
-</file>
-
-<file path=ppt/slides/slide15.xml><?xml version="1.0" encoding="utf-8"?>
-<p:sld xmlns:a="http://schemas.openxmlformats.org/drawingml/2006/main" xmlns:r="http://schemas.openxmlformats.org/officeDocument/2006/relationships" xmlns:p="http://schemas.openxmlformats.org/presentationml/2006/main" xmlns:p14="http://schemas.microsoft.com/office/powerpoint/2010/main">
-  <p:cSld>
-    <p:spTree>
-      <p:nvGrpSpPr>
-        <p:cNvPr id="1" name=""/>
-        <p:cNvGrpSpPr/>
-        <p:nvPr/>
-      </p:nvGrpSpPr>
-      <p:grpSpPr>
-        <a:xfrm>
-          <a:off x="0" y="0"/>
-          <a:ext cx="0" cy="0"/>
-          <a:chOff x="0" y="0"/>
-          <a:chExt cx="0" cy="0"/>
-        </a:xfrm>
-      </p:grpSpPr>
-      <p:sp>
-        <p:nvSpPr>
-          <p:cNvPr id="29" name="Rect 0"/>
-          <p:cNvSpPr txBox="1">
-            <a:spLocks/>
-          </p:cNvSpPr>
-          <p:nvPr/>
-        </p:nvSpPr>
-        <p:spPr>
-          <a:xfrm rot="0">
-            <a:off x="1229995" y="1337310"/>
-            <a:ext cx="4039870" cy="371475"/>
-          </a:xfrm>
-          <a:prstGeom prst="rect"/>
-          <a:noFill/>
-          <a:ln w="0">
-            <a:noFill/>
-            <a:prstDash/>
-          </a:ln>
-        </p:spPr>
-        <p:txBody>
-          <a:bodyPr wrap="square" lIns="89535" tIns="46355" rIns="89535" bIns="46355" numCol="1" vert="horz" anchor="t">
-            <a:spAutoFit/>
-          </a:bodyPr>
-          <a:lstStyle/>
-          <a:p>
-            <a:pPr marL="0" indent="0" algn="l" latinLnBrk="0" hangingPunct="1">
-              <a:buFontTx/>
-              <a:buNone/>
-            </a:pPr>
-            <a:endParaRPr lang="ko-KR" altLang="en-US" sz="1800">
-              <a:latin typeface="맑은 고딕" charset="0"/>
-              <a:ea typeface="맑은 고딕" charset="0"/>
-            </a:endParaRPr>
-          </a:p>
-        </p:txBody>
-      </p:sp>
-      <p:sp>
-        <p:nvSpPr>
-          <p:cNvPr id="35" name="Rect 0"/>
-          <p:cNvSpPr txBox="1">
-            <a:spLocks/>
-          </p:cNvSpPr>
-          <p:nvPr/>
-        </p:nvSpPr>
-        <p:spPr>
-          <a:xfrm rot="0">
-            <a:off x="4326255" y="459740"/>
-            <a:ext cx="3538855" cy="554990"/>
-          </a:xfrm>
-          <a:prstGeom prst="rect"/>
-          <a:noFill/>
-          <a:ln w="0">
-            <a:noFill/>
-            <a:prstDash/>
-          </a:ln>
-        </p:spPr>
-        <p:txBody>
-          <a:bodyPr wrap="square" lIns="89535" tIns="46355" rIns="89535" bIns="46355" numCol="1" vert="horz" anchor="t">
-            <a:spAutoFit/>
-          </a:bodyPr>
-          <a:lstStyle/>
-          <a:p>
-            <a:pPr marL="0" indent="0" rtl="0" algn="l" defTabSz="914400" eaLnBrk="1" latinLnBrk="0" hangingPunct="1">
-              <a:buFontTx/>
-              <a:buNone/>
-            </a:pPr>
-            <a:r>
-              <a:rPr lang="ko-KR" sz="3000" b="1">
-                <a:latin typeface="맑은 고딕" charset="0"/>
-                <a:ea typeface="맑은 고딕" charset="0"/>
-              </a:rPr>
-              <a:t>열네</a:t>
-            </a:r>
-            <a:r>
-              <a:rPr lang="ko-KR" sz="3000" b="1">
-                <a:latin typeface="맑은 고딕" charset="0"/>
-                <a:ea typeface="맑은 고딕" charset="0"/>
-              </a:rPr>
-              <a:t> 번째 튜토리얼</a:t>
-            </a:r>
-            <a:r>
-              <a:rPr sz="3000" b="1">
-                <a:latin typeface="맑은 고딕" charset="0"/>
-                <a:ea typeface="맑은 고딕" charset="0"/>
-              </a:rPr>
-              <a:t> </a:t>
-            </a:r>
-            <a:endParaRPr lang="ko-KR" altLang="en-US" sz="3000" b="1">
-              <a:latin typeface="맑은 고딕" charset="0"/>
-              <a:ea typeface="맑은 고딕" charset="0"/>
-            </a:endParaRPr>
-          </a:p>
-        </p:txBody>
-      </p:sp>
-      <p:sp>
-        <p:nvSpPr>
-          <p:cNvPr id="56" name="Rect 0"/>
-          <p:cNvSpPr txBox="1">
-            <a:spLocks/>
-          </p:cNvSpPr>
-          <p:nvPr/>
-        </p:nvSpPr>
-        <p:spPr>
-          <a:xfrm rot="0">
-            <a:off x="1230630" y="4159250"/>
-            <a:ext cx="4148455" cy="2031365"/>
-          </a:xfrm>
-          <a:prstGeom prst="rect"/>
-          <a:noFill/>
-          <a:ln w="0">
-            <a:noFill/>
-            <a:prstDash/>
-          </a:ln>
-        </p:spPr>
-        <p:txBody>
-          <a:bodyPr wrap="square" lIns="89535" tIns="46355" rIns="89535" bIns="46355" numCol="1" vert="horz" anchor="t">
-            <a:spAutoFit/>
-          </a:bodyPr>
-          <a:lstStyle/>
-          <a:p>
-            <a:pPr marL="0" indent="0" rtl="0" algn="l" defTabSz="914400" eaLnBrk="1" latinLnBrk="0" hangingPunct="1">
-              <a:buFontTx/>
-              <a:buNone/>
-            </a:pPr>
-            <a:r>
-              <a:rPr lang="ko-KR" sz="1800" b="1">
-                <a:solidFill>
-                  <a:srgbClr val="0611F2"/>
-                </a:solidFill>
-                <a:latin typeface="맑은 고딕" charset="0"/>
-                <a:ea typeface="맑은 고딕" charset="0"/>
-              </a:rPr>
-              <a:t>30</a:t>
-            </a:r>
-            <a:r>
-              <a:rPr sz="1800" b="1">
-                <a:solidFill>
-                  <a:srgbClr val="0611F2"/>
-                </a:solidFill>
-                <a:latin typeface="맑은 고딕" charset="0"/>
-                <a:ea typeface="맑은 고딕" charset="0"/>
-              </a:rPr>
-              <a:t>.</a:t>
-            </a:r>
-            <a:r>
-              <a:rPr sz="1800">
-                <a:latin typeface="맑은 고딕" charset="0"/>
-                <a:ea typeface="맑은 고딕" charset="0"/>
-              </a:rPr>
-              <a:t> </a:t>
-            </a:r>
-            <a:r>
-              <a:rPr lang="ko-KR" sz="1800">
-                <a:latin typeface="맑은 고딕" charset="0"/>
-                <a:ea typeface="맑은 고딕" charset="0"/>
-              </a:rPr>
-              <a:t>그다음으로 First Point 오브젝트와 Second Point 오브젝트의 위치를 설정합니다.</a:t>
-            </a:r>
-            <a:endParaRPr lang="ko-KR" altLang="en-US" sz="1800">
-              <a:latin typeface="맑은 고딕" charset="0"/>
-              <a:ea typeface="맑은 고딕" charset="0"/>
-            </a:endParaRPr>
-          </a:p>
-          <a:p>
-            <a:pPr marL="0" indent="0" rtl="0" algn="l" defTabSz="914400" eaLnBrk="1" latinLnBrk="0" hangingPunct="1">
-              <a:buFontTx/>
-              <a:buNone/>
-            </a:pPr>
-            <a:endParaRPr lang="ko-KR" altLang="en-US" sz="1800">
-              <a:latin typeface="맑은 고딕" charset="0"/>
-              <a:ea typeface="맑은 고딕" charset="0"/>
-            </a:endParaRPr>
-          </a:p>
-          <a:p>
-            <a:pPr marL="0" indent="0" rtl="0" algn="l" defTabSz="914400" eaLnBrk="1" latinLnBrk="0" hangingPunct="1">
-              <a:buFontTx/>
-              <a:buNone/>
-            </a:pPr>
-            <a:r>
-              <a:rPr lang="ko-KR" sz="1800">
-                <a:latin typeface="맑은 고딕" charset="0"/>
-                <a:ea typeface="맑은 고딕" charset="0"/>
-              </a:rPr>
-              <a:t>그러고 나서 Third Point 오브젝트와 Four Point 오브젝트의 위치를 설정합니다.</a:t>
-            </a:r>
-            <a:endParaRPr lang="ko-KR" altLang="en-US" sz="1800">
-              <a:latin typeface="맑은 고딕" charset="0"/>
-              <a:ea typeface="맑은 고딕" charset="0"/>
-            </a:endParaRPr>
-          </a:p>
-        </p:txBody>
-      </p:sp>
-      <p:pic>
-        <p:nvPicPr>
-          <p:cNvPr id="79" name="Picture "/>
-          <p:cNvPicPr>
-            <a:picLocks noChangeAspect="1"/>
-          </p:cNvPicPr>
-          <p:nvPr/>
-        </p:nvPicPr>
-        <p:blipFill rotWithShape="1">
-          <a:blip r:embed="rId2" cstate="print">
-            <a:extLst>
-              <a:ext uri="{28A0092B-C50C-407E-A947-70E740481C1C}">
-                <a14:useLocalDpi xmlns:a14="http://schemas.microsoft.com/office/drawing/2010/main" val="0"/>
-              </a:ext>
-            </a:extLst>
-          </a:blip>
-          <a:stretch>
-            <a:fillRect/>
-          </a:stretch>
-        </p:blipFill>
-        <p:spPr>
-          <a:xfrm rot="0">
-            <a:off x="1230630" y="1421765"/>
-            <a:ext cx="2020570" cy="1211580"/>
-          </a:xfrm>
-          <a:prstGeom prst="roundRect"/>
-          <a:solidFill>
-            <a:srgbClr val="EDEDED"/>
-          </a:solidFill>
-        </p:spPr>
-      </p:pic>
-      <p:pic>
-        <p:nvPicPr>
-          <p:cNvPr id="80" name="Picture "/>
-          <p:cNvPicPr>
-            <a:picLocks noChangeAspect="1"/>
-          </p:cNvPicPr>
-          <p:nvPr/>
-        </p:nvPicPr>
-        <p:blipFill rotWithShape="1">
-          <a:blip r:embed="rId3" cstate="print">
-            <a:extLst>
-              <a:ext uri="{28A0092B-C50C-407E-A947-70E740481C1C}">
-                <a14:useLocalDpi xmlns:a14="http://schemas.microsoft.com/office/drawing/2010/main" val="0"/>
-              </a:ext>
-            </a:extLst>
-          </a:blip>
-          <a:stretch>
-            <a:fillRect/>
-          </a:stretch>
-        </p:blipFill>
-        <p:spPr>
-          <a:xfrm rot="0">
-            <a:off x="3342005" y="1421765"/>
-            <a:ext cx="2037080" cy="1214120"/>
-          </a:xfrm>
-          <a:prstGeom prst="roundRect"/>
-          <a:solidFill>
-            <a:srgbClr val="EDEDED"/>
-          </a:solidFill>
-        </p:spPr>
-      </p:pic>
-      <p:pic>
-        <p:nvPicPr>
-          <p:cNvPr id="81" name="Picture "/>
-          <p:cNvPicPr>
-            <a:picLocks noChangeAspect="1"/>
-          </p:cNvPicPr>
-          <p:nvPr/>
-        </p:nvPicPr>
-        <p:blipFill rotWithShape="1">
-          <a:blip r:embed="rId4" cstate="print">
-            <a:extLst>
-              <a:ext uri="{28A0092B-C50C-407E-A947-70E740481C1C}">
-                <a14:useLocalDpi xmlns:a14="http://schemas.microsoft.com/office/drawing/2010/main" val="0"/>
-              </a:ext>
-            </a:extLst>
-          </a:blip>
-          <a:stretch>
-            <a:fillRect/>
-          </a:stretch>
-        </p:blipFill>
-        <p:spPr>
-          <a:xfrm rot="0">
-            <a:off x="1228725" y="2826385"/>
-            <a:ext cx="2022475" cy="1197610"/>
-          </a:xfrm>
-          <a:prstGeom prst="roundRect"/>
-          <a:solidFill>
-            <a:srgbClr val="EDEDED"/>
-          </a:solidFill>
-        </p:spPr>
-      </p:pic>
-      <p:pic>
-        <p:nvPicPr>
-          <p:cNvPr id="82" name="Picture "/>
-          <p:cNvPicPr>
-            <a:picLocks noChangeAspect="1"/>
-          </p:cNvPicPr>
-          <p:nvPr/>
-        </p:nvPicPr>
-        <p:blipFill rotWithShape="1">
-          <a:blip r:embed="rId5" cstate="print">
-            <a:extLst>
-              <a:ext uri="{28A0092B-C50C-407E-A947-70E740481C1C}">
-                <a14:useLocalDpi xmlns:a14="http://schemas.microsoft.com/office/drawing/2010/main" val="0"/>
-              </a:ext>
-            </a:extLst>
-          </a:blip>
-          <a:stretch>
-            <a:fillRect/>
-          </a:stretch>
-        </p:blipFill>
-        <p:spPr>
-          <a:xfrm rot="0">
-            <a:off x="3350260" y="2836545"/>
-            <a:ext cx="2028825" cy="1187450"/>
-          </a:xfrm>
-          <a:prstGeom prst="roundRect"/>
-          <a:solidFill>
-            <a:srgbClr val="EDEDED"/>
-          </a:solidFill>
-        </p:spPr>
-      </p:pic>
-      <p:sp>
-        <p:nvSpPr>
-          <p:cNvPr id="85" name="Rect 0"/>
-          <p:cNvSpPr txBox="1">
-            <a:spLocks/>
-          </p:cNvSpPr>
-          <p:nvPr/>
-        </p:nvSpPr>
-        <p:spPr>
-          <a:xfrm rot="0">
-            <a:off x="6807835" y="3608070"/>
-            <a:ext cx="4157980" cy="2585085"/>
-          </a:xfrm>
-          <a:prstGeom prst="rect"/>
-          <a:noFill/>
-          <a:ln w="0">
-            <a:noFill/>
-            <a:prstDash/>
-          </a:ln>
-        </p:spPr>
-        <p:txBody>
-          <a:bodyPr wrap="square" lIns="89535" tIns="46355" rIns="89535" bIns="46355" numCol="1" vert="horz" anchor="t">
-            <a:spAutoFit/>
-          </a:bodyPr>
-          <a:lstStyle/>
-          <a:p>
-            <a:pPr marL="0" indent="0" rtl="0" algn="l" defTabSz="914400" eaLnBrk="1" latinLnBrk="0" hangingPunct="1">
-              <a:buFontTx/>
-              <a:buNone/>
-            </a:pPr>
-            <a:r>
-              <a:rPr lang="ko-KR" sz="1800" b="1">
-                <a:solidFill>
-                  <a:srgbClr val="0611F2"/>
-                </a:solidFill>
-                <a:latin typeface="맑은 고딕" charset="0"/>
-                <a:ea typeface="맑은 고딕" charset="0"/>
-              </a:rPr>
-              <a:t>3</a:t>
-            </a:r>
-            <a:r>
-              <a:rPr lang="ko-KR" sz="1800" b="1">
-                <a:solidFill>
-                  <a:srgbClr val="0611F2"/>
-                </a:solidFill>
-                <a:latin typeface="맑은 고딕" charset="0"/>
-                <a:ea typeface="맑은 고딕" charset="0"/>
-              </a:rPr>
-              <a:t>1</a:t>
-            </a:r>
-            <a:r>
-              <a:rPr sz="1800" b="1">
-                <a:solidFill>
-                  <a:srgbClr val="0611F2"/>
-                </a:solidFill>
-                <a:latin typeface="맑은 고딕" charset="0"/>
-                <a:ea typeface="맑은 고딕" charset="0"/>
-              </a:rPr>
-              <a:t>.</a:t>
-            </a:r>
-            <a:r>
-              <a:rPr sz="1800">
-                <a:latin typeface="맑은 고딕" charset="0"/>
-                <a:ea typeface="맑은 고딕" charset="0"/>
-              </a:rPr>
-              <a:t> </a:t>
-            </a:r>
-            <a:r>
-              <a:rPr lang="ko-KR" sz="1800">
-                <a:latin typeface="맑은 고딕" charset="0"/>
-                <a:ea typeface="맑은 고딕" charset="0"/>
-              </a:rPr>
-              <a:t>마지막으로</a:t>
-            </a:r>
-            <a:r>
-              <a:rPr lang="ko-KR" sz="1800">
-                <a:latin typeface="맑은 고딕" charset="0"/>
-                <a:ea typeface="맑은 고딕" charset="0"/>
-              </a:rPr>
-              <a:t> </a:t>
-            </a:r>
-            <a:r>
-              <a:rPr lang="ko-KR" sz="1800">
-                <a:latin typeface="맑은 고딕" charset="0"/>
-                <a:ea typeface="맑은 고딕" charset="0"/>
-              </a:rPr>
-              <a:t>CharacterSystem 스크립트에서 OnTriggerEnter( ) 함수를 선언합니다.</a:t>
-            </a:r>
-            <a:endParaRPr lang="ko-KR" altLang="en-US" sz="1800">
-              <a:latin typeface="맑은 고딕" charset="0"/>
-              <a:ea typeface="맑은 고딕" charset="0"/>
-            </a:endParaRPr>
-          </a:p>
-          <a:p>
-            <a:pPr marL="0" indent="0" rtl="0" algn="l" defTabSz="914400" eaLnBrk="1" latinLnBrk="0" hangingPunct="1">
-              <a:buFontTx/>
-              <a:buNone/>
-            </a:pPr>
-            <a:endParaRPr lang="ko-KR" altLang="en-US" sz="1800">
-              <a:latin typeface="맑은 고딕" charset="0"/>
-              <a:ea typeface="맑은 고딕" charset="0"/>
-            </a:endParaRPr>
-          </a:p>
-          <a:p>
-            <a:pPr marL="0" indent="0" rtl="0" algn="l" defTabSz="914400" eaLnBrk="1" latinLnBrk="0" hangingPunct="1">
-              <a:buFontTx/>
-              <a:buNone/>
-            </a:pPr>
-            <a:r>
-              <a:rPr lang="ko-KR" sz="1800">
-                <a:latin typeface="맑은 고딕" charset="0"/>
-                <a:ea typeface="맑은 고딕" charset="0"/>
-              </a:rPr>
-              <a:t>그런 다음 Crystal(Clone)이라는 오브젝트와 충돌했을 때 PhotonView ID를 통해 충돌한 오브젝트가 자신이라면 캐릭터와 충돌한 오브젝트를 삭제하도록 설정합니다. </a:t>
-            </a:r>
-            <a:endParaRPr lang="ko-KR" altLang="en-US" sz="1800">
-              <a:latin typeface="맑은 고딕" charset="0"/>
-              <a:ea typeface="맑은 고딕" charset="0"/>
-            </a:endParaRPr>
-          </a:p>
-        </p:txBody>
-      </p:sp>
-      <p:pic>
-        <p:nvPicPr>
-          <p:cNvPr id="86" name="그림 1" descr="C:/Users/Admin1/AppData/Roaming/PolarisOffice/ETemp/23364_9930448/fImage974935641.png"/>
-          <p:cNvPicPr>
-            <a:picLocks noChangeAspect="1"/>
-          </p:cNvPicPr>
-          <p:nvPr/>
-        </p:nvPicPr>
-        <p:blipFill rotWithShape="1">
-          <a:blip r:embed="rId9" cstate="print">
-            <a:extLst>
-              <a:ext uri="{28A0092B-C50C-407E-A947-70E740481C1C}">
-                <a14:useLocalDpi xmlns:a14="http://schemas.microsoft.com/office/drawing/2010/main" val="0"/>
-              </a:ext>
-            </a:extLst>
-          </a:blip>
-          <a:stretch>
-            <a:fillRect/>
-          </a:stretch>
-        </p:blipFill>
-        <p:spPr>
-          <a:xfrm rot="0">
-            <a:off x="6816725" y="1421765"/>
-            <a:ext cx="4140835" cy="2087245"/>
-          </a:xfrm>
-          <a:prstGeom prst="rect"/>
-          <a:noFill/>
-        </p:spPr>
-      </p:pic>
     </p:spTree>
   </p:cSld>
   <p:clrMapOvr>

--- a/Assets/Class/Photon Server/PPT Data/Photon RPC.pptx
+++ b/Assets/Class/Photon Server/PPT Data/Photon RPC.pptx
@@ -2,22 +2,29 @@
 <file path=ppt/presentation.xml><?xml version="1.0" encoding="utf-8"?>
 <p:presentation xmlns:a="http://schemas.openxmlformats.org/drawingml/2006/main" xmlns:r="http://schemas.openxmlformats.org/officeDocument/2006/relationships" xmlns:p="http://schemas.openxmlformats.org/presentationml/2006/main" xmlns:p14="http://schemas.microsoft.com/office/powerpoint/2010/main" saveSubsetFonts="1" firstSlideNum="0">
   <p:sldMasterIdLst>
-    <p:sldMasterId id="2147486904" r:id="rId12"/>
+    <p:sldMasterId id="2147486933" r:id="rId12"/>
   </p:sldMasterIdLst>
   <p:notesMasterIdLst>
     <p:notesMasterId r:id="rId14"/>
   </p:notesMasterIdLst>
   <p:sldIdLst>
     <p:sldId id="315" r:id="rId16"/>
-    <p:sldId id="324" r:id="rId17"/>
-    <p:sldId id="323" r:id="rId18"/>
-    <p:sldId id="303" r:id="rId19"/>
-    <p:sldId id="325" r:id="rId20"/>
-    <p:sldId id="317" r:id="rId21"/>
-    <p:sldId id="320" r:id="rId22"/>
-    <p:sldId id="318" r:id="rId23"/>
-    <p:sldId id="314" r:id="rId24"/>
-    <p:sldId id="319" r:id="rId25"/>
+    <p:sldId id="324" r:id="rId18"/>
+    <p:sldId id="323" r:id="rId20"/>
+    <p:sldId id="303" r:id="rId22"/>
+    <p:sldId id="325" r:id="rId24"/>
+    <p:sldId id="317" r:id="rId26"/>
+    <p:sldId id="320" r:id="rId28"/>
+    <p:sldId id="318" r:id="rId30"/>
+    <p:sldId id="314" r:id="rId32"/>
+    <p:sldId id="319" r:id="rId33"/>
+    <p:sldId id="326" r:id="rId34"/>
+    <p:sldId id="327" r:id="rId35"/>
+    <p:sldId id="328" r:id="rId36"/>
+    <p:sldId id="329" r:id="rId37"/>
+    <p:sldId id="330" r:id="rId38"/>
+    <p:sldId id="331" r:id="rId39"/>
+    <p:sldId id="332" r:id="rId40"/>
   </p:sldIdLst>
   <p:sldSz cx="12192000" cy="6858000"/>
   <p:notesSz cx="6858000" cy="9144000"/>
@@ -760,6 +767,1000 @@
 </p:notes>
 </file>
 
+<file path=ppt/notesSlides/notesSlide11.xml><?xml version="1.0" encoding="utf-8"?>
+<p:notes xmlns:a="http://schemas.openxmlformats.org/drawingml/2006/main" xmlns:r="http://schemas.openxmlformats.org/officeDocument/2006/relationships" xmlns:p="http://schemas.openxmlformats.org/presentationml/2006/main">
+  <p:cSld>
+    <p:spTree>
+      <p:nvGrpSpPr>
+        <p:cNvPr id="1" name=""/>
+        <p:cNvGrpSpPr/>
+        <p:nvPr/>
+      </p:nvGrpSpPr>
+      <p:grpSpPr>
+        <a:xfrm>
+          <a:off x="0" y="0"/>
+          <a:ext cx="0" cy="0"/>
+          <a:chOff x="0" y="0"/>
+          <a:chExt cx="0" cy="0"/>
+        </a:xfrm>
+      </p:grpSpPr>
+      <p:sp>
+        <p:nvSpPr>
+          <p:cNvPr id="2" name="슬라이드 이미지 개체 틀 3"/>
+          <p:cNvSpPr>
+            <a:spLocks noChangeAspect="1"/>
+          </p:cNvSpPr>
+          <p:nvPr>
+            <p:ph type="sldImg" idx="2"/>
+          </p:nvPr>
+        </p:nvSpPr>
+        <p:spPr>
+          <a:xfrm rot="0">
+            <a:off x="685800" y="1143000"/>
+            <a:ext cx="5494020" cy="3093720"/>
+          </a:xfrm>
+          <a:prstGeom prst="rect"/>
+          <a:noFill/>
+          <a:ln w="12700" cap="flat" cmpd="sng">
+            <a:solidFill>
+              <a:srgbClr val="000000">
+                <a:alpha val="100000"/>
+              </a:srgbClr>
+            </a:solidFill>
+            <a:prstDash val="solid"/>
+          </a:ln>
+        </p:spPr>
+        <p:txBody>
+          <a:bodyPr wrap="square" lIns="91440" tIns="45720" rIns="91440" bIns="45720" numCol="1" vert="horz" anchor="ctr">
+            <a:noAutofit/>
+          </a:bodyPr>
+          <a:lstStyle/>
+          <a:p>
+            <a:pPr marL="0" indent="0" latinLnBrk="0">
+              <a:buFontTx/>
+              <a:buNone/>
+            </a:pPr>
+          </a:p>
+        </p:txBody>
+      </p:sp>
+      <p:sp>
+        <p:nvSpPr>
+          <p:cNvPr id="3" name="슬라이드 노트 개체 틀 4"/>
+          <p:cNvSpPr txBox="1">
+            <a:spLocks/>
+          </p:cNvSpPr>
+          <p:nvPr>
+            <p:ph type="body" idx="3"/>
+          </p:nvPr>
+        </p:nvSpPr>
+        <p:spPr>
+          <a:xfrm rot="0">
+            <a:off x="685800" y="4400550"/>
+            <a:ext cx="5494020" cy="3608070"/>
+          </a:xfrm>
+          <a:prstGeom prst="rect"/>
+        </p:spPr>
+        <p:txBody>
+          <a:bodyPr wrap="square" lIns="91440" tIns="45720" rIns="91440" bIns="45720" numCol="1" vert="horz" anchor="t">
+            <a:noAutofit/>
+          </a:bodyPr>
+          <a:lstStyle/>
+          <a:p>
+            <a:pPr marL="0" indent="0" latinLnBrk="0">
+              <a:buFontTx/>
+              <a:buNone/>
+            </a:pPr>
+          </a:p>
+        </p:txBody>
+      </p:sp>
+      <p:sp>
+        <p:nvSpPr>
+          <p:cNvPr id="4" name="슬라이드 번호 개체 틀 6"/>
+          <p:cNvSpPr txBox="1">
+            <a:spLocks/>
+          </p:cNvSpPr>
+          <p:nvPr>
+            <p:ph type="sldNum" idx="5"/>
+          </p:nvPr>
+        </p:nvSpPr>
+        <p:spPr>
+          <a:xfrm rot="0">
+            <a:off x="3884930" y="8685530"/>
+            <a:ext cx="2979420" cy="466090"/>
+          </a:xfrm>
+          <a:prstGeom prst="rect"/>
+        </p:spPr>
+        <p:txBody>
+          <a:bodyPr wrap="square" lIns="91440" tIns="45720" rIns="91440" bIns="45720" numCol="1" vert="horz" anchor="b">
+            <a:noAutofit/>
+          </a:bodyPr>
+          <a:lstStyle>
+            <a:lvl1pPr marL="0" indent="0" algn="r" latinLnBrk="0">
+              <a:buFontTx/>
+              <a:buNone/>
+              <a:defRPr lang="en-GB" altLang="en-US" sz="1200"/>
+            </a:lvl1pPr>
+          </a:lstStyle>
+          <a:p>
+            <a:pPr marL="0" indent="0" latinLnBrk="0">
+              <a:buFontTx/>
+              <a:buNone/>
+            </a:pPr>
+            <a:fld id="{B9320F77-B9A0-41C5-862A-B4B631284C64}" type="slidenum">
+              <a:rPr lang="ko-KR" altLang="en-US"/>
+              <a:t>‹#›</a:t>
+            </a:fld>
+          </a:p>
+        </p:txBody>
+      </p:sp>
+    </p:spTree>
+  </p:cSld>
+  <p:clrMapOvr>
+    <a:masterClrMapping/>
+  </p:clrMapOvr>
+  <mc:AlternateContent xmlns:mc="http://schemas.openxmlformats.org/markup-compatibility/2006">
+    <mc:Choice xmlns:p14="http://schemas.microsoft.com/office/powerpoint/2010/main" Requires="p14">
+      <p:transition spd="slow" p14:dur="0"/>
+    </mc:Choice>
+    <mc:Fallback>
+      <p:transition spd="slow"/>
+    </mc:Fallback>
+  </mc:AlternateContent>
+</p:notes>
+</file>
+
+<file path=ppt/notesSlides/notesSlide12.xml><?xml version="1.0" encoding="utf-8"?>
+<p:notes xmlns:a="http://schemas.openxmlformats.org/drawingml/2006/main" xmlns:r="http://schemas.openxmlformats.org/officeDocument/2006/relationships" xmlns:p="http://schemas.openxmlformats.org/presentationml/2006/main">
+  <p:cSld>
+    <p:spTree>
+      <p:nvGrpSpPr>
+        <p:cNvPr id="1" name=""/>
+        <p:cNvGrpSpPr/>
+        <p:nvPr/>
+      </p:nvGrpSpPr>
+      <p:grpSpPr>
+        <a:xfrm>
+          <a:off x="0" y="0"/>
+          <a:ext cx="0" cy="0"/>
+          <a:chOff x="0" y="0"/>
+          <a:chExt cx="0" cy="0"/>
+        </a:xfrm>
+      </p:grpSpPr>
+      <p:sp>
+        <p:nvSpPr>
+          <p:cNvPr id="2" name="슬라이드 이미지 개체 틀 3"/>
+          <p:cNvSpPr>
+            <a:spLocks noChangeAspect="1"/>
+          </p:cNvSpPr>
+          <p:nvPr>
+            <p:ph type="sldImg" idx="2"/>
+          </p:nvPr>
+        </p:nvSpPr>
+        <p:spPr>
+          <a:xfrm rot="0">
+            <a:off x="685800" y="1143000"/>
+            <a:ext cx="5494020" cy="3093720"/>
+          </a:xfrm>
+          <a:prstGeom prst="rect"/>
+          <a:noFill/>
+          <a:ln w="12700" cap="flat" cmpd="sng">
+            <a:solidFill>
+              <a:srgbClr val="000000">
+                <a:alpha val="100000"/>
+              </a:srgbClr>
+            </a:solidFill>
+            <a:prstDash val="solid"/>
+          </a:ln>
+        </p:spPr>
+        <p:txBody>
+          <a:bodyPr wrap="square" lIns="91440" tIns="45720" rIns="91440" bIns="45720" numCol="1" vert="horz" anchor="ctr">
+            <a:noAutofit/>
+          </a:bodyPr>
+          <a:lstStyle/>
+          <a:p>
+            <a:pPr marL="0" indent="0" latinLnBrk="0">
+              <a:buFontTx/>
+              <a:buNone/>
+            </a:pPr>
+          </a:p>
+        </p:txBody>
+      </p:sp>
+      <p:sp>
+        <p:nvSpPr>
+          <p:cNvPr id="3" name="슬라이드 노트 개체 틀 4"/>
+          <p:cNvSpPr txBox="1">
+            <a:spLocks/>
+          </p:cNvSpPr>
+          <p:nvPr>
+            <p:ph type="body" idx="3"/>
+          </p:nvPr>
+        </p:nvSpPr>
+        <p:spPr>
+          <a:xfrm rot="0">
+            <a:off x="685800" y="4400550"/>
+            <a:ext cx="5494020" cy="3608070"/>
+          </a:xfrm>
+          <a:prstGeom prst="rect"/>
+        </p:spPr>
+        <p:txBody>
+          <a:bodyPr wrap="square" lIns="91440" tIns="45720" rIns="91440" bIns="45720" numCol="1" vert="horz" anchor="t">
+            <a:noAutofit/>
+          </a:bodyPr>
+          <a:lstStyle/>
+          <a:p>
+            <a:pPr marL="0" indent="0" latinLnBrk="0">
+              <a:buFontTx/>
+              <a:buNone/>
+            </a:pPr>
+          </a:p>
+        </p:txBody>
+      </p:sp>
+      <p:sp>
+        <p:nvSpPr>
+          <p:cNvPr id="4" name="슬라이드 번호 개체 틀 6"/>
+          <p:cNvSpPr txBox="1">
+            <a:spLocks/>
+          </p:cNvSpPr>
+          <p:nvPr>
+            <p:ph type="sldNum" idx="5"/>
+          </p:nvPr>
+        </p:nvSpPr>
+        <p:spPr>
+          <a:xfrm rot="0">
+            <a:off x="3884930" y="8685530"/>
+            <a:ext cx="2979420" cy="466090"/>
+          </a:xfrm>
+          <a:prstGeom prst="rect"/>
+        </p:spPr>
+        <p:txBody>
+          <a:bodyPr wrap="square" lIns="91440" tIns="45720" rIns="91440" bIns="45720" numCol="1" vert="horz" anchor="b">
+            <a:noAutofit/>
+          </a:bodyPr>
+          <a:lstStyle>
+            <a:lvl1pPr marL="0" indent="0" algn="r" latinLnBrk="0">
+              <a:buFontTx/>
+              <a:buNone/>
+              <a:defRPr lang="en-GB" altLang="en-US" sz="1200"/>
+            </a:lvl1pPr>
+          </a:lstStyle>
+          <a:p>
+            <a:pPr marL="0" indent="0" latinLnBrk="0">
+              <a:buFontTx/>
+              <a:buNone/>
+            </a:pPr>
+            <a:fld id="{B9320F77-B9A0-41C5-862A-B4B631284C64}" type="slidenum">
+              <a:rPr lang="ko-KR" altLang="en-US"/>
+              <a:t>‹#›</a:t>
+            </a:fld>
+          </a:p>
+        </p:txBody>
+      </p:sp>
+    </p:spTree>
+  </p:cSld>
+  <p:clrMapOvr>
+    <a:masterClrMapping/>
+  </p:clrMapOvr>
+  <mc:AlternateContent xmlns:mc="http://schemas.openxmlformats.org/markup-compatibility/2006">
+    <mc:Choice xmlns:p14="http://schemas.microsoft.com/office/powerpoint/2010/main" Requires="p14">
+      <p:transition spd="slow" p14:dur="0"/>
+    </mc:Choice>
+    <mc:Fallback>
+      <p:transition spd="slow"/>
+    </mc:Fallback>
+  </mc:AlternateContent>
+</p:notes>
+</file>
+
+<file path=ppt/notesSlides/notesSlide13.xml><?xml version="1.0" encoding="utf-8"?>
+<p:notes xmlns:a="http://schemas.openxmlformats.org/drawingml/2006/main" xmlns:r="http://schemas.openxmlformats.org/officeDocument/2006/relationships" xmlns:p="http://schemas.openxmlformats.org/presentationml/2006/main">
+  <p:cSld>
+    <p:spTree>
+      <p:nvGrpSpPr>
+        <p:cNvPr id="1" name=""/>
+        <p:cNvGrpSpPr/>
+        <p:nvPr/>
+      </p:nvGrpSpPr>
+      <p:grpSpPr>
+        <a:xfrm>
+          <a:off x="0" y="0"/>
+          <a:ext cx="0" cy="0"/>
+          <a:chOff x="0" y="0"/>
+          <a:chExt cx="0" cy="0"/>
+        </a:xfrm>
+      </p:grpSpPr>
+      <p:sp>
+        <p:nvSpPr>
+          <p:cNvPr id="2" name="슬라이드 이미지 개체 틀 3"/>
+          <p:cNvSpPr>
+            <a:spLocks noChangeAspect="1"/>
+          </p:cNvSpPr>
+          <p:nvPr>
+            <p:ph type="sldImg" idx="2"/>
+          </p:nvPr>
+        </p:nvSpPr>
+        <p:spPr>
+          <a:xfrm rot="0">
+            <a:off x="685800" y="1143000"/>
+            <a:ext cx="5494020" cy="3093720"/>
+          </a:xfrm>
+          <a:prstGeom prst="rect"/>
+          <a:noFill/>
+          <a:ln w="12700" cap="flat" cmpd="sng">
+            <a:solidFill>
+              <a:srgbClr val="000000">
+                <a:alpha val="100000"/>
+              </a:srgbClr>
+            </a:solidFill>
+            <a:prstDash val="solid"/>
+          </a:ln>
+        </p:spPr>
+        <p:txBody>
+          <a:bodyPr wrap="square" lIns="91440" tIns="45720" rIns="91440" bIns="45720" numCol="1" vert="horz" anchor="ctr">
+            <a:noAutofit/>
+          </a:bodyPr>
+          <a:lstStyle/>
+          <a:p>
+            <a:pPr marL="0" indent="0" latinLnBrk="0">
+              <a:buFontTx/>
+              <a:buNone/>
+            </a:pPr>
+          </a:p>
+        </p:txBody>
+      </p:sp>
+      <p:sp>
+        <p:nvSpPr>
+          <p:cNvPr id="3" name="슬라이드 노트 개체 틀 4"/>
+          <p:cNvSpPr txBox="1">
+            <a:spLocks/>
+          </p:cNvSpPr>
+          <p:nvPr>
+            <p:ph type="body" idx="3"/>
+          </p:nvPr>
+        </p:nvSpPr>
+        <p:spPr>
+          <a:xfrm rot="0">
+            <a:off x="685800" y="4400550"/>
+            <a:ext cx="5494020" cy="3608070"/>
+          </a:xfrm>
+          <a:prstGeom prst="rect"/>
+        </p:spPr>
+        <p:txBody>
+          <a:bodyPr wrap="square" lIns="91440" tIns="45720" rIns="91440" bIns="45720" numCol="1" vert="horz" anchor="t">
+            <a:noAutofit/>
+          </a:bodyPr>
+          <a:lstStyle/>
+          <a:p>
+            <a:pPr marL="0" indent="0" latinLnBrk="0">
+              <a:buFontTx/>
+              <a:buNone/>
+            </a:pPr>
+          </a:p>
+        </p:txBody>
+      </p:sp>
+      <p:sp>
+        <p:nvSpPr>
+          <p:cNvPr id="4" name="슬라이드 번호 개체 틀 6"/>
+          <p:cNvSpPr txBox="1">
+            <a:spLocks/>
+          </p:cNvSpPr>
+          <p:nvPr>
+            <p:ph type="sldNum" idx="5"/>
+          </p:nvPr>
+        </p:nvSpPr>
+        <p:spPr>
+          <a:xfrm rot="0">
+            <a:off x="3884930" y="8685530"/>
+            <a:ext cx="2979420" cy="466090"/>
+          </a:xfrm>
+          <a:prstGeom prst="rect"/>
+        </p:spPr>
+        <p:txBody>
+          <a:bodyPr wrap="square" lIns="91440" tIns="45720" rIns="91440" bIns="45720" numCol="1" vert="horz" anchor="b">
+            <a:noAutofit/>
+          </a:bodyPr>
+          <a:lstStyle>
+            <a:lvl1pPr marL="0" indent="0" algn="r" latinLnBrk="0">
+              <a:buFontTx/>
+              <a:buNone/>
+              <a:defRPr lang="en-GB" altLang="en-US" sz="1200"/>
+            </a:lvl1pPr>
+          </a:lstStyle>
+          <a:p>
+            <a:pPr marL="0" indent="0" latinLnBrk="0">
+              <a:buFontTx/>
+              <a:buNone/>
+            </a:pPr>
+            <a:fld id="{B9320F77-B9A0-41C5-862A-B4B631284C64}" type="slidenum">
+              <a:rPr lang="ko-KR" altLang="en-US"/>
+              <a:t>‹#›</a:t>
+            </a:fld>
+          </a:p>
+        </p:txBody>
+      </p:sp>
+    </p:spTree>
+  </p:cSld>
+  <p:clrMapOvr>
+    <a:masterClrMapping/>
+  </p:clrMapOvr>
+  <mc:AlternateContent xmlns:mc="http://schemas.openxmlformats.org/markup-compatibility/2006">
+    <mc:Choice xmlns:p14="http://schemas.microsoft.com/office/powerpoint/2010/main" Requires="p14">
+      <p:transition spd="slow" p14:dur="0"/>
+    </mc:Choice>
+    <mc:Fallback>
+      <p:transition spd="slow"/>
+    </mc:Fallback>
+  </mc:AlternateContent>
+</p:notes>
+</file>
+
+<file path=ppt/notesSlides/notesSlide14.xml><?xml version="1.0" encoding="utf-8"?>
+<p:notes xmlns:a="http://schemas.openxmlformats.org/drawingml/2006/main" xmlns:r="http://schemas.openxmlformats.org/officeDocument/2006/relationships" xmlns:p="http://schemas.openxmlformats.org/presentationml/2006/main">
+  <p:cSld>
+    <p:spTree>
+      <p:nvGrpSpPr>
+        <p:cNvPr id="1" name=""/>
+        <p:cNvGrpSpPr/>
+        <p:nvPr/>
+      </p:nvGrpSpPr>
+      <p:grpSpPr>
+        <a:xfrm>
+          <a:off x="0" y="0"/>
+          <a:ext cx="0" cy="0"/>
+          <a:chOff x="0" y="0"/>
+          <a:chExt cx="0" cy="0"/>
+        </a:xfrm>
+      </p:grpSpPr>
+      <p:sp>
+        <p:nvSpPr>
+          <p:cNvPr id="2" name="슬라이드 이미지 개체 틀 3"/>
+          <p:cNvSpPr>
+            <a:spLocks noChangeAspect="1"/>
+          </p:cNvSpPr>
+          <p:nvPr>
+            <p:ph type="sldImg" idx="2"/>
+          </p:nvPr>
+        </p:nvSpPr>
+        <p:spPr>
+          <a:xfrm rot="0">
+            <a:off x="685800" y="1143000"/>
+            <a:ext cx="5494020" cy="3093720"/>
+          </a:xfrm>
+          <a:prstGeom prst="rect"/>
+          <a:noFill/>
+          <a:ln w="12700" cap="flat" cmpd="sng">
+            <a:solidFill>
+              <a:srgbClr val="000000">
+                <a:alpha val="100000"/>
+              </a:srgbClr>
+            </a:solidFill>
+            <a:prstDash val="solid"/>
+          </a:ln>
+        </p:spPr>
+        <p:txBody>
+          <a:bodyPr wrap="square" lIns="91440" tIns="45720" rIns="91440" bIns="45720" numCol="1" vert="horz" anchor="ctr">
+            <a:noAutofit/>
+          </a:bodyPr>
+          <a:lstStyle/>
+          <a:p>
+            <a:pPr marL="0" indent="0" latinLnBrk="0">
+              <a:buFontTx/>
+              <a:buNone/>
+            </a:pPr>
+          </a:p>
+        </p:txBody>
+      </p:sp>
+      <p:sp>
+        <p:nvSpPr>
+          <p:cNvPr id="3" name="슬라이드 노트 개체 틀 4"/>
+          <p:cNvSpPr txBox="1">
+            <a:spLocks/>
+          </p:cNvSpPr>
+          <p:nvPr>
+            <p:ph type="body" idx="3"/>
+          </p:nvPr>
+        </p:nvSpPr>
+        <p:spPr>
+          <a:xfrm rot="0">
+            <a:off x="685800" y="4400550"/>
+            <a:ext cx="5494020" cy="3608070"/>
+          </a:xfrm>
+          <a:prstGeom prst="rect"/>
+        </p:spPr>
+        <p:txBody>
+          <a:bodyPr wrap="square" lIns="91440" tIns="45720" rIns="91440" bIns="45720" numCol="1" vert="horz" anchor="t">
+            <a:noAutofit/>
+          </a:bodyPr>
+          <a:lstStyle/>
+          <a:p>
+            <a:pPr marL="0" indent="0" latinLnBrk="0">
+              <a:buFontTx/>
+              <a:buNone/>
+            </a:pPr>
+          </a:p>
+        </p:txBody>
+      </p:sp>
+      <p:sp>
+        <p:nvSpPr>
+          <p:cNvPr id="4" name="슬라이드 번호 개체 틀 6"/>
+          <p:cNvSpPr txBox="1">
+            <a:spLocks/>
+          </p:cNvSpPr>
+          <p:nvPr>
+            <p:ph type="sldNum" idx="5"/>
+          </p:nvPr>
+        </p:nvSpPr>
+        <p:spPr>
+          <a:xfrm rot="0">
+            <a:off x="3884930" y="8685530"/>
+            <a:ext cx="2979420" cy="466090"/>
+          </a:xfrm>
+          <a:prstGeom prst="rect"/>
+        </p:spPr>
+        <p:txBody>
+          <a:bodyPr wrap="square" lIns="91440" tIns="45720" rIns="91440" bIns="45720" numCol="1" vert="horz" anchor="b">
+            <a:noAutofit/>
+          </a:bodyPr>
+          <a:lstStyle>
+            <a:lvl1pPr marL="0" indent="0" algn="r" latinLnBrk="0">
+              <a:buFontTx/>
+              <a:buNone/>
+              <a:defRPr lang="en-GB" altLang="en-US" sz="1200"/>
+            </a:lvl1pPr>
+          </a:lstStyle>
+          <a:p>
+            <a:pPr marL="0" indent="0" latinLnBrk="0">
+              <a:buFontTx/>
+              <a:buNone/>
+            </a:pPr>
+            <a:fld id="{B9320F77-B9A0-41C5-862A-B4B631284C64}" type="slidenum">
+              <a:rPr lang="ko-KR" altLang="en-US"/>
+              <a:t>‹#›</a:t>
+            </a:fld>
+          </a:p>
+        </p:txBody>
+      </p:sp>
+    </p:spTree>
+  </p:cSld>
+  <p:clrMapOvr>
+    <a:masterClrMapping/>
+  </p:clrMapOvr>
+  <mc:AlternateContent xmlns:mc="http://schemas.openxmlformats.org/markup-compatibility/2006">
+    <mc:Choice xmlns:p14="http://schemas.microsoft.com/office/powerpoint/2010/main" Requires="p14">
+      <p:transition spd="slow" p14:dur="0"/>
+    </mc:Choice>
+    <mc:Fallback>
+      <p:transition spd="slow"/>
+    </mc:Fallback>
+  </mc:AlternateContent>
+</p:notes>
+</file>
+
+<file path=ppt/notesSlides/notesSlide15.xml><?xml version="1.0" encoding="utf-8"?>
+<p:notes xmlns:a="http://schemas.openxmlformats.org/drawingml/2006/main" xmlns:r="http://schemas.openxmlformats.org/officeDocument/2006/relationships" xmlns:p="http://schemas.openxmlformats.org/presentationml/2006/main">
+  <p:cSld>
+    <p:spTree>
+      <p:nvGrpSpPr>
+        <p:cNvPr id="1" name=""/>
+        <p:cNvGrpSpPr/>
+        <p:nvPr/>
+      </p:nvGrpSpPr>
+      <p:grpSpPr>
+        <a:xfrm>
+          <a:off x="0" y="0"/>
+          <a:ext cx="0" cy="0"/>
+          <a:chOff x="0" y="0"/>
+          <a:chExt cx="0" cy="0"/>
+        </a:xfrm>
+      </p:grpSpPr>
+      <p:sp>
+        <p:nvSpPr>
+          <p:cNvPr id="2" name="슬라이드 이미지 개체 틀 3"/>
+          <p:cNvSpPr>
+            <a:spLocks noChangeAspect="1"/>
+          </p:cNvSpPr>
+          <p:nvPr>
+            <p:ph type="sldImg" idx="2"/>
+          </p:nvPr>
+        </p:nvSpPr>
+        <p:spPr>
+          <a:xfrm rot="0">
+            <a:off x="685800" y="1143000"/>
+            <a:ext cx="5494020" cy="3093720"/>
+          </a:xfrm>
+          <a:prstGeom prst="rect"/>
+          <a:noFill/>
+          <a:ln w="12700" cap="flat" cmpd="sng">
+            <a:solidFill>
+              <a:srgbClr val="000000">
+                <a:alpha val="100000"/>
+              </a:srgbClr>
+            </a:solidFill>
+            <a:prstDash val="solid"/>
+          </a:ln>
+        </p:spPr>
+        <p:txBody>
+          <a:bodyPr wrap="square" lIns="91440" tIns="45720" rIns="91440" bIns="45720" numCol="1" vert="horz" anchor="ctr">
+            <a:noAutofit/>
+          </a:bodyPr>
+          <a:lstStyle/>
+          <a:p>
+            <a:pPr marL="0" indent="0" latinLnBrk="0">
+              <a:buFontTx/>
+              <a:buNone/>
+            </a:pPr>
+          </a:p>
+        </p:txBody>
+      </p:sp>
+      <p:sp>
+        <p:nvSpPr>
+          <p:cNvPr id="3" name="슬라이드 노트 개체 틀 4"/>
+          <p:cNvSpPr txBox="1">
+            <a:spLocks/>
+          </p:cNvSpPr>
+          <p:nvPr>
+            <p:ph type="body" idx="3"/>
+          </p:nvPr>
+        </p:nvSpPr>
+        <p:spPr>
+          <a:xfrm rot="0">
+            <a:off x="685800" y="4400550"/>
+            <a:ext cx="5494020" cy="3608070"/>
+          </a:xfrm>
+          <a:prstGeom prst="rect"/>
+        </p:spPr>
+        <p:txBody>
+          <a:bodyPr wrap="square" lIns="91440" tIns="45720" rIns="91440" bIns="45720" numCol="1" vert="horz" anchor="t">
+            <a:noAutofit/>
+          </a:bodyPr>
+          <a:lstStyle/>
+          <a:p>
+            <a:pPr marL="0" indent="0" latinLnBrk="0">
+              <a:buFontTx/>
+              <a:buNone/>
+            </a:pPr>
+          </a:p>
+        </p:txBody>
+      </p:sp>
+      <p:sp>
+        <p:nvSpPr>
+          <p:cNvPr id="4" name="슬라이드 번호 개체 틀 6"/>
+          <p:cNvSpPr txBox="1">
+            <a:spLocks/>
+          </p:cNvSpPr>
+          <p:nvPr>
+            <p:ph type="sldNum" idx="5"/>
+          </p:nvPr>
+        </p:nvSpPr>
+        <p:spPr>
+          <a:xfrm rot="0">
+            <a:off x="3884930" y="8685530"/>
+            <a:ext cx="2979420" cy="466090"/>
+          </a:xfrm>
+          <a:prstGeom prst="rect"/>
+        </p:spPr>
+        <p:txBody>
+          <a:bodyPr wrap="square" lIns="91440" tIns="45720" rIns="91440" bIns="45720" numCol="1" vert="horz" anchor="b">
+            <a:noAutofit/>
+          </a:bodyPr>
+          <a:lstStyle>
+            <a:lvl1pPr marL="0" indent="0" algn="r" latinLnBrk="0">
+              <a:buFontTx/>
+              <a:buNone/>
+              <a:defRPr lang="en-GB" altLang="en-US" sz="1200"/>
+            </a:lvl1pPr>
+          </a:lstStyle>
+          <a:p>
+            <a:pPr marL="0" indent="0" latinLnBrk="0">
+              <a:buFontTx/>
+              <a:buNone/>
+            </a:pPr>
+            <a:fld id="{B9320F77-B9A0-41C5-862A-B4B631284C64}" type="slidenum">
+              <a:rPr lang="ko-KR" altLang="en-US"/>
+              <a:t>‹#›</a:t>
+            </a:fld>
+          </a:p>
+        </p:txBody>
+      </p:sp>
+    </p:spTree>
+  </p:cSld>
+  <p:clrMapOvr>
+    <a:masterClrMapping/>
+  </p:clrMapOvr>
+  <mc:AlternateContent xmlns:mc="http://schemas.openxmlformats.org/markup-compatibility/2006">
+    <mc:Choice xmlns:p14="http://schemas.microsoft.com/office/powerpoint/2010/main" Requires="p14">
+      <p:transition spd="slow" p14:dur="0"/>
+    </mc:Choice>
+    <mc:Fallback>
+      <p:transition spd="slow"/>
+    </mc:Fallback>
+  </mc:AlternateContent>
+</p:notes>
+</file>
+
+<file path=ppt/notesSlides/notesSlide16.xml><?xml version="1.0" encoding="utf-8"?>
+<p:notes xmlns:a="http://schemas.openxmlformats.org/drawingml/2006/main" xmlns:r="http://schemas.openxmlformats.org/officeDocument/2006/relationships" xmlns:p="http://schemas.openxmlformats.org/presentationml/2006/main">
+  <p:cSld>
+    <p:spTree>
+      <p:nvGrpSpPr>
+        <p:cNvPr id="1" name=""/>
+        <p:cNvGrpSpPr/>
+        <p:nvPr/>
+      </p:nvGrpSpPr>
+      <p:grpSpPr>
+        <a:xfrm>
+          <a:off x="0" y="0"/>
+          <a:ext cx="0" cy="0"/>
+          <a:chOff x="0" y="0"/>
+          <a:chExt cx="0" cy="0"/>
+        </a:xfrm>
+      </p:grpSpPr>
+      <p:sp>
+        <p:nvSpPr>
+          <p:cNvPr id="2" name="슬라이드 이미지 개체 틀 3"/>
+          <p:cNvSpPr>
+            <a:spLocks noChangeAspect="1"/>
+          </p:cNvSpPr>
+          <p:nvPr>
+            <p:ph type="sldImg" idx="2"/>
+          </p:nvPr>
+        </p:nvSpPr>
+        <p:spPr>
+          <a:xfrm rot="0">
+            <a:off x="685800" y="1143000"/>
+            <a:ext cx="5494020" cy="3093720"/>
+          </a:xfrm>
+          <a:prstGeom prst="rect"/>
+          <a:noFill/>
+          <a:ln w="12700" cap="flat" cmpd="sng">
+            <a:solidFill>
+              <a:srgbClr val="000000">
+                <a:alpha val="100000"/>
+              </a:srgbClr>
+            </a:solidFill>
+            <a:prstDash val="solid"/>
+          </a:ln>
+        </p:spPr>
+        <p:txBody>
+          <a:bodyPr wrap="square" lIns="91440" tIns="45720" rIns="91440" bIns="45720" numCol="1" vert="horz" anchor="ctr">
+            <a:noAutofit/>
+          </a:bodyPr>
+          <a:lstStyle/>
+          <a:p>
+            <a:pPr marL="0" indent="0" latinLnBrk="0">
+              <a:buFontTx/>
+              <a:buNone/>
+            </a:pPr>
+          </a:p>
+        </p:txBody>
+      </p:sp>
+      <p:sp>
+        <p:nvSpPr>
+          <p:cNvPr id="3" name="슬라이드 노트 개체 틀 4"/>
+          <p:cNvSpPr txBox="1">
+            <a:spLocks/>
+          </p:cNvSpPr>
+          <p:nvPr>
+            <p:ph type="body" idx="3"/>
+          </p:nvPr>
+        </p:nvSpPr>
+        <p:spPr>
+          <a:xfrm rot="0">
+            <a:off x="685800" y="4400550"/>
+            <a:ext cx="5494020" cy="3608070"/>
+          </a:xfrm>
+          <a:prstGeom prst="rect"/>
+        </p:spPr>
+        <p:txBody>
+          <a:bodyPr wrap="square" lIns="91440" tIns="45720" rIns="91440" bIns="45720" numCol="1" vert="horz" anchor="t">
+            <a:noAutofit/>
+          </a:bodyPr>
+          <a:lstStyle/>
+          <a:p>
+            <a:pPr marL="0" indent="0" latinLnBrk="0">
+              <a:buFontTx/>
+              <a:buNone/>
+            </a:pPr>
+          </a:p>
+        </p:txBody>
+      </p:sp>
+      <p:sp>
+        <p:nvSpPr>
+          <p:cNvPr id="4" name="슬라이드 번호 개체 틀 6"/>
+          <p:cNvSpPr txBox="1">
+            <a:spLocks/>
+          </p:cNvSpPr>
+          <p:nvPr>
+            <p:ph type="sldNum" idx="5"/>
+          </p:nvPr>
+        </p:nvSpPr>
+        <p:spPr>
+          <a:xfrm rot="0">
+            <a:off x="3884930" y="8685530"/>
+            <a:ext cx="2979420" cy="466090"/>
+          </a:xfrm>
+          <a:prstGeom prst="rect"/>
+        </p:spPr>
+        <p:txBody>
+          <a:bodyPr wrap="square" lIns="91440" tIns="45720" rIns="91440" bIns="45720" numCol="1" vert="horz" anchor="b">
+            <a:noAutofit/>
+          </a:bodyPr>
+          <a:lstStyle>
+            <a:lvl1pPr marL="0" indent="0" algn="r" latinLnBrk="0">
+              <a:buFontTx/>
+              <a:buNone/>
+              <a:defRPr lang="en-GB" altLang="en-US" sz="1200"/>
+            </a:lvl1pPr>
+          </a:lstStyle>
+          <a:p>
+            <a:pPr marL="0" indent="0" latinLnBrk="0">
+              <a:buFontTx/>
+              <a:buNone/>
+            </a:pPr>
+            <a:fld id="{B9320F77-B9A0-41C5-862A-B4B631284C64}" type="slidenum">
+              <a:rPr lang="ko-KR" altLang="en-US"/>
+              <a:t>‹#›</a:t>
+            </a:fld>
+          </a:p>
+        </p:txBody>
+      </p:sp>
+    </p:spTree>
+  </p:cSld>
+  <p:clrMapOvr>
+    <a:masterClrMapping/>
+  </p:clrMapOvr>
+  <mc:AlternateContent xmlns:mc="http://schemas.openxmlformats.org/markup-compatibility/2006">
+    <mc:Choice xmlns:p14="http://schemas.microsoft.com/office/powerpoint/2010/main" Requires="p14">
+      <p:transition spd="slow" p14:dur="0"/>
+    </mc:Choice>
+    <mc:Fallback>
+      <p:transition spd="slow"/>
+    </mc:Fallback>
+  </mc:AlternateContent>
+</p:notes>
+</file>
+
+<file path=ppt/notesSlides/notesSlide17.xml><?xml version="1.0" encoding="utf-8"?>
+<p:notes xmlns:a="http://schemas.openxmlformats.org/drawingml/2006/main" xmlns:r="http://schemas.openxmlformats.org/officeDocument/2006/relationships" xmlns:p="http://schemas.openxmlformats.org/presentationml/2006/main">
+  <p:cSld>
+    <p:spTree>
+      <p:nvGrpSpPr>
+        <p:cNvPr id="1" name=""/>
+        <p:cNvGrpSpPr/>
+        <p:nvPr/>
+      </p:nvGrpSpPr>
+      <p:grpSpPr>
+        <a:xfrm>
+          <a:off x="0" y="0"/>
+          <a:ext cx="0" cy="0"/>
+          <a:chOff x="0" y="0"/>
+          <a:chExt cx="0" cy="0"/>
+        </a:xfrm>
+      </p:grpSpPr>
+      <p:sp>
+        <p:nvSpPr>
+          <p:cNvPr id="2" name="슬라이드 이미지 개체 틀 3"/>
+          <p:cNvSpPr>
+            <a:spLocks noChangeAspect="1"/>
+          </p:cNvSpPr>
+          <p:nvPr>
+            <p:ph type="sldImg" idx="2"/>
+          </p:nvPr>
+        </p:nvSpPr>
+        <p:spPr>
+          <a:xfrm rot="0">
+            <a:off x="685800" y="1143000"/>
+            <a:ext cx="5494020" cy="3093720"/>
+          </a:xfrm>
+          <a:prstGeom prst="rect"/>
+          <a:noFill/>
+          <a:ln w="12700" cap="flat" cmpd="sng">
+            <a:solidFill>
+              <a:srgbClr val="000000">
+                <a:alpha val="100000"/>
+              </a:srgbClr>
+            </a:solidFill>
+            <a:prstDash val="solid"/>
+          </a:ln>
+        </p:spPr>
+        <p:txBody>
+          <a:bodyPr wrap="square" lIns="91440" tIns="45720" rIns="91440" bIns="45720" numCol="1" vert="horz" anchor="ctr">
+            <a:noAutofit/>
+          </a:bodyPr>
+          <a:lstStyle/>
+          <a:p>
+            <a:pPr marL="0" indent="0" latinLnBrk="0">
+              <a:buFontTx/>
+              <a:buNone/>
+            </a:pPr>
+          </a:p>
+        </p:txBody>
+      </p:sp>
+      <p:sp>
+        <p:nvSpPr>
+          <p:cNvPr id="3" name="슬라이드 노트 개체 틀 4"/>
+          <p:cNvSpPr txBox="1">
+            <a:spLocks/>
+          </p:cNvSpPr>
+          <p:nvPr>
+            <p:ph type="body" idx="3"/>
+          </p:nvPr>
+        </p:nvSpPr>
+        <p:spPr>
+          <a:xfrm rot="0">
+            <a:off x="685800" y="4400550"/>
+            <a:ext cx="5494020" cy="3608070"/>
+          </a:xfrm>
+          <a:prstGeom prst="rect"/>
+        </p:spPr>
+        <p:txBody>
+          <a:bodyPr wrap="square" lIns="91440" tIns="45720" rIns="91440" bIns="45720" numCol="1" vert="horz" anchor="t">
+            <a:noAutofit/>
+          </a:bodyPr>
+          <a:lstStyle/>
+          <a:p>
+            <a:pPr marL="0" indent="0" latinLnBrk="0">
+              <a:buFontTx/>
+              <a:buNone/>
+            </a:pPr>
+          </a:p>
+        </p:txBody>
+      </p:sp>
+      <p:sp>
+        <p:nvSpPr>
+          <p:cNvPr id="4" name="슬라이드 번호 개체 틀 6"/>
+          <p:cNvSpPr txBox="1">
+            <a:spLocks/>
+          </p:cNvSpPr>
+          <p:nvPr>
+            <p:ph type="sldNum" idx="5"/>
+          </p:nvPr>
+        </p:nvSpPr>
+        <p:spPr>
+          <a:xfrm rot="0">
+            <a:off x="3884930" y="8685530"/>
+            <a:ext cx="2979420" cy="466090"/>
+          </a:xfrm>
+          <a:prstGeom prst="rect"/>
+        </p:spPr>
+        <p:txBody>
+          <a:bodyPr wrap="square" lIns="91440" tIns="45720" rIns="91440" bIns="45720" numCol="1" vert="horz" anchor="b">
+            <a:noAutofit/>
+          </a:bodyPr>
+          <a:lstStyle>
+            <a:lvl1pPr marL="0" indent="0" algn="r" latinLnBrk="0">
+              <a:buFontTx/>
+              <a:buNone/>
+              <a:defRPr lang="en-GB" altLang="en-US" sz="1200"/>
+            </a:lvl1pPr>
+          </a:lstStyle>
+          <a:p>
+            <a:pPr marL="0" indent="0" latinLnBrk="0">
+              <a:buFontTx/>
+              <a:buNone/>
+            </a:pPr>
+            <a:fld id="{B9320F77-B9A0-41C5-862A-B4B631284C64}" type="slidenum">
+              <a:rPr lang="ko-KR" altLang="en-US"/>
+              <a:t>‹#›</a:t>
+            </a:fld>
+          </a:p>
+        </p:txBody>
+      </p:sp>
+    </p:spTree>
+  </p:cSld>
+  <p:clrMapOvr>
+    <a:masterClrMapping/>
+  </p:clrMapOvr>
+  <mc:AlternateContent xmlns:mc="http://schemas.openxmlformats.org/markup-compatibility/2006">
+    <mc:Choice xmlns:p14="http://schemas.microsoft.com/office/powerpoint/2010/main" Requires="p14">
+      <p:transition spd="slow" p14:dur="0"/>
+    </mc:Choice>
+    <mc:Fallback>
+      <p:transition spd="slow"/>
+    </mc:Fallback>
+  </mc:AlternateContent>
+</p:notes>
+</file>
+
 <file path=ppt/notesSlides/notesSlide2.xml><?xml version="1.0" encoding="utf-8"?>
 <p:notes xmlns:a="http://schemas.openxmlformats.org/drawingml/2006/main" xmlns:r="http://schemas.openxmlformats.org/officeDocument/2006/relationships" xmlns:p="http://schemas.openxmlformats.org/presentationml/2006/main">
   <p:cSld>
@@ -7376,8 +8377,8 @@
         </p:nvSpPr>
         <p:spPr>
           <a:xfrm rot="0">
-            <a:off x="1220470" y="5160010"/>
-            <a:ext cx="4157345" cy="923925"/>
+            <a:off x="1220470" y="5211445"/>
+            <a:ext cx="4157980" cy="924560"/>
           </a:xfrm>
           <a:prstGeom prst="rect"/>
           <a:noFill/>
@@ -7404,17 +8405,7 @@
                 <a:latin typeface="맑은 고딕" charset="0"/>
                 <a:ea typeface="맑은 고딕" charset="0"/>
               </a:rPr>
-              <a:t>2</a:t>
-            </a:r>
-            <a:r>
-              <a:rPr sz="1800" b="1">
-                <a:solidFill>
-                  <a:srgbClr val="0611F2"/>
-                </a:solidFill>
-                <a:latin typeface="맑은 고딕" charset="0"/>
-                <a:ea typeface="맑은 고딕" charset="0"/>
-              </a:rPr>
-              <a:t>3.</a:t>
+              <a:t>23.</a:t>
             </a:r>
             <a:r>
               <a:rPr sz="1800">
@@ -7460,7 +8451,7 @@
       </p:sp>
       <p:pic>
         <p:nvPicPr>
-          <p:cNvPr id="37" name="그림 60" descr="C:/Users/Admin1/AppData/Roaming/PolarisOffice/ETemp/8880_13812856/fImage251202414827.png"/>
+          <p:cNvPr id="37" name="그림 60" descr="C:/Users/Admin1/AppData/Roaming/PolarisOffice/ETemp/29360_23257720/fImage251202414827.png"/>
           <p:cNvPicPr>
             <a:picLocks noChangeAspect="1"/>
           </p:cNvPicPr>
@@ -7480,8 +8471,8 @@
         </p:blipFill>
         <p:spPr>
           <a:xfrm rot="0">
-            <a:off x="1229360" y="1463675"/>
-            <a:ext cx="4144010" cy="3528695"/>
+            <a:off x="1229360" y="1454785"/>
+            <a:ext cx="4144645" cy="3529330"/>
           </a:xfrm>
           <a:prstGeom prst="roundRect"/>
           <a:solidFill>
@@ -7621,7 +8612,7 @@
       </p:sp>
       <p:pic>
         <p:nvPicPr>
-          <p:cNvPr id="39" name="그림 115" descr="C:/Users/Admin1/AppData/Roaming/PolarisOffice/ETemp/8880_13812856/fImage89513924771.png"/>
+          <p:cNvPr id="39" name="그림 115"/>
           <p:cNvPicPr>
             <a:picLocks noChangeAspect="1"/>
           </p:cNvPicPr>
@@ -7652,7 +8643,7 @@
       </p:pic>
       <p:pic>
         <p:nvPicPr>
-          <p:cNvPr id="40" name="그림 116" descr="C:/Users/Admin1/AppData/Roaming/PolarisOffice/ETemp/8880_13812856/fImage74173931538.png"/>
+          <p:cNvPr id="40" name="그림 116"/>
           <p:cNvPicPr>
             <a:picLocks noChangeAspect="1"/>
           </p:cNvPicPr>
@@ -7683,7 +8674,7 @@
       </p:pic>
       <p:pic>
         <p:nvPicPr>
-          <p:cNvPr id="41" name="그림 119" descr="C:/Users/Admin1/AppData/Roaming/PolarisOffice/ETemp/8880_13812856/fImage126203041942.png"/>
+          <p:cNvPr id="41" name="그림 119" descr="C:/Users/Admin1/AppData/Roaming/PolarisOffice/ETemp/29360_23257720/fImage126203041942.png"/>
           <p:cNvPicPr>
             <a:picLocks noChangeAspect="1"/>
           </p:cNvPicPr>
@@ -7703,8 +8694,8 @@
         </p:blipFill>
         <p:spPr>
           <a:xfrm rot="0">
-            <a:off x="6788785" y="3810000"/>
-            <a:ext cx="4182745" cy="1238885"/>
+            <a:off x="6788785" y="3827145"/>
+            <a:ext cx="4183380" cy="1239520"/>
           </a:xfrm>
           <a:prstGeom prst="roundRect"/>
           <a:solidFill>
@@ -7722,8 +8713,8 @@
         </p:nvSpPr>
         <p:spPr>
           <a:xfrm rot="0">
-            <a:off x="6785610" y="5162550"/>
-            <a:ext cx="4177030" cy="923925"/>
+            <a:off x="6785610" y="5213985"/>
+            <a:ext cx="4177665" cy="924560"/>
           </a:xfrm>
           <a:prstGeom prst="rect"/>
           <a:noFill/>
@@ -7750,8 +8741,215 @@
                 <a:latin typeface="맑은 고딕" charset="0"/>
                 <a:ea typeface="맑은 고딕" charset="0"/>
               </a:rPr>
-              <a:t>2</a:t>
-            </a:r>
+              <a:t>25.</a:t>
+            </a:r>
+            <a:r>
+              <a:rPr sz="1800">
+                <a:latin typeface="맑은 고딕" charset="0"/>
+                <a:ea typeface="맑은 고딕" charset="0"/>
+              </a:rPr>
+              <a:t> </a:t>
+            </a:r>
+            <a:r>
+              <a:rPr lang="ko-KR" sz="1800">
+                <a:latin typeface="맑은 고딕" charset="0"/>
+                <a:ea typeface="맑은 고딕" charset="0"/>
+              </a:rPr>
+              <a:t>그다음으로 InputField 오브젝트의 </a:t>
+            </a:r>
+            <a:r>
+              <a:rPr lang="ko-KR" sz="1800">
+                <a:latin typeface="맑은 고딕" charset="0"/>
+                <a:ea typeface="맑은 고딕" charset="0"/>
+              </a:rPr>
+              <a:t>앵커를</a:t>
+            </a:r>
+            <a:r>
+              <a:rPr lang="ko-KR" sz="1800">
+                <a:latin typeface="맑은 고딕" charset="0"/>
+                <a:ea typeface="맑은 고딕" charset="0"/>
+              </a:rPr>
+              <a:t> 지정하고 위치와 크기를 </a:t>
+            </a:r>
+            <a:r>
+              <a:rPr lang="ko-KR" sz="1800">
+                <a:latin typeface="맑은 고딕" charset="0"/>
+                <a:ea typeface="맑은 고딕" charset="0"/>
+              </a:rPr>
+              <a:t>설정합니다.</a:t>
+            </a:r>
+            <a:endParaRPr lang="ko-KR" altLang="en-US" sz="1800">
+              <a:latin typeface="맑은 고딕" charset="0"/>
+              <a:ea typeface="맑은 고딕" charset="0"/>
+            </a:endParaRPr>
+          </a:p>
+        </p:txBody>
+      </p:sp>
+    </p:spTree>
+  </p:cSld>
+  <p:clrMapOvr>
+    <a:masterClrMapping/>
+  </p:clrMapOvr>
+  <mc:AlternateContent xmlns:mc="http://schemas.openxmlformats.org/markup-compatibility/2006">
+    <mc:Choice xmlns:p14="http://schemas.microsoft.com/office/powerpoint/2010/main" Requires="p14">
+      <p:transition spd="slow" p14:dur="2000"/>
+    </mc:Choice>
+    <mc:Fallback>
+      <p:transition spd="slow"/>
+    </mc:Fallback>
+  </mc:AlternateContent>
+  <p:timing>
+    <p:tnLst>
+      <p:par>
+        <p:cTn id="1" dur="indefinite" restart="never" nodeType="tmRoot"/>
+      </p:par>
+    </p:tnLst>
+  </p:timing>
+</p:sld>
+</file>
+
+<file path=ppt/slides/slide11.xml><?xml version="1.0" encoding="utf-8"?>
+<p:sld xmlns:a="http://schemas.openxmlformats.org/drawingml/2006/main" xmlns:r="http://schemas.openxmlformats.org/officeDocument/2006/relationships" xmlns:p="http://schemas.openxmlformats.org/presentationml/2006/main">
+  <p:cSld>
+    <p:spTree>
+      <p:nvGrpSpPr>
+        <p:cNvPr id="1" name=""/>
+        <p:cNvGrpSpPr/>
+        <p:nvPr/>
+      </p:nvGrpSpPr>
+      <p:grpSpPr>
+        <a:xfrm>
+          <a:off x="0" y="0"/>
+          <a:ext cx="0" cy="0"/>
+          <a:chOff x="0" y="0"/>
+          <a:chExt cx="0" cy="0"/>
+        </a:xfrm>
+      </p:grpSpPr>
+      <p:sp>
+        <p:nvSpPr>
+          <p:cNvPr id="29" name="Rect 0"/>
+          <p:cNvSpPr txBox="1">
+            <a:spLocks/>
+          </p:cNvSpPr>
+          <p:nvPr/>
+        </p:nvSpPr>
+        <p:spPr>
+          <a:xfrm rot="0">
+            <a:off x="1229995" y="1337310"/>
+            <a:ext cx="4039235" cy="370840"/>
+          </a:xfrm>
+          <a:prstGeom prst="rect"/>
+          <a:noFill/>
+          <a:ln w="0">
+            <a:noFill/>
+            <a:prstDash/>
+          </a:ln>
+        </p:spPr>
+        <p:txBody>
+          <a:bodyPr wrap="square" lIns="89535" tIns="46355" rIns="89535" bIns="46355" numCol="1" vert="horz" anchor="t">
+            <a:spAutoFit/>
+          </a:bodyPr>
+          <a:lstStyle/>
+          <a:p>
+            <a:pPr marL="0" indent="0" algn="l" latinLnBrk="0" hangingPunct="1">
+              <a:buFontTx/>
+              <a:buNone/>
+            </a:pPr>
+            <a:endParaRPr lang="ko-KR" altLang="en-US" sz="1800">
+              <a:latin typeface="맑은 고딕" charset="0"/>
+              <a:ea typeface="맑은 고딕" charset="0"/>
+            </a:endParaRPr>
+          </a:p>
+        </p:txBody>
+      </p:sp>
+      <p:sp>
+        <p:nvSpPr>
+          <p:cNvPr id="35" name="Rect 0"/>
+          <p:cNvSpPr txBox="1">
+            <a:spLocks/>
+          </p:cNvSpPr>
+          <p:nvPr/>
+        </p:nvSpPr>
+        <p:spPr>
+          <a:xfrm rot="0">
+            <a:off x="4342765" y="389890"/>
+            <a:ext cx="3505835" cy="554990"/>
+          </a:xfrm>
+          <a:prstGeom prst="rect"/>
+          <a:noFill/>
+          <a:ln w="0">
+            <a:noFill/>
+            <a:prstDash/>
+          </a:ln>
+        </p:spPr>
+        <p:txBody>
+          <a:bodyPr wrap="square" lIns="89535" tIns="46355" rIns="89535" bIns="46355" numCol="1" vert="horz" anchor="t">
+            <a:spAutoFit/>
+          </a:bodyPr>
+          <a:lstStyle/>
+          <a:p>
+            <a:pPr marL="0" indent="0" rtl="0" algn="ctr" defTabSz="914400" eaLnBrk="1" latinLnBrk="0" hangingPunct="1">
+              <a:buFontTx/>
+              <a:buNone/>
+            </a:pPr>
+            <a:r>
+              <a:rPr lang="ko-KR" sz="2500" b="1">
+                <a:latin typeface="나눔바른고딕" charset="0"/>
+                <a:ea typeface="나눔바른고딕" charset="0"/>
+              </a:rPr>
+              <a:t>열</a:t>
+            </a:r>
+            <a:r>
+              <a:rPr lang="ko-KR" sz="2500" b="1">
+                <a:latin typeface="나눔바른고딕" charset="0"/>
+                <a:ea typeface="나눔바른고딕" charset="0"/>
+              </a:rPr>
+              <a:t> 번째 튜토리얼</a:t>
+            </a:r>
+            <a:r>
+              <a:rPr sz="3000" b="1">
+                <a:latin typeface="맑은 고딕" charset="0"/>
+                <a:ea typeface="맑은 고딕" charset="0"/>
+              </a:rPr>
+              <a:t> </a:t>
+            </a:r>
+            <a:endParaRPr lang="ko-KR" altLang="en-US" sz="3000" b="1">
+              <a:latin typeface="맑은 고딕" charset="0"/>
+              <a:ea typeface="맑은 고딕" charset="0"/>
+            </a:endParaRPr>
+          </a:p>
+        </p:txBody>
+      </p:sp>
+      <p:sp>
+        <p:nvSpPr>
+          <p:cNvPr id="36" name="Rect 0"/>
+          <p:cNvSpPr txBox="1">
+            <a:spLocks/>
+          </p:cNvSpPr>
+          <p:nvPr/>
+        </p:nvSpPr>
+        <p:spPr>
+          <a:xfrm rot="0">
+            <a:off x="1231900" y="5228590"/>
+            <a:ext cx="4144010" cy="923925"/>
+          </a:xfrm>
+          <a:prstGeom prst="rect"/>
+          <a:noFill/>
+          <a:ln w="0">
+            <a:noFill/>
+            <a:prstDash/>
+          </a:ln>
+        </p:spPr>
+        <p:txBody>
+          <a:bodyPr wrap="square" lIns="89535" tIns="46355" rIns="89535" bIns="46355" numCol="1" vert="horz" anchor="t">
+            <a:spAutoFit/>
+          </a:bodyPr>
+          <a:lstStyle/>
+          <a:p>
+            <a:pPr marL="0" indent="0" algn="l" latinLnBrk="0" hangingPunct="1">
+              <a:buFontTx/>
+              <a:buNone/>
+            </a:pPr>
             <a:r>
               <a:rPr sz="1800" b="1">
                 <a:solidFill>
@@ -7760,7 +8958,7 @@
                 <a:latin typeface="맑은 고딕" charset="0"/>
                 <a:ea typeface="맑은 고딕" charset="0"/>
               </a:rPr>
-              <a:t>5</a:t>
+              <a:t>2</a:t>
             </a:r>
             <a:r>
               <a:rPr sz="1800" b="1">
@@ -7770,6 +8968,16 @@
                 <a:latin typeface="맑은 고딕" charset="0"/>
                 <a:ea typeface="맑은 고딕" charset="0"/>
               </a:rPr>
+              <a:t>7</a:t>
+            </a:r>
+            <a:r>
+              <a:rPr sz="1800" b="1">
+                <a:solidFill>
+                  <a:srgbClr val="0611F2"/>
+                </a:solidFill>
+                <a:latin typeface="맑은 고딕" charset="0"/>
+                <a:ea typeface="맑은 고딕" charset="0"/>
+              </a:rPr>
               <a:t>.</a:t>
             </a:r>
             <a:r>
@@ -7777,42 +8985,1962 @@
                 <a:latin typeface="맑은 고딕" charset="0"/>
                 <a:ea typeface="맑은 고딕" charset="0"/>
               </a:rPr>
+              <a:t> 그러고 나서 Home Button</a:t>
+            </a:r>
+            <a:r>
+              <a:rPr sz="1800">
+                <a:latin typeface="맑은 고딕" charset="0"/>
+                <a:ea typeface="맑은 고딕" charset="0"/>
+              </a:rPr>
               <a:t> </a:t>
             </a:r>
             <a:r>
-              <a:rPr lang="ko-KR" sz="1800">
-                <a:latin typeface="맑은 고딕" charset="0"/>
-                <a:ea typeface="맑은 고딕" charset="0"/>
-              </a:rPr>
-              <a:t>그다음으로 InputField 오브젝트의 </a:t>
-            </a:r>
-            <a:r>
-              <a:rPr lang="ko-KR" sz="1800">
-                <a:latin typeface="맑은 고딕" charset="0"/>
-                <a:ea typeface="맑은 고딕" charset="0"/>
-              </a:rPr>
-              <a:t>앵커를</a:t>
-            </a:r>
-            <a:r>
-              <a:rPr lang="ko-KR" sz="1800">
+              <a:rPr sz="1800">
+                <a:latin typeface="맑은 고딕" charset="0"/>
+                <a:ea typeface="맑은 고딕" charset="0"/>
+              </a:rPr>
+              <a:t>오브젝트에</a:t>
+            </a:r>
+            <a:r>
+              <a:rPr sz="1800">
                 <a:latin typeface="맑은 고딕" charset="0"/>
                 <a:ea typeface="맑은 고딕" charset="0"/>
               </a:rPr>
               <a:t> </a:t>
             </a:r>
             <a:r>
-              <a:rPr lang="ko-KR" sz="1800">
-                <a:latin typeface="맑은 고딕" charset="0"/>
-                <a:ea typeface="맑은 고딕" charset="0"/>
-              </a:rPr>
-              <a:t>지정하고 </a:t>
-            </a:r>
-            <a:r>
-              <a:rPr lang="ko-KR" sz="1800">
-                <a:latin typeface="맑은 고딕" charset="0"/>
-                <a:ea typeface="맑은 고딕" charset="0"/>
-              </a:rPr>
-              <a:t>위치와 크기를 </a:t>
+              <a:rPr sz="1800">
+                <a:latin typeface="맑은 고딕" charset="0"/>
+                <a:ea typeface="맑은 고딕" charset="0"/>
+              </a:rPr>
+              <a:t>있는</a:t>
+            </a:r>
+            <a:r>
+              <a:rPr sz="1800">
+                <a:latin typeface="맑은 고딕" charset="0"/>
+                <a:ea typeface="맑은 고딕" charset="0"/>
+              </a:rPr>
+              <a:t> </a:t>
+            </a:r>
+            <a:r>
+              <a:rPr sz="1800">
+                <a:latin typeface="맑은 고딕" charset="0"/>
+                <a:ea typeface="맑은 고딕" charset="0"/>
+              </a:rPr>
+              <a:t>On</a:t>
+            </a:r>
+            <a:r>
+              <a:rPr sz="1800">
+                <a:latin typeface="맑은 고딕" charset="0"/>
+                <a:ea typeface="맑은 고딕" charset="0"/>
+              </a:rPr>
+              <a:t> </a:t>
+            </a:r>
+            <a:r>
+              <a:rPr sz="1800">
+                <a:latin typeface="맑은 고딕" charset="0"/>
+                <a:ea typeface="맑은 고딕" charset="0"/>
+              </a:rPr>
+              <a:t>Click(</a:t>
+            </a:r>
+            <a:r>
+              <a:rPr sz="1800">
+                <a:latin typeface="맑은 고딕" charset="0"/>
+                <a:ea typeface="맑은 고딕" charset="0"/>
+              </a:rPr>
+              <a:t> ) </a:t>
+            </a:r>
+            <a:r>
+              <a:rPr sz="1800">
+                <a:latin typeface="맑은 고딕" charset="0"/>
+                <a:ea typeface="맑은 고딕" charset="0"/>
+              </a:rPr>
+              <a:t>함수에</a:t>
+            </a:r>
+            <a:r>
+              <a:rPr sz="1800">
+                <a:latin typeface="맑은 고딕" charset="0"/>
+                <a:ea typeface="맑은 고딕" charset="0"/>
+              </a:rPr>
+              <a:t> </a:t>
+            </a:r>
+            <a:r>
+              <a:rPr lang="ko-KR" sz="1800">
+                <a:latin typeface="맑은 고딕" charset="0"/>
+                <a:ea typeface="맑은 고딕" charset="0"/>
+              </a:rPr>
+              <a:t>E</a:t>
+            </a:r>
+            <a:r>
+              <a:rPr lang="ko-KR" sz="1800">
+                <a:latin typeface="맑은 고딕" charset="0"/>
+                <a:ea typeface="맑은 고딕" charset="0"/>
+              </a:rPr>
+              <a:t>xitGame</a:t>
+            </a:r>
+            <a:r>
+              <a:rPr sz="1800">
+                <a:latin typeface="맑은 고딕" charset="0"/>
+                <a:ea typeface="맑은 고딕" charset="0"/>
+              </a:rPr>
+              <a:t>(</a:t>
+            </a:r>
+            <a:r>
+              <a:rPr sz="1800">
+                <a:latin typeface="맑은 고딕" charset="0"/>
+                <a:ea typeface="맑은 고딕" charset="0"/>
+              </a:rPr>
+              <a:t> </a:t>
+            </a:r>
+            <a:r>
+              <a:rPr sz="1800">
+                <a:latin typeface="맑은 고딕" charset="0"/>
+                <a:ea typeface="맑은 고딕" charset="0"/>
+              </a:rPr>
+              <a:t>)</a:t>
+            </a:r>
+            <a:r>
+              <a:rPr sz="1800">
+                <a:latin typeface="맑은 고딕" charset="0"/>
+                <a:ea typeface="맑은 고딕" charset="0"/>
+              </a:rPr>
+              <a:t> </a:t>
+            </a:r>
+            <a:r>
+              <a:rPr sz="1800">
+                <a:latin typeface="맑은 고딕" charset="0"/>
+                <a:ea typeface="맑은 고딕" charset="0"/>
+              </a:rPr>
+              <a:t>함수를</a:t>
+            </a:r>
+            <a:r>
+              <a:rPr sz="1800">
+                <a:latin typeface="맑은 고딕" charset="0"/>
+                <a:ea typeface="맑은 고딕" charset="0"/>
+              </a:rPr>
+              <a:t> </a:t>
+            </a:r>
+            <a:r>
+              <a:rPr sz="1800">
+                <a:latin typeface="맑은 고딕" charset="0"/>
+                <a:ea typeface="맑은 고딕" charset="0"/>
+              </a:rPr>
+              <a:t>등록합니다.</a:t>
+            </a:r>
+            <a:endParaRPr lang="ko-KR" altLang="en-US" sz="1800">
+              <a:latin typeface="맑은 고딕" charset="0"/>
+              <a:ea typeface="맑은 고딕" charset="0"/>
+            </a:endParaRPr>
+          </a:p>
+        </p:txBody>
+      </p:sp>
+      <p:pic>
+        <p:nvPicPr>
+          <p:cNvPr id="43" name="그림 1" descr="C:/Users/Admin1/AppData/Roaming/PolarisOffice/ETemp/29360_23257720/fImage740324241.png"/>
+          <p:cNvPicPr>
+            <a:picLocks noChangeAspect="1"/>
+          </p:cNvPicPr>
+          <p:nvPr/>
+        </p:nvPicPr>
+        <p:blipFill rotWithShape="1">
+          <a:blip r:embed="rId2" cstate="print">
+            <a:extLst>
+              <a:ext uri="{28A0092B-C50C-407E-A947-70E740481C1C}">
+                <a14:useLocalDpi xmlns:a14="http://schemas.microsoft.com/office/drawing/2010/main" val="0"/>
+              </a:ext>
+            </a:extLst>
+          </a:blip>
+          <a:stretch>
+            <a:fillRect/>
+          </a:stretch>
+        </p:blipFill>
+        <p:spPr>
+          <a:xfrm rot="0">
+            <a:off x="1229995" y="1455420"/>
+            <a:ext cx="1363345" cy="1180465"/>
+          </a:xfrm>
+          <a:prstGeom prst="roundRect"/>
+          <a:solidFill>
+            <a:srgbClr val="EDEDED"/>
+          </a:solidFill>
+        </p:spPr>
+      </p:pic>
+      <p:pic>
+        <p:nvPicPr>
+          <p:cNvPr id="44" name="그림 4" descr="C:/Users/Admin1/AppData/Roaming/PolarisOffice/ETemp/29360_23257720/fImage57712438467.png"/>
+          <p:cNvPicPr>
+            <a:picLocks noChangeAspect="1"/>
+          </p:cNvPicPr>
+          <p:nvPr/>
+        </p:nvPicPr>
+        <p:blipFill rotWithShape="1">
+          <a:blip r:embed="rId3" cstate="print">
+            <a:extLst>
+              <a:ext uri="{28A0092B-C50C-407E-A947-70E740481C1C}">
+                <a14:useLocalDpi xmlns:a14="http://schemas.microsoft.com/office/drawing/2010/main" val="0"/>
+              </a:ext>
+            </a:extLst>
+          </a:blip>
+          <a:stretch>
+            <a:fillRect/>
+          </a:stretch>
+        </p:blipFill>
+        <p:spPr>
+          <a:xfrm rot="0">
+            <a:off x="2722245" y="1447165"/>
+            <a:ext cx="2653665" cy="1197610"/>
+          </a:xfrm>
+          <a:prstGeom prst="roundRect"/>
+          <a:solidFill>
+            <a:srgbClr val="EDEDED"/>
+          </a:solidFill>
+        </p:spPr>
+      </p:pic>
+      <p:cxnSp>
+        <p:nvCxnSpPr>
+          <p:cNvPr id="45" name="도형 9"/>
+          <p:cNvCxnSpPr/>
+          <p:nvPr/>
+        </p:nvCxnSpPr>
+        <p:spPr>
+          <a:xfrm rot="0">
+            <a:off x="2343150" y="1989455"/>
+            <a:ext cx="1215390" cy="164465"/>
+          </a:xfrm>
+          <a:prstGeom prst="straightConnector1"/>
+          <a:ln w="6350" cap="flat" cmpd="sng">
+            <a:prstDash/>
+            <a:headEnd type="none" w="med" len="med"/>
+            <a:tailEnd type="triangle" w="med" len="med"/>
+          </a:ln>
+        </p:spPr>
+        <p:style>
+          <a:lnRef idx="1">
+            <a:schemeClr val="accent1"/>
+          </a:lnRef>
+          <a:fillRef idx="0">
+            <a:schemeClr val="accent1"/>
+          </a:fillRef>
+          <a:effectRef idx="0">
+            <a:schemeClr val="accent1"/>
+          </a:effectRef>
+          <a:fontRef idx="minor">
+            <a:schemeClr val="tx1"/>
+          </a:fontRef>
+        </p:style>
+      </p:cxnSp>
+      <p:sp>
+        <p:nvSpPr>
+          <p:cNvPr id="46" name="텍스트 상자 10"/>
+          <p:cNvSpPr txBox="1">
+            <a:spLocks/>
+          </p:cNvSpPr>
+          <p:nvPr/>
+        </p:nvSpPr>
+        <p:spPr>
+          <a:xfrm rot="0">
+            <a:off x="1231900" y="2759710"/>
+            <a:ext cx="4135120" cy="923925"/>
+          </a:xfrm>
+          <a:prstGeom prst="rect"/>
+          <a:noFill/>
+          <a:ln w="0">
+            <a:noFill/>
+            <a:prstDash/>
+          </a:ln>
+        </p:spPr>
+        <p:txBody>
+          <a:bodyPr wrap="square" lIns="89535" tIns="46355" rIns="89535" bIns="46355" numCol="1" vert="horz" anchor="t">
+            <a:spAutoFit/>
+          </a:bodyPr>
+          <a:lstStyle/>
+          <a:p>
+            <a:pPr marL="0" indent="0" algn="l" latinLnBrk="0" hangingPunct="1">
+              <a:buFontTx/>
+              <a:buNone/>
+            </a:pPr>
+            <a:r>
+              <a:rPr sz="1800" b="1">
+                <a:solidFill>
+                  <a:srgbClr val="0611F2"/>
+                </a:solidFill>
+                <a:latin typeface="맑은 고딕" charset="0"/>
+                <a:ea typeface="맑은 고딕" charset="0"/>
+              </a:rPr>
+              <a:t>2</a:t>
+            </a:r>
+            <a:r>
+              <a:rPr sz="1800" b="1">
+                <a:solidFill>
+                  <a:srgbClr val="0611F2"/>
+                </a:solidFill>
+                <a:latin typeface="맑은 고딕" charset="0"/>
+                <a:ea typeface="맑은 고딕" charset="0"/>
+              </a:rPr>
+              <a:t>6</a:t>
+            </a:r>
+            <a:r>
+              <a:rPr sz="1800" b="1">
+                <a:solidFill>
+                  <a:srgbClr val="0611F2"/>
+                </a:solidFill>
+                <a:latin typeface="맑은 고딕" charset="0"/>
+                <a:ea typeface="맑은 고딕" charset="0"/>
+              </a:rPr>
+              <a:t>.</a:t>
+            </a:r>
+            <a:r>
+              <a:rPr sz="1800">
+                <a:latin typeface="맑은 고딕" charset="0"/>
+                <a:ea typeface="맑은 고딕" charset="0"/>
+              </a:rPr>
+              <a:t> </a:t>
+            </a:r>
+            <a:r>
+              <a:rPr lang="ko-KR" sz="1800">
+                <a:latin typeface="맑은 고딕" charset="0"/>
+                <a:ea typeface="맑은 고딕" charset="0"/>
+              </a:rPr>
+              <a:t>그런 다음 Home Button의 On </a:t>
+            </a:r>
+            <a:r>
+              <a:rPr lang="ko-KR" sz="1800">
+                <a:latin typeface="맑은 고딕" charset="0"/>
+                <a:ea typeface="맑은 고딕" charset="0"/>
+              </a:rPr>
+              <a:t>Click(</a:t>
+            </a:r>
+            <a:r>
+              <a:rPr lang="ko-KR" sz="1800">
+                <a:latin typeface="맑은 고딕" charset="0"/>
+                <a:ea typeface="맑은 고딕" charset="0"/>
+              </a:rPr>
+              <a:t> ) 함수에 Game Manager를 </a:t>
+            </a:r>
+            <a:r>
+              <a:rPr lang="ko-KR" sz="1800">
+                <a:latin typeface="맑은 고딕" charset="0"/>
+                <a:ea typeface="맑은 고딕" charset="0"/>
+              </a:rPr>
+              <a:t>넣어줍니다.</a:t>
+            </a:r>
+            <a:endParaRPr lang="ko-KR" altLang="en-US" sz="1800">
+              <a:latin typeface="맑은 고딕" charset="0"/>
+              <a:ea typeface="맑은 고딕" charset="0"/>
+            </a:endParaRPr>
+          </a:p>
+        </p:txBody>
+      </p:sp>
+      <p:pic>
+        <p:nvPicPr>
+          <p:cNvPr id="47" name="그림 11" descr="C:/Users/Admin1/AppData/Roaming/PolarisOffice/ETemp/29360_23257720/fImage62862486334.png"/>
+          <p:cNvPicPr>
+            <a:picLocks noChangeAspect="1"/>
+          </p:cNvPicPr>
+          <p:nvPr/>
+        </p:nvPicPr>
+        <p:blipFill rotWithShape="1">
+          <a:blip r:embed="rId4" cstate="print">
+            <a:extLst>
+              <a:ext uri="{28A0092B-C50C-407E-A947-70E740481C1C}">
+                <a14:useLocalDpi xmlns:a14="http://schemas.microsoft.com/office/drawing/2010/main" val="0"/>
+              </a:ext>
+            </a:extLst>
+          </a:blip>
+          <a:stretch>
+            <a:fillRect/>
+          </a:stretch>
+        </p:blipFill>
+        <p:spPr>
+          <a:xfrm rot="0">
+            <a:off x="1240790" y="3823970"/>
+            <a:ext cx="4135120" cy="1267460"/>
+          </a:xfrm>
+          <a:prstGeom prst="roundRect"/>
+          <a:solidFill>
+            <a:srgbClr val="EDEDED"/>
+          </a:solidFill>
+        </p:spPr>
+      </p:pic>
+      <p:pic>
+        <p:nvPicPr>
+          <p:cNvPr id="48" name="그림 14" descr="C:/Users/Admin1/AppData/Roaming/PolarisOffice/ETemp/29360_23257720/fImage95082496500.png"/>
+          <p:cNvPicPr>
+            <a:picLocks noChangeAspect="1"/>
+          </p:cNvPicPr>
+          <p:nvPr/>
+        </p:nvPicPr>
+        <p:blipFill rotWithShape="1">
+          <a:blip r:embed="rId5" cstate="print">
+            <a:extLst>
+              <a:ext uri="{28A0092B-C50C-407E-A947-70E740481C1C}">
+                <a14:useLocalDpi xmlns:a14="http://schemas.microsoft.com/office/drawing/2010/main" val="0"/>
+              </a:ext>
+            </a:extLst>
+          </a:blip>
+          <a:stretch>
+            <a:fillRect/>
+          </a:stretch>
+        </p:blipFill>
+        <p:spPr>
+          <a:xfrm rot="0">
+            <a:off x="8234680" y="1455420"/>
+            <a:ext cx="2722880" cy="1172210"/>
+          </a:xfrm>
+          <a:prstGeom prst="roundRect"/>
+          <a:solidFill>
+            <a:srgbClr val="EDEDED"/>
+          </a:solidFill>
+        </p:spPr>
+      </p:pic>
+      <p:pic>
+        <p:nvPicPr>
+          <p:cNvPr id="49" name="그림 17" descr="C:/Users/Admin1/AppData/Roaming/PolarisOffice/ETemp/29360_23257720/fImage95002509169.png"/>
+          <p:cNvPicPr>
+            <a:picLocks noChangeAspect="1"/>
+          </p:cNvPicPr>
+          <p:nvPr/>
+        </p:nvPicPr>
+        <p:blipFill rotWithShape="1">
+          <a:blip r:embed="rId6" cstate="print">
+            <a:extLst>
+              <a:ext uri="{28A0092B-C50C-407E-A947-70E740481C1C}">
+                <a14:useLocalDpi xmlns:a14="http://schemas.microsoft.com/office/drawing/2010/main" val="0"/>
+              </a:ext>
+            </a:extLst>
+          </a:blip>
+          <a:stretch>
+            <a:fillRect/>
+          </a:stretch>
+        </p:blipFill>
+        <p:spPr>
+          <a:xfrm rot="0">
+            <a:off x="6813550" y="1464310"/>
+            <a:ext cx="1283970" cy="1172210"/>
+          </a:xfrm>
+          <a:prstGeom prst="roundRect"/>
+          <a:solidFill>
+            <a:srgbClr val="EDEDED"/>
+          </a:solidFill>
+        </p:spPr>
+      </p:pic>
+      <p:cxnSp>
+        <p:nvCxnSpPr>
+          <p:cNvPr id="50" name="도형 20"/>
+          <p:cNvCxnSpPr/>
+          <p:nvPr/>
+        </p:nvCxnSpPr>
+        <p:spPr>
+          <a:xfrm rot="0" flipV="1">
+            <a:off x="7778115" y="2153285"/>
+            <a:ext cx="3093085" cy="215900"/>
+          </a:xfrm>
+          <a:prstGeom prst="straightConnector1"/>
+          <a:ln w="6350" cap="flat" cmpd="sng">
+            <a:prstDash/>
+            <a:headEnd type="none" w="med" len="med"/>
+            <a:tailEnd type="triangle" w="med" len="med"/>
+          </a:ln>
+        </p:spPr>
+        <p:style>
+          <a:lnRef idx="1">
+            <a:schemeClr val="accent1"/>
+          </a:lnRef>
+          <a:fillRef idx="0">
+            <a:schemeClr val="accent1"/>
+          </a:fillRef>
+          <a:effectRef idx="0">
+            <a:schemeClr val="accent1"/>
+          </a:effectRef>
+          <a:fontRef idx="minor">
+            <a:schemeClr val="tx1"/>
+          </a:fontRef>
+        </p:style>
+      </p:cxnSp>
+      <p:sp>
+        <p:nvSpPr>
+          <p:cNvPr id="51" name="텍스트 상자 21"/>
+          <p:cNvSpPr txBox="1">
+            <a:spLocks/>
+          </p:cNvSpPr>
+          <p:nvPr/>
+        </p:nvSpPr>
+        <p:spPr>
+          <a:xfrm rot="0">
+            <a:off x="6816090" y="2745740"/>
+            <a:ext cx="4149725" cy="923925"/>
+          </a:xfrm>
+          <a:prstGeom prst="rect"/>
+          <a:noFill/>
+          <a:ln w="0">
+            <a:noFill/>
+            <a:prstDash/>
+          </a:ln>
+        </p:spPr>
+        <p:txBody>
+          <a:bodyPr wrap="square" lIns="89535" tIns="46355" rIns="89535" bIns="46355" numCol="1" vert="horz" anchor="t">
+            <a:spAutoFit/>
+          </a:bodyPr>
+          <a:lstStyle/>
+          <a:p>
+            <a:pPr marL="0" indent="0" algn="l" latinLnBrk="0" hangingPunct="1">
+              <a:buFontTx/>
+              <a:buNone/>
+            </a:pPr>
+            <a:r>
+              <a:rPr sz="1800" b="1">
+                <a:solidFill>
+                  <a:srgbClr val="0611F2"/>
+                </a:solidFill>
+                <a:latin typeface="맑은 고딕" charset="0"/>
+                <a:ea typeface="맑은 고딕" charset="0"/>
+              </a:rPr>
+              <a:t>2</a:t>
+            </a:r>
+            <a:r>
+              <a:rPr lang="ko-KR" sz="1800" b="1">
+                <a:solidFill>
+                  <a:srgbClr val="0611F2"/>
+                </a:solidFill>
+                <a:latin typeface="맑은 고딕" charset="0"/>
+                <a:ea typeface="맑은 고딕" charset="0"/>
+              </a:rPr>
+              <a:t>8</a:t>
+            </a:r>
+            <a:r>
+              <a:rPr sz="1800" b="1">
+                <a:solidFill>
+                  <a:srgbClr val="0611F2"/>
+                </a:solidFill>
+                <a:latin typeface="맑은 고딕" charset="0"/>
+                <a:ea typeface="맑은 고딕" charset="0"/>
+              </a:rPr>
+              <a:t>.</a:t>
+            </a:r>
+            <a:r>
+              <a:rPr sz="1800">
+                <a:latin typeface="맑은 고딕" charset="0"/>
+                <a:ea typeface="맑은 고딕" charset="0"/>
+              </a:rPr>
+              <a:t> </a:t>
+            </a:r>
+            <a:r>
+              <a:rPr lang="ko-KR" sz="1800">
+                <a:latin typeface="맑은 고딕" charset="0"/>
+                <a:ea typeface="맑은 고딕" charset="0"/>
+              </a:rPr>
+              <a:t>이제 ChatManager 스크립트에 </a:t>
+            </a:r>
+            <a:r>
+              <a:rPr lang="ko-KR" sz="1800">
+                <a:latin typeface="맑은 고딕" charset="0"/>
+                <a:ea typeface="맑은 고딕" charset="0"/>
+              </a:rPr>
+              <a:t>Input</a:t>
+            </a:r>
+            <a:r>
+              <a:rPr lang="ko-KR" sz="1800">
+                <a:latin typeface="맑은 고딕" charset="0"/>
+                <a:ea typeface="맑은 고딕" charset="0"/>
+              </a:rPr>
+              <a:t> 변수에 InputField 오브젝트를 </a:t>
+            </a:r>
+            <a:r>
+              <a:rPr lang="ko-KR" sz="1800">
+                <a:latin typeface="맑은 고딕" charset="0"/>
+                <a:ea typeface="맑은 고딕" charset="0"/>
+              </a:rPr>
+              <a:t>넣어줍니다.</a:t>
+            </a:r>
+            <a:endParaRPr lang="ko-KR" altLang="en-US" sz="1800">
+              <a:latin typeface="맑은 고딕" charset="0"/>
+              <a:ea typeface="맑은 고딕" charset="0"/>
+            </a:endParaRPr>
+          </a:p>
+        </p:txBody>
+      </p:sp>
+      <p:pic>
+        <p:nvPicPr>
+          <p:cNvPr id="52" name="그림 22" descr="C:/Users/Admin1/AppData/Roaming/PolarisOffice/ETemp/29360_23257720/fImage120712535724.png"/>
+          <p:cNvPicPr>
+            <a:picLocks noChangeAspect="1"/>
+          </p:cNvPicPr>
+          <p:nvPr/>
+        </p:nvPicPr>
+        <p:blipFill rotWithShape="1">
+          <a:blip r:embed="rId7" cstate="print">
+            <a:extLst>
+              <a:ext uri="{28A0092B-C50C-407E-A947-70E740481C1C}">
+                <a14:useLocalDpi xmlns:a14="http://schemas.microsoft.com/office/drawing/2010/main" val="0"/>
+              </a:ext>
+            </a:extLst>
+          </a:blip>
+          <a:stretch>
+            <a:fillRect/>
+          </a:stretch>
+        </p:blipFill>
+        <p:spPr>
+          <a:xfrm rot="0">
+            <a:off x="6814820" y="3824605"/>
+            <a:ext cx="1282700" cy="1249680"/>
+          </a:xfrm>
+          <a:prstGeom prst="roundRect"/>
+          <a:solidFill>
+            <a:srgbClr val="EDEDED"/>
+          </a:solidFill>
+        </p:spPr>
+      </p:pic>
+      <p:pic>
+        <p:nvPicPr>
+          <p:cNvPr id="53" name="그림 25" descr="C:/Users/Admin1/AppData/Roaming/PolarisOffice/ETemp/29360_23257720/fImage100202541478.png"/>
+          <p:cNvPicPr>
+            <a:picLocks noChangeAspect="1"/>
+          </p:cNvPicPr>
+          <p:nvPr/>
+        </p:nvPicPr>
+        <p:blipFill rotWithShape="1">
+          <a:blip r:embed="rId8" cstate="print">
+            <a:extLst>
+              <a:ext uri="{28A0092B-C50C-407E-A947-70E740481C1C}">
+                <a14:useLocalDpi xmlns:a14="http://schemas.microsoft.com/office/drawing/2010/main" val="0"/>
+              </a:ext>
+            </a:extLst>
+          </a:blip>
+          <a:stretch>
+            <a:fillRect/>
+          </a:stretch>
+        </p:blipFill>
+        <p:spPr>
+          <a:xfrm rot="0">
+            <a:off x="8234680" y="3822065"/>
+            <a:ext cx="2726055" cy="1243330"/>
+          </a:xfrm>
+          <a:prstGeom prst="roundRect"/>
+          <a:solidFill>
+            <a:srgbClr val="EDEDED"/>
+          </a:solidFill>
+        </p:spPr>
+      </p:pic>
+      <p:sp>
+        <p:nvSpPr>
+          <p:cNvPr id="54" name="텍스트 상자 28"/>
+          <p:cNvSpPr txBox="1">
+            <a:spLocks/>
+          </p:cNvSpPr>
+          <p:nvPr/>
+        </p:nvSpPr>
+        <p:spPr>
+          <a:xfrm rot="0">
+            <a:off x="6810375" y="5229225"/>
+            <a:ext cx="4147185" cy="923925"/>
+          </a:xfrm>
+          <a:prstGeom prst="rect"/>
+          <a:noFill/>
+          <a:ln w="0">
+            <a:noFill/>
+            <a:prstDash/>
+          </a:ln>
+        </p:spPr>
+        <p:txBody>
+          <a:bodyPr wrap="square" lIns="89535" tIns="46355" rIns="89535" bIns="46355" numCol="1" vert="horz" anchor="t">
+            <a:spAutoFit/>
+          </a:bodyPr>
+          <a:lstStyle/>
+          <a:p>
+            <a:pPr marL="0" indent="0" algn="l" latinLnBrk="0" hangingPunct="1">
+              <a:buFontTx/>
+              <a:buNone/>
+            </a:pPr>
+            <a:r>
+              <a:rPr sz="1800" b="1">
+                <a:solidFill>
+                  <a:srgbClr val="0611F2"/>
+                </a:solidFill>
+                <a:latin typeface="맑은 고딕" charset="0"/>
+                <a:ea typeface="맑은 고딕" charset="0"/>
+              </a:rPr>
+              <a:t>2</a:t>
+            </a:r>
+            <a:r>
+              <a:rPr lang="ko-KR" sz="1800" b="1">
+                <a:solidFill>
+                  <a:srgbClr val="0611F2"/>
+                </a:solidFill>
+                <a:latin typeface="맑은 고딕" charset="0"/>
+                <a:ea typeface="맑은 고딕" charset="0"/>
+              </a:rPr>
+              <a:t>9</a:t>
+            </a:r>
+            <a:r>
+              <a:rPr sz="1800" b="1">
+                <a:solidFill>
+                  <a:srgbClr val="0611F2"/>
+                </a:solidFill>
+                <a:latin typeface="맑은 고딕" charset="0"/>
+                <a:ea typeface="맑은 고딕" charset="0"/>
+              </a:rPr>
+              <a:t>.</a:t>
+            </a:r>
+            <a:r>
+              <a:rPr sz="1800">
+                <a:latin typeface="맑은 고딕" charset="0"/>
+                <a:ea typeface="맑은 고딕" charset="0"/>
+              </a:rPr>
+              <a:t> </a:t>
+            </a:r>
+            <a:r>
+              <a:rPr lang="ko-KR" sz="1800">
+                <a:latin typeface="맑은 고딕" charset="0"/>
+                <a:ea typeface="맑은 고딕" charset="0"/>
+              </a:rPr>
+              <a:t>그리고 ChatManager </a:t>
+            </a:r>
+            <a:r>
+              <a:rPr lang="ko-KR" sz="1800">
+                <a:latin typeface="맑은 고딕" charset="0"/>
+                <a:ea typeface="맑은 고딕" charset="0"/>
+              </a:rPr>
+              <a:t>스크립트에</a:t>
+            </a:r>
+            <a:r>
+              <a:rPr lang="ko-KR" sz="1800">
+                <a:latin typeface="맑은 고딕" charset="0"/>
+                <a:ea typeface="맑은 고딕" charset="0"/>
+              </a:rPr>
+              <a:t> </a:t>
+            </a:r>
+            <a:r>
+              <a:rPr lang="ko-KR" sz="1800">
+                <a:latin typeface="맑은 고딕" charset="0"/>
+                <a:ea typeface="맑은 고딕" charset="0"/>
+              </a:rPr>
+              <a:t>C</a:t>
+            </a:r>
+            <a:r>
+              <a:rPr lang="ko-KR" sz="1800">
+                <a:latin typeface="맑은 고딕" charset="0"/>
+                <a:ea typeface="맑은 고딕" charset="0"/>
+              </a:rPr>
+              <a:t>ha</a:t>
+            </a:r>
+            <a:r>
+              <a:rPr lang="ko-KR" sz="1800">
+                <a:latin typeface="맑은 고딕" charset="0"/>
+                <a:ea typeface="맑은 고딕" charset="0"/>
+              </a:rPr>
+              <a:t>t</a:t>
+            </a:r>
+            <a:r>
+              <a:rPr lang="ko-KR" sz="1800">
+                <a:latin typeface="맑은 고딕" charset="0"/>
+                <a:ea typeface="맑은 고딕" charset="0"/>
+              </a:rPr>
+              <a:t> Content </a:t>
+            </a:r>
+            <a:r>
+              <a:rPr lang="ko-KR" sz="1800">
+                <a:latin typeface="맑은 고딕" charset="0"/>
+                <a:ea typeface="맑은 고딕" charset="0"/>
+              </a:rPr>
+              <a:t>변수에</a:t>
+            </a:r>
+            <a:r>
+              <a:rPr lang="ko-KR" sz="1800">
+                <a:latin typeface="맑은 고딕" charset="0"/>
+                <a:ea typeface="맑은 고딕" charset="0"/>
+              </a:rPr>
+              <a:t> Content </a:t>
+            </a:r>
+            <a:r>
+              <a:rPr lang="ko-KR" sz="1800">
+                <a:latin typeface="맑은 고딕" charset="0"/>
+                <a:ea typeface="맑은 고딕" charset="0"/>
+              </a:rPr>
+              <a:t>오브젝트를</a:t>
+            </a:r>
+            <a:r>
+              <a:rPr lang="ko-KR" sz="1800">
+                <a:latin typeface="맑은 고딕" charset="0"/>
+                <a:ea typeface="맑은 고딕" charset="0"/>
+              </a:rPr>
+              <a:t> </a:t>
+            </a:r>
+            <a:r>
+              <a:rPr lang="ko-KR" sz="1800">
+                <a:latin typeface="맑은 고딕" charset="0"/>
+                <a:ea typeface="맑은 고딕" charset="0"/>
+              </a:rPr>
+              <a:t>넣어줍니다.</a:t>
+            </a:r>
+            <a:endParaRPr lang="ko-KR" altLang="en-US" sz="1800">
+              <a:latin typeface="맑은 고딕" charset="0"/>
+              <a:ea typeface="맑은 고딕" charset="0"/>
+            </a:endParaRPr>
+          </a:p>
+        </p:txBody>
+      </p:sp>
+      <p:cxnSp>
+        <p:nvCxnSpPr>
+          <p:cNvPr id="55" name="도형 29"/>
+          <p:cNvCxnSpPr/>
+          <p:nvPr/>
+        </p:nvCxnSpPr>
+        <p:spPr>
+          <a:xfrm rot="0">
+            <a:off x="7787005" y="4651375"/>
+            <a:ext cx="3101340" cy="181610"/>
+          </a:xfrm>
+          <a:prstGeom prst="straightConnector1"/>
+          <a:ln w="6350" cap="flat" cmpd="sng">
+            <a:prstDash/>
+            <a:headEnd type="none" w="med" len="med"/>
+            <a:tailEnd type="triangle" w="med" len="med"/>
+          </a:ln>
+        </p:spPr>
+        <p:style>
+          <a:lnRef idx="1">
+            <a:schemeClr val="accent1"/>
+          </a:lnRef>
+          <a:fillRef idx="0">
+            <a:schemeClr val="accent1"/>
+          </a:fillRef>
+          <a:effectRef idx="0">
+            <a:schemeClr val="accent1"/>
+          </a:effectRef>
+          <a:fontRef idx="minor">
+            <a:schemeClr val="tx1"/>
+          </a:fontRef>
+        </p:style>
+      </p:cxnSp>
+    </p:spTree>
+  </p:cSld>
+  <p:clrMapOvr>
+    <a:masterClrMapping/>
+  </p:clrMapOvr>
+  <mc:AlternateContent xmlns:mc="http://schemas.openxmlformats.org/markup-compatibility/2006">
+    <mc:Choice xmlns:p14="http://schemas.microsoft.com/office/powerpoint/2010/main" Requires="p14">
+      <p:transition spd="slow" p14:dur="2000"/>
+    </mc:Choice>
+    <mc:Fallback>
+      <p:transition spd="slow"/>
+    </mc:Fallback>
+  </mc:AlternateContent>
+  <p:timing>
+    <p:tnLst>
+      <p:par>
+        <p:cTn id="1" dur="indefinite" restart="never" nodeType="tmRoot"/>
+      </p:par>
+    </p:tnLst>
+  </p:timing>
+</p:sld>
+</file>
+
+<file path=ppt/slides/slide12.xml><?xml version="1.0" encoding="utf-8"?>
+<p:sld xmlns:a="http://schemas.openxmlformats.org/drawingml/2006/main" xmlns:r="http://schemas.openxmlformats.org/officeDocument/2006/relationships" xmlns:p="http://schemas.openxmlformats.org/presentationml/2006/main">
+  <p:cSld>
+    <p:spTree>
+      <p:nvGrpSpPr>
+        <p:cNvPr id="1" name=""/>
+        <p:cNvGrpSpPr/>
+        <p:nvPr/>
+      </p:nvGrpSpPr>
+      <p:grpSpPr>
+        <a:xfrm>
+          <a:off x="0" y="0"/>
+          <a:ext cx="0" cy="0"/>
+          <a:chOff x="0" y="0"/>
+          <a:chExt cx="0" cy="0"/>
+        </a:xfrm>
+      </p:grpSpPr>
+      <p:sp>
+        <p:nvSpPr>
+          <p:cNvPr id="29" name="Rect 0"/>
+          <p:cNvSpPr txBox="1">
+            <a:spLocks/>
+          </p:cNvSpPr>
+          <p:nvPr/>
+        </p:nvSpPr>
+        <p:spPr>
+          <a:xfrm rot="0">
+            <a:off x="1229995" y="1337310"/>
+            <a:ext cx="4039235" cy="370840"/>
+          </a:xfrm>
+          <a:prstGeom prst="rect"/>
+          <a:noFill/>
+          <a:ln w="0">
+            <a:noFill/>
+            <a:prstDash/>
+          </a:ln>
+        </p:spPr>
+        <p:txBody>
+          <a:bodyPr wrap="square" lIns="89535" tIns="46355" rIns="89535" bIns="46355" numCol="1" vert="horz" anchor="t">
+            <a:spAutoFit/>
+          </a:bodyPr>
+          <a:lstStyle/>
+          <a:p>
+            <a:pPr marL="0" indent="0" algn="l" latinLnBrk="0" hangingPunct="1">
+              <a:buFontTx/>
+              <a:buNone/>
+            </a:pPr>
+            <a:endParaRPr lang="ko-KR" altLang="en-US" sz="1800">
+              <a:latin typeface="맑은 고딕" charset="0"/>
+              <a:ea typeface="맑은 고딕" charset="0"/>
+            </a:endParaRPr>
+          </a:p>
+        </p:txBody>
+      </p:sp>
+      <p:sp>
+        <p:nvSpPr>
+          <p:cNvPr id="35" name="Rect 0"/>
+          <p:cNvSpPr txBox="1">
+            <a:spLocks/>
+          </p:cNvSpPr>
+          <p:nvPr/>
+        </p:nvSpPr>
+        <p:spPr>
+          <a:xfrm rot="0">
+            <a:off x="4342765" y="389890"/>
+            <a:ext cx="3505835" cy="554990"/>
+          </a:xfrm>
+          <a:prstGeom prst="rect"/>
+          <a:noFill/>
+          <a:ln w="0">
+            <a:noFill/>
+            <a:prstDash/>
+          </a:ln>
+        </p:spPr>
+        <p:txBody>
+          <a:bodyPr wrap="square" lIns="89535" tIns="46355" rIns="89535" bIns="46355" numCol="1" vert="horz" anchor="t">
+            <a:spAutoFit/>
+          </a:bodyPr>
+          <a:lstStyle/>
+          <a:p>
+            <a:pPr marL="0" indent="0" rtl="0" algn="ctr" defTabSz="914400" eaLnBrk="1" latinLnBrk="0" hangingPunct="1">
+              <a:buFontTx/>
+              <a:buNone/>
+            </a:pPr>
+            <a:r>
+              <a:rPr lang="ko-KR" sz="2500" b="1">
+                <a:latin typeface="나눔바른고딕" charset="0"/>
+                <a:ea typeface="나눔바른고딕" charset="0"/>
+              </a:rPr>
+              <a:t>열한</a:t>
+            </a:r>
+            <a:r>
+              <a:rPr lang="ko-KR" sz="2500" b="1">
+                <a:latin typeface="나눔바른고딕" charset="0"/>
+                <a:ea typeface="나눔바른고딕" charset="0"/>
+              </a:rPr>
+              <a:t> 번째 튜토리얼</a:t>
+            </a:r>
+            <a:r>
+              <a:rPr sz="3000" b="1">
+                <a:latin typeface="맑은 고딕" charset="0"/>
+                <a:ea typeface="맑은 고딕" charset="0"/>
+              </a:rPr>
+              <a:t> </a:t>
+            </a:r>
+            <a:endParaRPr lang="ko-KR" altLang="en-US" sz="3000" b="1">
+              <a:latin typeface="맑은 고딕" charset="0"/>
+              <a:ea typeface="맑은 고딕" charset="0"/>
+            </a:endParaRPr>
+          </a:p>
+        </p:txBody>
+      </p:sp>
+      <p:sp>
+        <p:nvSpPr>
+          <p:cNvPr id="36" name="Rect 0"/>
+          <p:cNvSpPr txBox="1">
+            <a:spLocks/>
+          </p:cNvSpPr>
+          <p:nvPr/>
+        </p:nvSpPr>
+        <p:spPr>
+          <a:xfrm rot="0">
+            <a:off x="1231900" y="4427855"/>
+            <a:ext cx="4144010" cy="1784985"/>
+          </a:xfrm>
+          <a:prstGeom prst="rect"/>
+          <a:noFill/>
+          <a:ln w="0">
+            <a:noFill/>
+            <a:prstDash/>
+          </a:ln>
+        </p:spPr>
+        <p:txBody>
+          <a:bodyPr wrap="square" lIns="89535" tIns="46355" rIns="89535" bIns="46355" numCol="1" vert="horz" anchor="t">
+            <a:spAutoFit/>
+          </a:bodyPr>
+          <a:lstStyle/>
+          <a:p>
+            <a:pPr marL="0" indent="0" rtl="0" algn="l" defTabSz="914400" eaLnBrk="1" latinLnBrk="0" hangingPunct="1">
+              <a:buFontTx/>
+              <a:buNone/>
+            </a:pPr>
+            <a:r>
+              <a:rPr sz="2000" b="1">
+                <a:solidFill>
+                  <a:srgbClr val="0611F2"/>
+                </a:solidFill>
+                <a:latin typeface="맑은 고딕" charset="0"/>
+                <a:ea typeface="맑은 고딕" charset="0"/>
+              </a:rPr>
+              <a:t>30.</a:t>
+            </a:r>
+            <a:r>
+              <a:rPr sz="2000">
+                <a:solidFill>
+                  <a:srgbClr val="0611F2"/>
+                </a:solidFill>
+                <a:latin typeface="맑은 고딕" charset="0"/>
+                <a:ea typeface="맑은 고딕" charset="0"/>
+              </a:rPr>
+              <a:t> </a:t>
+            </a:r>
+            <a:r>
+              <a:rPr sz="1800">
+                <a:latin typeface="맑은 고딕" charset="0"/>
+                <a:ea typeface="맑은 고딕" charset="0"/>
+              </a:rPr>
+              <a:t>그런 다음 Texture 폴더 아래에 </a:t>
+            </a:r>
+            <a:r>
+              <a:rPr sz="1800">
+                <a:latin typeface="맑은 고딕" charset="0"/>
+                <a:ea typeface="맑은 고딕" charset="0"/>
+              </a:rPr>
+              <a:t>있는</a:t>
+            </a:r>
+            <a:r>
+              <a:rPr sz="1800">
+                <a:latin typeface="맑은 고딕" charset="0"/>
+                <a:ea typeface="맑은 고딕" charset="0"/>
+              </a:rPr>
+              <a:t> </a:t>
+            </a:r>
+            <a:r>
+              <a:rPr sz="1800">
+                <a:latin typeface="맑은 고딕" charset="0"/>
+                <a:ea typeface="맑은 고딕" charset="0"/>
+              </a:rPr>
+              <a:t>Interface</a:t>
+            </a:r>
+            <a:r>
+              <a:rPr sz="1800">
+                <a:latin typeface="맑은 고딕" charset="0"/>
+                <a:ea typeface="맑은 고딕" charset="0"/>
+              </a:rPr>
+              <a:t> </a:t>
+            </a:r>
+            <a:r>
+              <a:rPr sz="1800">
+                <a:latin typeface="맑은 고딕" charset="0"/>
+                <a:ea typeface="맑은 고딕" charset="0"/>
+              </a:rPr>
+              <a:t>Texture</a:t>
+            </a:r>
+            <a:r>
+              <a:rPr sz="1800">
+                <a:latin typeface="맑은 고딕" charset="0"/>
+                <a:ea typeface="맑은 고딕" charset="0"/>
+              </a:rPr>
+              <a:t> 폴더에 </a:t>
+            </a:r>
+            <a:r>
+              <a:rPr sz="1800">
+                <a:latin typeface="맑은 고딕" charset="0"/>
+                <a:ea typeface="맑은 고딕" charset="0"/>
+              </a:rPr>
+              <a:t>Home </a:t>
+            </a:r>
+            <a:r>
+              <a:rPr sz="1800">
+                <a:latin typeface="맑은 고딕" charset="0"/>
+                <a:ea typeface="맑은 고딕" charset="0"/>
+              </a:rPr>
+              <a:t>Button</a:t>
+            </a:r>
+            <a:r>
+              <a:rPr sz="1800">
+                <a:latin typeface="맑은 고딕" charset="0"/>
+                <a:ea typeface="맑은 고딕" charset="0"/>
+              </a:rPr>
+              <a:t> </a:t>
+            </a:r>
+            <a:r>
+              <a:rPr sz="1800">
+                <a:latin typeface="맑은 고딕" charset="0"/>
+                <a:ea typeface="맑은 고딕" charset="0"/>
+              </a:rPr>
+              <a:t>텍스처를</a:t>
+            </a:r>
+            <a:r>
+              <a:rPr sz="1800">
+                <a:latin typeface="맑은 고딕" charset="0"/>
+                <a:ea typeface="맑은 고딕" charset="0"/>
+              </a:rPr>
+              <a:t> </a:t>
+            </a:r>
+            <a:r>
+              <a:rPr sz="1800">
+                <a:latin typeface="맑은 고딕" charset="0"/>
+                <a:ea typeface="맑은 고딕" charset="0"/>
+              </a:rPr>
+              <a:t>선택합니다.</a:t>
+            </a:r>
+            <a:endParaRPr lang="ko-KR" altLang="en-US" sz="1800">
+              <a:latin typeface="맑은 고딕" charset="0"/>
+              <a:ea typeface="맑은 고딕" charset="0"/>
+            </a:endParaRPr>
+          </a:p>
+          <a:p>
+            <a:pPr marL="0" indent="0" rtl="0" algn="l" defTabSz="914400" eaLnBrk="1" latinLnBrk="0" hangingPunct="1">
+              <a:buFontTx/>
+              <a:buNone/>
+            </a:pPr>
+            <a:endParaRPr lang="ko-KR" altLang="en-US" sz="1800">
+              <a:latin typeface="맑은 고딕" charset="0"/>
+              <a:ea typeface="맑은 고딕" charset="0"/>
+            </a:endParaRPr>
+          </a:p>
+          <a:p>
+            <a:pPr marL="0" indent="0" rtl="0" algn="l" defTabSz="914400" eaLnBrk="1" latinLnBrk="0" hangingPunct="1">
+              <a:buFontTx/>
+              <a:buNone/>
+            </a:pPr>
+            <a:r>
+              <a:rPr lang="ko-KR" sz="1800">
+                <a:latin typeface="맑은 고딕" charset="0"/>
+                <a:ea typeface="맑은 고딕" charset="0"/>
+              </a:rPr>
+              <a:t>그다음</a:t>
+            </a:r>
+            <a:r>
+              <a:rPr sz="1800">
+                <a:latin typeface="맑은 고딕" charset="0"/>
+                <a:ea typeface="맑은 고딕" charset="0"/>
+              </a:rPr>
+              <a:t> Home Button 오브젝트의 </a:t>
+            </a:r>
+            <a:r>
+              <a:rPr sz="1800">
+                <a:latin typeface="맑은 고딕" charset="0"/>
+                <a:ea typeface="맑은 고딕" charset="0"/>
+              </a:rPr>
+              <a:t>이미지</a:t>
+            </a:r>
+            <a:r>
+              <a:rPr sz="1800">
+                <a:latin typeface="맑은 고딕" charset="0"/>
+                <a:ea typeface="맑은 고딕" charset="0"/>
+              </a:rPr>
+              <a:t> </a:t>
+            </a:r>
+            <a:r>
+              <a:rPr sz="1800">
+                <a:latin typeface="맑은 고딕" charset="0"/>
+                <a:ea typeface="맑은 고딕" charset="0"/>
+              </a:rPr>
+              <a:t>컴포넌트에</a:t>
+            </a:r>
+            <a:r>
+              <a:rPr sz="1800">
+                <a:latin typeface="맑은 고딕" charset="0"/>
+                <a:ea typeface="맑은 고딕" charset="0"/>
+              </a:rPr>
+              <a:t> 넣어줍니다. </a:t>
+            </a:r>
+            <a:endParaRPr lang="ko-KR" altLang="en-US" sz="1800">
+              <a:latin typeface="맑은 고딕" charset="0"/>
+              <a:ea typeface="맑은 고딕" charset="0"/>
+            </a:endParaRPr>
+          </a:p>
+        </p:txBody>
+      </p:sp>
+      <p:sp>
+        <p:nvSpPr>
+          <p:cNvPr id="54" name="Rect 0"/>
+          <p:cNvSpPr txBox="1">
+            <a:spLocks/>
+          </p:cNvSpPr>
+          <p:nvPr/>
+        </p:nvSpPr>
+        <p:spPr>
+          <a:xfrm rot="0">
+            <a:off x="6822440" y="4454525"/>
+            <a:ext cx="4135120" cy="1754505"/>
+          </a:xfrm>
+          <a:prstGeom prst="rect"/>
+          <a:noFill/>
+          <a:ln w="0">
+            <a:noFill/>
+            <a:prstDash/>
+          </a:ln>
+        </p:spPr>
+        <p:txBody>
+          <a:bodyPr wrap="square" lIns="89535" tIns="46355" rIns="89535" bIns="46355" numCol="1" vert="horz" anchor="t">
+            <a:spAutoFit/>
+          </a:bodyPr>
+          <a:lstStyle/>
+          <a:p>
+            <a:pPr marL="0" indent="0" algn="l" latinLnBrk="0" hangingPunct="1">
+              <a:buFontTx/>
+              <a:buNone/>
+            </a:pPr>
+            <a:r>
+              <a:rPr sz="1800" b="1">
+                <a:solidFill>
+                  <a:srgbClr val="0611F2"/>
+                </a:solidFill>
+                <a:latin typeface="맑은 고딕" charset="0"/>
+                <a:ea typeface="맑은 고딕" charset="0"/>
+              </a:rPr>
+              <a:t>3</a:t>
+            </a:r>
+            <a:r>
+              <a:rPr sz="1800" b="1">
+                <a:solidFill>
+                  <a:srgbClr val="0611F2"/>
+                </a:solidFill>
+                <a:latin typeface="맑은 고딕" charset="0"/>
+                <a:ea typeface="맑은 고딕" charset="0"/>
+              </a:rPr>
+              <a:t>1</a:t>
+            </a:r>
+            <a:r>
+              <a:rPr sz="1800" b="1">
+                <a:solidFill>
+                  <a:srgbClr val="0611F2"/>
+                </a:solidFill>
+                <a:latin typeface="맑은 고딕" charset="0"/>
+                <a:ea typeface="맑은 고딕" charset="0"/>
+              </a:rPr>
+              <a:t>.</a:t>
+            </a:r>
+            <a:r>
+              <a:rPr sz="1800">
+                <a:latin typeface="맑은 고딕" charset="0"/>
+                <a:ea typeface="맑은 고딕" charset="0"/>
+              </a:rPr>
+              <a:t> </a:t>
+            </a:r>
+            <a:r>
+              <a:rPr lang="ko-KR" sz="1800">
+                <a:latin typeface="맑은 고딕" charset="0"/>
+                <a:ea typeface="맑은 고딕" charset="0"/>
+              </a:rPr>
+              <a:t>그러고 나서 </a:t>
+            </a:r>
+            <a:r>
+              <a:rPr sz="1800">
+                <a:latin typeface="맑은 고딕" charset="0"/>
+                <a:ea typeface="맑은 고딕" charset="0"/>
+              </a:rPr>
+              <a:t>Projcet 폴더 아래에 </a:t>
+            </a:r>
+            <a:r>
+              <a:rPr sz="1800">
+                <a:latin typeface="맑은 고딕" charset="0"/>
+                <a:ea typeface="맑은 고딕" charset="0"/>
+              </a:rPr>
+              <a:t>있는</a:t>
+            </a:r>
+            <a:r>
+              <a:rPr sz="1800">
+                <a:latin typeface="맑은 고딕" charset="0"/>
+                <a:ea typeface="맑은 고딕" charset="0"/>
+              </a:rPr>
+              <a:t> </a:t>
+            </a:r>
+            <a:r>
+              <a:rPr sz="1800">
+                <a:latin typeface="맑은 고딕" charset="0"/>
+                <a:ea typeface="맑은 고딕" charset="0"/>
+              </a:rPr>
+              <a:t>Animation</a:t>
+            </a:r>
+            <a:r>
+              <a:rPr sz="1800">
+                <a:latin typeface="맑은 고딕" charset="0"/>
+                <a:ea typeface="맑은 고딕" charset="0"/>
+              </a:rPr>
+              <a:t> 폴더에 </a:t>
+            </a:r>
+            <a:r>
+              <a:rPr sz="1800">
+                <a:latin typeface="맑은 고딕" charset="0"/>
+                <a:ea typeface="맑은 고딕" charset="0"/>
+              </a:rPr>
+              <a:t>Bee Move</a:t>
+            </a:r>
+            <a:r>
+              <a:rPr sz="1800">
+                <a:latin typeface="맑은 고딕" charset="0"/>
+                <a:ea typeface="맑은 고딕" charset="0"/>
+              </a:rPr>
+              <a:t> </a:t>
+            </a:r>
+            <a:r>
+              <a:rPr sz="1800">
+                <a:latin typeface="맑은 고딕" charset="0"/>
+                <a:ea typeface="맑은 고딕" charset="0"/>
+              </a:rPr>
+              <a:t>애니메이션</a:t>
+            </a:r>
+            <a:r>
+              <a:rPr lang="ko-KR" sz="1800">
+                <a:latin typeface="맑은 고딕" charset="0"/>
+                <a:ea typeface="맑은 고딕" charset="0"/>
+              </a:rPr>
+              <a:t>을</a:t>
+            </a:r>
+            <a:r>
+              <a:rPr sz="1800">
+                <a:latin typeface="맑은 고딕" charset="0"/>
+                <a:ea typeface="맑은 고딕" charset="0"/>
+              </a:rPr>
+              <a:t> </a:t>
+            </a:r>
+            <a:r>
+              <a:rPr sz="1800">
+                <a:latin typeface="맑은 고딕" charset="0"/>
+                <a:ea typeface="맑은 고딕" charset="0"/>
+              </a:rPr>
+              <a:t>선택합니다.</a:t>
+            </a:r>
+            <a:endParaRPr lang="ko-KR" altLang="en-US" sz="1800">
+              <a:latin typeface="맑은 고딕" charset="0"/>
+              <a:ea typeface="맑은 고딕" charset="0"/>
+            </a:endParaRPr>
+          </a:p>
+          <a:p>
+            <a:pPr marL="0" indent="0" algn="l" latinLnBrk="0" hangingPunct="1">
+              <a:buFontTx/>
+              <a:buNone/>
+            </a:pPr>
+            <a:endParaRPr lang="ko-KR" altLang="en-US" sz="1800">
+              <a:latin typeface="맑은 고딕" charset="0"/>
+              <a:ea typeface="맑은 고딕" charset="0"/>
+            </a:endParaRPr>
+          </a:p>
+          <a:p>
+            <a:pPr marL="0" indent="0" algn="l" latinLnBrk="0" hangingPunct="1">
+              <a:buFontTx/>
+              <a:buNone/>
+            </a:pPr>
+            <a:r>
+              <a:rPr sz="1800">
+                <a:latin typeface="맑은 고딕" charset="0"/>
+                <a:ea typeface="맑은 고딕" charset="0"/>
+              </a:rPr>
+              <a:t>이</a:t>
+            </a:r>
+            <a:r>
+              <a:rPr lang="ko-KR" sz="1800">
+                <a:latin typeface="맑은 고딕" charset="0"/>
+                <a:ea typeface="맑은 고딕" charset="0"/>
+              </a:rPr>
+              <a:t>제</a:t>
+            </a:r>
+            <a:r>
+              <a:rPr lang="ko-KR" sz="1800">
+                <a:latin typeface="맑은 고딕" charset="0"/>
+                <a:ea typeface="맑은 고딕" charset="0"/>
+              </a:rPr>
+              <a:t> Bee Animator Controller의 Base </a:t>
+            </a:r>
+            <a:r>
+              <a:rPr lang="ko-KR" sz="1800">
+                <a:latin typeface="맑은 고딕" charset="0"/>
+                <a:ea typeface="맑은 고딕" charset="0"/>
+              </a:rPr>
+              <a:t>Lay</a:t>
+            </a:r>
+            <a:r>
+              <a:rPr lang="ko-KR" sz="1800">
+                <a:latin typeface="맑은 고딕" charset="0"/>
+                <a:ea typeface="맑은 고딕" charset="0"/>
+              </a:rPr>
+              <a:t>er</a:t>
+            </a:r>
+            <a:r>
+              <a:rPr lang="ko-KR" sz="1800">
+                <a:latin typeface="맑은 고딕" charset="0"/>
+                <a:ea typeface="맑은 고딕" charset="0"/>
+              </a:rPr>
+              <a:t>에</a:t>
+            </a:r>
+            <a:r>
+              <a:rPr lang="ko-KR" sz="1800">
+                <a:latin typeface="맑은 고딕" charset="0"/>
+                <a:ea typeface="맑은 고딕" charset="0"/>
+              </a:rPr>
+              <a:t> </a:t>
+            </a:r>
+            <a:r>
+              <a:rPr lang="ko-KR" sz="1800">
+                <a:latin typeface="맑은 고딕" charset="0"/>
+                <a:ea typeface="맑은 고딕" charset="0"/>
+              </a:rPr>
+              <a:t>넣어줍니다.</a:t>
+            </a:r>
+            <a:endParaRPr lang="ko-KR" altLang="en-US" sz="1800">
+              <a:latin typeface="맑은 고딕" charset="0"/>
+              <a:ea typeface="맑은 고딕" charset="0"/>
+            </a:endParaRPr>
+          </a:p>
+        </p:txBody>
+      </p:sp>
+      <p:pic>
+        <p:nvPicPr>
+          <p:cNvPr id="56" name="그림 30" descr="C:/Users/Admin1/AppData/Roaming/PolarisOffice/ETemp/29360_23257720/fImage169712769358.png"/>
+          <p:cNvPicPr>
+            <a:picLocks noChangeAspect="1"/>
+          </p:cNvPicPr>
+          <p:nvPr/>
+        </p:nvPicPr>
+        <p:blipFill rotWithShape="1">
+          <a:blip r:embed="rId2" cstate="print">
+            <a:extLst>
+              <a:ext uri="{28A0092B-C50C-407E-A947-70E740481C1C}">
+                <a14:useLocalDpi xmlns:a14="http://schemas.microsoft.com/office/drawing/2010/main" val="0"/>
+              </a:ext>
+            </a:extLst>
+          </a:blip>
+          <a:stretch>
+            <a:fillRect/>
+          </a:stretch>
+        </p:blipFill>
+        <p:spPr>
+          <a:xfrm rot="0">
+            <a:off x="1233805" y="1452880"/>
+            <a:ext cx="4150360" cy="1734820"/>
+          </a:xfrm>
+          <a:prstGeom prst="roundRect"/>
+          <a:solidFill>
+            <a:srgbClr val="EDEDED"/>
+          </a:solidFill>
+        </p:spPr>
+      </p:pic>
+      <p:pic>
+        <p:nvPicPr>
+          <p:cNvPr id="57" name="그림 33" descr="C:/Users/Admin1/AppData/Roaming/PolarisOffice/ETemp/29360_23257720/fImage99362776962.png"/>
+          <p:cNvPicPr>
+            <a:picLocks noChangeAspect="1"/>
+          </p:cNvPicPr>
+          <p:nvPr/>
+        </p:nvPicPr>
+        <p:blipFill rotWithShape="1">
+          <a:blip r:embed="rId3" cstate="print">
+            <a:extLst>
+              <a:ext uri="{28A0092B-C50C-407E-A947-70E740481C1C}">
+                <a14:useLocalDpi xmlns:a14="http://schemas.microsoft.com/office/drawing/2010/main" val="0"/>
+              </a:ext>
+            </a:extLst>
+          </a:blip>
+          <a:stretch>
+            <a:fillRect/>
+          </a:stretch>
+        </p:blipFill>
+        <p:spPr>
+          <a:xfrm rot="0">
+            <a:off x="1231265" y="3367405"/>
+            <a:ext cx="4144645" cy="956310"/>
+          </a:xfrm>
+          <a:prstGeom prst="roundRect"/>
+          <a:solidFill>
+            <a:srgbClr val="EDEDED"/>
+          </a:solidFill>
+        </p:spPr>
+      </p:pic>
+      <p:cxnSp>
+        <p:nvCxnSpPr>
+          <p:cNvPr id="58" name="도형 36"/>
+          <p:cNvCxnSpPr/>
+          <p:nvPr/>
+        </p:nvCxnSpPr>
+        <p:spPr>
+          <a:xfrm rot="0" flipV="1">
+            <a:off x="2239645" y="1713865"/>
+            <a:ext cx="2998470" cy="1913255"/>
+          </a:xfrm>
+          <a:prstGeom prst="straightConnector1"/>
+          <a:ln w="6350" cap="flat" cmpd="sng">
+            <a:prstDash/>
+            <a:headEnd type="none" w="med" len="med"/>
+            <a:tailEnd type="triangle" w="med" len="med"/>
+          </a:ln>
+        </p:spPr>
+        <p:style>
+          <a:lnRef idx="1">
+            <a:schemeClr val="accent1"/>
+          </a:lnRef>
+          <a:fillRef idx="0">
+            <a:schemeClr val="accent1"/>
+          </a:fillRef>
+          <a:effectRef idx="0">
+            <a:schemeClr val="accent1"/>
+          </a:effectRef>
+          <a:fontRef idx="minor">
+            <a:schemeClr val="tx1"/>
+          </a:fontRef>
+        </p:style>
+      </p:cxnSp>
+      <p:pic>
+        <p:nvPicPr>
+          <p:cNvPr id="59" name="그림 37" descr="C:/Users/Admin1/AppData/Roaming/PolarisOffice/ETemp/29360_23257720/fImage76482794464.png"/>
+          <p:cNvPicPr>
+            <a:picLocks noChangeAspect="1"/>
+          </p:cNvPicPr>
+          <p:nvPr/>
+        </p:nvPicPr>
+        <p:blipFill rotWithShape="1">
+          <a:blip r:embed="rId4" cstate="print">
+            <a:extLst>
+              <a:ext uri="{28A0092B-C50C-407E-A947-70E740481C1C}">
+                <a14:useLocalDpi xmlns:a14="http://schemas.microsoft.com/office/drawing/2010/main" val="0"/>
+              </a:ext>
+            </a:extLst>
+          </a:blip>
+          <a:stretch>
+            <a:fillRect/>
+          </a:stretch>
+        </p:blipFill>
+        <p:spPr>
+          <a:xfrm rot="0">
+            <a:off x="6811645" y="3369310"/>
+            <a:ext cx="4145915" cy="963930"/>
+          </a:xfrm>
+          <a:prstGeom prst="roundRect"/>
+          <a:solidFill>
+            <a:srgbClr val="EDEDED"/>
+          </a:solidFill>
+        </p:spPr>
+      </p:pic>
+      <p:pic>
+        <p:nvPicPr>
+          <p:cNvPr id="60" name="그림 41" descr="C:/Users/Admin1/AppData/Roaming/PolarisOffice/ETemp/29360_23257720/fImage157152815705.png"/>
+          <p:cNvPicPr>
+            <a:picLocks noChangeAspect="1"/>
+          </p:cNvPicPr>
+          <p:nvPr/>
+        </p:nvPicPr>
+        <p:blipFill rotWithShape="1">
+          <a:blip r:embed="rId5" cstate="print">
+            <a:extLst>
+              <a:ext uri="{28A0092B-C50C-407E-A947-70E740481C1C}">
+                <a14:useLocalDpi xmlns:a14="http://schemas.microsoft.com/office/drawing/2010/main" val="0"/>
+              </a:ext>
+            </a:extLst>
+          </a:blip>
+          <a:stretch>
+            <a:fillRect/>
+          </a:stretch>
+        </p:blipFill>
+        <p:spPr>
+          <a:xfrm rot="0">
+            <a:off x="6822440" y="1456055"/>
+            <a:ext cx="4135120" cy="1714500"/>
+          </a:xfrm>
+          <a:prstGeom prst="roundRect"/>
+          <a:solidFill>
+            <a:srgbClr val="EDEDED"/>
+          </a:solidFill>
+        </p:spPr>
+      </p:pic>
+      <p:pic>
+        <p:nvPicPr>
+          <p:cNvPr id="61" name="그림 44" descr="C:/Users/Admin1/AppData/Roaming/PolarisOffice/ETemp/29360_23257720/fImage224217358491.png"/>
+          <p:cNvPicPr>
+            <a:picLocks noChangeAspect="1"/>
+          </p:cNvPicPr>
+          <p:nvPr/>
+        </p:nvPicPr>
+        <p:blipFill rotWithShape="1">
+          <a:blip r:embed="rId6" cstate="hqprint">
+            <a:extLst>
+              <a:ext uri="{28A0092B-C50C-407E-A947-70E740481C1C}">
+                <a14:useLocalDpi xmlns:a14="http://schemas.microsoft.com/office/drawing/2010/main"/>
+              </a:ext>
+            </a:extLst>
+          </a:blip>
+          <a:stretch>
+            <a:fillRect/>
+          </a:stretch>
+        </p:blipFill>
+        <p:spPr>
+          <a:xfrm rot="16200000">
+            <a:off x="8576945" y="3023235"/>
+            <a:ext cx="629920" cy="428625"/>
+          </a:xfrm>
+          <a:prstGeom prst="rect"/>
+          <a:noFill/>
+        </p:spPr>
+      </p:pic>
+    </p:spTree>
+  </p:cSld>
+  <p:clrMapOvr>
+    <a:masterClrMapping/>
+  </p:clrMapOvr>
+  <mc:AlternateContent xmlns:mc="http://schemas.openxmlformats.org/markup-compatibility/2006">
+    <mc:Choice xmlns:p14="http://schemas.microsoft.com/office/powerpoint/2010/main" Requires="p14">
+      <p:transition spd="slow" p14:dur="2000"/>
+    </mc:Choice>
+    <mc:Fallback>
+      <p:transition spd="slow"/>
+    </mc:Fallback>
+  </mc:AlternateContent>
+  <p:timing>
+    <p:tnLst>
+      <p:par>
+        <p:cTn id="1" dur="indefinite" restart="never" nodeType="tmRoot"/>
+      </p:par>
+    </p:tnLst>
+  </p:timing>
+</p:sld>
+</file>
+
+<file path=ppt/slides/slide13.xml><?xml version="1.0" encoding="utf-8"?>
+<p:sld xmlns:a="http://schemas.openxmlformats.org/drawingml/2006/main" xmlns:r="http://schemas.openxmlformats.org/officeDocument/2006/relationships" xmlns:p="http://schemas.openxmlformats.org/presentationml/2006/main">
+  <p:cSld>
+    <p:spTree>
+      <p:nvGrpSpPr>
+        <p:cNvPr id="1" name=""/>
+        <p:cNvGrpSpPr/>
+        <p:nvPr/>
+      </p:nvGrpSpPr>
+      <p:grpSpPr>
+        <a:xfrm>
+          <a:off x="0" y="0"/>
+          <a:ext cx="0" cy="0"/>
+          <a:chOff x="0" y="0"/>
+          <a:chExt cx="0" cy="0"/>
+        </a:xfrm>
+      </p:grpSpPr>
+      <p:sp>
+        <p:nvSpPr>
+          <p:cNvPr id="29" name="Rect 0"/>
+          <p:cNvSpPr txBox="1">
+            <a:spLocks/>
+          </p:cNvSpPr>
+          <p:nvPr/>
+        </p:nvSpPr>
+        <p:spPr>
+          <a:xfrm rot="0">
+            <a:off x="1229995" y="1337310"/>
+            <a:ext cx="4039235" cy="370840"/>
+          </a:xfrm>
+          <a:prstGeom prst="rect"/>
+          <a:noFill/>
+          <a:ln w="0">
+            <a:noFill/>
+            <a:prstDash/>
+          </a:ln>
+        </p:spPr>
+        <p:txBody>
+          <a:bodyPr wrap="square" lIns="89535" tIns="46355" rIns="89535" bIns="46355" numCol="1" vert="horz" anchor="t">
+            <a:spAutoFit/>
+          </a:bodyPr>
+          <a:lstStyle/>
+          <a:p>
+            <a:pPr marL="0" indent="0" algn="l" latinLnBrk="0" hangingPunct="1">
+              <a:buFontTx/>
+              <a:buNone/>
+            </a:pPr>
+            <a:endParaRPr lang="ko-KR" altLang="en-US" sz="1800">
+              <a:latin typeface="맑은 고딕" charset="0"/>
+              <a:ea typeface="맑은 고딕" charset="0"/>
+            </a:endParaRPr>
+          </a:p>
+        </p:txBody>
+      </p:sp>
+      <p:sp>
+        <p:nvSpPr>
+          <p:cNvPr id="35" name="Rect 0"/>
+          <p:cNvSpPr txBox="1">
+            <a:spLocks/>
+          </p:cNvSpPr>
+          <p:nvPr/>
+        </p:nvSpPr>
+        <p:spPr>
+          <a:xfrm rot="0">
+            <a:off x="4342765" y="372745"/>
+            <a:ext cx="3505835" cy="554990"/>
+          </a:xfrm>
+          <a:prstGeom prst="rect"/>
+          <a:noFill/>
+          <a:ln w="0">
+            <a:noFill/>
+            <a:prstDash/>
+          </a:ln>
+        </p:spPr>
+        <p:txBody>
+          <a:bodyPr wrap="square" lIns="89535" tIns="46355" rIns="89535" bIns="46355" numCol="1" vert="horz" anchor="t">
+            <a:spAutoFit/>
+          </a:bodyPr>
+          <a:lstStyle/>
+          <a:p>
+            <a:pPr marL="0" indent="0" rtl="0" algn="ctr" defTabSz="914400" eaLnBrk="1" latinLnBrk="0" hangingPunct="1">
+              <a:buFontTx/>
+              <a:buNone/>
+            </a:pPr>
+            <a:r>
+              <a:rPr lang="ko-KR" sz="2500" b="1">
+                <a:latin typeface="나눔바른고딕" charset="0"/>
+                <a:ea typeface="나눔바른고딕" charset="0"/>
+              </a:rPr>
+              <a:t>열두</a:t>
+            </a:r>
+            <a:r>
+              <a:rPr lang="ko-KR" sz="2500" b="1">
+                <a:latin typeface="나눔바른고딕" charset="0"/>
+                <a:ea typeface="나눔바른고딕" charset="0"/>
+              </a:rPr>
+              <a:t> 번째 튜토리얼</a:t>
+            </a:r>
+            <a:r>
+              <a:rPr sz="3000" b="1">
+                <a:latin typeface="맑은 고딕" charset="0"/>
+                <a:ea typeface="맑은 고딕" charset="0"/>
+              </a:rPr>
+              <a:t> </a:t>
+            </a:r>
+            <a:endParaRPr lang="ko-KR" altLang="en-US" sz="3000" b="1">
+              <a:latin typeface="맑은 고딕" charset="0"/>
+              <a:ea typeface="맑은 고딕" charset="0"/>
+            </a:endParaRPr>
+          </a:p>
+        </p:txBody>
+      </p:sp>
+      <p:sp>
+        <p:nvSpPr>
+          <p:cNvPr id="36" name="Rect 0"/>
+          <p:cNvSpPr txBox="1">
+            <a:spLocks/>
+          </p:cNvSpPr>
+          <p:nvPr/>
+        </p:nvSpPr>
+        <p:spPr>
+          <a:xfrm rot="0">
+            <a:off x="1231900" y="3808095"/>
+            <a:ext cx="4135120" cy="2338705"/>
+          </a:xfrm>
+          <a:prstGeom prst="rect"/>
+          <a:noFill/>
+          <a:ln w="0">
+            <a:noFill/>
+            <a:prstDash/>
+          </a:ln>
+        </p:spPr>
+        <p:txBody>
+          <a:bodyPr wrap="square" lIns="89535" tIns="46355" rIns="89535" bIns="46355" numCol="1" vert="horz" anchor="t">
+            <a:spAutoFit/>
+          </a:bodyPr>
+          <a:lstStyle/>
+          <a:p>
+            <a:pPr marL="0" indent="0" rtl="0" algn="l" defTabSz="914400" eaLnBrk="1" latinLnBrk="0" hangingPunct="1">
+              <a:buFontTx/>
+              <a:buNone/>
+            </a:pPr>
+            <a:r>
+              <a:rPr sz="2000" b="1">
+                <a:solidFill>
+                  <a:srgbClr val="0611F2"/>
+                </a:solidFill>
+                <a:latin typeface="맑은 고딕" charset="0"/>
+                <a:ea typeface="맑은 고딕" charset="0"/>
+              </a:rPr>
+              <a:t>3</a:t>
+            </a:r>
+            <a:r>
+              <a:rPr lang="ko-KR" sz="2000" b="1">
+                <a:solidFill>
+                  <a:srgbClr val="0611F2"/>
+                </a:solidFill>
+                <a:latin typeface="맑은 고딕" charset="0"/>
+                <a:ea typeface="맑은 고딕" charset="0"/>
+              </a:rPr>
+              <a:t>2</a:t>
+            </a:r>
+            <a:r>
+              <a:rPr sz="2000" b="1">
+                <a:solidFill>
+                  <a:srgbClr val="0611F2"/>
+                </a:solidFill>
+                <a:latin typeface="맑은 고딕" charset="0"/>
+                <a:ea typeface="맑은 고딕" charset="0"/>
+              </a:rPr>
+              <a:t>.</a:t>
+            </a:r>
+            <a:r>
+              <a:rPr sz="2000">
+                <a:solidFill>
+                  <a:srgbClr val="0611F2"/>
+                </a:solidFill>
+                <a:latin typeface="맑은 고딕" charset="0"/>
+                <a:ea typeface="맑은 고딕" charset="0"/>
+              </a:rPr>
+              <a:t> </a:t>
+            </a:r>
+            <a:r>
+              <a:rPr sz="1800">
+                <a:latin typeface="맑은 고딕" charset="0"/>
+                <a:ea typeface="맑은 고딕" charset="0"/>
+              </a:rPr>
+              <a:t>그런 다음 CharacterSystem </a:t>
+            </a:r>
+            <a:r>
+              <a:rPr sz="1800">
+                <a:latin typeface="맑은 고딕" charset="0"/>
+                <a:ea typeface="맑은 고딕" charset="0"/>
+              </a:rPr>
+              <a:t>스크립트에</a:t>
+            </a:r>
+            <a:r>
+              <a:rPr sz="1800">
+                <a:latin typeface="맑은 고딕" charset="0"/>
+                <a:ea typeface="맑은 고딕" charset="0"/>
+              </a:rPr>
+              <a:t>서</a:t>
+            </a:r>
+            <a:r>
+              <a:rPr sz="1800">
+                <a:latin typeface="맑은 고딕" charset="0"/>
+                <a:ea typeface="맑은 고딕" charset="0"/>
+              </a:rPr>
+              <a:t> </a:t>
+            </a:r>
+            <a:r>
+              <a:rPr sz="1800">
+                <a:latin typeface="맑은 고딕" charset="0"/>
+                <a:ea typeface="맑은 고딕" charset="0"/>
+              </a:rPr>
+              <a:t>float 변수를 4개와 </a:t>
+            </a:r>
+            <a:r>
+              <a:rPr sz="1800">
+                <a:latin typeface="맑은 고딕" charset="0"/>
+                <a:ea typeface="맑은 고딕" charset="0"/>
+              </a:rPr>
+              <a:t>Vector</a:t>
+            </a:r>
+            <a:r>
+              <a:rPr lang="ko-KR" sz="1800">
+                <a:latin typeface="맑은 고딕" charset="0"/>
+                <a:ea typeface="맑은 고딕" charset="0"/>
+              </a:rPr>
+              <a:t>3</a:t>
+            </a:r>
+            <a:r>
+              <a:rPr lang="ko-KR" sz="1800">
+                <a:latin typeface="맑은 고딕" charset="0"/>
+                <a:ea typeface="맑은 고딕" charset="0"/>
+              </a:rPr>
+              <a:t> 변수 그리고 Camera 변수를 </a:t>
+            </a:r>
+            <a:r>
+              <a:rPr lang="ko-KR" sz="1800">
+                <a:latin typeface="맑은 고딕" charset="0"/>
+                <a:ea typeface="맑은 고딕" charset="0"/>
+              </a:rPr>
+              <a:t>선언합니다.</a:t>
+            </a:r>
+            <a:endParaRPr lang="ko-KR" altLang="en-US" sz="1800">
+              <a:latin typeface="맑은 고딕" charset="0"/>
+              <a:ea typeface="맑은 고딕" charset="0"/>
+            </a:endParaRPr>
+          </a:p>
+          <a:p>
+            <a:pPr marL="0" indent="0" rtl="0" algn="l" defTabSz="914400" eaLnBrk="1" latinLnBrk="0" hangingPunct="1">
+              <a:buFontTx/>
+              <a:buNone/>
+            </a:pPr>
+            <a:endParaRPr lang="ko-KR" altLang="en-US" sz="1800">
+              <a:latin typeface="맑은 고딕" charset="0"/>
+              <a:ea typeface="맑은 고딕" charset="0"/>
+            </a:endParaRPr>
+          </a:p>
+          <a:p>
+            <a:pPr marL="0" indent="0" rtl="0" algn="l" defTabSz="914400" eaLnBrk="1" latinLnBrk="0" hangingPunct="1">
+              <a:buFontTx/>
+              <a:buNone/>
+            </a:pPr>
+            <a:r>
+              <a:rPr lang="ko-KR" sz="1800">
+                <a:latin typeface="맑은 고딕" charset="0"/>
+                <a:ea typeface="맑은 고딕" charset="0"/>
+              </a:rPr>
+              <a:t>그다음</a:t>
+            </a:r>
+            <a:r>
+              <a:rPr lang="ko-KR" sz="1800">
+                <a:latin typeface="맑은 고딕" charset="0"/>
+                <a:ea typeface="맑은 고딕" charset="0"/>
+              </a:rPr>
+              <a:t>으로</a:t>
+            </a:r>
+            <a:r>
+              <a:rPr lang="ko-KR" sz="1800">
+                <a:latin typeface="맑은 고딕" charset="0"/>
+                <a:ea typeface="맑은 고딕" charset="0"/>
+              </a:rPr>
+              <a:t> </a:t>
+            </a:r>
+            <a:r>
+              <a:rPr lang="ko-KR" sz="1800">
+                <a:latin typeface="맑은 고딕" charset="0"/>
+                <a:ea typeface="맑은 고딕" charset="0"/>
+              </a:rPr>
+              <a:t>MonoBehaviourPun </a:t>
+            </a:r>
+            <a:r>
+              <a:rPr lang="ko-KR" sz="1800">
+                <a:latin typeface="맑은 고딕" charset="0"/>
+                <a:ea typeface="맑은 고딕" charset="0"/>
+              </a:rPr>
+              <a:t>클래스</a:t>
+            </a:r>
+            <a:r>
+              <a:rPr lang="ko-KR" sz="1800">
+                <a:latin typeface="맑은 고딕" charset="0"/>
+                <a:ea typeface="맑은 고딕" charset="0"/>
+              </a:rPr>
+              <a:t>와</a:t>
+            </a:r>
+            <a:r>
+              <a:rPr lang="ko-KR" sz="1800">
+                <a:latin typeface="맑은 고딕" charset="0"/>
+                <a:ea typeface="맑은 고딕" charset="0"/>
+              </a:rPr>
+              <a:t> </a:t>
+            </a:r>
+            <a:r>
+              <a:rPr lang="ko-KR" sz="1800">
+                <a:latin typeface="맑은 고딕" charset="0"/>
+                <a:ea typeface="맑은 고딕" charset="0"/>
+              </a:rPr>
+              <a:t>IPunObservable 클래스를 </a:t>
+            </a:r>
+            <a:r>
+              <a:rPr lang="ko-KR" sz="1800">
+                <a:latin typeface="맑은 고딕" charset="0"/>
+                <a:ea typeface="맑은 고딕" charset="0"/>
+              </a:rPr>
+              <a:t>상속</a:t>
+            </a:r>
+            <a:r>
+              <a:rPr lang="ko-KR" sz="1800">
+                <a:latin typeface="맑은 고딕" charset="0"/>
+                <a:ea typeface="맑은 고딕" charset="0"/>
+              </a:rPr>
+              <a:t>받도록</a:t>
+            </a:r>
+            <a:r>
+              <a:rPr lang="ko-KR" sz="1800">
+                <a:latin typeface="맑은 고딕" charset="0"/>
+                <a:ea typeface="맑은 고딕" charset="0"/>
+              </a:rPr>
+              <a:t> </a:t>
             </a:r>
             <a:r>
               <a:rPr lang="ko-KR" sz="1800">
@@ -7820,6 +10948,3137 @@
                 <a:ea typeface="맑은 고딕" charset="0"/>
               </a:rPr>
               <a:t>설정합니다.</a:t>
+            </a:r>
+            <a:endParaRPr lang="ko-KR" altLang="en-US" sz="1800">
+              <a:latin typeface="맑은 고딕" charset="0"/>
+              <a:ea typeface="맑은 고딕" charset="0"/>
+            </a:endParaRPr>
+          </a:p>
+        </p:txBody>
+      </p:sp>
+      <p:sp>
+        <p:nvSpPr>
+          <p:cNvPr id="54" name="Rect 0"/>
+          <p:cNvSpPr txBox="1">
+            <a:spLocks/>
+          </p:cNvSpPr>
+          <p:nvPr/>
+        </p:nvSpPr>
+        <p:spPr>
+          <a:xfrm rot="0">
+            <a:off x="6822440" y="4394200"/>
+            <a:ext cx="4126230" cy="1754505"/>
+          </a:xfrm>
+          <a:prstGeom prst="rect"/>
+          <a:noFill/>
+          <a:ln w="0">
+            <a:noFill/>
+            <a:prstDash/>
+          </a:ln>
+        </p:spPr>
+        <p:txBody>
+          <a:bodyPr wrap="square" lIns="89535" tIns="46355" rIns="89535" bIns="46355" numCol="1" vert="horz" anchor="t">
+            <a:spAutoFit/>
+          </a:bodyPr>
+          <a:lstStyle/>
+          <a:p>
+            <a:pPr marL="0" indent="0" algn="l" latinLnBrk="0" hangingPunct="1">
+              <a:buFontTx/>
+              <a:buNone/>
+            </a:pPr>
+            <a:r>
+              <a:rPr sz="1800" b="1">
+                <a:solidFill>
+                  <a:srgbClr val="0611F2"/>
+                </a:solidFill>
+                <a:latin typeface="맑은 고딕" charset="0"/>
+                <a:ea typeface="맑은 고딕" charset="0"/>
+              </a:rPr>
+              <a:t>3</a:t>
+            </a:r>
+            <a:r>
+              <a:rPr lang="ko-KR" sz="1800" b="1">
+                <a:solidFill>
+                  <a:srgbClr val="0611F2"/>
+                </a:solidFill>
+                <a:latin typeface="맑은 고딕" charset="0"/>
+                <a:ea typeface="맑은 고딕" charset="0"/>
+              </a:rPr>
+              <a:t>3</a:t>
+            </a:r>
+            <a:r>
+              <a:rPr sz="1800" b="1">
+                <a:solidFill>
+                  <a:srgbClr val="0611F2"/>
+                </a:solidFill>
+                <a:latin typeface="맑은 고딕" charset="0"/>
+                <a:ea typeface="맑은 고딕" charset="0"/>
+              </a:rPr>
+              <a:t>.</a:t>
+            </a:r>
+            <a:r>
+              <a:rPr sz="1800">
+                <a:latin typeface="맑은 고딕" charset="0"/>
+                <a:ea typeface="맑은 고딕" charset="0"/>
+              </a:rPr>
+              <a:t> </a:t>
+            </a:r>
+            <a:r>
+              <a:rPr lang="ko-KR" sz="1800">
+                <a:latin typeface="맑은 고딕" charset="0"/>
+                <a:ea typeface="맑은 고딕" charset="0"/>
+              </a:rPr>
+              <a:t>그러고 나서 </a:t>
+            </a:r>
+            <a:r>
+              <a:rPr sz="1800">
+                <a:latin typeface="맑은 고딕" charset="0"/>
+                <a:ea typeface="맑은 고딕" charset="0"/>
+              </a:rPr>
+              <a:t>Awake( ) 함수에서 </a:t>
+            </a:r>
+            <a:r>
+              <a:rPr sz="1800">
+                <a:latin typeface="맑은 고딕" charset="0"/>
+                <a:ea typeface="맑은 고딕" charset="0"/>
+              </a:rPr>
+              <a:t>마우스</a:t>
+            </a:r>
+            <a:r>
+              <a:rPr sz="1800">
+                <a:latin typeface="맑은 고딕" charset="0"/>
+                <a:ea typeface="맑은 고딕" charset="0"/>
+              </a:rPr>
+              <a:t>의</a:t>
+            </a:r>
+            <a:r>
+              <a:rPr sz="1800">
+                <a:latin typeface="맑은 고딕" charset="0"/>
+                <a:ea typeface="맑은 고딕" charset="0"/>
+              </a:rPr>
+              <a:t> </a:t>
+            </a:r>
+            <a:r>
+              <a:rPr sz="1800">
+                <a:latin typeface="맑은 고딕" charset="0"/>
+                <a:ea typeface="맑은 고딕" charset="0"/>
+              </a:rPr>
+              <a:t>커서를 비활성화한 다음 </a:t>
+            </a:r>
+            <a:r>
+              <a:rPr sz="1800">
+                <a:latin typeface="맑은 고딕" charset="0"/>
+                <a:ea typeface="맑은 고딕" charset="0"/>
+              </a:rPr>
+              <a:t>마우스</a:t>
+            </a:r>
+            <a:r>
+              <a:rPr lang="ko-KR" sz="1800">
+                <a:latin typeface="맑은 고딕" charset="0"/>
+                <a:ea typeface="맑은 고딕" charset="0"/>
+              </a:rPr>
+              <a:t>를</a:t>
+            </a:r>
+            <a:r>
+              <a:rPr lang="ko-KR" sz="1800">
+                <a:latin typeface="맑은 고딕" charset="0"/>
+                <a:ea typeface="맑은 고딕" charset="0"/>
+              </a:rPr>
+              <a:t> </a:t>
+            </a:r>
+            <a:r>
+              <a:rPr lang="ko-KR" sz="1800">
+                <a:latin typeface="맑은 고딕" charset="0"/>
+                <a:ea typeface="맑은 고딕" charset="0"/>
+              </a:rPr>
+              <a:t>고정시킵니다.</a:t>
+            </a:r>
+            <a:endParaRPr lang="ko-KR" altLang="en-US" sz="1800">
+              <a:latin typeface="맑은 고딕" charset="0"/>
+              <a:ea typeface="맑은 고딕" charset="0"/>
+            </a:endParaRPr>
+          </a:p>
+          <a:p>
+            <a:pPr marL="0" indent="0" algn="l" latinLnBrk="0" hangingPunct="1">
+              <a:buFontTx/>
+              <a:buNone/>
+            </a:pPr>
+            <a:endParaRPr lang="ko-KR" altLang="en-US" sz="1800">
+              <a:latin typeface="맑은 고딕" charset="0"/>
+              <a:ea typeface="맑은 고딕" charset="0"/>
+            </a:endParaRPr>
+          </a:p>
+          <a:p>
+            <a:pPr marL="0" indent="0" algn="l" latinLnBrk="0" hangingPunct="1">
+              <a:buFontTx/>
+              <a:buNone/>
+            </a:pPr>
+            <a:r>
+              <a:rPr lang="ko-KR" sz="1800">
+                <a:latin typeface="맑은 고딕" charset="0"/>
+                <a:ea typeface="맑은 고딕" charset="0"/>
+              </a:rPr>
+              <a:t>마지막으로</a:t>
+            </a:r>
+            <a:r>
+              <a:rPr lang="ko-KR" sz="1800">
+                <a:latin typeface="맑은 고딕" charset="0"/>
+                <a:ea typeface="맑은 고딕" charset="0"/>
+              </a:rPr>
+              <a:t> </a:t>
+            </a:r>
+            <a:r>
+              <a:rPr lang="ko-KR" sz="1800">
+                <a:latin typeface="맑은 고딕" charset="0"/>
+                <a:ea typeface="맑은 고딕" charset="0"/>
+              </a:rPr>
+              <a:t>OnPhotonSerializeView가 </a:t>
+            </a:r>
+            <a:r>
+              <a:rPr lang="ko-KR" sz="1800">
+                <a:latin typeface="맑은 고딕" charset="0"/>
+                <a:ea typeface="맑은 고딕" charset="0"/>
+              </a:rPr>
+              <a:t>호출되</a:t>
+            </a:r>
+            <a:r>
+              <a:rPr lang="ko-KR" sz="1800">
+                <a:latin typeface="맑은 고딕" charset="0"/>
+                <a:ea typeface="맑은 고딕" charset="0"/>
+              </a:rPr>
+              <a:t>는</a:t>
+            </a:r>
+            <a:r>
+              <a:rPr lang="ko-KR" sz="1800">
+                <a:latin typeface="맑은 고딕" charset="0"/>
+                <a:ea typeface="맑은 고딕" charset="0"/>
+              </a:rPr>
+              <a:t> </a:t>
+            </a:r>
+            <a:r>
+              <a:rPr lang="ko-KR" sz="1800">
+                <a:latin typeface="맑은 고딕" charset="0"/>
+                <a:ea typeface="맑은 고딕" charset="0"/>
+              </a:rPr>
+              <a:t>주기를 설정합니다.</a:t>
+            </a:r>
+            <a:endParaRPr lang="ko-KR" altLang="en-US" sz="1800">
+              <a:latin typeface="맑은 고딕" charset="0"/>
+              <a:ea typeface="맑은 고딕" charset="0"/>
+            </a:endParaRPr>
+          </a:p>
+        </p:txBody>
+      </p:sp>
+      <p:pic>
+        <p:nvPicPr>
+          <p:cNvPr id="62" name="그림 45" descr="C:/Users/Admin1/AppData/Roaming/PolarisOffice/ETemp/29360_23257720/fImage951362968145.png"/>
+          <p:cNvPicPr>
+            <a:picLocks noChangeAspect="1"/>
+          </p:cNvPicPr>
+          <p:nvPr/>
+        </p:nvPicPr>
+        <p:blipFill rotWithShape="1">
+          <a:blip r:embed="rId2" cstate="print">
+            <a:extLst>
+              <a:ext uri="{28A0092B-C50C-407E-A947-70E740481C1C}">
+                <a14:useLocalDpi xmlns:a14="http://schemas.microsoft.com/office/drawing/2010/main" val="0"/>
+              </a:ext>
+            </a:extLst>
+          </a:blip>
+          <a:stretch>
+            <a:fillRect/>
+          </a:stretch>
+        </p:blipFill>
+        <p:spPr>
+          <a:xfrm rot="0">
+            <a:off x="1231900" y="1455420"/>
+            <a:ext cx="4144010" cy="2205990"/>
+          </a:xfrm>
+          <a:prstGeom prst="roundRect"/>
+          <a:solidFill>
+            <a:srgbClr val="EDEDED"/>
+          </a:solidFill>
+        </p:spPr>
+      </p:pic>
+      <p:pic>
+        <p:nvPicPr>
+          <p:cNvPr id="63" name="그림 77" descr="C:/Users/Admin1/AppData/Roaming/PolarisOffice/ETemp/29360_23257720/fImage585483353281.png"/>
+          <p:cNvPicPr>
+            <a:picLocks noChangeAspect="1"/>
+          </p:cNvPicPr>
+          <p:nvPr/>
+        </p:nvPicPr>
+        <p:blipFill rotWithShape="1">
+          <a:blip r:embed="rId3" cstate="print">
+            <a:extLst>
+              <a:ext uri="{28A0092B-C50C-407E-A947-70E740481C1C}">
+                <a14:useLocalDpi xmlns:a14="http://schemas.microsoft.com/office/drawing/2010/main" val="0"/>
+              </a:ext>
+            </a:extLst>
+          </a:blip>
+          <a:stretch>
+            <a:fillRect/>
+          </a:stretch>
+        </p:blipFill>
+        <p:spPr>
+          <a:xfrm rot="0">
+            <a:off x="6822440" y="1447165"/>
+            <a:ext cx="4135120" cy="2739390"/>
+          </a:xfrm>
+          <a:prstGeom prst="roundRect"/>
+          <a:solidFill>
+            <a:srgbClr val="EDEDED"/>
+          </a:solidFill>
+        </p:spPr>
+      </p:pic>
+    </p:spTree>
+  </p:cSld>
+  <p:clrMapOvr>
+    <a:masterClrMapping/>
+  </p:clrMapOvr>
+  <mc:AlternateContent xmlns:mc="http://schemas.openxmlformats.org/markup-compatibility/2006">
+    <mc:Choice xmlns:p14="http://schemas.microsoft.com/office/powerpoint/2010/main" Requires="p14">
+      <p:transition spd="slow" p14:dur="2000"/>
+    </mc:Choice>
+    <mc:Fallback>
+      <p:transition spd="slow"/>
+    </mc:Fallback>
+  </mc:AlternateContent>
+  <p:timing>
+    <p:tnLst>
+      <p:par>
+        <p:cTn id="1" dur="indefinite" restart="never" nodeType="tmRoot"/>
+      </p:par>
+    </p:tnLst>
+  </p:timing>
+</p:sld>
+</file>
+
+<file path=ppt/slides/slide14.xml><?xml version="1.0" encoding="utf-8"?>
+<p:sld xmlns:a="http://schemas.openxmlformats.org/drawingml/2006/main" xmlns:r="http://schemas.openxmlformats.org/officeDocument/2006/relationships" xmlns:p="http://schemas.openxmlformats.org/presentationml/2006/main">
+  <p:cSld>
+    <p:spTree>
+      <p:nvGrpSpPr>
+        <p:cNvPr id="1" name=""/>
+        <p:cNvGrpSpPr/>
+        <p:nvPr/>
+      </p:nvGrpSpPr>
+      <p:grpSpPr>
+        <a:xfrm>
+          <a:off x="0" y="0"/>
+          <a:ext cx="0" cy="0"/>
+          <a:chOff x="0" y="0"/>
+          <a:chExt cx="0" cy="0"/>
+        </a:xfrm>
+      </p:grpSpPr>
+      <p:sp>
+        <p:nvSpPr>
+          <p:cNvPr id="29" name="Rect 0"/>
+          <p:cNvSpPr txBox="1">
+            <a:spLocks/>
+          </p:cNvSpPr>
+          <p:nvPr/>
+        </p:nvSpPr>
+        <p:spPr>
+          <a:xfrm rot="0">
+            <a:off x="1229995" y="1337310"/>
+            <a:ext cx="4039235" cy="370840"/>
+          </a:xfrm>
+          <a:prstGeom prst="rect"/>
+          <a:noFill/>
+          <a:ln w="0">
+            <a:noFill/>
+            <a:prstDash/>
+          </a:ln>
+        </p:spPr>
+        <p:txBody>
+          <a:bodyPr wrap="square" lIns="89535" tIns="46355" rIns="89535" bIns="46355" numCol="1" vert="horz" anchor="t">
+            <a:spAutoFit/>
+          </a:bodyPr>
+          <a:lstStyle/>
+          <a:p>
+            <a:pPr marL="0" indent="0" algn="l" latinLnBrk="0" hangingPunct="1">
+              <a:buFontTx/>
+              <a:buNone/>
+            </a:pPr>
+            <a:endParaRPr lang="ko-KR" altLang="en-US" sz="1800">
+              <a:latin typeface="맑은 고딕" charset="0"/>
+              <a:ea typeface="맑은 고딕" charset="0"/>
+            </a:endParaRPr>
+          </a:p>
+        </p:txBody>
+      </p:sp>
+      <p:sp>
+        <p:nvSpPr>
+          <p:cNvPr id="35" name="Rect 0"/>
+          <p:cNvSpPr txBox="1">
+            <a:spLocks/>
+          </p:cNvSpPr>
+          <p:nvPr/>
+        </p:nvSpPr>
+        <p:spPr>
+          <a:xfrm rot="0">
+            <a:off x="4342765" y="372745"/>
+            <a:ext cx="3505835" cy="554990"/>
+          </a:xfrm>
+          <a:prstGeom prst="rect"/>
+          <a:noFill/>
+          <a:ln w="0">
+            <a:noFill/>
+            <a:prstDash/>
+          </a:ln>
+        </p:spPr>
+        <p:txBody>
+          <a:bodyPr wrap="square" lIns="89535" tIns="46355" rIns="89535" bIns="46355" numCol="1" vert="horz" anchor="t">
+            <a:spAutoFit/>
+          </a:bodyPr>
+          <a:lstStyle/>
+          <a:p>
+            <a:pPr marL="0" indent="0" rtl="0" algn="ctr" defTabSz="914400" eaLnBrk="1" latinLnBrk="0" hangingPunct="1">
+              <a:buFontTx/>
+              <a:buNone/>
+            </a:pPr>
+            <a:r>
+              <a:rPr lang="ko-KR" sz="2500" b="1">
+                <a:latin typeface="나눔바른고딕" charset="0"/>
+                <a:ea typeface="나눔바른고딕" charset="0"/>
+              </a:rPr>
+              <a:t>열세</a:t>
+            </a:r>
+            <a:r>
+              <a:rPr lang="ko-KR" sz="2500" b="1">
+                <a:latin typeface="나눔바른고딕" charset="0"/>
+                <a:ea typeface="나눔바른고딕" charset="0"/>
+              </a:rPr>
+              <a:t> 번째 튜토리얼</a:t>
+            </a:r>
+            <a:r>
+              <a:rPr sz="3000" b="1">
+                <a:latin typeface="맑은 고딕" charset="0"/>
+                <a:ea typeface="맑은 고딕" charset="0"/>
+              </a:rPr>
+              <a:t> </a:t>
+            </a:r>
+            <a:endParaRPr lang="ko-KR" altLang="en-US" sz="3000" b="1">
+              <a:latin typeface="맑은 고딕" charset="0"/>
+              <a:ea typeface="맑은 고딕" charset="0"/>
+            </a:endParaRPr>
+          </a:p>
+        </p:txBody>
+      </p:sp>
+      <p:sp>
+        <p:nvSpPr>
+          <p:cNvPr id="36" name="Rect 0"/>
+          <p:cNvSpPr txBox="1">
+            <a:spLocks/>
+          </p:cNvSpPr>
+          <p:nvPr/>
+        </p:nvSpPr>
+        <p:spPr>
+          <a:xfrm rot="0">
+            <a:off x="1231900" y="3825240"/>
+            <a:ext cx="4135120" cy="2338705"/>
+          </a:xfrm>
+          <a:prstGeom prst="rect"/>
+          <a:noFill/>
+          <a:ln w="0">
+            <a:noFill/>
+            <a:prstDash/>
+          </a:ln>
+        </p:spPr>
+        <p:txBody>
+          <a:bodyPr wrap="square" lIns="89535" tIns="46355" rIns="89535" bIns="46355" numCol="1" vert="horz" anchor="t">
+            <a:spAutoFit/>
+          </a:bodyPr>
+          <a:lstStyle/>
+          <a:p>
+            <a:pPr marL="0" indent="0" rtl="0" algn="l" defTabSz="914400" eaLnBrk="1" latinLnBrk="0" hangingPunct="1">
+              <a:buFontTx/>
+              <a:buNone/>
+            </a:pPr>
+            <a:r>
+              <a:rPr sz="2000" b="1">
+                <a:solidFill>
+                  <a:srgbClr val="0611F2"/>
+                </a:solidFill>
+                <a:latin typeface="맑은 고딕" charset="0"/>
+                <a:ea typeface="맑은 고딕" charset="0"/>
+              </a:rPr>
+              <a:t>3</a:t>
+            </a:r>
+            <a:r>
+              <a:rPr lang="ko-KR" sz="2000" b="1">
+                <a:solidFill>
+                  <a:srgbClr val="0611F2"/>
+                </a:solidFill>
+                <a:latin typeface="맑은 고딕" charset="0"/>
+                <a:ea typeface="맑은 고딕" charset="0"/>
+              </a:rPr>
+              <a:t>4</a:t>
+            </a:r>
+            <a:r>
+              <a:rPr sz="2000" b="1">
+                <a:solidFill>
+                  <a:srgbClr val="0611F2"/>
+                </a:solidFill>
+                <a:latin typeface="맑은 고딕" charset="0"/>
+                <a:ea typeface="맑은 고딕" charset="0"/>
+              </a:rPr>
+              <a:t>.</a:t>
+            </a:r>
+            <a:r>
+              <a:rPr sz="2000">
+                <a:solidFill>
+                  <a:srgbClr val="0611F2"/>
+                </a:solidFill>
+                <a:latin typeface="맑은 고딕" charset="0"/>
+                <a:ea typeface="맑은 고딕" charset="0"/>
+              </a:rPr>
+              <a:t> </a:t>
+            </a:r>
+            <a:r>
+              <a:rPr sz="1800">
+                <a:latin typeface="맑은 고딕" charset="0"/>
+                <a:ea typeface="맑은 고딕" charset="0"/>
+              </a:rPr>
+              <a:t>이제 Start( ) 함수에서 </a:t>
+            </a:r>
+            <a:r>
+              <a:rPr lang="ko-KR" sz="1800">
+                <a:latin typeface="맑은 고딕" charset="0"/>
+                <a:ea typeface="맑은 고딕" charset="0"/>
+              </a:rPr>
+              <a:t>자신</a:t>
+            </a:r>
+            <a:r>
+              <a:rPr lang="ko-KR" sz="1800">
+                <a:latin typeface="맑은 고딕" charset="0"/>
+                <a:ea typeface="맑은 고딕" charset="0"/>
+              </a:rPr>
+              <a:t>의 </a:t>
+            </a:r>
+            <a:r>
+              <a:rPr lang="ko-KR" sz="1800">
+                <a:latin typeface="맑은 고딕" charset="0"/>
+                <a:ea typeface="맑은 고딕" charset="0"/>
+              </a:rPr>
+              <a:t>클라이언트일</a:t>
+            </a:r>
+            <a:r>
+              <a:rPr lang="ko-KR" sz="1800">
+                <a:latin typeface="맑은 고딕" charset="0"/>
+                <a:ea typeface="맑은 고딕" charset="0"/>
+              </a:rPr>
+              <a:t> 때 월드 공간에 있는 </a:t>
+            </a:r>
+            <a:r>
+              <a:rPr lang="ko-KR" sz="1800">
+                <a:latin typeface="맑은 고딕" charset="0"/>
+                <a:ea typeface="맑은 고딕" charset="0"/>
+              </a:rPr>
+              <a:t>카메</a:t>
+            </a:r>
+            <a:r>
+              <a:rPr lang="ko-KR" sz="1800">
+                <a:latin typeface="맑은 고딕" charset="0"/>
+                <a:ea typeface="맑은 고딕" charset="0"/>
+              </a:rPr>
+              <a:t>라를</a:t>
+            </a:r>
+            <a:r>
+              <a:rPr lang="ko-KR" sz="1800">
+                <a:latin typeface="맑은 고딕" charset="0"/>
+                <a:ea typeface="맑은 고딕" charset="0"/>
+              </a:rPr>
+              <a:t> 비활성화합니다.</a:t>
+            </a:r>
+            <a:endParaRPr lang="ko-KR" altLang="en-US" sz="1800">
+              <a:latin typeface="맑은 고딕" charset="0"/>
+              <a:ea typeface="맑은 고딕" charset="0"/>
+            </a:endParaRPr>
+          </a:p>
+          <a:p>
+            <a:pPr marL="0" indent="0" rtl="0" algn="l" defTabSz="914400" eaLnBrk="1" latinLnBrk="0" hangingPunct="1">
+              <a:buFontTx/>
+              <a:buNone/>
+            </a:pPr>
+            <a:endParaRPr lang="ko-KR" altLang="en-US" sz="1800">
+              <a:latin typeface="맑은 고딕" charset="0"/>
+              <a:ea typeface="맑은 고딕" charset="0"/>
+            </a:endParaRPr>
+          </a:p>
+          <a:p>
+            <a:pPr marL="0" indent="0" rtl="0" algn="l" defTabSz="914400" eaLnBrk="1" latinLnBrk="0" hangingPunct="1">
+              <a:buFontTx/>
+              <a:buNone/>
+            </a:pPr>
+            <a:r>
+              <a:rPr lang="ko-KR" sz="1800">
+                <a:latin typeface="맑은 고딕" charset="0"/>
+                <a:ea typeface="맑은 고딕" charset="0"/>
+              </a:rPr>
+              <a:t>그리고</a:t>
+            </a:r>
+            <a:r>
+              <a:rPr lang="ko-KR" sz="1800">
+                <a:latin typeface="맑은 고딕" charset="0"/>
+                <a:ea typeface="맑은 고딕" charset="0"/>
+              </a:rPr>
+              <a:t> </a:t>
+            </a:r>
+            <a:r>
+              <a:rPr lang="ko-KR" sz="1800">
+                <a:latin typeface="맑은 고딕" charset="0"/>
+                <a:ea typeface="맑은 고딕" charset="0"/>
+              </a:rPr>
+              <a:t>자신의 클라이언트가 아니라면 </a:t>
+            </a:r>
+            <a:r>
+              <a:rPr lang="ko-KR" sz="1800">
+                <a:latin typeface="맑은 고딕" charset="0"/>
+                <a:ea typeface="맑은 고딕" charset="0"/>
+              </a:rPr>
+              <a:t>temporaryC</a:t>
+            </a:r>
+            <a:r>
+              <a:rPr lang="ko-KR" sz="1800">
+                <a:latin typeface="맑은 고딕" charset="0"/>
+                <a:ea typeface="맑은 고딕" charset="0"/>
+              </a:rPr>
+              <a:t>a</a:t>
+            </a:r>
+            <a:r>
+              <a:rPr lang="ko-KR" sz="1800">
+                <a:latin typeface="맑은 고딕" charset="0"/>
+                <a:ea typeface="맑은 고딕" charset="0"/>
+              </a:rPr>
+              <a:t>mera</a:t>
+            </a:r>
+            <a:r>
+              <a:rPr lang="ko-KR" sz="1800">
+                <a:latin typeface="맑은 고딕" charset="0"/>
+                <a:ea typeface="맑은 고딕" charset="0"/>
+              </a:rPr>
+              <a:t> 오브젝트를 </a:t>
+            </a:r>
+            <a:r>
+              <a:rPr lang="ko-KR" sz="1800">
+                <a:latin typeface="맑은 고딕" charset="0"/>
+                <a:ea typeface="맑은 고딕" charset="0"/>
+              </a:rPr>
+              <a:t>비활성</a:t>
+            </a:r>
+            <a:r>
+              <a:rPr lang="ko-KR" sz="1800">
+                <a:latin typeface="맑은 고딕" charset="0"/>
+                <a:ea typeface="맑은 고딕" charset="0"/>
+              </a:rPr>
+              <a:t>화한</a:t>
+            </a:r>
+            <a:r>
+              <a:rPr lang="ko-KR" sz="1800">
+                <a:latin typeface="맑은 고딕" charset="0"/>
+                <a:ea typeface="맑은 고딕" charset="0"/>
+              </a:rPr>
+              <a:t> </a:t>
+            </a:r>
+            <a:r>
+              <a:rPr lang="ko-KR" sz="1800">
+                <a:latin typeface="맑은 고딕" charset="0"/>
+                <a:ea typeface="맑은 고딕" charset="0"/>
+              </a:rPr>
+              <a:t>다음 AudioListener </a:t>
+            </a:r>
+            <a:r>
+              <a:rPr lang="ko-KR" sz="1800">
+                <a:latin typeface="맑은 고딕" charset="0"/>
+                <a:ea typeface="맑은 고딕" charset="0"/>
+              </a:rPr>
+              <a:t>컴포넌트</a:t>
+            </a:r>
+            <a:r>
+              <a:rPr lang="ko-KR" sz="1800">
+                <a:latin typeface="맑은 고딕" charset="0"/>
+                <a:ea typeface="맑은 고딕" charset="0"/>
+              </a:rPr>
+              <a:t>를</a:t>
+            </a:r>
+            <a:r>
+              <a:rPr lang="ko-KR" sz="1800">
+                <a:latin typeface="맑은 고딕" charset="0"/>
+                <a:ea typeface="맑은 고딕" charset="0"/>
+              </a:rPr>
+              <a:t> </a:t>
+            </a:r>
+            <a:r>
+              <a:rPr lang="ko-KR" sz="1800">
+                <a:latin typeface="맑은 고딕" charset="0"/>
+                <a:ea typeface="맑은 고딕" charset="0"/>
+              </a:rPr>
+              <a:t>비활성화합니다.</a:t>
+            </a:r>
+            <a:endParaRPr lang="ko-KR" altLang="en-US" sz="1800">
+              <a:latin typeface="맑은 고딕" charset="0"/>
+              <a:ea typeface="맑은 고딕" charset="0"/>
+            </a:endParaRPr>
+          </a:p>
+        </p:txBody>
+      </p:sp>
+      <p:pic>
+        <p:nvPicPr>
+          <p:cNvPr id="64" name="그림 55" descr="C:/Users/Admin1/AppData/Roaming/PolarisOffice/ETemp/29360_23257720/fImage725893096827.png"/>
+          <p:cNvPicPr>
+            <a:picLocks noChangeAspect="1"/>
+          </p:cNvPicPr>
+          <p:nvPr/>
+        </p:nvPicPr>
+        <p:blipFill rotWithShape="1">
+          <a:blip r:embed="rId2" cstate="print">
+            <a:extLst>
+              <a:ext uri="{28A0092B-C50C-407E-A947-70E740481C1C}">
+                <a14:useLocalDpi xmlns:a14="http://schemas.microsoft.com/office/drawing/2010/main" val="0"/>
+              </a:ext>
+            </a:extLst>
+          </a:blip>
+          <a:stretch>
+            <a:fillRect/>
+          </a:stretch>
+        </p:blipFill>
+        <p:spPr>
+          <a:xfrm rot="0">
+            <a:off x="1231900" y="1455420"/>
+            <a:ext cx="4135120" cy="2199005"/>
+          </a:xfrm>
+          <a:prstGeom prst="roundRect"/>
+          <a:solidFill>
+            <a:srgbClr val="EDEDED"/>
+          </a:solidFill>
+        </p:spPr>
+      </p:pic>
+      <p:pic>
+        <p:nvPicPr>
+          <p:cNvPr id="65" name="그림 58" descr="C:/Users/Admin1/AppData/Roaming/PolarisOffice/ETemp/29360_23257720/fImage870863109961.png"/>
+          <p:cNvPicPr>
+            <a:picLocks noChangeAspect="1"/>
+          </p:cNvPicPr>
+          <p:nvPr/>
+        </p:nvPicPr>
+        <p:blipFill rotWithShape="1">
+          <a:blip r:embed="rId3" cstate="print">
+            <a:extLst>
+              <a:ext uri="{28A0092B-C50C-407E-A947-70E740481C1C}">
+                <a14:useLocalDpi xmlns:a14="http://schemas.microsoft.com/office/drawing/2010/main" val="0"/>
+              </a:ext>
+            </a:extLst>
+          </a:blip>
+          <a:stretch>
+            <a:fillRect/>
+          </a:stretch>
+        </p:blipFill>
+        <p:spPr>
+          <a:xfrm rot="0">
+            <a:off x="6822440" y="1455420"/>
+            <a:ext cx="4143375" cy="2197100"/>
+          </a:xfrm>
+          <a:prstGeom prst="roundRect"/>
+          <a:solidFill>
+            <a:srgbClr val="EDEDED"/>
+          </a:solidFill>
+        </p:spPr>
+      </p:pic>
+      <p:sp>
+        <p:nvSpPr>
+          <p:cNvPr id="66" name="텍스트 상자 61"/>
+          <p:cNvSpPr txBox="1">
+            <a:spLocks/>
+          </p:cNvSpPr>
+          <p:nvPr/>
+        </p:nvSpPr>
+        <p:spPr>
+          <a:xfrm rot="0">
+            <a:off x="6816090" y="3827780"/>
+            <a:ext cx="4149725" cy="2338705"/>
+          </a:xfrm>
+          <a:prstGeom prst="rect"/>
+          <a:noFill/>
+          <a:ln w="0">
+            <a:noFill/>
+            <a:prstDash/>
+          </a:ln>
+        </p:spPr>
+        <p:txBody>
+          <a:bodyPr wrap="square" lIns="89535" tIns="46355" rIns="89535" bIns="46355" numCol="1" vert="horz" anchor="t">
+            <a:spAutoFit/>
+          </a:bodyPr>
+          <a:lstStyle/>
+          <a:p>
+            <a:pPr marL="0" indent="0" rtl="0" algn="l" defTabSz="914400" eaLnBrk="1" latinLnBrk="0" hangingPunct="1">
+              <a:buFontTx/>
+              <a:buNone/>
+            </a:pPr>
+            <a:r>
+              <a:rPr sz="2000" b="1">
+                <a:solidFill>
+                  <a:srgbClr val="0611F2"/>
+                </a:solidFill>
+                <a:latin typeface="맑은 고딕" charset="0"/>
+                <a:ea typeface="맑은 고딕" charset="0"/>
+              </a:rPr>
+              <a:t>3</a:t>
+            </a:r>
+            <a:r>
+              <a:rPr lang="ko-KR" sz="2000" b="1">
+                <a:solidFill>
+                  <a:srgbClr val="0611F2"/>
+                </a:solidFill>
+                <a:latin typeface="맑은 고딕" charset="0"/>
+                <a:ea typeface="맑은 고딕" charset="0"/>
+              </a:rPr>
+              <a:t>5</a:t>
+            </a:r>
+            <a:r>
+              <a:rPr sz="2000" b="1">
+                <a:solidFill>
+                  <a:srgbClr val="0611F2"/>
+                </a:solidFill>
+                <a:latin typeface="맑은 고딕" charset="0"/>
+                <a:ea typeface="맑은 고딕" charset="0"/>
+              </a:rPr>
+              <a:t>.</a:t>
+            </a:r>
+            <a:r>
+              <a:rPr sz="2000">
+                <a:solidFill>
+                  <a:srgbClr val="0611F2"/>
+                </a:solidFill>
+                <a:latin typeface="맑은 고딕" charset="0"/>
+                <a:ea typeface="맑은 고딕" charset="0"/>
+              </a:rPr>
+              <a:t> </a:t>
+            </a:r>
+            <a:r>
+              <a:rPr sz="1800">
+                <a:latin typeface="맑은 고딕" charset="0"/>
+                <a:ea typeface="맑은 고딕" charset="0"/>
+              </a:rPr>
+              <a:t>그런 다음 Update( ) 함수에서 </a:t>
+            </a:r>
+            <a:r>
+              <a:rPr lang="ko-KR" sz="1800">
+                <a:latin typeface="맑은 고딕" charset="0"/>
+                <a:ea typeface="맑은 고딕" charset="0"/>
+              </a:rPr>
+              <a:t>자신의</a:t>
+            </a:r>
+            <a:r>
+              <a:rPr lang="ko-KR" sz="1800">
+                <a:latin typeface="맑은 고딕" charset="0"/>
+                <a:ea typeface="맑은 고딕" charset="0"/>
+              </a:rPr>
+              <a:t> </a:t>
+            </a:r>
+            <a:r>
+              <a:rPr lang="ko-KR" sz="1800">
+                <a:latin typeface="맑은 고딕" charset="0"/>
+                <a:ea typeface="맑은 고딕" charset="0"/>
+              </a:rPr>
+              <a:t>클라이언트가 아니라면 함수를 </a:t>
+            </a:r>
+            <a:r>
+              <a:rPr lang="ko-KR" sz="1800">
+                <a:latin typeface="맑은 고딕" charset="0"/>
+                <a:ea typeface="맑은 고딕" charset="0"/>
+              </a:rPr>
+              <a:t>반환합니다.</a:t>
+            </a:r>
+            <a:r>
+              <a:rPr lang="ko-KR" sz="1800">
+                <a:latin typeface="맑은 고딕" charset="0"/>
+                <a:ea typeface="맑은 고딕" charset="0"/>
+              </a:rPr>
+              <a:t> </a:t>
+            </a:r>
+            <a:endParaRPr lang="ko-KR" altLang="en-US" sz="1800">
+              <a:latin typeface="맑은 고딕" charset="0"/>
+              <a:ea typeface="맑은 고딕" charset="0"/>
+            </a:endParaRPr>
+          </a:p>
+          <a:p>
+            <a:pPr marL="0" indent="0" rtl="0" algn="l" defTabSz="914400" eaLnBrk="1" latinLnBrk="0" hangingPunct="1">
+              <a:buFontTx/>
+              <a:buNone/>
+            </a:pPr>
+            <a:endParaRPr lang="ko-KR" altLang="en-US" sz="1800">
+              <a:latin typeface="맑은 고딕" charset="0"/>
+              <a:ea typeface="맑은 고딕" charset="0"/>
+            </a:endParaRPr>
+          </a:p>
+          <a:p>
+            <a:pPr marL="0" indent="0" rtl="0" algn="l" defTabSz="914400" eaLnBrk="1" latinLnBrk="0" hangingPunct="1">
+              <a:buFontTx/>
+              <a:buNone/>
+            </a:pPr>
+            <a:r>
+              <a:rPr lang="ko-KR" sz="1800">
+                <a:latin typeface="맑은 고딕" charset="0"/>
+                <a:ea typeface="맑은 고딕" charset="0"/>
+              </a:rPr>
+              <a:t>그다음으로</a:t>
+            </a:r>
+            <a:r>
+              <a:rPr lang="ko-KR" sz="1800">
+                <a:latin typeface="맑은 고딕" charset="0"/>
+                <a:ea typeface="맑은 고딕" charset="0"/>
+              </a:rPr>
+              <a:t> 키 입력에 따라 정해</a:t>
+            </a:r>
+            <a:r>
+              <a:rPr lang="ko-KR" sz="1800">
+                <a:latin typeface="맑은 고딕" charset="0"/>
+                <a:ea typeface="맑은 고딕" charset="0"/>
+              </a:rPr>
+              <a:t>진</a:t>
+            </a:r>
+            <a:r>
+              <a:rPr lang="ko-KR" sz="1800">
+                <a:latin typeface="맑은 고딕" charset="0"/>
+                <a:ea typeface="맑은 고딕" charset="0"/>
+              </a:rPr>
+              <a:t> </a:t>
+            </a:r>
+            <a:r>
+              <a:rPr lang="ko-KR" sz="1800">
+                <a:latin typeface="맑은 고딕" charset="0"/>
+                <a:ea typeface="맑은 고딕" charset="0"/>
+              </a:rPr>
+              <a:t>방향으로</a:t>
+            </a:r>
+            <a:r>
+              <a:rPr lang="ko-KR" sz="1800">
+                <a:latin typeface="맑은 고딕" charset="0"/>
+                <a:ea typeface="맑은 고딕" charset="0"/>
+              </a:rPr>
+              <a:t> 이동</a:t>
+            </a:r>
+            <a:r>
+              <a:rPr lang="ko-KR" sz="1800">
+                <a:latin typeface="맑은 고딕" charset="0"/>
+                <a:ea typeface="맑은 고딕" charset="0"/>
+              </a:rPr>
+              <a:t>하도록 </a:t>
+            </a:r>
+            <a:r>
+              <a:rPr lang="ko-KR" sz="1800">
+                <a:latin typeface="맑은 고딕" charset="0"/>
+                <a:ea typeface="맑은 고딕" charset="0"/>
+              </a:rPr>
+              <a:t>설정하고</a:t>
+            </a:r>
+            <a:r>
+              <a:rPr lang="ko-KR" sz="1800">
+                <a:latin typeface="맑은 고딕" charset="0"/>
+                <a:ea typeface="맑은 고딕" charset="0"/>
+              </a:rPr>
+              <a:t> </a:t>
+            </a:r>
+            <a:r>
+              <a:rPr lang="ko-KR" sz="1800">
+                <a:latin typeface="맑은 고딕" charset="0"/>
+                <a:ea typeface="맑은 고딕" charset="0"/>
+              </a:rPr>
+              <a:t>Mouse </a:t>
+            </a:r>
+            <a:r>
+              <a:rPr lang="ko-KR" sz="1800">
+                <a:latin typeface="맑은 고딕" charset="0"/>
+                <a:ea typeface="맑은 고딕" charset="0"/>
+              </a:rPr>
+              <a:t>좌-우</a:t>
+            </a:r>
+            <a:r>
+              <a:rPr lang="ko-KR" sz="1800">
+                <a:latin typeface="맑은 고딕" charset="0"/>
+                <a:ea typeface="맑은 고딕" charset="0"/>
+              </a:rPr>
+              <a:t> 입력에 따라 캐릭터가 </a:t>
+            </a:r>
+            <a:r>
+              <a:rPr lang="ko-KR" sz="1800">
+                <a:latin typeface="맑은 고딕" charset="0"/>
+                <a:ea typeface="맑은 고딕" charset="0"/>
+              </a:rPr>
+              <a:t>회전되도</a:t>
+            </a:r>
+            <a:r>
+              <a:rPr lang="ko-KR" sz="1800">
+                <a:latin typeface="맑은 고딕" charset="0"/>
+                <a:ea typeface="맑은 고딕" charset="0"/>
+              </a:rPr>
+              <a:t>록</a:t>
+            </a:r>
+            <a:r>
+              <a:rPr lang="ko-KR" sz="1800">
+                <a:latin typeface="맑은 고딕" charset="0"/>
+                <a:ea typeface="맑은 고딕" charset="0"/>
+              </a:rPr>
+              <a:t> </a:t>
+            </a:r>
+            <a:r>
+              <a:rPr lang="ko-KR" sz="1800">
+                <a:latin typeface="맑은 고딕" charset="0"/>
+                <a:ea typeface="맑은 고딕" charset="0"/>
+              </a:rPr>
+              <a:t>설정합니다.</a:t>
+            </a:r>
+            <a:endParaRPr lang="ko-KR" altLang="en-US" sz="1800">
+              <a:latin typeface="맑은 고딕" charset="0"/>
+              <a:ea typeface="맑은 고딕" charset="0"/>
+            </a:endParaRPr>
+          </a:p>
+        </p:txBody>
+      </p:sp>
+    </p:spTree>
+  </p:cSld>
+  <p:clrMapOvr>
+    <a:masterClrMapping/>
+  </p:clrMapOvr>
+  <mc:AlternateContent xmlns:mc="http://schemas.openxmlformats.org/markup-compatibility/2006">
+    <mc:Choice xmlns:p14="http://schemas.microsoft.com/office/powerpoint/2010/main" Requires="p14">
+      <p:transition spd="slow" p14:dur="2000"/>
+    </mc:Choice>
+    <mc:Fallback>
+      <p:transition spd="slow"/>
+    </mc:Fallback>
+  </mc:AlternateContent>
+  <p:timing>
+    <p:tnLst>
+      <p:par>
+        <p:cTn id="1" dur="indefinite" restart="never" nodeType="tmRoot"/>
+      </p:par>
+    </p:tnLst>
+  </p:timing>
+</p:sld>
+</file>
+
+<file path=ppt/slides/slide15.xml><?xml version="1.0" encoding="utf-8"?>
+<p:sld xmlns:a="http://schemas.openxmlformats.org/drawingml/2006/main" xmlns:r="http://schemas.openxmlformats.org/officeDocument/2006/relationships" xmlns:p="http://schemas.openxmlformats.org/presentationml/2006/main">
+  <p:cSld>
+    <p:spTree>
+      <p:nvGrpSpPr>
+        <p:cNvPr id="1" name=""/>
+        <p:cNvGrpSpPr/>
+        <p:nvPr/>
+      </p:nvGrpSpPr>
+      <p:grpSpPr>
+        <a:xfrm>
+          <a:off x="0" y="0"/>
+          <a:ext cx="0" cy="0"/>
+          <a:chOff x="0" y="0"/>
+          <a:chExt cx="0" cy="0"/>
+        </a:xfrm>
+      </p:grpSpPr>
+      <p:sp>
+        <p:nvSpPr>
+          <p:cNvPr id="29" name="Rect 0"/>
+          <p:cNvSpPr txBox="1">
+            <a:spLocks/>
+          </p:cNvSpPr>
+          <p:nvPr/>
+        </p:nvSpPr>
+        <p:spPr>
+          <a:xfrm rot="0">
+            <a:off x="1229995" y="1337310"/>
+            <a:ext cx="4039235" cy="370840"/>
+          </a:xfrm>
+          <a:prstGeom prst="rect"/>
+          <a:noFill/>
+          <a:ln w="0">
+            <a:noFill/>
+            <a:prstDash/>
+          </a:ln>
+        </p:spPr>
+        <p:txBody>
+          <a:bodyPr wrap="square" lIns="89535" tIns="46355" rIns="89535" bIns="46355" numCol="1" vert="horz" anchor="t">
+            <a:spAutoFit/>
+          </a:bodyPr>
+          <a:lstStyle/>
+          <a:p>
+            <a:pPr marL="0" indent="0" algn="l" latinLnBrk="0" hangingPunct="1">
+              <a:buFontTx/>
+              <a:buNone/>
+            </a:pPr>
+            <a:endParaRPr lang="ko-KR" altLang="en-US" sz="1800">
+              <a:latin typeface="맑은 고딕" charset="0"/>
+              <a:ea typeface="맑은 고딕" charset="0"/>
+            </a:endParaRPr>
+          </a:p>
+        </p:txBody>
+      </p:sp>
+      <p:sp>
+        <p:nvSpPr>
+          <p:cNvPr id="35" name="Rect 0"/>
+          <p:cNvSpPr txBox="1">
+            <a:spLocks/>
+          </p:cNvSpPr>
+          <p:nvPr/>
+        </p:nvSpPr>
+        <p:spPr>
+          <a:xfrm rot="0">
+            <a:off x="4342765" y="372745"/>
+            <a:ext cx="3505835" cy="554990"/>
+          </a:xfrm>
+          <a:prstGeom prst="rect"/>
+          <a:noFill/>
+          <a:ln w="0">
+            <a:noFill/>
+            <a:prstDash/>
+          </a:ln>
+        </p:spPr>
+        <p:txBody>
+          <a:bodyPr wrap="square" lIns="89535" tIns="46355" rIns="89535" bIns="46355" numCol="1" vert="horz" anchor="t">
+            <a:spAutoFit/>
+          </a:bodyPr>
+          <a:lstStyle/>
+          <a:p>
+            <a:pPr marL="0" indent="0" rtl="0" algn="ctr" defTabSz="914400" eaLnBrk="1" latinLnBrk="0" hangingPunct="1">
+              <a:buFontTx/>
+              <a:buNone/>
+            </a:pPr>
+            <a:r>
+              <a:rPr lang="ko-KR" sz="2500" b="1">
+                <a:latin typeface="나눔바른고딕" charset="0"/>
+                <a:ea typeface="나눔바른고딕" charset="0"/>
+              </a:rPr>
+              <a:t>열네</a:t>
+            </a:r>
+            <a:r>
+              <a:rPr lang="ko-KR" sz="2500" b="1">
+                <a:latin typeface="나눔바른고딕" charset="0"/>
+                <a:ea typeface="나눔바른고딕" charset="0"/>
+              </a:rPr>
+              <a:t> 번째 튜토리얼</a:t>
+            </a:r>
+            <a:r>
+              <a:rPr sz="3000" b="1">
+                <a:latin typeface="맑은 고딕" charset="0"/>
+                <a:ea typeface="맑은 고딕" charset="0"/>
+              </a:rPr>
+              <a:t> </a:t>
+            </a:r>
+            <a:endParaRPr lang="ko-KR" altLang="en-US" sz="3000" b="1">
+              <a:latin typeface="맑은 고딕" charset="0"/>
+              <a:ea typeface="맑은 고딕" charset="0"/>
+            </a:endParaRPr>
+          </a:p>
+        </p:txBody>
+      </p:sp>
+      <p:sp>
+        <p:nvSpPr>
+          <p:cNvPr id="36" name="Rect 0"/>
+          <p:cNvSpPr txBox="1">
+            <a:spLocks/>
+          </p:cNvSpPr>
+          <p:nvPr/>
+        </p:nvSpPr>
+        <p:spPr>
+          <a:xfrm rot="0">
+            <a:off x="1231900" y="3781425"/>
+            <a:ext cx="4135120" cy="2338705"/>
+          </a:xfrm>
+          <a:prstGeom prst="rect"/>
+          <a:noFill/>
+          <a:ln w="0">
+            <a:noFill/>
+            <a:prstDash/>
+          </a:ln>
+        </p:spPr>
+        <p:txBody>
+          <a:bodyPr wrap="square" lIns="89535" tIns="46355" rIns="89535" bIns="46355" numCol="1" vert="horz" anchor="t">
+            <a:spAutoFit/>
+          </a:bodyPr>
+          <a:lstStyle/>
+          <a:p>
+            <a:pPr marL="0" indent="0" rtl="0" algn="l" defTabSz="914400" eaLnBrk="1" latinLnBrk="0" hangingPunct="1">
+              <a:buFontTx/>
+              <a:buNone/>
+            </a:pPr>
+            <a:r>
+              <a:rPr sz="2000" b="1">
+                <a:solidFill>
+                  <a:srgbClr val="0611F2"/>
+                </a:solidFill>
+                <a:latin typeface="맑은 고딕" charset="0"/>
+                <a:ea typeface="맑은 고딕" charset="0"/>
+              </a:rPr>
+              <a:t>3</a:t>
+            </a:r>
+            <a:r>
+              <a:rPr lang="ko-KR" sz="2000" b="1">
+                <a:solidFill>
+                  <a:srgbClr val="0611F2"/>
+                </a:solidFill>
+                <a:latin typeface="맑은 고딕" charset="0"/>
+                <a:ea typeface="맑은 고딕" charset="0"/>
+              </a:rPr>
+              <a:t>6</a:t>
+            </a:r>
+            <a:r>
+              <a:rPr sz="2000" b="1">
+                <a:solidFill>
+                  <a:srgbClr val="0611F2"/>
+                </a:solidFill>
+                <a:latin typeface="맑은 고딕" charset="0"/>
+                <a:ea typeface="맑은 고딕" charset="0"/>
+              </a:rPr>
+              <a:t>.</a:t>
+            </a:r>
+            <a:r>
+              <a:rPr sz="2000">
+                <a:solidFill>
+                  <a:srgbClr val="0611F2"/>
+                </a:solidFill>
+                <a:latin typeface="맑은 고딕" charset="0"/>
+                <a:ea typeface="맑은 고딕" charset="0"/>
+              </a:rPr>
+              <a:t> </a:t>
+            </a:r>
+            <a:r>
+              <a:rPr sz="1800">
+                <a:latin typeface="맑은 고딕" charset="0"/>
+                <a:ea typeface="맑은 고딕" charset="0"/>
+              </a:rPr>
+              <a:t>그러고 나서 </a:t>
+            </a:r>
+            <a:r>
+              <a:rPr sz="1800">
+                <a:latin typeface="맑은 고딕" charset="0"/>
+                <a:ea typeface="맑은 고딕" charset="0"/>
+              </a:rPr>
+              <a:t>OnPhotonSerializeView(</a:t>
+            </a:r>
+            <a:r>
+              <a:rPr sz="1800">
+                <a:latin typeface="맑은 고딕" charset="0"/>
+                <a:ea typeface="맑은 고딕" charset="0"/>
+              </a:rPr>
+              <a:t>PhotonStream,</a:t>
+            </a:r>
+            <a:r>
+              <a:rPr sz="1800">
+                <a:latin typeface="맑은 고딕" charset="0"/>
+                <a:ea typeface="맑은 고딕" charset="0"/>
+              </a:rPr>
+              <a:t> </a:t>
+            </a:r>
+            <a:r>
+              <a:rPr sz="1800">
+                <a:latin typeface="맑은 고딕" charset="0"/>
+                <a:ea typeface="맑은 고딕" charset="0"/>
+              </a:rPr>
+              <a:t>PhotonMessageInfo</a:t>
+            </a:r>
+            <a:r>
+              <a:rPr sz="1800">
+                <a:latin typeface="맑은 고딕" charset="0"/>
+                <a:ea typeface="맑은 고딕" charset="0"/>
+              </a:rPr>
+              <a:t>)</a:t>
+            </a:r>
+            <a:r>
+              <a:rPr sz="1800">
+                <a:latin typeface="맑은 고딕" charset="0"/>
+                <a:ea typeface="맑은 고딕" charset="0"/>
+              </a:rPr>
+              <a:t> </a:t>
+            </a:r>
+            <a:r>
+              <a:rPr sz="1800">
+                <a:latin typeface="맑은 고딕" charset="0"/>
+                <a:ea typeface="맑은 고딕" charset="0"/>
+              </a:rPr>
+              <a:t>함수를 </a:t>
+            </a:r>
+            <a:r>
+              <a:rPr sz="1800">
+                <a:latin typeface="맑은 고딕" charset="0"/>
+                <a:ea typeface="맑은 고딕" charset="0"/>
+              </a:rPr>
+              <a:t>선언합니</a:t>
+            </a:r>
+            <a:r>
+              <a:rPr lang="ko-KR" sz="1800">
+                <a:latin typeface="맑은 고딕" charset="0"/>
+                <a:ea typeface="맑은 고딕" charset="0"/>
+              </a:rPr>
+              <a:t>다.</a:t>
+            </a:r>
+            <a:endParaRPr lang="ko-KR" altLang="en-US" sz="1800">
+              <a:latin typeface="맑은 고딕" charset="0"/>
+              <a:ea typeface="맑은 고딕" charset="0"/>
+            </a:endParaRPr>
+          </a:p>
+          <a:p>
+            <a:pPr marL="0" indent="0" rtl="0" algn="l" defTabSz="914400" eaLnBrk="1" latinLnBrk="0" hangingPunct="1">
+              <a:buFontTx/>
+              <a:buNone/>
+            </a:pPr>
+            <a:endParaRPr lang="ko-KR" altLang="en-US" sz="1800">
+              <a:latin typeface="맑은 고딕" charset="0"/>
+              <a:ea typeface="맑은 고딕" charset="0"/>
+            </a:endParaRPr>
+          </a:p>
+          <a:p>
+            <a:pPr marL="0" indent="0" rtl="0" algn="l" defTabSz="914400" eaLnBrk="1" latinLnBrk="0" hangingPunct="1">
+              <a:buFontTx/>
+              <a:buNone/>
+            </a:pPr>
+            <a:r>
+              <a:rPr lang="ko-KR" sz="1800">
+                <a:latin typeface="맑은 고딕" charset="0"/>
+                <a:ea typeface="맑은 고딕" charset="0"/>
+              </a:rPr>
+              <a:t>이제</a:t>
+            </a:r>
+            <a:r>
+              <a:rPr lang="ko-KR" sz="1800">
+                <a:latin typeface="맑은 고딕" charset="0"/>
+                <a:ea typeface="맑은 고딕" charset="0"/>
+              </a:rPr>
+              <a:t> </a:t>
+            </a:r>
+            <a:r>
+              <a:rPr lang="ko-KR" sz="1800">
+                <a:latin typeface="맑은 고딕" charset="0"/>
+                <a:ea typeface="맑은 고딕" charset="0"/>
+              </a:rPr>
+              <a:t>로컬 오브젝트의 데이터를 </a:t>
+            </a:r>
+            <a:r>
+              <a:rPr lang="ko-KR" sz="1800">
+                <a:latin typeface="맑은 고딕" charset="0"/>
+                <a:ea typeface="맑은 고딕" charset="0"/>
+              </a:rPr>
+              <a:t>원격 </a:t>
+            </a:r>
+            <a:r>
+              <a:rPr lang="ko-KR" sz="1800">
+                <a:latin typeface="맑은 고딕" charset="0"/>
+                <a:ea typeface="맑은 고딕" charset="0"/>
+              </a:rPr>
+              <a:t>오브젝트에게</a:t>
+            </a:r>
+            <a:r>
+              <a:rPr lang="ko-KR" sz="1800">
+                <a:latin typeface="맑은 고딕" charset="0"/>
+                <a:ea typeface="맑은 고딕" charset="0"/>
+              </a:rPr>
+              <a:t> 보내고 원격 오브젝트</a:t>
+            </a:r>
+            <a:r>
+              <a:rPr lang="ko-KR" sz="1800">
+                <a:latin typeface="맑은 고딕" charset="0"/>
+                <a:ea typeface="맑은 고딕" charset="0"/>
+              </a:rPr>
+              <a:t>는 </a:t>
+            </a:r>
+            <a:r>
+              <a:rPr lang="ko-KR" sz="1800">
+                <a:latin typeface="맑은 고딕" charset="0"/>
+                <a:ea typeface="맑은 고딕" charset="0"/>
+              </a:rPr>
+              <a:t>데이터를</a:t>
+            </a:r>
+            <a:r>
+              <a:rPr lang="ko-KR" sz="1800">
+                <a:latin typeface="맑은 고딕" charset="0"/>
+                <a:ea typeface="맑은 고딕" charset="0"/>
+              </a:rPr>
+              <a:t> 받을 수 있도록 설정합니</a:t>
+            </a:r>
+            <a:r>
+              <a:rPr lang="ko-KR" sz="1800">
+                <a:latin typeface="맑은 고딕" charset="0"/>
+                <a:ea typeface="맑은 고딕" charset="0"/>
+              </a:rPr>
+              <a:t>다.</a:t>
+            </a:r>
+            <a:endParaRPr lang="ko-KR" altLang="en-US" sz="1800">
+              <a:latin typeface="맑은 고딕" charset="0"/>
+              <a:ea typeface="맑은 고딕" charset="0"/>
+            </a:endParaRPr>
+          </a:p>
+        </p:txBody>
+      </p:sp>
+      <p:sp>
+        <p:nvSpPr>
+          <p:cNvPr id="66" name="Rect 0"/>
+          <p:cNvSpPr txBox="1">
+            <a:spLocks/>
+          </p:cNvSpPr>
+          <p:nvPr/>
+        </p:nvSpPr>
+        <p:spPr>
+          <a:xfrm rot="0">
+            <a:off x="6813550" y="4051300"/>
+            <a:ext cx="4126865" cy="2061845"/>
+          </a:xfrm>
+          <a:prstGeom prst="rect"/>
+          <a:noFill/>
+          <a:ln w="0">
+            <a:noFill/>
+            <a:prstDash/>
+          </a:ln>
+        </p:spPr>
+        <p:txBody>
+          <a:bodyPr wrap="square" lIns="89535" tIns="46355" rIns="89535" bIns="46355" numCol="1" vert="horz" anchor="t">
+            <a:spAutoFit/>
+          </a:bodyPr>
+          <a:lstStyle/>
+          <a:p>
+            <a:pPr marL="0" indent="0" rtl="0" algn="l" defTabSz="914400" eaLnBrk="1" latinLnBrk="0" hangingPunct="1">
+              <a:buFontTx/>
+              <a:buNone/>
+            </a:pPr>
+            <a:r>
+              <a:rPr sz="2000" b="1">
+                <a:solidFill>
+                  <a:srgbClr val="0611F2"/>
+                </a:solidFill>
+                <a:latin typeface="맑은 고딕" charset="0"/>
+                <a:ea typeface="맑은 고딕" charset="0"/>
+              </a:rPr>
+              <a:t>3</a:t>
+            </a:r>
+            <a:r>
+              <a:rPr lang="ko-KR" sz="2000" b="1">
+                <a:solidFill>
+                  <a:srgbClr val="0611F2"/>
+                </a:solidFill>
+                <a:latin typeface="맑은 고딕" charset="0"/>
+                <a:ea typeface="맑은 고딕" charset="0"/>
+              </a:rPr>
+              <a:t>7</a:t>
+            </a:r>
+            <a:r>
+              <a:rPr sz="2000" b="1">
+                <a:solidFill>
+                  <a:srgbClr val="0611F2"/>
+                </a:solidFill>
+                <a:latin typeface="맑은 고딕" charset="0"/>
+                <a:ea typeface="맑은 고딕" charset="0"/>
+              </a:rPr>
+              <a:t>.</a:t>
+            </a:r>
+            <a:r>
+              <a:rPr sz="2000">
+                <a:solidFill>
+                  <a:srgbClr val="0611F2"/>
+                </a:solidFill>
+                <a:latin typeface="맑은 고딕" charset="0"/>
+                <a:ea typeface="맑은 고딕" charset="0"/>
+              </a:rPr>
+              <a:t> </a:t>
+            </a:r>
+            <a:r>
+              <a:rPr sz="1800">
+                <a:latin typeface="맑은 고딕" charset="0"/>
+                <a:ea typeface="맑은 고딕" charset="0"/>
+              </a:rPr>
+              <a:t>그리고 OnTriggerEnter(Collider) </a:t>
+            </a:r>
+            <a:r>
+              <a:rPr sz="1800">
+                <a:latin typeface="맑은 고딕" charset="0"/>
+                <a:ea typeface="맑은 고딕" charset="0"/>
+              </a:rPr>
+              <a:t>함수에</a:t>
+            </a:r>
+            <a:r>
+              <a:rPr lang="ko-KR" sz="1800">
+                <a:latin typeface="맑은 고딕" charset="0"/>
+                <a:ea typeface="맑은 고딕" charset="0"/>
+              </a:rPr>
+              <a:t>서</a:t>
+            </a:r>
+            <a:r>
+              <a:rPr lang="ko-KR" sz="1800">
+                <a:latin typeface="맑은 고딕" charset="0"/>
+                <a:ea typeface="맑은 고딕" charset="0"/>
+              </a:rPr>
+              <a:t> </a:t>
+            </a:r>
+            <a:r>
+              <a:rPr lang="ko-KR" sz="1800">
+                <a:latin typeface="맑은 고딕" charset="0"/>
+                <a:ea typeface="맑은 고딕" charset="0"/>
+              </a:rPr>
+              <a:t>충돌한 오브젝트의 태그가 </a:t>
+            </a:r>
+            <a:r>
+              <a:rPr lang="ko-KR" sz="1800">
+                <a:latin typeface="맑은 고딕" charset="0"/>
+                <a:ea typeface="맑은 고딕" charset="0"/>
+              </a:rPr>
+              <a:t>Bee라</a:t>
+            </a:r>
+            <a:r>
+              <a:rPr lang="ko-KR" sz="1800">
+                <a:latin typeface="맑은 고딕" charset="0"/>
+                <a:ea typeface="맑은 고딕" charset="0"/>
+              </a:rPr>
+              <a:t>면</a:t>
+            </a:r>
+            <a:r>
+              <a:rPr lang="ko-KR" sz="1800">
+                <a:latin typeface="맑은 고딕" charset="0"/>
+                <a:ea typeface="맑은 고딕" charset="0"/>
+              </a:rPr>
+              <a:t> </a:t>
+            </a:r>
+            <a:r>
+              <a:rPr lang="ko-KR" sz="1800">
+                <a:latin typeface="맑은 고딕" charset="0"/>
+                <a:ea typeface="맑은 고딕" charset="0"/>
+              </a:rPr>
+              <a:t>PhotonView 컴포넌트를 </a:t>
+            </a:r>
+            <a:r>
+              <a:rPr lang="ko-KR" sz="1800">
+                <a:latin typeface="맑은 고딕" charset="0"/>
+                <a:ea typeface="맑은 고딕" charset="0"/>
+              </a:rPr>
+              <a:t>가져오도</a:t>
+            </a:r>
+            <a:r>
+              <a:rPr lang="ko-KR" sz="1800">
+                <a:latin typeface="맑은 고딕" charset="0"/>
+                <a:ea typeface="맑은 고딕" charset="0"/>
+              </a:rPr>
+              <a:t>록</a:t>
+            </a:r>
+            <a:r>
+              <a:rPr lang="ko-KR" sz="1800">
+                <a:latin typeface="맑은 고딕" charset="0"/>
+                <a:ea typeface="맑은 고딕" charset="0"/>
+              </a:rPr>
+              <a:t> </a:t>
+            </a:r>
+            <a:r>
+              <a:rPr lang="ko-KR" sz="1800">
+                <a:latin typeface="맑은 고딕" charset="0"/>
+                <a:ea typeface="맑은 고딕" charset="0"/>
+              </a:rPr>
+              <a:t>설정합니다.</a:t>
+            </a:r>
+            <a:endParaRPr lang="ko-KR" altLang="en-US" sz="1800">
+              <a:latin typeface="맑은 고딕" charset="0"/>
+              <a:ea typeface="맑은 고딕" charset="0"/>
+            </a:endParaRPr>
+          </a:p>
+          <a:p>
+            <a:pPr marL="0" indent="0" rtl="0" algn="l" defTabSz="914400" eaLnBrk="1" latinLnBrk="0" hangingPunct="1">
+              <a:buFontTx/>
+              <a:buNone/>
+            </a:pPr>
+            <a:endParaRPr lang="ko-KR" altLang="en-US" sz="1800">
+              <a:latin typeface="맑은 고딕" charset="0"/>
+              <a:ea typeface="맑은 고딕" charset="0"/>
+            </a:endParaRPr>
+          </a:p>
+          <a:p>
+            <a:pPr marL="0" indent="0" rtl="0" algn="l" defTabSz="914400" eaLnBrk="1" latinLnBrk="0" hangingPunct="1">
+              <a:buFontTx/>
+              <a:buNone/>
+            </a:pPr>
+            <a:r>
+              <a:rPr lang="ko-KR" sz="1800">
+                <a:latin typeface="맑은 고딕" charset="0"/>
+                <a:ea typeface="맑은 고딕" charset="0"/>
+              </a:rPr>
+              <a:t>그런</a:t>
+            </a:r>
+            <a:r>
+              <a:rPr lang="ko-KR" sz="1800">
+                <a:latin typeface="맑은 고딕" charset="0"/>
+                <a:ea typeface="맑은 고딕" charset="0"/>
+              </a:rPr>
+              <a:t> </a:t>
+            </a:r>
+            <a:r>
+              <a:rPr lang="ko-KR" sz="1800">
+                <a:latin typeface="맑은 고딕" charset="0"/>
+                <a:ea typeface="맑은 고딕" charset="0"/>
+              </a:rPr>
+              <a:t>다음 CameraShake 클래스의 </a:t>
+            </a:r>
+            <a:r>
+              <a:rPr lang="ko-KR" sz="1800">
+                <a:latin typeface="맑은 고딕" charset="0"/>
+                <a:ea typeface="맑은 고딕" charset="0"/>
+              </a:rPr>
+              <a:t>Shake(</a:t>
+            </a:r>
+            <a:r>
+              <a:rPr lang="ko-KR" sz="1800">
+                <a:latin typeface="맑은 고딕" charset="0"/>
+                <a:ea typeface="맑은 고딕" charset="0"/>
+              </a:rPr>
+              <a:t> </a:t>
+            </a:r>
+            <a:r>
+              <a:rPr lang="ko-KR" sz="1800">
+                <a:latin typeface="맑은 고딕" charset="0"/>
+                <a:ea typeface="맑은 고딕" charset="0"/>
+              </a:rPr>
+              <a:t>) 함수를 호출합니다.</a:t>
+            </a:r>
+            <a:endParaRPr lang="ko-KR" altLang="en-US" sz="1800">
+              <a:latin typeface="맑은 고딕" charset="0"/>
+              <a:ea typeface="맑은 고딕" charset="0"/>
+            </a:endParaRPr>
+          </a:p>
+        </p:txBody>
+      </p:sp>
+      <p:pic>
+        <p:nvPicPr>
+          <p:cNvPr id="67" name="그림 68" descr="C:/Users/Admin1/AppData/Roaming/PolarisOffice/ETemp/29360_23257720/fImage84105323491.png"/>
+          <p:cNvPicPr>
+            <a:picLocks noChangeAspect="1"/>
+          </p:cNvPicPr>
+          <p:nvPr/>
+        </p:nvPicPr>
+        <p:blipFill rotWithShape="1">
+          <a:blip r:embed="rId2" cstate="print">
+            <a:extLst>
+              <a:ext uri="{28A0092B-C50C-407E-A947-70E740481C1C}">
+                <a14:useLocalDpi xmlns:a14="http://schemas.microsoft.com/office/drawing/2010/main" val="0"/>
+              </a:ext>
+            </a:extLst>
+          </a:blip>
+          <a:stretch>
+            <a:fillRect/>
+          </a:stretch>
+        </p:blipFill>
+        <p:spPr>
+          <a:xfrm rot="0">
+            <a:off x="1231900" y="1455420"/>
+            <a:ext cx="4135120" cy="2179955"/>
+          </a:xfrm>
+          <a:prstGeom prst="roundRect"/>
+          <a:solidFill>
+            <a:srgbClr val="EDEDED"/>
+          </a:solidFill>
+        </p:spPr>
+      </p:pic>
+      <p:pic>
+        <p:nvPicPr>
+          <p:cNvPr id="68" name="그림 74" descr="C:/Users/Admin1/AppData/Roaming/PolarisOffice/ETemp/29360_23257720/fImage1008233252995.png"/>
+          <p:cNvPicPr>
+            <a:picLocks noChangeAspect="1"/>
+          </p:cNvPicPr>
+          <p:nvPr/>
+        </p:nvPicPr>
+        <p:blipFill rotWithShape="1">
+          <a:blip r:embed="rId3" cstate="print">
+            <a:extLst>
+              <a:ext uri="{28A0092B-C50C-407E-A947-70E740481C1C}">
+                <a14:useLocalDpi xmlns:a14="http://schemas.microsoft.com/office/drawing/2010/main" val="0"/>
+              </a:ext>
+            </a:extLst>
+          </a:blip>
+          <a:stretch>
+            <a:fillRect/>
+          </a:stretch>
+        </p:blipFill>
+        <p:spPr>
+          <a:xfrm rot="0">
+            <a:off x="6822440" y="1446530"/>
+            <a:ext cx="4126230" cy="2473325"/>
+          </a:xfrm>
+          <a:prstGeom prst="roundRect"/>
+          <a:solidFill>
+            <a:srgbClr val="EDEDED"/>
+          </a:solidFill>
+        </p:spPr>
+      </p:pic>
+    </p:spTree>
+  </p:cSld>
+  <p:clrMapOvr>
+    <a:masterClrMapping/>
+  </p:clrMapOvr>
+  <mc:AlternateContent xmlns:mc="http://schemas.openxmlformats.org/markup-compatibility/2006">
+    <mc:Choice xmlns:p14="http://schemas.microsoft.com/office/powerpoint/2010/main" Requires="p14">
+      <p:transition spd="slow" p14:dur="2000"/>
+    </mc:Choice>
+    <mc:Fallback>
+      <p:transition spd="slow"/>
+    </mc:Fallback>
+  </mc:AlternateContent>
+  <p:timing>
+    <p:tnLst>
+      <p:par>
+        <p:cTn id="1" dur="indefinite" restart="never" nodeType="tmRoot"/>
+      </p:par>
+    </p:tnLst>
+  </p:timing>
+</p:sld>
+</file>
+
+<file path=ppt/slides/slide16.xml><?xml version="1.0" encoding="utf-8"?>
+<p:sld xmlns:a="http://schemas.openxmlformats.org/drawingml/2006/main" xmlns:r="http://schemas.openxmlformats.org/officeDocument/2006/relationships" xmlns:p="http://schemas.openxmlformats.org/presentationml/2006/main">
+  <p:cSld>
+    <p:spTree>
+      <p:nvGrpSpPr>
+        <p:cNvPr id="1" name=""/>
+        <p:cNvGrpSpPr/>
+        <p:nvPr/>
+      </p:nvGrpSpPr>
+      <p:grpSpPr>
+        <a:xfrm>
+          <a:off x="0" y="0"/>
+          <a:ext cx="0" cy="0"/>
+          <a:chOff x="0" y="0"/>
+          <a:chExt cx="0" cy="0"/>
+        </a:xfrm>
+      </p:grpSpPr>
+      <p:sp>
+        <p:nvSpPr>
+          <p:cNvPr id="29" name="Rect 0"/>
+          <p:cNvSpPr txBox="1">
+            <a:spLocks/>
+          </p:cNvSpPr>
+          <p:nvPr/>
+        </p:nvSpPr>
+        <p:spPr>
+          <a:xfrm rot="0">
+            <a:off x="1229995" y="1337310"/>
+            <a:ext cx="4039235" cy="370840"/>
+          </a:xfrm>
+          <a:prstGeom prst="rect"/>
+          <a:noFill/>
+          <a:ln w="0">
+            <a:noFill/>
+            <a:prstDash/>
+          </a:ln>
+        </p:spPr>
+        <p:txBody>
+          <a:bodyPr wrap="square" lIns="89535" tIns="46355" rIns="89535" bIns="46355" numCol="1" vert="horz" anchor="t">
+            <a:spAutoFit/>
+          </a:bodyPr>
+          <a:lstStyle/>
+          <a:p>
+            <a:pPr marL="0" indent="0" algn="l" latinLnBrk="0" hangingPunct="1">
+              <a:buFontTx/>
+              <a:buNone/>
+            </a:pPr>
+            <a:endParaRPr lang="ko-KR" altLang="en-US" sz="1800">
+              <a:latin typeface="맑은 고딕" charset="0"/>
+              <a:ea typeface="맑은 고딕" charset="0"/>
+            </a:endParaRPr>
+          </a:p>
+        </p:txBody>
+      </p:sp>
+      <p:sp>
+        <p:nvSpPr>
+          <p:cNvPr id="35" name="Rect 0"/>
+          <p:cNvSpPr txBox="1">
+            <a:spLocks/>
+          </p:cNvSpPr>
+          <p:nvPr/>
+        </p:nvSpPr>
+        <p:spPr>
+          <a:xfrm rot="0">
+            <a:off x="4342765" y="372745"/>
+            <a:ext cx="3505835" cy="554990"/>
+          </a:xfrm>
+          <a:prstGeom prst="rect"/>
+          <a:noFill/>
+          <a:ln w="0">
+            <a:noFill/>
+            <a:prstDash/>
+          </a:ln>
+        </p:spPr>
+        <p:txBody>
+          <a:bodyPr wrap="square" lIns="89535" tIns="46355" rIns="89535" bIns="46355" numCol="1" vert="horz" anchor="t">
+            <a:spAutoFit/>
+          </a:bodyPr>
+          <a:lstStyle/>
+          <a:p>
+            <a:pPr marL="0" indent="0" rtl="0" algn="ctr" defTabSz="914400" eaLnBrk="1" latinLnBrk="0" hangingPunct="1">
+              <a:buFontTx/>
+              <a:buNone/>
+            </a:pPr>
+            <a:r>
+              <a:rPr lang="ko-KR" sz="2500" b="1">
+                <a:latin typeface="나눔바른고딕" charset="0"/>
+                <a:ea typeface="나눔바른고딕" charset="0"/>
+              </a:rPr>
+              <a:t>열다섯</a:t>
+            </a:r>
+            <a:r>
+              <a:rPr lang="ko-KR" sz="2500" b="1">
+                <a:latin typeface="나눔바른고딕" charset="0"/>
+                <a:ea typeface="나눔바른고딕" charset="0"/>
+              </a:rPr>
+              <a:t> 번째 튜토리얼</a:t>
+            </a:r>
+            <a:r>
+              <a:rPr sz="3000" b="1">
+                <a:latin typeface="맑은 고딕" charset="0"/>
+                <a:ea typeface="맑은 고딕" charset="0"/>
+              </a:rPr>
+              <a:t> </a:t>
+            </a:r>
+            <a:endParaRPr lang="ko-KR" altLang="en-US" sz="3000" b="1">
+              <a:latin typeface="맑은 고딕" charset="0"/>
+              <a:ea typeface="맑은 고딕" charset="0"/>
+            </a:endParaRPr>
+          </a:p>
+        </p:txBody>
+      </p:sp>
+      <p:sp>
+        <p:nvSpPr>
+          <p:cNvPr id="36" name="Rect 0"/>
+          <p:cNvSpPr txBox="1">
+            <a:spLocks/>
+          </p:cNvSpPr>
+          <p:nvPr/>
+        </p:nvSpPr>
+        <p:spPr>
+          <a:xfrm rot="0">
+            <a:off x="1231900" y="3781425"/>
+            <a:ext cx="4135120" cy="2338705"/>
+          </a:xfrm>
+          <a:prstGeom prst="rect"/>
+          <a:noFill/>
+          <a:ln w="0">
+            <a:noFill/>
+            <a:prstDash/>
+          </a:ln>
+        </p:spPr>
+        <p:txBody>
+          <a:bodyPr wrap="square" lIns="89535" tIns="46355" rIns="89535" bIns="46355" numCol="1" vert="horz" anchor="t">
+            <a:spAutoFit/>
+          </a:bodyPr>
+          <a:lstStyle/>
+          <a:p>
+            <a:pPr marL="0" indent="0" rtl="0" algn="l" defTabSz="914400" eaLnBrk="1" latinLnBrk="0" hangingPunct="1">
+              <a:buFontTx/>
+              <a:buNone/>
+            </a:pPr>
+            <a:r>
+              <a:rPr sz="2000" b="1">
+                <a:solidFill>
+                  <a:srgbClr val="0611F2"/>
+                </a:solidFill>
+                <a:latin typeface="맑은 고딕" charset="0"/>
+                <a:ea typeface="맑은 고딕" charset="0"/>
+              </a:rPr>
+              <a:t>3</a:t>
+            </a:r>
+            <a:r>
+              <a:rPr lang="ko-KR" sz="2000" b="1">
+                <a:solidFill>
+                  <a:srgbClr val="0611F2"/>
+                </a:solidFill>
+                <a:latin typeface="맑은 고딕" charset="0"/>
+                <a:ea typeface="맑은 고딕" charset="0"/>
+              </a:rPr>
+              <a:t>6</a:t>
+            </a:r>
+            <a:r>
+              <a:rPr sz="2000" b="1">
+                <a:solidFill>
+                  <a:srgbClr val="0611F2"/>
+                </a:solidFill>
+                <a:latin typeface="맑은 고딕" charset="0"/>
+                <a:ea typeface="맑은 고딕" charset="0"/>
+              </a:rPr>
+              <a:t>.</a:t>
+            </a:r>
+            <a:r>
+              <a:rPr sz="2000">
+                <a:solidFill>
+                  <a:srgbClr val="0611F2"/>
+                </a:solidFill>
+                <a:latin typeface="맑은 고딕" charset="0"/>
+                <a:ea typeface="맑은 고딕" charset="0"/>
+              </a:rPr>
+              <a:t> </a:t>
+            </a:r>
+            <a:r>
+              <a:rPr sz="1800">
+                <a:latin typeface="맑은 고딕" charset="0"/>
+                <a:ea typeface="맑은 고딕" charset="0"/>
+              </a:rPr>
+              <a:t>그러고 나서 </a:t>
+            </a:r>
+            <a:r>
+              <a:rPr sz="1800">
+                <a:latin typeface="맑은 고딕" charset="0"/>
+                <a:ea typeface="맑은 고딕" charset="0"/>
+              </a:rPr>
+              <a:t>OnPhotonSerializeView(</a:t>
+            </a:r>
+            <a:r>
+              <a:rPr sz="1800">
+                <a:latin typeface="맑은 고딕" charset="0"/>
+                <a:ea typeface="맑은 고딕" charset="0"/>
+              </a:rPr>
+              <a:t>PhotonStream,</a:t>
+            </a:r>
+            <a:r>
+              <a:rPr sz="1800">
+                <a:latin typeface="맑은 고딕" charset="0"/>
+                <a:ea typeface="맑은 고딕" charset="0"/>
+              </a:rPr>
+              <a:t> </a:t>
+            </a:r>
+            <a:r>
+              <a:rPr sz="1800">
+                <a:latin typeface="맑은 고딕" charset="0"/>
+                <a:ea typeface="맑은 고딕" charset="0"/>
+              </a:rPr>
+              <a:t>PhotonMessageInfo</a:t>
+            </a:r>
+            <a:r>
+              <a:rPr sz="1800">
+                <a:latin typeface="맑은 고딕" charset="0"/>
+                <a:ea typeface="맑은 고딕" charset="0"/>
+              </a:rPr>
+              <a:t>)</a:t>
+            </a:r>
+            <a:r>
+              <a:rPr sz="1800">
+                <a:latin typeface="맑은 고딕" charset="0"/>
+                <a:ea typeface="맑은 고딕" charset="0"/>
+              </a:rPr>
+              <a:t> </a:t>
+            </a:r>
+            <a:r>
+              <a:rPr sz="1800">
+                <a:latin typeface="맑은 고딕" charset="0"/>
+                <a:ea typeface="맑은 고딕" charset="0"/>
+              </a:rPr>
+              <a:t>함수를 </a:t>
+            </a:r>
+            <a:r>
+              <a:rPr sz="1800">
+                <a:latin typeface="맑은 고딕" charset="0"/>
+                <a:ea typeface="맑은 고딕" charset="0"/>
+              </a:rPr>
+              <a:t>선언합니</a:t>
+            </a:r>
+            <a:r>
+              <a:rPr lang="ko-KR" sz="1800">
+                <a:latin typeface="맑은 고딕" charset="0"/>
+                <a:ea typeface="맑은 고딕" charset="0"/>
+              </a:rPr>
+              <a:t>다.</a:t>
+            </a:r>
+            <a:endParaRPr lang="ko-KR" altLang="en-US" sz="1800">
+              <a:latin typeface="맑은 고딕" charset="0"/>
+              <a:ea typeface="맑은 고딕" charset="0"/>
+            </a:endParaRPr>
+          </a:p>
+          <a:p>
+            <a:pPr marL="0" indent="0" rtl="0" algn="l" defTabSz="914400" eaLnBrk="1" latinLnBrk="0" hangingPunct="1">
+              <a:buFontTx/>
+              <a:buNone/>
+            </a:pPr>
+            <a:endParaRPr lang="ko-KR" altLang="en-US" sz="1800">
+              <a:latin typeface="맑은 고딕" charset="0"/>
+              <a:ea typeface="맑은 고딕" charset="0"/>
+            </a:endParaRPr>
+          </a:p>
+          <a:p>
+            <a:pPr marL="0" indent="0" rtl="0" algn="l" defTabSz="914400" eaLnBrk="1" latinLnBrk="0" hangingPunct="1">
+              <a:buFontTx/>
+              <a:buNone/>
+            </a:pPr>
+            <a:r>
+              <a:rPr lang="ko-KR" sz="1800">
+                <a:latin typeface="맑은 고딕" charset="0"/>
+                <a:ea typeface="맑은 고딕" charset="0"/>
+              </a:rPr>
+              <a:t>이제</a:t>
+            </a:r>
+            <a:r>
+              <a:rPr lang="ko-KR" sz="1800">
+                <a:latin typeface="맑은 고딕" charset="0"/>
+                <a:ea typeface="맑은 고딕" charset="0"/>
+              </a:rPr>
+              <a:t> </a:t>
+            </a:r>
+            <a:r>
+              <a:rPr lang="ko-KR" sz="1800">
+                <a:latin typeface="맑은 고딕" charset="0"/>
+                <a:ea typeface="맑은 고딕" charset="0"/>
+              </a:rPr>
+              <a:t>로컬 오브젝트의 데이터를 </a:t>
+            </a:r>
+            <a:r>
+              <a:rPr lang="ko-KR" sz="1800">
+                <a:latin typeface="맑은 고딕" charset="0"/>
+                <a:ea typeface="맑은 고딕" charset="0"/>
+              </a:rPr>
+              <a:t>원격 </a:t>
+            </a:r>
+            <a:r>
+              <a:rPr lang="ko-KR" sz="1800">
+                <a:latin typeface="맑은 고딕" charset="0"/>
+                <a:ea typeface="맑은 고딕" charset="0"/>
+              </a:rPr>
+              <a:t>오브젝트에게</a:t>
+            </a:r>
+            <a:r>
+              <a:rPr lang="ko-KR" sz="1800">
+                <a:latin typeface="맑은 고딕" charset="0"/>
+                <a:ea typeface="맑은 고딕" charset="0"/>
+              </a:rPr>
+              <a:t> 보내고 원격 오브젝트</a:t>
+            </a:r>
+            <a:r>
+              <a:rPr lang="ko-KR" sz="1800">
+                <a:latin typeface="맑은 고딕" charset="0"/>
+                <a:ea typeface="맑은 고딕" charset="0"/>
+              </a:rPr>
+              <a:t>는 </a:t>
+            </a:r>
+            <a:r>
+              <a:rPr lang="ko-KR" sz="1800">
+                <a:latin typeface="맑은 고딕" charset="0"/>
+                <a:ea typeface="맑은 고딕" charset="0"/>
+              </a:rPr>
+              <a:t>데이터를</a:t>
+            </a:r>
+            <a:r>
+              <a:rPr lang="ko-KR" sz="1800">
+                <a:latin typeface="맑은 고딕" charset="0"/>
+                <a:ea typeface="맑은 고딕" charset="0"/>
+              </a:rPr>
+              <a:t> 받을 수 있도록 설정합니</a:t>
+            </a:r>
+            <a:r>
+              <a:rPr lang="ko-KR" sz="1800">
+                <a:latin typeface="맑은 고딕" charset="0"/>
+                <a:ea typeface="맑은 고딕" charset="0"/>
+              </a:rPr>
+              <a:t>다.</a:t>
+            </a:r>
+            <a:endParaRPr lang="ko-KR" altLang="en-US" sz="1800">
+              <a:latin typeface="맑은 고딕" charset="0"/>
+              <a:ea typeface="맑은 고딕" charset="0"/>
+            </a:endParaRPr>
+          </a:p>
+        </p:txBody>
+      </p:sp>
+      <p:sp>
+        <p:nvSpPr>
+          <p:cNvPr id="66" name="Rect 0"/>
+          <p:cNvSpPr txBox="1">
+            <a:spLocks/>
+          </p:cNvSpPr>
+          <p:nvPr/>
+        </p:nvSpPr>
+        <p:spPr>
+          <a:xfrm rot="0">
+            <a:off x="6813550" y="3500120"/>
+            <a:ext cx="4126865" cy="2615565"/>
+          </a:xfrm>
+          <a:prstGeom prst="rect"/>
+          <a:noFill/>
+          <a:ln w="0">
+            <a:noFill/>
+            <a:prstDash/>
+          </a:ln>
+        </p:spPr>
+        <p:txBody>
+          <a:bodyPr wrap="square" lIns="89535" tIns="46355" rIns="89535" bIns="46355" numCol="1" vert="horz" anchor="t">
+            <a:spAutoFit/>
+          </a:bodyPr>
+          <a:lstStyle/>
+          <a:p>
+            <a:pPr marL="0" indent="0" rtl="0" algn="l" defTabSz="914400" eaLnBrk="1" latinLnBrk="0" hangingPunct="1">
+              <a:buFontTx/>
+              <a:buNone/>
+            </a:pPr>
+            <a:r>
+              <a:rPr sz="2000" b="1">
+                <a:solidFill>
+                  <a:srgbClr val="0611F2"/>
+                </a:solidFill>
+                <a:latin typeface="맑은 고딕" charset="0"/>
+                <a:ea typeface="맑은 고딕" charset="0"/>
+              </a:rPr>
+              <a:t>3</a:t>
+            </a:r>
+            <a:r>
+              <a:rPr lang="ko-KR" sz="2000" b="1">
+                <a:solidFill>
+                  <a:srgbClr val="0611F2"/>
+                </a:solidFill>
+                <a:latin typeface="맑은 고딕" charset="0"/>
+                <a:ea typeface="맑은 고딕" charset="0"/>
+              </a:rPr>
+              <a:t>7</a:t>
+            </a:r>
+            <a:r>
+              <a:rPr sz="2000" b="1">
+                <a:solidFill>
+                  <a:srgbClr val="0611F2"/>
+                </a:solidFill>
+                <a:latin typeface="맑은 고딕" charset="0"/>
+                <a:ea typeface="맑은 고딕" charset="0"/>
+              </a:rPr>
+              <a:t>.</a:t>
+            </a:r>
+            <a:r>
+              <a:rPr sz="2000">
+                <a:solidFill>
+                  <a:srgbClr val="0611F2"/>
+                </a:solidFill>
+                <a:latin typeface="맑은 고딕" charset="0"/>
+                <a:ea typeface="맑은 고딕" charset="0"/>
+              </a:rPr>
+              <a:t> </a:t>
+            </a:r>
+            <a:r>
+              <a:rPr sz="1800">
+                <a:latin typeface="맑은 고딕" charset="0"/>
+                <a:ea typeface="맑은 고딕" charset="0"/>
+              </a:rPr>
+              <a:t>그리고 OnTriggerEnter(Collider) </a:t>
+            </a:r>
+            <a:r>
+              <a:rPr sz="1800">
+                <a:latin typeface="맑은 고딕" charset="0"/>
+                <a:ea typeface="맑은 고딕" charset="0"/>
+              </a:rPr>
+              <a:t>함수에</a:t>
+            </a:r>
+            <a:r>
+              <a:rPr lang="ko-KR" sz="1800">
+                <a:latin typeface="맑은 고딕" charset="0"/>
+                <a:ea typeface="맑은 고딕" charset="0"/>
+              </a:rPr>
+              <a:t>서</a:t>
+            </a:r>
+            <a:r>
+              <a:rPr lang="ko-KR" sz="1800">
+                <a:latin typeface="맑은 고딕" charset="0"/>
+                <a:ea typeface="맑은 고딕" charset="0"/>
+              </a:rPr>
+              <a:t> </a:t>
+            </a:r>
+            <a:r>
+              <a:rPr lang="ko-KR" sz="1800">
+                <a:latin typeface="맑은 고딕" charset="0"/>
+                <a:ea typeface="맑은 고딕" charset="0"/>
+              </a:rPr>
+              <a:t>충돌한 오브젝트의 태그가 </a:t>
+            </a:r>
+            <a:r>
+              <a:rPr lang="ko-KR" sz="1800">
+                <a:latin typeface="맑은 고딕" charset="0"/>
+                <a:ea typeface="맑은 고딕" charset="0"/>
+              </a:rPr>
+              <a:t>Bee</a:t>
+            </a:r>
+            <a:r>
+              <a:rPr lang="ko-KR" sz="1800">
+                <a:latin typeface="맑은 고딕" charset="0"/>
+                <a:ea typeface="맑은 고딕" charset="0"/>
+              </a:rPr>
+              <a:t> </a:t>
+            </a:r>
+            <a:r>
+              <a:rPr lang="ko-KR" sz="1800">
+                <a:latin typeface="맑은 고딕" charset="0"/>
+                <a:ea typeface="맑은 고딕" charset="0"/>
+              </a:rPr>
+              <a:t>라</a:t>
+            </a:r>
+            <a:r>
+              <a:rPr lang="ko-KR" sz="1800">
+                <a:latin typeface="맑은 고딕" charset="0"/>
+                <a:ea typeface="맑은 고딕" charset="0"/>
+              </a:rPr>
+              <a:t>면 </a:t>
+            </a:r>
+            <a:r>
+              <a:rPr lang="ko-KR" sz="1800">
+                <a:latin typeface="맑은 고딕" charset="0"/>
+                <a:ea typeface="맑은 고딕" charset="0"/>
+              </a:rPr>
+              <a:t>PhotonView 컴포넌트를 </a:t>
+            </a:r>
+            <a:r>
+              <a:rPr lang="ko-KR" sz="1800">
+                <a:latin typeface="맑은 고딕" charset="0"/>
+                <a:ea typeface="맑은 고딕" charset="0"/>
+              </a:rPr>
+              <a:t>가져오도</a:t>
+            </a:r>
+            <a:r>
+              <a:rPr lang="ko-KR" sz="1800">
+                <a:latin typeface="맑은 고딕" charset="0"/>
+                <a:ea typeface="맑은 고딕" charset="0"/>
+              </a:rPr>
+              <a:t>록</a:t>
+            </a:r>
+            <a:r>
+              <a:rPr lang="ko-KR" sz="1800">
+                <a:latin typeface="맑은 고딕" charset="0"/>
+                <a:ea typeface="맑은 고딕" charset="0"/>
+              </a:rPr>
+              <a:t> </a:t>
+            </a:r>
+            <a:r>
+              <a:rPr lang="ko-KR" sz="1800">
+                <a:latin typeface="맑은 고딕" charset="0"/>
+                <a:ea typeface="맑은 고딕" charset="0"/>
+              </a:rPr>
+              <a:t>설정합니다.</a:t>
+            </a:r>
+            <a:endParaRPr lang="ko-KR" altLang="en-US" sz="1800">
+              <a:latin typeface="맑은 고딕" charset="0"/>
+              <a:ea typeface="맑은 고딕" charset="0"/>
+            </a:endParaRPr>
+          </a:p>
+          <a:p>
+            <a:pPr marL="0" indent="0" rtl="0" algn="l" defTabSz="914400" eaLnBrk="1" latinLnBrk="0" hangingPunct="1">
+              <a:buFontTx/>
+              <a:buNone/>
+            </a:pPr>
+            <a:endParaRPr lang="ko-KR" altLang="en-US" sz="1800">
+              <a:latin typeface="맑은 고딕" charset="0"/>
+              <a:ea typeface="맑은 고딕" charset="0"/>
+            </a:endParaRPr>
+          </a:p>
+          <a:p>
+            <a:pPr marL="0" indent="0" rtl="0" algn="l" defTabSz="914400" eaLnBrk="1" latinLnBrk="0" hangingPunct="1">
+              <a:buFontTx/>
+              <a:buNone/>
+            </a:pPr>
+            <a:r>
+              <a:rPr lang="ko-KR" sz="1800">
+                <a:latin typeface="맑은 고딕" charset="0"/>
+                <a:ea typeface="맑은 고딕" charset="0"/>
+              </a:rPr>
+              <a:t>그런</a:t>
+            </a:r>
+            <a:r>
+              <a:rPr lang="ko-KR" sz="1800">
+                <a:latin typeface="맑은 고딕" charset="0"/>
+                <a:ea typeface="맑은 고딕" charset="0"/>
+              </a:rPr>
+              <a:t> </a:t>
+            </a:r>
+            <a:r>
+              <a:rPr lang="ko-KR" sz="1800">
+                <a:latin typeface="맑은 고딕" charset="0"/>
+                <a:ea typeface="맑은 고딕" charset="0"/>
+              </a:rPr>
+              <a:t>다음 CameraShake 클래스의 </a:t>
+            </a:r>
+            <a:r>
+              <a:rPr lang="ko-KR" sz="1800">
+                <a:latin typeface="맑은 고딕" charset="0"/>
+                <a:ea typeface="맑은 고딕" charset="0"/>
+              </a:rPr>
+              <a:t>Shake(</a:t>
+            </a:r>
+            <a:r>
+              <a:rPr lang="ko-KR" sz="1800">
+                <a:latin typeface="맑은 고딕" charset="0"/>
+                <a:ea typeface="맑은 고딕" charset="0"/>
+              </a:rPr>
+              <a:t> </a:t>
+            </a:r>
+            <a:r>
+              <a:rPr lang="ko-KR" sz="1800">
+                <a:latin typeface="맑은 고딕" charset="0"/>
+                <a:ea typeface="맑은 고딕" charset="0"/>
+              </a:rPr>
+              <a:t>) 함수를 호출하고 자신의 </a:t>
+            </a:r>
+            <a:r>
+              <a:rPr lang="ko-KR" sz="1800">
+                <a:latin typeface="맑은 고딕" charset="0"/>
+                <a:ea typeface="맑은 고딕" charset="0"/>
+              </a:rPr>
+              <a:t>클라이언</a:t>
+            </a:r>
+            <a:r>
+              <a:rPr lang="ko-KR" sz="1800">
+                <a:latin typeface="맑은 고딕" charset="0"/>
+                <a:ea typeface="맑은 고딕" charset="0"/>
+              </a:rPr>
+              <a:t>트에서</a:t>
+            </a:r>
+            <a:r>
+              <a:rPr lang="ko-KR" sz="1800">
+                <a:latin typeface="맑은 고딕" charset="0"/>
+                <a:ea typeface="맑은 고딕" charset="0"/>
+              </a:rPr>
+              <a:t> 충돌한 오브젝트를 </a:t>
+            </a:r>
+            <a:r>
+              <a:rPr lang="ko-KR" sz="1800">
+                <a:latin typeface="맑은 고딕" charset="0"/>
+                <a:ea typeface="맑은 고딕" charset="0"/>
+              </a:rPr>
+              <a:t>삭제하도록</a:t>
+            </a:r>
+            <a:r>
+              <a:rPr lang="ko-KR" sz="1800">
+                <a:latin typeface="맑은 고딕" charset="0"/>
+                <a:ea typeface="맑은 고딕" charset="0"/>
+              </a:rPr>
+              <a:t> </a:t>
+            </a:r>
+            <a:r>
+              <a:rPr lang="ko-KR" sz="1800">
+                <a:latin typeface="맑은 고딕" charset="0"/>
+                <a:ea typeface="맑은 고딕" charset="0"/>
+              </a:rPr>
+              <a:t>설정합니다.</a:t>
+            </a:r>
+            <a:endParaRPr lang="ko-KR" altLang="en-US" sz="1800">
+              <a:latin typeface="맑은 고딕" charset="0"/>
+              <a:ea typeface="맑은 고딕" charset="0"/>
+            </a:endParaRPr>
+          </a:p>
+        </p:txBody>
+      </p:sp>
+      <p:pic>
+        <p:nvPicPr>
+          <p:cNvPr id="67" name="Picture " descr="C:/Users/Admin1/AppData/Roaming/PolarisOffice/ETemp/29360_23257720/fImage841053301942.png"/>
+          <p:cNvPicPr>
+            <a:picLocks noChangeAspect="1"/>
+          </p:cNvPicPr>
+          <p:nvPr/>
+        </p:nvPicPr>
+        <p:blipFill rotWithShape="1">
+          <a:blip r:embed="rId2" cstate="print">
+            <a:extLst>
+              <a:ext uri="{28A0092B-C50C-407E-A947-70E740481C1C}">
+                <a14:useLocalDpi xmlns:a14="http://schemas.microsoft.com/office/drawing/2010/main" val="0"/>
+              </a:ext>
+            </a:extLst>
+          </a:blip>
+          <a:stretch>
+            <a:fillRect/>
+          </a:stretch>
+        </p:blipFill>
+        <p:spPr>
+          <a:xfrm rot="0">
+            <a:off x="1231900" y="1455420"/>
+            <a:ext cx="4135120" cy="2179955"/>
+          </a:xfrm>
+          <a:prstGeom prst="roundRect"/>
+          <a:solidFill>
+            <a:srgbClr val="EDEDED"/>
+          </a:solidFill>
+        </p:spPr>
+      </p:pic>
+      <p:pic>
+        <p:nvPicPr>
+          <p:cNvPr id="68" name="Picture " descr="C:/Users/Admin1/AppData/Roaming/PolarisOffice/ETemp/29360_23257720/fImage1008233314827.png"/>
+          <p:cNvPicPr>
+            <a:picLocks noChangeAspect="1"/>
+          </p:cNvPicPr>
+          <p:nvPr/>
+        </p:nvPicPr>
+        <p:blipFill rotWithShape="1">
+          <a:blip r:embed="rId3" cstate="print">
+            <a:extLst>
+              <a:ext uri="{28A0092B-C50C-407E-A947-70E740481C1C}">
+                <a14:useLocalDpi xmlns:a14="http://schemas.microsoft.com/office/drawing/2010/main" val="0"/>
+              </a:ext>
+            </a:extLst>
+          </a:blip>
+          <a:stretch>
+            <a:fillRect/>
+          </a:stretch>
+        </p:blipFill>
+        <p:spPr>
+          <a:xfrm rot="0">
+            <a:off x="6822440" y="1446530"/>
+            <a:ext cx="4126230" cy="1930400"/>
+          </a:xfrm>
+          <a:prstGeom prst="roundRect"/>
+          <a:solidFill>
+            <a:srgbClr val="EDEDED"/>
+          </a:solidFill>
+        </p:spPr>
+      </p:pic>
+    </p:spTree>
+  </p:cSld>
+  <p:clrMapOvr>
+    <a:masterClrMapping/>
+  </p:clrMapOvr>
+  <mc:AlternateContent xmlns:mc="http://schemas.openxmlformats.org/markup-compatibility/2006">
+    <mc:Choice xmlns:p14="http://schemas.microsoft.com/office/powerpoint/2010/main" Requires="p14">
+      <p:transition spd="slow" p14:dur="2000"/>
+    </mc:Choice>
+    <mc:Fallback>
+      <p:transition spd="slow"/>
+    </mc:Fallback>
+  </mc:AlternateContent>
+  <p:timing>
+    <p:tnLst>
+      <p:par>
+        <p:cTn id="1" dur="indefinite" restart="never" nodeType="tmRoot"/>
+      </p:par>
+    </p:tnLst>
+  </p:timing>
+</p:sld>
+</file>
+
+<file path=ppt/slides/slide17.xml><?xml version="1.0" encoding="utf-8"?>
+<p:sld xmlns:a="http://schemas.openxmlformats.org/drawingml/2006/main" xmlns:r="http://schemas.openxmlformats.org/officeDocument/2006/relationships" xmlns:p="http://schemas.openxmlformats.org/presentationml/2006/main">
+  <p:cSld>
+    <p:spTree>
+      <p:nvGrpSpPr>
+        <p:cNvPr id="1" name=""/>
+        <p:cNvGrpSpPr/>
+        <p:nvPr/>
+      </p:nvGrpSpPr>
+      <p:grpSpPr>
+        <a:xfrm>
+          <a:off x="0" y="0"/>
+          <a:ext cx="0" cy="0"/>
+          <a:chOff x="0" y="0"/>
+          <a:chExt cx="0" cy="0"/>
+        </a:xfrm>
+      </p:grpSpPr>
+      <p:sp>
+        <p:nvSpPr>
+          <p:cNvPr id="29" name="Rect 0"/>
+          <p:cNvSpPr txBox="1">
+            <a:spLocks/>
+          </p:cNvSpPr>
+          <p:nvPr/>
+        </p:nvSpPr>
+        <p:spPr>
+          <a:xfrm rot="0">
+            <a:off x="1229995" y="1337310"/>
+            <a:ext cx="4039235" cy="370840"/>
+          </a:xfrm>
+          <a:prstGeom prst="rect"/>
+          <a:noFill/>
+          <a:ln w="0">
+            <a:noFill/>
+            <a:prstDash/>
+          </a:ln>
+        </p:spPr>
+        <p:txBody>
+          <a:bodyPr wrap="square" lIns="89535" tIns="46355" rIns="89535" bIns="46355" numCol="1" vert="horz" anchor="t">
+            <a:spAutoFit/>
+          </a:bodyPr>
+          <a:lstStyle/>
+          <a:p>
+            <a:pPr marL="0" indent="0" algn="l" latinLnBrk="0" hangingPunct="1">
+              <a:buFontTx/>
+              <a:buNone/>
+            </a:pPr>
+            <a:endParaRPr lang="ko-KR" altLang="en-US" sz="1800">
+              <a:latin typeface="맑은 고딕" charset="0"/>
+              <a:ea typeface="맑은 고딕" charset="0"/>
+            </a:endParaRPr>
+          </a:p>
+        </p:txBody>
+      </p:sp>
+      <p:sp>
+        <p:nvSpPr>
+          <p:cNvPr id="35" name="Rect 0"/>
+          <p:cNvSpPr txBox="1">
+            <a:spLocks/>
+          </p:cNvSpPr>
+          <p:nvPr/>
+        </p:nvSpPr>
+        <p:spPr>
+          <a:xfrm rot="0">
+            <a:off x="4342765" y="372745"/>
+            <a:ext cx="3505835" cy="554990"/>
+          </a:xfrm>
+          <a:prstGeom prst="rect"/>
+          <a:noFill/>
+          <a:ln w="0">
+            <a:noFill/>
+            <a:prstDash/>
+          </a:ln>
+        </p:spPr>
+        <p:txBody>
+          <a:bodyPr wrap="square" lIns="89535" tIns="46355" rIns="89535" bIns="46355" numCol="1" vert="horz" anchor="t">
+            <a:spAutoFit/>
+          </a:bodyPr>
+          <a:lstStyle/>
+          <a:p>
+            <a:pPr marL="0" indent="0" rtl="0" algn="ctr" defTabSz="914400" eaLnBrk="1" latinLnBrk="0" hangingPunct="1">
+              <a:buFontTx/>
+              <a:buNone/>
+            </a:pPr>
+            <a:r>
+              <a:rPr lang="ko-KR" sz="2500" b="1">
+                <a:latin typeface="나눔바른고딕" charset="0"/>
+                <a:ea typeface="나눔바른고딕" charset="0"/>
+              </a:rPr>
+              <a:t>열여섯</a:t>
+            </a:r>
+            <a:r>
+              <a:rPr lang="ko-KR" sz="2500" b="1">
+                <a:latin typeface="나눔바른고딕" charset="0"/>
+                <a:ea typeface="나눔바른고딕" charset="0"/>
+              </a:rPr>
+              <a:t> 번째 튜토리얼</a:t>
+            </a:r>
+            <a:r>
+              <a:rPr sz="3000" b="1">
+                <a:latin typeface="맑은 고딕" charset="0"/>
+                <a:ea typeface="맑은 고딕" charset="0"/>
+              </a:rPr>
+              <a:t> </a:t>
+            </a:r>
+            <a:endParaRPr lang="ko-KR" altLang="en-US" sz="3000" b="1">
+              <a:latin typeface="맑은 고딕" charset="0"/>
+              <a:ea typeface="맑은 고딕" charset="0"/>
+            </a:endParaRPr>
+          </a:p>
+        </p:txBody>
+      </p:sp>
+      <p:sp>
+        <p:nvSpPr>
+          <p:cNvPr id="36" name="Rect 0"/>
+          <p:cNvSpPr txBox="1">
+            <a:spLocks/>
+          </p:cNvSpPr>
+          <p:nvPr/>
+        </p:nvSpPr>
+        <p:spPr>
+          <a:xfrm rot="0">
+            <a:off x="1231900" y="3212465"/>
+            <a:ext cx="4135120" cy="2892425"/>
+          </a:xfrm>
+          <a:prstGeom prst="rect"/>
+          <a:noFill/>
+          <a:ln w="0">
+            <a:noFill/>
+            <a:prstDash/>
+          </a:ln>
+        </p:spPr>
+        <p:txBody>
+          <a:bodyPr wrap="square" lIns="89535" tIns="46355" rIns="89535" bIns="46355" numCol="1" vert="horz" anchor="t">
+            <a:spAutoFit/>
+          </a:bodyPr>
+          <a:lstStyle/>
+          <a:p>
+            <a:pPr marL="0" indent="0" rtl="0" algn="l" defTabSz="914400" eaLnBrk="1" latinLnBrk="0" hangingPunct="1">
+              <a:buFontTx/>
+              <a:buNone/>
+            </a:pPr>
+            <a:r>
+              <a:rPr sz="2000" b="1">
+                <a:solidFill>
+                  <a:srgbClr val="0611F2"/>
+                </a:solidFill>
+                <a:latin typeface="맑은 고딕" charset="0"/>
+                <a:ea typeface="맑은 고딕" charset="0"/>
+              </a:rPr>
+              <a:t>3</a:t>
+            </a:r>
+            <a:r>
+              <a:rPr sz="2000" b="1">
+                <a:solidFill>
+                  <a:srgbClr val="0611F2"/>
+                </a:solidFill>
+                <a:latin typeface="맑은 고딕" charset="0"/>
+                <a:ea typeface="맑은 고딕" charset="0"/>
+              </a:rPr>
+              <a:t>8</a:t>
+            </a:r>
+            <a:r>
+              <a:rPr sz="2000" b="1">
+                <a:solidFill>
+                  <a:srgbClr val="0611F2"/>
+                </a:solidFill>
+                <a:latin typeface="맑은 고딕" charset="0"/>
+                <a:ea typeface="맑은 고딕" charset="0"/>
+              </a:rPr>
+              <a:t>.</a:t>
+            </a:r>
+            <a:r>
+              <a:rPr sz="2000">
+                <a:solidFill>
+                  <a:srgbClr val="0611F2"/>
+                </a:solidFill>
+                <a:latin typeface="맑은 고딕" charset="0"/>
+                <a:ea typeface="맑은 고딕" charset="0"/>
+              </a:rPr>
+              <a:t> </a:t>
+            </a:r>
+            <a:r>
+              <a:rPr sz="1800">
+                <a:latin typeface="맑은 고딕" charset="0"/>
+                <a:ea typeface="맑은 고딕" charset="0"/>
+              </a:rPr>
+              <a:t>그</a:t>
+            </a:r>
+            <a:r>
+              <a:rPr sz="1800">
+                <a:latin typeface="맑은 고딕" charset="0"/>
+                <a:ea typeface="맑은 고딕" charset="0"/>
+              </a:rPr>
+              <a:t>다</a:t>
+            </a:r>
+            <a:r>
+              <a:rPr lang="ko-KR" sz="1800">
+                <a:latin typeface="맑은 고딕" charset="0"/>
+                <a:ea typeface="맑은 고딕" charset="0"/>
+              </a:rPr>
+              <a:t>음으로 CharacterSystem </a:t>
+            </a:r>
+            <a:r>
+              <a:rPr lang="ko-KR" sz="1800">
+                <a:latin typeface="맑은 고딕" charset="0"/>
+                <a:ea typeface="맑은 고딕" charset="0"/>
+              </a:rPr>
+              <a:t>스크립트의</a:t>
+            </a:r>
+            <a:r>
+              <a:rPr lang="ko-KR" sz="1800">
+                <a:latin typeface="맑은 고딕" charset="0"/>
+                <a:ea typeface="맑은 고딕" charset="0"/>
+              </a:rPr>
+              <a:t> </a:t>
+            </a:r>
+            <a:r>
+              <a:rPr lang="ko-KR" sz="1800">
+                <a:latin typeface="맑은 고딕" charset="0"/>
+                <a:ea typeface="맑은 고딕" charset="0"/>
+              </a:rPr>
+              <a:t>Temporary Camera 변수에 </a:t>
+            </a:r>
+            <a:r>
+              <a:rPr lang="ko-KR" sz="1800">
+                <a:latin typeface="맑은 고딕" charset="0"/>
+                <a:ea typeface="맑은 고딕" charset="0"/>
+              </a:rPr>
+              <a:t>Main</a:t>
+            </a:r>
+            <a:r>
+              <a:rPr lang="ko-KR" sz="1800">
+                <a:latin typeface="맑은 고딕" charset="0"/>
+                <a:ea typeface="맑은 고딕" charset="0"/>
+              </a:rPr>
+              <a:t> Camera 오브젝트를 넣어줍니다.</a:t>
+            </a:r>
+            <a:endParaRPr lang="ko-KR" altLang="en-US" sz="1800">
+              <a:latin typeface="맑은 고딕" charset="0"/>
+              <a:ea typeface="맑은 고딕" charset="0"/>
+            </a:endParaRPr>
+          </a:p>
+          <a:p>
+            <a:pPr marL="0" indent="0" rtl="0" algn="l" defTabSz="914400" eaLnBrk="1" latinLnBrk="0" hangingPunct="1">
+              <a:buFontTx/>
+              <a:buNone/>
+            </a:pPr>
+            <a:endParaRPr lang="ko-KR" altLang="en-US" sz="1800">
+              <a:latin typeface="맑은 고딕" charset="0"/>
+              <a:ea typeface="맑은 고딕" charset="0"/>
+            </a:endParaRPr>
+          </a:p>
+          <a:p>
+            <a:pPr marL="0" indent="0" rtl="0" algn="l" defTabSz="914400" eaLnBrk="1" latinLnBrk="0" hangingPunct="1">
+              <a:buFontTx/>
+              <a:buNone/>
+            </a:pPr>
+            <a:r>
+              <a:rPr lang="ko-KR" sz="1800">
+                <a:latin typeface="맑은 고딕" charset="0"/>
+                <a:ea typeface="맑은 고딕" charset="0"/>
+              </a:rPr>
+              <a:t>그러고</a:t>
+            </a:r>
+            <a:r>
+              <a:rPr lang="ko-KR" sz="1800">
+                <a:latin typeface="맑은 고딕" charset="0"/>
+                <a:ea typeface="맑은 고딕" charset="0"/>
+              </a:rPr>
+              <a:t> </a:t>
+            </a:r>
+            <a:r>
+              <a:rPr lang="ko-KR" sz="1800">
+                <a:latin typeface="맑은 고딕" charset="0"/>
+                <a:ea typeface="맑은 고딕" charset="0"/>
+              </a:rPr>
+              <a:t>나서 </a:t>
+            </a:r>
+            <a:r>
+              <a:rPr lang="ko-KR" sz="1800">
+                <a:latin typeface="맑은 고딕" charset="0"/>
+                <a:ea typeface="맑은 고딕" charset="0"/>
+              </a:rPr>
+              <a:t>Angle Speed 변수에 100 </a:t>
+            </a:r>
+            <a:r>
+              <a:rPr lang="ko-KR" sz="1800">
+                <a:latin typeface="맑은 고딕" charset="0"/>
+                <a:ea typeface="맑은 고딕" charset="0"/>
+              </a:rPr>
+              <a:t>이라는</a:t>
+            </a:r>
+            <a:r>
+              <a:rPr lang="ko-KR" sz="1800">
+                <a:latin typeface="맑은 고딕" charset="0"/>
+                <a:ea typeface="맑은 고딕" charset="0"/>
+              </a:rPr>
+              <a:t> </a:t>
+            </a:r>
+            <a:r>
+              <a:rPr lang="ko-KR" sz="1800">
+                <a:latin typeface="맑은 고딕" charset="0"/>
+                <a:ea typeface="맑은 고딕" charset="0"/>
+              </a:rPr>
+              <a:t>값을</a:t>
+            </a:r>
+            <a:r>
+              <a:rPr lang="ko-KR" sz="1800">
+                <a:latin typeface="맑은 고딕" charset="0"/>
+                <a:ea typeface="맑은 고딕" charset="0"/>
+              </a:rPr>
+              <a:t> </a:t>
+            </a:r>
+            <a:r>
+              <a:rPr lang="ko-KR" sz="1800">
+                <a:latin typeface="맑은 고딕" charset="0"/>
+                <a:ea typeface="맑은 고딕" charset="0"/>
+              </a:rPr>
+              <a:t>설정하고 Speed 변수에 5</a:t>
+            </a:r>
+            <a:r>
+              <a:rPr lang="ko-KR" sz="1800">
+                <a:latin typeface="맑은 고딕" charset="0"/>
+                <a:ea typeface="맑은 고딕" charset="0"/>
+              </a:rPr>
+              <a:t> </a:t>
+            </a:r>
+            <a:r>
+              <a:rPr lang="ko-KR" sz="1800">
+                <a:latin typeface="맑은 고딕" charset="0"/>
+                <a:ea typeface="맑은 고딕" charset="0"/>
+              </a:rPr>
+              <a:t>라</a:t>
+            </a:r>
+            <a:r>
+              <a:rPr lang="ko-KR" sz="1800">
+                <a:latin typeface="맑은 고딕" charset="0"/>
+                <a:ea typeface="맑은 고딕" charset="0"/>
+              </a:rPr>
+              <a:t>는</a:t>
+            </a:r>
+            <a:r>
+              <a:rPr lang="ko-KR" sz="1800">
+                <a:latin typeface="맑은 고딕" charset="0"/>
+                <a:ea typeface="맑은 고딕" charset="0"/>
+              </a:rPr>
+              <a:t> </a:t>
+            </a:r>
+            <a:r>
+              <a:rPr lang="ko-KR" sz="1800">
+                <a:latin typeface="맑은 고딕" charset="0"/>
+                <a:ea typeface="맑은 고딕" charset="0"/>
+              </a:rPr>
+              <a:t>값을 설정</a:t>
+            </a:r>
+            <a:r>
+              <a:rPr lang="ko-KR" sz="1800">
+                <a:latin typeface="맑은 고딕" charset="0"/>
+                <a:ea typeface="맑은 고딕" charset="0"/>
+              </a:rPr>
+              <a:t>합니다.</a:t>
+            </a:r>
+            <a:endParaRPr lang="ko-KR" altLang="en-US" sz="1800">
+              <a:latin typeface="맑은 고딕" charset="0"/>
+              <a:ea typeface="맑은 고딕" charset="0"/>
+            </a:endParaRPr>
+          </a:p>
+          <a:p>
+            <a:pPr marL="0" indent="0" rtl="0" algn="l" defTabSz="914400" eaLnBrk="1" latinLnBrk="0" hangingPunct="1">
+              <a:buFontTx/>
+              <a:buNone/>
+            </a:pPr>
+            <a:endParaRPr lang="ko-KR" altLang="en-US" sz="1800">
+              <a:latin typeface="맑은 고딕" charset="0"/>
+              <a:ea typeface="맑은 고딕" charset="0"/>
+            </a:endParaRPr>
+          </a:p>
+          <a:p>
+            <a:pPr marL="0" indent="0" rtl="0" algn="l" defTabSz="914400" eaLnBrk="1" latinLnBrk="0" hangingPunct="1">
+              <a:buFontTx/>
+              <a:buNone/>
+            </a:pPr>
+            <a:r>
+              <a:rPr lang="ko-KR" sz="1800">
+                <a:latin typeface="맑은 고딕" charset="0"/>
+                <a:ea typeface="맑은 고딕" charset="0"/>
+              </a:rPr>
+              <a:t>마지막으</a:t>
+            </a:r>
+            <a:r>
+              <a:rPr lang="ko-KR" sz="1800">
+                <a:latin typeface="맑은 고딕" charset="0"/>
+                <a:ea typeface="맑은 고딕" charset="0"/>
+              </a:rPr>
+              <a:t>로</a:t>
+            </a:r>
+            <a:r>
+              <a:rPr lang="ko-KR" sz="1800">
+                <a:latin typeface="맑은 고딕" charset="0"/>
+                <a:ea typeface="맑은 고딕" charset="0"/>
+              </a:rPr>
+              <a:t> </a:t>
+            </a:r>
+            <a:r>
+              <a:rPr lang="ko-KR" sz="1800">
+                <a:latin typeface="맑은 고딕" charset="0"/>
+                <a:ea typeface="맑은 고딕" charset="0"/>
+              </a:rPr>
+              <a:t>Health 변수에 100 이라는 </a:t>
+            </a:r>
+            <a:r>
+              <a:rPr lang="ko-KR" sz="1800">
+                <a:latin typeface="맑은 고딕" charset="0"/>
+                <a:ea typeface="맑은 고딕" charset="0"/>
+              </a:rPr>
+              <a:t>값</a:t>
+            </a:r>
+            <a:r>
+              <a:rPr lang="ko-KR" sz="1800">
+                <a:latin typeface="맑은 고딕" charset="0"/>
+                <a:ea typeface="맑은 고딕" charset="0"/>
+              </a:rPr>
+              <a:t>을</a:t>
+            </a:r>
+            <a:r>
+              <a:rPr lang="ko-KR" sz="1800">
+                <a:latin typeface="맑은 고딕" charset="0"/>
+                <a:ea typeface="맑은 고딕" charset="0"/>
+              </a:rPr>
+              <a:t> </a:t>
+            </a:r>
+            <a:r>
+              <a:rPr lang="ko-KR" sz="1800">
+                <a:latin typeface="맑은 고딕" charset="0"/>
+                <a:ea typeface="맑은 고딕" charset="0"/>
+              </a:rPr>
+              <a:t>설정합니다.</a:t>
+            </a:r>
+            <a:endParaRPr lang="ko-KR" altLang="en-US" sz="1800">
+              <a:latin typeface="맑은 고딕" charset="0"/>
+              <a:ea typeface="맑은 고딕" charset="0"/>
+            </a:endParaRPr>
+          </a:p>
+        </p:txBody>
+      </p:sp>
+      <p:pic>
+        <p:nvPicPr>
+          <p:cNvPr id="69" name="그림 80" descr="C:/Users/Admin1/AppData/Roaming/PolarisOffice/ETemp/29360_23257720/fImage109873455436.png"/>
+          <p:cNvPicPr>
+            <a:picLocks noChangeAspect="1"/>
+          </p:cNvPicPr>
+          <p:nvPr/>
+        </p:nvPicPr>
+        <p:blipFill rotWithShape="1">
+          <a:blip r:embed="rId2" cstate="print">
+            <a:extLst>
+              <a:ext uri="{28A0092B-C50C-407E-A947-70E740481C1C}">
+                <a14:useLocalDpi xmlns:a14="http://schemas.microsoft.com/office/drawing/2010/main" val="0"/>
+              </a:ext>
+            </a:extLst>
+          </a:blip>
+          <a:stretch>
+            <a:fillRect/>
+          </a:stretch>
+        </p:blipFill>
+        <p:spPr>
+          <a:xfrm rot="0">
+            <a:off x="1228090" y="1434465"/>
+            <a:ext cx="1313815" cy="1624965"/>
+          </a:xfrm>
+          <a:prstGeom prst="roundRect"/>
+          <a:solidFill>
+            <a:srgbClr val="EDEDED"/>
+          </a:solidFill>
+        </p:spPr>
+      </p:pic>
+      <p:pic>
+        <p:nvPicPr>
+          <p:cNvPr id="70" name="그림 81" descr="C:/Users/Admin1/AppData/Roaming/PolarisOffice/ETemp/29360_23257720/fImage148253462391.png"/>
+          <p:cNvPicPr>
+            <a:picLocks noChangeAspect="1"/>
+          </p:cNvPicPr>
+          <p:nvPr/>
+        </p:nvPicPr>
+        <p:blipFill rotWithShape="1">
+          <a:blip r:embed="rId3" cstate="print">
+            <a:extLst>
+              <a:ext uri="{28A0092B-C50C-407E-A947-70E740481C1C}">
+                <a14:useLocalDpi xmlns:a14="http://schemas.microsoft.com/office/drawing/2010/main" val="0"/>
+              </a:ext>
+            </a:extLst>
+          </a:blip>
+          <a:stretch>
+            <a:fillRect/>
+          </a:stretch>
+        </p:blipFill>
+        <p:spPr>
+          <a:xfrm rot="0">
+            <a:off x="2626995" y="1441450"/>
+            <a:ext cx="2740025" cy="1608455"/>
+          </a:xfrm>
+          <a:prstGeom prst="roundRect"/>
+          <a:solidFill>
+            <a:srgbClr val="EDEDED"/>
+          </a:solidFill>
+        </p:spPr>
+      </p:pic>
+      <p:cxnSp>
+        <p:nvCxnSpPr>
+          <p:cNvPr id="71" name="도형 87"/>
+          <p:cNvCxnSpPr/>
+          <p:nvPr/>
+        </p:nvCxnSpPr>
+        <p:spPr>
+          <a:xfrm rot="0">
+            <a:off x="2007235" y="2816225"/>
+            <a:ext cx="3282315" cy="86360"/>
+          </a:xfrm>
+          <a:prstGeom prst="straightConnector1"/>
+          <a:ln w="6350" cap="flat" cmpd="sng">
+            <a:prstDash/>
+            <a:headEnd type="none" w="med" len="med"/>
+            <a:tailEnd type="triangle" w="med" len="med"/>
+          </a:ln>
+        </p:spPr>
+        <p:style>
+          <a:lnRef idx="1">
+            <a:schemeClr val="accent1"/>
+          </a:lnRef>
+          <a:fillRef idx="0">
+            <a:schemeClr val="accent1"/>
+          </a:fillRef>
+          <a:effectRef idx="0">
+            <a:schemeClr val="accent1"/>
+          </a:effectRef>
+          <a:fontRef idx="minor">
+            <a:schemeClr val="tx1"/>
+          </a:fontRef>
+        </p:style>
+      </p:cxnSp>
+      <p:pic>
+        <p:nvPicPr>
+          <p:cNvPr id="72" name="그림 88" descr="C:/Users/Admin1/AppData/Roaming/PolarisOffice/ETemp/29360_23257720/fImage120373484604.png"/>
+          <p:cNvPicPr>
+            <a:picLocks noChangeAspect="1"/>
+          </p:cNvPicPr>
+          <p:nvPr/>
+        </p:nvPicPr>
+        <p:blipFill rotWithShape="1">
+          <a:blip r:embed="rId4" cstate="print">
+            <a:extLst>
+              <a:ext uri="{28A0092B-C50C-407E-A947-70E740481C1C}">
+                <a14:useLocalDpi xmlns:a14="http://schemas.microsoft.com/office/drawing/2010/main" val="0"/>
+              </a:ext>
+            </a:extLst>
+          </a:blip>
+          <a:stretch>
+            <a:fillRect/>
+          </a:stretch>
+        </p:blipFill>
+        <p:spPr>
+          <a:xfrm rot="0">
+            <a:off x="6822440" y="1435735"/>
+            <a:ext cx="2326005" cy="3500755"/>
+          </a:xfrm>
+          <a:prstGeom prst="roundRect"/>
+          <a:solidFill>
+            <a:srgbClr val="EDEDED"/>
+          </a:solidFill>
+        </p:spPr>
+      </p:pic>
+      <p:pic>
+        <p:nvPicPr>
+          <p:cNvPr id="73" name="그림 92" descr="C:/Users/Admin1/AppData/Roaming/PolarisOffice/ETemp/29360_23257720/fImage46363513902.png"/>
+          <p:cNvPicPr>
+            <a:picLocks noChangeAspect="1"/>
+          </p:cNvPicPr>
+          <p:nvPr/>
+        </p:nvPicPr>
+        <p:blipFill rotWithShape="1">
+          <a:blip r:embed="rId5" cstate="hqprint">
+            <a:extLst>
+              <a:ext uri="{28A0092B-C50C-407E-A947-70E740481C1C}">
+                <a14:useLocalDpi xmlns:a14="http://schemas.microsoft.com/office/drawing/2010/main"/>
+              </a:ext>
+            </a:extLst>
+          </a:blip>
+          <a:stretch>
+            <a:fillRect/>
+          </a:stretch>
+        </p:blipFill>
+        <p:spPr>
+          <a:xfrm rot="0">
+            <a:off x="9302750" y="2033270"/>
+            <a:ext cx="1645920" cy="2369185"/>
+          </a:xfrm>
+          <a:prstGeom prst="roundRect"/>
+          <a:solidFill>
+            <a:srgbClr val="EDEDED"/>
+          </a:solidFill>
+        </p:spPr>
+      </p:pic>
+      <p:sp>
+        <p:nvSpPr>
+          <p:cNvPr id="74" name="텍스트 상자 93"/>
+          <p:cNvSpPr txBox="1">
+            <a:spLocks/>
+          </p:cNvSpPr>
+          <p:nvPr/>
+        </p:nvSpPr>
+        <p:spPr>
+          <a:xfrm rot="0">
+            <a:off x="6816090" y="5153660"/>
+            <a:ext cx="4132580" cy="954405"/>
+          </a:xfrm>
+          <a:prstGeom prst="rect"/>
+          <a:noFill/>
+          <a:ln w="0">
+            <a:noFill/>
+            <a:prstDash/>
+          </a:ln>
+        </p:spPr>
+        <p:txBody>
+          <a:bodyPr wrap="square" lIns="89535" tIns="46355" rIns="89535" bIns="46355" numCol="1" vert="horz" anchor="t">
+            <a:spAutoFit/>
+          </a:bodyPr>
+          <a:lstStyle/>
+          <a:p>
+            <a:pPr marL="0" indent="0" rtl="0" algn="l" defTabSz="914400" eaLnBrk="1" latinLnBrk="0" hangingPunct="1">
+              <a:buFontTx/>
+              <a:buNone/>
+            </a:pPr>
+            <a:r>
+              <a:rPr sz="2000" b="1">
+                <a:solidFill>
+                  <a:srgbClr val="0611F2"/>
+                </a:solidFill>
+                <a:latin typeface="맑은 고딕" charset="0"/>
+                <a:ea typeface="맑은 고딕" charset="0"/>
+              </a:rPr>
+              <a:t>3</a:t>
+            </a:r>
+            <a:r>
+              <a:rPr lang="ko-KR" sz="2000" b="1">
+                <a:solidFill>
+                  <a:srgbClr val="0611F2"/>
+                </a:solidFill>
+                <a:latin typeface="맑은 고딕" charset="0"/>
+                <a:ea typeface="맑은 고딕" charset="0"/>
+              </a:rPr>
+              <a:t>9</a:t>
+            </a:r>
+            <a:r>
+              <a:rPr sz="2000" b="1">
+                <a:solidFill>
+                  <a:srgbClr val="0611F2"/>
+                </a:solidFill>
+                <a:latin typeface="맑은 고딕" charset="0"/>
+                <a:ea typeface="맑은 고딕" charset="0"/>
+              </a:rPr>
+              <a:t>.</a:t>
+            </a:r>
+            <a:r>
+              <a:rPr sz="2000">
+                <a:solidFill>
+                  <a:srgbClr val="0611F2"/>
+                </a:solidFill>
+                <a:latin typeface="맑은 고딕" charset="0"/>
+                <a:ea typeface="맑은 고딕" charset="0"/>
+              </a:rPr>
+              <a:t> </a:t>
+            </a:r>
+            <a:r>
+              <a:rPr sz="1800">
+                <a:latin typeface="맑은 고딕" charset="0"/>
+                <a:ea typeface="맑은 고딕" charset="0"/>
+              </a:rPr>
+              <a:t>이제 Scroll View 오브젝트의 하위 </a:t>
+            </a:r>
+            <a:r>
+              <a:rPr sz="1800">
+                <a:latin typeface="맑은 고딕" charset="0"/>
+                <a:ea typeface="맑은 고딕" charset="0"/>
+              </a:rPr>
+              <a:t>오브젝트</a:t>
+            </a:r>
+            <a:r>
+              <a:rPr sz="1800">
+                <a:latin typeface="맑은 고딕" charset="0"/>
+                <a:ea typeface="맑은 고딕" charset="0"/>
+              </a:rPr>
+              <a:t>에</a:t>
+            </a:r>
+            <a:r>
+              <a:rPr sz="1800">
+                <a:latin typeface="맑은 고딕" charset="0"/>
+                <a:ea typeface="맑은 고딕" charset="0"/>
+              </a:rPr>
+              <a:t> </a:t>
+            </a:r>
+            <a:r>
+              <a:rPr sz="1800">
+                <a:latin typeface="맑은 고딕" charset="0"/>
+                <a:ea typeface="맑은 고딕" charset="0"/>
+              </a:rPr>
+              <a:t>있는 Scrollbar Horizontal</a:t>
+            </a:r>
+            <a:r>
+              <a:rPr lang="ko-KR" sz="1800">
+                <a:latin typeface="맑은 고딕" charset="0"/>
+                <a:ea typeface="맑은 고딕" charset="0"/>
+              </a:rPr>
+              <a:t> </a:t>
+            </a:r>
+            <a:r>
+              <a:rPr lang="ko-KR" sz="1800">
+                <a:latin typeface="맑은 고딕" charset="0"/>
+                <a:ea typeface="맑은 고딕" charset="0"/>
+              </a:rPr>
+              <a:t>오브젝트</a:t>
+            </a:r>
+            <a:r>
+              <a:rPr lang="ko-KR" sz="1800">
+                <a:latin typeface="맑은 고딕" charset="0"/>
+                <a:ea typeface="맑은 고딕" charset="0"/>
+              </a:rPr>
+              <a:t>를</a:t>
+            </a:r>
+            <a:r>
+              <a:rPr lang="ko-KR" sz="1800">
+                <a:latin typeface="맑은 고딕" charset="0"/>
+                <a:ea typeface="맑은 고딕" charset="0"/>
+              </a:rPr>
+              <a:t> </a:t>
+            </a:r>
+            <a:r>
+              <a:rPr lang="ko-KR" sz="1800">
+                <a:latin typeface="맑은 고딕" charset="0"/>
+                <a:ea typeface="맑은 고딕" charset="0"/>
+              </a:rPr>
+              <a:t>삭제합니다.</a:t>
             </a:r>
             <a:endParaRPr lang="ko-KR" altLang="en-US" sz="1800">
               <a:latin typeface="맑은 고딕" charset="0"/>
@@ -12623,8 +18882,8 @@
         </p:nvSpPr>
         <p:spPr>
           <a:xfrm rot="0">
-            <a:off x="6805930" y="4065905"/>
-            <a:ext cx="4139565" cy="2031365"/>
+            <a:off x="6805930" y="4134485"/>
+            <a:ext cx="4140200" cy="2031365"/>
           </a:xfrm>
           <a:prstGeom prst="rect"/>
           <a:noFill/>
@@ -12651,17 +18910,7 @@
                 <a:latin typeface="맑은 고딕" charset="0"/>
                 <a:ea typeface="맑은 고딕" charset="0"/>
               </a:rPr>
-              <a:t>2</a:t>
-            </a:r>
-            <a:r>
-              <a:rPr lang="ko-KR" sz="1800" b="1">
-                <a:solidFill>
-                  <a:srgbClr val="0611F2"/>
-                </a:solidFill>
-                <a:latin typeface="맑은 고딕" charset="0"/>
-                <a:ea typeface="맑은 고딕" charset="0"/>
-              </a:rPr>
-              <a:t>2</a:t>
+              <a:t>22</a:t>
             </a:r>
             <a:r>
               <a:rPr sz="1800" b="1">
@@ -12685,21 +18934,7 @@
                 <a:latin typeface="맑은 고딕" charset="0"/>
                 <a:ea typeface="맑은 고딕" charset="0"/>
               </a:rPr>
-              <a:t>그다음 Chaating(string) </a:t>
-            </a:r>
-            <a:r>
-              <a:rPr lang="ko-KR" sz="1800">
-                <a:latin typeface="맑은 고딕" charset="0"/>
-                <a:ea typeface="맑은 고딕" charset="0"/>
-              </a:rPr>
-              <a:t>함수를</a:t>
-            </a:r>
-            <a:r>
-              <a:rPr lang="ko-KR" sz="1800">
-                <a:latin typeface="맑은 고딕" charset="0"/>
-                <a:ea typeface="맑은 고딕" charset="0"/>
-              </a:rPr>
-              <a:t> </a:t>
+              <a:t>그다음 Chaating(string) 함수를 </a:t>
             </a:r>
             <a:r>
               <a:rPr lang="ko-KR" sz="1800">
@@ -12713,28 +18948,14 @@
                 <a:latin typeface="맑은 고딕" charset="0"/>
                 <a:ea typeface="맑은 고딕" charset="0"/>
               </a:rPr>
-              <a:t> </a:t>
-            </a:r>
-            <a:r>
-              <a:rPr lang="ko-KR" sz="1800">
-                <a:latin typeface="맑은 고딕" charset="0"/>
-                <a:ea typeface="맑은 고딕" charset="0"/>
-              </a:rPr>
-              <a:t>String 객체를 동적으로 </a:t>
-            </a:r>
-            <a:r>
-              <a:rPr lang="ko-KR" sz="1800">
-                <a:latin typeface="맑은 고딕" charset="0"/>
-                <a:ea typeface="맑은 고딕" charset="0"/>
-              </a:rPr>
-              <a:t>생성합니</a:t>
-            </a:r>
-            <a:r>
-              <a:rPr lang="ko-KR" sz="1800">
-                <a:latin typeface="맑은 고딕" charset="0"/>
-                <a:ea typeface="맑은 고딕" charset="0"/>
-              </a:rPr>
-              <a:t>다.</a:t>
+              <a:t> String 객체를 동적으로 </a:t>
+            </a:r>
+            <a:r>
+              <a:rPr lang="ko-KR" sz="1800">
+                <a:latin typeface="맑은 고딕" charset="0"/>
+                <a:ea typeface="맑은 고딕" charset="0"/>
+              </a:rPr>
+              <a:t>생성합니다.</a:t>
             </a:r>
             <a:endParaRPr lang="ko-KR" altLang="en-US" sz="1800">
               <a:latin typeface="맑은 고딕" charset="0"/>
@@ -12768,21 +18989,7 @@
                 <a:latin typeface="맑은 고딕" charset="0"/>
                 <a:ea typeface="맑은 고딕" charset="0"/>
               </a:rPr>
-              <a:t> </a:t>
-            </a:r>
-            <a:r>
-              <a:rPr lang="ko-KR" sz="1800">
-                <a:latin typeface="맑은 고딕" charset="0"/>
-                <a:ea typeface="맑은 고딕" charset="0"/>
-              </a:rPr>
-              <a:t>나서 String 객체의</a:t>
-            </a:r>
-            <a:r>
-              <a:rPr lang="ko-KR" sz="1800">
-                <a:latin typeface="맑은 고딕" charset="0"/>
-                <a:ea typeface="맑은 고딕" charset="0"/>
-              </a:rPr>
-              <a:t> 위치를 </a:t>
+              <a:t> 나서 String 객체의 위치를 </a:t>
             </a:r>
             <a:r>
               <a:rPr lang="ko-KR" sz="1800">
@@ -12796,35 +19003,7 @@
                 <a:latin typeface="맑은 고딕" charset="0"/>
                 <a:ea typeface="맑은 고딕" charset="0"/>
               </a:rPr>
-              <a:t> </a:t>
-            </a:r>
-            <a:r>
-              <a:rPr lang="ko-KR" sz="1800">
-                <a:latin typeface="맑은 고딕" charset="0"/>
-                <a:ea typeface="맑은 고딕" charset="0"/>
-              </a:rPr>
-              <a:t>오브젝트의</a:t>
-            </a:r>
-            <a:r>
-              <a:rPr lang="ko-KR" sz="1800">
-                <a:latin typeface="맑은 고딕" charset="0"/>
-                <a:ea typeface="맑은 고딕" charset="0"/>
-              </a:rPr>
-              <a:t> </a:t>
-            </a:r>
-            <a:r>
-              <a:rPr lang="ko-KR" sz="1800">
-                <a:latin typeface="맑은 고딕" charset="0"/>
-                <a:ea typeface="맑은 고딕" charset="0"/>
-              </a:rPr>
-              <a:t>하위</a:t>
-            </a:r>
-            <a:r>
-              <a:rPr lang="ko-KR" sz="1800">
-                <a:latin typeface="맑은 고딕" charset="0"/>
-                <a:ea typeface="맑은 고딕" charset="0"/>
-              </a:rPr>
-              <a:t> 오브젝트로 </a:t>
+              <a:t> 오브젝트의 하위 오브젝트로 </a:t>
             </a:r>
             <a:r>
               <a:rPr lang="ko-KR" sz="1800">
@@ -12838,35 +19017,7 @@
                 <a:latin typeface="맑은 고딕" charset="0"/>
                 <a:ea typeface="맑은 고딕" charset="0"/>
               </a:rPr>
-              <a:t> </a:t>
-            </a:r>
-            <a:r>
-              <a:rPr lang="ko-KR" sz="1800">
-                <a:latin typeface="맑은 고딕" charset="0"/>
-                <a:ea typeface="맑은 고딕" charset="0"/>
-              </a:rPr>
-              <a:t>PunRPC</a:t>
-            </a:r>
-            <a:r>
-              <a:rPr lang="ko-KR" sz="1800">
-                <a:latin typeface="맑은 고딕" charset="0"/>
-                <a:ea typeface="맑은 고딕" charset="0"/>
-              </a:rPr>
-              <a:t> </a:t>
-            </a:r>
-            <a:r>
-              <a:rPr lang="ko-KR" sz="1800">
-                <a:latin typeface="맑은 고딕" charset="0"/>
-                <a:ea typeface="맑은 고딕" charset="0"/>
-              </a:rPr>
-              <a:t>함수로</a:t>
-            </a:r>
-            <a:r>
-              <a:rPr lang="ko-KR" sz="1800">
-                <a:latin typeface="맑은 고딕" charset="0"/>
-                <a:ea typeface="맑은 고딕" charset="0"/>
-              </a:rPr>
-              <a:t> 설정합니다.</a:t>
+              <a:t> PunRPC 함수로 설정합니다.</a:t>
             </a:r>
             <a:endParaRPr lang="ko-KR" altLang="en-US" sz="1800">
               <a:latin typeface="맑은 고딕" charset="0"/>
@@ -12885,8 +19036,8 @@
         </p:nvSpPr>
         <p:spPr>
           <a:xfrm rot="0">
-            <a:off x="1233170" y="3788410"/>
-            <a:ext cx="4127500" cy="2308225"/>
+            <a:off x="1233170" y="3856990"/>
+            <a:ext cx="4128135" cy="2308860"/>
           </a:xfrm>
           <a:prstGeom prst="rect"/>
           <a:noFill/>
@@ -12913,17 +19064,7 @@
                 <a:latin typeface="맑은 고딕" charset="0"/>
                 <a:ea typeface="맑은 고딕" charset="0"/>
               </a:rPr>
-              <a:t>2</a:t>
-            </a:r>
-            <a:r>
-              <a:rPr lang="ko-KR" sz="1800" b="1">
-                <a:solidFill>
-                  <a:srgbClr val="0611F2"/>
-                </a:solidFill>
-                <a:latin typeface="맑은 고딕" charset="0"/>
-                <a:ea typeface="맑은 고딕" charset="0"/>
-              </a:rPr>
-              <a:t>1</a:t>
+              <a:t>21</a:t>
             </a:r>
             <a:r>
               <a:rPr sz="1800" b="1">
@@ -12961,21 +19102,7 @@
                 <a:latin typeface="맑은 고딕" charset="0"/>
                 <a:ea typeface="맑은 고딕" charset="0"/>
               </a:rPr>
-              <a:t> </a:t>
-            </a:r>
-            <a:r>
-              <a:rPr lang="ko-KR" sz="1800">
-                <a:latin typeface="맑은 고딕" charset="0"/>
-                <a:ea typeface="맑은 고딕" charset="0"/>
-              </a:rPr>
-              <a:t>입력한</a:t>
-            </a:r>
-            <a:r>
-              <a:rPr lang="ko-KR" sz="1800">
-                <a:latin typeface="맑은 고딕" charset="0"/>
-                <a:ea typeface="맑은 고딕" charset="0"/>
-              </a:rPr>
-              <a:t> 값을 string </a:t>
+              <a:t> 입력한 값을 string </a:t>
             </a:r>
             <a:r>
               <a:rPr lang="ko-KR" sz="1800">
@@ -12989,14 +19116,7 @@
                 <a:latin typeface="맑은 고딕" charset="0"/>
                 <a:ea typeface="맑은 고딕" charset="0"/>
               </a:rPr>
-              <a:t> </a:t>
-            </a:r>
-            <a:r>
-              <a:rPr lang="ko-KR" sz="1800">
-                <a:latin typeface="맑은 고딕" charset="0"/>
-                <a:ea typeface="맑은 고딕" charset="0"/>
-              </a:rPr>
-              <a:t>저장합니다.</a:t>
+              <a:t> 저장합니다.</a:t>
             </a:r>
             <a:endParaRPr lang="ko-KR" altLang="en-US" sz="1800">
               <a:latin typeface="맑은 고딕" charset="0"/>
@@ -13044,21 +19164,7 @@
                 <a:latin typeface="맑은 고딕" charset="0"/>
                 <a:ea typeface="맑은 고딕" charset="0"/>
               </a:rPr>
-              <a:t> </a:t>
-            </a:r>
-            <a:r>
-              <a:rPr lang="ko-KR" sz="1800">
-                <a:latin typeface="맑은 고딕" charset="0"/>
-                <a:ea typeface="맑은 고딕" charset="0"/>
-              </a:rPr>
-              <a:t>누르는</a:t>
-            </a:r>
-            <a:r>
-              <a:rPr lang="ko-KR" sz="1800">
-                <a:latin typeface="맑은 고딕" charset="0"/>
-                <a:ea typeface="맑은 고딕" charset="0"/>
-              </a:rPr>
-              <a:t> 순간 RPC 함수를 모든 </a:t>
+              <a:t> 누르는 순간 RPC 함수를 모든 </a:t>
             </a:r>
             <a:r>
               <a:rPr lang="ko-KR" sz="1800">
@@ -13155,17 +19261,17 @@
       </p:sp>
       <p:pic>
         <p:nvPicPr>
-          <p:cNvPr id="40" name="그림 106" descr="C:/Users/Admin1/AppData/Roaming/PolarisOffice/ETemp/8880_13812856/fImage640573885447.png"/>
+          <p:cNvPr id="40" name="그림 106" descr="C:/Users/Admin1/AppData/Roaming/PolarisOffice/ETemp/29360_23257720/fImage640573885447.png"/>
           <p:cNvPicPr>
             <a:picLocks noChangeAspect="1"/>
           </p:cNvPicPr>
           <p:nvPr/>
         </p:nvPicPr>
         <p:blipFill rotWithShape="1">
-          <a:blip r:embed="rId11" cstate="print">
+          <a:blip r:embed="rId11" cstate="hqprint">
             <a:extLst>
               <a:ext uri="{28A0092B-C50C-407E-A947-70E740481C1C}">
-                <a14:useLocalDpi xmlns:a14="http://schemas.microsoft.com/office/drawing/2010/main" val="0"/>
+                <a14:useLocalDpi xmlns:a14="http://schemas.microsoft.com/office/drawing/2010/main"/>
               </a:ext>
             </a:extLst>
           </a:blip>
@@ -13176,7 +19282,7 @@
         <p:spPr>
           <a:xfrm rot="0">
             <a:off x="1238250" y="1394460"/>
-            <a:ext cx="4130675" cy="2208530"/>
+            <a:ext cx="4131310" cy="2223770"/>
           </a:xfrm>
           <a:prstGeom prst="roundRect"/>
           <a:solidFill>
@@ -13186,17 +19292,17 @@
       </p:pic>
       <p:pic>
         <p:nvPicPr>
-          <p:cNvPr id="41" name="그림 111" descr="C:/Users/Admin1/AppData/Roaming/PolarisOffice/ETemp/8880_13812856/fImage1100633891726.png"/>
+          <p:cNvPr id="41" name="그림 111" descr="C:/Users/Admin1/AppData/Roaming/PolarisOffice/ETemp/29360_23257720/fImage1100633891726.png"/>
           <p:cNvPicPr>
             <a:picLocks noChangeAspect="1"/>
           </p:cNvPicPr>
           <p:nvPr/>
         </p:nvPicPr>
         <p:blipFill rotWithShape="1">
-          <a:blip r:embed="rId12" cstate="print">
+          <a:blip r:embed="rId12" cstate="hqprint">
             <a:extLst>
               <a:ext uri="{28A0092B-C50C-407E-A947-70E740481C1C}">
-                <a14:useLocalDpi xmlns:a14="http://schemas.microsoft.com/office/drawing/2010/main" val="0"/>
+                <a14:useLocalDpi xmlns:a14="http://schemas.microsoft.com/office/drawing/2010/main"/>
               </a:ext>
             </a:extLst>
           </a:blip>
@@ -13207,7 +19313,7 @@
         <p:spPr>
           <a:xfrm rot="0">
             <a:off x="6814185" y="1394460"/>
-            <a:ext cx="4140200" cy="2468245"/>
+            <a:ext cx="4140835" cy="2542540"/>
           </a:xfrm>
           <a:prstGeom prst="roundRect"/>
           <a:solidFill>

--- a/Assets/Class/Photon Server/PPT Data/Photon RPC.pptx
+++ b/Assets/Class/Photon Server/PPT Data/Photon RPC.pptx
@@ -2,7 +2,7 @@
 <file path=ppt/presentation.xml><?xml version="1.0" encoding="utf-8"?>
 <p:presentation xmlns:a="http://schemas.openxmlformats.org/drawingml/2006/main" xmlns:r="http://schemas.openxmlformats.org/officeDocument/2006/relationships" xmlns:p="http://schemas.openxmlformats.org/presentationml/2006/main" xmlns:p14="http://schemas.microsoft.com/office/powerpoint/2010/main" saveSubsetFonts="1" firstSlideNum="0">
   <p:sldMasterIdLst>
-    <p:sldMasterId id="2147486933" r:id="rId12"/>
+    <p:sldMasterId id="2147486938" r:id="rId12"/>
   </p:sldMasterIdLst>
   <p:notesMasterIdLst>
     <p:notesMasterId r:id="rId14"/>
@@ -13,18 +13,17 @@
     <p:sldId id="323" r:id="rId20"/>
     <p:sldId id="303" r:id="rId22"/>
     <p:sldId id="325" r:id="rId24"/>
-    <p:sldId id="317" r:id="rId26"/>
-    <p:sldId id="320" r:id="rId28"/>
-    <p:sldId id="318" r:id="rId30"/>
-    <p:sldId id="314" r:id="rId32"/>
+    <p:sldId id="317" r:id="rId25"/>
+    <p:sldId id="320" r:id="rId27"/>
+    <p:sldId id="318" r:id="rId29"/>
+    <p:sldId id="314" r:id="rId31"/>
     <p:sldId id="319" r:id="rId33"/>
-    <p:sldId id="326" r:id="rId34"/>
-    <p:sldId id="327" r:id="rId35"/>
-    <p:sldId id="328" r:id="rId36"/>
-    <p:sldId id="329" r:id="rId37"/>
-    <p:sldId id="330" r:id="rId38"/>
-    <p:sldId id="331" r:id="rId39"/>
-    <p:sldId id="332" r:id="rId40"/>
+    <p:sldId id="326" r:id="rId35"/>
+    <p:sldId id="327" r:id="rId37"/>
+    <p:sldId id="328" r:id="rId39"/>
+    <p:sldId id="329" r:id="rId41"/>
+    <p:sldId id="330" r:id="rId43"/>
+    <p:sldId id="331" r:id="rId45"/>
   </p:sldIdLst>
   <p:sldSz cx="12192000" cy="6858000"/>
   <p:notesSz cx="6858000" cy="9144000"/>
@@ -1619,148 +1618,6 @@
 </p:notes>
 </file>
 
-<file path=ppt/notesSlides/notesSlide17.xml><?xml version="1.0" encoding="utf-8"?>
-<p:notes xmlns:a="http://schemas.openxmlformats.org/drawingml/2006/main" xmlns:r="http://schemas.openxmlformats.org/officeDocument/2006/relationships" xmlns:p="http://schemas.openxmlformats.org/presentationml/2006/main">
-  <p:cSld>
-    <p:spTree>
-      <p:nvGrpSpPr>
-        <p:cNvPr id="1" name=""/>
-        <p:cNvGrpSpPr/>
-        <p:nvPr/>
-      </p:nvGrpSpPr>
-      <p:grpSpPr>
-        <a:xfrm>
-          <a:off x="0" y="0"/>
-          <a:ext cx="0" cy="0"/>
-          <a:chOff x="0" y="0"/>
-          <a:chExt cx="0" cy="0"/>
-        </a:xfrm>
-      </p:grpSpPr>
-      <p:sp>
-        <p:nvSpPr>
-          <p:cNvPr id="2" name="슬라이드 이미지 개체 틀 3"/>
-          <p:cNvSpPr>
-            <a:spLocks noChangeAspect="1"/>
-          </p:cNvSpPr>
-          <p:nvPr>
-            <p:ph type="sldImg" idx="2"/>
-          </p:nvPr>
-        </p:nvSpPr>
-        <p:spPr>
-          <a:xfrm rot="0">
-            <a:off x="685800" y="1143000"/>
-            <a:ext cx="5494020" cy="3093720"/>
-          </a:xfrm>
-          <a:prstGeom prst="rect"/>
-          <a:noFill/>
-          <a:ln w="12700" cap="flat" cmpd="sng">
-            <a:solidFill>
-              <a:srgbClr val="000000">
-                <a:alpha val="100000"/>
-              </a:srgbClr>
-            </a:solidFill>
-            <a:prstDash val="solid"/>
-          </a:ln>
-        </p:spPr>
-        <p:txBody>
-          <a:bodyPr wrap="square" lIns="91440" tIns="45720" rIns="91440" bIns="45720" numCol="1" vert="horz" anchor="ctr">
-            <a:noAutofit/>
-          </a:bodyPr>
-          <a:lstStyle/>
-          <a:p>
-            <a:pPr marL="0" indent="0" latinLnBrk="0">
-              <a:buFontTx/>
-              <a:buNone/>
-            </a:pPr>
-          </a:p>
-        </p:txBody>
-      </p:sp>
-      <p:sp>
-        <p:nvSpPr>
-          <p:cNvPr id="3" name="슬라이드 노트 개체 틀 4"/>
-          <p:cNvSpPr txBox="1">
-            <a:spLocks/>
-          </p:cNvSpPr>
-          <p:nvPr>
-            <p:ph type="body" idx="3"/>
-          </p:nvPr>
-        </p:nvSpPr>
-        <p:spPr>
-          <a:xfrm rot="0">
-            <a:off x="685800" y="4400550"/>
-            <a:ext cx="5494020" cy="3608070"/>
-          </a:xfrm>
-          <a:prstGeom prst="rect"/>
-        </p:spPr>
-        <p:txBody>
-          <a:bodyPr wrap="square" lIns="91440" tIns="45720" rIns="91440" bIns="45720" numCol="1" vert="horz" anchor="t">
-            <a:noAutofit/>
-          </a:bodyPr>
-          <a:lstStyle/>
-          <a:p>
-            <a:pPr marL="0" indent="0" latinLnBrk="0">
-              <a:buFontTx/>
-              <a:buNone/>
-            </a:pPr>
-          </a:p>
-        </p:txBody>
-      </p:sp>
-      <p:sp>
-        <p:nvSpPr>
-          <p:cNvPr id="4" name="슬라이드 번호 개체 틀 6"/>
-          <p:cNvSpPr txBox="1">
-            <a:spLocks/>
-          </p:cNvSpPr>
-          <p:nvPr>
-            <p:ph type="sldNum" idx="5"/>
-          </p:nvPr>
-        </p:nvSpPr>
-        <p:spPr>
-          <a:xfrm rot="0">
-            <a:off x="3884930" y="8685530"/>
-            <a:ext cx="2979420" cy="466090"/>
-          </a:xfrm>
-          <a:prstGeom prst="rect"/>
-        </p:spPr>
-        <p:txBody>
-          <a:bodyPr wrap="square" lIns="91440" tIns="45720" rIns="91440" bIns="45720" numCol="1" vert="horz" anchor="b">
-            <a:noAutofit/>
-          </a:bodyPr>
-          <a:lstStyle>
-            <a:lvl1pPr marL="0" indent="0" algn="r" latinLnBrk="0">
-              <a:buFontTx/>
-              <a:buNone/>
-              <a:defRPr lang="en-GB" altLang="en-US" sz="1200"/>
-            </a:lvl1pPr>
-          </a:lstStyle>
-          <a:p>
-            <a:pPr marL="0" indent="0" latinLnBrk="0">
-              <a:buFontTx/>
-              <a:buNone/>
-            </a:pPr>
-            <a:fld id="{B9320F77-B9A0-41C5-862A-B4B631284C64}" type="slidenum">
-              <a:rPr lang="ko-KR" altLang="en-US"/>
-              <a:t>‹#›</a:t>
-            </a:fld>
-          </a:p>
-        </p:txBody>
-      </p:sp>
-    </p:spTree>
-  </p:cSld>
-  <p:clrMapOvr>
-    <a:masterClrMapping/>
-  </p:clrMapOvr>
-  <mc:AlternateContent xmlns:mc="http://schemas.openxmlformats.org/markup-compatibility/2006">
-    <mc:Choice xmlns:p14="http://schemas.microsoft.com/office/powerpoint/2010/main" Requires="p14">
-      <p:transition spd="slow" p14:dur="0"/>
-    </mc:Choice>
-    <mc:Fallback>
-      <p:transition spd="slow"/>
-    </mc:Fallback>
-  </mc:AlternateContent>
-</p:notes>
-</file>
-
 <file path=ppt/notesSlides/notesSlide2.xml><?xml version="1.0" encoding="utf-8"?>
 <p:notes xmlns:a="http://schemas.openxmlformats.org/drawingml/2006/main" xmlns:r="http://schemas.openxmlformats.org/officeDocument/2006/relationships" xmlns:p="http://schemas.openxmlformats.org/presentationml/2006/main">
   <p:cSld>
@@ -12625,7 +12482,7 @@
 </file>
 
 <file path=ppt/slides/slide16.xml><?xml version="1.0" encoding="utf-8"?>
-<p:sld xmlns:a="http://schemas.openxmlformats.org/drawingml/2006/main" xmlns:r="http://schemas.openxmlformats.org/officeDocument/2006/relationships" xmlns:p="http://schemas.openxmlformats.org/presentationml/2006/main">
+<p:sld xmlns:a="http://schemas.openxmlformats.org/drawingml/2006/main" xmlns:r="http://schemas.openxmlformats.org/officeDocument/2006/relationships" xmlns:p="http://schemas.openxmlformats.org/presentationml/2006/main" xmlns:p14="http://schemas.microsoft.com/office/powerpoint/2010/main">
   <p:cSld>
     <p:spTree>
       <p:nvGrpSpPr>
@@ -12736,1182 +12593,9 @@
           </a:p>
         </p:txBody>
       </p:sp>
-      <p:sp>
-        <p:nvSpPr>
-          <p:cNvPr id="36" name="Rect 0"/>
-          <p:cNvSpPr txBox="1">
-            <a:spLocks/>
-          </p:cNvSpPr>
-          <p:nvPr/>
-        </p:nvSpPr>
-        <p:spPr>
-          <a:xfrm rot="0">
-            <a:off x="1231900" y="3781425"/>
-            <a:ext cx="4135120" cy="2338705"/>
-          </a:xfrm>
-          <a:prstGeom prst="rect"/>
-          <a:noFill/>
-          <a:ln w="0">
-            <a:noFill/>
-            <a:prstDash/>
-          </a:ln>
-        </p:spPr>
-        <p:txBody>
-          <a:bodyPr wrap="square" lIns="89535" tIns="46355" rIns="89535" bIns="46355" numCol="1" vert="horz" anchor="t">
-            <a:spAutoFit/>
-          </a:bodyPr>
-          <a:lstStyle/>
-          <a:p>
-            <a:pPr marL="0" indent="0" rtl="0" algn="l" defTabSz="914400" eaLnBrk="1" latinLnBrk="0" hangingPunct="1">
-              <a:buFontTx/>
-              <a:buNone/>
-            </a:pPr>
-            <a:r>
-              <a:rPr sz="2000" b="1">
-                <a:solidFill>
-                  <a:srgbClr val="0611F2"/>
-                </a:solidFill>
-                <a:latin typeface="맑은 고딕" charset="0"/>
-                <a:ea typeface="맑은 고딕" charset="0"/>
-              </a:rPr>
-              <a:t>3</a:t>
-            </a:r>
-            <a:r>
-              <a:rPr lang="ko-KR" sz="2000" b="1">
-                <a:solidFill>
-                  <a:srgbClr val="0611F2"/>
-                </a:solidFill>
-                <a:latin typeface="맑은 고딕" charset="0"/>
-                <a:ea typeface="맑은 고딕" charset="0"/>
-              </a:rPr>
-              <a:t>6</a:t>
-            </a:r>
-            <a:r>
-              <a:rPr sz="2000" b="1">
-                <a:solidFill>
-                  <a:srgbClr val="0611F2"/>
-                </a:solidFill>
-                <a:latin typeface="맑은 고딕" charset="0"/>
-                <a:ea typeface="맑은 고딕" charset="0"/>
-              </a:rPr>
-              <a:t>.</a:t>
-            </a:r>
-            <a:r>
-              <a:rPr sz="2000">
-                <a:solidFill>
-                  <a:srgbClr val="0611F2"/>
-                </a:solidFill>
-                <a:latin typeface="맑은 고딕" charset="0"/>
-                <a:ea typeface="맑은 고딕" charset="0"/>
-              </a:rPr>
-              <a:t> </a:t>
-            </a:r>
-            <a:r>
-              <a:rPr sz="1800">
-                <a:latin typeface="맑은 고딕" charset="0"/>
-                <a:ea typeface="맑은 고딕" charset="0"/>
-              </a:rPr>
-              <a:t>그러고 나서 </a:t>
-            </a:r>
-            <a:r>
-              <a:rPr sz="1800">
-                <a:latin typeface="맑은 고딕" charset="0"/>
-                <a:ea typeface="맑은 고딕" charset="0"/>
-              </a:rPr>
-              <a:t>OnPhotonSerializeView(</a:t>
-            </a:r>
-            <a:r>
-              <a:rPr sz="1800">
-                <a:latin typeface="맑은 고딕" charset="0"/>
-                <a:ea typeface="맑은 고딕" charset="0"/>
-              </a:rPr>
-              <a:t>PhotonStream,</a:t>
-            </a:r>
-            <a:r>
-              <a:rPr sz="1800">
-                <a:latin typeface="맑은 고딕" charset="0"/>
-                <a:ea typeface="맑은 고딕" charset="0"/>
-              </a:rPr>
-              <a:t> </a:t>
-            </a:r>
-            <a:r>
-              <a:rPr sz="1800">
-                <a:latin typeface="맑은 고딕" charset="0"/>
-                <a:ea typeface="맑은 고딕" charset="0"/>
-              </a:rPr>
-              <a:t>PhotonMessageInfo</a:t>
-            </a:r>
-            <a:r>
-              <a:rPr sz="1800">
-                <a:latin typeface="맑은 고딕" charset="0"/>
-                <a:ea typeface="맑은 고딕" charset="0"/>
-              </a:rPr>
-              <a:t>)</a:t>
-            </a:r>
-            <a:r>
-              <a:rPr sz="1800">
-                <a:latin typeface="맑은 고딕" charset="0"/>
-                <a:ea typeface="맑은 고딕" charset="0"/>
-              </a:rPr>
-              <a:t> </a:t>
-            </a:r>
-            <a:r>
-              <a:rPr sz="1800">
-                <a:latin typeface="맑은 고딕" charset="0"/>
-                <a:ea typeface="맑은 고딕" charset="0"/>
-              </a:rPr>
-              <a:t>함수를 </a:t>
-            </a:r>
-            <a:r>
-              <a:rPr sz="1800">
-                <a:latin typeface="맑은 고딕" charset="0"/>
-                <a:ea typeface="맑은 고딕" charset="0"/>
-              </a:rPr>
-              <a:t>선언합니</a:t>
-            </a:r>
-            <a:r>
-              <a:rPr lang="ko-KR" sz="1800">
-                <a:latin typeface="맑은 고딕" charset="0"/>
-                <a:ea typeface="맑은 고딕" charset="0"/>
-              </a:rPr>
-              <a:t>다.</a:t>
-            </a:r>
-            <a:endParaRPr lang="ko-KR" altLang="en-US" sz="1800">
-              <a:latin typeface="맑은 고딕" charset="0"/>
-              <a:ea typeface="맑은 고딕" charset="0"/>
-            </a:endParaRPr>
-          </a:p>
-          <a:p>
-            <a:pPr marL="0" indent="0" rtl="0" algn="l" defTabSz="914400" eaLnBrk="1" latinLnBrk="0" hangingPunct="1">
-              <a:buFontTx/>
-              <a:buNone/>
-            </a:pPr>
-            <a:endParaRPr lang="ko-KR" altLang="en-US" sz="1800">
-              <a:latin typeface="맑은 고딕" charset="0"/>
-              <a:ea typeface="맑은 고딕" charset="0"/>
-            </a:endParaRPr>
-          </a:p>
-          <a:p>
-            <a:pPr marL="0" indent="0" rtl="0" algn="l" defTabSz="914400" eaLnBrk="1" latinLnBrk="0" hangingPunct="1">
-              <a:buFontTx/>
-              <a:buNone/>
-            </a:pPr>
-            <a:r>
-              <a:rPr lang="ko-KR" sz="1800">
-                <a:latin typeface="맑은 고딕" charset="0"/>
-                <a:ea typeface="맑은 고딕" charset="0"/>
-              </a:rPr>
-              <a:t>이제</a:t>
-            </a:r>
-            <a:r>
-              <a:rPr lang="ko-KR" sz="1800">
-                <a:latin typeface="맑은 고딕" charset="0"/>
-                <a:ea typeface="맑은 고딕" charset="0"/>
-              </a:rPr>
-              <a:t> </a:t>
-            </a:r>
-            <a:r>
-              <a:rPr lang="ko-KR" sz="1800">
-                <a:latin typeface="맑은 고딕" charset="0"/>
-                <a:ea typeface="맑은 고딕" charset="0"/>
-              </a:rPr>
-              <a:t>로컬 오브젝트의 데이터를 </a:t>
-            </a:r>
-            <a:r>
-              <a:rPr lang="ko-KR" sz="1800">
-                <a:latin typeface="맑은 고딕" charset="0"/>
-                <a:ea typeface="맑은 고딕" charset="0"/>
-              </a:rPr>
-              <a:t>원격 </a:t>
-            </a:r>
-            <a:r>
-              <a:rPr lang="ko-KR" sz="1800">
-                <a:latin typeface="맑은 고딕" charset="0"/>
-                <a:ea typeface="맑은 고딕" charset="0"/>
-              </a:rPr>
-              <a:t>오브젝트에게</a:t>
-            </a:r>
-            <a:r>
-              <a:rPr lang="ko-KR" sz="1800">
-                <a:latin typeface="맑은 고딕" charset="0"/>
-                <a:ea typeface="맑은 고딕" charset="0"/>
-              </a:rPr>
-              <a:t> 보내고 원격 오브젝트</a:t>
-            </a:r>
-            <a:r>
-              <a:rPr lang="ko-KR" sz="1800">
-                <a:latin typeface="맑은 고딕" charset="0"/>
-                <a:ea typeface="맑은 고딕" charset="0"/>
-              </a:rPr>
-              <a:t>는 </a:t>
-            </a:r>
-            <a:r>
-              <a:rPr lang="ko-KR" sz="1800">
-                <a:latin typeface="맑은 고딕" charset="0"/>
-                <a:ea typeface="맑은 고딕" charset="0"/>
-              </a:rPr>
-              <a:t>데이터를</a:t>
-            </a:r>
-            <a:r>
-              <a:rPr lang="ko-KR" sz="1800">
-                <a:latin typeface="맑은 고딕" charset="0"/>
-                <a:ea typeface="맑은 고딕" charset="0"/>
-              </a:rPr>
-              <a:t> 받을 수 있도록 설정합니</a:t>
-            </a:r>
-            <a:r>
-              <a:rPr lang="ko-KR" sz="1800">
-                <a:latin typeface="맑은 고딕" charset="0"/>
-                <a:ea typeface="맑은 고딕" charset="0"/>
-              </a:rPr>
-              <a:t>다.</a:t>
-            </a:r>
-            <a:endParaRPr lang="ko-KR" altLang="en-US" sz="1800">
-              <a:latin typeface="맑은 고딕" charset="0"/>
-              <a:ea typeface="맑은 고딕" charset="0"/>
-            </a:endParaRPr>
-          </a:p>
-        </p:txBody>
-      </p:sp>
-      <p:sp>
-        <p:nvSpPr>
-          <p:cNvPr id="66" name="Rect 0"/>
-          <p:cNvSpPr txBox="1">
-            <a:spLocks/>
-          </p:cNvSpPr>
-          <p:nvPr/>
-        </p:nvSpPr>
-        <p:spPr>
-          <a:xfrm rot="0">
-            <a:off x="6813550" y="3500120"/>
-            <a:ext cx="4126865" cy="2615565"/>
-          </a:xfrm>
-          <a:prstGeom prst="rect"/>
-          <a:noFill/>
-          <a:ln w="0">
-            <a:noFill/>
-            <a:prstDash/>
-          </a:ln>
-        </p:spPr>
-        <p:txBody>
-          <a:bodyPr wrap="square" lIns="89535" tIns="46355" rIns="89535" bIns="46355" numCol="1" vert="horz" anchor="t">
-            <a:spAutoFit/>
-          </a:bodyPr>
-          <a:lstStyle/>
-          <a:p>
-            <a:pPr marL="0" indent="0" rtl="0" algn="l" defTabSz="914400" eaLnBrk="1" latinLnBrk="0" hangingPunct="1">
-              <a:buFontTx/>
-              <a:buNone/>
-            </a:pPr>
-            <a:r>
-              <a:rPr sz="2000" b="1">
-                <a:solidFill>
-                  <a:srgbClr val="0611F2"/>
-                </a:solidFill>
-                <a:latin typeface="맑은 고딕" charset="0"/>
-                <a:ea typeface="맑은 고딕" charset="0"/>
-              </a:rPr>
-              <a:t>3</a:t>
-            </a:r>
-            <a:r>
-              <a:rPr lang="ko-KR" sz="2000" b="1">
-                <a:solidFill>
-                  <a:srgbClr val="0611F2"/>
-                </a:solidFill>
-                <a:latin typeface="맑은 고딕" charset="0"/>
-                <a:ea typeface="맑은 고딕" charset="0"/>
-              </a:rPr>
-              <a:t>7</a:t>
-            </a:r>
-            <a:r>
-              <a:rPr sz="2000" b="1">
-                <a:solidFill>
-                  <a:srgbClr val="0611F2"/>
-                </a:solidFill>
-                <a:latin typeface="맑은 고딕" charset="0"/>
-                <a:ea typeface="맑은 고딕" charset="0"/>
-              </a:rPr>
-              <a:t>.</a:t>
-            </a:r>
-            <a:r>
-              <a:rPr sz="2000">
-                <a:solidFill>
-                  <a:srgbClr val="0611F2"/>
-                </a:solidFill>
-                <a:latin typeface="맑은 고딕" charset="0"/>
-                <a:ea typeface="맑은 고딕" charset="0"/>
-              </a:rPr>
-              <a:t> </a:t>
-            </a:r>
-            <a:r>
-              <a:rPr sz="1800">
-                <a:latin typeface="맑은 고딕" charset="0"/>
-                <a:ea typeface="맑은 고딕" charset="0"/>
-              </a:rPr>
-              <a:t>그리고 OnTriggerEnter(Collider) </a:t>
-            </a:r>
-            <a:r>
-              <a:rPr sz="1800">
-                <a:latin typeface="맑은 고딕" charset="0"/>
-                <a:ea typeface="맑은 고딕" charset="0"/>
-              </a:rPr>
-              <a:t>함수에</a:t>
-            </a:r>
-            <a:r>
-              <a:rPr lang="ko-KR" sz="1800">
-                <a:latin typeface="맑은 고딕" charset="0"/>
-                <a:ea typeface="맑은 고딕" charset="0"/>
-              </a:rPr>
-              <a:t>서</a:t>
-            </a:r>
-            <a:r>
-              <a:rPr lang="ko-KR" sz="1800">
-                <a:latin typeface="맑은 고딕" charset="0"/>
-                <a:ea typeface="맑은 고딕" charset="0"/>
-              </a:rPr>
-              <a:t> </a:t>
-            </a:r>
-            <a:r>
-              <a:rPr lang="ko-KR" sz="1800">
-                <a:latin typeface="맑은 고딕" charset="0"/>
-                <a:ea typeface="맑은 고딕" charset="0"/>
-              </a:rPr>
-              <a:t>충돌한 오브젝트의 태그가 </a:t>
-            </a:r>
-            <a:r>
-              <a:rPr lang="ko-KR" sz="1800">
-                <a:latin typeface="맑은 고딕" charset="0"/>
-                <a:ea typeface="맑은 고딕" charset="0"/>
-              </a:rPr>
-              <a:t>Bee</a:t>
-            </a:r>
-            <a:r>
-              <a:rPr lang="ko-KR" sz="1800">
-                <a:latin typeface="맑은 고딕" charset="0"/>
-                <a:ea typeface="맑은 고딕" charset="0"/>
-              </a:rPr>
-              <a:t> </a:t>
-            </a:r>
-            <a:r>
-              <a:rPr lang="ko-KR" sz="1800">
-                <a:latin typeface="맑은 고딕" charset="0"/>
-                <a:ea typeface="맑은 고딕" charset="0"/>
-              </a:rPr>
-              <a:t>라</a:t>
-            </a:r>
-            <a:r>
-              <a:rPr lang="ko-KR" sz="1800">
-                <a:latin typeface="맑은 고딕" charset="0"/>
-                <a:ea typeface="맑은 고딕" charset="0"/>
-              </a:rPr>
-              <a:t>면 </a:t>
-            </a:r>
-            <a:r>
-              <a:rPr lang="ko-KR" sz="1800">
-                <a:latin typeface="맑은 고딕" charset="0"/>
-                <a:ea typeface="맑은 고딕" charset="0"/>
-              </a:rPr>
-              <a:t>PhotonView 컴포넌트를 </a:t>
-            </a:r>
-            <a:r>
-              <a:rPr lang="ko-KR" sz="1800">
-                <a:latin typeface="맑은 고딕" charset="0"/>
-                <a:ea typeface="맑은 고딕" charset="0"/>
-              </a:rPr>
-              <a:t>가져오도</a:t>
-            </a:r>
-            <a:r>
-              <a:rPr lang="ko-KR" sz="1800">
-                <a:latin typeface="맑은 고딕" charset="0"/>
-                <a:ea typeface="맑은 고딕" charset="0"/>
-              </a:rPr>
-              <a:t>록</a:t>
-            </a:r>
-            <a:r>
-              <a:rPr lang="ko-KR" sz="1800">
-                <a:latin typeface="맑은 고딕" charset="0"/>
-                <a:ea typeface="맑은 고딕" charset="0"/>
-              </a:rPr>
-              <a:t> </a:t>
-            </a:r>
-            <a:r>
-              <a:rPr lang="ko-KR" sz="1800">
-                <a:latin typeface="맑은 고딕" charset="0"/>
-                <a:ea typeface="맑은 고딕" charset="0"/>
-              </a:rPr>
-              <a:t>설정합니다.</a:t>
-            </a:r>
-            <a:endParaRPr lang="ko-KR" altLang="en-US" sz="1800">
-              <a:latin typeface="맑은 고딕" charset="0"/>
-              <a:ea typeface="맑은 고딕" charset="0"/>
-            </a:endParaRPr>
-          </a:p>
-          <a:p>
-            <a:pPr marL="0" indent="0" rtl="0" algn="l" defTabSz="914400" eaLnBrk="1" latinLnBrk="0" hangingPunct="1">
-              <a:buFontTx/>
-              <a:buNone/>
-            </a:pPr>
-            <a:endParaRPr lang="ko-KR" altLang="en-US" sz="1800">
-              <a:latin typeface="맑은 고딕" charset="0"/>
-              <a:ea typeface="맑은 고딕" charset="0"/>
-            </a:endParaRPr>
-          </a:p>
-          <a:p>
-            <a:pPr marL="0" indent="0" rtl="0" algn="l" defTabSz="914400" eaLnBrk="1" latinLnBrk="0" hangingPunct="1">
-              <a:buFontTx/>
-              <a:buNone/>
-            </a:pPr>
-            <a:r>
-              <a:rPr lang="ko-KR" sz="1800">
-                <a:latin typeface="맑은 고딕" charset="0"/>
-                <a:ea typeface="맑은 고딕" charset="0"/>
-              </a:rPr>
-              <a:t>그런</a:t>
-            </a:r>
-            <a:r>
-              <a:rPr lang="ko-KR" sz="1800">
-                <a:latin typeface="맑은 고딕" charset="0"/>
-                <a:ea typeface="맑은 고딕" charset="0"/>
-              </a:rPr>
-              <a:t> </a:t>
-            </a:r>
-            <a:r>
-              <a:rPr lang="ko-KR" sz="1800">
-                <a:latin typeface="맑은 고딕" charset="0"/>
-                <a:ea typeface="맑은 고딕" charset="0"/>
-              </a:rPr>
-              <a:t>다음 CameraShake 클래스의 </a:t>
-            </a:r>
-            <a:r>
-              <a:rPr lang="ko-KR" sz="1800">
-                <a:latin typeface="맑은 고딕" charset="0"/>
-                <a:ea typeface="맑은 고딕" charset="0"/>
-              </a:rPr>
-              <a:t>Shake(</a:t>
-            </a:r>
-            <a:r>
-              <a:rPr lang="ko-KR" sz="1800">
-                <a:latin typeface="맑은 고딕" charset="0"/>
-                <a:ea typeface="맑은 고딕" charset="0"/>
-              </a:rPr>
-              <a:t> </a:t>
-            </a:r>
-            <a:r>
-              <a:rPr lang="ko-KR" sz="1800">
-                <a:latin typeface="맑은 고딕" charset="0"/>
-                <a:ea typeface="맑은 고딕" charset="0"/>
-              </a:rPr>
-              <a:t>) 함수를 호출하고 자신의 </a:t>
-            </a:r>
-            <a:r>
-              <a:rPr lang="ko-KR" sz="1800">
-                <a:latin typeface="맑은 고딕" charset="0"/>
-                <a:ea typeface="맑은 고딕" charset="0"/>
-              </a:rPr>
-              <a:t>클라이언</a:t>
-            </a:r>
-            <a:r>
-              <a:rPr lang="ko-KR" sz="1800">
-                <a:latin typeface="맑은 고딕" charset="0"/>
-                <a:ea typeface="맑은 고딕" charset="0"/>
-              </a:rPr>
-              <a:t>트에서</a:t>
-            </a:r>
-            <a:r>
-              <a:rPr lang="ko-KR" sz="1800">
-                <a:latin typeface="맑은 고딕" charset="0"/>
-                <a:ea typeface="맑은 고딕" charset="0"/>
-              </a:rPr>
-              <a:t> 충돌한 오브젝트를 </a:t>
-            </a:r>
-            <a:r>
-              <a:rPr lang="ko-KR" sz="1800">
-                <a:latin typeface="맑은 고딕" charset="0"/>
-                <a:ea typeface="맑은 고딕" charset="0"/>
-              </a:rPr>
-              <a:t>삭제하도록</a:t>
-            </a:r>
-            <a:r>
-              <a:rPr lang="ko-KR" sz="1800">
-                <a:latin typeface="맑은 고딕" charset="0"/>
-                <a:ea typeface="맑은 고딕" charset="0"/>
-              </a:rPr>
-              <a:t> </a:t>
-            </a:r>
-            <a:r>
-              <a:rPr lang="ko-KR" sz="1800">
-                <a:latin typeface="맑은 고딕" charset="0"/>
-                <a:ea typeface="맑은 고딕" charset="0"/>
-              </a:rPr>
-              <a:t>설정합니다.</a:t>
-            </a:r>
-            <a:endParaRPr lang="ko-KR" altLang="en-US" sz="1800">
-              <a:latin typeface="맑은 고딕" charset="0"/>
-              <a:ea typeface="맑은 고딕" charset="0"/>
-            </a:endParaRPr>
-          </a:p>
-        </p:txBody>
-      </p:sp>
       <p:pic>
         <p:nvPicPr>
-          <p:cNvPr id="67" name="Picture " descr="C:/Users/Admin1/AppData/Roaming/PolarisOffice/ETemp/29360_23257720/fImage841053301942.png"/>
-          <p:cNvPicPr>
-            <a:picLocks noChangeAspect="1"/>
-          </p:cNvPicPr>
-          <p:nvPr/>
-        </p:nvPicPr>
-        <p:blipFill rotWithShape="1">
-          <a:blip r:embed="rId2" cstate="print">
-            <a:extLst>
-              <a:ext uri="{28A0092B-C50C-407E-A947-70E740481C1C}">
-                <a14:useLocalDpi xmlns:a14="http://schemas.microsoft.com/office/drawing/2010/main" val="0"/>
-              </a:ext>
-            </a:extLst>
-          </a:blip>
-          <a:stretch>
-            <a:fillRect/>
-          </a:stretch>
-        </p:blipFill>
-        <p:spPr>
-          <a:xfrm rot="0">
-            <a:off x="1231900" y="1455420"/>
-            <a:ext cx="4135120" cy="2179955"/>
-          </a:xfrm>
-          <a:prstGeom prst="roundRect"/>
-          <a:solidFill>
-            <a:srgbClr val="EDEDED"/>
-          </a:solidFill>
-        </p:spPr>
-      </p:pic>
-      <p:pic>
-        <p:nvPicPr>
-          <p:cNvPr id="68" name="Picture " descr="C:/Users/Admin1/AppData/Roaming/PolarisOffice/ETemp/29360_23257720/fImage1008233314827.png"/>
-          <p:cNvPicPr>
-            <a:picLocks noChangeAspect="1"/>
-          </p:cNvPicPr>
-          <p:nvPr/>
-        </p:nvPicPr>
-        <p:blipFill rotWithShape="1">
-          <a:blip r:embed="rId3" cstate="print">
-            <a:extLst>
-              <a:ext uri="{28A0092B-C50C-407E-A947-70E740481C1C}">
-                <a14:useLocalDpi xmlns:a14="http://schemas.microsoft.com/office/drawing/2010/main" val="0"/>
-              </a:ext>
-            </a:extLst>
-          </a:blip>
-          <a:stretch>
-            <a:fillRect/>
-          </a:stretch>
-        </p:blipFill>
-        <p:spPr>
-          <a:xfrm rot="0">
-            <a:off x="6822440" y="1446530"/>
-            <a:ext cx="4126230" cy="1930400"/>
-          </a:xfrm>
-          <a:prstGeom prst="roundRect"/>
-          <a:solidFill>
-            <a:srgbClr val="EDEDED"/>
-          </a:solidFill>
-        </p:spPr>
-      </p:pic>
-    </p:spTree>
-  </p:cSld>
-  <p:clrMapOvr>
-    <a:masterClrMapping/>
-  </p:clrMapOvr>
-  <mc:AlternateContent xmlns:mc="http://schemas.openxmlformats.org/markup-compatibility/2006">
-    <mc:Choice xmlns:p14="http://schemas.microsoft.com/office/powerpoint/2010/main" Requires="p14">
-      <p:transition spd="slow" p14:dur="2000"/>
-    </mc:Choice>
-    <mc:Fallback>
-      <p:transition spd="slow"/>
-    </mc:Fallback>
-  </mc:AlternateContent>
-  <p:timing>
-    <p:tnLst>
-      <p:par>
-        <p:cTn id="1" dur="indefinite" restart="never" nodeType="tmRoot"/>
-      </p:par>
-    </p:tnLst>
-  </p:timing>
-</p:sld>
-</file>
-
-<file path=ppt/slides/slide17.xml><?xml version="1.0" encoding="utf-8"?>
-<p:sld xmlns:a="http://schemas.openxmlformats.org/drawingml/2006/main" xmlns:r="http://schemas.openxmlformats.org/officeDocument/2006/relationships" xmlns:p="http://schemas.openxmlformats.org/presentationml/2006/main">
-  <p:cSld>
-    <p:spTree>
-      <p:nvGrpSpPr>
-        <p:cNvPr id="1" name=""/>
-        <p:cNvGrpSpPr/>
-        <p:nvPr/>
-      </p:nvGrpSpPr>
-      <p:grpSpPr>
-        <a:xfrm>
-          <a:off x="0" y="0"/>
-          <a:ext cx="0" cy="0"/>
-          <a:chOff x="0" y="0"/>
-          <a:chExt cx="0" cy="0"/>
-        </a:xfrm>
-      </p:grpSpPr>
-      <p:sp>
-        <p:nvSpPr>
-          <p:cNvPr id="29" name="Rect 0"/>
-          <p:cNvSpPr txBox="1">
-            <a:spLocks/>
-          </p:cNvSpPr>
-          <p:nvPr/>
-        </p:nvSpPr>
-        <p:spPr>
-          <a:xfrm rot="0">
-            <a:off x="1229995" y="1337310"/>
-            <a:ext cx="4039235" cy="370840"/>
-          </a:xfrm>
-          <a:prstGeom prst="rect"/>
-          <a:noFill/>
-          <a:ln w="0">
-            <a:noFill/>
-            <a:prstDash/>
-          </a:ln>
-        </p:spPr>
-        <p:txBody>
-          <a:bodyPr wrap="square" lIns="89535" tIns="46355" rIns="89535" bIns="46355" numCol="1" vert="horz" anchor="t">
-            <a:spAutoFit/>
-          </a:bodyPr>
-          <a:lstStyle/>
-          <a:p>
-            <a:pPr marL="0" indent="0" algn="l" latinLnBrk="0" hangingPunct="1">
-              <a:buFontTx/>
-              <a:buNone/>
-            </a:pPr>
-            <a:endParaRPr lang="ko-KR" altLang="en-US" sz="1800">
-              <a:latin typeface="맑은 고딕" charset="0"/>
-              <a:ea typeface="맑은 고딕" charset="0"/>
-            </a:endParaRPr>
-          </a:p>
-        </p:txBody>
-      </p:sp>
-      <p:sp>
-        <p:nvSpPr>
-          <p:cNvPr id="35" name="Rect 0"/>
-          <p:cNvSpPr txBox="1">
-            <a:spLocks/>
-          </p:cNvSpPr>
-          <p:nvPr/>
-        </p:nvSpPr>
-        <p:spPr>
-          <a:xfrm rot="0">
-            <a:off x="4342765" y="372745"/>
-            <a:ext cx="3505835" cy="554990"/>
-          </a:xfrm>
-          <a:prstGeom prst="rect"/>
-          <a:noFill/>
-          <a:ln w="0">
-            <a:noFill/>
-            <a:prstDash/>
-          </a:ln>
-        </p:spPr>
-        <p:txBody>
-          <a:bodyPr wrap="square" lIns="89535" tIns="46355" rIns="89535" bIns="46355" numCol="1" vert="horz" anchor="t">
-            <a:spAutoFit/>
-          </a:bodyPr>
-          <a:lstStyle/>
-          <a:p>
-            <a:pPr marL="0" indent="0" rtl="0" algn="ctr" defTabSz="914400" eaLnBrk="1" latinLnBrk="0" hangingPunct="1">
-              <a:buFontTx/>
-              <a:buNone/>
-            </a:pPr>
-            <a:r>
-              <a:rPr lang="ko-KR" sz="2500" b="1">
-                <a:latin typeface="나눔바른고딕" charset="0"/>
-                <a:ea typeface="나눔바른고딕" charset="0"/>
-              </a:rPr>
-              <a:t>열여섯</a:t>
-            </a:r>
-            <a:r>
-              <a:rPr lang="ko-KR" sz="2500" b="1">
-                <a:latin typeface="나눔바른고딕" charset="0"/>
-                <a:ea typeface="나눔바른고딕" charset="0"/>
-              </a:rPr>
-              <a:t> 번째 튜토리얼</a:t>
-            </a:r>
-            <a:r>
-              <a:rPr sz="3000" b="1">
-                <a:latin typeface="맑은 고딕" charset="0"/>
-                <a:ea typeface="맑은 고딕" charset="0"/>
-              </a:rPr>
-              <a:t> </a:t>
-            </a:r>
-            <a:endParaRPr lang="ko-KR" altLang="en-US" sz="3000" b="1">
-              <a:latin typeface="맑은 고딕" charset="0"/>
-              <a:ea typeface="맑은 고딕" charset="0"/>
-            </a:endParaRPr>
-          </a:p>
-        </p:txBody>
-      </p:sp>
-      <p:sp>
-        <p:nvSpPr>
-          <p:cNvPr id="36" name="Rect 0"/>
-          <p:cNvSpPr txBox="1">
-            <a:spLocks/>
-          </p:cNvSpPr>
-          <p:nvPr/>
-        </p:nvSpPr>
-        <p:spPr>
-          <a:xfrm rot="0">
-            <a:off x="1231900" y="3212465"/>
-            <a:ext cx="4135120" cy="2892425"/>
-          </a:xfrm>
-          <a:prstGeom prst="rect"/>
-          <a:noFill/>
-          <a:ln w="0">
-            <a:noFill/>
-            <a:prstDash/>
-          </a:ln>
-        </p:spPr>
-        <p:txBody>
-          <a:bodyPr wrap="square" lIns="89535" tIns="46355" rIns="89535" bIns="46355" numCol="1" vert="horz" anchor="t">
-            <a:spAutoFit/>
-          </a:bodyPr>
-          <a:lstStyle/>
-          <a:p>
-            <a:pPr marL="0" indent="0" rtl="0" algn="l" defTabSz="914400" eaLnBrk="1" latinLnBrk="0" hangingPunct="1">
-              <a:buFontTx/>
-              <a:buNone/>
-            </a:pPr>
-            <a:r>
-              <a:rPr sz="2000" b="1">
-                <a:solidFill>
-                  <a:srgbClr val="0611F2"/>
-                </a:solidFill>
-                <a:latin typeface="맑은 고딕" charset="0"/>
-                <a:ea typeface="맑은 고딕" charset="0"/>
-              </a:rPr>
-              <a:t>3</a:t>
-            </a:r>
-            <a:r>
-              <a:rPr sz="2000" b="1">
-                <a:solidFill>
-                  <a:srgbClr val="0611F2"/>
-                </a:solidFill>
-                <a:latin typeface="맑은 고딕" charset="0"/>
-                <a:ea typeface="맑은 고딕" charset="0"/>
-              </a:rPr>
-              <a:t>8</a:t>
-            </a:r>
-            <a:r>
-              <a:rPr sz="2000" b="1">
-                <a:solidFill>
-                  <a:srgbClr val="0611F2"/>
-                </a:solidFill>
-                <a:latin typeface="맑은 고딕" charset="0"/>
-                <a:ea typeface="맑은 고딕" charset="0"/>
-              </a:rPr>
-              <a:t>.</a:t>
-            </a:r>
-            <a:r>
-              <a:rPr sz="2000">
-                <a:solidFill>
-                  <a:srgbClr val="0611F2"/>
-                </a:solidFill>
-                <a:latin typeface="맑은 고딕" charset="0"/>
-                <a:ea typeface="맑은 고딕" charset="0"/>
-              </a:rPr>
-              <a:t> </a:t>
-            </a:r>
-            <a:r>
-              <a:rPr sz="1800">
-                <a:latin typeface="맑은 고딕" charset="0"/>
-                <a:ea typeface="맑은 고딕" charset="0"/>
-              </a:rPr>
-              <a:t>그</a:t>
-            </a:r>
-            <a:r>
-              <a:rPr sz="1800">
-                <a:latin typeface="맑은 고딕" charset="0"/>
-                <a:ea typeface="맑은 고딕" charset="0"/>
-              </a:rPr>
-              <a:t>다</a:t>
-            </a:r>
-            <a:r>
-              <a:rPr lang="ko-KR" sz="1800">
-                <a:latin typeface="맑은 고딕" charset="0"/>
-                <a:ea typeface="맑은 고딕" charset="0"/>
-              </a:rPr>
-              <a:t>음으로 CharacterSystem </a:t>
-            </a:r>
-            <a:r>
-              <a:rPr lang="ko-KR" sz="1800">
-                <a:latin typeface="맑은 고딕" charset="0"/>
-                <a:ea typeface="맑은 고딕" charset="0"/>
-              </a:rPr>
-              <a:t>스크립트의</a:t>
-            </a:r>
-            <a:r>
-              <a:rPr lang="ko-KR" sz="1800">
-                <a:latin typeface="맑은 고딕" charset="0"/>
-                <a:ea typeface="맑은 고딕" charset="0"/>
-              </a:rPr>
-              <a:t> </a:t>
-            </a:r>
-            <a:r>
-              <a:rPr lang="ko-KR" sz="1800">
-                <a:latin typeface="맑은 고딕" charset="0"/>
-                <a:ea typeface="맑은 고딕" charset="0"/>
-              </a:rPr>
-              <a:t>Temporary Camera 변수에 </a:t>
-            </a:r>
-            <a:r>
-              <a:rPr lang="ko-KR" sz="1800">
-                <a:latin typeface="맑은 고딕" charset="0"/>
-                <a:ea typeface="맑은 고딕" charset="0"/>
-              </a:rPr>
-              <a:t>Main</a:t>
-            </a:r>
-            <a:r>
-              <a:rPr lang="ko-KR" sz="1800">
-                <a:latin typeface="맑은 고딕" charset="0"/>
-                <a:ea typeface="맑은 고딕" charset="0"/>
-              </a:rPr>
-              <a:t> Camera 오브젝트를 넣어줍니다.</a:t>
-            </a:r>
-            <a:endParaRPr lang="ko-KR" altLang="en-US" sz="1800">
-              <a:latin typeface="맑은 고딕" charset="0"/>
-              <a:ea typeface="맑은 고딕" charset="0"/>
-            </a:endParaRPr>
-          </a:p>
-          <a:p>
-            <a:pPr marL="0" indent="0" rtl="0" algn="l" defTabSz="914400" eaLnBrk="1" latinLnBrk="0" hangingPunct="1">
-              <a:buFontTx/>
-              <a:buNone/>
-            </a:pPr>
-            <a:endParaRPr lang="ko-KR" altLang="en-US" sz="1800">
-              <a:latin typeface="맑은 고딕" charset="0"/>
-              <a:ea typeface="맑은 고딕" charset="0"/>
-            </a:endParaRPr>
-          </a:p>
-          <a:p>
-            <a:pPr marL="0" indent="0" rtl="0" algn="l" defTabSz="914400" eaLnBrk="1" latinLnBrk="0" hangingPunct="1">
-              <a:buFontTx/>
-              <a:buNone/>
-            </a:pPr>
-            <a:r>
-              <a:rPr lang="ko-KR" sz="1800">
-                <a:latin typeface="맑은 고딕" charset="0"/>
-                <a:ea typeface="맑은 고딕" charset="0"/>
-              </a:rPr>
-              <a:t>그러고</a:t>
-            </a:r>
-            <a:r>
-              <a:rPr lang="ko-KR" sz="1800">
-                <a:latin typeface="맑은 고딕" charset="0"/>
-                <a:ea typeface="맑은 고딕" charset="0"/>
-              </a:rPr>
-              <a:t> </a:t>
-            </a:r>
-            <a:r>
-              <a:rPr lang="ko-KR" sz="1800">
-                <a:latin typeface="맑은 고딕" charset="0"/>
-                <a:ea typeface="맑은 고딕" charset="0"/>
-              </a:rPr>
-              <a:t>나서 </a:t>
-            </a:r>
-            <a:r>
-              <a:rPr lang="ko-KR" sz="1800">
-                <a:latin typeface="맑은 고딕" charset="0"/>
-                <a:ea typeface="맑은 고딕" charset="0"/>
-              </a:rPr>
-              <a:t>Angle Speed 변수에 100 </a:t>
-            </a:r>
-            <a:r>
-              <a:rPr lang="ko-KR" sz="1800">
-                <a:latin typeface="맑은 고딕" charset="0"/>
-                <a:ea typeface="맑은 고딕" charset="0"/>
-              </a:rPr>
-              <a:t>이라는</a:t>
-            </a:r>
-            <a:r>
-              <a:rPr lang="ko-KR" sz="1800">
-                <a:latin typeface="맑은 고딕" charset="0"/>
-                <a:ea typeface="맑은 고딕" charset="0"/>
-              </a:rPr>
-              <a:t> </a:t>
-            </a:r>
-            <a:r>
-              <a:rPr lang="ko-KR" sz="1800">
-                <a:latin typeface="맑은 고딕" charset="0"/>
-                <a:ea typeface="맑은 고딕" charset="0"/>
-              </a:rPr>
-              <a:t>값을</a:t>
-            </a:r>
-            <a:r>
-              <a:rPr lang="ko-KR" sz="1800">
-                <a:latin typeface="맑은 고딕" charset="0"/>
-                <a:ea typeface="맑은 고딕" charset="0"/>
-              </a:rPr>
-              <a:t> </a:t>
-            </a:r>
-            <a:r>
-              <a:rPr lang="ko-KR" sz="1800">
-                <a:latin typeface="맑은 고딕" charset="0"/>
-                <a:ea typeface="맑은 고딕" charset="0"/>
-              </a:rPr>
-              <a:t>설정하고 Speed 변수에 5</a:t>
-            </a:r>
-            <a:r>
-              <a:rPr lang="ko-KR" sz="1800">
-                <a:latin typeface="맑은 고딕" charset="0"/>
-                <a:ea typeface="맑은 고딕" charset="0"/>
-              </a:rPr>
-              <a:t> </a:t>
-            </a:r>
-            <a:r>
-              <a:rPr lang="ko-KR" sz="1800">
-                <a:latin typeface="맑은 고딕" charset="0"/>
-                <a:ea typeface="맑은 고딕" charset="0"/>
-              </a:rPr>
-              <a:t>라</a:t>
-            </a:r>
-            <a:r>
-              <a:rPr lang="ko-KR" sz="1800">
-                <a:latin typeface="맑은 고딕" charset="0"/>
-                <a:ea typeface="맑은 고딕" charset="0"/>
-              </a:rPr>
-              <a:t>는</a:t>
-            </a:r>
-            <a:r>
-              <a:rPr lang="ko-KR" sz="1800">
-                <a:latin typeface="맑은 고딕" charset="0"/>
-                <a:ea typeface="맑은 고딕" charset="0"/>
-              </a:rPr>
-              <a:t> </a:t>
-            </a:r>
-            <a:r>
-              <a:rPr lang="ko-KR" sz="1800">
-                <a:latin typeface="맑은 고딕" charset="0"/>
-                <a:ea typeface="맑은 고딕" charset="0"/>
-              </a:rPr>
-              <a:t>값을 설정</a:t>
-            </a:r>
-            <a:r>
-              <a:rPr lang="ko-KR" sz="1800">
-                <a:latin typeface="맑은 고딕" charset="0"/>
-                <a:ea typeface="맑은 고딕" charset="0"/>
-              </a:rPr>
-              <a:t>합니다.</a:t>
-            </a:r>
-            <a:endParaRPr lang="ko-KR" altLang="en-US" sz="1800">
-              <a:latin typeface="맑은 고딕" charset="0"/>
-              <a:ea typeface="맑은 고딕" charset="0"/>
-            </a:endParaRPr>
-          </a:p>
-          <a:p>
-            <a:pPr marL="0" indent="0" rtl="0" algn="l" defTabSz="914400" eaLnBrk="1" latinLnBrk="0" hangingPunct="1">
-              <a:buFontTx/>
-              <a:buNone/>
-            </a:pPr>
-            <a:endParaRPr lang="ko-KR" altLang="en-US" sz="1800">
-              <a:latin typeface="맑은 고딕" charset="0"/>
-              <a:ea typeface="맑은 고딕" charset="0"/>
-            </a:endParaRPr>
-          </a:p>
-          <a:p>
-            <a:pPr marL="0" indent="0" rtl="0" algn="l" defTabSz="914400" eaLnBrk="1" latinLnBrk="0" hangingPunct="1">
-              <a:buFontTx/>
-              <a:buNone/>
-            </a:pPr>
-            <a:r>
-              <a:rPr lang="ko-KR" sz="1800">
-                <a:latin typeface="맑은 고딕" charset="0"/>
-                <a:ea typeface="맑은 고딕" charset="0"/>
-              </a:rPr>
-              <a:t>마지막으</a:t>
-            </a:r>
-            <a:r>
-              <a:rPr lang="ko-KR" sz="1800">
-                <a:latin typeface="맑은 고딕" charset="0"/>
-                <a:ea typeface="맑은 고딕" charset="0"/>
-              </a:rPr>
-              <a:t>로</a:t>
-            </a:r>
-            <a:r>
-              <a:rPr lang="ko-KR" sz="1800">
-                <a:latin typeface="맑은 고딕" charset="0"/>
-                <a:ea typeface="맑은 고딕" charset="0"/>
-              </a:rPr>
-              <a:t> </a:t>
-            </a:r>
-            <a:r>
-              <a:rPr lang="ko-KR" sz="1800">
-                <a:latin typeface="맑은 고딕" charset="0"/>
-                <a:ea typeface="맑은 고딕" charset="0"/>
-              </a:rPr>
-              <a:t>Health 변수에 100 이라는 </a:t>
-            </a:r>
-            <a:r>
-              <a:rPr lang="ko-KR" sz="1800">
-                <a:latin typeface="맑은 고딕" charset="0"/>
-                <a:ea typeface="맑은 고딕" charset="0"/>
-              </a:rPr>
-              <a:t>값</a:t>
-            </a:r>
-            <a:r>
-              <a:rPr lang="ko-KR" sz="1800">
-                <a:latin typeface="맑은 고딕" charset="0"/>
-                <a:ea typeface="맑은 고딕" charset="0"/>
-              </a:rPr>
-              <a:t>을</a:t>
-            </a:r>
-            <a:r>
-              <a:rPr lang="ko-KR" sz="1800">
-                <a:latin typeface="맑은 고딕" charset="0"/>
-                <a:ea typeface="맑은 고딕" charset="0"/>
-              </a:rPr>
-              <a:t> </a:t>
-            </a:r>
-            <a:r>
-              <a:rPr lang="ko-KR" sz="1800">
-                <a:latin typeface="맑은 고딕" charset="0"/>
-                <a:ea typeface="맑은 고딕" charset="0"/>
-              </a:rPr>
-              <a:t>설정합니다.</a:t>
-            </a:r>
-            <a:endParaRPr lang="ko-KR" altLang="en-US" sz="1800">
-              <a:latin typeface="맑은 고딕" charset="0"/>
-              <a:ea typeface="맑은 고딕" charset="0"/>
-            </a:endParaRPr>
-          </a:p>
-        </p:txBody>
-      </p:sp>
-      <p:pic>
-        <p:nvPicPr>
-          <p:cNvPr id="69" name="그림 80" descr="C:/Users/Admin1/AppData/Roaming/PolarisOffice/ETemp/29360_23257720/fImage109873455436.png"/>
-          <p:cNvPicPr>
-            <a:picLocks noChangeAspect="1"/>
-          </p:cNvPicPr>
-          <p:nvPr/>
-        </p:nvPicPr>
-        <p:blipFill rotWithShape="1">
-          <a:blip r:embed="rId2" cstate="print">
-            <a:extLst>
-              <a:ext uri="{28A0092B-C50C-407E-A947-70E740481C1C}">
-                <a14:useLocalDpi xmlns:a14="http://schemas.microsoft.com/office/drawing/2010/main" val="0"/>
-              </a:ext>
-            </a:extLst>
-          </a:blip>
-          <a:stretch>
-            <a:fillRect/>
-          </a:stretch>
-        </p:blipFill>
-        <p:spPr>
-          <a:xfrm rot="0">
-            <a:off x="1228090" y="1434465"/>
-            <a:ext cx="1313815" cy="1624965"/>
-          </a:xfrm>
-          <a:prstGeom prst="roundRect"/>
-          <a:solidFill>
-            <a:srgbClr val="EDEDED"/>
-          </a:solidFill>
-        </p:spPr>
-      </p:pic>
-      <p:pic>
-        <p:nvPicPr>
-          <p:cNvPr id="70" name="그림 81" descr="C:/Users/Admin1/AppData/Roaming/PolarisOffice/ETemp/29360_23257720/fImage148253462391.png"/>
-          <p:cNvPicPr>
-            <a:picLocks noChangeAspect="1"/>
-          </p:cNvPicPr>
-          <p:nvPr/>
-        </p:nvPicPr>
-        <p:blipFill rotWithShape="1">
-          <a:blip r:embed="rId3" cstate="print">
-            <a:extLst>
-              <a:ext uri="{28A0092B-C50C-407E-A947-70E740481C1C}">
-                <a14:useLocalDpi xmlns:a14="http://schemas.microsoft.com/office/drawing/2010/main" val="0"/>
-              </a:ext>
-            </a:extLst>
-          </a:blip>
-          <a:stretch>
-            <a:fillRect/>
-          </a:stretch>
-        </p:blipFill>
-        <p:spPr>
-          <a:xfrm rot="0">
-            <a:off x="2626995" y="1441450"/>
-            <a:ext cx="2740025" cy="1608455"/>
-          </a:xfrm>
-          <a:prstGeom prst="roundRect"/>
-          <a:solidFill>
-            <a:srgbClr val="EDEDED"/>
-          </a:solidFill>
-        </p:spPr>
-      </p:pic>
-      <p:cxnSp>
-        <p:nvCxnSpPr>
-          <p:cNvPr id="71" name="도형 87"/>
-          <p:cNvCxnSpPr/>
-          <p:nvPr/>
-        </p:nvCxnSpPr>
-        <p:spPr>
-          <a:xfrm rot="0">
-            <a:off x="2007235" y="2816225"/>
-            <a:ext cx="3282315" cy="86360"/>
-          </a:xfrm>
-          <a:prstGeom prst="straightConnector1"/>
-          <a:ln w="6350" cap="flat" cmpd="sng">
-            <a:prstDash/>
-            <a:headEnd type="none" w="med" len="med"/>
-            <a:tailEnd type="triangle" w="med" len="med"/>
-          </a:ln>
-        </p:spPr>
-        <p:style>
-          <a:lnRef idx="1">
-            <a:schemeClr val="accent1"/>
-          </a:lnRef>
-          <a:fillRef idx="0">
-            <a:schemeClr val="accent1"/>
-          </a:fillRef>
-          <a:effectRef idx="0">
-            <a:schemeClr val="accent1"/>
-          </a:effectRef>
-          <a:fontRef idx="minor">
-            <a:schemeClr val="tx1"/>
-          </a:fontRef>
-        </p:style>
-      </p:cxnSp>
-      <p:pic>
-        <p:nvPicPr>
-          <p:cNvPr id="72" name="그림 88" descr="C:/Users/Admin1/AppData/Roaming/PolarisOffice/ETemp/29360_23257720/fImage120373484604.png"/>
-          <p:cNvPicPr>
-            <a:picLocks noChangeAspect="1"/>
-          </p:cNvPicPr>
-          <p:nvPr/>
-        </p:nvPicPr>
-        <p:blipFill rotWithShape="1">
-          <a:blip r:embed="rId4" cstate="print">
-            <a:extLst>
-              <a:ext uri="{28A0092B-C50C-407E-A947-70E740481C1C}">
-                <a14:useLocalDpi xmlns:a14="http://schemas.microsoft.com/office/drawing/2010/main" val="0"/>
-              </a:ext>
-            </a:extLst>
-          </a:blip>
-          <a:stretch>
-            <a:fillRect/>
-          </a:stretch>
-        </p:blipFill>
-        <p:spPr>
-          <a:xfrm rot="0">
-            <a:off x="6822440" y="1435735"/>
-            <a:ext cx="2326005" cy="3500755"/>
-          </a:xfrm>
-          <a:prstGeom prst="roundRect"/>
-          <a:solidFill>
-            <a:srgbClr val="EDEDED"/>
-          </a:solidFill>
-        </p:spPr>
-      </p:pic>
-      <p:pic>
-        <p:nvPicPr>
-          <p:cNvPr id="73" name="그림 92" descr="C:/Users/Admin1/AppData/Roaming/PolarisOffice/ETemp/29360_23257720/fImage46363513902.png"/>
+          <p:cNvPr id="71" name="그림 7" descr="C:/Users/Admin1/AppData/Roaming/PolarisOffice/ETemp/12928_20234072/fImage120373484604.png"/>
           <p:cNvPicPr>
             <a:picLocks noChangeAspect="1"/>
           </p:cNvPicPr>
@@ -13931,8 +12615,8 @@
         </p:blipFill>
         <p:spPr>
           <a:xfrm rot="0">
-            <a:off x="9302750" y="2033270"/>
-            <a:ext cx="1645920" cy="2369185"/>
+            <a:off x="1240790" y="1430020"/>
+            <a:ext cx="2334895" cy="3566795"/>
           </a:xfrm>
           <a:prstGeom prst="roundRect"/>
           <a:solidFill>
@@ -13940,9 +12624,40 @@
           </a:solidFill>
         </p:spPr>
       </p:pic>
+      <p:pic>
+        <p:nvPicPr>
+          <p:cNvPr id="72" name="그림 8" descr="C:/Users/Admin1/AppData/Roaming/PolarisOffice/ETemp/12928_20234072/fImage46363513902.png"/>
+          <p:cNvPicPr>
+            <a:picLocks noChangeAspect="1"/>
+          </p:cNvPicPr>
+          <p:nvPr/>
+        </p:nvPicPr>
+        <p:blipFill rotWithShape="1">
+          <a:blip r:embed="rId6" cstate="hqprint">
+            <a:extLst>
+              <a:ext uri="{28A0092B-C50C-407E-A947-70E740481C1C}">
+                <a14:useLocalDpi xmlns:a14="http://schemas.microsoft.com/office/drawing/2010/main"/>
+              </a:ext>
+            </a:extLst>
+          </a:blip>
+          <a:stretch>
+            <a:fillRect/>
+          </a:stretch>
+        </p:blipFill>
+        <p:spPr>
+          <a:xfrm rot="0">
+            <a:off x="3773170" y="2084705"/>
+            <a:ext cx="1602740" cy="2257425"/>
+          </a:xfrm>
+          <a:prstGeom prst="roundRect"/>
+          <a:solidFill>
+            <a:srgbClr val="EDEDED"/>
+          </a:solidFill>
+        </p:spPr>
+      </p:pic>
       <p:sp>
         <p:nvSpPr>
-          <p:cNvPr id="74" name="텍스트 상자 93"/>
+          <p:cNvPr id="73" name="텍스트 상자 9"/>
           <p:cNvSpPr txBox="1">
             <a:spLocks/>
           </p:cNvSpPr>
@@ -13950,8 +12665,8 @@
         </p:nvSpPr>
         <p:spPr>
           <a:xfrm rot="0">
-            <a:off x="6816090" y="5153660"/>
-            <a:ext cx="4132580" cy="954405"/>
+            <a:off x="1234440" y="5179695"/>
+            <a:ext cx="4141470" cy="954405"/>
           </a:xfrm>
           <a:prstGeom prst="rect"/>
           <a:noFill/>
@@ -13988,7 +12703,7 @@
                 <a:latin typeface="맑은 고딕" charset="0"/>
                 <a:ea typeface="맑은 고딕" charset="0"/>
               </a:rPr>
-              <a:t>9</a:t>
+              <a:t>8</a:t>
             </a:r>
             <a:r>
               <a:rPr sz="2000" b="1">
@@ -14015,27 +12730,34 @@
                 <a:latin typeface="맑은 고딕" charset="0"/>
                 <a:ea typeface="맑은 고딕" charset="0"/>
               </a:rPr>
-              <a:t>이제 Scroll View 오브젝트의 하위 </a:t>
+              <a:t>그다음 Scroll View </a:t>
             </a:r>
             <a:r>
               <a:rPr sz="1800">
                 <a:latin typeface="맑은 고딕" charset="0"/>
                 <a:ea typeface="맑은 고딕" charset="0"/>
               </a:rPr>
-              <a:t>오브젝트</a:t>
+              <a:t>오브젝트의</a:t>
             </a:r>
             <a:r>
               <a:rPr sz="1800">
                 <a:latin typeface="맑은 고딕" charset="0"/>
                 <a:ea typeface="맑은 고딕" charset="0"/>
               </a:rPr>
-              <a:t>에</a:t>
+              <a:t> </a:t>
             </a:r>
             <a:r>
               <a:rPr sz="1800">
                 <a:latin typeface="맑은 고딕" charset="0"/>
                 <a:ea typeface="맑은 고딕" charset="0"/>
               </a:rPr>
+              <a:t>하위</a:t>
+            </a:r>
+            <a:r>
+              <a:rPr sz="1800">
+                <a:latin typeface="맑은 고딕" charset="0"/>
+                <a:ea typeface="맑은 고딕" charset="0"/>
+              </a:rPr>
               <a:t> </a:t>
             </a:r>
             <a:r>
@@ -14043,28 +12765,49 @@
                 <a:latin typeface="맑은 고딕" charset="0"/>
                 <a:ea typeface="맑은 고딕" charset="0"/>
               </a:rPr>
-              <a:t>있는 Scrollbar Horizontal</a:t>
-            </a:r>
-            <a:r>
-              <a:rPr lang="ko-KR" sz="1800">
+              <a:t>오브젝트에</a:t>
+            </a:r>
+            <a:r>
+              <a:rPr sz="1800">
+                <a:latin typeface="맑은 고딕" charset="0"/>
+                <a:ea typeface="맑은 고딕" charset="0"/>
+              </a:rPr>
+              <a:t> 있는 </a:t>
+            </a:r>
+            <a:r>
+              <a:rPr sz="1800">
+                <a:latin typeface="맑은 고딕" charset="0"/>
+                <a:ea typeface="맑은 고딕" charset="0"/>
+              </a:rPr>
+              <a:t>Scrollbar</a:t>
+            </a:r>
+            <a:r>
+              <a:rPr sz="1800">
                 <a:latin typeface="맑은 고딕" charset="0"/>
                 <a:ea typeface="맑은 고딕" charset="0"/>
               </a:rPr>
               <a:t> </a:t>
             </a:r>
             <a:r>
-              <a:rPr lang="ko-KR" sz="1800">
-                <a:latin typeface="맑은 고딕" charset="0"/>
-                <a:ea typeface="맑은 고딕" charset="0"/>
-              </a:rPr>
-              <a:t>오브젝트</a:t>
-            </a:r>
-            <a:r>
-              <a:rPr lang="ko-KR" sz="1800">
-                <a:latin typeface="맑은 고딕" charset="0"/>
-                <a:ea typeface="맑은 고딕" charset="0"/>
-              </a:rPr>
-              <a:t>를</a:t>
+              <a:rPr sz="1800">
+                <a:latin typeface="맑은 고딕" charset="0"/>
+                <a:ea typeface="맑은 고딕" charset="0"/>
+              </a:rPr>
+              <a:t>Horizontal</a:t>
+            </a:r>
+            <a:r>
+              <a:rPr lang="ko-KR" sz="1800">
+                <a:latin typeface="맑은 고딕" charset="0"/>
+                <a:ea typeface="맑은 고딕" charset="0"/>
+              </a:rPr>
+              <a:t> </a:t>
+            </a:r>
+            <a:r>
+              <a:rPr lang="ko-KR" sz="1800">
+                <a:latin typeface="맑은 고딕" charset="0"/>
+                <a:ea typeface="맑은 고딕" charset="0"/>
+              </a:rPr>
+              <a:t>오브젝트를</a:t>
             </a:r>
             <a:r>
               <a:rPr lang="ko-KR" sz="1800">
@@ -14087,6 +12830,406 @@
           </a:p>
         </p:txBody>
       </p:sp>
+      <p:sp>
+        <p:nvSpPr>
+          <p:cNvPr id="74" name="텍스트 상자 10"/>
+          <p:cNvSpPr txBox="1">
+            <a:spLocks/>
+          </p:cNvSpPr>
+          <p:nvPr/>
+        </p:nvSpPr>
+        <p:spPr>
+          <a:xfrm rot="0">
+            <a:off x="6840220" y="2962910"/>
+            <a:ext cx="4126230" cy="3169285"/>
+          </a:xfrm>
+          <a:prstGeom prst="rect"/>
+          <a:noFill/>
+          <a:ln w="0">
+            <a:noFill/>
+            <a:prstDash/>
+          </a:ln>
+        </p:spPr>
+        <p:txBody>
+          <a:bodyPr wrap="square" lIns="89535" tIns="46355" rIns="89535" bIns="46355" numCol="1" vert="horz" anchor="t">
+            <a:spAutoFit/>
+          </a:bodyPr>
+          <a:lstStyle/>
+          <a:p>
+            <a:pPr marL="0" indent="0" rtl="0" algn="l" defTabSz="914400" eaLnBrk="1" latinLnBrk="0" hangingPunct="1">
+              <a:buFontTx/>
+              <a:buNone/>
+            </a:pPr>
+            <a:r>
+              <a:rPr sz="2000" b="1">
+                <a:solidFill>
+                  <a:srgbClr val="0611F2"/>
+                </a:solidFill>
+                <a:latin typeface="맑은 고딕" charset="0"/>
+                <a:ea typeface="맑은 고딕" charset="0"/>
+              </a:rPr>
+              <a:t>3</a:t>
+            </a:r>
+            <a:r>
+              <a:rPr sz="2000" b="1">
+                <a:solidFill>
+                  <a:srgbClr val="0611F2"/>
+                </a:solidFill>
+                <a:latin typeface="맑은 고딕" charset="0"/>
+                <a:ea typeface="맑은 고딕" charset="0"/>
+              </a:rPr>
+              <a:t>9</a:t>
+            </a:r>
+            <a:r>
+              <a:rPr sz="2000" b="1">
+                <a:solidFill>
+                  <a:srgbClr val="0611F2"/>
+                </a:solidFill>
+                <a:latin typeface="맑은 고딕" charset="0"/>
+                <a:ea typeface="맑은 고딕" charset="0"/>
+              </a:rPr>
+              <a:t>.</a:t>
+            </a:r>
+            <a:r>
+              <a:rPr sz="2000">
+                <a:solidFill>
+                  <a:srgbClr val="0611F2"/>
+                </a:solidFill>
+                <a:latin typeface="맑은 고딕" charset="0"/>
+                <a:ea typeface="맑은 고딕" charset="0"/>
+              </a:rPr>
+              <a:t> </a:t>
+            </a:r>
+            <a:r>
+              <a:rPr sz="1800">
+                <a:latin typeface="맑은 고딕" charset="0"/>
+                <a:ea typeface="맑은 고딕" charset="0"/>
+              </a:rPr>
+              <a:t>그러고 나서</a:t>
+            </a:r>
+            <a:r>
+              <a:rPr lang="ko-KR" sz="1800">
+                <a:latin typeface="맑은 고딕" charset="0"/>
+                <a:ea typeface="맑은 고딕" charset="0"/>
+              </a:rPr>
+              <a:t> CharacterSystem </a:t>
+            </a:r>
+            <a:r>
+              <a:rPr lang="ko-KR" sz="1800">
+                <a:latin typeface="맑은 고딕" charset="0"/>
+                <a:ea typeface="맑은 고딕" charset="0"/>
+              </a:rPr>
+              <a:t>스크립트의</a:t>
+            </a:r>
+            <a:r>
+              <a:rPr lang="ko-KR" sz="1800">
+                <a:latin typeface="맑은 고딕" charset="0"/>
+                <a:ea typeface="맑은 고딕" charset="0"/>
+              </a:rPr>
+              <a:t> </a:t>
+            </a:r>
+            <a:r>
+              <a:rPr lang="ko-KR" sz="1800">
+                <a:latin typeface="맑은 고딕" charset="0"/>
+                <a:ea typeface="맑은 고딕" charset="0"/>
+              </a:rPr>
+              <a:t>Temporary</a:t>
+            </a:r>
+            <a:r>
+              <a:rPr lang="ko-KR" sz="1800">
+                <a:latin typeface="맑은 고딕" charset="0"/>
+                <a:ea typeface="맑은 고딕" charset="0"/>
+              </a:rPr>
+              <a:t> Camera </a:t>
+            </a:r>
+            <a:r>
+              <a:rPr lang="ko-KR" sz="1800">
+                <a:latin typeface="맑은 고딕" charset="0"/>
+                <a:ea typeface="맑은 고딕" charset="0"/>
+              </a:rPr>
+              <a:t>변수에</a:t>
+            </a:r>
+            <a:r>
+              <a:rPr lang="ko-KR" sz="1800">
+                <a:latin typeface="맑은 고딕" charset="0"/>
+                <a:ea typeface="맑은 고딕" charset="0"/>
+              </a:rPr>
+              <a:t> </a:t>
+            </a:r>
+            <a:r>
+              <a:rPr lang="ko-KR" sz="1800">
+                <a:latin typeface="맑은 고딕" charset="0"/>
+                <a:ea typeface="맑은 고딕" charset="0"/>
+              </a:rPr>
+              <a:t>Main</a:t>
+            </a:r>
+            <a:r>
+              <a:rPr lang="ko-KR" sz="1800">
+                <a:latin typeface="맑은 고딕" charset="0"/>
+                <a:ea typeface="맑은 고딕" charset="0"/>
+              </a:rPr>
+              <a:t> </a:t>
+            </a:r>
+            <a:r>
+              <a:rPr lang="ko-KR" sz="1800">
+                <a:latin typeface="맑은 고딕" charset="0"/>
+                <a:ea typeface="맑은 고딕" charset="0"/>
+              </a:rPr>
+              <a:t>Camera</a:t>
+            </a:r>
+            <a:r>
+              <a:rPr lang="ko-KR" sz="1800">
+                <a:latin typeface="맑은 고딕" charset="0"/>
+                <a:ea typeface="맑은 고딕" charset="0"/>
+              </a:rPr>
+              <a:t> 오브젝트를 </a:t>
+            </a:r>
+            <a:r>
+              <a:rPr lang="ko-KR" sz="1800">
+                <a:latin typeface="맑은 고딕" charset="0"/>
+                <a:ea typeface="맑은 고딕" charset="0"/>
+              </a:rPr>
+              <a:t>넣어줍니다.</a:t>
+            </a:r>
+            <a:endParaRPr lang="ko-KR" altLang="en-US" sz="1800">
+              <a:latin typeface="맑은 고딕" charset="0"/>
+              <a:ea typeface="맑은 고딕" charset="0"/>
+            </a:endParaRPr>
+          </a:p>
+          <a:p>
+            <a:pPr marL="0" indent="0" rtl="0" algn="l" defTabSz="914400" eaLnBrk="1" latinLnBrk="0" hangingPunct="1">
+              <a:buFontTx/>
+              <a:buNone/>
+            </a:pPr>
+            <a:endParaRPr lang="ko-KR" altLang="en-US" sz="1800">
+              <a:latin typeface="맑은 고딕" charset="0"/>
+              <a:ea typeface="맑은 고딕" charset="0"/>
+            </a:endParaRPr>
+          </a:p>
+          <a:p>
+            <a:pPr marL="0" indent="0" rtl="0" algn="l" defTabSz="914400" eaLnBrk="1" latinLnBrk="0" hangingPunct="1">
+              <a:buFontTx/>
+              <a:buNone/>
+            </a:pPr>
+            <a:r>
+              <a:rPr lang="ko-KR" sz="1800">
+                <a:latin typeface="맑은 고딕" charset="0"/>
+                <a:ea typeface="맑은 고딕" charset="0"/>
+              </a:rPr>
+              <a:t>이제</a:t>
+            </a:r>
+            <a:r>
+              <a:rPr lang="ko-KR" sz="1800">
+                <a:latin typeface="맑은 고딕" charset="0"/>
+                <a:ea typeface="맑은 고딕" charset="0"/>
+              </a:rPr>
+              <a:t> Angle Speed 변수에 100 </a:t>
+            </a:r>
+            <a:r>
+              <a:rPr lang="ko-KR" sz="1800">
+                <a:latin typeface="맑은 고딕" charset="0"/>
+                <a:ea typeface="맑은 고딕" charset="0"/>
+              </a:rPr>
+              <a:t>이라는</a:t>
+            </a:r>
+            <a:r>
+              <a:rPr lang="ko-KR" sz="1800">
+                <a:latin typeface="맑은 고딕" charset="0"/>
+                <a:ea typeface="맑은 고딕" charset="0"/>
+              </a:rPr>
+              <a:t> </a:t>
+            </a:r>
+            <a:r>
+              <a:rPr lang="ko-KR" sz="1800">
+                <a:latin typeface="맑은 고딕" charset="0"/>
+                <a:ea typeface="맑은 고딕" charset="0"/>
+              </a:rPr>
+              <a:t>값을</a:t>
+            </a:r>
+            <a:r>
+              <a:rPr lang="ko-KR" sz="1800">
+                <a:latin typeface="맑은 고딕" charset="0"/>
+                <a:ea typeface="맑은 고딕" charset="0"/>
+              </a:rPr>
+              <a:t> 설정하고 Speed 변수에 5 </a:t>
+            </a:r>
+            <a:r>
+              <a:rPr lang="ko-KR" sz="1800">
+                <a:latin typeface="맑은 고딕" charset="0"/>
+                <a:ea typeface="맑은 고딕" charset="0"/>
+              </a:rPr>
+              <a:t>라는</a:t>
+            </a:r>
+            <a:r>
+              <a:rPr lang="ko-KR" sz="1800">
+                <a:latin typeface="맑은 고딕" charset="0"/>
+                <a:ea typeface="맑은 고딕" charset="0"/>
+              </a:rPr>
+              <a:t> </a:t>
+            </a:r>
+            <a:r>
+              <a:rPr lang="ko-KR" sz="1800">
+                <a:latin typeface="맑은 고딕" charset="0"/>
+                <a:ea typeface="맑은 고딕" charset="0"/>
+              </a:rPr>
+              <a:t>값을</a:t>
+            </a:r>
+            <a:r>
+              <a:rPr lang="ko-KR" sz="1800">
+                <a:latin typeface="맑은 고딕" charset="0"/>
+                <a:ea typeface="맑은 고딕" charset="0"/>
+              </a:rPr>
+              <a:t> 설정합니다.</a:t>
+            </a:r>
+            <a:endParaRPr lang="ko-KR" altLang="en-US" sz="1800">
+              <a:latin typeface="맑은 고딕" charset="0"/>
+              <a:ea typeface="맑은 고딕" charset="0"/>
+            </a:endParaRPr>
+          </a:p>
+          <a:p>
+            <a:pPr marL="0" indent="0" rtl="0" algn="l" defTabSz="914400" eaLnBrk="1" latinLnBrk="0" hangingPunct="1">
+              <a:buFontTx/>
+              <a:buNone/>
+            </a:pPr>
+            <a:endParaRPr lang="ko-KR" altLang="en-US" sz="1800">
+              <a:latin typeface="맑은 고딕" charset="0"/>
+              <a:ea typeface="맑은 고딕" charset="0"/>
+            </a:endParaRPr>
+          </a:p>
+          <a:p>
+            <a:pPr marL="0" indent="0" rtl="0" algn="l" defTabSz="914400" eaLnBrk="1" latinLnBrk="0" hangingPunct="1">
+              <a:buFontTx/>
+              <a:buNone/>
+            </a:pPr>
+            <a:r>
+              <a:rPr lang="ko-KR" sz="1800">
+                <a:latin typeface="맑은 고딕" charset="0"/>
+                <a:ea typeface="맑은 고딕" charset="0"/>
+              </a:rPr>
+              <a:t>마지막으로</a:t>
+            </a:r>
+            <a:r>
+              <a:rPr lang="ko-KR" sz="1800">
+                <a:latin typeface="맑은 고딕" charset="0"/>
+                <a:ea typeface="맑은 고딕" charset="0"/>
+              </a:rPr>
+              <a:t> Health 변수에 100 이라는 </a:t>
+            </a:r>
+            <a:r>
+              <a:rPr lang="ko-KR" sz="1800">
+                <a:latin typeface="맑은 고딕" charset="0"/>
+                <a:ea typeface="맑은 고딕" charset="0"/>
+              </a:rPr>
+              <a:t>값을</a:t>
+            </a:r>
+            <a:r>
+              <a:rPr lang="ko-KR" sz="1800">
+                <a:latin typeface="맑은 고딕" charset="0"/>
+                <a:ea typeface="맑은 고딕" charset="0"/>
+              </a:rPr>
+              <a:t> 설정합니다.</a:t>
+            </a:r>
+            <a:endParaRPr lang="ko-KR" altLang="en-US" sz="1800">
+              <a:latin typeface="맑은 고딕" charset="0"/>
+              <a:ea typeface="맑은 고딕" charset="0"/>
+            </a:endParaRPr>
+          </a:p>
+        </p:txBody>
+      </p:sp>
+      <p:pic>
+        <p:nvPicPr>
+          <p:cNvPr id="75" name="그림 11" descr="C:/Users/Admin1/AppData/Roaming/PolarisOffice/ETemp/12928_20234072/fImage109873455436.png"/>
+          <p:cNvPicPr>
+            <a:picLocks noChangeAspect="1"/>
+          </p:cNvPicPr>
+          <p:nvPr/>
+        </p:nvPicPr>
+        <p:blipFill rotWithShape="1">
+          <a:blip r:embed="rId7" cstate="hqprint">
+            <a:extLst>
+              <a:ext uri="{28A0092B-C50C-407E-A947-70E740481C1C}">
+                <a14:useLocalDpi xmlns:a14="http://schemas.microsoft.com/office/drawing/2010/main"/>
+              </a:ext>
+            </a:extLst>
+          </a:blip>
+          <a:stretch>
+            <a:fillRect/>
+          </a:stretch>
+        </p:blipFill>
+        <p:spPr>
+          <a:xfrm rot="0">
+            <a:off x="6830695" y="1438275"/>
+            <a:ext cx="1310005" cy="1400810"/>
+          </a:xfrm>
+          <a:prstGeom prst="roundRect"/>
+          <a:solidFill>
+            <a:srgbClr val="EDEDED"/>
+          </a:solidFill>
+        </p:spPr>
+      </p:pic>
+      <p:pic>
+        <p:nvPicPr>
+          <p:cNvPr id="76" name="그림 12" descr="C:/Users/Admin1/AppData/Roaming/PolarisOffice/ETemp/12928_20234072/fImage148253462391.png"/>
+          <p:cNvPicPr>
+            <a:picLocks noChangeAspect="1"/>
+          </p:cNvPicPr>
+          <p:nvPr/>
+        </p:nvPicPr>
+        <p:blipFill rotWithShape="1">
+          <a:blip r:embed="rId8" cstate="hqprint">
+            <a:extLst>
+              <a:ext uri="{28A0092B-C50C-407E-A947-70E740481C1C}">
+                <a14:useLocalDpi xmlns:a14="http://schemas.microsoft.com/office/drawing/2010/main"/>
+              </a:ext>
+            </a:extLst>
+          </a:blip>
+          <a:stretch>
+            <a:fillRect/>
+          </a:stretch>
+        </p:blipFill>
+        <p:spPr>
+          <a:xfrm rot="0">
+            <a:off x="8277860" y="1430020"/>
+            <a:ext cx="2679700" cy="1369695"/>
+          </a:xfrm>
+          <a:prstGeom prst="roundRect"/>
+          <a:solidFill>
+            <a:srgbClr val="EDEDED"/>
+          </a:solidFill>
+        </p:spPr>
+      </p:pic>
+      <p:cxnSp>
+        <p:nvCxnSpPr>
+          <p:cNvPr id="77" name="도형 13"/>
+          <p:cNvCxnSpPr/>
+          <p:nvPr/>
+        </p:nvCxnSpPr>
+        <p:spPr>
+          <a:xfrm rot="0">
+            <a:off x="7606665" y="2609215"/>
+            <a:ext cx="3281680" cy="52705"/>
+          </a:xfrm>
+          <a:prstGeom prst="straightConnector1"/>
+          <a:ln w="6350" cap="flat" cmpd="sng">
+            <a:prstDash/>
+            <a:tailEnd type="triangle" w="med" len="med"/>
+          </a:ln>
+        </p:spPr>
+        <p:style>
+          <a:lnRef idx="1">
+            <a:schemeClr val="accent1"/>
+          </a:lnRef>
+          <a:fillRef idx="0">
+            <a:schemeClr val="accent1"/>
+          </a:fillRef>
+          <a:effectRef idx="0">
+            <a:schemeClr val="accent1"/>
+          </a:effectRef>
+          <a:fontRef idx="minor">
+            <a:schemeClr val="tx1"/>
+          </a:fontRef>
+        </p:style>
+      </p:cxnSp>
     </p:spTree>
   </p:cSld>
   <p:clrMapOvr>
@@ -16082,7 +15225,7 @@
 </file>
 
 <file path=ppt/slides/slide5.xml><?xml version="1.0" encoding="utf-8"?>
-<p:sld xmlns:a="http://schemas.openxmlformats.org/drawingml/2006/main" xmlns:r="http://schemas.openxmlformats.org/officeDocument/2006/relationships" xmlns:p="http://schemas.openxmlformats.org/presentationml/2006/main">
+<p:sld xmlns:a="http://schemas.openxmlformats.org/drawingml/2006/main" xmlns:r="http://schemas.openxmlformats.org/officeDocument/2006/relationships" xmlns:p="http://schemas.openxmlformats.org/presentationml/2006/main" xmlns:p14="http://schemas.microsoft.com/office/powerpoint/2010/main">
   <p:cSld>
     <p:spTree>
       <p:nvGrpSpPr>
@@ -16447,7 +15590,7 @@
       </p:sp>
       <p:pic>
         <p:nvPicPr>
-          <p:cNvPr id="24" name="Picture " descr="C:/Users/Admin1/AppData/Roaming/PolarisOffice/ETemp/8880_13812856/fImage110713498145.png"/>
+          <p:cNvPr id="24" name="Picture "/>
           <p:cNvPicPr>
             <a:picLocks noChangeAspect="1"/>
           </p:cNvPicPr>
@@ -16478,7 +15621,7 @@
       </p:pic>
       <p:pic>
         <p:nvPicPr>
-          <p:cNvPr id="25" name="Picture " descr="C:/Users/Admin1/AppData/Roaming/PolarisOffice/ETemp/8880_13812856/fImage321093503281.png"/>
+          <p:cNvPr id="25" name="Picture " descr="C:/Users/Admin1/AppData/Roaming/PolarisOffice/ETemp/12928_20234072/fImage321093503281.png"/>
           <p:cNvPicPr>
             <a:picLocks noChangeAspect="1"/>
           </p:cNvPicPr>
@@ -16499,7 +15642,7 @@
         <p:spPr>
           <a:xfrm rot="0">
             <a:off x="1245870" y="1452245"/>
-            <a:ext cx="2731135" cy="3326765"/>
+            <a:ext cx="2731770" cy="3260090"/>
           </a:xfrm>
           <a:prstGeom prst="roundRect"/>
           <a:solidFill>
@@ -16509,7 +15652,7 @@
       </p:pic>
       <p:pic>
         <p:nvPicPr>
-          <p:cNvPr id="26" name="Picture " descr="C:/Users/Admin1/AppData/Roaming/PolarisOffice/ETemp/8880_13812856/fImage126353516827.png"/>
+          <p:cNvPr id="26" name="Picture "/>
           <p:cNvPicPr>
             <a:picLocks noChangeAspect="1"/>
           </p:cNvPicPr>
@@ -16540,7 +15683,7 @@
       </p:pic>
       <p:pic>
         <p:nvPicPr>
-          <p:cNvPr id="27" name="그림 51" descr="C:/Users/Admin1/AppData/Roaming/PolarisOffice/ETemp/8880_13812856/fImage94963559961.png"/>
+          <p:cNvPr id="27" name="그림 51"/>
           <p:cNvPicPr>
             <a:picLocks noChangeAspect="1"/>
           </p:cNvPicPr>
@@ -16571,7 +15714,7 @@
       </p:pic>
       <p:pic>
         <p:nvPicPr>
-          <p:cNvPr id="28" name="그림 55" descr="C:/Users/Admin1/AppData/Roaming/PolarisOffice/ETemp/8880_13812856/fImage224217358491.png"/>
+          <p:cNvPr id="28" name="그림 55"/>
           <p:cNvPicPr>
             <a:picLocks noChangeAspect="1"/>
           </p:cNvPicPr>
@@ -16600,7 +15743,7 @@
       </p:pic>
       <p:pic>
         <p:nvPicPr>
-          <p:cNvPr id="29" name="그림 56" descr="C:/Users/Admin1/AppData/Roaming/PolarisOffice/ETemp/8880_13812856/fImage54801899169.png"/>
+          <p:cNvPr id="29" name="그림 56" descr="C:/Users/Admin1/AppData/Roaming/PolarisOffice/ETemp/12928_20234072/fImage54801899169.png"/>
           <p:cNvPicPr>
             <a:picLocks noChangeAspect="1"/>
           </p:cNvPicPr>
@@ -16620,8 +15763,8 @@
         </p:blipFill>
         <p:spPr>
           <a:xfrm rot="0">
-            <a:off x="8277860" y="3706495"/>
-            <a:ext cx="2676525" cy="1351280"/>
+            <a:off x="8277860" y="3703955"/>
+            <a:ext cx="2677160" cy="1337310"/>
           </a:xfrm>
           <a:prstGeom prst="roundRect"/>
           <a:solidFill>
@@ -16751,17 +15894,17 @@
       </p:sp>
       <p:pic>
         <p:nvPicPr>
-          <p:cNvPr id="31" name="그림 58" descr="C:/Users/Admin1/AppData/Roaming/PolarisOffice/ETemp/8880_13812856/fImage119573612995.png"/>
+          <p:cNvPr id="31" name="그림 58" descr="C:/Users/Admin1/AppData/Roaming/PolarisOffice/ETemp/12928_20234072/fImage119573612995.png"/>
           <p:cNvPicPr>
             <a:picLocks noChangeAspect="1"/>
           </p:cNvPicPr>
           <p:nvPr/>
         </p:nvPicPr>
         <p:blipFill rotWithShape="1">
-          <a:blip r:embed="rId8" cstate="print">
+          <a:blip r:embed="rId8" cstate="hqprint">
             <a:extLst>
               <a:ext uri="{28A0092B-C50C-407E-A947-70E740481C1C}">
-                <a14:useLocalDpi xmlns:a14="http://schemas.microsoft.com/office/drawing/2010/main" val="0"/>
+                <a14:useLocalDpi xmlns:a14="http://schemas.microsoft.com/office/drawing/2010/main"/>
               </a:ext>
             </a:extLst>
           </a:blip>
@@ -16771,8 +15914,8 @@
         </p:blipFill>
         <p:spPr>
           <a:xfrm rot="0">
-            <a:off x="6798945" y="3697605"/>
-            <a:ext cx="1332230" cy="1368425"/>
+            <a:off x="6798945" y="3695065"/>
+            <a:ext cx="1332865" cy="1354455"/>
           </a:xfrm>
           <a:prstGeom prst="roundRect"/>
           <a:solidFill>
